--- a/presentations/Practical Web Dev.pptx
+++ b/presentations/Practical Web Dev.pptx
@@ -5,7 +5,7 @@
     <p:sldMasterId id="2147483648" r:id="rId1"/>
   </p:sldMasterIdLst>
   <p:notesMasterIdLst>
-    <p:notesMasterId r:id="rId17"/>
+    <p:notesMasterId r:id="rId25"/>
   </p:notesMasterIdLst>
   <p:sldIdLst>
     <p:sldId id="256" r:id="rId2"/>
@@ -22,7 +22,15 @@
     <p:sldId id="376" r:id="rId13"/>
     <p:sldId id="374" r:id="rId14"/>
     <p:sldId id="379" r:id="rId15"/>
-    <p:sldId id="377" r:id="rId16"/>
+    <p:sldId id="380" r:id="rId16"/>
+    <p:sldId id="377" r:id="rId17"/>
+    <p:sldId id="383" r:id="rId18"/>
+    <p:sldId id="382" r:id="rId19"/>
+    <p:sldId id="384" r:id="rId20"/>
+    <p:sldId id="385" r:id="rId21"/>
+    <p:sldId id="386" r:id="rId22"/>
+    <p:sldId id="387" r:id="rId23"/>
+    <p:sldId id="381" r:id="rId24"/>
   </p:sldIdLst>
   <p:sldSz cx="12192000" cy="6858000"/>
   <p:notesSz cx="6858000" cy="9144000"/>
@@ -140,7 +148,15 @@
             <p14:sldId id="376"/>
             <p14:sldId id="374"/>
             <p14:sldId id="379"/>
+            <p14:sldId id="380"/>
             <p14:sldId id="377"/>
+            <p14:sldId id="383"/>
+            <p14:sldId id="382"/>
+            <p14:sldId id="384"/>
+            <p14:sldId id="385"/>
+            <p14:sldId id="386"/>
+            <p14:sldId id="387"/>
+            <p14:sldId id="381"/>
           </p14:sldIdLst>
         </p14:section>
         <p14:section name="Untitled Section" id="{C1D0E545-2C7D-473A-832A-0A18554C7EAE}">
@@ -248,7 +264,7 @@
           <a:p>
             <a:fld id="{B53C1D94-E0DD-4250-8C1B-3D8C3DA9B2B6}" type="datetimeFigureOut">
               <a:rPr lang="he-IL" smtClean="0"/>
-              <a:t>ה'/אדר א/תשע"ט</a:t>
+              <a:t>י"ט/אדר א/תשע"ט</a:t>
             </a:fld>
             <a:endParaRPr lang="he-IL"/>
           </a:p>
@@ -2267,11 +2283,103 @@
           <a:bodyPr/>
           <a:lstStyle/>
           <a:p>
+            <a:pPr algn="l" rtl="0"/>
+            <a:r>
+              <a:rPr lang="en-US" b="1" dirty="0">
+                <a:solidFill>
+                  <a:schemeClr val="bg1"/>
+                </a:solidFill>
+              </a:rPr>
+              <a:t>Where TS is inserted in our JS?</a:t>
+            </a:r>
+          </a:p>
+          <a:p>
+            <a:pPr algn="l" rtl="0"/>
+            <a:r>
+              <a:rPr lang="en-US" sz="1200" b="0" i="0" kern="1200" dirty="0">
+                <a:solidFill>
+                  <a:schemeClr val="tx1"/>
+                </a:solidFill>
+                <a:effectLst/>
+                <a:latin typeface="+mn-lt"/>
+                <a:ea typeface="+mn-ea"/>
+                <a:cs typeface="+mn-cs"/>
+              </a:rPr>
+              <a:t>TS is </a:t>
+            </a:r>
+            <a:r>
+              <a:rPr lang="en-US" sz="1200" b="0" i="0" kern="1200" dirty="0" err="1">
+                <a:solidFill>
+                  <a:schemeClr val="tx1"/>
+                </a:solidFill>
+                <a:effectLst/>
+                <a:latin typeface="+mn-lt"/>
+                <a:ea typeface="+mn-ea"/>
+                <a:cs typeface="+mn-cs"/>
+              </a:rPr>
+              <a:t>whrapping</a:t>
+            </a:r>
+            <a:r>
+              <a:rPr lang="en-US" sz="1200" b="0" i="0" kern="1200" dirty="0">
+                <a:solidFill>
+                  <a:schemeClr val="tx1"/>
+                </a:solidFill>
+                <a:effectLst/>
+                <a:latin typeface="+mn-lt"/>
+                <a:ea typeface="+mn-ea"/>
+                <a:cs typeface="+mn-cs"/>
+              </a:rPr>
+              <a:t> our latest </a:t>
+            </a:r>
+            <a:r>
+              <a:rPr lang="en-US" sz="1200" dirty="0">
+                <a:solidFill>
+                  <a:schemeClr val="bg1"/>
+                </a:solidFill>
+              </a:rPr>
+              <a:t>ECMAScript implementation, and also having some features from </a:t>
+            </a:r>
+            <a:r>
+              <a:rPr lang="en-US" sz="1200" dirty="0" err="1">
+                <a:solidFill>
+                  <a:schemeClr val="bg1"/>
+                </a:solidFill>
+              </a:rPr>
+              <a:t>ESNext</a:t>
+            </a:r>
+            <a:r>
+              <a:rPr lang="en-US" sz="1200" dirty="0">
+                <a:solidFill>
+                  <a:schemeClr val="bg1"/>
+                </a:solidFill>
+              </a:rPr>
+              <a:t> and some features (like auto completion) which we don’t have in ECMAScript.</a:t>
+            </a:r>
+          </a:p>
+          <a:p>
+            <a:pPr algn="l" rtl="0"/>
+            <a:r>
+              <a:rPr lang="en-US" sz="1200" dirty="0">
+                <a:solidFill>
+                  <a:schemeClr val="bg1"/>
+                </a:solidFill>
+              </a:rPr>
+              <a:t>Using Babel is for downgrade our code from TS to target ECMAScript version.</a:t>
+            </a:r>
+          </a:p>
+          <a:p>
+            <a:pPr algn="l" rtl="0"/>
+            <a:endParaRPr lang="en-US" dirty="0"/>
+          </a:p>
+          <a:p>
             <a:pPr marL="171450" indent="-171450" algn="l" rtl="0">
               <a:buFontTx/>
               <a:buChar char="-"/>
             </a:pPr>
-            <a:endParaRPr lang="en-US" b="0" dirty="0"/>
+            <a:r>
+              <a:rPr lang="en-US" dirty="0"/>
+              <a:t>https://www.geeksforgeeks.org/difference-between-typescript-and-javascript/</a:t>
+            </a:r>
           </a:p>
         </p:txBody>
       </p:sp>
@@ -2301,7 +2409,3221 @@
     </p:spTree>
     <p:extLst>
       <p:ext uri="{BB962C8B-B14F-4D97-AF65-F5344CB8AC3E}">
+        <p14:creationId xmlns:p14="http://schemas.microsoft.com/office/powerpoint/2010/main" val="2404147824"/>
+      </p:ext>
+    </p:extLst>
+  </p:cSld>
+  <p:clrMapOvr>
+    <a:masterClrMapping/>
+  </p:clrMapOvr>
+</p:notes>
+</file>
+
+<file path=ppt/notesSlides/notesSlide14.xml><?xml version="1.0" encoding="utf-8"?>
+<p:notes xmlns:a="http://schemas.openxmlformats.org/drawingml/2006/main" xmlns:r="http://schemas.openxmlformats.org/officeDocument/2006/relationships" xmlns:p="http://schemas.openxmlformats.org/presentationml/2006/main">
+  <p:cSld>
+    <p:spTree>
+      <p:nvGrpSpPr>
+        <p:cNvPr id="1" name=""/>
+        <p:cNvGrpSpPr/>
+        <p:nvPr/>
+      </p:nvGrpSpPr>
+      <p:grpSpPr>
+        <a:xfrm>
+          <a:off x="0" y="0"/>
+          <a:ext cx="0" cy="0"/>
+          <a:chOff x="0" y="0"/>
+          <a:chExt cx="0" cy="0"/>
+        </a:xfrm>
+      </p:grpSpPr>
+      <p:sp>
+        <p:nvSpPr>
+          <p:cNvPr id="2" name="Slide Image Placeholder 1"/>
+          <p:cNvSpPr>
+            <a:spLocks noGrp="1" noRot="1" noChangeAspect="1"/>
+          </p:cNvSpPr>
+          <p:nvPr>
+            <p:ph type="sldImg"/>
+          </p:nvPr>
+        </p:nvSpPr>
+        <p:spPr/>
+      </p:sp>
+      <p:sp>
+        <p:nvSpPr>
+          <p:cNvPr id="3" name="Notes Placeholder 2"/>
+          <p:cNvSpPr>
+            <a:spLocks noGrp="1"/>
+          </p:cNvSpPr>
+          <p:nvPr>
+            <p:ph type="body" idx="1"/>
+          </p:nvPr>
+        </p:nvSpPr>
+        <p:spPr/>
+        <p:txBody>
+          <a:bodyPr/>
+          <a:lstStyle/>
+          <a:p>
+            <a:pPr algn="l" rtl="0"/>
+            <a:r>
+              <a:rPr lang="en-US" sz="1200" dirty="0">
+                <a:solidFill>
+                  <a:schemeClr val="bg1"/>
+                </a:solidFill>
+              </a:rPr>
+              <a:t>What is </a:t>
+            </a:r>
+            <a:r>
+              <a:rPr lang="en-US" sz="1200" dirty="0" err="1">
+                <a:solidFill>
+                  <a:schemeClr val="bg1"/>
+                </a:solidFill>
+              </a:rPr>
+              <a:t>WebPack</a:t>
+            </a:r>
+            <a:r>
+              <a:rPr lang="en-US" sz="1200" dirty="0">
+                <a:solidFill>
+                  <a:schemeClr val="bg1"/>
+                </a:solidFill>
+              </a:rPr>
+              <a:t>?</a:t>
+            </a:r>
+          </a:p>
+          <a:p>
+            <a:pPr algn="l" rtl="0"/>
+            <a:endParaRPr lang="en-US" sz="1200" b="0" u="none" strike="noStrike" kern="1200" cap="all" dirty="0">
+              <a:solidFill>
+                <a:schemeClr val="tx1"/>
+              </a:solidFill>
+              <a:effectLst/>
+              <a:latin typeface="+mn-lt"/>
+              <a:ea typeface="+mn-ea"/>
+              <a:cs typeface="+mn-cs"/>
+            </a:endParaRPr>
+          </a:p>
+          <a:p>
+            <a:pPr algn="l" rtl="0"/>
+            <a:r>
+              <a:rPr lang="en-US" sz="1200" b="0" i="0" kern="1200" dirty="0">
+                <a:solidFill>
+                  <a:schemeClr val="tx1"/>
+                </a:solidFill>
+                <a:effectLst/>
+                <a:latin typeface="+mn-lt"/>
+                <a:ea typeface="+mn-ea"/>
+                <a:cs typeface="+mn-cs"/>
+              </a:rPr>
+              <a:t>Webpack is a tool that lets you compile JavaScript modules, also known as </a:t>
+            </a:r>
+            <a:r>
+              <a:rPr lang="en-US" sz="1200" b="1" i="0" kern="1200" dirty="0">
+                <a:solidFill>
+                  <a:schemeClr val="tx1"/>
+                </a:solidFill>
+                <a:effectLst/>
+                <a:latin typeface="+mn-lt"/>
+                <a:ea typeface="+mn-ea"/>
+                <a:cs typeface="+mn-cs"/>
+              </a:rPr>
+              <a:t>module bundler</a:t>
+            </a:r>
+            <a:r>
+              <a:rPr lang="en-US" sz="1200" b="0" i="0" kern="1200" dirty="0">
+                <a:solidFill>
+                  <a:schemeClr val="tx1"/>
+                </a:solidFill>
+                <a:effectLst/>
+                <a:latin typeface="+mn-lt"/>
+                <a:ea typeface="+mn-ea"/>
+                <a:cs typeface="+mn-cs"/>
+              </a:rPr>
+              <a:t>.</a:t>
+            </a:r>
+          </a:p>
+          <a:p>
+            <a:pPr algn="l" rtl="0"/>
+            <a:endParaRPr lang="en-US" sz="1200" b="0" i="0" kern="1200" dirty="0">
+              <a:solidFill>
+                <a:schemeClr val="tx1"/>
+              </a:solidFill>
+              <a:effectLst/>
+              <a:latin typeface="+mn-lt"/>
+              <a:ea typeface="+mn-ea"/>
+              <a:cs typeface="+mn-cs"/>
+            </a:endParaRPr>
+          </a:p>
+          <a:p>
+            <a:pPr algn="l" rtl="0"/>
+            <a:r>
+              <a:rPr lang="en-US" sz="1200" b="0" i="0" kern="1200" dirty="0">
+                <a:solidFill>
+                  <a:schemeClr val="tx1"/>
+                </a:solidFill>
+                <a:effectLst/>
+                <a:latin typeface="+mn-lt"/>
+                <a:ea typeface="+mn-ea"/>
+                <a:cs typeface="+mn-cs"/>
+              </a:rPr>
+              <a:t>Given a large number of files, it generates a single file (or a few files) that run your app.</a:t>
+            </a:r>
+          </a:p>
+          <a:p>
+            <a:pPr algn="l" rtl="0"/>
+            <a:endParaRPr lang="en-US" sz="1200" b="0" i="0" kern="1200" dirty="0">
+              <a:solidFill>
+                <a:schemeClr val="tx1"/>
+              </a:solidFill>
+              <a:effectLst/>
+              <a:latin typeface="+mn-lt"/>
+              <a:ea typeface="+mn-ea"/>
+              <a:cs typeface="+mn-cs"/>
+            </a:endParaRPr>
+          </a:p>
+          <a:p>
+            <a:pPr algn="l" rtl="0"/>
+            <a:r>
+              <a:rPr lang="en-US" sz="1200" b="0" i="0" kern="1200" dirty="0">
+                <a:solidFill>
+                  <a:schemeClr val="tx1"/>
+                </a:solidFill>
+                <a:effectLst/>
+                <a:latin typeface="+mn-lt"/>
+                <a:ea typeface="+mn-ea"/>
+                <a:cs typeface="+mn-cs"/>
+              </a:rPr>
+              <a:t>It can perform many operations:</a:t>
+            </a:r>
+          </a:p>
+          <a:p>
+            <a:pPr marL="171450" indent="-171450" algn="l" rtl="0">
+              <a:buFontTx/>
+              <a:buChar char="-"/>
+            </a:pPr>
+            <a:r>
+              <a:rPr lang="en-US" sz="1200" b="0" i="0" kern="1200" dirty="0">
+                <a:solidFill>
+                  <a:schemeClr val="tx1"/>
+                </a:solidFill>
+                <a:effectLst/>
+                <a:latin typeface="+mn-lt"/>
+                <a:ea typeface="+mn-ea"/>
+                <a:cs typeface="+mn-cs"/>
+              </a:rPr>
+              <a:t>helps you bundle your resources.</a:t>
+            </a:r>
+          </a:p>
+          <a:p>
+            <a:pPr marL="171450" indent="-171450" algn="l" rtl="0">
+              <a:buFontTx/>
+              <a:buChar char="-"/>
+            </a:pPr>
+            <a:r>
+              <a:rPr lang="en-US" sz="1200" b="0" i="0" kern="1200" dirty="0" err="1">
+                <a:solidFill>
+                  <a:schemeClr val="tx1"/>
+                </a:solidFill>
+                <a:effectLst/>
+                <a:latin typeface="+mn-lt"/>
+                <a:ea typeface="+mn-ea"/>
+                <a:cs typeface="+mn-cs"/>
+              </a:rPr>
+              <a:t>Chunck</a:t>
+            </a:r>
+            <a:r>
+              <a:rPr lang="en-US" sz="1200" b="0" i="0" kern="1200" dirty="0">
+                <a:solidFill>
+                  <a:schemeClr val="tx1"/>
+                </a:solidFill>
+                <a:effectLst/>
+                <a:latin typeface="+mn-lt"/>
+                <a:ea typeface="+mn-ea"/>
+                <a:cs typeface="+mn-cs"/>
+              </a:rPr>
+              <a:t>/</a:t>
+            </a:r>
+            <a:r>
+              <a:rPr lang="en-US" sz="1200" b="0" i="0" kern="1200" dirty="0" err="1">
+                <a:solidFill>
+                  <a:schemeClr val="tx1"/>
+                </a:solidFill>
+                <a:effectLst/>
+                <a:latin typeface="+mn-lt"/>
+                <a:ea typeface="+mn-ea"/>
+                <a:cs typeface="+mn-cs"/>
+              </a:rPr>
+              <a:t>LazyLoading</a:t>
+            </a:r>
+            <a:r>
+              <a:rPr lang="en-US" sz="1200" b="0" i="0" kern="1200" dirty="0">
+                <a:solidFill>
+                  <a:schemeClr val="tx1"/>
+                </a:solidFill>
+                <a:effectLst/>
+                <a:latin typeface="+mn-lt"/>
+                <a:ea typeface="+mn-ea"/>
+                <a:cs typeface="+mn-cs"/>
+              </a:rPr>
+              <a:t> - can split the output files into multiple files, to avoid having a huge </a:t>
+            </a:r>
+            <a:r>
+              <a:rPr lang="en-US" sz="1200" b="0" i="0" kern="1200" dirty="0" err="1">
+                <a:solidFill>
+                  <a:schemeClr val="tx1"/>
+                </a:solidFill>
+                <a:effectLst/>
+                <a:latin typeface="+mn-lt"/>
+                <a:ea typeface="+mn-ea"/>
+                <a:cs typeface="+mn-cs"/>
+              </a:rPr>
+              <a:t>js</a:t>
+            </a:r>
+            <a:r>
+              <a:rPr lang="en-US" sz="1200" b="0" i="0" kern="1200" dirty="0">
+                <a:solidFill>
+                  <a:schemeClr val="tx1"/>
+                </a:solidFill>
+                <a:effectLst/>
+                <a:latin typeface="+mn-lt"/>
+                <a:ea typeface="+mn-ea"/>
+                <a:cs typeface="+mn-cs"/>
+              </a:rPr>
+              <a:t> file to load in the first page hit.</a:t>
+            </a:r>
+          </a:p>
+          <a:p>
+            <a:pPr marL="171450" indent="-171450" algn="l" rtl="0">
+              <a:buFontTx/>
+              <a:buChar char="-"/>
+            </a:pPr>
+            <a:r>
+              <a:rPr lang="en-US" sz="1200" b="0" i="0" kern="1200" dirty="0">
+                <a:solidFill>
+                  <a:schemeClr val="tx1"/>
+                </a:solidFill>
+                <a:effectLst/>
+                <a:latin typeface="+mn-lt"/>
+                <a:ea typeface="+mn-ea"/>
+                <a:cs typeface="+mn-cs"/>
+              </a:rPr>
+              <a:t>can perform </a:t>
+            </a:r>
+            <a:r>
+              <a:rPr lang="en-US" sz="1200" b="1" i="0" u="none" strike="noStrike" kern="1200" dirty="0">
+                <a:solidFill>
+                  <a:schemeClr val="tx1"/>
+                </a:solidFill>
+                <a:effectLst/>
+                <a:latin typeface="+mn-lt"/>
+                <a:ea typeface="+mn-ea"/>
+                <a:cs typeface="+mn-cs"/>
+                <a:hlinkClick r:id="rId3"/>
+              </a:rPr>
+              <a:t>tree shaking</a:t>
+            </a:r>
+            <a:r>
+              <a:rPr lang="en-US" sz="1200" b="0" i="0" kern="1200" dirty="0">
+                <a:solidFill>
+                  <a:schemeClr val="tx1"/>
+                </a:solidFill>
+                <a:effectLst/>
+                <a:latin typeface="+mn-lt"/>
+                <a:ea typeface="+mn-ea"/>
+                <a:cs typeface="+mn-cs"/>
+              </a:rPr>
+              <a:t>.</a:t>
+            </a:r>
+          </a:p>
+          <a:p>
+            <a:pPr marL="171450" indent="-171450" algn="l" rtl="0">
+              <a:buFontTx/>
+              <a:buChar char="-"/>
+            </a:pPr>
+            <a:r>
+              <a:rPr lang="en-US" sz="1200" b="0" i="0" kern="1200" dirty="0">
+                <a:solidFill>
+                  <a:schemeClr val="tx1"/>
+                </a:solidFill>
+                <a:effectLst/>
+                <a:latin typeface="+mn-lt"/>
+                <a:ea typeface="+mn-ea"/>
+                <a:cs typeface="+mn-cs"/>
+              </a:rPr>
+              <a:t>watches for changes and re-runs the tasks.</a:t>
+            </a:r>
+          </a:p>
+          <a:p>
+            <a:pPr marL="171450" indent="-171450" algn="l" rtl="0">
+              <a:buFontTx/>
+              <a:buChar char="-"/>
+            </a:pPr>
+            <a:r>
+              <a:rPr lang="en-US" sz="1200" b="0" i="0" kern="1200" dirty="0">
+                <a:solidFill>
+                  <a:schemeClr val="tx1"/>
+                </a:solidFill>
+                <a:effectLst/>
+                <a:latin typeface="+mn-lt"/>
+                <a:ea typeface="+mn-ea"/>
+                <a:cs typeface="+mn-cs"/>
+              </a:rPr>
+              <a:t>can run Babel </a:t>
+            </a:r>
+            <a:r>
+              <a:rPr lang="en-US" sz="1200" b="0" i="0" kern="1200" dirty="0" err="1">
+                <a:solidFill>
+                  <a:schemeClr val="tx1"/>
+                </a:solidFill>
+                <a:effectLst/>
+                <a:latin typeface="+mn-lt"/>
+                <a:ea typeface="+mn-ea"/>
+                <a:cs typeface="+mn-cs"/>
+              </a:rPr>
+              <a:t>transpilation</a:t>
+            </a:r>
+            <a:r>
+              <a:rPr lang="en-US" sz="1200" b="0" i="0" kern="1200" dirty="0">
+                <a:solidFill>
+                  <a:schemeClr val="tx1"/>
+                </a:solidFill>
+                <a:effectLst/>
+                <a:latin typeface="+mn-lt"/>
+                <a:ea typeface="+mn-ea"/>
+                <a:cs typeface="+mn-cs"/>
+              </a:rPr>
+              <a:t> to ES5, allowing you to use the latest </a:t>
+            </a:r>
+            <a:r>
+              <a:rPr lang="en-US" sz="1200" b="0" i="0" u="none" strike="noStrike" kern="1200" dirty="0">
+                <a:solidFill>
+                  <a:schemeClr val="tx1"/>
+                </a:solidFill>
+                <a:effectLst/>
+                <a:latin typeface="+mn-lt"/>
+                <a:ea typeface="+mn-ea"/>
+                <a:cs typeface="+mn-cs"/>
+                <a:hlinkClick r:id="rId4"/>
+              </a:rPr>
+              <a:t>JavaScript</a:t>
+            </a:r>
+            <a:r>
+              <a:rPr lang="en-US" sz="1200" b="0" i="0" kern="1200" dirty="0">
+                <a:solidFill>
+                  <a:schemeClr val="tx1"/>
+                </a:solidFill>
+                <a:effectLst/>
+                <a:latin typeface="+mn-lt"/>
+                <a:ea typeface="+mn-ea"/>
+                <a:cs typeface="+mn-cs"/>
+              </a:rPr>
+              <a:t> features without worrying about browser support. </a:t>
+            </a:r>
+          </a:p>
+          <a:p>
+            <a:pPr marL="171450" indent="-171450" algn="l" rtl="0">
+              <a:buFontTx/>
+              <a:buChar char="-"/>
+            </a:pPr>
+            <a:r>
+              <a:rPr lang="en-US" sz="1200" b="0" i="0" kern="1200" dirty="0">
+                <a:solidFill>
+                  <a:schemeClr val="tx1"/>
+                </a:solidFill>
+                <a:effectLst/>
+                <a:latin typeface="+mn-lt"/>
+                <a:ea typeface="+mn-ea"/>
+                <a:cs typeface="+mn-cs"/>
+              </a:rPr>
+              <a:t>can convert inline images to data URIs.</a:t>
+            </a:r>
+          </a:p>
+          <a:p>
+            <a:pPr marL="171450" indent="-171450" algn="l" rtl="0">
+              <a:buFontTx/>
+              <a:buChar char="-"/>
+            </a:pPr>
+            <a:r>
+              <a:rPr lang="en-US" sz="1200" b="0" i="0" kern="1200" dirty="0">
+                <a:solidFill>
+                  <a:schemeClr val="tx1"/>
+                </a:solidFill>
+                <a:effectLst/>
+                <a:latin typeface="+mn-lt"/>
+                <a:ea typeface="+mn-ea"/>
+                <a:cs typeface="+mn-cs"/>
+              </a:rPr>
+              <a:t>allows you to use require() for CSS files.</a:t>
+            </a:r>
+          </a:p>
+          <a:p>
+            <a:pPr marL="171450" indent="-171450" algn="l" rtl="0">
+              <a:buFontTx/>
+              <a:buChar char="-"/>
+            </a:pPr>
+            <a:r>
+              <a:rPr lang="en-US" sz="1200" b="0" i="0" kern="1200" dirty="0">
+                <a:solidFill>
+                  <a:schemeClr val="tx1"/>
+                </a:solidFill>
+                <a:effectLst/>
+                <a:latin typeface="+mn-lt"/>
+                <a:ea typeface="+mn-ea"/>
+                <a:cs typeface="+mn-cs"/>
+              </a:rPr>
+              <a:t>can run a development webserver.</a:t>
+            </a:r>
+          </a:p>
+          <a:p>
+            <a:pPr marL="171450" indent="-171450" algn="l" rtl="0">
+              <a:buFontTx/>
+              <a:buChar char="-"/>
+            </a:pPr>
+            <a:r>
+              <a:rPr lang="en-US" sz="1200" b="0" i="0" kern="1200" dirty="0">
+                <a:solidFill>
+                  <a:schemeClr val="tx1"/>
+                </a:solidFill>
+                <a:effectLst/>
+                <a:latin typeface="+mn-lt"/>
+                <a:ea typeface="+mn-ea"/>
+                <a:cs typeface="+mn-cs"/>
+              </a:rPr>
+              <a:t>HMR - can handle hot module replacement.</a:t>
+            </a:r>
+          </a:p>
+          <a:p>
+            <a:pPr marL="171450" indent="-171450" algn="l" rtl="0">
+              <a:buFontTx/>
+              <a:buChar char="-"/>
+            </a:pPr>
+            <a:endParaRPr lang="en-US" sz="1200" b="0" i="0" kern="1200" dirty="0">
+              <a:solidFill>
+                <a:schemeClr val="tx1"/>
+              </a:solidFill>
+              <a:effectLst/>
+              <a:latin typeface="+mn-lt"/>
+              <a:ea typeface="+mn-ea"/>
+              <a:cs typeface="+mn-cs"/>
+            </a:endParaRPr>
+          </a:p>
+          <a:p>
+            <a:pPr marL="171450" indent="-171450" algn="l" rtl="0">
+              <a:buFontTx/>
+              <a:buChar char="-"/>
+            </a:pPr>
+            <a:endParaRPr lang="en-US" sz="1200" b="0" i="0" kern="1200" dirty="0">
+              <a:solidFill>
+                <a:schemeClr val="tx1"/>
+              </a:solidFill>
+              <a:effectLst/>
+              <a:latin typeface="+mn-lt"/>
+              <a:ea typeface="+mn-ea"/>
+              <a:cs typeface="+mn-cs"/>
+            </a:endParaRPr>
+          </a:p>
+          <a:p>
+            <a:pPr marL="171450" indent="-171450" algn="l" rtl="0">
+              <a:buFontTx/>
+              <a:buChar char="-"/>
+            </a:pPr>
+            <a:endParaRPr lang="en-US" sz="1200" b="0" i="0" kern="1200" dirty="0">
+              <a:solidFill>
+                <a:schemeClr val="tx1"/>
+              </a:solidFill>
+              <a:effectLst/>
+              <a:latin typeface="+mn-lt"/>
+              <a:ea typeface="+mn-ea"/>
+              <a:cs typeface="+mn-cs"/>
+            </a:endParaRPr>
+          </a:p>
+          <a:p>
+            <a:pPr marL="171450" indent="-171450" algn="l" rtl="0">
+              <a:buFontTx/>
+              <a:buChar char="-"/>
+            </a:pPr>
+            <a:endParaRPr lang="en-US" sz="1200" b="0" i="0" kern="1200" dirty="0">
+              <a:solidFill>
+                <a:schemeClr val="tx1"/>
+              </a:solidFill>
+              <a:effectLst/>
+              <a:latin typeface="+mn-lt"/>
+              <a:ea typeface="+mn-ea"/>
+              <a:cs typeface="+mn-cs"/>
+            </a:endParaRPr>
+          </a:p>
+          <a:p>
+            <a:pPr marL="171450" indent="-171450" algn="l" rtl="0">
+              <a:buFontTx/>
+              <a:buChar char="-"/>
+            </a:pPr>
+            <a:endParaRPr lang="en-US" sz="1200" b="0" i="0" kern="1200" dirty="0">
+              <a:solidFill>
+                <a:schemeClr val="tx1"/>
+              </a:solidFill>
+              <a:effectLst/>
+              <a:latin typeface="+mn-lt"/>
+              <a:ea typeface="+mn-ea"/>
+              <a:cs typeface="+mn-cs"/>
+            </a:endParaRPr>
+          </a:p>
+          <a:p>
+            <a:pPr marL="171450" indent="-171450" algn="l" rtl="0">
+              <a:buFontTx/>
+              <a:buChar char="-"/>
+            </a:pPr>
+            <a:endParaRPr lang="en-US" sz="1200" b="0" i="0" kern="1200" dirty="0">
+              <a:solidFill>
+                <a:schemeClr val="tx1"/>
+              </a:solidFill>
+              <a:effectLst/>
+              <a:latin typeface="+mn-lt"/>
+              <a:ea typeface="+mn-ea"/>
+              <a:cs typeface="+mn-cs"/>
+            </a:endParaRPr>
+          </a:p>
+          <a:p>
+            <a:pPr marL="171450" indent="-171450" algn="l" rtl="0">
+              <a:buFontTx/>
+              <a:buChar char="-"/>
+            </a:pPr>
+            <a:r>
+              <a:rPr lang="en-US" sz="1200" b="0" i="0" kern="1200" dirty="0">
+                <a:solidFill>
+                  <a:schemeClr val="tx1"/>
+                </a:solidFill>
+                <a:effectLst/>
+                <a:latin typeface="+mn-lt"/>
+                <a:ea typeface="+mn-ea"/>
+                <a:cs typeface="+mn-cs"/>
+              </a:rPr>
+              <a:t>https://flaviocopes.com/webpack/</a:t>
+            </a:r>
+            <a:endParaRPr lang="en-US" sz="1200" b="0" u="none" strike="noStrike" kern="1200" cap="all" dirty="0">
+              <a:solidFill>
+                <a:schemeClr val="tx1"/>
+              </a:solidFill>
+              <a:effectLst/>
+              <a:latin typeface="+mn-lt"/>
+              <a:ea typeface="+mn-ea"/>
+              <a:cs typeface="+mn-cs"/>
+            </a:endParaRPr>
+          </a:p>
+        </p:txBody>
+      </p:sp>
+      <p:sp>
+        <p:nvSpPr>
+          <p:cNvPr id="4" name="Slide Number Placeholder 3"/>
+          <p:cNvSpPr>
+            <a:spLocks noGrp="1"/>
+          </p:cNvSpPr>
+          <p:nvPr>
+            <p:ph type="sldNum" sz="quarter" idx="10"/>
+          </p:nvPr>
+        </p:nvSpPr>
+        <p:spPr/>
+        <p:txBody>
+          <a:bodyPr/>
+          <a:lstStyle/>
+          <a:p>
+            <a:fld id="{595D0871-5AD0-4670-BDA8-FBE649F625DD}" type="slidenum">
+              <a:rPr lang="he-IL" smtClean="0"/>
+              <a:t>16</a:t>
+            </a:fld>
+            <a:endParaRPr lang="he-IL"/>
+          </a:p>
+        </p:txBody>
+      </p:sp>
+    </p:spTree>
+    <p:extLst>
+      <p:ext uri="{BB962C8B-B14F-4D97-AF65-F5344CB8AC3E}">
         <p14:creationId xmlns:p14="http://schemas.microsoft.com/office/powerpoint/2010/main" val="2767432236"/>
+      </p:ext>
+    </p:extLst>
+  </p:cSld>
+  <p:clrMapOvr>
+    <a:masterClrMapping/>
+  </p:clrMapOvr>
+</p:notes>
+</file>
+
+<file path=ppt/notesSlides/notesSlide15.xml><?xml version="1.0" encoding="utf-8"?>
+<p:notes xmlns:a="http://schemas.openxmlformats.org/drawingml/2006/main" xmlns:r="http://schemas.openxmlformats.org/officeDocument/2006/relationships" xmlns:p="http://schemas.openxmlformats.org/presentationml/2006/main">
+  <p:cSld>
+    <p:spTree>
+      <p:nvGrpSpPr>
+        <p:cNvPr id="1" name=""/>
+        <p:cNvGrpSpPr/>
+        <p:nvPr/>
+      </p:nvGrpSpPr>
+      <p:grpSpPr>
+        <a:xfrm>
+          <a:off x="0" y="0"/>
+          <a:ext cx="0" cy="0"/>
+          <a:chOff x="0" y="0"/>
+          <a:chExt cx="0" cy="0"/>
+        </a:xfrm>
+      </p:grpSpPr>
+      <p:sp>
+        <p:nvSpPr>
+          <p:cNvPr id="2" name="Slide Image Placeholder 1"/>
+          <p:cNvSpPr>
+            <a:spLocks noGrp="1" noRot="1" noChangeAspect="1"/>
+          </p:cNvSpPr>
+          <p:nvPr>
+            <p:ph type="sldImg"/>
+          </p:nvPr>
+        </p:nvSpPr>
+        <p:spPr/>
+      </p:sp>
+      <p:sp>
+        <p:nvSpPr>
+          <p:cNvPr id="3" name="Notes Placeholder 2"/>
+          <p:cNvSpPr>
+            <a:spLocks noGrp="1"/>
+          </p:cNvSpPr>
+          <p:nvPr>
+            <p:ph type="body" idx="1"/>
+          </p:nvPr>
+        </p:nvSpPr>
+        <p:spPr/>
+        <p:txBody>
+          <a:bodyPr/>
+          <a:lstStyle/>
+          <a:p>
+            <a:pPr algn="l" rtl="0"/>
+            <a:r>
+              <a:rPr lang="en-US" sz="1200" b="0" i="0" kern="1200" dirty="0">
+                <a:solidFill>
+                  <a:schemeClr val="tx1"/>
+                </a:solidFill>
+                <a:effectLst/>
+                <a:latin typeface="+mn-lt"/>
+                <a:ea typeface="+mn-ea"/>
+                <a:cs typeface="+mn-cs"/>
+              </a:rPr>
+              <a:t>There are lots of similarities in what those and Webpack can do,</a:t>
+            </a:r>
+          </a:p>
+          <a:p>
+            <a:pPr algn="l" rtl="0"/>
+            <a:r>
+              <a:rPr lang="en-US" sz="1200" b="0" i="0" kern="1200" dirty="0">
+                <a:solidFill>
+                  <a:schemeClr val="tx1"/>
+                </a:solidFill>
+                <a:effectLst/>
+                <a:latin typeface="+mn-lt"/>
+                <a:ea typeface="+mn-ea"/>
+                <a:cs typeface="+mn-cs"/>
+              </a:rPr>
+              <a:t>but the main difference is that those are known as </a:t>
+            </a:r>
+            <a:r>
+              <a:rPr lang="en-US" sz="1200" b="1" i="0" kern="1200" dirty="0">
+                <a:solidFill>
+                  <a:schemeClr val="tx1"/>
+                </a:solidFill>
+                <a:effectLst/>
+                <a:latin typeface="+mn-lt"/>
+                <a:ea typeface="+mn-ea"/>
+                <a:cs typeface="+mn-cs"/>
+              </a:rPr>
+              <a:t>task runners</a:t>
+            </a:r>
+            <a:r>
+              <a:rPr lang="en-US" sz="1200" b="0" i="0" kern="1200" dirty="0">
+                <a:solidFill>
+                  <a:schemeClr val="tx1"/>
+                </a:solidFill>
+                <a:effectLst/>
+                <a:latin typeface="+mn-lt"/>
+                <a:ea typeface="+mn-ea"/>
+                <a:cs typeface="+mn-cs"/>
+              </a:rPr>
+              <a:t>, while webpack was born as a module bundler.</a:t>
+            </a:r>
+          </a:p>
+          <a:p>
+            <a:pPr algn="l" rtl="0"/>
+            <a:endParaRPr lang="en-US" sz="1200" b="0" i="0" kern="1200" dirty="0">
+              <a:solidFill>
+                <a:schemeClr val="tx1"/>
+              </a:solidFill>
+              <a:effectLst/>
+              <a:latin typeface="+mn-lt"/>
+              <a:ea typeface="+mn-ea"/>
+              <a:cs typeface="+mn-cs"/>
+            </a:endParaRPr>
+          </a:p>
+          <a:p>
+            <a:pPr algn="l" rtl="0"/>
+            <a:r>
+              <a:rPr lang="en-US" sz="1200" b="0" i="0" kern="1200" dirty="0">
+                <a:solidFill>
+                  <a:schemeClr val="tx1"/>
+                </a:solidFill>
+                <a:effectLst/>
+                <a:latin typeface="+mn-lt"/>
+                <a:ea typeface="+mn-ea"/>
+                <a:cs typeface="+mn-cs"/>
+              </a:rPr>
+              <a:t>It’s a more focused tool: you specify an entry point to your app (it could even be an HTML file with script tags) and webpack analyzes the files and bundles all you need to run the app in a single JavaScript output file (or in more files if you use code splitting).</a:t>
+            </a:r>
+          </a:p>
+          <a:p>
+            <a:pPr algn="l" rtl="0"/>
+            <a:endParaRPr lang="en-US" sz="1200" b="0" i="0" kern="1200" dirty="0">
+              <a:solidFill>
+                <a:schemeClr val="tx1"/>
+              </a:solidFill>
+              <a:effectLst/>
+              <a:latin typeface="+mn-lt"/>
+              <a:ea typeface="+mn-ea"/>
+              <a:cs typeface="+mn-cs"/>
+            </a:endParaRPr>
+          </a:p>
+          <a:p>
+            <a:pPr algn="l" rtl="0"/>
+            <a:endParaRPr lang="en-US" sz="1200" b="0" i="0" kern="1200" dirty="0">
+              <a:solidFill>
+                <a:schemeClr val="tx1"/>
+              </a:solidFill>
+              <a:effectLst/>
+              <a:latin typeface="+mn-lt"/>
+              <a:ea typeface="+mn-ea"/>
+              <a:cs typeface="+mn-cs"/>
+            </a:endParaRPr>
+          </a:p>
+          <a:p>
+            <a:pPr marL="171450" indent="-171450" algn="l" rtl="0">
+              <a:buFontTx/>
+              <a:buChar char="-"/>
+            </a:pPr>
+            <a:r>
+              <a:rPr lang="en-US" sz="1200" b="0" i="0" kern="1200" dirty="0">
+                <a:solidFill>
+                  <a:schemeClr val="tx1"/>
+                </a:solidFill>
+                <a:effectLst/>
+                <a:latin typeface="+mn-lt"/>
+                <a:ea typeface="+mn-ea"/>
+                <a:cs typeface="+mn-cs"/>
+              </a:rPr>
+              <a:t>https://flaviocopes.com/webpack/</a:t>
+            </a:r>
+          </a:p>
+          <a:p>
+            <a:pPr marL="171450" indent="-171450" algn="l" rtl="0">
+              <a:buFontTx/>
+              <a:buChar char="-"/>
+            </a:pPr>
+            <a:r>
+              <a:rPr lang="en-US" sz="1200" b="0" i="0" kern="1200" dirty="0">
+                <a:solidFill>
+                  <a:schemeClr val="tx1"/>
+                </a:solidFill>
+                <a:effectLst/>
+                <a:latin typeface="+mn-lt"/>
+                <a:ea typeface="+mn-ea"/>
+                <a:cs typeface="+mn-cs"/>
+              </a:rPr>
+              <a:t>https://da-14.com/blog/gulp-vs-grunt-vs-webpack-comparison-build-tools-task-runners</a:t>
+            </a:r>
+          </a:p>
+          <a:p>
+            <a:pPr marL="171450" indent="-171450" algn="l" rtl="0">
+              <a:buFontTx/>
+              <a:buChar char="-"/>
+            </a:pPr>
+            <a:endParaRPr lang="en-US" sz="1200" b="0" i="0" kern="1200" dirty="0">
+              <a:solidFill>
+                <a:schemeClr val="tx1"/>
+              </a:solidFill>
+              <a:effectLst/>
+              <a:latin typeface="+mn-lt"/>
+              <a:ea typeface="+mn-ea"/>
+              <a:cs typeface="+mn-cs"/>
+            </a:endParaRPr>
+          </a:p>
+        </p:txBody>
+      </p:sp>
+      <p:sp>
+        <p:nvSpPr>
+          <p:cNvPr id="4" name="Slide Number Placeholder 3"/>
+          <p:cNvSpPr>
+            <a:spLocks noGrp="1"/>
+          </p:cNvSpPr>
+          <p:nvPr>
+            <p:ph type="sldNum" sz="quarter" idx="10"/>
+          </p:nvPr>
+        </p:nvSpPr>
+        <p:spPr/>
+        <p:txBody>
+          <a:bodyPr/>
+          <a:lstStyle/>
+          <a:p>
+            <a:fld id="{595D0871-5AD0-4670-BDA8-FBE649F625DD}" type="slidenum">
+              <a:rPr lang="he-IL" smtClean="0"/>
+              <a:t>17</a:t>
+            </a:fld>
+            <a:endParaRPr lang="he-IL"/>
+          </a:p>
+        </p:txBody>
+      </p:sp>
+    </p:spTree>
+    <p:extLst>
+      <p:ext uri="{BB962C8B-B14F-4D97-AF65-F5344CB8AC3E}">
+        <p14:creationId xmlns:p14="http://schemas.microsoft.com/office/powerpoint/2010/main" val="879785727"/>
+      </p:ext>
+    </p:extLst>
+  </p:cSld>
+  <p:clrMapOvr>
+    <a:masterClrMapping/>
+  </p:clrMapOvr>
+</p:notes>
+</file>
+
+<file path=ppt/notesSlides/notesSlide16.xml><?xml version="1.0" encoding="utf-8"?>
+<p:notes xmlns:a="http://schemas.openxmlformats.org/drawingml/2006/main" xmlns:r="http://schemas.openxmlformats.org/officeDocument/2006/relationships" xmlns:p="http://schemas.openxmlformats.org/presentationml/2006/main">
+  <p:cSld>
+    <p:spTree>
+      <p:nvGrpSpPr>
+        <p:cNvPr id="1" name=""/>
+        <p:cNvGrpSpPr/>
+        <p:nvPr/>
+      </p:nvGrpSpPr>
+      <p:grpSpPr>
+        <a:xfrm>
+          <a:off x="0" y="0"/>
+          <a:ext cx="0" cy="0"/>
+          <a:chOff x="0" y="0"/>
+          <a:chExt cx="0" cy="0"/>
+        </a:xfrm>
+      </p:grpSpPr>
+      <p:sp>
+        <p:nvSpPr>
+          <p:cNvPr id="2" name="Slide Image Placeholder 1"/>
+          <p:cNvSpPr>
+            <a:spLocks noGrp="1" noRot="1" noChangeAspect="1"/>
+          </p:cNvSpPr>
+          <p:nvPr>
+            <p:ph type="sldImg"/>
+          </p:nvPr>
+        </p:nvSpPr>
+        <p:spPr/>
+      </p:sp>
+      <p:sp>
+        <p:nvSpPr>
+          <p:cNvPr id="3" name="Notes Placeholder 2"/>
+          <p:cNvSpPr>
+            <a:spLocks noGrp="1"/>
+          </p:cNvSpPr>
+          <p:nvPr>
+            <p:ph type="body" idx="1"/>
+          </p:nvPr>
+        </p:nvSpPr>
+        <p:spPr/>
+        <p:txBody>
+          <a:bodyPr/>
+          <a:lstStyle/>
+          <a:p>
+            <a:pPr algn="l" rtl="0"/>
+            <a:r>
+              <a:rPr lang="en-US" sz="1200" b="0" u="none" strike="noStrike" kern="1200" cap="all" dirty="0">
+                <a:solidFill>
+                  <a:schemeClr val="tx1"/>
+                </a:solidFill>
+                <a:effectLst/>
+                <a:latin typeface="+mn-lt"/>
+                <a:ea typeface="+mn-ea"/>
+                <a:cs typeface="+mn-cs"/>
+                <a:hlinkClick r:id="rId3"/>
+              </a:rPr>
+              <a:t>WHAT IS AN EVERGREEN BROWSER?</a:t>
+            </a:r>
+          </a:p>
+          <a:p>
+            <a:pPr algn="l" rtl="0"/>
+            <a:endParaRPr lang="en-US" sz="1200" b="0" u="none" strike="noStrike" kern="1200" cap="all" dirty="0">
+              <a:solidFill>
+                <a:schemeClr val="tx1"/>
+              </a:solidFill>
+              <a:effectLst/>
+              <a:latin typeface="+mn-lt"/>
+              <a:ea typeface="+mn-ea"/>
+              <a:cs typeface="+mn-cs"/>
+              <a:hlinkClick r:id="rId3"/>
+            </a:endParaRPr>
+          </a:p>
+          <a:p>
+            <a:pPr algn="l"/>
+            <a:r>
+              <a:rPr lang="en-US" sz="1200" b="0" i="0" kern="1200" dirty="0">
+                <a:solidFill>
+                  <a:schemeClr val="tx1"/>
+                </a:solidFill>
+                <a:effectLst/>
+                <a:latin typeface="+mn-lt"/>
+                <a:ea typeface="+mn-ea"/>
+                <a:cs typeface="+mn-cs"/>
+              </a:rPr>
+              <a:t>The term "evergreen" refers to the release strategy. Evergreen browsers are updated frequently (</a:t>
+            </a:r>
+            <a:r>
+              <a:rPr lang="en-US" sz="1200" b="0" i="0" u="none" strike="noStrike" kern="1200" dirty="0">
+                <a:solidFill>
+                  <a:schemeClr val="tx1"/>
+                </a:solidFill>
+                <a:effectLst/>
+                <a:latin typeface="+mn-lt"/>
+                <a:ea typeface="+mn-ea"/>
+                <a:cs typeface="+mn-cs"/>
+                <a:hlinkClick r:id="rId4"/>
+              </a:rPr>
+              <a:t>Microsoft Edge Changelog</a:t>
+            </a:r>
+            <a:r>
+              <a:rPr lang="en-US" sz="1200" b="0" i="0" kern="1200" dirty="0">
+                <a:solidFill>
+                  <a:schemeClr val="tx1"/>
+                </a:solidFill>
+                <a:effectLst/>
+                <a:latin typeface="+mn-lt"/>
+                <a:ea typeface="+mn-ea"/>
+                <a:cs typeface="+mn-cs"/>
+              </a:rPr>
+              <a:t>, </a:t>
+            </a:r>
+            <a:r>
+              <a:rPr lang="en-US" sz="1200" b="0" i="0" u="none" strike="noStrike" kern="1200" dirty="0">
+                <a:solidFill>
+                  <a:schemeClr val="tx1"/>
+                </a:solidFill>
+                <a:effectLst/>
+                <a:latin typeface="+mn-lt"/>
+                <a:ea typeface="+mn-ea"/>
+                <a:cs typeface="+mn-cs"/>
+                <a:hlinkClick r:id="rId5"/>
+              </a:rPr>
+              <a:t>Firefox Release Calendar</a:t>
+            </a:r>
+            <a:r>
+              <a:rPr lang="en-US" sz="1200" b="0" i="0" kern="1200" dirty="0">
+                <a:solidFill>
+                  <a:schemeClr val="tx1"/>
+                </a:solidFill>
+                <a:effectLst/>
+                <a:latin typeface="+mn-lt"/>
+                <a:ea typeface="+mn-ea"/>
+                <a:cs typeface="+mn-cs"/>
+              </a:rPr>
+              <a:t>, </a:t>
+            </a:r>
+            <a:r>
+              <a:rPr lang="en-US" sz="1200" b="0" i="0" u="none" strike="noStrike" kern="1200" dirty="0">
+                <a:solidFill>
+                  <a:schemeClr val="tx1"/>
+                </a:solidFill>
+                <a:effectLst/>
+                <a:latin typeface="+mn-lt"/>
+                <a:ea typeface="+mn-ea"/>
+                <a:cs typeface="+mn-cs"/>
+                <a:hlinkClick r:id="rId6"/>
+              </a:rPr>
+              <a:t>Chrome Release Schedule</a:t>
+            </a:r>
+            <a:r>
+              <a:rPr lang="en-US" sz="1200" b="0" i="0" kern="1200" dirty="0">
+                <a:solidFill>
+                  <a:schemeClr val="tx1"/>
+                </a:solidFill>
+                <a:effectLst/>
+                <a:latin typeface="+mn-lt"/>
+                <a:ea typeface="+mn-ea"/>
+                <a:cs typeface="+mn-cs"/>
+              </a:rPr>
+              <a:t>) in background, constantly updating their compliance with </a:t>
+            </a:r>
+            <a:r>
+              <a:rPr lang="en-US" sz="1200" b="0" i="0" u="none" strike="noStrike" kern="1200" dirty="0">
+                <a:solidFill>
+                  <a:schemeClr val="tx1"/>
+                </a:solidFill>
+                <a:effectLst/>
+                <a:latin typeface="+mn-lt"/>
+                <a:ea typeface="+mn-ea"/>
+                <a:cs typeface="+mn-cs"/>
+                <a:hlinkClick r:id="rId7"/>
+              </a:rPr>
+              <a:t>Web Standards</a:t>
+            </a:r>
+            <a:r>
+              <a:rPr lang="en-US" sz="1200" b="0" i="0" kern="1200" dirty="0">
+                <a:solidFill>
+                  <a:schemeClr val="tx1"/>
+                </a:solidFill>
+                <a:effectLst/>
+                <a:latin typeface="+mn-lt"/>
+                <a:ea typeface="+mn-ea"/>
+                <a:cs typeface="+mn-cs"/>
+              </a:rPr>
+              <a:t> and also adding proprietary features.</a:t>
+            </a:r>
+          </a:p>
+          <a:p>
+            <a:pPr marL="0" indent="0" algn="l" rtl="0">
+              <a:buFontTx/>
+              <a:buNone/>
+            </a:pPr>
+            <a:endParaRPr lang="en-US" b="0" dirty="0"/>
+          </a:p>
+          <a:p>
+            <a:pPr marL="0" indent="0" algn="l" rtl="0">
+              <a:buFontTx/>
+              <a:buNone/>
+            </a:pPr>
+            <a:r>
+              <a:rPr lang="en-US" b="0" dirty="0"/>
+              <a:t>Edge, Chrome, FF, Safari are supported by evergreen</a:t>
+            </a:r>
+          </a:p>
+          <a:p>
+            <a:pPr marL="0" indent="0" algn="l" rtl="0">
+              <a:buFontTx/>
+              <a:buNone/>
+            </a:pPr>
+            <a:r>
+              <a:rPr lang="en-US" b="0" dirty="0"/>
+              <a:t>IE11 - </a:t>
+            </a:r>
+            <a:r>
+              <a:rPr lang="en-US" sz="1200" b="0" i="0" kern="1200" dirty="0">
+                <a:solidFill>
+                  <a:schemeClr val="tx1"/>
+                </a:solidFill>
+                <a:effectLst/>
+                <a:latin typeface="+mn-lt"/>
+                <a:ea typeface="+mn-ea"/>
+                <a:cs typeface="+mn-cs"/>
+              </a:rPr>
+              <a:t> Microsoft does not support it because it’s going to be dead soon so it’s not ever green and will have slow upgrades.</a:t>
+            </a:r>
+            <a:endParaRPr lang="en-US" b="0" dirty="0"/>
+          </a:p>
+          <a:p>
+            <a:pPr marL="0" indent="0" algn="l" rtl="0">
+              <a:buFontTx/>
+              <a:buNone/>
+            </a:pPr>
+            <a:r>
+              <a:rPr lang="en-US" b="0" dirty="0"/>
+              <a:t>IE10 – don’t have at all any updates</a:t>
+            </a:r>
+          </a:p>
+          <a:p>
+            <a:pPr marL="0" indent="0" algn="l" rtl="0">
+              <a:buFontTx/>
+              <a:buNone/>
+            </a:pPr>
+            <a:endParaRPr lang="en-US" b="0" dirty="0"/>
+          </a:p>
+          <a:p>
+            <a:pPr marL="171450" indent="-171450" algn="l" rtl="0">
+              <a:buFontTx/>
+              <a:buChar char="-"/>
+            </a:pPr>
+            <a:r>
+              <a:rPr lang="en-US" b="0" dirty="0"/>
+              <a:t>http://www.adam-bien.com/roller/abien/entry/what_is_an_evergreen_browser</a:t>
+            </a:r>
+          </a:p>
+          <a:p>
+            <a:pPr marL="171450" indent="-171450" algn="l" rtl="0">
+              <a:buFontTx/>
+              <a:buChar char="-"/>
+            </a:pPr>
+            <a:r>
+              <a:rPr lang="en-US" b="0" dirty="0"/>
+              <a:t>https://www.deskdirector.com/technical-blog/the-future-of-deskdirector-on-ie-11</a:t>
+            </a:r>
+          </a:p>
+          <a:p>
+            <a:pPr marL="0" indent="0" algn="l" rtl="0">
+              <a:buFontTx/>
+              <a:buNone/>
+            </a:pPr>
+            <a:r>
+              <a:rPr lang="en-US" b="0" dirty="0"/>
+              <a:t>	</a:t>
+            </a:r>
+          </a:p>
+        </p:txBody>
+      </p:sp>
+      <p:sp>
+        <p:nvSpPr>
+          <p:cNvPr id="4" name="Slide Number Placeholder 3"/>
+          <p:cNvSpPr>
+            <a:spLocks noGrp="1"/>
+          </p:cNvSpPr>
+          <p:nvPr>
+            <p:ph type="sldNum" sz="quarter" idx="10"/>
+          </p:nvPr>
+        </p:nvSpPr>
+        <p:spPr/>
+        <p:txBody>
+          <a:bodyPr/>
+          <a:lstStyle/>
+          <a:p>
+            <a:fld id="{595D0871-5AD0-4670-BDA8-FBE649F625DD}" type="slidenum">
+              <a:rPr lang="he-IL" smtClean="0"/>
+              <a:t>18</a:t>
+            </a:fld>
+            <a:endParaRPr lang="he-IL"/>
+          </a:p>
+        </p:txBody>
+      </p:sp>
+    </p:spTree>
+    <p:extLst>
+      <p:ext uri="{BB962C8B-B14F-4D97-AF65-F5344CB8AC3E}">
+        <p14:creationId xmlns:p14="http://schemas.microsoft.com/office/powerpoint/2010/main" val="3938553295"/>
+      </p:ext>
+    </p:extLst>
+  </p:cSld>
+  <p:clrMapOvr>
+    <a:masterClrMapping/>
+  </p:clrMapOvr>
+</p:notes>
+</file>
+
+<file path=ppt/notesSlides/notesSlide17.xml><?xml version="1.0" encoding="utf-8"?>
+<p:notes xmlns:a="http://schemas.openxmlformats.org/drawingml/2006/main" xmlns:r="http://schemas.openxmlformats.org/officeDocument/2006/relationships" xmlns:p="http://schemas.openxmlformats.org/presentationml/2006/main">
+  <p:cSld>
+    <p:spTree>
+      <p:nvGrpSpPr>
+        <p:cNvPr id="1" name=""/>
+        <p:cNvGrpSpPr/>
+        <p:nvPr/>
+      </p:nvGrpSpPr>
+      <p:grpSpPr>
+        <a:xfrm>
+          <a:off x="0" y="0"/>
+          <a:ext cx="0" cy="0"/>
+          <a:chOff x="0" y="0"/>
+          <a:chExt cx="0" cy="0"/>
+        </a:xfrm>
+      </p:grpSpPr>
+      <p:sp>
+        <p:nvSpPr>
+          <p:cNvPr id="2" name="Slide Image Placeholder 1"/>
+          <p:cNvSpPr>
+            <a:spLocks noGrp="1" noRot="1" noChangeAspect="1"/>
+          </p:cNvSpPr>
+          <p:nvPr>
+            <p:ph type="sldImg"/>
+          </p:nvPr>
+        </p:nvSpPr>
+        <p:spPr/>
+      </p:sp>
+      <p:sp>
+        <p:nvSpPr>
+          <p:cNvPr id="3" name="Notes Placeholder 2"/>
+          <p:cNvSpPr>
+            <a:spLocks noGrp="1"/>
+          </p:cNvSpPr>
+          <p:nvPr>
+            <p:ph type="body" idx="1"/>
+          </p:nvPr>
+        </p:nvSpPr>
+        <p:spPr/>
+        <p:txBody>
+          <a:bodyPr/>
+          <a:lstStyle/>
+          <a:p>
+            <a:pPr algn="l" rtl="0"/>
+            <a:r>
+              <a:rPr lang="en-US" sz="1200" b="0" i="0" kern="1200" dirty="0">
+                <a:solidFill>
+                  <a:schemeClr val="tx1"/>
+                </a:solidFill>
+                <a:effectLst/>
+                <a:latin typeface="+mn-lt"/>
+                <a:ea typeface="+mn-ea"/>
+                <a:cs typeface="+mn-cs"/>
+              </a:rPr>
+              <a:t>What is NPM?</a:t>
+            </a:r>
+          </a:p>
+          <a:p>
+            <a:pPr algn="l" rtl="0"/>
+            <a:endParaRPr lang="en-US" sz="1200" b="0" u="none" strike="noStrike" kern="1200" cap="all" dirty="0">
+              <a:solidFill>
+                <a:schemeClr val="tx1"/>
+              </a:solidFill>
+              <a:effectLst/>
+              <a:latin typeface="+mn-lt"/>
+              <a:ea typeface="+mn-ea"/>
+              <a:cs typeface="+mn-cs"/>
+              <a:hlinkClick r:id="rId3"/>
+            </a:endParaRPr>
+          </a:p>
+          <a:p>
+            <a:pPr algn="l" rtl="0"/>
+            <a:r>
+              <a:rPr lang="en-US" sz="1200" b="1" i="0" kern="1200" dirty="0" err="1">
+                <a:solidFill>
+                  <a:schemeClr val="tx1"/>
+                </a:solidFill>
+                <a:effectLst/>
+                <a:latin typeface="+mn-lt"/>
+                <a:ea typeface="+mn-ea"/>
+                <a:cs typeface="+mn-cs"/>
+              </a:rPr>
+              <a:t>npm</a:t>
+            </a:r>
+            <a:r>
+              <a:rPr lang="en-US" sz="1200" b="0" i="0" kern="1200" dirty="0">
+                <a:solidFill>
+                  <a:schemeClr val="tx1"/>
+                </a:solidFill>
+                <a:effectLst/>
+                <a:latin typeface="+mn-lt"/>
+                <a:ea typeface="+mn-ea"/>
+                <a:cs typeface="+mn-cs"/>
+              </a:rPr>
+              <a:t> is the world's largest </a:t>
+            </a:r>
+            <a:r>
+              <a:rPr lang="en-US" sz="1200" b="1" i="0" kern="1200" dirty="0">
+                <a:solidFill>
+                  <a:schemeClr val="tx1"/>
+                </a:solidFill>
+                <a:effectLst/>
+                <a:latin typeface="+mn-lt"/>
+                <a:ea typeface="+mn-ea"/>
+                <a:cs typeface="+mn-cs"/>
+              </a:rPr>
+              <a:t>Software Registry,</a:t>
+            </a:r>
+            <a:r>
+              <a:rPr lang="en-US" sz="1200" b="0" i="0" kern="1200" dirty="0">
+                <a:solidFill>
+                  <a:schemeClr val="tx1"/>
+                </a:solidFill>
+                <a:effectLst/>
+                <a:latin typeface="+mn-lt"/>
+                <a:ea typeface="+mn-ea"/>
+                <a:cs typeface="+mn-cs"/>
+              </a:rPr>
+              <a:t> in other words package manager for node.</a:t>
+            </a:r>
+          </a:p>
+          <a:p>
+            <a:pPr algn="l" rtl="0"/>
+            <a:r>
+              <a:rPr lang="en-US" sz="1200" b="0" i="0" kern="1200" dirty="0">
+                <a:solidFill>
+                  <a:schemeClr val="tx1"/>
+                </a:solidFill>
+                <a:effectLst/>
+                <a:latin typeface="+mn-lt"/>
+                <a:ea typeface="+mn-ea"/>
+                <a:cs typeface="+mn-cs"/>
+              </a:rPr>
+              <a:t>The registry contains over 800,000 </a:t>
+            </a:r>
+            <a:r>
+              <a:rPr lang="en-US" sz="1200" b="1" i="0" kern="1200" dirty="0">
+                <a:solidFill>
+                  <a:schemeClr val="tx1"/>
+                </a:solidFill>
+                <a:effectLst/>
+                <a:latin typeface="+mn-lt"/>
+                <a:ea typeface="+mn-ea"/>
+                <a:cs typeface="+mn-cs"/>
+              </a:rPr>
+              <a:t>code packages</a:t>
+            </a:r>
+            <a:r>
+              <a:rPr lang="en-US" sz="1200" b="0" i="0" kern="1200" dirty="0">
+                <a:solidFill>
+                  <a:schemeClr val="tx1"/>
+                </a:solidFill>
+                <a:effectLst/>
+                <a:latin typeface="+mn-lt"/>
+                <a:ea typeface="+mn-ea"/>
+                <a:cs typeface="+mn-cs"/>
+              </a:rPr>
+              <a:t>.</a:t>
+            </a:r>
+          </a:p>
+          <a:p>
+            <a:pPr algn="l" rtl="0"/>
+            <a:r>
+              <a:rPr lang="en-US" sz="1200" b="1" i="0" kern="1200" dirty="0">
+                <a:solidFill>
+                  <a:schemeClr val="tx1"/>
+                </a:solidFill>
+                <a:effectLst/>
+                <a:latin typeface="+mn-lt"/>
+                <a:ea typeface="+mn-ea"/>
+                <a:cs typeface="+mn-cs"/>
+              </a:rPr>
+              <a:t>Open-source</a:t>
+            </a:r>
+            <a:r>
+              <a:rPr lang="en-US" sz="1200" b="0" i="0" kern="1200" dirty="0">
+                <a:solidFill>
+                  <a:schemeClr val="tx1"/>
+                </a:solidFill>
+                <a:effectLst/>
+                <a:latin typeface="+mn-lt"/>
+                <a:ea typeface="+mn-ea"/>
+                <a:cs typeface="+mn-cs"/>
+              </a:rPr>
+              <a:t> developers use </a:t>
+            </a:r>
+            <a:r>
+              <a:rPr lang="en-US" sz="1200" b="1" i="0" kern="1200" dirty="0" err="1">
+                <a:solidFill>
+                  <a:schemeClr val="tx1"/>
+                </a:solidFill>
+                <a:effectLst/>
+                <a:latin typeface="+mn-lt"/>
+                <a:ea typeface="+mn-ea"/>
+                <a:cs typeface="+mn-cs"/>
+              </a:rPr>
+              <a:t>npm</a:t>
+            </a:r>
+            <a:r>
+              <a:rPr lang="en-US" sz="1200" b="0" i="0" kern="1200" dirty="0">
+                <a:solidFill>
+                  <a:schemeClr val="tx1"/>
+                </a:solidFill>
+                <a:effectLst/>
+                <a:latin typeface="+mn-lt"/>
+                <a:ea typeface="+mn-ea"/>
+                <a:cs typeface="+mn-cs"/>
+              </a:rPr>
+              <a:t> to </a:t>
+            </a:r>
+            <a:r>
+              <a:rPr lang="en-US" sz="1200" b="1" i="0" kern="1200" dirty="0">
+                <a:solidFill>
+                  <a:schemeClr val="tx1"/>
+                </a:solidFill>
+                <a:effectLst/>
+                <a:latin typeface="+mn-lt"/>
+                <a:ea typeface="+mn-ea"/>
+                <a:cs typeface="+mn-cs"/>
+              </a:rPr>
+              <a:t>share</a:t>
+            </a:r>
+            <a:r>
+              <a:rPr lang="en-US" sz="1200" b="0" i="0" kern="1200" dirty="0">
+                <a:solidFill>
+                  <a:schemeClr val="tx1"/>
+                </a:solidFill>
+                <a:effectLst/>
+                <a:latin typeface="+mn-lt"/>
+                <a:ea typeface="+mn-ea"/>
+                <a:cs typeface="+mn-cs"/>
+              </a:rPr>
+              <a:t> software.</a:t>
+            </a:r>
+          </a:p>
+          <a:p>
+            <a:pPr algn="l" rtl="0"/>
+            <a:endParaRPr lang="en-US" sz="1200" b="0" i="0" kern="1200" dirty="0">
+              <a:solidFill>
+                <a:schemeClr val="tx1"/>
+              </a:solidFill>
+              <a:effectLst/>
+              <a:latin typeface="+mn-lt"/>
+              <a:ea typeface="+mn-ea"/>
+              <a:cs typeface="+mn-cs"/>
+            </a:endParaRPr>
+          </a:p>
+          <a:p>
+            <a:pPr algn="l" rtl="0"/>
+            <a:r>
+              <a:rPr lang="en-US" sz="1200" b="0" i="0" kern="1200" dirty="0">
+                <a:solidFill>
+                  <a:schemeClr val="tx1"/>
+                </a:solidFill>
+                <a:effectLst/>
+                <a:latin typeface="+mn-lt"/>
+                <a:ea typeface="+mn-ea"/>
+                <a:cs typeface="+mn-cs"/>
+              </a:rPr>
+              <a:t>We can search for package via google or official </a:t>
+            </a:r>
+            <a:r>
+              <a:rPr lang="en-US" sz="1200" b="0" i="0" kern="1200" dirty="0" err="1">
+                <a:solidFill>
+                  <a:schemeClr val="tx1"/>
+                </a:solidFill>
+                <a:effectLst/>
+                <a:latin typeface="+mn-lt"/>
+                <a:ea typeface="+mn-ea"/>
+                <a:cs typeface="+mn-cs"/>
+              </a:rPr>
+              <a:t>npm</a:t>
+            </a:r>
+            <a:r>
+              <a:rPr lang="en-US" sz="1200" b="0" i="0" kern="1200" dirty="0">
+                <a:solidFill>
+                  <a:schemeClr val="tx1"/>
+                </a:solidFill>
+                <a:effectLst/>
+                <a:latin typeface="+mn-lt"/>
+                <a:ea typeface="+mn-ea"/>
+                <a:cs typeface="+mn-cs"/>
+              </a:rPr>
+              <a:t> web site</a:t>
+            </a:r>
+          </a:p>
+          <a:p>
+            <a:pPr algn="l" rtl="0"/>
+            <a:endParaRPr lang="en-US" sz="1200" b="0" i="0" kern="1200" dirty="0">
+              <a:solidFill>
+                <a:schemeClr val="tx1"/>
+              </a:solidFill>
+              <a:effectLst/>
+              <a:latin typeface="+mn-lt"/>
+              <a:ea typeface="+mn-ea"/>
+              <a:cs typeface="+mn-cs"/>
+            </a:endParaRPr>
+          </a:p>
+          <a:p>
+            <a:pPr algn="l" rtl="0"/>
+            <a:endParaRPr lang="en-US" sz="1200" b="0" i="0" kern="1200" dirty="0">
+              <a:solidFill>
+                <a:schemeClr val="tx1"/>
+              </a:solidFill>
+              <a:effectLst/>
+              <a:latin typeface="+mn-lt"/>
+              <a:ea typeface="+mn-ea"/>
+              <a:cs typeface="+mn-cs"/>
+            </a:endParaRPr>
+          </a:p>
+          <a:p>
+            <a:pPr algn="l" rtl="0"/>
+            <a:r>
+              <a:rPr lang="en-US" sz="1200" b="0" i="0" kern="1200" dirty="0">
+                <a:solidFill>
+                  <a:schemeClr val="tx1"/>
+                </a:solidFill>
+                <a:effectLst/>
+                <a:latin typeface="+mn-lt"/>
+                <a:ea typeface="+mn-ea"/>
+                <a:cs typeface="+mn-cs"/>
+              </a:rPr>
+              <a:t>We have also other package mangers like </a:t>
+            </a:r>
+            <a:r>
+              <a:rPr lang="en-US" sz="1200" b="0" i="0" kern="1200" dirty="0" err="1">
+                <a:solidFill>
+                  <a:schemeClr val="tx1"/>
+                </a:solidFill>
+                <a:effectLst/>
+                <a:latin typeface="+mn-lt"/>
+                <a:ea typeface="+mn-ea"/>
+                <a:cs typeface="+mn-cs"/>
+              </a:rPr>
+              <a:t>Verdaccio</a:t>
+            </a:r>
+            <a:r>
+              <a:rPr lang="en-US" sz="1200" b="0" i="0" kern="1200" dirty="0">
+                <a:solidFill>
+                  <a:schemeClr val="tx1"/>
+                </a:solidFill>
+                <a:effectLst/>
+                <a:latin typeface="+mn-lt"/>
+                <a:ea typeface="+mn-ea"/>
+                <a:cs typeface="+mn-cs"/>
+              </a:rPr>
+              <a:t>, </a:t>
+            </a:r>
+            <a:r>
+              <a:rPr lang="en-US" sz="1200" b="0" i="0" kern="1200" dirty="0" err="1">
+                <a:solidFill>
+                  <a:schemeClr val="tx1"/>
+                </a:solidFill>
+                <a:effectLst/>
+                <a:latin typeface="+mn-lt"/>
+                <a:ea typeface="+mn-ea"/>
+                <a:cs typeface="+mn-cs"/>
+              </a:rPr>
+              <a:t>Sinopia</a:t>
+            </a:r>
+            <a:endParaRPr lang="en-US" sz="1200" b="0" i="0" kern="1200" dirty="0">
+              <a:solidFill>
+                <a:schemeClr val="tx1"/>
+              </a:solidFill>
+              <a:effectLst/>
+              <a:latin typeface="+mn-lt"/>
+              <a:ea typeface="+mn-ea"/>
+              <a:cs typeface="+mn-cs"/>
+            </a:endParaRPr>
+          </a:p>
+          <a:p>
+            <a:pPr algn="l" rtl="0"/>
+            <a:endParaRPr lang="en-US" sz="1200" b="0" i="0" kern="1200" dirty="0">
+              <a:solidFill>
+                <a:schemeClr val="tx1"/>
+              </a:solidFill>
+              <a:effectLst/>
+              <a:latin typeface="+mn-lt"/>
+              <a:ea typeface="+mn-ea"/>
+              <a:cs typeface="+mn-cs"/>
+            </a:endParaRPr>
+          </a:p>
+        </p:txBody>
+      </p:sp>
+      <p:sp>
+        <p:nvSpPr>
+          <p:cNvPr id="4" name="Slide Number Placeholder 3"/>
+          <p:cNvSpPr>
+            <a:spLocks noGrp="1"/>
+          </p:cNvSpPr>
+          <p:nvPr>
+            <p:ph type="sldNum" sz="quarter" idx="10"/>
+          </p:nvPr>
+        </p:nvSpPr>
+        <p:spPr/>
+        <p:txBody>
+          <a:bodyPr/>
+          <a:lstStyle/>
+          <a:p>
+            <a:fld id="{595D0871-5AD0-4670-BDA8-FBE649F625DD}" type="slidenum">
+              <a:rPr lang="he-IL" smtClean="0"/>
+              <a:t>19</a:t>
+            </a:fld>
+            <a:endParaRPr lang="he-IL"/>
+          </a:p>
+        </p:txBody>
+      </p:sp>
+    </p:spTree>
+    <p:extLst>
+      <p:ext uri="{BB962C8B-B14F-4D97-AF65-F5344CB8AC3E}">
+        <p14:creationId xmlns:p14="http://schemas.microsoft.com/office/powerpoint/2010/main" val="122892736"/>
+      </p:ext>
+    </p:extLst>
+  </p:cSld>
+  <p:clrMapOvr>
+    <a:masterClrMapping/>
+  </p:clrMapOvr>
+</p:notes>
+</file>
+
+<file path=ppt/notesSlides/notesSlide18.xml><?xml version="1.0" encoding="utf-8"?>
+<p:notes xmlns:a="http://schemas.openxmlformats.org/drawingml/2006/main" xmlns:r="http://schemas.openxmlformats.org/officeDocument/2006/relationships" xmlns:p="http://schemas.openxmlformats.org/presentationml/2006/main">
+  <p:cSld>
+    <p:spTree>
+      <p:nvGrpSpPr>
+        <p:cNvPr id="1" name=""/>
+        <p:cNvGrpSpPr/>
+        <p:nvPr/>
+      </p:nvGrpSpPr>
+      <p:grpSpPr>
+        <a:xfrm>
+          <a:off x="0" y="0"/>
+          <a:ext cx="0" cy="0"/>
+          <a:chOff x="0" y="0"/>
+          <a:chExt cx="0" cy="0"/>
+        </a:xfrm>
+      </p:grpSpPr>
+      <p:sp>
+        <p:nvSpPr>
+          <p:cNvPr id="2" name="Slide Image Placeholder 1"/>
+          <p:cNvSpPr>
+            <a:spLocks noGrp="1" noRot="1" noChangeAspect="1"/>
+          </p:cNvSpPr>
+          <p:nvPr>
+            <p:ph type="sldImg"/>
+          </p:nvPr>
+        </p:nvSpPr>
+        <p:spPr/>
+      </p:sp>
+      <p:sp>
+        <p:nvSpPr>
+          <p:cNvPr id="3" name="Notes Placeholder 2"/>
+          <p:cNvSpPr>
+            <a:spLocks noGrp="1"/>
+          </p:cNvSpPr>
+          <p:nvPr>
+            <p:ph type="body" idx="1"/>
+          </p:nvPr>
+        </p:nvSpPr>
+        <p:spPr/>
+        <p:txBody>
+          <a:bodyPr/>
+          <a:lstStyle/>
+          <a:p>
+            <a:pPr algn="l" rtl="0"/>
+            <a:r>
+              <a:rPr lang="en-US" sz="1200" b="0" i="0" kern="1200" dirty="0">
+                <a:solidFill>
+                  <a:schemeClr val="tx1"/>
+                </a:solidFill>
+                <a:effectLst/>
+                <a:latin typeface="+mn-lt"/>
+                <a:ea typeface="+mn-ea"/>
+                <a:cs typeface="+mn-cs"/>
+              </a:rPr>
+              <a:t>What is Yarn?</a:t>
+            </a:r>
+          </a:p>
+          <a:p>
+            <a:pPr algn="l" rtl="0"/>
+            <a:r>
+              <a:rPr lang="en-US" sz="1200" b="0" i="0" kern="1200" dirty="0">
+                <a:solidFill>
+                  <a:schemeClr val="tx1"/>
+                </a:solidFill>
+                <a:effectLst/>
+                <a:latin typeface="+mn-lt"/>
+                <a:ea typeface="+mn-ea"/>
+                <a:cs typeface="+mn-cs"/>
+              </a:rPr>
+              <a:t>Yarn is a new package manager that replaces the existing workflow for the </a:t>
+            </a:r>
+            <a:r>
+              <a:rPr lang="en-US" sz="1200" b="0" i="0" kern="1200" dirty="0" err="1">
+                <a:solidFill>
+                  <a:schemeClr val="tx1"/>
+                </a:solidFill>
+                <a:effectLst/>
+                <a:latin typeface="+mn-lt"/>
+                <a:ea typeface="+mn-ea"/>
+                <a:cs typeface="+mn-cs"/>
+              </a:rPr>
+              <a:t>npm</a:t>
+            </a:r>
+            <a:r>
+              <a:rPr lang="en-US" sz="1200" b="0" i="0" kern="1200" dirty="0">
+                <a:solidFill>
+                  <a:schemeClr val="tx1"/>
+                </a:solidFill>
+                <a:effectLst/>
+                <a:latin typeface="+mn-lt"/>
+                <a:ea typeface="+mn-ea"/>
+                <a:cs typeface="+mn-cs"/>
+              </a:rPr>
+              <a:t> client or other package managers while remaining compatible with the </a:t>
+            </a:r>
+            <a:r>
+              <a:rPr lang="en-US" sz="1200" b="0" i="0" kern="1200" dirty="0" err="1">
+                <a:solidFill>
+                  <a:schemeClr val="tx1"/>
+                </a:solidFill>
+                <a:effectLst/>
+                <a:latin typeface="+mn-lt"/>
+                <a:ea typeface="+mn-ea"/>
+                <a:cs typeface="+mn-cs"/>
+              </a:rPr>
+              <a:t>npm</a:t>
+            </a:r>
+            <a:r>
+              <a:rPr lang="en-US" sz="1200" b="0" i="0" kern="1200" dirty="0">
+                <a:solidFill>
+                  <a:schemeClr val="tx1"/>
+                </a:solidFill>
+                <a:effectLst/>
+                <a:latin typeface="+mn-lt"/>
+                <a:ea typeface="+mn-ea"/>
+                <a:cs typeface="+mn-cs"/>
+              </a:rPr>
+              <a:t> registry.</a:t>
+            </a:r>
+          </a:p>
+          <a:p>
+            <a:pPr algn="l" rtl="0"/>
+            <a:r>
+              <a:rPr lang="en-US" sz="1200" b="0" i="0" kern="1200" dirty="0">
+                <a:solidFill>
+                  <a:schemeClr val="tx1"/>
+                </a:solidFill>
+                <a:effectLst/>
+                <a:latin typeface="+mn-lt"/>
+                <a:ea typeface="+mn-ea"/>
+                <a:cs typeface="+mn-cs"/>
+              </a:rPr>
+              <a:t>It has the same feature set as existing workflows while operating faster, more securely, and more reliably.</a:t>
+            </a:r>
+          </a:p>
+          <a:p>
+            <a:pPr algn="l" rtl="0"/>
+            <a:endParaRPr lang="en-US" sz="1200" b="0" i="0" kern="1200" dirty="0">
+              <a:solidFill>
+                <a:schemeClr val="tx1"/>
+              </a:solidFill>
+              <a:effectLst/>
+              <a:latin typeface="+mn-lt"/>
+              <a:ea typeface="+mn-ea"/>
+              <a:cs typeface="+mn-cs"/>
+            </a:endParaRPr>
+          </a:p>
+          <a:p>
+            <a:pPr algn="l" rtl="0"/>
+            <a:r>
+              <a:rPr lang="en-US" sz="1200" b="0" i="0" kern="1200" dirty="0">
+                <a:solidFill>
+                  <a:schemeClr val="tx1"/>
+                </a:solidFill>
+                <a:effectLst/>
+                <a:latin typeface="+mn-lt"/>
+                <a:ea typeface="+mn-ea"/>
+                <a:cs typeface="+mn-cs"/>
+              </a:rPr>
+              <a:t>It use the same registry as </a:t>
+            </a:r>
+            <a:r>
+              <a:rPr lang="en-US" sz="1200" b="0" i="0" kern="1200" dirty="0" err="1">
+                <a:solidFill>
+                  <a:schemeClr val="tx1"/>
+                </a:solidFill>
+                <a:effectLst/>
+                <a:latin typeface="+mn-lt"/>
+                <a:ea typeface="+mn-ea"/>
+                <a:cs typeface="+mn-cs"/>
+              </a:rPr>
+              <a:t>npm</a:t>
+            </a:r>
+            <a:r>
+              <a:rPr lang="en-US" sz="1200" b="0" i="0" kern="1200" dirty="0">
+                <a:solidFill>
+                  <a:schemeClr val="tx1"/>
+                </a:solidFill>
+                <a:effectLst/>
+                <a:latin typeface="+mn-lt"/>
+                <a:ea typeface="+mn-ea"/>
+                <a:cs typeface="+mn-cs"/>
+              </a:rPr>
+              <a:t>.</a:t>
+            </a:r>
+          </a:p>
+          <a:p>
+            <a:pPr algn="l" rtl="0"/>
+            <a:endParaRPr lang="en-US" sz="1200" b="0" i="0" kern="1200" dirty="0">
+              <a:solidFill>
+                <a:schemeClr val="tx1"/>
+              </a:solidFill>
+              <a:effectLst/>
+              <a:latin typeface="+mn-lt"/>
+              <a:ea typeface="+mn-ea"/>
+              <a:cs typeface="+mn-cs"/>
+            </a:endParaRPr>
+          </a:p>
+          <a:p>
+            <a:pPr algn="l" rtl="0"/>
+            <a:r>
+              <a:rPr lang="en-US" sz="1200" b="0" i="0" kern="1200" dirty="0">
+                <a:solidFill>
+                  <a:schemeClr val="tx1"/>
+                </a:solidFill>
+                <a:effectLst/>
+                <a:latin typeface="+mn-lt"/>
+                <a:ea typeface="+mn-ea"/>
+                <a:cs typeface="+mn-cs"/>
+              </a:rPr>
+              <a:t>So NPM or Yarn?</a:t>
+            </a:r>
+          </a:p>
+          <a:p>
+            <a:pPr algn="l" rtl="0"/>
+            <a:r>
+              <a:rPr lang="en-US" sz="1200" b="0" i="0" kern="1200" dirty="0">
+                <a:solidFill>
+                  <a:schemeClr val="tx1"/>
+                </a:solidFill>
+                <a:effectLst/>
+                <a:latin typeface="+mn-lt"/>
+                <a:ea typeface="+mn-ea"/>
+                <a:cs typeface="+mn-cs"/>
+              </a:rPr>
+              <a:t>In the past yarn was recommended but today it doesn’t matter, the team should secede what to use when starting a project, why? Next slide</a:t>
+            </a:r>
+          </a:p>
+          <a:p>
+            <a:pPr marL="171450" indent="-171450" algn="l" rtl="0">
+              <a:buFontTx/>
+              <a:buChar char="-"/>
+            </a:pPr>
+            <a:r>
+              <a:rPr lang="en-US" sz="1200" b="0" i="0" kern="1200" dirty="0">
+                <a:solidFill>
+                  <a:schemeClr val="tx1"/>
+                </a:solidFill>
+                <a:effectLst/>
+                <a:latin typeface="+mn-lt"/>
+                <a:ea typeface="+mn-ea"/>
+                <a:cs typeface="+mn-cs"/>
+              </a:rPr>
+              <a:t>Yarn was faster using parallel and not sync installation</a:t>
+            </a:r>
+          </a:p>
+          <a:p>
+            <a:pPr marL="171450" indent="-171450" algn="l" rtl="0">
+              <a:buFontTx/>
+              <a:buChar char="-"/>
+            </a:pPr>
+            <a:r>
+              <a:rPr lang="en-US" sz="1200" b="0" i="0" kern="1200" dirty="0">
+                <a:solidFill>
+                  <a:schemeClr val="tx1"/>
+                </a:solidFill>
+                <a:effectLst/>
+                <a:latin typeface="+mn-lt"/>
+                <a:ea typeface="+mn-ea"/>
+                <a:cs typeface="+mn-cs"/>
+              </a:rPr>
+              <a:t>Yarn was more secure</a:t>
+            </a:r>
+          </a:p>
+          <a:p>
+            <a:pPr marL="171450" indent="-171450" algn="l" rtl="0">
+              <a:buFontTx/>
+              <a:buChar char="-"/>
+            </a:pPr>
+            <a:r>
+              <a:rPr lang="en-US" sz="1200" b="0" i="0" kern="1200" dirty="0">
+                <a:solidFill>
+                  <a:schemeClr val="tx1"/>
+                </a:solidFill>
+                <a:effectLst/>
+                <a:latin typeface="+mn-lt"/>
+                <a:ea typeface="+mn-ea"/>
+                <a:cs typeface="+mn-cs"/>
+              </a:rPr>
+              <a:t>Yarn was using caching and </a:t>
+            </a:r>
+            <a:r>
+              <a:rPr lang="en-US" sz="1200" b="0" i="0" kern="1200" dirty="0" err="1">
+                <a:solidFill>
+                  <a:schemeClr val="tx1"/>
+                </a:solidFill>
+                <a:effectLst/>
+                <a:latin typeface="+mn-lt"/>
+                <a:ea typeface="+mn-ea"/>
+                <a:cs typeface="+mn-cs"/>
+              </a:rPr>
+              <a:t>npm</a:t>
+            </a:r>
+            <a:r>
+              <a:rPr lang="en-US" sz="1200" b="0" i="0" kern="1200" dirty="0">
+                <a:solidFill>
+                  <a:schemeClr val="tx1"/>
+                </a:solidFill>
+                <a:effectLst/>
+                <a:latin typeface="+mn-lt"/>
+                <a:ea typeface="+mn-ea"/>
+                <a:cs typeface="+mn-cs"/>
+              </a:rPr>
+              <a:t> not</a:t>
+            </a:r>
+          </a:p>
+          <a:p>
+            <a:pPr marL="171450" indent="-171450" algn="l" rtl="0">
+              <a:buFontTx/>
+              <a:buChar char="-"/>
+            </a:pPr>
+            <a:r>
+              <a:rPr lang="en-US" dirty="0"/>
+              <a:t>License checks - </a:t>
+            </a:r>
+            <a:r>
+              <a:rPr lang="en-US" sz="1200" b="0" i="0" kern="1200" dirty="0">
+                <a:solidFill>
+                  <a:schemeClr val="tx1"/>
+                </a:solidFill>
+                <a:effectLst/>
+                <a:latin typeface="+mn-lt"/>
+                <a:ea typeface="+mn-ea"/>
+                <a:cs typeface="+mn-cs"/>
+              </a:rPr>
+              <a:t>Yarn comes with a handy license checker, which can become really powerful in case you have to check the licenses of all the modules you depend on</a:t>
+            </a:r>
+            <a:br>
+              <a:rPr lang="en-US" dirty="0"/>
+            </a:br>
+            <a:endParaRPr lang="en-US" sz="1200" b="0" i="0" kern="1200" dirty="0">
+              <a:solidFill>
+                <a:schemeClr val="tx1"/>
+              </a:solidFill>
+              <a:effectLst/>
+              <a:latin typeface="+mn-lt"/>
+              <a:ea typeface="+mn-ea"/>
+              <a:cs typeface="+mn-cs"/>
+            </a:endParaRPr>
+          </a:p>
+          <a:p>
+            <a:pPr marL="171450" indent="-171450" algn="l" rtl="0">
+              <a:buFontTx/>
+              <a:buChar char="-"/>
+            </a:pPr>
+            <a:endParaRPr lang="en-US" sz="1200" b="0" i="0" kern="1200" dirty="0">
+              <a:solidFill>
+                <a:schemeClr val="tx1"/>
+              </a:solidFill>
+              <a:effectLst/>
+              <a:latin typeface="+mn-lt"/>
+              <a:ea typeface="+mn-ea"/>
+              <a:cs typeface="+mn-cs"/>
+            </a:endParaRPr>
+          </a:p>
+          <a:p>
+            <a:pPr algn="l" rtl="0"/>
+            <a:endParaRPr lang="en-US" sz="1200" b="0" i="0" kern="1200" dirty="0">
+              <a:solidFill>
+                <a:schemeClr val="tx1"/>
+              </a:solidFill>
+              <a:effectLst/>
+              <a:latin typeface="+mn-lt"/>
+              <a:ea typeface="+mn-ea"/>
+              <a:cs typeface="+mn-cs"/>
+            </a:endParaRPr>
+          </a:p>
+          <a:p>
+            <a:pPr algn="l" rtl="0"/>
+            <a:endParaRPr lang="en-US" sz="1200" b="0" i="0" kern="1200" dirty="0">
+              <a:solidFill>
+                <a:schemeClr val="tx1"/>
+              </a:solidFill>
+              <a:effectLst/>
+              <a:latin typeface="+mn-lt"/>
+              <a:ea typeface="+mn-ea"/>
+              <a:cs typeface="+mn-cs"/>
+            </a:endParaRPr>
+          </a:p>
+          <a:p>
+            <a:pPr algn="l" rtl="0"/>
+            <a:endParaRPr lang="en-US" sz="1200" b="0" i="0" kern="1200" dirty="0">
+              <a:solidFill>
+                <a:schemeClr val="tx1"/>
+              </a:solidFill>
+              <a:effectLst/>
+              <a:latin typeface="+mn-lt"/>
+              <a:ea typeface="+mn-ea"/>
+              <a:cs typeface="+mn-cs"/>
+            </a:endParaRPr>
+          </a:p>
+          <a:p>
+            <a:pPr marL="171450" indent="-171450" algn="l" rtl="0">
+              <a:buFontTx/>
+              <a:buChar char="-"/>
+            </a:pPr>
+            <a:r>
+              <a:rPr lang="en-US" sz="1200" b="0" i="0" kern="1200" dirty="0">
+                <a:solidFill>
+                  <a:schemeClr val="tx1"/>
+                </a:solidFill>
+                <a:effectLst/>
+                <a:latin typeface="+mn-lt"/>
+                <a:ea typeface="+mn-ea"/>
+                <a:cs typeface="+mn-cs"/>
+              </a:rPr>
+              <a:t>https://code.fb.com/web/yarn-a-new-package-manager-for-javascript/</a:t>
+            </a:r>
+          </a:p>
+          <a:p>
+            <a:pPr marL="171450" indent="-171450" algn="l" rtl="0">
+              <a:buFontTx/>
+              <a:buChar char="-"/>
+            </a:pPr>
+            <a:r>
+              <a:rPr lang="en-US" sz="1200" b="0" i="0" kern="1200" dirty="0">
+                <a:solidFill>
+                  <a:schemeClr val="tx1"/>
+                </a:solidFill>
+                <a:effectLst/>
+                <a:latin typeface="+mn-lt"/>
+                <a:ea typeface="+mn-ea"/>
+                <a:cs typeface="+mn-cs"/>
+              </a:rPr>
+              <a:t>https://iamturns.com/yarn-vs-npm-2018/</a:t>
+            </a:r>
+          </a:p>
+          <a:p>
+            <a:pPr marL="171450" indent="-171450" algn="l" rtl="0">
+              <a:buFontTx/>
+              <a:buChar char="-"/>
+            </a:pPr>
+            <a:endParaRPr lang="en-US" sz="1200" b="0" i="0" kern="1200" dirty="0">
+              <a:solidFill>
+                <a:schemeClr val="tx1"/>
+              </a:solidFill>
+              <a:effectLst/>
+              <a:latin typeface="+mn-lt"/>
+              <a:ea typeface="+mn-ea"/>
+              <a:cs typeface="+mn-cs"/>
+            </a:endParaRPr>
+          </a:p>
+        </p:txBody>
+      </p:sp>
+      <p:sp>
+        <p:nvSpPr>
+          <p:cNvPr id="4" name="Slide Number Placeholder 3"/>
+          <p:cNvSpPr>
+            <a:spLocks noGrp="1"/>
+          </p:cNvSpPr>
+          <p:nvPr>
+            <p:ph type="sldNum" sz="quarter" idx="10"/>
+          </p:nvPr>
+        </p:nvSpPr>
+        <p:spPr/>
+        <p:txBody>
+          <a:bodyPr/>
+          <a:lstStyle/>
+          <a:p>
+            <a:fld id="{595D0871-5AD0-4670-BDA8-FBE649F625DD}" type="slidenum">
+              <a:rPr lang="he-IL" smtClean="0"/>
+              <a:t>20</a:t>
+            </a:fld>
+            <a:endParaRPr lang="he-IL"/>
+          </a:p>
+        </p:txBody>
+      </p:sp>
+    </p:spTree>
+    <p:extLst>
+      <p:ext uri="{BB962C8B-B14F-4D97-AF65-F5344CB8AC3E}">
+        <p14:creationId xmlns:p14="http://schemas.microsoft.com/office/powerpoint/2010/main" val="2690482100"/>
+      </p:ext>
+    </p:extLst>
+  </p:cSld>
+  <p:clrMapOvr>
+    <a:masterClrMapping/>
+  </p:clrMapOvr>
+</p:notes>
+</file>
+
+<file path=ppt/notesSlides/notesSlide19.xml><?xml version="1.0" encoding="utf-8"?>
+<p:notes xmlns:a="http://schemas.openxmlformats.org/drawingml/2006/main" xmlns:r="http://schemas.openxmlformats.org/officeDocument/2006/relationships" xmlns:p="http://schemas.openxmlformats.org/presentationml/2006/main">
+  <p:cSld>
+    <p:spTree>
+      <p:nvGrpSpPr>
+        <p:cNvPr id="1" name=""/>
+        <p:cNvGrpSpPr/>
+        <p:nvPr/>
+      </p:nvGrpSpPr>
+      <p:grpSpPr>
+        <a:xfrm>
+          <a:off x="0" y="0"/>
+          <a:ext cx="0" cy="0"/>
+          <a:chOff x="0" y="0"/>
+          <a:chExt cx="0" cy="0"/>
+        </a:xfrm>
+      </p:grpSpPr>
+      <p:sp>
+        <p:nvSpPr>
+          <p:cNvPr id="2" name="Slide Image Placeholder 1"/>
+          <p:cNvSpPr>
+            <a:spLocks noGrp="1" noRot="1" noChangeAspect="1"/>
+          </p:cNvSpPr>
+          <p:nvPr>
+            <p:ph type="sldImg"/>
+          </p:nvPr>
+        </p:nvSpPr>
+        <p:spPr/>
+      </p:sp>
+      <p:sp>
+        <p:nvSpPr>
+          <p:cNvPr id="3" name="Notes Placeholder 2"/>
+          <p:cNvSpPr>
+            <a:spLocks noGrp="1"/>
+          </p:cNvSpPr>
+          <p:nvPr>
+            <p:ph type="body" idx="1"/>
+          </p:nvPr>
+        </p:nvSpPr>
+        <p:spPr/>
+        <p:txBody>
+          <a:bodyPr/>
+          <a:lstStyle/>
+          <a:p>
+            <a:pPr algn="l" rtl="0"/>
+            <a:r>
+              <a:rPr lang="en-US" sz="1200" b="0" i="0" kern="1200" dirty="0">
+                <a:solidFill>
+                  <a:schemeClr val="tx1"/>
+                </a:solidFill>
+                <a:effectLst/>
+                <a:latin typeface="+mn-lt"/>
+                <a:ea typeface="+mn-ea"/>
+                <a:cs typeface="+mn-cs"/>
+              </a:rPr>
+              <a:t>What is lock file?</a:t>
+            </a:r>
+          </a:p>
+          <a:p>
+            <a:pPr algn="l" rtl="0"/>
+            <a:r>
+              <a:rPr lang="en-US" sz="1200" b="0" i="0" kern="1200" dirty="0">
+                <a:solidFill>
+                  <a:schemeClr val="tx1"/>
+                </a:solidFill>
+                <a:effectLst/>
+                <a:latin typeface="+mn-lt"/>
+                <a:ea typeface="+mn-ea"/>
+                <a:cs typeface="+mn-cs"/>
+              </a:rPr>
+              <a:t>When we are </a:t>
+            </a:r>
+            <a:r>
+              <a:rPr lang="en-US" sz="1200" b="0" i="0" kern="1200" dirty="0" err="1">
+                <a:solidFill>
+                  <a:schemeClr val="tx1"/>
+                </a:solidFill>
+                <a:effectLst/>
+                <a:latin typeface="+mn-lt"/>
+                <a:ea typeface="+mn-ea"/>
+                <a:cs typeface="+mn-cs"/>
+              </a:rPr>
+              <a:t>runningfor</a:t>
+            </a:r>
+            <a:r>
+              <a:rPr lang="en-US" sz="1200" b="0" i="0" kern="1200" dirty="0">
+                <a:solidFill>
+                  <a:schemeClr val="tx1"/>
+                </a:solidFill>
+                <a:effectLst/>
+                <a:latin typeface="+mn-lt"/>
+                <a:ea typeface="+mn-ea"/>
+                <a:cs typeface="+mn-cs"/>
+              </a:rPr>
+              <a:t> the first time </a:t>
+            </a:r>
+            <a:r>
+              <a:rPr lang="en-US" sz="1200" b="1" i="0" kern="1200" dirty="0" err="1">
+                <a:solidFill>
+                  <a:schemeClr val="tx1"/>
+                </a:solidFill>
+                <a:effectLst/>
+                <a:latin typeface="+mn-lt"/>
+                <a:ea typeface="+mn-ea"/>
+                <a:cs typeface="+mn-cs"/>
+              </a:rPr>
+              <a:t>npm</a:t>
+            </a:r>
+            <a:r>
+              <a:rPr lang="en-US" sz="1200" b="1" i="0" kern="1200" dirty="0">
+                <a:solidFill>
+                  <a:schemeClr val="tx1"/>
+                </a:solidFill>
+                <a:effectLst/>
+                <a:latin typeface="+mn-lt"/>
+                <a:ea typeface="+mn-ea"/>
+                <a:cs typeface="+mn-cs"/>
+              </a:rPr>
+              <a:t> install </a:t>
+            </a:r>
+            <a:r>
+              <a:rPr lang="en-US" sz="1200" b="0" i="0" kern="1200" dirty="0">
+                <a:solidFill>
+                  <a:schemeClr val="tx1"/>
+                </a:solidFill>
+                <a:effectLst/>
+                <a:latin typeface="+mn-lt"/>
+                <a:ea typeface="+mn-ea"/>
+                <a:cs typeface="+mn-cs"/>
+              </a:rPr>
+              <a:t>a</a:t>
+            </a:r>
+            <a:r>
+              <a:rPr lang="en-US" sz="1200" b="1" i="0" kern="1200" dirty="0">
+                <a:solidFill>
+                  <a:schemeClr val="tx1"/>
+                </a:solidFill>
+                <a:effectLst/>
+                <a:latin typeface="+mn-lt"/>
+                <a:ea typeface="+mn-ea"/>
+                <a:cs typeface="+mn-cs"/>
+              </a:rPr>
+              <a:t> package-</a:t>
+            </a:r>
+            <a:r>
+              <a:rPr lang="en-US" sz="1200" b="1" i="0" kern="1200" dirty="0" err="1">
+                <a:solidFill>
+                  <a:schemeClr val="tx1"/>
+                </a:solidFill>
+                <a:effectLst/>
+                <a:latin typeface="+mn-lt"/>
+                <a:ea typeface="+mn-ea"/>
+                <a:cs typeface="+mn-cs"/>
+              </a:rPr>
+              <a:t>lock.json</a:t>
+            </a:r>
+            <a:r>
+              <a:rPr lang="en-US" sz="1200" b="0" i="0" kern="1200" dirty="0">
+                <a:solidFill>
+                  <a:schemeClr val="tx1"/>
+                </a:solidFill>
+                <a:effectLst/>
+                <a:latin typeface="+mn-lt"/>
+                <a:ea typeface="+mn-ea"/>
+                <a:cs typeface="+mn-cs"/>
+              </a:rPr>
+              <a:t> file is created.</a:t>
+            </a:r>
+          </a:p>
+          <a:p>
+            <a:pPr algn="l" rtl="0"/>
+            <a:r>
+              <a:rPr lang="en-US" sz="1200" b="0" i="0" kern="1200" dirty="0">
+                <a:solidFill>
+                  <a:schemeClr val="tx1"/>
+                </a:solidFill>
+                <a:effectLst/>
+                <a:latin typeface="+mn-lt"/>
+                <a:ea typeface="+mn-ea"/>
+                <a:cs typeface="+mn-cs"/>
+              </a:rPr>
+              <a:t>For </a:t>
+            </a:r>
+            <a:r>
+              <a:rPr lang="en-US" sz="1200" b="1" i="0" kern="1200" dirty="0">
+                <a:solidFill>
+                  <a:schemeClr val="tx1"/>
+                </a:solidFill>
+                <a:effectLst/>
+                <a:latin typeface="+mn-lt"/>
+                <a:ea typeface="+mn-ea"/>
+                <a:cs typeface="+mn-cs"/>
+              </a:rPr>
+              <a:t>yarn install</a:t>
+            </a:r>
+            <a:r>
+              <a:rPr lang="en-US" sz="1200" b="0" i="0" kern="1200" dirty="0">
+                <a:solidFill>
+                  <a:schemeClr val="tx1"/>
+                </a:solidFill>
+                <a:effectLst/>
+                <a:latin typeface="+mn-lt"/>
+                <a:ea typeface="+mn-ea"/>
+                <a:cs typeface="+mn-cs"/>
+              </a:rPr>
+              <a:t> a </a:t>
+            </a:r>
+            <a:r>
+              <a:rPr lang="en-US" sz="1200" b="1" i="0" kern="1200" dirty="0" err="1">
+                <a:solidFill>
+                  <a:schemeClr val="tx1"/>
+                </a:solidFill>
+                <a:effectLst/>
+                <a:latin typeface="+mn-lt"/>
+                <a:ea typeface="+mn-ea"/>
+                <a:cs typeface="+mn-cs"/>
+              </a:rPr>
+              <a:t>yarn.lock</a:t>
+            </a:r>
+            <a:r>
+              <a:rPr lang="en-US" sz="1200" b="1" i="0" kern="1200" dirty="0">
+                <a:solidFill>
+                  <a:schemeClr val="tx1"/>
+                </a:solidFill>
+                <a:effectLst/>
+                <a:latin typeface="+mn-lt"/>
+                <a:ea typeface="+mn-ea"/>
+                <a:cs typeface="+mn-cs"/>
+              </a:rPr>
+              <a:t> </a:t>
+            </a:r>
+            <a:r>
+              <a:rPr lang="en-US" sz="1200" b="0" i="0" kern="1200" dirty="0">
+                <a:solidFill>
+                  <a:schemeClr val="tx1"/>
+                </a:solidFill>
+                <a:effectLst/>
+                <a:latin typeface="+mn-lt"/>
+                <a:ea typeface="+mn-ea"/>
+                <a:cs typeface="+mn-cs"/>
+              </a:rPr>
+              <a:t>file is created.</a:t>
+            </a:r>
+          </a:p>
+          <a:p>
+            <a:pPr algn="l" rtl="0"/>
+            <a:r>
+              <a:rPr lang="en-US" sz="1200" b="0" i="0" kern="1200" dirty="0">
+                <a:solidFill>
+                  <a:schemeClr val="tx1"/>
+                </a:solidFill>
+                <a:effectLst/>
+                <a:latin typeface="+mn-lt"/>
+                <a:ea typeface="+mn-ea"/>
+                <a:cs typeface="+mn-cs"/>
+              </a:rPr>
+              <a:t>What this file is stand for?</a:t>
+            </a:r>
+          </a:p>
+          <a:p>
+            <a:pPr algn="l" rtl="0"/>
+            <a:endParaRPr lang="en-US" sz="1200" b="0" i="0" kern="1200" dirty="0">
+              <a:solidFill>
+                <a:schemeClr val="tx1"/>
+              </a:solidFill>
+              <a:effectLst/>
+              <a:latin typeface="+mn-lt"/>
+              <a:ea typeface="+mn-ea"/>
+              <a:cs typeface="+mn-cs"/>
+            </a:endParaRPr>
+          </a:p>
+          <a:p>
+            <a:pPr algn="l" rtl="0"/>
+            <a:r>
+              <a:rPr lang="en-US" sz="1200" b="0" i="0" kern="1200" dirty="0">
+                <a:solidFill>
+                  <a:schemeClr val="tx1"/>
+                </a:solidFill>
+                <a:effectLst/>
+                <a:latin typeface="+mn-lt"/>
+                <a:ea typeface="+mn-ea"/>
+                <a:cs typeface="+mn-cs"/>
+              </a:rPr>
+              <a:t>Say you’re working on a project and you have v1.4.0 of “Foo” installed as a dependency. In your </a:t>
+            </a:r>
+            <a:r>
+              <a:rPr lang="en-US" sz="1200" b="0" i="0" kern="1200" dirty="0" err="1">
+                <a:solidFill>
+                  <a:schemeClr val="tx1"/>
+                </a:solidFill>
+                <a:effectLst/>
+                <a:latin typeface="+mn-lt"/>
+                <a:ea typeface="+mn-ea"/>
+                <a:cs typeface="+mn-cs"/>
+              </a:rPr>
+              <a:t>package.json</a:t>
+            </a:r>
+            <a:r>
+              <a:rPr lang="en-US" sz="1200" b="0" i="0" kern="1200" dirty="0">
+                <a:solidFill>
+                  <a:schemeClr val="tx1"/>
+                </a:solidFill>
+                <a:effectLst/>
+                <a:latin typeface="+mn-lt"/>
+                <a:ea typeface="+mn-ea"/>
+                <a:cs typeface="+mn-cs"/>
+              </a:rPr>
+              <a:t> file, you have “Foo” listed as a dependency using </a:t>
+            </a:r>
+            <a:r>
+              <a:rPr lang="en-US" sz="1200" b="0" i="0" kern="1200" dirty="0" err="1">
+                <a:solidFill>
+                  <a:schemeClr val="tx1"/>
+                </a:solidFill>
+                <a:effectLst/>
+                <a:latin typeface="+mn-lt"/>
+                <a:ea typeface="+mn-ea"/>
+                <a:cs typeface="+mn-cs"/>
+              </a:rPr>
+              <a:t>semver</a:t>
+            </a:r>
+            <a:r>
+              <a:rPr lang="en-US" sz="1200" b="0" i="0" kern="1200" dirty="0">
+                <a:solidFill>
+                  <a:schemeClr val="tx1"/>
+                </a:solidFill>
+                <a:effectLst/>
+                <a:latin typeface="+mn-lt"/>
+                <a:ea typeface="+mn-ea"/>
+                <a:cs typeface="+mn-cs"/>
+              </a:rPr>
+              <a:t>: </a:t>
+            </a:r>
+            <a:r>
+              <a:rPr lang="en-US" dirty="0"/>
+              <a:t>"Foo": ^1.0.0</a:t>
+            </a:r>
+            <a:r>
+              <a:rPr lang="en-US" sz="1200" b="0" i="0" kern="1200" dirty="0">
+                <a:solidFill>
+                  <a:schemeClr val="tx1"/>
+                </a:solidFill>
+                <a:effectLst/>
+                <a:latin typeface="+mn-lt"/>
+                <a:ea typeface="+mn-ea"/>
+                <a:cs typeface="+mn-cs"/>
+              </a:rPr>
+              <a:t>. You develop your feature and push it to the remote branch. Your coworker then pulls your feature, runs </a:t>
+            </a:r>
+            <a:r>
+              <a:rPr lang="en-US" dirty="0" err="1"/>
+              <a:t>npm</a:t>
+            </a:r>
+            <a:r>
+              <a:rPr lang="en-US" dirty="0"/>
+              <a:t> install</a:t>
+            </a:r>
+            <a:r>
+              <a:rPr lang="en-US" sz="1200" b="0" i="0" kern="1200" dirty="0">
+                <a:solidFill>
+                  <a:schemeClr val="tx1"/>
+                </a:solidFill>
+                <a:effectLst/>
+                <a:latin typeface="+mn-lt"/>
+                <a:ea typeface="+mn-ea"/>
+                <a:cs typeface="+mn-cs"/>
+              </a:rPr>
+              <a:t>, but the feature you’ve just built doesn’t work. You simply look to him, shrug and say, “It works on my machine”. After some investigation you find that your coworker has version 1.7.0 of “Foo” installed which works a little different from the earlier 1.4.0 version you were using when developing. Because the package is using the </a:t>
+            </a:r>
+            <a:r>
+              <a:rPr lang="en-US" dirty="0"/>
+              <a:t>^</a:t>
+            </a:r>
+            <a:r>
+              <a:rPr lang="en-US" sz="1200" b="0" i="0" kern="1200" dirty="0">
+                <a:solidFill>
+                  <a:schemeClr val="tx1"/>
+                </a:solidFill>
+                <a:effectLst/>
+                <a:latin typeface="+mn-lt"/>
+                <a:ea typeface="+mn-ea"/>
+                <a:cs typeface="+mn-cs"/>
+              </a:rPr>
+              <a:t>symbol in your </a:t>
+            </a:r>
+            <a:r>
+              <a:rPr lang="en-US" sz="1200" b="0" i="0" kern="1200" dirty="0" err="1">
+                <a:solidFill>
+                  <a:schemeClr val="tx1"/>
+                </a:solidFill>
+                <a:effectLst/>
+                <a:latin typeface="+mn-lt"/>
+                <a:ea typeface="+mn-ea"/>
+                <a:cs typeface="+mn-cs"/>
+              </a:rPr>
+              <a:t>package.json</a:t>
+            </a:r>
+            <a:r>
+              <a:rPr lang="en-US" sz="1200" b="0" i="0" kern="1200" dirty="0">
+                <a:solidFill>
+                  <a:schemeClr val="tx1"/>
+                </a:solidFill>
+                <a:effectLst/>
+                <a:latin typeface="+mn-lt"/>
+                <a:ea typeface="+mn-ea"/>
+                <a:cs typeface="+mn-cs"/>
+              </a:rPr>
+              <a:t>, it will install the latest minor version which is why your coworker is on version 1.7.0 when he ran `</a:t>
+            </a:r>
+            <a:r>
+              <a:rPr lang="en-US" sz="1200" b="0" i="0" kern="1200" dirty="0" err="1">
+                <a:solidFill>
+                  <a:schemeClr val="tx1"/>
+                </a:solidFill>
+                <a:effectLst/>
+                <a:latin typeface="+mn-lt"/>
+                <a:ea typeface="+mn-ea"/>
+                <a:cs typeface="+mn-cs"/>
+              </a:rPr>
+              <a:t>npm</a:t>
+            </a:r>
+            <a:r>
+              <a:rPr lang="en-US" sz="1200" b="0" i="0" kern="1200" dirty="0">
+                <a:solidFill>
+                  <a:schemeClr val="tx1"/>
+                </a:solidFill>
+                <a:effectLst/>
+                <a:latin typeface="+mn-lt"/>
+                <a:ea typeface="+mn-ea"/>
+                <a:cs typeface="+mn-cs"/>
+              </a:rPr>
+              <a:t> install`.</a:t>
+            </a:r>
+          </a:p>
+          <a:p>
+            <a:pPr algn="l" rtl="0"/>
+            <a:endParaRPr lang="en-US" sz="1200" b="0" i="0" kern="1200" dirty="0">
+              <a:solidFill>
+                <a:schemeClr val="tx1"/>
+              </a:solidFill>
+              <a:effectLst/>
+              <a:latin typeface="+mn-lt"/>
+              <a:ea typeface="+mn-ea"/>
+              <a:cs typeface="+mn-cs"/>
+            </a:endParaRPr>
+          </a:p>
+          <a:p>
+            <a:pPr algn="l" rtl="0"/>
+            <a:r>
+              <a:rPr lang="en-US" sz="1200" b="0" i="0" kern="1200" dirty="0">
+                <a:solidFill>
+                  <a:schemeClr val="tx1"/>
+                </a:solidFill>
+                <a:effectLst/>
+                <a:latin typeface="+mn-lt"/>
+                <a:ea typeface="+mn-ea"/>
+                <a:cs typeface="+mn-cs"/>
+              </a:rPr>
+              <a:t>Why this happened? Because we don’t commit </a:t>
+            </a:r>
+            <a:r>
+              <a:rPr lang="en-US" sz="1200" b="0" i="0" kern="1200" dirty="0" err="1">
+                <a:solidFill>
+                  <a:schemeClr val="tx1"/>
+                </a:solidFill>
+                <a:effectLst/>
+                <a:latin typeface="+mn-lt"/>
+                <a:ea typeface="+mn-ea"/>
+                <a:cs typeface="+mn-cs"/>
+              </a:rPr>
+              <a:t>ower</a:t>
+            </a:r>
+            <a:r>
+              <a:rPr lang="en-US" sz="1200" b="0" i="0" kern="1200" dirty="0">
+                <a:solidFill>
+                  <a:schemeClr val="tx1"/>
+                </a:solidFill>
+                <a:effectLst/>
+                <a:latin typeface="+mn-lt"/>
+                <a:ea typeface="+mn-ea"/>
+                <a:cs typeface="+mn-cs"/>
+              </a:rPr>
+              <a:t> </a:t>
+            </a:r>
+            <a:r>
+              <a:rPr lang="en-US" sz="1200" b="0" i="0" kern="1200" dirty="0" err="1">
+                <a:solidFill>
+                  <a:schemeClr val="tx1"/>
+                </a:solidFill>
+                <a:effectLst/>
+                <a:latin typeface="+mn-lt"/>
+                <a:ea typeface="+mn-ea"/>
+                <a:cs typeface="+mn-cs"/>
+              </a:rPr>
+              <a:t>node_modules</a:t>
+            </a:r>
+            <a:r>
+              <a:rPr lang="en-US" sz="1200" b="0" i="0" kern="1200" dirty="0">
+                <a:solidFill>
+                  <a:schemeClr val="tx1"/>
+                </a:solidFill>
+                <a:effectLst/>
+                <a:latin typeface="+mn-lt"/>
+                <a:ea typeface="+mn-ea"/>
+                <a:cs typeface="+mn-cs"/>
+              </a:rPr>
+              <a:t> to our git repository (which is generally huge),</a:t>
+            </a:r>
+          </a:p>
+          <a:p>
+            <a:pPr algn="l" rtl="0"/>
+            <a:endParaRPr lang="en-US" sz="1200" b="0" i="0" kern="1200" dirty="0">
+              <a:solidFill>
+                <a:schemeClr val="tx1"/>
+              </a:solidFill>
+              <a:effectLst/>
+              <a:latin typeface="+mn-lt"/>
+              <a:ea typeface="+mn-ea"/>
+              <a:cs typeface="+mn-cs"/>
+            </a:endParaRPr>
+          </a:p>
+          <a:p>
+            <a:pPr algn="l" rtl="0"/>
+            <a:r>
+              <a:rPr lang="en-US" sz="1200" b="0" i="0" kern="1200" dirty="0">
+                <a:solidFill>
+                  <a:schemeClr val="tx1"/>
+                </a:solidFill>
+                <a:effectLst/>
+                <a:latin typeface="+mn-lt"/>
+                <a:ea typeface="+mn-ea"/>
+                <a:cs typeface="+mn-cs"/>
+              </a:rPr>
+              <a:t>The </a:t>
+            </a:r>
+            <a:r>
+              <a:rPr lang="en-US" b="1" dirty="0"/>
+              <a:t>package-</a:t>
+            </a:r>
+            <a:r>
+              <a:rPr lang="en-US" b="1" dirty="0" err="1"/>
+              <a:t>lock.json</a:t>
+            </a:r>
+            <a:r>
+              <a:rPr lang="en-US" sz="1200" b="1" i="0" kern="1200" dirty="0">
+                <a:solidFill>
+                  <a:schemeClr val="tx1"/>
+                </a:solidFill>
+                <a:effectLst/>
+                <a:latin typeface="+mn-lt"/>
+                <a:ea typeface="+mn-ea"/>
+                <a:cs typeface="+mn-cs"/>
+              </a:rPr>
+              <a:t> </a:t>
+            </a:r>
+            <a:r>
+              <a:rPr lang="en-US" sz="1200" b="0" i="0" kern="1200" dirty="0">
+                <a:solidFill>
+                  <a:schemeClr val="tx1"/>
+                </a:solidFill>
+                <a:effectLst/>
+                <a:latin typeface="+mn-lt"/>
+                <a:ea typeface="+mn-ea"/>
+                <a:cs typeface="+mn-cs"/>
+              </a:rPr>
+              <a:t>sets your currently installed version of each package </a:t>
+            </a:r>
+            <a:r>
+              <a:rPr lang="en-US" sz="1200" b="1" i="0" kern="1200" dirty="0">
+                <a:solidFill>
+                  <a:schemeClr val="tx1"/>
+                </a:solidFill>
+                <a:effectLst/>
+                <a:latin typeface="+mn-lt"/>
+                <a:ea typeface="+mn-ea"/>
+                <a:cs typeface="+mn-cs"/>
+              </a:rPr>
+              <a:t>in stone</a:t>
+            </a:r>
+            <a:r>
+              <a:rPr lang="en-US" sz="1200" b="0" i="0" kern="1200" dirty="0">
+                <a:solidFill>
+                  <a:schemeClr val="tx1"/>
+                </a:solidFill>
+                <a:effectLst/>
+                <a:latin typeface="+mn-lt"/>
+                <a:ea typeface="+mn-ea"/>
+                <a:cs typeface="+mn-cs"/>
+              </a:rPr>
+              <a:t>, and </a:t>
+            </a:r>
+            <a:r>
+              <a:rPr lang="en-US" b="1" dirty="0" err="1"/>
+              <a:t>npm</a:t>
+            </a:r>
+            <a:r>
+              <a:rPr lang="en-US" sz="1200" b="0" i="0" kern="1200" dirty="0">
+                <a:solidFill>
+                  <a:schemeClr val="tx1"/>
+                </a:solidFill>
+                <a:effectLst/>
+                <a:latin typeface="+mn-lt"/>
+                <a:ea typeface="+mn-ea"/>
+                <a:cs typeface="+mn-cs"/>
+              </a:rPr>
+              <a:t> will use those exact versions when running </a:t>
+            </a:r>
+            <a:r>
+              <a:rPr lang="en-US" b="1" dirty="0" err="1"/>
+              <a:t>npm</a:t>
+            </a:r>
+            <a:r>
+              <a:rPr lang="en-US" b="1" dirty="0"/>
+              <a:t> install</a:t>
+            </a:r>
+            <a:r>
+              <a:rPr lang="en-US" sz="1200" b="0" i="0" kern="1200" dirty="0">
+                <a:solidFill>
+                  <a:schemeClr val="tx1"/>
+                </a:solidFill>
+                <a:effectLst/>
+                <a:latin typeface="+mn-lt"/>
+                <a:ea typeface="+mn-ea"/>
+                <a:cs typeface="+mn-cs"/>
+              </a:rPr>
+              <a:t>.</a:t>
+            </a:r>
+          </a:p>
+          <a:p>
+            <a:pPr algn="l" rtl="0"/>
+            <a:endParaRPr lang="en-US" sz="1200" b="0" i="0" kern="1200" dirty="0">
+              <a:solidFill>
+                <a:schemeClr val="tx1"/>
+              </a:solidFill>
+              <a:effectLst/>
+              <a:latin typeface="+mn-lt"/>
+              <a:ea typeface="+mn-ea"/>
+              <a:cs typeface="+mn-cs"/>
+            </a:endParaRPr>
+          </a:p>
+          <a:p>
+            <a:pPr algn="l" rtl="0"/>
+            <a:endParaRPr lang="en-US" sz="1200" b="0" i="0" kern="1200" dirty="0">
+              <a:solidFill>
+                <a:schemeClr val="tx1"/>
+              </a:solidFill>
+              <a:effectLst/>
+              <a:latin typeface="+mn-lt"/>
+              <a:ea typeface="+mn-ea"/>
+              <a:cs typeface="+mn-cs"/>
+            </a:endParaRPr>
+          </a:p>
+          <a:p>
+            <a:pPr algn="l" rtl="0"/>
+            <a:r>
+              <a:rPr lang="en-US" sz="1200" b="1" i="0" kern="1200" dirty="0">
+                <a:solidFill>
+                  <a:schemeClr val="tx1"/>
+                </a:solidFill>
+                <a:effectLst/>
+                <a:latin typeface="+mn-lt"/>
+                <a:ea typeface="+mn-ea"/>
+                <a:cs typeface="+mn-cs"/>
+              </a:rPr>
+              <a:t>Summary:</a:t>
+            </a:r>
+          </a:p>
+          <a:p>
+            <a:pPr marL="171450" indent="-171450" algn="l" rtl="0">
+              <a:buFontTx/>
+              <a:buChar char="-"/>
+            </a:pPr>
+            <a:r>
+              <a:rPr lang="en-US" sz="1200" b="0" i="0" kern="1200" dirty="0">
+                <a:solidFill>
+                  <a:schemeClr val="tx1"/>
+                </a:solidFill>
+                <a:effectLst/>
+                <a:latin typeface="+mn-lt"/>
+                <a:ea typeface="+mn-ea"/>
+                <a:cs typeface="+mn-cs"/>
+              </a:rPr>
+              <a:t>If you’re using </a:t>
+            </a:r>
+            <a:r>
+              <a:rPr lang="en-US" sz="1200" b="0" i="0" kern="1200" dirty="0" err="1">
+                <a:solidFill>
+                  <a:schemeClr val="tx1"/>
+                </a:solidFill>
+                <a:effectLst/>
+                <a:latin typeface="+mn-lt"/>
+                <a:ea typeface="+mn-ea"/>
+                <a:cs typeface="+mn-cs"/>
+              </a:rPr>
+              <a:t>npm</a:t>
+            </a:r>
+            <a:r>
+              <a:rPr lang="en-US" sz="1200" b="0" i="0" kern="1200" dirty="0">
+                <a:solidFill>
+                  <a:schemeClr val="tx1"/>
+                </a:solidFill>
+                <a:effectLst/>
+                <a:latin typeface="+mn-lt"/>
+                <a:ea typeface="+mn-ea"/>
+                <a:cs typeface="+mn-cs"/>
+              </a:rPr>
+              <a:t> ^5.x.x, by default a package-</a:t>
+            </a:r>
+            <a:r>
+              <a:rPr lang="en-US" sz="1200" b="0" i="0" kern="1200" dirty="0" err="1">
+                <a:solidFill>
+                  <a:schemeClr val="tx1"/>
+                </a:solidFill>
+                <a:effectLst/>
+                <a:latin typeface="+mn-lt"/>
+                <a:ea typeface="+mn-ea"/>
+                <a:cs typeface="+mn-cs"/>
+              </a:rPr>
+              <a:t>lock.json</a:t>
+            </a:r>
+            <a:r>
+              <a:rPr lang="en-US" sz="1200" b="0" i="0" kern="1200" dirty="0">
+                <a:solidFill>
+                  <a:schemeClr val="tx1"/>
+                </a:solidFill>
+                <a:effectLst/>
+                <a:latin typeface="+mn-lt"/>
+                <a:ea typeface="+mn-ea"/>
+                <a:cs typeface="+mn-cs"/>
+              </a:rPr>
+              <a:t> will be generated for you.</a:t>
+            </a:r>
+          </a:p>
+          <a:p>
+            <a:pPr marL="171450" indent="-171450" algn="l" rtl="0">
+              <a:buFontTx/>
+              <a:buChar char="-"/>
+            </a:pPr>
+            <a:r>
+              <a:rPr lang="en-US" sz="1200" b="0" i="0" kern="1200" dirty="0">
+                <a:solidFill>
+                  <a:schemeClr val="tx1"/>
+                </a:solidFill>
+                <a:effectLst/>
+                <a:latin typeface="+mn-lt"/>
+                <a:ea typeface="+mn-ea"/>
+                <a:cs typeface="+mn-cs"/>
+              </a:rPr>
+              <a:t>You should use package-lock to ensure a consistent install and compatible dependencies.</a:t>
+            </a:r>
+          </a:p>
+          <a:p>
+            <a:pPr marL="171450" indent="-171450" algn="l" rtl="0">
+              <a:buFontTx/>
+              <a:buChar char="-"/>
+            </a:pPr>
+            <a:r>
+              <a:rPr lang="en-US" sz="1200" b="0" i="0" kern="1200" dirty="0">
+                <a:solidFill>
+                  <a:schemeClr val="tx1"/>
+                </a:solidFill>
+                <a:effectLst/>
+                <a:latin typeface="+mn-lt"/>
+                <a:ea typeface="+mn-ea"/>
+                <a:cs typeface="+mn-cs"/>
+              </a:rPr>
+              <a:t>You </a:t>
+            </a:r>
+            <a:r>
+              <a:rPr lang="en-US" sz="1200" b="1" i="0" kern="1200" dirty="0">
+                <a:solidFill>
+                  <a:schemeClr val="tx1"/>
+                </a:solidFill>
+                <a:effectLst/>
+                <a:latin typeface="+mn-lt"/>
+                <a:ea typeface="+mn-ea"/>
+                <a:cs typeface="+mn-cs"/>
+              </a:rPr>
+              <a:t>SHOULD</a:t>
+            </a:r>
+            <a:r>
+              <a:rPr lang="en-US" sz="1200" b="0" i="0" kern="1200" dirty="0">
+                <a:solidFill>
+                  <a:schemeClr val="tx1"/>
+                </a:solidFill>
+                <a:effectLst/>
+                <a:latin typeface="+mn-lt"/>
+                <a:ea typeface="+mn-ea"/>
+                <a:cs typeface="+mn-cs"/>
+              </a:rPr>
+              <a:t> commit your package-lock to source control</a:t>
+            </a:r>
+          </a:p>
+          <a:p>
+            <a:pPr marL="171450" indent="-171450" algn="l" rtl="0">
+              <a:buFontTx/>
+              <a:buChar char="-"/>
+            </a:pPr>
+            <a:r>
+              <a:rPr lang="en-US" sz="1200" b="0" i="0" kern="1200" dirty="0">
+                <a:solidFill>
+                  <a:schemeClr val="tx1"/>
+                </a:solidFill>
+                <a:effectLst/>
+                <a:latin typeface="+mn-lt"/>
+                <a:ea typeface="+mn-ea"/>
+                <a:cs typeface="+mn-cs"/>
+              </a:rPr>
+              <a:t>As of </a:t>
+            </a:r>
+            <a:r>
+              <a:rPr lang="en-US" sz="1200" b="0" i="0" kern="1200" dirty="0" err="1">
+                <a:solidFill>
+                  <a:schemeClr val="tx1"/>
+                </a:solidFill>
+                <a:effectLst/>
+                <a:latin typeface="+mn-lt"/>
+                <a:ea typeface="+mn-ea"/>
+                <a:cs typeface="+mn-cs"/>
+              </a:rPr>
+              <a:t>npm</a:t>
+            </a:r>
+            <a:r>
+              <a:rPr lang="en-US" sz="1200" b="0" i="0" kern="1200" dirty="0">
+                <a:solidFill>
+                  <a:schemeClr val="tx1"/>
+                </a:solidFill>
+                <a:effectLst/>
+                <a:latin typeface="+mn-lt"/>
+                <a:ea typeface="+mn-ea"/>
+                <a:cs typeface="+mn-cs"/>
+              </a:rPr>
+              <a:t> ^5.1.x, </a:t>
+            </a:r>
+            <a:r>
+              <a:rPr lang="en-US" sz="1200" b="0" i="0" kern="1200" dirty="0" err="1">
+                <a:solidFill>
+                  <a:schemeClr val="tx1"/>
+                </a:solidFill>
+                <a:effectLst/>
+                <a:latin typeface="+mn-lt"/>
+                <a:ea typeface="+mn-ea"/>
+                <a:cs typeface="+mn-cs"/>
+              </a:rPr>
+              <a:t>package.json</a:t>
+            </a:r>
+            <a:r>
+              <a:rPr lang="en-US" sz="1200" b="0" i="0" kern="1200" dirty="0">
+                <a:solidFill>
+                  <a:schemeClr val="tx1"/>
+                </a:solidFill>
+                <a:effectLst/>
+                <a:latin typeface="+mn-lt"/>
+                <a:ea typeface="+mn-ea"/>
+                <a:cs typeface="+mn-cs"/>
+              </a:rPr>
+              <a:t> is now able to trump package-</a:t>
+            </a:r>
+            <a:r>
+              <a:rPr lang="en-US" sz="1200" b="0" i="0" kern="1200" dirty="0" err="1">
+                <a:solidFill>
+                  <a:schemeClr val="tx1"/>
+                </a:solidFill>
+                <a:effectLst/>
+                <a:latin typeface="+mn-lt"/>
+                <a:ea typeface="+mn-ea"/>
+                <a:cs typeface="+mn-cs"/>
+              </a:rPr>
+              <a:t>lock.json</a:t>
+            </a:r>
+            <a:r>
+              <a:rPr lang="en-US" sz="1200" b="0" i="0" kern="1200" dirty="0">
+                <a:solidFill>
+                  <a:schemeClr val="tx1"/>
+                </a:solidFill>
+                <a:effectLst/>
+                <a:latin typeface="+mn-lt"/>
+                <a:ea typeface="+mn-ea"/>
+                <a:cs typeface="+mn-cs"/>
+              </a:rPr>
+              <a:t>, so you should experience much less of a headache</a:t>
+            </a:r>
+          </a:p>
+          <a:p>
+            <a:pPr marL="171450" indent="-171450" algn="l" rtl="0">
+              <a:buFontTx/>
+              <a:buChar char="-"/>
+            </a:pPr>
+            <a:r>
+              <a:rPr lang="en-US" sz="1200" b="0" i="0" kern="1200" dirty="0">
+                <a:solidFill>
+                  <a:schemeClr val="tx1"/>
+                </a:solidFill>
+                <a:effectLst/>
+                <a:latin typeface="+mn-lt"/>
+                <a:ea typeface="+mn-ea"/>
+                <a:cs typeface="+mn-cs"/>
+              </a:rPr>
+              <a:t>No more deleting that package-lock just to run `</a:t>
+            </a:r>
+            <a:r>
+              <a:rPr lang="en-US" sz="1200" b="0" i="0" kern="1200" dirty="0" err="1">
+                <a:solidFill>
+                  <a:schemeClr val="tx1"/>
+                </a:solidFill>
+                <a:effectLst/>
+                <a:latin typeface="+mn-lt"/>
+                <a:ea typeface="+mn-ea"/>
+                <a:cs typeface="+mn-cs"/>
+              </a:rPr>
+              <a:t>npm</a:t>
+            </a:r>
+            <a:r>
+              <a:rPr lang="en-US" sz="1200" b="0" i="0" kern="1200" dirty="0">
+                <a:solidFill>
+                  <a:schemeClr val="tx1"/>
+                </a:solidFill>
+                <a:effectLst/>
+                <a:latin typeface="+mn-lt"/>
+                <a:ea typeface="+mn-ea"/>
+                <a:cs typeface="+mn-cs"/>
+              </a:rPr>
+              <a:t> install` and regenerate it</a:t>
+            </a:r>
+          </a:p>
+          <a:p>
+            <a:pPr marL="171450" indent="-171450" algn="l" rtl="0">
+              <a:buFontTx/>
+              <a:buChar char="-"/>
+            </a:pPr>
+            <a:r>
+              <a:rPr lang="en-US" sz="1200" b="0" i="0" kern="1200" dirty="0">
+                <a:solidFill>
+                  <a:schemeClr val="tx1"/>
+                </a:solidFill>
+                <a:effectLst/>
+                <a:latin typeface="+mn-lt"/>
+                <a:ea typeface="+mn-ea"/>
+                <a:cs typeface="+mn-cs"/>
+              </a:rPr>
+              <a:t>Use </a:t>
+            </a:r>
+            <a:r>
+              <a:rPr lang="en-US" sz="1200" b="0" i="0" kern="1200" dirty="0" err="1">
+                <a:solidFill>
+                  <a:schemeClr val="tx1"/>
+                </a:solidFill>
+                <a:effectLst/>
+                <a:latin typeface="+mn-lt"/>
+                <a:ea typeface="+mn-ea"/>
+                <a:cs typeface="+mn-cs"/>
+              </a:rPr>
+              <a:t>semver</a:t>
+            </a:r>
+            <a:r>
+              <a:rPr lang="en-US" sz="1200" b="0" i="0" kern="1200" dirty="0">
+                <a:solidFill>
+                  <a:schemeClr val="tx1"/>
+                </a:solidFill>
+                <a:effectLst/>
+                <a:latin typeface="+mn-lt"/>
+                <a:ea typeface="+mn-ea"/>
+                <a:cs typeface="+mn-cs"/>
+              </a:rPr>
+              <a:t> if your app offers an API, and adhere to the rules of </a:t>
+            </a:r>
+            <a:r>
+              <a:rPr lang="en-US" sz="1200" b="0" i="0" kern="1200" dirty="0" err="1">
+                <a:solidFill>
+                  <a:schemeClr val="tx1"/>
+                </a:solidFill>
+                <a:effectLst/>
+                <a:latin typeface="+mn-lt"/>
+                <a:ea typeface="+mn-ea"/>
+                <a:cs typeface="+mn-cs"/>
+              </a:rPr>
+              <a:t>semver</a:t>
+            </a:r>
+            <a:r>
+              <a:rPr lang="en-US" sz="1200" b="0" i="0" kern="1200" dirty="0">
+                <a:solidFill>
+                  <a:schemeClr val="tx1"/>
+                </a:solidFill>
+                <a:effectLst/>
+                <a:latin typeface="+mn-lt"/>
+                <a:ea typeface="+mn-ea"/>
+                <a:cs typeface="+mn-cs"/>
+              </a:rPr>
+              <a:t>.</a:t>
+            </a:r>
+          </a:p>
+          <a:p>
+            <a:pPr marL="0" indent="0" algn="l" rtl="0">
+              <a:buFontTx/>
+              <a:buNone/>
+            </a:pPr>
+            <a:endParaRPr lang="en-US" sz="1200" b="0" i="0" kern="1200" dirty="0">
+              <a:solidFill>
+                <a:schemeClr val="tx1"/>
+              </a:solidFill>
+              <a:effectLst/>
+              <a:latin typeface="+mn-lt"/>
+              <a:ea typeface="+mn-ea"/>
+              <a:cs typeface="+mn-cs"/>
+            </a:endParaRPr>
+          </a:p>
+          <a:p>
+            <a:pPr marL="0" indent="0" algn="l" rtl="0">
+              <a:buFontTx/>
+              <a:buNone/>
+            </a:pPr>
+            <a:endParaRPr lang="en-US" sz="1200" b="0" i="0" kern="1200" dirty="0">
+              <a:solidFill>
+                <a:schemeClr val="tx1"/>
+              </a:solidFill>
+              <a:effectLst/>
+              <a:latin typeface="+mn-lt"/>
+              <a:ea typeface="+mn-ea"/>
+              <a:cs typeface="+mn-cs"/>
+            </a:endParaRPr>
+          </a:p>
+          <a:p>
+            <a:pPr algn="l" rtl="0"/>
+            <a:endParaRPr lang="en-US" sz="1200" b="0" i="0" kern="1200" dirty="0">
+              <a:solidFill>
+                <a:schemeClr val="tx1"/>
+              </a:solidFill>
+              <a:effectLst/>
+              <a:latin typeface="+mn-lt"/>
+              <a:ea typeface="+mn-ea"/>
+              <a:cs typeface="+mn-cs"/>
+            </a:endParaRPr>
+          </a:p>
+          <a:p>
+            <a:pPr marL="171450" indent="-171450" algn="l" rtl="0">
+              <a:buFontTx/>
+              <a:buChar char="-"/>
+            </a:pPr>
+            <a:r>
+              <a:rPr lang="en-US" sz="1200" b="0" i="0" kern="1200" dirty="0">
+                <a:solidFill>
+                  <a:schemeClr val="tx1"/>
+                </a:solidFill>
+                <a:effectLst/>
+                <a:latin typeface="+mn-lt"/>
+                <a:ea typeface="+mn-ea"/>
+                <a:cs typeface="+mn-cs"/>
+              </a:rPr>
+              <a:t>https://medium.com/@vincentnewkirk/npm-vs-yarn-2019-e88757b17038#aa85</a:t>
+            </a:r>
+          </a:p>
+          <a:p>
+            <a:pPr marL="171450" indent="-171450" algn="l" rtl="0">
+              <a:buFontTx/>
+              <a:buChar char="-"/>
+            </a:pPr>
+            <a:r>
+              <a:rPr lang="en-US" sz="1200" b="0" i="0" kern="1200" dirty="0">
+                <a:solidFill>
+                  <a:schemeClr val="tx1"/>
+                </a:solidFill>
+                <a:effectLst/>
+                <a:latin typeface="+mn-lt"/>
+                <a:ea typeface="+mn-ea"/>
+                <a:cs typeface="+mn-cs"/>
+              </a:rPr>
+              <a:t>https://medium.com/coinmonks/everything-you-wanted-to-know-about-package-lock-json-b81911aa8ab8</a:t>
+            </a:r>
+          </a:p>
+          <a:p>
+            <a:pPr marL="171450" indent="-171450" algn="l" rtl="0">
+              <a:buFontTx/>
+              <a:buChar char="-"/>
+            </a:pPr>
+            <a:r>
+              <a:rPr lang="en-US" sz="1200" b="0" i="0" kern="1200" dirty="0">
+                <a:solidFill>
+                  <a:schemeClr val="tx1"/>
+                </a:solidFill>
+                <a:effectLst/>
+                <a:latin typeface="+mn-lt"/>
+                <a:ea typeface="+mn-ea"/>
+                <a:cs typeface="+mn-cs"/>
+              </a:rPr>
+              <a:t>https://flaviocopes.com/package-lock-json/</a:t>
+            </a:r>
+          </a:p>
+          <a:p>
+            <a:pPr algn="l" rtl="0"/>
+            <a:endParaRPr lang="en-US" sz="1200" b="0" i="0" kern="1200" dirty="0">
+              <a:solidFill>
+                <a:schemeClr val="tx1"/>
+              </a:solidFill>
+              <a:effectLst/>
+              <a:latin typeface="+mn-lt"/>
+              <a:ea typeface="+mn-ea"/>
+              <a:cs typeface="+mn-cs"/>
+            </a:endParaRPr>
+          </a:p>
+        </p:txBody>
+      </p:sp>
+      <p:sp>
+        <p:nvSpPr>
+          <p:cNvPr id="4" name="Slide Number Placeholder 3"/>
+          <p:cNvSpPr>
+            <a:spLocks noGrp="1"/>
+          </p:cNvSpPr>
+          <p:nvPr>
+            <p:ph type="sldNum" sz="quarter" idx="10"/>
+          </p:nvPr>
+        </p:nvSpPr>
+        <p:spPr/>
+        <p:txBody>
+          <a:bodyPr/>
+          <a:lstStyle/>
+          <a:p>
+            <a:fld id="{595D0871-5AD0-4670-BDA8-FBE649F625DD}" type="slidenum">
+              <a:rPr lang="he-IL" smtClean="0"/>
+              <a:t>21</a:t>
+            </a:fld>
+            <a:endParaRPr lang="he-IL"/>
+          </a:p>
+        </p:txBody>
+      </p:sp>
+    </p:spTree>
+    <p:extLst>
+      <p:ext uri="{BB962C8B-B14F-4D97-AF65-F5344CB8AC3E}">
+        <p14:creationId xmlns:p14="http://schemas.microsoft.com/office/powerpoint/2010/main" val="3999984840"/>
       </p:ext>
     </p:extLst>
   </p:cSld>
@@ -2401,6 +5723,310 @@
     <p:extLst>
       <p:ext uri="{BB962C8B-B14F-4D97-AF65-F5344CB8AC3E}">
         <p14:creationId xmlns:p14="http://schemas.microsoft.com/office/powerpoint/2010/main" val="886165338"/>
+      </p:ext>
+    </p:extLst>
+  </p:cSld>
+  <p:clrMapOvr>
+    <a:masterClrMapping/>
+  </p:clrMapOvr>
+</p:notes>
+</file>
+
+<file path=ppt/notesSlides/notesSlide20.xml><?xml version="1.0" encoding="utf-8"?>
+<p:notes xmlns:a="http://schemas.openxmlformats.org/drawingml/2006/main" xmlns:r="http://schemas.openxmlformats.org/officeDocument/2006/relationships" xmlns:p="http://schemas.openxmlformats.org/presentationml/2006/main">
+  <p:cSld>
+    <p:spTree>
+      <p:nvGrpSpPr>
+        <p:cNvPr id="1" name=""/>
+        <p:cNvGrpSpPr/>
+        <p:nvPr/>
+      </p:nvGrpSpPr>
+      <p:grpSpPr>
+        <a:xfrm>
+          <a:off x="0" y="0"/>
+          <a:ext cx="0" cy="0"/>
+          <a:chOff x="0" y="0"/>
+          <a:chExt cx="0" cy="0"/>
+        </a:xfrm>
+      </p:grpSpPr>
+      <p:sp>
+        <p:nvSpPr>
+          <p:cNvPr id="2" name="Slide Image Placeholder 1"/>
+          <p:cNvSpPr>
+            <a:spLocks noGrp="1" noRot="1" noChangeAspect="1"/>
+          </p:cNvSpPr>
+          <p:nvPr>
+            <p:ph type="sldImg"/>
+          </p:nvPr>
+        </p:nvSpPr>
+        <p:spPr/>
+      </p:sp>
+      <p:sp>
+        <p:nvSpPr>
+          <p:cNvPr id="3" name="Notes Placeholder 2"/>
+          <p:cNvSpPr>
+            <a:spLocks noGrp="1"/>
+          </p:cNvSpPr>
+          <p:nvPr>
+            <p:ph type="body" idx="1"/>
+          </p:nvPr>
+        </p:nvSpPr>
+        <p:spPr/>
+        <p:txBody>
+          <a:bodyPr/>
+          <a:lstStyle/>
+          <a:p>
+            <a:pPr algn="l" rtl="0"/>
+            <a:r>
+              <a:rPr lang="en-US" sz="1200" b="0" i="0" kern="1200" dirty="0">
+                <a:solidFill>
+                  <a:schemeClr val="tx1"/>
+                </a:solidFill>
+                <a:effectLst/>
+                <a:latin typeface="+mn-lt"/>
+                <a:ea typeface="+mn-ea"/>
+                <a:cs typeface="+mn-cs"/>
+              </a:rPr>
+              <a:t>For development, a package can be linked into another project. This is often useful to test out new features or when trying to debug an issue in a package that manifests itself in another project.</a:t>
+            </a:r>
+          </a:p>
+          <a:p>
+            <a:pPr algn="l" rtl="0"/>
+            <a:r>
+              <a:rPr lang="en-US" sz="1200" b="0" i="0" kern="1200" dirty="0">
+                <a:solidFill>
+                  <a:schemeClr val="tx1"/>
+                </a:solidFill>
+                <a:effectLst/>
+                <a:latin typeface="+mn-lt"/>
+                <a:ea typeface="+mn-ea"/>
+                <a:cs typeface="+mn-cs"/>
+              </a:rPr>
+              <a:t>Example of IDSE project</a:t>
+            </a:r>
+          </a:p>
+          <a:p>
+            <a:pPr algn="l" rtl="0"/>
+            <a:endParaRPr lang="en-US" sz="1200" b="0" i="0" kern="1200" dirty="0">
+              <a:solidFill>
+                <a:schemeClr val="tx1"/>
+              </a:solidFill>
+              <a:effectLst/>
+              <a:latin typeface="+mn-lt"/>
+              <a:ea typeface="+mn-ea"/>
+              <a:cs typeface="+mn-cs"/>
+            </a:endParaRPr>
+          </a:p>
+          <a:p>
+            <a:pPr algn="l" rtl="0"/>
+            <a:endParaRPr lang="en-US" sz="1200" b="0" i="0" kern="1200" dirty="0">
+              <a:solidFill>
+                <a:schemeClr val="tx1"/>
+              </a:solidFill>
+              <a:effectLst/>
+              <a:latin typeface="+mn-lt"/>
+              <a:ea typeface="+mn-ea"/>
+              <a:cs typeface="+mn-cs"/>
+            </a:endParaRPr>
+          </a:p>
+          <a:p>
+            <a:pPr marL="171450" indent="-171450" algn="l" rtl="0">
+              <a:buFontTx/>
+              <a:buChar char="-"/>
+            </a:pPr>
+            <a:r>
+              <a:rPr lang="en-US" sz="1200" b="0" i="0" kern="1200" dirty="0">
+                <a:solidFill>
+                  <a:schemeClr val="tx1"/>
+                </a:solidFill>
+                <a:effectLst/>
+                <a:latin typeface="+mn-lt"/>
+                <a:ea typeface="+mn-ea"/>
+                <a:cs typeface="+mn-cs"/>
+              </a:rPr>
+              <a:t>https://docs.npmjs.com/cli/link.html</a:t>
+            </a:r>
+          </a:p>
+          <a:p>
+            <a:pPr marL="171450" indent="-171450" algn="l" rtl="0">
+              <a:buFontTx/>
+              <a:buChar char="-"/>
+            </a:pPr>
+            <a:r>
+              <a:rPr lang="en-US" sz="1200" b="0" i="0" kern="1200" dirty="0">
+                <a:solidFill>
+                  <a:schemeClr val="tx1"/>
+                </a:solidFill>
+                <a:effectLst/>
+                <a:latin typeface="+mn-lt"/>
+                <a:ea typeface="+mn-ea"/>
+                <a:cs typeface="+mn-cs"/>
+              </a:rPr>
+              <a:t>https://yarnpkg.com/lang/en/docs/cli/link/</a:t>
+            </a:r>
+          </a:p>
+          <a:p>
+            <a:pPr marL="171450" indent="-171450" algn="l" rtl="0">
+              <a:buFontTx/>
+              <a:buChar char="-"/>
+            </a:pPr>
+            <a:r>
+              <a:rPr lang="en-US" sz="1200" b="0" i="0" kern="1200" dirty="0">
+                <a:solidFill>
+                  <a:schemeClr val="tx1"/>
+                </a:solidFill>
+                <a:effectLst/>
+                <a:latin typeface="+mn-lt"/>
+                <a:ea typeface="+mn-ea"/>
+                <a:cs typeface="+mn-cs"/>
+              </a:rPr>
+              <a:t>https://medium.com/dailyjs/how-to-use-npm-link-7375b6219557</a:t>
+            </a:r>
+          </a:p>
+          <a:p>
+            <a:pPr marL="171450" indent="-171450" algn="l" rtl="0">
+              <a:buFontTx/>
+              <a:buChar char="-"/>
+            </a:pPr>
+            <a:endParaRPr lang="en-US" sz="1200" b="0" i="0" kern="1200" dirty="0">
+              <a:solidFill>
+                <a:schemeClr val="tx1"/>
+              </a:solidFill>
+              <a:effectLst/>
+              <a:latin typeface="+mn-lt"/>
+              <a:ea typeface="+mn-ea"/>
+              <a:cs typeface="+mn-cs"/>
+            </a:endParaRPr>
+          </a:p>
+          <a:p>
+            <a:pPr marL="171450" indent="-171450" algn="l" rtl="0">
+              <a:buFontTx/>
+              <a:buChar char="-"/>
+            </a:pPr>
+            <a:endParaRPr lang="en-US" sz="1200" b="0" i="0" kern="1200" dirty="0">
+              <a:solidFill>
+                <a:schemeClr val="tx1"/>
+              </a:solidFill>
+              <a:effectLst/>
+              <a:latin typeface="+mn-lt"/>
+              <a:ea typeface="+mn-ea"/>
+              <a:cs typeface="+mn-cs"/>
+            </a:endParaRPr>
+          </a:p>
+        </p:txBody>
+      </p:sp>
+      <p:sp>
+        <p:nvSpPr>
+          <p:cNvPr id="4" name="Slide Number Placeholder 3"/>
+          <p:cNvSpPr>
+            <a:spLocks noGrp="1"/>
+          </p:cNvSpPr>
+          <p:nvPr>
+            <p:ph type="sldNum" sz="quarter" idx="10"/>
+          </p:nvPr>
+        </p:nvSpPr>
+        <p:spPr/>
+        <p:txBody>
+          <a:bodyPr/>
+          <a:lstStyle/>
+          <a:p>
+            <a:fld id="{595D0871-5AD0-4670-BDA8-FBE649F625DD}" type="slidenum">
+              <a:rPr lang="he-IL" smtClean="0"/>
+              <a:t>22</a:t>
+            </a:fld>
+            <a:endParaRPr lang="he-IL"/>
+          </a:p>
+        </p:txBody>
+      </p:sp>
+    </p:spTree>
+    <p:extLst>
+      <p:ext uri="{BB962C8B-B14F-4D97-AF65-F5344CB8AC3E}">
+        <p14:creationId xmlns:p14="http://schemas.microsoft.com/office/powerpoint/2010/main" val="656375540"/>
+      </p:ext>
+    </p:extLst>
+  </p:cSld>
+  <p:clrMapOvr>
+    <a:masterClrMapping/>
+  </p:clrMapOvr>
+</p:notes>
+</file>
+
+<file path=ppt/notesSlides/notesSlide21.xml><?xml version="1.0" encoding="utf-8"?>
+<p:notes xmlns:a="http://schemas.openxmlformats.org/drawingml/2006/main" xmlns:r="http://schemas.openxmlformats.org/officeDocument/2006/relationships" xmlns:p="http://schemas.openxmlformats.org/presentationml/2006/main">
+  <p:cSld>
+    <p:spTree>
+      <p:nvGrpSpPr>
+        <p:cNvPr id="1" name=""/>
+        <p:cNvGrpSpPr/>
+        <p:nvPr/>
+      </p:nvGrpSpPr>
+      <p:grpSpPr>
+        <a:xfrm>
+          <a:off x="0" y="0"/>
+          <a:ext cx="0" cy="0"/>
+          <a:chOff x="0" y="0"/>
+          <a:chExt cx="0" cy="0"/>
+        </a:xfrm>
+      </p:grpSpPr>
+      <p:sp>
+        <p:nvSpPr>
+          <p:cNvPr id="2" name="Slide Image Placeholder 1"/>
+          <p:cNvSpPr>
+            <a:spLocks noGrp="1" noRot="1" noChangeAspect="1"/>
+          </p:cNvSpPr>
+          <p:nvPr>
+            <p:ph type="sldImg"/>
+          </p:nvPr>
+        </p:nvSpPr>
+        <p:spPr/>
+      </p:sp>
+      <p:sp>
+        <p:nvSpPr>
+          <p:cNvPr id="3" name="Notes Placeholder 2"/>
+          <p:cNvSpPr>
+            <a:spLocks noGrp="1"/>
+          </p:cNvSpPr>
+          <p:nvPr>
+            <p:ph type="body" idx="1"/>
+          </p:nvPr>
+        </p:nvSpPr>
+        <p:spPr/>
+        <p:txBody>
+          <a:bodyPr/>
+          <a:lstStyle/>
+          <a:p>
+            <a:pPr algn="l" rtl="0"/>
+            <a:endParaRPr lang="en-US" b="0" dirty="0"/>
+          </a:p>
+        </p:txBody>
+      </p:sp>
+      <p:sp>
+        <p:nvSpPr>
+          <p:cNvPr id="4" name="Slide Number Placeholder 3"/>
+          <p:cNvSpPr>
+            <a:spLocks noGrp="1"/>
+          </p:cNvSpPr>
+          <p:nvPr>
+            <p:ph type="sldNum" sz="quarter" idx="10"/>
+          </p:nvPr>
+        </p:nvSpPr>
+        <p:spPr/>
+        <p:txBody>
+          <a:bodyPr/>
+          <a:lstStyle/>
+          <a:p>
+            <a:fld id="{595D0871-5AD0-4670-BDA8-FBE649F625DD}" type="slidenum">
+              <a:rPr lang="he-IL" smtClean="0"/>
+              <a:t>23</a:t>
+            </a:fld>
+            <a:endParaRPr lang="he-IL"/>
+          </a:p>
+        </p:txBody>
+      </p:sp>
+    </p:spTree>
+    <p:extLst>
+      <p:ext uri="{BB962C8B-B14F-4D97-AF65-F5344CB8AC3E}">
+        <p14:creationId xmlns:p14="http://schemas.microsoft.com/office/powerpoint/2010/main" val="4181460238"/>
       </p:ext>
     </p:extLst>
   </p:cSld>
@@ -5054,7 +8680,7 @@
           <a:p>
             <a:fld id="{F472E424-CC75-4448-A1B5-6FCA6BFEE599}" type="datetimeFigureOut">
               <a:rPr lang="he-IL" smtClean="0"/>
-              <a:t>ה'/אדר א/תשע"ט</a:t>
+              <a:t>י"ט/אדר א/תשע"ט</a:t>
             </a:fld>
             <a:endParaRPr lang="he-IL"/>
           </a:p>
@@ -5222,7 +8848,7 @@
           <a:p>
             <a:fld id="{F472E424-CC75-4448-A1B5-6FCA6BFEE599}" type="datetimeFigureOut">
               <a:rPr lang="he-IL" smtClean="0"/>
-              <a:t>ה'/אדר א/תשע"ט</a:t>
+              <a:t>י"ט/אדר א/תשע"ט</a:t>
             </a:fld>
             <a:endParaRPr lang="he-IL"/>
           </a:p>
@@ -5400,7 +9026,7 @@
           <a:p>
             <a:fld id="{F472E424-CC75-4448-A1B5-6FCA6BFEE599}" type="datetimeFigureOut">
               <a:rPr lang="he-IL" smtClean="0"/>
-              <a:t>ה'/אדר א/תשע"ט</a:t>
+              <a:t>י"ט/אדר א/תשע"ט</a:t>
             </a:fld>
             <a:endParaRPr lang="he-IL"/>
           </a:p>
@@ -5784,7 +9410,7 @@
           <a:p>
             <a:fld id="{F472E424-CC75-4448-A1B5-6FCA6BFEE599}" type="datetimeFigureOut">
               <a:rPr lang="he-IL" smtClean="0"/>
-              <a:t>ה'/אדר א/תשע"ט</a:t>
+              <a:t>י"ט/אדר א/תשע"ט</a:t>
             </a:fld>
             <a:endParaRPr lang="he-IL"/>
           </a:p>
@@ -6029,7 +9655,7 @@
           <a:p>
             <a:fld id="{F472E424-CC75-4448-A1B5-6FCA6BFEE599}" type="datetimeFigureOut">
               <a:rPr lang="he-IL" smtClean="0"/>
-              <a:t>ה'/אדר א/תשע"ט</a:t>
+              <a:t>י"ט/אדר א/תשע"ט</a:t>
             </a:fld>
             <a:endParaRPr lang="he-IL"/>
           </a:p>
@@ -6258,7 +9884,7 @@
           <a:p>
             <a:fld id="{F472E424-CC75-4448-A1B5-6FCA6BFEE599}" type="datetimeFigureOut">
               <a:rPr lang="he-IL" smtClean="0"/>
-              <a:t>ה'/אדר א/תשע"ט</a:t>
+              <a:t>י"ט/אדר א/תשע"ט</a:t>
             </a:fld>
             <a:endParaRPr lang="he-IL"/>
           </a:p>
@@ -6622,7 +10248,7 @@
           <a:p>
             <a:fld id="{F472E424-CC75-4448-A1B5-6FCA6BFEE599}" type="datetimeFigureOut">
               <a:rPr lang="he-IL" smtClean="0"/>
-              <a:t>ה'/אדר א/תשע"ט</a:t>
+              <a:t>י"ט/אדר א/תשע"ט</a:t>
             </a:fld>
             <a:endParaRPr lang="he-IL"/>
           </a:p>
@@ -6739,7 +10365,7 @@
           <a:p>
             <a:fld id="{F472E424-CC75-4448-A1B5-6FCA6BFEE599}" type="datetimeFigureOut">
               <a:rPr lang="he-IL" smtClean="0"/>
-              <a:t>ה'/אדר א/תשע"ט</a:t>
+              <a:t>י"ט/אדר א/תשע"ט</a:t>
             </a:fld>
             <a:endParaRPr lang="he-IL"/>
           </a:p>
@@ -6834,7 +10460,7 @@
           <a:p>
             <a:fld id="{F472E424-CC75-4448-A1B5-6FCA6BFEE599}" type="datetimeFigureOut">
               <a:rPr lang="he-IL" smtClean="0"/>
-              <a:t>ה'/אדר א/תשע"ט</a:t>
+              <a:t>י"ט/אדר א/תשע"ט</a:t>
             </a:fld>
             <a:endParaRPr lang="he-IL"/>
           </a:p>
@@ -7109,7 +10735,7 @@
           <a:p>
             <a:fld id="{F472E424-CC75-4448-A1B5-6FCA6BFEE599}" type="datetimeFigureOut">
               <a:rPr lang="he-IL" smtClean="0"/>
-              <a:t>ה'/אדר א/תשע"ט</a:t>
+              <a:t>י"ט/אדר א/תשע"ט</a:t>
             </a:fld>
             <a:endParaRPr lang="he-IL"/>
           </a:p>
@@ -7361,7 +10987,7 @@
           <a:p>
             <a:fld id="{F472E424-CC75-4448-A1B5-6FCA6BFEE599}" type="datetimeFigureOut">
               <a:rPr lang="he-IL" smtClean="0"/>
-              <a:t>ה'/אדר א/תשע"ט</a:t>
+              <a:t>י"ט/אדר א/תשע"ט</a:t>
             </a:fld>
             <a:endParaRPr lang="he-IL"/>
           </a:p>
@@ -7572,7 +11198,7 @@
           <a:p>
             <a:fld id="{F472E424-CC75-4448-A1B5-6FCA6BFEE599}" type="datetimeFigureOut">
               <a:rPr lang="he-IL" smtClean="0"/>
-              <a:t>ה'/אדר א/תשע"ט</a:t>
+              <a:t>י"ט/אדר א/תשע"ט</a:t>
             </a:fld>
             <a:endParaRPr lang="he-IL"/>
           </a:p>
@@ -8834,6 +12460,128 @@
           </a:bodyPr>
           <a:lstStyle/>
           <a:p>
+            <a:pPr algn="ctr" rtl="0"/>
+            <a:r>
+              <a:rPr lang="en-US" b="1" dirty="0">
+                <a:solidFill>
+                  <a:schemeClr val="bg1"/>
+                </a:solidFill>
+              </a:rPr>
+              <a:t>Where TS in JS? </a:t>
+            </a:r>
+          </a:p>
+        </p:txBody>
+      </p:sp>
+    </p:spTree>
+    <p:extLst>
+      <p:ext uri="{BB962C8B-B14F-4D97-AF65-F5344CB8AC3E}">
+        <p14:creationId xmlns:p14="http://schemas.microsoft.com/office/powerpoint/2010/main" val="2966267434"/>
+      </p:ext>
+    </p:extLst>
+  </p:cSld>
+  <p:clrMapOvr>
+    <a:masterClrMapping/>
+  </p:clrMapOvr>
+  <mc:AlternateContent xmlns:mc="http://schemas.openxmlformats.org/markup-compatibility/2006" xmlns:p14="http://schemas.microsoft.com/office/powerpoint/2010/main">
+    <mc:Choice Requires="p14">
+      <p:transition spd="med" p14:dur="700">
+        <p:fade/>
+      </p:transition>
+    </mc:Choice>
+    <mc:Fallback xmlns="">
+      <p:transition xmlns:p14="http://schemas.microsoft.com/office/powerpoint/2010/main" spd="med">
+        <p:fade/>
+      </p:transition>
+    </mc:Fallback>
+  </mc:AlternateContent>
+</p:sld>
+</file>
+
+<file path=ppt/slides/slide16.xml><?xml version="1.0" encoding="utf-8"?>
+<p:sld xmlns:a="http://schemas.openxmlformats.org/drawingml/2006/main" xmlns:r="http://schemas.openxmlformats.org/officeDocument/2006/relationships" xmlns:p="http://schemas.openxmlformats.org/presentationml/2006/main">
+  <p:cSld>
+    <p:spTree>
+      <p:nvGrpSpPr>
+        <p:cNvPr id="1" name=""/>
+        <p:cNvGrpSpPr/>
+        <p:nvPr/>
+      </p:nvGrpSpPr>
+      <p:grpSpPr>
+        <a:xfrm>
+          <a:off x="0" y="0"/>
+          <a:ext cx="0" cy="0"/>
+          <a:chOff x="0" y="0"/>
+          <a:chExt cx="0" cy="0"/>
+        </a:xfrm>
+      </p:grpSpPr>
+      <p:sp>
+        <p:nvSpPr>
+          <p:cNvPr id="6" name="Rectangle 5"/>
+          <p:cNvSpPr/>
+          <p:nvPr/>
+        </p:nvSpPr>
+        <p:spPr>
+          <a:xfrm>
+            <a:off x="-215115" y="0"/>
+            <a:ext cx="12407115" cy="6858000"/>
+          </a:xfrm>
+          <a:prstGeom prst="rect">
+            <a:avLst/>
+          </a:prstGeom>
+          <a:solidFill>
+            <a:schemeClr val="accent1">
+              <a:lumMod val="75000"/>
+            </a:schemeClr>
+          </a:solidFill>
+          <a:ln>
+            <a:noFill/>
+          </a:ln>
+        </p:spPr>
+        <p:style>
+          <a:lnRef idx="1">
+            <a:schemeClr val="accent1"/>
+          </a:lnRef>
+          <a:fillRef idx="3">
+            <a:schemeClr val="accent1"/>
+          </a:fillRef>
+          <a:effectRef idx="2">
+            <a:schemeClr val="accent1"/>
+          </a:effectRef>
+          <a:fontRef idx="minor">
+            <a:schemeClr val="lt1"/>
+          </a:fontRef>
+        </p:style>
+        <p:txBody>
+          <a:bodyPr rtlCol="0" anchor="ctr"/>
+          <a:lstStyle/>
+          <a:p>
+            <a:pPr algn="ctr"/>
+            <a:endParaRPr lang="en-US" sz="2400"/>
+          </a:p>
+        </p:txBody>
+      </p:sp>
+      <p:sp>
+        <p:nvSpPr>
+          <p:cNvPr id="24" name="Title 1"/>
+          <p:cNvSpPr>
+            <a:spLocks noGrp="1"/>
+          </p:cNvSpPr>
+          <p:nvPr>
+            <p:ph type="title"/>
+          </p:nvPr>
+        </p:nvSpPr>
+        <p:spPr>
+          <a:xfrm>
+            <a:off x="502042" y="1936377"/>
+            <a:ext cx="10972800" cy="2985246"/>
+          </a:xfrm>
+        </p:spPr>
+        <p:txBody>
+          <a:bodyPr>
+            <a:noAutofit/>
+          </a:bodyPr>
+          <a:lstStyle/>
+          <a:p>
             <a:pPr algn="ctr" rtl="0" eaLnBrk="0" fontAlgn="base" hangingPunct="0">
               <a:spcAft>
                 <a:spcPct val="0"/>
@@ -8845,7 +12593,7 @@
                   <a:schemeClr val="bg1"/>
                 </a:solidFill>
               </a:rPr>
-              <a:t>EverGreen</a:t>
+              <a:t>WebPack</a:t>
             </a:r>
             <a:endParaRPr lang="en-US" altLang="en-US" sz="6000" b="1" dirty="0">
               <a:solidFill>
@@ -8860,6 +12608,418 @@
     <p:extLst>
       <p:ext uri="{BB962C8B-B14F-4D97-AF65-F5344CB8AC3E}">
         <p14:creationId xmlns:p14="http://schemas.microsoft.com/office/powerpoint/2010/main" val="3961097776"/>
+      </p:ext>
+    </p:extLst>
+  </p:cSld>
+  <p:clrMapOvr>
+    <a:masterClrMapping/>
+  </p:clrMapOvr>
+  <mc:AlternateContent xmlns:mc="http://schemas.openxmlformats.org/markup-compatibility/2006" xmlns:p14="http://schemas.microsoft.com/office/powerpoint/2010/main">
+    <mc:Choice Requires="p14">
+      <p:transition spd="med" p14:dur="700">
+        <p:fade/>
+      </p:transition>
+    </mc:Choice>
+    <mc:Fallback xmlns="">
+      <p:transition xmlns:p14="http://schemas.microsoft.com/office/powerpoint/2010/main" spd="med">
+        <p:fade/>
+      </p:transition>
+    </mc:Fallback>
+  </mc:AlternateContent>
+</p:sld>
+</file>
+
+<file path=ppt/slides/slide17.xml><?xml version="1.0" encoding="utf-8"?>
+<p:sld xmlns:a="http://schemas.openxmlformats.org/drawingml/2006/main" xmlns:r="http://schemas.openxmlformats.org/officeDocument/2006/relationships" xmlns:p="http://schemas.openxmlformats.org/presentationml/2006/main">
+  <p:cSld>
+    <p:spTree>
+      <p:nvGrpSpPr>
+        <p:cNvPr id="1" name=""/>
+        <p:cNvGrpSpPr/>
+        <p:nvPr/>
+      </p:nvGrpSpPr>
+      <p:grpSpPr>
+        <a:xfrm>
+          <a:off x="0" y="0"/>
+          <a:ext cx="0" cy="0"/>
+          <a:chOff x="0" y="0"/>
+          <a:chExt cx="0" cy="0"/>
+        </a:xfrm>
+      </p:grpSpPr>
+      <p:sp>
+        <p:nvSpPr>
+          <p:cNvPr id="6" name="Rectangle 5"/>
+          <p:cNvSpPr/>
+          <p:nvPr/>
+        </p:nvSpPr>
+        <p:spPr>
+          <a:xfrm>
+            <a:off x="-215115" y="0"/>
+            <a:ext cx="12407115" cy="6858000"/>
+          </a:xfrm>
+          <a:prstGeom prst="rect">
+            <a:avLst/>
+          </a:prstGeom>
+          <a:solidFill>
+            <a:schemeClr val="accent1">
+              <a:lumMod val="75000"/>
+            </a:schemeClr>
+          </a:solidFill>
+          <a:ln>
+            <a:noFill/>
+          </a:ln>
+        </p:spPr>
+        <p:style>
+          <a:lnRef idx="1">
+            <a:schemeClr val="accent1"/>
+          </a:lnRef>
+          <a:fillRef idx="3">
+            <a:schemeClr val="accent1"/>
+          </a:fillRef>
+          <a:effectRef idx="2">
+            <a:schemeClr val="accent1"/>
+          </a:effectRef>
+          <a:fontRef idx="minor">
+            <a:schemeClr val="lt1"/>
+          </a:fontRef>
+        </p:style>
+        <p:txBody>
+          <a:bodyPr rtlCol="0" anchor="ctr"/>
+          <a:lstStyle/>
+          <a:p>
+            <a:pPr algn="ctr"/>
+            <a:endParaRPr lang="en-US" sz="2400"/>
+          </a:p>
+        </p:txBody>
+      </p:sp>
+      <p:sp>
+        <p:nvSpPr>
+          <p:cNvPr id="24" name="Title 1"/>
+          <p:cNvSpPr>
+            <a:spLocks noGrp="1"/>
+          </p:cNvSpPr>
+          <p:nvPr>
+            <p:ph type="title"/>
+          </p:nvPr>
+        </p:nvSpPr>
+        <p:spPr>
+          <a:xfrm>
+            <a:off x="502042" y="1936377"/>
+            <a:ext cx="10972800" cy="2985246"/>
+          </a:xfrm>
+        </p:spPr>
+        <p:txBody>
+          <a:bodyPr>
+            <a:noAutofit/>
+          </a:bodyPr>
+          <a:lstStyle/>
+          <a:p>
+            <a:pPr algn="ctr" rtl="0" eaLnBrk="0" fontAlgn="base" hangingPunct="0">
+              <a:spcAft>
+                <a:spcPct val="0"/>
+              </a:spcAft>
+            </a:pPr>
+            <a:r>
+              <a:rPr lang="en-US" sz="6000" dirty="0" err="1">
+                <a:solidFill>
+                  <a:schemeClr val="bg1"/>
+                </a:solidFill>
+              </a:rPr>
+              <a:t>WebPack</a:t>
+            </a:r>
+            <a:r>
+              <a:rPr lang="en-US" sz="6000" dirty="0">
+                <a:solidFill>
+                  <a:schemeClr val="bg1"/>
+                </a:solidFill>
+              </a:rPr>
+              <a:t> vs Gulp vs Grunt</a:t>
+            </a:r>
+            <a:endParaRPr lang="en-US" altLang="en-US" sz="6000" b="1" dirty="0">
+              <a:solidFill>
+                <a:schemeClr val="bg1"/>
+              </a:solidFill>
+              <a:latin typeface="Calibri (Body)"/>
+            </a:endParaRPr>
+          </a:p>
+        </p:txBody>
+      </p:sp>
+    </p:spTree>
+    <p:extLst>
+      <p:ext uri="{BB962C8B-B14F-4D97-AF65-F5344CB8AC3E}">
+        <p14:creationId xmlns:p14="http://schemas.microsoft.com/office/powerpoint/2010/main" val="2030246191"/>
+      </p:ext>
+    </p:extLst>
+  </p:cSld>
+  <p:clrMapOvr>
+    <a:masterClrMapping/>
+  </p:clrMapOvr>
+  <mc:AlternateContent xmlns:mc="http://schemas.openxmlformats.org/markup-compatibility/2006" xmlns:p14="http://schemas.microsoft.com/office/powerpoint/2010/main">
+    <mc:Choice Requires="p14">
+      <p:transition spd="med" p14:dur="700">
+        <p:fade/>
+      </p:transition>
+    </mc:Choice>
+    <mc:Fallback xmlns="">
+      <p:transition xmlns:p14="http://schemas.microsoft.com/office/powerpoint/2010/main" spd="med">
+        <p:fade/>
+      </p:transition>
+    </mc:Fallback>
+  </mc:AlternateContent>
+</p:sld>
+</file>
+
+<file path=ppt/slides/slide18.xml><?xml version="1.0" encoding="utf-8"?>
+<p:sld xmlns:a="http://schemas.openxmlformats.org/drawingml/2006/main" xmlns:r="http://schemas.openxmlformats.org/officeDocument/2006/relationships" xmlns:p="http://schemas.openxmlformats.org/presentationml/2006/main">
+  <p:cSld>
+    <p:spTree>
+      <p:nvGrpSpPr>
+        <p:cNvPr id="1" name=""/>
+        <p:cNvGrpSpPr/>
+        <p:nvPr/>
+      </p:nvGrpSpPr>
+      <p:grpSpPr>
+        <a:xfrm>
+          <a:off x="0" y="0"/>
+          <a:ext cx="0" cy="0"/>
+          <a:chOff x="0" y="0"/>
+          <a:chExt cx="0" cy="0"/>
+        </a:xfrm>
+      </p:grpSpPr>
+      <p:sp>
+        <p:nvSpPr>
+          <p:cNvPr id="6" name="Rectangle 5"/>
+          <p:cNvSpPr/>
+          <p:nvPr/>
+        </p:nvSpPr>
+        <p:spPr>
+          <a:xfrm>
+            <a:off x="-215115" y="0"/>
+            <a:ext cx="12407115" cy="6858000"/>
+          </a:xfrm>
+          <a:prstGeom prst="rect">
+            <a:avLst/>
+          </a:prstGeom>
+          <a:solidFill>
+            <a:schemeClr val="accent1">
+              <a:lumMod val="75000"/>
+            </a:schemeClr>
+          </a:solidFill>
+          <a:ln>
+            <a:noFill/>
+          </a:ln>
+        </p:spPr>
+        <p:style>
+          <a:lnRef idx="1">
+            <a:schemeClr val="accent1"/>
+          </a:lnRef>
+          <a:fillRef idx="3">
+            <a:schemeClr val="accent1"/>
+          </a:fillRef>
+          <a:effectRef idx="2">
+            <a:schemeClr val="accent1"/>
+          </a:effectRef>
+          <a:fontRef idx="minor">
+            <a:schemeClr val="lt1"/>
+          </a:fontRef>
+        </p:style>
+        <p:txBody>
+          <a:bodyPr rtlCol="0" anchor="ctr"/>
+          <a:lstStyle/>
+          <a:p>
+            <a:pPr algn="ctr"/>
+            <a:endParaRPr lang="en-US" sz="2400"/>
+          </a:p>
+        </p:txBody>
+      </p:sp>
+      <p:sp>
+        <p:nvSpPr>
+          <p:cNvPr id="24" name="Title 1"/>
+          <p:cNvSpPr>
+            <a:spLocks noGrp="1"/>
+          </p:cNvSpPr>
+          <p:nvPr>
+            <p:ph type="title"/>
+          </p:nvPr>
+        </p:nvSpPr>
+        <p:spPr>
+          <a:xfrm>
+            <a:off x="502042" y="1936377"/>
+            <a:ext cx="10972800" cy="2985246"/>
+          </a:xfrm>
+        </p:spPr>
+        <p:txBody>
+          <a:bodyPr>
+            <a:noAutofit/>
+          </a:bodyPr>
+          <a:lstStyle/>
+          <a:p>
+            <a:pPr algn="ctr" rtl="0" eaLnBrk="0" fontAlgn="base" hangingPunct="0">
+              <a:spcAft>
+                <a:spcPct val="0"/>
+              </a:spcAft>
+            </a:pPr>
+            <a:r>
+              <a:rPr lang="en-US" sz="6000" dirty="0" err="1">
+                <a:solidFill>
+                  <a:schemeClr val="bg1"/>
+                </a:solidFill>
+              </a:rPr>
+              <a:t>EverGreen</a:t>
+            </a:r>
+            <a:r>
+              <a:rPr lang="en-US" sz="6000" dirty="0">
+                <a:solidFill>
+                  <a:schemeClr val="bg1"/>
+                </a:solidFill>
+              </a:rPr>
+              <a:t> Browsers</a:t>
+            </a:r>
+            <a:endParaRPr lang="en-US" altLang="en-US" sz="6000" b="1" dirty="0">
+              <a:solidFill>
+                <a:schemeClr val="bg1"/>
+              </a:solidFill>
+              <a:latin typeface="Calibri (Body)"/>
+            </a:endParaRPr>
+          </a:p>
+        </p:txBody>
+      </p:sp>
+    </p:spTree>
+    <p:extLst>
+      <p:ext uri="{BB962C8B-B14F-4D97-AF65-F5344CB8AC3E}">
+        <p14:creationId xmlns:p14="http://schemas.microsoft.com/office/powerpoint/2010/main" val="2608843343"/>
+      </p:ext>
+    </p:extLst>
+  </p:cSld>
+  <p:clrMapOvr>
+    <a:masterClrMapping/>
+  </p:clrMapOvr>
+  <mc:AlternateContent xmlns:mc="http://schemas.openxmlformats.org/markup-compatibility/2006" xmlns:p14="http://schemas.microsoft.com/office/powerpoint/2010/main">
+    <mc:Choice Requires="p14">
+      <p:transition spd="med" p14:dur="700">
+        <p:fade/>
+      </p:transition>
+    </mc:Choice>
+    <mc:Fallback xmlns="">
+      <p:transition xmlns:p14="http://schemas.microsoft.com/office/powerpoint/2010/main" spd="med">
+        <p:fade/>
+      </p:transition>
+    </mc:Fallback>
+  </mc:AlternateContent>
+</p:sld>
+</file>
+
+<file path=ppt/slides/slide19.xml><?xml version="1.0" encoding="utf-8"?>
+<p:sld xmlns:a="http://schemas.openxmlformats.org/drawingml/2006/main" xmlns:r="http://schemas.openxmlformats.org/officeDocument/2006/relationships" xmlns:p="http://schemas.openxmlformats.org/presentationml/2006/main">
+  <p:cSld>
+    <p:spTree>
+      <p:nvGrpSpPr>
+        <p:cNvPr id="1" name=""/>
+        <p:cNvGrpSpPr/>
+        <p:nvPr/>
+      </p:nvGrpSpPr>
+      <p:grpSpPr>
+        <a:xfrm>
+          <a:off x="0" y="0"/>
+          <a:ext cx="0" cy="0"/>
+          <a:chOff x="0" y="0"/>
+          <a:chExt cx="0" cy="0"/>
+        </a:xfrm>
+      </p:grpSpPr>
+      <p:sp>
+        <p:nvSpPr>
+          <p:cNvPr id="6" name="Rectangle 5"/>
+          <p:cNvSpPr/>
+          <p:nvPr/>
+        </p:nvSpPr>
+        <p:spPr>
+          <a:xfrm>
+            <a:off x="-215115" y="0"/>
+            <a:ext cx="12407115" cy="6858000"/>
+          </a:xfrm>
+          <a:prstGeom prst="rect">
+            <a:avLst/>
+          </a:prstGeom>
+          <a:solidFill>
+            <a:schemeClr val="accent1">
+              <a:lumMod val="75000"/>
+            </a:schemeClr>
+          </a:solidFill>
+          <a:ln>
+            <a:noFill/>
+          </a:ln>
+        </p:spPr>
+        <p:style>
+          <a:lnRef idx="1">
+            <a:schemeClr val="accent1"/>
+          </a:lnRef>
+          <a:fillRef idx="3">
+            <a:schemeClr val="accent1"/>
+          </a:fillRef>
+          <a:effectRef idx="2">
+            <a:schemeClr val="accent1"/>
+          </a:effectRef>
+          <a:fontRef idx="minor">
+            <a:schemeClr val="lt1"/>
+          </a:fontRef>
+        </p:style>
+        <p:txBody>
+          <a:bodyPr rtlCol="0" anchor="ctr"/>
+          <a:lstStyle/>
+          <a:p>
+            <a:pPr algn="ctr"/>
+            <a:endParaRPr lang="en-US" sz="2400"/>
+          </a:p>
+        </p:txBody>
+      </p:sp>
+      <p:sp>
+        <p:nvSpPr>
+          <p:cNvPr id="24" name="Title 1"/>
+          <p:cNvSpPr>
+            <a:spLocks noGrp="1"/>
+          </p:cNvSpPr>
+          <p:nvPr>
+            <p:ph type="title"/>
+          </p:nvPr>
+        </p:nvSpPr>
+        <p:spPr>
+          <a:xfrm>
+            <a:off x="502042" y="1936377"/>
+            <a:ext cx="10972800" cy="2985246"/>
+          </a:xfrm>
+        </p:spPr>
+        <p:txBody>
+          <a:bodyPr>
+            <a:noAutofit/>
+          </a:bodyPr>
+          <a:lstStyle/>
+          <a:p>
+            <a:pPr algn="ctr" rtl="0" eaLnBrk="0" fontAlgn="base" hangingPunct="0">
+              <a:spcAft>
+                <a:spcPct val="0"/>
+              </a:spcAft>
+            </a:pPr>
+            <a:r>
+              <a:rPr lang="en-US" sz="6000" dirty="0">
+                <a:solidFill>
+                  <a:schemeClr val="bg1"/>
+                </a:solidFill>
+              </a:rPr>
+              <a:t>NPM</a:t>
+            </a:r>
+            <a:endParaRPr lang="en-US" altLang="en-US" sz="6000" b="1" dirty="0">
+              <a:solidFill>
+                <a:schemeClr val="bg1"/>
+              </a:solidFill>
+              <a:latin typeface="Calibri (Body)"/>
+            </a:endParaRPr>
+          </a:p>
+        </p:txBody>
+      </p:sp>
+    </p:spTree>
+    <p:extLst>
+      <p:ext uri="{BB962C8B-B14F-4D97-AF65-F5344CB8AC3E}">
+        <p14:creationId xmlns:p14="http://schemas.microsoft.com/office/powerpoint/2010/main" val="3504853626"/>
       </p:ext>
     </p:extLst>
   </p:cSld>
@@ -9080,6 +13240,542 @@
       </p:par>
     </p:tnLst>
   </p:timing>
+</p:sld>
+</file>
+
+<file path=ppt/slides/slide20.xml><?xml version="1.0" encoding="utf-8"?>
+<p:sld xmlns:a="http://schemas.openxmlformats.org/drawingml/2006/main" xmlns:r="http://schemas.openxmlformats.org/officeDocument/2006/relationships" xmlns:p="http://schemas.openxmlformats.org/presentationml/2006/main">
+  <p:cSld>
+    <p:spTree>
+      <p:nvGrpSpPr>
+        <p:cNvPr id="1" name=""/>
+        <p:cNvGrpSpPr/>
+        <p:nvPr/>
+      </p:nvGrpSpPr>
+      <p:grpSpPr>
+        <a:xfrm>
+          <a:off x="0" y="0"/>
+          <a:ext cx="0" cy="0"/>
+          <a:chOff x="0" y="0"/>
+          <a:chExt cx="0" cy="0"/>
+        </a:xfrm>
+      </p:grpSpPr>
+      <p:sp>
+        <p:nvSpPr>
+          <p:cNvPr id="6" name="Rectangle 5"/>
+          <p:cNvSpPr/>
+          <p:nvPr/>
+        </p:nvSpPr>
+        <p:spPr>
+          <a:xfrm>
+            <a:off x="-215115" y="0"/>
+            <a:ext cx="12407115" cy="6858000"/>
+          </a:xfrm>
+          <a:prstGeom prst="rect">
+            <a:avLst/>
+          </a:prstGeom>
+          <a:solidFill>
+            <a:schemeClr val="accent1">
+              <a:lumMod val="75000"/>
+            </a:schemeClr>
+          </a:solidFill>
+          <a:ln>
+            <a:noFill/>
+          </a:ln>
+        </p:spPr>
+        <p:style>
+          <a:lnRef idx="1">
+            <a:schemeClr val="accent1"/>
+          </a:lnRef>
+          <a:fillRef idx="3">
+            <a:schemeClr val="accent1"/>
+          </a:fillRef>
+          <a:effectRef idx="2">
+            <a:schemeClr val="accent1"/>
+          </a:effectRef>
+          <a:fontRef idx="minor">
+            <a:schemeClr val="lt1"/>
+          </a:fontRef>
+        </p:style>
+        <p:txBody>
+          <a:bodyPr rtlCol="0" anchor="ctr"/>
+          <a:lstStyle/>
+          <a:p>
+            <a:pPr algn="ctr"/>
+            <a:endParaRPr lang="en-US" sz="2400"/>
+          </a:p>
+        </p:txBody>
+      </p:sp>
+      <p:sp>
+        <p:nvSpPr>
+          <p:cNvPr id="24" name="Title 1"/>
+          <p:cNvSpPr>
+            <a:spLocks noGrp="1"/>
+          </p:cNvSpPr>
+          <p:nvPr>
+            <p:ph type="title"/>
+          </p:nvPr>
+        </p:nvSpPr>
+        <p:spPr>
+          <a:xfrm>
+            <a:off x="502042" y="1936377"/>
+            <a:ext cx="10972800" cy="2985246"/>
+          </a:xfrm>
+        </p:spPr>
+        <p:txBody>
+          <a:bodyPr>
+            <a:noAutofit/>
+          </a:bodyPr>
+          <a:lstStyle/>
+          <a:p>
+            <a:pPr algn="ctr" rtl="0" eaLnBrk="0" fontAlgn="base" hangingPunct="0">
+              <a:spcAft>
+                <a:spcPct val="0"/>
+              </a:spcAft>
+            </a:pPr>
+            <a:r>
+              <a:rPr lang="en-US" sz="6000" dirty="0">
+                <a:solidFill>
+                  <a:schemeClr val="bg1"/>
+                </a:solidFill>
+              </a:rPr>
+              <a:t>NPM vs Yarn</a:t>
+            </a:r>
+            <a:endParaRPr lang="en-US" altLang="en-US" sz="6000" b="1" dirty="0">
+              <a:solidFill>
+                <a:schemeClr val="bg1"/>
+              </a:solidFill>
+              <a:latin typeface="Calibri (Body)"/>
+            </a:endParaRPr>
+          </a:p>
+        </p:txBody>
+      </p:sp>
+    </p:spTree>
+    <p:extLst>
+      <p:ext uri="{BB962C8B-B14F-4D97-AF65-F5344CB8AC3E}">
+        <p14:creationId xmlns:p14="http://schemas.microsoft.com/office/powerpoint/2010/main" val="3602586072"/>
+      </p:ext>
+    </p:extLst>
+  </p:cSld>
+  <p:clrMapOvr>
+    <a:masterClrMapping/>
+  </p:clrMapOvr>
+  <mc:AlternateContent xmlns:mc="http://schemas.openxmlformats.org/markup-compatibility/2006" xmlns:p14="http://schemas.microsoft.com/office/powerpoint/2010/main">
+    <mc:Choice Requires="p14">
+      <p:transition spd="med" p14:dur="700">
+        <p:fade/>
+      </p:transition>
+    </mc:Choice>
+    <mc:Fallback xmlns="">
+      <p:transition xmlns:p14="http://schemas.microsoft.com/office/powerpoint/2010/main" spd="med">
+        <p:fade/>
+      </p:transition>
+    </mc:Fallback>
+  </mc:AlternateContent>
+</p:sld>
+</file>
+
+<file path=ppt/slides/slide21.xml><?xml version="1.0" encoding="utf-8"?>
+<p:sld xmlns:a="http://schemas.openxmlformats.org/drawingml/2006/main" xmlns:r="http://schemas.openxmlformats.org/officeDocument/2006/relationships" xmlns:p="http://schemas.openxmlformats.org/presentationml/2006/main">
+  <p:cSld>
+    <p:spTree>
+      <p:nvGrpSpPr>
+        <p:cNvPr id="1" name=""/>
+        <p:cNvGrpSpPr/>
+        <p:nvPr/>
+      </p:nvGrpSpPr>
+      <p:grpSpPr>
+        <a:xfrm>
+          <a:off x="0" y="0"/>
+          <a:ext cx="0" cy="0"/>
+          <a:chOff x="0" y="0"/>
+          <a:chExt cx="0" cy="0"/>
+        </a:xfrm>
+      </p:grpSpPr>
+      <p:sp>
+        <p:nvSpPr>
+          <p:cNvPr id="6" name="Rectangle 5"/>
+          <p:cNvSpPr/>
+          <p:nvPr/>
+        </p:nvSpPr>
+        <p:spPr>
+          <a:xfrm>
+            <a:off x="-215115" y="0"/>
+            <a:ext cx="12407115" cy="6858000"/>
+          </a:xfrm>
+          <a:prstGeom prst="rect">
+            <a:avLst/>
+          </a:prstGeom>
+          <a:solidFill>
+            <a:schemeClr val="accent1">
+              <a:lumMod val="75000"/>
+            </a:schemeClr>
+          </a:solidFill>
+          <a:ln>
+            <a:noFill/>
+          </a:ln>
+        </p:spPr>
+        <p:style>
+          <a:lnRef idx="1">
+            <a:schemeClr val="accent1"/>
+          </a:lnRef>
+          <a:fillRef idx="3">
+            <a:schemeClr val="accent1"/>
+          </a:fillRef>
+          <a:effectRef idx="2">
+            <a:schemeClr val="accent1"/>
+          </a:effectRef>
+          <a:fontRef idx="minor">
+            <a:schemeClr val="lt1"/>
+          </a:fontRef>
+        </p:style>
+        <p:txBody>
+          <a:bodyPr rtlCol="0" anchor="ctr"/>
+          <a:lstStyle/>
+          <a:p>
+            <a:pPr algn="ctr"/>
+            <a:endParaRPr lang="en-US" sz="2400"/>
+          </a:p>
+        </p:txBody>
+      </p:sp>
+      <p:sp>
+        <p:nvSpPr>
+          <p:cNvPr id="24" name="Title 1"/>
+          <p:cNvSpPr>
+            <a:spLocks noGrp="1"/>
+          </p:cNvSpPr>
+          <p:nvPr>
+            <p:ph type="title"/>
+          </p:nvPr>
+        </p:nvSpPr>
+        <p:spPr>
+          <a:xfrm>
+            <a:off x="502042" y="1936377"/>
+            <a:ext cx="10972800" cy="2985246"/>
+          </a:xfrm>
+        </p:spPr>
+        <p:txBody>
+          <a:bodyPr>
+            <a:noAutofit/>
+          </a:bodyPr>
+          <a:lstStyle/>
+          <a:p>
+            <a:pPr algn="ctr" rtl="0" eaLnBrk="0" fontAlgn="base" hangingPunct="0">
+              <a:spcAft>
+                <a:spcPct val="0"/>
+              </a:spcAft>
+            </a:pPr>
+            <a:r>
+              <a:rPr lang="en-US" sz="6000" dirty="0">
+                <a:solidFill>
+                  <a:schemeClr val="bg1"/>
+                </a:solidFill>
+              </a:rPr>
+              <a:t>.</a:t>
+            </a:r>
+            <a:r>
+              <a:rPr lang="en-US" sz="6000" dirty="0" err="1">
+                <a:solidFill>
+                  <a:schemeClr val="bg1"/>
+                </a:solidFill>
+              </a:rPr>
+              <a:t>lockfile</a:t>
+            </a:r>
+            <a:endParaRPr lang="en-US" altLang="en-US" sz="6000" b="1" dirty="0">
+              <a:solidFill>
+                <a:schemeClr val="bg1"/>
+              </a:solidFill>
+              <a:latin typeface="Calibri (Body)"/>
+            </a:endParaRPr>
+          </a:p>
+        </p:txBody>
+      </p:sp>
+    </p:spTree>
+    <p:extLst>
+      <p:ext uri="{BB962C8B-B14F-4D97-AF65-F5344CB8AC3E}">
+        <p14:creationId xmlns:p14="http://schemas.microsoft.com/office/powerpoint/2010/main" val="1395792074"/>
+      </p:ext>
+    </p:extLst>
+  </p:cSld>
+  <p:clrMapOvr>
+    <a:masterClrMapping/>
+  </p:clrMapOvr>
+  <mc:AlternateContent xmlns:mc="http://schemas.openxmlformats.org/markup-compatibility/2006" xmlns:p14="http://schemas.microsoft.com/office/powerpoint/2010/main">
+    <mc:Choice Requires="p14">
+      <p:transition spd="med" p14:dur="700">
+        <p:fade/>
+      </p:transition>
+    </mc:Choice>
+    <mc:Fallback xmlns="">
+      <p:transition xmlns:p14="http://schemas.microsoft.com/office/powerpoint/2010/main" spd="med">
+        <p:fade/>
+      </p:transition>
+    </mc:Fallback>
+  </mc:AlternateContent>
+</p:sld>
+</file>
+
+<file path=ppt/slides/slide22.xml><?xml version="1.0" encoding="utf-8"?>
+<p:sld xmlns:a="http://schemas.openxmlformats.org/drawingml/2006/main" xmlns:r="http://schemas.openxmlformats.org/officeDocument/2006/relationships" xmlns:p="http://schemas.openxmlformats.org/presentationml/2006/main">
+  <p:cSld>
+    <p:spTree>
+      <p:nvGrpSpPr>
+        <p:cNvPr id="1" name=""/>
+        <p:cNvGrpSpPr/>
+        <p:nvPr/>
+      </p:nvGrpSpPr>
+      <p:grpSpPr>
+        <a:xfrm>
+          <a:off x="0" y="0"/>
+          <a:ext cx="0" cy="0"/>
+          <a:chOff x="0" y="0"/>
+          <a:chExt cx="0" cy="0"/>
+        </a:xfrm>
+      </p:grpSpPr>
+      <p:sp>
+        <p:nvSpPr>
+          <p:cNvPr id="6" name="Rectangle 5"/>
+          <p:cNvSpPr/>
+          <p:nvPr/>
+        </p:nvSpPr>
+        <p:spPr>
+          <a:xfrm>
+            <a:off x="-215115" y="0"/>
+            <a:ext cx="12407115" cy="6858000"/>
+          </a:xfrm>
+          <a:prstGeom prst="rect">
+            <a:avLst/>
+          </a:prstGeom>
+          <a:solidFill>
+            <a:schemeClr val="accent1">
+              <a:lumMod val="75000"/>
+            </a:schemeClr>
+          </a:solidFill>
+          <a:ln>
+            <a:noFill/>
+          </a:ln>
+        </p:spPr>
+        <p:style>
+          <a:lnRef idx="1">
+            <a:schemeClr val="accent1"/>
+          </a:lnRef>
+          <a:fillRef idx="3">
+            <a:schemeClr val="accent1"/>
+          </a:fillRef>
+          <a:effectRef idx="2">
+            <a:schemeClr val="accent1"/>
+          </a:effectRef>
+          <a:fontRef idx="minor">
+            <a:schemeClr val="lt1"/>
+          </a:fontRef>
+        </p:style>
+        <p:txBody>
+          <a:bodyPr rtlCol="0" anchor="ctr"/>
+          <a:lstStyle/>
+          <a:p>
+            <a:pPr algn="ctr"/>
+            <a:endParaRPr lang="en-US" sz="2400"/>
+          </a:p>
+        </p:txBody>
+      </p:sp>
+      <p:sp>
+        <p:nvSpPr>
+          <p:cNvPr id="24" name="Title 1"/>
+          <p:cNvSpPr>
+            <a:spLocks noGrp="1"/>
+          </p:cNvSpPr>
+          <p:nvPr>
+            <p:ph type="title"/>
+          </p:nvPr>
+        </p:nvSpPr>
+        <p:spPr>
+          <a:xfrm>
+            <a:off x="502042" y="1936377"/>
+            <a:ext cx="10972800" cy="2985246"/>
+          </a:xfrm>
+        </p:spPr>
+        <p:txBody>
+          <a:bodyPr>
+            <a:noAutofit/>
+          </a:bodyPr>
+          <a:lstStyle/>
+          <a:p>
+            <a:pPr algn="ctr" rtl="0" eaLnBrk="0" fontAlgn="base" hangingPunct="0">
+              <a:spcAft>
+                <a:spcPct val="0"/>
+              </a:spcAft>
+            </a:pPr>
+            <a:r>
+              <a:rPr lang="en-US" sz="6000" dirty="0">
+                <a:solidFill>
+                  <a:schemeClr val="bg1"/>
+                </a:solidFill>
+              </a:rPr>
+              <a:t>Yarn link</a:t>
+            </a:r>
+            <a:endParaRPr lang="en-US" altLang="en-US" sz="6000" b="1" dirty="0">
+              <a:solidFill>
+                <a:schemeClr val="bg1"/>
+              </a:solidFill>
+              <a:latin typeface="Calibri (Body)"/>
+            </a:endParaRPr>
+          </a:p>
+        </p:txBody>
+      </p:sp>
+    </p:spTree>
+    <p:extLst>
+      <p:ext uri="{BB962C8B-B14F-4D97-AF65-F5344CB8AC3E}">
+        <p14:creationId xmlns:p14="http://schemas.microsoft.com/office/powerpoint/2010/main" val="1909122222"/>
+      </p:ext>
+    </p:extLst>
+  </p:cSld>
+  <p:clrMapOvr>
+    <a:masterClrMapping/>
+  </p:clrMapOvr>
+  <mc:AlternateContent xmlns:mc="http://schemas.openxmlformats.org/markup-compatibility/2006" xmlns:p14="http://schemas.microsoft.com/office/powerpoint/2010/main">
+    <mc:Choice Requires="p14">
+      <p:transition spd="med" p14:dur="700">
+        <p:fade/>
+      </p:transition>
+    </mc:Choice>
+    <mc:Fallback xmlns="">
+      <p:transition xmlns:p14="http://schemas.microsoft.com/office/powerpoint/2010/main" spd="med">
+        <p:fade/>
+      </p:transition>
+    </mc:Fallback>
+  </mc:AlternateContent>
+</p:sld>
+</file>
+
+<file path=ppt/slides/slide23.xml><?xml version="1.0" encoding="utf-8"?>
+<p:sld xmlns:a="http://schemas.openxmlformats.org/drawingml/2006/main" xmlns:r="http://schemas.openxmlformats.org/officeDocument/2006/relationships" xmlns:p="http://schemas.openxmlformats.org/presentationml/2006/main">
+  <p:cSld>
+    <p:spTree>
+      <p:nvGrpSpPr>
+        <p:cNvPr id="1" name=""/>
+        <p:cNvGrpSpPr/>
+        <p:nvPr/>
+      </p:nvGrpSpPr>
+      <p:grpSpPr>
+        <a:xfrm>
+          <a:off x="0" y="0"/>
+          <a:ext cx="0" cy="0"/>
+          <a:chOff x="0" y="0"/>
+          <a:chExt cx="0" cy="0"/>
+        </a:xfrm>
+      </p:grpSpPr>
+      <p:sp>
+        <p:nvSpPr>
+          <p:cNvPr id="6" name="Rectangle 5"/>
+          <p:cNvSpPr/>
+          <p:nvPr/>
+        </p:nvSpPr>
+        <p:spPr>
+          <a:xfrm>
+            <a:off x="-215115" y="0"/>
+            <a:ext cx="12407115" cy="6858000"/>
+          </a:xfrm>
+          <a:prstGeom prst="rect">
+            <a:avLst/>
+          </a:prstGeom>
+          <a:solidFill>
+            <a:schemeClr val="accent1">
+              <a:lumMod val="75000"/>
+            </a:schemeClr>
+          </a:solidFill>
+          <a:ln>
+            <a:noFill/>
+          </a:ln>
+        </p:spPr>
+        <p:style>
+          <a:lnRef idx="1">
+            <a:schemeClr val="accent1"/>
+          </a:lnRef>
+          <a:fillRef idx="3">
+            <a:schemeClr val="accent1"/>
+          </a:fillRef>
+          <a:effectRef idx="2">
+            <a:schemeClr val="accent1"/>
+          </a:effectRef>
+          <a:fontRef idx="minor">
+            <a:schemeClr val="lt1"/>
+          </a:fontRef>
+        </p:style>
+        <p:txBody>
+          <a:bodyPr rtlCol="0" anchor="ctr"/>
+          <a:lstStyle/>
+          <a:p>
+            <a:pPr algn="ctr"/>
+            <a:endParaRPr lang="en-US" sz="2400"/>
+          </a:p>
+        </p:txBody>
+      </p:sp>
+      <p:sp>
+        <p:nvSpPr>
+          <p:cNvPr id="24" name="Title 1"/>
+          <p:cNvSpPr>
+            <a:spLocks noGrp="1"/>
+          </p:cNvSpPr>
+          <p:nvPr>
+            <p:ph type="title"/>
+          </p:nvPr>
+        </p:nvSpPr>
+        <p:spPr>
+          <a:xfrm>
+            <a:off x="502042" y="1936377"/>
+            <a:ext cx="10972800" cy="2985246"/>
+          </a:xfrm>
+        </p:spPr>
+        <p:txBody>
+          <a:bodyPr>
+            <a:noAutofit/>
+          </a:bodyPr>
+          <a:lstStyle/>
+          <a:p>
+            <a:pPr algn="ctr" rtl="0" eaLnBrk="0" fontAlgn="base" hangingPunct="0">
+              <a:spcAft>
+                <a:spcPct val="0"/>
+              </a:spcAft>
+            </a:pPr>
+            <a:r>
+              <a:rPr lang="en-US" sz="6000" dirty="0">
+                <a:solidFill>
+                  <a:schemeClr val="bg1"/>
+                </a:solidFill>
+              </a:rPr>
+              <a:t>Chapter 2</a:t>
+            </a:r>
+            <a:endParaRPr lang="en-US" altLang="en-US" sz="6000" b="1" dirty="0">
+              <a:solidFill>
+                <a:schemeClr val="bg1"/>
+              </a:solidFill>
+              <a:latin typeface="Calibri (Body)"/>
+            </a:endParaRPr>
+          </a:p>
+        </p:txBody>
+      </p:sp>
+    </p:spTree>
+    <p:extLst>
+      <p:ext uri="{BB962C8B-B14F-4D97-AF65-F5344CB8AC3E}">
+        <p14:creationId xmlns:p14="http://schemas.microsoft.com/office/powerpoint/2010/main" val="3166540082"/>
+      </p:ext>
+    </p:extLst>
+  </p:cSld>
+  <p:clrMapOvr>
+    <a:masterClrMapping/>
+  </p:clrMapOvr>
+  <mc:AlternateContent xmlns:mc="http://schemas.openxmlformats.org/markup-compatibility/2006" xmlns:p14="http://schemas.microsoft.com/office/powerpoint/2010/main">
+    <mc:Choice Requires="p14">
+      <p:transition spd="med" p14:dur="700">
+        <p:fade/>
+      </p:transition>
+    </mc:Choice>
+    <mc:Fallback xmlns="">
+      <p:transition xmlns:p14="http://schemas.microsoft.com/office/powerpoint/2010/main" spd="med">
+        <p:fade/>
+      </p:transition>
+    </mc:Fallback>
+  </mc:AlternateContent>
 </p:sld>
 </file>
 

--- a/presentations/Practical Web Dev.pptx
+++ b/presentations/Practical Web Dev.pptx
@@ -5,7 +5,7 @@
     <p:sldMasterId id="2147483648" r:id="rId1"/>
   </p:sldMasterIdLst>
   <p:notesMasterIdLst>
-    <p:notesMasterId r:id="rId25"/>
+    <p:notesMasterId r:id="rId26"/>
   </p:notesMasterIdLst>
   <p:sldIdLst>
     <p:sldId id="256" r:id="rId2"/>
@@ -30,7 +30,8 @@
     <p:sldId id="385" r:id="rId21"/>
     <p:sldId id="386" r:id="rId22"/>
     <p:sldId id="387" r:id="rId23"/>
-    <p:sldId id="381" r:id="rId24"/>
+    <p:sldId id="388" r:id="rId24"/>
+    <p:sldId id="381" r:id="rId25"/>
   </p:sldIdLst>
   <p:sldSz cx="12192000" cy="6858000"/>
   <p:notesSz cx="6858000" cy="9144000"/>
@@ -156,6 +157,7 @@
             <p14:sldId id="385"/>
             <p14:sldId id="386"/>
             <p14:sldId id="387"/>
+            <p14:sldId id="388"/>
             <p14:sldId id="381"/>
           </p14:sldIdLst>
         </p14:section>
@@ -5830,6 +5832,37 @@
             </a:endParaRPr>
           </a:p>
           <a:p>
+            <a:pPr marL="171450" marR="0" lvl="0" indent="-171450" algn="l" defTabSz="914400" rtl="0" eaLnBrk="1" fontAlgn="auto" latinLnBrk="0" hangingPunct="1">
+              <a:lnSpc>
+                <a:spcPct val="100000"/>
+              </a:lnSpc>
+              <a:spcBef>
+                <a:spcPts val="0"/>
+              </a:spcBef>
+              <a:spcAft>
+                <a:spcPts val="0"/>
+              </a:spcAft>
+              <a:buClrTx/>
+              <a:buSzTx/>
+              <a:buFontTx/>
+              <a:buChar char="-"/>
+              <a:tabLst/>
+              <a:defRPr/>
+            </a:pPr>
+            <a:r>
+              <a:rPr lang="en-US" sz="1200" b="0" i="0" kern="1200" dirty="0">
+                <a:solidFill>
+                  <a:schemeClr val="tx1"/>
+                </a:solidFill>
+                <a:effectLst/>
+                <a:latin typeface="+mn-lt"/>
+                <a:ea typeface="+mn-ea"/>
+                <a:cs typeface="+mn-cs"/>
+              </a:rPr>
+              <a:t>https://medium.com/dailyjs/how-to-use-npm-link-7375b6219557</a:t>
+            </a:r>
+          </a:p>
+          <a:p>
             <a:pPr marL="171450" indent="-171450" algn="l" rtl="0">
               <a:buFontTx/>
               <a:buChar char="-"/>
@@ -5863,24 +5896,6 @@
                 <a:cs typeface="+mn-cs"/>
               </a:rPr>
               <a:t>https://yarnpkg.com/lang/en/docs/cli/link/</a:t>
-            </a:r>
-          </a:p>
-          <a:p>
-            <a:pPr marL="171450" indent="-171450" algn="l" rtl="0">
-              <a:buFontTx/>
-              <a:buChar char="-"/>
-            </a:pPr>
-            <a:r>
-              <a:rPr lang="en-US" sz="1200" b="0" i="0" kern="1200" dirty="0">
-                <a:solidFill>
-                  <a:schemeClr val="tx1"/>
-                </a:solidFill>
-                <a:effectLst/>
-                <a:latin typeface="+mn-lt"/>
-                <a:ea typeface="+mn-ea"/>
-                <a:cs typeface="+mn-cs"/>
-              </a:rPr>
-              <a:t>https://medium.com/dailyjs/how-to-use-npm-link-7375b6219557</a:t>
             </a:r>
           </a:p>
           <a:p>
@@ -5996,7 +6011,1062 @@
           <a:lstStyle/>
           <a:p>
             <a:pPr algn="l" rtl="0"/>
-            <a:endParaRPr lang="en-US" b="0" dirty="0"/>
+            <a:r>
+              <a:rPr lang="en-US" sz="1200" b="0" i="0" kern="1200" dirty="0">
+                <a:solidFill>
+                  <a:schemeClr val="tx1"/>
+                </a:solidFill>
+                <a:effectLst/>
+                <a:latin typeface="+mn-lt"/>
+                <a:ea typeface="+mn-ea"/>
+                <a:cs typeface="+mn-cs"/>
+              </a:rPr>
+              <a:t>Clone our basic project</a:t>
+            </a:r>
+          </a:p>
+          <a:p>
+            <a:pPr algn="l" rtl="0"/>
+            <a:endParaRPr lang="en-US" sz="1200" b="0" i="0" kern="1200" dirty="0">
+              <a:solidFill>
+                <a:schemeClr val="tx1"/>
+              </a:solidFill>
+              <a:effectLst/>
+              <a:latin typeface="+mn-lt"/>
+              <a:ea typeface="+mn-ea"/>
+              <a:cs typeface="+mn-cs"/>
+            </a:endParaRPr>
+          </a:p>
+          <a:p>
+            <a:pPr algn="l" rtl="0"/>
+            <a:r>
+              <a:rPr lang="en-US" sz="1200" b="0" i="0" kern="1200" dirty="0">
+                <a:solidFill>
+                  <a:schemeClr val="tx1"/>
+                </a:solidFill>
+                <a:effectLst/>
+                <a:latin typeface="+mn-lt"/>
+                <a:ea typeface="+mn-ea"/>
+                <a:cs typeface="+mn-cs"/>
+              </a:rPr>
+              <a:t>Pre </a:t>
+            </a:r>
+            <a:r>
+              <a:rPr lang="en-US" sz="1200" b="0" i="0" kern="1200" dirty="0" err="1">
+                <a:solidFill>
+                  <a:schemeClr val="tx1"/>
+                </a:solidFill>
+                <a:effectLst/>
+                <a:latin typeface="+mn-lt"/>
+                <a:ea typeface="+mn-ea"/>
+                <a:cs typeface="+mn-cs"/>
+              </a:rPr>
+              <a:t>requsits</a:t>
+            </a:r>
+            <a:r>
+              <a:rPr lang="en-US" sz="1200" b="0" i="0" kern="1200" dirty="0">
+                <a:solidFill>
+                  <a:schemeClr val="tx1"/>
+                </a:solidFill>
+                <a:effectLst/>
+                <a:latin typeface="+mn-lt"/>
+                <a:ea typeface="+mn-ea"/>
+                <a:cs typeface="+mn-cs"/>
+              </a:rPr>
+              <a:t>:</a:t>
+            </a:r>
+          </a:p>
+          <a:p>
+            <a:pPr algn="l" rtl="0"/>
+            <a:r>
+              <a:rPr lang="en-US" sz="1200" b="0" i="0" kern="1200" dirty="0">
+                <a:solidFill>
+                  <a:schemeClr val="tx1"/>
+                </a:solidFill>
+                <a:effectLst/>
+                <a:latin typeface="+mn-lt"/>
+                <a:ea typeface="+mn-ea"/>
+                <a:cs typeface="+mn-cs"/>
+              </a:rPr>
+              <a:t>Git &amp; ide (VS code/</a:t>
+            </a:r>
+            <a:r>
+              <a:rPr lang="en-US" sz="1200" b="0" i="0" kern="1200" dirty="0" err="1">
+                <a:solidFill>
+                  <a:schemeClr val="tx1"/>
+                </a:solidFill>
+                <a:effectLst/>
+                <a:latin typeface="+mn-lt"/>
+                <a:ea typeface="+mn-ea"/>
+                <a:cs typeface="+mn-cs"/>
+              </a:rPr>
+              <a:t>webstorm</a:t>
+            </a:r>
+            <a:r>
+              <a:rPr lang="en-US" sz="1200" b="0" i="0" kern="1200" dirty="0">
+                <a:solidFill>
+                  <a:schemeClr val="tx1"/>
+                </a:solidFill>
+                <a:effectLst/>
+                <a:latin typeface="+mn-lt"/>
+                <a:ea typeface="+mn-ea"/>
+                <a:cs typeface="+mn-cs"/>
+              </a:rPr>
+              <a:t>)</a:t>
+            </a:r>
+          </a:p>
+          <a:p>
+            <a:pPr algn="l" rtl="0"/>
+            <a:endParaRPr lang="en-US" sz="1200" b="0" i="0" kern="1200" dirty="0">
+              <a:solidFill>
+                <a:schemeClr val="tx1"/>
+              </a:solidFill>
+              <a:effectLst/>
+              <a:latin typeface="+mn-lt"/>
+              <a:ea typeface="+mn-ea"/>
+              <a:cs typeface="+mn-cs"/>
+            </a:endParaRPr>
+          </a:p>
+          <a:p>
+            <a:pPr algn="l" rtl="0"/>
+            <a:r>
+              <a:rPr lang="en-US" sz="1200" b="0" i="0" kern="1200" dirty="0" err="1">
+                <a:solidFill>
+                  <a:schemeClr val="tx1"/>
+                </a:solidFill>
+                <a:effectLst/>
+                <a:latin typeface="+mn-lt"/>
+                <a:ea typeface="+mn-ea"/>
+                <a:cs typeface="+mn-cs"/>
+              </a:rPr>
+              <a:t>Comands</a:t>
+            </a:r>
+            <a:r>
+              <a:rPr lang="en-US" sz="1200" b="0" i="0" kern="1200" dirty="0">
+                <a:solidFill>
+                  <a:schemeClr val="tx1"/>
+                </a:solidFill>
+                <a:effectLst/>
+                <a:latin typeface="+mn-lt"/>
+                <a:ea typeface="+mn-ea"/>
+                <a:cs typeface="+mn-cs"/>
+              </a:rPr>
+              <a:t> to clone </a:t>
+            </a:r>
+            <a:r>
+              <a:rPr lang="en-US" sz="1200" b="0" i="0" kern="1200" dirty="0" err="1">
+                <a:solidFill>
+                  <a:schemeClr val="tx1"/>
+                </a:solidFill>
+                <a:effectLst/>
+                <a:latin typeface="+mn-lt"/>
+                <a:ea typeface="+mn-ea"/>
+                <a:cs typeface="+mn-cs"/>
+              </a:rPr>
+              <a:t>ourbase</a:t>
+            </a:r>
+            <a:r>
+              <a:rPr lang="en-US" sz="1200" b="0" i="0" kern="1200" dirty="0">
+                <a:solidFill>
+                  <a:schemeClr val="tx1"/>
+                </a:solidFill>
+                <a:effectLst/>
+                <a:latin typeface="+mn-lt"/>
+                <a:ea typeface="+mn-ea"/>
+                <a:cs typeface="+mn-cs"/>
+              </a:rPr>
+              <a:t> project</a:t>
+            </a:r>
+          </a:p>
+          <a:p>
+            <a:pPr algn="l" rtl="0"/>
+            <a:endParaRPr lang="en-US" sz="1200" b="0" i="0" kern="1200" dirty="0">
+              <a:solidFill>
+                <a:schemeClr val="tx1"/>
+              </a:solidFill>
+              <a:effectLst/>
+              <a:latin typeface="+mn-lt"/>
+              <a:ea typeface="+mn-ea"/>
+              <a:cs typeface="+mn-cs"/>
+            </a:endParaRPr>
+          </a:p>
+          <a:p>
+            <a:pPr algn="l" rtl="0"/>
+            <a:endParaRPr lang="en-US" sz="1200" b="0" i="0" kern="1200" dirty="0">
+              <a:solidFill>
+                <a:schemeClr val="tx1"/>
+              </a:solidFill>
+              <a:effectLst/>
+              <a:latin typeface="+mn-lt"/>
+              <a:ea typeface="+mn-ea"/>
+              <a:cs typeface="+mn-cs"/>
+            </a:endParaRPr>
+          </a:p>
+          <a:p>
+            <a:pPr algn="l" rtl="0"/>
+            <a:r>
+              <a:rPr lang="en-US" sz="1200" b="0" i="0" kern="1200" dirty="0">
+                <a:solidFill>
+                  <a:schemeClr val="tx1"/>
+                </a:solidFill>
+                <a:effectLst/>
+                <a:latin typeface="+mn-lt"/>
+                <a:ea typeface="+mn-ea"/>
+                <a:cs typeface="+mn-cs"/>
+              </a:rPr>
+              <a:t>Install </a:t>
+            </a:r>
+            <a:r>
+              <a:rPr lang="en-US" sz="1200" b="0" i="0" kern="1200" dirty="0" err="1">
+                <a:solidFill>
+                  <a:schemeClr val="tx1"/>
+                </a:solidFill>
+                <a:effectLst/>
+                <a:latin typeface="+mn-lt"/>
+                <a:ea typeface="+mn-ea"/>
+                <a:cs typeface="+mn-cs"/>
+              </a:rPr>
+              <a:t>vue</a:t>
+            </a:r>
+            <a:r>
+              <a:rPr lang="en-US" sz="1200" b="0" i="0" kern="1200" dirty="0">
+                <a:solidFill>
+                  <a:schemeClr val="tx1"/>
+                </a:solidFill>
+                <a:effectLst/>
+                <a:latin typeface="+mn-lt"/>
+                <a:ea typeface="+mn-ea"/>
+                <a:cs typeface="+mn-cs"/>
+              </a:rPr>
+              <a:t>:</a:t>
+            </a:r>
+          </a:p>
+          <a:p>
+            <a:pPr algn="l" rtl="0"/>
+            <a:r>
+              <a:rPr lang="en-US" sz="1200" b="0" i="0" kern="1200" dirty="0" err="1">
+                <a:solidFill>
+                  <a:schemeClr val="tx1"/>
+                </a:solidFill>
+                <a:effectLst/>
+                <a:latin typeface="+mn-lt"/>
+                <a:ea typeface="+mn-ea"/>
+                <a:cs typeface="+mn-cs"/>
+              </a:rPr>
+              <a:t>npm</a:t>
+            </a:r>
+            <a:r>
+              <a:rPr lang="en-US" sz="1200" b="0" i="0" kern="1200" dirty="0">
+                <a:solidFill>
+                  <a:schemeClr val="tx1"/>
+                </a:solidFill>
+                <a:effectLst/>
+                <a:latin typeface="+mn-lt"/>
+                <a:ea typeface="+mn-ea"/>
+                <a:cs typeface="+mn-cs"/>
+              </a:rPr>
+              <a:t> install -g @</a:t>
+            </a:r>
+            <a:r>
+              <a:rPr lang="en-US" sz="1200" b="0" i="0" kern="1200" dirty="0" err="1">
+                <a:solidFill>
+                  <a:schemeClr val="tx1"/>
+                </a:solidFill>
+                <a:effectLst/>
+                <a:latin typeface="+mn-lt"/>
+                <a:ea typeface="+mn-ea"/>
+                <a:cs typeface="+mn-cs"/>
+              </a:rPr>
+              <a:t>vue</a:t>
+            </a:r>
+            <a:r>
+              <a:rPr lang="en-US" sz="1200" b="0" i="0" kern="1200" dirty="0">
+                <a:solidFill>
+                  <a:schemeClr val="tx1"/>
+                </a:solidFill>
+                <a:effectLst/>
+                <a:latin typeface="+mn-lt"/>
+                <a:ea typeface="+mn-ea"/>
+                <a:cs typeface="+mn-cs"/>
+              </a:rPr>
+              <a:t>/cli</a:t>
+            </a:r>
+          </a:p>
+          <a:p>
+            <a:pPr algn="l" rtl="0"/>
+            <a:endParaRPr lang="en-US" sz="1200" b="0" i="0" kern="1200" dirty="0">
+              <a:solidFill>
+                <a:schemeClr val="tx1"/>
+              </a:solidFill>
+              <a:effectLst/>
+              <a:latin typeface="+mn-lt"/>
+              <a:ea typeface="+mn-ea"/>
+              <a:cs typeface="+mn-cs"/>
+            </a:endParaRPr>
+          </a:p>
+          <a:p>
+            <a:pPr algn="l" rtl="0"/>
+            <a:r>
+              <a:rPr lang="en-US" sz="1200" b="0" i="0" kern="1200" dirty="0">
+                <a:solidFill>
+                  <a:schemeClr val="tx1"/>
+                </a:solidFill>
+                <a:effectLst/>
+                <a:latin typeface="+mn-lt"/>
+                <a:ea typeface="+mn-ea"/>
+                <a:cs typeface="+mn-cs"/>
+              </a:rPr>
+              <a:t>C:\git&gt;vue create cat-finder</a:t>
+            </a:r>
+          </a:p>
+          <a:p>
+            <a:pPr algn="l" rtl="0"/>
+            <a:r>
+              <a:rPr lang="en-US" sz="1200" b="0" i="0" kern="1200" dirty="0" err="1">
+                <a:solidFill>
+                  <a:schemeClr val="tx1"/>
+                </a:solidFill>
+                <a:effectLst/>
+                <a:latin typeface="+mn-lt"/>
+                <a:ea typeface="+mn-ea"/>
+                <a:cs typeface="+mn-cs"/>
+              </a:rPr>
+              <a:t>Vue</a:t>
+            </a:r>
+            <a:r>
+              <a:rPr lang="en-US" sz="1200" b="0" i="0" kern="1200" dirty="0">
+                <a:solidFill>
+                  <a:schemeClr val="tx1"/>
+                </a:solidFill>
+                <a:effectLst/>
+                <a:latin typeface="+mn-lt"/>
+                <a:ea typeface="+mn-ea"/>
+                <a:cs typeface="+mn-cs"/>
+              </a:rPr>
+              <a:t> CLI v3.4.1</a:t>
+            </a:r>
+          </a:p>
+          <a:p>
+            <a:pPr algn="l" rtl="0"/>
+            <a:r>
+              <a:rPr lang="en-US" sz="1200" b="0" i="0" kern="1200" dirty="0">
+                <a:solidFill>
+                  <a:schemeClr val="tx1"/>
+                </a:solidFill>
+                <a:effectLst/>
+                <a:latin typeface="+mn-lt"/>
+                <a:ea typeface="+mn-ea"/>
+                <a:cs typeface="+mn-cs"/>
+              </a:rPr>
+              <a:t>? Please pick a preset: </a:t>
+            </a:r>
+            <a:r>
+              <a:rPr lang="en-US" sz="1200" b="1" i="0" kern="1200" dirty="0">
+                <a:solidFill>
+                  <a:schemeClr val="tx1"/>
+                </a:solidFill>
+                <a:effectLst/>
+                <a:latin typeface="+mn-lt"/>
+                <a:ea typeface="+mn-ea"/>
+                <a:cs typeface="+mn-cs"/>
+              </a:rPr>
+              <a:t>Manually select features</a:t>
+            </a:r>
+          </a:p>
+          <a:p>
+            <a:pPr algn="l" rtl="0"/>
+            <a:r>
+              <a:rPr lang="en-US" sz="1200" b="0" i="0" kern="1200" dirty="0">
+                <a:solidFill>
+                  <a:schemeClr val="tx1"/>
+                </a:solidFill>
+                <a:effectLst/>
+                <a:latin typeface="+mn-lt"/>
+                <a:ea typeface="+mn-ea"/>
+                <a:cs typeface="+mn-cs"/>
+              </a:rPr>
+              <a:t>? Check the features needed for your project: </a:t>
+            </a:r>
+            <a:r>
+              <a:rPr lang="en-US" sz="1200" b="1" i="0" kern="1200" dirty="0">
+                <a:solidFill>
+                  <a:schemeClr val="tx1"/>
+                </a:solidFill>
+                <a:effectLst/>
+                <a:latin typeface="+mn-lt"/>
+                <a:ea typeface="+mn-ea"/>
+                <a:cs typeface="+mn-cs"/>
+              </a:rPr>
+              <a:t>Babel, TS, PWA, Router, </a:t>
+            </a:r>
+            <a:r>
+              <a:rPr lang="en-US" sz="1200" b="1" i="0" kern="1200" dirty="0" err="1">
+                <a:solidFill>
+                  <a:schemeClr val="tx1"/>
+                </a:solidFill>
+                <a:effectLst/>
+                <a:latin typeface="+mn-lt"/>
+                <a:ea typeface="+mn-ea"/>
+                <a:cs typeface="+mn-cs"/>
+              </a:rPr>
+              <a:t>Vuex</a:t>
+            </a:r>
+            <a:r>
+              <a:rPr lang="en-US" sz="1200" b="1" i="0" kern="1200" dirty="0">
+                <a:solidFill>
+                  <a:schemeClr val="tx1"/>
+                </a:solidFill>
+                <a:effectLst/>
+                <a:latin typeface="+mn-lt"/>
+                <a:ea typeface="+mn-ea"/>
+                <a:cs typeface="+mn-cs"/>
+              </a:rPr>
+              <a:t>, CSS Pre-processors, Linter, Unit</a:t>
+            </a:r>
+          </a:p>
+          <a:p>
+            <a:pPr algn="l" rtl="0"/>
+            <a:r>
+              <a:rPr lang="en-US" sz="1200" b="0" i="0" kern="1200" dirty="0">
+                <a:solidFill>
+                  <a:schemeClr val="tx1"/>
+                </a:solidFill>
+                <a:effectLst/>
+                <a:latin typeface="+mn-lt"/>
+                <a:ea typeface="+mn-ea"/>
+                <a:cs typeface="+mn-cs"/>
+              </a:rPr>
+              <a:t>? Use class-style component syntax? </a:t>
+            </a:r>
+            <a:r>
+              <a:rPr lang="en-US" sz="1200" b="1" i="0" kern="1200" dirty="0">
+                <a:solidFill>
+                  <a:schemeClr val="tx1"/>
+                </a:solidFill>
+                <a:effectLst/>
+                <a:latin typeface="+mn-lt"/>
+                <a:ea typeface="+mn-ea"/>
+                <a:cs typeface="+mn-cs"/>
+              </a:rPr>
+              <a:t>Yes</a:t>
+            </a:r>
+          </a:p>
+          <a:p>
+            <a:pPr algn="l" rtl="0"/>
+            <a:r>
+              <a:rPr lang="en-US" sz="1200" b="0" i="0" kern="1200" dirty="0">
+                <a:solidFill>
+                  <a:schemeClr val="tx1"/>
+                </a:solidFill>
+                <a:effectLst/>
+                <a:latin typeface="+mn-lt"/>
+                <a:ea typeface="+mn-ea"/>
+                <a:cs typeface="+mn-cs"/>
+              </a:rPr>
+              <a:t>? Use Babel alongside TypeScript for auto-detected </a:t>
+            </a:r>
+            <a:r>
+              <a:rPr lang="en-US" sz="1200" b="0" i="0" kern="1200" dirty="0" err="1">
+                <a:solidFill>
+                  <a:schemeClr val="tx1"/>
+                </a:solidFill>
+                <a:effectLst/>
+                <a:latin typeface="+mn-lt"/>
+                <a:ea typeface="+mn-ea"/>
+                <a:cs typeface="+mn-cs"/>
+              </a:rPr>
+              <a:t>polyfills</a:t>
+            </a:r>
+            <a:r>
+              <a:rPr lang="en-US" sz="1200" b="0" i="0" kern="1200" dirty="0">
+                <a:solidFill>
+                  <a:schemeClr val="tx1"/>
+                </a:solidFill>
+                <a:effectLst/>
+                <a:latin typeface="+mn-lt"/>
+                <a:ea typeface="+mn-ea"/>
+                <a:cs typeface="+mn-cs"/>
+              </a:rPr>
+              <a:t>? </a:t>
+            </a:r>
+            <a:r>
+              <a:rPr lang="en-US" sz="1200" b="1" i="0" kern="1200" dirty="0">
+                <a:solidFill>
+                  <a:schemeClr val="tx1"/>
+                </a:solidFill>
+                <a:effectLst/>
+                <a:latin typeface="+mn-lt"/>
+                <a:ea typeface="+mn-ea"/>
+                <a:cs typeface="+mn-cs"/>
+              </a:rPr>
+              <a:t>Yes</a:t>
+            </a:r>
+          </a:p>
+          <a:p>
+            <a:pPr algn="l" rtl="0"/>
+            <a:r>
+              <a:rPr lang="en-US" sz="1200" b="0" i="0" kern="1200" dirty="0">
+                <a:solidFill>
+                  <a:schemeClr val="tx1"/>
+                </a:solidFill>
+                <a:effectLst/>
+                <a:latin typeface="+mn-lt"/>
+                <a:ea typeface="+mn-ea"/>
+                <a:cs typeface="+mn-cs"/>
+              </a:rPr>
+              <a:t>? Use history mode for router? (Requires proper server setup for index fallback in production) </a:t>
+            </a:r>
+            <a:r>
+              <a:rPr lang="en-US" sz="1200" b="1" i="0" kern="1200" dirty="0">
+                <a:solidFill>
+                  <a:schemeClr val="tx1"/>
+                </a:solidFill>
+                <a:effectLst/>
+                <a:latin typeface="+mn-lt"/>
+                <a:ea typeface="+mn-ea"/>
+                <a:cs typeface="+mn-cs"/>
+              </a:rPr>
+              <a:t>Yes</a:t>
+            </a:r>
+          </a:p>
+          <a:p>
+            <a:pPr algn="l" rtl="0"/>
+            <a:r>
+              <a:rPr lang="en-US" sz="1200" b="0" i="0" kern="1200" dirty="0">
+                <a:solidFill>
+                  <a:schemeClr val="tx1"/>
+                </a:solidFill>
+                <a:effectLst/>
+                <a:latin typeface="+mn-lt"/>
+                <a:ea typeface="+mn-ea"/>
+                <a:cs typeface="+mn-cs"/>
+              </a:rPr>
+              <a:t>? Pick a CSS pre-processor (</a:t>
+            </a:r>
+            <a:r>
+              <a:rPr lang="en-US" sz="1200" b="0" i="0" kern="1200" dirty="0" err="1">
+                <a:solidFill>
+                  <a:schemeClr val="tx1"/>
+                </a:solidFill>
+                <a:effectLst/>
+                <a:latin typeface="+mn-lt"/>
+                <a:ea typeface="+mn-ea"/>
+                <a:cs typeface="+mn-cs"/>
+              </a:rPr>
+              <a:t>PostCSS</a:t>
+            </a:r>
+            <a:r>
+              <a:rPr lang="en-US" sz="1200" b="0" i="0" kern="1200" dirty="0">
+                <a:solidFill>
+                  <a:schemeClr val="tx1"/>
+                </a:solidFill>
+                <a:effectLst/>
+                <a:latin typeface="+mn-lt"/>
+                <a:ea typeface="+mn-ea"/>
+                <a:cs typeface="+mn-cs"/>
+              </a:rPr>
+              <a:t>, </a:t>
+            </a:r>
+            <a:r>
+              <a:rPr lang="en-US" sz="1200" b="0" i="0" kern="1200" dirty="0" err="1">
+                <a:solidFill>
+                  <a:schemeClr val="tx1"/>
+                </a:solidFill>
+                <a:effectLst/>
+                <a:latin typeface="+mn-lt"/>
+                <a:ea typeface="+mn-ea"/>
+                <a:cs typeface="+mn-cs"/>
+              </a:rPr>
+              <a:t>Autoprefixer</a:t>
+            </a:r>
+            <a:r>
+              <a:rPr lang="en-US" sz="1200" b="0" i="0" kern="1200" dirty="0">
+                <a:solidFill>
+                  <a:schemeClr val="tx1"/>
+                </a:solidFill>
+                <a:effectLst/>
+                <a:latin typeface="+mn-lt"/>
+                <a:ea typeface="+mn-ea"/>
+                <a:cs typeface="+mn-cs"/>
+              </a:rPr>
+              <a:t> and CSS Modules are supported by default): </a:t>
+            </a:r>
+            <a:r>
+              <a:rPr lang="en-US" sz="1200" b="1" i="0" kern="1200" dirty="0">
+                <a:solidFill>
+                  <a:schemeClr val="tx1"/>
+                </a:solidFill>
+                <a:effectLst/>
+                <a:latin typeface="+mn-lt"/>
+                <a:ea typeface="+mn-ea"/>
+                <a:cs typeface="+mn-cs"/>
+              </a:rPr>
+              <a:t>Less</a:t>
+            </a:r>
+          </a:p>
+          <a:p>
+            <a:pPr algn="l" rtl="0"/>
+            <a:r>
+              <a:rPr lang="en-US" sz="1200" b="0" i="0" kern="1200" dirty="0">
+                <a:solidFill>
+                  <a:schemeClr val="tx1"/>
+                </a:solidFill>
+                <a:effectLst/>
+                <a:latin typeface="+mn-lt"/>
+                <a:ea typeface="+mn-ea"/>
+                <a:cs typeface="+mn-cs"/>
+              </a:rPr>
+              <a:t>? Pick a linter / formatter config: </a:t>
+            </a:r>
+            <a:r>
+              <a:rPr lang="en-US" sz="1200" b="1" i="0" kern="1200" dirty="0" err="1">
+                <a:solidFill>
+                  <a:schemeClr val="tx1"/>
+                </a:solidFill>
+                <a:effectLst/>
+                <a:latin typeface="+mn-lt"/>
+                <a:ea typeface="+mn-ea"/>
+                <a:cs typeface="+mn-cs"/>
+              </a:rPr>
+              <a:t>TSLint</a:t>
+            </a:r>
+            <a:endParaRPr lang="en-US" sz="1200" b="1" i="0" kern="1200" dirty="0">
+              <a:solidFill>
+                <a:schemeClr val="tx1"/>
+              </a:solidFill>
+              <a:effectLst/>
+              <a:latin typeface="+mn-lt"/>
+              <a:ea typeface="+mn-ea"/>
+              <a:cs typeface="+mn-cs"/>
+            </a:endParaRPr>
+          </a:p>
+          <a:p>
+            <a:pPr algn="l" rtl="0"/>
+            <a:r>
+              <a:rPr lang="en-US" sz="1200" b="0" i="0" kern="1200" dirty="0">
+                <a:solidFill>
+                  <a:schemeClr val="tx1"/>
+                </a:solidFill>
+                <a:effectLst/>
+                <a:latin typeface="+mn-lt"/>
+                <a:ea typeface="+mn-ea"/>
+                <a:cs typeface="+mn-cs"/>
+              </a:rPr>
+              <a:t>? Pick additional lint features: </a:t>
+            </a:r>
+            <a:r>
+              <a:rPr lang="en-US" sz="1200" b="1" i="0" kern="1200" dirty="0">
+                <a:solidFill>
+                  <a:schemeClr val="tx1"/>
+                </a:solidFill>
+                <a:effectLst/>
+                <a:latin typeface="+mn-lt"/>
+                <a:ea typeface="+mn-ea"/>
+                <a:cs typeface="+mn-cs"/>
+              </a:rPr>
+              <a:t>Lint and fix on commit</a:t>
+            </a:r>
+          </a:p>
+          <a:p>
+            <a:pPr algn="l" rtl="0"/>
+            <a:r>
+              <a:rPr lang="en-US" sz="1200" b="0" i="0" kern="1200" dirty="0">
+                <a:solidFill>
+                  <a:schemeClr val="tx1"/>
+                </a:solidFill>
+                <a:effectLst/>
+                <a:latin typeface="+mn-lt"/>
+                <a:ea typeface="+mn-ea"/>
+                <a:cs typeface="+mn-cs"/>
+              </a:rPr>
+              <a:t>? Pick a unit testing solution: </a:t>
+            </a:r>
+            <a:r>
+              <a:rPr lang="en-US" sz="1200" b="1" i="0" kern="1200" dirty="0">
+                <a:solidFill>
+                  <a:schemeClr val="tx1"/>
+                </a:solidFill>
+                <a:effectLst/>
+                <a:latin typeface="+mn-lt"/>
+                <a:ea typeface="+mn-ea"/>
+                <a:cs typeface="+mn-cs"/>
+              </a:rPr>
+              <a:t>Jest</a:t>
+            </a:r>
+          </a:p>
+          <a:p>
+            <a:pPr algn="l" rtl="0"/>
+            <a:r>
+              <a:rPr lang="en-US" sz="1200" b="0" i="0" kern="1200" dirty="0">
+                <a:solidFill>
+                  <a:schemeClr val="tx1"/>
+                </a:solidFill>
+                <a:effectLst/>
+                <a:latin typeface="+mn-lt"/>
+                <a:ea typeface="+mn-ea"/>
+                <a:cs typeface="+mn-cs"/>
+              </a:rPr>
+              <a:t>? Where do you prefer placing config for Babel, </a:t>
+            </a:r>
+            <a:r>
+              <a:rPr lang="en-US" sz="1200" b="0" i="0" kern="1200" dirty="0" err="1">
+                <a:solidFill>
+                  <a:schemeClr val="tx1"/>
+                </a:solidFill>
+                <a:effectLst/>
+                <a:latin typeface="+mn-lt"/>
+                <a:ea typeface="+mn-ea"/>
+                <a:cs typeface="+mn-cs"/>
+              </a:rPr>
+              <a:t>PostCSS</a:t>
+            </a:r>
+            <a:r>
+              <a:rPr lang="en-US" sz="1200" b="0" i="0" kern="1200" dirty="0">
+                <a:solidFill>
+                  <a:schemeClr val="tx1"/>
+                </a:solidFill>
+                <a:effectLst/>
+                <a:latin typeface="+mn-lt"/>
+                <a:ea typeface="+mn-ea"/>
+                <a:cs typeface="+mn-cs"/>
+              </a:rPr>
+              <a:t>, </a:t>
+            </a:r>
+            <a:r>
+              <a:rPr lang="en-US" sz="1200" b="0" i="0" kern="1200" dirty="0" err="1">
+                <a:solidFill>
+                  <a:schemeClr val="tx1"/>
+                </a:solidFill>
+                <a:effectLst/>
+                <a:latin typeface="+mn-lt"/>
+                <a:ea typeface="+mn-ea"/>
+                <a:cs typeface="+mn-cs"/>
+              </a:rPr>
+              <a:t>ESLint</a:t>
+            </a:r>
+            <a:r>
+              <a:rPr lang="en-US" sz="1200" b="0" i="0" kern="1200" dirty="0">
+                <a:solidFill>
+                  <a:schemeClr val="tx1"/>
+                </a:solidFill>
+                <a:effectLst/>
+                <a:latin typeface="+mn-lt"/>
+                <a:ea typeface="+mn-ea"/>
+                <a:cs typeface="+mn-cs"/>
+              </a:rPr>
+              <a:t>, etc.?</a:t>
+            </a:r>
+            <a:r>
+              <a:rPr lang="en-US" sz="1200" b="1" i="0" kern="1200" dirty="0">
+                <a:solidFill>
+                  <a:schemeClr val="tx1"/>
+                </a:solidFill>
+                <a:effectLst/>
+                <a:latin typeface="+mn-lt"/>
+                <a:ea typeface="+mn-ea"/>
+                <a:cs typeface="+mn-cs"/>
+              </a:rPr>
+              <a:t> In dedicated config files</a:t>
+            </a:r>
+          </a:p>
+          <a:p>
+            <a:pPr algn="l" rtl="0"/>
+            <a:r>
+              <a:rPr lang="en-US" sz="1200" b="0" i="0" kern="1200" dirty="0">
+                <a:solidFill>
+                  <a:schemeClr val="tx1"/>
+                </a:solidFill>
+                <a:effectLst/>
+                <a:latin typeface="+mn-lt"/>
+                <a:ea typeface="+mn-ea"/>
+                <a:cs typeface="+mn-cs"/>
+              </a:rPr>
+              <a:t>? Save this as a preset for future projects? </a:t>
+            </a:r>
+            <a:r>
+              <a:rPr lang="en-US" sz="1200" b="1" i="0" kern="1200" dirty="0">
+                <a:solidFill>
+                  <a:schemeClr val="tx1"/>
+                </a:solidFill>
+                <a:effectLst/>
+                <a:latin typeface="+mn-lt"/>
+                <a:ea typeface="+mn-ea"/>
+                <a:cs typeface="+mn-cs"/>
+              </a:rPr>
+              <a:t>No</a:t>
+            </a:r>
+          </a:p>
+          <a:p>
+            <a:pPr algn="l" rtl="0"/>
+            <a:r>
+              <a:rPr lang="en-US" sz="1200" b="0" i="0" kern="1200" dirty="0">
+                <a:solidFill>
+                  <a:schemeClr val="tx1"/>
+                </a:solidFill>
+                <a:effectLst/>
+                <a:latin typeface="+mn-lt"/>
+                <a:ea typeface="+mn-ea"/>
+                <a:cs typeface="+mn-cs"/>
+              </a:rPr>
+              <a:t>? Pick the package manager to use when installing dependencies: </a:t>
+            </a:r>
+            <a:r>
+              <a:rPr lang="en-US" sz="1200" b="1" i="0" kern="1200" dirty="0">
+                <a:solidFill>
+                  <a:schemeClr val="tx1"/>
+                </a:solidFill>
+                <a:effectLst/>
+                <a:latin typeface="+mn-lt"/>
+                <a:ea typeface="+mn-ea"/>
+                <a:cs typeface="+mn-cs"/>
+              </a:rPr>
+              <a:t>Yarn</a:t>
+            </a:r>
+          </a:p>
+          <a:p>
+            <a:pPr algn="l" rtl="0"/>
+            <a:endParaRPr lang="en-US" sz="1200" b="0" i="0" kern="1200" dirty="0">
+              <a:solidFill>
+                <a:schemeClr val="tx1"/>
+              </a:solidFill>
+              <a:effectLst/>
+              <a:latin typeface="+mn-lt"/>
+              <a:ea typeface="+mn-ea"/>
+              <a:cs typeface="+mn-cs"/>
+            </a:endParaRPr>
+          </a:p>
+          <a:p>
+            <a:pPr algn="l" rtl="0"/>
+            <a:r>
+              <a:rPr lang="en-US" sz="1200" b="0" i="0" kern="1200" dirty="0">
+                <a:solidFill>
+                  <a:schemeClr val="tx1"/>
+                </a:solidFill>
+                <a:effectLst/>
+                <a:latin typeface="+mn-lt"/>
+                <a:ea typeface="+mn-ea"/>
+                <a:cs typeface="+mn-cs"/>
+              </a:rPr>
+              <a:t>Add HMR:</a:t>
+            </a:r>
+          </a:p>
+          <a:p>
+            <a:pPr algn="l" rtl="0"/>
+            <a:r>
+              <a:rPr lang="en-US" sz="1200" b="0" i="0" kern="1200" dirty="0">
+                <a:solidFill>
+                  <a:schemeClr val="tx1"/>
+                </a:solidFill>
+                <a:effectLst/>
+                <a:latin typeface="+mn-lt"/>
+                <a:ea typeface="+mn-ea"/>
+                <a:cs typeface="+mn-cs"/>
+              </a:rPr>
+              <a:t>vue.config.js:</a:t>
+            </a:r>
+          </a:p>
+          <a:p>
+            <a:pPr algn="l" rtl="0"/>
+            <a:r>
+              <a:rPr lang="en-US" sz="1200" b="0" i="0" kern="1200" dirty="0" err="1">
+                <a:solidFill>
+                  <a:schemeClr val="tx1"/>
+                </a:solidFill>
+                <a:effectLst/>
+                <a:latin typeface="+mn-lt"/>
+                <a:ea typeface="+mn-ea"/>
+                <a:cs typeface="+mn-cs"/>
+              </a:rPr>
+              <a:t>module.exports</a:t>
+            </a:r>
+            <a:r>
+              <a:rPr lang="en-US" sz="1200" b="0" i="0" kern="1200" dirty="0">
+                <a:solidFill>
+                  <a:schemeClr val="tx1"/>
+                </a:solidFill>
+                <a:effectLst/>
+                <a:latin typeface="+mn-lt"/>
+                <a:ea typeface="+mn-ea"/>
+                <a:cs typeface="+mn-cs"/>
+              </a:rPr>
+              <a:t> = {  </a:t>
+            </a:r>
+            <a:r>
+              <a:rPr lang="en-US" sz="1200" b="0" i="0" kern="1200" dirty="0" err="1">
+                <a:solidFill>
+                  <a:schemeClr val="tx1"/>
+                </a:solidFill>
+                <a:effectLst/>
+                <a:latin typeface="+mn-lt"/>
+                <a:ea typeface="+mn-ea"/>
+                <a:cs typeface="+mn-cs"/>
+              </a:rPr>
+              <a:t>lintOnSave</a:t>
+            </a:r>
+            <a:r>
+              <a:rPr lang="en-US" sz="1200" b="0" i="0" kern="1200" dirty="0">
+                <a:solidFill>
+                  <a:schemeClr val="tx1"/>
+                </a:solidFill>
+                <a:effectLst/>
+                <a:latin typeface="+mn-lt"/>
+                <a:ea typeface="+mn-ea"/>
+                <a:cs typeface="+mn-cs"/>
+              </a:rPr>
+              <a:t>: false,  </a:t>
+            </a:r>
+            <a:r>
+              <a:rPr lang="en-US" sz="1200" b="1" i="0" kern="1200" dirty="0" err="1">
+                <a:solidFill>
+                  <a:schemeClr val="tx1"/>
+                </a:solidFill>
+                <a:effectLst/>
+                <a:latin typeface="+mn-lt"/>
+                <a:ea typeface="+mn-ea"/>
+                <a:cs typeface="+mn-cs"/>
+              </a:rPr>
+              <a:t>configureWebpack</a:t>
+            </a:r>
+            <a:r>
+              <a:rPr lang="en-US" sz="1200" b="1" i="0" kern="1200" dirty="0">
+                <a:solidFill>
+                  <a:schemeClr val="tx1"/>
+                </a:solidFill>
+                <a:effectLst/>
+                <a:latin typeface="+mn-lt"/>
+                <a:ea typeface="+mn-ea"/>
+                <a:cs typeface="+mn-cs"/>
+              </a:rPr>
+              <a:t>: {        </a:t>
+            </a:r>
+            <a:r>
+              <a:rPr lang="en-US" sz="1200" b="1" i="0" kern="1200" dirty="0" err="1">
+                <a:solidFill>
+                  <a:schemeClr val="tx1"/>
+                </a:solidFill>
+                <a:effectLst/>
+                <a:latin typeface="+mn-lt"/>
+                <a:ea typeface="+mn-ea"/>
+                <a:cs typeface="+mn-cs"/>
+              </a:rPr>
+              <a:t>devServer</a:t>
+            </a:r>
+            <a:r>
+              <a:rPr lang="en-US" sz="1200" b="1" i="0" kern="1200" dirty="0">
+                <a:solidFill>
+                  <a:schemeClr val="tx1"/>
+                </a:solidFill>
+                <a:effectLst/>
+                <a:latin typeface="+mn-lt"/>
+                <a:ea typeface="+mn-ea"/>
+                <a:cs typeface="+mn-cs"/>
+              </a:rPr>
+              <a:t>: {            </a:t>
+            </a:r>
+            <a:r>
+              <a:rPr lang="en-US" sz="1200" b="1" i="0" kern="1200" dirty="0" err="1">
+                <a:solidFill>
+                  <a:schemeClr val="tx1"/>
+                </a:solidFill>
+                <a:effectLst/>
+                <a:latin typeface="+mn-lt"/>
+                <a:ea typeface="+mn-ea"/>
+                <a:cs typeface="+mn-cs"/>
+              </a:rPr>
+              <a:t>clientLogLevel</a:t>
+            </a:r>
+            <a:r>
+              <a:rPr lang="en-US" sz="1200" b="1" i="0" kern="1200" dirty="0">
+                <a:solidFill>
+                  <a:schemeClr val="tx1"/>
+                </a:solidFill>
+                <a:effectLst/>
+                <a:latin typeface="+mn-lt"/>
+                <a:ea typeface="+mn-ea"/>
+                <a:cs typeface="+mn-cs"/>
+              </a:rPr>
+              <a:t>: 'info',            </a:t>
+            </a:r>
+            <a:r>
+              <a:rPr lang="en-US" sz="1200" b="1" i="0" kern="1200" dirty="0" err="1">
+                <a:solidFill>
+                  <a:schemeClr val="tx1"/>
+                </a:solidFill>
+                <a:effectLst/>
+                <a:latin typeface="+mn-lt"/>
+                <a:ea typeface="+mn-ea"/>
+                <a:cs typeface="+mn-cs"/>
+              </a:rPr>
+              <a:t>watchOptions</a:t>
+            </a:r>
+            <a:r>
+              <a:rPr lang="en-US" sz="1200" b="1" i="0" kern="1200" dirty="0">
+                <a:solidFill>
+                  <a:schemeClr val="tx1"/>
+                </a:solidFill>
+                <a:effectLst/>
+                <a:latin typeface="+mn-lt"/>
+                <a:ea typeface="+mn-ea"/>
+                <a:cs typeface="+mn-cs"/>
+              </a:rPr>
+              <a:t>: {                poll: true            }        }    }</a:t>
+            </a:r>
+            <a:r>
+              <a:rPr lang="en-US" sz="1200" b="0" i="0" kern="1200" dirty="0">
+                <a:solidFill>
+                  <a:schemeClr val="tx1"/>
+                </a:solidFill>
+                <a:effectLst/>
+                <a:latin typeface="+mn-lt"/>
+                <a:ea typeface="+mn-ea"/>
+                <a:cs typeface="+mn-cs"/>
+              </a:rPr>
+              <a:t>}</a:t>
+            </a:r>
+          </a:p>
+          <a:p>
+            <a:pPr algn="l" rtl="0"/>
+            <a:endParaRPr lang="en-US" sz="1200" b="0" i="0" kern="1200" dirty="0">
+              <a:solidFill>
+                <a:schemeClr val="tx1"/>
+              </a:solidFill>
+              <a:effectLst/>
+              <a:latin typeface="+mn-lt"/>
+              <a:ea typeface="+mn-ea"/>
+              <a:cs typeface="+mn-cs"/>
+            </a:endParaRPr>
+          </a:p>
+          <a:p>
+            <a:pPr marL="171450" indent="-171450" algn="l" rtl="0">
+              <a:buFontTx/>
+              <a:buChar char="-"/>
+            </a:pPr>
+            <a:r>
+              <a:rPr lang="en-US" sz="1200" b="0" i="0" kern="1200" dirty="0">
+                <a:solidFill>
+                  <a:schemeClr val="tx1"/>
+                </a:solidFill>
+                <a:effectLst/>
+                <a:latin typeface="+mn-lt"/>
+                <a:ea typeface="+mn-ea"/>
+                <a:cs typeface="+mn-cs"/>
+              </a:rPr>
+              <a:t>https://css-tricks.com/vue-typescript-a-match-made-in-your-code-editor/</a:t>
+            </a:r>
+          </a:p>
+          <a:p>
+            <a:pPr marL="171450" indent="-171450" algn="l" rtl="0">
+              <a:buFontTx/>
+              <a:buChar char="-"/>
+            </a:pPr>
+            <a:endParaRPr lang="en-US" sz="1200" b="0" i="0" kern="1200" dirty="0">
+              <a:solidFill>
+                <a:schemeClr val="tx1"/>
+              </a:solidFill>
+              <a:effectLst/>
+              <a:latin typeface="+mn-lt"/>
+              <a:ea typeface="+mn-ea"/>
+              <a:cs typeface="+mn-cs"/>
+            </a:endParaRPr>
           </a:p>
         </p:txBody>
       </p:sp>
@@ -6018,6 +7088,91 @@
             <a:fld id="{595D0871-5AD0-4670-BDA8-FBE649F625DD}" type="slidenum">
               <a:rPr lang="he-IL" smtClean="0"/>
               <a:t>23</a:t>
+            </a:fld>
+            <a:endParaRPr lang="he-IL"/>
+          </a:p>
+        </p:txBody>
+      </p:sp>
+    </p:spTree>
+    <p:extLst>
+      <p:ext uri="{BB962C8B-B14F-4D97-AF65-F5344CB8AC3E}">
+        <p14:creationId xmlns:p14="http://schemas.microsoft.com/office/powerpoint/2010/main" val="2572092690"/>
+      </p:ext>
+    </p:extLst>
+  </p:cSld>
+  <p:clrMapOvr>
+    <a:masterClrMapping/>
+  </p:clrMapOvr>
+</p:notes>
+</file>
+
+<file path=ppt/notesSlides/notesSlide22.xml><?xml version="1.0" encoding="utf-8"?>
+<p:notes xmlns:a="http://schemas.openxmlformats.org/drawingml/2006/main" xmlns:r="http://schemas.openxmlformats.org/officeDocument/2006/relationships" xmlns:p="http://schemas.openxmlformats.org/presentationml/2006/main">
+  <p:cSld>
+    <p:spTree>
+      <p:nvGrpSpPr>
+        <p:cNvPr id="1" name=""/>
+        <p:cNvGrpSpPr/>
+        <p:nvPr/>
+      </p:nvGrpSpPr>
+      <p:grpSpPr>
+        <a:xfrm>
+          <a:off x="0" y="0"/>
+          <a:ext cx="0" cy="0"/>
+          <a:chOff x="0" y="0"/>
+          <a:chExt cx="0" cy="0"/>
+        </a:xfrm>
+      </p:grpSpPr>
+      <p:sp>
+        <p:nvSpPr>
+          <p:cNvPr id="2" name="Slide Image Placeholder 1"/>
+          <p:cNvSpPr>
+            <a:spLocks noGrp="1" noRot="1" noChangeAspect="1"/>
+          </p:cNvSpPr>
+          <p:nvPr>
+            <p:ph type="sldImg"/>
+          </p:nvPr>
+        </p:nvSpPr>
+        <p:spPr/>
+      </p:sp>
+      <p:sp>
+        <p:nvSpPr>
+          <p:cNvPr id="3" name="Notes Placeholder 2"/>
+          <p:cNvSpPr>
+            <a:spLocks noGrp="1"/>
+          </p:cNvSpPr>
+          <p:nvPr>
+            <p:ph type="body" idx="1"/>
+          </p:nvPr>
+        </p:nvSpPr>
+        <p:spPr/>
+        <p:txBody>
+          <a:bodyPr/>
+          <a:lstStyle/>
+          <a:p>
+            <a:pPr algn="l" rtl="0"/>
+            <a:endParaRPr lang="en-US" b="0" dirty="0"/>
+          </a:p>
+        </p:txBody>
+      </p:sp>
+      <p:sp>
+        <p:nvSpPr>
+          <p:cNvPr id="4" name="Slide Number Placeholder 3"/>
+          <p:cNvSpPr>
+            <a:spLocks noGrp="1"/>
+          </p:cNvSpPr>
+          <p:nvPr>
+            <p:ph type="sldNum" sz="quarter" idx="10"/>
+          </p:nvPr>
+        </p:nvSpPr>
+        <p:spPr/>
+        <p:txBody>
+          <a:bodyPr/>
+          <a:lstStyle/>
+          <a:p>
+            <a:fld id="{595D0871-5AD0-4670-BDA8-FBE649F625DD}" type="slidenum">
+              <a:rPr lang="he-IL" smtClean="0"/>
+              <a:t>24</a:t>
             </a:fld>
             <a:endParaRPr lang="he-IL"/>
           </a:p>
@@ -13648,6 +14803,138 @@
 </file>
 
 <file path=ppt/slides/slide23.xml><?xml version="1.0" encoding="utf-8"?>
+<p:sld xmlns:a="http://schemas.openxmlformats.org/drawingml/2006/main" xmlns:r="http://schemas.openxmlformats.org/officeDocument/2006/relationships" xmlns:p="http://schemas.openxmlformats.org/presentationml/2006/main">
+  <p:cSld>
+    <p:spTree>
+      <p:nvGrpSpPr>
+        <p:cNvPr id="1" name=""/>
+        <p:cNvGrpSpPr/>
+        <p:nvPr/>
+      </p:nvGrpSpPr>
+      <p:grpSpPr>
+        <a:xfrm>
+          <a:off x="0" y="0"/>
+          <a:ext cx="0" cy="0"/>
+          <a:chOff x="0" y="0"/>
+          <a:chExt cx="0" cy="0"/>
+        </a:xfrm>
+      </p:grpSpPr>
+      <p:sp>
+        <p:nvSpPr>
+          <p:cNvPr id="6" name="Rectangle 5"/>
+          <p:cNvSpPr/>
+          <p:nvPr/>
+        </p:nvSpPr>
+        <p:spPr>
+          <a:xfrm>
+            <a:off x="-215115" y="0"/>
+            <a:ext cx="12407115" cy="6858000"/>
+          </a:xfrm>
+          <a:prstGeom prst="rect">
+            <a:avLst/>
+          </a:prstGeom>
+          <a:solidFill>
+            <a:schemeClr val="accent1">
+              <a:lumMod val="75000"/>
+            </a:schemeClr>
+          </a:solidFill>
+          <a:ln>
+            <a:noFill/>
+          </a:ln>
+        </p:spPr>
+        <p:style>
+          <a:lnRef idx="1">
+            <a:schemeClr val="accent1"/>
+          </a:lnRef>
+          <a:fillRef idx="3">
+            <a:schemeClr val="accent1"/>
+          </a:fillRef>
+          <a:effectRef idx="2">
+            <a:schemeClr val="accent1"/>
+          </a:effectRef>
+          <a:fontRef idx="minor">
+            <a:schemeClr val="lt1"/>
+          </a:fontRef>
+        </p:style>
+        <p:txBody>
+          <a:bodyPr rtlCol="0" anchor="ctr"/>
+          <a:lstStyle/>
+          <a:p>
+            <a:pPr algn="ctr"/>
+            <a:endParaRPr lang="en-US" sz="2400"/>
+          </a:p>
+        </p:txBody>
+      </p:sp>
+      <p:sp>
+        <p:nvSpPr>
+          <p:cNvPr id="24" name="Title 1"/>
+          <p:cNvSpPr>
+            <a:spLocks noGrp="1"/>
+          </p:cNvSpPr>
+          <p:nvPr>
+            <p:ph type="title"/>
+          </p:nvPr>
+        </p:nvSpPr>
+        <p:spPr>
+          <a:xfrm>
+            <a:off x="502042" y="1936377"/>
+            <a:ext cx="10972800" cy="2985246"/>
+          </a:xfrm>
+        </p:spPr>
+        <p:txBody>
+          <a:bodyPr>
+            <a:noAutofit/>
+          </a:bodyPr>
+          <a:lstStyle/>
+          <a:p>
+            <a:pPr algn="ctr" rtl="0" eaLnBrk="0" fontAlgn="base" hangingPunct="0">
+              <a:spcAft>
+                <a:spcPct val="0"/>
+              </a:spcAft>
+            </a:pPr>
+            <a:r>
+              <a:rPr lang="en-US" sz="6000" dirty="0">
+                <a:solidFill>
+                  <a:schemeClr val="bg1"/>
+                </a:solidFill>
+              </a:rPr>
+              <a:t>Hand zone</a:t>
+            </a:r>
+            <a:endParaRPr lang="en-US" altLang="en-US" sz="6000" b="1" dirty="0">
+              <a:solidFill>
+                <a:schemeClr val="bg1"/>
+              </a:solidFill>
+              <a:latin typeface="Calibri (Body)"/>
+            </a:endParaRPr>
+          </a:p>
+        </p:txBody>
+      </p:sp>
+    </p:spTree>
+    <p:extLst>
+      <p:ext uri="{BB962C8B-B14F-4D97-AF65-F5344CB8AC3E}">
+        <p14:creationId xmlns:p14="http://schemas.microsoft.com/office/powerpoint/2010/main" val="4153673833"/>
+      </p:ext>
+    </p:extLst>
+  </p:cSld>
+  <p:clrMapOvr>
+    <a:masterClrMapping/>
+  </p:clrMapOvr>
+  <mc:AlternateContent xmlns:mc="http://schemas.openxmlformats.org/markup-compatibility/2006" xmlns:p14="http://schemas.microsoft.com/office/powerpoint/2010/main">
+    <mc:Choice Requires="p14">
+      <p:transition spd="med" p14:dur="700">
+        <p:fade/>
+      </p:transition>
+    </mc:Choice>
+    <mc:Fallback xmlns="">
+      <p:transition xmlns:p14="http://schemas.microsoft.com/office/powerpoint/2010/main" spd="med">
+        <p:fade/>
+      </p:transition>
+    </mc:Fallback>
+  </mc:AlternateContent>
+</p:sld>
+</file>
+
+<file path=ppt/slides/slide24.xml><?xml version="1.0" encoding="utf-8"?>
 <p:sld xmlns:a="http://schemas.openxmlformats.org/drawingml/2006/main" xmlns:r="http://schemas.openxmlformats.org/officeDocument/2006/relationships" xmlns:p="http://schemas.openxmlformats.org/presentationml/2006/main">
   <p:cSld>
     <p:spTree>

--- a/presentations/Practical Web Dev.pptx
+++ b/presentations/Practical Web Dev.pptx
@@ -5,7 +5,7 @@
     <p:sldMasterId id="2147483648" r:id="rId1"/>
   </p:sldMasterIdLst>
   <p:notesMasterIdLst>
-    <p:notesMasterId r:id="rId26"/>
+    <p:notesMasterId r:id="rId48"/>
   </p:notesMasterIdLst>
   <p:sldIdLst>
     <p:sldId id="256" r:id="rId2"/>
@@ -32,6 +32,28 @@
     <p:sldId id="387" r:id="rId23"/>
     <p:sldId id="388" r:id="rId24"/>
     <p:sldId id="381" r:id="rId25"/>
+    <p:sldId id="389" r:id="rId26"/>
+    <p:sldId id="390" r:id="rId27"/>
+    <p:sldId id="391" r:id="rId28"/>
+    <p:sldId id="392" r:id="rId29"/>
+    <p:sldId id="393" r:id="rId30"/>
+    <p:sldId id="394" r:id="rId31"/>
+    <p:sldId id="395" r:id="rId32"/>
+    <p:sldId id="396" r:id="rId33"/>
+    <p:sldId id="397" r:id="rId34"/>
+    <p:sldId id="400" r:id="rId35"/>
+    <p:sldId id="398" r:id="rId36"/>
+    <p:sldId id="399" r:id="rId37"/>
+    <p:sldId id="401" r:id="rId38"/>
+    <p:sldId id="402" r:id="rId39"/>
+    <p:sldId id="403" r:id="rId40"/>
+    <p:sldId id="404" r:id="rId41"/>
+    <p:sldId id="405" r:id="rId42"/>
+    <p:sldId id="406" r:id="rId43"/>
+    <p:sldId id="407" r:id="rId44"/>
+    <p:sldId id="408" r:id="rId45"/>
+    <p:sldId id="409" r:id="rId46"/>
+    <p:sldId id="410" r:id="rId47"/>
   </p:sldIdLst>
   <p:sldSz cx="12192000" cy="6858000"/>
   <p:notesSz cx="6858000" cy="9144000"/>
@@ -159,10 +181,33 @@
             <p14:sldId id="387"/>
             <p14:sldId id="388"/>
             <p14:sldId id="381"/>
+            <p14:sldId id="389"/>
+            <p14:sldId id="390"/>
+            <p14:sldId id="391"/>
+            <p14:sldId id="392"/>
+            <p14:sldId id="393"/>
+            <p14:sldId id="394"/>
+            <p14:sldId id="395"/>
+            <p14:sldId id="396"/>
+            <p14:sldId id="397"/>
+            <p14:sldId id="400"/>
+            <p14:sldId id="398"/>
+            <p14:sldId id="399"/>
+            <p14:sldId id="401"/>
+            <p14:sldId id="402"/>
           </p14:sldIdLst>
         </p14:section>
         <p14:section name="Untitled Section" id="{C1D0E545-2C7D-473A-832A-0A18554C7EAE}">
-          <p14:sldIdLst/>
+          <p14:sldIdLst>
+            <p14:sldId id="403"/>
+            <p14:sldId id="404"/>
+            <p14:sldId id="405"/>
+            <p14:sldId id="406"/>
+            <p14:sldId id="407"/>
+            <p14:sldId id="408"/>
+            <p14:sldId id="409"/>
+            <p14:sldId id="410"/>
+          </p14:sldIdLst>
         </p14:section>
       </p14:sectionLst>
     </p:ext>
@@ -266,7 +311,7 @@
           <a:p>
             <a:fld id="{B53C1D94-E0DD-4250-8C1B-3D8C3DA9B2B6}" type="datetimeFigureOut">
               <a:rPr lang="he-IL" smtClean="0"/>
-              <a:t>י"ט/אדר א/תשע"ט</a:t>
+              <a:t>כ"א/אדר א/תשע"ט</a:t>
             </a:fld>
             <a:endParaRPr lang="he-IL"/>
           </a:p>
@@ -7036,6 +7081,45 @@
             </a:endParaRPr>
           </a:p>
           <a:p>
+            <a:pPr algn="l" rtl="0"/>
+            <a:endParaRPr lang="en-US" sz="1200" b="0" i="0" kern="1200" dirty="0">
+              <a:solidFill>
+                <a:schemeClr val="tx1"/>
+              </a:solidFill>
+              <a:effectLst/>
+              <a:latin typeface="+mn-lt"/>
+              <a:ea typeface="+mn-ea"/>
+              <a:cs typeface="+mn-cs"/>
+            </a:endParaRPr>
+          </a:p>
+          <a:p>
+            <a:pPr algn="l" rtl="0"/>
+            <a:r>
+              <a:rPr lang="en-US" sz="1200" b="0" i="0" kern="1200" dirty="0">
+                <a:solidFill>
+                  <a:schemeClr val="tx1"/>
+                </a:solidFill>
+                <a:effectLst/>
+                <a:latin typeface="+mn-lt"/>
+                <a:ea typeface="+mn-ea"/>
+                <a:cs typeface="+mn-cs"/>
+              </a:rPr>
+              <a:t>-- mock server????</a:t>
+            </a:r>
+          </a:p>
+          <a:p>
+            <a:pPr algn="l" rtl="0"/>
+            <a:endParaRPr lang="en-US" sz="1200" b="0" i="0" kern="1200" dirty="0">
+              <a:solidFill>
+                <a:schemeClr val="tx1"/>
+              </a:solidFill>
+              <a:effectLst/>
+              <a:latin typeface="+mn-lt"/>
+              <a:ea typeface="+mn-ea"/>
+              <a:cs typeface="+mn-cs"/>
+            </a:endParaRPr>
+          </a:p>
+          <a:p>
             <a:pPr marL="171450" indent="-171450" algn="l" rtl="0">
               <a:buFontTx/>
               <a:buChar char="-"/>
@@ -7191,6 +7275,1259 @@
 </p:notes>
 </file>
 
+<file path=ppt/notesSlides/notesSlide23.xml><?xml version="1.0" encoding="utf-8"?>
+<p:notes xmlns:a="http://schemas.openxmlformats.org/drawingml/2006/main" xmlns:r="http://schemas.openxmlformats.org/officeDocument/2006/relationships" xmlns:p="http://schemas.openxmlformats.org/presentationml/2006/main">
+  <p:cSld>
+    <p:spTree>
+      <p:nvGrpSpPr>
+        <p:cNvPr id="1" name=""/>
+        <p:cNvGrpSpPr/>
+        <p:nvPr/>
+      </p:nvGrpSpPr>
+      <p:grpSpPr>
+        <a:xfrm>
+          <a:off x="0" y="0"/>
+          <a:ext cx="0" cy="0"/>
+          <a:chOff x="0" y="0"/>
+          <a:chExt cx="0" cy="0"/>
+        </a:xfrm>
+      </p:grpSpPr>
+      <p:sp>
+        <p:nvSpPr>
+          <p:cNvPr id="2" name="Slide Image Placeholder 1"/>
+          <p:cNvSpPr>
+            <a:spLocks noGrp="1" noRot="1" noChangeAspect="1"/>
+          </p:cNvSpPr>
+          <p:nvPr>
+            <p:ph type="sldImg"/>
+          </p:nvPr>
+        </p:nvSpPr>
+        <p:spPr/>
+      </p:sp>
+      <p:sp>
+        <p:nvSpPr>
+          <p:cNvPr id="3" name="Notes Placeholder 2"/>
+          <p:cNvSpPr>
+            <a:spLocks noGrp="1"/>
+          </p:cNvSpPr>
+          <p:nvPr>
+            <p:ph type="body" idx="1"/>
+          </p:nvPr>
+        </p:nvSpPr>
+        <p:spPr/>
+        <p:txBody>
+          <a:bodyPr/>
+          <a:lstStyle/>
+          <a:p>
+            <a:pPr algn="l" rtl="0"/>
+            <a:r>
+              <a:rPr lang="en-US" b="0" dirty="0"/>
+              <a:t>We talk about JS history/introduction,</a:t>
+            </a:r>
+          </a:p>
+          <a:p>
+            <a:pPr algn="l" rtl="0"/>
+            <a:r>
+              <a:rPr lang="en-US" b="0" dirty="0"/>
+              <a:t>But before we start coding, we have to understand CSS,</a:t>
+            </a:r>
+          </a:p>
+          <a:p>
+            <a:pPr algn="l" rtl="0"/>
+            <a:r>
+              <a:rPr lang="en-US" b="0" dirty="0"/>
+              <a:t>this is something a lot  of FE developer get confused and not really understand how it works,</a:t>
+            </a:r>
+          </a:p>
+          <a:p>
+            <a:pPr algn="l" rtl="0"/>
+            <a:r>
+              <a:rPr lang="en-US" b="0" dirty="0"/>
+              <a:t>Usually we start coding and we left CSS part to the end of our task but it should come together when we are coding and in some cases we should design/think how it will appear on the screen because it might change our code design/logic.</a:t>
+            </a:r>
+          </a:p>
+          <a:p>
+            <a:pPr algn="l" rtl="0"/>
+            <a:endParaRPr lang="en-US" b="0" dirty="0"/>
+          </a:p>
+          <a:p>
+            <a:pPr algn="l" rtl="0"/>
+            <a:r>
+              <a:rPr lang="en-US" b="0" dirty="0"/>
+              <a:t>The is even a development pattern for Fe called  UI Driven Development, which first we are creating the UI and then we are binding the data and actions.</a:t>
+            </a:r>
+          </a:p>
+          <a:p>
+            <a:pPr algn="l" rtl="0"/>
+            <a:endParaRPr lang="en-US" b="0" dirty="0"/>
+          </a:p>
+          <a:p>
+            <a:pPr algn="l" rtl="0"/>
+            <a:endParaRPr lang="en-US" b="0" dirty="0"/>
+          </a:p>
+        </p:txBody>
+      </p:sp>
+      <p:sp>
+        <p:nvSpPr>
+          <p:cNvPr id="4" name="Slide Number Placeholder 3"/>
+          <p:cNvSpPr>
+            <a:spLocks noGrp="1"/>
+          </p:cNvSpPr>
+          <p:nvPr>
+            <p:ph type="sldNum" sz="quarter" idx="10"/>
+          </p:nvPr>
+        </p:nvSpPr>
+        <p:spPr/>
+        <p:txBody>
+          <a:bodyPr/>
+          <a:lstStyle/>
+          <a:p>
+            <a:fld id="{595D0871-5AD0-4670-BDA8-FBE649F625DD}" type="slidenum">
+              <a:rPr lang="he-IL" smtClean="0"/>
+              <a:t>25</a:t>
+            </a:fld>
+            <a:endParaRPr lang="he-IL"/>
+          </a:p>
+        </p:txBody>
+      </p:sp>
+    </p:spTree>
+    <p:extLst>
+      <p:ext uri="{BB962C8B-B14F-4D97-AF65-F5344CB8AC3E}">
+        <p14:creationId xmlns:p14="http://schemas.microsoft.com/office/powerpoint/2010/main" val="2500997744"/>
+      </p:ext>
+    </p:extLst>
+  </p:cSld>
+  <p:clrMapOvr>
+    <a:masterClrMapping/>
+  </p:clrMapOvr>
+</p:notes>
+</file>
+
+<file path=ppt/notesSlides/notesSlide24.xml><?xml version="1.0" encoding="utf-8"?>
+<p:notes xmlns:a="http://schemas.openxmlformats.org/drawingml/2006/main" xmlns:r="http://schemas.openxmlformats.org/officeDocument/2006/relationships" xmlns:p="http://schemas.openxmlformats.org/presentationml/2006/main">
+  <p:cSld>
+    <p:spTree>
+      <p:nvGrpSpPr>
+        <p:cNvPr id="1" name=""/>
+        <p:cNvGrpSpPr/>
+        <p:nvPr/>
+      </p:nvGrpSpPr>
+      <p:grpSpPr>
+        <a:xfrm>
+          <a:off x="0" y="0"/>
+          <a:ext cx="0" cy="0"/>
+          <a:chOff x="0" y="0"/>
+          <a:chExt cx="0" cy="0"/>
+        </a:xfrm>
+      </p:grpSpPr>
+      <p:sp>
+        <p:nvSpPr>
+          <p:cNvPr id="2" name="Slide Image Placeholder 1"/>
+          <p:cNvSpPr>
+            <a:spLocks noGrp="1" noRot="1" noChangeAspect="1"/>
+          </p:cNvSpPr>
+          <p:nvPr>
+            <p:ph type="sldImg"/>
+          </p:nvPr>
+        </p:nvSpPr>
+        <p:spPr/>
+      </p:sp>
+      <p:sp>
+        <p:nvSpPr>
+          <p:cNvPr id="3" name="Notes Placeholder 2"/>
+          <p:cNvSpPr>
+            <a:spLocks noGrp="1"/>
+          </p:cNvSpPr>
+          <p:nvPr>
+            <p:ph type="body" idx="1"/>
+          </p:nvPr>
+        </p:nvSpPr>
+        <p:spPr/>
+        <p:txBody>
+          <a:bodyPr/>
+          <a:lstStyle/>
+          <a:p>
+            <a:pPr algn="l" rtl="0"/>
+            <a:r>
+              <a:rPr lang="en-US" b="0" dirty="0"/>
+              <a:t>What is abbreviation for CSS?</a:t>
+            </a:r>
+          </a:p>
+          <a:p>
+            <a:pPr algn="l" rtl="0"/>
+            <a:r>
+              <a:rPr lang="en-US" b="0" dirty="0"/>
+              <a:t>It is Cascading Style Sheets.</a:t>
+            </a:r>
+          </a:p>
+          <a:p>
+            <a:pPr algn="l" rtl="0"/>
+            <a:r>
+              <a:rPr lang="en-US" b="0" dirty="0"/>
+              <a:t>We know what is the meaning of </a:t>
+            </a:r>
+            <a:r>
+              <a:rPr lang="en-US" b="1" dirty="0"/>
+              <a:t>Style </a:t>
+            </a:r>
+            <a:r>
+              <a:rPr lang="en-US" b="0" dirty="0"/>
+              <a:t>&amp; </a:t>
+            </a:r>
+            <a:r>
+              <a:rPr lang="en-US" b="1" dirty="0"/>
+              <a:t>Sheets, </a:t>
+            </a:r>
+            <a:r>
+              <a:rPr lang="en-US" b="0" dirty="0"/>
+              <a:t>but what about Cascading?</a:t>
+            </a:r>
+          </a:p>
+          <a:p>
+            <a:pPr algn="l" rtl="0"/>
+            <a:endParaRPr lang="en-US" b="1" dirty="0"/>
+          </a:p>
+          <a:p>
+            <a:pPr algn="l" rtl="0"/>
+            <a:r>
+              <a:rPr lang="en-US" b="1" dirty="0"/>
+              <a:t>What is Cascade?</a:t>
+            </a:r>
+          </a:p>
+          <a:p>
+            <a:pPr algn="l" rtl="0"/>
+            <a:r>
+              <a:rPr lang="en-US" b="0" dirty="0"/>
+              <a:t>This is the process the browser deicide what CSS properties it will wake from our style sheets.</a:t>
+            </a:r>
+          </a:p>
+          <a:p>
+            <a:pPr algn="l" rtl="0"/>
+            <a:r>
+              <a:rPr lang="en-US" b="1" dirty="0"/>
+              <a:t>For example:</a:t>
+            </a:r>
+          </a:p>
+          <a:p>
+            <a:pPr algn="l" rtl="0"/>
+            <a:r>
+              <a:rPr lang="en-US" b="0" dirty="0"/>
+              <a:t>We have element with some CSS selectors: id, class &amp; html tag for background color, and we have different CSS styles for each and every one of them, how the browser will decide which one to apply?</a:t>
+            </a:r>
+          </a:p>
+          <a:p>
+            <a:pPr algn="l" rtl="0"/>
+            <a:r>
+              <a:rPr lang="en-US" b="0" dirty="0"/>
+              <a:t>The process of choosing the style, this is the cascading.</a:t>
+            </a:r>
+          </a:p>
+          <a:p>
+            <a:pPr algn="l" rtl="0"/>
+            <a:endParaRPr lang="en-US" b="1" dirty="0"/>
+          </a:p>
+          <a:p>
+            <a:pPr algn="l" rtl="0"/>
+            <a:endParaRPr lang="en-US" b="0" dirty="0"/>
+          </a:p>
+          <a:p>
+            <a:pPr marL="171450" indent="-171450" algn="l" rtl="0">
+              <a:buFontTx/>
+              <a:buChar char="-"/>
+            </a:pPr>
+            <a:r>
+              <a:rPr lang="en-US" b="0" dirty="0"/>
+              <a:t>https://developer.mozilla.org/en-US/docs/Learn/CSS/Introduction_to_CSS/Cascade_and_inheritance</a:t>
+            </a:r>
+          </a:p>
+          <a:p>
+            <a:pPr algn="l" rtl="0"/>
+            <a:endParaRPr lang="en-US" b="1" dirty="0"/>
+          </a:p>
+        </p:txBody>
+      </p:sp>
+      <p:sp>
+        <p:nvSpPr>
+          <p:cNvPr id="4" name="Slide Number Placeholder 3"/>
+          <p:cNvSpPr>
+            <a:spLocks noGrp="1"/>
+          </p:cNvSpPr>
+          <p:nvPr>
+            <p:ph type="sldNum" sz="quarter" idx="10"/>
+          </p:nvPr>
+        </p:nvSpPr>
+        <p:spPr/>
+        <p:txBody>
+          <a:bodyPr/>
+          <a:lstStyle/>
+          <a:p>
+            <a:fld id="{595D0871-5AD0-4670-BDA8-FBE649F625DD}" type="slidenum">
+              <a:rPr lang="he-IL" smtClean="0"/>
+              <a:t>26</a:t>
+            </a:fld>
+            <a:endParaRPr lang="he-IL"/>
+          </a:p>
+        </p:txBody>
+      </p:sp>
+    </p:spTree>
+    <p:extLst>
+      <p:ext uri="{BB962C8B-B14F-4D97-AF65-F5344CB8AC3E}">
+        <p14:creationId xmlns:p14="http://schemas.microsoft.com/office/powerpoint/2010/main" val="3294616615"/>
+      </p:ext>
+    </p:extLst>
+  </p:cSld>
+  <p:clrMapOvr>
+    <a:masterClrMapping/>
+  </p:clrMapOvr>
+</p:notes>
+</file>
+
+<file path=ppt/notesSlides/notesSlide25.xml><?xml version="1.0" encoding="utf-8"?>
+<p:notes xmlns:a="http://schemas.openxmlformats.org/drawingml/2006/main" xmlns:r="http://schemas.openxmlformats.org/officeDocument/2006/relationships" xmlns:p="http://schemas.openxmlformats.org/presentationml/2006/main">
+  <p:cSld>
+    <p:spTree>
+      <p:nvGrpSpPr>
+        <p:cNvPr id="1" name=""/>
+        <p:cNvGrpSpPr/>
+        <p:nvPr/>
+      </p:nvGrpSpPr>
+      <p:grpSpPr>
+        <a:xfrm>
+          <a:off x="0" y="0"/>
+          <a:ext cx="0" cy="0"/>
+          <a:chOff x="0" y="0"/>
+          <a:chExt cx="0" cy="0"/>
+        </a:xfrm>
+      </p:grpSpPr>
+      <p:sp>
+        <p:nvSpPr>
+          <p:cNvPr id="2" name="Slide Image Placeholder 1"/>
+          <p:cNvSpPr>
+            <a:spLocks noGrp="1" noRot="1" noChangeAspect="1"/>
+          </p:cNvSpPr>
+          <p:nvPr>
+            <p:ph type="sldImg"/>
+          </p:nvPr>
+        </p:nvSpPr>
+        <p:spPr/>
+      </p:sp>
+      <p:sp>
+        <p:nvSpPr>
+          <p:cNvPr id="3" name="Notes Placeholder 2"/>
+          <p:cNvSpPr>
+            <a:spLocks noGrp="1"/>
+          </p:cNvSpPr>
+          <p:nvPr>
+            <p:ph type="body" idx="1"/>
+          </p:nvPr>
+        </p:nvSpPr>
+        <p:spPr/>
+        <p:txBody>
+          <a:bodyPr/>
+          <a:lstStyle/>
+          <a:p>
+            <a:pPr algn="l" rtl="0"/>
+            <a:r>
+              <a:rPr lang="en-US" b="0" dirty="0"/>
+              <a:t>Cascade is a battle/fight between CSS declarations who are dropped to browser cascade and the strongest will win and appear on the screen.</a:t>
+            </a:r>
+          </a:p>
+          <a:p>
+            <a:pPr algn="l" rtl="0"/>
+            <a:endParaRPr lang="en-US" b="0" dirty="0"/>
+          </a:p>
+          <a:p>
+            <a:pPr algn="l" rtl="0"/>
+            <a:r>
+              <a:rPr lang="en-US" b="0" dirty="0"/>
+              <a:t>So, how the browser decide who is the strongest?</a:t>
+            </a:r>
+          </a:p>
+          <a:p>
+            <a:pPr algn="l" rtl="0"/>
+            <a:r>
+              <a:rPr lang="en-US" b="0" dirty="0"/>
+              <a:t>What are the rules/definition?</a:t>
+            </a:r>
+          </a:p>
+          <a:p>
+            <a:pPr algn="l" rtl="0"/>
+            <a:endParaRPr lang="en-US" b="0" dirty="0"/>
+          </a:p>
+        </p:txBody>
+      </p:sp>
+      <p:sp>
+        <p:nvSpPr>
+          <p:cNvPr id="4" name="Slide Number Placeholder 3"/>
+          <p:cNvSpPr>
+            <a:spLocks noGrp="1"/>
+          </p:cNvSpPr>
+          <p:nvPr>
+            <p:ph type="sldNum" sz="quarter" idx="10"/>
+          </p:nvPr>
+        </p:nvSpPr>
+        <p:spPr/>
+        <p:txBody>
+          <a:bodyPr/>
+          <a:lstStyle/>
+          <a:p>
+            <a:fld id="{595D0871-5AD0-4670-BDA8-FBE649F625DD}" type="slidenum">
+              <a:rPr lang="he-IL" smtClean="0"/>
+              <a:t>27</a:t>
+            </a:fld>
+            <a:endParaRPr lang="he-IL"/>
+          </a:p>
+        </p:txBody>
+      </p:sp>
+    </p:spTree>
+    <p:extLst>
+      <p:ext uri="{BB962C8B-B14F-4D97-AF65-F5344CB8AC3E}">
+        <p14:creationId xmlns:p14="http://schemas.microsoft.com/office/powerpoint/2010/main" val="4107114373"/>
+      </p:ext>
+    </p:extLst>
+  </p:cSld>
+  <p:clrMapOvr>
+    <a:masterClrMapping/>
+  </p:clrMapOvr>
+</p:notes>
+</file>
+
+<file path=ppt/notesSlides/notesSlide26.xml><?xml version="1.0" encoding="utf-8"?>
+<p:notes xmlns:a="http://schemas.openxmlformats.org/drawingml/2006/main" xmlns:r="http://schemas.openxmlformats.org/officeDocument/2006/relationships" xmlns:p="http://schemas.openxmlformats.org/presentationml/2006/main">
+  <p:cSld>
+    <p:spTree>
+      <p:nvGrpSpPr>
+        <p:cNvPr id="1" name=""/>
+        <p:cNvGrpSpPr/>
+        <p:nvPr/>
+      </p:nvGrpSpPr>
+      <p:grpSpPr>
+        <a:xfrm>
+          <a:off x="0" y="0"/>
+          <a:ext cx="0" cy="0"/>
+          <a:chOff x="0" y="0"/>
+          <a:chExt cx="0" cy="0"/>
+        </a:xfrm>
+      </p:grpSpPr>
+      <p:sp>
+        <p:nvSpPr>
+          <p:cNvPr id="2" name="Slide Image Placeholder 1"/>
+          <p:cNvSpPr>
+            <a:spLocks noGrp="1" noRot="1" noChangeAspect="1"/>
+          </p:cNvSpPr>
+          <p:nvPr>
+            <p:ph type="sldImg"/>
+          </p:nvPr>
+        </p:nvSpPr>
+        <p:spPr/>
+      </p:sp>
+      <p:sp>
+        <p:nvSpPr>
+          <p:cNvPr id="3" name="Notes Placeholder 2"/>
+          <p:cNvSpPr>
+            <a:spLocks noGrp="1"/>
+          </p:cNvSpPr>
+          <p:nvPr>
+            <p:ph type="body" idx="1"/>
+          </p:nvPr>
+        </p:nvSpPr>
+        <p:spPr/>
+        <p:txBody>
+          <a:bodyPr/>
+          <a:lstStyle/>
+          <a:p>
+            <a:pPr marL="0" indent="0" algn="l" rtl="0">
+              <a:buNone/>
+            </a:pPr>
+            <a:r>
+              <a:rPr lang="en-US" b="0" dirty="0"/>
+              <a:t>This is the order how the browser decide what style to take (1 – strongest, 8- weakest)</a:t>
+            </a:r>
+          </a:p>
+          <a:p>
+            <a:pPr marL="228600" indent="-228600" algn="l" rtl="0">
+              <a:buAutoNum type="arabicPeriod"/>
+            </a:pPr>
+            <a:endParaRPr lang="en-US" b="0" dirty="0"/>
+          </a:p>
+          <a:p>
+            <a:pPr marL="228600" indent="-228600" algn="l" rtl="0">
+              <a:buAutoNum type="arabicPeriod"/>
+            </a:pPr>
+            <a:r>
+              <a:rPr lang="en-US" b="0" dirty="0"/>
+              <a:t>Transition declarations [[css-transitions-1\]](https://drafts.csswg.org/css-cascade/#biblio-css-transitions-1)</a:t>
+            </a:r>
+          </a:p>
+          <a:p>
+            <a:pPr marL="228600" indent="-228600" algn="l" rtl="0">
+              <a:buAutoNum type="arabicPeriod"/>
+            </a:pPr>
+            <a:r>
+              <a:rPr lang="en-US" b="0" dirty="0"/>
+              <a:t>Important user agent declarations</a:t>
+            </a:r>
+          </a:p>
+          <a:p>
+            <a:pPr marL="228600" indent="-228600" algn="l" rtl="0">
+              <a:buAutoNum type="arabicPeriod"/>
+            </a:pPr>
+            <a:r>
+              <a:rPr lang="en-US" b="0" dirty="0"/>
+              <a:t>Important user declarations</a:t>
+            </a:r>
+          </a:p>
+          <a:p>
+            <a:pPr marL="228600" indent="-228600" algn="l" rtl="0">
+              <a:buAutoNum type="arabicPeriod"/>
+            </a:pPr>
+            <a:r>
+              <a:rPr lang="en-US" b="0" dirty="0"/>
+              <a:t>Important author declarations</a:t>
+            </a:r>
+          </a:p>
+          <a:p>
+            <a:pPr marL="228600" indent="-228600" algn="l" rtl="0">
+              <a:buAutoNum type="arabicPeriod"/>
+            </a:pPr>
+            <a:r>
+              <a:rPr lang="en-US" b="0" dirty="0"/>
+              <a:t>Animation declarations [[css-animations-1\]](https://drafts.csswg.org/css-cascade/#biblio-css-animations-1)</a:t>
+            </a:r>
+          </a:p>
+          <a:p>
+            <a:pPr marL="228600" indent="-228600" algn="l" rtl="0">
+              <a:buAutoNum type="arabicPeriod"/>
+            </a:pPr>
+            <a:r>
+              <a:rPr lang="en-US" b="0" dirty="0"/>
+              <a:t>Normal author declarations – developer CSS</a:t>
+            </a:r>
+          </a:p>
+          <a:p>
+            <a:pPr marL="228600" marR="0" lvl="0" indent="-228600" algn="l" defTabSz="914400" rtl="0" eaLnBrk="1" fontAlgn="auto" latinLnBrk="0" hangingPunct="1">
+              <a:lnSpc>
+                <a:spcPct val="100000"/>
+              </a:lnSpc>
+              <a:spcBef>
+                <a:spcPts val="0"/>
+              </a:spcBef>
+              <a:spcAft>
+                <a:spcPts val="0"/>
+              </a:spcAft>
+              <a:buClrTx/>
+              <a:buSzTx/>
+              <a:buFontTx/>
+              <a:buAutoNum type="arabicPeriod"/>
+              <a:tabLst/>
+              <a:defRPr/>
+            </a:pPr>
+            <a:r>
+              <a:rPr lang="en-US" b="0" dirty="0"/>
+              <a:t>Normal user declarations – Browser default CSS styles.</a:t>
+            </a:r>
+          </a:p>
+          <a:p>
+            <a:pPr marL="228600" indent="-228600" algn="l" rtl="0">
+              <a:buAutoNum type="arabicPeriod"/>
+            </a:pPr>
+            <a:r>
+              <a:rPr lang="en-US" b="0" dirty="0"/>
+              <a:t>Normal user agent declarations – CSS default styles according to the spec</a:t>
+            </a:r>
+          </a:p>
+          <a:p>
+            <a:pPr marL="228600" indent="-228600" algn="l" rtl="0">
+              <a:buAutoNum type="arabicPeriod"/>
+            </a:pPr>
+            <a:endParaRPr lang="en-US" b="0" dirty="0"/>
+          </a:p>
+          <a:p>
+            <a:pPr marL="0" indent="0" algn="l" rtl="0">
+              <a:buNone/>
+            </a:pPr>
+            <a:r>
+              <a:rPr lang="en-US" b="0" dirty="0"/>
+              <a:t>This is according to the spec, but only FF implement according to this definitions,</a:t>
+            </a:r>
+          </a:p>
+          <a:p>
+            <a:pPr marL="0" indent="0" algn="l" rtl="0">
+              <a:buNone/>
+            </a:pPr>
+            <a:r>
+              <a:rPr lang="en-US" b="0" dirty="0"/>
+              <a:t>And all others move animation to be after transition</a:t>
+            </a:r>
+          </a:p>
+          <a:p>
+            <a:pPr marL="0" indent="0" algn="l" rtl="0">
+              <a:buNone/>
+            </a:pPr>
+            <a:endParaRPr lang="en-US" b="0" dirty="0"/>
+          </a:p>
+          <a:p>
+            <a:pPr marL="0" indent="0" algn="l" rtl="0">
+              <a:buNone/>
+            </a:pPr>
+            <a:endParaRPr lang="en-US" b="0" dirty="0"/>
+          </a:p>
+          <a:p>
+            <a:pPr marL="0" indent="0" algn="l" rtl="0">
+              <a:buNone/>
+            </a:pPr>
+            <a:r>
+              <a:rPr lang="en-US" b="0" dirty="0"/>
+              <a:t>Why transition is stronger then important?</a:t>
+            </a:r>
+          </a:p>
+          <a:p>
+            <a:pPr marL="0" indent="0" algn="l" rtl="0">
+              <a:buNone/>
+            </a:pPr>
+            <a:r>
+              <a:rPr lang="en-US" b="0" dirty="0"/>
+              <a:t>Because if we wrote transition then we want to move element from one place to another but if important will be stronger then the transition will not work and the browser assume we want the transition to work so this is why it is stronger then important.</a:t>
+            </a:r>
+          </a:p>
+          <a:p>
+            <a:pPr marL="0" indent="0" algn="l" rtl="0">
+              <a:buNone/>
+            </a:pPr>
+            <a:endParaRPr lang="en-US" b="0" dirty="0"/>
+          </a:p>
+        </p:txBody>
+      </p:sp>
+      <p:sp>
+        <p:nvSpPr>
+          <p:cNvPr id="4" name="Slide Number Placeholder 3"/>
+          <p:cNvSpPr>
+            <a:spLocks noGrp="1"/>
+          </p:cNvSpPr>
+          <p:nvPr>
+            <p:ph type="sldNum" sz="quarter" idx="10"/>
+          </p:nvPr>
+        </p:nvSpPr>
+        <p:spPr/>
+        <p:txBody>
+          <a:bodyPr/>
+          <a:lstStyle/>
+          <a:p>
+            <a:fld id="{595D0871-5AD0-4670-BDA8-FBE649F625DD}" type="slidenum">
+              <a:rPr lang="he-IL" smtClean="0"/>
+              <a:t>28</a:t>
+            </a:fld>
+            <a:endParaRPr lang="he-IL"/>
+          </a:p>
+        </p:txBody>
+      </p:sp>
+    </p:spTree>
+    <p:extLst>
+      <p:ext uri="{BB962C8B-B14F-4D97-AF65-F5344CB8AC3E}">
+        <p14:creationId xmlns:p14="http://schemas.microsoft.com/office/powerpoint/2010/main" val="326490697"/>
+      </p:ext>
+    </p:extLst>
+  </p:cSld>
+  <p:clrMapOvr>
+    <a:masterClrMapping/>
+  </p:clrMapOvr>
+</p:notes>
+</file>
+
+<file path=ppt/notesSlides/notesSlide27.xml><?xml version="1.0" encoding="utf-8"?>
+<p:notes xmlns:a="http://schemas.openxmlformats.org/drawingml/2006/main" xmlns:r="http://schemas.openxmlformats.org/officeDocument/2006/relationships" xmlns:p="http://schemas.openxmlformats.org/presentationml/2006/main">
+  <p:cSld>
+    <p:spTree>
+      <p:nvGrpSpPr>
+        <p:cNvPr id="1" name=""/>
+        <p:cNvGrpSpPr/>
+        <p:nvPr/>
+      </p:nvGrpSpPr>
+      <p:grpSpPr>
+        <a:xfrm>
+          <a:off x="0" y="0"/>
+          <a:ext cx="0" cy="0"/>
+          <a:chOff x="0" y="0"/>
+          <a:chExt cx="0" cy="0"/>
+        </a:xfrm>
+      </p:grpSpPr>
+      <p:sp>
+        <p:nvSpPr>
+          <p:cNvPr id="2" name="Slide Image Placeholder 1"/>
+          <p:cNvSpPr>
+            <a:spLocks noGrp="1" noRot="1" noChangeAspect="1"/>
+          </p:cNvSpPr>
+          <p:nvPr>
+            <p:ph type="sldImg"/>
+          </p:nvPr>
+        </p:nvSpPr>
+        <p:spPr/>
+      </p:sp>
+      <p:sp>
+        <p:nvSpPr>
+          <p:cNvPr id="3" name="Notes Placeholder 2"/>
+          <p:cNvSpPr>
+            <a:spLocks noGrp="1"/>
+          </p:cNvSpPr>
+          <p:nvPr>
+            <p:ph type="body" idx="1"/>
+          </p:nvPr>
+        </p:nvSpPr>
+        <p:spPr/>
+        <p:txBody>
+          <a:bodyPr/>
+          <a:lstStyle/>
+          <a:p>
+            <a:pPr marL="0" indent="0" algn="l" rtl="0">
+              <a:buNone/>
+            </a:pPr>
+            <a:r>
+              <a:rPr lang="en-US" b="0" dirty="0"/>
+              <a:t>Scope:</a:t>
+            </a:r>
+          </a:p>
+          <a:p>
+            <a:pPr marL="0" indent="0" algn="l" rtl="0">
+              <a:buNone/>
+            </a:pPr>
+            <a:r>
+              <a:rPr lang="en-US" b="0" dirty="0"/>
+              <a:t>A declaration can be scoped to a subtree of the document so that it only affects its scoping element and that element’s descendants.</a:t>
+            </a:r>
+          </a:p>
+          <a:p>
+            <a:pPr marL="0" indent="0" algn="l" rtl="0">
+              <a:buNone/>
+            </a:pPr>
+            <a:r>
+              <a:rPr lang="en-US" b="0" dirty="0"/>
+              <a:t>For example, [[HTML\]](https://drafts.csswg.org/css-cascade/#biblio-html) defines scoped `&lt;style&gt;` elements, whose style sheets are scoped to the element’s parent. In other words, for normal declarations the inner scope’s declarations override, but for !important rules outer scope’s override.</a:t>
+            </a:r>
+          </a:p>
+          <a:p>
+            <a:pPr marL="0" indent="0" algn="l" rtl="0">
+              <a:buNone/>
+            </a:pPr>
+            <a:endParaRPr lang="en-US" b="0" dirty="0"/>
+          </a:p>
+          <a:p>
+            <a:pPr marL="0" indent="0" algn="l" rtl="0">
+              <a:buNone/>
+            </a:pPr>
+            <a:r>
+              <a:rPr lang="en-US" b="0" dirty="0"/>
+              <a:t>In other words, if we define inline style on element then it is scope styles but styles in CSS file are global styles.</a:t>
+            </a:r>
+          </a:p>
+          <a:p>
+            <a:pPr marL="0" indent="0" algn="l" rtl="0">
+              <a:buNone/>
+            </a:pPr>
+            <a:endParaRPr lang="en-US" b="0" dirty="0"/>
+          </a:p>
+        </p:txBody>
+      </p:sp>
+      <p:sp>
+        <p:nvSpPr>
+          <p:cNvPr id="4" name="Slide Number Placeholder 3"/>
+          <p:cNvSpPr>
+            <a:spLocks noGrp="1"/>
+          </p:cNvSpPr>
+          <p:nvPr>
+            <p:ph type="sldNum" sz="quarter" idx="10"/>
+          </p:nvPr>
+        </p:nvSpPr>
+        <p:spPr/>
+        <p:txBody>
+          <a:bodyPr/>
+          <a:lstStyle/>
+          <a:p>
+            <a:fld id="{595D0871-5AD0-4670-BDA8-FBE649F625DD}" type="slidenum">
+              <a:rPr lang="he-IL" smtClean="0"/>
+              <a:t>29</a:t>
+            </a:fld>
+            <a:endParaRPr lang="he-IL"/>
+          </a:p>
+        </p:txBody>
+      </p:sp>
+    </p:spTree>
+    <p:extLst>
+      <p:ext uri="{BB962C8B-B14F-4D97-AF65-F5344CB8AC3E}">
+        <p14:creationId xmlns:p14="http://schemas.microsoft.com/office/powerpoint/2010/main" val="1712042726"/>
+      </p:ext>
+    </p:extLst>
+  </p:cSld>
+  <p:clrMapOvr>
+    <a:masterClrMapping/>
+  </p:clrMapOvr>
+</p:notes>
+</file>
+
+<file path=ppt/notesSlides/notesSlide28.xml><?xml version="1.0" encoding="utf-8"?>
+<p:notes xmlns:a="http://schemas.openxmlformats.org/drawingml/2006/main" xmlns:r="http://schemas.openxmlformats.org/officeDocument/2006/relationships" xmlns:p="http://schemas.openxmlformats.org/presentationml/2006/main">
+  <p:cSld>
+    <p:spTree>
+      <p:nvGrpSpPr>
+        <p:cNvPr id="1" name=""/>
+        <p:cNvGrpSpPr/>
+        <p:nvPr/>
+      </p:nvGrpSpPr>
+      <p:grpSpPr>
+        <a:xfrm>
+          <a:off x="0" y="0"/>
+          <a:ext cx="0" cy="0"/>
+          <a:chOff x="0" y="0"/>
+          <a:chExt cx="0" cy="0"/>
+        </a:xfrm>
+      </p:grpSpPr>
+      <p:sp>
+        <p:nvSpPr>
+          <p:cNvPr id="2" name="Slide Image Placeholder 1"/>
+          <p:cNvSpPr>
+            <a:spLocks noGrp="1" noRot="1" noChangeAspect="1"/>
+          </p:cNvSpPr>
+          <p:nvPr>
+            <p:ph type="sldImg"/>
+          </p:nvPr>
+        </p:nvSpPr>
+        <p:spPr/>
+      </p:sp>
+      <p:sp>
+        <p:nvSpPr>
+          <p:cNvPr id="3" name="Notes Placeholder 2"/>
+          <p:cNvSpPr>
+            <a:spLocks noGrp="1"/>
+          </p:cNvSpPr>
+          <p:nvPr>
+            <p:ph type="body" idx="1"/>
+          </p:nvPr>
+        </p:nvSpPr>
+        <p:spPr/>
+        <p:txBody>
+          <a:bodyPr/>
+          <a:lstStyle/>
+          <a:p>
+            <a:pPr marL="0" indent="0" algn="l" rtl="0">
+              <a:buNone/>
+            </a:pPr>
+            <a:r>
+              <a:rPr lang="en-US" b="1" dirty="0"/>
+              <a:t>Specificity</a:t>
+            </a:r>
+            <a:r>
+              <a:rPr lang="en-US" dirty="0"/>
+              <a:t> is a weight that is applied to a given </a:t>
+            </a:r>
+            <a:r>
+              <a:rPr lang="en-US" b="1" dirty="0"/>
+              <a:t>CSS</a:t>
+            </a:r>
+            <a:r>
+              <a:rPr lang="en-US" dirty="0"/>
+              <a:t> declaration, determined by the number of each selector type in the matching selector.</a:t>
+            </a:r>
+          </a:p>
+          <a:p>
+            <a:pPr marL="0" indent="0" algn="l" rtl="0">
+              <a:buNone/>
+            </a:pPr>
+            <a:endParaRPr lang="en-US" b="0" dirty="0"/>
+          </a:p>
+          <a:p>
+            <a:pPr marL="0" indent="0" algn="l" rtl="0">
+              <a:buNone/>
+            </a:pPr>
+            <a:r>
+              <a:rPr lang="en-US" b="0" dirty="0"/>
+              <a:t>https://stuffandnonsense.co.uk/archives/css_specificity_wars.html</a:t>
+            </a:r>
+          </a:p>
+          <a:p>
+            <a:pPr marL="0" indent="0" algn="l" rtl="0">
+              <a:buNone/>
+            </a:pPr>
+            <a:endParaRPr lang="en-US" b="0" dirty="0"/>
+          </a:p>
+        </p:txBody>
+      </p:sp>
+      <p:sp>
+        <p:nvSpPr>
+          <p:cNvPr id="4" name="Slide Number Placeholder 3"/>
+          <p:cNvSpPr>
+            <a:spLocks noGrp="1"/>
+          </p:cNvSpPr>
+          <p:nvPr>
+            <p:ph type="sldNum" sz="quarter" idx="10"/>
+          </p:nvPr>
+        </p:nvSpPr>
+        <p:spPr/>
+        <p:txBody>
+          <a:bodyPr/>
+          <a:lstStyle/>
+          <a:p>
+            <a:fld id="{595D0871-5AD0-4670-BDA8-FBE649F625DD}" type="slidenum">
+              <a:rPr lang="he-IL" smtClean="0"/>
+              <a:t>30</a:t>
+            </a:fld>
+            <a:endParaRPr lang="he-IL"/>
+          </a:p>
+        </p:txBody>
+      </p:sp>
+    </p:spTree>
+    <p:extLst>
+      <p:ext uri="{BB962C8B-B14F-4D97-AF65-F5344CB8AC3E}">
+        <p14:creationId xmlns:p14="http://schemas.microsoft.com/office/powerpoint/2010/main" val="1275749899"/>
+      </p:ext>
+    </p:extLst>
+  </p:cSld>
+  <p:clrMapOvr>
+    <a:masterClrMapping/>
+  </p:clrMapOvr>
+</p:notes>
+</file>
+
+<file path=ppt/notesSlides/notesSlide29.xml><?xml version="1.0" encoding="utf-8"?>
+<p:notes xmlns:a="http://schemas.openxmlformats.org/drawingml/2006/main" xmlns:r="http://schemas.openxmlformats.org/officeDocument/2006/relationships" xmlns:p="http://schemas.openxmlformats.org/presentationml/2006/main">
+  <p:cSld>
+    <p:spTree>
+      <p:nvGrpSpPr>
+        <p:cNvPr id="1" name=""/>
+        <p:cNvGrpSpPr/>
+        <p:nvPr/>
+      </p:nvGrpSpPr>
+      <p:grpSpPr>
+        <a:xfrm>
+          <a:off x="0" y="0"/>
+          <a:ext cx="0" cy="0"/>
+          <a:chOff x="0" y="0"/>
+          <a:chExt cx="0" cy="0"/>
+        </a:xfrm>
+      </p:grpSpPr>
+      <p:sp>
+        <p:nvSpPr>
+          <p:cNvPr id="2" name="Slide Image Placeholder 1"/>
+          <p:cNvSpPr>
+            <a:spLocks noGrp="1" noRot="1" noChangeAspect="1"/>
+          </p:cNvSpPr>
+          <p:nvPr>
+            <p:ph type="sldImg"/>
+          </p:nvPr>
+        </p:nvSpPr>
+        <p:spPr/>
+      </p:sp>
+      <p:sp>
+        <p:nvSpPr>
+          <p:cNvPr id="3" name="Notes Placeholder 2"/>
+          <p:cNvSpPr>
+            <a:spLocks noGrp="1"/>
+          </p:cNvSpPr>
+          <p:nvPr>
+            <p:ph type="body" idx="1"/>
+          </p:nvPr>
+        </p:nvSpPr>
+        <p:spPr/>
+        <p:txBody>
+          <a:bodyPr/>
+          <a:lstStyle/>
+          <a:p>
+            <a:pPr algn="l" rtl="0"/>
+            <a:r>
+              <a:rPr lang="en-US" sz="1200" dirty="0">
+                <a:solidFill>
+                  <a:schemeClr val="bg1"/>
+                </a:solidFill>
+              </a:rPr>
+              <a:t>Specificity formula: </a:t>
+            </a:r>
+            <a:r>
+              <a:rPr lang="en-US" sz="1200" b="1" dirty="0">
+                <a:solidFill>
+                  <a:schemeClr val="bg1"/>
+                </a:solidFill>
+              </a:rPr>
+              <a:t>(</a:t>
+            </a:r>
+            <a:r>
+              <a:rPr lang="en-US" sz="1200" b="1" dirty="0" err="1">
+                <a:solidFill>
+                  <a:schemeClr val="bg1"/>
+                </a:solidFill>
+              </a:rPr>
+              <a:t>a,b,c,d</a:t>
+            </a:r>
+            <a:r>
+              <a:rPr lang="en-US" sz="1200" b="1" dirty="0">
+                <a:solidFill>
+                  <a:schemeClr val="bg1"/>
+                </a:solidFill>
+              </a:rPr>
+              <a:t>)</a:t>
+            </a:r>
+            <a:r>
+              <a:rPr lang="en-US" sz="1200" dirty="0">
+                <a:solidFill>
+                  <a:schemeClr val="bg1"/>
+                </a:solidFill>
+              </a:rPr>
+              <a:t>:</a:t>
+            </a:r>
+          </a:p>
+          <a:p>
+            <a:pPr algn="l" rtl="0"/>
+            <a:endParaRPr lang="en-US" sz="1200" dirty="0">
+              <a:solidFill>
+                <a:schemeClr val="bg1"/>
+              </a:solidFill>
+            </a:endParaRPr>
+          </a:p>
+          <a:p>
+            <a:pPr algn="l" rtl="0"/>
+            <a:r>
+              <a:rPr lang="en-US" sz="1200" dirty="0">
+                <a:solidFill>
+                  <a:schemeClr val="bg1"/>
+                </a:solidFill>
+              </a:rPr>
+              <a:t>A is the strongest, D is the weakest.</a:t>
+            </a:r>
+          </a:p>
+          <a:p>
+            <a:pPr algn="l" rtl="0"/>
+            <a:endParaRPr lang="en-US" dirty="0"/>
+          </a:p>
+          <a:p>
+            <a:pPr marL="171450" indent="-171450" algn="l" rtl="0">
+              <a:buFontTx/>
+              <a:buChar char="-"/>
+            </a:pPr>
+            <a:r>
+              <a:rPr lang="en-US" dirty="0"/>
+              <a:t>Element, Pseudo Element: </a:t>
+            </a:r>
+            <a:r>
+              <a:rPr lang="en-US" b="1" dirty="0">
+                <a:solidFill>
+                  <a:schemeClr val="tx1"/>
+                </a:solidFill>
+              </a:rPr>
+              <a:t>d = 1</a:t>
+            </a:r>
+            <a:r>
+              <a:rPr lang="en-US" b="1" dirty="0"/>
+              <a:t>: (0,0,0,</a:t>
+            </a:r>
+            <a:r>
+              <a:rPr lang="en-US" b="1" dirty="0">
+                <a:solidFill>
+                  <a:schemeClr val="tx1"/>
+                </a:solidFill>
+              </a:rPr>
+              <a:t>1</a:t>
+            </a:r>
+            <a:r>
+              <a:rPr lang="en-US" b="1" dirty="0"/>
+              <a:t>)</a:t>
+            </a:r>
+          </a:p>
+          <a:p>
+            <a:pPr marL="171450" indent="-171450" algn="l" rtl="0">
+              <a:buFontTx/>
+              <a:buChar char="-"/>
+            </a:pPr>
+            <a:r>
+              <a:rPr lang="en-US" dirty="0"/>
+              <a:t>Class, Attribute, Pseudo-class</a:t>
+            </a:r>
+            <a:r>
+              <a:rPr lang="en-US" b="0" dirty="0"/>
+              <a:t>:</a:t>
+            </a:r>
+            <a:r>
+              <a:rPr lang="en-US" b="1" dirty="0"/>
+              <a:t> </a:t>
+            </a:r>
+            <a:r>
+              <a:rPr lang="en-US" b="1" dirty="0">
+                <a:solidFill>
+                  <a:schemeClr val="tx1"/>
+                </a:solidFill>
+              </a:rPr>
+              <a:t>c = 1</a:t>
+            </a:r>
+            <a:r>
+              <a:rPr lang="en-US" b="1" dirty="0"/>
+              <a:t>: (0,0,</a:t>
+            </a:r>
+            <a:r>
+              <a:rPr lang="en-US" b="1" dirty="0">
+                <a:solidFill>
+                  <a:schemeClr val="tx1"/>
+                </a:solidFill>
+              </a:rPr>
+              <a:t>1</a:t>
+            </a:r>
+            <a:r>
+              <a:rPr lang="en-US" b="1" dirty="0"/>
+              <a:t>,0) </a:t>
+            </a:r>
+            <a:r>
+              <a:rPr lang="en-US" b="0" dirty="0"/>
+              <a:t>(</a:t>
+            </a:r>
+            <a:r>
+              <a:rPr lang="en-US" sz="1200" b="0" i="0" kern="1200" dirty="0">
+                <a:solidFill>
+                  <a:schemeClr val="tx1"/>
+                </a:solidFill>
+                <a:effectLst/>
+                <a:latin typeface="+mn-lt"/>
+                <a:ea typeface="+mn-ea"/>
+                <a:cs typeface="+mn-cs"/>
+              </a:rPr>
+              <a:t>Attribute selectors and pseudo-classes have the same power as a class selector.</a:t>
+            </a:r>
+            <a:r>
+              <a:rPr lang="en-US" b="0" dirty="0"/>
+              <a:t>)</a:t>
+            </a:r>
+          </a:p>
+          <a:p>
+            <a:pPr marL="171450" indent="-171450" algn="l" rtl="0">
+              <a:buFontTx/>
+              <a:buChar char="-"/>
+            </a:pPr>
+            <a:r>
+              <a:rPr lang="en-US" dirty="0"/>
+              <a:t>Id: </a:t>
+            </a:r>
+            <a:r>
+              <a:rPr lang="en-US" b="1" dirty="0">
+                <a:solidFill>
+                  <a:schemeClr val="tx1"/>
+                </a:solidFill>
+              </a:rPr>
+              <a:t>b = 1 </a:t>
+            </a:r>
+            <a:r>
+              <a:rPr lang="en-US" b="1" dirty="0"/>
+              <a:t>– (0,</a:t>
+            </a:r>
+            <a:r>
+              <a:rPr lang="en-US" b="1" dirty="0">
+                <a:solidFill>
+                  <a:schemeClr val="tx1"/>
+                </a:solidFill>
+              </a:rPr>
+              <a:t>1</a:t>
+            </a:r>
+            <a:r>
+              <a:rPr lang="en-US" b="1" dirty="0"/>
+              <a:t>,0,0)</a:t>
+            </a:r>
+          </a:p>
+          <a:p>
+            <a:pPr marL="171450" indent="-171450" algn="l" rtl="0">
+              <a:buFontTx/>
+              <a:buChar char="-"/>
+            </a:pPr>
+            <a:r>
+              <a:rPr lang="en-US" dirty="0"/>
+              <a:t>Inline Style: </a:t>
+            </a:r>
+            <a:r>
+              <a:rPr lang="en-US" b="1" dirty="0">
+                <a:solidFill>
+                  <a:schemeClr val="tx1"/>
+                </a:solidFill>
+              </a:rPr>
+              <a:t>a = 1 </a:t>
+            </a:r>
+            <a:r>
+              <a:rPr lang="en-US" b="1" dirty="0"/>
+              <a:t>– (</a:t>
+            </a:r>
+            <a:r>
+              <a:rPr lang="en-US" b="1" dirty="0">
+                <a:solidFill>
+                  <a:schemeClr val="tx1"/>
+                </a:solidFill>
+              </a:rPr>
+              <a:t>1</a:t>
+            </a:r>
+            <a:r>
+              <a:rPr lang="en-US" b="1" dirty="0"/>
+              <a:t>,0,0,0)</a:t>
+            </a:r>
+          </a:p>
+          <a:p>
+            <a:pPr marL="171450" indent="-171450" algn="l" rtl="0">
+              <a:buFontTx/>
+              <a:buChar char="-"/>
+            </a:pPr>
+            <a:r>
+              <a:rPr lang="en-US" dirty="0"/>
+              <a:t>!important – override specificity rules</a:t>
+            </a:r>
+          </a:p>
+          <a:p>
+            <a:pPr marL="0" indent="0" algn="l" rtl="0">
+              <a:buNone/>
+            </a:pPr>
+            <a:endParaRPr lang="en-US" b="0" dirty="0"/>
+          </a:p>
+          <a:p>
+            <a:pPr marL="0" indent="0" algn="l" rtl="0">
+              <a:buNone/>
+            </a:pPr>
+            <a:r>
+              <a:rPr lang="en-US" b="0" dirty="0"/>
+              <a:t>https://stuffandnonsense.co.uk/archives/css_specificity_wars.html</a:t>
+            </a:r>
+          </a:p>
+          <a:p>
+            <a:pPr marL="0" indent="0" algn="l" rtl="0">
+              <a:buNone/>
+            </a:pPr>
+            <a:endParaRPr lang="en-US" b="0" dirty="0"/>
+          </a:p>
+        </p:txBody>
+      </p:sp>
+      <p:sp>
+        <p:nvSpPr>
+          <p:cNvPr id="4" name="Slide Number Placeholder 3"/>
+          <p:cNvSpPr>
+            <a:spLocks noGrp="1"/>
+          </p:cNvSpPr>
+          <p:nvPr>
+            <p:ph type="sldNum" sz="quarter" idx="10"/>
+          </p:nvPr>
+        </p:nvSpPr>
+        <p:spPr/>
+        <p:txBody>
+          <a:bodyPr/>
+          <a:lstStyle/>
+          <a:p>
+            <a:fld id="{595D0871-5AD0-4670-BDA8-FBE649F625DD}" type="slidenum">
+              <a:rPr lang="he-IL" smtClean="0"/>
+              <a:t>31</a:t>
+            </a:fld>
+            <a:endParaRPr lang="he-IL"/>
+          </a:p>
+        </p:txBody>
+      </p:sp>
+    </p:spTree>
+    <p:extLst>
+      <p:ext uri="{BB962C8B-B14F-4D97-AF65-F5344CB8AC3E}">
+        <p14:creationId xmlns:p14="http://schemas.microsoft.com/office/powerpoint/2010/main" val="2868439875"/>
+      </p:ext>
+    </p:extLst>
+  </p:cSld>
+  <p:clrMapOvr>
+    <a:masterClrMapping/>
+  </p:clrMapOvr>
+</p:notes>
+</file>
+
 <file path=ppt/notesSlides/notesSlide3.xml><?xml version="1.0" encoding="utf-8"?>
 <p:notes xmlns:a="http://schemas.openxmlformats.org/drawingml/2006/main" xmlns:r="http://schemas.openxmlformats.org/officeDocument/2006/relationships" xmlns:p="http://schemas.openxmlformats.org/presentationml/2006/main">
   <p:cSld>
@@ -7321,6 +8658,1775 @@
     <p:extLst>
       <p:ext uri="{BB962C8B-B14F-4D97-AF65-F5344CB8AC3E}">
         <p14:creationId xmlns:p14="http://schemas.microsoft.com/office/powerpoint/2010/main" val="4189335841"/>
+      </p:ext>
+    </p:extLst>
+  </p:cSld>
+  <p:clrMapOvr>
+    <a:masterClrMapping/>
+  </p:clrMapOvr>
+</p:notes>
+</file>
+
+<file path=ppt/notesSlides/notesSlide30.xml><?xml version="1.0" encoding="utf-8"?>
+<p:notes xmlns:a="http://schemas.openxmlformats.org/drawingml/2006/main" xmlns:r="http://schemas.openxmlformats.org/officeDocument/2006/relationships" xmlns:p="http://schemas.openxmlformats.org/presentationml/2006/main">
+  <p:cSld>
+    <p:spTree>
+      <p:nvGrpSpPr>
+        <p:cNvPr id="1" name=""/>
+        <p:cNvGrpSpPr/>
+        <p:nvPr/>
+      </p:nvGrpSpPr>
+      <p:grpSpPr>
+        <a:xfrm>
+          <a:off x="0" y="0"/>
+          <a:ext cx="0" cy="0"/>
+          <a:chOff x="0" y="0"/>
+          <a:chExt cx="0" cy="0"/>
+        </a:xfrm>
+      </p:grpSpPr>
+      <p:sp>
+        <p:nvSpPr>
+          <p:cNvPr id="2" name="Slide Image Placeholder 1"/>
+          <p:cNvSpPr>
+            <a:spLocks noGrp="1" noRot="1" noChangeAspect="1"/>
+          </p:cNvSpPr>
+          <p:nvPr>
+            <p:ph type="sldImg"/>
+          </p:nvPr>
+        </p:nvSpPr>
+        <p:spPr/>
+      </p:sp>
+      <p:sp>
+        <p:nvSpPr>
+          <p:cNvPr id="3" name="Notes Placeholder 2"/>
+          <p:cNvSpPr>
+            <a:spLocks noGrp="1"/>
+          </p:cNvSpPr>
+          <p:nvPr>
+            <p:ph type="body" idx="1"/>
+          </p:nvPr>
+        </p:nvSpPr>
+        <p:spPr/>
+        <p:txBody>
+          <a:bodyPr/>
+          <a:lstStyle/>
+          <a:p>
+            <a:pPr marL="171450" indent="-171450" algn="l" rtl="0">
+              <a:buFontTx/>
+              <a:buChar char="-"/>
+            </a:pPr>
+            <a:r>
+              <a:rPr lang="en-US" b="0" dirty="0"/>
+              <a:t>http://www.standardista.com/css3/css-specificity/</a:t>
+            </a:r>
+          </a:p>
+          <a:p>
+            <a:pPr marL="171450" indent="-171450" algn="l" rtl="0">
+              <a:buFontTx/>
+              <a:buChar char="-"/>
+            </a:pPr>
+            <a:r>
+              <a:rPr lang="en-US" b="0" dirty="0"/>
+              <a:t>https://stuffandnonsense.co.uk/archives/css_specificity_wars.html</a:t>
+            </a:r>
+          </a:p>
+          <a:p>
+            <a:pPr marL="0" indent="0" algn="l" rtl="0">
+              <a:buNone/>
+            </a:pPr>
+            <a:endParaRPr lang="en-US" b="0" dirty="0"/>
+          </a:p>
+        </p:txBody>
+      </p:sp>
+      <p:sp>
+        <p:nvSpPr>
+          <p:cNvPr id="4" name="Slide Number Placeholder 3"/>
+          <p:cNvSpPr>
+            <a:spLocks noGrp="1"/>
+          </p:cNvSpPr>
+          <p:nvPr>
+            <p:ph type="sldNum" sz="quarter" idx="10"/>
+          </p:nvPr>
+        </p:nvSpPr>
+        <p:spPr/>
+        <p:txBody>
+          <a:bodyPr/>
+          <a:lstStyle/>
+          <a:p>
+            <a:fld id="{595D0871-5AD0-4670-BDA8-FBE649F625DD}" type="slidenum">
+              <a:rPr lang="he-IL" smtClean="0"/>
+              <a:t>32</a:t>
+            </a:fld>
+            <a:endParaRPr lang="he-IL"/>
+          </a:p>
+        </p:txBody>
+      </p:sp>
+    </p:spTree>
+    <p:extLst>
+      <p:ext uri="{BB962C8B-B14F-4D97-AF65-F5344CB8AC3E}">
+        <p14:creationId xmlns:p14="http://schemas.microsoft.com/office/powerpoint/2010/main" val="4223606975"/>
+      </p:ext>
+    </p:extLst>
+  </p:cSld>
+  <p:clrMapOvr>
+    <a:masterClrMapping/>
+  </p:clrMapOvr>
+</p:notes>
+</file>
+
+<file path=ppt/notesSlides/notesSlide31.xml><?xml version="1.0" encoding="utf-8"?>
+<p:notes xmlns:a="http://schemas.openxmlformats.org/drawingml/2006/main" xmlns:r="http://schemas.openxmlformats.org/officeDocument/2006/relationships" xmlns:p="http://schemas.openxmlformats.org/presentationml/2006/main">
+  <p:cSld>
+    <p:spTree>
+      <p:nvGrpSpPr>
+        <p:cNvPr id="1" name=""/>
+        <p:cNvGrpSpPr/>
+        <p:nvPr/>
+      </p:nvGrpSpPr>
+      <p:grpSpPr>
+        <a:xfrm>
+          <a:off x="0" y="0"/>
+          <a:ext cx="0" cy="0"/>
+          <a:chOff x="0" y="0"/>
+          <a:chExt cx="0" cy="0"/>
+        </a:xfrm>
+      </p:grpSpPr>
+      <p:sp>
+        <p:nvSpPr>
+          <p:cNvPr id="2" name="Slide Image Placeholder 1"/>
+          <p:cNvSpPr>
+            <a:spLocks noGrp="1" noRot="1" noChangeAspect="1"/>
+          </p:cNvSpPr>
+          <p:nvPr>
+            <p:ph type="sldImg"/>
+          </p:nvPr>
+        </p:nvSpPr>
+        <p:spPr/>
+      </p:sp>
+      <p:sp>
+        <p:nvSpPr>
+          <p:cNvPr id="3" name="Notes Placeholder 2"/>
+          <p:cNvSpPr>
+            <a:spLocks noGrp="1"/>
+          </p:cNvSpPr>
+          <p:nvPr>
+            <p:ph type="body" idx="1"/>
+          </p:nvPr>
+        </p:nvSpPr>
+        <p:spPr/>
+        <p:txBody>
+          <a:bodyPr/>
+          <a:lstStyle/>
+          <a:p>
+            <a:pPr marL="0" indent="0" algn="l" rtl="0">
+              <a:buFontTx/>
+              <a:buNone/>
+            </a:pPr>
+            <a:r>
+              <a:rPr lang="en-US" b="0" dirty="0"/>
+              <a:t>Live  example with student attended.</a:t>
+            </a:r>
+          </a:p>
+          <a:p>
+            <a:pPr marL="0" indent="0" algn="l" rtl="0">
+              <a:buFontTx/>
+              <a:buNone/>
+            </a:pPr>
+            <a:r>
+              <a:rPr lang="en-US" b="0" dirty="0"/>
+              <a:t>Ask them who will win and why?</a:t>
+            </a:r>
+          </a:p>
+          <a:p>
+            <a:pPr marL="0" indent="0" algn="l" rtl="0">
+              <a:buFontTx/>
+              <a:buNone/>
+            </a:pPr>
+            <a:endParaRPr lang="en-US" b="0" dirty="0"/>
+          </a:p>
+          <a:p>
+            <a:pPr marL="0" indent="0" algn="l" rtl="0">
+              <a:buFontTx/>
+              <a:buNone/>
+            </a:pPr>
+            <a:r>
+              <a:rPr lang="en-US" b="0" dirty="0"/>
+              <a:t>http://css-fun.surge.sh</a:t>
+            </a:r>
+          </a:p>
+          <a:p>
+            <a:pPr marL="0" indent="0" algn="l" rtl="0">
+              <a:buFontTx/>
+              <a:buNone/>
+            </a:pPr>
+            <a:endParaRPr lang="en-US" b="0" dirty="0"/>
+          </a:p>
+        </p:txBody>
+      </p:sp>
+      <p:sp>
+        <p:nvSpPr>
+          <p:cNvPr id="4" name="Slide Number Placeholder 3"/>
+          <p:cNvSpPr>
+            <a:spLocks noGrp="1"/>
+          </p:cNvSpPr>
+          <p:nvPr>
+            <p:ph type="sldNum" sz="quarter" idx="10"/>
+          </p:nvPr>
+        </p:nvSpPr>
+        <p:spPr/>
+        <p:txBody>
+          <a:bodyPr/>
+          <a:lstStyle/>
+          <a:p>
+            <a:fld id="{595D0871-5AD0-4670-BDA8-FBE649F625DD}" type="slidenum">
+              <a:rPr lang="he-IL" smtClean="0"/>
+              <a:t>33</a:t>
+            </a:fld>
+            <a:endParaRPr lang="he-IL"/>
+          </a:p>
+        </p:txBody>
+      </p:sp>
+    </p:spTree>
+    <p:extLst>
+      <p:ext uri="{BB962C8B-B14F-4D97-AF65-F5344CB8AC3E}">
+        <p14:creationId xmlns:p14="http://schemas.microsoft.com/office/powerpoint/2010/main" val="3404969691"/>
+      </p:ext>
+    </p:extLst>
+  </p:cSld>
+  <p:clrMapOvr>
+    <a:masterClrMapping/>
+  </p:clrMapOvr>
+</p:notes>
+</file>
+
+<file path=ppt/notesSlides/notesSlide32.xml><?xml version="1.0" encoding="utf-8"?>
+<p:notes xmlns:a="http://schemas.openxmlformats.org/drawingml/2006/main" xmlns:r="http://schemas.openxmlformats.org/officeDocument/2006/relationships" xmlns:p="http://schemas.openxmlformats.org/presentationml/2006/main">
+  <p:cSld>
+    <p:spTree>
+      <p:nvGrpSpPr>
+        <p:cNvPr id="1" name=""/>
+        <p:cNvGrpSpPr/>
+        <p:nvPr/>
+      </p:nvGrpSpPr>
+      <p:grpSpPr>
+        <a:xfrm>
+          <a:off x="0" y="0"/>
+          <a:ext cx="0" cy="0"/>
+          <a:chOff x="0" y="0"/>
+          <a:chExt cx="0" cy="0"/>
+        </a:xfrm>
+      </p:grpSpPr>
+      <p:sp>
+        <p:nvSpPr>
+          <p:cNvPr id="2" name="Slide Image Placeholder 1"/>
+          <p:cNvSpPr>
+            <a:spLocks noGrp="1" noRot="1" noChangeAspect="1"/>
+          </p:cNvSpPr>
+          <p:nvPr>
+            <p:ph type="sldImg"/>
+          </p:nvPr>
+        </p:nvSpPr>
+        <p:spPr/>
+      </p:sp>
+      <p:sp>
+        <p:nvSpPr>
+          <p:cNvPr id="3" name="Notes Placeholder 2"/>
+          <p:cNvSpPr>
+            <a:spLocks noGrp="1"/>
+          </p:cNvSpPr>
+          <p:nvPr>
+            <p:ph type="body" idx="1"/>
+          </p:nvPr>
+        </p:nvSpPr>
+        <p:spPr/>
+        <p:txBody>
+          <a:bodyPr/>
+          <a:lstStyle/>
+          <a:p>
+            <a:pPr marL="0" marR="0" lvl="0" indent="0" algn="l" defTabSz="914400" rtl="0" eaLnBrk="1" fontAlgn="auto" latinLnBrk="0" hangingPunct="1">
+              <a:lnSpc>
+                <a:spcPct val="100000"/>
+              </a:lnSpc>
+              <a:spcBef>
+                <a:spcPts val="0"/>
+              </a:spcBef>
+              <a:spcAft>
+                <a:spcPts val="0"/>
+              </a:spcAft>
+              <a:buClrTx/>
+              <a:buSzTx/>
+              <a:buFontTx/>
+              <a:buNone/>
+              <a:tabLst/>
+              <a:defRPr/>
+            </a:pPr>
+            <a:r>
+              <a:rPr lang="en-US" b="0" dirty="0"/>
+              <a:t>First - </a:t>
+            </a:r>
+            <a:r>
+              <a:rPr lang="en-US" sz="1200" b="0" i="0" kern="1200" dirty="0">
+                <a:solidFill>
+                  <a:schemeClr val="tx1"/>
+                </a:solidFill>
+                <a:effectLst/>
+                <a:latin typeface="+mn-lt"/>
+                <a:ea typeface="+mn-ea"/>
+                <a:cs typeface="+mn-cs"/>
+              </a:rPr>
+              <a:t>Importance</a:t>
+            </a:r>
+          </a:p>
+          <a:p>
+            <a:pPr marL="0" marR="0" lvl="0" indent="0" algn="l" defTabSz="914400" rtl="0" eaLnBrk="1" fontAlgn="auto" latinLnBrk="0" hangingPunct="1">
+              <a:lnSpc>
+                <a:spcPct val="100000"/>
+              </a:lnSpc>
+              <a:spcBef>
+                <a:spcPts val="0"/>
+              </a:spcBef>
+              <a:spcAft>
+                <a:spcPts val="0"/>
+              </a:spcAft>
+              <a:buClrTx/>
+              <a:buSzTx/>
+              <a:buFontTx/>
+              <a:buNone/>
+              <a:tabLst/>
+              <a:defRPr/>
+            </a:pPr>
+            <a:r>
+              <a:rPr lang="en-US" b="0" dirty="0"/>
+              <a:t>Second - </a:t>
+            </a:r>
+            <a:r>
+              <a:rPr lang="en-US" sz="1200" b="0" i="0" kern="1200" dirty="0">
+                <a:solidFill>
+                  <a:schemeClr val="tx1"/>
+                </a:solidFill>
+                <a:effectLst/>
+                <a:latin typeface="+mn-lt"/>
+                <a:ea typeface="+mn-ea"/>
+                <a:cs typeface="+mn-cs"/>
+              </a:rPr>
+              <a:t>Specificity</a:t>
+            </a:r>
+            <a:endParaRPr lang="en-US" b="0" dirty="0"/>
+          </a:p>
+          <a:p>
+            <a:pPr marL="0" indent="0" algn="l" rtl="0">
+              <a:buFontTx/>
+              <a:buNone/>
+            </a:pPr>
+            <a:r>
+              <a:rPr lang="en-US" sz="1200" b="0" i="0" kern="1200" dirty="0">
+                <a:solidFill>
+                  <a:schemeClr val="tx1"/>
+                </a:solidFill>
+                <a:effectLst/>
+                <a:latin typeface="+mn-lt"/>
+                <a:ea typeface="+mn-ea"/>
+                <a:cs typeface="+mn-cs"/>
+              </a:rPr>
+              <a:t>Third - the third factor that comes into play to help decide which rule wins is source order — later rules will win over earlier rules. For example:</a:t>
+            </a:r>
+            <a:endParaRPr lang="en-US" b="0" dirty="0"/>
+          </a:p>
+          <a:p>
+            <a:pPr marL="0" indent="0" algn="l" rtl="0">
+              <a:buFontTx/>
+              <a:buNone/>
+            </a:pPr>
+            <a:endParaRPr lang="en-US" b="0" dirty="0"/>
+          </a:p>
+          <a:p>
+            <a:pPr marL="0" indent="0" algn="l" rtl="0">
+              <a:buFontTx/>
+              <a:buNone/>
+            </a:pPr>
+            <a:r>
+              <a:rPr lang="en-US" b="0" dirty="0"/>
+              <a:t>https://developer.mozilla.org/en-US/docs/Learn/CSS/Introduction_to_CSS/Cascade_and_inheritance#Source_order</a:t>
+            </a:r>
+          </a:p>
+        </p:txBody>
+      </p:sp>
+      <p:sp>
+        <p:nvSpPr>
+          <p:cNvPr id="4" name="Slide Number Placeholder 3"/>
+          <p:cNvSpPr>
+            <a:spLocks noGrp="1"/>
+          </p:cNvSpPr>
+          <p:nvPr>
+            <p:ph type="sldNum" sz="quarter" idx="10"/>
+          </p:nvPr>
+        </p:nvSpPr>
+        <p:spPr/>
+        <p:txBody>
+          <a:bodyPr/>
+          <a:lstStyle/>
+          <a:p>
+            <a:fld id="{595D0871-5AD0-4670-BDA8-FBE649F625DD}" type="slidenum">
+              <a:rPr lang="he-IL" smtClean="0"/>
+              <a:t>34</a:t>
+            </a:fld>
+            <a:endParaRPr lang="he-IL"/>
+          </a:p>
+        </p:txBody>
+      </p:sp>
+    </p:spTree>
+    <p:extLst>
+      <p:ext uri="{BB962C8B-B14F-4D97-AF65-F5344CB8AC3E}">
+        <p14:creationId xmlns:p14="http://schemas.microsoft.com/office/powerpoint/2010/main" val="383093396"/>
+      </p:ext>
+    </p:extLst>
+  </p:cSld>
+  <p:clrMapOvr>
+    <a:masterClrMapping/>
+  </p:clrMapOvr>
+</p:notes>
+</file>
+
+<file path=ppt/notesSlides/notesSlide33.xml><?xml version="1.0" encoding="utf-8"?>
+<p:notes xmlns:a="http://schemas.openxmlformats.org/drawingml/2006/main" xmlns:r="http://schemas.openxmlformats.org/officeDocument/2006/relationships" xmlns:p="http://schemas.openxmlformats.org/presentationml/2006/main">
+  <p:cSld>
+    <p:spTree>
+      <p:nvGrpSpPr>
+        <p:cNvPr id="1" name=""/>
+        <p:cNvGrpSpPr/>
+        <p:nvPr/>
+      </p:nvGrpSpPr>
+      <p:grpSpPr>
+        <a:xfrm>
+          <a:off x="0" y="0"/>
+          <a:ext cx="0" cy="0"/>
+          <a:chOff x="0" y="0"/>
+          <a:chExt cx="0" cy="0"/>
+        </a:xfrm>
+      </p:grpSpPr>
+      <p:sp>
+        <p:nvSpPr>
+          <p:cNvPr id="2" name="Slide Image Placeholder 1"/>
+          <p:cNvSpPr>
+            <a:spLocks noGrp="1" noRot="1" noChangeAspect="1"/>
+          </p:cNvSpPr>
+          <p:nvPr>
+            <p:ph type="sldImg"/>
+          </p:nvPr>
+        </p:nvSpPr>
+        <p:spPr/>
+      </p:sp>
+      <p:sp>
+        <p:nvSpPr>
+          <p:cNvPr id="3" name="Notes Placeholder 2"/>
+          <p:cNvSpPr>
+            <a:spLocks noGrp="1"/>
+          </p:cNvSpPr>
+          <p:nvPr>
+            <p:ph type="body" idx="1"/>
+          </p:nvPr>
+        </p:nvSpPr>
+        <p:spPr/>
+        <p:txBody>
+          <a:bodyPr/>
+          <a:lstStyle/>
+          <a:p>
+            <a:pPr marL="0" indent="0" algn="l" rtl="0">
+              <a:buFontTx/>
+              <a:buNone/>
+            </a:pPr>
+            <a:r>
+              <a:rPr lang="en-US" b="0" dirty="0"/>
+              <a:t>We talk how CSS effect browser, now we will see how it’s effecting developers</a:t>
+            </a:r>
+          </a:p>
+          <a:p>
+            <a:pPr marL="0" indent="0" algn="l" rtl="0">
+              <a:buFontTx/>
+              <a:buNone/>
+            </a:pPr>
+            <a:endParaRPr lang="en-US" b="0" dirty="0"/>
+          </a:p>
+        </p:txBody>
+      </p:sp>
+      <p:sp>
+        <p:nvSpPr>
+          <p:cNvPr id="4" name="Slide Number Placeholder 3"/>
+          <p:cNvSpPr>
+            <a:spLocks noGrp="1"/>
+          </p:cNvSpPr>
+          <p:nvPr>
+            <p:ph type="sldNum" sz="quarter" idx="10"/>
+          </p:nvPr>
+        </p:nvSpPr>
+        <p:spPr/>
+        <p:txBody>
+          <a:bodyPr/>
+          <a:lstStyle/>
+          <a:p>
+            <a:fld id="{595D0871-5AD0-4670-BDA8-FBE649F625DD}" type="slidenum">
+              <a:rPr lang="he-IL" smtClean="0"/>
+              <a:t>35</a:t>
+            </a:fld>
+            <a:endParaRPr lang="he-IL"/>
+          </a:p>
+        </p:txBody>
+      </p:sp>
+    </p:spTree>
+    <p:extLst>
+      <p:ext uri="{BB962C8B-B14F-4D97-AF65-F5344CB8AC3E}">
+        <p14:creationId xmlns:p14="http://schemas.microsoft.com/office/powerpoint/2010/main" val="1211461171"/>
+      </p:ext>
+    </p:extLst>
+  </p:cSld>
+  <p:clrMapOvr>
+    <a:masterClrMapping/>
+  </p:clrMapOvr>
+</p:notes>
+</file>
+
+<file path=ppt/notesSlides/notesSlide34.xml><?xml version="1.0" encoding="utf-8"?>
+<p:notes xmlns:a="http://schemas.openxmlformats.org/drawingml/2006/main" xmlns:r="http://schemas.openxmlformats.org/officeDocument/2006/relationships" xmlns:p="http://schemas.openxmlformats.org/presentationml/2006/main">
+  <p:cSld>
+    <p:spTree>
+      <p:nvGrpSpPr>
+        <p:cNvPr id="1" name=""/>
+        <p:cNvGrpSpPr/>
+        <p:nvPr/>
+      </p:nvGrpSpPr>
+      <p:grpSpPr>
+        <a:xfrm>
+          <a:off x="0" y="0"/>
+          <a:ext cx="0" cy="0"/>
+          <a:chOff x="0" y="0"/>
+          <a:chExt cx="0" cy="0"/>
+        </a:xfrm>
+      </p:grpSpPr>
+      <p:sp>
+        <p:nvSpPr>
+          <p:cNvPr id="2" name="Slide Image Placeholder 1"/>
+          <p:cNvSpPr>
+            <a:spLocks noGrp="1" noRot="1" noChangeAspect="1"/>
+          </p:cNvSpPr>
+          <p:nvPr>
+            <p:ph type="sldImg"/>
+          </p:nvPr>
+        </p:nvSpPr>
+        <p:spPr/>
+      </p:sp>
+      <p:sp>
+        <p:nvSpPr>
+          <p:cNvPr id="3" name="Notes Placeholder 2"/>
+          <p:cNvSpPr>
+            <a:spLocks noGrp="1"/>
+          </p:cNvSpPr>
+          <p:nvPr>
+            <p:ph type="body" idx="1"/>
+          </p:nvPr>
+        </p:nvSpPr>
+        <p:spPr/>
+        <p:txBody>
+          <a:bodyPr/>
+          <a:lstStyle/>
+          <a:p>
+            <a:pPr marL="0" indent="0" algn="l" rtl="0">
+              <a:buFontTx/>
+              <a:buNone/>
+            </a:pPr>
+            <a:r>
+              <a:rPr lang="en-US" b="0" dirty="0"/>
+              <a:t>What is </a:t>
+            </a:r>
+            <a:r>
+              <a:rPr lang="en-US" sz="1200" dirty="0">
+                <a:solidFill>
+                  <a:schemeClr val="bg1"/>
+                </a:solidFill>
+              </a:rPr>
+              <a:t>Resilient?</a:t>
+            </a:r>
+            <a:endParaRPr lang="en-US" b="0" dirty="0"/>
+          </a:p>
+          <a:p>
+            <a:pPr marL="0" indent="0" algn="l" rtl="0">
+              <a:buFontTx/>
+              <a:buNone/>
+            </a:pPr>
+            <a:r>
+              <a:rPr lang="en-US" b="0" dirty="0"/>
+              <a:t>HTML and CSS were specifically designed to be fault-tolerant. If there’s a problem, the browser won’t throw an error; instead, it will ignore that part of the code and keep on going.</a:t>
+            </a:r>
+          </a:p>
+          <a:p>
+            <a:pPr marL="0" indent="0" algn="l" rtl="0">
+              <a:buFontTx/>
+              <a:buNone/>
+            </a:pPr>
+            <a:endParaRPr lang="en-US" b="0" dirty="0"/>
+          </a:p>
+          <a:p>
+            <a:pPr marL="0" indent="0" algn="l" rtl="0">
+              <a:buFontTx/>
+              <a:buNone/>
+            </a:pPr>
+            <a:endParaRPr lang="en-US" b="0" dirty="0"/>
+          </a:p>
+          <a:p>
+            <a:pPr marL="0" indent="0" algn="l" rtl="0">
+              <a:buFontTx/>
+              <a:buNone/>
+            </a:pPr>
+            <a:endParaRPr lang="en-US" b="0" dirty="0"/>
+          </a:p>
+          <a:p>
+            <a:pPr marL="0" indent="0" algn="l" rtl="0">
+              <a:buFontTx/>
+              <a:buNone/>
+            </a:pPr>
+            <a:r>
+              <a:rPr lang="en-US" b="0" dirty="0"/>
+              <a:t>https://keithjgrant.com/posts/2018/06/resilient-declarative-contextual/</a:t>
+            </a:r>
+          </a:p>
+          <a:p>
+            <a:pPr marL="0" indent="0" algn="l" rtl="0">
+              <a:buFontTx/>
+              <a:buNone/>
+            </a:pPr>
+            <a:endParaRPr lang="en-US" b="0" dirty="0"/>
+          </a:p>
+        </p:txBody>
+      </p:sp>
+      <p:sp>
+        <p:nvSpPr>
+          <p:cNvPr id="4" name="Slide Number Placeholder 3"/>
+          <p:cNvSpPr>
+            <a:spLocks noGrp="1"/>
+          </p:cNvSpPr>
+          <p:nvPr>
+            <p:ph type="sldNum" sz="quarter" idx="10"/>
+          </p:nvPr>
+        </p:nvSpPr>
+        <p:spPr/>
+        <p:txBody>
+          <a:bodyPr/>
+          <a:lstStyle/>
+          <a:p>
+            <a:fld id="{595D0871-5AD0-4670-BDA8-FBE649F625DD}" type="slidenum">
+              <a:rPr lang="he-IL" smtClean="0"/>
+              <a:t>36</a:t>
+            </a:fld>
+            <a:endParaRPr lang="he-IL"/>
+          </a:p>
+        </p:txBody>
+      </p:sp>
+    </p:spTree>
+    <p:extLst>
+      <p:ext uri="{BB962C8B-B14F-4D97-AF65-F5344CB8AC3E}">
+        <p14:creationId xmlns:p14="http://schemas.microsoft.com/office/powerpoint/2010/main" val="2556022468"/>
+      </p:ext>
+    </p:extLst>
+  </p:cSld>
+  <p:clrMapOvr>
+    <a:masterClrMapping/>
+  </p:clrMapOvr>
+</p:notes>
+</file>
+
+<file path=ppt/notesSlides/notesSlide35.xml><?xml version="1.0" encoding="utf-8"?>
+<p:notes xmlns:a="http://schemas.openxmlformats.org/drawingml/2006/main" xmlns:r="http://schemas.openxmlformats.org/officeDocument/2006/relationships" xmlns:p="http://schemas.openxmlformats.org/presentationml/2006/main">
+  <p:cSld>
+    <p:spTree>
+      <p:nvGrpSpPr>
+        <p:cNvPr id="1" name=""/>
+        <p:cNvGrpSpPr/>
+        <p:nvPr/>
+      </p:nvGrpSpPr>
+      <p:grpSpPr>
+        <a:xfrm>
+          <a:off x="0" y="0"/>
+          <a:ext cx="0" cy="0"/>
+          <a:chOff x="0" y="0"/>
+          <a:chExt cx="0" cy="0"/>
+        </a:xfrm>
+      </p:grpSpPr>
+      <p:sp>
+        <p:nvSpPr>
+          <p:cNvPr id="2" name="Slide Image Placeholder 1"/>
+          <p:cNvSpPr>
+            <a:spLocks noGrp="1" noRot="1" noChangeAspect="1"/>
+          </p:cNvSpPr>
+          <p:nvPr>
+            <p:ph type="sldImg"/>
+          </p:nvPr>
+        </p:nvSpPr>
+        <p:spPr/>
+      </p:sp>
+      <p:sp>
+        <p:nvSpPr>
+          <p:cNvPr id="3" name="Notes Placeholder 2"/>
+          <p:cNvSpPr>
+            <a:spLocks noGrp="1"/>
+          </p:cNvSpPr>
+          <p:nvPr>
+            <p:ph type="body" idx="1"/>
+          </p:nvPr>
+        </p:nvSpPr>
+        <p:spPr/>
+        <p:txBody>
+          <a:bodyPr/>
+          <a:lstStyle/>
+          <a:p>
+            <a:pPr marL="0" indent="0" algn="l" rtl="0">
+              <a:buFontTx/>
+              <a:buNone/>
+            </a:pPr>
+            <a:r>
+              <a:rPr lang="en-US" b="0" dirty="0"/>
+              <a:t>A browser that doesn't understand the two grid declarations will ignore them, and the other rules</a:t>
+            </a:r>
+          </a:p>
+          <a:p>
+            <a:pPr marL="0" indent="0" algn="l" rtl="0">
+              <a:buFontTx/>
+              <a:buNone/>
+            </a:pPr>
+            <a:r>
+              <a:rPr lang="en-US" b="0" dirty="0"/>
+              <a:t>will do the work. And a browser that does understand grid will use the grid layout and ignore the inline-block declaration (because that’s how grid was designed to work). </a:t>
+            </a:r>
+          </a:p>
+          <a:p>
+            <a:pPr marL="0" indent="0" algn="l" rtl="0">
+              <a:buFontTx/>
+              <a:buNone/>
+            </a:pPr>
+            <a:endParaRPr lang="en-US" b="0" dirty="0"/>
+          </a:p>
+          <a:p>
+            <a:pPr marL="0" indent="0" algn="l" rtl="0">
+              <a:buFontTx/>
+              <a:buNone/>
+            </a:pPr>
+            <a:r>
+              <a:rPr lang="en-US" b="0" dirty="0"/>
+              <a:t>IE – is not supporting display grid, but what will happened in the browser?</a:t>
+            </a:r>
+          </a:p>
+          <a:p>
+            <a:pPr marL="0" indent="0" algn="l" rtl="0">
+              <a:buFontTx/>
+              <a:buNone/>
+            </a:pPr>
+            <a:r>
+              <a:rPr lang="en-US" b="0" dirty="0"/>
+              <a:t>Browser will not collapse and JS code will run as expected but the list will might look different, element location might be miss place.</a:t>
+            </a:r>
+          </a:p>
+          <a:p>
+            <a:pPr marL="0" indent="0" algn="l" rtl="0">
+              <a:buFontTx/>
+              <a:buNone/>
+            </a:pPr>
+            <a:endParaRPr lang="en-US" b="0" dirty="0"/>
+          </a:p>
+          <a:p>
+            <a:pPr marL="0" indent="0" algn="l" rtl="0">
+              <a:buFontTx/>
+              <a:buNone/>
+            </a:pPr>
+            <a:endParaRPr lang="en-US" b="0" dirty="0"/>
+          </a:p>
+        </p:txBody>
+      </p:sp>
+      <p:sp>
+        <p:nvSpPr>
+          <p:cNvPr id="4" name="Slide Number Placeholder 3"/>
+          <p:cNvSpPr>
+            <a:spLocks noGrp="1"/>
+          </p:cNvSpPr>
+          <p:nvPr>
+            <p:ph type="sldNum" sz="quarter" idx="10"/>
+          </p:nvPr>
+        </p:nvSpPr>
+        <p:spPr/>
+        <p:txBody>
+          <a:bodyPr/>
+          <a:lstStyle/>
+          <a:p>
+            <a:fld id="{595D0871-5AD0-4670-BDA8-FBE649F625DD}" type="slidenum">
+              <a:rPr lang="he-IL" smtClean="0"/>
+              <a:t>37</a:t>
+            </a:fld>
+            <a:endParaRPr lang="he-IL"/>
+          </a:p>
+        </p:txBody>
+      </p:sp>
+    </p:spTree>
+    <p:extLst>
+      <p:ext uri="{BB962C8B-B14F-4D97-AF65-F5344CB8AC3E}">
+        <p14:creationId xmlns:p14="http://schemas.microsoft.com/office/powerpoint/2010/main" val="2904153320"/>
+      </p:ext>
+    </p:extLst>
+  </p:cSld>
+  <p:clrMapOvr>
+    <a:masterClrMapping/>
+  </p:clrMapOvr>
+</p:notes>
+</file>
+
+<file path=ppt/notesSlides/notesSlide36.xml><?xml version="1.0" encoding="utf-8"?>
+<p:notes xmlns:a="http://schemas.openxmlformats.org/drawingml/2006/main" xmlns:r="http://schemas.openxmlformats.org/officeDocument/2006/relationships" xmlns:p="http://schemas.openxmlformats.org/presentationml/2006/main">
+  <p:cSld>
+    <p:spTree>
+      <p:nvGrpSpPr>
+        <p:cNvPr id="1" name=""/>
+        <p:cNvGrpSpPr/>
+        <p:nvPr/>
+      </p:nvGrpSpPr>
+      <p:grpSpPr>
+        <a:xfrm>
+          <a:off x="0" y="0"/>
+          <a:ext cx="0" cy="0"/>
+          <a:chOff x="0" y="0"/>
+          <a:chExt cx="0" cy="0"/>
+        </a:xfrm>
+      </p:grpSpPr>
+      <p:sp>
+        <p:nvSpPr>
+          <p:cNvPr id="2" name="Slide Image Placeholder 1"/>
+          <p:cNvSpPr>
+            <a:spLocks noGrp="1" noRot="1" noChangeAspect="1"/>
+          </p:cNvSpPr>
+          <p:nvPr>
+            <p:ph type="sldImg"/>
+          </p:nvPr>
+        </p:nvSpPr>
+        <p:spPr/>
+      </p:sp>
+      <p:sp>
+        <p:nvSpPr>
+          <p:cNvPr id="3" name="Notes Placeholder 2"/>
+          <p:cNvSpPr>
+            <a:spLocks noGrp="1"/>
+          </p:cNvSpPr>
+          <p:nvPr>
+            <p:ph type="body" idx="1"/>
+          </p:nvPr>
+        </p:nvSpPr>
+        <p:spPr/>
+        <p:txBody>
+          <a:bodyPr/>
+          <a:lstStyle/>
+          <a:p>
+            <a:pPr marL="0" indent="0" algn="l" rtl="0">
+              <a:buFontTx/>
+              <a:buNone/>
+            </a:pPr>
+            <a:r>
+              <a:rPr lang="en-US" b="0" dirty="0"/>
+              <a:t>What is Declarative?</a:t>
+            </a:r>
+          </a:p>
+          <a:p>
+            <a:pPr marL="0" indent="0" algn="l" rtl="0">
+              <a:buFontTx/>
+              <a:buNone/>
+            </a:pPr>
+            <a:endParaRPr lang="en-US" b="0" dirty="0"/>
+          </a:p>
+          <a:p>
+            <a:pPr marL="0" indent="0" algn="l" rtl="0">
+              <a:buFontTx/>
+              <a:buNone/>
+            </a:pPr>
+            <a:r>
+              <a:rPr lang="en-US" b="0" dirty="0"/>
+              <a:t>In JavaScript, you give specific, step-by-step instructions how to make something happen (Imperative).</a:t>
+            </a:r>
+          </a:p>
+          <a:p>
+            <a:pPr marL="0" indent="0" algn="l" rtl="0">
+              <a:buFontTx/>
+              <a:buNone/>
+            </a:pPr>
+            <a:r>
+              <a:rPr lang="en-US" b="0" dirty="0"/>
+              <a:t>In CSS, you tell the browser what you want to have happen, and it works out the how.</a:t>
+            </a:r>
+          </a:p>
+          <a:p>
+            <a:pPr marL="0" indent="0" algn="l" rtl="0">
+              <a:buFontTx/>
+              <a:buNone/>
+            </a:pPr>
+            <a:r>
+              <a:rPr lang="en-US" b="0" dirty="0"/>
+              <a:t>This is extremely important to understand.</a:t>
+            </a:r>
+          </a:p>
+          <a:p>
+            <a:pPr marL="0" indent="0" algn="l" rtl="0">
+              <a:buFontTx/>
+              <a:buNone/>
+            </a:pPr>
+            <a:r>
+              <a:rPr lang="en-US" b="0" dirty="0"/>
+              <a:t>If you get it right, CSS will do all the hard work for you!</a:t>
+            </a:r>
+          </a:p>
+          <a:p>
+            <a:pPr marL="0" indent="0" algn="l" rtl="0">
+              <a:buFontTx/>
+              <a:buNone/>
+            </a:pPr>
+            <a:r>
+              <a:rPr lang="en-US" b="0" dirty="0"/>
+              <a:t>And if you get it wrong, you’ll be fighting against the grain of the language and you will be frustrated at every turn.</a:t>
+            </a:r>
+          </a:p>
+          <a:p>
+            <a:pPr marL="0" indent="0" algn="l" rtl="0">
+              <a:buFontTx/>
+              <a:buNone/>
+            </a:pPr>
+            <a:endParaRPr lang="en-US" b="0" dirty="0"/>
+          </a:p>
+          <a:p>
+            <a:pPr marL="0" indent="0" algn="l" rtl="0">
+              <a:buFontTx/>
+              <a:buNone/>
+            </a:pPr>
+            <a:endParaRPr lang="en-US" b="0" dirty="0"/>
+          </a:p>
+        </p:txBody>
+      </p:sp>
+      <p:sp>
+        <p:nvSpPr>
+          <p:cNvPr id="4" name="Slide Number Placeholder 3"/>
+          <p:cNvSpPr>
+            <a:spLocks noGrp="1"/>
+          </p:cNvSpPr>
+          <p:nvPr>
+            <p:ph type="sldNum" sz="quarter" idx="10"/>
+          </p:nvPr>
+        </p:nvSpPr>
+        <p:spPr/>
+        <p:txBody>
+          <a:bodyPr/>
+          <a:lstStyle/>
+          <a:p>
+            <a:fld id="{595D0871-5AD0-4670-BDA8-FBE649F625DD}" type="slidenum">
+              <a:rPr lang="he-IL" smtClean="0"/>
+              <a:t>38</a:t>
+            </a:fld>
+            <a:endParaRPr lang="he-IL"/>
+          </a:p>
+        </p:txBody>
+      </p:sp>
+    </p:spTree>
+    <p:extLst>
+      <p:ext uri="{BB962C8B-B14F-4D97-AF65-F5344CB8AC3E}">
+        <p14:creationId xmlns:p14="http://schemas.microsoft.com/office/powerpoint/2010/main" val="2162051374"/>
+      </p:ext>
+    </p:extLst>
+  </p:cSld>
+  <p:clrMapOvr>
+    <a:masterClrMapping/>
+  </p:clrMapOvr>
+</p:notes>
+</file>
+
+<file path=ppt/notesSlides/notesSlide37.xml><?xml version="1.0" encoding="utf-8"?>
+<p:notes xmlns:a="http://schemas.openxmlformats.org/drawingml/2006/main" xmlns:r="http://schemas.openxmlformats.org/officeDocument/2006/relationships" xmlns:p="http://schemas.openxmlformats.org/presentationml/2006/main">
+  <p:cSld>
+    <p:spTree>
+      <p:nvGrpSpPr>
+        <p:cNvPr id="1" name=""/>
+        <p:cNvGrpSpPr/>
+        <p:nvPr/>
+      </p:nvGrpSpPr>
+      <p:grpSpPr>
+        <a:xfrm>
+          <a:off x="0" y="0"/>
+          <a:ext cx="0" cy="0"/>
+          <a:chOff x="0" y="0"/>
+          <a:chExt cx="0" cy="0"/>
+        </a:xfrm>
+      </p:grpSpPr>
+      <p:sp>
+        <p:nvSpPr>
+          <p:cNvPr id="2" name="Slide Image Placeholder 1"/>
+          <p:cNvSpPr>
+            <a:spLocks noGrp="1" noRot="1" noChangeAspect="1"/>
+          </p:cNvSpPr>
+          <p:nvPr>
+            <p:ph type="sldImg"/>
+          </p:nvPr>
+        </p:nvSpPr>
+        <p:spPr/>
+      </p:sp>
+      <p:sp>
+        <p:nvSpPr>
+          <p:cNvPr id="3" name="Notes Placeholder 2"/>
+          <p:cNvSpPr>
+            <a:spLocks noGrp="1"/>
+          </p:cNvSpPr>
+          <p:nvPr>
+            <p:ph type="body" idx="1"/>
+          </p:nvPr>
+        </p:nvSpPr>
+        <p:spPr/>
+        <p:txBody>
+          <a:bodyPr/>
+          <a:lstStyle/>
+          <a:p>
+            <a:pPr marL="0" indent="0" algn="l" rtl="0">
+              <a:buFontTx/>
+              <a:buNone/>
+            </a:pPr>
+            <a:r>
+              <a:rPr lang="en-US" b="0" dirty="0"/>
+              <a:t>Let’s take a look at font-size example,</a:t>
+            </a:r>
+          </a:p>
+          <a:p>
+            <a:pPr marL="0" indent="0" algn="l" rtl="0">
+              <a:buFontTx/>
+              <a:buNone/>
+            </a:pPr>
+            <a:r>
+              <a:rPr lang="en-US" b="0" dirty="0"/>
+              <a:t>We are telling the browser that we want font-size as 2em</a:t>
+            </a:r>
+          </a:p>
+          <a:p>
+            <a:pPr marL="0" indent="0" algn="l" rtl="0">
+              <a:buFontTx/>
+              <a:buNone/>
+            </a:pPr>
+            <a:endParaRPr lang="en-US" b="0" dirty="0"/>
+          </a:p>
+          <a:p>
+            <a:pPr marL="0" indent="0" algn="l" rtl="0">
+              <a:buFontTx/>
+              <a:buNone/>
+            </a:pPr>
+            <a:r>
+              <a:rPr lang="en-US" b="0" dirty="0"/>
+              <a:t>(What is EM?</a:t>
+            </a:r>
+          </a:p>
+          <a:p>
+            <a:pPr marL="0" indent="0" algn="l" rtl="0">
+              <a:buFontTx/>
+              <a:buNone/>
+            </a:pPr>
+            <a:r>
+              <a:rPr lang="en-US" sz="1200" b="0" i="0" kern="1200" dirty="0" err="1">
+                <a:solidFill>
+                  <a:schemeClr val="tx1"/>
+                </a:solidFill>
+                <a:effectLst/>
+                <a:latin typeface="+mn-lt"/>
+                <a:ea typeface="+mn-ea"/>
+                <a:cs typeface="+mn-cs"/>
+              </a:rPr>
+              <a:t>em</a:t>
+            </a:r>
+            <a:r>
+              <a:rPr lang="en-US" sz="1200" b="0" i="0" kern="1200" dirty="0">
+                <a:solidFill>
+                  <a:schemeClr val="tx1"/>
+                </a:solidFill>
+                <a:effectLst/>
+                <a:latin typeface="+mn-lt"/>
+                <a:ea typeface="+mn-ea"/>
+                <a:cs typeface="+mn-cs"/>
+              </a:rPr>
+              <a:t> unit is equal to the computed </a:t>
+            </a:r>
+            <a:r>
+              <a:rPr lang="en-US" dirty="0"/>
+              <a:t>font-size</a:t>
+            </a:r>
+            <a:r>
+              <a:rPr lang="en-US" sz="1200" b="0" i="0" kern="1200" dirty="0">
+                <a:solidFill>
+                  <a:schemeClr val="tx1"/>
+                </a:solidFill>
+                <a:effectLst/>
+                <a:latin typeface="+mn-lt"/>
+                <a:ea typeface="+mn-ea"/>
+                <a:cs typeface="+mn-cs"/>
+              </a:rPr>
+              <a:t> for the element to which the </a:t>
+            </a:r>
+            <a:r>
+              <a:rPr lang="en-US" sz="1200" b="0" i="0" kern="1200" dirty="0" err="1">
+                <a:solidFill>
+                  <a:schemeClr val="tx1"/>
+                </a:solidFill>
+                <a:effectLst/>
+                <a:latin typeface="+mn-lt"/>
+                <a:ea typeface="+mn-ea"/>
+                <a:cs typeface="+mn-cs"/>
+              </a:rPr>
+              <a:t>em</a:t>
+            </a:r>
+            <a:r>
+              <a:rPr lang="en-US" sz="1200" b="0" i="0" kern="1200" dirty="0">
+                <a:solidFill>
+                  <a:schemeClr val="tx1"/>
+                </a:solidFill>
+                <a:effectLst/>
+                <a:latin typeface="+mn-lt"/>
+                <a:ea typeface="+mn-ea"/>
+                <a:cs typeface="+mn-cs"/>
+              </a:rPr>
+              <a:t> is applied. When </a:t>
+            </a:r>
+            <a:r>
+              <a:rPr lang="en-US" sz="1200" b="0" i="0" kern="1200" dirty="0" err="1">
+                <a:solidFill>
+                  <a:schemeClr val="tx1"/>
+                </a:solidFill>
+                <a:effectLst/>
+                <a:latin typeface="+mn-lt"/>
+                <a:ea typeface="+mn-ea"/>
+                <a:cs typeface="+mn-cs"/>
+              </a:rPr>
+              <a:t>em</a:t>
+            </a:r>
+            <a:r>
+              <a:rPr lang="en-US" sz="1200" b="0" i="0" kern="1200" dirty="0">
+                <a:solidFill>
+                  <a:schemeClr val="tx1"/>
+                </a:solidFill>
+                <a:effectLst/>
+                <a:latin typeface="+mn-lt"/>
+                <a:ea typeface="+mn-ea"/>
+                <a:cs typeface="+mn-cs"/>
+              </a:rPr>
+              <a:t> units are declared on child elements that don’t have a </a:t>
+            </a:r>
+            <a:r>
+              <a:rPr lang="en-US" dirty="0"/>
+              <a:t>font-size</a:t>
+            </a:r>
+            <a:r>
+              <a:rPr lang="en-US" sz="1200" b="0" i="0" kern="1200" dirty="0">
+                <a:solidFill>
+                  <a:schemeClr val="tx1"/>
+                </a:solidFill>
+                <a:effectLst/>
+                <a:latin typeface="+mn-lt"/>
+                <a:ea typeface="+mn-ea"/>
+                <a:cs typeface="+mn-cs"/>
+              </a:rPr>
+              <a:t> defined, they will inherit their </a:t>
+            </a:r>
+            <a:r>
+              <a:rPr lang="en-US" dirty="0"/>
+              <a:t>font-size</a:t>
+            </a:r>
+            <a:r>
+              <a:rPr lang="en-US" sz="1200" b="0" i="0" kern="1200" dirty="0">
+                <a:solidFill>
+                  <a:schemeClr val="tx1"/>
+                </a:solidFill>
+                <a:effectLst/>
+                <a:latin typeface="+mn-lt"/>
+                <a:ea typeface="+mn-ea"/>
+                <a:cs typeface="+mn-cs"/>
+              </a:rPr>
+              <a:t> from their parent, or from another ancestor element, possibly going all the way back to the root element on the document.)</a:t>
+            </a:r>
+          </a:p>
+          <a:p>
+            <a:pPr marL="0" indent="0" algn="l" rtl="0">
+              <a:buFontTx/>
+              <a:buNone/>
+            </a:pPr>
+            <a:endParaRPr lang="en-US" sz="1200" b="0" i="0" kern="1200" dirty="0">
+              <a:solidFill>
+                <a:schemeClr val="tx1"/>
+              </a:solidFill>
+              <a:effectLst/>
+              <a:latin typeface="+mn-lt"/>
+              <a:ea typeface="+mn-ea"/>
+              <a:cs typeface="+mn-cs"/>
+            </a:endParaRPr>
+          </a:p>
+          <a:p>
+            <a:pPr marL="0" indent="0" algn="l" rtl="0">
+              <a:buFontTx/>
+              <a:buNone/>
+            </a:pPr>
+            <a:r>
+              <a:rPr lang="en-US" sz="1200" b="0" i="0" kern="1200" dirty="0">
+                <a:solidFill>
+                  <a:schemeClr val="tx1"/>
+                </a:solidFill>
+                <a:effectLst/>
+                <a:latin typeface="+mn-lt"/>
+                <a:ea typeface="+mn-ea"/>
+                <a:cs typeface="+mn-cs"/>
+              </a:rPr>
+              <a:t>What will happened? We will not calculate what should be the font size, the browser will do that for us.</a:t>
+            </a:r>
+          </a:p>
+          <a:p>
+            <a:pPr marL="0" indent="0" algn="l" rtl="0">
+              <a:buFontTx/>
+              <a:buNone/>
+            </a:pPr>
+            <a:endParaRPr lang="en-US" sz="1200" b="0" i="0" kern="1200" dirty="0">
+              <a:solidFill>
+                <a:schemeClr val="tx1"/>
+              </a:solidFill>
+              <a:effectLst/>
+              <a:latin typeface="+mn-lt"/>
+              <a:ea typeface="+mn-ea"/>
+              <a:cs typeface="+mn-cs"/>
+            </a:endParaRPr>
+          </a:p>
+          <a:p>
+            <a:pPr marL="0" indent="0" algn="l" rtl="0">
+              <a:buFontTx/>
+              <a:buNone/>
+            </a:pPr>
+            <a:r>
+              <a:rPr lang="en-US" sz="1200" b="0" i="0" kern="1200" dirty="0">
+                <a:solidFill>
+                  <a:schemeClr val="tx1"/>
+                </a:solidFill>
+                <a:effectLst/>
+                <a:latin typeface="+mn-lt"/>
+                <a:ea typeface="+mn-ea"/>
+                <a:cs typeface="+mn-cs"/>
+              </a:rPr>
+              <a:t>Same behavior for display grid, We are telling the browser that this element/container will behave as grid</a:t>
+            </a:r>
+          </a:p>
+          <a:p>
+            <a:pPr marL="0" indent="0" algn="l" rtl="0">
+              <a:buFontTx/>
+              <a:buNone/>
+            </a:pPr>
+            <a:endParaRPr lang="en-US" sz="1200" b="0" i="0" kern="1200" dirty="0">
+              <a:solidFill>
+                <a:schemeClr val="tx1"/>
+              </a:solidFill>
+              <a:effectLst/>
+              <a:latin typeface="+mn-lt"/>
+              <a:ea typeface="+mn-ea"/>
+              <a:cs typeface="+mn-cs"/>
+            </a:endParaRPr>
+          </a:p>
+          <a:p>
+            <a:pPr marL="0" indent="0" algn="l" rtl="0">
+              <a:buFontTx/>
+              <a:buNone/>
+            </a:pPr>
+            <a:endParaRPr lang="en-US" sz="1200" b="0" i="0" kern="1200" dirty="0">
+              <a:solidFill>
+                <a:schemeClr val="tx1"/>
+              </a:solidFill>
+              <a:effectLst/>
+              <a:latin typeface="+mn-lt"/>
+              <a:ea typeface="+mn-ea"/>
+              <a:cs typeface="+mn-cs"/>
+            </a:endParaRPr>
+          </a:p>
+          <a:p>
+            <a:pPr marL="0" indent="0" algn="l" rtl="0">
+              <a:buFontTx/>
+              <a:buNone/>
+            </a:pPr>
+            <a:endParaRPr lang="en-US" sz="1200" b="0" i="0" kern="1200" dirty="0">
+              <a:solidFill>
+                <a:schemeClr val="tx1"/>
+              </a:solidFill>
+              <a:effectLst/>
+              <a:latin typeface="+mn-lt"/>
+              <a:ea typeface="+mn-ea"/>
+              <a:cs typeface="+mn-cs"/>
+            </a:endParaRPr>
+          </a:p>
+          <a:p>
+            <a:pPr marL="171450" indent="-171450" algn="l" rtl="0">
+              <a:buFontTx/>
+              <a:buChar char="-"/>
+            </a:pPr>
+            <a:r>
+              <a:rPr lang="en-US" sz="1200" b="0" i="0" kern="1200" dirty="0">
+                <a:solidFill>
+                  <a:schemeClr val="tx1"/>
+                </a:solidFill>
+                <a:effectLst/>
+                <a:latin typeface="+mn-lt"/>
+                <a:ea typeface="+mn-ea"/>
+                <a:cs typeface="+mn-cs"/>
+              </a:rPr>
+              <a:t>https://www.sitepoint.com/power-em-units-css/</a:t>
+            </a:r>
+          </a:p>
+          <a:p>
+            <a:pPr marL="171450" indent="-171450" algn="l" rtl="0">
+              <a:buFontTx/>
+              <a:buChar char="-"/>
+            </a:pPr>
+            <a:endParaRPr lang="en-US" b="0" dirty="0"/>
+          </a:p>
+          <a:p>
+            <a:pPr marL="0" indent="0" algn="l" rtl="0">
+              <a:buFontTx/>
+              <a:buNone/>
+            </a:pPr>
+            <a:endParaRPr lang="en-US" b="0" dirty="0"/>
+          </a:p>
+        </p:txBody>
+      </p:sp>
+      <p:sp>
+        <p:nvSpPr>
+          <p:cNvPr id="4" name="Slide Number Placeholder 3"/>
+          <p:cNvSpPr>
+            <a:spLocks noGrp="1"/>
+          </p:cNvSpPr>
+          <p:nvPr>
+            <p:ph type="sldNum" sz="quarter" idx="10"/>
+          </p:nvPr>
+        </p:nvSpPr>
+        <p:spPr/>
+        <p:txBody>
+          <a:bodyPr/>
+          <a:lstStyle/>
+          <a:p>
+            <a:fld id="{595D0871-5AD0-4670-BDA8-FBE649F625DD}" type="slidenum">
+              <a:rPr lang="he-IL" smtClean="0"/>
+              <a:t>39</a:t>
+            </a:fld>
+            <a:endParaRPr lang="he-IL"/>
+          </a:p>
+        </p:txBody>
+      </p:sp>
+    </p:spTree>
+    <p:extLst>
+      <p:ext uri="{BB962C8B-B14F-4D97-AF65-F5344CB8AC3E}">
+        <p14:creationId xmlns:p14="http://schemas.microsoft.com/office/powerpoint/2010/main" val="2416798943"/>
+      </p:ext>
+    </p:extLst>
+  </p:cSld>
+  <p:clrMapOvr>
+    <a:masterClrMapping/>
+  </p:clrMapOvr>
+</p:notes>
+</file>
+
+<file path=ppt/notesSlides/notesSlide38.xml><?xml version="1.0" encoding="utf-8"?>
+<p:notes xmlns:a="http://schemas.openxmlformats.org/drawingml/2006/main" xmlns:r="http://schemas.openxmlformats.org/officeDocument/2006/relationships" xmlns:p="http://schemas.openxmlformats.org/presentationml/2006/main">
+  <p:cSld>
+    <p:spTree>
+      <p:nvGrpSpPr>
+        <p:cNvPr id="1" name=""/>
+        <p:cNvGrpSpPr/>
+        <p:nvPr/>
+      </p:nvGrpSpPr>
+      <p:grpSpPr>
+        <a:xfrm>
+          <a:off x="0" y="0"/>
+          <a:ext cx="0" cy="0"/>
+          <a:chOff x="0" y="0"/>
+          <a:chExt cx="0" cy="0"/>
+        </a:xfrm>
+      </p:grpSpPr>
+      <p:sp>
+        <p:nvSpPr>
+          <p:cNvPr id="2" name="Slide Image Placeholder 1"/>
+          <p:cNvSpPr>
+            <a:spLocks noGrp="1" noRot="1" noChangeAspect="1"/>
+          </p:cNvSpPr>
+          <p:nvPr>
+            <p:ph type="sldImg"/>
+          </p:nvPr>
+        </p:nvSpPr>
+        <p:spPr/>
+      </p:sp>
+      <p:sp>
+        <p:nvSpPr>
+          <p:cNvPr id="3" name="Notes Placeholder 2"/>
+          <p:cNvSpPr>
+            <a:spLocks noGrp="1"/>
+          </p:cNvSpPr>
+          <p:nvPr>
+            <p:ph type="body" idx="1"/>
+          </p:nvPr>
+        </p:nvSpPr>
+        <p:spPr/>
+        <p:txBody>
+          <a:bodyPr/>
+          <a:lstStyle/>
+          <a:p>
+            <a:pPr marL="0" indent="0" algn="l" rtl="0">
+              <a:buFontTx/>
+              <a:buNone/>
+            </a:pPr>
+            <a:r>
+              <a:rPr lang="en-US" b="0" dirty="0"/>
+              <a:t>What is Contextual?</a:t>
+            </a:r>
+          </a:p>
+          <a:p>
+            <a:pPr marL="0" indent="0" algn="l" rtl="0">
+              <a:buFontTx/>
+              <a:buNone/>
+            </a:pPr>
+            <a:endParaRPr lang="en-US" b="0" dirty="0"/>
+          </a:p>
+          <a:p>
+            <a:pPr marL="0" indent="0" algn="l" rtl="0">
+              <a:buFontTx/>
+              <a:buNone/>
+            </a:pPr>
+            <a:r>
+              <a:rPr lang="en-US" b="0" dirty="0"/>
+              <a:t>The CSS is not modular/component-based by nature.</a:t>
+            </a:r>
+          </a:p>
+          <a:p>
+            <a:pPr marL="0" indent="0" algn="l" rtl="0">
+              <a:buFontTx/>
+              <a:buNone/>
+            </a:pPr>
+            <a:r>
+              <a:rPr lang="en-US" b="0" dirty="0"/>
+              <a:t>It has browser styles, global styles, local styles...</a:t>
+            </a:r>
+          </a:p>
+          <a:p>
+            <a:pPr marL="0" indent="0" algn="l" rtl="0">
+              <a:buFontTx/>
+              <a:buNone/>
+            </a:pPr>
+            <a:r>
+              <a:rPr lang="en-US" b="0" dirty="0"/>
+              <a:t>So it is important to know where the styles are defined.</a:t>
+            </a:r>
+          </a:p>
+          <a:p>
+            <a:pPr marL="0" indent="0" algn="l" rtl="0">
+              <a:buFontTx/>
+              <a:buNone/>
+            </a:pPr>
+            <a:endParaRPr lang="en-US" b="0" dirty="0"/>
+          </a:p>
+          <a:p>
+            <a:pPr marL="0" indent="0" algn="l" rtl="0">
+              <a:buFontTx/>
+              <a:buNone/>
+            </a:pPr>
+            <a:r>
+              <a:rPr lang="en-US" b="0" dirty="0"/>
+              <a:t>(For example, in some cases, if we will put a class on element like mark, it might be override by other CSS style [3-rd party] </a:t>
+            </a:r>
+            <a:r>
+              <a:rPr lang="en-US" b="0" dirty="0" err="1"/>
+              <a:t>wich</a:t>
+            </a:r>
+            <a:r>
+              <a:rPr lang="en-US" b="0" dirty="0"/>
+              <a:t> have the same style for this class name)</a:t>
+            </a:r>
+          </a:p>
+        </p:txBody>
+      </p:sp>
+      <p:sp>
+        <p:nvSpPr>
+          <p:cNvPr id="4" name="Slide Number Placeholder 3"/>
+          <p:cNvSpPr>
+            <a:spLocks noGrp="1"/>
+          </p:cNvSpPr>
+          <p:nvPr>
+            <p:ph type="sldNum" sz="quarter" idx="10"/>
+          </p:nvPr>
+        </p:nvSpPr>
+        <p:spPr/>
+        <p:txBody>
+          <a:bodyPr/>
+          <a:lstStyle/>
+          <a:p>
+            <a:fld id="{595D0871-5AD0-4670-BDA8-FBE649F625DD}" type="slidenum">
+              <a:rPr lang="he-IL" smtClean="0"/>
+              <a:t>40</a:t>
+            </a:fld>
+            <a:endParaRPr lang="he-IL"/>
+          </a:p>
+        </p:txBody>
+      </p:sp>
+    </p:spTree>
+    <p:extLst>
+      <p:ext uri="{BB962C8B-B14F-4D97-AF65-F5344CB8AC3E}">
+        <p14:creationId xmlns:p14="http://schemas.microsoft.com/office/powerpoint/2010/main" val="1374288630"/>
+      </p:ext>
+    </p:extLst>
+  </p:cSld>
+  <p:clrMapOvr>
+    <a:masterClrMapping/>
+  </p:clrMapOvr>
+</p:notes>
+</file>
+
+<file path=ppt/notesSlides/notesSlide39.xml><?xml version="1.0" encoding="utf-8"?>
+<p:notes xmlns:a="http://schemas.openxmlformats.org/drawingml/2006/main" xmlns:r="http://schemas.openxmlformats.org/officeDocument/2006/relationships" xmlns:p="http://schemas.openxmlformats.org/presentationml/2006/main">
+  <p:cSld>
+    <p:spTree>
+      <p:nvGrpSpPr>
+        <p:cNvPr id="1" name=""/>
+        <p:cNvGrpSpPr/>
+        <p:nvPr/>
+      </p:nvGrpSpPr>
+      <p:grpSpPr>
+        <a:xfrm>
+          <a:off x="0" y="0"/>
+          <a:ext cx="0" cy="0"/>
+          <a:chOff x="0" y="0"/>
+          <a:chExt cx="0" cy="0"/>
+        </a:xfrm>
+      </p:grpSpPr>
+      <p:sp>
+        <p:nvSpPr>
+          <p:cNvPr id="2" name="Slide Image Placeholder 1"/>
+          <p:cNvSpPr>
+            <a:spLocks noGrp="1" noRot="1" noChangeAspect="1"/>
+          </p:cNvSpPr>
+          <p:nvPr>
+            <p:ph type="sldImg"/>
+          </p:nvPr>
+        </p:nvSpPr>
+        <p:spPr/>
+      </p:sp>
+      <p:sp>
+        <p:nvSpPr>
+          <p:cNvPr id="3" name="Notes Placeholder 2"/>
+          <p:cNvSpPr>
+            <a:spLocks noGrp="1"/>
+          </p:cNvSpPr>
+          <p:nvPr>
+            <p:ph type="body" idx="1"/>
+          </p:nvPr>
+        </p:nvSpPr>
+        <p:spPr/>
+        <p:txBody>
+          <a:bodyPr/>
+          <a:lstStyle/>
+          <a:p>
+            <a:pPr marL="0" marR="0" lvl="0" indent="0" algn="l" defTabSz="914400" rtl="0" eaLnBrk="1" fontAlgn="auto" latinLnBrk="0" hangingPunct="1">
+              <a:lnSpc>
+                <a:spcPct val="100000"/>
+              </a:lnSpc>
+              <a:spcBef>
+                <a:spcPts val="0"/>
+              </a:spcBef>
+              <a:spcAft>
+                <a:spcPts val="0"/>
+              </a:spcAft>
+              <a:buClrTx/>
+              <a:buSzTx/>
+              <a:buFontTx/>
+              <a:buNone/>
+              <a:tabLst/>
+              <a:defRPr/>
+            </a:pPr>
+            <a:r>
+              <a:rPr lang="en-US" b="0" dirty="0"/>
+              <a:t>In this example, We have element with 'position: absolute’,</a:t>
+            </a:r>
+          </a:p>
+          <a:p>
+            <a:pPr marL="0" marR="0" lvl="0" indent="0" algn="l" defTabSz="914400" rtl="0" eaLnBrk="1" fontAlgn="auto" latinLnBrk="0" hangingPunct="1">
+              <a:lnSpc>
+                <a:spcPct val="100000"/>
+              </a:lnSpc>
+              <a:spcBef>
+                <a:spcPts val="0"/>
+              </a:spcBef>
+              <a:spcAft>
+                <a:spcPts val="0"/>
+              </a:spcAft>
+              <a:buClrTx/>
+              <a:buSzTx/>
+              <a:buFontTx/>
+              <a:buNone/>
+              <a:tabLst/>
+              <a:defRPr/>
+            </a:pPr>
+            <a:r>
+              <a:rPr lang="en-US" b="0" dirty="0"/>
+              <a:t>But it’s hard to tell where this element will appear on the screen</a:t>
+            </a:r>
+          </a:p>
+          <a:p>
+            <a:pPr marL="0" marR="0" lvl="0" indent="0" algn="l" defTabSz="914400" rtl="0" eaLnBrk="1" fontAlgn="auto" latinLnBrk="0" hangingPunct="1">
+              <a:lnSpc>
+                <a:spcPct val="100000"/>
+              </a:lnSpc>
+              <a:spcBef>
+                <a:spcPts val="0"/>
+              </a:spcBef>
+              <a:spcAft>
+                <a:spcPts val="0"/>
+              </a:spcAft>
+              <a:buClrTx/>
+              <a:buSzTx/>
+              <a:buFontTx/>
+              <a:buNone/>
+              <a:tabLst/>
+              <a:defRPr/>
+            </a:pPr>
+            <a:r>
+              <a:rPr lang="en-US" b="0" dirty="0"/>
+              <a:t>We need to the element context, who is the closest parent element with position relative.</a:t>
+            </a:r>
+          </a:p>
+          <a:p>
+            <a:pPr marL="0" marR="0" lvl="0" indent="0" algn="l" defTabSz="914400" rtl="0" eaLnBrk="1" fontAlgn="auto" latinLnBrk="0" hangingPunct="1">
+              <a:lnSpc>
+                <a:spcPct val="100000"/>
+              </a:lnSpc>
+              <a:spcBef>
+                <a:spcPts val="0"/>
+              </a:spcBef>
+              <a:spcAft>
+                <a:spcPts val="0"/>
+              </a:spcAft>
+              <a:buClrTx/>
+              <a:buSzTx/>
+              <a:buFontTx/>
+              <a:buNone/>
+              <a:tabLst/>
+              <a:defRPr/>
+            </a:pPr>
+            <a:endParaRPr lang="en-US" b="0" dirty="0"/>
+          </a:p>
+          <a:p>
+            <a:pPr marL="0" marR="0" lvl="0" indent="0" algn="l" defTabSz="914400" rtl="0" eaLnBrk="1" fontAlgn="auto" latinLnBrk="0" hangingPunct="1">
+              <a:lnSpc>
+                <a:spcPct val="100000"/>
+              </a:lnSpc>
+              <a:spcBef>
+                <a:spcPts val="0"/>
+              </a:spcBef>
+              <a:spcAft>
+                <a:spcPts val="0"/>
+              </a:spcAft>
+              <a:buClrTx/>
+              <a:buSzTx/>
+              <a:buFontTx/>
+              <a:buNone/>
+              <a:tabLst/>
+              <a:defRPr/>
+            </a:pPr>
+            <a:r>
+              <a:rPr lang="en-US" b="0" dirty="0"/>
+              <a:t>Without knowing parent element we will not know where this element will be shown.</a:t>
+            </a:r>
+          </a:p>
+          <a:p>
+            <a:pPr marL="0" marR="0" lvl="0" indent="0" algn="l" defTabSz="914400" rtl="0" eaLnBrk="1" fontAlgn="auto" latinLnBrk="0" hangingPunct="1">
+              <a:lnSpc>
+                <a:spcPct val="100000"/>
+              </a:lnSpc>
+              <a:spcBef>
+                <a:spcPts val="0"/>
+              </a:spcBef>
+              <a:spcAft>
+                <a:spcPts val="0"/>
+              </a:spcAft>
+              <a:buClrTx/>
+              <a:buSzTx/>
+              <a:buFontTx/>
+              <a:buNone/>
+              <a:tabLst/>
+              <a:defRPr/>
+            </a:pPr>
+            <a:endParaRPr lang="en-US" b="0" dirty="0"/>
+          </a:p>
+          <a:p>
+            <a:pPr marL="0" marR="0" lvl="0" indent="0" algn="l" defTabSz="914400" rtl="0" eaLnBrk="1" fontAlgn="auto" latinLnBrk="0" hangingPunct="1">
+              <a:lnSpc>
+                <a:spcPct val="100000"/>
+              </a:lnSpc>
+              <a:spcBef>
+                <a:spcPts val="0"/>
+              </a:spcBef>
+              <a:spcAft>
+                <a:spcPts val="0"/>
+              </a:spcAft>
+              <a:buClrTx/>
+              <a:buSzTx/>
+              <a:buFontTx/>
+              <a:buNone/>
+              <a:tabLst/>
+              <a:defRPr/>
+            </a:pPr>
+            <a:r>
+              <a:rPr lang="en-US" b="0" dirty="0"/>
+              <a:t>Another example, if we have 2 classes for box, one just a box and second is a box under container,</a:t>
+            </a:r>
+          </a:p>
+          <a:p>
+            <a:pPr marL="0" marR="0" lvl="0" indent="0" algn="l" defTabSz="914400" rtl="0" eaLnBrk="1" fontAlgn="auto" latinLnBrk="0" hangingPunct="1">
+              <a:lnSpc>
+                <a:spcPct val="100000"/>
+              </a:lnSpc>
+              <a:spcBef>
+                <a:spcPts val="0"/>
+              </a:spcBef>
+              <a:spcAft>
+                <a:spcPts val="0"/>
+              </a:spcAft>
+              <a:buClrTx/>
+              <a:buSzTx/>
+              <a:buFontTx/>
+              <a:buNone/>
+              <a:tabLst/>
+              <a:defRPr/>
+            </a:pPr>
+            <a:r>
+              <a:rPr lang="en-US" b="0" dirty="0"/>
+              <a:t>Each one of them will look different from the other, so when we are adding class box to element we need to know if this element is under container or not.</a:t>
+            </a:r>
+          </a:p>
+        </p:txBody>
+      </p:sp>
+      <p:sp>
+        <p:nvSpPr>
+          <p:cNvPr id="4" name="Slide Number Placeholder 3"/>
+          <p:cNvSpPr>
+            <a:spLocks noGrp="1"/>
+          </p:cNvSpPr>
+          <p:nvPr>
+            <p:ph type="sldNum" sz="quarter" idx="10"/>
+          </p:nvPr>
+        </p:nvSpPr>
+        <p:spPr/>
+        <p:txBody>
+          <a:bodyPr/>
+          <a:lstStyle/>
+          <a:p>
+            <a:fld id="{595D0871-5AD0-4670-BDA8-FBE649F625DD}" type="slidenum">
+              <a:rPr lang="he-IL" smtClean="0"/>
+              <a:t>41</a:t>
+            </a:fld>
+            <a:endParaRPr lang="he-IL"/>
+          </a:p>
+        </p:txBody>
+      </p:sp>
+    </p:spTree>
+    <p:extLst>
+      <p:ext uri="{BB962C8B-B14F-4D97-AF65-F5344CB8AC3E}">
+        <p14:creationId xmlns:p14="http://schemas.microsoft.com/office/powerpoint/2010/main" val="2718278043"/>
       </p:ext>
     </p:extLst>
   </p:cSld>
@@ -7439,6 +10545,1877 @@
     <p:extLst>
       <p:ext uri="{BB962C8B-B14F-4D97-AF65-F5344CB8AC3E}">
         <p14:creationId xmlns:p14="http://schemas.microsoft.com/office/powerpoint/2010/main" val="1559004115"/>
+      </p:ext>
+    </p:extLst>
+  </p:cSld>
+  <p:clrMapOvr>
+    <a:masterClrMapping/>
+  </p:clrMapOvr>
+</p:notes>
+</file>
+
+<file path=ppt/notesSlides/notesSlide40.xml><?xml version="1.0" encoding="utf-8"?>
+<p:notes xmlns:a="http://schemas.openxmlformats.org/drawingml/2006/main" xmlns:r="http://schemas.openxmlformats.org/officeDocument/2006/relationships" xmlns:p="http://schemas.openxmlformats.org/presentationml/2006/main">
+  <p:cSld>
+    <p:spTree>
+      <p:nvGrpSpPr>
+        <p:cNvPr id="1" name=""/>
+        <p:cNvGrpSpPr/>
+        <p:nvPr/>
+      </p:nvGrpSpPr>
+      <p:grpSpPr>
+        <a:xfrm>
+          <a:off x="0" y="0"/>
+          <a:ext cx="0" cy="0"/>
+          <a:chOff x="0" y="0"/>
+          <a:chExt cx="0" cy="0"/>
+        </a:xfrm>
+      </p:grpSpPr>
+      <p:sp>
+        <p:nvSpPr>
+          <p:cNvPr id="2" name="Slide Image Placeholder 1"/>
+          <p:cNvSpPr>
+            <a:spLocks noGrp="1" noRot="1" noChangeAspect="1"/>
+          </p:cNvSpPr>
+          <p:nvPr>
+            <p:ph type="sldImg"/>
+          </p:nvPr>
+        </p:nvSpPr>
+        <p:spPr/>
+      </p:sp>
+      <p:sp>
+        <p:nvSpPr>
+          <p:cNvPr id="3" name="Notes Placeholder 2"/>
+          <p:cNvSpPr>
+            <a:spLocks noGrp="1"/>
+          </p:cNvSpPr>
+          <p:nvPr>
+            <p:ph type="body" idx="1"/>
+          </p:nvPr>
+        </p:nvSpPr>
+        <p:spPr/>
+        <p:txBody>
+          <a:bodyPr/>
+          <a:lstStyle/>
+          <a:p>
+            <a:pPr marL="0" marR="0" lvl="0" indent="0" algn="l" defTabSz="914400" rtl="0" eaLnBrk="1" fontAlgn="auto" latinLnBrk="0" hangingPunct="1">
+              <a:lnSpc>
+                <a:spcPct val="100000"/>
+              </a:lnSpc>
+              <a:spcBef>
+                <a:spcPts val="0"/>
+              </a:spcBef>
+              <a:spcAft>
+                <a:spcPts val="0"/>
+              </a:spcAft>
+              <a:buClrTx/>
+              <a:buSzTx/>
+              <a:buFontTx/>
+              <a:buNone/>
+              <a:tabLst/>
+              <a:defRPr/>
+            </a:pPr>
+            <a:r>
+              <a:rPr lang="en-US" b="0" dirty="0"/>
+              <a:t>These three aspects make CSS different than conventional programming languages.</a:t>
+            </a:r>
+          </a:p>
+          <a:p>
+            <a:pPr marL="0" marR="0" lvl="0" indent="0" algn="l" defTabSz="914400" rtl="0" eaLnBrk="1" fontAlgn="auto" latinLnBrk="0" hangingPunct="1">
+              <a:lnSpc>
+                <a:spcPct val="100000"/>
+              </a:lnSpc>
+              <a:spcBef>
+                <a:spcPts val="0"/>
+              </a:spcBef>
+              <a:spcAft>
+                <a:spcPts val="0"/>
+              </a:spcAft>
+              <a:buClrTx/>
+              <a:buSzTx/>
+              <a:buFontTx/>
+              <a:buNone/>
+              <a:tabLst/>
+              <a:defRPr/>
+            </a:pPr>
+            <a:r>
+              <a:rPr lang="en-US" b="0" dirty="0"/>
+              <a:t>These differences may feel foreign, but it’s these differences that make CSS so powerful.</a:t>
+            </a:r>
+          </a:p>
+          <a:p>
+            <a:pPr marL="0" marR="0" lvl="0" indent="0" algn="l" defTabSz="914400" rtl="0" eaLnBrk="1" fontAlgn="auto" latinLnBrk="0" hangingPunct="1">
+              <a:lnSpc>
+                <a:spcPct val="100000"/>
+              </a:lnSpc>
+              <a:spcBef>
+                <a:spcPts val="0"/>
+              </a:spcBef>
+              <a:spcAft>
+                <a:spcPts val="0"/>
+              </a:spcAft>
+              <a:buClrTx/>
+              <a:buSzTx/>
+              <a:buFontTx/>
+              <a:buNone/>
+              <a:tabLst/>
+              <a:defRPr/>
+            </a:pPr>
+            <a:r>
+              <a:rPr lang="en-US" b="0" dirty="0"/>
+              <a:t>And it’s my suspicion that developers who embrace these things, and have fully internalized them, tend to be far more proficient in CSS.</a:t>
+            </a:r>
+          </a:p>
+          <a:p>
+            <a:pPr marL="0" marR="0" lvl="0" indent="0" algn="l" defTabSz="914400" rtl="0" eaLnBrk="1" fontAlgn="auto" latinLnBrk="0" hangingPunct="1">
+              <a:lnSpc>
+                <a:spcPct val="100000"/>
+              </a:lnSpc>
+              <a:spcBef>
+                <a:spcPts val="0"/>
+              </a:spcBef>
+              <a:spcAft>
+                <a:spcPts val="0"/>
+              </a:spcAft>
+              <a:buClrTx/>
+              <a:buSzTx/>
+              <a:buFontTx/>
+              <a:buNone/>
+              <a:tabLst/>
+              <a:defRPr/>
+            </a:pPr>
+            <a:endParaRPr lang="en-US" b="0" dirty="0"/>
+          </a:p>
+        </p:txBody>
+      </p:sp>
+      <p:sp>
+        <p:nvSpPr>
+          <p:cNvPr id="4" name="Slide Number Placeholder 3"/>
+          <p:cNvSpPr>
+            <a:spLocks noGrp="1"/>
+          </p:cNvSpPr>
+          <p:nvPr>
+            <p:ph type="sldNum" sz="quarter" idx="10"/>
+          </p:nvPr>
+        </p:nvSpPr>
+        <p:spPr/>
+        <p:txBody>
+          <a:bodyPr/>
+          <a:lstStyle/>
+          <a:p>
+            <a:fld id="{595D0871-5AD0-4670-BDA8-FBE649F625DD}" type="slidenum">
+              <a:rPr lang="he-IL" smtClean="0"/>
+              <a:t>42</a:t>
+            </a:fld>
+            <a:endParaRPr lang="he-IL"/>
+          </a:p>
+        </p:txBody>
+      </p:sp>
+    </p:spTree>
+    <p:extLst>
+      <p:ext uri="{BB962C8B-B14F-4D97-AF65-F5344CB8AC3E}">
+        <p14:creationId xmlns:p14="http://schemas.microsoft.com/office/powerpoint/2010/main" val="3484331923"/>
+      </p:ext>
+    </p:extLst>
+  </p:cSld>
+  <p:clrMapOvr>
+    <a:masterClrMapping/>
+  </p:clrMapOvr>
+</p:notes>
+</file>
+
+<file path=ppt/notesSlides/notesSlide41.xml><?xml version="1.0" encoding="utf-8"?>
+<p:notes xmlns:a="http://schemas.openxmlformats.org/drawingml/2006/main" xmlns:r="http://schemas.openxmlformats.org/officeDocument/2006/relationships" xmlns:p="http://schemas.openxmlformats.org/presentationml/2006/main">
+  <p:cSld>
+    <p:spTree>
+      <p:nvGrpSpPr>
+        <p:cNvPr id="1" name=""/>
+        <p:cNvGrpSpPr/>
+        <p:nvPr/>
+      </p:nvGrpSpPr>
+      <p:grpSpPr>
+        <a:xfrm>
+          <a:off x="0" y="0"/>
+          <a:ext cx="0" cy="0"/>
+          <a:chOff x="0" y="0"/>
+          <a:chExt cx="0" cy="0"/>
+        </a:xfrm>
+      </p:grpSpPr>
+      <p:sp>
+        <p:nvSpPr>
+          <p:cNvPr id="2" name="Slide Image Placeholder 1"/>
+          <p:cNvSpPr>
+            <a:spLocks noGrp="1" noRot="1" noChangeAspect="1"/>
+          </p:cNvSpPr>
+          <p:nvPr>
+            <p:ph type="sldImg"/>
+          </p:nvPr>
+        </p:nvSpPr>
+        <p:spPr/>
+      </p:sp>
+      <p:sp>
+        <p:nvSpPr>
+          <p:cNvPr id="3" name="Notes Placeholder 2"/>
+          <p:cNvSpPr>
+            <a:spLocks noGrp="1"/>
+          </p:cNvSpPr>
+          <p:nvPr>
+            <p:ph type="body" idx="1"/>
+          </p:nvPr>
+        </p:nvSpPr>
+        <p:spPr/>
+        <p:txBody>
+          <a:bodyPr/>
+          <a:lstStyle/>
+          <a:p>
+            <a:pPr marL="0" marR="0" lvl="0" indent="0" algn="l" defTabSz="914400" rtl="0" eaLnBrk="1" fontAlgn="auto" latinLnBrk="0" hangingPunct="1">
+              <a:lnSpc>
+                <a:spcPct val="100000"/>
+              </a:lnSpc>
+              <a:spcBef>
+                <a:spcPts val="0"/>
+              </a:spcBef>
+              <a:spcAft>
+                <a:spcPts val="0"/>
+              </a:spcAft>
+              <a:buClrTx/>
+              <a:buSzTx/>
+              <a:buFontTx/>
+              <a:buNone/>
+              <a:tabLst/>
+              <a:defRPr/>
+            </a:pPr>
+            <a:r>
+              <a:rPr lang="en-US" b="0" dirty="0"/>
+              <a:t>CSS inheritance is the last piece we need to investigate to get all the information and understand what style is applied to an element.</a:t>
+            </a:r>
+          </a:p>
+          <a:p>
+            <a:pPr marL="0" marR="0" lvl="0" indent="0" algn="l" defTabSz="914400" rtl="0" eaLnBrk="1" fontAlgn="auto" latinLnBrk="0" hangingPunct="1">
+              <a:lnSpc>
+                <a:spcPct val="100000"/>
+              </a:lnSpc>
+              <a:spcBef>
+                <a:spcPts val="0"/>
+              </a:spcBef>
+              <a:spcAft>
+                <a:spcPts val="0"/>
+              </a:spcAft>
+              <a:buClrTx/>
+              <a:buSzTx/>
+              <a:buFontTx/>
+              <a:buNone/>
+              <a:tabLst/>
+              <a:defRPr/>
+            </a:pPr>
+            <a:r>
+              <a:rPr lang="en-US" b="0" dirty="0"/>
+              <a:t>The idea is that some property values applied to an element will be inherited by that element's children, and some won’t.</a:t>
+            </a:r>
+          </a:p>
+          <a:p>
+            <a:pPr marL="0" marR="0" lvl="0" indent="0" algn="l" defTabSz="914400" rtl="0" eaLnBrk="1" fontAlgn="auto" latinLnBrk="0" hangingPunct="1">
+              <a:lnSpc>
+                <a:spcPct val="100000"/>
+              </a:lnSpc>
+              <a:spcBef>
+                <a:spcPts val="0"/>
+              </a:spcBef>
+              <a:spcAft>
+                <a:spcPts val="0"/>
+              </a:spcAft>
+              <a:buClrTx/>
+              <a:buSzTx/>
+              <a:buFontTx/>
+              <a:buNone/>
+              <a:tabLst/>
+              <a:defRPr/>
+            </a:pPr>
+            <a:endParaRPr lang="en-US" b="0" dirty="0"/>
+          </a:p>
+          <a:p>
+            <a:pPr marL="0" marR="0" lvl="0" indent="0" algn="l" defTabSz="914400" rtl="0" eaLnBrk="1" fontAlgn="auto" latinLnBrk="0" hangingPunct="1">
+              <a:lnSpc>
+                <a:spcPct val="100000"/>
+              </a:lnSpc>
+              <a:spcBef>
+                <a:spcPts val="0"/>
+              </a:spcBef>
+              <a:spcAft>
+                <a:spcPts val="0"/>
+              </a:spcAft>
+              <a:buClrTx/>
+              <a:buSzTx/>
+              <a:buFontTx/>
+              <a:buNone/>
+              <a:tabLst/>
+              <a:defRPr/>
+            </a:pPr>
+            <a:r>
+              <a:rPr lang="en-US" b="0" dirty="0"/>
+              <a:t>For example:</a:t>
+            </a:r>
+          </a:p>
+          <a:p>
+            <a:pPr marL="0" marR="0" lvl="0" indent="0" algn="l" defTabSz="914400" rtl="0" eaLnBrk="1" fontAlgn="auto" latinLnBrk="0" hangingPunct="1">
+              <a:lnSpc>
+                <a:spcPct val="100000"/>
+              </a:lnSpc>
+              <a:spcBef>
+                <a:spcPts val="0"/>
+              </a:spcBef>
+              <a:spcAft>
+                <a:spcPts val="0"/>
+              </a:spcAft>
+              <a:buClrTx/>
+              <a:buSzTx/>
+              <a:buFontTx/>
+              <a:buNone/>
+              <a:tabLst/>
+              <a:defRPr/>
+            </a:pPr>
+            <a:r>
+              <a:rPr lang="en-US" b="0" dirty="0"/>
+              <a:t>It makes sense for </a:t>
+            </a:r>
+            <a:r>
+              <a:rPr lang="en-US" b="1" dirty="0"/>
+              <a:t>font-family</a:t>
+            </a:r>
+            <a:r>
+              <a:rPr lang="en-US" b="0" dirty="0"/>
+              <a:t> and </a:t>
+            </a:r>
+            <a:r>
+              <a:rPr lang="en-US" b="1" dirty="0"/>
+              <a:t>color</a:t>
+            </a:r>
+            <a:r>
+              <a:rPr lang="en-US" b="0" dirty="0"/>
+              <a:t> to be inherited, as that makes it easy for you to set a site-wide base font by applying a font-family to the &lt;html&gt; element.</a:t>
+            </a:r>
+          </a:p>
+          <a:p>
+            <a:pPr marL="0" marR="0" lvl="0" indent="0" algn="l" defTabSz="914400" rtl="0" eaLnBrk="1" fontAlgn="auto" latinLnBrk="0" hangingPunct="1">
+              <a:lnSpc>
+                <a:spcPct val="100000"/>
+              </a:lnSpc>
+              <a:spcBef>
+                <a:spcPts val="0"/>
+              </a:spcBef>
+              <a:spcAft>
+                <a:spcPts val="0"/>
+              </a:spcAft>
+              <a:buClrTx/>
+              <a:buSzTx/>
+              <a:buFontTx/>
+              <a:buNone/>
+              <a:tabLst/>
+              <a:defRPr/>
+            </a:pPr>
+            <a:r>
+              <a:rPr lang="en-US" b="0" dirty="0"/>
+              <a:t>You can then override the fonts on individual elements where needed. It would be really annoying to have to set the base font separately on every element.</a:t>
+            </a:r>
+          </a:p>
+          <a:p>
+            <a:pPr marL="0" marR="0" lvl="0" indent="0" algn="l" defTabSz="914400" rtl="0" eaLnBrk="1" fontAlgn="auto" latinLnBrk="0" hangingPunct="1">
+              <a:lnSpc>
+                <a:spcPct val="100000"/>
+              </a:lnSpc>
+              <a:spcBef>
+                <a:spcPts val="0"/>
+              </a:spcBef>
+              <a:spcAft>
+                <a:spcPts val="0"/>
+              </a:spcAft>
+              <a:buClrTx/>
+              <a:buSzTx/>
+              <a:buFontTx/>
+              <a:buNone/>
+              <a:tabLst/>
+              <a:defRPr/>
+            </a:pPr>
+            <a:endParaRPr lang="en-US" b="0" dirty="0"/>
+          </a:p>
+          <a:p>
+            <a:pPr marL="0" marR="0" lvl="0" indent="0" algn="l" defTabSz="914400" rtl="0" eaLnBrk="1" fontAlgn="auto" latinLnBrk="0" hangingPunct="1">
+              <a:lnSpc>
+                <a:spcPct val="100000"/>
+              </a:lnSpc>
+              <a:spcBef>
+                <a:spcPts val="0"/>
+              </a:spcBef>
+              <a:spcAft>
+                <a:spcPts val="0"/>
+              </a:spcAft>
+              <a:buClrTx/>
+              <a:buSzTx/>
+              <a:buFontTx/>
+              <a:buNone/>
+              <a:tabLst/>
+              <a:defRPr/>
+            </a:pPr>
+            <a:r>
+              <a:rPr lang="en-US" b="0" dirty="0"/>
+              <a:t>As another example:</a:t>
+            </a:r>
+          </a:p>
+          <a:p>
+            <a:pPr marL="0" marR="0" lvl="0" indent="0" algn="l" defTabSz="914400" rtl="0" eaLnBrk="1" fontAlgn="auto" latinLnBrk="0" hangingPunct="1">
+              <a:lnSpc>
+                <a:spcPct val="100000"/>
+              </a:lnSpc>
+              <a:spcBef>
+                <a:spcPts val="0"/>
+              </a:spcBef>
+              <a:spcAft>
+                <a:spcPts val="0"/>
+              </a:spcAft>
+              <a:buClrTx/>
+              <a:buSzTx/>
+              <a:buFontTx/>
+              <a:buNone/>
+              <a:tabLst/>
+              <a:defRPr/>
+            </a:pPr>
+            <a:r>
+              <a:rPr lang="en-US" b="0" dirty="0"/>
+              <a:t>It makes sense for </a:t>
+            </a:r>
+            <a:r>
+              <a:rPr lang="en-US" b="1" dirty="0"/>
+              <a:t>margin</a:t>
+            </a:r>
+            <a:r>
+              <a:rPr lang="en-US" b="0" dirty="0"/>
+              <a:t>, </a:t>
+            </a:r>
+            <a:r>
+              <a:rPr lang="en-US" b="1" dirty="0"/>
+              <a:t>padding</a:t>
+            </a:r>
+            <a:r>
+              <a:rPr lang="en-US" b="0" dirty="0"/>
+              <a:t>, </a:t>
+            </a:r>
+            <a:r>
+              <a:rPr lang="en-US" b="1" dirty="0"/>
+              <a:t>border</a:t>
+            </a:r>
+            <a:r>
+              <a:rPr lang="en-US" b="0" dirty="0"/>
+              <a:t>, and </a:t>
+            </a:r>
+            <a:r>
+              <a:rPr lang="en-US" b="1" dirty="0"/>
+              <a:t>background-image</a:t>
+            </a:r>
+            <a:r>
+              <a:rPr lang="en-US" b="0" dirty="0"/>
+              <a:t> to </a:t>
+            </a:r>
+            <a:r>
+              <a:rPr lang="en-US" b="1" dirty="0"/>
+              <a:t>NOT</a:t>
+            </a:r>
+            <a:r>
+              <a:rPr lang="en-US" b="0" dirty="0"/>
+              <a:t> be inherited.</a:t>
+            </a:r>
+          </a:p>
+          <a:p>
+            <a:pPr marL="0" marR="0" lvl="0" indent="0" algn="l" defTabSz="914400" rtl="0" eaLnBrk="1" fontAlgn="auto" latinLnBrk="0" hangingPunct="1">
+              <a:lnSpc>
+                <a:spcPct val="100000"/>
+              </a:lnSpc>
+              <a:spcBef>
+                <a:spcPts val="0"/>
+              </a:spcBef>
+              <a:spcAft>
+                <a:spcPts val="0"/>
+              </a:spcAft>
+              <a:buClrTx/>
+              <a:buSzTx/>
+              <a:buFontTx/>
+              <a:buNone/>
+              <a:tabLst/>
+              <a:defRPr/>
+            </a:pPr>
+            <a:r>
+              <a:rPr lang="en-US" b="0" dirty="0"/>
+              <a:t>Imagine the styling/layout mess that would occur if you set these properties on a container element and had them inherited by every single child element, and then had to unset them all on each individual element!</a:t>
+            </a:r>
+          </a:p>
+          <a:p>
+            <a:pPr marL="0" marR="0" lvl="0" indent="0" algn="l" defTabSz="914400" rtl="0" eaLnBrk="1" fontAlgn="auto" latinLnBrk="0" hangingPunct="1">
+              <a:lnSpc>
+                <a:spcPct val="100000"/>
+              </a:lnSpc>
+              <a:spcBef>
+                <a:spcPts val="0"/>
+              </a:spcBef>
+              <a:spcAft>
+                <a:spcPts val="0"/>
+              </a:spcAft>
+              <a:buClrTx/>
+              <a:buSzTx/>
+              <a:buFontTx/>
+              <a:buNone/>
+              <a:tabLst/>
+              <a:defRPr/>
+            </a:pPr>
+            <a:endParaRPr lang="en-US" b="0" dirty="0"/>
+          </a:p>
+          <a:p>
+            <a:pPr marL="0" marR="0" lvl="0" indent="0" algn="l" defTabSz="914400" rtl="0" eaLnBrk="1" fontAlgn="auto" latinLnBrk="0" hangingPunct="1">
+              <a:lnSpc>
+                <a:spcPct val="100000"/>
+              </a:lnSpc>
+              <a:spcBef>
+                <a:spcPts val="0"/>
+              </a:spcBef>
+              <a:spcAft>
+                <a:spcPts val="0"/>
+              </a:spcAft>
+              <a:buClrTx/>
+              <a:buSzTx/>
+              <a:buFontTx/>
+              <a:buNone/>
+              <a:tabLst/>
+              <a:defRPr/>
+            </a:pPr>
+            <a:endParaRPr lang="en-US" b="0" dirty="0"/>
+          </a:p>
+          <a:p>
+            <a:pPr marL="171450" marR="0" lvl="0" indent="-171450" algn="l" defTabSz="914400" rtl="0" eaLnBrk="1" fontAlgn="auto" latinLnBrk="0" hangingPunct="1">
+              <a:lnSpc>
+                <a:spcPct val="100000"/>
+              </a:lnSpc>
+              <a:spcBef>
+                <a:spcPts val="0"/>
+              </a:spcBef>
+              <a:spcAft>
+                <a:spcPts val="0"/>
+              </a:spcAft>
+              <a:buClrTx/>
+              <a:buSzTx/>
+              <a:buFontTx/>
+              <a:buChar char="-"/>
+              <a:tabLst/>
+              <a:defRPr/>
+            </a:pPr>
+            <a:r>
+              <a:rPr lang="en-US" b="0" dirty="0"/>
+              <a:t>https://developer.mozilla.org/en-US/docs/Learn/CSS/Introduction_to_CSS/Cascade_and_inheritance#Inheritance</a:t>
+            </a:r>
+          </a:p>
+        </p:txBody>
+      </p:sp>
+      <p:sp>
+        <p:nvSpPr>
+          <p:cNvPr id="4" name="Slide Number Placeholder 3"/>
+          <p:cNvSpPr>
+            <a:spLocks noGrp="1"/>
+          </p:cNvSpPr>
+          <p:nvPr>
+            <p:ph type="sldNum" sz="quarter" idx="10"/>
+          </p:nvPr>
+        </p:nvSpPr>
+        <p:spPr/>
+        <p:txBody>
+          <a:bodyPr/>
+          <a:lstStyle/>
+          <a:p>
+            <a:fld id="{595D0871-5AD0-4670-BDA8-FBE649F625DD}" type="slidenum">
+              <a:rPr lang="he-IL" smtClean="0"/>
+              <a:t>43</a:t>
+            </a:fld>
+            <a:endParaRPr lang="he-IL"/>
+          </a:p>
+        </p:txBody>
+      </p:sp>
+    </p:spTree>
+    <p:extLst>
+      <p:ext uri="{BB962C8B-B14F-4D97-AF65-F5344CB8AC3E}">
+        <p14:creationId xmlns:p14="http://schemas.microsoft.com/office/powerpoint/2010/main" val="1307684111"/>
+      </p:ext>
+    </p:extLst>
+  </p:cSld>
+  <p:clrMapOvr>
+    <a:masterClrMapping/>
+  </p:clrMapOvr>
+</p:notes>
+</file>
+
+<file path=ppt/notesSlides/notesSlide42.xml><?xml version="1.0" encoding="utf-8"?>
+<p:notes xmlns:a="http://schemas.openxmlformats.org/drawingml/2006/main" xmlns:r="http://schemas.openxmlformats.org/officeDocument/2006/relationships" xmlns:p="http://schemas.openxmlformats.org/presentationml/2006/main">
+  <p:cSld>
+    <p:spTree>
+      <p:nvGrpSpPr>
+        <p:cNvPr id="1" name=""/>
+        <p:cNvGrpSpPr/>
+        <p:nvPr/>
+      </p:nvGrpSpPr>
+      <p:grpSpPr>
+        <a:xfrm>
+          <a:off x="0" y="0"/>
+          <a:ext cx="0" cy="0"/>
+          <a:chOff x="0" y="0"/>
+          <a:chExt cx="0" cy="0"/>
+        </a:xfrm>
+      </p:grpSpPr>
+      <p:sp>
+        <p:nvSpPr>
+          <p:cNvPr id="2" name="Slide Image Placeholder 1"/>
+          <p:cNvSpPr>
+            <a:spLocks noGrp="1" noRot="1" noChangeAspect="1"/>
+          </p:cNvSpPr>
+          <p:nvPr>
+            <p:ph type="sldImg"/>
+          </p:nvPr>
+        </p:nvSpPr>
+        <p:spPr/>
+      </p:sp>
+      <p:sp>
+        <p:nvSpPr>
+          <p:cNvPr id="3" name="Notes Placeholder 2"/>
+          <p:cNvSpPr>
+            <a:spLocks noGrp="1"/>
+          </p:cNvSpPr>
+          <p:nvPr>
+            <p:ph type="body" idx="1"/>
+          </p:nvPr>
+        </p:nvSpPr>
+        <p:spPr/>
+        <p:txBody>
+          <a:bodyPr/>
+          <a:lstStyle/>
+          <a:p>
+            <a:pPr marL="0" marR="0" lvl="0" indent="0" algn="l" defTabSz="914400" rtl="0" eaLnBrk="1" fontAlgn="auto" latinLnBrk="0" hangingPunct="1">
+              <a:lnSpc>
+                <a:spcPct val="100000"/>
+              </a:lnSpc>
+              <a:spcBef>
+                <a:spcPts val="0"/>
+              </a:spcBef>
+              <a:spcAft>
+                <a:spcPts val="0"/>
+              </a:spcAft>
+              <a:buClrTx/>
+              <a:buSzTx/>
+              <a:buFontTx/>
+              <a:buNone/>
+              <a:tabLst/>
+              <a:defRPr/>
+            </a:pPr>
+            <a:endParaRPr lang="en-US" b="0" dirty="0"/>
+          </a:p>
+        </p:txBody>
+      </p:sp>
+      <p:sp>
+        <p:nvSpPr>
+          <p:cNvPr id="4" name="Slide Number Placeholder 3"/>
+          <p:cNvSpPr>
+            <a:spLocks noGrp="1"/>
+          </p:cNvSpPr>
+          <p:nvPr>
+            <p:ph type="sldNum" sz="quarter" idx="10"/>
+          </p:nvPr>
+        </p:nvSpPr>
+        <p:spPr/>
+        <p:txBody>
+          <a:bodyPr/>
+          <a:lstStyle/>
+          <a:p>
+            <a:fld id="{595D0871-5AD0-4670-BDA8-FBE649F625DD}" type="slidenum">
+              <a:rPr lang="he-IL" smtClean="0"/>
+              <a:t>44</a:t>
+            </a:fld>
+            <a:endParaRPr lang="he-IL"/>
+          </a:p>
+        </p:txBody>
+      </p:sp>
+    </p:spTree>
+    <p:extLst>
+      <p:ext uri="{BB962C8B-B14F-4D97-AF65-F5344CB8AC3E}">
+        <p14:creationId xmlns:p14="http://schemas.microsoft.com/office/powerpoint/2010/main" val="555616794"/>
+      </p:ext>
+    </p:extLst>
+  </p:cSld>
+  <p:clrMapOvr>
+    <a:masterClrMapping/>
+  </p:clrMapOvr>
+</p:notes>
+</file>
+
+<file path=ppt/notesSlides/notesSlide43.xml><?xml version="1.0" encoding="utf-8"?>
+<p:notes xmlns:a="http://schemas.openxmlformats.org/drawingml/2006/main" xmlns:r="http://schemas.openxmlformats.org/officeDocument/2006/relationships" xmlns:p="http://schemas.openxmlformats.org/presentationml/2006/main">
+  <p:cSld>
+    <p:spTree>
+      <p:nvGrpSpPr>
+        <p:cNvPr id="1" name=""/>
+        <p:cNvGrpSpPr/>
+        <p:nvPr/>
+      </p:nvGrpSpPr>
+      <p:grpSpPr>
+        <a:xfrm>
+          <a:off x="0" y="0"/>
+          <a:ext cx="0" cy="0"/>
+          <a:chOff x="0" y="0"/>
+          <a:chExt cx="0" cy="0"/>
+        </a:xfrm>
+      </p:grpSpPr>
+      <p:sp>
+        <p:nvSpPr>
+          <p:cNvPr id="2" name="Slide Image Placeholder 1"/>
+          <p:cNvSpPr>
+            <a:spLocks noGrp="1" noRot="1" noChangeAspect="1"/>
+          </p:cNvSpPr>
+          <p:nvPr>
+            <p:ph type="sldImg"/>
+          </p:nvPr>
+        </p:nvSpPr>
+        <p:spPr/>
+      </p:sp>
+      <p:sp>
+        <p:nvSpPr>
+          <p:cNvPr id="3" name="Notes Placeholder 2"/>
+          <p:cNvSpPr>
+            <a:spLocks noGrp="1"/>
+          </p:cNvSpPr>
+          <p:nvPr>
+            <p:ph type="body" idx="1"/>
+          </p:nvPr>
+        </p:nvSpPr>
+        <p:spPr/>
+        <p:txBody>
+          <a:bodyPr/>
+          <a:lstStyle/>
+          <a:p>
+            <a:pPr marL="0" marR="0" lvl="0" indent="0" algn="l" defTabSz="914400" rtl="0" eaLnBrk="1" fontAlgn="auto" latinLnBrk="0" hangingPunct="1">
+              <a:lnSpc>
+                <a:spcPct val="100000"/>
+              </a:lnSpc>
+              <a:spcBef>
+                <a:spcPts val="0"/>
+              </a:spcBef>
+              <a:spcAft>
+                <a:spcPts val="0"/>
+              </a:spcAft>
+              <a:buClrTx/>
+              <a:buSzTx/>
+              <a:buFontTx/>
+              <a:buNone/>
+              <a:tabLst/>
+              <a:defRPr/>
+            </a:pPr>
+            <a:r>
+              <a:rPr lang="en-US" sz="1200" b="0" i="0" kern="1200" dirty="0">
+                <a:solidFill>
+                  <a:schemeClr val="tx1"/>
+                </a:solidFill>
+                <a:effectLst/>
+                <a:latin typeface="+mn-lt"/>
+                <a:ea typeface="+mn-ea"/>
+                <a:cs typeface="+mn-cs"/>
+              </a:rPr>
+              <a:t>Maybe we can skip on it? Or ask if someone want to explain?</a:t>
+            </a:r>
+          </a:p>
+          <a:p>
+            <a:pPr marL="0" marR="0" lvl="0" indent="0" algn="l" defTabSz="914400" rtl="0" eaLnBrk="1" fontAlgn="auto" latinLnBrk="0" hangingPunct="1">
+              <a:lnSpc>
+                <a:spcPct val="100000"/>
+              </a:lnSpc>
+              <a:spcBef>
+                <a:spcPts val="0"/>
+              </a:spcBef>
+              <a:spcAft>
+                <a:spcPts val="0"/>
+              </a:spcAft>
+              <a:buClrTx/>
+              <a:buSzTx/>
+              <a:buFontTx/>
+              <a:buNone/>
+              <a:tabLst/>
+              <a:defRPr/>
+            </a:pPr>
+            <a:endParaRPr lang="en-US" sz="1200" b="0" i="0" kern="1200" dirty="0">
+              <a:solidFill>
+                <a:schemeClr val="tx1"/>
+              </a:solidFill>
+              <a:effectLst/>
+              <a:latin typeface="+mn-lt"/>
+              <a:ea typeface="+mn-ea"/>
+              <a:cs typeface="+mn-cs"/>
+            </a:endParaRPr>
+          </a:p>
+          <a:p>
+            <a:pPr marL="0" marR="0" lvl="0" indent="0" algn="l" defTabSz="914400" rtl="0" eaLnBrk="1" fontAlgn="auto" latinLnBrk="0" hangingPunct="1">
+              <a:lnSpc>
+                <a:spcPct val="100000"/>
+              </a:lnSpc>
+              <a:spcBef>
+                <a:spcPts val="0"/>
+              </a:spcBef>
+              <a:spcAft>
+                <a:spcPts val="0"/>
+              </a:spcAft>
+              <a:buClrTx/>
+              <a:buSzTx/>
+              <a:buFontTx/>
+              <a:buNone/>
+              <a:tabLst/>
+              <a:defRPr/>
+            </a:pPr>
+            <a:r>
+              <a:rPr lang="en-US" sz="1200" b="0" i="0" kern="1200" dirty="0">
+                <a:solidFill>
+                  <a:schemeClr val="tx1"/>
+                </a:solidFill>
+                <a:effectLst/>
+                <a:latin typeface="+mn-lt"/>
+                <a:ea typeface="+mn-ea"/>
+                <a:cs typeface="+mn-cs"/>
+              </a:rPr>
+              <a:t>What is OOP?</a:t>
+            </a:r>
+          </a:p>
+          <a:p>
+            <a:pPr marL="0" marR="0" lvl="0" indent="0" algn="l" defTabSz="914400" rtl="0" eaLnBrk="1" fontAlgn="auto" latinLnBrk="0" hangingPunct="1">
+              <a:lnSpc>
+                <a:spcPct val="100000"/>
+              </a:lnSpc>
+              <a:spcBef>
+                <a:spcPts val="0"/>
+              </a:spcBef>
+              <a:spcAft>
+                <a:spcPts val="0"/>
+              </a:spcAft>
+              <a:buClrTx/>
+              <a:buSzTx/>
+              <a:buFontTx/>
+              <a:buNone/>
+              <a:tabLst/>
+              <a:defRPr/>
+            </a:pPr>
+            <a:endParaRPr lang="en-US" sz="1200" b="0" i="0" kern="1200" dirty="0">
+              <a:solidFill>
+                <a:schemeClr val="tx1"/>
+              </a:solidFill>
+              <a:effectLst/>
+              <a:latin typeface="+mn-lt"/>
+              <a:ea typeface="+mn-ea"/>
+              <a:cs typeface="+mn-cs"/>
+            </a:endParaRPr>
+          </a:p>
+          <a:p>
+            <a:pPr marL="0" marR="0" lvl="0" indent="0" algn="l" defTabSz="914400" rtl="0" eaLnBrk="1" fontAlgn="auto" latinLnBrk="0" hangingPunct="1">
+              <a:lnSpc>
+                <a:spcPct val="100000"/>
+              </a:lnSpc>
+              <a:spcBef>
+                <a:spcPts val="0"/>
+              </a:spcBef>
+              <a:spcAft>
+                <a:spcPts val="0"/>
+              </a:spcAft>
+              <a:buClrTx/>
+              <a:buSzTx/>
+              <a:buFontTx/>
+              <a:buNone/>
+              <a:tabLst/>
+              <a:defRPr/>
+            </a:pPr>
+            <a:r>
+              <a:rPr lang="en-US" sz="1200" b="0" i="0" kern="1200" dirty="0">
+                <a:solidFill>
+                  <a:schemeClr val="tx1"/>
+                </a:solidFill>
+                <a:effectLst/>
+                <a:latin typeface="+mn-lt"/>
+                <a:ea typeface="+mn-ea"/>
+                <a:cs typeface="+mn-cs"/>
+              </a:rPr>
+              <a:t>Object Oriented Programming (OOP) refers to using self-contained pieces of code to develop applications.</a:t>
+            </a:r>
+          </a:p>
+          <a:p>
+            <a:pPr marL="0" marR="0" lvl="0" indent="0" algn="l" defTabSz="914400" rtl="0" eaLnBrk="1" fontAlgn="auto" latinLnBrk="0" hangingPunct="1">
+              <a:lnSpc>
+                <a:spcPct val="100000"/>
+              </a:lnSpc>
+              <a:spcBef>
+                <a:spcPts val="0"/>
+              </a:spcBef>
+              <a:spcAft>
+                <a:spcPts val="0"/>
+              </a:spcAft>
+              <a:buClrTx/>
+              <a:buSzTx/>
+              <a:buFontTx/>
+              <a:buNone/>
+              <a:tabLst/>
+              <a:defRPr/>
+            </a:pPr>
+            <a:r>
+              <a:rPr lang="en-US" sz="1200" b="0" i="0" kern="1200" dirty="0">
+                <a:solidFill>
+                  <a:schemeClr val="tx1"/>
+                </a:solidFill>
+                <a:effectLst/>
+                <a:latin typeface="+mn-lt"/>
+                <a:ea typeface="+mn-ea"/>
+                <a:cs typeface="+mn-cs"/>
+              </a:rPr>
+              <a:t>We call these self-contained pieces of code </a:t>
+            </a:r>
+            <a:r>
+              <a:rPr lang="en-US" sz="1200" b="1" i="0" kern="1200" dirty="0">
+                <a:solidFill>
+                  <a:schemeClr val="tx1"/>
+                </a:solidFill>
+                <a:effectLst/>
+                <a:latin typeface="+mn-lt"/>
+                <a:ea typeface="+mn-ea"/>
+                <a:cs typeface="+mn-cs"/>
+              </a:rPr>
+              <a:t>objects</a:t>
+            </a:r>
+            <a:r>
+              <a:rPr lang="en-US" sz="1200" b="0" i="0" kern="1200" dirty="0">
+                <a:solidFill>
+                  <a:schemeClr val="tx1"/>
+                </a:solidFill>
+                <a:effectLst/>
+                <a:latin typeface="+mn-lt"/>
+                <a:ea typeface="+mn-ea"/>
+                <a:cs typeface="+mn-cs"/>
+              </a:rPr>
+              <a:t>, better known as </a:t>
+            </a:r>
+            <a:r>
+              <a:rPr lang="en-US" sz="1200" b="0" i="1" kern="1200" dirty="0">
+                <a:solidFill>
+                  <a:schemeClr val="tx1"/>
+                </a:solidFill>
+                <a:effectLst/>
+                <a:latin typeface="+mn-lt"/>
+                <a:ea typeface="+mn-ea"/>
+                <a:cs typeface="+mn-cs"/>
+              </a:rPr>
+              <a:t>Classes</a:t>
+            </a:r>
+            <a:r>
+              <a:rPr lang="en-US" sz="1200" b="0" i="0" kern="1200" dirty="0">
+                <a:solidFill>
+                  <a:schemeClr val="tx1"/>
+                </a:solidFill>
+                <a:effectLst/>
+                <a:latin typeface="+mn-lt"/>
+                <a:ea typeface="+mn-ea"/>
+                <a:cs typeface="+mn-cs"/>
+              </a:rPr>
+              <a:t> in most OOP programming languages.</a:t>
+            </a:r>
+          </a:p>
+          <a:p>
+            <a:pPr marL="0" marR="0" lvl="0" indent="0" algn="l" defTabSz="914400" rtl="0" eaLnBrk="1" fontAlgn="auto" latinLnBrk="0" hangingPunct="1">
+              <a:lnSpc>
+                <a:spcPct val="100000"/>
+              </a:lnSpc>
+              <a:spcBef>
+                <a:spcPts val="0"/>
+              </a:spcBef>
+              <a:spcAft>
+                <a:spcPts val="0"/>
+              </a:spcAft>
+              <a:buClrTx/>
+              <a:buSzTx/>
+              <a:buFontTx/>
+              <a:buNone/>
+              <a:tabLst/>
+              <a:defRPr/>
+            </a:pPr>
+            <a:r>
+              <a:rPr lang="en-US" sz="1200" b="0" i="0" kern="1200" dirty="0">
+                <a:solidFill>
+                  <a:schemeClr val="tx1"/>
+                </a:solidFill>
+                <a:effectLst/>
+                <a:latin typeface="+mn-lt"/>
+                <a:ea typeface="+mn-ea"/>
+                <a:cs typeface="+mn-cs"/>
+              </a:rPr>
+              <a:t>We use objects as building blocks for our applications.</a:t>
+            </a:r>
+          </a:p>
+          <a:p>
+            <a:pPr marL="0" marR="0" lvl="0" indent="0" algn="l" defTabSz="914400" rtl="0" eaLnBrk="1" fontAlgn="auto" latinLnBrk="0" hangingPunct="1">
+              <a:lnSpc>
+                <a:spcPct val="100000"/>
+              </a:lnSpc>
+              <a:spcBef>
+                <a:spcPts val="0"/>
+              </a:spcBef>
+              <a:spcAft>
+                <a:spcPts val="0"/>
+              </a:spcAft>
+              <a:buClrTx/>
+              <a:buSzTx/>
+              <a:buFontTx/>
+              <a:buNone/>
+              <a:tabLst/>
+              <a:defRPr/>
+            </a:pPr>
+            <a:r>
+              <a:rPr lang="en-US" sz="1200" b="0" i="0" kern="1200" dirty="0">
+                <a:solidFill>
+                  <a:schemeClr val="tx1"/>
+                </a:solidFill>
+                <a:effectLst/>
+                <a:latin typeface="+mn-lt"/>
+                <a:ea typeface="+mn-ea"/>
+                <a:cs typeface="+mn-cs"/>
+              </a:rPr>
+              <a:t>Building applications with objects allows us to adopt some valuable techniques, namely, </a:t>
+            </a:r>
+            <a:r>
+              <a:rPr lang="en-US" sz="1200" b="1" i="0" kern="1200" dirty="0">
+                <a:solidFill>
+                  <a:schemeClr val="tx1"/>
+                </a:solidFill>
+                <a:effectLst/>
+                <a:latin typeface="+mn-lt"/>
+                <a:ea typeface="+mn-ea"/>
+                <a:cs typeface="+mn-cs"/>
+              </a:rPr>
+              <a:t>Inheritance</a:t>
+            </a:r>
+            <a:r>
+              <a:rPr lang="en-US" sz="1200" b="0" i="0" kern="1200" dirty="0">
+                <a:solidFill>
+                  <a:schemeClr val="tx1"/>
+                </a:solidFill>
+                <a:effectLst/>
+                <a:latin typeface="+mn-lt"/>
+                <a:ea typeface="+mn-ea"/>
+                <a:cs typeface="+mn-cs"/>
+              </a:rPr>
+              <a:t> (objects can inherit features from other objects), </a:t>
+            </a:r>
+            <a:r>
+              <a:rPr lang="en-US" sz="1200" b="1" i="0" kern="1200" dirty="0">
+                <a:solidFill>
+                  <a:schemeClr val="tx1"/>
+                </a:solidFill>
+                <a:effectLst/>
+                <a:latin typeface="+mn-lt"/>
+                <a:ea typeface="+mn-ea"/>
+                <a:cs typeface="+mn-cs"/>
+              </a:rPr>
+              <a:t>Polymorphism</a:t>
+            </a:r>
+            <a:r>
+              <a:rPr lang="en-US" sz="1200" b="0" i="0" kern="1200" dirty="0">
+                <a:solidFill>
+                  <a:schemeClr val="tx1"/>
+                </a:solidFill>
+                <a:effectLst/>
+                <a:latin typeface="+mn-lt"/>
+                <a:ea typeface="+mn-ea"/>
+                <a:cs typeface="+mn-cs"/>
+              </a:rPr>
+              <a:t> (objects can share the same interface—how they are accessed and used—while their underlying implementation of the interface may differ), and </a:t>
+            </a:r>
+            <a:r>
+              <a:rPr lang="en-US" sz="1200" b="1" i="0" kern="1200" dirty="0">
+                <a:solidFill>
+                  <a:schemeClr val="tx1"/>
+                </a:solidFill>
+                <a:effectLst/>
+                <a:latin typeface="+mn-lt"/>
+                <a:ea typeface="+mn-ea"/>
+                <a:cs typeface="+mn-cs"/>
+              </a:rPr>
+              <a:t>Encapsulation</a:t>
+            </a:r>
+            <a:r>
+              <a:rPr lang="en-US" sz="1200" b="0" i="0" kern="1200" dirty="0">
+                <a:solidFill>
+                  <a:schemeClr val="tx1"/>
+                </a:solidFill>
+                <a:effectLst/>
+                <a:latin typeface="+mn-lt"/>
+                <a:ea typeface="+mn-ea"/>
+                <a:cs typeface="+mn-cs"/>
+              </a:rPr>
+              <a:t> (each object is responsible for specific tasks).</a:t>
+            </a:r>
+          </a:p>
+          <a:p>
+            <a:pPr marL="0" marR="0" lvl="0" indent="0" algn="l" defTabSz="914400" rtl="0" eaLnBrk="1" fontAlgn="auto" latinLnBrk="0" hangingPunct="1">
+              <a:lnSpc>
+                <a:spcPct val="100000"/>
+              </a:lnSpc>
+              <a:spcBef>
+                <a:spcPts val="0"/>
+              </a:spcBef>
+              <a:spcAft>
+                <a:spcPts val="0"/>
+              </a:spcAft>
+              <a:buClrTx/>
+              <a:buSzTx/>
+              <a:buFontTx/>
+              <a:buNone/>
+              <a:tabLst/>
+              <a:defRPr/>
+            </a:pPr>
+            <a:endParaRPr lang="en-US" sz="1200" b="0" i="0" kern="1200" dirty="0">
+              <a:solidFill>
+                <a:schemeClr val="tx1"/>
+              </a:solidFill>
+              <a:effectLst/>
+              <a:latin typeface="+mn-lt"/>
+              <a:ea typeface="+mn-ea"/>
+              <a:cs typeface="+mn-cs"/>
+            </a:endParaRPr>
+          </a:p>
+          <a:p>
+            <a:pPr marL="171450" marR="0" lvl="0" indent="-171450" algn="l" defTabSz="914400" rtl="0" eaLnBrk="1" fontAlgn="auto" latinLnBrk="0" hangingPunct="1">
+              <a:lnSpc>
+                <a:spcPct val="100000"/>
+              </a:lnSpc>
+              <a:spcBef>
+                <a:spcPts val="0"/>
+              </a:spcBef>
+              <a:spcAft>
+                <a:spcPts val="0"/>
+              </a:spcAft>
+              <a:buClrTx/>
+              <a:buSzTx/>
+              <a:buFontTx/>
+              <a:buChar char="-"/>
+              <a:tabLst/>
+              <a:defRPr/>
+            </a:pPr>
+            <a:r>
+              <a:rPr lang="en-US" sz="1200" b="0" i="0" kern="1200" dirty="0">
+                <a:solidFill>
+                  <a:schemeClr val="tx1"/>
+                </a:solidFill>
+                <a:effectLst/>
+                <a:latin typeface="+mn-lt"/>
+                <a:ea typeface="+mn-ea"/>
+                <a:cs typeface="+mn-cs"/>
+              </a:rPr>
+              <a:t>https://javascriptissexy.com/oop-in-javascript-what-you-need-to-know/</a:t>
+            </a:r>
+          </a:p>
+          <a:p>
+            <a:pPr marL="171450" marR="0" lvl="0" indent="-171450" algn="l" defTabSz="914400" rtl="0" eaLnBrk="1" fontAlgn="auto" latinLnBrk="0" hangingPunct="1">
+              <a:lnSpc>
+                <a:spcPct val="100000"/>
+              </a:lnSpc>
+              <a:spcBef>
+                <a:spcPts val="0"/>
+              </a:spcBef>
+              <a:spcAft>
+                <a:spcPts val="0"/>
+              </a:spcAft>
+              <a:buClrTx/>
+              <a:buSzTx/>
+              <a:buFontTx/>
+              <a:buChar char="-"/>
+              <a:tabLst/>
+              <a:defRPr/>
+            </a:pPr>
+            <a:r>
+              <a:rPr lang="en-US" b="0" dirty="0"/>
+              <a:t>https://www.techopedia.com/definition/3233/object-oriented</a:t>
+            </a:r>
+          </a:p>
+          <a:p>
+            <a:pPr marL="0" marR="0" lvl="0" indent="0" algn="l" defTabSz="914400" rtl="0" eaLnBrk="1" fontAlgn="auto" latinLnBrk="0" hangingPunct="1">
+              <a:lnSpc>
+                <a:spcPct val="100000"/>
+              </a:lnSpc>
+              <a:spcBef>
+                <a:spcPts val="0"/>
+              </a:spcBef>
+              <a:spcAft>
+                <a:spcPts val="0"/>
+              </a:spcAft>
+              <a:buClrTx/>
+              <a:buSzTx/>
+              <a:buFontTx/>
+              <a:buNone/>
+              <a:tabLst/>
+              <a:defRPr/>
+            </a:pPr>
+            <a:endParaRPr lang="en-US" b="0" dirty="0"/>
+          </a:p>
+          <a:p>
+            <a:pPr marL="0" marR="0" lvl="0" indent="0" algn="l" defTabSz="914400" rtl="0" eaLnBrk="1" fontAlgn="auto" latinLnBrk="0" hangingPunct="1">
+              <a:lnSpc>
+                <a:spcPct val="100000"/>
+              </a:lnSpc>
+              <a:spcBef>
+                <a:spcPts val="0"/>
+              </a:spcBef>
+              <a:spcAft>
+                <a:spcPts val="0"/>
+              </a:spcAft>
+              <a:buClrTx/>
+              <a:buSzTx/>
+              <a:buFontTx/>
+              <a:buNone/>
+              <a:tabLst/>
+              <a:defRPr/>
+            </a:pPr>
+            <a:endParaRPr lang="en-US" b="0" dirty="0"/>
+          </a:p>
+        </p:txBody>
+      </p:sp>
+      <p:sp>
+        <p:nvSpPr>
+          <p:cNvPr id="4" name="Slide Number Placeholder 3"/>
+          <p:cNvSpPr>
+            <a:spLocks noGrp="1"/>
+          </p:cNvSpPr>
+          <p:nvPr>
+            <p:ph type="sldNum" sz="quarter" idx="10"/>
+          </p:nvPr>
+        </p:nvSpPr>
+        <p:spPr/>
+        <p:txBody>
+          <a:bodyPr/>
+          <a:lstStyle/>
+          <a:p>
+            <a:fld id="{595D0871-5AD0-4670-BDA8-FBE649F625DD}" type="slidenum">
+              <a:rPr lang="he-IL" smtClean="0"/>
+              <a:t>45</a:t>
+            </a:fld>
+            <a:endParaRPr lang="he-IL"/>
+          </a:p>
+        </p:txBody>
+      </p:sp>
+    </p:spTree>
+    <p:extLst>
+      <p:ext uri="{BB962C8B-B14F-4D97-AF65-F5344CB8AC3E}">
+        <p14:creationId xmlns:p14="http://schemas.microsoft.com/office/powerpoint/2010/main" val="1187732096"/>
+      </p:ext>
+    </p:extLst>
+  </p:cSld>
+  <p:clrMapOvr>
+    <a:masterClrMapping/>
+  </p:clrMapOvr>
+</p:notes>
+</file>
+
+<file path=ppt/notesSlides/notesSlide44.xml><?xml version="1.0" encoding="utf-8"?>
+<p:notes xmlns:a="http://schemas.openxmlformats.org/drawingml/2006/main" xmlns:r="http://schemas.openxmlformats.org/officeDocument/2006/relationships" xmlns:p="http://schemas.openxmlformats.org/presentationml/2006/main">
+  <p:cSld>
+    <p:spTree>
+      <p:nvGrpSpPr>
+        <p:cNvPr id="1" name=""/>
+        <p:cNvGrpSpPr/>
+        <p:nvPr/>
+      </p:nvGrpSpPr>
+      <p:grpSpPr>
+        <a:xfrm>
+          <a:off x="0" y="0"/>
+          <a:ext cx="0" cy="0"/>
+          <a:chOff x="0" y="0"/>
+          <a:chExt cx="0" cy="0"/>
+        </a:xfrm>
+      </p:grpSpPr>
+      <p:sp>
+        <p:nvSpPr>
+          <p:cNvPr id="2" name="Slide Image Placeholder 1"/>
+          <p:cNvSpPr>
+            <a:spLocks noGrp="1" noRot="1" noChangeAspect="1"/>
+          </p:cNvSpPr>
+          <p:nvPr>
+            <p:ph type="sldImg"/>
+          </p:nvPr>
+        </p:nvSpPr>
+        <p:spPr/>
+      </p:sp>
+      <p:sp>
+        <p:nvSpPr>
+          <p:cNvPr id="3" name="Notes Placeholder 2"/>
+          <p:cNvSpPr>
+            <a:spLocks noGrp="1"/>
+          </p:cNvSpPr>
+          <p:nvPr>
+            <p:ph type="body" idx="1"/>
+          </p:nvPr>
+        </p:nvSpPr>
+        <p:spPr/>
+        <p:txBody>
+          <a:bodyPr/>
+          <a:lstStyle/>
+          <a:p>
+            <a:pPr marL="0" marR="0" lvl="0" indent="0" algn="l" defTabSz="914400" rtl="0" eaLnBrk="1" fontAlgn="auto" latinLnBrk="0" hangingPunct="1">
+              <a:lnSpc>
+                <a:spcPct val="100000"/>
+              </a:lnSpc>
+              <a:spcBef>
+                <a:spcPts val="0"/>
+              </a:spcBef>
+              <a:spcAft>
+                <a:spcPts val="0"/>
+              </a:spcAft>
+              <a:buClrTx/>
+              <a:buSzTx/>
+              <a:buFontTx/>
+              <a:buNone/>
+              <a:tabLst/>
+              <a:defRPr/>
+            </a:pPr>
+            <a:r>
+              <a:rPr lang="en-US" sz="1200" b="0" i="0" kern="1200" dirty="0">
+                <a:solidFill>
+                  <a:schemeClr val="tx1"/>
+                </a:solidFill>
+                <a:effectLst/>
+                <a:latin typeface="+mn-lt"/>
+                <a:ea typeface="+mn-ea"/>
+                <a:cs typeface="+mn-cs"/>
+              </a:rPr>
+              <a:t>Maybe we can skip on it? Or ask if someone want to explain?</a:t>
+            </a:r>
+          </a:p>
+          <a:p>
+            <a:pPr marL="0" marR="0" lvl="0" indent="0" algn="l" defTabSz="914400" rtl="0" eaLnBrk="1" fontAlgn="auto" latinLnBrk="0" hangingPunct="1">
+              <a:lnSpc>
+                <a:spcPct val="100000"/>
+              </a:lnSpc>
+              <a:spcBef>
+                <a:spcPts val="0"/>
+              </a:spcBef>
+              <a:spcAft>
+                <a:spcPts val="0"/>
+              </a:spcAft>
+              <a:buClrTx/>
+              <a:buSzTx/>
+              <a:buFontTx/>
+              <a:buNone/>
+              <a:tabLst/>
+              <a:defRPr/>
+            </a:pPr>
+            <a:endParaRPr lang="en-US" sz="1200" b="0" i="0" kern="1200" dirty="0">
+              <a:solidFill>
+                <a:schemeClr val="tx1"/>
+              </a:solidFill>
+              <a:effectLst/>
+              <a:latin typeface="+mn-lt"/>
+              <a:ea typeface="+mn-ea"/>
+              <a:cs typeface="+mn-cs"/>
+            </a:endParaRPr>
+          </a:p>
+          <a:p>
+            <a:pPr marL="0" marR="0" lvl="0" indent="0" algn="l" defTabSz="914400" rtl="0" eaLnBrk="1" fontAlgn="auto" latinLnBrk="0" hangingPunct="1">
+              <a:lnSpc>
+                <a:spcPct val="100000"/>
+              </a:lnSpc>
+              <a:spcBef>
+                <a:spcPts val="0"/>
+              </a:spcBef>
+              <a:spcAft>
+                <a:spcPts val="0"/>
+              </a:spcAft>
+              <a:buClrTx/>
+              <a:buSzTx/>
+              <a:buFontTx/>
+              <a:buNone/>
+              <a:tabLst/>
+              <a:defRPr/>
+            </a:pPr>
+            <a:r>
+              <a:rPr lang="en-US" sz="1200" b="0" i="0" kern="1200" dirty="0">
+                <a:solidFill>
+                  <a:schemeClr val="tx1"/>
+                </a:solidFill>
+                <a:effectLst/>
+                <a:latin typeface="+mn-lt"/>
+                <a:ea typeface="+mn-ea"/>
+                <a:cs typeface="+mn-cs"/>
+              </a:rPr>
+              <a:t>What is OOP?</a:t>
+            </a:r>
+          </a:p>
+          <a:p>
+            <a:pPr marL="0" marR="0" lvl="0" indent="0" algn="l" defTabSz="914400" rtl="0" eaLnBrk="1" fontAlgn="auto" latinLnBrk="0" hangingPunct="1">
+              <a:lnSpc>
+                <a:spcPct val="100000"/>
+              </a:lnSpc>
+              <a:spcBef>
+                <a:spcPts val="0"/>
+              </a:spcBef>
+              <a:spcAft>
+                <a:spcPts val="0"/>
+              </a:spcAft>
+              <a:buClrTx/>
+              <a:buSzTx/>
+              <a:buFontTx/>
+              <a:buNone/>
+              <a:tabLst/>
+              <a:defRPr/>
+            </a:pPr>
+            <a:endParaRPr lang="en-US" sz="1200" b="0" i="0" kern="1200" dirty="0">
+              <a:solidFill>
+                <a:schemeClr val="tx1"/>
+              </a:solidFill>
+              <a:effectLst/>
+              <a:latin typeface="+mn-lt"/>
+              <a:ea typeface="+mn-ea"/>
+              <a:cs typeface="+mn-cs"/>
+            </a:endParaRPr>
+          </a:p>
+          <a:p>
+            <a:pPr marL="0" marR="0" lvl="0" indent="0" algn="l" defTabSz="914400" rtl="0" eaLnBrk="1" fontAlgn="auto" latinLnBrk="0" hangingPunct="1">
+              <a:lnSpc>
+                <a:spcPct val="100000"/>
+              </a:lnSpc>
+              <a:spcBef>
+                <a:spcPts val="0"/>
+              </a:spcBef>
+              <a:spcAft>
+                <a:spcPts val="0"/>
+              </a:spcAft>
+              <a:buClrTx/>
+              <a:buSzTx/>
+              <a:buFontTx/>
+              <a:buNone/>
+              <a:tabLst/>
+              <a:defRPr/>
+            </a:pPr>
+            <a:r>
+              <a:rPr lang="en-US" sz="1200" b="0" i="0" kern="1200" dirty="0">
+                <a:solidFill>
+                  <a:schemeClr val="tx1"/>
+                </a:solidFill>
+                <a:effectLst/>
+                <a:latin typeface="+mn-lt"/>
+                <a:ea typeface="+mn-ea"/>
+                <a:cs typeface="+mn-cs"/>
+              </a:rPr>
+              <a:t>Object Oriented Programming (OOP) refers to using self-contained pieces of code to develop applications.</a:t>
+            </a:r>
+          </a:p>
+          <a:p>
+            <a:pPr marL="0" marR="0" lvl="0" indent="0" algn="l" defTabSz="914400" rtl="0" eaLnBrk="1" fontAlgn="auto" latinLnBrk="0" hangingPunct="1">
+              <a:lnSpc>
+                <a:spcPct val="100000"/>
+              </a:lnSpc>
+              <a:spcBef>
+                <a:spcPts val="0"/>
+              </a:spcBef>
+              <a:spcAft>
+                <a:spcPts val="0"/>
+              </a:spcAft>
+              <a:buClrTx/>
+              <a:buSzTx/>
+              <a:buFontTx/>
+              <a:buNone/>
+              <a:tabLst/>
+              <a:defRPr/>
+            </a:pPr>
+            <a:r>
+              <a:rPr lang="en-US" sz="1200" b="0" i="0" kern="1200" dirty="0">
+                <a:solidFill>
+                  <a:schemeClr val="tx1"/>
+                </a:solidFill>
+                <a:effectLst/>
+                <a:latin typeface="+mn-lt"/>
+                <a:ea typeface="+mn-ea"/>
+                <a:cs typeface="+mn-cs"/>
+              </a:rPr>
+              <a:t>We call these self-contained pieces of code </a:t>
+            </a:r>
+            <a:r>
+              <a:rPr lang="en-US" sz="1200" b="1" i="0" kern="1200" dirty="0">
+                <a:solidFill>
+                  <a:schemeClr val="tx1"/>
+                </a:solidFill>
+                <a:effectLst/>
+                <a:latin typeface="+mn-lt"/>
+                <a:ea typeface="+mn-ea"/>
+                <a:cs typeface="+mn-cs"/>
+              </a:rPr>
+              <a:t>objects</a:t>
+            </a:r>
+            <a:r>
+              <a:rPr lang="en-US" sz="1200" b="0" i="0" kern="1200" dirty="0">
+                <a:solidFill>
+                  <a:schemeClr val="tx1"/>
+                </a:solidFill>
+                <a:effectLst/>
+                <a:latin typeface="+mn-lt"/>
+                <a:ea typeface="+mn-ea"/>
+                <a:cs typeface="+mn-cs"/>
+              </a:rPr>
+              <a:t>, better known as </a:t>
+            </a:r>
+            <a:r>
+              <a:rPr lang="en-US" sz="1200" b="0" i="1" kern="1200" dirty="0">
+                <a:solidFill>
+                  <a:schemeClr val="tx1"/>
+                </a:solidFill>
+                <a:effectLst/>
+                <a:latin typeface="+mn-lt"/>
+                <a:ea typeface="+mn-ea"/>
+                <a:cs typeface="+mn-cs"/>
+              </a:rPr>
+              <a:t>Classes</a:t>
+            </a:r>
+            <a:r>
+              <a:rPr lang="en-US" sz="1200" b="0" i="0" kern="1200" dirty="0">
+                <a:solidFill>
+                  <a:schemeClr val="tx1"/>
+                </a:solidFill>
+                <a:effectLst/>
+                <a:latin typeface="+mn-lt"/>
+                <a:ea typeface="+mn-ea"/>
+                <a:cs typeface="+mn-cs"/>
+              </a:rPr>
+              <a:t> in most OOP programming languages.</a:t>
+            </a:r>
+          </a:p>
+          <a:p>
+            <a:pPr marL="0" marR="0" lvl="0" indent="0" algn="l" defTabSz="914400" rtl="0" eaLnBrk="1" fontAlgn="auto" latinLnBrk="0" hangingPunct="1">
+              <a:lnSpc>
+                <a:spcPct val="100000"/>
+              </a:lnSpc>
+              <a:spcBef>
+                <a:spcPts val="0"/>
+              </a:spcBef>
+              <a:spcAft>
+                <a:spcPts val="0"/>
+              </a:spcAft>
+              <a:buClrTx/>
+              <a:buSzTx/>
+              <a:buFontTx/>
+              <a:buNone/>
+              <a:tabLst/>
+              <a:defRPr/>
+            </a:pPr>
+            <a:r>
+              <a:rPr lang="en-US" sz="1200" b="0" i="0" kern="1200" dirty="0">
+                <a:solidFill>
+                  <a:schemeClr val="tx1"/>
+                </a:solidFill>
+                <a:effectLst/>
+                <a:latin typeface="+mn-lt"/>
+                <a:ea typeface="+mn-ea"/>
+                <a:cs typeface="+mn-cs"/>
+              </a:rPr>
+              <a:t>We use objects as building blocks for our applications.</a:t>
+            </a:r>
+          </a:p>
+          <a:p>
+            <a:pPr marL="0" marR="0" lvl="0" indent="0" algn="l" defTabSz="914400" rtl="0" eaLnBrk="1" fontAlgn="auto" latinLnBrk="0" hangingPunct="1">
+              <a:lnSpc>
+                <a:spcPct val="100000"/>
+              </a:lnSpc>
+              <a:spcBef>
+                <a:spcPts val="0"/>
+              </a:spcBef>
+              <a:spcAft>
+                <a:spcPts val="0"/>
+              </a:spcAft>
+              <a:buClrTx/>
+              <a:buSzTx/>
+              <a:buFontTx/>
+              <a:buNone/>
+              <a:tabLst/>
+              <a:defRPr/>
+            </a:pPr>
+            <a:r>
+              <a:rPr lang="en-US" sz="1200" b="0" i="0" kern="1200" dirty="0">
+                <a:solidFill>
+                  <a:schemeClr val="tx1"/>
+                </a:solidFill>
+                <a:effectLst/>
+                <a:latin typeface="+mn-lt"/>
+                <a:ea typeface="+mn-ea"/>
+                <a:cs typeface="+mn-cs"/>
+              </a:rPr>
+              <a:t>Building applications with objects allows us to adopt some valuable techniques, namely, </a:t>
+            </a:r>
+            <a:r>
+              <a:rPr lang="en-US" sz="1200" b="1" i="0" kern="1200" dirty="0">
+                <a:solidFill>
+                  <a:schemeClr val="tx1"/>
+                </a:solidFill>
+                <a:effectLst/>
+                <a:latin typeface="+mn-lt"/>
+                <a:ea typeface="+mn-ea"/>
+                <a:cs typeface="+mn-cs"/>
+              </a:rPr>
+              <a:t>Inheritance</a:t>
+            </a:r>
+            <a:r>
+              <a:rPr lang="en-US" sz="1200" b="0" i="0" kern="1200" dirty="0">
+                <a:solidFill>
+                  <a:schemeClr val="tx1"/>
+                </a:solidFill>
+                <a:effectLst/>
+                <a:latin typeface="+mn-lt"/>
+                <a:ea typeface="+mn-ea"/>
+                <a:cs typeface="+mn-cs"/>
+              </a:rPr>
+              <a:t> (objects can inherit features from other objects), </a:t>
+            </a:r>
+            <a:r>
+              <a:rPr lang="en-US" sz="1200" b="1" i="0" kern="1200" dirty="0">
+                <a:solidFill>
+                  <a:schemeClr val="tx1"/>
+                </a:solidFill>
+                <a:effectLst/>
+                <a:latin typeface="+mn-lt"/>
+                <a:ea typeface="+mn-ea"/>
+                <a:cs typeface="+mn-cs"/>
+              </a:rPr>
+              <a:t>Polymorphism</a:t>
+            </a:r>
+            <a:r>
+              <a:rPr lang="en-US" sz="1200" b="0" i="0" kern="1200" dirty="0">
+                <a:solidFill>
+                  <a:schemeClr val="tx1"/>
+                </a:solidFill>
+                <a:effectLst/>
+                <a:latin typeface="+mn-lt"/>
+                <a:ea typeface="+mn-ea"/>
+                <a:cs typeface="+mn-cs"/>
+              </a:rPr>
+              <a:t> (objects can share the same interface—how they are accessed and used—while their underlying implementation of the interface may differ), and </a:t>
+            </a:r>
+            <a:r>
+              <a:rPr lang="en-US" sz="1200" b="1" i="0" kern="1200" dirty="0">
+                <a:solidFill>
+                  <a:schemeClr val="tx1"/>
+                </a:solidFill>
+                <a:effectLst/>
+                <a:latin typeface="+mn-lt"/>
+                <a:ea typeface="+mn-ea"/>
+                <a:cs typeface="+mn-cs"/>
+              </a:rPr>
+              <a:t>Encapsulation</a:t>
+            </a:r>
+            <a:r>
+              <a:rPr lang="en-US" sz="1200" b="0" i="0" kern="1200" dirty="0">
+                <a:solidFill>
+                  <a:schemeClr val="tx1"/>
+                </a:solidFill>
+                <a:effectLst/>
+                <a:latin typeface="+mn-lt"/>
+                <a:ea typeface="+mn-ea"/>
+                <a:cs typeface="+mn-cs"/>
+              </a:rPr>
+              <a:t> (each object is responsible for specific tasks).</a:t>
+            </a:r>
+          </a:p>
+          <a:p>
+            <a:pPr marL="0" marR="0" lvl="0" indent="0" algn="l" defTabSz="914400" rtl="0" eaLnBrk="1" fontAlgn="auto" latinLnBrk="0" hangingPunct="1">
+              <a:lnSpc>
+                <a:spcPct val="100000"/>
+              </a:lnSpc>
+              <a:spcBef>
+                <a:spcPts val="0"/>
+              </a:spcBef>
+              <a:spcAft>
+                <a:spcPts val="0"/>
+              </a:spcAft>
+              <a:buClrTx/>
+              <a:buSzTx/>
+              <a:buFontTx/>
+              <a:buNone/>
+              <a:tabLst/>
+              <a:defRPr/>
+            </a:pPr>
+            <a:endParaRPr lang="en-US" sz="1200" b="0" i="0" kern="1200" dirty="0">
+              <a:solidFill>
+                <a:schemeClr val="tx1"/>
+              </a:solidFill>
+              <a:effectLst/>
+              <a:latin typeface="+mn-lt"/>
+              <a:ea typeface="+mn-ea"/>
+              <a:cs typeface="+mn-cs"/>
+            </a:endParaRPr>
+          </a:p>
+          <a:p>
+            <a:pPr marL="171450" marR="0" lvl="0" indent="-171450" algn="l" defTabSz="914400" rtl="0" eaLnBrk="1" fontAlgn="auto" latinLnBrk="0" hangingPunct="1">
+              <a:lnSpc>
+                <a:spcPct val="100000"/>
+              </a:lnSpc>
+              <a:spcBef>
+                <a:spcPts val="0"/>
+              </a:spcBef>
+              <a:spcAft>
+                <a:spcPts val="0"/>
+              </a:spcAft>
+              <a:buClrTx/>
+              <a:buSzTx/>
+              <a:buFontTx/>
+              <a:buChar char="-"/>
+              <a:tabLst/>
+              <a:defRPr/>
+            </a:pPr>
+            <a:r>
+              <a:rPr lang="en-US" sz="1200" b="0" i="0" kern="1200" dirty="0">
+                <a:solidFill>
+                  <a:schemeClr val="tx1"/>
+                </a:solidFill>
+                <a:effectLst/>
+                <a:latin typeface="+mn-lt"/>
+                <a:ea typeface="+mn-ea"/>
+                <a:cs typeface="+mn-cs"/>
+              </a:rPr>
+              <a:t>https://javascriptissexy.com/oop-in-javascript-what-you-need-to-know/</a:t>
+            </a:r>
+          </a:p>
+          <a:p>
+            <a:pPr marL="171450" marR="0" lvl="0" indent="-171450" algn="l" defTabSz="914400" rtl="0" eaLnBrk="1" fontAlgn="auto" latinLnBrk="0" hangingPunct="1">
+              <a:lnSpc>
+                <a:spcPct val="100000"/>
+              </a:lnSpc>
+              <a:spcBef>
+                <a:spcPts val="0"/>
+              </a:spcBef>
+              <a:spcAft>
+                <a:spcPts val="0"/>
+              </a:spcAft>
+              <a:buClrTx/>
+              <a:buSzTx/>
+              <a:buFontTx/>
+              <a:buChar char="-"/>
+              <a:tabLst/>
+              <a:defRPr/>
+            </a:pPr>
+            <a:r>
+              <a:rPr lang="en-US" b="0" dirty="0"/>
+              <a:t>https://www.techopedia.com/definition/3233/object-oriented</a:t>
+            </a:r>
+          </a:p>
+          <a:p>
+            <a:pPr marL="171450" marR="0" lvl="0" indent="-171450" algn="l" defTabSz="914400" rtl="0" eaLnBrk="1" fontAlgn="auto" latinLnBrk="0" hangingPunct="1">
+              <a:lnSpc>
+                <a:spcPct val="100000"/>
+              </a:lnSpc>
+              <a:spcBef>
+                <a:spcPts val="0"/>
+              </a:spcBef>
+              <a:spcAft>
+                <a:spcPts val="0"/>
+              </a:spcAft>
+              <a:buClrTx/>
+              <a:buSzTx/>
+              <a:buFontTx/>
+              <a:buChar char="-"/>
+              <a:tabLst/>
+              <a:defRPr/>
+            </a:pPr>
+            <a:r>
+              <a:rPr lang="en-US" b="0" dirty="0"/>
+              <a:t>https://searchmicroservices.techtarget.com/definition/object-oriented-programming-OOP</a:t>
+            </a:r>
+          </a:p>
+          <a:p>
+            <a:pPr marL="171450" marR="0" lvl="0" indent="-171450" algn="l" defTabSz="914400" rtl="0" eaLnBrk="1" fontAlgn="auto" latinLnBrk="0" hangingPunct="1">
+              <a:lnSpc>
+                <a:spcPct val="100000"/>
+              </a:lnSpc>
+              <a:spcBef>
+                <a:spcPts val="0"/>
+              </a:spcBef>
+              <a:spcAft>
+                <a:spcPts val="0"/>
+              </a:spcAft>
+              <a:buClrTx/>
+              <a:buSzTx/>
+              <a:buFontTx/>
+              <a:buChar char="-"/>
+              <a:tabLst/>
+              <a:defRPr/>
+            </a:pPr>
+            <a:r>
+              <a:rPr lang="en-US" b="0" dirty="0"/>
+              <a:t>https://medium.freecodecamp.org/an-introduction-to-object-oriented-programming-in-javascript-8900124e316a</a:t>
+            </a:r>
+          </a:p>
+          <a:p>
+            <a:pPr marL="0" marR="0" lvl="0" indent="0" algn="l" defTabSz="914400" rtl="0" eaLnBrk="1" fontAlgn="auto" latinLnBrk="0" hangingPunct="1">
+              <a:lnSpc>
+                <a:spcPct val="100000"/>
+              </a:lnSpc>
+              <a:spcBef>
+                <a:spcPts val="0"/>
+              </a:spcBef>
+              <a:spcAft>
+                <a:spcPts val="0"/>
+              </a:spcAft>
+              <a:buClrTx/>
+              <a:buSzTx/>
+              <a:buFontTx/>
+              <a:buNone/>
+              <a:tabLst/>
+              <a:defRPr/>
+            </a:pPr>
+            <a:endParaRPr lang="en-US" b="0" dirty="0"/>
+          </a:p>
+          <a:p>
+            <a:pPr marL="0" marR="0" lvl="0" indent="0" algn="l" defTabSz="914400" rtl="0" eaLnBrk="1" fontAlgn="auto" latinLnBrk="0" hangingPunct="1">
+              <a:lnSpc>
+                <a:spcPct val="100000"/>
+              </a:lnSpc>
+              <a:spcBef>
+                <a:spcPts val="0"/>
+              </a:spcBef>
+              <a:spcAft>
+                <a:spcPts val="0"/>
+              </a:spcAft>
+              <a:buClrTx/>
+              <a:buSzTx/>
+              <a:buFontTx/>
+              <a:buNone/>
+              <a:tabLst/>
+              <a:defRPr/>
+            </a:pPr>
+            <a:endParaRPr lang="en-US" b="0" dirty="0"/>
+          </a:p>
+        </p:txBody>
+      </p:sp>
+      <p:sp>
+        <p:nvSpPr>
+          <p:cNvPr id="4" name="Slide Number Placeholder 3"/>
+          <p:cNvSpPr>
+            <a:spLocks noGrp="1"/>
+          </p:cNvSpPr>
+          <p:nvPr>
+            <p:ph type="sldNum" sz="quarter" idx="10"/>
+          </p:nvPr>
+        </p:nvSpPr>
+        <p:spPr/>
+        <p:txBody>
+          <a:bodyPr/>
+          <a:lstStyle/>
+          <a:p>
+            <a:fld id="{595D0871-5AD0-4670-BDA8-FBE649F625DD}" type="slidenum">
+              <a:rPr lang="he-IL" smtClean="0"/>
+              <a:t>46</a:t>
+            </a:fld>
+            <a:endParaRPr lang="he-IL"/>
+          </a:p>
+        </p:txBody>
+      </p:sp>
+    </p:spTree>
+    <p:extLst>
+      <p:ext uri="{BB962C8B-B14F-4D97-AF65-F5344CB8AC3E}">
+        <p14:creationId xmlns:p14="http://schemas.microsoft.com/office/powerpoint/2010/main" val="136221795"/>
       </p:ext>
     </p:extLst>
   </p:cSld>
@@ -9835,7 +14812,7 @@
           <a:p>
             <a:fld id="{F472E424-CC75-4448-A1B5-6FCA6BFEE599}" type="datetimeFigureOut">
               <a:rPr lang="he-IL" smtClean="0"/>
-              <a:t>י"ט/אדר א/תשע"ט</a:t>
+              <a:t>כ"א/אדר א/תשע"ט</a:t>
             </a:fld>
             <a:endParaRPr lang="he-IL"/>
           </a:p>
@@ -10003,7 +14980,7 @@
           <a:p>
             <a:fld id="{F472E424-CC75-4448-A1B5-6FCA6BFEE599}" type="datetimeFigureOut">
               <a:rPr lang="he-IL" smtClean="0"/>
-              <a:t>י"ט/אדר א/תשע"ט</a:t>
+              <a:t>כ"א/אדר א/תשע"ט</a:t>
             </a:fld>
             <a:endParaRPr lang="he-IL"/>
           </a:p>
@@ -10181,7 +15158,7 @@
           <a:p>
             <a:fld id="{F472E424-CC75-4448-A1B5-6FCA6BFEE599}" type="datetimeFigureOut">
               <a:rPr lang="he-IL" smtClean="0"/>
-              <a:t>י"ט/אדר א/תשע"ט</a:t>
+              <a:t>כ"א/אדר א/תשע"ט</a:t>
             </a:fld>
             <a:endParaRPr lang="he-IL"/>
           </a:p>
@@ -10565,7 +15542,7 @@
           <a:p>
             <a:fld id="{F472E424-CC75-4448-A1B5-6FCA6BFEE599}" type="datetimeFigureOut">
               <a:rPr lang="he-IL" smtClean="0"/>
-              <a:t>י"ט/אדר א/תשע"ט</a:t>
+              <a:t>כ"א/אדר א/תשע"ט</a:t>
             </a:fld>
             <a:endParaRPr lang="he-IL"/>
           </a:p>
@@ -10810,7 +15787,7 @@
           <a:p>
             <a:fld id="{F472E424-CC75-4448-A1B5-6FCA6BFEE599}" type="datetimeFigureOut">
               <a:rPr lang="he-IL" smtClean="0"/>
-              <a:t>י"ט/אדר א/תשע"ט</a:t>
+              <a:t>כ"א/אדר א/תשע"ט</a:t>
             </a:fld>
             <a:endParaRPr lang="he-IL"/>
           </a:p>
@@ -11039,7 +16016,7 @@
           <a:p>
             <a:fld id="{F472E424-CC75-4448-A1B5-6FCA6BFEE599}" type="datetimeFigureOut">
               <a:rPr lang="he-IL" smtClean="0"/>
-              <a:t>י"ט/אדר א/תשע"ט</a:t>
+              <a:t>כ"א/אדר א/תשע"ט</a:t>
             </a:fld>
             <a:endParaRPr lang="he-IL"/>
           </a:p>
@@ -11403,7 +16380,7 @@
           <a:p>
             <a:fld id="{F472E424-CC75-4448-A1B5-6FCA6BFEE599}" type="datetimeFigureOut">
               <a:rPr lang="he-IL" smtClean="0"/>
-              <a:t>י"ט/אדר א/תשע"ט</a:t>
+              <a:t>כ"א/אדר א/תשע"ט</a:t>
             </a:fld>
             <a:endParaRPr lang="he-IL"/>
           </a:p>
@@ -11520,7 +16497,7 @@
           <a:p>
             <a:fld id="{F472E424-CC75-4448-A1B5-6FCA6BFEE599}" type="datetimeFigureOut">
               <a:rPr lang="he-IL" smtClean="0"/>
-              <a:t>י"ט/אדר א/תשע"ט</a:t>
+              <a:t>כ"א/אדר א/תשע"ט</a:t>
             </a:fld>
             <a:endParaRPr lang="he-IL"/>
           </a:p>
@@ -11615,7 +16592,7 @@
           <a:p>
             <a:fld id="{F472E424-CC75-4448-A1B5-6FCA6BFEE599}" type="datetimeFigureOut">
               <a:rPr lang="he-IL" smtClean="0"/>
-              <a:t>י"ט/אדר א/תשע"ט</a:t>
+              <a:t>כ"א/אדר א/תשע"ט</a:t>
             </a:fld>
             <a:endParaRPr lang="he-IL"/>
           </a:p>
@@ -11890,7 +16867,7 @@
           <a:p>
             <a:fld id="{F472E424-CC75-4448-A1B5-6FCA6BFEE599}" type="datetimeFigureOut">
               <a:rPr lang="he-IL" smtClean="0"/>
-              <a:t>י"ט/אדר א/תשע"ט</a:t>
+              <a:t>כ"א/אדר א/תשע"ט</a:t>
             </a:fld>
             <a:endParaRPr lang="he-IL"/>
           </a:p>
@@ -12142,7 +17119,7 @@
           <a:p>
             <a:fld id="{F472E424-CC75-4448-A1B5-6FCA6BFEE599}" type="datetimeFigureOut">
               <a:rPr lang="he-IL" smtClean="0"/>
-              <a:t>י"ט/אדר א/תשע"ט</a:t>
+              <a:t>כ"א/אדר א/תשע"ט</a:t>
             </a:fld>
             <a:endParaRPr lang="he-IL"/>
           </a:p>
@@ -12353,7 +17330,7 @@
           <a:p>
             <a:fld id="{F472E424-CC75-4448-A1B5-6FCA6BFEE599}" type="datetimeFigureOut">
               <a:rPr lang="he-IL" smtClean="0"/>
-              <a:t>י"ט/אדר א/תשע"ט</a:t>
+              <a:t>כ"א/אדר א/תשע"ט</a:t>
             </a:fld>
             <a:endParaRPr lang="he-IL"/>
           </a:p>
@@ -15066,6 +20043,666 @@
 </p:sld>
 </file>
 
+<file path=ppt/slides/slide25.xml><?xml version="1.0" encoding="utf-8"?>
+<p:sld xmlns:a="http://schemas.openxmlformats.org/drawingml/2006/main" xmlns:r="http://schemas.openxmlformats.org/officeDocument/2006/relationships" xmlns:p="http://schemas.openxmlformats.org/presentationml/2006/main">
+  <p:cSld>
+    <p:spTree>
+      <p:nvGrpSpPr>
+        <p:cNvPr id="1" name=""/>
+        <p:cNvGrpSpPr/>
+        <p:nvPr/>
+      </p:nvGrpSpPr>
+      <p:grpSpPr>
+        <a:xfrm>
+          <a:off x="0" y="0"/>
+          <a:ext cx="0" cy="0"/>
+          <a:chOff x="0" y="0"/>
+          <a:chExt cx="0" cy="0"/>
+        </a:xfrm>
+      </p:grpSpPr>
+      <p:sp>
+        <p:nvSpPr>
+          <p:cNvPr id="6" name="Rectangle 5"/>
+          <p:cNvSpPr/>
+          <p:nvPr/>
+        </p:nvSpPr>
+        <p:spPr>
+          <a:xfrm>
+            <a:off x="-215115" y="0"/>
+            <a:ext cx="12407115" cy="6858000"/>
+          </a:xfrm>
+          <a:prstGeom prst="rect">
+            <a:avLst/>
+          </a:prstGeom>
+          <a:solidFill>
+            <a:schemeClr val="accent1">
+              <a:lumMod val="75000"/>
+            </a:schemeClr>
+          </a:solidFill>
+          <a:ln>
+            <a:noFill/>
+          </a:ln>
+        </p:spPr>
+        <p:style>
+          <a:lnRef idx="1">
+            <a:schemeClr val="accent1"/>
+          </a:lnRef>
+          <a:fillRef idx="3">
+            <a:schemeClr val="accent1"/>
+          </a:fillRef>
+          <a:effectRef idx="2">
+            <a:schemeClr val="accent1"/>
+          </a:effectRef>
+          <a:fontRef idx="minor">
+            <a:schemeClr val="lt1"/>
+          </a:fontRef>
+        </p:style>
+        <p:txBody>
+          <a:bodyPr rtlCol="0" anchor="ctr"/>
+          <a:lstStyle/>
+          <a:p>
+            <a:pPr algn="ctr"/>
+            <a:endParaRPr lang="en-US" sz="2400"/>
+          </a:p>
+        </p:txBody>
+      </p:sp>
+      <p:sp>
+        <p:nvSpPr>
+          <p:cNvPr id="24" name="Title 1"/>
+          <p:cNvSpPr>
+            <a:spLocks noGrp="1"/>
+          </p:cNvSpPr>
+          <p:nvPr>
+            <p:ph type="title"/>
+          </p:nvPr>
+        </p:nvSpPr>
+        <p:spPr>
+          <a:xfrm>
+            <a:off x="502042" y="1936377"/>
+            <a:ext cx="10972800" cy="2985246"/>
+          </a:xfrm>
+        </p:spPr>
+        <p:txBody>
+          <a:bodyPr>
+            <a:noAutofit/>
+          </a:bodyPr>
+          <a:lstStyle/>
+          <a:p>
+            <a:pPr algn="ctr" rtl="0" eaLnBrk="0" fontAlgn="base" hangingPunct="0">
+              <a:spcAft>
+                <a:spcPct val="0"/>
+              </a:spcAft>
+            </a:pPr>
+            <a:r>
+              <a:rPr lang="en-US" sz="6000" dirty="0">
+                <a:solidFill>
+                  <a:schemeClr val="bg1"/>
+                </a:solidFill>
+              </a:rPr>
+              <a:t>CSS Family Guy</a:t>
+            </a:r>
+            <a:endParaRPr lang="en-US" altLang="en-US" sz="6000" b="1" dirty="0">
+              <a:solidFill>
+                <a:schemeClr val="bg1"/>
+              </a:solidFill>
+              <a:latin typeface="Calibri (Body)"/>
+            </a:endParaRPr>
+          </a:p>
+        </p:txBody>
+      </p:sp>
+    </p:spTree>
+    <p:extLst>
+      <p:ext uri="{BB962C8B-B14F-4D97-AF65-F5344CB8AC3E}">
+        <p14:creationId xmlns:p14="http://schemas.microsoft.com/office/powerpoint/2010/main" val="2588040774"/>
+      </p:ext>
+    </p:extLst>
+  </p:cSld>
+  <p:clrMapOvr>
+    <a:masterClrMapping/>
+  </p:clrMapOvr>
+  <mc:AlternateContent xmlns:mc="http://schemas.openxmlformats.org/markup-compatibility/2006" xmlns:p14="http://schemas.microsoft.com/office/powerpoint/2010/main">
+    <mc:Choice Requires="p14">
+      <p:transition spd="med" p14:dur="700">
+        <p:fade/>
+      </p:transition>
+    </mc:Choice>
+    <mc:Fallback xmlns="">
+      <p:transition xmlns:p14="http://schemas.microsoft.com/office/powerpoint/2010/main" spd="med">
+        <p:fade/>
+      </p:transition>
+    </mc:Fallback>
+  </mc:AlternateContent>
+</p:sld>
+</file>
+
+<file path=ppt/slides/slide26.xml><?xml version="1.0" encoding="utf-8"?>
+<p:sld xmlns:a="http://schemas.openxmlformats.org/drawingml/2006/main" xmlns:r="http://schemas.openxmlformats.org/officeDocument/2006/relationships" xmlns:p="http://schemas.openxmlformats.org/presentationml/2006/main">
+  <p:cSld>
+    <p:spTree>
+      <p:nvGrpSpPr>
+        <p:cNvPr id="1" name=""/>
+        <p:cNvGrpSpPr/>
+        <p:nvPr/>
+      </p:nvGrpSpPr>
+      <p:grpSpPr>
+        <a:xfrm>
+          <a:off x="0" y="0"/>
+          <a:ext cx="0" cy="0"/>
+          <a:chOff x="0" y="0"/>
+          <a:chExt cx="0" cy="0"/>
+        </a:xfrm>
+      </p:grpSpPr>
+      <p:sp>
+        <p:nvSpPr>
+          <p:cNvPr id="6" name="Rectangle 5"/>
+          <p:cNvSpPr/>
+          <p:nvPr/>
+        </p:nvSpPr>
+        <p:spPr>
+          <a:xfrm>
+            <a:off x="-215115" y="0"/>
+            <a:ext cx="12407115" cy="6858000"/>
+          </a:xfrm>
+          <a:prstGeom prst="rect">
+            <a:avLst/>
+          </a:prstGeom>
+          <a:solidFill>
+            <a:schemeClr val="accent1">
+              <a:lumMod val="75000"/>
+            </a:schemeClr>
+          </a:solidFill>
+          <a:ln>
+            <a:noFill/>
+          </a:ln>
+        </p:spPr>
+        <p:style>
+          <a:lnRef idx="1">
+            <a:schemeClr val="accent1"/>
+          </a:lnRef>
+          <a:fillRef idx="3">
+            <a:schemeClr val="accent1"/>
+          </a:fillRef>
+          <a:effectRef idx="2">
+            <a:schemeClr val="accent1"/>
+          </a:effectRef>
+          <a:fontRef idx="minor">
+            <a:schemeClr val="lt1"/>
+          </a:fontRef>
+        </p:style>
+        <p:txBody>
+          <a:bodyPr rtlCol="0" anchor="ctr"/>
+          <a:lstStyle/>
+          <a:p>
+            <a:pPr algn="ctr"/>
+            <a:endParaRPr lang="en-US" sz="2400"/>
+          </a:p>
+        </p:txBody>
+      </p:sp>
+      <p:sp>
+        <p:nvSpPr>
+          <p:cNvPr id="24" name="Title 1"/>
+          <p:cNvSpPr>
+            <a:spLocks noGrp="1"/>
+          </p:cNvSpPr>
+          <p:nvPr>
+            <p:ph type="title"/>
+          </p:nvPr>
+        </p:nvSpPr>
+        <p:spPr>
+          <a:xfrm>
+            <a:off x="502042" y="1936377"/>
+            <a:ext cx="10972800" cy="2985246"/>
+          </a:xfrm>
+        </p:spPr>
+        <p:txBody>
+          <a:bodyPr>
+            <a:noAutofit/>
+          </a:bodyPr>
+          <a:lstStyle/>
+          <a:p>
+            <a:pPr algn="ctr" rtl="0" eaLnBrk="0" fontAlgn="base" hangingPunct="0">
+              <a:spcAft>
+                <a:spcPct val="0"/>
+              </a:spcAft>
+            </a:pPr>
+            <a:r>
+              <a:rPr lang="en-US" sz="6000" dirty="0">
+                <a:solidFill>
+                  <a:schemeClr val="bg1"/>
+                </a:solidFill>
+              </a:rPr>
+              <a:t>Cascading Style Sheets</a:t>
+            </a:r>
+            <a:endParaRPr lang="en-US" altLang="en-US" sz="6000" b="1" dirty="0">
+              <a:solidFill>
+                <a:schemeClr val="bg1"/>
+              </a:solidFill>
+              <a:latin typeface="Calibri (Body)"/>
+            </a:endParaRPr>
+          </a:p>
+        </p:txBody>
+      </p:sp>
+    </p:spTree>
+    <p:extLst>
+      <p:ext uri="{BB962C8B-B14F-4D97-AF65-F5344CB8AC3E}">
+        <p14:creationId xmlns:p14="http://schemas.microsoft.com/office/powerpoint/2010/main" val="1469540393"/>
+      </p:ext>
+    </p:extLst>
+  </p:cSld>
+  <p:clrMapOvr>
+    <a:masterClrMapping/>
+  </p:clrMapOvr>
+  <mc:AlternateContent xmlns:mc="http://schemas.openxmlformats.org/markup-compatibility/2006" xmlns:p14="http://schemas.microsoft.com/office/powerpoint/2010/main">
+    <mc:Choice Requires="p14">
+      <p:transition spd="med" p14:dur="700">
+        <p:fade/>
+      </p:transition>
+    </mc:Choice>
+    <mc:Fallback xmlns="">
+      <p:transition xmlns:p14="http://schemas.microsoft.com/office/powerpoint/2010/main" spd="med">
+        <p:fade/>
+      </p:transition>
+    </mc:Fallback>
+  </mc:AlternateContent>
+</p:sld>
+</file>
+
+<file path=ppt/slides/slide27.xml><?xml version="1.0" encoding="utf-8"?>
+<p:sld xmlns:a="http://schemas.openxmlformats.org/drawingml/2006/main" xmlns:r="http://schemas.openxmlformats.org/officeDocument/2006/relationships" xmlns:p="http://schemas.openxmlformats.org/presentationml/2006/main">
+  <p:cSld>
+    <p:spTree>
+      <p:nvGrpSpPr>
+        <p:cNvPr id="1" name=""/>
+        <p:cNvGrpSpPr/>
+        <p:nvPr/>
+      </p:nvGrpSpPr>
+      <p:grpSpPr>
+        <a:xfrm>
+          <a:off x="0" y="0"/>
+          <a:ext cx="0" cy="0"/>
+          <a:chOff x="0" y="0"/>
+          <a:chExt cx="0" cy="0"/>
+        </a:xfrm>
+      </p:grpSpPr>
+      <p:sp>
+        <p:nvSpPr>
+          <p:cNvPr id="6" name="Rectangle 5"/>
+          <p:cNvSpPr/>
+          <p:nvPr/>
+        </p:nvSpPr>
+        <p:spPr>
+          <a:xfrm>
+            <a:off x="-215115" y="0"/>
+            <a:ext cx="12407115" cy="6858000"/>
+          </a:xfrm>
+          <a:prstGeom prst="rect">
+            <a:avLst/>
+          </a:prstGeom>
+          <a:solidFill>
+            <a:schemeClr val="accent1">
+              <a:lumMod val="75000"/>
+            </a:schemeClr>
+          </a:solidFill>
+          <a:ln>
+            <a:noFill/>
+          </a:ln>
+        </p:spPr>
+        <p:style>
+          <a:lnRef idx="1">
+            <a:schemeClr val="accent1"/>
+          </a:lnRef>
+          <a:fillRef idx="3">
+            <a:schemeClr val="accent1"/>
+          </a:fillRef>
+          <a:effectRef idx="2">
+            <a:schemeClr val="accent1"/>
+          </a:effectRef>
+          <a:fontRef idx="minor">
+            <a:schemeClr val="lt1"/>
+          </a:fontRef>
+        </p:style>
+        <p:txBody>
+          <a:bodyPr rtlCol="0" anchor="ctr"/>
+          <a:lstStyle/>
+          <a:p>
+            <a:pPr algn="ctr"/>
+            <a:endParaRPr lang="en-US" sz="2400"/>
+          </a:p>
+        </p:txBody>
+      </p:sp>
+      <p:sp>
+        <p:nvSpPr>
+          <p:cNvPr id="24" name="Title 1"/>
+          <p:cNvSpPr>
+            <a:spLocks noGrp="1"/>
+          </p:cNvSpPr>
+          <p:nvPr>
+            <p:ph type="title"/>
+          </p:nvPr>
+        </p:nvSpPr>
+        <p:spPr>
+          <a:xfrm>
+            <a:off x="502042" y="1936377"/>
+            <a:ext cx="10972800" cy="2985246"/>
+          </a:xfrm>
+        </p:spPr>
+        <p:txBody>
+          <a:bodyPr>
+            <a:noAutofit/>
+          </a:bodyPr>
+          <a:lstStyle/>
+          <a:p>
+            <a:pPr algn="ctr" rtl="0" eaLnBrk="0" fontAlgn="base" hangingPunct="0">
+              <a:spcAft>
+                <a:spcPct val="0"/>
+              </a:spcAft>
+            </a:pPr>
+            <a:r>
+              <a:rPr lang="en-US" sz="6000" dirty="0">
+                <a:solidFill>
+                  <a:schemeClr val="bg1"/>
+                </a:solidFill>
+              </a:rPr>
+              <a:t>Cascade</a:t>
+            </a:r>
+            <a:endParaRPr lang="en-US" altLang="en-US" sz="6000" b="1" dirty="0">
+              <a:solidFill>
+                <a:schemeClr val="bg1"/>
+              </a:solidFill>
+              <a:latin typeface="Calibri (Body)"/>
+            </a:endParaRPr>
+          </a:p>
+        </p:txBody>
+      </p:sp>
+    </p:spTree>
+    <p:extLst>
+      <p:ext uri="{BB962C8B-B14F-4D97-AF65-F5344CB8AC3E}">
+        <p14:creationId xmlns:p14="http://schemas.microsoft.com/office/powerpoint/2010/main" val="2947234882"/>
+      </p:ext>
+    </p:extLst>
+  </p:cSld>
+  <p:clrMapOvr>
+    <a:masterClrMapping/>
+  </p:clrMapOvr>
+  <mc:AlternateContent xmlns:mc="http://schemas.openxmlformats.org/markup-compatibility/2006" xmlns:p14="http://schemas.microsoft.com/office/powerpoint/2010/main">
+    <mc:Choice Requires="p14">
+      <p:transition spd="med" p14:dur="700">
+        <p:fade/>
+      </p:transition>
+    </mc:Choice>
+    <mc:Fallback xmlns="">
+      <p:transition xmlns:p14="http://schemas.microsoft.com/office/powerpoint/2010/main" spd="med">
+        <p:fade/>
+      </p:transition>
+    </mc:Fallback>
+  </mc:AlternateContent>
+</p:sld>
+</file>
+
+<file path=ppt/slides/slide28.xml><?xml version="1.0" encoding="utf-8"?>
+<p:sld xmlns:a="http://schemas.openxmlformats.org/drawingml/2006/main" xmlns:r="http://schemas.openxmlformats.org/officeDocument/2006/relationships" xmlns:p="http://schemas.openxmlformats.org/presentationml/2006/main">
+  <p:cSld>
+    <p:spTree>
+      <p:nvGrpSpPr>
+        <p:cNvPr id="1" name=""/>
+        <p:cNvGrpSpPr/>
+        <p:nvPr/>
+      </p:nvGrpSpPr>
+      <p:grpSpPr>
+        <a:xfrm>
+          <a:off x="0" y="0"/>
+          <a:ext cx="0" cy="0"/>
+          <a:chOff x="0" y="0"/>
+          <a:chExt cx="0" cy="0"/>
+        </a:xfrm>
+      </p:grpSpPr>
+      <p:sp>
+        <p:nvSpPr>
+          <p:cNvPr id="6" name="Rectangle 5"/>
+          <p:cNvSpPr/>
+          <p:nvPr/>
+        </p:nvSpPr>
+        <p:spPr>
+          <a:xfrm>
+            <a:off x="-215115" y="0"/>
+            <a:ext cx="12407115" cy="6858000"/>
+          </a:xfrm>
+          <a:prstGeom prst="rect">
+            <a:avLst/>
+          </a:prstGeom>
+          <a:solidFill>
+            <a:schemeClr val="accent1">
+              <a:lumMod val="75000"/>
+            </a:schemeClr>
+          </a:solidFill>
+          <a:ln>
+            <a:noFill/>
+          </a:ln>
+        </p:spPr>
+        <p:style>
+          <a:lnRef idx="1">
+            <a:schemeClr val="accent1"/>
+          </a:lnRef>
+          <a:fillRef idx="3">
+            <a:schemeClr val="accent1"/>
+          </a:fillRef>
+          <a:effectRef idx="2">
+            <a:schemeClr val="accent1"/>
+          </a:effectRef>
+          <a:fontRef idx="minor">
+            <a:schemeClr val="lt1"/>
+          </a:fontRef>
+        </p:style>
+        <p:txBody>
+          <a:bodyPr rtlCol="0" anchor="ctr"/>
+          <a:lstStyle/>
+          <a:p>
+            <a:pPr algn="ctr"/>
+            <a:endParaRPr lang="en-US" sz="2400"/>
+          </a:p>
+        </p:txBody>
+      </p:sp>
+      <p:sp>
+        <p:nvSpPr>
+          <p:cNvPr id="24" name="Title 1"/>
+          <p:cNvSpPr>
+            <a:spLocks noGrp="1"/>
+          </p:cNvSpPr>
+          <p:nvPr>
+            <p:ph type="title"/>
+          </p:nvPr>
+        </p:nvSpPr>
+        <p:spPr>
+          <a:xfrm>
+            <a:off x="502042" y="1936377"/>
+            <a:ext cx="10972800" cy="2985246"/>
+          </a:xfrm>
+        </p:spPr>
+        <p:txBody>
+          <a:bodyPr>
+            <a:noAutofit/>
+          </a:bodyPr>
+          <a:lstStyle/>
+          <a:p>
+            <a:pPr algn="ctr" rtl="0" eaLnBrk="0" fontAlgn="base" hangingPunct="0">
+              <a:spcAft>
+                <a:spcPct val="0"/>
+              </a:spcAft>
+            </a:pPr>
+            <a:r>
+              <a:rPr lang="en-US" sz="6000" dirty="0">
+                <a:solidFill>
+                  <a:schemeClr val="bg1"/>
+                </a:solidFill>
+              </a:rPr>
+              <a:t>Origin and Importance</a:t>
+            </a:r>
+            <a:endParaRPr lang="en-US" altLang="en-US" sz="6000" b="1" dirty="0">
+              <a:solidFill>
+                <a:schemeClr val="bg1"/>
+              </a:solidFill>
+              <a:latin typeface="Calibri (Body)"/>
+            </a:endParaRPr>
+          </a:p>
+        </p:txBody>
+      </p:sp>
+    </p:spTree>
+    <p:extLst>
+      <p:ext uri="{BB962C8B-B14F-4D97-AF65-F5344CB8AC3E}">
+        <p14:creationId xmlns:p14="http://schemas.microsoft.com/office/powerpoint/2010/main" val="3758299378"/>
+      </p:ext>
+    </p:extLst>
+  </p:cSld>
+  <p:clrMapOvr>
+    <a:masterClrMapping/>
+  </p:clrMapOvr>
+  <mc:AlternateContent xmlns:mc="http://schemas.openxmlformats.org/markup-compatibility/2006" xmlns:p14="http://schemas.microsoft.com/office/powerpoint/2010/main">
+    <mc:Choice Requires="p14">
+      <p:transition spd="med" p14:dur="700">
+        <p:fade/>
+      </p:transition>
+    </mc:Choice>
+    <mc:Fallback xmlns="">
+      <p:transition xmlns:p14="http://schemas.microsoft.com/office/powerpoint/2010/main" spd="med">
+        <p:fade/>
+      </p:transition>
+    </mc:Fallback>
+  </mc:AlternateContent>
+</p:sld>
+</file>
+
+<file path=ppt/slides/slide29.xml><?xml version="1.0" encoding="utf-8"?>
+<p:sld xmlns:a="http://schemas.openxmlformats.org/drawingml/2006/main" xmlns:r="http://schemas.openxmlformats.org/officeDocument/2006/relationships" xmlns:p="http://schemas.openxmlformats.org/presentationml/2006/main">
+  <p:cSld>
+    <p:spTree>
+      <p:nvGrpSpPr>
+        <p:cNvPr id="1" name=""/>
+        <p:cNvGrpSpPr/>
+        <p:nvPr/>
+      </p:nvGrpSpPr>
+      <p:grpSpPr>
+        <a:xfrm>
+          <a:off x="0" y="0"/>
+          <a:ext cx="0" cy="0"/>
+          <a:chOff x="0" y="0"/>
+          <a:chExt cx="0" cy="0"/>
+        </a:xfrm>
+      </p:grpSpPr>
+      <p:sp>
+        <p:nvSpPr>
+          <p:cNvPr id="6" name="Rectangle 5"/>
+          <p:cNvSpPr/>
+          <p:nvPr/>
+        </p:nvSpPr>
+        <p:spPr>
+          <a:xfrm>
+            <a:off x="-215115" y="0"/>
+            <a:ext cx="12407115" cy="6858000"/>
+          </a:xfrm>
+          <a:prstGeom prst="rect">
+            <a:avLst/>
+          </a:prstGeom>
+          <a:solidFill>
+            <a:schemeClr val="accent1">
+              <a:lumMod val="75000"/>
+            </a:schemeClr>
+          </a:solidFill>
+          <a:ln>
+            <a:noFill/>
+          </a:ln>
+        </p:spPr>
+        <p:style>
+          <a:lnRef idx="1">
+            <a:schemeClr val="accent1"/>
+          </a:lnRef>
+          <a:fillRef idx="3">
+            <a:schemeClr val="accent1"/>
+          </a:fillRef>
+          <a:effectRef idx="2">
+            <a:schemeClr val="accent1"/>
+          </a:effectRef>
+          <a:fontRef idx="minor">
+            <a:schemeClr val="lt1"/>
+          </a:fontRef>
+        </p:style>
+        <p:txBody>
+          <a:bodyPr rtlCol="0" anchor="ctr"/>
+          <a:lstStyle/>
+          <a:p>
+            <a:pPr algn="ctr"/>
+            <a:endParaRPr lang="en-US" sz="2400"/>
+          </a:p>
+        </p:txBody>
+      </p:sp>
+      <p:sp>
+        <p:nvSpPr>
+          <p:cNvPr id="24" name="Title 1"/>
+          <p:cNvSpPr>
+            <a:spLocks noGrp="1"/>
+          </p:cNvSpPr>
+          <p:nvPr>
+            <p:ph type="title"/>
+          </p:nvPr>
+        </p:nvSpPr>
+        <p:spPr>
+          <a:xfrm>
+            <a:off x="502042" y="1936377"/>
+            <a:ext cx="10972800" cy="2985246"/>
+          </a:xfrm>
+        </p:spPr>
+        <p:txBody>
+          <a:bodyPr>
+            <a:noAutofit/>
+          </a:bodyPr>
+          <a:lstStyle/>
+          <a:p>
+            <a:pPr algn="ctr" rtl="0" eaLnBrk="0" fontAlgn="base" hangingPunct="0">
+              <a:spcAft>
+                <a:spcPct val="0"/>
+              </a:spcAft>
+            </a:pPr>
+            <a:r>
+              <a:rPr lang="en-US" sz="6000" dirty="0">
+                <a:solidFill>
+                  <a:schemeClr val="bg1"/>
+                </a:solidFill>
+              </a:rPr>
+              <a:t>Scope</a:t>
+            </a:r>
+            <a:endParaRPr lang="en-US" altLang="en-US" sz="6000" b="1" dirty="0">
+              <a:solidFill>
+                <a:schemeClr val="bg1"/>
+              </a:solidFill>
+              <a:latin typeface="Calibri (Body)"/>
+            </a:endParaRPr>
+          </a:p>
+        </p:txBody>
+      </p:sp>
+    </p:spTree>
+    <p:extLst>
+      <p:ext uri="{BB962C8B-B14F-4D97-AF65-F5344CB8AC3E}">
+        <p14:creationId xmlns:p14="http://schemas.microsoft.com/office/powerpoint/2010/main" val="2904077290"/>
+      </p:ext>
+    </p:extLst>
+  </p:cSld>
+  <p:clrMapOvr>
+    <a:masterClrMapping/>
+  </p:clrMapOvr>
+  <mc:AlternateContent xmlns:mc="http://schemas.openxmlformats.org/markup-compatibility/2006" xmlns:p14="http://schemas.microsoft.com/office/powerpoint/2010/main">
+    <mc:Choice Requires="p14">
+      <p:transition spd="med" p14:dur="700">
+        <p:fade/>
+      </p:transition>
+    </mc:Choice>
+    <mc:Fallback xmlns="">
+      <p:transition xmlns:p14="http://schemas.microsoft.com/office/powerpoint/2010/main" spd="med">
+        <p:fade/>
+      </p:transition>
+    </mc:Fallback>
+  </mc:AlternateContent>
+</p:sld>
+</file>
+
 <file path=ppt/slides/slide3.xml><?xml version="1.0" encoding="utf-8"?>
 <p:sld xmlns:a="http://schemas.openxmlformats.org/drawingml/2006/main" xmlns:r="http://schemas.openxmlformats.org/officeDocument/2006/relationships" xmlns:p="http://schemas.openxmlformats.org/presentationml/2006/main">
   <p:cSld>
@@ -15207,6 +20844,1342 @@
   <p:clrMapOvr>
     <a:masterClrMapping/>
   </p:clrMapOvr>
+</p:sld>
+</file>
+
+<file path=ppt/slides/slide30.xml><?xml version="1.0" encoding="utf-8"?>
+<p:sld xmlns:a="http://schemas.openxmlformats.org/drawingml/2006/main" xmlns:r="http://schemas.openxmlformats.org/officeDocument/2006/relationships" xmlns:p="http://schemas.openxmlformats.org/presentationml/2006/main">
+  <p:cSld>
+    <p:spTree>
+      <p:nvGrpSpPr>
+        <p:cNvPr id="1" name=""/>
+        <p:cNvGrpSpPr/>
+        <p:nvPr/>
+      </p:nvGrpSpPr>
+      <p:grpSpPr>
+        <a:xfrm>
+          <a:off x="0" y="0"/>
+          <a:ext cx="0" cy="0"/>
+          <a:chOff x="0" y="0"/>
+          <a:chExt cx="0" cy="0"/>
+        </a:xfrm>
+      </p:grpSpPr>
+      <p:sp>
+        <p:nvSpPr>
+          <p:cNvPr id="6" name="Rectangle 5"/>
+          <p:cNvSpPr/>
+          <p:nvPr/>
+        </p:nvSpPr>
+        <p:spPr>
+          <a:xfrm>
+            <a:off x="-215115" y="0"/>
+            <a:ext cx="12407115" cy="6858000"/>
+          </a:xfrm>
+          <a:prstGeom prst="rect">
+            <a:avLst/>
+          </a:prstGeom>
+          <a:solidFill>
+            <a:schemeClr val="accent1">
+              <a:lumMod val="75000"/>
+            </a:schemeClr>
+          </a:solidFill>
+          <a:ln>
+            <a:noFill/>
+          </a:ln>
+        </p:spPr>
+        <p:style>
+          <a:lnRef idx="1">
+            <a:schemeClr val="accent1"/>
+          </a:lnRef>
+          <a:fillRef idx="3">
+            <a:schemeClr val="accent1"/>
+          </a:fillRef>
+          <a:effectRef idx="2">
+            <a:schemeClr val="accent1"/>
+          </a:effectRef>
+          <a:fontRef idx="minor">
+            <a:schemeClr val="lt1"/>
+          </a:fontRef>
+        </p:style>
+        <p:txBody>
+          <a:bodyPr rtlCol="0" anchor="ctr"/>
+          <a:lstStyle/>
+          <a:p>
+            <a:pPr algn="ctr"/>
+            <a:endParaRPr lang="en-US" sz="2400"/>
+          </a:p>
+        </p:txBody>
+      </p:sp>
+      <p:sp>
+        <p:nvSpPr>
+          <p:cNvPr id="24" name="Title 1"/>
+          <p:cNvSpPr>
+            <a:spLocks noGrp="1"/>
+          </p:cNvSpPr>
+          <p:nvPr>
+            <p:ph type="title"/>
+          </p:nvPr>
+        </p:nvSpPr>
+        <p:spPr>
+          <a:xfrm>
+            <a:off x="502042" y="1936377"/>
+            <a:ext cx="10972800" cy="2985246"/>
+          </a:xfrm>
+        </p:spPr>
+        <p:txBody>
+          <a:bodyPr>
+            <a:noAutofit/>
+          </a:bodyPr>
+          <a:lstStyle/>
+          <a:p>
+            <a:pPr algn="ctr" rtl="0" eaLnBrk="0" fontAlgn="base" hangingPunct="0">
+              <a:spcAft>
+                <a:spcPct val="0"/>
+              </a:spcAft>
+            </a:pPr>
+            <a:r>
+              <a:rPr lang="en-US" sz="6000" dirty="0">
+                <a:solidFill>
+                  <a:schemeClr val="bg1"/>
+                </a:solidFill>
+              </a:rPr>
+              <a:t>Specificity</a:t>
+            </a:r>
+            <a:endParaRPr lang="en-US" altLang="en-US" sz="6000" b="1" dirty="0">
+              <a:solidFill>
+                <a:schemeClr val="bg1"/>
+              </a:solidFill>
+              <a:latin typeface="Calibri (Body)"/>
+            </a:endParaRPr>
+          </a:p>
+        </p:txBody>
+      </p:sp>
+    </p:spTree>
+    <p:extLst>
+      <p:ext uri="{BB962C8B-B14F-4D97-AF65-F5344CB8AC3E}">
+        <p14:creationId xmlns:p14="http://schemas.microsoft.com/office/powerpoint/2010/main" val="987775617"/>
+      </p:ext>
+    </p:extLst>
+  </p:cSld>
+  <p:clrMapOvr>
+    <a:masterClrMapping/>
+  </p:clrMapOvr>
+  <mc:AlternateContent xmlns:mc="http://schemas.openxmlformats.org/markup-compatibility/2006" xmlns:p14="http://schemas.microsoft.com/office/powerpoint/2010/main">
+    <mc:Choice Requires="p14">
+      <p:transition spd="med" p14:dur="700">
+        <p:fade/>
+      </p:transition>
+    </mc:Choice>
+    <mc:Fallback xmlns="">
+      <p:transition xmlns:p14="http://schemas.microsoft.com/office/powerpoint/2010/main" spd="med">
+        <p:fade/>
+      </p:transition>
+    </mc:Fallback>
+  </mc:AlternateContent>
+</p:sld>
+</file>
+
+<file path=ppt/slides/slide31.xml><?xml version="1.0" encoding="utf-8"?>
+<p:sld xmlns:a="http://schemas.openxmlformats.org/drawingml/2006/main" xmlns:r="http://schemas.openxmlformats.org/officeDocument/2006/relationships" xmlns:p="http://schemas.openxmlformats.org/presentationml/2006/main">
+  <p:cSld>
+    <p:spTree>
+      <p:nvGrpSpPr>
+        <p:cNvPr id="1" name=""/>
+        <p:cNvGrpSpPr/>
+        <p:nvPr/>
+      </p:nvGrpSpPr>
+      <p:grpSpPr>
+        <a:xfrm>
+          <a:off x="0" y="0"/>
+          <a:ext cx="0" cy="0"/>
+          <a:chOff x="0" y="0"/>
+          <a:chExt cx="0" cy="0"/>
+        </a:xfrm>
+      </p:grpSpPr>
+      <p:sp>
+        <p:nvSpPr>
+          <p:cNvPr id="6" name="Rectangle 5"/>
+          <p:cNvSpPr/>
+          <p:nvPr/>
+        </p:nvSpPr>
+        <p:spPr>
+          <a:xfrm>
+            <a:off x="-215115" y="0"/>
+            <a:ext cx="12407115" cy="6858000"/>
+          </a:xfrm>
+          <a:prstGeom prst="rect">
+            <a:avLst/>
+          </a:prstGeom>
+          <a:solidFill>
+            <a:schemeClr val="accent1">
+              <a:lumMod val="75000"/>
+            </a:schemeClr>
+          </a:solidFill>
+          <a:ln>
+            <a:noFill/>
+          </a:ln>
+        </p:spPr>
+        <p:style>
+          <a:lnRef idx="1">
+            <a:schemeClr val="accent1"/>
+          </a:lnRef>
+          <a:fillRef idx="3">
+            <a:schemeClr val="accent1"/>
+          </a:fillRef>
+          <a:effectRef idx="2">
+            <a:schemeClr val="accent1"/>
+          </a:effectRef>
+          <a:fontRef idx="minor">
+            <a:schemeClr val="lt1"/>
+          </a:fontRef>
+        </p:style>
+        <p:txBody>
+          <a:bodyPr rtlCol="0" anchor="ctr"/>
+          <a:lstStyle/>
+          <a:p>
+            <a:pPr algn="ctr"/>
+            <a:endParaRPr lang="en-US" sz="2400"/>
+          </a:p>
+        </p:txBody>
+      </p:sp>
+      <p:sp>
+        <p:nvSpPr>
+          <p:cNvPr id="24" name="Title 1"/>
+          <p:cNvSpPr>
+            <a:spLocks noGrp="1"/>
+          </p:cNvSpPr>
+          <p:nvPr>
+            <p:ph type="title"/>
+          </p:nvPr>
+        </p:nvSpPr>
+        <p:spPr>
+          <a:xfrm>
+            <a:off x="502042" y="1936377"/>
+            <a:ext cx="10972800" cy="2985246"/>
+          </a:xfrm>
+        </p:spPr>
+        <p:txBody>
+          <a:bodyPr>
+            <a:noAutofit/>
+          </a:bodyPr>
+          <a:lstStyle/>
+          <a:p>
+            <a:pPr algn="ctr" rtl="0" eaLnBrk="0" fontAlgn="base" hangingPunct="0">
+              <a:spcAft>
+                <a:spcPct val="0"/>
+              </a:spcAft>
+            </a:pPr>
+            <a:r>
+              <a:rPr lang="en-US" sz="6000" dirty="0">
+                <a:solidFill>
+                  <a:schemeClr val="bg1"/>
+                </a:solidFill>
+              </a:rPr>
+              <a:t>Specificity formula: (</a:t>
+            </a:r>
+            <a:r>
+              <a:rPr lang="en-US" sz="6000" dirty="0" err="1">
+                <a:solidFill>
+                  <a:schemeClr val="bg1"/>
+                </a:solidFill>
+              </a:rPr>
+              <a:t>a,b,c,d</a:t>
+            </a:r>
+            <a:r>
+              <a:rPr lang="en-US" sz="6000" dirty="0">
+                <a:solidFill>
+                  <a:schemeClr val="bg1"/>
+                </a:solidFill>
+              </a:rPr>
+              <a:t>)</a:t>
+            </a:r>
+            <a:endParaRPr lang="en-US" altLang="en-US" sz="6000" b="1" dirty="0">
+              <a:solidFill>
+                <a:schemeClr val="bg1"/>
+              </a:solidFill>
+              <a:latin typeface="Calibri (Body)"/>
+            </a:endParaRPr>
+          </a:p>
+        </p:txBody>
+      </p:sp>
+    </p:spTree>
+    <p:extLst>
+      <p:ext uri="{BB962C8B-B14F-4D97-AF65-F5344CB8AC3E}">
+        <p14:creationId xmlns:p14="http://schemas.microsoft.com/office/powerpoint/2010/main" val="3919910454"/>
+      </p:ext>
+    </p:extLst>
+  </p:cSld>
+  <p:clrMapOvr>
+    <a:masterClrMapping/>
+  </p:clrMapOvr>
+  <mc:AlternateContent xmlns:mc="http://schemas.openxmlformats.org/markup-compatibility/2006" xmlns:p14="http://schemas.microsoft.com/office/powerpoint/2010/main">
+    <mc:Choice Requires="p14">
+      <p:transition spd="med" p14:dur="700">
+        <p:fade/>
+      </p:transition>
+    </mc:Choice>
+    <mc:Fallback xmlns="">
+      <p:transition xmlns:p14="http://schemas.microsoft.com/office/powerpoint/2010/main" spd="med">
+        <p:fade/>
+      </p:transition>
+    </mc:Fallback>
+  </mc:AlternateContent>
+</p:sld>
+</file>
+
+<file path=ppt/slides/slide32.xml><?xml version="1.0" encoding="utf-8"?>
+<p:sld xmlns:a="http://schemas.openxmlformats.org/drawingml/2006/main" xmlns:r="http://schemas.openxmlformats.org/officeDocument/2006/relationships" xmlns:p="http://schemas.openxmlformats.org/presentationml/2006/main">
+  <p:cSld>
+    <p:spTree>
+      <p:nvGrpSpPr>
+        <p:cNvPr id="1" name=""/>
+        <p:cNvGrpSpPr/>
+        <p:nvPr/>
+      </p:nvGrpSpPr>
+      <p:grpSpPr>
+        <a:xfrm>
+          <a:off x="0" y="0"/>
+          <a:ext cx="0" cy="0"/>
+          <a:chOff x="0" y="0"/>
+          <a:chExt cx="0" cy="0"/>
+        </a:xfrm>
+      </p:grpSpPr>
+      <p:sp>
+        <p:nvSpPr>
+          <p:cNvPr id="6" name="Rectangle 5"/>
+          <p:cNvSpPr/>
+          <p:nvPr/>
+        </p:nvSpPr>
+        <p:spPr>
+          <a:xfrm>
+            <a:off x="-215115" y="0"/>
+            <a:ext cx="12407115" cy="6858000"/>
+          </a:xfrm>
+          <a:prstGeom prst="rect">
+            <a:avLst/>
+          </a:prstGeom>
+          <a:solidFill>
+            <a:schemeClr val="accent1">
+              <a:lumMod val="75000"/>
+            </a:schemeClr>
+          </a:solidFill>
+          <a:ln>
+            <a:noFill/>
+          </a:ln>
+        </p:spPr>
+        <p:style>
+          <a:lnRef idx="1">
+            <a:schemeClr val="accent1"/>
+          </a:lnRef>
+          <a:fillRef idx="3">
+            <a:schemeClr val="accent1"/>
+          </a:fillRef>
+          <a:effectRef idx="2">
+            <a:schemeClr val="accent1"/>
+          </a:effectRef>
+          <a:fontRef idx="minor">
+            <a:schemeClr val="lt1"/>
+          </a:fontRef>
+        </p:style>
+        <p:txBody>
+          <a:bodyPr rtlCol="0" anchor="ctr"/>
+          <a:lstStyle/>
+          <a:p>
+            <a:pPr algn="ctr"/>
+            <a:endParaRPr lang="en-US" sz="2400"/>
+          </a:p>
+        </p:txBody>
+      </p:sp>
+      <p:sp>
+        <p:nvSpPr>
+          <p:cNvPr id="24" name="Title 1"/>
+          <p:cNvSpPr>
+            <a:spLocks noGrp="1"/>
+          </p:cNvSpPr>
+          <p:nvPr>
+            <p:ph type="title"/>
+          </p:nvPr>
+        </p:nvSpPr>
+        <p:spPr>
+          <a:xfrm>
+            <a:off x="502042" y="1936377"/>
+            <a:ext cx="10972800" cy="2985246"/>
+          </a:xfrm>
+        </p:spPr>
+        <p:txBody>
+          <a:bodyPr>
+            <a:noAutofit/>
+          </a:bodyPr>
+          <a:lstStyle/>
+          <a:p>
+            <a:pPr algn="ctr" rtl="0" eaLnBrk="0" fontAlgn="base" hangingPunct="0">
+              <a:spcAft>
+                <a:spcPct val="0"/>
+              </a:spcAft>
+            </a:pPr>
+            <a:r>
+              <a:rPr lang="en-US" sz="6000" dirty="0">
+                <a:solidFill>
+                  <a:schemeClr val="bg1"/>
+                </a:solidFill>
+              </a:rPr>
+              <a:t>Specificity Examples</a:t>
+            </a:r>
+            <a:endParaRPr lang="en-US" altLang="en-US" sz="6000" b="1" dirty="0">
+              <a:solidFill>
+                <a:schemeClr val="bg1"/>
+              </a:solidFill>
+              <a:latin typeface="Calibri (Body)"/>
+            </a:endParaRPr>
+          </a:p>
+        </p:txBody>
+      </p:sp>
+    </p:spTree>
+    <p:extLst>
+      <p:ext uri="{BB962C8B-B14F-4D97-AF65-F5344CB8AC3E}">
+        <p14:creationId xmlns:p14="http://schemas.microsoft.com/office/powerpoint/2010/main" val="1909106408"/>
+      </p:ext>
+    </p:extLst>
+  </p:cSld>
+  <p:clrMapOvr>
+    <a:masterClrMapping/>
+  </p:clrMapOvr>
+  <mc:AlternateContent xmlns:mc="http://schemas.openxmlformats.org/markup-compatibility/2006" xmlns:p14="http://schemas.microsoft.com/office/powerpoint/2010/main">
+    <mc:Choice Requires="p14">
+      <p:transition spd="med" p14:dur="700">
+        <p:fade/>
+      </p:transition>
+    </mc:Choice>
+    <mc:Fallback xmlns="">
+      <p:transition xmlns:p14="http://schemas.microsoft.com/office/powerpoint/2010/main" spd="med">
+        <p:fade/>
+      </p:transition>
+    </mc:Fallback>
+  </mc:AlternateContent>
+</p:sld>
+</file>
+
+<file path=ppt/slides/slide33.xml><?xml version="1.0" encoding="utf-8"?>
+<p:sld xmlns:a="http://schemas.openxmlformats.org/drawingml/2006/main" xmlns:r="http://schemas.openxmlformats.org/officeDocument/2006/relationships" xmlns:p="http://schemas.openxmlformats.org/presentationml/2006/main">
+  <p:cSld>
+    <p:spTree>
+      <p:nvGrpSpPr>
+        <p:cNvPr id="1" name=""/>
+        <p:cNvGrpSpPr/>
+        <p:nvPr/>
+      </p:nvGrpSpPr>
+      <p:grpSpPr>
+        <a:xfrm>
+          <a:off x="0" y="0"/>
+          <a:ext cx="0" cy="0"/>
+          <a:chOff x="0" y="0"/>
+          <a:chExt cx="0" cy="0"/>
+        </a:xfrm>
+      </p:grpSpPr>
+      <p:sp>
+        <p:nvSpPr>
+          <p:cNvPr id="6" name="Rectangle 5"/>
+          <p:cNvSpPr/>
+          <p:nvPr/>
+        </p:nvSpPr>
+        <p:spPr>
+          <a:xfrm>
+            <a:off x="-215115" y="0"/>
+            <a:ext cx="12407115" cy="6858000"/>
+          </a:xfrm>
+          <a:prstGeom prst="rect">
+            <a:avLst/>
+          </a:prstGeom>
+          <a:solidFill>
+            <a:schemeClr val="accent1">
+              <a:lumMod val="75000"/>
+            </a:schemeClr>
+          </a:solidFill>
+          <a:ln>
+            <a:noFill/>
+          </a:ln>
+        </p:spPr>
+        <p:style>
+          <a:lnRef idx="1">
+            <a:schemeClr val="accent1"/>
+          </a:lnRef>
+          <a:fillRef idx="3">
+            <a:schemeClr val="accent1"/>
+          </a:fillRef>
+          <a:effectRef idx="2">
+            <a:schemeClr val="accent1"/>
+          </a:effectRef>
+          <a:fontRef idx="minor">
+            <a:schemeClr val="lt1"/>
+          </a:fontRef>
+        </p:style>
+        <p:txBody>
+          <a:bodyPr rtlCol="0" anchor="ctr"/>
+          <a:lstStyle/>
+          <a:p>
+            <a:pPr algn="ctr"/>
+            <a:endParaRPr lang="en-US" sz="2400"/>
+          </a:p>
+        </p:txBody>
+      </p:sp>
+      <p:sp>
+        <p:nvSpPr>
+          <p:cNvPr id="24" name="Title 1"/>
+          <p:cNvSpPr>
+            <a:spLocks noGrp="1"/>
+          </p:cNvSpPr>
+          <p:nvPr>
+            <p:ph type="title"/>
+          </p:nvPr>
+        </p:nvSpPr>
+        <p:spPr>
+          <a:xfrm>
+            <a:off x="502042" y="1936377"/>
+            <a:ext cx="10972800" cy="2985246"/>
+          </a:xfrm>
+        </p:spPr>
+        <p:txBody>
+          <a:bodyPr>
+            <a:noAutofit/>
+          </a:bodyPr>
+          <a:lstStyle/>
+          <a:p>
+            <a:pPr algn="ctr" rtl="0" eaLnBrk="0" fontAlgn="base" hangingPunct="0">
+              <a:spcAft>
+                <a:spcPct val="0"/>
+              </a:spcAft>
+            </a:pPr>
+            <a:r>
+              <a:rPr lang="en-US" sz="6000" dirty="0">
+                <a:solidFill>
+                  <a:schemeClr val="bg1"/>
+                </a:solidFill>
+              </a:rPr>
+              <a:t>CSS Specificity Test</a:t>
+            </a:r>
+            <a:endParaRPr lang="en-US" altLang="en-US" sz="6000" b="1" dirty="0">
+              <a:solidFill>
+                <a:schemeClr val="bg1"/>
+              </a:solidFill>
+              <a:latin typeface="Calibri (Body)"/>
+            </a:endParaRPr>
+          </a:p>
+        </p:txBody>
+      </p:sp>
+    </p:spTree>
+    <p:extLst>
+      <p:ext uri="{BB962C8B-B14F-4D97-AF65-F5344CB8AC3E}">
+        <p14:creationId xmlns:p14="http://schemas.microsoft.com/office/powerpoint/2010/main" val="2802701363"/>
+      </p:ext>
+    </p:extLst>
+  </p:cSld>
+  <p:clrMapOvr>
+    <a:masterClrMapping/>
+  </p:clrMapOvr>
+  <mc:AlternateContent xmlns:mc="http://schemas.openxmlformats.org/markup-compatibility/2006" xmlns:p14="http://schemas.microsoft.com/office/powerpoint/2010/main">
+    <mc:Choice Requires="p14">
+      <p:transition spd="med" p14:dur="700">
+        <p:fade/>
+      </p:transition>
+    </mc:Choice>
+    <mc:Fallback xmlns="">
+      <p:transition xmlns:p14="http://schemas.microsoft.com/office/powerpoint/2010/main" spd="med">
+        <p:fade/>
+      </p:transition>
+    </mc:Fallback>
+  </mc:AlternateContent>
+</p:sld>
+</file>
+
+<file path=ppt/slides/slide34.xml><?xml version="1.0" encoding="utf-8"?>
+<p:sld xmlns:a="http://schemas.openxmlformats.org/drawingml/2006/main" xmlns:r="http://schemas.openxmlformats.org/officeDocument/2006/relationships" xmlns:p="http://schemas.openxmlformats.org/presentationml/2006/main">
+  <p:cSld>
+    <p:spTree>
+      <p:nvGrpSpPr>
+        <p:cNvPr id="1" name=""/>
+        <p:cNvGrpSpPr/>
+        <p:nvPr/>
+      </p:nvGrpSpPr>
+      <p:grpSpPr>
+        <a:xfrm>
+          <a:off x="0" y="0"/>
+          <a:ext cx="0" cy="0"/>
+          <a:chOff x="0" y="0"/>
+          <a:chExt cx="0" cy="0"/>
+        </a:xfrm>
+      </p:grpSpPr>
+      <p:sp>
+        <p:nvSpPr>
+          <p:cNvPr id="6" name="Rectangle 5"/>
+          <p:cNvSpPr/>
+          <p:nvPr/>
+        </p:nvSpPr>
+        <p:spPr>
+          <a:xfrm>
+            <a:off x="-215115" y="0"/>
+            <a:ext cx="12407115" cy="6858000"/>
+          </a:xfrm>
+          <a:prstGeom prst="rect">
+            <a:avLst/>
+          </a:prstGeom>
+          <a:solidFill>
+            <a:schemeClr val="accent1">
+              <a:lumMod val="75000"/>
+            </a:schemeClr>
+          </a:solidFill>
+          <a:ln>
+            <a:noFill/>
+          </a:ln>
+        </p:spPr>
+        <p:style>
+          <a:lnRef idx="1">
+            <a:schemeClr val="accent1"/>
+          </a:lnRef>
+          <a:fillRef idx="3">
+            <a:schemeClr val="accent1"/>
+          </a:fillRef>
+          <a:effectRef idx="2">
+            <a:schemeClr val="accent1"/>
+          </a:effectRef>
+          <a:fontRef idx="minor">
+            <a:schemeClr val="lt1"/>
+          </a:fontRef>
+        </p:style>
+        <p:txBody>
+          <a:bodyPr rtlCol="0" anchor="ctr"/>
+          <a:lstStyle/>
+          <a:p>
+            <a:pPr algn="ctr"/>
+            <a:endParaRPr lang="en-US" sz="2400"/>
+          </a:p>
+        </p:txBody>
+      </p:sp>
+      <p:sp>
+        <p:nvSpPr>
+          <p:cNvPr id="24" name="Title 1"/>
+          <p:cNvSpPr>
+            <a:spLocks noGrp="1"/>
+          </p:cNvSpPr>
+          <p:nvPr>
+            <p:ph type="title"/>
+          </p:nvPr>
+        </p:nvSpPr>
+        <p:spPr>
+          <a:xfrm>
+            <a:off x="502042" y="1936377"/>
+            <a:ext cx="10972800" cy="2985246"/>
+          </a:xfrm>
+        </p:spPr>
+        <p:txBody>
+          <a:bodyPr>
+            <a:noAutofit/>
+          </a:bodyPr>
+          <a:lstStyle/>
+          <a:p>
+            <a:pPr algn="ctr" rtl="0" eaLnBrk="0" fontAlgn="base" hangingPunct="0">
+              <a:spcAft>
+                <a:spcPct val="0"/>
+              </a:spcAft>
+            </a:pPr>
+            <a:r>
+              <a:rPr lang="en-US" sz="6000" dirty="0">
+                <a:solidFill>
+                  <a:schemeClr val="bg1"/>
+                </a:solidFill>
+              </a:rPr>
+              <a:t>CSS Source Order</a:t>
+            </a:r>
+            <a:endParaRPr lang="en-US" altLang="en-US" sz="6000" b="1" dirty="0">
+              <a:solidFill>
+                <a:schemeClr val="bg1"/>
+              </a:solidFill>
+              <a:latin typeface="Calibri (Body)"/>
+            </a:endParaRPr>
+          </a:p>
+        </p:txBody>
+      </p:sp>
+    </p:spTree>
+    <p:extLst>
+      <p:ext uri="{BB962C8B-B14F-4D97-AF65-F5344CB8AC3E}">
+        <p14:creationId xmlns:p14="http://schemas.microsoft.com/office/powerpoint/2010/main" val="1018871856"/>
+      </p:ext>
+    </p:extLst>
+  </p:cSld>
+  <p:clrMapOvr>
+    <a:masterClrMapping/>
+  </p:clrMapOvr>
+  <mc:AlternateContent xmlns:mc="http://schemas.openxmlformats.org/markup-compatibility/2006" xmlns:p14="http://schemas.microsoft.com/office/powerpoint/2010/main">
+    <mc:Choice Requires="p14">
+      <p:transition spd="med" p14:dur="700">
+        <p:fade/>
+      </p:transition>
+    </mc:Choice>
+    <mc:Fallback xmlns="">
+      <p:transition xmlns:p14="http://schemas.microsoft.com/office/powerpoint/2010/main" spd="med">
+        <p:fade/>
+      </p:transition>
+    </mc:Fallback>
+  </mc:AlternateContent>
+</p:sld>
+</file>
+
+<file path=ppt/slides/slide35.xml><?xml version="1.0" encoding="utf-8"?>
+<p:sld xmlns:a="http://schemas.openxmlformats.org/drawingml/2006/main" xmlns:r="http://schemas.openxmlformats.org/officeDocument/2006/relationships" xmlns:p="http://schemas.openxmlformats.org/presentationml/2006/main">
+  <p:cSld>
+    <p:spTree>
+      <p:nvGrpSpPr>
+        <p:cNvPr id="1" name=""/>
+        <p:cNvGrpSpPr/>
+        <p:nvPr/>
+      </p:nvGrpSpPr>
+      <p:grpSpPr>
+        <a:xfrm>
+          <a:off x="0" y="0"/>
+          <a:ext cx="0" cy="0"/>
+          <a:chOff x="0" y="0"/>
+          <a:chExt cx="0" cy="0"/>
+        </a:xfrm>
+      </p:grpSpPr>
+      <p:sp>
+        <p:nvSpPr>
+          <p:cNvPr id="6" name="Rectangle 5"/>
+          <p:cNvSpPr/>
+          <p:nvPr/>
+        </p:nvSpPr>
+        <p:spPr>
+          <a:xfrm>
+            <a:off x="-215115" y="0"/>
+            <a:ext cx="12407115" cy="6858000"/>
+          </a:xfrm>
+          <a:prstGeom prst="rect">
+            <a:avLst/>
+          </a:prstGeom>
+          <a:solidFill>
+            <a:schemeClr val="accent1">
+              <a:lumMod val="75000"/>
+            </a:schemeClr>
+          </a:solidFill>
+          <a:ln>
+            <a:noFill/>
+          </a:ln>
+        </p:spPr>
+        <p:style>
+          <a:lnRef idx="1">
+            <a:schemeClr val="accent1"/>
+          </a:lnRef>
+          <a:fillRef idx="3">
+            <a:schemeClr val="accent1"/>
+          </a:fillRef>
+          <a:effectRef idx="2">
+            <a:schemeClr val="accent1"/>
+          </a:effectRef>
+          <a:fontRef idx="minor">
+            <a:schemeClr val="lt1"/>
+          </a:fontRef>
+        </p:style>
+        <p:txBody>
+          <a:bodyPr rtlCol="0" anchor="ctr"/>
+          <a:lstStyle/>
+          <a:p>
+            <a:pPr algn="ctr"/>
+            <a:endParaRPr lang="en-US" sz="2400"/>
+          </a:p>
+        </p:txBody>
+      </p:sp>
+      <p:sp>
+        <p:nvSpPr>
+          <p:cNvPr id="24" name="Title 1"/>
+          <p:cNvSpPr>
+            <a:spLocks noGrp="1"/>
+          </p:cNvSpPr>
+          <p:nvPr>
+            <p:ph type="title"/>
+          </p:nvPr>
+        </p:nvSpPr>
+        <p:spPr>
+          <a:xfrm>
+            <a:off x="502042" y="1936377"/>
+            <a:ext cx="10972800" cy="2985246"/>
+          </a:xfrm>
+        </p:spPr>
+        <p:txBody>
+          <a:bodyPr>
+            <a:noAutofit/>
+          </a:bodyPr>
+          <a:lstStyle/>
+          <a:p>
+            <a:pPr algn="ctr" rtl="0" eaLnBrk="0" fontAlgn="base" hangingPunct="0">
+              <a:spcAft>
+                <a:spcPct val="0"/>
+              </a:spcAft>
+            </a:pPr>
+            <a:r>
+              <a:rPr lang="en-US" sz="6000" dirty="0">
+                <a:solidFill>
+                  <a:schemeClr val="bg1"/>
+                </a:solidFill>
+              </a:rPr>
+              <a:t>CSS Mindset</a:t>
+            </a:r>
+            <a:endParaRPr lang="en-US" altLang="en-US" sz="6000" b="1" dirty="0">
+              <a:solidFill>
+                <a:schemeClr val="bg1"/>
+              </a:solidFill>
+              <a:latin typeface="Calibri (Body)"/>
+            </a:endParaRPr>
+          </a:p>
+        </p:txBody>
+      </p:sp>
+    </p:spTree>
+    <p:extLst>
+      <p:ext uri="{BB962C8B-B14F-4D97-AF65-F5344CB8AC3E}">
+        <p14:creationId xmlns:p14="http://schemas.microsoft.com/office/powerpoint/2010/main" val="45280828"/>
+      </p:ext>
+    </p:extLst>
+  </p:cSld>
+  <p:clrMapOvr>
+    <a:masterClrMapping/>
+  </p:clrMapOvr>
+  <mc:AlternateContent xmlns:mc="http://schemas.openxmlformats.org/markup-compatibility/2006" xmlns:p14="http://schemas.microsoft.com/office/powerpoint/2010/main">
+    <mc:Choice Requires="p14">
+      <p:transition spd="med" p14:dur="700">
+        <p:fade/>
+      </p:transition>
+    </mc:Choice>
+    <mc:Fallback xmlns="">
+      <p:transition xmlns:p14="http://schemas.microsoft.com/office/powerpoint/2010/main" spd="med">
+        <p:fade/>
+      </p:transition>
+    </mc:Fallback>
+  </mc:AlternateContent>
+</p:sld>
+</file>
+
+<file path=ppt/slides/slide36.xml><?xml version="1.0" encoding="utf-8"?>
+<p:sld xmlns:a="http://schemas.openxmlformats.org/drawingml/2006/main" xmlns:r="http://schemas.openxmlformats.org/officeDocument/2006/relationships" xmlns:p="http://schemas.openxmlformats.org/presentationml/2006/main">
+  <p:cSld>
+    <p:spTree>
+      <p:nvGrpSpPr>
+        <p:cNvPr id="1" name=""/>
+        <p:cNvGrpSpPr/>
+        <p:nvPr/>
+      </p:nvGrpSpPr>
+      <p:grpSpPr>
+        <a:xfrm>
+          <a:off x="0" y="0"/>
+          <a:ext cx="0" cy="0"/>
+          <a:chOff x="0" y="0"/>
+          <a:chExt cx="0" cy="0"/>
+        </a:xfrm>
+      </p:grpSpPr>
+      <p:sp>
+        <p:nvSpPr>
+          <p:cNvPr id="6" name="Rectangle 5"/>
+          <p:cNvSpPr/>
+          <p:nvPr/>
+        </p:nvSpPr>
+        <p:spPr>
+          <a:xfrm>
+            <a:off x="-215115" y="0"/>
+            <a:ext cx="12407115" cy="6858000"/>
+          </a:xfrm>
+          <a:prstGeom prst="rect">
+            <a:avLst/>
+          </a:prstGeom>
+          <a:solidFill>
+            <a:schemeClr val="accent1">
+              <a:lumMod val="75000"/>
+            </a:schemeClr>
+          </a:solidFill>
+          <a:ln>
+            <a:noFill/>
+          </a:ln>
+        </p:spPr>
+        <p:style>
+          <a:lnRef idx="1">
+            <a:schemeClr val="accent1"/>
+          </a:lnRef>
+          <a:fillRef idx="3">
+            <a:schemeClr val="accent1"/>
+          </a:fillRef>
+          <a:effectRef idx="2">
+            <a:schemeClr val="accent1"/>
+          </a:effectRef>
+          <a:fontRef idx="minor">
+            <a:schemeClr val="lt1"/>
+          </a:fontRef>
+        </p:style>
+        <p:txBody>
+          <a:bodyPr rtlCol="0" anchor="ctr"/>
+          <a:lstStyle/>
+          <a:p>
+            <a:pPr algn="ctr"/>
+            <a:endParaRPr lang="en-US" sz="2400"/>
+          </a:p>
+        </p:txBody>
+      </p:sp>
+      <p:sp>
+        <p:nvSpPr>
+          <p:cNvPr id="24" name="Title 1"/>
+          <p:cNvSpPr>
+            <a:spLocks noGrp="1"/>
+          </p:cNvSpPr>
+          <p:nvPr>
+            <p:ph type="title"/>
+          </p:nvPr>
+        </p:nvSpPr>
+        <p:spPr>
+          <a:xfrm>
+            <a:off x="502042" y="1936377"/>
+            <a:ext cx="10972800" cy="2985246"/>
+          </a:xfrm>
+        </p:spPr>
+        <p:txBody>
+          <a:bodyPr>
+            <a:noAutofit/>
+          </a:bodyPr>
+          <a:lstStyle/>
+          <a:p>
+            <a:pPr algn="ctr" rtl="0" eaLnBrk="0" fontAlgn="base" hangingPunct="0">
+              <a:spcAft>
+                <a:spcPct val="0"/>
+              </a:spcAft>
+            </a:pPr>
+            <a:r>
+              <a:rPr lang="en-US" sz="6000" dirty="0">
+                <a:solidFill>
+                  <a:schemeClr val="bg1"/>
+                </a:solidFill>
+              </a:rPr>
+              <a:t>Resilient</a:t>
+            </a:r>
+            <a:endParaRPr lang="en-US" altLang="en-US" sz="6000" b="1" dirty="0">
+              <a:solidFill>
+                <a:schemeClr val="bg1"/>
+              </a:solidFill>
+              <a:latin typeface="Calibri (Body)"/>
+            </a:endParaRPr>
+          </a:p>
+        </p:txBody>
+      </p:sp>
+    </p:spTree>
+    <p:extLst>
+      <p:ext uri="{BB962C8B-B14F-4D97-AF65-F5344CB8AC3E}">
+        <p14:creationId xmlns:p14="http://schemas.microsoft.com/office/powerpoint/2010/main" val="188051147"/>
+      </p:ext>
+    </p:extLst>
+  </p:cSld>
+  <p:clrMapOvr>
+    <a:masterClrMapping/>
+  </p:clrMapOvr>
+  <mc:AlternateContent xmlns:mc="http://schemas.openxmlformats.org/markup-compatibility/2006" xmlns:p14="http://schemas.microsoft.com/office/powerpoint/2010/main">
+    <mc:Choice Requires="p14">
+      <p:transition spd="med" p14:dur="700">
+        <p:fade/>
+      </p:transition>
+    </mc:Choice>
+    <mc:Fallback xmlns="">
+      <p:transition xmlns:p14="http://schemas.microsoft.com/office/powerpoint/2010/main" spd="med">
+        <p:fade/>
+      </p:transition>
+    </mc:Fallback>
+  </mc:AlternateContent>
+</p:sld>
+</file>
+
+<file path=ppt/slides/slide37.xml><?xml version="1.0" encoding="utf-8"?>
+<p:sld xmlns:a="http://schemas.openxmlformats.org/drawingml/2006/main" xmlns:r="http://schemas.openxmlformats.org/officeDocument/2006/relationships" xmlns:p="http://schemas.openxmlformats.org/presentationml/2006/main">
+  <p:cSld>
+    <p:spTree>
+      <p:nvGrpSpPr>
+        <p:cNvPr id="1" name=""/>
+        <p:cNvGrpSpPr/>
+        <p:nvPr/>
+      </p:nvGrpSpPr>
+      <p:grpSpPr>
+        <a:xfrm>
+          <a:off x="0" y="0"/>
+          <a:ext cx="0" cy="0"/>
+          <a:chOff x="0" y="0"/>
+          <a:chExt cx="0" cy="0"/>
+        </a:xfrm>
+      </p:grpSpPr>
+      <p:sp>
+        <p:nvSpPr>
+          <p:cNvPr id="6" name="Rectangle 5"/>
+          <p:cNvSpPr/>
+          <p:nvPr/>
+        </p:nvSpPr>
+        <p:spPr>
+          <a:xfrm>
+            <a:off x="-215115" y="0"/>
+            <a:ext cx="12407115" cy="6858000"/>
+          </a:xfrm>
+          <a:prstGeom prst="rect">
+            <a:avLst/>
+          </a:prstGeom>
+          <a:solidFill>
+            <a:schemeClr val="accent1">
+              <a:lumMod val="75000"/>
+            </a:schemeClr>
+          </a:solidFill>
+          <a:ln>
+            <a:noFill/>
+          </a:ln>
+        </p:spPr>
+        <p:style>
+          <a:lnRef idx="1">
+            <a:schemeClr val="accent1"/>
+          </a:lnRef>
+          <a:fillRef idx="3">
+            <a:schemeClr val="accent1"/>
+          </a:fillRef>
+          <a:effectRef idx="2">
+            <a:schemeClr val="accent1"/>
+          </a:effectRef>
+          <a:fontRef idx="minor">
+            <a:schemeClr val="lt1"/>
+          </a:fontRef>
+        </p:style>
+        <p:txBody>
+          <a:bodyPr rtlCol="0" anchor="ctr"/>
+          <a:lstStyle/>
+          <a:p>
+            <a:pPr algn="ctr"/>
+            <a:endParaRPr lang="en-US" sz="2400"/>
+          </a:p>
+        </p:txBody>
+      </p:sp>
+      <p:sp>
+        <p:nvSpPr>
+          <p:cNvPr id="24" name="Title 1"/>
+          <p:cNvSpPr>
+            <a:spLocks noGrp="1"/>
+          </p:cNvSpPr>
+          <p:nvPr>
+            <p:ph type="title"/>
+          </p:nvPr>
+        </p:nvSpPr>
+        <p:spPr>
+          <a:xfrm>
+            <a:off x="502042" y="1936377"/>
+            <a:ext cx="10972800" cy="2985246"/>
+          </a:xfrm>
+        </p:spPr>
+        <p:txBody>
+          <a:bodyPr>
+            <a:noAutofit/>
+          </a:bodyPr>
+          <a:lstStyle/>
+          <a:p>
+            <a:pPr algn="ctr" rtl="0" eaLnBrk="0" fontAlgn="base" hangingPunct="0">
+              <a:spcAft>
+                <a:spcPct val="0"/>
+              </a:spcAft>
+            </a:pPr>
+            <a:r>
+              <a:rPr lang="en-US" sz="6000" dirty="0">
+                <a:solidFill>
+                  <a:schemeClr val="bg1"/>
+                </a:solidFill>
+              </a:rPr>
+              <a:t>Resilient Example</a:t>
+            </a:r>
+            <a:endParaRPr lang="en-US" altLang="en-US" sz="6000" b="1" dirty="0">
+              <a:solidFill>
+                <a:schemeClr val="bg1"/>
+              </a:solidFill>
+              <a:latin typeface="Calibri (Body)"/>
+            </a:endParaRPr>
+          </a:p>
+        </p:txBody>
+      </p:sp>
+    </p:spTree>
+    <p:extLst>
+      <p:ext uri="{BB962C8B-B14F-4D97-AF65-F5344CB8AC3E}">
+        <p14:creationId xmlns:p14="http://schemas.microsoft.com/office/powerpoint/2010/main" val="3235921985"/>
+      </p:ext>
+    </p:extLst>
+  </p:cSld>
+  <p:clrMapOvr>
+    <a:masterClrMapping/>
+  </p:clrMapOvr>
+  <mc:AlternateContent xmlns:mc="http://schemas.openxmlformats.org/markup-compatibility/2006" xmlns:p14="http://schemas.microsoft.com/office/powerpoint/2010/main">
+    <mc:Choice Requires="p14">
+      <p:transition spd="med" p14:dur="700">
+        <p:fade/>
+      </p:transition>
+    </mc:Choice>
+    <mc:Fallback xmlns="">
+      <p:transition xmlns:p14="http://schemas.microsoft.com/office/powerpoint/2010/main" spd="med">
+        <p:fade/>
+      </p:transition>
+    </mc:Fallback>
+  </mc:AlternateContent>
+</p:sld>
+</file>
+
+<file path=ppt/slides/slide38.xml><?xml version="1.0" encoding="utf-8"?>
+<p:sld xmlns:a="http://schemas.openxmlformats.org/drawingml/2006/main" xmlns:r="http://schemas.openxmlformats.org/officeDocument/2006/relationships" xmlns:p="http://schemas.openxmlformats.org/presentationml/2006/main">
+  <p:cSld>
+    <p:spTree>
+      <p:nvGrpSpPr>
+        <p:cNvPr id="1" name=""/>
+        <p:cNvGrpSpPr/>
+        <p:nvPr/>
+      </p:nvGrpSpPr>
+      <p:grpSpPr>
+        <a:xfrm>
+          <a:off x="0" y="0"/>
+          <a:ext cx="0" cy="0"/>
+          <a:chOff x="0" y="0"/>
+          <a:chExt cx="0" cy="0"/>
+        </a:xfrm>
+      </p:grpSpPr>
+      <p:sp>
+        <p:nvSpPr>
+          <p:cNvPr id="6" name="Rectangle 5"/>
+          <p:cNvSpPr/>
+          <p:nvPr/>
+        </p:nvSpPr>
+        <p:spPr>
+          <a:xfrm>
+            <a:off x="-215115" y="0"/>
+            <a:ext cx="12407115" cy="6858000"/>
+          </a:xfrm>
+          <a:prstGeom prst="rect">
+            <a:avLst/>
+          </a:prstGeom>
+          <a:solidFill>
+            <a:schemeClr val="accent1">
+              <a:lumMod val="75000"/>
+            </a:schemeClr>
+          </a:solidFill>
+          <a:ln>
+            <a:noFill/>
+          </a:ln>
+        </p:spPr>
+        <p:style>
+          <a:lnRef idx="1">
+            <a:schemeClr val="accent1"/>
+          </a:lnRef>
+          <a:fillRef idx="3">
+            <a:schemeClr val="accent1"/>
+          </a:fillRef>
+          <a:effectRef idx="2">
+            <a:schemeClr val="accent1"/>
+          </a:effectRef>
+          <a:fontRef idx="minor">
+            <a:schemeClr val="lt1"/>
+          </a:fontRef>
+        </p:style>
+        <p:txBody>
+          <a:bodyPr rtlCol="0" anchor="ctr"/>
+          <a:lstStyle/>
+          <a:p>
+            <a:pPr algn="ctr"/>
+            <a:endParaRPr lang="en-US" sz="2400"/>
+          </a:p>
+        </p:txBody>
+      </p:sp>
+      <p:sp>
+        <p:nvSpPr>
+          <p:cNvPr id="24" name="Title 1"/>
+          <p:cNvSpPr>
+            <a:spLocks noGrp="1"/>
+          </p:cNvSpPr>
+          <p:nvPr>
+            <p:ph type="title"/>
+          </p:nvPr>
+        </p:nvSpPr>
+        <p:spPr>
+          <a:xfrm>
+            <a:off x="502042" y="1936377"/>
+            <a:ext cx="10972800" cy="2985246"/>
+          </a:xfrm>
+        </p:spPr>
+        <p:txBody>
+          <a:bodyPr>
+            <a:noAutofit/>
+          </a:bodyPr>
+          <a:lstStyle/>
+          <a:p>
+            <a:pPr algn="ctr" rtl="0" eaLnBrk="0" fontAlgn="base" hangingPunct="0">
+              <a:spcAft>
+                <a:spcPct val="0"/>
+              </a:spcAft>
+            </a:pPr>
+            <a:r>
+              <a:rPr lang="en-US" sz="6000" dirty="0">
+                <a:solidFill>
+                  <a:schemeClr val="bg1"/>
+                </a:solidFill>
+              </a:rPr>
+              <a:t>Declarative</a:t>
+            </a:r>
+            <a:endParaRPr lang="en-US" altLang="en-US" sz="6000" b="1" dirty="0">
+              <a:solidFill>
+                <a:schemeClr val="bg1"/>
+              </a:solidFill>
+              <a:latin typeface="Calibri (Body)"/>
+            </a:endParaRPr>
+          </a:p>
+        </p:txBody>
+      </p:sp>
+    </p:spTree>
+    <p:extLst>
+      <p:ext uri="{BB962C8B-B14F-4D97-AF65-F5344CB8AC3E}">
+        <p14:creationId xmlns:p14="http://schemas.microsoft.com/office/powerpoint/2010/main" val="831696368"/>
+      </p:ext>
+    </p:extLst>
+  </p:cSld>
+  <p:clrMapOvr>
+    <a:masterClrMapping/>
+  </p:clrMapOvr>
+  <mc:AlternateContent xmlns:mc="http://schemas.openxmlformats.org/markup-compatibility/2006" xmlns:p14="http://schemas.microsoft.com/office/powerpoint/2010/main">
+    <mc:Choice Requires="p14">
+      <p:transition spd="med" p14:dur="700">
+        <p:fade/>
+      </p:transition>
+    </mc:Choice>
+    <mc:Fallback xmlns="">
+      <p:transition xmlns:p14="http://schemas.microsoft.com/office/powerpoint/2010/main" spd="med">
+        <p:fade/>
+      </p:transition>
+    </mc:Fallback>
+  </mc:AlternateContent>
+</p:sld>
+</file>
+
+<file path=ppt/slides/slide39.xml><?xml version="1.0" encoding="utf-8"?>
+<p:sld xmlns:a="http://schemas.openxmlformats.org/drawingml/2006/main" xmlns:r="http://schemas.openxmlformats.org/officeDocument/2006/relationships" xmlns:p="http://schemas.openxmlformats.org/presentationml/2006/main">
+  <p:cSld>
+    <p:spTree>
+      <p:nvGrpSpPr>
+        <p:cNvPr id="1" name=""/>
+        <p:cNvGrpSpPr/>
+        <p:nvPr/>
+      </p:nvGrpSpPr>
+      <p:grpSpPr>
+        <a:xfrm>
+          <a:off x="0" y="0"/>
+          <a:ext cx="0" cy="0"/>
+          <a:chOff x="0" y="0"/>
+          <a:chExt cx="0" cy="0"/>
+        </a:xfrm>
+      </p:grpSpPr>
+      <p:sp>
+        <p:nvSpPr>
+          <p:cNvPr id="6" name="Rectangle 5"/>
+          <p:cNvSpPr/>
+          <p:nvPr/>
+        </p:nvSpPr>
+        <p:spPr>
+          <a:xfrm>
+            <a:off x="-215115" y="0"/>
+            <a:ext cx="12407115" cy="6858000"/>
+          </a:xfrm>
+          <a:prstGeom prst="rect">
+            <a:avLst/>
+          </a:prstGeom>
+          <a:solidFill>
+            <a:schemeClr val="accent1">
+              <a:lumMod val="75000"/>
+            </a:schemeClr>
+          </a:solidFill>
+          <a:ln>
+            <a:noFill/>
+          </a:ln>
+        </p:spPr>
+        <p:style>
+          <a:lnRef idx="1">
+            <a:schemeClr val="accent1"/>
+          </a:lnRef>
+          <a:fillRef idx="3">
+            <a:schemeClr val="accent1"/>
+          </a:fillRef>
+          <a:effectRef idx="2">
+            <a:schemeClr val="accent1"/>
+          </a:effectRef>
+          <a:fontRef idx="minor">
+            <a:schemeClr val="lt1"/>
+          </a:fontRef>
+        </p:style>
+        <p:txBody>
+          <a:bodyPr rtlCol="0" anchor="ctr"/>
+          <a:lstStyle/>
+          <a:p>
+            <a:pPr algn="ctr"/>
+            <a:endParaRPr lang="en-US" sz="2400"/>
+          </a:p>
+        </p:txBody>
+      </p:sp>
+      <p:sp>
+        <p:nvSpPr>
+          <p:cNvPr id="24" name="Title 1"/>
+          <p:cNvSpPr>
+            <a:spLocks noGrp="1"/>
+          </p:cNvSpPr>
+          <p:nvPr>
+            <p:ph type="title"/>
+          </p:nvPr>
+        </p:nvSpPr>
+        <p:spPr>
+          <a:xfrm>
+            <a:off x="502042" y="1936377"/>
+            <a:ext cx="10972800" cy="2985246"/>
+          </a:xfrm>
+        </p:spPr>
+        <p:txBody>
+          <a:bodyPr>
+            <a:noAutofit/>
+          </a:bodyPr>
+          <a:lstStyle/>
+          <a:p>
+            <a:pPr algn="ctr" rtl="0" eaLnBrk="0" fontAlgn="base" hangingPunct="0">
+              <a:spcAft>
+                <a:spcPct val="0"/>
+              </a:spcAft>
+            </a:pPr>
+            <a:r>
+              <a:rPr lang="en-US" sz="6000" dirty="0">
+                <a:solidFill>
+                  <a:schemeClr val="bg1"/>
+                </a:solidFill>
+              </a:rPr>
+              <a:t>Declarative Example</a:t>
+            </a:r>
+            <a:endParaRPr lang="en-US" altLang="en-US" sz="6000" b="1" dirty="0">
+              <a:solidFill>
+                <a:schemeClr val="bg1"/>
+              </a:solidFill>
+              <a:latin typeface="Calibri (Body)"/>
+            </a:endParaRPr>
+          </a:p>
+        </p:txBody>
+      </p:sp>
+    </p:spTree>
+    <p:extLst>
+      <p:ext uri="{BB962C8B-B14F-4D97-AF65-F5344CB8AC3E}">
+        <p14:creationId xmlns:p14="http://schemas.microsoft.com/office/powerpoint/2010/main" val="2557913088"/>
+      </p:ext>
+    </p:extLst>
+  </p:cSld>
+  <p:clrMapOvr>
+    <a:masterClrMapping/>
+  </p:clrMapOvr>
+  <mc:AlternateContent xmlns:mc="http://schemas.openxmlformats.org/markup-compatibility/2006" xmlns:p14="http://schemas.microsoft.com/office/powerpoint/2010/main">
+    <mc:Choice Requires="p14">
+      <p:transition spd="med" p14:dur="700">
+        <p:fade/>
+      </p:transition>
+    </mc:Choice>
+    <mc:Fallback xmlns="">
+      <p:transition xmlns:p14="http://schemas.microsoft.com/office/powerpoint/2010/main" spd="med">
+        <p:fade/>
+      </p:transition>
+    </mc:Fallback>
+  </mc:AlternateContent>
 </p:sld>
 </file>
 
@@ -15376,6 +22349,930 @@
   <p:clrMapOvr>
     <a:masterClrMapping/>
   </p:clrMapOvr>
+</p:sld>
+</file>
+
+<file path=ppt/slides/slide40.xml><?xml version="1.0" encoding="utf-8"?>
+<p:sld xmlns:a="http://schemas.openxmlformats.org/drawingml/2006/main" xmlns:r="http://schemas.openxmlformats.org/officeDocument/2006/relationships" xmlns:p="http://schemas.openxmlformats.org/presentationml/2006/main">
+  <p:cSld>
+    <p:spTree>
+      <p:nvGrpSpPr>
+        <p:cNvPr id="1" name=""/>
+        <p:cNvGrpSpPr/>
+        <p:nvPr/>
+      </p:nvGrpSpPr>
+      <p:grpSpPr>
+        <a:xfrm>
+          <a:off x="0" y="0"/>
+          <a:ext cx="0" cy="0"/>
+          <a:chOff x="0" y="0"/>
+          <a:chExt cx="0" cy="0"/>
+        </a:xfrm>
+      </p:grpSpPr>
+      <p:sp>
+        <p:nvSpPr>
+          <p:cNvPr id="6" name="Rectangle 5"/>
+          <p:cNvSpPr/>
+          <p:nvPr/>
+        </p:nvSpPr>
+        <p:spPr>
+          <a:xfrm>
+            <a:off x="-215115" y="0"/>
+            <a:ext cx="12407115" cy="6858000"/>
+          </a:xfrm>
+          <a:prstGeom prst="rect">
+            <a:avLst/>
+          </a:prstGeom>
+          <a:solidFill>
+            <a:schemeClr val="accent1">
+              <a:lumMod val="75000"/>
+            </a:schemeClr>
+          </a:solidFill>
+          <a:ln>
+            <a:noFill/>
+          </a:ln>
+        </p:spPr>
+        <p:style>
+          <a:lnRef idx="1">
+            <a:schemeClr val="accent1"/>
+          </a:lnRef>
+          <a:fillRef idx="3">
+            <a:schemeClr val="accent1"/>
+          </a:fillRef>
+          <a:effectRef idx="2">
+            <a:schemeClr val="accent1"/>
+          </a:effectRef>
+          <a:fontRef idx="minor">
+            <a:schemeClr val="lt1"/>
+          </a:fontRef>
+        </p:style>
+        <p:txBody>
+          <a:bodyPr rtlCol="0" anchor="ctr"/>
+          <a:lstStyle/>
+          <a:p>
+            <a:pPr algn="ctr"/>
+            <a:endParaRPr lang="en-US" sz="2400"/>
+          </a:p>
+        </p:txBody>
+      </p:sp>
+      <p:sp>
+        <p:nvSpPr>
+          <p:cNvPr id="24" name="Title 1"/>
+          <p:cNvSpPr>
+            <a:spLocks noGrp="1"/>
+          </p:cNvSpPr>
+          <p:nvPr>
+            <p:ph type="title"/>
+          </p:nvPr>
+        </p:nvSpPr>
+        <p:spPr>
+          <a:xfrm>
+            <a:off x="502042" y="1936377"/>
+            <a:ext cx="10972800" cy="2985246"/>
+          </a:xfrm>
+        </p:spPr>
+        <p:txBody>
+          <a:bodyPr>
+            <a:noAutofit/>
+          </a:bodyPr>
+          <a:lstStyle/>
+          <a:p>
+            <a:pPr algn="ctr" rtl="0" eaLnBrk="0" fontAlgn="base" hangingPunct="0">
+              <a:spcAft>
+                <a:spcPct val="0"/>
+              </a:spcAft>
+            </a:pPr>
+            <a:r>
+              <a:rPr lang="en-US" sz="6000" dirty="0">
+                <a:solidFill>
+                  <a:schemeClr val="bg1"/>
+                </a:solidFill>
+              </a:rPr>
+              <a:t>Contextual</a:t>
+            </a:r>
+            <a:endParaRPr lang="en-US" altLang="en-US" sz="6000" b="1" dirty="0">
+              <a:solidFill>
+                <a:schemeClr val="bg1"/>
+              </a:solidFill>
+              <a:latin typeface="Calibri (Body)"/>
+            </a:endParaRPr>
+          </a:p>
+        </p:txBody>
+      </p:sp>
+    </p:spTree>
+    <p:extLst>
+      <p:ext uri="{BB962C8B-B14F-4D97-AF65-F5344CB8AC3E}">
+        <p14:creationId xmlns:p14="http://schemas.microsoft.com/office/powerpoint/2010/main" val="3624932887"/>
+      </p:ext>
+    </p:extLst>
+  </p:cSld>
+  <p:clrMapOvr>
+    <a:masterClrMapping/>
+  </p:clrMapOvr>
+  <mc:AlternateContent xmlns:mc="http://schemas.openxmlformats.org/markup-compatibility/2006" xmlns:p14="http://schemas.microsoft.com/office/powerpoint/2010/main">
+    <mc:Choice Requires="p14">
+      <p:transition spd="med" p14:dur="700">
+        <p:fade/>
+      </p:transition>
+    </mc:Choice>
+    <mc:Fallback xmlns="">
+      <p:transition xmlns:p14="http://schemas.microsoft.com/office/powerpoint/2010/main" spd="med">
+        <p:fade/>
+      </p:transition>
+    </mc:Fallback>
+  </mc:AlternateContent>
+</p:sld>
+</file>
+
+<file path=ppt/slides/slide41.xml><?xml version="1.0" encoding="utf-8"?>
+<p:sld xmlns:a="http://schemas.openxmlformats.org/drawingml/2006/main" xmlns:r="http://schemas.openxmlformats.org/officeDocument/2006/relationships" xmlns:p="http://schemas.openxmlformats.org/presentationml/2006/main">
+  <p:cSld>
+    <p:spTree>
+      <p:nvGrpSpPr>
+        <p:cNvPr id="1" name=""/>
+        <p:cNvGrpSpPr/>
+        <p:nvPr/>
+      </p:nvGrpSpPr>
+      <p:grpSpPr>
+        <a:xfrm>
+          <a:off x="0" y="0"/>
+          <a:ext cx="0" cy="0"/>
+          <a:chOff x="0" y="0"/>
+          <a:chExt cx="0" cy="0"/>
+        </a:xfrm>
+      </p:grpSpPr>
+      <p:sp>
+        <p:nvSpPr>
+          <p:cNvPr id="6" name="Rectangle 5"/>
+          <p:cNvSpPr/>
+          <p:nvPr/>
+        </p:nvSpPr>
+        <p:spPr>
+          <a:xfrm>
+            <a:off x="-215115" y="0"/>
+            <a:ext cx="12407115" cy="6858000"/>
+          </a:xfrm>
+          <a:prstGeom prst="rect">
+            <a:avLst/>
+          </a:prstGeom>
+          <a:solidFill>
+            <a:schemeClr val="accent1">
+              <a:lumMod val="75000"/>
+            </a:schemeClr>
+          </a:solidFill>
+          <a:ln>
+            <a:noFill/>
+          </a:ln>
+        </p:spPr>
+        <p:style>
+          <a:lnRef idx="1">
+            <a:schemeClr val="accent1"/>
+          </a:lnRef>
+          <a:fillRef idx="3">
+            <a:schemeClr val="accent1"/>
+          </a:fillRef>
+          <a:effectRef idx="2">
+            <a:schemeClr val="accent1"/>
+          </a:effectRef>
+          <a:fontRef idx="minor">
+            <a:schemeClr val="lt1"/>
+          </a:fontRef>
+        </p:style>
+        <p:txBody>
+          <a:bodyPr rtlCol="0" anchor="ctr"/>
+          <a:lstStyle/>
+          <a:p>
+            <a:pPr algn="ctr"/>
+            <a:endParaRPr lang="en-US" sz="2400"/>
+          </a:p>
+        </p:txBody>
+      </p:sp>
+      <p:sp>
+        <p:nvSpPr>
+          <p:cNvPr id="24" name="Title 1"/>
+          <p:cNvSpPr>
+            <a:spLocks noGrp="1"/>
+          </p:cNvSpPr>
+          <p:nvPr>
+            <p:ph type="title"/>
+          </p:nvPr>
+        </p:nvSpPr>
+        <p:spPr>
+          <a:xfrm>
+            <a:off x="502042" y="1936377"/>
+            <a:ext cx="10972800" cy="2985246"/>
+          </a:xfrm>
+        </p:spPr>
+        <p:txBody>
+          <a:bodyPr>
+            <a:noAutofit/>
+          </a:bodyPr>
+          <a:lstStyle/>
+          <a:p>
+            <a:pPr algn="ctr" rtl="0" eaLnBrk="0" fontAlgn="base" hangingPunct="0">
+              <a:spcAft>
+                <a:spcPct val="0"/>
+              </a:spcAft>
+            </a:pPr>
+            <a:r>
+              <a:rPr lang="en-US" sz="6000" dirty="0">
+                <a:solidFill>
+                  <a:schemeClr val="bg1"/>
+                </a:solidFill>
+              </a:rPr>
+              <a:t>Contextual Example</a:t>
+            </a:r>
+            <a:endParaRPr lang="en-US" altLang="en-US" sz="6000" b="1" dirty="0">
+              <a:solidFill>
+                <a:schemeClr val="bg1"/>
+              </a:solidFill>
+              <a:latin typeface="Calibri (Body)"/>
+            </a:endParaRPr>
+          </a:p>
+        </p:txBody>
+      </p:sp>
+    </p:spTree>
+    <p:extLst>
+      <p:ext uri="{BB962C8B-B14F-4D97-AF65-F5344CB8AC3E}">
+        <p14:creationId xmlns:p14="http://schemas.microsoft.com/office/powerpoint/2010/main" val="3235193030"/>
+      </p:ext>
+    </p:extLst>
+  </p:cSld>
+  <p:clrMapOvr>
+    <a:masterClrMapping/>
+  </p:clrMapOvr>
+  <mc:AlternateContent xmlns:mc="http://schemas.openxmlformats.org/markup-compatibility/2006" xmlns:p14="http://schemas.microsoft.com/office/powerpoint/2010/main">
+    <mc:Choice Requires="p14">
+      <p:transition spd="med" p14:dur="700">
+        <p:fade/>
+      </p:transition>
+    </mc:Choice>
+    <mc:Fallback xmlns="">
+      <p:transition xmlns:p14="http://schemas.microsoft.com/office/powerpoint/2010/main" spd="med">
+        <p:fade/>
+      </p:transition>
+    </mc:Fallback>
+  </mc:AlternateContent>
+</p:sld>
+</file>
+
+<file path=ppt/slides/slide42.xml><?xml version="1.0" encoding="utf-8"?>
+<p:sld xmlns:a="http://schemas.openxmlformats.org/drawingml/2006/main" xmlns:r="http://schemas.openxmlformats.org/officeDocument/2006/relationships" xmlns:p="http://schemas.openxmlformats.org/presentationml/2006/main">
+  <p:cSld>
+    <p:spTree>
+      <p:nvGrpSpPr>
+        <p:cNvPr id="1" name=""/>
+        <p:cNvGrpSpPr/>
+        <p:nvPr/>
+      </p:nvGrpSpPr>
+      <p:grpSpPr>
+        <a:xfrm>
+          <a:off x="0" y="0"/>
+          <a:ext cx="0" cy="0"/>
+          <a:chOff x="0" y="0"/>
+          <a:chExt cx="0" cy="0"/>
+        </a:xfrm>
+      </p:grpSpPr>
+      <p:sp>
+        <p:nvSpPr>
+          <p:cNvPr id="6" name="Rectangle 5"/>
+          <p:cNvSpPr/>
+          <p:nvPr/>
+        </p:nvSpPr>
+        <p:spPr>
+          <a:xfrm>
+            <a:off x="-215115" y="0"/>
+            <a:ext cx="12407115" cy="6858000"/>
+          </a:xfrm>
+          <a:prstGeom prst="rect">
+            <a:avLst/>
+          </a:prstGeom>
+          <a:solidFill>
+            <a:schemeClr val="accent1">
+              <a:lumMod val="75000"/>
+            </a:schemeClr>
+          </a:solidFill>
+          <a:ln>
+            <a:noFill/>
+          </a:ln>
+        </p:spPr>
+        <p:style>
+          <a:lnRef idx="1">
+            <a:schemeClr val="accent1"/>
+          </a:lnRef>
+          <a:fillRef idx="3">
+            <a:schemeClr val="accent1"/>
+          </a:fillRef>
+          <a:effectRef idx="2">
+            <a:schemeClr val="accent1"/>
+          </a:effectRef>
+          <a:fontRef idx="minor">
+            <a:schemeClr val="lt1"/>
+          </a:fontRef>
+        </p:style>
+        <p:txBody>
+          <a:bodyPr rtlCol="0" anchor="ctr"/>
+          <a:lstStyle/>
+          <a:p>
+            <a:pPr algn="ctr"/>
+            <a:endParaRPr lang="en-US" sz="2400"/>
+          </a:p>
+        </p:txBody>
+      </p:sp>
+      <p:sp>
+        <p:nvSpPr>
+          <p:cNvPr id="24" name="Title 1"/>
+          <p:cNvSpPr>
+            <a:spLocks noGrp="1"/>
+          </p:cNvSpPr>
+          <p:nvPr>
+            <p:ph type="title"/>
+          </p:nvPr>
+        </p:nvSpPr>
+        <p:spPr>
+          <a:xfrm>
+            <a:off x="502042" y="1936377"/>
+            <a:ext cx="10972800" cy="2985246"/>
+          </a:xfrm>
+        </p:spPr>
+        <p:txBody>
+          <a:bodyPr>
+            <a:noAutofit/>
+          </a:bodyPr>
+          <a:lstStyle/>
+          <a:p>
+            <a:pPr algn="ctr" rtl="0" eaLnBrk="0" fontAlgn="base" hangingPunct="0">
+              <a:spcAft>
+                <a:spcPct val="0"/>
+              </a:spcAft>
+            </a:pPr>
+            <a:r>
+              <a:rPr lang="en-US" sz="6000" dirty="0">
+                <a:solidFill>
+                  <a:schemeClr val="bg1"/>
+                </a:solidFill>
+              </a:rPr>
+              <a:t>Conclusion</a:t>
+            </a:r>
+            <a:endParaRPr lang="en-US" altLang="en-US" sz="6000" b="1" dirty="0">
+              <a:solidFill>
+                <a:schemeClr val="bg1"/>
+              </a:solidFill>
+              <a:latin typeface="Calibri (Body)"/>
+            </a:endParaRPr>
+          </a:p>
+        </p:txBody>
+      </p:sp>
+    </p:spTree>
+    <p:extLst>
+      <p:ext uri="{BB962C8B-B14F-4D97-AF65-F5344CB8AC3E}">
+        <p14:creationId xmlns:p14="http://schemas.microsoft.com/office/powerpoint/2010/main" val="358440138"/>
+      </p:ext>
+    </p:extLst>
+  </p:cSld>
+  <p:clrMapOvr>
+    <a:masterClrMapping/>
+  </p:clrMapOvr>
+  <mc:AlternateContent xmlns:mc="http://schemas.openxmlformats.org/markup-compatibility/2006" xmlns:p14="http://schemas.microsoft.com/office/powerpoint/2010/main">
+    <mc:Choice Requires="p14">
+      <p:transition spd="med" p14:dur="700">
+        <p:fade/>
+      </p:transition>
+    </mc:Choice>
+    <mc:Fallback xmlns="">
+      <p:transition xmlns:p14="http://schemas.microsoft.com/office/powerpoint/2010/main" spd="med">
+        <p:fade/>
+      </p:transition>
+    </mc:Fallback>
+  </mc:AlternateContent>
+</p:sld>
+</file>
+
+<file path=ppt/slides/slide43.xml><?xml version="1.0" encoding="utf-8"?>
+<p:sld xmlns:a="http://schemas.openxmlformats.org/drawingml/2006/main" xmlns:r="http://schemas.openxmlformats.org/officeDocument/2006/relationships" xmlns:p="http://schemas.openxmlformats.org/presentationml/2006/main">
+  <p:cSld>
+    <p:spTree>
+      <p:nvGrpSpPr>
+        <p:cNvPr id="1" name=""/>
+        <p:cNvGrpSpPr/>
+        <p:nvPr/>
+      </p:nvGrpSpPr>
+      <p:grpSpPr>
+        <a:xfrm>
+          <a:off x="0" y="0"/>
+          <a:ext cx="0" cy="0"/>
+          <a:chOff x="0" y="0"/>
+          <a:chExt cx="0" cy="0"/>
+        </a:xfrm>
+      </p:grpSpPr>
+      <p:sp>
+        <p:nvSpPr>
+          <p:cNvPr id="6" name="Rectangle 5"/>
+          <p:cNvSpPr/>
+          <p:nvPr/>
+        </p:nvSpPr>
+        <p:spPr>
+          <a:xfrm>
+            <a:off x="-215115" y="0"/>
+            <a:ext cx="12407115" cy="6858000"/>
+          </a:xfrm>
+          <a:prstGeom prst="rect">
+            <a:avLst/>
+          </a:prstGeom>
+          <a:solidFill>
+            <a:schemeClr val="accent1">
+              <a:lumMod val="75000"/>
+            </a:schemeClr>
+          </a:solidFill>
+          <a:ln>
+            <a:noFill/>
+          </a:ln>
+        </p:spPr>
+        <p:style>
+          <a:lnRef idx="1">
+            <a:schemeClr val="accent1"/>
+          </a:lnRef>
+          <a:fillRef idx="3">
+            <a:schemeClr val="accent1"/>
+          </a:fillRef>
+          <a:effectRef idx="2">
+            <a:schemeClr val="accent1"/>
+          </a:effectRef>
+          <a:fontRef idx="minor">
+            <a:schemeClr val="lt1"/>
+          </a:fontRef>
+        </p:style>
+        <p:txBody>
+          <a:bodyPr rtlCol="0" anchor="ctr"/>
+          <a:lstStyle/>
+          <a:p>
+            <a:pPr algn="ctr"/>
+            <a:endParaRPr lang="en-US" sz="2400"/>
+          </a:p>
+        </p:txBody>
+      </p:sp>
+      <p:sp>
+        <p:nvSpPr>
+          <p:cNvPr id="24" name="Title 1"/>
+          <p:cNvSpPr>
+            <a:spLocks noGrp="1"/>
+          </p:cNvSpPr>
+          <p:nvPr>
+            <p:ph type="title"/>
+          </p:nvPr>
+        </p:nvSpPr>
+        <p:spPr>
+          <a:xfrm>
+            <a:off x="502042" y="1936377"/>
+            <a:ext cx="10972800" cy="2985246"/>
+          </a:xfrm>
+        </p:spPr>
+        <p:txBody>
+          <a:bodyPr>
+            <a:noAutofit/>
+          </a:bodyPr>
+          <a:lstStyle/>
+          <a:p>
+            <a:pPr algn="ctr" rtl="0" eaLnBrk="0" fontAlgn="base" hangingPunct="0">
+              <a:spcAft>
+                <a:spcPct val="0"/>
+              </a:spcAft>
+            </a:pPr>
+            <a:r>
+              <a:rPr lang="en-US" sz="6000" dirty="0">
+                <a:solidFill>
+                  <a:schemeClr val="bg1"/>
+                </a:solidFill>
+              </a:rPr>
+              <a:t>Inheritance</a:t>
+            </a:r>
+            <a:endParaRPr lang="en-US" altLang="en-US" sz="6000" b="1" dirty="0">
+              <a:solidFill>
+                <a:schemeClr val="bg1"/>
+              </a:solidFill>
+              <a:latin typeface="Calibri (Body)"/>
+            </a:endParaRPr>
+          </a:p>
+        </p:txBody>
+      </p:sp>
+    </p:spTree>
+    <p:extLst>
+      <p:ext uri="{BB962C8B-B14F-4D97-AF65-F5344CB8AC3E}">
+        <p14:creationId xmlns:p14="http://schemas.microsoft.com/office/powerpoint/2010/main" val="3990985172"/>
+      </p:ext>
+    </p:extLst>
+  </p:cSld>
+  <p:clrMapOvr>
+    <a:masterClrMapping/>
+  </p:clrMapOvr>
+  <mc:AlternateContent xmlns:mc="http://schemas.openxmlformats.org/markup-compatibility/2006" xmlns:p14="http://schemas.microsoft.com/office/powerpoint/2010/main">
+    <mc:Choice Requires="p14">
+      <p:transition spd="med" p14:dur="700">
+        <p:fade/>
+      </p:transition>
+    </mc:Choice>
+    <mc:Fallback xmlns="">
+      <p:transition xmlns:p14="http://schemas.microsoft.com/office/powerpoint/2010/main" spd="med">
+        <p:fade/>
+      </p:transition>
+    </mc:Fallback>
+  </mc:AlternateContent>
+</p:sld>
+</file>
+
+<file path=ppt/slides/slide44.xml><?xml version="1.0" encoding="utf-8"?>
+<p:sld xmlns:a="http://schemas.openxmlformats.org/drawingml/2006/main" xmlns:r="http://schemas.openxmlformats.org/officeDocument/2006/relationships" xmlns:p="http://schemas.openxmlformats.org/presentationml/2006/main">
+  <p:cSld>
+    <p:spTree>
+      <p:nvGrpSpPr>
+        <p:cNvPr id="1" name=""/>
+        <p:cNvGrpSpPr/>
+        <p:nvPr/>
+      </p:nvGrpSpPr>
+      <p:grpSpPr>
+        <a:xfrm>
+          <a:off x="0" y="0"/>
+          <a:ext cx="0" cy="0"/>
+          <a:chOff x="0" y="0"/>
+          <a:chExt cx="0" cy="0"/>
+        </a:xfrm>
+      </p:grpSpPr>
+      <p:sp>
+        <p:nvSpPr>
+          <p:cNvPr id="6" name="Rectangle 5"/>
+          <p:cNvSpPr/>
+          <p:nvPr/>
+        </p:nvSpPr>
+        <p:spPr>
+          <a:xfrm>
+            <a:off x="-215115" y="0"/>
+            <a:ext cx="12407115" cy="6858000"/>
+          </a:xfrm>
+          <a:prstGeom prst="rect">
+            <a:avLst/>
+          </a:prstGeom>
+          <a:solidFill>
+            <a:schemeClr val="accent1">
+              <a:lumMod val="75000"/>
+            </a:schemeClr>
+          </a:solidFill>
+          <a:ln>
+            <a:noFill/>
+          </a:ln>
+        </p:spPr>
+        <p:style>
+          <a:lnRef idx="1">
+            <a:schemeClr val="accent1"/>
+          </a:lnRef>
+          <a:fillRef idx="3">
+            <a:schemeClr val="accent1"/>
+          </a:fillRef>
+          <a:effectRef idx="2">
+            <a:schemeClr val="accent1"/>
+          </a:effectRef>
+          <a:fontRef idx="minor">
+            <a:schemeClr val="lt1"/>
+          </a:fontRef>
+        </p:style>
+        <p:txBody>
+          <a:bodyPr rtlCol="0" anchor="ctr"/>
+          <a:lstStyle/>
+          <a:p>
+            <a:pPr algn="ctr"/>
+            <a:endParaRPr lang="en-US" sz="2400"/>
+          </a:p>
+        </p:txBody>
+      </p:sp>
+      <p:sp>
+        <p:nvSpPr>
+          <p:cNvPr id="24" name="Title 1"/>
+          <p:cNvSpPr>
+            <a:spLocks noGrp="1"/>
+          </p:cNvSpPr>
+          <p:nvPr>
+            <p:ph type="title"/>
+          </p:nvPr>
+        </p:nvSpPr>
+        <p:spPr>
+          <a:xfrm>
+            <a:off x="502042" y="1936377"/>
+            <a:ext cx="10972800" cy="2985246"/>
+          </a:xfrm>
+        </p:spPr>
+        <p:txBody>
+          <a:bodyPr>
+            <a:noAutofit/>
+          </a:bodyPr>
+          <a:lstStyle/>
+          <a:p>
+            <a:pPr algn="ctr" rtl="0" eaLnBrk="0" fontAlgn="base" hangingPunct="0">
+              <a:spcAft>
+                <a:spcPct val="0"/>
+              </a:spcAft>
+            </a:pPr>
+            <a:r>
+              <a:rPr lang="en-US" sz="6000" dirty="0">
+                <a:solidFill>
+                  <a:schemeClr val="bg1"/>
+                </a:solidFill>
+              </a:rPr>
+              <a:t>Chapter 3</a:t>
+            </a:r>
+            <a:endParaRPr lang="en-US" altLang="en-US" sz="6000" b="1" dirty="0">
+              <a:solidFill>
+                <a:schemeClr val="bg1"/>
+              </a:solidFill>
+              <a:latin typeface="Calibri (Body)"/>
+            </a:endParaRPr>
+          </a:p>
+        </p:txBody>
+      </p:sp>
+    </p:spTree>
+    <p:extLst>
+      <p:ext uri="{BB962C8B-B14F-4D97-AF65-F5344CB8AC3E}">
+        <p14:creationId xmlns:p14="http://schemas.microsoft.com/office/powerpoint/2010/main" val="2970466370"/>
+      </p:ext>
+    </p:extLst>
+  </p:cSld>
+  <p:clrMapOvr>
+    <a:masterClrMapping/>
+  </p:clrMapOvr>
+  <mc:AlternateContent xmlns:mc="http://schemas.openxmlformats.org/markup-compatibility/2006" xmlns:p14="http://schemas.microsoft.com/office/powerpoint/2010/main">
+    <mc:Choice Requires="p14">
+      <p:transition spd="med" p14:dur="700">
+        <p:fade/>
+      </p:transition>
+    </mc:Choice>
+    <mc:Fallback xmlns="">
+      <p:transition xmlns:p14="http://schemas.microsoft.com/office/powerpoint/2010/main" spd="med">
+        <p:fade/>
+      </p:transition>
+    </mc:Fallback>
+  </mc:AlternateContent>
+</p:sld>
+</file>
+
+<file path=ppt/slides/slide45.xml><?xml version="1.0" encoding="utf-8"?>
+<p:sld xmlns:a="http://schemas.openxmlformats.org/drawingml/2006/main" xmlns:r="http://schemas.openxmlformats.org/officeDocument/2006/relationships" xmlns:p="http://schemas.openxmlformats.org/presentationml/2006/main">
+  <p:cSld>
+    <p:spTree>
+      <p:nvGrpSpPr>
+        <p:cNvPr id="1" name=""/>
+        <p:cNvGrpSpPr/>
+        <p:nvPr/>
+      </p:nvGrpSpPr>
+      <p:grpSpPr>
+        <a:xfrm>
+          <a:off x="0" y="0"/>
+          <a:ext cx="0" cy="0"/>
+          <a:chOff x="0" y="0"/>
+          <a:chExt cx="0" cy="0"/>
+        </a:xfrm>
+      </p:grpSpPr>
+      <p:sp>
+        <p:nvSpPr>
+          <p:cNvPr id="6" name="Rectangle 5"/>
+          <p:cNvSpPr/>
+          <p:nvPr/>
+        </p:nvSpPr>
+        <p:spPr>
+          <a:xfrm>
+            <a:off x="-215115" y="0"/>
+            <a:ext cx="12407115" cy="6858000"/>
+          </a:xfrm>
+          <a:prstGeom prst="rect">
+            <a:avLst/>
+          </a:prstGeom>
+          <a:solidFill>
+            <a:schemeClr val="accent1">
+              <a:lumMod val="75000"/>
+            </a:schemeClr>
+          </a:solidFill>
+          <a:ln>
+            <a:noFill/>
+          </a:ln>
+        </p:spPr>
+        <p:style>
+          <a:lnRef idx="1">
+            <a:schemeClr val="accent1"/>
+          </a:lnRef>
+          <a:fillRef idx="3">
+            <a:schemeClr val="accent1"/>
+          </a:fillRef>
+          <a:effectRef idx="2">
+            <a:schemeClr val="accent1"/>
+          </a:effectRef>
+          <a:fontRef idx="minor">
+            <a:schemeClr val="lt1"/>
+          </a:fontRef>
+        </p:style>
+        <p:txBody>
+          <a:bodyPr rtlCol="0" anchor="ctr"/>
+          <a:lstStyle/>
+          <a:p>
+            <a:pPr algn="ctr"/>
+            <a:endParaRPr lang="en-US" sz="2400"/>
+          </a:p>
+        </p:txBody>
+      </p:sp>
+      <p:sp>
+        <p:nvSpPr>
+          <p:cNvPr id="24" name="Title 1"/>
+          <p:cNvSpPr>
+            <a:spLocks noGrp="1"/>
+          </p:cNvSpPr>
+          <p:nvPr>
+            <p:ph type="title"/>
+          </p:nvPr>
+        </p:nvSpPr>
+        <p:spPr>
+          <a:xfrm>
+            <a:off x="502042" y="1936377"/>
+            <a:ext cx="10972800" cy="2985246"/>
+          </a:xfrm>
+        </p:spPr>
+        <p:txBody>
+          <a:bodyPr>
+            <a:noAutofit/>
+          </a:bodyPr>
+          <a:lstStyle/>
+          <a:p>
+            <a:pPr algn="ctr" rtl="0" eaLnBrk="0" fontAlgn="base" hangingPunct="0">
+              <a:spcAft>
+                <a:spcPct val="0"/>
+              </a:spcAft>
+            </a:pPr>
+            <a:r>
+              <a:rPr lang="en-US" sz="6000" dirty="0">
+                <a:solidFill>
+                  <a:schemeClr val="bg1"/>
+                </a:solidFill>
+              </a:rPr>
+              <a:t>What is OOP</a:t>
+            </a:r>
+            <a:endParaRPr lang="en-US" altLang="en-US" sz="6000" b="1" dirty="0">
+              <a:solidFill>
+                <a:schemeClr val="bg1"/>
+              </a:solidFill>
+              <a:latin typeface="Calibri (Body)"/>
+            </a:endParaRPr>
+          </a:p>
+        </p:txBody>
+      </p:sp>
+    </p:spTree>
+    <p:extLst>
+      <p:ext uri="{BB962C8B-B14F-4D97-AF65-F5344CB8AC3E}">
+        <p14:creationId xmlns:p14="http://schemas.microsoft.com/office/powerpoint/2010/main" val="2260368804"/>
+      </p:ext>
+    </p:extLst>
+  </p:cSld>
+  <p:clrMapOvr>
+    <a:masterClrMapping/>
+  </p:clrMapOvr>
+  <mc:AlternateContent xmlns:mc="http://schemas.openxmlformats.org/markup-compatibility/2006" xmlns:p14="http://schemas.microsoft.com/office/powerpoint/2010/main">
+    <mc:Choice Requires="p14">
+      <p:transition spd="med" p14:dur="700">
+        <p:fade/>
+      </p:transition>
+    </mc:Choice>
+    <mc:Fallback xmlns="">
+      <p:transition xmlns:p14="http://schemas.microsoft.com/office/powerpoint/2010/main" spd="med">
+        <p:fade/>
+      </p:transition>
+    </mc:Fallback>
+  </mc:AlternateContent>
+</p:sld>
+</file>
+
+<file path=ppt/slides/slide46.xml><?xml version="1.0" encoding="utf-8"?>
+<p:sld xmlns:a="http://schemas.openxmlformats.org/drawingml/2006/main" xmlns:r="http://schemas.openxmlformats.org/officeDocument/2006/relationships" xmlns:p="http://schemas.openxmlformats.org/presentationml/2006/main">
+  <p:cSld>
+    <p:spTree>
+      <p:nvGrpSpPr>
+        <p:cNvPr id="1" name=""/>
+        <p:cNvGrpSpPr/>
+        <p:nvPr/>
+      </p:nvGrpSpPr>
+      <p:grpSpPr>
+        <a:xfrm>
+          <a:off x="0" y="0"/>
+          <a:ext cx="0" cy="0"/>
+          <a:chOff x="0" y="0"/>
+          <a:chExt cx="0" cy="0"/>
+        </a:xfrm>
+      </p:grpSpPr>
+      <p:sp>
+        <p:nvSpPr>
+          <p:cNvPr id="6" name="Rectangle 5"/>
+          <p:cNvSpPr/>
+          <p:nvPr/>
+        </p:nvSpPr>
+        <p:spPr>
+          <a:xfrm>
+            <a:off x="-215115" y="0"/>
+            <a:ext cx="12407115" cy="6858000"/>
+          </a:xfrm>
+          <a:prstGeom prst="rect">
+            <a:avLst/>
+          </a:prstGeom>
+          <a:solidFill>
+            <a:schemeClr val="accent1">
+              <a:lumMod val="75000"/>
+            </a:schemeClr>
+          </a:solidFill>
+          <a:ln>
+            <a:noFill/>
+          </a:ln>
+        </p:spPr>
+        <p:style>
+          <a:lnRef idx="1">
+            <a:schemeClr val="accent1"/>
+          </a:lnRef>
+          <a:fillRef idx="3">
+            <a:schemeClr val="accent1"/>
+          </a:fillRef>
+          <a:effectRef idx="2">
+            <a:schemeClr val="accent1"/>
+          </a:effectRef>
+          <a:fontRef idx="minor">
+            <a:schemeClr val="lt1"/>
+          </a:fontRef>
+        </p:style>
+        <p:txBody>
+          <a:bodyPr rtlCol="0" anchor="ctr"/>
+          <a:lstStyle/>
+          <a:p>
+            <a:pPr algn="ctr"/>
+            <a:endParaRPr lang="en-US" sz="2400"/>
+          </a:p>
+        </p:txBody>
+      </p:sp>
+      <p:sp>
+        <p:nvSpPr>
+          <p:cNvPr id="24" name="Title 1"/>
+          <p:cNvSpPr>
+            <a:spLocks noGrp="1"/>
+          </p:cNvSpPr>
+          <p:nvPr>
+            <p:ph type="title"/>
+          </p:nvPr>
+        </p:nvSpPr>
+        <p:spPr>
+          <a:xfrm>
+            <a:off x="502042" y="1936377"/>
+            <a:ext cx="10972800" cy="2985246"/>
+          </a:xfrm>
+        </p:spPr>
+        <p:txBody>
+          <a:bodyPr>
+            <a:noAutofit/>
+          </a:bodyPr>
+          <a:lstStyle/>
+          <a:p>
+            <a:pPr algn="ctr" rtl="0" eaLnBrk="0" fontAlgn="base" hangingPunct="0">
+              <a:spcAft>
+                <a:spcPct val="0"/>
+              </a:spcAft>
+            </a:pPr>
+            <a:r>
+              <a:rPr lang="en-US" sz="6000" dirty="0">
+                <a:solidFill>
+                  <a:schemeClr val="bg1"/>
+                </a:solidFill>
+              </a:rPr>
+              <a:t>What is OOP</a:t>
+            </a:r>
+            <a:endParaRPr lang="en-US" altLang="en-US" sz="6000" b="1" dirty="0">
+              <a:solidFill>
+                <a:schemeClr val="bg1"/>
+              </a:solidFill>
+              <a:latin typeface="Calibri (Body)"/>
+            </a:endParaRPr>
+          </a:p>
+        </p:txBody>
+      </p:sp>
+    </p:spTree>
+    <p:extLst>
+      <p:ext uri="{BB962C8B-B14F-4D97-AF65-F5344CB8AC3E}">
+        <p14:creationId xmlns:p14="http://schemas.microsoft.com/office/powerpoint/2010/main" val="231217803"/>
+      </p:ext>
+    </p:extLst>
+  </p:cSld>
+  <p:clrMapOvr>
+    <a:masterClrMapping/>
+  </p:clrMapOvr>
+  <mc:AlternateContent xmlns:mc="http://schemas.openxmlformats.org/markup-compatibility/2006" xmlns:p14="http://schemas.microsoft.com/office/powerpoint/2010/main">
+    <mc:Choice Requires="p14">
+      <p:transition spd="med" p14:dur="700">
+        <p:fade/>
+      </p:transition>
+    </mc:Choice>
+    <mc:Fallback xmlns="">
+      <p:transition xmlns:p14="http://schemas.microsoft.com/office/powerpoint/2010/main" spd="med">
+        <p:fade/>
+      </p:transition>
+    </mc:Fallback>
+  </mc:AlternateContent>
 </p:sld>
 </file>
 

--- a/presentations/Practical Web Dev.pptx
+++ b/presentations/Practical Web Dev.pptx
@@ -5,7 +5,7 @@
     <p:sldMasterId id="2147483648" r:id="rId1"/>
   </p:sldMasterIdLst>
   <p:notesMasterIdLst>
-    <p:notesMasterId r:id="rId48"/>
+    <p:notesMasterId r:id="rId62"/>
   </p:notesMasterIdLst>
   <p:sldIdLst>
     <p:sldId id="256" r:id="rId2"/>
@@ -54,6 +54,20 @@
     <p:sldId id="408" r:id="rId45"/>
     <p:sldId id="409" r:id="rId46"/>
     <p:sldId id="410" r:id="rId47"/>
+    <p:sldId id="412" r:id="rId48"/>
+    <p:sldId id="416" r:id="rId49"/>
+    <p:sldId id="417" r:id="rId50"/>
+    <p:sldId id="418" r:id="rId51"/>
+    <p:sldId id="419" r:id="rId52"/>
+    <p:sldId id="420" r:id="rId53"/>
+    <p:sldId id="415" r:id="rId54"/>
+    <p:sldId id="413" r:id="rId55"/>
+    <p:sldId id="422" r:id="rId56"/>
+    <p:sldId id="414" r:id="rId57"/>
+    <p:sldId id="423" r:id="rId58"/>
+    <p:sldId id="424" r:id="rId59"/>
+    <p:sldId id="421" r:id="rId60"/>
+    <p:sldId id="411" r:id="rId61"/>
   </p:sldIdLst>
   <p:sldSz cx="12192000" cy="6858000"/>
   <p:notesSz cx="6858000" cy="9144000"/>
@@ -207,6 +221,20 @@
             <p14:sldId id="408"/>
             <p14:sldId id="409"/>
             <p14:sldId id="410"/>
+            <p14:sldId id="412"/>
+            <p14:sldId id="416"/>
+            <p14:sldId id="417"/>
+            <p14:sldId id="418"/>
+            <p14:sldId id="419"/>
+            <p14:sldId id="420"/>
+            <p14:sldId id="415"/>
+            <p14:sldId id="413"/>
+            <p14:sldId id="422"/>
+            <p14:sldId id="414"/>
+            <p14:sldId id="423"/>
+            <p14:sldId id="424"/>
+            <p14:sldId id="421"/>
+            <p14:sldId id="411"/>
           </p14:sldIdLst>
         </p14:section>
       </p14:sectionLst>
@@ -11683,6 +11711,172 @@
             </a:endParaRPr>
           </a:p>
           <a:p>
+            <a:pPr marL="0" marR="0" lvl="0" indent="0" algn="l" defTabSz="914400" rtl="0" eaLnBrk="1" fontAlgn="auto" latinLnBrk="0" hangingPunct="1">
+              <a:lnSpc>
+                <a:spcPct val="100000"/>
+              </a:lnSpc>
+              <a:spcBef>
+                <a:spcPts val="0"/>
+              </a:spcBef>
+              <a:spcAft>
+                <a:spcPts val="0"/>
+              </a:spcAft>
+              <a:buClrTx/>
+              <a:buSzTx/>
+              <a:buFontTx/>
+              <a:buNone/>
+              <a:tabLst/>
+              <a:defRPr/>
+            </a:pPr>
+            <a:r>
+              <a:rPr lang="en-US" sz="1200" b="0" i="0" kern="1200" dirty="0">
+                <a:solidFill>
+                  <a:schemeClr val="tx1"/>
+                </a:solidFill>
+                <a:effectLst/>
+                <a:latin typeface="+mn-lt"/>
+                <a:ea typeface="+mn-ea"/>
+                <a:cs typeface="+mn-cs"/>
+              </a:rPr>
+              <a:t>[</a:t>
+            </a:r>
+            <a:r>
+              <a:rPr lang="en-US" sz="2400" b="1" dirty="0">
+                <a:solidFill>
+                  <a:schemeClr val="tx1">
+                    <a:lumMod val="75000"/>
+                  </a:schemeClr>
+                </a:solidFill>
+              </a:rPr>
+              <a:t>Object-oriented programming (OOP) </a:t>
+            </a:r>
+            <a:r>
+              <a:rPr lang="en-US" sz="2400" dirty="0"/>
+              <a:t>is a classification of a programing language that is based on the ability of creating and working with </a:t>
+            </a:r>
+            <a:r>
+              <a:rPr lang="en-US" sz="2400" b="1" dirty="0">
+                <a:solidFill>
+                  <a:schemeClr val="tx1">
+                    <a:lumMod val="75000"/>
+                  </a:schemeClr>
+                </a:solidFill>
+              </a:rPr>
+              <a:t>objects</a:t>
+            </a:r>
+            <a:r>
+              <a:rPr lang="en-US" sz="2400" dirty="0"/>
+              <a:t>.</a:t>
+            </a:r>
+          </a:p>
+          <a:p>
+            <a:pPr marL="0" marR="0" lvl="0" indent="0" algn="l" defTabSz="914400" rtl="0" eaLnBrk="1" fontAlgn="auto" latinLnBrk="0" hangingPunct="1">
+              <a:lnSpc>
+                <a:spcPct val="100000"/>
+              </a:lnSpc>
+              <a:spcBef>
+                <a:spcPts val="0"/>
+              </a:spcBef>
+              <a:spcAft>
+                <a:spcPts val="0"/>
+              </a:spcAft>
+              <a:buClrTx/>
+              <a:buSzTx/>
+              <a:buFontTx/>
+              <a:buNone/>
+              <a:tabLst/>
+              <a:defRPr/>
+            </a:pPr>
+            <a:r>
+              <a:rPr lang="en-US" sz="2400" dirty="0"/>
+              <a:t>An </a:t>
+            </a:r>
+            <a:r>
+              <a:rPr lang="en-US" sz="2400" b="1" dirty="0">
+                <a:solidFill>
+                  <a:schemeClr val="tx1">
+                    <a:lumMod val="75000"/>
+                  </a:schemeClr>
+                </a:solidFill>
+              </a:rPr>
+              <a:t>object</a:t>
+            </a:r>
+            <a:r>
+              <a:rPr lang="en-US" sz="2400" dirty="0"/>
+              <a:t> is a complex variable type which is constructed from members (sub variable) and methods (object oriented functions).</a:t>
+            </a:r>
+          </a:p>
+          <a:p>
+            <a:pPr marL="0" marR="0" lvl="0" indent="0" algn="l" defTabSz="914400" rtl="0" eaLnBrk="1" fontAlgn="auto" latinLnBrk="0" hangingPunct="1">
+              <a:lnSpc>
+                <a:spcPct val="100000"/>
+              </a:lnSpc>
+              <a:spcBef>
+                <a:spcPts val="0"/>
+              </a:spcBef>
+              <a:spcAft>
+                <a:spcPts val="0"/>
+              </a:spcAft>
+              <a:buClrTx/>
+              <a:buSzTx/>
+              <a:buFontTx/>
+              <a:buNone/>
+              <a:tabLst/>
+              <a:defRPr/>
+            </a:pPr>
+            <a:r>
+              <a:rPr lang="en-US" sz="2400" dirty="0"/>
+              <a:t>OOP languages:</a:t>
+            </a:r>
+          </a:p>
+          <a:p>
+            <a:pPr lvl="2" indent="-228600" algn="l" rtl="0"/>
+            <a:r>
+              <a:rPr lang="en-US" sz="2400" dirty="0"/>
+              <a:t>Java, C++, C#, Python, PHP, Ruby, Perl, Objective-C.</a:t>
+            </a:r>
+            <a:r>
+              <a:rPr lang="en-US" sz="1200" b="0" i="0" kern="1200" dirty="0">
+                <a:solidFill>
+                  <a:schemeClr val="tx1"/>
+                </a:solidFill>
+                <a:effectLst/>
+                <a:latin typeface="+mn-lt"/>
+                <a:ea typeface="+mn-ea"/>
+                <a:cs typeface="+mn-cs"/>
+              </a:rPr>
+              <a:t>]</a:t>
+            </a:r>
+          </a:p>
+          <a:p>
+            <a:pPr marL="0" marR="0" lvl="0" indent="0" algn="l" defTabSz="914400" rtl="0" eaLnBrk="1" fontAlgn="auto" latinLnBrk="0" hangingPunct="1">
+              <a:lnSpc>
+                <a:spcPct val="100000"/>
+              </a:lnSpc>
+              <a:spcBef>
+                <a:spcPts val="0"/>
+              </a:spcBef>
+              <a:spcAft>
+                <a:spcPts val="0"/>
+              </a:spcAft>
+              <a:buClrTx/>
+              <a:buSzTx/>
+              <a:buFontTx/>
+              <a:buNone/>
+              <a:tabLst/>
+              <a:defRPr/>
+            </a:pPr>
+            <a:endParaRPr lang="en-US" sz="1200" b="0" i="0" kern="1200" dirty="0">
+              <a:solidFill>
+                <a:schemeClr val="tx1"/>
+              </a:solidFill>
+              <a:effectLst/>
+              <a:latin typeface="+mn-lt"/>
+              <a:ea typeface="+mn-ea"/>
+              <a:cs typeface="+mn-cs"/>
+            </a:endParaRPr>
+          </a:p>
+          <a:p>
             <a:pPr marL="171450" marR="0" lvl="0" indent="-171450" algn="l" defTabSz="914400" rtl="0" eaLnBrk="1" fontAlgn="auto" latinLnBrk="0" hangingPunct="1">
               <a:lnSpc>
                 <a:spcPct val="100000"/>
@@ -11885,7 +12079,7 @@
                 <a:ea typeface="+mn-ea"/>
                 <a:cs typeface="+mn-cs"/>
               </a:rPr>
-              <a:t>Maybe we can skip on it? Or ask if someone want to explain?</a:t>
+              <a:t>How we can create a OOP in JS?</a:t>
             </a:r>
           </a:p>
           <a:p>
@@ -11944,7 +12138,31 @@
                 <a:ea typeface="+mn-ea"/>
                 <a:cs typeface="+mn-cs"/>
               </a:rPr>
-              <a:t>What is OOP?</a:t>
+              <a:t>Well, today with ES6 &amp; typescript it’s much </a:t>
+            </a:r>
+            <a:r>
+              <a:rPr lang="en-US" sz="1200" b="0" i="0" kern="1200" dirty="0" err="1">
+                <a:solidFill>
+                  <a:schemeClr val="tx1"/>
+                </a:solidFill>
+                <a:effectLst/>
+                <a:latin typeface="+mn-lt"/>
+                <a:ea typeface="+mn-ea"/>
+                <a:cs typeface="+mn-cs"/>
+              </a:rPr>
+              <a:t>much</a:t>
+            </a:r>
+            <a:r>
+              <a:rPr lang="en-US" sz="1200" b="0" i="0" kern="1200" dirty="0">
+                <a:solidFill>
+                  <a:schemeClr val="tx1"/>
+                </a:solidFill>
+                <a:effectLst/>
+                <a:latin typeface="+mn-lt"/>
+                <a:ea typeface="+mn-ea"/>
+                <a:cs typeface="+mn-cs"/>
+              </a:rPr>
+              <a:t> easier,</a:t>
             </a:r>
           </a:p>
           <a:p>
@@ -11965,15 +12183,18 @@
               <a:tabLst/>
               <a:defRPr/>
             </a:pPr>
-            <a:endParaRPr lang="en-US" sz="1200" b="0" i="0" kern="1200" dirty="0">
-              <a:solidFill>
-                <a:schemeClr val="tx1"/>
-              </a:solidFill>
-              <a:effectLst/>
-              <a:latin typeface="+mn-lt"/>
-              <a:ea typeface="+mn-ea"/>
-              <a:cs typeface="+mn-cs"/>
-            </a:endParaRPr>
+            <a:r>
+              <a:rPr lang="en-US" sz="1200" b="0" i="0" kern="1200" dirty="0">
+                <a:solidFill>
+                  <a:schemeClr val="tx1"/>
+                </a:solidFill>
+                <a:effectLst/>
+                <a:latin typeface="+mn-lt"/>
+                <a:ea typeface="+mn-ea"/>
+                <a:cs typeface="+mn-cs"/>
+              </a:rPr>
+              <a:t>We will explain how we did it in the past and how today, but before we will start we need to get up to speed with some JS principles</a:t>
+            </a:r>
           </a:p>
           <a:p>
             <a:pPr marL="0" marR="0" lvl="0" indent="0" algn="l" defTabSz="914400" rtl="0" eaLnBrk="1" fontAlgn="auto" latinLnBrk="0" hangingPunct="1">
@@ -11993,18 +12214,7 @@
               <a:tabLst/>
               <a:defRPr/>
             </a:pPr>
-            <a:r>
-              <a:rPr lang="en-US" sz="1200" b="0" i="0" kern="1200" dirty="0">
-                <a:solidFill>
-                  <a:schemeClr val="tx1"/>
-                </a:solidFill>
-                <a:effectLst/>
-                <a:latin typeface="+mn-lt"/>
-                <a:ea typeface="+mn-ea"/>
-                <a:cs typeface="+mn-cs"/>
-              </a:rPr>
-              <a:t>Object Oriented Programming (OOP) refers to using self-contained pieces of code to develop applications.</a:t>
-            </a:r>
+            <a:endParaRPr lang="en-US" b="0" dirty="0"/>
           </a:p>
           <a:p>
             <a:pPr marL="0" marR="0" lvl="0" indent="0" algn="l" defTabSz="914400" rtl="0" eaLnBrk="1" fontAlgn="auto" latinLnBrk="0" hangingPunct="1">
@@ -12024,66 +12234,7 @@
               <a:tabLst/>
               <a:defRPr/>
             </a:pPr>
-            <a:r>
-              <a:rPr lang="en-US" sz="1200" b="0" i="0" kern="1200" dirty="0">
-                <a:solidFill>
-                  <a:schemeClr val="tx1"/>
-                </a:solidFill>
-                <a:effectLst/>
-                <a:latin typeface="+mn-lt"/>
-                <a:ea typeface="+mn-ea"/>
-                <a:cs typeface="+mn-cs"/>
-              </a:rPr>
-              <a:t>We call these self-contained pieces of code </a:t>
-            </a:r>
-            <a:r>
-              <a:rPr lang="en-US" sz="1200" b="1" i="0" kern="1200" dirty="0">
-                <a:solidFill>
-                  <a:schemeClr val="tx1"/>
-                </a:solidFill>
-                <a:effectLst/>
-                <a:latin typeface="+mn-lt"/>
-                <a:ea typeface="+mn-ea"/>
-                <a:cs typeface="+mn-cs"/>
-              </a:rPr>
-              <a:t>objects</a:t>
-            </a:r>
-            <a:r>
-              <a:rPr lang="en-US" sz="1200" b="0" i="0" kern="1200" dirty="0">
-                <a:solidFill>
-                  <a:schemeClr val="tx1"/>
-                </a:solidFill>
-                <a:effectLst/>
-                <a:latin typeface="+mn-lt"/>
-                <a:ea typeface="+mn-ea"/>
-                <a:cs typeface="+mn-cs"/>
-              </a:rPr>
-              <a:t>, better known as </a:t>
-            </a:r>
-            <a:r>
-              <a:rPr lang="en-US" sz="1200" b="0" i="1" kern="1200" dirty="0">
-                <a:solidFill>
-                  <a:schemeClr val="tx1"/>
-                </a:solidFill>
-                <a:effectLst/>
-                <a:latin typeface="+mn-lt"/>
-                <a:ea typeface="+mn-ea"/>
-                <a:cs typeface="+mn-cs"/>
-              </a:rPr>
-              <a:t>Classes</a:t>
-            </a:r>
-            <a:r>
-              <a:rPr lang="en-US" sz="1200" b="0" i="0" kern="1200" dirty="0">
-                <a:solidFill>
-                  <a:schemeClr val="tx1"/>
-                </a:solidFill>
-                <a:effectLst/>
-                <a:latin typeface="+mn-lt"/>
-                <a:ea typeface="+mn-ea"/>
-                <a:cs typeface="+mn-cs"/>
-              </a:rPr>
-              <a:t> in most OOP programming languages.</a:t>
-            </a:r>
+            <a:endParaRPr lang="en-US" b="0" dirty="0"/>
           </a:p>
           <a:p>
             <a:pPr marL="0" marR="0" lvl="0" indent="0" algn="l" defTabSz="914400" rtl="0" eaLnBrk="1" fontAlgn="auto" latinLnBrk="0" hangingPunct="1">
@@ -12103,19 +12254,158 @@
               <a:tabLst/>
               <a:defRPr/>
             </a:pPr>
-            <a:r>
-              <a:rPr lang="en-US" sz="1200" b="0" i="0" kern="1200" dirty="0">
-                <a:solidFill>
-                  <a:schemeClr val="tx1"/>
-                </a:solidFill>
-                <a:effectLst/>
-                <a:latin typeface="+mn-lt"/>
-                <a:ea typeface="+mn-ea"/>
-                <a:cs typeface="+mn-cs"/>
-              </a:rPr>
-              <a:t>We use objects as building blocks for our applications.</a:t>
-            </a:r>
-          </a:p>
+            <a:endParaRPr lang="en-US" b="0" dirty="0"/>
+          </a:p>
+          <a:p>
+            <a:pPr marL="171450" marR="0" lvl="0" indent="-171450" algn="l" defTabSz="914400" rtl="0" eaLnBrk="1" fontAlgn="auto" latinLnBrk="0" hangingPunct="1">
+              <a:lnSpc>
+                <a:spcPct val="100000"/>
+              </a:lnSpc>
+              <a:spcBef>
+                <a:spcPts val="0"/>
+              </a:spcBef>
+              <a:spcAft>
+                <a:spcPts val="0"/>
+              </a:spcAft>
+              <a:buClrTx/>
+              <a:buSzTx/>
+              <a:buFontTx/>
+              <a:buChar char="-"/>
+              <a:tabLst/>
+              <a:defRPr/>
+            </a:pPr>
+            <a:r>
+              <a:rPr lang="en-US" b="0" dirty="0"/>
+              <a:t>https://medium.com/ecmascript-2015/es6-classes-and-inheritance-607804080906</a:t>
+            </a:r>
+          </a:p>
+          <a:p>
+            <a:pPr marL="171450" marR="0" lvl="0" indent="-171450" algn="l" defTabSz="914400" rtl="0" eaLnBrk="1" fontAlgn="auto" latinLnBrk="0" hangingPunct="1">
+              <a:lnSpc>
+                <a:spcPct val="100000"/>
+              </a:lnSpc>
+              <a:spcBef>
+                <a:spcPts val="0"/>
+              </a:spcBef>
+              <a:spcAft>
+                <a:spcPts val="0"/>
+              </a:spcAft>
+              <a:buClrTx/>
+              <a:buSzTx/>
+              <a:buFontTx/>
+              <a:buChar char="-"/>
+              <a:tabLst/>
+              <a:defRPr/>
+            </a:pPr>
+            <a:r>
+              <a:rPr lang="en-US" b="0" dirty="0"/>
+              <a:t>https://medium.freecodecamp.org/an-introduction-to-object-oriented-programming-in-javascript-8900124e316a</a:t>
+            </a:r>
+          </a:p>
+          <a:p>
+            <a:pPr marL="171450" marR="0" lvl="0" indent="-171450" algn="l" defTabSz="914400" rtl="0" eaLnBrk="1" fontAlgn="auto" latinLnBrk="0" hangingPunct="1">
+              <a:lnSpc>
+                <a:spcPct val="100000"/>
+              </a:lnSpc>
+              <a:spcBef>
+                <a:spcPts val="0"/>
+              </a:spcBef>
+              <a:spcAft>
+                <a:spcPts val="0"/>
+              </a:spcAft>
+              <a:buClrTx/>
+              <a:buSzTx/>
+              <a:buFontTx/>
+              <a:buChar char="-"/>
+              <a:tabLst/>
+              <a:defRPr/>
+            </a:pPr>
+            <a:r>
+              <a:rPr lang="en-US" b="0" dirty="0"/>
+              <a:t>https://javascriptissexy.com/oop-in-javascript-what-you-need-to-know/</a:t>
+            </a:r>
+          </a:p>
+        </p:txBody>
+      </p:sp>
+      <p:sp>
+        <p:nvSpPr>
+          <p:cNvPr id="4" name="Slide Number Placeholder 3"/>
+          <p:cNvSpPr>
+            <a:spLocks noGrp="1"/>
+          </p:cNvSpPr>
+          <p:nvPr>
+            <p:ph type="sldNum" sz="quarter" idx="10"/>
+          </p:nvPr>
+        </p:nvSpPr>
+        <p:spPr/>
+        <p:txBody>
+          <a:bodyPr/>
+          <a:lstStyle/>
+          <a:p>
+            <a:fld id="{595D0871-5AD0-4670-BDA8-FBE649F625DD}" type="slidenum">
+              <a:rPr lang="he-IL" smtClean="0"/>
+              <a:t>46</a:t>
+            </a:fld>
+            <a:endParaRPr lang="he-IL"/>
+          </a:p>
+        </p:txBody>
+      </p:sp>
+    </p:spTree>
+    <p:extLst>
+      <p:ext uri="{BB962C8B-B14F-4D97-AF65-F5344CB8AC3E}">
+        <p14:creationId xmlns:p14="http://schemas.microsoft.com/office/powerpoint/2010/main" val="136221795"/>
+      </p:ext>
+    </p:extLst>
+  </p:cSld>
+  <p:clrMapOvr>
+    <a:masterClrMapping/>
+  </p:clrMapOvr>
+</p:notes>
+</file>
+
+<file path=ppt/notesSlides/notesSlide45.xml><?xml version="1.0" encoding="utf-8"?>
+<p:notes xmlns:a="http://schemas.openxmlformats.org/drawingml/2006/main" xmlns:r="http://schemas.openxmlformats.org/officeDocument/2006/relationships" xmlns:p="http://schemas.openxmlformats.org/presentationml/2006/main">
+  <p:cSld>
+    <p:spTree>
+      <p:nvGrpSpPr>
+        <p:cNvPr id="1" name=""/>
+        <p:cNvGrpSpPr/>
+        <p:nvPr/>
+      </p:nvGrpSpPr>
+      <p:grpSpPr>
+        <a:xfrm>
+          <a:off x="0" y="0"/>
+          <a:ext cx="0" cy="0"/>
+          <a:chOff x="0" y="0"/>
+          <a:chExt cx="0" cy="0"/>
+        </a:xfrm>
+      </p:grpSpPr>
+      <p:sp>
+        <p:nvSpPr>
+          <p:cNvPr id="2" name="Slide Image Placeholder 1"/>
+          <p:cNvSpPr>
+            <a:spLocks noGrp="1" noRot="1" noChangeAspect="1"/>
+          </p:cNvSpPr>
+          <p:nvPr>
+            <p:ph type="sldImg"/>
+          </p:nvPr>
+        </p:nvSpPr>
+        <p:spPr/>
+      </p:sp>
+      <p:sp>
+        <p:nvSpPr>
+          <p:cNvPr id="3" name="Notes Placeholder 2"/>
+          <p:cNvSpPr>
+            <a:spLocks noGrp="1"/>
+          </p:cNvSpPr>
+          <p:nvPr>
+            <p:ph type="body" idx="1"/>
+          </p:nvPr>
+        </p:nvSpPr>
+        <p:spPr/>
+        <p:txBody>
+          <a:bodyPr/>
+          <a:lstStyle/>
           <a:p>
             <a:pPr marL="0" marR="0" lvl="0" indent="0" algn="l" defTabSz="914400" rtl="0" eaLnBrk="1" fontAlgn="auto" latinLnBrk="0" hangingPunct="1">
               <a:lnSpc>
@@ -12135,90 +12425,91 @@
               <a:defRPr/>
             </a:pPr>
             <a:r>
-              <a:rPr lang="en-US" sz="1200" b="0" i="0" kern="1200" dirty="0">
-                <a:solidFill>
-                  <a:schemeClr val="tx1"/>
-                </a:solidFill>
-                <a:effectLst/>
-                <a:latin typeface="+mn-lt"/>
-                <a:ea typeface="+mn-ea"/>
-                <a:cs typeface="+mn-cs"/>
-              </a:rPr>
-              <a:t>Building applications with objects allows us to adopt some valuable techniques, namely, </a:t>
-            </a:r>
-            <a:r>
-              <a:rPr lang="en-US" sz="1200" b="1" i="0" kern="1200" dirty="0">
-                <a:solidFill>
-                  <a:schemeClr val="tx1"/>
-                </a:solidFill>
-                <a:effectLst/>
-                <a:latin typeface="+mn-lt"/>
-                <a:ea typeface="+mn-ea"/>
-                <a:cs typeface="+mn-cs"/>
-              </a:rPr>
-              <a:t>Inheritance</a:t>
-            </a:r>
-            <a:r>
-              <a:rPr lang="en-US" sz="1200" b="0" i="0" kern="1200" dirty="0">
-                <a:solidFill>
-                  <a:schemeClr val="tx1"/>
-                </a:solidFill>
-                <a:effectLst/>
-                <a:latin typeface="+mn-lt"/>
-                <a:ea typeface="+mn-ea"/>
-                <a:cs typeface="+mn-cs"/>
-              </a:rPr>
-              <a:t> (objects can inherit features from other objects), </a:t>
-            </a:r>
-            <a:r>
-              <a:rPr lang="en-US" sz="1200" b="1" i="0" kern="1200" dirty="0">
-                <a:solidFill>
-                  <a:schemeClr val="tx1"/>
-                </a:solidFill>
-                <a:effectLst/>
-                <a:latin typeface="+mn-lt"/>
-                <a:ea typeface="+mn-ea"/>
-                <a:cs typeface="+mn-cs"/>
-              </a:rPr>
-              <a:t>Polymorphism</a:t>
-            </a:r>
-            <a:r>
-              <a:rPr lang="en-US" sz="1200" b="0" i="0" kern="1200" dirty="0">
-                <a:solidFill>
-                  <a:schemeClr val="tx1"/>
-                </a:solidFill>
-                <a:effectLst/>
-                <a:latin typeface="+mn-lt"/>
-                <a:ea typeface="+mn-ea"/>
-                <a:cs typeface="+mn-cs"/>
-              </a:rPr>
-              <a:t> (objects can share the same interface—how they are accessed and used—while their underlying implementation of the interface may differ), and </a:t>
-            </a:r>
-            <a:r>
-              <a:rPr lang="en-US" sz="1200" b="1" i="0" kern="1200" dirty="0">
-                <a:solidFill>
-                  <a:schemeClr val="tx1"/>
-                </a:solidFill>
-                <a:effectLst/>
-                <a:latin typeface="+mn-lt"/>
-                <a:ea typeface="+mn-ea"/>
-                <a:cs typeface="+mn-cs"/>
-              </a:rPr>
-              <a:t>Encapsulation</a:t>
-            </a:r>
-            <a:r>
-              <a:rPr lang="en-US" sz="1200" b="0" i="0" kern="1200" dirty="0">
-                <a:solidFill>
-                  <a:schemeClr val="tx1"/>
-                </a:solidFill>
-                <a:effectLst/>
-                <a:latin typeface="+mn-lt"/>
-                <a:ea typeface="+mn-ea"/>
-                <a:cs typeface="+mn-cs"/>
-              </a:rPr>
-              <a:t> (each object is responsible for specific tasks).</a:t>
-            </a:r>
-          </a:p>
+              <a:rPr lang="en-US" b="0" dirty="0"/>
+              <a:t>In JS, unlike other languages we have one scope, the global scope.</a:t>
+            </a:r>
+          </a:p>
+        </p:txBody>
+      </p:sp>
+      <p:sp>
+        <p:nvSpPr>
+          <p:cNvPr id="4" name="Slide Number Placeholder 3"/>
+          <p:cNvSpPr>
+            <a:spLocks noGrp="1"/>
+          </p:cNvSpPr>
+          <p:nvPr>
+            <p:ph type="sldNum" sz="quarter" idx="10"/>
+          </p:nvPr>
+        </p:nvSpPr>
+        <p:spPr/>
+        <p:txBody>
+          <a:bodyPr/>
+          <a:lstStyle/>
+          <a:p>
+            <a:fld id="{595D0871-5AD0-4670-BDA8-FBE649F625DD}" type="slidenum">
+              <a:rPr lang="he-IL" smtClean="0"/>
+              <a:t>47</a:t>
+            </a:fld>
+            <a:endParaRPr lang="he-IL"/>
+          </a:p>
+        </p:txBody>
+      </p:sp>
+    </p:spTree>
+    <p:extLst>
+      <p:ext uri="{BB962C8B-B14F-4D97-AF65-F5344CB8AC3E}">
+        <p14:creationId xmlns:p14="http://schemas.microsoft.com/office/powerpoint/2010/main" val="77337649"/>
+      </p:ext>
+    </p:extLst>
+  </p:cSld>
+  <p:clrMapOvr>
+    <a:masterClrMapping/>
+  </p:clrMapOvr>
+</p:notes>
+</file>
+
+<file path=ppt/notesSlides/notesSlide46.xml><?xml version="1.0" encoding="utf-8"?>
+<p:notes xmlns:a="http://schemas.openxmlformats.org/drawingml/2006/main" xmlns:r="http://schemas.openxmlformats.org/officeDocument/2006/relationships" xmlns:p="http://schemas.openxmlformats.org/presentationml/2006/main">
+  <p:cSld>
+    <p:spTree>
+      <p:nvGrpSpPr>
+        <p:cNvPr id="1" name=""/>
+        <p:cNvGrpSpPr/>
+        <p:nvPr/>
+      </p:nvGrpSpPr>
+      <p:grpSpPr>
+        <a:xfrm>
+          <a:off x="0" y="0"/>
+          <a:ext cx="0" cy="0"/>
+          <a:chOff x="0" y="0"/>
+          <a:chExt cx="0" cy="0"/>
+        </a:xfrm>
+      </p:grpSpPr>
+      <p:sp>
+        <p:nvSpPr>
+          <p:cNvPr id="2" name="Slide Image Placeholder 1"/>
+          <p:cNvSpPr>
+            <a:spLocks noGrp="1" noRot="1" noChangeAspect="1"/>
+          </p:cNvSpPr>
+          <p:nvPr>
+            <p:ph type="sldImg"/>
+          </p:nvPr>
+        </p:nvSpPr>
+        <p:spPr/>
+      </p:sp>
+      <p:sp>
+        <p:nvSpPr>
+          <p:cNvPr id="3" name="Notes Placeholder 2"/>
+          <p:cNvSpPr>
+            <a:spLocks noGrp="1"/>
+          </p:cNvSpPr>
+          <p:nvPr>
+            <p:ph type="body" idx="1"/>
+          </p:nvPr>
+        </p:nvSpPr>
+        <p:spPr/>
+        <p:txBody>
+          <a:bodyPr/>
+          <a:lstStyle/>
           <a:p>
             <a:pPr marL="0" marR="0" lvl="0" indent="0" algn="l" defTabSz="914400" rtl="0" eaLnBrk="1" fontAlgn="auto" latinLnBrk="0" hangingPunct="1">
               <a:lnSpc>
@@ -12237,114 +12528,9 @@
               <a:tabLst/>
               <a:defRPr/>
             </a:pPr>
-            <a:endParaRPr lang="en-US" sz="1200" b="0" i="0" kern="1200" dirty="0">
-              <a:solidFill>
-                <a:schemeClr val="tx1"/>
-              </a:solidFill>
-              <a:effectLst/>
-              <a:latin typeface="+mn-lt"/>
-              <a:ea typeface="+mn-ea"/>
-              <a:cs typeface="+mn-cs"/>
-            </a:endParaRPr>
-          </a:p>
-          <a:p>
-            <a:pPr marL="171450" marR="0" lvl="0" indent="-171450" algn="l" defTabSz="914400" rtl="0" eaLnBrk="1" fontAlgn="auto" latinLnBrk="0" hangingPunct="1">
-              <a:lnSpc>
-                <a:spcPct val="100000"/>
-              </a:lnSpc>
-              <a:spcBef>
-                <a:spcPts val="0"/>
-              </a:spcBef>
-              <a:spcAft>
-                <a:spcPts val="0"/>
-              </a:spcAft>
-              <a:buClrTx/>
-              <a:buSzTx/>
-              <a:buFontTx/>
-              <a:buChar char="-"/>
-              <a:tabLst/>
-              <a:defRPr/>
-            </a:pPr>
-            <a:r>
-              <a:rPr lang="en-US" sz="1200" b="0" i="0" kern="1200" dirty="0">
-                <a:solidFill>
-                  <a:schemeClr val="tx1"/>
-                </a:solidFill>
-                <a:effectLst/>
-                <a:latin typeface="+mn-lt"/>
-                <a:ea typeface="+mn-ea"/>
-                <a:cs typeface="+mn-cs"/>
-              </a:rPr>
-              <a:t>https://javascriptissexy.com/oop-in-javascript-what-you-need-to-know/</a:t>
-            </a:r>
-          </a:p>
-          <a:p>
-            <a:pPr marL="171450" marR="0" lvl="0" indent="-171450" algn="l" defTabSz="914400" rtl="0" eaLnBrk="1" fontAlgn="auto" latinLnBrk="0" hangingPunct="1">
-              <a:lnSpc>
-                <a:spcPct val="100000"/>
-              </a:lnSpc>
-              <a:spcBef>
-                <a:spcPts val="0"/>
-              </a:spcBef>
-              <a:spcAft>
-                <a:spcPts val="0"/>
-              </a:spcAft>
-              <a:buClrTx/>
-              <a:buSzTx/>
-              <a:buFontTx/>
-              <a:buChar char="-"/>
-              <a:tabLst/>
-              <a:defRPr/>
-            </a:pPr>
             <a:r>
               <a:rPr lang="en-US" b="0" dirty="0"/>
-              <a:t>https://www.techopedia.com/definition/3233/object-oriented</a:t>
-            </a:r>
-          </a:p>
-          <a:p>
-            <a:pPr marL="171450" marR="0" lvl="0" indent="-171450" algn="l" defTabSz="914400" rtl="0" eaLnBrk="1" fontAlgn="auto" latinLnBrk="0" hangingPunct="1">
-              <a:lnSpc>
-                <a:spcPct val="100000"/>
-              </a:lnSpc>
-              <a:spcBef>
-                <a:spcPts val="0"/>
-              </a:spcBef>
-              <a:spcAft>
-                <a:spcPts val="0"/>
-              </a:spcAft>
-              <a:buClrTx/>
-              <a:buSzTx/>
-              <a:buFontTx/>
-              <a:buChar char="-"/>
-              <a:tabLst/>
-              <a:defRPr/>
-            </a:pPr>
-            <a:r>
-              <a:rPr lang="en-US" b="0" dirty="0"/>
-              <a:t>https://searchmicroservices.techtarget.com/definition/object-oriented-programming-OOP</a:t>
-            </a:r>
-          </a:p>
-          <a:p>
-            <a:pPr marL="171450" marR="0" lvl="0" indent="-171450" algn="l" defTabSz="914400" rtl="0" eaLnBrk="1" fontAlgn="auto" latinLnBrk="0" hangingPunct="1">
-              <a:lnSpc>
-                <a:spcPct val="100000"/>
-              </a:lnSpc>
-              <a:spcBef>
-                <a:spcPts val="0"/>
-              </a:spcBef>
-              <a:spcAft>
-                <a:spcPts val="0"/>
-              </a:spcAft>
-              <a:buClrTx/>
-              <a:buSzTx/>
-              <a:buFontTx/>
-              <a:buChar char="-"/>
-              <a:tabLst/>
-              <a:defRPr/>
-            </a:pPr>
-            <a:r>
-              <a:rPr lang="en-US" b="0" dirty="0"/>
-              <a:t>https://medium.freecodecamp.org/an-introduction-to-object-oriented-programming-in-javascript-8900124e316a</a:t>
+              <a:t>For example:</a:t>
             </a:r>
           </a:p>
           <a:p>
@@ -12365,7 +12551,10 @@
               <a:tabLst/>
               <a:defRPr/>
             </a:pPr>
-            <a:endParaRPr lang="en-US" b="0" dirty="0"/>
+            <a:r>
+              <a:rPr lang="en-US" b="0" dirty="0"/>
+              <a:t>In java, inside the curly brackets we defined y, this is creating a new scope and y can be access only in this scope,</a:t>
+            </a:r>
           </a:p>
           <a:p>
             <a:pPr marL="0" marR="0" lvl="0" indent="0" algn="l" defTabSz="914400" rtl="0" eaLnBrk="1" fontAlgn="auto" latinLnBrk="0" hangingPunct="1">
@@ -12385,7 +12574,10 @@
               <a:tabLst/>
               <a:defRPr/>
             </a:pPr>
-            <a:endParaRPr lang="en-US" b="0" dirty="0"/>
+            <a:r>
+              <a:rPr lang="en-US" b="0" dirty="0"/>
+              <a:t>If we will try to access it outside we will receive error.</a:t>
+            </a:r>
           </a:p>
         </p:txBody>
       </p:sp>
@@ -12406,7 +12598,7 @@
           <a:p>
             <a:fld id="{595D0871-5AD0-4670-BDA8-FBE649F625DD}" type="slidenum">
               <a:rPr lang="he-IL" smtClean="0"/>
-              <a:t>46</a:t>
+              <a:t>48</a:t>
             </a:fld>
             <a:endParaRPr lang="he-IL"/>
           </a:p>
@@ -12415,7 +12607,638 @@
     </p:spTree>
     <p:extLst>
       <p:ext uri="{BB962C8B-B14F-4D97-AF65-F5344CB8AC3E}">
-        <p14:creationId xmlns:p14="http://schemas.microsoft.com/office/powerpoint/2010/main" val="136221795"/>
+        <p14:creationId xmlns:p14="http://schemas.microsoft.com/office/powerpoint/2010/main" val="3070182469"/>
+      </p:ext>
+    </p:extLst>
+  </p:cSld>
+  <p:clrMapOvr>
+    <a:masterClrMapping/>
+  </p:clrMapOvr>
+</p:notes>
+</file>
+
+<file path=ppt/notesSlides/notesSlide47.xml><?xml version="1.0" encoding="utf-8"?>
+<p:notes xmlns:a="http://schemas.openxmlformats.org/drawingml/2006/main" xmlns:r="http://schemas.openxmlformats.org/officeDocument/2006/relationships" xmlns:p="http://schemas.openxmlformats.org/presentationml/2006/main">
+  <p:cSld>
+    <p:spTree>
+      <p:nvGrpSpPr>
+        <p:cNvPr id="1" name=""/>
+        <p:cNvGrpSpPr/>
+        <p:nvPr/>
+      </p:nvGrpSpPr>
+      <p:grpSpPr>
+        <a:xfrm>
+          <a:off x="0" y="0"/>
+          <a:ext cx="0" cy="0"/>
+          <a:chOff x="0" y="0"/>
+          <a:chExt cx="0" cy="0"/>
+        </a:xfrm>
+      </p:grpSpPr>
+      <p:sp>
+        <p:nvSpPr>
+          <p:cNvPr id="2" name="Slide Image Placeholder 1"/>
+          <p:cNvSpPr>
+            <a:spLocks noGrp="1" noRot="1" noChangeAspect="1"/>
+          </p:cNvSpPr>
+          <p:nvPr>
+            <p:ph type="sldImg"/>
+          </p:nvPr>
+        </p:nvSpPr>
+        <p:spPr/>
+      </p:sp>
+      <p:sp>
+        <p:nvSpPr>
+          <p:cNvPr id="3" name="Notes Placeholder 2"/>
+          <p:cNvSpPr>
+            <a:spLocks noGrp="1"/>
+          </p:cNvSpPr>
+          <p:nvPr>
+            <p:ph type="body" idx="1"/>
+          </p:nvPr>
+        </p:nvSpPr>
+        <p:spPr/>
+        <p:txBody>
+          <a:bodyPr/>
+          <a:lstStyle/>
+          <a:p>
+            <a:pPr marL="0" marR="0" lvl="0" indent="0" algn="l" defTabSz="914400" rtl="0" eaLnBrk="1" fontAlgn="auto" latinLnBrk="0" hangingPunct="1">
+              <a:lnSpc>
+                <a:spcPct val="100000"/>
+              </a:lnSpc>
+              <a:spcBef>
+                <a:spcPts val="0"/>
+              </a:spcBef>
+              <a:spcAft>
+                <a:spcPts val="0"/>
+              </a:spcAft>
+              <a:buClrTx/>
+              <a:buSzTx/>
+              <a:buFontTx/>
+              <a:buNone/>
+              <a:tabLst/>
+              <a:defRPr/>
+            </a:pPr>
+            <a:r>
+              <a:rPr lang="en-US" b="0" dirty="0"/>
+              <a:t>But if we will write same code in JS it will work, why?</a:t>
+            </a:r>
+          </a:p>
+          <a:p>
+            <a:pPr marL="0" marR="0" lvl="0" indent="0" algn="l" defTabSz="914400" rtl="0" eaLnBrk="1" fontAlgn="auto" latinLnBrk="0" hangingPunct="1">
+              <a:lnSpc>
+                <a:spcPct val="100000"/>
+              </a:lnSpc>
+              <a:spcBef>
+                <a:spcPts val="0"/>
+              </a:spcBef>
+              <a:spcAft>
+                <a:spcPts val="0"/>
+              </a:spcAft>
+              <a:buClrTx/>
+              <a:buSzTx/>
+              <a:buFontTx/>
+              <a:buNone/>
+              <a:tabLst/>
+              <a:defRPr/>
+            </a:pPr>
+            <a:r>
+              <a:rPr lang="en-US" b="0" dirty="0"/>
+              <a:t>When declaring variable, it’s automatically added to global scope, which in our case is window,</a:t>
+            </a:r>
+          </a:p>
+          <a:p>
+            <a:pPr marL="0" marR="0" lvl="0" indent="0" algn="l" defTabSz="914400" rtl="0" eaLnBrk="1" fontAlgn="auto" latinLnBrk="0" hangingPunct="1">
+              <a:lnSpc>
+                <a:spcPct val="100000"/>
+              </a:lnSpc>
+              <a:spcBef>
+                <a:spcPts val="0"/>
+              </a:spcBef>
+              <a:spcAft>
+                <a:spcPts val="0"/>
+              </a:spcAft>
+              <a:buClrTx/>
+              <a:buSzTx/>
+              <a:buFontTx/>
+              <a:buNone/>
+              <a:tabLst/>
+              <a:defRPr/>
+            </a:pPr>
+            <a:r>
+              <a:rPr lang="en-US" b="0" dirty="0"/>
+              <a:t>So, console.log(y) is like console.log(</a:t>
+            </a:r>
+            <a:r>
+              <a:rPr lang="en-US" b="0" dirty="0" err="1"/>
+              <a:t>window.y</a:t>
+            </a:r>
+            <a:r>
+              <a:rPr lang="en-US" b="0" dirty="0"/>
+              <a:t>)</a:t>
+            </a:r>
+          </a:p>
+          <a:p>
+            <a:pPr marL="0" marR="0" lvl="0" indent="0" algn="l" defTabSz="914400" rtl="0" eaLnBrk="1" fontAlgn="auto" latinLnBrk="0" hangingPunct="1">
+              <a:lnSpc>
+                <a:spcPct val="100000"/>
+              </a:lnSpc>
+              <a:spcBef>
+                <a:spcPts val="0"/>
+              </a:spcBef>
+              <a:spcAft>
+                <a:spcPts val="0"/>
+              </a:spcAft>
+              <a:buClrTx/>
+              <a:buSzTx/>
+              <a:buFontTx/>
+              <a:buNone/>
+              <a:tabLst/>
+              <a:defRPr/>
+            </a:pPr>
+            <a:endParaRPr lang="en-US" b="0" dirty="0"/>
+          </a:p>
+          <a:p>
+            <a:pPr marL="0" marR="0" lvl="0" indent="0" algn="l" defTabSz="914400" rtl="0" eaLnBrk="1" fontAlgn="auto" latinLnBrk="0" hangingPunct="1">
+              <a:lnSpc>
+                <a:spcPct val="100000"/>
+              </a:lnSpc>
+              <a:spcBef>
+                <a:spcPts val="0"/>
+              </a:spcBef>
+              <a:spcAft>
+                <a:spcPts val="0"/>
+              </a:spcAft>
+              <a:buClrTx/>
+              <a:buSzTx/>
+              <a:buFontTx/>
+              <a:buNone/>
+              <a:tabLst/>
+              <a:defRPr/>
+            </a:pPr>
+            <a:endParaRPr lang="en-US" b="0" dirty="0"/>
+          </a:p>
+        </p:txBody>
+      </p:sp>
+      <p:sp>
+        <p:nvSpPr>
+          <p:cNvPr id="4" name="Slide Number Placeholder 3"/>
+          <p:cNvSpPr>
+            <a:spLocks noGrp="1"/>
+          </p:cNvSpPr>
+          <p:nvPr>
+            <p:ph type="sldNum" sz="quarter" idx="10"/>
+          </p:nvPr>
+        </p:nvSpPr>
+        <p:spPr/>
+        <p:txBody>
+          <a:bodyPr/>
+          <a:lstStyle/>
+          <a:p>
+            <a:fld id="{595D0871-5AD0-4670-BDA8-FBE649F625DD}" type="slidenum">
+              <a:rPr lang="he-IL" smtClean="0"/>
+              <a:t>49</a:t>
+            </a:fld>
+            <a:endParaRPr lang="he-IL"/>
+          </a:p>
+        </p:txBody>
+      </p:sp>
+    </p:spTree>
+    <p:extLst>
+      <p:ext uri="{BB962C8B-B14F-4D97-AF65-F5344CB8AC3E}">
+        <p14:creationId xmlns:p14="http://schemas.microsoft.com/office/powerpoint/2010/main" val="4292035278"/>
+      </p:ext>
+    </p:extLst>
+  </p:cSld>
+  <p:clrMapOvr>
+    <a:masterClrMapping/>
+  </p:clrMapOvr>
+</p:notes>
+</file>
+
+<file path=ppt/notesSlides/notesSlide48.xml><?xml version="1.0" encoding="utf-8"?>
+<p:notes xmlns:a="http://schemas.openxmlformats.org/drawingml/2006/main" xmlns:r="http://schemas.openxmlformats.org/officeDocument/2006/relationships" xmlns:p="http://schemas.openxmlformats.org/presentationml/2006/main">
+  <p:cSld>
+    <p:spTree>
+      <p:nvGrpSpPr>
+        <p:cNvPr id="1" name=""/>
+        <p:cNvGrpSpPr/>
+        <p:nvPr/>
+      </p:nvGrpSpPr>
+      <p:grpSpPr>
+        <a:xfrm>
+          <a:off x="0" y="0"/>
+          <a:ext cx="0" cy="0"/>
+          <a:chOff x="0" y="0"/>
+          <a:chExt cx="0" cy="0"/>
+        </a:xfrm>
+      </p:grpSpPr>
+      <p:sp>
+        <p:nvSpPr>
+          <p:cNvPr id="2" name="Slide Image Placeholder 1"/>
+          <p:cNvSpPr>
+            <a:spLocks noGrp="1" noRot="1" noChangeAspect="1"/>
+          </p:cNvSpPr>
+          <p:nvPr>
+            <p:ph type="sldImg"/>
+          </p:nvPr>
+        </p:nvSpPr>
+        <p:spPr/>
+      </p:sp>
+      <p:sp>
+        <p:nvSpPr>
+          <p:cNvPr id="3" name="Notes Placeholder 2"/>
+          <p:cNvSpPr>
+            <a:spLocks noGrp="1"/>
+          </p:cNvSpPr>
+          <p:nvPr>
+            <p:ph type="body" idx="1"/>
+          </p:nvPr>
+        </p:nvSpPr>
+        <p:spPr/>
+        <p:txBody>
+          <a:bodyPr/>
+          <a:lstStyle/>
+          <a:p>
+            <a:pPr marL="0" marR="0" lvl="0" indent="0" algn="l" defTabSz="914400" rtl="0" eaLnBrk="1" fontAlgn="auto" latinLnBrk="0" hangingPunct="1">
+              <a:lnSpc>
+                <a:spcPct val="100000"/>
+              </a:lnSpc>
+              <a:spcBef>
+                <a:spcPts val="0"/>
+              </a:spcBef>
+              <a:spcAft>
+                <a:spcPts val="0"/>
+              </a:spcAft>
+              <a:buClrTx/>
+              <a:buSzTx/>
+              <a:buFontTx/>
+              <a:buNone/>
+              <a:tabLst/>
+              <a:defRPr/>
+            </a:pPr>
+            <a:r>
+              <a:rPr lang="en-US" b="0" dirty="0"/>
+              <a:t>This makes global scope very danger</a:t>
+            </a:r>
+          </a:p>
+          <a:p>
+            <a:pPr marL="0" marR="0" lvl="0" indent="0" algn="l" defTabSz="914400" rtl="0" eaLnBrk="1" fontAlgn="auto" latinLnBrk="0" hangingPunct="1">
+              <a:lnSpc>
+                <a:spcPct val="100000"/>
+              </a:lnSpc>
+              <a:spcBef>
+                <a:spcPts val="0"/>
+              </a:spcBef>
+              <a:spcAft>
+                <a:spcPts val="0"/>
+              </a:spcAft>
+              <a:buClrTx/>
+              <a:buSzTx/>
+              <a:buFontTx/>
+              <a:buNone/>
+              <a:tabLst/>
+              <a:defRPr/>
+            </a:pPr>
+            <a:endParaRPr lang="en-US" b="0" dirty="0"/>
+          </a:p>
+          <a:p>
+            <a:pPr algn="l" rtl="0"/>
+            <a:r>
+              <a:rPr lang="en-US" sz="1200" b="0" i="0" kern="1200" dirty="0">
+                <a:solidFill>
+                  <a:schemeClr val="tx1"/>
+                </a:solidFill>
+                <a:effectLst/>
+                <a:latin typeface="+mn-lt"/>
+                <a:ea typeface="+mn-ea"/>
+                <a:cs typeface="+mn-cs"/>
+              </a:rPr>
+              <a:t>Do NOT create global variables unless you intend to.</a:t>
+            </a:r>
+          </a:p>
+          <a:p>
+            <a:pPr algn="l" rtl="0"/>
+            <a:r>
+              <a:rPr lang="en-US" sz="1200" b="0" i="0" kern="1200" dirty="0">
+                <a:solidFill>
+                  <a:schemeClr val="tx1"/>
+                </a:solidFill>
+                <a:effectLst/>
+                <a:latin typeface="+mn-lt"/>
+                <a:ea typeface="+mn-ea"/>
+                <a:cs typeface="+mn-cs"/>
+              </a:rPr>
+              <a:t>Your global variables (or functions) can overwrite window variables (or functions).</a:t>
+            </a:r>
+            <a:br>
+              <a:rPr lang="en-US" sz="1200" b="0" i="0" kern="1200" dirty="0">
+                <a:solidFill>
+                  <a:schemeClr val="tx1"/>
+                </a:solidFill>
+                <a:effectLst/>
+                <a:latin typeface="+mn-lt"/>
+                <a:ea typeface="+mn-ea"/>
+                <a:cs typeface="+mn-cs"/>
+              </a:rPr>
+            </a:br>
+            <a:r>
+              <a:rPr lang="en-US" sz="1200" b="0" i="0" kern="1200" dirty="0">
+                <a:solidFill>
+                  <a:schemeClr val="tx1"/>
+                </a:solidFill>
+                <a:effectLst/>
+                <a:latin typeface="+mn-lt"/>
+                <a:ea typeface="+mn-ea"/>
+                <a:cs typeface="+mn-cs"/>
+              </a:rPr>
+              <a:t>Any function, including the window object, can overwrite your global variables and functions.</a:t>
+            </a:r>
+          </a:p>
+          <a:p>
+            <a:pPr marL="0" marR="0" lvl="0" indent="0" algn="l" defTabSz="914400" rtl="0" eaLnBrk="1" fontAlgn="auto" latinLnBrk="0" hangingPunct="1">
+              <a:lnSpc>
+                <a:spcPct val="100000"/>
+              </a:lnSpc>
+              <a:spcBef>
+                <a:spcPts val="0"/>
+              </a:spcBef>
+              <a:spcAft>
+                <a:spcPts val="0"/>
+              </a:spcAft>
+              <a:buClrTx/>
+              <a:buSzTx/>
+              <a:buFontTx/>
+              <a:buNone/>
+              <a:tabLst/>
+              <a:defRPr/>
+            </a:pPr>
+            <a:endParaRPr lang="en-US" b="0" dirty="0"/>
+          </a:p>
+          <a:p>
+            <a:pPr marL="0" marR="0" lvl="0" indent="0" algn="l" defTabSz="914400" rtl="0" eaLnBrk="1" fontAlgn="auto" latinLnBrk="0" hangingPunct="1">
+              <a:lnSpc>
+                <a:spcPct val="100000"/>
+              </a:lnSpc>
+              <a:spcBef>
+                <a:spcPts val="0"/>
+              </a:spcBef>
+              <a:spcAft>
+                <a:spcPts val="0"/>
+              </a:spcAft>
+              <a:buClrTx/>
+              <a:buSzTx/>
+              <a:buFontTx/>
+              <a:buNone/>
+              <a:tabLst/>
+              <a:defRPr/>
+            </a:pPr>
+            <a:r>
+              <a:rPr lang="en-US" b="0" dirty="0"/>
+              <a:t>When it might usually happened?</a:t>
+            </a:r>
+          </a:p>
+          <a:p>
+            <a:pPr marL="0" marR="0" lvl="0" indent="0" algn="l" defTabSz="914400" rtl="0" eaLnBrk="1" fontAlgn="auto" latinLnBrk="0" hangingPunct="1">
+              <a:lnSpc>
+                <a:spcPct val="100000"/>
+              </a:lnSpc>
+              <a:spcBef>
+                <a:spcPts val="0"/>
+              </a:spcBef>
+              <a:spcAft>
+                <a:spcPts val="0"/>
+              </a:spcAft>
+              <a:buClrTx/>
+              <a:buSzTx/>
+              <a:buFontTx/>
+              <a:buNone/>
+              <a:tabLst/>
+              <a:defRPr/>
+            </a:pPr>
+            <a:r>
+              <a:rPr lang="en-US" b="0" dirty="0"/>
+              <a:t>When using 3-rd party lib, if they are putting values on the scope, you &amp; them might override each other.</a:t>
+            </a:r>
+          </a:p>
+        </p:txBody>
+      </p:sp>
+      <p:sp>
+        <p:nvSpPr>
+          <p:cNvPr id="4" name="Slide Number Placeholder 3"/>
+          <p:cNvSpPr>
+            <a:spLocks noGrp="1"/>
+          </p:cNvSpPr>
+          <p:nvPr>
+            <p:ph type="sldNum" sz="quarter" idx="10"/>
+          </p:nvPr>
+        </p:nvSpPr>
+        <p:spPr/>
+        <p:txBody>
+          <a:bodyPr/>
+          <a:lstStyle/>
+          <a:p>
+            <a:fld id="{595D0871-5AD0-4670-BDA8-FBE649F625DD}" type="slidenum">
+              <a:rPr lang="he-IL" smtClean="0"/>
+              <a:t>50</a:t>
+            </a:fld>
+            <a:endParaRPr lang="he-IL"/>
+          </a:p>
+        </p:txBody>
+      </p:sp>
+    </p:spTree>
+    <p:extLst>
+      <p:ext uri="{BB962C8B-B14F-4D97-AF65-F5344CB8AC3E}">
+        <p14:creationId xmlns:p14="http://schemas.microsoft.com/office/powerpoint/2010/main" val="1518424191"/>
+      </p:ext>
+    </p:extLst>
+  </p:cSld>
+  <p:clrMapOvr>
+    <a:masterClrMapping/>
+  </p:clrMapOvr>
+</p:notes>
+</file>
+
+<file path=ppt/notesSlides/notesSlide49.xml><?xml version="1.0" encoding="utf-8"?>
+<p:notes xmlns:a="http://schemas.openxmlformats.org/drawingml/2006/main" xmlns:r="http://schemas.openxmlformats.org/officeDocument/2006/relationships" xmlns:p="http://schemas.openxmlformats.org/presentationml/2006/main">
+  <p:cSld>
+    <p:spTree>
+      <p:nvGrpSpPr>
+        <p:cNvPr id="1" name=""/>
+        <p:cNvGrpSpPr/>
+        <p:nvPr/>
+      </p:nvGrpSpPr>
+      <p:grpSpPr>
+        <a:xfrm>
+          <a:off x="0" y="0"/>
+          <a:ext cx="0" cy="0"/>
+          <a:chOff x="0" y="0"/>
+          <a:chExt cx="0" cy="0"/>
+        </a:xfrm>
+      </p:grpSpPr>
+      <p:sp>
+        <p:nvSpPr>
+          <p:cNvPr id="2" name="Slide Image Placeholder 1"/>
+          <p:cNvSpPr>
+            <a:spLocks noGrp="1" noRot="1" noChangeAspect="1"/>
+          </p:cNvSpPr>
+          <p:nvPr>
+            <p:ph type="sldImg"/>
+          </p:nvPr>
+        </p:nvSpPr>
+        <p:spPr/>
+      </p:sp>
+      <p:sp>
+        <p:nvSpPr>
+          <p:cNvPr id="3" name="Notes Placeholder 2"/>
+          <p:cNvSpPr>
+            <a:spLocks noGrp="1"/>
+          </p:cNvSpPr>
+          <p:nvPr>
+            <p:ph type="body" idx="1"/>
+          </p:nvPr>
+        </p:nvSpPr>
+        <p:spPr/>
+        <p:txBody>
+          <a:bodyPr/>
+          <a:lstStyle/>
+          <a:p>
+            <a:pPr marL="0" marR="0" lvl="0" indent="0" algn="l" defTabSz="914400" rtl="0" eaLnBrk="1" fontAlgn="auto" latinLnBrk="0" hangingPunct="1">
+              <a:lnSpc>
+                <a:spcPct val="100000"/>
+              </a:lnSpc>
+              <a:spcBef>
+                <a:spcPts val="0"/>
+              </a:spcBef>
+              <a:spcAft>
+                <a:spcPts val="0"/>
+              </a:spcAft>
+              <a:buClrTx/>
+              <a:buSzTx/>
+              <a:buFontTx/>
+              <a:buNone/>
+              <a:tabLst/>
+              <a:defRPr/>
+            </a:pPr>
+            <a:r>
+              <a:rPr lang="en-US" b="0" dirty="0"/>
+              <a:t>But, what will happened if we will load 2 files?</a:t>
+            </a:r>
+          </a:p>
+          <a:p>
+            <a:pPr marL="0" marR="0" lvl="0" indent="0" algn="l" defTabSz="914400" rtl="0" eaLnBrk="1" fontAlgn="auto" latinLnBrk="0" hangingPunct="1">
+              <a:lnSpc>
+                <a:spcPct val="100000"/>
+              </a:lnSpc>
+              <a:spcBef>
+                <a:spcPts val="0"/>
+              </a:spcBef>
+              <a:spcAft>
+                <a:spcPts val="0"/>
+              </a:spcAft>
+              <a:buClrTx/>
+              <a:buSzTx/>
+              <a:buFontTx/>
+              <a:buNone/>
+              <a:tabLst/>
+              <a:defRPr/>
+            </a:pPr>
+            <a:r>
+              <a:rPr lang="en-US" b="0" dirty="0"/>
+              <a:t>They are in different scope, no?</a:t>
+            </a:r>
+          </a:p>
+          <a:p>
+            <a:pPr marL="0" marR="0" lvl="0" indent="0" algn="l" defTabSz="914400" rtl="0" eaLnBrk="1" fontAlgn="auto" latinLnBrk="0" hangingPunct="1">
+              <a:lnSpc>
+                <a:spcPct val="100000"/>
+              </a:lnSpc>
+              <a:spcBef>
+                <a:spcPts val="0"/>
+              </a:spcBef>
+              <a:spcAft>
+                <a:spcPts val="0"/>
+              </a:spcAft>
+              <a:buClrTx/>
+              <a:buSzTx/>
+              <a:buFontTx/>
+              <a:buNone/>
+              <a:tabLst/>
+              <a:defRPr/>
+            </a:pPr>
+            <a:endParaRPr lang="en-US" b="0" dirty="0"/>
+          </a:p>
+          <a:p>
+            <a:pPr marL="0" marR="0" lvl="0" indent="0" algn="l" defTabSz="914400" rtl="0" eaLnBrk="1" fontAlgn="auto" latinLnBrk="0" hangingPunct="1">
+              <a:lnSpc>
+                <a:spcPct val="100000"/>
+              </a:lnSpc>
+              <a:spcBef>
+                <a:spcPts val="0"/>
+              </a:spcBef>
+              <a:spcAft>
+                <a:spcPts val="0"/>
+              </a:spcAft>
+              <a:buClrTx/>
+              <a:buSzTx/>
+              <a:buFontTx/>
+              <a:buNone/>
+              <a:tabLst/>
+              <a:defRPr/>
+            </a:pPr>
+            <a:r>
+              <a:rPr lang="en-US" b="0" dirty="0"/>
+              <a:t>Well, no, they are under the same global scope so `x` is accessible by the second file. </a:t>
+            </a:r>
+          </a:p>
+          <a:p>
+            <a:pPr marL="0" marR="0" lvl="0" indent="0" algn="l" defTabSz="914400" rtl="0" eaLnBrk="1" fontAlgn="auto" latinLnBrk="0" hangingPunct="1">
+              <a:lnSpc>
+                <a:spcPct val="100000"/>
+              </a:lnSpc>
+              <a:spcBef>
+                <a:spcPts val="0"/>
+              </a:spcBef>
+              <a:spcAft>
+                <a:spcPts val="0"/>
+              </a:spcAft>
+              <a:buClrTx/>
+              <a:buSzTx/>
+              <a:buFontTx/>
+              <a:buNone/>
+              <a:tabLst/>
+              <a:defRPr/>
+            </a:pPr>
+            <a:endParaRPr lang="en-US" b="0" dirty="0"/>
+          </a:p>
+        </p:txBody>
+      </p:sp>
+      <p:sp>
+        <p:nvSpPr>
+          <p:cNvPr id="4" name="Slide Number Placeholder 3"/>
+          <p:cNvSpPr>
+            <a:spLocks noGrp="1"/>
+          </p:cNvSpPr>
+          <p:nvPr>
+            <p:ph type="sldNum" sz="quarter" idx="10"/>
+          </p:nvPr>
+        </p:nvSpPr>
+        <p:spPr/>
+        <p:txBody>
+          <a:bodyPr/>
+          <a:lstStyle/>
+          <a:p>
+            <a:fld id="{595D0871-5AD0-4670-BDA8-FBE649F625DD}" type="slidenum">
+              <a:rPr lang="he-IL" smtClean="0"/>
+              <a:t>51</a:t>
+            </a:fld>
+            <a:endParaRPr lang="he-IL"/>
+          </a:p>
+        </p:txBody>
+      </p:sp>
+    </p:spTree>
+    <p:extLst>
+      <p:ext uri="{BB962C8B-B14F-4D97-AF65-F5344CB8AC3E}">
+        <p14:creationId xmlns:p14="http://schemas.microsoft.com/office/powerpoint/2010/main" val="2526643062"/>
       </p:ext>
     </p:extLst>
   </p:cSld>
@@ -12503,6 +13326,2092 @@
     <p:extLst>
       <p:ext uri="{BB962C8B-B14F-4D97-AF65-F5344CB8AC3E}">
         <p14:creationId xmlns:p14="http://schemas.microsoft.com/office/powerpoint/2010/main" val="1103137167"/>
+      </p:ext>
+    </p:extLst>
+  </p:cSld>
+  <p:clrMapOvr>
+    <a:masterClrMapping/>
+  </p:clrMapOvr>
+</p:notes>
+</file>
+
+<file path=ppt/notesSlides/notesSlide50.xml><?xml version="1.0" encoding="utf-8"?>
+<p:notes xmlns:a="http://schemas.openxmlformats.org/drawingml/2006/main" xmlns:r="http://schemas.openxmlformats.org/officeDocument/2006/relationships" xmlns:p="http://schemas.openxmlformats.org/presentationml/2006/main">
+  <p:cSld>
+    <p:spTree>
+      <p:nvGrpSpPr>
+        <p:cNvPr id="1" name=""/>
+        <p:cNvGrpSpPr/>
+        <p:nvPr/>
+      </p:nvGrpSpPr>
+      <p:grpSpPr>
+        <a:xfrm>
+          <a:off x="0" y="0"/>
+          <a:ext cx="0" cy="0"/>
+          <a:chOff x="0" y="0"/>
+          <a:chExt cx="0" cy="0"/>
+        </a:xfrm>
+      </p:grpSpPr>
+      <p:sp>
+        <p:nvSpPr>
+          <p:cNvPr id="2" name="Slide Image Placeholder 1"/>
+          <p:cNvSpPr>
+            <a:spLocks noGrp="1" noRot="1" noChangeAspect="1"/>
+          </p:cNvSpPr>
+          <p:nvPr>
+            <p:ph type="sldImg"/>
+          </p:nvPr>
+        </p:nvSpPr>
+        <p:spPr/>
+      </p:sp>
+      <p:sp>
+        <p:nvSpPr>
+          <p:cNvPr id="3" name="Notes Placeholder 2"/>
+          <p:cNvSpPr>
+            <a:spLocks noGrp="1"/>
+          </p:cNvSpPr>
+          <p:nvPr>
+            <p:ph type="body" idx="1"/>
+          </p:nvPr>
+        </p:nvSpPr>
+        <p:spPr/>
+        <p:txBody>
+          <a:bodyPr/>
+          <a:lstStyle/>
+          <a:p>
+            <a:pPr marL="0" marR="0" lvl="0" indent="0" algn="l" defTabSz="914400" rtl="0" eaLnBrk="1" fontAlgn="auto" latinLnBrk="0" hangingPunct="1">
+              <a:lnSpc>
+                <a:spcPct val="100000"/>
+              </a:lnSpc>
+              <a:spcBef>
+                <a:spcPts val="0"/>
+              </a:spcBef>
+              <a:spcAft>
+                <a:spcPts val="0"/>
+              </a:spcAft>
+              <a:buClrTx/>
+              <a:buSzTx/>
+              <a:buFontTx/>
+              <a:buNone/>
+              <a:tabLst/>
+              <a:defRPr/>
+            </a:pPr>
+            <a:r>
+              <a:rPr lang="en-US" b="0" dirty="0"/>
+              <a:t>Do I want to talk about it?</a:t>
+            </a:r>
+          </a:p>
+          <a:p>
+            <a:pPr marL="0" marR="0" lvl="0" indent="0" algn="l" defTabSz="914400" rtl="0" eaLnBrk="1" fontAlgn="auto" latinLnBrk="0" hangingPunct="1">
+              <a:lnSpc>
+                <a:spcPct val="100000"/>
+              </a:lnSpc>
+              <a:spcBef>
+                <a:spcPts val="0"/>
+              </a:spcBef>
+              <a:spcAft>
+                <a:spcPts val="0"/>
+              </a:spcAft>
+              <a:buClrTx/>
+              <a:buSzTx/>
+              <a:buFontTx/>
+              <a:buNone/>
+              <a:tabLst/>
+              <a:defRPr/>
+            </a:pPr>
+            <a:endParaRPr lang="en-US" b="0" dirty="0"/>
+          </a:p>
+          <a:p>
+            <a:pPr marL="171450" marR="0" lvl="0" indent="-171450" algn="l" defTabSz="914400" rtl="0" eaLnBrk="1" fontAlgn="auto" latinLnBrk="0" hangingPunct="1">
+              <a:lnSpc>
+                <a:spcPct val="100000"/>
+              </a:lnSpc>
+              <a:spcBef>
+                <a:spcPts val="0"/>
+              </a:spcBef>
+              <a:spcAft>
+                <a:spcPts val="0"/>
+              </a:spcAft>
+              <a:buClrTx/>
+              <a:buSzTx/>
+              <a:buFontTx/>
+              <a:buChar char="-"/>
+              <a:tabLst/>
+              <a:defRPr/>
+            </a:pPr>
+            <a:r>
+              <a:rPr lang="en-US" b="0" dirty="0"/>
+              <a:t>https://www.w3schools.com/js/js_strict.asp</a:t>
+            </a:r>
+          </a:p>
+          <a:p>
+            <a:pPr marL="171450" marR="0" lvl="0" indent="-171450" algn="l" defTabSz="914400" rtl="0" eaLnBrk="1" fontAlgn="auto" latinLnBrk="0" hangingPunct="1">
+              <a:lnSpc>
+                <a:spcPct val="100000"/>
+              </a:lnSpc>
+              <a:spcBef>
+                <a:spcPts val="0"/>
+              </a:spcBef>
+              <a:spcAft>
+                <a:spcPts val="0"/>
+              </a:spcAft>
+              <a:buClrTx/>
+              <a:buSzTx/>
+              <a:buFontTx/>
+              <a:buChar char="-"/>
+              <a:tabLst/>
+              <a:defRPr/>
+            </a:pPr>
+            <a:r>
+              <a:rPr lang="en-US" b="0" dirty="0"/>
+              <a:t>https://www.w3schools.com/js/js_scope.asp</a:t>
+            </a:r>
+          </a:p>
+          <a:p>
+            <a:pPr marL="171450" marR="0" lvl="0" indent="-171450" algn="l" defTabSz="914400" rtl="0" eaLnBrk="1" fontAlgn="auto" latinLnBrk="0" hangingPunct="1">
+              <a:lnSpc>
+                <a:spcPct val="100000"/>
+              </a:lnSpc>
+              <a:spcBef>
+                <a:spcPts val="0"/>
+              </a:spcBef>
+              <a:spcAft>
+                <a:spcPts val="0"/>
+              </a:spcAft>
+              <a:buClrTx/>
+              <a:buSzTx/>
+              <a:buFontTx/>
+              <a:buChar char="-"/>
+              <a:tabLst/>
+              <a:defRPr/>
+            </a:pPr>
+            <a:endParaRPr lang="en-US" b="0" dirty="0"/>
+          </a:p>
+        </p:txBody>
+      </p:sp>
+      <p:sp>
+        <p:nvSpPr>
+          <p:cNvPr id="4" name="Slide Number Placeholder 3"/>
+          <p:cNvSpPr>
+            <a:spLocks noGrp="1"/>
+          </p:cNvSpPr>
+          <p:nvPr>
+            <p:ph type="sldNum" sz="quarter" idx="10"/>
+          </p:nvPr>
+        </p:nvSpPr>
+        <p:spPr/>
+        <p:txBody>
+          <a:bodyPr/>
+          <a:lstStyle/>
+          <a:p>
+            <a:fld id="{595D0871-5AD0-4670-BDA8-FBE649F625DD}" type="slidenum">
+              <a:rPr lang="he-IL" smtClean="0"/>
+              <a:t>52</a:t>
+            </a:fld>
+            <a:endParaRPr lang="he-IL"/>
+          </a:p>
+        </p:txBody>
+      </p:sp>
+    </p:spTree>
+    <p:extLst>
+      <p:ext uri="{BB962C8B-B14F-4D97-AF65-F5344CB8AC3E}">
+        <p14:creationId xmlns:p14="http://schemas.microsoft.com/office/powerpoint/2010/main" val="3689577127"/>
+      </p:ext>
+    </p:extLst>
+  </p:cSld>
+  <p:clrMapOvr>
+    <a:masterClrMapping/>
+  </p:clrMapOvr>
+</p:notes>
+</file>
+
+<file path=ppt/notesSlides/notesSlide51.xml><?xml version="1.0" encoding="utf-8"?>
+<p:notes xmlns:a="http://schemas.openxmlformats.org/drawingml/2006/main" xmlns:r="http://schemas.openxmlformats.org/officeDocument/2006/relationships" xmlns:p="http://schemas.openxmlformats.org/presentationml/2006/main">
+  <p:cSld>
+    <p:spTree>
+      <p:nvGrpSpPr>
+        <p:cNvPr id="1" name=""/>
+        <p:cNvGrpSpPr/>
+        <p:nvPr/>
+      </p:nvGrpSpPr>
+      <p:grpSpPr>
+        <a:xfrm>
+          <a:off x="0" y="0"/>
+          <a:ext cx="0" cy="0"/>
+          <a:chOff x="0" y="0"/>
+          <a:chExt cx="0" cy="0"/>
+        </a:xfrm>
+      </p:grpSpPr>
+      <p:sp>
+        <p:nvSpPr>
+          <p:cNvPr id="2" name="Slide Image Placeholder 1"/>
+          <p:cNvSpPr>
+            <a:spLocks noGrp="1" noRot="1" noChangeAspect="1"/>
+          </p:cNvSpPr>
+          <p:nvPr>
+            <p:ph type="sldImg"/>
+          </p:nvPr>
+        </p:nvSpPr>
+        <p:spPr/>
+      </p:sp>
+      <p:sp>
+        <p:nvSpPr>
+          <p:cNvPr id="3" name="Notes Placeholder 2"/>
+          <p:cNvSpPr>
+            <a:spLocks noGrp="1"/>
+          </p:cNvSpPr>
+          <p:nvPr>
+            <p:ph type="body" idx="1"/>
+          </p:nvPr>
+        </p:nvSpPr>
+        <p:spPr/>
+        <p:txBody>
+          <a:bodyPr/>
+          <a:lstStyle/>
+          <a:p>
+            <a:pPr marL="0" marR="0" lvl="0" indent="0" algn="l" defTabSz="914400" rtl="0" eaLnBrk="1" fontAlgn="auto" latinLnBrk="0" hangingPunct="1">
+              <a:lnSpc>
+                <a:spcPct val="100000"/>
+              </a:lnSpc>
+              <a:spcBef>
+                <a:spcPts val="0"/>
+              </a:spcBef>
+              <a:spcAft>
+                <a:spcPts val="0"/>
+              </a:spcAft>
+              <a:buClrTx/>
+              <a:buSzTx/>
+              <a:buFontTx/>
+              <a:buNone/>
+              <a:tabLst/>
+              <a:defRPr/>
+            </a:pPr>
+            <a:r>
+              <a:rPr lang="en-US" b="0" dirty="0"/>
+              <a:t>We said we don’t have scope in JS, this is true but there is one case of scope in JS and it’s function scope</a:t>
+            </a:r>
+          </a:p>
+          <a:p>
+            <a:pPr marL="0" marR="0" lvl="0" indent="0" algn="l" defTabSz="914400" rtl="0" eaLnBrk="1" fontAlgn="auto" latinLnBrk="0" hangingPunct="1">
+              <a:lnSpc>
+                <a:spcPct val="100000"/>
+              </a:lnSpc>
+              <a:spcBef>
+                <a:spcPts val="0"/>
+              </a:spcBef>
+              <a:spcAft>
+                <a:spcPts val="0"/>
+              </a:spcAft>
+              <a:buClrTx/>
+              <a:buSzTx/>
+              <a:buFontTx/>
+              <a:buNone/>
+              <a:tabLst/>
+              <a:defRPr/>
+            </a:pPr>
+            <a:endParaRPr lang="en-US" b="0" dirty="0"/>
+          </a:p>
+          <a:p>
+            <a:pPr marL="0" marR="0" lvl="0" indent="0" algn="l" defTabSz="914400" rtl="0" eaLnBrk="1" fontAlgn="auto" latinLnBrk="0" hangingPunct="1">
+              <a:lnSpc>
+                <a:spcPct val="100000"/>
+              </a:lnSpc>
+              <a:spcBef>
+                <a:spcPts val="0"/>
+              </a:spcBef>
+              <a:spcAft>
+                <a:spcPts val="0"/>
+              </a:spcAft>
+              <a:buClrTx/>
+              <a:buSzTx/>
+              <a:buFontTx/>
+              <a:buNone/>
+              <a:tabLst/>
+              <a:defRPr/>
+            </a:pPr>
+            <a:r>
+              <a:rPr lang="en-US" sz="1200" b="0" i="0" kern="1200" dirty="0">
+                <a:solidFill>
+                  <a:schemeClr val="tx1"/>
+                </a:solidFill>
+                <a:effectLst/>
+                <a:latin typeface="+mn-lt"/>
+                <a:ea typeface="+mn-ea"/>
+                <a:cs typeface="+mn-cs"/>
+              </a:rPr>
+              <a:t>Each function creates a new scope.</a:t>
+            </a:r>
+          </a:p>
+          <a:p>
+            <a:pPr marL="0" marR="0" lvl="0" indent="0" algn="l" defTabSz="914400" rtl="0" eaLnBrk="1" fontAlgn="auto" latinLnBrk="0" hangingPunct="1">
+              <a:lnSpc>
+                <a:spcPct val="100000"/>
+              </a:lnSpc>
+              <a:spcBef>
+                <a:spcPts val="0"/>
+              </a:spcBef>
+              <a:spcAft>
+                <a:spcPts val="0"/>
+              </a:spcAft>
+              <a:buClrTx/>
+              <a:buSzTx/>
+              <a:buFontTx/>
+              <a:buNone/>
+              <a:tabLst/>
+              <a:defRPr/>
+            </a:pPr>
+            <a:endParaRPr lang="en-US" b="0" dirty="0"/>
+          </a:p>
+          <a:p>
+            <a:pPr marL="0" marR="0" lvl="0" indent="0" algn="l" defTabSz="914400" rtl="0" eaLnBrk="1" fontAlgn="auto" latinLnBrk="0" hangingPunct="1">
+              <a:lnSpc>
+                <a:spcPct val="100000"/>
+              </a:lnSpc>
+              <a:spcBef>
+                <a:spcPts val="0"/>
+              </a:spcBef>
+              <a:spcAft>
+                <a:spcPts val="0"/>
+              </a:spcAft>
+              <a:buClrTx/>
+              <a:buSzTx/>
+              <a:buFontTx/>
+              <a:buNone/>
+              <a:tabLst/>
+              <a:defRPr/>
+            </a:pPr>
+            <a:r>
+              <a:rPr lang="en-US" b="0" dirty="0"/>
+              <a:t>In this example we can see that defined </a:t>
+            </a:r>
+            <a:r>
+              <a:rPr lang="en-US" b="0" dirty="0" err="1"/>
+              <a:t>carName</a:t>
+            </a:r>
+            <a:r>
+              <a:rPr lang="en-US" b="0" dirty="0"/>
+              <a:t> inside function is not access outside of the function</a:t>
+            </a:r>
+          </a:p>
+          <a:p>
+            <a:pPr marL="0" marR="0" lvl="0" indent="0" algn="l" defTabSz="914400" rtl="0" eaLnBrk="1" fontAlgn="auto" latinLnBrk="0" hangingPunct="1">
+              <a:lnSpc>
+                <a:spcPct val="100000"/>
+              </a:lnSpc>
+              <a:spcBef>
+                <a:spcPts val="0"/>
+              </a:spcBef>
+              <a:spcAft>
+                <a:spcPts val="0"/>
+              </a:spcAft>
+              <a:buClrTx/>
+              <a:buSzTx/>
+              <a:buFontTx/>
+              <a:buNone/>
+              <a:tabLst/>
+              <a:defRPr/>
+            </a:pPr>
+            <a:endParaRPr lang="en-US" b="0" dirty="0"/>
+          </a:p>
+          <a:p>
+            <a:pPr marL="0" marR="0" lvl="0" indent="0" algn="l" defTabSz="914400" rtl="0" eaLnBrk="1" fontAlgn="auto" latinLnBrk="0" hangingPunct="1">
+              <a:lnSpc>
+                <a:spcPct val="100000"/>
+              </a:lnSpc>
+              <a:spcBef>
+                <a:spcPts val="0"/>
+              </a:spcBef>
+              <a:spcAft>
+                <a:spcPts val="0"/>
+              </a:spcAft>
+              <a:buClrTx/>
+              <a:buSzTx/>
+              <a:buFontTx/>
+              <a:buNone/>
+              <a:tabLst/>
+              <a:defRPr/>
+            </a:pPr>
+            <a:r>
+              <a:rPr lang="en-US" b="0" dirty="0"/>
+              <a:t>But in the second example we can see if we are </a:t>
+            </a:r>
+            <a:r>
+              <a:rPr lang="en-US" b="0" dirty="0" err="1"/>
+              <a:t>defineding</a:t>
+            </a:r>
+            <a:r>
+              <a:rPr lang="en-US" b="0" dirty="0"/>
+              <a:t> </a:t>
+            </a:r>
+            <a:r>
+              <a:rPr lang="en-US" b="0" dirty="0" err="1"/>
+              <a:t>carName</a:t>
+            </a:r>
+            <a:r>
+              <a:rPr lang="en-US" b="0" dirty="0"/>
+              <a:t> outside the function then it’s accessible inside the function as well</a:t>
+            </a:r>
+          </a:p>
+        </p:txBody>
+      </p:sp>
+      <p:sp>
+        <p:nvSpPr>
+          <p:cNvPr id="4" name="Slide Number Placeholder 3"/>
+          <p:cNvSpPr>
+            <a:spLocks noGrp="1"/>
+          </p:cNvSpPr>
+          <p:nvPr>
+            <p:ph type="sldNum" sz="quarter" idx="10"/>
+          </p:nvPr>
+        </p:nvSpPr>
+        <p:spPr/>
+        <p:txBody>
+          <a:bodyPr/>
+          <a:lstStyle/>
+          <a:p>
+            <a:fld id="{595D0871-5AD0-4670-BDA8-FBE649F625DD}" type="slidenum">
+              <a:rPr lang="he-IL" smtClean="0"/>
+              <a:t>53</a:t>
+            </a:fld>
+            <a:endParaRPr lang="he-IL"/>
+          </a:p>
+        </p:txBody>
+      </p:sp>
+    </p:spTree>
+    <p:extLst>
+      <p:ext uri="{BB962C8B-B14F-4D97-AF65-F5344CB8AC3E}">
+        <p14:creationId xmlns:p14="http://schemas.microsoft.com/office/powerpoint/2010/main" val="716725938"/>
+      </p:ext>
+    </p:extLst>
+  </p:cSld>
+  <p:clrMapOvr>
+    <a:masterClrMapping/>
+  </p:clrMapOvr>
+</p:notes>
+</file>
+
+<file path=ppt/notesSlides/notesSlide52.xml><?xml version="1.0" encoding="utf-8"?>
+<p:notes xmlns:a="http://schemas.openxmlformats.org/drawingml/2006/main" xmlns:r="http://schemas.openxmlformats.org/officeDocument/2006/relationships" xmlns:p="http://schemas.openxmlformats.org/presentationml/2006/main">
+  <p:cSld>
+    <p:spTree>
+      <p:nvGrpSpPr>
+        <p:cNvPr id="1" name=""/>
+        <p:cNvGrpSpPr/>
+        <p:nvPr/>
+      </p:nvGrpSpPr>
+      <p:grpSpPr>
+        <a:xfrm>
+          <a:off x="0" y="0"/>
+          <a:ext cx="0" cy="0"/>
+          <a:chOff x="0" y="0"/>
+          <a:chExt cx="0" cy="0"/>
+        </a:xfrm>
+      </p:grpSpPr>
+      <p:sp>
+        <p:nvSpPr>
+          <p:cNvPr id="2" name="Slide Image Placeholder 1"/>
+          <p:cNvSpPr>
+            <a:spLocks noGrp="1" noRot="1" noChangeAspect="1"/>
+          </p:cNvSpPr>
+          <p:nvPr>
+            <p:ph type="sldImg"/>
+          </p:nvPr>
+        </p:nvSpPr>
+        <p:spPr/>
+      </p:sp>
+      <p:sp>
+        <p:nvSpPr>
+          <p:cNvPr id="3" name="Notes Placeholder 2"/>
+          <p:cNvSpPr>
+            <a:spLocks noGrp="1"/>
+          </p:cNvSpPr>
+          <p:nvPr>
+            <p:ph type="body" idx="1"/>
+          </p:nvPr>
+        </p:nvSpPr>
+        <p:spPr/>
+        <p:txBody>
+          <a:bodyPr/>
+          <a:lstStyle/>
+          <a:p>
+            <a:pPr marL="0" marR="0" lvl="0" indent="0" algn="l" defTabSz="914400" rtl="0" eaLnBrk="1" fontAlgn="auto" latinLnBrk="0" hangingPunct="1">
+              <a:lnSpc>
+                <a:spcPct val="100000"/>
+              </a:lnSpc>
+              <a:spcBef>
+                <a:spcPts val="0"/>
+              </a:spcBef>
+              <a:spcAft>
+                <a:spcPts val="0"/>
+              </a:spcAft>
+              <a:buClrTx/>
+              <a:buSzTx/>
+              <a:buFontTx/>
+              <a:buNone/>
+              <a:tabLst/>
+              <a:defRPr/>
+            </a:pPr>
+            <a:r>
+              <a:rPr lang="en-US" sz="1200" b="1" i="0" kern="1200" dirty="0">
+                <a:solidFill>
+                  <a:schemeClr val="tx1"/>
+                </a:solidFill>
+                <a:effectLst/>
+                <a:latin typeface="+mn-lt"/>
+                <a:ea typeface="+mn-ea"/>
+                <a:cs typeface="+mn-cs"/>
+              </a:rPr>
+              <a:t>IIFE - Immediately Invoked Function Expression</a:t>
+            </a:r>
+            <a:endParaRPr lang="en-US" sz="1200" b="0" i="0" kern="1200" dirty="0">
+              <a:solidFill>
+                <a:schemeClr val="tx1"/>
+              </a:solidFill>
+              <a:effectLst/>
+              <a:latin typeface="+mn-lt"/>
+              <a:ea typeface="+mn-ea"/>
+              <a:cs typeface="+mn-cs"/>
+            </a:endParaRPr>
+          </a:p>
+          <a:p>
+            <a:pPr marL="0" marR="0" lvl="0" indent="0" algn="l" defTabSz="914400" rtl="0" eaLnBrk="1" fontAlgn="auto" latinLnBrk="0" hangingPunct="1">
+              <a:lnSpc>
+                <a:spcPct val="100000"/>
+              </a:lnSpc>
+              <a:spcBef>
+                <a:spcPts val="0"/>
+              </a:spcBef>
+              <a:spcAft>
+                <a:spcPts val="0"/>
+              </a:spcAft>
+              <a:buClrTx/>
+              <a:buSzTx/>
+              <a:buFontTx/>
+              <a:buNone/>
+              <a:tabLst/>
+              <a:defRPr/>
+            </a:pPr>
+            <a:endParaRPr lang="en-US" sz="1200" b="0" i="0" kern="1200" dirty="0">
+              <a:solidFill>
+                <a:schemeClr val="tx1"/>
+              </a:solidFill>
+              <a:effectLst/>
+              <a:latin typeface="+mn-lt"/>
+              <a:ea typeface="+mn-ea"/>
+              <a:cs typeface="+mn-cs"/>
+            </a:endParaRPr>
+          </a:p>
+          <a:p>
+            <a:pPr marL="0" marR="0" lvl="0" indent="0" algn="l" defTabSz="914400" rtl="0" eaLnBrk="1" fontAlgn="auto" latinLnBrk="0" hangingPunct="1">
+              <a:lnSpc>
+                <a:spcPct val="100000"/>
+              </a:lnSpc>
+              <a:spcBef>
+                <a:spcPts val="0"/>
+              </a:spcBef>
+              <a:spcAft>
+                <a:spcPts val="0"/>
+              </a:spcAft>
+              <a:buClrTx/>
+              <a:buSzTx/>
+              <a:buFontTx/>
+              <a:buNone/>
+              <a:tabLst/>
+              <a:defRPr/>
+            </a:pPr>
+            <a:r>
+              <a:rPr lang="en-US" sz="1200" b="0" i="0" kern="1200" dirty="0">
+                <a:solidFill>
+                  <a:schemeClr val="tx1"/>
+                </a:solidFill>
+                <a:effectLst/>
+                <a:latin typeface="+mn-lt"/>
+                <a:ea typeface="+mn-ea"/>
+                <a:cs typeface="+mn-cs"/>
+              </a:rPr>
+              <a:t>In other words, </a:t>
+            </a:r>
+            <a:r>
+              <a:rPr lang="en-US" dirty="0"/>
+              <a:t>Self Invoking Function :</a:t>
+            </a:r>
+          </a:p>
+          <a:p>
+            <a:pPr marL="0" marR="0" lvl="0" indent="0" algn="l" defTabSz="914400" rtl="0" eaLnBrk="1" fontAlgn="auto" latinLnBrk="0" hangingPunct="1">
+              <a:lnSpc>
+                <a:spcPct val="100000"/>
+              </a:lnSpc>
+              <a:spcBef>
+                <a:spcPts val="0"/>
+              </a:spcBef>
+              <a:spcAft>
+                <a:spcPts val="0"/>
+              </a:spcAft>
+              <a:buClrTx/>
+              <a:buSzTx/>
+              <a:buFontTx/>
+              <a:buNone/>
+              <a:tabLst/>
+              <a:defRPr/>
+            </a:pPr>
+            <a:r>
+              <a:rPr lang="en-US" dirty="0"/>
+              <a:t>It’s a </a:t>
+            </a:r>
+            <a:r>
+              <a:rPr lang="en-US" sz="1200" dirty="0"/>
+              <a:t>method</a:t>
+            </a:r>
+            <a:r>
+              <a:rPr lang="en-US" dirty="0"/>
+              <a:t> who invoking itself,</a:t>
+            </a:r>
+          </a:p>
+          <a:p>
+            <a:pPr marL="0" marR="0" lvl="0" indent="0" algn="l" defTabSz="914400" rtl="0" eaLnBrk="1" fontAlgn="auto" latinLnBrk="0" hangingPunct="1">
+              <a:lnSpc>
+                <a:spcPct val="100000"/>
+              </a:lnSpc>
+              <a:spcBef>
+                <a:spcPts val="0"/>
+              </a:spcBef>
+              <a:spcAft>
+                <a:spcPts val="0"/>
+              </a:spcAft>
+              <a:buClrTx/>
+              <a:buSzTx/>
+              <a:buFontTx/>
+              <a:buNone/>
+              <a:tabLst/>
+              <a:defRPr/>
+            </a:pPr>
+            <a:endParaRPr lang="en-US" dirty="0"/>
+          </a:p>
+          <a:p>
+            <a:pPr marL="0" marR="0" lvl="0" indent="0" algn="l" defTabSz="914400" rtl="0" eaLnBrk="1" fontAlgn="auto" latinLnBrk="0" hangingPunct="1">
+              <a:lnSpc>
+                <a:spcPct val="100000"/>
+              </a:lnSpc>
+              <a:spcBef>
+                <a:spcPts val="0"/>
+              </a:spcBef>
+              <a:spcAft>
+                <a:spcPts val="0"/>
+              </a:spcAft>
+              <a:buClrTx/>
+              <a:buSzTx/>
+              <a:buFontTx/>
+              <a:buNone/>
+              <a:tabLst/>
+              <a:defRPr/>
+            </a:pPr>
+            <a:r>
+              <a:rPr lang="en-US" sz="2400" dirty="0"/>
+              <a:t>Why do we need it?</a:t>
+            </a:r>
+          </a:p>
+          <a:p>
+            <a:pPr marL="0" marR="0" lvl="0" indent="0" algn="l" defTabSz="914400" rtl="0" eaLnBrk="1" fontAlgn="auto" latinLnBrk="0" hangingPunct="1">
+              <a:lnSpc>
+                <a:spcPct val="100000"/>
+              </a:lnSpc>
+              <a:spcBef>
+                <a:spcPts val="0"/>
+              </a:spcBef>
+              <a:spcAft>
+                <a:spcPts val="0"/>
+              </a:spcAft>
+              <a:buClrTx/>
+              <a:buSzTx/>
+              <a:buFontTx/>
+              <a:buNone/>
+              <a:tabLst/>
+              <a:defRPr/>
+            </a:pPr>
+            <a:r>
+              <a:rPr lang="en-US" sz="2400" dirty="0"/>
+              <a:t>What issue it’s coming to solve?</a:t>
+            </a:r>
+          </a:p>
+          <a:p>
+            <a:pPr marL="0" marR="0" lvl="0" indent="0" algn="l" defTabSz="914400" rtl="0" eaLnBrk="1" fontAlgn="auto" latinLnBrk="0" hangingPunct="1">
+              <a:lnSpc>
+                <a:spcPct val="100000"/>
+              </a:lnSpc>
+              <a:spcBef>
+                <a:spcPts val="0"/>
+              </a:spcBef>
+              <a:spcAft>
+                <a:spcPts val="0"/>
+              </a:spcAft>
+              <a:buClrTx/>
+              <a:buSzTx/>
+              <a:buFontTx/>
+              <a:buNone/>
+              <a:tabLst/>
+              <a:defRPr/>
+            </a:pPr>
+            <a:r>
+              <a:rPr lang="en-US" sz="2400" dirty="0"/>
+              <a:t>This technique is useful for isolating code from the global scope.</a:t>
+            </a:r>
+          </a:p>
+          <a:p>
+            <a:pPr marL="0" marR="0" lvl="0" indent="0" algn="l" defTabSz="914400" rtl="0" eaLnBrk="1" fontAlgn="auto" latinLnBrk="0" hangingPunct="1">
+              <a:lnSpc>
+                <a:spcPct val="100000"/>
+              </a:lnSpc>
+              <a:spcBef>
+                <a:spcPts val="0"/>
+              </a:spcBef>
+              <a:spcAft>
+                <a:spcPts val="0"/>
+              </a:spcAft>
+              <a:buClrTx/>
+              <a:buSzTx/>
+              <a:buFontTx/>
+              <a:buNone/>
+              <a:tabLst/>
+              <a:defRPr/>
+            </a:pPr>
+            <a:endParaRPr lang="en-US" b="0" dirty="0"/>
+          </a:p>
+          <a:p>
+            <a:pPr marL="0" marR="0" lvl="0" indent="0" algn="l" defTabSz="914400" rtl="0" eaLnBrk="1" fontAlgn="auto" latinLnBrk="0" hangingPunct="1">
+              <a:lnSpc>
+                <a:spcPct val="100000"/>
+              </a:lnSpc>
+              <a:spcBef>
+                <a:spcPts val="0"/>
+              </a:spcBef>
+              <a:spcAft>
+                <a:spcPts val="0"/>
+              </a:spcAft>
+              <a:buClrTx/>
+              <a:buSzTx/>
+              <a:buFontTx/>
+              <a:buNone/>
+              <a:tabLst/>
+              <a:defRPr/>
+            </a:pPr>
+            <a:r>
+              <a:rPr lang="en-US" b="0" dirty="0"/>
+              <a:t>You remember  we talk about scope issue that we are facing when declaring variables?</a:t>
+            </a:r>
+          </a:p>
+          <a:p>
+            <a:pPr marL="0" marR="0" lvl="0" indent="0" algn="l" defTabSz="914400" rtl="0" eaLnBrk="1" fontAlgn="auto" latinLnBrk="0" hangingPunct="1">
+              <a:lnSpc>
+                <a:spcPct val="100000"/>
+              </a:lnSpc>
+              <a:spcBef>
+                <a:spcPts val="0"/>
+              </a:spcBef>
+              <a:spcAft>
+                <a:spcPts val="0"/>
+              </a:spcAft>
+              <a:buClrTx/>
+              <a:buSzTx/>
+              <a:buFontTx/>
+              <a:buNone/>
+              <a:tabLst/>
+              <a:defRPr/>
+            </a:pPr>
+            <a:r>
+              <a:rPr lang="en-US" b="0" dirty="0"/>
+              <a:t>They are added to global scope, how can we make them inside a new scope?</a:t>
+            </a:r>
+          </a:p>
+          <a:p>
+            <a:pPr marL="0" marR="0" lvl="0" indent="0" algn="l" defTabSz="914400" rtl="0" eaLnBrk="1" fontAlgn="auto" latinLnBrk="0" hangingPunct="1">
+              <a:lnSpc>
+                <a:spcPct val="100000"/>
+              </a:lnSpc>
+              <a:spcBef>
+                <a:spcPts val="0"/>
+              </a:spcBef>
+              <a:spcAft>
+                <a:spcPts val="0"/>
+              </a:spcAft>
+              <a:buClrTx/>
+              <a:buSzTx/>
+              <a:buFontTx/>
+              <a:buNone/>
+              <a:tabLst/>
+              <a:defRPr/>
+            </a:pPr>
+            <a:endParaRPr lang="en-US" b="0" dirty="0"/>
+          </a:p>
+          <a:p>
+            <a:pPr marL="0" marR="0" lvl="0" indent="0" algn="l" defTabSz="914400" rtl="0" eaLnBrk="1" fontAlgn="auto" latinLnBrk="0" hangingPunct="1">
+              <a:lnSpc>
+                <a:spcPct val="100000"/>
+              </a:lnSpc>
+              <a:spcBef>
+                <a:spcPts val="0"/>
+              </a:spcBef>
+              <a:spcAft>
+                <a:spcPts val="0"/>
+              </a:spcAft>
+              <a:buClrTx/>
+              <a:buSzTx/>
+              <a:buFontTx/>
+              <a:buNone/>
+              <a:tabLst/>
+              <a:defRPr/>
+            </a:pPr>
+            <a:r>
+              <a:rPr lang="en-US" b="0" dirty="0"/>
+              <a:t>By using IIFE function we basically creating a new scope because it’s a  function which invoking itself, so by default it’s creating a new scope and will solve our global scope issue.</a:t>
+            </a:r>
+          </a:p>
+        </p:txBody>
+      </p:sp>
+      <p:sp>
+        <p:nvSpPr>
+          <p:cNvPr id="4" name="Slide Number Placeholder 3"/>
+          <p:cNvSpPr>
+            <a:spLocks noGrp="1"/>
+          </p:cNvSpPr>
+          <p:nvPr>
+            <p:ph type="sldNum" sz="quarter" idx="10"/>
+          </p:nvPr>
+        </p:nvSpPr>
+        <p:spPr/>
+        <p:txBody>
+          <a:bodyPr/>
+          <a:lstStyle/>
+          <a:p>
+            <a:fld id="{595D0871-5AD0-4670-BDA8-FBE649F625DD}" type="slidenum">
+              <a:rPr lang="he-IL" smtClean="0"/>
+              <a:t>54</a:t>
+            </a:fld>
+            <a:endParaRPr lang="he-IL"/>
+          </a:p>
+        </p:txBody>
+      </p:sp>
+    </p:spTree>
+    <p:extLst>
+      <p:ext uri="{BB962C8B-B14F-4D97-AF65-F5344CB8AC3E}">
+        <p14:creationId xmlns:p14="http://schemas.microsoft.com/office/powerpoint/2010/main" val="3637625102"/>
+      </p:ext>
+    </p:extLst>
+  </p:cSld>
+  <p:clrMapOvr>
+    <a:masterClrMapping/>
+  </p:clrMapOvr>
+</p:notes>
+</file>
+
+<file path=ppt/notesSlides/notesSlide53.xml><?xml version="1.0" encoding="utf-8"?>
+<p:notes xmlns:a="http://schemas.openxmlformats.org/drawingml/2006/main" xmlns:r="http://schemas.openxmlformats.org/officeDocument/2006/relationships" xmlns:p="http://schemas.openxmlformats.org/presentationml/2006/main">
+  <p:cSld>
+    <p:spTree>
+      <p:nvGrpSpPr>
+        <p:cNvPr id="1" name=""/>
+        <p:cNvGrpSpPr/>
+        <p:nvPr/>
+      </p:nvGrpSpPr>
+      <p:grpSpPr>
+        <a:xfrm>
+          <a:off x="0" y="0"/>
+          <a:ext cx="0" cy="0"/>
+          <a:chOff x="0" y="0"/>
+          <a:chExt cx="0" cy="0"/>
+        </a:xfrm>
+      </p:grpSpPr>
+      <p:sp>
+        <p:nvSpPr>
+          <p:cNvPr id="2" name="Slide Image Placeholder 1"/>
+          <p:cNvSpPr>
+            <a:spLocks noGrp="1" noRot="1" noChangeAspect="1"/>
+          </p:cNvSpPr>
+          <p:nvPr>
+            <p:ph type="sldImg"/>
+          </p:nvPr>
+        </p:nvSpPr>
+        <p:spPr/>
+      </p:sp>
+      <p:sp>
+        <p:nvSpPr>
+          <p:cNvPr id="3" name="Notes Placeholder 2"/>
+          <p:cNvSpPr>
+            <a:spLocks noGrp="1"/>
+          </p:cNvSpPr>
+          <p:nvPr>
+            <p:ph type="body" idx="1"/>
+          </p:nvPr>
+        </p:nvSpPr>
+        <p:spPr/>
+        <p:txBody>
+          <a:bodyPr/>
+          <a:lstStyle/>
+          <a:p>
+            <a:pPr marL="0" marR="0" lvl="0" indent="0" algn="l" defTabSz="914400" rtl="0" eaLnBrk="1" fontAlgn="auto" latinLnBrk="0" hangingPunct="1">
+              <a:lnSpc>
+                <a:spcPct val="100000"/>
+              </a:lnSpc>
+              <a:spcBef>
+                <a:spcPts val="0"/>
+              </a:spcBef>
+              <a:spcAft>
+                <a:spcPts val="0"/>
+              </a:spcAft>
+              <a:buClrTx/>
+              <a:buSzTx/>
+              <a:buFontTx/>
+              <a:buNone/>
+              <a:tabLst/>
+              <a:defRPr/>
+            </a:pPr>
+            <a:r>
+              <a:rPr lang="en-US" b="0" dirty="0"/>
+              <a:t>What is closure?</a:t>
+            </a:r>
+          </a:p>
+          <a:p>
+            <a:pPr marL="0" marR="0" lvl="0" indent="0" algn="l" defTabSz="914400" rtl="0" eaLnBrk="1" fontAlgn="auto" latinLnBrk="0" hangingPunct="1">
+              <a:lnSpc>
+                <a:spcPct val="100000"/>
+              </a:lnSpc>
+              <a:spcBef>
+                <a:spcPts val="0"/>
+              </a:spcBef>
+              <a:spcAft>
+                <a:spcPts val="0"/>
+              </a:spcAft>
+              <a:buClrTx/>
+              <a:buSzTx/>
+              <a:buFontTx/>
+              <a:buNone/>
+              <a:tabLst/>
+              <a:defRPr/>
+            </a:pPr>
+            <a:endParaRPr lang="en-US" b="0" dirty="0"/>
+          </a:p>
+          <a:p>
+            <a:pPr algn="l" rtl="0"/>
+            <a:r>
+              <a:rPr lang="en-US" sz="1200" b="0" i="0" kern="1200" dirty="0">
+                <a:solidFill>
+                  <a:schemeClr val="tx1"/>
+                </a:solidFill>
+                <a:effectLst/>
+                <a:latin typeface="+mn-lt"/>
+                <a:ea typeface="+mn-ea"/>
+                <a:cs typeface="+mn-cs"/>
+              </a:rPr>
+              <a:t>A closure is a feature in JavaScript where an inner function has access to the outer (enclosing) function’s variables — a scope chain.</a:t>
+            </a:r>
+          </a:p>
+          <a:p>
+            <a:pPr algn="l" rtl="0"/>
+            <a:r>
+              <a:rPr lang="en-US" sz="1200" b="0" i="0" kern="1200" dirty="0">
+                <a:solidFill>
+                  <a:schemeClr val="tx1"/>
+                </a:solidFill>
+                <a:effectLst/>
+                <a:latin typeface="+mn-lt"/>
+                <a:ea typeface="+mn-ea"/>
+                <a:cs typeface="+mn-cs"/>
+              </a:rPr>
+              <a:t>The closure has three scope chains:</a:t>
+            </a:r>
+          </a:p>
+          <a:p>
+            <a:pPr algn="l" rtl="0"/>
+            <a:r>
+              <a:rPr lang="en-US" sz="1200" b="0" i="0" kern="1200" dirty="0">
+                <a:solidFill>
+                  <a:schemeClr val="tx1"/>
+                </a:solidFill>
+                <a:effectLst/>
+                <a:latin typeface="+mn-lt"/>
+                <a:ea typeface="+mn-ea"/>
+                <a:cs typeface="+mn-cs"/>
+              </a:rPr>
+              <a:t>it has access to its own scope — variables defined between its curly brackets</a:t>
+            </a:r>
+          </a:p>
+          <a:p>
+            <a:pPr algn="l" rtl="0"/>
+            <a:r>
+              <a:rPr lang="en-US" sz="1200" b="0" i="0" kern="1200" dirty="0">
+                <a:solidFill>
+                  <a:schemeClr val="tx1"/>
+                </a:solidFill>
+                <a:effectLst/>
+                <a:latin typeface="+mn-lt"/>
+                <a:ea typeface="+mn-ea"/>
+                <a:cs typeface="+mn-cs"/>
+              </a:rPr>
+              <a:t>it has access to the outer function’s variables</a:t>
+            </a:r>
+          </a:p>
+          <a:p>
+            <a:pPr algn="l" rtl="0"/>
+            <a:r>
+              <a:rPr lang="en-US" sz="1200" b="0" i="0" kern="1200" dirty="0">
+                <a:solidFill>
+                  <a:schemeClr val="tx1"/>
+                </a:solidFill>
+                <a:effectLst/>
+                <a:latin typeface="+mn-lt"/>
+                <a:ea typeface="+mn-ea"/>
+                <a:cs typeface="+mn-cs"/>
+              </a:rPr>
+              <a:t>it has access to the global variables</a:t>
+            </a:r>
+          </a:p>
+          <a:p>
+            <a:pPr algn="l" rtl="0"/>
+            <a:r>
+              <a:rPr lang="en-US" sz="1200" b="0" i="0" kern="1200" dirty="0">
+                <a:solidFill>
+                  <a:schemeClr val="tx1"/>
+                </a:solidFill>
+                <a:effectLst/>
+                <a:latin typeface="+mn-lt"/>
+                <a:ea typeface="+mn-ea"/>
+                <a:cs typeface="+mn-cs"/>
+              </a:rPr>
+              <a:t>To the uninitiated, this definition might seem like just a whole lot of jargon!</a:t>
+            </a:r>
+          </a:p>
+          <a:p>
+            <a:pPr algn="l" rtl="0"/>
+            <a:endParaRPr lang="en-US" sz="1200" b="0" i="0" kern="1200" dirty="0">
+              <a:solidFill>
+                <a:schemeClr val="tx1"/>
+              </a:solidFill>
+              <a:effectLst/>
+              <a:latin typeface="+mn-lt"/>
+              <a:ea typeface="+mn-ea"/>
+              <a:cs typeface="+mn-cs"/>
+            </a:endParaRPr>
+          </a:p>
+          <a:p>
+            <a:pPr marL="171450" indent="-171450" algn="l" rtl="0">
+              <a:buFontTx/>
+              <a:buChar char="-"/>
+            </a:pPr>
+            <a:r>
+              <a:rPr lang="en-US" sz="1200" b="0" i="0" kern="1200" dirty="0">
+                <a:solidFill>
+                  <a:schemeClr val="tx1"/>
+                </a:solidFill>
+                <a:effectLst/>
+                <a:latin typeface="+mn-lt"/>
+                <a:ea typeface="+mn-ea"/>
+                <a:cs typeface="+mn-cs"/>
+              </a:rPr>
+              <a:t>https://medium.freecodecamp.org/javascript-closures-simplified-d0d23fa06ba4</a:t>
+            </a:r>
+          </a:p>
+          <a:p>
+            <a:pPr marL="171450" indent="-171450" algn="l" rtl="0">
+              <a:buFontTx/>
+              <a:buChar char="-"/>
+            </a:pPr>
+            <a:endParaRPr lang="en-US" sz="1200" b="0" i="0" kern="1200" dirty="0">
+              <a:solidFill>
+                <a:schemeClr val="tx1"/>
+              </a:solidFill>
+              <a:effectLst/>
+              <a:latin typeface="+mn-lt"/>
+              <a:ea typeface="+mn-ea"/>
+              <a:cs typeface="+mn-cs"/>
+            </a:endParaRPr>
+          </a:p>
+        </p:txBody>
+      </p:sp>
+      <p:sp>
+        <p:nvSpPr>
+          <p:cNvPr id="4" name="Slide Number Placeholder 3"/>
+          <p:cNvSpPr>
+            <a:spLocks noGrp="1"/>
+          </p:cNvSpPr>
+          <p:nvPr>
+            <p:ph type="sldNum" sz="quarter" idx="10"/>
+          </p:nvPr>
+        </p:nvSpPr>
+        <p:spPr/>
+        <p:txBody>
+          <a:bodyPr/>
+          <a:lstStyle/>
+          <a:p>
+            <a:fld id="{595D0871-5AD0-4670-BDA8-FBE649F625DD}" type="slidenum">
+              <a:rPr lang="he-IL" smtClean="0"/>
+              <a:t>55</a:t>
+            </a:fld>
+            <a:endParaRPr lang="he-IL"/>
+          </a:p>
+        </p:txBody>
+      </p:sp>
+    </p:spTree>
+    <p:extLst>
+      <p:ext uri="{BB962C8B-B14F-4D97-AF65-F5344CB8AC3E}">
+        <p14:creationId xmlns:p14="http://schemas.microsoft.com/office/powerpoint/2010/main" val="631576500"/>
+      </p:ext>
+    </p:extLst>
+  </p:cSld>
+  <p:clrMapOvr>
+    <a:masterClrMapping/>
+  </p:clrMapOvr>
+</p:notes>
+</file>
+
+<file path=ppt/notesSlides/notesSlide54.xml><?xml version="1.0" encoding="utf-8"?>
+<p:notes xmlns:a="http://schemas.openxmlformats.org/drawingml/2006/main" xmlns:r="http://schemas.openxmlformats.org/officeDocument/2006/relationships" xmlns:p="http://schemas.openxmlformats.org/presentationml/2006/main">
+  <p:cSld>
+    <p:spTree>
+      <p:nvGrpSpPr>
+        <p:cNvPr id="1" name=""/>
+        <p:cNvGrpSpPr/>
+        <p:nvPr/>
+      </p:nvGrpSpPr>
+      <p:grpSpPr>
+        <a:xfrm>
+          <a:off x="0" y="0"/>
+          <a:ext cx="0" cy="0"/>
+          <a:chOff x="0" y="0"/>
+          <a:chExt cx="0" cy="0"/>
+        </a:xfrm>
+      </p:grpSpPr>
+      <p:sp>
+        <p:nvSpPr>
+          <p:cNvPr id="2" name="Slide Image Placeholder 1"/>
+          <p:cNvSpPr>
+            <a:spLocks noGrp="1" noRot="1" noChangeAspect="1"/>
+          </p:cNvSpPr>
+          <p:nvPr>
+            <p:ph type="sldImg"/>
+          </p:nvPr>
+        </p:nvSpPr>
+        <p:spPr/>
+      </p:sp>
+      <p:sp>
+        <p:nvSpPr>
+          <p:cNvPr id="3" name="Notes Placeholder 2"/>
+          <p:cNvSpPr>
+            <a:spLocks noGrp="1"/>
+          </p:cNvSpPr>
+          <p:nvPr>
+            <p:ph type="body" idx="1"/>
+          </p:nvPr>
+        </p:nvSpPr>
+        <p:spPr/>
+        <p:txBody>
+          <a:bodyPr/>
+          <a:lstStyle/>
+          <a:p>
+            <a:pPr marL="0" marR="0" lvl="0" indent="0" algn="l" defTabSz="914400" rtl="0" eaLnBrk="1" fontAlgn="auto" latinLnBrk="0" hangingPunct="1">
+              <a:lnSpc>
+                <a:spcPct val="100000"/>
+              </a:lnSpc>
+              <a:spcBef>
+                <a:spcPts val="0"/>
+              </a:spcBef>
+              <a:spcAft>
+                <a:spcPts val="0"/>
+              </a:spcAft>
+              <a:buClrTx/>
+              <a:buSzTx/>
+              <a:buFontTx/>
+              <a:buNone/>
+              <a:tabLst/>
+              <a:defRPr/>
+            </a:pPr>
+            <a:endParaRPr lang="en-US" b="0" dirty="0"/>
+          </a:p>
+        </p:txBody>
+      </p:sp>
+      <p:sp>
+        <p:nvSpPr>
+          <p:cNvPr id="4" name="Slide Number Placeholder 3"/>
+          <p:cNvSpPr>
+            <a:spLocks noGrp="1"/>
+          </p:cNvSpPr>
+          <p:nvPr>
+            <p:ph type="sldNum" sz="quarter" idx="10"/>
+          </p:nvPr>
+        </p:nvSpPr>
+        <p:spPr/>
+        <p:txBody>
+          <a:bodyPr/>
+          <a:lstStyle/>
+          <a:p>
+            <a:fld id="{595D0871-5AD0-4670-BDA8-FBE649F625DD}" type="slidenum">
+              <a:rPr lang="he-IL" smtClean="0"/>
+              <a:t>56</a:t>
+            </a:fld>
+            <a:endParaRPr lang="he-IL"/>
+          </a:p>
+        </p:txBody>
+      </p:sp>
+    </p:spTree>
+    <p:extLst>
+      <p:ext uri="{BB962C8B-B14F-4D97-AF65-F5344CB8AC3E}">
+        <p14:creationId xmlns:p14="http://schemas.microsoft.com/office/powerpoint/2010/main" val="3802600719"/>
+      </p:ext>
+    </p:extLst>
+  </p:cSld>
+  <p:clrMapOvr>
+    <a:masterClrMapping/>
+  </p:clrMapOvr>
+</p:notes>
+</file>
+
+<file path=ppt/notesSlides/notesSlide55.xml><?xml version="1.0" encoding="utf-8"?>
+<p:notes xmlns:a="http://schemas.openxmlformats.org/drawingml/2006/main" xmlns:r="http://schemas.openxmlformats.org/officeDocument/2006/relationships" xmlns:p="http://schemas.openxmlformats.org/presentationml/2006/main">
+  <p:cSld>
+    <p:spTree>
+      <p:nvGrpSpPr>
+        <p:cNvPr id="1" name=""/>
+        <p:cNvGrpSpPr/>
+        <p:nvPr/>
+      </p:nvGrpSpPr>
+      <p:grpSpPr>
+        <a:xfrm>
+          <a:off x="0" y="0"/>
+          <a:ext cx="0" cy="0"/>
+          <a:chOff x="0" y="0"/>
+          <a:chExt cx="0" cy="0"/>
+        </a:xfrm>
+      </p:grpSpPr>
+      <p:sp>
+        <p:nvSpPr>
+          <p:cNvPr id="2" name="Slide Image Placeholder 1"/>
+          <p:cNvSpPr>
+            <a:spLocks noGrp="1" noRot="1" noChangeAspect="1"/>
+          </p:cNvSpPr>
+          <p:nvPr>
+            <p:ph type="sldImg"/>
+          </p:nvPr>
+        </p:nvSpPr>
+        <p:spPr/>
+      </p:sp>
+      <p:sp>
+        <p:nvSpPr>
+          <p:cNvPr id="3" name="Notes Placeholder 2"/>
+          <p:cNvSpPr>
+            <a:spLocks noGrp="1"/>
+          </p:cNvSpPr>
+          <p:nvPr>
+            <p:ph type="body" idx="1"/>
+          </p:nvPr>
+        </p:nvSpPr>
+        <p:spPr/>
+        <p:txBody>
+          <a:bodyPr/>
+          <a:lstStyle/>
+          <a:p>
+            <a:pPr marL="0" marR="0" lvl="0" indent="0" algn="l" defTabSz="914400" rtl="0" eaLnBrk="1" fontAlgn="auto" latinLnBrk="0" hangingPunct="1">
+              <a:lnSpc>
+                <a:spcPct val="100000"/>
+              </a:lnSpc>
+              <a:spcBef>
+                <a:spcPts val="0"/>
+              </a:spcBef>
+              <a:spcAft>
+                <a:spcPts val="0"/>
+              </a:spcAft>
+              <a:buClrTx/>
+              <a:buSzTx/>
+              <a:buFontTx/>
+              <a:buNone/>
+              <a:tabLst/>
+              <a:defRPr/>
+            </a:pPr>
+            <a:endParaRPr lang="en-US" b="0" dirty="0"/>
+          </a:p>
+        </p:txBody>
+      </p:sp>
+      <p:sp>
+        <p:nvSpPr>
+          <p:cNvPr id="4" name="Slide Number Placeholder 3"/>
+          <p:cNvSpPr>
+            <a:spLocks noGrp="1"/>
+          </p:cNvSpPr>
+          <p:nvPr>
+            <p:ph type="sldNum" sz="quarter" idx="10"/>
+          </p:nvPr>
+        </p:nvSpPr>
+        <p:spPr/>
+        <p:txBody>
+          <a:bodyPr/>
+          <a:lstStyle/>
+          <a:p>
+            <a:fld id="{595D0871-5AD0-4670-BDA8-FBE649F625DD}" type="slidenum">
+              <a:rPr lang="he-IL" smtClean="0"/>
+              <a:t>57</a:t>
+            </a:fld>
+            <a:endParaRPr lang="he-IL"/>
+          </a:p>
+        </p:txBody>
+      </p:sp>
+    </p:spTree>
+    <p:extLst>
+      <p:ext uri="{BB962C8B-B14F-4D97-AF65-F5344CB8AC3E}">
+        <p14:creationId xmlns:p14="http://schemas.microsoft.com/office/powerpoint/2010/main" val="3568349639"/>
+      </p:ext>
+    </p:extLst>
+  </p:cSld>
+  <p:clrMapOvr>
+    <a:masterClrMapping/>
+  </p:clrMapOvr>
+</p:notes>
+</file>
+
+<file path=ppt/notesSlides/notesSlide56.xml><?xml version="1.0" encoding="utf-8"?>
+<p:notes xmlns:a="http://schemas.openxmlformats.org/drawingml/2006/main" xmlns:r="http://schemas.openxmlformats.org/officeDocument/2006/relationships" xmlns:p="http://schemas.openxmlformats.org/presentationml/2006/main">
+  <p:cSld>
+    <p:spTree>
+      <p:nvGrpSpPr>
+        <p:cNvPr id="1" name=""/>
+        <p:cNvGrpSpPr/>
+        <p:nvPr/>
+      </p:nvGrpSpPr>
+      <p:grpSpPr>
+        <a:xfrm>
+          <a:off x="0" y="0"/>
+          <a:ext cx="0" cy="0"/>
+          <a:chOff x="0" y="0"/>
+          <a:chExt cx="0" cy="0"/>
+        </a:xfrm>
+      </p:grpSpPr>
+      <p:sp>
+        <p:nvSpPr>
+          <p:cNvPr id="2" name="Slide Image Placeholder 1"/>
+          <p:cNvSpPr>
+            <a:spLocks noGrp="1" noRot="1" noChangeAspect="1"/>
+          </p:cNvSpPr>
+          <p:nvPr>
+            <p:ph type="sldImg"/>
+          </p:nvPr>
+        </p:nvSpPr>
+        <p:spPr/>
+      </p:sp>
+      <p:sp>
+        <p:nvSpPr>
+          <p:cNvPr id="3" name="Notes Placeholder 2"/>
+          <p:cNvSpPr>
+            <a:spLocks noGrp="1"/>
+          </p:cNvSpPr>
+          <p:nvPr>
+            <p:ph type="body" idx="1"/>
+          </p:nvPr>
+        </p:nvSpPr>
+        <p:spPr/>
+        <p:txBody>
+          <a:bodyPr/>
+          <a:lstStyle/>
+          <a:p>
+            <a:pPr marL="0" marR="0" lvl="0" indent="0" algn="l" defTabSz="914400" rtl="0" eaLnBrk="1" fontAlgn="auto" latinLnBrk="0" hangingPunct="1">
+              <a:lnSpc>
+                <a:spcPct val="100000"/>
+              </a:lnSpc>
+              <a:spcBef>
+                <a:spcPts val="0"/>
+              </a:spcBef>
+              <a:spcAft>
+                <a:spcPts val="0"/>
+              </a:spcAft>
+              <a:buClrTx/>
+              <a:buSzTx/>
+              <a:buFontTx/>
+              <a:buNone/>
+              <a:tabLst/>
+              <a:defRPr/>
+            </a:pPr>
+            <a:endParaRPr lang="en-US" b="0" dirty="0"/>
+          </a:p>
+        </p:txBody>
+      </p:sp>
+      <p:sp>
+        <p:nvSpPr>
+          <p:cNvPr id="4" name="Slide Number Placeholder 3"/>
+          <p:cNvSpPr>
+            <a:spLocks noGrp="1"/>
+          </p:cNvSpPr>
+          <p:nvPr>
+            <p:ph type="sldNum" sz="quarter" idx="10"/>
+          </p:nvPr>
+        </p:nvSpPr>
+        <p:spPr/>
+        <p:txBody>
+          <a:bodyPr/>
+          <a:lstStyle/>
+          <a:p>
+            <a:fld id="{595D0871-5AD0-4670-BDA8-FBE649F625DD}" type="slidenum">
+              <a:rPr lang="he-IL" smtClean="0"/>
+              <a:t>58</a:t>
+            </a:fld>
+            <a:endParaRPr lang="he-IL"/>
+          </a:p>
+        </p:txBody>
+      </p:sp>
+    </p:spTree>
+    <p:extLst>
+      <p:ext uri="{BB962C8B-B14F-4D97-AF65-F5344CB8AC3E}">
+        <p14:creationId xmlns:p14="http://schemas.microsoft.com/office/powerpoint/2010/main" val="1853370644"/>
+      </p:ext>
+    </p:extLst>
+  </p:cSld>
+  <p:clrMapOvr>
+    <a:masterClrMapping/>
+  </p:clrMapOvr>
+</p:notes>
+</file>
+
+<file path=ppt/notesSlides/notesSlide57.xml><?xml version="1.0" encoding="utf-8"?>
+<p:notes xmlns:a="http://schemas.openxmlformats.org/drawingml/2006/main" xmlns:r="http://schemas.openxmlformats.org/officeDocument/2006/relationships" xmlns:p="http://schemas.openxmlformats.org/presentationml/2006/main">
+  <p:cSld>
+    <p:spTree>
+      <p:nvGrpSpPr>
+        <p:cNvPr id="1" name=""/>
+        <p:cNvGrpSpPr/>
+        <p:nvPr/>
+      </p:nvGrpSpPr>
+      <p:grpSpPr>
+        <a:xfrm>
+          <a:off x="0" y="0"/>
+          <a:ext cx="0" cy="0"/>
+          <a:chOff x="0" y="0"/>
+          <a:chExt cx="0" cy="0"/>
+        </a:xfrm>
+      </p:grpSpPr>
+      <p:sp>
+        <p:nvSpPr>
+          <p:cNvPr id="2" name="Slide Image Placeholder 1"/>
+          <p:cNvSpPr>
+            <a:spLocks noGrp="1" noRot="1" noChangeAspect="1"/>
+          </p:cNvSpPr>
+          <p:nvPr>
+            <p:ph type="sldImg"/>
+          </p:nvPr>
+        </p:nvSpPr>
+        <p:spPr/>
+      </p:sp>
+      <p:sp>
+        <p:nvSpPr>
+          <p:cNvPr id="3" name="Notes Placeholder 2"/>
+          <p:cNvSpPr>
+            <a:spLocks noGrp="1"/>
+          </p:cNvSpPr>
+          <p:nvPr>
+            <p:ph type="body" idx="1"/>
+          </p:nvPr>
+        </p:nvSpPr>
+        <p:spPr/>
+        <p:txBody>
+          <a:bodyPr/>
+          <a:lstStyle/>
+          <a:p>
+            <a:pPr marL="0" marR="0" lvl="0" indent="0" algn="l" defTabSz="914400" rtl="0" eaLnBrk="1" fontAlgn="auto" latinLnBrk="0" hangingPunct="1">
+              <a:lnSpc>
+                <a:spcPct val="100000"/>
+              </a:lnSpc>
+              <a:spcBef>
+                <a:spcPts val="0"/>
+              </a:spcBef>
+              <a:spcAft>
+                <a:spcPts val="0"/>
+              </a:spcAft>
+              <a:buClrTx/>
+              <a:buSzTx/>
+              <a:buFontTx/>
+              <a:buNone/>
+              <a:tabLst/>
+              <a:defRPr/>
+            </a:pPr>
+            <a:r>
+              <a:rPr lang="en-US" sz="1200" b="1" i="0" kern="1200" dirty="0">
+                <a:solidFill>
+                  <a:schemeClr val="tx1"/>
+                </a:solidFill>
+                <a:effectLst/>
+                <a:latin typeface="+mn-lt"/>
+                <a:ea typeface="+mn-ea"/>
+                <a:cs typeface="+mn-cs"/>
+              </a:rPr>
+              <a:t>IIFE - Immediately Invoked Function Expression</a:t>
+            </a:r>
+            <a:endParaRPr lang="en-US" sz="1200" b="0" i="0" kern="1200" dirty="0">
+              <a:solidFill>
+                <a:schemeClr val="tx1"/>
+              </a:solidFill>
+              <a:effectLst/>
+              <a:latin typeface="+mn-lt"/>
+              <a:ea typeface="+mn-ea"/>
+              <a:cs typeface="+mn-cs"/>
+            </a:endParaRPr>
+          </a:p>
+          <a:p>
+            <a:pPr marL="0" marR="0" lvl="0" indent="0" algn="l" defTabSz="914400" rtl="0" eaLnBrk="1" fontAlgn="auto" latinLnBrk="0" hangingPunct="1">
+              <a:lnSpc>
+                <a:spcPct val="100000"/>
+              </a:lnSpc>
+              <a:spcBef>
+                <a:spcPts val="0"/>
+              </a:spcBef>
+              <a:spcAft>
+                <a:spcPts val="0"/>
+              </a:spcAft>
+              <a:buClrTx/>
+              <a:buSzTx/>
+              <a:buFontTx/>
+              <a:buNone/>
+              <a:tabLst/>
+              <a:defRPr/>
+            </a:pPr>
+            <a:endParaRPr lang="en-US" sz="1200" b="0" i="0" kern="1200" dirty="0">
+              <a:solidFill>
+                <a:schemeClr val="tx1"/>
+              </a:solidFill>
+              <a:effectLst/>
+              <a:latin typeface="+mn-lt"/>
+              <a:ea typeface="+mn-ea"/>
+              <a:cs typeface="+mn-cs"/>
+            </a:endParaRPr>
+          </a:p>
+          <a:p>
+            <a:pPr marL="0" marR="0" lvl="0" indent="0" algn="l" defTabSz="914400" rtl="0" eaLnBrk="1" fontAlgn="auto" latinLnBrk="0" hangingPunct="1">
+              <a:lnSpc>
+                <a:spcPct val="100000"/>
+              </a:lnSpc>
+              <a:spcBef>
+                <a:spcPts val="0"/>
+              </a:spcBef>
+              <a:spcAft>
+                <a:spcPts val="0"/>
+              </a:spcAft>
+              <a:buClrTx/>
+              <a:buSzTx/>
+              <a:buFontTx/>
+              <a:buNone/>
+              <a:tabLst/>
+              <a:defRPr/>
+            </a:pPr>
+            <a:r>
+              <a:rPr lang="en-US" sz="1200" b="0" i="0" kern="1200" dirty="0">
+                <a:solidFill>
+                  <a:schemeClr val="tx1"/>
+                </a:solidFill>
+                <a:effectLst/>
+                <a:latin typeface="+mn-lt"/>
+                <a:ea typeface="+mn-ea"/>
+                <a:cs typeface="+mn-cs"/>
+              </a:rPr>
+              <a:t>In other words, </a:t>
+            </a:r>
+            <a:r>
+              <a:rPr lang="en-US" dirty="0"/>
+              <a:t>Self Invoking Function :</a:t>
+            </a:r>
+          </a:p>
+          <a:p>
+            <a:pPr marL="0" marR="0" lvl="0" indent="0" algn="l" defTabSz="914400" rtl="0" eaLnBrk="1" fontAlgn="auto" latinLnBrk="0" hangingPunct="1">
+              <a:lnSpc>
+                <a:spcPct val="100000"/>
+              </a:lnSpc>
+              <a:spcBef>
+                <a:spcPts val="0"/>
+              </a:spcBef>
+              <a:spcAft>
+                <a:spcPts val="0"/>
+              </a:spcAft>
+              <a:buClrTx/>
+              <a:buSzTx/>
+              <a:buFontTx/>
+              <a:buNone/>
+              <a:tabLst/>
+              <a:defRPr/>
+            </a:pPr>
+            <a:r>
+              <a:rPr lang="en-US" dirty="0"/>
+              <a:t>It’s a </a:t>
+            </a:r>
+            <a:r>
+              <a:rPr lang="en-US" sz="1200" dirty="0"/>
+              <a:t>method</a:t>
+            </a:r>
+            <a:r>
+              <a:rPr lang="en-US" dirty="0"/>
+              <a:t> who invoking itself,</a:t>
+            </a:r>
+          </a:p>
+          <a:p>
+            <a:pPr marL="0" marR="0" lvl="0" indent="0" algn="l" defTabSz="914400" rtl="0" eaLnBrk="1" fontAlgn="auto" latinLnBrk="0" hangingPunct="1">
+              <a:lnSpc>
+                <a:spcPct val="100000"/>
+              </a:lnSpc>
+              <a:spcBef>
+                <a:spcPts val="0"/>
+              </a:spcBef>
+              <a:spcAft>
+                <a:spcPts val="0"/>
+              </a:spcAft>
+              <a:buClrTx/>
+              <a:buSzTx/>
+              <a:buFontTx/>
+              <a:buNone/>
+              <a:tabLst/>
+              <a:defRPr/>
+            </a:pPr>
+            <a:endParaRPr lang="en-US" dirty="0"/>
+          </a:p>
+          <a:p>
+            <a:pPr marL="0" marR="0" lvl="0" indent="0" algn="l" defTabSz="914400" rtl="0" eaLnBrk="1" fontAlgn="auto" latinLnBrk="0" hangingPunct="1">
+              <a:lnSpc>
+                <a:spcPct val="100000"/>
+              </a:lnSpc>
+              <a:spcBef>
+                <a:spcPts val="0"/>
+              </a:spcBef>
+              <a:spcAft>
+                <a:spcPts val="0"/>
+              </a:spcAft>
+              <a:buClrTx/>
+              <a:buSzTx/>
+              <a:buFontTx/>
+              <a:buNone/>
+              <a:tabLst/>
+              <a:defRPr/>
+            </a:pPr>
+            <a:r>
+              <a:rPr lang="en-US" sz="2400" dirty="0"/>
+              <a:t>Why do we need it?</a:t>
+            </a:r>
+          </a:p>
+          <a:p>
+            <a:pPr marL="0" marR="0" lvl="0" indent="0" algn="l" defTabSz="914400" rtl="0" eaLnBrk="1" fontAlgn="auto" latinLnBrk="0" hangingPunct="1">
+              <a:lnSpc>
+                <a:spcPct val="100000"/>
+              </a:lnSpc>
+              <a:spcBef>
+                <a:spcPts val="0"/>
+              </a:spcBef>
+              <a:spcAft>
+                <a:spcPts val="0"/>
+              </a:spcAft>
+              <a:buClrTx/>
+              <a:buSzTx/>
+              <a:buFontTx/>
+              <a:buNone/>
+              <a:tabLst/>
+              <a:defRPr/>
+            </a:pPr>
+            <a:r>
+              <a:rPr lang="en-US" sz="2400" dirty="0"/>
+              <a:t>What issue it’s coming to solve?</a:t>
+            </a:r>
+          </a:p>
+          <a:p>
+            <a:pPr marL="0" marR="0" lvl="0" indent="0" algn="l" defTabSz="914400" rtl="0" eaLnBrk="1" fontAlgn="auto" latinLnBrk="0" hangingPunct="1">
+              <a:lnSpc>
+                <a:spcPct val="100000"/>
+              </a:lnSpc>
+              <a:spcBef>
+                <a:spcPts val="0"/>
+              </a:spcBef>
+              <a:spcAft>
+                <a:spcPts val="0"/>
+              </a:spcAft>
+              <a:buClrTx/>
+              <a:buSzTx/>
+              <a:buFontTx/>
+              <a:buNone/>
+              <a:tabLst/>
+              <a:defRPr/>
+            </a:pPr>
+            <a:r>
+              <a:rPr lang="en-US" sz="2400" dirty="0"/>
+              <a:t>This technique is useful for isolating code from the global scope.</a:t>
+            </a:r>
+          </a:p>
+          <a:p>
+            <a:pPr marL="0" marR="0" lvl="0" indent="0" algn="l" defTabSz="914400" rtl="0" eaLnBrk="1" fontAlgn="auto" latinLnBrk="0" hangingPunct="1">
+              <a:lnSpc>
+                <a:spcPct val="100000"/>
+              </a:lnSpc>
+              <a:spcBef>
+                <a:spcPts val="0"/>
+              </a:spcBef>
+              <a:spcAft>
+                <a:spcPts val="0"/>
+              </a:spcAft>
+              <a:buClrTx/>
+              <a:buSzTx/>
+              <a:buFontTx/>
+              <a:buNone/>
+              <a:tabLst/>
+              <a:defRPr/>
+            </a:pPr>
+            <a:endParaRPr lang="en-US" b="0" dirty="0"/>
+          </a:p>
+        </p:txBody>
+      </p:sp>
+      <p:sp>
+        <p:nvSpPr>
+          <p:cNvPr id="4" name="Slide Number Placeholder 3"/>
+          <p:cNvSpPr>
+            <a:spLocks noGrp="1"/>
+          </p:cNvSpPr>
+          <p:nvPr>
+            <p:ph type="sldNum" sz="quarter" idx="10"/>
+          </p:nvPr>
+        </p:nvSpPr>
+        <p:spPr/>
+        <p:txBody>
+          <a:bodyPr/>
+          <a:lstStyle/>
+          <a:p>
+            <a:fld id="{595D0871-5AD0-4670-BDA8-FBE649F625DD}" type="slidenum">
+              <a:rPr lang="he-IL" smtClean="0"/>
+              <a:t>59</a:t>
+            </a:fld>
+            <a:endParaRPr lang="he-IL"/>
+          </a:p>
+        </p:txBody>
+      </p:sp>
+    </p:spTree>
+    <p:extLst>
+      <p:ext uri="{BB962C8B-B14F-4D97-AF65-F5344CB8AC3E}">
+        <p14:creationId xmlns:p14="http://schemas.microsoft.com/office/powerpoint/2010/main" val="3635942883"/>
+      </p:ext>
+    </p:extLst>
+  </p:cSld>
+  <p:clrMapOvr>
+    <a:masterClrMapping/>
+  </p:clrMapOvr>
+</p:notes>
+</file>
+
+<file path=ppt/notesSlides/notesSlide58.xml><?xml version="1.0" encoding="utf-8"?>
+<p:notes xmlns:a="http://schemas.openxmlformats.org/drawingml/2006/main" xmlns:r="http://schemas.openxmlformats.org/officeDocument/2006/relationships" xmlns:p="http://schemas.openxmlformats.org/presentationml/2006/main">
+  <p:cSld>
+    <p:spTree>
+      <p:nvGrpSpPr>
+        <p:cNvPr id="1" name=""/>
+        <p:cNvGrpSpPr/>
+        <p:nvPr/>
+      </p:nvGrpSpPr>
+      <p:grpSpPr>
+        <a:xfrm>
+          <a:off x="0" y="0"/>
+          <a:ext cx="0" cy="0"/>
+          <a:chOff x="0" y="0"/>
+          <a:chExt cx="0" cy="0"/>
+        </a:xfrm>
+      </p:grpSpPr>
+      <p:sp>
+        <p:nvSpPr>
+          <p:cNvPr id="2" name="Slide Image Placeholder 1"/>
+          <p:cNvSpPr>
+            <a:spLocks noGrp="1" noRot="1" noChangeAspect="1"/>
+          </p:cNvSpPr>
+          <p:nvPr>
+            <p:ph type="sldImg"/>
+          </p:nvPr>
+        </p:nvSpPr>
+        <p:spPr/>
+      </p:sp>
+      <p:sp>
+        <p:nvSpPr>
+          <p:cNvPr id="3" name="Notes Placeholder 2"/>
+          <p:cNvSpPr>
+            <a:spLocks noGrp="1"/>
+          </p:cNvSpPr>
+          <p:nvPr>
+            <p:ph type="body" idx="1"/>
+          </p:nvPr>
+        </p:nvSpPr>
+        <p:spPr/>
+        <p:txBody>
+          <a:bodyPr/>
+          <a:lstStyle/>
+          <a:p>
+            <a:pPr marL="0" marR="0" lvl="0" indent="0" algn="l" defTabSz="914400" rtl="0" eaLnBrk="1" fontAlgn="auto" latinLnBrk="0" hangingPunct="1">
+              <a:lnSpc>
+                <a:spcPct val="100000"/>
+              </a:lnSpc>
+              <a:spcBef>
+                <a:spcPts val="0"/>
+              </a:spcBef>
+              <a:spcAft>
+                <a:spcPts val="0"/>
+              </a:spcAft>
+              <a:buClrTx/>
+              <a:buSzTx/>
+              <a:buFontTx/>
+              <a:buNone/>
+              <a:tabLst/>
+              <a:defRPr/>
+            </a:pPr>
+            <a:r>
+              <a:rPr lang="en-US" sz="1200" b="0" i="0" kern="1200" dirty="0">
+                <a:solidFill>
+                  <a:schemeClr val="tx1"/>
+                </a:solidFill>
+                <a:effectLst/>
+                <a:latin typeface="+mn-lt"/>
+                <a:ea typeface="+mn-ea"/>
+                <a:cs typeface="+mn-cs"/>
+              </a:rPr>
+              <a:t>In the past, how we create class in JS?</a:t>
+            </a:r>
+          </a:p>
+          <a:p>
+            <a:pPr marL="0" marR="0" lvl="0" indent="0" algn="l" defTabSz="914400" rtl="0" eaLnBrk="1" fontAlgn="auto" latinLnBrk="0" hangingPunct="1">
+              <a:lnSpc>
+                <a:spcPct val="100000"/>
+              </a:lnSpc>
+              <a:spcBef>
+                <a:spcPts val="0"/>
+              </a:spcBef>
+              <a:spcAft>
+                <a:spcPts val="0"/>
+              </a:spcAft>
+              <a:buClrTx/>
+              <a:buSzTx/>
+              <a:buFontTx/>
+              <a:buNone/>
+              <a:tabLst/>
+              <a:defRPr/>
+            </a:pPr>
+            <a:endParaRPr lang="en-US" b="0" dirty="0"/>
+          </a:p>
+          <a:p>
+            <a:pPr marL="0" marR="0" lvl="0" indent="0" algn="l" defTabSz="914400" rtl="0" eaLnBrk="1" fontAlgn="auto" latinLnBrk="0" hangingPunct="1">
+              <a:lnSpc>
+                <a:spcPct val="100000"/>
+              </a:lnSpc>
+              <a:spcBef>
+                <a:spcPts val="0"/>
+              </a:spcBef>
+              <a:spcAft>
+                <a:spcPts val="0"/>
+              </a:spcAft>
+              <a:buClrTx/>
+              <a:buSzTx/>
+              <a:buFontTx/>
+              <a:buNone/>
+              <a:tabLst/>
+              <a:defRPr/>
+            </a:pPr>
+            <a:r>
+              <a:rPr lang="en-US" b="0" dirty="0"/>
+              <a:t>In JS, we don’t have classes, so how did we make one?</a:t>
+            </a:r>
+          </a:p>
+          <a:p>
+            <a:pPr marL="0" marR="0" lvl="0" indent="0" algn="l" defTabSz="914400" rtl="0" eaLnBrk="1" fontAlgn="auto" latinLnBrk="0" hangingPunct="1">
+              <a:lnSpc>
+                <a:spcPct val="100000"/>
+              </a:lnSpc>
+              <a:spcBef>
+                <a:spcPts val="0"/>
+              </a:spcBef>
+              <a:spcAft>
+                <a:spcPts val="0"/>
+              </a:spcAft>
+              <a:buClrTx/>
+              <a:buSzTx/>
+              <a:buFontTx/>
+              <a:buNone/>
+              <a:tabLst/>
+              <a:defRPr/>
+            </a:pPr>
+            <a:r>
+              <a:rPr lang="en-US" sz="2400" dirty="0"/>
+              <a:t>Although the standard syntax is missing the language can still be manipulated to act as one.</a:t>
+            </a:r>
+          </a:p>
+          <a:p>
+            <a:pPr marL="0" marR="0" lvl="0" indent="0" algn="l" defTabSz="914400" rtl="0" eaLnBrk="1" fontAlgn="auto" latinLnBrk="0" hangingPunct="1">
+              <a:lnSpc>
+                <a:spcPct val="100000"/>
+              </a:lnSpc>
+              <a:spcBef>
+                <a:spcPts val="0"/>
+              </a:spcBef>
+              <a:spcAft>
+                <a:spcPts val="0"/>
+              </a:spcAft>
+              <a:buClrTx/>
+              <a:buSzTx/>
+              <a:buFontTx/>
+              <a:buNone/>
+              <a:tabLst/>
+              <a:defRPr/>
+            </a:pPr>
+            <a:endParaRPr lang="en-US" sz="2400" dirty="0"/>
+          </a:p>
+          <a:p>
+            <a:pPr marL="0" marR="0" lvl="0" indent="0" algn="l" defTabSz="914400" rtl="0" eaLnBrk="1" fontAlgn="auto" latinLnBrk="0" hangingPunct="1">
+              <a:lnSpc>
+                <a:spcPct val="100000"/>
+              </a:lnSpc>
+              <a:spcBef>
+                <a:spcPts val="0"/>
+              </a:spcBef>
+              <a:spcAft>
+                <a:spcPts val="0"/>
+              </a:spcAft>
+              <a:buClrTx/>
+              <a:buSzTx/>
+              <a:buFontTx/>
+              <a:buNone/>
+              <a:tabLst/>
+              <a:defRPr/>
+            </a:pPr>
+            <a:r>
+              <a:rPr lang="en-US" sz="2400" dirty="0"/>
+              <a:t>The </a:t>
+            </a:r>
+            <a:r>
+              <a:rPr lang="en-US" sz="2400" b="1" dirty="0"/>
+              <a:t>function</a:t>
+            </a:r>
+            <a:r>
+              <a:rPr lang="en-US" sz="2400" dirty="0"/>
+              <a:t> keyword creates an object of Function type. This object can be used as a normal function or as a </a:t>
+            </a:r>
+            <a:r>
+              <a:rPr lang="en-US" sz="2400" b="1" dirty="0"/>
+              <a:t>class</a:t>
+            </a:r>
+            <a:r>
+              <a:rPr lang="en-US" sz="2400" dirty="0"/>
+              <a:t> </a:t>
+            </a:r>
+            <a:r>
+              <a:rPr lang="en-US" sz="2400" b="1" dirty="0"/>
+              <a:t>object </a:t>
+            </a:r>
+            <a:r>
+              <a:rPr lang="en-US" sz="2400" dirty="0"/>
+              <a:t>which defines the class</a:t>
+            </a:r>
+            <a:r>
+              <a:rPr lang="en-US" sz="2400" b="1" dirty="0"/>
+              <a:t> </a:t>
+            </a:r>
+            <a:r>
+              <a:rPr lang="en-US" sz="2400" b="1" dirty="0">
+                <a:solidFill>
+                  <a:schemeClr val="tx1"/>
+                </a:solidFill>
+              </a:rPr>
+              <a:t>constructor</a:t>
+            </a:r>
+            <a:r>
+              <a:rPr lang="en-US" sz="2400" dirty="0">
+                <a:solidFill>
+                  <a:schemeClr val="tx1"/>
+                </a:solidFill>
+              </a:rPr>
+              <a:t> </a:t>
+            </a:r>
+            <a:r>
+              <a:rPr lang="en-US" sz="2400" dirty="0"/>
+              <a:t>method.</a:t>
+            </a:r>
+          </a:p>
+          <a:p>
+            <a:pPr marL="0" marR="0" lvl="0" indent="0" algn="l" defTabSz="914400" rtl="0" eaLnBrk="1" fontAlgn="auto" latinLnBrk="0" hangingPunct="1">
+              <a:lnSpc>
+                <a:spcPct val="100000"/>
+              </a:lnSpc>
+              <a:spcBef>
+                <a:spcPts val="0"/>
+              </a:spcBef>
+              <a:spcAft>
+                <a:spcPts val="0"/>
+              </a:spcAft>
+              <a:buClrTx/>
+              <a:buSzTx/>
+              <a:buFontTx/>
+              <a:buNone/>
+              <a:tabLst/>
+              <a:defRPr/>
+            </a:pPr>
+            <a:r>
+              <a:rPr lang="en-US" sz="2400" dirty="0"/>
+              <a:t>When using the </a:t>
+            </a:r>
+            <a:r>
+              <a:rPr lang="en-US" sz="2400" b="1" dirty="0">
+                <a:solidFill>
+                  <a:schemeClr val="tx1"/>
+                </a:solidFill>
+              </a:rPr>
+              <a:t>new</a:t>
+            </a:r>
+            <a:r>
+              <a:rPr lang="en-US" sz="2400" dirty="0">
+                <a:solidFill>
+                  <a:schemeClr val="tx1"/>
+                </a:solidFill>
+              </a:rPr>
+              <a:t> </a:t>
+            </a:r>
+            <a:r>
+              <a:rPr lang="en-US" sz="2400" dirty="0"/>
+              <a:t>keyword on the </a:t>
+            </a:r>
+            <a:r>
+              <a:rPr lang="en-US" sz="2400" b="1" dirty="0"/>
+              <a:t>class object </a:t>
+            </a:r>
+            <a:r>
+              <a:rPr lang="en-US" sz="2400" dirty="0"/>
+              <a:t>a new instance of the class will be created and will be send to the </a:t>
+            </a:r>
+            <a:r>
+              <a:rPr lang="en-US" sz="2400" b="1" dirty="0">
+                <a:solidFill>
+                  <a:schemeClr val="tx1"/>
+                </a:solidFill>
+              </a:rPr>
+              <a:t>constructor</a:t>
+            </a:r>
+            <a:r>
+              <a:rPr lang="en-US" sz="2400" dirty="0"/>
+              <a:t> method.</a:t>
+            </a:r>
+          </a:p>
+        </p:txBody>
+      </p:sp>
+      <p:sp>
+        <p:nvSpPr>
+          <p:cNvPr id="4" name="Slide Number Placeholder 3"/>
+          <p:cNvSpPr>
+            <a:spLocks noGrp="1"/>
+          </p:cNvSpPr>
+          <p:nvPr>
+            <p:ph type="sldNum" sz="quarter" idx="10"/>
+          </p:nvPr>
+        </p:nvSpPr>
+        <p:spPr/>
+        <p:txBody>
+          <a:bodyPr/>
+          <a:lstStyle/>
+          <a:p>
+            <a:fld id="{595D0871-5AD0-4670-BDA8-FBE649F625DD}" type="slidenum">
+              <a:rPr lang="he-IL" smtClean="0"/>
+              <a:t>60</a:t>
+            </a:fld>
+            <a:endParaRPr lang="he-IL"/>
+          </a:p>
+        </p:txBody>
+      </p:sp>
+    </p:spTree>
+    <p:extLst>
+      <p:ext uri="{BB962C8B-B14F-4D97-AF65-F5344CB8AC3E}">
+        <p14:creationId xmlns:p14="http://schemas.microsoft.com/office/powerpoint/2010/main" val="3897343"/>
       </p:ext>
     </p:extLst>
   </p:cSld>
@@ -23240,7 +26149,7 @@
                   <a:schemeClr val="bg1"/>
                 </a:solidFill>
               </a:rPr>
-              <a:t>What is OOP</a:t>
+              <a:t>OOP in JS</a:t>
             </a:r>
             <a:endParaRPr lang="en-US" altLang="en-US" sz="6000" b="1" dirty="0">
               <a:solidFill>
@@ -23255,6 +26164,402 @@
     <p:extLst>
       <p:ext uri="{BB962C8B-B14F-4D97-AF65-F5344CB8AC3E}">
         <p14:creationId xmlns:p14="http://schemas.microsoft.com/office/powerpoint/2010/main" val="231217803"/>
+      </p:ext>
+    </p:extLst>
+  </p:cSld>
+  <p:clrMapOvr>
+    <a:masterClrMapping/>
+  </p:clrMapOvr>
+  <mc:AlternateContent xmlns:mc="http://schemas.openxmlformats.org/markup-compatibility/2006" xmlns:p14="http://schemas.microsoft.com/office/powerpoint/2010/main">
+    <mc:Choice Requires="p14">
+      <p:transition spd="med" p14:dur="700">
+        <p:fade/>
+      </p:transition>
+    </mc:Choice>
+    <mc:Fallback xmlns="">
+      <p:transition xmlns:p14="http://schemas.microsoft.com/office/powerpoint/2010/main" spd="med">
+        <p:fade/>
+      </p:transition>
+    </mc:Fallback>
+  </mc:AlternateContent>
+</p:sld>
+</file>
+
+<file path=ppt/slides/slide47.xml><?xml version="1.0" encoding="utf-8"?>
+<p:sld xmlns:a="http://schemas.openxmlformats.org/drawingml/2006/main" xmlns:r="http://schemas.openxmlformats.org/officeDocument/2006/relationships" xmlns:p="http://schemas.openxmlformats.org/presentationml/2006/main">
+  <p:cSld>
+    <p:spTree>
+      <p:nvGrpSpPr>
+        <p:cNvPr id="1" name=""/>
+        <p:cNvGrpSpPr/>
+        <p:nvPr/>
+      </p:nvGrpSpPr>
+      <p:grpSpPr>
+        <a:xfrm>
+          <a:off x="0" y="0"/>
+          <a:ext cx="0" cy="0"/>
+          <a:chOff x="0" y="0"/>
+          <a:chExt cx="0" cy="0"/>
+        </a:xfrm>
+      </p:grpSpPr>
+      <p:sp>
+        <p:nvSpPr>
+          <p:cNvPr id="6" name="Rectangle 5"/>
+          <p:cNvSpPr/>
+          <p:nvPr/>
+        </p:nvSpPr>
+        <p:spPr>
+          <a:xfrm>
+            <a:off x="-215115" y="0"/>
+            <a:ext cx="12407115" cy="6858000"/>
+          </a:xfrm>
+          <a:prstGeom prst="rect">
+            <a:avLst/>
+          </a:prstGeom>
+          <a:solidFill>
+            <a:schemeClr val="accent1">
+              <a:lumMod val="75000"/>
+            </a:schemeClr>
+          </a:solidFill>
+          <a:ln>
+            <a:noFill/>
+          </a:ln>
+        </p:spPr>
+        <p:style>
+          <a:lnRef idx="1">
+            <a:schemeClr val="accent1"/>
+          </a:lnRef>
+          <a:fillRef idx="3">
+            <a:schemeClr val="accent1"/>
+          </a:fillRef>
+          <a:effectRef idx="2">
+            <a:schemeClr val="accent1"/>
+          </a:effectRef>
+          <a:fontRef idx="minor">
+            <a:schemeClr val="lt1"/>
+          </a:fontRef>
+        </p:style>
+        <p:txBody>
+          <a:bodyPr rtlCol="0" anchor="ctr"/>
+          <a:lstStyle/>
+          <a:p>
+            <a:pPr algn="ctr"/>
+            <a:endParaRPr lang="en-US" sz="2400"/>
+          </a:p>
+        </p:txBody>
+      </p:sp>
+      <p:sp>
+        <p:nvSpPr>
+          <p:cNvPr id="24" name="Title 1"/>
+          <p:cNvSpPr>
+            <a:spLocks noGrp="1"/>
+          </p:cNvSpPr>
+          <p:nvPr>
+            <p:ph type="title"/>
+          </p:nvPr>
+        </p:nvSpPr>
+        <p:spPr>
+          <a:xfrm>
+            <a:off x="502042" y="1936377"/>
+            <a:ext cx="10972800" cy="2985246"/>
+          </a:xfrm>
+        </p:spPr>
+        <p:txBody>
+          <a:bodyPr>
+            <a:noAutofit/>
+          </a:bodyPr>
+          <a:lstStyle/>
+          <a:p>
+            <a:pPr algn="ctr" rtl="0" eaLnBrk="0" fontAlgn="base" hangingPunct="0">
+              <a:spcAft>
+                <a:spcPct val="0"/>
+              </a:spcAft>
+            </a:pPr>
+            <a:r>
+              <a:rPr lang="en-US" sz="6000" dirty="0">
+                <a:solidFill>
+                  <a:schemeClr val="bg1"/>
+                </a:solidFill>
+              </a:rPr>
+              <a:t>Global Scope</a:t>
+            </a:r>
+            <a:endParaRPr lang="en-US" altLang="en-US" sz="6000" b="1" dirty="0">
+              <a:solidFill>
+                <a:schemeClr val="bg1"/>
+              </a:solidFill>
+              <a:latin typeface="Calibri (Body)"/>
+            </a:endParaRPr>
+          </a:p>
+        </p:txBody>
+      </p:sp>
+    </p:spTree>
+    <p:extLst>
+      <p:ext uri="{BB962C8B-B14F-4D97-AF65-F5344CB8AC3E}">
+        <p14:creationId xmlns:p14="http://schemas.microsoft.com/office/powerpoint/2010/main" val="792913621"/>
+      </p:ext>
+    </p:extLst>
+  </p:cSld>
+  <p:clrMapOvr>
+    <a:masterClrMapping/>
+  </p:clrMapOvr>
+  <mc:AlternateContent xmlns:mc="http://schemas.openxmlformats.org/markup-compatibility/2006" xmlns:p14="http://schemas.microsoft.com/office/powerpoint/2010/main">
+    <mc:Choice Requires="p14">
+      <p:transition spd="med" p14:dur="700">
+        <p:fade/>
+      </p:transition>
+    </mc:Choice>
+    <mc:Fallback xmlns="">
+      <p:transition xmlns:p14="http://schemas.microsoft.com/office/powerpoint/2010/main" spd="med">
+        <p:fade/>
+      </p:transition>
+    </mc:Fallback>
+  </mc:AlternateContent>
+</p:sld>
+</file>
+
+<file path=ppt/slides/slide48.xml><?xml version="1.0" encoding="utf-8"?>
+<p:sld xmlns:a="http://schemas.openxmlformats.org/drawingml/2006/main" xmlns:r="http://schemas.openxmlformats.org/officeDocument/2006/relationships" xmlns:p="http://schemas.openxmlformats.org/presentationml/2006/main">
+  <p:cSld>
+    <p:spTree>
+      <p:nvGrpSpPr>
+        <p:cNvPr id="1" name=""/>
+        <p:cNvGrpSpPr/>
+        <p:nvPr/>
+      </p:nvGrpSpPr>
+      <p:grpSpPr>
+        <a:xfrm>
+          <a:off x="0" y="0"/>
+          <a:ext cx="0" cy="0"/>
+          <a:chOff x="0" y="0"/>
+          <a:chExt cx="0" cy="0"/>
+        </a:xfrm>
+      </p:grpSpPr>
+      <p:sp>
+        <p:nvSpPr>
+          <p:cNvPr id="6" name="Rectangle 5"/>
+          <p:cNvSpPr/>
+          <p:nvPr/>
+        </p:nvSpPr>
+        <p:spPr>
+          <a:xfrm>
+            <a:off x="-215115" y="0"/>
+            <a:ext cx="12407115" cy="6858000"/>
+          </a:xfrm>
+          <a:prstGeom prst="rect">
+            <a:avLst/>
+          </a:prstGeom>
+          <a:solidFill>
+            <a:schemeClr val="accent1">
+              <a:lumMod val="75000"/>
+            </a:schemeClr>
+          </a:solidFill>
+          <a:ln>
+            <a:noFill/>
+          </a:ln>
+        </p:spPr>
+        <p:style>
+          <a:lnRef idx="1">
+            <a:schemeClr val="accent1"/>
+          </a:lnRef>
+          <a:fillRef idx="3">
+            <a:schemeClr val="accent1"/>
+          </a:fillRef>
+          <a:effectRef idx="2">
+            <a:schemeClr val="accent1"/>
+          </a:effectRef>
+          <a:fontRef idx="minor">
+            <a:schemeClr val="lt1"/>
+          </a:fontRef>
+        </p:style>
+        <p:txBody>
+          <a:bodyPr rtlCol="0" anchor="ctr"/>
+          <a:lstStyle/>
+          <a:p>
+            <a:pPr algn="ctr"/>
+            <a:endParaRPr lang="en-US" sz="2400"/>
+          </a:p>
+        </p:txBody>
+      </p:sp>
+      <p:sp>
+        <p:nvSpPr>
+          <p:cNvPr id="24" name="Title 1"/>
+          <p:cNvSpPr>
+            <a:spLocks noGrp="1"/>
+          </p:cNvSpPr>
+          <p:nvPr>
+            <p:ph type="title"/>
+          </p:nvPr>
+        </p:nvSpPr>
+        <p:spPr>
+          <a:xfrm>
+            <a:off x="502042" y="1936377"/>
+            <a:ext cx="10972800" cy="2985246"/>
+          </a:xfrm>
+        </p:spPr>
+        <p:txBody>
+          <a:bodyPr>
+            <a:noAutofit/>
+          </a:bodyPr>
+          <a:lstStyle/>
+          <a:p>
+            <a:pPr algn="ctr" rtl="0" eaLnBrk="0" fontAlgn="base" hangingPunct="0">
+              <a:spcAft>
+                <a:spcPct val="0"/>
+              </a:spcAft>
+            </a:pPr>
+            <a:r>
+              <a:rPr lang="en-US" sz="6000" dirty="0">
+                <a:solidFill>
+                  <a:schemeClr val="bg1"/>
+                </a:solidFill>
+              </a:rPr>
+              <a:t>Global Scope - JAVA</a:t>
+            </a:r>
+            <a:endParaRPr lang="en-US" altLang="en-US" sz="6000" b="1" dirty="0">
+              <a:solidFill>
+                <a:schemeClr val="bg1"/>
+              </a:solidFill>
+              <a:latin typeface="Calibri (Body)"/>
+            </a:endParaRPr>
+          </a:p>
+        </p:txBody>
+      </p:sp>
+    </p:spTree>
+    <p:extLst>
+      <p:ext uri="{BB962C8B-B14F-4D97-AF65-F5344CB8AC3E}">
+        <p14:creationId xmlns:p14="http://schemas.microsoft.com/office/powerpoint/2010/main" val="2769516777"/>
+      </p:ext>
+    </p:extLst>
+  </p:cSld>
+  <p:clrMapOvr>
+    <a:masterClrMapping/>
+  </p:clrMapOvr>
+  <mc:AlternateContent xmlns:mc="http://schemas.openxmlformats.org/markup-compatibility/2006" xmlns:p14="http://schemas.microsoft.com/office/powerpoint/2010/main">
+    <mc:Choice Requires="p14">
+      <p:transition spd="med" p14:dur="700">
+        <p:fade/>
+      </p:transition>
+    </mc:Choice>
+    <mc:Fallback xmlns="">
+      <p:transition xmlns:p14="http://schemas.microsoft.com/office/powerpoint/2010/main" spd="med">
+        <p:fade/>
+      </p:transition>
+    </mc:Fallback>
+  </mc:AlternateContent>
+</p:sld>
+</file>
+
+<file path=ppt/slides/slide49.xml><?xml version="1.0" encoding="utf-8"?>
+<p:sld xmlns:a="http://schemas.openxmlformats.org/drawingml/2006/main" xmlns:r="http://schemas.openxmlformats.org/officeDocument/2006/relationships" xmlns:p="http://schemas.openxmlformats.org/presentationml/2006/main">
+  <p:cSld>
+    <p:spTree>
+      <p:nvGrpSpPr>
+        <p:cNvPr id="1" name=""/>
+        <p:cNvGrpSpPr/>
+        <p:nvPr/>
+      </p:nvGrpSpPr>
+      <p:grpSpPr>
+        <a:xfrm>
+          <a:off x="0" y="0"/>
+          <a:ext cx="0" cy="0"/>
+          <a:chOff x="0" y="0"/>
+          <a:chExt cx="0" cy="0"/>
+        </a:xfrm>
+      </p:grpSpPr>
+      <p:sp>
+        <p:nvSpPr>
+          <p:cNvPr id="6" name="Rectangle 5"/>
+          <p:cNvSpPr/>
+          <p:nvPr/>
+        </p:nvSpPr>
+        <p:spPr>
+          <a:xfrm>
+            <a:off x="-215115" y="0"/>
+            <a:ext cx="12407115" cy="6858000"/>
+          </a:xfrm>
+          <a:prstGeom prst="rect">
+            <a:avLst/>
+          </a:prstGeom>
+          <a:solidFill>
+            <a:schemeClr val="accent1">
+              <a:lumMod val="75000"/>
+            </a:schemeClr>
+          </a:solidFill>
+          <a:ln>
+            <a:noFill/>
+          </a:ln>
+        </p:spPr>
+        <p:style>
+          <a:lnRef idx="1">
+            <a:schemeClr val="accent1"/>
+          </a:lnRef>
+          <a:fillRef idx="3">
+            <a:schemeClr val="accent1"/>
+          </a:fillRef>
+          <a:effectRef idx="2">
+            <a:schemeClr val="accent1"/>
+          </a:effectRef>
+          <a:fontRef idx="minor">
+            <a:schemeClr val="lt1"/>
+          </a:fontRef>
+        </p:style>
+        <p:txBody>
+          <a:bodyPr rtlCol="0" anchor="ctr"/>
+          <a:lstStyle/>
+          <a:p>
+            <a:pPr algn="ctr"/>
+            <a:endParaRPr lang="en-US" sz="2400"/>
+          </a:p>
+        </p:txBody>
+      </p:sp>
+      <p:sp>
+        <p:nvSpPr>
+          <p:cNvPr id="24" name="Title 1"/>
+          <p:cNvSpPr>
+            <a:spLocks noGrp="1"/>
+          </p:cNvSpPr>
+          <p:nvPr>
+            <p:ph type="title"/>
+          </p:nvPr>
+        </p:nvSpPr>
+        <p:spPr>
+          <a:xfrm>
+            <a:off x="502042" y="1936377"/>
+            <a:ext cx="10972800" cy="2985246"/>
+          </a:xfrm>
+        </p:spPr>
+        <p:txBody>
+          <a:bodyPr>
+            <a:noAutofit/>
+          </a:bodyPr>
+          <a:lstStyle/>
+          <a:p>
+            <a:pPr algn="ctr" rtl="0" eaLnBrk="0" fontAlgn="base" hangingPunct="0">
+              <a:spcAft>
+                <a:spcPct val="0"/>
+              </a:spcAft>
+            </a:pPr>
+            <a:r>
+              <a:rPr lang="en-US" sz="6000" dirty="0">
+                <a:solidFill>
+                  <a:schemeClr val="bg1"/>
+                </a:solidFill>
+              </a:rPr>
+              <a:t>Global Scope - JS</a:t>
+            </a:r>
+            <a:endParaRPr lang="en-US" altLang="en-US" sz="6000" b="1" dirty="0">
+              <a:solidFill>
+                <a:schemeClr val="bg1"/>
+              </a:solidFill>
+              <a:latin typeface="Calibri (Body)"/>
+            </a:endParaRPr>
+          </a:p>
+        </p:txBody>
+      </p:sp>
+    </p:spTree>
+    <p:extLst>
+      <p:ext uri="{BB962C8B-B14F-4D97-AF65-F5344CB8AC3E}">
+        <p14:creationId xmlns:p14="http://schemas.microsoft.com/office/powerpoint/2010/main" val="1115434277"/>
       </p:ext>
     </p:extLst>
   </p:cSld>
@@ -23358,6 +26663,1342 @@
 </p:sld>
 </file>
 
+<file path=ppt/slides/slide50.xml><?xml version="1.0" encoding="utf-8"?>
+<p:sld xmlns:a="http://schemas.openxmlformats.org/drawingml/2006/main" xmlns:r="http://schemas.openxmlformats.org/officeDocument/2006/relationships" xmlns:p="http://schemas.openxmlformats.org/presentationml/2006/main">
+  <p:cSld>
+    <p:spTree>
+      <p:nvGrpSpPr>
+        <p:cNvPr id="1" name=""/>
+        <p:cNvGrpSpPr/>
+        <p:nvPr/>
+      </p:nvGrpSpPr>
+      <p:grpSpPr>
+        <a:xfrm>
+          <a:off x="0" y="0"/>
+          <a:ext cx="0" cy="0"/>
+          <a:chOff x="0" y="0"/>
+          <a:chExt cx="0" cy="0"/>
+        </a:xfrm>
+      </p:grpSpPr>
+      <p:sp>
+        <p:nvSpPr>
+          <p:cNvPr id="6" name="Rectangle 5"/>
+          <p:cNvSpPr/>
+          <p:nvPr/>
+        </p:nvSpPr>
+        <p:spPr>
+          <a:xfrm>
+            <a:off x="-215115" y="0"/>
+            <a:ext cx="12407115" cy="6858000"/>
+          </a:xfrm>
+          <a:prstGeom prst="rect">
+            <a:avLst/>
+          </a:prstGeom>
+          <a:solidFill>
+            <a:schemeClr val="accent1">
+              <a:lumMod val="75000"/>
+            </a:schemeClr>
+          </a:solidFill>
+          <a:ln>
+            <a:noFill/>
+          </a:ln>
+        </p:spPr>
+        <p:style>
+          <a:lnRef idx="1">
+            <a:schemeClr val="accent1"/>
+          </a:lnRef>
+          <a:fillRef idx="3">
+            <a:schemeClr val="accent1"/>
+          </a:fillRef>
+          <a:effectRef idx="2">
+            <a:schemeClr val="accent1"/>
+          </a:effectRef>
+          <a:fontRef idx="minor">
+            <a:schemeClr val="lt1"/>
+          </a:fontRef>
+        </p:style>
+        <p:txBody>
+          <a:bodyPr rtlCol="0" anchor="ctr"/>
+          <a:lstStyle/>
+          <a:p>
+            <a:pPr algn="ctr"/>
+            <a:endParaRPr lang="en-US" sz="2400"/>
+          </a:p>
+        </p:txBody>
+      </p:sp>
+      <p:sp>
+        <p:nvSpPr>
+          <p:cNvPr id="24" name="Title 1"/>
+          <p:cNvSpPr>
+            <a:spLocks noGrp="1"/>
+          </p:cNvSpPr>
+          <p:nvPr>
+            <p:ph type="title"/>
+          </p:nvPr>
+        </p:nvSpPr>
+        <p:spPr>
+          <a:xfrm>
+            <a:off x="502042" y="1936377"/>
+            <a:ext cx="10972800" cy="2985246"/>
+          </a:xfrm>
+        </p:spPr>
+        <p:txBody>
+          <a:bodyPr>
+            <a:noAutofit/>
+          </a:bodyPr>
+          <a:lstStyle/>
+          <a:p>
+            <a:pPr algn="ctr" rtl="0" eaLnBrk="0" fontAlgn="base" hangingPunct="0">
+              <a:spcAft>
+                <a:spcPct val="0"/>
+              </a:spcAft>
+            </a:pPr>
+            <a:r>
+              <a:rPr lang="en-US" sz="6000" dirty="0">
+                <a:solidFill>
+                  <a:schemeClr val="bg1"/>
+                </a:solidFill>
+              </a:rPr>
+              <a:t>Global Scope - danger</a:t>
+            </a:r>
+            <a:endParaRPr lang="en-US" altLang="en-US" sz="6000" b="1" dirty="0">
+              <a:solidFill>
+                <a:schemeClr val="bg1"/>
+              </a:solidFill>
+              <a:latin typeface="Calibri (Body)"/>
+            </a:endParaRPr>
+          </a:p>
+        </p:txBody>
+      </p:sp>
+    </p:spTree>
+    <p:extLst>
+      <p:ext uri="{BB962C8B-B14F-4D97-AF65-F5344CB8AC3E}">
+        <p14:creationId xmlns:p14="http://schemas.microsoft.com/office/powerpoint/2010/main" val="3481328533"/>
+      </p:ext>
+    </p:extLst>
+  </p:cSld>
+  <p:clrMapOvr>
+    <a:masterClrMapping/>
+  </p:clrMapOvr>
+  <mc:AlternateContent xmlns:mc="http://schemas.openxmlformats.org/markup-compatibility/2006" xmlns:p14="http://schemas.microsoft.com/office/powerpoint/2010/main">
+    <mc:Choice Requires="p14">
+      <p:transition spd="med" p14:dur="700">
+        <p:fade/>
+      </p:transition>
+    </mc:Choice>
+    <mc:Fallback xmlns="">
+      <p:transition xmlns:p14="http://schemas.microsoft.com/office/powerpoint/2010/main" spd="med">
+        <p:fade/>
+      </p:transition>
+    </mc:Fallback>
+  </mc:AlternateContent>
+</p:sld>
+</file>
+
+<file path=ppt/slides/slide51.xml><?xml version="1.0" encoding="utf-8"?>
+<p:sld xmlns:a="http://schemas.openxmlformats.org/drawingml/2006/main" xmlns:r="http://schemas.openxmlformats.org/officeDocument/2006/relationships" xmlns:p="http://schemas.openxmlformats.org/presentationml/2006/main">
+  <p:cSld>
+    <p:spTree>
+      <p:nvGrpSpPr>
+        <p:cNvPr id="1" name=""/>
+        <p:cNvGrpSpPr/>
+        <p:nvPr/>
+      </p:nvGrpSpPr>
+      <p:grpSpPr>
+        <a:xfrm>
+          <a:off x="0" y="0"/>
+          <a:ext cx="0" cy="0"/>
+          <a:chOff x="0" y="0"/>
+          <a:chExt cx="0" cy="0"/>
+        </a:xfrm>
+      </p:grpSpPr>
+      <p:sp>
+        <p:nvSpPr>
+          <p:cNvPr id="6" name="Rectangle 5"/>
+          <p:cNvSpPr/>
+          <p:nvPr/>
+        </p:nvSpPr>
+        <p:spPr>
+          <a:xfrm>
+            <a:off x="-215115" y="0"/>
+            <a:ext cx="12407115" cy="6858000"/>
+          </a:xfrm>
+          <a:prstGeom prst="rect">
+            <a:avLst/>
+          </a:prstGeom>
+          <a:solidFill>
+            <a:schemeClr val="accent1">
+              <a:lumMod val="75000"/>
+            </a:schemeClr>
+          </a:solidFill>
+          <a:ln>
+            <a:noFill/>
+          </a:ln>
+        </p:spPr>
+        <p:style>
+          <a:lnRef idx="1">
+            <a:schemeClr val="accent1"/>
+          </a:lnRef>
+          <a:fillRef idx="3">
+            <a:schemeClr val="accent1"/>
+          </a:fillRef>
+          <a:effectRef idx="2">
+            <a:schemeClr val="accent1"/>
+          </a:effectRef>
+          <a:fontRef idx="minor">
+            <a:schemeClr val="lt1"/>
+          </a:fontRef>
+        </p:style>
+        <p:txBody>
+          <a:bodyPr rtlCol="0" anchor="ctr"/>
+          <a:lstStyle/>
+          <a:p>
+            <a:pPr algn="ctr"/>
+            <a:endParaRPr lang="en-US" sz="2400"/>
+          </a:p>
+        </p:txBody>
+      </p:sp>
+      <p:sp>
+        <p:nvSpPr>
+          <p:cNvPr id="24" name="Title 1"/>
+          <p:cNvSpPr>
+            <a:spLocks noGrp="1"/>
+          </p:cNvSpPr>
+          <p:nvPr>
+            <p:ph type="title"/>
+          </p:nvPr>
+        </p:nvSpPr>
+        <p:spPr>
+          <a:xfrm>
+            <a:off x="502042" y="1936377"/>
+            <a:ext cx="10972800" cy="2985246"/>
+          </a:xfrm>
+        </p:spPr>
+        <p:txBody>
+          <a:bodyPr>
+            <a:noAutofit/>
+          </a:bodyPr>
+          <a:lstStyle/>
+          <a:p>
+            <a:pPr algn="ctr" rtl="0" eaLnBrk="0" fontAlgn="base" hangingPunct="0">
+              <a:spcAft>
+                <a:spcPct val="0"/>
+              </a:spcAft>
+            </a:pPr>
+            <a:r>
+              <a:rPr lang="en-US" sz="6000" dirty="0">
+                <a:solidFill>
+                  <a:schemeClr val="bg1"/>
+                </a:solidFill>
+              </a:rPr>
+              <a:t>Global Scope – load 2 files</a:t>
+            </a:r>
+            <a:endParaRPr lang="en-US" altLang="en-US" sz="6000" b="1" dirty="0">
+              <a:solidFill>
+                <a:schemeClr val="bg1"/>
+              </a:solidFill>
+              <a:latin typeface="Calibri (Body)"/>
+            </a:endParaRPr>
+          </a:p>
+        </p:txBody>
+      </p:sp>
+    </p:spTree>
+    <p:extLst>
+      <p:ext uri="{BB962C8B-B14F-4D97-AF65-F5344CB8AC3E}">
+        <p14:creationId xmlns:p14="http://schemas.microsoft.com/office/powerpoint/2010/main" val="2339726647"/>
+      </p:ext>
+    </p:extLst>
+  </p:cSld>
+  <p:clrMapOvr>
+    <a:masterClrMapping/>
+  </p:clrMapOvr>
+  <mc:AlternateContent xmlns:mc="http://schemas.openxmlformats.org/markup-compatibility/2006" xmlns:p14="http://schemas.microsoft.com/office/powerpoint/2010/main">
+    <mc:Choice Requires="p14">
+      <p:transition spd="med" p14:dur="700">
+        <p:fade/>
+      </p:transition>
+    </mc:Choice>
+    <mc:Fallback xmlns="">
+      <p:transition xmlns:p14="http://schemas.microsoft.com/office/powerpoint/2010/main" spd="med">
+        <p:fade/>
+      </p:transition>
+    </mc:Fallback>
+  </mc:AlternateContent>
+</p:sld>
+</file>
+
+<file path=ppt/slides/slide52.xml><?xml version="1.0" encoding="utf-8"?>
+<p:sld xmlns:a="http://schemas.openxmlformats.org/drawingml/2006/main" xmlns:r="http://schemas.openxmlformats.org/officeDocument/2006/relationships" xmlns:p="http://schemas.openxmlformats.org/presentationml/2006/main">
+  <p:cSld>
+    <p:spTree>
+      <p:nvGrpSpPr>
+        <p:cNvPr id="1" name=""/>
+        <p:cNvGrpSpPr/>
+        <p:nvPr/>
+      </p:nvGrpSpPr>
+      <p:grpSpPr>
+        <a:xfrm>
+          <a:off x="0" y="0"/>
+          <a:ext cx="0" cy="0"/>
+          <a:chOff x="0" y="0"/>
+          <a:chExt cx="0" cy="0"/>
+        </a:xfrm>
+      </p:grpSpPr>
+      <p:sp>
+        <p:nvSpPr>
+          <p:cNvPr id="6" name="Rectangle 5"/>
+          <p:cNvSpPr/>
+          <p:nvPr/>
+        </p:nvSpPr>
+        <p:spPr>
+          <a:xfrm>
+            <a:off x="-215115" y="0"/>
+            <a:ext cx="12407115" cy="6858000"/>
+          </a:xfrm>
+          <a:prstGeom prst="rect">
+            <a:avLst/>
+          </a:prstGeom>
+          <a:solidFill>
+            <a:schemeClr val="accent1">
+              <a:lumMod val="75000"/>
+            </a:schemeClr>
+          </a:solidFill>
+          <a:ln>
+            <a:noFill/>
+          </a:ln>
+        </p:spPr>
+        <p:style>
+          <a:lnRef idx="1">
+            <a:schemeClr val="accent1"/>
+          </a:lnRef>
+          <a:fillRef idx="3">
+            <a:schemeClr val="accent1"/>
+          </a:fillRef>
+          <a:effectRef idx="2">
+            <a:schemeClr val="accent1"/>
+          </a:effectRef>
+          <a:fontRef idx="minor">
+            <a:schemeClr val="lt1"/>
+          </a:fontRef>
+        </p:style>
+        <p:txBody>
+          <a:bodyPr rtlCol="0" anchor="ctr"/>
+          <a:lstStyle/>
+          <a:p>
+            <a:pPr algn="ctr"/>
+            <a:endParaRPr lang="en-US" sz="2400"/>
+          </a:p>
+        </p:txBody>
+      </p:sp>
+      <p:sp>
+        <p:nvSpPr>
+          <p:cNvPr id="24" name="Title 1"/>
+          <p:cNvSpPr>
+            <a:spLocks noGrp="1"/>
+          </p:cNvSpPr>
+          <p:nvPr>
+            <p:ph type="title"/>
+          </p:nvPr>
+        </p:nvSpPr>
+        <p:spPr>
+          <a:xfrm>
+            <a:off x="502042" y="1936377"/>
+            <a:ext cx="10972800" cy="2985246"/>
+          </a:xfrm>
+        </p:spPr>
+        <p:txBody>
+          <a:bodyPr>
+            <a:noAutofit/>
+          </a:bodyPr>
+          <a:lstStyle/>
+          <a:p>
+            <a:pPr algn="ctr" rtl="0" eaLnBrk="0" fontAlgn="base" hangingPunct="0">
+              <a:spcAft>
+                <a:spcPct val="0"/>
+              </a:spcAft>
+            </a:pPr>
+            <a:r>
+              <a:rPr lang="en-US" sz="6000" dirty="0">
+                <a:solidFill>
+                  <a:schemeClr val="bg1"/>
+                </a:solidFill>
+              </a:rPr>
+              <a:t>Global Scope – use strict?</a:t>
+            </a:r>
+            <a:endParaRPr lang="en-US" altLang="en-US" sz="6000" b="1" dirty="0">
+              <a:solidFill>
+                <a:schemeClr val="bg1"/>
+              </a:solidFill>
+              <a:latin typeface="Calibri (Body)"/>
+            </a:endParaRPr>
+          </a:p>
+        </p:txBody>
+      </p:sp>
+    </p:spTree>
+    <p:extLst>
+      <p:ext uri="{BB962C8B-B14F-4D97-AF65-F5344CB8AC3E}">
+        <p14:creationId xmlns:p14="http://schemas.microsoft.com/office/powerpoint/2010/main" val="2910717839"/>
+      </p:ext>
+    </p:extLst>
+  </p:cSld>
+  <p:clrMapOvr>
+    <a:masterClrMapping/>
+  </p:clrMapOvr>
+  <mc:AlternateContent xmlns:mc="http://schemas.openxmlformats.org/markup-compatibility/2006" xmlns:p14="http://schemas.microsoft.com/office/powerpoint/2010/main">
+    <mc:Choice Requires="p14">
+      <p:transition spd="med" p14:dur="700">
+        <p:fade/>
+      </p:transition>
+    </mc:Choice>
+    <mc:Fallback xmlns="">
+      <p:transition xmlns:p14="http://schemas.microsoft.com/office/powerpoint/2010/main" spd="med">
+        <p:fade/>
+      </p:transition>
+    </mc:Fallback>
+  </mc:AlternateContent>
+</p:sld>
+</file>
+
+<file path=ppt/slides/slide53.xml><?xml version="1.0" encoding="utf-8"?>
+<p:sld xmlns:a="http://schemas.openxmlformats.org/drawingml/2006/main" xmlns:r="http://schemas.openxmlformats.org/officeDocument/2006/relationships" xmlns:p="http://schemas.openxmlformats.org/presentationml/2006/main">
+  <p:cSld>
+    <p:spTree>
+      <p:nvGrpSpPr>
+        <p:cNvPr id="1" name=""/>
+        <p:cNvGrpSpPr/>
+        <p:nvPr/>
+      </p:nvGrpSpPr>
+      <p:grpSpPr>
+        <a:xfrm>
+          <a:off x="0" y="0"/>
+          <a:ext cx="0" cy="0"/>
+          <a:chOff x="0" y="0"/>
+          <a:chExt cx="0" cy="0"/>
+        </a:xfrm>
+      </p:grpSpPr>
+      <p:sp>
+        <p:nvSpPr>
+          <p:cNvPr id="6" name="Rectangle 5"/>
+          <p:cNvSpPr/>
+          <p:nvPr/>
+        </p:nvSpPr>
+        <p:spPr>
+          <a:xfrm>
+            <a:off x="-215115" y="0"/>
+            <a:ext cx="12407115" cy="6858000"/>
+          </a:xfrm>
+          <a:prstGeom prst="rect">
+            <a:avLst/>
+          </a:prstGeom>
+          <a:solidFill>
+            <a:schemeClr val="accent1">
+              <a:lumMod val="75000"/>
+            </a:schemeClr>
+          </a:solidFill>
+          <a:ln>
+            <a:noFill/>
+          </a:ln>
+        </p:spPr>
+        <p:style>
+          <a:lnRef idx="1">
+            <a:schemeClr val="accent1"/>
+          </a:lnRef>
+          <a:fillRef idx="3">
+            <a:schemeClr val="accent1"/>
+          </a:fillRef>
+          <a:effectRef idx="2">
+            <a:schemeClr val="accent1"/>
+          </a:effectRef>
+          <a:fontRef idx="minor">
+            <a:schemeClr val="lt1"/>
+          </a:fontRef>
+        </p:style>
+        <p:txBody>
+          <a:bodyPr rtlCol="0" anchor="ctr"/>
+          <a:lstStyle/>
+          <a:p>
+            <a:pPr algn="ctr"/>
+            <a:endParaRPr lang="en-US" sz="2400"/>
+          </a:p>
+        </p:txBody>
+      </p:sp>
+      <p:sp>
+        <p:nvSpPr>
+          <p:cNvPr id="24" name="Title 1"/>
+          <p:cNvSpPr>
+            <a:spLocks noGrp="1"/>
+          </p:cNvSpPr>
+          <p:nvPr>
+            <p:ph type="title"/>
+          </p:nvPr>
+        </p:nvSpPr>
+        <p:spPr>
+          <a:xfrm>
+            <a:off x="502042" y="1936377"/>
+            <a:ext cx="10972800" cy="2985246"/>
+          </a:xfrm>
+        </p:spPr>
+        <p:txBody>
+          <a:bodyPr>
+            <a:noAutofit/>
+          </a:bodyPr>
+          <a:lstStyle/>
+          <a:p>
+            <a:pPr algn="ctr" rtl="0" eaLnBrk="0" fontAlgn="base" hangingPunct="0">
+              <a:spcAft>
+                <a:spcPct val="0"/>
+              </a:spcAft>
+            </a:pPr>
+            <a:r>
+              <a:rPr lang="en-US" sz="6000" dirty="0">
+                <a:solidFill>
+                  <a:schemeClr val="bg1"/>
+                </a:solidFill>
+              </a:rPr>
+              <a:t>Function scope</a:t>
+            </a:r>
+            <a:endParaRPr lang="en-US" altLang="en-US" sz="6000" b="1" dirty="0">
+              <a:solidFill>
+                <a:schemeClr val="bg1"/>
+              </a:solidFill>
+              <a:latin typeface="Calibri (Body)"/>
+            </a:endParaRPr>
+          </a:p>
+        </p:txBody>
+      </p:sp>
+    </p:spTree>
+    <p:extLst>
+      <p:ext uri="{BB962C8B-B14F-4D97-AF65-F5344CB8AC3E}">
+        <p14:creationId xmlns:p14="http://schemas.microsoft.com/office/powerpoint/2010/main" val="3924971783"/>
+      </p:ext>
+    </p:extLst>
+  </p:cSld>
+  <p:clrMapOvr>
+    <a:masterClrMapping/>
+  </p:clrMapOvr>
+  <mc:AlternateContent xmlns:mc="http://schemas.openxmlformats.org/markup-compatibility/2006" xmlns:p14="http://schemas.microsoft.com/office/powerpoint/2010/main">
+    <mc:Choice Requires="p14">
+      <p:transition spd="med" p14:dur="700">
+        <p:fade/>
+      </p:transition>
+    </mc:Choice>
+    <mc:Fallback xmlns="">
+      <p:transition xmlns:p14="http://schemas.microsoft.com/office/powerpoint/2010/main" spd="med">
+        <p:fade/>
+      </p:transition>
+    </mc:Fallback>
+  </mc:AlternateContent>
+</p:sld>
+</file>
+
+<file path=ppt/slides/slide54.xml><?xml version="1.0" encoding="utf-8"?>
+<p:sld xmlns:a="http://schemas.openxmlformats.org/drawingml/2006/main" xmlns:r="http://schemas.openxmlformats.org/officeDocument/2006/relationships" xmlns:p="http://schemas.openxmlformats.org/presentationml/2006/main">
+  <p:cSld>
+    <p:spTree>
+      <p:nvGrpSpPr>
+        <p:cNvPr id="1" name=""/>
+        <p:cNvGrpSpPr/>
+        <p:nvPr/>
+      </p:nvGrpSpPr>
+      <p:grpSpPr>
+        <a:xfrm>
+          <a:off x="0" y="0"/>
+          <a:ext cx="0" cy="0"/>
+          <a:chOff x="0" y="0"/>
+          <a:chExt cx="0" cy="0"/>
+        </a:xfrm>
+      </p:grpSpPr>
+      <p:sp>
+        <p:nvSpPr>
+          <p:cNvPr id="6" name="Rectangle 5"/>
+          <p:cNvSpPr/>
+          <p:nvPr/>
+        </p:nvSpPr>
+        <p:spPr>
+          <a:xfrm>
+            <a:off x="-215115" y="0"/>
+            <a:ext cx="12407115" cy="6858000"/>
+          </a:xfrm>
+          <a:prstGeom prst="rect">
+            <a:avLst/>
+          </a:prstGeom>
+          <a:solidFill>
+            <a:schemeClr val="accent1">
+              <a:lumMod val="75000"/>
+            </a:schemeClr>
+          </a:solidFill>
+          <a:ln>
+            <a:noFill/>
+          </a:ln>
+        </p:spPr>
+        <p:style>
+          <a:lnRef idx="1">
+            <a:schemeClr val="accent1"/>
+          </a:lnRef>
+          <a:fillRef idx="3">
+            <a:schemeClr val="accent1"/>
+          </a:fillRef>
+          <a:effectRef idx="2">
+            <a:schemeClr val="accent1"/>
+          </a:effectRef>
+          <a:fontRef idx="minor">
+            <a:schemeClr val="lt1"/>
+          </a:fontRef>
+        </p:style>
+        <p:txBody>
+          <a:bodyPr rtlCol="0" anchor="ctr"/>
+          <a:lstStyle/>
+          <a:p>
+            <a:pPr algn="ctr"/>
+            <a:endParaRPr lang="en-US" sz="2400"/>
+          </a:p>
+        </p:txBody>
+      </p:sp>
+      <p:sp>
+        <p:nvSpPr>
+          <p:cNvPr id="24" name="Title 1"/>
+          <p:cNvSpPr>
+            <a:spLocks noGrp="1"/>
+          </p:cNvSpPr>
+          <p:nvPr>
+            <p:ph type="title"/>
+          </p:nvPr>
+        </p:nvSpPr>
+        <p:spPr>
+          <a:xfrm>
+            <a:off x="502042" y="1936377"/>
+            <a:ext cx="10972800" cy="2985246"/>
+          </a:xfrm>
+        </p:spPr>
+        <p:txBody>
+          <a:bodyPr>
+            <a:noAutofit/>
+          </a:bodyPr>
+          <a:lstStyle/>
+          <a:p>
+            <a:pPr algn="ctr" rtl="0" eaLnBrk="0" fontAlgn="base" hangingPunct="0">
+              <a:spcAft>
+                <a:spcPct val="0"/>
+              </a:spcAft>
+            </a:pPr>
+            <a:r>
+              <a:rPr lang="en-US" sz="6000" dirty="0">
+                <a:solidFill>
+                  <a:schemeClr val="bg1"/>
+                </a:solidFill>
+              </a:rPr>
+              <a:t>IIFE</a:t>
+            </a:r>
+            <a:endParaRPr lang="en-US" altLang="en-US" sz="6000" b="1" dirty="0">
+              <a:solidFill>
+                <a:schemeClr val="bg1"/>
+              </a:solidFill>
+              <a:latin typeface="Calibri (Body)"/>
+            </a:endParaRPr>
+          </a:p>
+        </p:txBody>
+      </p:sp>
+    </p:spTree>
+    <p:extLst>
+      <p:ext uri="{BB962C8B-B14F-4D97-AF65-F5344CB8AC3E}">
+        <p14:creationId xmlns:p14="http://schemas.microsoft.com/office/powerpoint/2010/main" val="1953289272"/>
+      </p:ext>
+    </p:extLst>
+  </p:cSld>
+  <p:clrMapOvr>
+    <a:masterClrMapping/>
+  </p:clrMapOvr>
+  <mc:AlternateContent xmlns:mc="http://schemas.openxmlformats.org/markup-compatibility/2006" xmlns:p14="http://schemas.microsoft.com/office/powerpoint/2010/main">
+    <mc:Choice Requires="p14">
+      <p:transition spd="med" p14:dur="700">
+        <p:fade/>
+      </p:transition>
+    </mc:Choice>
+    <mc:Fallback xmlns="">
+      <p:transition xmlns:p14="http://schemas.microsoft.com/office/powerpoint/2010/main" spd="med">
+        <p:fade/>
+      </p:transition>
+    </mc:Fallback>
+  </mc:AlternateContent>
+</p:sld>
+</file>
+
+<file path=ppt/slides/slide55.xml><?xml version="1.0" encoding="utf-8"?>
+<p:sld xmlns:a="http://schemas.openxmlformats.org/drawingml/2006/main" xmlns:r="http://schemas.openxmlformats.org/officeDocument/2006/relationships" xmlns:p="http://schemas.openxmlformats.org/presentationml/2006/main">
+  <p:cSld>
+    <p:spTree>
+      <p:nvGrpSpPr>
+        <p:cNvPr id="1" name=""/>
+        <p:cNvGrpSpPr/>
+        <p:nvPr/>
+      </p:nvGrpSpPr>
+      <p:grpSpPr>
+        <a:xfrm>
+          <a:off x="0" y="0"/>
+          <a:ext cx="0" cy="0"/>
+          <a:chOff x="0" y="0"/>
+          <a:chExt cx="0" cy="0"/>
+        </a:xfrm>
+      </p:grpSpPr>
+      <p:sp>
+        <p:nvSpPr>
+          <p:cNvPr id="6" name="Rectangle 5"/>
+          <p:cNvSpPr/>
+          <p:nvPr/>
+        </p:nvSpPr>
+        <p:spPr>
+          <a:xfrm>
+            <a:off x="-215115" y="0"/>
+            <a:ext cx="12407115" cy="6858000"/>
+          </a:xfrm>
+          <a:prstGeom prst="rect">
+            <a:avLst/>
+          </a:prstGeom>
+          <a:solidFill>
+            <a:schemeClr val="accent1">
+              <a:lumMod val="75000"/>
+            </a:schemeClr>
+          </a:solidFill>
+          <a:ln>
+            <a:noFill/>
+          </a:ln>
+        </p:spPr>
+        <p:style>
+          <a:lnRef idx="1">
+            <a:schemeClr val="accent1"/>
+          </a:lnRef>
+          <a:fillRef idx="3">
+            <a:schemeClr val="accent1"/>
+          </a:fillRef>
+          <a:effectRef idx="2">
+            <a:schemeClr val="accent1"/>
+          </a:effectRef>
+          <a:fontRef idx="minor">
+            <a:schemeClr val="lt1"/>
+          </a:fontRef>
+        </p:style>
+        <p:txBody>
+          <a:bodyPr rtlCol="0" anchor="ctr"/>
+          <a:lstStyle/>
+          <a:p>
+            <a:pPr algn="ctr"/>
+            <a:endParaRPr lang="en-US" sz="2400"/>
+          </a:p>
+        </p:txBody>
+      </p:sp>
+      <p:sp>
+        <p:nvSpPr>
+          <p:cNvPr id="24" name="Title 1"/>
+          <p:cNvSpPr>
+            <a:spLocks noGrp="1"/>
+          </p:cNvSpPr>
+          <p:nvPr>
+            <p:ph type="title"/>
+          </p:nvPr>
+        </p:nvSpPr>
+        <p:spPr>
+          <a:xfrm>
+            <a:off x="502042" y="1936377"/>
+            <a:ext cx="10972800" cy="2985246"/>
+          </a:xfrm>
+        </p:spPr>
+        <p:txBody>
+          <a:bodyPr>
+            <a:noAutofit/>
+          </a:bodyPr>
+          <a:lstStyle/>
+          <a:p>
+            <a:pPr algn="ctr" rtl="0" eaLnBrk="0" fontAlgn="base" hangingPunct="0">
+              <a:spcAft>
+                <a:spcPct val="0"/>
+              </a:spcAft>
+            </a:pPr>
+            <a:r>
+              <a:rPr lang="en-US" sz="6000" dirty="0">
+                <a:solidFill>
+                  <a:schemeClr val="bg1"/>
+                </a:solidFill>
+              </a:rPr>
+              <a:t>Closure</a:t>
+            </a:r>
+            <a:endParaRPr lang="en-US" altLang="en-US" sz="6000" b="1" dirty="0">
+              <a:solidFill>
+                <a:schemeClr val="bg1"/>
+              </a:solidFill>
+              <a:latin typeface="Calibri (Body)"/>
+            </a:endParaRPr>
+          </a:p>
+        </p:txBody>
+      </p:sp>
+    </p:spTree>
+    <p:extLst>
+      <p:ext uri="{BB962C8B-B14F-4D97-AF65-F5344CB8AC3E}">
+        <p14:creationId xmlns:p14="http://schemas.microsoft.com/office/powerpoint/2010/main" val="4288262287"/>
+      </p:ext>
+    </p:extLst>
+  </p:cSld>
+  <p:clrMapOvr>
+    <a:masterClrMapping/>
+  </p:clrMapOvr>
+  <mc:AlternateContent xmlns:mc="http://schemas.openxmlformats.org/markup-compatibility/2006" xmlns:p14="http://schemas.microsoft.com/office/powerpoint/2010/main">
+    <mc:Choice Requires="p14">
+      <p:transition spd="med" p14:dur="700">
+        <p:fade/>
+      </p:transition>
+    </mc:Choice>
+    <mc:Fallback xmlns="">
+      <p:transition xmlns:p14="http://schemas.microsoft.com/office/powerpoint/2010/main" spd="med">
+        <p:fade/>
+      </p:transition>
+    </mc:Fallback>
+  </mc:AlternateContent>
+</p:sld>
+</file>
+
+<file path=ppt/slides/slide56.xml><?xml version="1.0" encoding="utf-8"?>
+<p:sld xmlns:a="http://schemas.openxmlformats.org/drawingml/2006/main" xmlns:r="http://schemas.openxmlformats.org/officeDocument/2006/relationships" xmlns:p="http://schemas.openxmlformats.org/presentationml/2006/main">
+  <p:cSld>
+    <p:spTree>
+      <p:nvGrpSpPr>
+        <p:cNvPr id="1" name=""/>
+        <p:cNvGrpSpPr/>
+        <p:nvPr/>
+      </p:nvGrpSpPr>
+      <p:grpSpPr>
+        <a:xfrm>
+          <a:off x="0" y="0"/>
+          <a:ext cx="0" cy="0"/>
+          <a:chOff x="0" y="0"/>
+          <a:chExt cx="0" cy="0"/>
+        </a:xfrm>
+      </p:grpSpPr>
+      <p:sp>
+        <p:nvSpPr>
+          <p:cNvPr id="6" name="Rectangle 5"/>
+          <p:cNvSpPr/>
+          <p:nvPr/>
+        </p:nvSpPr>
+        <p:spPr>
+          <a:xfrm>
+            <a:off x="-215115" y="0"/>
+            <a:ext cx="12407115" cy="6858000"/>
+          </a:xfrm>
+          <a:prstGeom prst="rect">
+            <a:avLst/>
+          </a:prstGeom>
+          <a:solidFill>
+            <a:schemeClr val="accent1">
+              <a:lumMod val="75000"/>
+            </a:schemeClr>
+          </a:solidFill>
+          <a:ln>
+            <a:noFill/>
+          </a:ln>
+        </p:spPr>
+        <p:style>
+          <a:lnRef idx="1">
+            <a:schemeClr val="accent1"/>
+          </a:lnRef>
+          <a:fillRef idx="3">
+            <a:schemeClr val="accent1"/>
+          </a:fillRef>
+          <a:effectRef idx="2">
+            <a:schemeClr val="accent1"/>
+          </a:effectRef>
+          <a:fontRef idx="minor">
+            <a:schemeClr val="lt1"/>
+          </a:fontRef>
+        </p:style>
+        <p:txBody>
+          <a:bodyPr rtlCol="0" anchor="ctr"/>
+          <a:lstStyle/>
+          <a:p>
+            <a:pPr algn="ctr"/>
+            <a:endParaRPr lang="en-US" sz="2400"/>
+          </a:p>
+        </p:txBody>
+      </p:sp>
+      <p:sp>
+        <p:nvSpPr>
+          <p:cNvPr id="24" name="Title 1"/>
+          <p:cNvSpPr>
+            <a:spLocks noGrp="1"/>
+          </p:cNvSpPr>
+          <p:nvPr>
+            <p:ph type="title"/>
+          </p:nvPr>
+        </p:nvSpPr>
+        <p:spPr>
+          <a:xfrm>
+            <a:off x="502042" y="1936377"/>
+            <a:ext cx="10972800" cy="2985246"/>
+          </a:xfrm>
+        </p:spPr>
+        <p:txBody>
+          <a:bodyPr>
+            <a:noAutofit/>
+          </a:bodyPr>
+          <a:lstStyle/>
+          <a:p>
+            <a:pPr algn="ctr" rtl="0" eaLnBrk="0" fontAlgn="base" hangingPunct="0">
+              <a:spcAft>
+                <a:spcPct val="0"/>
+              </a:spcAft>
+            </a:pPr>
+            <a:r>
+              <a:rPr lang="en-US" sz="6000" dirty="0">
+                <a:solidFill>
+                  <a:schemeClr val="bg1"/>
+                </a:solidFill>
+              </a:rPr>
+              <a:t>Hoisting</a:t>
+            </a:r>
+            <a:endParaRPr lang="en-US" altLang="en-US" sz="6000" b="1" dirty="0">
+              <a:solidFill>
+                <a:schemeClr val="bg1"/>
+              </a:solidFill>
+              <a:latin typeface="Calibri (Body)"/>
+            </a:endParaRPr>
+          </a:p>
+        </p:txBody>
+      </p:sp>
+    </p:spTree>
+    <p:extLst>
+      <p:ext uri="{BB962C8B-B14F-4D97-AF65-F5344CB8AC3E}">
+        <p14:creationId xmlns:p14="http://schemas.microsoft.com/office/powerpoint/2010/main" val="2816560591"/>
+      </p:ext>
+    </p:extLst>
+  </p:cSld>
+  <p:clrMapOvr>
+    <a:masterClrMapping/>
+  </p:clrMapOvr>
+  <mc:AlternateContent xmlns:mc="http://schemas.openxmlformats.org/markup-compatibility/2006" xmlns:p14="http://schemas.microsoft.com/office/powerpoint/2010/main">
+    <mc:Choice Requires="p14">
+      <p:transition spd="med" p14:dur="700">
+        <p:fade/>
+      </p:transition>
+    </mc:Choice>
+    <mc:Fallback xmlns="">
+      <p:transition xmlns:p14="http://schemas.microsoft.com/office/powerpoint/2010/main" spd="med">
+        <p:fade/>
+      </p:transition>
+    </mc:Fallback>
+  </mc:AlternateContent>
+</p:sld>
+</file>
+
+<file path=ppt/slides/slide57.xml><?xml version="1.0" encoding="utf-8"?>
+<p:sld xmlns:a="http://schemas.openxmlformats.org/drawingml/2006/main" xmlns:r="http://schemas.openxmlformats.org/officeDocument/2006/relationships" xmlns:p="http://schemas.openxmlformats.org/presentationml/2006/main">
+  <p:cSld>
+    <p:spTree>
+      <p:nvGrpSpPr>
+        <p:cNvPr id="1" name=""/>
+        <p:cNvGrpSpPr/>
+        <p:nvPr/>
+      </p:nvGrpSpPr>
+      <p:grpSpPr>
+        <a:xfrm>
+          <a:off x="0" y="0"/>
+          <a:ext cx="0" cy="0"/>
+          <a:chOff x="0" y="0"/>
+          <a:chExt cx="0" cy="0"/>
+        </a:xfrm>
+      </p:grpSpPr>
+      <p:sp>
+        <p:nvSpPr>
+          <p:cNvPr id="6" name="Rectangle 5"/>
+          <p:cNvSpPr/>
+          <p:nvPr/>
+        </p:nvSpPr>
+        <p:spPr>
+          <a:xfrm>
+            <a:off x="-215115" y="0"/>
+            <a:ext cx="12407115" cy="6858000"/>
+          </a:xfrm>
+          <a:prstGeom prst="rect">
+            <a:avLst/>
+          </a:prstGeom>
+          <a:solidFill>
+            <a:schemeClr val="accent1">
+              <a:lumMod val="75000"/>
+            </a:schemeClr>
+          </a:solidFill>
+          <a:ln>
+            <a:noFill/>
+          </a:ln>
+        </p:spPr>
+        <p:style>
+          <a:lnRef idx="1">
+            <a:schemeClr val="accent1"/>
+          </a:lnRef>
+          <a:fillRef idx="3">
+            <a:schemeClr val="accent1"/>
+          </a:fillRef>
+          <a:effectRef idx="2">
+            <a:schemeClr val="accent1"/>
+          </a:effectRef>
+          <a:fontRef idx="minor">
+            <a:schemeClr val="lt1"/>
+          </a:fontRef>
+        </p:style>
+        <p:txBody>
+          <a:bodyPr rtlCol="0" anchor="ctr"/>
+          <a:lstStyle/>
+          <a:p>
+            <a:pPr algn="ctr"/>
+            <a:endParaRPr lang="en-US" sz="2400"/>
+          </a:p>
+        </p:txBody>
+      </p:sp>
+      <p:sp>
+        <p:nvSpPr>
+          <p:cNvPr id="24" name="Title 1"/>
+          <p:cNvSpPr>
+            <a:spLocks noGrp="1"/>
+          </p:cNvSpPr>
+          <p:nvPr>
+            <p:ph type="title"/>
+          </p:nvPr>
+        </p:nvSpPr>
+        <p:spPr>
+          <a:xfrm>
+            <a:off x="502042" y="1936377"/>
+            <a:ext cx="10972800" cy="2985246"/>
+          </a:xfrm>
+        </p:spPr>
+        <p:txBody>
+          <a:bodyPr>
+            <a:noAutofit/>
+          </a:bodyPr>
+          <a:lstStyle/>
+          <a:p>
+            <a:pPr algn="ctr" rtl="0" eaLnBrk="0" fontAlgn="base" hangingPunct="0">
+              <a:spcAft>
+                <a:spcPct val="0"/>
+              </a:spcAft>
+            </a:pPr>
+            <a:r>
+              <a:rPr lang="en-US" sz="6000" dirty="0">
+                <a:solidFill>
+                  <a:schemeClr val="bg1"/>
+                </a:solidFill>
+              </a:rPr>
+              <a:t>Var let </a:t>
+            </a:r>
+            <a:r>
+              <a:rPr lang="en-US" sz="6000" dirty="0" err="1">
+                <a:solidFill>
+                  <a:schemeClr val="bg1"/>
+                </a:solidFill>
+              </a:rPr>
+              <a:t>const</a:t>
+            </a:r>
+            <a:r>
+              <a:rPr lang="en-US" sz="6000" dirty="0">
+                <a:solidFill>
+                  <a:schemeClr val="bg1"/>
+                </a:solidFill>
+              </a:rPr>
+              <a:t>, freeze</a:t>
+            </a:r>
+            <a:endParaRPr lang="en-US" altLang="en-US" sz="6000" b="1" dirty="0">
+              <a:solidFill>
+                <a:schemeClr val="bg1"/>
+              </a:solidFill>
+              <a:latin typeface="Calibri (Body)"/>
+            </a:endParaRPr>
+          </a:p>
+        </p:txBody>
+      </p:sp>
+    </p:spTree>
+    <p:extLst>
+      <p:ext uri="{BB962C8B-B14F-4D97-AF65-F5344CB8AC3E}">
+        <p14:creationId xmlns:p14="http://schemas.microsoft.com/office/powerpoint/2010/main" val="4021379442"/>
+      </p:ext>
+    </p:extLst>
+  </p:cSld>
+  <p:clrMapOvr>
+    <a:masterClrMapping/>
+  </p:clrMapOvr>
+  <mc:AlternateContent xmlns:mc="http://schemas.openxmlformats.org/markup-compatibility/2006" xmlns:p14="http://schemas.microsoft.com/office/powerpoint/2010/main">
+    <mc:Choice Requires="p14">
+      <p:transition spd="med" p14:dur="700">
+        <p:fade/>
+      </p:transition>
+    </mc:Choice>
+    <mc:Fallback xmlns="">
+      <p:transition xmlns:p14="http://schemas.microsoft.com/office/powerpoint/2010/main" spd="med">
+        <p:fade/>
+      </p:transition>
+    </mc:Fallback>
+  </mc:AlternateContent>
+</p:sld>
+</file>
+
+<file path=ppt/slides/slide58.xml><?xml version="1.0" encoding="utf-8"?>
+<p:sld xmlns:a="http://schemas.openxmlformats.org/drawingml/2006/main" xmlns:r="http://schemas.openxmlformats.org/officeDocument/2006/relationships" xmlns:p="http://schemas.openxmlformats.org/presentationml/2006/main">
+  <p:cSld>
+    <p:spTree>
+      <p:nvGrpSpPr>
+        <p:cNvPr id="1" name=""/>
+        <p:cNvGrpSpPr/>
+        <p:nvPr/>
+      </p:nvGrpSpPr>
+      <p:grpSpPr>
+        <a:xfrm>
+          <a:off x="0" y="0"/>
+          <a:ext cx="0" cy="0"/>
+          <a:chOff x="0" y="0"/>
+          <a:chExt cx="0" cy="0"/>
+        </a:xfrm>
+      </p:grpSpPr>
+      <p:sp>
+        <p:nvSpPr>
+          <p:cNvPr id="6" name="Rectangle 5"/>
+          <p:cNvSpPr/>
+          <p:nvPr/>
+        </p:nvSpPr>
+        <p:spPr>
+          <a:xfrm>
+            <a:off x="-215115" y="0"/>
+            <a:ext cx="12407115" cy="6858000"/>
+          </a:xfrm>
+          <a:prstGeom prst="rect">
+            <a:avLst/>
+          </a:prstGeom>
+          <a:solidFill>
+            <a:schemeClr val="accent1">
+              <a:lumMod val="75000"/>
+            </a:schemeClr>
+          </a:solidFill>
+          <a:ln>
+            <a:noFill/>
+          </a:ln>
+        </p:spPr>
+        <p:style>
+          <a:lnRef idx="1">
+            <a:schemeClr val="accent1"/>
+          </a:lnRef>
+          <a:fillRef idx="3">
+            <a:schemeClr val="accent1"/>
+          </a:fillRef>
+          <a:effectRef idx="2">
+            <a:schemeClr val="accent1"/>
+          </a:effectRef>
+          <a:fontRef idx="minor">
+            <a:schemeClr val="lt1"/>
+          </a:fontRef>
+        </p:style>
+        <p:txBody>
+          <a:bodyPr rtlCol="0" anchor="ctr"/>
+          <a:lstStyle/>
+          <a:p>
+            <a:pPr algn="ctr"/>
+            <a:endParaRPr lang="en-US" sz="2400"/>
+          </a:p>
+        </p:txBody>
+      </p:sp>
+      <p:sp>
+        <p:nvSpPr>
+          <p:cNvPr id="24" name="Title 1"/>
+          <p:cNvSpPr>
+            <a:spLocks noGrp="1"/>
+          </p:cNvSpPr>
+          <p:nvPr>
+            <p:ph type="title"/>
+          </p:nvPr>
+        </p:nvSpPr>
+        <p:spPr>
+          <a:xfrm>
+            <a:off x="502042" y="1936377"/>
+            <a:ext cx="10972800" cy="2985246"/>
+          </a:xfrm>
+        </p:spPr>
+        <p:txBody>
+          <a:bodyPr>
+            <a:noAutofit/>
+          </a:bodyPr>
+          <a:lstStyle/>
+          <a:p>
+            <a:pPr algn="ctr" rtl="0" eaLnBrk="0" fontAlgn="base" hangingPunct="0">
+              <a:spcAft>
+                <a:spcPct val="0"/>
+              </a:spcAft>
+            </a:pPr>
+            <a:r>
+              <a:rPr lang="en-US" sz="6000" dirty="0">
+                <a:solidFill>
+                  <a:schemeClr val="bg1"/>
+                </a:solidFill>
+              </a:rPr>
+              <a:t>Arrow function</a:t>
+            </a:r>
+            <a:endParaRPr lang="en-US" altLang="en-US" sz="6000" b="1" dirty="0">
+              <a:solidFill>
+                <a:schemeClr val="bg1"/>
+              </a:solidFill>
+              <a:latin typeface="Calibri (Body)"/>
+            </a:endParaRPr>
+          </a:p>
+        </p:txBody>
+      </p:sp>
+    </p:spTree>
+    <p:extLst>
+      <p:ext uri="{BB962C8B-B14F-4D97-AF65-F5344CB8AC3E}">
+        <p14:creationId xmlns:p14="http://schemas.microsoft.com/office/powerpoint/2010/main" val="1741453719"/>
+      </p:ext>
+    </p:extLst>
+  </p:cSld>
+  <p:clrMapOvr>
+    <a:masterClrMapping/>
+  </p:clrMapOvr>
+  <mc:AlternateContent xmlns:mc="http://schemas.openxmlformats.org/markup-compatibility/2006" xmlns:p14="http://schemas.microsoft.com/office/powerpoint/2010/main">
+    <mc:Choice Requires="p14">
+      <p:transition spd="med" p14:dur="700">
+        <p:fade/>
+      </p:transition>
+    </mc:Choice>
+    <mc:Fallback xmlns="">
+      <p:transition xmlns:p14="http://schemas.microsoft.com/office/powerpoint/2010/main" spd="med">
+        <p:fade/>
+      </p:transition>
+    </mc:Fallback>
+  </mc:AlternateContent>
+</p:sld>
+</file>
+
+<file path=ppt/slides/slide59.xml><?xml version="1.0" encoding="utf-8"?>
+<p:sld xmlns:a="http://schemas.openxmlformats.org/drawingml/2006/main" xmlns:r="http://schemas.openxmlformats.org/officeDocument/2006/relationships" xmlns:p="http://schemas.openxmlformats.org/presentationml/2006/main">
+  <p:cSld>
+    <p:spTree>
+      <p:nvGrpSpPr>
+        <p:cNvPr id="1" name=""/>
+        <p:cNvGrpSpPr/>
+        <p:nvPr/>
+      </p:nvGrpSpPr>
+      <p:grpSpPr>
+        <a:xfrm>
+          <a:off x="0" y="0"/>
+          <a:ext cx="0" cy="0"/>
+          <a:chOff x="0" y="0"/>
+          <a:chExt cx="0" cy="0"/>
+        </a:xfrm>
+      </p:grpSpPr>
+      <p:sp>
+        <p:nvSpPr>
+          <p:cNvPr id="6" name="Rectangle 5"/>
+          <p:cNvSpPr/>
+          <p:nvPr/>
+        </p:nvSpPr>
+        <p:spPr>
+          <a:xfrm>
+            <a:off x="-215115" y="0"/>
+            <a:ext cx="12407115" cy="6858000"/>
+          </a:xfrm>
+          <a:prstGeom prst="rect">
+            <a:avLst/>
+          </a:prstGeom>
+          <a:solidFill>
+            <a:schemeClr val="accent1">
+              <a:lumMod val="75000"/>
+            </a:schemeClr>
+          </a:solidFill>
+          <a:ln>
+            <a:noFill/>
+          </a:ln>
+        </p:spPr>
+        <p:style>
+          <a:lnRef idx="1">
+            <a:schemeClr val="accent1"/>
+          </a:lnRef>
+          <a:fillRef idx="3">
+            <a:schemeClr val="accent1"/>
+          </a:fillRef>
+          <a:effectRef idx="2">
+            <a:schemeClr val="accent1"/>
+          </a:effectRef>
+          <a:fontRef idx="minor">
+            <a:schemeClr val="lt1"/>
+          </a:fontRef>
+        </p:style>
+        <p:txBody>
+          <a:bodyPr rtlCol="0" anchor="ctr"/>
+          <a:lstStyle/>
+          <a:p>
+            <a:pPr algn="ctr"/>
+            <a:endParaRPr lang="en-US" sz="2400"/>
+          </a:p>
+        </p:txBody>
+      </p:sp>
+      <p:sp>
+        <p:nvSpPr>
+          <p:cNvPr id="24" name="Title 1"/>
+          <p:cNvSpPr>
+            <a:spLocks noGrp="1"/>
+          </p:cNvSpPr>
+          <p:nvPr>
+            <p:ph type="title"/>
+          </p:nvPr>
+        </p:nvSpPr>
+        <p:spPr>
+          <a:xfrm>
+            <a:off x="502042" y="1936377"/>
+            <a:ext cx="10972800" cy="2985246"/>
+          </a:xfrm>
+        </p:spPr>
+        <p:txBody>
+          <a:bodyPr>
+            <a:noAutofit/>
+          </a:bodyPr>
+          <a:lstStyle/>
+          <a:p>
+            <a:pPr algn="ctr" rtl="0" eaLnBrk="0" fontAlgn="base" hangingPunct="0">
+              <a:spcAft>
+                <a:spcPct val="0"/>
+              </a:spcAft>
+            </a:pPr>
+            <a:r>
+              <a:rPr lang="en-US" sz="6000" dirty="0">
+                <a:solidFill>
+                  <a:schemeClr val="bg1"/>
+                </a:solidFill>
+              </a:rPr>
+              <a:t>Html modules for scoping</a:t>
+            </a:r>
+            <a:endParaRPr lang="en-US" altLang="en-US" sz="6000" b="1" dirty="0">
+              <a:solidFill>
+                <a:schemeClr val="bg1"/>
+              </a:solidFill>
+              <a:latin typeface="Calibri (Body)"/>
+            </a:endParaRPr>
+          </a:p>
+        </p:txBody>
+      </p:sp>
+    </p:spTree>
+    <p:extLst>
+      <p:ext uri="{BB962C8B-B14F-4D97-AF65-F5344CB8AC3E}">
+        <p14:creationId xmlns:p14="http://schemas.microsoft.com/office/powerpoint/2010/main" val="1693568435"/>
+      </p:ext>
+    </p:extLst>
+  </p:cSld>
+  <p:clrMapOvr>
+    <a:masterClrMapping/>
+  </p:clrMapOvr>
+  <mc:AlternateContent xmlns:mc="http://schemas.openxmlformats.org/markup-compatibility/2006" xmlns:p14="http://schemas.microsoft.com/office/powerpoint/2010/main">
+    <mc:Choice Requires="p14">
+      <p:transition spd="med" p14:dur="700">
+        <p:fade/>
+      </p:transition>
+    </mc:Choice>
+    <mc:Fallback xmlns="">
+      <p:transition xmlns:p14="http://schemas.microsoft.com/office/powerpoint/2010/main" spd="med">
+        <p:fade/>
+      </p:transition>
+    </mc:Fallback>
+  </mc:AlternateContent>
+</p:sld>
+</file>
+
 <file path=ppt/slides/slide6.xml><?xml version="1.0" encoding="utf-8"?>
 <p:sld xmlns:a="http://schemas.openxmlformats.org/drawingml/2006/main" xmlns:r="http://schemas.openxmlformats.org/officeDocument/2006/relationships" xmlns:p="http://schemas.openxmlformats.org/presentationml/2006/main">
   <p:cSld>
@@ -23613,6 +28254,138 @@
     </mc:Choice>
     <mc:Fallback xmlns="">
       <p:transition spd="med">
+        <p:fade/>
+      </p:transition>
+    </mc:Fallback>
+  </mc:AlternateContent>
+</p:sld>
+</file>
+
+<file path=ppt/slides/slide60.xml><?xml version="1.0" encoding="utf-8"?>
+<p:sld xmlns:a="http://schemas.openxmlformats.org/drawingml/2006/main" xmlns:r="http://schemas.openxmlformats.org/officeDocument/2006/relationships" xmlns:p="http://schemas.openxmlformats.org/presentationml/2006/main">
+  <p:cSld>
+    <p:spTree>
+      <p:nvGrpSpPr>
+        <p:cNvPr id="1" name=""/>
+        <p:cNvGrpSpPr/>
+        <p:nvPr/>
+      </p:nvGrpSpPr>
+      <p:grpSpPr>
+        <a:xfrm>
+          <a:off x="0" y="0"/>
+          <a:ext cx="0" cy="0"/>
+          <a:chOff x="0" y="0"/>
+          <a:chExt cx="0" cy="0"/>
+        </a:xfrm>
+      </p:grpSpPr>
+      <p:sp>
+        <p:nvSpPr>
+          <p:cNvPr id="6" name="Rectangle 5"/>
+          <p:cNvSpPr/>
+          <p:nvPr/>
+        </p:nvSpPr>
+        <p:spPr>
+          <a:xfrm>
+            <a:off x="-215115" y="0"/>
+            <a:ext cx="12407115" cy="6858000"/>
+          </a:xfrm>
+          <a:prstGeom prst="rect">
+            <a:avLst/>
+          </a:prstGeom>
+          <a:solidFill>
+            <a:schemeClr val="accent1">
+              <a:lumMod val="75000"/>
+            </a:schemeClr>
+          </a:solidFill>
+          <a:ln>
+            <a:noFill/>
+          </a:ln>
+        </p:spPr>
+        <p:style>
+          <a:lnRef idx="1">
+            <a:schemeClr val="accent1"/>
+          </a:lnRef>
+          <a:fillRef idx="3">
+            <a:schemeClr val="accent1"/>
+          </a:fillRef>
+          <a:effectRef idx="2">
+            <a:schemeClr val="accent1"/>
+          </a:effectRef>
+          <a:fontRef idx="minor">
+            <a:schemeClr val="lt1"/>
+          </a:fontRef>
+        </p:style>
+        <p:txBody>
+          <a:bodyPr rtlCol="0" anchor="ctr"/>
+          <a:lstStyle/>
+          <a:p>
+            <a:pPr algn="ctr"/>
+            <a:endParaRPr lang="en-US" sz="2400"/>
+          </a:p>
+        </p:txBody>
+      </p:sp>
+      <p:sp>
+        <p:nvSpPr>
+          <p:cNvPr id="24" name="Title 1"/>
+          <p:cNvSpPr>
+            <a:spLocks noGrp="1"/>
+          </p:cNvSpPr>
+          <p:nvPr>
+            <p:ph type="title"/>
+          </p:nvPr>
+        </p:nvSpPr>
+        <p:spPr>
+          <a:xfrm>
+            <a:off x="502042" y="1936377"/>
+            <a:ext cx="10972800" cy="2985246"/>
+          </a:xfrm>
+        </p:spPr>
+        <p:txBody>
+          <a:bodyPr>
+            <a:noAutofit/>
+          </a:bodyPr>
+          <a:lstStyle/>
+          <a:p>
+            <a:pPr algn="ctr" rtl="0" eaLnBrk="0" fontAlgn="base" hangingPunct="0">
+              <a:spcAft>
+                <a:spcPct val="0"/>
+              </a:spcAft>
+            </a:pPr>
+            <a:r>
+              <a:rPr lang="en-US" sz="6000" dirty="0">
+                <a:solidFill>
+                  <a:schemeClr val="bg1"/>
+                </a:solidFill>
+              </a:rPr>
+              <a:t>Class in the past</a:t>
+            </a:r>
+            <a:endParaRPr lang="en-US" altLang="en-US" sz="6000" b="1" dirty="0">
+              <a:solidFill>
+                <a:schemeClr val="bg1"/>
+              </a:solidFill>
+              <a:latin typeface="Calibri (Body)"/>
+            </a:endParaRPr>
+          </a:p>
+        </p:txBody>
+      </p:sp>
+    </p:spTree>
+    <p:extLst>
+      <p:ext uri="{BB962C8B-B14F-4D97-AF65-F5344CB8AC3E}">
+        <p14:creationId xmlns:p14="http://schemas.microsoft.com/office/powerpoint/2010/main" val="4198406632"/>
+      </p:ext>
+    </p:extLst>
+  </p:cSld>
+  <p:clrMapOvr>
+    <a:masterClrMapping/>
+  </p:clrMapOvr>
+  <mc:AlternateContent xmlns:mc="http://schemas.openxmlformats.org/markup-compatibility/2006" xmlns:p14="http://schemas.microsoft.com/office/powerpoint/2010/main">
+    <mc:Choice Requires="p14">
+      <p:transition spd="med" p14:dur="700">
+        <p:fade/>
+      </p:transition>
+    </mc:Choice>
+    <mc:Fallback xmlns="">
+      <p:transition xmlns:p14="http://schemas.microsoft.com/office/powerpoint/2010/main" spd="med">
         <p:fade/>
       </p:transition>
     </mc:Fallback>

--- a/presentations/Practical Web Dev.pptx
+++ b/presentations/Practical Web Dev.pptx
@@ -5,7 +5,7 @@
     <p:sldMasterId id="2147483648" r:id="rId1"/>
   </p:sldMasterIdLst>
   <p:notesMasterIdLst>
-    <p:notesMasterId r:id="rId62"/>
+    <p:notesMasterId r:id="rId63"/>
   </p:notesMasterIdLst>
   <p:sldIdLst>
     <p:sldId id="256" r:id="rId2"/>
@@ -64,10 +64,11 @@
     <p:sldId id="413" r:id="rId55"/>
     <p:sldId id="422" r:id="rId56"/>
     <p:sldId id="414" r:id="rId57"/>
-    <p:sldId id="423" r:id="rId58"/>
-    <p:sldId id="424" r:id="rId59"/>
-    <p:sldId id="421" r:id="rId60"/>
-    <p:sldId id="411" r:id="rId61"/>
+    <p:sldId id="426" r:id="rId58"/>
+    <p:sldId id="423" r:id="rId59"/>
+    <p:sldId id="424" r:id="rId60"/>
+    <p:sldId id="421" r:id="rId61"/>
+    <p:sldId id="411" r:id="rId62"/>
   </p:sldIdLst>
   <p:sldSz cx="12192000" cy="6858000"/>
   <p:notesSz cx="6858000" cy="9144000"/>
@@ -231,6 +232,7 @@
             <p14:sldId id="413"/>
             <p14:sldId id="422"/>
             <p14:sldId id="414"/>
+            <p14:sldId id="426"/>
             <p14:sldId id="423"/>
             <p14:sldId id="424"/>
             <p14:sldId id="421"/>
@@ -12079,7 +12081,7 @@
                 <a:ea typeface="+mn-ea"/>
                 <a:cs typeface="+mn-cs"/>
               </a:rPr>
-              <a:t>How we can create a OOP in JS?</a:t>
+              <a:t>How we can create an OOP in JS?</a:t>
             </a:r>
           </a:p>
           <a:p>
@@ -12138,31 +12140,7 @@
                 <a:ea typeface="+mn-ea"/>
                 <a:cs typeface="+mn-cs"/>
               </a:rPr>
-              <a:t>Well, today with ES6 &amp; typescript it’s much </a:t>
-            </a:r>
-            <a:r>
-              <a:rPr lang="en-US" sz="1200" b="0" i="0" kern="1200" dirty="0" err="1">
-                <a:solidFill>
-                  <a:schemeClr val="tx1"/>
-                </a:solidFill>
-                <a:effectLst/>
-                <a:latin typeface="+mn-lt"/>
-                <a:ea typeface="+mn-ea"/>
-                <a:cs typeface="+mn-cs"/>
-              </a:rPr>
-              <a:t>much</a:t>
-            </a:r>
-            <a:r>
-              <a:rPr lang="en-US" sz="1200" b="0" i="0" kern="1200" dirty="0">
-                <a:solidFill>
-                  <a:schemeClr val="tx1"/>
-                </a:solidFill>
-                <a:effectLst/>
-                <a:latin typeface="+mn-lt"/>
-                <a:ea typeface="+mn-ea"/>
-                <a:cs typeface="+mn-cs"/>
-              </a:rPr>
-              <a:t> easier,</a:t>
+              <a:t>Well, today with ES6 &amp; typescript it’s much, much easier,</a:t>
             </a:r>
           </a:p>
           <a:p>
@@ -13208,6 +13186,37 @@
               <a:tabLst/>
               <a:defRPr/>
             </a:pPr>
+            <a:r>
+              <a:rPr lang="en-US" b="0" dirty="0"/>
+              <a:t>Like we said, We have just </a:t>
+            </a:r>
+            <a:r>
+              <a:rPr lang="en-US" b="1" dirty="0"/>
+              <a:t>one</a:t>
+            </a:r>
+            <a:r>
+              <a:rPr lang="en-US" b="0" dirty="0"/>
+              <a:t> scope!</a:t>
+            </a:r>
+          </a:p>
+          <a:p>
+            <a:pPr marL="0" marR="0" lvl="0" indent="0" algn="l" defTabSz="914400" rtl="0" eaLnBrk="1" fontAlgn="auto" latinLnBrk="0" hangingPunct="1">
+              <a:lnSpc>
+                <a:spcPct val="100000"/>
+              </a:lnSpc>
+              <a:spcBef>
+                <a:spcPts val="0"/>
+              </a:spcBef>
+              <a:spcAft>
+                <a:spcPts val="0"/>
+              </a:spcAft>
+              <a:buClrTx/>
+              <a:buSzTx/>
+              <a:buFontTx/>
+              <a:buNone/>
+              <a:tabLst/>
+              <a:defRPr/>
+            </a:pPr>
             <a:endParaRPr lang="en-US" b="0" dirty="0"/>
           </a:p>
         </p:txBody>
@@ -13639,7 +13648,23 @@
                 <a:ea typeface="+mn-ea"/>
                 <a:cs typeface="+mn-cs"/>
               </a:rPr>
-              <a:t>Each function creates a new scope.</a:t>
+              <a:t>Each function creates a new scope (</a:t>
+            </a:r>
+            <a:r>
+              <a:rPr lang="en-US" b="0" dirty="0"/>
+              <a:t>Function scope called also local scope</a:t>
+            </a:r>
+            <a:r>
+              <a:rPr lang="en-US" sz="1200" b="0" i="0" kern="1200" dirty="0">
+                <a:solidFill>
+                  <a:schemeClr val="tx1"/>
+                </a:solidFill>
+                <a:effectLst/>
+                <a:latin typeface="+mn-lt"/>
+                <a:ea typeface="+mn-ea"/>
+                <a:cs typeface="+mn-cs"/>
+              </a:rPr>
+              <a:t>).</a:t>
             </a:r>
           </a:p>
           <a:p>
@@ -13933,7 +13958,7 @@
             </a:r>
             <a:r>
               <a:rPr lang="en-US" dirty="0"/>
-              <a:t>Self Invoking Function :</a:t>
+              <a:t>Self Invoking Function:</a:t>
             </a:r>
           </a:p>
           <a:p>
@@ -14523,6 +14548,164 @@
               <a:tabLst/>
               <a:defRPr/>
             </a:pPr>
+            <a:r>
+              <a:rPr lang="en-US" sz="1200" b="0" i="0" kern="1200" dirty="0">
+                <a:solidFill>
+                  <a:schemeClr val="tx1"/>
+                </a:solidFill>
+                <a:effectLst/>
+                <a:latin typeface="+mn-lt"/>
+                <a:ea typeface="+mn-ea"/>
+                <a:cs typeface="+mn-cs"/>
+              </a:rPr>
+              <a:t>What is Hoisting?</a:t>
+            </a:r>
+          </a:p>
+          <a:p>
+            <a:pPr marL="0" marR="0" lvl="0" indent="0" algn="l" defTabSz="914400" rtl="0" eaLnBrk="1" fontAlgn="auto" latinLnBrk="0" hangingPunct="1">
+              <a:lnSpc>
+                <a:spcPct val="100000"/>
+              </a:lnSpc>
+              <a:spcBef>
+                <a:spcPts val="0"/>
+              </a:spcBef>
+              <a:spcAft>
+                <a:spcPts val="0"/>
+              </a:spcAft>
+              <a:buClrTx/>
+              <a:buSzTx/>
+              <a:buFontTx/>
+              <a:buNone/>
+              <a:tabLst/>
+              <a:defRPr/>
+            </a:pPr>
+            <a:r>
+              <a:rPr lang="en-US" sz="1200" b="0" i="0" kern="1200" dirty="0">
+                <a:solidFill>
+                  <a:schemeClr val="tx1"/>
+                </a:solidFill>
+                <a:effectLst/>
+                <a:latin typeface="+mn-lt"/>
+                <a:ea typeface="+mn-ea"/>
+                <a:cs typeface="+mn-cs"/>
+              </a:rPr>
+              <a:t>Hoisting is JavaScript's default behavior of moving declarations to the top.</a:t>
+            </a:r>
+          </a:p>
+          <a:p>
+            <a:pPr algn="l"/>
+            <a:r>
+              <a:rPr lang="en-US" sz="1200" b="0" i="0" kern="1200" dirty="0">
+                <a:solidFill>
+                  <a:schemeClr val="tx1"/>
+                </a:solidFill>
+                <a:effectLst/>
+                <a:latin typeface="+mn-lt"/>
+                <a:ea typeface="+mn-ea"/>
+                <a:cs typeface="+mn-cs"/>
+              </a:rPr>
+              <a:t>In JavaScript, a variable can be declared after it has been used.</a:t>
+            </a:r>
+          </a:p>
+          <a:p>
+            <a:pPr algn="l"/>
+            <a:r>
+              <a:rPr lang="en-US" sz="1200" b="0" i="0" kern="1200" dirty="0">
+                <a:solidFill>
+                  <a:schemeClr val="tx1"/>
+                </a:solidFill>
+                <a:effectLst/>
+                <a:latin typeface="+mn-lt"/>
+                <a:ea typeface="+mn-ea"/>
+                <a:cs typeface="+mn-cs"/>
+              </a:rPr>
+              <a:t>In other words; a variable can be used before it has been declared.</a:t>
+            </a:r>
+          </a:p>
+          <a:p>
+            <a:pPr marL="0" marR="0" lvl="0" indent="0" algn="l" defTabSz="914400" rtl="0" eaLnBrk="1" fontAlgn="auto" latinLnBrk="0" hangingPunct="1">
+              <a:lnSpc>
+                <a:spcPct val="100000"/>
+              </a:lnSpc>
+              <a:spcBef>
+                <a:spcPts val="0"/>
+              </a:spcBef>
+              <a:spcAft>
+                <a:spcPts val="0"/>
+              </a:spcAft>
+              <a:buClrTx/>
+              <a:buSzTx/>
+              <a:buFontTx/>
+              <a:buNone/>
+              <a:tabLst/>
+              <a:defRPr/>
+            </a:pPr>
+            <a:endParaRPr lang="en-US" b="0" dirty="0"/>
+          </a:p>
+          <a:p>
+            <a:pPr marL="171450" marR="0" lvl="0" indent="-171450" algn="l" defTabSz="914400" rtl="0" eaLnBrk="1" fontAlgn="auto" latinLnBrk="0" hangingPunct="1">
+              <a:lnSpc>
+                <a:spcPct val="100000"/>
+              </a:lnSpc>
+              <a:spcBef>
+                <a:spcPts val="0"/>
+              </a:spcBef>
+              <a:spcAft>
+                <a:spcPts val="0"/>
+              </a:spcAft>
+              <a:buClrTx/>
+              <a:buSzTx/>
+              <a:buFontTx/>
+              <a:buChar char="-"/>
+              <a:tabLst/>
+              <a:defRPr/>
+            </a:pPr>
+            <a:r>
+              <a:rPr lang="en-US" b="0" dirty="0"/>
+              <a:t>https://www.w3schools.com/js/js_hoisting.asp</a:t>
+            </a:r>
+          </a:p>
+          <a:p>
+            <a:pPr marL="171450" marR="0" lvl="0" indent="-171450" algn="l" defTabSz="914400" rtl="0" eaLnBrk="1" fontAlgn="auto" latinLnBrk="0" hangingPunct="1">
+              <a:lnSpc>
+                <a:spcPct val="100000"/>
+              </a:lnSpc>
+              <a:spcBef>
+                <a:spcPts val="0"/>
+              </a:spcBef>
+              <a:spcAft>
+                <a:spcPts val="0"/>
+              </a:spcAft>
+              <a:buClrTx/>
+              <a:buSzTx/>
+              <a:buFontTx/>
+              <a:buChar char="-"/>
+              <a:tabLst/>
+              <a:defRPr/>
+            </a:pPr>
+            <a:r>
+              <a:rPr lang="en-US" b="0" dirty="0"/>
+              <a:t>https://codeburst.io/javascript-what-is-hoisting-dfa84512dd28</a:t>
+            </a:r>
+          </a:p>
+          <a:p>
+            <a:pPr marL="171450" marR="0" lvl="0" indent="-171450" algn="l" defTabSz="914400" rtl="0" eaLnBrk="1" fontAlgn="auto" latinLnBrk="0" hangingPunct="1">
+              <a:lnSpc>
+                <a:spcPct val="100000"/>
+              </a:lnSpc>
+              <a:spcBef>
+                <a:spcPts val="0"/>
+              </a:spcBef>
+              <a:spcAft>
+                <a:spcPts val="0"/>
+              </a:spcAft>
+              <a:buClrTx/>
+              <a:buSzTx/>
+              <a:buFontTx/>
+              <a:buChar char="-"/>
+              <a:tabLst/>
+              <a:defRPr/>
+            </a:pPr>
             <a:endParaRPr lang="en-US" b="0" dirty="0"/>
           </a:p>
         </p:txBody>
@@ -14607,6 +14790,99 @@
           <a:bodyPr/>
           <a:lstStyle/>
           <a:p>
+            <a:pPr marL="171450" marR="0" lvl="0" indent="-171450" algn="l" defTabSz="914400" rtl="0" eaLnBrk="1" fontAlgn="auto" latinLnBrk="0" hangingPunct="1">
+              <a:lnSpc>
+                <a:spcPct val="100000"/>
+              </a:lnSpc>
+              <a:spcBef>
+                <a:spcPts val="0"/>
+              </a:spcBef>
+              <a:spcAft>
+                <a:spcPts val="0"/>
+              </a:spcAft>
+              <a:buClrTx/>
+              <a:buSzTx/>
+              <a:buFont typeface="Arial" panose="020B0604020202020204" pitchFamily="34" charset="0"/>
+              <a:buChar char="•"/>
+              <a:tabLst/>
+              <a:defRPr/>
+            </a:pPr>
+            <a:r>
+              <a:rPr lang="en-US" sz="1200" b="0" i="0" kern="1200" dirty="0">
+                <a:solidFill>
+                  <a:schemeClr val="tx1"/>
+                </a:solidFill>
+                <a:effectLst/>
+                <a:latin typeface="+mn-lt"/>
+                <a:ea typeface="+mn-ea"/>
+                <a:cs typeface="+mn-cs"/>
+              </a:rPr>
+              <a:t>First Example</a:t>
+            </a:r>
+          </a:p>
+          <a:p>
+            <a:pPr marL="228600" marR="0" lvl="0" indent="-228600" algn="l" defTabSz="914400" rtl="0" eaLnBrk="1" fontAlgn="auto" latinLnBrk="0" hangingPunct="1">
+              <a:lnSpc>
+                <a:spcPct val="100000"/>
+              </a:lnSpc>
+              <a:spcBef>
+                <a:spcPts val="0"/>
+              </a:spcBef>
+              <a:spcAft>
+                <a:spcPts val="0"/>
+              </a:spcAft>
+              <a:buClrTx/>
+              <a:buSzTx/>
+              <a:buFontTx/>
+              <a:buAutoNum type="arabicParenR"/>
+              <a:tabLst/>
+              <a:defRPr/>
+            </a:pPr>
+            <a:r>
+              <a:rPr lang="en-US" sz="1200" b="0" i="0" kern="1200" dirty="0">
+                <a:solidFill>
+                  <a:schemeClr val="tx1"/>
+                </a:solidFill>
+                <a:effectLst/>
+                <a:latin typeface="+mn-lt"/>
+                <a:ea typeface="+mn-ea"/>
+                <a:cs typeface="+mn-cs"/>
+              </a:rPr>
+              <a:t>A side: declaring X -&gt; assign 5 to X -&gt; printing X value</a:t>
+            </a:r>
+          </a:p>
+          <a:p>
+            <a:pPr marL="228600" marR="0" lvl="0" indent="-228600" algn="l" defTabSz="914400" rtl="0" eaLnBrk="1" fontAlgn="auto" latinLnBrk="0" hangingPunct="1">
+              <a:lnSpc>
+                <a:spcPct val="100000"/>
+              </a:lnSpc>
+              <a:spcBef>
+                <a:spcPts val="0"/>
+              </a:spcBef>
+              <a:spcAft>
+                <a:spcPts val="0"/>
+              </a:spcAft>
+              <a:buClrTx/>
+              <a:buSzTx/>
+              <a:buFontTx/>
+              <a:buAutoNum type="arabicParenR"/>
+              <a:tabLst/>
+              <a:defRPr/>
+            </a:pPr>
+            <a:r>
+              <a:rPr lang="en-US" sz="1200" b="0" i="0" kern="1200" dirty="0">
+                <a:solidFill>
+                  <a:schemeClr val="tx1"/>
+                </a:solidFill>
+                <a:effectLst/>
+                <a:latin typeface="+mn-lt"/>
+                <a:ea typeface="+mn-ea"/>
+                <a:cs typeface="+mn-cs"/>
+              </a:rPr>
+              <a:t>B side: assign 5 to X -&gt; printing X value -&gt; declaring X</a:t>
+            </a:r>
+          </a:p>
+          <a:p>
             <a:pPr marL="0" marR="0" lvl="0" indent="0" algn="l" defTabSz="914400" rtl="0" eaLnBrk="1" fontAlgn="auto" latinLnBrk="0" hangingPunct="1">
               <a:lnSpc>
                 <a:spcPct val="100000"/>
@@ -14624,7 +14900,1241 @@
               <a:tabLst/>
               <a:defRPr/>
             </a:pPr>
+            <a:endParaRPr lang="en-US" sz="1200" b="0" i="0" kern="1200" dirty="0">
+              <a:solidFill>
+                <a:schemeClr val="tx1"/>
+              </a:solidFill>
+              <a:effectLst/>
+              <a:latin typeface="+mn-lt"/>
+              <a:ea typeface="+mn-ea"/>
+              <a:cs typeface="+mn-cs"/>
+            </a:endParaRPr>
+          </a:p>
+          <a:p>
+            <a:pPr marL="0" marR="0" lvl="0" indent="0" algn="l" defTabSz="914400" rtl="0" eaLnBrk="1" fontAlgn="auto" latinLnBrk="0" hangingPunct="1">
+              <a:lnSpc>
+                <a:spcPct val="100000"/>
+              </a:lnSpc>
+              <a:spcBef>
+                <a:spcPts val="0"/>
+              </a:spcBef>
+              <a:spcAft>
+                <a:spcPts val="0"/>
+              </a:spcAft>
+              <a:buClrTx/>
+              <a:buSzTx/>
+              <a:buFontTx/>
+              <a:buNone/>
+              <a:tabLst/>
+              <a:defRPr/>
+            </a:pPr>
+            <a:r>
+              <a:rPr lang="en-US" sz="1200" b="0" i="0" kern="1200" dirty="0">
+                <a:solidFill>
+                  <a:schemeClr val="tx1"/>
+                </a:solidFill>
+                <a:effectLst/>
+                <a:latin typeface="+mn-lt"/>
+                <a:ea typeface="+mn-ea"/>
+                <a:cs typeface="+mn-cs"/>
+              </a:rPr>
+              <a:t>In both examples we will receive the same output/result, why?</a:t>
+            </a:r>
+          </a:p>
+          <a:p>
+            <a:pPr marL="0" marR="0" lvl="0" indent="0" algn="l" defTabSz="914400" rtl="0" eaLnBrk="1" fontAlgn="auto" latinLnBrk="0" hangingPunct="1">
+              <a:lnSpc>
+                <a:spcPct val="100000"/>
+              </a:lnSpc>
+              <a:spcBef>
+                <a:spcPts val="0"/>
+              </a:spcBef>
+              <a:spcAft>
+                <a:spcPts val="0"/>
+              </a:spcAft>
+              <a:buClrTx/>
+              <a:buSzTx/>
+              <a:buFontTx/>
+              <a:buNone/>
+              <a:tabLst/>
+              <a:defRPr/>
+            </a:pPr>
+            <a:r>
+              <a:rPr lang="en-US" sz="1200" b="0" i="0" kern="1200" dirty="0">
+                <a:solidFill>
+                  <a:schemeClr val="tx1"/>
+                </a:solidFill>
+                <a:effectLst/>
+                <a:latin typeface="+mn-lt"/>
+                <a:ea typeface="+mn-ea"/>
+                <a:cs typeface="+mn-cs"/>
+              </a:rPr>
+              <a:t>Because hoisting behavior</a:t>
+            </a:r>
+          </a:p>
+          <a:p>
+            <a:pPr marL="0" marR="0" lvl="0" indent="0" algn="l" defTabSz="914400" rtl="0" eaLnBrk="1" fontAlgn="auto" latinLnBrk="0" hangingPunct="1">
+              <a:lnSpc>
+                <a:spcPct val="100000"/>
+              </a:lnSpc>
+              <a:spcBef>
+                <a:spcPts val="0"/>
+              </a:spcBef>
+              <a:spcAft>
+                <a:spcPts val="0"/>
+              </a:spcAft>
+              <a:buClrTx/>
+              <a:buSzTx/>
+              <a:buFontTx/>
+              <a:buNone/>
+              <a:tabLst/>
+              <a:defRPr/>
+            </a:pPr>
+            <a:endParaRPr lang="en-US" sz="1200" b="0" i="0" kern="1200" dirty="0">
+              <a:solidFill>
+                <a:schemeClr val="tx1"/>
+              </a:solidFill>
+              <a:effectLst/>
+              <a:latin typeface="+mn-lt"/>
+              <a:ea typeface="+mn-ea"/>
+              <a:cs typeface="+mn-cs"/>
+            </a:endParaRPr>
+          </a:p>
+          <a:p>
+            <a:pPr marL="171450" marR="0" lvl="0" indent="-171450" algn="l" defTabSz="914400" rtl="0" eaLnBrk="1" fontAlgn="auto" latinLnBrk="0" hangingPunct="1">
+              <a:lnSpc>
+                <a:spcPct val="100000"/>
+              </a:lnSpc>
+              <a:spcBef>
+                <a:spcPts val="0"/>
+              </a:spcBef>
+              <a:spcAft>
+                <a:spcPts val="0"/>
+              </a:spcAft>
+              <a:buClrTx/>
+              <a:buSzTx/>
+              <a:buFont typeface="Arial" panose="020B0604020202020204" pitchFamily="34" charset="0"/>
+              <a:buChar char="•"/>
+              <a:tabLst/>
+              <a:defRPr/>
+            </a:pPr>
+            <a:r>
+              <a:rPr lang="en-US" sz="1200" b="0" i="0" kern="1200" dirty="0">
+                <a:solidFill>
+                  <a:schemeClr val="tx1"/>
+                </a:solidFill>
+                <a:effectLst/>
+                <a:latin typeface="+mn-lt"/>
+                <a:ea typeface="+mn-ea"/>
+                <a:cs typeface="+mn-cs"/>
+              </a:rPr>
+              <a:t>Second Example:</a:t>
+            </a:r>
+          </a:p>
+          <a:p>
+            <a:pPr marL="0" marR="0" lvl="0" indent="0" algn="l" defTabSz="914400" rtl="0" eaLnBrk="1" fontAlgn="auto" latinLnBrk="0" hangingPunct="1">
+              <a:lnSpc>
+                <a:spcPct val="100000"/>
+              </a:lnSpc>
+              <a:spcBef>
+                <a:spcPts val="0"/>
+              </a:spcBef>
+              <a:spcAft>
+                <a:spcPts val="0"/>
+              </a:spcAft>
+              <a:buClrTx/>
+              <a:buSzTx/>
+              <a:buFontTx/>
+              <a:buNone/>
+              <a:tabLst/>
+              <a:defRPr/>
+            </a:pPr>
+            <a:r>
+              <a:rPr lang="en-US" sz="1200" b="0" i="0" kern="1200" dirty="0">
+                <a:solidFill>
+                  <a:schemeClr val="tx1"/>
+                </a:solidFill>
+                <a:effectLst/>
+                <a:latin typeface="+mn-lt"/>
+                <a:ea typeface="+mn-ea"/>
+                <a:cs typeface="+mn-cs"/>
+              </a:rPr>
+              <a:t>Let see another example</a:t>
+            </a:r>
+          </a:p>
+          <a:p>
+            <a:pPr marL="228600" marR="0" lvl="0" indent="-228600" algn="l" defTabSz="914400" rtl="0" eaLnBrk="1" fontAlgn="auto" latinLnBrk="0" hangingPunct="1">
+              <a:lnSpc>
+                <a:spcPct val="100000"/>
+              </a:lnSpc>
+              <a:spcBef>
+                <a:spcPts val="0"/>
+              </a:spcBef>
+              <a:spcAft>
+                <a:spcPts val="0"/>
+              </a:spcAft>
+              <a:buClrTx/>
+              <a:buSzTx/>
+              <a:buFontTx/>
+              <a:buAutoNum type="arabicParenR"/>
+              <a:tabLst/>
+              <a:defRPr/>
+            </a:pPr>
+            <a:r>
+              <a:rPr lang="en-US" sz="1200" b="0" i="0" kern="1200" dirty="0">
+                <a:solidFill>
+                  <a:schemeClr val="tx1"/>
+                </a:solidFill>
+                <a:effectLst/>
+                <a:latin typeface="+mn-lt"/>
+                <a:ea typeface="+mn-ea"/>
+                <a:cs typeface="+mn-cs"/>
+              </a:rPr>
+              <a:t>A side: printing X value -&gt; declaring X &amp; assign 5 value</a:t>
+            </a:r>
+            <a:br>
+              <a:rPr lang="en-US" sz="1200" b="0" i="0" kern="1200" dirty="0">
+                <a:solidFill>
+                  <a:schemeClr val="tx1"/>
+                </a:solidFill>
+                <a:effectLst/>
+                <a:latin typeface="+mn-lt"/>
+                <a:ea typeface="+mn-ea"/>
+                <a:cs typeface="+mn-cs"/>
+              </a:rPr>
+            </a:br>
+            <a:r>
+              <a:rPr lang="en-US" sz="1200" b="0" i="0" kern="1200" dirty="0">
+                <a:solidFill>
+                  <a:schemeClr val="tx1"/>
+                </a:solidFill>
+                <a:effectLst/>
+                <a:latin typeface="+mn-lt"/>
+                <a:ea typeface="+mn-ea"/>
+                <a:cs typeface="+mn-cs"/>
+              </a:rPr>
+              <a:t>What will be the output?</a:t>
+            </a:r>
+            <a:br>
+              <a:rPr lang="en-US" sz="1200" b="0" i="0" kern="1200" dirty="0">
+                <a:solidFill>
+                  <a:schemeClr val="tx1"/>
+                </a:solidFill>
+                <a:effectLst/>
+                <a:latin typeface="+mn-lt"/>
+                <a:ea typeface="+mn-ea"/>
+                <a:cs typeface="+mn-cs"/>
+              </a:rPr>
+            </a:br>
+            <a:r>
+              <a:rPr lang="en-US" sz="1200" b="0" i="0" kern="1200" dirty="0">
+                <a:solidFill>
+                  <a:schemeClr val="tx1"/>
+                </a:solidFill>
+                <a:effectLst/>
+                <a:latin typeface="+mn-lt"/>
+                <a:ea typeface="+mn-ea"/>
+                <a:cs typeface="+mn-cs"/>
+              </a:rPr>
+              <a:t>Undefined, why?</a:t>
+            </a:r>
+          </a:p>
+          <a:p>
+            <a:pPr marL="0" marR="0" lvl="0" indent="0" algn="l" defTabSz="914400" rtl="0" eaLnBrk="1" fontAlgn="auto" latinLnBrk="0" hangingPunct="1">
+              <a:lnSpc>
+                <a:spcPct val="100000"/>
+              </a:lnSpc>
+              <a:spcBef>
+                <a:spcPts val="0"/>
+              </a:spcBef>
+              <a:spcAft>
+                <a:spcPts val="0"/>
+              </a:spcAft>
+              <a:buClrTx/>
+              <a:buSzTx/>
+              <a:buFontTx/>
+              <a:buNone/>
+              <a:tabLst/>
+              <a:defRPr/>
+            </a:pPr>
+            <a:r>
+              <a:rPr lang="en-US" sz="1200" b="0" i="0" kern="1200" dirty="0">
+                <a:solidFill>
+                  <a:schemeClr val="tx1"/>
+                </a:solidFill>
+                <a:effectLst/>
+                <a:latin typeface="+mn-lt"/>
+                <a:ea typeface="+mn-ea"/>
+                <a:cs typeface="+mn-cs"/>
+              </a:rPr>
+              <a:t>What is happing behind the scene?</a:t>
+            </a:r>
+            <a:br>
+              <a:rPr lang="en-US" sz="1200" b="0" i="0" kern="1200" dirty="0">
+                <a:solidFill>
+                  <a:schemeClr val="tx1"/>
+                </a:solidFill>
+                <a:effectLst/>
+                <a:latin typeface="+mn-lt"/>
+                <a:ea typeface="+mn-ea"/>
+                <a:cs typeface="+mn-cs"/>
+              </a:rPr>
+            </a:br>
+            <a:r>
+              <a:rPr lang="en-US" sz="1200" b="0" i="0" kern="1200" dirty="0">
+                <a:solidFill>
+                  <a:schemeClr val="tx1"/>
+                </a:solidFill>
+                <a:effectLst/>
+                <a:latin typeface="+mn-lt"/>
+                <a:ea typeface="+mn-ea"/>
+                <a:cs typeface="+mn-cs"/>
+              </a:rPr>
+              <a:t>Let see what happened in B side</a:t>
+            </a:r>
+          </a:p>
+          <a:p>
+            <a:pPr marL="0" marR="0" lvl="0" indent="0" algn="l" defTabSz="914400" rtl="0" eaLnBrk="1" fontAlgn="auto" latinLnBrk="0" hangingPunct="1">
+              <a:lnSpc>
+                <a:spcPct val="100000"/>
+              </a:lnSpc>
+              <a:spcBef>
+                <a:spcPts val="0"/>
+              </a:spcBef>
+              <a:spcAft>
+                <a:spcPts val="0"/>
+              </a:spcAft>
+              <a:buClrTx/>
+              <a:buSzTx/>
+              <a:buFontTx/>
+              <a:buNone/>
+              <a:tabLst/>
+              <a:defRPr/>
+            </a:pPr>
+            <a:r>
+              <a:rPr lang="en-US" sz="1200" b="0" i="0" kern="1200" dirty="0">
+                <a:solidFill>
+                  <a:schemeClr val="tx1"/>
+                </a:solidFill>
+                <a:effectLst/>
+                <a:latin typeface="+mn-lt"/>
+                <a:ea typeface="+mn-ea"/>
+                <a:cs typeface="+mn-cs"/>
+              </a:rPr>
+              <a:t>2) B side:  declaring X -&gt; printing X value -&gt; assign 5 to X </a:t>
+            </a:r>
+          </a:p>
+          <a:p>
+            <a:pPr marL="0" marR="0" lvl="0" indent="0" algn="l" defTabSz="914400" rtl="0" eaLnBrk="1" fontAlgn="auto" latinLnBrk="0" hangingPunct="1">
+              <a:lnSpc>
+                <a:spcPct val="100000"/>
+              </a:lnSpc>
+              <a:spcBef>
+                <a:spcPts val="0"/>
+              </a:spcBef>
+              <a:spcAft>
+                <a:spcPts val="0"/>
+              </a:spcAft>
+              <a:buClrTx/>
+              <a:buSzTx/>
+              <a:buFontTx/>
+              <a:buNone/>
+              <a:tabLst/>
+              <a:defRPr/>
+            </a:pPr>
+            <a:r>
+              <a:rPr lang="en-US" sz="1200" b="0" i="0" kern="1200" dirty="0">
+                <a:solidFill>
+                  <a:schemeClr val="tx1"/>
+                </a:solidFill>
+                <a:effectLst/>
+                <a:latin typeface="+mn-lt"/>
+                <a:ea typeface="+mn-ea"/>
+                <a:cs typeface="+mn-cs"/>
+              </a:rPr>
+              <a:t>So basically we are declaring x but not populating it, after the declaring we are printing x value and this is way we receive undefined</a:t>
+            </a:r>
+          </a:p>
+          <a:p>
+            <a:pPr marL="0" marR="0" lvl="0" indent="0" algn="l" defTabSz="914400" rtl="0" eaLnBrk="1" fontAlgn="auto" latinLnBrk="0" hangingPunct="1">
+              <a:lnSpc>
+                <a:spcPct val="100000"/>
+              </a:lnSpc>
+              <a:spcBef>
+                <a:spcPts val="0"/>
+              </a:spcBef>
+              <a:spcAft>
+                <a:spcPts val="0"/>
+              </a:spcAft>
+              <a:buClrTx/>
+              <a:buSzTx/>
+              <a:buFontTx/>
+              <a:buNone/>
+              <a:tabLst/>
+              <a:defRPr/>
+            </a:pPr>
+            <a:endParaRPr lang="en-US" sz="1200" b="0" i="0" kern="1200" dirty="0">
+              <a:solidFill>
+                <a:schemeClr val="tx1"/>
+              </a:solidFill>
+              <a:effectLst/>
+              <a:latin typeface="+mn-lt"/>
+              <a:ea typeface="+mn-ea"/>
+              <a:cs typeface="+mn-cs"/>
+            </a:endParaRPr>
+          </a:p>
+          <a:p>
+            <a:pPr marL="171450" marR="0" lvl="0" indent="-171450" algn="l" defTabSz="914400" rtl="0" eaLnBrk="1" fontAlgn="auto" latinLnBrk="0" hangingPunct="1">
+              <a:lnSpc>
+                <a:spcPct val="100000"/>
+              </a:lnSpc>
+              <a:spcBef>
+                <a:spcPts val="0"/>
+              </a:spcBef>
+              <a:spcAft>
+                <a:spcPts val="0"/>
+              </a:spcAft>
+              <a:buClrTx/>
+              <a:buSzTx/>
+              <a:buFont typeface="Arial" panose="020B0604020202020204" pitchFamily="34" charset="0"/>
+              <a:buChar char="•"/>
+              <a:tabLst/>
+              <a:defRPr/>
+            </a:pPr>
+            <a:r>
+              <a:rPr lang="en-US" sz="1200" b="0" i="0" kern="1200" dirty="0">
+                <a:solidFill>
+                  <a:schemeClr val="tx1"/>
+                </a:solidFill>
+                <a:effectLst/>
+                <a:latin typeface="+mn-lt"/>
+                <a:ea typeface="+mn-ea"/>
+                <a:cs typeface="+mn-cs"/>
+              </a:rPr>
+              <a:t>Third Example:</a:t>
+            </a:r>
+            <a:br>
+              <a:rPr lang="en-US" sz="1200" b="0" i="0" kern="1200" dirty="0">
+                <a:solidFill>
+                  <a:schemeClr val="tx1"/>
+                </a:solidFill>
+                <a:effectLst/>
+                <a:latin typeface="+mn-lt"/>
+                <a:ea typeface="+mn-ea"/>
+                <a:cs typeface="+mn-cs"/>
+              </a:rPr>
+            </a:br>
+            <a:r>
+              <a:rPr lang="en-US" sz="1200" b="0" i="0" kern="1200" dirty="0">
+                <a:solidFill>
+                  <a:schemeClr val="tx1"/>
+                </a:solidFill>
+                <a:effectLst/>
+                <a:latin typeface="+mn-lt"/>
+                <a:ea typeface="+mn-ea"/>
+                <a:cs typeface="+mn-cs"/>
+              </a:rPr>
+              <a:t>Same behavior is happened for functions,</a:t>
+            </a:r>
+          </a:p>
+          <a:p>
+            <a:pPr marL="0" marR="0" lvl="0" indent="0" algn="l" defTabSz="914400" rtl="0" eaLnBrk="1" fontAlgn="auto" latinLnBrk="0" hangingPunct="1">
+              <a:lnSpc>
+                <a:spcPct val="100000"/>
+              </a:lnSpc>
+              <a:spcBef>
+                <a:spcPts val="0"/>
+              </a:spcBef>
+              <a:spcAft>
+                <a:spcPts val="0"/>
+              </a:spcAft>
+              <a:buClrTx/>
+              <a:buSzTx/>
+              <a:buFontTx/>
+              <a:buNone/>
+              <a:tabLst/>
+              <a:defRPr/>
+            </a:pPr>
+            <a:r>
+              <a:rPr lang="en-US" sz="1200" b="0" i="0" kern="1200" dirty="0">
+                <a:solidFill>
+                  <a:schemeClr val="tx1"/>
+                </a:solidFill>
+                <a:effectLst/>
+                <a:latin typeface="+mn-lt"/>
+                <a:ea typeface="+mn-ea"/>
+                <a:cs typeface="+mn-cs"/>
+              </a:rPr>
+              <a:t>Let see an example:</a:t>
+            </a:r>
+          </a:p>
+          <a:p>
+            <a:pPr marL="228600" marR="0" lvl="0" indent="-228600" algn="l" defTabSz="914400" rtl="0" eaLnBrk="1" fontAlgn="auto" latinLnBrk="0" hangingPunct="1">
+              <a:lnSpc>
+                <a:spcPct val="100000"/>
+              </a:lnSpc>
+              <a:spcBef>
+                <a:spcPts val="0"/>
+              </a:spcBef>
+              <a:spcAft>
+                <a:spcPts val="0"/>
+              </a:spcAft>
+              <a:buClrTx/>
+              <a:buSzTx/>
+              <a:buFontTx/>
+              <a:buAutoNum type="arabicParenR"/>
+              <a:tabLst/>
+              <a:defRPr/>
+            </a:pPr>
+            <a:r>
+              <a:rPr lang="en-US" sz="1200" b="0" i="0" kern="1200" dirty="0">
+                <a:solidFill>
+                  <a:schemeClr val="tx1"/>
+                </a:solidFill>
+                <a:effectLst/>
+                <a:latin typeface="+mn-lt"/>
+                <a:ea typeface="+mn-ea"/>
+                <a:cs typeface="+mn-cs"/>
+              </a:rPr>
+              <a:t>A side: declaring </a:t>
+            </a:r>
+            <a:r>
+              <a:rPr lang="en-US" sz="1200" b="0" i="0" kern="1200" dirty="0" err="1">
+                <a:solidFill>
+                  <a:schemeClr val="tx1"/>
+                </a:solidFill>
+                <a:effectLst/>
+                <a:latin typeface="+mn-lt"/>
+                <a:ea typeface="+mn-ea"/>
+                <a:cs typeface="+mn-cs"/>
+              </a:rPr>
+              <a:t>cowSays</a:t>
+            </a:r>
+            <a:r>
+              <a:rPr lang="en-US" sz="1200" b="0" i="0" kern="1200" dirty="0">
+                <a:solidFill>
+                  <a:schemeClr val="tx1"/>
+                </a:solidFill>
+                <a:effectLst/>
+                <a:latin typeface="+mn-lt"/>
+                <a:ea typeface="+mn-ea"/>
+                <a:cs typeface="+mn-cs"/>
+              </a:rPr>
+              <a:t> function-&gt; invoking </a:t>
+            </a:r>
+            <a:r>
+              <a:rPr lang="en-US" sz="1200" b="0" i="0" kern="1200" dirty="0" err="1">
+                <a:solidFill>
+                  <a:schemeClr val="tx1"/>
+                </a:solidFill>
+                <a:effectLst/>
+                <a:latin typeface="+mn-lt"/>
+                <a:ea typeface="+mn-ea"/>
+                <a:cs typeface="+mn-cs"/>
+              </a:rPr>
+              <a:t>cowSays</a:t>
+            </a:r>
+            <a:r>
+              <a:rPr lang="en-US" sz="1200" b="0" i="0" kern="1200" dirty="0">
+                <a:solidFill>
+                  <a:schemeClr val="tx1"/>
+                </a:solidFill>
+                <a:effectLst/>
+                <a:latin typeface="+mn-lt"/>
+                <a:ea typeface="+mn-ea"/>
+                <a:cs typeface="+mn-cs"/>
+              </a:rPr>
+              <a:t> function</a:t>
+            </a:r>
+          </a:p>
+          <a:p>
+            <a:pPr marL="228600" marR="0" lvl="0" indent="-228600" algn="l" defTabSz="914400" rtl="0" eaLnBrk="1" fontAlgn="auto" latinLnBrk="0" hangingPunct="1">
+              <a:lnSpc>
+                <a:spcPct val="100000"/>
+              </a:lnSpc>
+              <a:spcBef>
+                <a:spcPts val="0"/>
+              </a:spcBef>
+              <a:spcAft>
+                <a:spcPts val="0"/>
+              </a:spcAft>
+              <a:buClrTx/>
+              <a:buSzTx/>
+              <a:buFontTx/>
+              <a:buAutoNum type="arabicParenR"/>
+              <a:tabLst/>
+              <a:defRPr/>
+            </a:pPr>
+            <a:r>
+              <a:rPr lang="en-US" sz="1200" b="0" i="0" kern="1200" dirty="0">
+                <a:solidFill>
+                  <a:schemeClr val="tx1"/>
+                </a:solidFill>
+                <a:effectLst/>
+                <a:latin typeface="+mn-lt"/>
+                <a:ea typeface="+mn-ea"/>
+                <a:cs typeface="+mn-cs"/>
+              </a:rPr>
+              <a:t>B side: invoking </a:t>
+            </a:r>
+            <a:r>
+              <a:rPr lang="en-US" sz="1200" b="0" i="0" kern="1200" dirty="0" err="1">
+                <a:solidFill>
+                  <a:schemeClr val="tx1"/>
+                </a:solidFill>
+                <a:effectLst/>
+                <a:latin typeface="+mn-lt"/>
+                <a:ea typeface="+mn-ea"/>
+                <a:cs typeface="+mn-cs"/>
+              </a:rPr>
+              <a:t>cowSays</a:t>
+            </a:r>
+            <a:r>
+              <a:rPr lang="en-US" sz="1200" b="0" i="0" kern="1200" dirty="0">
+                <a:solidFill>
+                  <a:schemeClr val="tx1"/>
+                </a:solidFill>
+                <a:effectLst/>
+                <a:latin typeface="+mn-lt"/>
+                <a:ea typeface="+mn-ea"/>
+                <a:cs typeface="+mn-cs"/>
+              </a:rPr>
+              <a:t> function -&gt; declaring </a:t>
+            </a:r>
+            <a:r>
+              <a:rPr lang="en-US" sz="1200" b="0" i="0" kern="1200" dirty="0" err="1">
+                <a:solidFill>
+                  <a:schemeClr val="tx1"/>
+                </a:solidFill>
+                <a:effectLst/>
+                <a:latin typeface="+mn-lt"/>
+                <a:ea typeface="+mn-ea"/>
+                <a:cs typeface="+mn-cs"/>
+              </a:rPr>
+              <a:t>cowSays</a:t>
+            </a:r>
+            <a:r>
+              <a:rPr lang="en-US" sz="1200" b="0" i="0" kern="1200" dirty="0">
+                <a:solidFill>
+                  <a:schemeClr val="tx1"/>
+                </a:solidFill>
+                <a:effectLst/>
+                <a:latin typeface="+mn-lt"/>
+                <a:ea typeface="+mn-ea"/>
+                <a:cs typeface="+mn-cs"/>
+              </a:rPr>
+              <a:t> function</a:t>
+            </a:r>
+          </a:p>
+          <a:p>
+            <a:pPr marL="0" marR="0" lvl="0" indent="0" algn="l" defTabSz="914400" rtl="0" eaLnBrk="1" fontAlgn="auto" latinLnBrk="0" hangingPunct="1">
+              <a:lnSpc>
+                <a:spcPct val="100000"/>
+              </a:lnSpc>
+              <a:spcBef>
+                <a:spcPts val="0"/>
+              </a:spcBef>
+              <a:spcAft>
+                <a:spcPts val="0"/>
+              </a:spcAft>
+              <a:buClrTx/>
+              <a:buSzTx/>
+              <a:buFontTx/>
+              <a:buNone/>
+              <a:tabLst/>
+              <a:defRPr/>
+            </a:pPr>
+            <a:r>
+              <a:rPr lang="en-US" sz="1200" b="0" i="0" kern="1200" dirty="0">
+                <a:solidFill>
+                  <a:schemeClr val="tx1"/>
+                </a:solidFill>
+                <a:effectLst/>
+                <a:latin typeface="+mn-lt"/>
+                <a:ea typeface="+mn-ea"/>
+                <a:cs typeface="+mn-cs"/>
+              </a:rPr>
+              <a:t>We will receive the same result? Why? Because like variables, also function declaration are hoisted to the top of the scope, so basically B side is transfer to A side.</a:t>
+            </a:r>
+          </a:p>
+          <a:p>
+            <a:pPr marL="0" marR="0" lvl="0" indent="0" algn="l" defTabSz="914400" rtl="0" eaLnBrk="1" fontAlgn="auto" latinLnBrk="0" hangingPunct="1">
+              <a:lnSpc>
+                <a:spcPct val="100000"/>
+              </a:lnSpc>
+              <a:spcBef>
+                <a:spcPts val="0"/>
+              </a:spcBef>
+              <a:spcAft>
+                <a:spcPts val="0"/>
+              </a:spcAft>
+              <a:buClrTx/>
+              <a:buSzTx/>
+              <a:buFontTx/>
+              <a:buNone/>
+              <a:tabLst/>
+              <a:defRPr/>
+            </a:pPr>
+            <a:endParaRPr lang="en-US" sz="1200" b="0" i="0" kern="1200" dirty="0">
+              <a:solidFill>
+                <a:schemeClr val="tx1"/>
+              </a:solidFill>
+              <a:effectLst/>
+              <a:latin typeface="+mn-lt"/>
+              <a:ea typeface="+mn-ea"/>
+              <a:cs typeface="+mn-cs"/>
+            </a:endParaRPr>
+          </a:p>
+          <a:p>
+            <a:pPr marL="0" marR="0" lvl="0" indent="0" algn="l" defTabSz="914400" rtl="0" eaLnBrk="1" fontAlgn="auto" latinLnBrk="0" hangingPunct="1">
+              <a:lnSpc>
+                <a:spcPct val="100000"/>
+              </a:lnSpc>
+              <a:spcBef>
+                <a:spcPts val="0"/>
+              </a:spcBef>
+              <a:spcAft>
+                <a:spcPts val="0"/>
+              </a:spcAft>
+              <a:buClrTx/>
+              <a:buSzTx/>
+              <a:buFontTx/>
+              <a:buNone/>
+              <a:tabLst/>
+              <a:defRPr/>
+            </a:pPr>
+            <a:endParaRPr lang="en-US" sz="1200" b="0" i="0" kern="1200" dirty="0">
+              <a:solidFill>
+                <a:schemeClr val="tx1"/>
+              </a:solidFill>
+              <a:effectLst/>
+              <a:latin typeface="+mn-lt"/>
+              <a:ea typeface="+mn-ea"/>
+              <a:cs typeface="+mn-cs"/>
+            </a:endParaRPr>
+          </a:p>
+          <a:p>
+            <a:pPr marL="171450" marR="0" lvl="0" indent="-171450" algn="l" defTabSz="914400" rtl="0" eaLnBrk="1" fontAlgn="auto" latinLnBrk="0" hangingPunct="1">
+              <a:lnSpc>
+                <a:spcPct val="100000"/>
+              </a:lnSpc>
+              <a:spcBef>
+                <a:spcPts val="0"/>
+              </a:spcBef>
+              <a:spcAft>
+                <a:spcPts val="0"/>
+              </a:spcAft>
+              <a:buClrTx/>
+              <a:buSzTx/>
+              <a:buFont typeface="Arial" panose="020B0604020202020204" pitchFamily="34" charset="0"/>
+              <a:buChar char="•"/>
+              <a:tabLst/>
+              <a:defRPr/>
+            </a:pPr>
+            <a:r>
+              <a:rPr lang="en-US" sz="1200" b="0" i="0" kern="1200" dirty="0">
+                <a:solidFill>
+                  <a:schemeClr val="tx1"/>
+                </a:solidFill>
+                <a:effectLst/>
+                <a:latin typeface="+mn-lt"/>
+                <a:ea typeface="+mn-ea"/>
+                <a:cs typeface="+mn-cs"/>
+              </a:rPr>
+              <a:t>Fourth Example:</a:t>
+            </a:r>
+            <a:br>
+              <a:rPr lang="en-US" sz="1200" b="0" i="0" kern="1200" dirty="0">
+                <a:solidFill>
+                  <a:schemeClr val="tx1"/>
+                </a:solidFill>
+                <a:effectLst/>
+                <a:latin typeface="+mn-lt"/>
+                <a:ea typeface="+mn-ea"/>
+                <a:cs typeface="+mn-cs"/>
+              </a:rPr>
+            </a:br>
+            <a:r>
+              <a:rPr lang="en-US" sz="1200" b="0" i="0" kern="1200" dirty="0">
+                <a:solidFill>
+                  <a:schemeClr val="tx1"/>
+                </a:solidFill>
+                <a:effectLst/>
+                <a:latin typeface="+mn-lt"/>
+                <a:ea typeface="+mn-ea"/>
+                <a:cs typeface="+mn-cs"/>
+              </a:rPr>
+              <a:t>What will happened if we are assigning function to a variable? (right side is variable name </a:t>
+            </a:r>
+            <a:r>
+              <a:rPr lang="en-US" sz="1200" b="0" i="0" kern="1200" dirty="0" err="1">
+                <a:solidFill>
+                  <a:schemeClr val="tx1"/>
+                </a:solidFill>
+                <a:effectLst/>
+                <a:latin typeface="+mn-lt"/>
+                <a:ea typeface="+mn-ea"/>
+                <a:cs typeface="+mn-cs"/>
+              </a:rPr>
+              <a:t>cowSays</a:t>
+            </a:r>
+            <a:r>
+              <a:rPr lang="en-US" sz="1200" b="0" i="0" kern="1200" dirty="0">
+                <a:solidFill>
+                  <a:schemeClr val="tx1"/>
+                </a:solidFill>
+                <a:effectLst/>
+                <a:latin typeface="+mn-lt"/>
+                <a:ea typeface="+mn-ea"/>
+                <a:cs typeface="+mn-cs"/>
+              </a:rPr>
+              <a:t> and left side is anonymous function)</a:t>
+            </a:r>
+          </a:p>
+          <a:p>
+            <a:pPr marL="0" marR="0" lvl="0" indent="0" algn="l" defTabSz="914400" rtl="0" eaLnBrk="1" fontAlgn="auto" latinLnBrk="0" hangingPunct="1">
+              <a:lnSpc>
+                <a:spcPct val="100000"/>
+              </a:lnSpc>
+              <a:spcBef>
+                <a:spcPts val="0"/>
+              </a:spcBef>
+              <a:spcAft>
+                <a:spcPts val="0"/>
+              </a:spcAft>
+              <a:buClrTx/>
+              <a:buSzTx/>
+              <a:buFontTx/>
+              <a:buNone/>
+              <a:tabLst/>
+              <a:defRPr/>
+            </a:pPr>
+            <a:r>
+              <a:rPr lang="en-US" b="0" dirty="0"/>
+              <a:t>1) A side – invoking </a:t>
+            </a:r>
+            <a:r>
+              <a:rPr lang="en-US" sz="1200" b="0" i="0" kern="1200" dirty="0" err="1">
+                <a:solidFill>
+                  <a:schemeClr val="tx1"/>
+                </a:solidFill>
+                <a:effectLst/>
+                <a:latin typeface="+mn-lt"/>
+                <a:ea typeface="+mn-ea"/>
+                <a:cs typeface="+mn-cs"/>
+              </a:rPr>
+              <a:t>cowSays</a:t>
+            </a:r>
+            <a:r>
+              <a:rPr lang="en-US" sz="1200" b="0" i="0" kern="1200" dirty="0">
+                <a:solidFill>
+                  <a:schemeClr val="tx1"/>
+                </a:solidFill>
+                <a:effectLst/>
+                <a:latin typeface="+mn-lt"/>
+                <a:ea typeface="+mn-ea"/>
+                <a:cs typeface="+mn-cs"/>
+              </a:rPr>
+              <a:t> function -&gt; declaring on </a:t>
+            </a:r>
+            <a:r>
+              <a:rPr lang="en-US" sz="1200" b="0" i="0" kern="1200" dirty="0" err="1">
+                <a:solidFill>
+                  <a:schemeClr val="tx1"/>
+                </a:solidFill>
+                <a:effectLst/>
+                <a:latin typeface="+mn-lt"/>
+                <a:ea typeface="+mn-ea"/>
+                <a:cs typeface="+mn-cs"/>
+              </a:rPr>
+              <a:t>cowSays</a:t>
+            </a:r>
+            <a:r>
+              <a:rPr lang="en-US" sz="1200" b="0" i="0" kern="1200" dirty="0">
+                <a:solidFill>
+                  <a:schemeClr val="tx1"/>
+                </a:solidFill>
+                <a:effectLst/>
+                <a:latin typeface="+mn-lt"/>
+                <a:ea typeface="+mn-ea"/>
+                <a:cs typeface="+mn-cs"/>
+              </a:rPr>
+              <a:t> variable &amp; </a:t>
+            </a:r>
+            <a:r>
+              <a:rPr lang="en-US" sz="1200" b="0" i="0" kern="1200" dirty="0" err="1">
+                <a:solidFill>
+                  <a:schemeClr val="tx1"/>
+                </a:solidFill>
+                <a:effectLst/>
+                <a:latin typeface="+mn-lt"/>
+                <a:ea typeface="+mn-ea"/>
+                <a:cs typeface="+mn-cs"/>
+              </a:rPr>
+              <a:t>assinning</a:t>
+            </a:r>
+            <a:r>
+              <a:rPr lang="en-US" sz="1200" b="0" i="0" kern="1200" dirty="0">
+                <a:solidFill>
+                  <a:schemeClr val="tx1"/>
+                </a:solidFill>
+                <a:effectLst/>
+                <a:latin typeface="+mn-lt"/>
+                <a:ea typeface="+mn-ea"/>
+                <a:cs typeface="+mn-cs"/>
+              </a:rPr>
+              <a:t> anonymous function.</a:t>
+            </a:r>
+            <a:br>
+              <a:rPr lang="en-US" sz="1200" b="0" i="0" kern="1200" dirty="0">
+                <a:solidFill>
+                  <a:schemeClr val="tx1"/>
+                </a:solidFill>
+                <a:effectLst/>
+                <a:latin typeface="+mn-lt"/>
+                <a:ea typeface="+mn-ea"/>
+                <a:cs typeface="+mn-cs"/>
+              </a:rPr>
+            </a:br>
+            <a:r>
+              <a:rPr lang="en-US" sz="1200" b="0" i="0" kern="1200" dirty="0">
+                <a:solidFill>
+                  <a:schemeClr val="tx1"/>
+                </a:solidFill>
+                <a:effectLst/>
+                <a:latin typeface="+mn-lt"/>
+                <a:ea typeface="+mn-ea"/>
+                <a:cs typeface="+mn-cs"/>
+              </a:rPr>
+              <a:t>We will receive Error, why? Let see what happened behind the scene</a:t>
+            </a:r>
+          </a:p>
+          <a:p>
+            <a:pPr marL="0" marR="0" lvl="0" indent="0" algn="l" defTabSz="914400" rtl="0" eaLnBrk="1" fontAlgn="auto" latinLnBrk="0" hangingPunct="1">
+              <a:lnSpc>
+                <a:spcPct val="100000"/>
+              </a:lnSpc>
+              <a:spcBef>
+                <a:spcPts val="0"/>
+              </a:spcBef>
+              <a:spcAft>
+                <a:spcPts val="0"/>
+              </a:spcAft>
+              <a:buClrTx/>
+              <a:buSzTx/>
+              <a:buFontTx/>
+              <a:buNone/>
+              <a:tabLst/>
+              <a:defRPr/>
+            </a:pPr>
+            <a:r>
+              <a:rPr lang="en-US" sz="1200" b="0" i="0" kern="1200" dirty="0">
+                <a:solidFill>
+                  <a:schemeClr val="tx1"/>
+                </a:solidFill>
+                <a:effectLst/>
+                <a:latin typeface="+mn-lt"/>
+                <a:ea typeface="+mn-ea"/>
+                <a:cs typeface="+mn-cs"/>
+              </a:rPr>
+              <a:t>2) B side – </a:t>
+            </a:r>
+            <a:r>
+              <a:rPr lang="en-US" sz="1200" b="0" i="0" kern="1200" dirty="0" err="1">
+                <a:solidFill>
+                  <a:schemeClr val="tx1"/>
+                </a:solidFill>
+                <a:effectLst/>
+                <a:latin typeface="+mn-lt"/>
+                <a:ea typeface="+mn-ea"/>
+                <a:cs typeface="+mn-cs"/>
+              </a:rPr>
+              <a:t>decleration</a:t>
+            </a:r>
+            <a:r>
+              <a:rPr lang="en-US" sz="1200" b="0" i="0" kern="1200" dirty="0">
+                <a:solidFill>
+                  <a:schemeClr val="tx1"/>
+                </a:solidFill>
+                <a:effectLst/>
+                <a:latin typeface="+mn-lt"/>
+                <a:ea typeface="+mn-ea"/>
+                <a:cs typeface="+mn-cs"/>
+              </a:rPr>
+              <a:t> of </a:t>
+            </a:r>
+            <a:r>
+              <a:rPr lang="en-US" sz="1200" b="0" i="0" kern="1200" dirty="0" err="1">
+                <a:solidFill>
+                  <a:schemeClr val="tx1"/>
+                </a:solidFill>
+                <a:effectLst/>
+                <a:latin typeface="+mn-lt"/>
+                <a:ea typeface="+mn-ea"/>
+                <a:cs typeface="+mn-cs"/>
+              </a:rPr>
+              <a:t>cowSays</a:t>
+            </a:r>
+            <a:r>
+              <a:rPr lang="en-US" sz="1200" b="0" i="0" kern="1200" dirty="0">
+                <a:solidFill>
+                  <a:schemeClr val="tx1"/>
+                </a:solidFill>
+                <a:effectLst/>
+                <a:latin typeface="+mn-lt"/>
+                <a:ea typeface="+mn-ea"/>
+                <a:cs typeface="+mn-cs"/>
+              </a:rPr>
+              <a:t>  is hoisted to the top -&gt; </a:t>
+            </a:r>
+            <a:r>
+              <a:rPr lang="en-US" b="0" dirty="0"/>
+              <a:t>invoking </a:t>
+            </a:r>
+            <a:r>
+              <a:rPr lang="en-US" sz="1200" b="0" i="0" kern="1200" dirty="0" err="1">
+                <a:solidFill>
+                  <a:schemeClr val="tx1"/>
+                </a:solidFill>
+                <a:effectLst/>
+                <a:latin typeface="+mn-lt"/>
+                <a:ea typeface="+mn-ea"/>
+                <a:cs typeface="+mn-cs"/>
+              </a:rPr>
+              <a:t>cowSays</a:t>
+            </a:r>
+            <a:r>
+              <a:rPr lang="en-US" sz="1200" b="0" i="0" kern="1200" dirty="0">
+                <a:solidFill>
+                  <a:schemeClr val="tx1"/>
+                </a:solidFill>
+                <a:effectLst/>
+                <a:latin typeface="+mn-lt"/>
+                <a:ea typeface="+mn-ea"/>
+                <a:cs typeface="+mn-cs"/>
+              </a:rPr>
+              <a:t> function -&gt; </a:t>
+            </a:r>
+            <a:r>
+              <a:rPr lang="en-US" sz="1200" b="0" i="0" kern="1200" dirty="0" err="1">
+                <a:solidFill>
+                  <a:schemeClr val="tx1"/>
+                </a:solidFill>
+                <a:effectLst/>
+                <a:latin typeface="+mn-lt"/>
+                <a:ea typeface="+mn-ea"/>
+                <a:cs typeface="+mn-cs"/>
+              </a:rPr>
+              <a:t>assinning</a:t>
+            </a:r>
+            <a:r>
+              <a:rPr lang="en-US" sz="1200" b="0" i="0" kern="1200" dirty="0">
+                <a:solidFill>
+                  <a:schemeClr val="tx1"/>
+                </a:solidFill>
+                <a:effectLst/>
+                <a:latin typeface="+mn-lt"/>
+                <a:ea typeface="+mn-ea"/>
+                <a:cs typeface="+mn-cs"/>
+              </a:rPr>
+              <a:t> anonymous function to variable </a:t>
+            </a:r>
+            <a:r>
+              <a:rPr lang="en-US" sz="1200" b="0" i="0" kern="1200" dirty="0" err="1">
+                <a:solidFill>
+                  <a:schemeClr val="tx1"/>
+                </a:solidFill>
+                <a:effectLst/>
+                <a:latin typeface="+mn-lt"/>
+                <a:ea typeface="+mn-ea"/>
+                <a:cs typeface="+mn-cs"/>
+              </a:rPr>
+              <a:t>cowSays</a:t>
+            </a:r>
+            <a:br>
+              <a:rPr lang="en-US" sz="1200" b="0" i="0" kern="1200" dirty="0">
+                <a:solidFill>
+                  <a:schemeClr val="tx1"/>
+                </a:solidFill>
+                <a:effectLst/>
+                <a:latin typeface="+mn-lt"/>
+                <a:ea typeface="+mn-ea"/>
+                <a:cs typeface="+mn-cs"/>
+              </a:rPr>
+            </a:br>
+            <a:endParaRPr lang="en-US" sz="1200" b="0" i="0" kern="1200" dirty="0">
+              <a:solidFill>
+                <a:schemeClr val="tx1"/>
+              </a:solidFill>
+              <a:effectLst/>
+              <a:latin typeface="+mn-lt"/>
+              <a:ea typeface="+mn-ea"/>
+              <a:cs typeface="+mn-cs"/>
+            </a:endParaRPr>
+          </a:p>
+          <a:p>
+            <a:pPr marL="0" marR="0" lvl="0" indent="0" algn="l" defTabSz="914400" rtl="0" eaLnBrk="1" fontAlgn="auto" latinLnBrk="0" hangingPunct="1">
+              <a:lnSpc>
+                <a:spcPct val="100000"/>
+              </a:lnSpc>
+              <a:spcBef>
+                <a:spcPts val="0"/>
+              </a:spcBef>
+              <a:spcAft>
+                <a:spcPts val="0"/>
+              </a:spcAft>
+              <a:buClrTx/>
+              <a:buSzTx/>
+              <a:buFontTx/>
+              <a:buNone/>
+              <a:tabLst/>
+              <a:defRPr/>
+            </a:pPr>
+            <a:r>
+              <a:rPr lang="en-US" sz="1200" b="0" i="0" kern="1200" dirty="0">
+                <a:solidFill>
+                  <a:schemeClr val="tx1"/>
+                </a:solidFill>
+                <a:effectLst/>
+                <a:latin typeface="+mn-lt"/>
+                <a:ea typeface="+mn-ea"/>
+                <a:cs typeface="+mn-cs"/>
+              </a:rPr>
+              <a:t>As we can see we are trying to invoke </a:t>
+            </a:r>
+            <a:r>
+              <a:rPr lang="en-US" sz="1200" b="0" i="0" u="none" strike="noStrike" kern="1200" baseline="0" dirty="0" err="1">
+                <a:solidFill>
+                  <a:schemeClr val="tx1"/>
+                </a:solidFill>
+                <a:latin typeface="+mn-lt"/>
+                <a:ea typeface="+mn-ea"/>
+                <a:cs typeface="+mn-cs"/>
+              </a:rPr>
+              <a:t>cowSays</a:t>
+            </a:r>
+            <a:r>
+              <a:rPr lang="en-US" sz="1200" b="0" i="0" u="none" strike="noStrike" kern="1200" baseline="0" dirty="0">
+                <a:solidFill>
+                  <a:schemeClr val="tx1"/>
+                </a:solidFill>
+                <a:latin typeface="+mn-lt"/>
+                <a:ea typeface="+mn-ea"/>
+                <a:cs typeface="+mn-cs"/>
+              </a:rPr>
+              <a:t> function but we didn’t assign it yet to this variable.</a:t>
+            </a:r>
+          </a:p>
+          <a:p>
+            <a:pPr marL="0" marR="0" lvl="0" indent="0" algn="l" defTabSz="914400" rtl="0" eaLnBrk="1" fontAlgn="auto" latinLnBrk="0" hangingPunct="1">
+              <a:lnSpc>
+                <a:spcPct val="100000"/>
+              </a:lnSpc>
+              <a:spcBef>
+                <a:spcPts val="0"/>
+              </a:spcBef>
+              <a:spcAft>
+                <a:spcPts val="0"/>
+              </a:spcAft>
+              <a:buClrTx/>
+              <a:buSzTx/>
+              <a:buFontTx/>
+              <a:buNone/>
+              <a:tabLst/>
+              <a:defRPr/>
+            </a:pPr>
+            <a:endParaRPr lang="en-US" sz="1200" b="0" i="0" u="none" strike="noStrike" kern="1200" baseline="0" dirty="0">
+              <a:solidFill>
+                <a:schemeClr val="tx1"/>
+              </a:solidFill>
+              <a:latin typeface="+mn-lt"/>
+              <a:ea typeface="+mn-ea"/>
+              <a:cs typeface="+mn-cs"/>
+            </a:endParaRPr>
+          </a:p>
+          <a:p>
+            <a:pPr marL="171450" marR="0" lvl="0" indent="-171450" algn="l" defTabSz="914400" rtl="0" eaLnBrk="1" fontAlgn="auto" latinLnBrk="0" hangingPunct="1">
+              <a:lnSpc>
+                <a:spcPct val="100000"/>
+              </a:lnSpc>
+              <a:spcBef>
+                <a:spcPts val="0"/>
+              </a:spcBef>
+              <a:spcAft>
+                <a:spcPts val="0"/>
+              </a:spcAft>
+              <a:buClrTx/>
+              <a:buSzTx/>
+              <a:buFont typeface="Arial" panose="020B0604020202020204" pitchFamily="34" charset="0"/>
+              <a:buChar char="•"/>
+              <a:tabLst/>
+              <a:defRPr/>
+            </a:pPr>
+            <a:r>
+              <a:rPr lang="en-US" sz="1200" b="0" i="0" u="none" strike="noStrike" kern="1200" baseline="0" dirty="0">
+                <a:solidFill>
+                  <a:schemeClr val="tx1"/>
+                </a:solidFill>
+                <a:latin typeface="+mn-lt"/>
+                <a:ea typeface="+mn-ea"/>
+                <a:cs typeface="+mn-cs"/>
+              </a:rPr>
+              <a:t>Fifth Example:</a:t>
+            </a:r>
+          </a:p>
+          <a:p>
+            <a:pPr marL="0" marR="0" lvl="0" indent="0" algn="l" defTabSz="914400" rtl="0" eaLnBrk="1" fontAlgn="auto" latinLnBrk="0" hangingPunct="1">
+              <a:lnSpc>
+                <a:spcPct val="100000"/>
+              </a:lnSpc>
+              <a:spcBef>
+                <a:spcPts val="0"/>
+              </a:spcBef>
+              <a:spcAft>
+                <a:spcPts val="0"/>
+              </a:spcAft>
+              <a:buClrTx/>
+              <a:buSzTx/>
+              <a:buFont typeface="Arial" panose="020B0604020202020204" pitchFamily="34" charset="0"/>
+              <a:buNone/>
+              <a:tabLst/>
+              <a:defRPr/>
+            </a:pPr>
+            <a:r>
+              <a:rPr lang="en-US" sz="1200" b="0" i="0" u="none" strike="noStrike" kern="1200" baseline="0" dirty="0">
+                <a:solidFill>
+                  <a:schemeClr val="tx1"/>
+                </a:solidFill>
+                <a:latin typeface="+mn-lt"/>
+                <a:ea typeface="+mn-ea"/>
+                <a:cs typeface="+mn-cs"/>
+              </a:rPr>
+              <a:t>But, how code inside function will behaved?</a:t>
+            </a:r>
             <a:endParaRPr lang="en-US" b="0" dirty="0"/>
+          </a:p>
+          <a:p>
+            <a:pPr marL="0" marR="0" lvl="0" indent="0" algn="l" defTabSz="914400" rtl="0" eaLnBrk="1" fontAlgn="auto" latinLnBrk="0" hangingPunct="1">
+              <a:lnSpc>
+                <a:spcPct val="100000"/>
+              </a:lnSpc>
+              <a:spcBef>
+                <a:spcPts val="0"/>
+              </a:spcBef>
+              <a:spcAft>
+                <a:spcPts val="0"/>
+              </a:spcAft>
+              <a:buClrTx/>
+              <a:buSzTx/>
+              <a:buFontTx/>
+              <a:buNone/>
+              <a:tabLst/>
+              <a:defRPr/>
+            </a:pPr>
+            <a:r>
+              <a:rPr lang="en-US" b="0" dirty="0"/>
+              <a:t>In function we have internal scope so it will behave same as before but just inside the function, if we will take a look at left side then message declaration will move to the top of function scope -&gt; then we will print message -&gt; assigning string to the message</a:t>
+            </a:r>
           </a:p>
         </p:txBody>
       </p:sp>
@@ -14654,7 +16164,7 @@
     </p:spTree>
     <p:extLst>
       <p:ext uri="{BB962C8B-B14F-4D97-AF65-F5344CB8AC3E}">
-        <p14:creationId xmlns:p14="http://schemas.microsoft.com/office/powerpoint/2010/main" val="3568349639"/>
+        <p14:creationId xmlns:p14="http://schemas.microsoft.com/office/powerpoint/2010/main" val="2282709534"/>
       </p:ext>
     </p:extLst>
   </p:cSld>
@@ -14725,6 +16235,1137 @@
               <a:tabLst/>
               <a:defRPr/>
             </a:pPr>
+            <a:r>
+              <a:rPr lang="en-US" b="0" dirty="0"/>
+              <a:t>JS unlike Java is a weak typing, which means we don’t need to declare the type of the variable,</a:t>
+            </a:r>
+          </a:p>
+          <a:p>
+            <a:pPr marL="0" marR="0" lvl="0" indent="0" algn="l" defTabSz="914400" rtl="0" eaLnBrk="1" fontAlgn="auto" latinLnBrk="0" hangingPunct="1">
+              <a:lnSpc>
+                <a:spcPct val="100000"/>
+              </a:lnSpc>
+              <a:spcBef>
+                <a:spcPts val="0"/>
+              </a:spcBef>
+              <a:spcAft>
+                <a:spcPts val="0"/>
+              </a:spcAft>
+              <a:buClrTx/>
+              <a:buSzTx/>
+              <a:buFontTx/>
+              <a:buNone/>
+              <a:tabLst/>
+              <a:defRPr/>
+            </a:pPr>
+            <a:r>
+              <a:rPr lang="en-US" b="0" dirty="0"/>
+              <a:t>In java for example we have string, </a:t>
+            </a:r>
+            <a:r>
+              <a:rPr lang="en-US" b="0" dirty="0" err="1"/>
+              <a:t>init</a:t>
+            </a:r>
+            <a:r>
+              <a:rPr lang="en-US" b="0" dirty="0"/>
+              <a:t>, double, etc.</a:t>
+            </a:r>
+          </a:p>
+          <a:p>
+            <a:pPr marL="0" marR="0" lvl="0" indent="0" algn="l" defTabSz="914400" rtl="0" eaLnBrk="1" fontAlgn="auto" latinLnBrk="0" hangingPunct="1">
+              <a:lnSpc>
+                <a:spcPct val="100000"/>
+              </a:lnSpc>
+              <a:spcBef>
+                <a:spcPts val="0"/>
+              </a:spcBef>
+              <a:spcAft>
+                <a:spcPts val="0"/>
+              </a:spcAft>
+              <a:buClrTx/>
+              <a:buSzTx/>
+              <a:buFontTx/>
+              <a:buNone/>
+              <a:tabLst/>
+              <a:defRPr/>
+            </a:pPr>
+            <a:r>
+              <a:rPr lang="en-US" b="0" dirty="0"/>
+              <a:t>In JS we have just </a:t>
+            </a:r>
+            <a:r>
+              <a:rPr lang="en-US" b="0" dirty="0" err="1"/>
+              <a:t>var</a:t>
+            </a:r>
+            <a:r>
+              <a:rPr lang="en-US" b="0" dirty="0"/>
+              <a:t>,</a:t>
+            </a:r>
+          </a:p>
+          <a:p>
+            <a:pPr marL="0" marR="0" lvl="0" indent="0" algn="l" defTabSz="914400" rtl="0" eaLnBrk="1" fontAlgn="auto" latinLnBrk="0" hangingPunct="1">
+              <a:lnSpc>
+                <a:spcPct val="100000"/>
+              </a:lnSpc>
+              <a:spcBef>
+                <a:spcPts val="0"/>
+              </a:spcBef>
+              <a:spcAft>
+                <a:spcPts val="0"/>
+              </a:spcAft>
+              <a:buClrTx/>
+              <a:buSzTx/>
+              <a:buFontTx/>
+              <a:buNone/>
+              <a:tabLst/>
+              <a:defRPr/>
+            </a:pPr>
+            <a:r>
+              <a:rPr lang="en-US" b="0" dirty="0"/>
+              <a:t>And this is was the case until ES6, over there was added 2 more </a:t>
+            </a:r>
+            <a:r>
+              <a:rPr lang="en-US" sz="1200" b="0" i="0" kern="1200" dirty="0">
+                <a:solidFill>
+                  <a:schemeClr val="tx1"/>
+                </a:solidFill>
+                <a:effectLst/>
+                <a:latin typeface="+mn-lt"/>
+                <a:ea typeface="+mn-ea"/>
+                <a:cs typeface="+mn-cs"/>
+              </a:rPr>
+              <a:t>keyword</a:t>
+            </a:r>
+            <a:r>
+              <a:rPr lang="en-US" b="0" dirty="0"/>
+              <a:t>, let &amp; const.</a:t>
+            </a:r>
+          </a:p>
+          <a:p>
+            <a:pPr marL="0" marR="0" lvl="0" indent="0" algn="l" defTabSz="914400" rtl="0" eaLnBrk="1" fontAlgn="auto" latinLnBrk="0" hangingPunct="1">
+              <a:lnSpc>
+                <a:spcPct val="100000"/>
+              </a:lnSpc>
+              <a:spcBef>
+                <a:spcPts val="0"/>
+              </a:spcBef>
+              <a:spcAft>
+                <a:spcPts val="0"/>
+              </a:spcAft>
+              <a:buClrTx/>
+              <a:buSzTx/>
+              <a:buFontTx/>
+              <a:buNone/>
+              <a:tabLst/>
+              <a:defRPr/>
+            </a:pPr>
+            <a:endParaRPr lang="en-US" b="0" dirty="0"/>
+          </a:p>
+          <a:p>
+            <a:pPr marL="0" marR="0" lvl="0" indent="0" algn="l" defTabSz="914400" rtl="0" eaLnBrk="1" fontAlgn="auto" latinLnBrk="0" hangingPunct="1">
+              <a:lnSpc>
+                <a:spcPct val="100000"/>
+              </a:lnSpc>
+              <a:spcBef>
+                <a:spcPts val="0"/>
+              </a:spcBef>
+              <a:spcAft>
+                <a:spcPts val="0"/>
+              </a:spcAft>
+              <a:buClrTx/>
+              <a:buSzTx/>
+              <a:buFontTx/>
+              <a:buNone/>
+              <a:tabLst/>
+              <a:defRPr/>
+            </a:pPr>
+            <a:r>
+              <a:rPr lang="en-US" b="0" dirty="0"/>
+              <a:t>So what is the different between them?</a:t>
+            </a:r>
+          </a:p>
+          <a:p>
+            <a:pPr marL="0" marR="0" lvl="0" indent="0" algn="l" defTabSz="914400" rtl="0" eaLnBrk="1" fontAlgn="auto" latinLnBrk="0" hangingPunct="1">
+              <a:lnSpc>
+                <a:spcPct val="100000"/>
+              </a:lnSpc>
+              <a:spcBef>
+                <a:spcPts val="0"/>
+              </a:spcBef>
+              <a:spcAft>
+                <a:spcPts val="0"/>
+              </a:spcAft>
+              <a:buClrTx/>
+              <a:buSzTx/>
+              <a:buFontTx/>
+              <a:buNone/>
+              <a:tabLst/>
+              <a:defRPr/>
+            </a:pPr>
+            <a:endParaRPr lang="en-US" b="0" dirty="0"/>
+          </a:p>
+          <a:p>
+            <a:pPr marL="0" marR="0" lvl="0" indent="0" algn="l" defTabSz="914400" rtl="0" eaLnBrk="1" fontAlgn="auto" latinLnBrk="0" hangingPunct="1">
+              <a:lnSpc>
+                <a:spcPct val="100000"/>
+              </a:lnSpc>
+              <a:spcBef>
+                <a:spcPts val="0"/>
+              </a:spcBef>
+              <a:spcAft>
+                <a:spcPts val="0"/>
+              </a:spcAft>
+              <a:buClrTx/>
+              <a:buSzTx/>
+              <a:buFontTx/>
+              <a:buNone/>
+              <a:tabLst/>
+              <a:defRPr/>
+            </a:pPr>
+            <a:r>
+              <a:rPr lang="en-US" b="0" dirty="0"/>
+              <a:t>So let recap, we have global scope &amp; we have function scope (local scope), when es6 was introduce we have also </a:t>
+            </a:r>
+            <a:r>
+              <a:rPr lang="en-US" sz="1200" b="0" i="0" kern="1200" dirty="0">
+                <a:solidFill>
+                  <a:schemeClr val="tx1"/>
+                </a:solidFill>
+                <a:effectLst/>
+                <a:latin typeface="+mn-lt"/>
+                <a:ea typeface="+mn-ea"/>
+                <a:cs typeface="+mn-cs"/>
+              </a:rPr>
+              <a:t>block scoped.</a:t>
+            </a:r>
+          </a:p>
+          <a:p>
+            <a:pPr marL="0" marR="0" lvl="0" indent="0" algn="l" defTabSz="914400" rtl="0" eaLnBrk="1" fontAlgn="auto" latinLnBrk="0" hangingPunct="1">
+              <a:lnSpc>
+                <a:spcPct val="100000"/>
+              </a:lnSpc>
+              <a:spcBef>
+                <a:spcPts val="0"/>
+              </a:spcBef>
+              <a:spcAft>
+                <a:spcPts val="0"/>
+              </a:spcAft>
+              <a:buClrTx/>
+              <a:buSzTx/>
+              <a:buFontTx/>
+              <a:buNone/>
+              <a:tabLst/>
+              <a:defRPr/>
+            </a:pPr>
+            <a:endParaRPr lang="en-US" b="0" dirty="0"/>
+          </a:p>
+          <a:p>
+            <a:pPr marL="0" marR="0" lvl="0" indent="0" algn="l" defTabSz="914400" rtl="0" eaLnBrk="1" fontAlgn="auto" latinLnBrk="0" hangingPunct="1">
+              <a:lnSpc>
+                <a:spcPct val="100000"/>
+              </a:lnSpc>
+              <a:spcBef>
+                <a:spcPts val="0"/>
+              </a:spcBef>
+              <a:spcAft>
+                <a:spcPts val="0"/>
+              </a:spcAft>
+              <a:buClrTx/>
+              <a:buSzTx/>
+              <a:buFontTx/>
+              <a:buNone/>
+              <a:tabLst/>
+              <a:defRPr/>
+            </a:pPr>
+            <a:r>
+              <a:rPr lang="en-US" b="0" dirty="0"/>
+              <a:t>Let:</a:t>
+            </a:r>
+          </a:p>
+          <a:p>
+            <a:pPr marL="0" marR="0" lvl="0" indent="0" algn="l" defTabSz="914400" rtl="0" eaLnBrk="1" fontAlgn="auto" latinLnBrk="0" hangingPunct="1">
+              <a:lnSpc>
+                <a:spcPct val="100000"/>
+              </a:lnSpc>
+              <a:spcBef>
+                <a:spcPts val="0"/>
+              </a:spcBef>
+              <a:spcAft>
+                <a:spcPts val="0"/>
+              </a:spcAft>
+              <a:buClrTx/>
+              <a:buSzTx/>
+              <a:buFontTx/>
+              <a:buNone/>
+              <a:tabLst/>
+              <a:defRPr/>
+            </a:pPr>
+            <a:r>
+              <a:rPr lang="en-US" sz="1200" b="0" i="0" kern="1200" dirty="0">
+                <a:solidFill>
+                  <a:schemeClr val="tx1"/>
+                </a:solidFill>
+                <a:effectLst/>
+                <a:latin typeface="+mn-lt"/>
+                <a:ea typeface="+mn-ea"/>
+                <a:cs typeface="+mn-cs"/>
+              </a:rPr>
+              <a:t>Unlike variables declared with </a:t>
+            </a:r>
+            <a:r>
+              <a:rPr lang="en-US" dirty="0" err="1"/>
+              <a:t>var</a:t>
+            </a:r>
+            <a:r>
+              <a:rPr lang="en-US" sz="1200" b="0" i="0" kern="1200" dirty="0">
+                <a:solidFill>
+                  <a:schemeClr val="tx1"/>
+                </a:solidFill>
+                <a:effectLst/>
+                <a:latin typeface="+mn-lt"/>
+                <a:ea typeface="+mn-ea"/>
+                <a:cs typeface="+mn-cs"/>
+              </a:rPr>
+              <a:t> that are function-scoped, variables declared with </a:t>
+            </a:r>
+            <a:r>
+              <a:rPr lang="en-US" dirty="0"/>
+              <a:t>let</a:t>
+            </a:r>
+            <a:r>
+              <a:rPr lang="en-US" sz="1200" b="0" i="0" kern="1200" dirty="0">
+                <a:solidFill>
+                  <a:schemeClr val="tx1"/>
+                </a:solidFill>
+                <a:effectLst/>
+                <a:latin typeface="+mn-lt"/>
+                <a:ea typeface="+mn-ea"/>
+                <a:cs typeface="+mn-cs"/>
+              </a:rPr>
+              <a:t> are block-scoped: they only exist in the block they are defined in.</a:t>
+            </a:r>
+          </a:p>
+          <a:p>
+            <a:pPr marL="171450" marR="0" lvl="0" indent="-171450" algn="l" defTabSz="914400" rtl="0" eaLnBrk="1" fontAlgn="auto" latinLnBrk="0" hangingPunct="1">
+              <a:lnSpc>
+                <a:spcPct val="100000"/>
+              </a:lnSpc>
+              <a:spcBef>
+                <a:spcPts val="0"/>
+              </a:spcBef>
+              <a:spcAft>
+                <a:spcPts val="0"/>
+              </a:spcAft>
+              <a:buClrTx/>
+              <a:buSzTx/>
+              <a:buFont typeface="Arial" panose="020B0604020202020204" pitchFamily="34" charset="0"/>
+              <a:buChar char="•"/>
+              <a:tabLst/>
+              <a:defRPr/>
+            </a:pPr>
+            <a:r>
+              <a:rPr lang="en-US" sz="1200" b="0" i="0" kern="1200" dirty="0">
+                <a:solidFill>
+                  <a:schemeClr val="tx1"/>
+                </a:solidFill>
+                <a:effectLst/>
+                <a:latin typeface="+mn-lt"/>
+                <a:ea typeface="+mn-ea"/>
+                <a:cs typeface="+mn-cs"/>
+              </a:rPr>
+              <a:t>Declares a local variable in block scope</a:t>
+            </a:r>
+          </a:p>
+          <a:p>
+            <a:pPr marL="171450" marR="0" lvl="0" indent="-171450" algn="l" defTabSz="914400" rtl="0" eaLnBrk="1" fontAlgn="auto" latinLnBrk="0" hangingPunct="1">
+              <a:lnSpc>
+                <a:spcPct val="100000"/>
+              </a:lnSpc>
+              <a:spcBef>
+                <a:spcPts val="0"/>
+              </a:spcBef>
+              <a:spcAft>
+                <a:spcPts val="0"/>
+              </a:spcAft>
+              <a:buClrTx/>
+              <a:buSzTx/>
+              <a:buFont typeface="Arial" panose="020B0604020202020204" pitchFamily="34" charset="0"/>
+              <a:buChar char="•"/>
+              <a:tabLst/>
+              <a:defRPr/>
+            </a:pPr>
+            <a:r>
+              <a:rPr lang="en-US" sz="1200" b="0" i="0" kern="1200" dirty="0">
+                <a:solidFill>
+                  <a:schemeClr val="tx1"/>
+                </a:solidFill>
+                <a:effectLst/>
+                <a:latin typeface="+mn-lt"/>
+                <a:ea typeface="+mn-ea"/>
+                <a:cs typeface="+mn-cs"/>
+              </a:rPr>
+              <a:t>Can declared only once, but value can be changes </a:t>
+            </a:r>
+          </a:p>
+          <a:p>
+            <a:pPr marL="171450" marR="0" lvl="0" indent="-171450" algn="l" defTabSz="914400" rtl="0" eaLnBrk="1" fontAlgn="auto" latinLnBrk="0" hangingPunct="1">
+              <a:lnSpc>
+                <a:spcPct val="100000"/>
+              </a:lnSpc>
+              <a:spcBef>
+                <a:spcPts val="0"/>
+              </a:spcBef>
+              <a:spcAft>
+                <a:spcPts val="0"/>
+              </a:spcAft>
+              <a:buClrTx/>
+              <a:buSzTx/>
+              <a:buFont typeface="Arial" panose="020B0604020202020204" pitchFamily="34" charset="0"/>
+              <a:buChar char="•"/>
+              <a:tabLst/>
+              <a:defRPr/>
+            </a:pPr>
+            <a:r>
+              <a:rPr lang="en-US" sz="1200" b="0" i="0" kern="1200" dirty="0">
+                <a:solidFill>
+                  <a:schemeClr val="tx1"/>
+                </a:solidFill>
+                <a:effectLst/>
+                <a:latin typeface="+mn-lt"/>
+                <a:ea typeface="+mn-ea"/>
+                <a:cs typeface="+mn-cs"/>
+              </a:rPr>
+              <a:t>It’s not hoisted</a:t>
+            </a:r>
+          </a:p>
+          <a:p>
+            <a:pPr marL="171450" marR="0" lvl="0" indent="-171450" algn="l" defTabSz="914400" rtl="0" eaLnBrk="1" fontAlgn="auto" latinLnBrk="0" hangingPunct="1">
+              <a:lnSpc>
+                <a:spcPct val="100000"/>
+              </a:lnSpc>
+              <a:spcBef>
+                <a:spcPts val="0"/>
+              </a:spcBef>
+              <a:spcAft>
+                <a:spcPts val="0"/>
+              </a:spcAft>
+              <a:buClrTx/>
+              <a:buSzTx/>
+              <a:buFont typeface="Arial" panose="020B0604020202020204" pitchFamily="34" charset="0"/>
+              <a:buChar char="•"/>
+              <a:tabLst/>
+              <a:defRPr/>
+            </a:pPr>
+            <a:endParaRPr lang="en-US" sz="1200" b="0" i="0" kern="1200" dirty="0">
+              <a:solidFill>
+                <a:schemeClr val="tx1"/>
+              </a:solidFill>
+              <a:effectLst/>
+              <a:latin typeface="+mn-lt"/>
+              <a:ea typeface="+mn-ea"/>
+              <a:cs typeface="+mn-cs"/>
+            </a:endParaRPr>
+          </a:p>
+          <a:p>
+            <a:pPr marL="0" marR="0" lvl="0" indent="0" algn="l" defTabSz="914400" rtl="0" eaLnBrk="1" fontAlgn="auto" latinLnBrk="0" hangingPunct="1">
+              <a:lnSpc>
+                <a:spcPct val="100000"/>
+              </a:lnSpc>
+              <a:spcBef>
+                <a:spcPts val="0"/>
+              </a:spcBef>
+              <a:spcAft>
+                <a:spcPts val="0"/>
+              </a:spcAft>
+              <a:buClrTx/>
+              <a:buSzTx/>
+              <a:buFont typeface="Arial" panose="020B0604020202020204" pitchFamily="34" charset="0"/>
+              <a:buNone/>
+              <a:tabLst/>
+              <a:defRPr/>
+            </a:pPr>
+            <a:r>
+              <a:rPr lang="en-US" sz="1200" b="0" i="0" kern="1200" dirty="0" err="1">
+                <a:solidFill>
+                  <a:schemeClr val="tx1"/>
+                </a:solidFill>
+                <a:effectLst/>
+                <a:latin typeface="+mn-lt"/>
+                <a:ea typeface="+mn-ea"/>
+                <a:cs typeface="+mn-cs"/>
+              </a:rPr>
+              <a:t>Const</a:t>
+            </a:r>
+            <a:r>
+              <a:rPr lang="en-US" sz="1200" b="0" i="0" kern="1200" dirty="0">
+                <a:solidFill>
+                  <a:schemeClr val="tx1"/>
+                </a:solidFill>
+                <a:effectLst/>
+                <a:latin typeface="+mn-lt"/>
+                <a:ea typeface="+mn-ea"/>
+                <a:cs typeface="+mn-cs"/>
+              </a:rPr>
+              <a:t>:</a:t>
+            </a:r>
+          </a:p>
+          <a:p>
+            <a:pPr marL="0" marR="0" lvl="0" indent="0" algn="l" defTabSz="914400" rtl="0" eaLnBrk="1" fontAlgn="auto" latinLnBrk="0" hangingPunct="1">
+              <a:lnSpc>
+                <a:spcPct val="100000"/>
+              </a:lnSpc>
+              <a:spcBef>
+                <a:spcPts val="0"/>
+              </a:spcBef>
+              <a:spcAft>
+                <a:spcPts val="0"/>
+              </a:spcAft>
+              <a:buClrTx/>
+              <a:buSzTx/>
+              <a:buFont typeface="Arial" panose="020B0604020202020204" pitchFamily="34" charset="0"/>
+              <a:buNone/>
+              <a:tabLst/>
+              <a:defRPr/>
+            </a:pPr>
+            <a:r>
+              <a:rPr lang="en-US" sz="1200" b="0" i="0" kern="1200" dirty="0" err="1">
+                <a:solidFill>
+                  <a:schemeClr val="tx1"/>
+                </a:solidFill>
+                <a:effectLst/>
+                <a:latin typeface="+mn-lt"/>
+                <a:ea typeface="+mn-ea"/>
+                <a:cs typeface="+mn-cs"/>
+              </a:rPr>
+              <a:t>Const</a:t>
+            </a:r>
+            <a:r>
+              <a:rPr lang="en-US" sz="1200" b="0" i="0" kern="1200" dirty="0">
+                <a:solidFill>
+                  <a:schemeClr val="tx1"/>
+                </a:solidFill>
+                <a:effectLst/>
+                <a:latin typeface="+mn-lt"/>
+                <a:ea typeface="+mn-ea"/>
+                <a:cs typeface="+mn-cs"/>
+              </a:rPr>
+              <a:t> behaves in a very similar way to let, however, one key difference. Once variable declared using </a:t>
+            </a:r>
+            <a:r>
+              <a:rPr lang="en-US" sz="1200" b="0" i="0" kern="1200" dirty="0" err="1">
+                <a:solidFill>
+                  <a:schemeClr val="tx1"/>
+                </a:solidFill>
+                <a:effectLst/>
+                <a:latin typeface="+mn-lt"/>
+                <a:ea typeface="+mn-ea"/>
+                <a:cs typeface="+mn-cs"/>
+              </a:rPr>
+              <a:t>const</a:t>
+            </a:r>
+            <a:r>
+              <a:rPr lang="en-US" sz="1200" b="0" i="0" kern="1200" dirty="0">
+                <a:solidFill>
+                  <a:schemeClr val="tx1"/>
+                </a:solidFill>
+                <a:effectLst/>
+                <a:latin typeface="+mn-lt"/>
+                <a:ea typeface="+mn-ea"/>
+                <a:cs typeface="+mn-cs"/>
+              </a:rPr>
+              <a:t> keyword is assigned a value, you cannot reassign it.  You also need to initialize the variable immediately when declaring it.</a:t>
+            </a:r>
+          </a:p>
+          <a:p>
+            <a:pPr marL="171450" marR="0" lvl="0" indent="-171450" algn="l" defTabSz="914400" rtl="0" eaLnBrk="1" fontAlgn="auto" latinLnBrk="0" hangingPunct="1">
+              <a:lnSpc>
+                <a:spcPct val="100000"/>
+              </a:lnSpc>
+              <a:spcBef>
+                <a:spcPts val="0"/>
+              </a:spcBef>
+              <a:spcAft>
+                <a:spcPts val="0"/>
+              </a:spcAft>
+              <a:buClrTx/>
+              <a:buSzTx/>
+              <a:buFont typeface="Arial" panose="020B0604020202020204" pitchFamily="34" charset="0"/>
+              <a:buChar char="•"/>
+              <a:tabLst/>
+              <a:defRPr/>
+            </a:pPr>
+            <a:r>
+              <a:rPr lang="en-US" sz="1200" b="0" i="0" kern="1200" dirty="0">
+                <a:solidFill>
+                  <a:schemeClr val="tx1"/>
+                </a:solidFill>
+                <a:effectLst/>
+                <a:latin typeface="+mn-lt"/>
+                <a:ea typeface="+mn-ea"/>
+                <a:cs typeface="+mn-cs"/>
+              </a:rPr>
+              <a:t>Declares a local variable in block scope</a:t>
+            </a:r>
+          </a:p>
+          <a:p>
+            <a:pPr marL="171450" marR="0" lvl="0" indent="-171450" algn="l" defTabSz="914400" rtl="0" eaLnBrk="1" fontAlgn="auto" latinLnBrk="0" hangingPunct="1">
+              <a:lnSpc>
+                <a:spcPct val="100000"/>
+              </a:lnSpc>
+              <a:spcBef>
+                <a:spcPts val="0"/>
+              </a:spcBef>
+              <a:spcAft>
+                <a:spcPts val="0"/>
+              </a:spcAft>
+              <a:buClrTx/>
+              <a:buSzTx/>
+              <a:buFont typeface="Arial" panose="020B0604020202020204" pitchFamily="34" charset="0"/>
+              <a:buChar char="•"/>
+              <a:tabLst/>
+              <a:defRPr/>
+            </a:pPr>
+            <a:r>
+              <a:rPr lang="en-US" sz="1200" b="0" i="0" kern="1200" dirty="0">
+                <a:solidFill>
+                  <a:schemeClr val="tx1"/>
+                </a:solidFill>
+                <a:effectLst/>
+                <a:latin typeface="+mn-lt"/>
+                <a:ea typeface="+mn-ea"/>
+                <a:cs typeface="+mn-cs"/>
+              </a:rPr>
+              <a:t>Can declared only once &amp; value must be assigned</a:t>
+            </a:r>
+          </a:p>
+          <a:p>
+            <a:pPr marL="171450" marR="0" lvl="0" indent="-171450" algn="l" defTabSz="914400" rtl="0" eaLnBrk="1" fontAlgn="auto" latinLnBrk="0" hangingPunct="1">
+              <a:lnSpc>
+                <a:spcPct val="100000"/>
+              </a:lnSpc>
+              <a:spcBef>
+                <a:spcPts val="0"/>
+              </a:spcBef>
+              <a:spcAft>
+                <a:spcPts val="0"/>
+              </a:spcAft>
+              <a:buClrTx/>
+              <a:buSzTx/>
+              <a:buFont typeface="Arial" panose="020B0604020202020204" pitchFamily="34" charset="0"/>
+              <a:buChar char="•"/>
+              <a:tabLst/>
+              <a:defRPr/>
+            </a:pPr>
+            <a:r>
+              <a:rPr lang="en-US" sz="1200" b="0" i="0" kern="1200" dirty="0">
+                <a:solidFill>
+                  <a:schemeClr val="tx1"/>
+                </a:solidFill>
+                <a:effectLst/>
+                <a:latin typeface="+mn-lt"/>
+                <a:ea typeface="+mn-ea"/>
+                <a:cs typeface="+mn-cs"/>
+              </a:rPr>
+              <a:t>It’s not hoisted</a:t>
+            </a:r>
+          </a:p>
+          <a:p>
+            <a:pPr marL="171450" marR="0" lvl="0" indent="-171450" algn="l" defTabSz="914400" rtl="0" eaLnBrk="1" fontAlgn="auto" latinLnBrk="0" hangingPunct="1">
+              <a:lnSpc>
+                <a:spcPct val="100000"/>
+              </a:lnSpc>
+              <a:spcBef>
+                <a:spcPts val="0"/>
+              </a:spcBef>
+              <a:spcAft>
+                <a:spcPts val="0"/>
+              </a:spcAft>
+              <a:buClrTx/>
+              <a:buSzTx/>
+              <a:buFont typeface="Arial" panose="020B0604020202020204" pitchFamily="34" charset="0"/>
+              <a:buChar char="•"/>
+              <a:tabLst/>
+              <a:defRPr/>
+            </a:pPr>
+            <a:r>
+              <a:rPr lang="en-US" sz="1200" b="0" i="0" kern="1200" dirty="0">
+                <a:solidFill>
+                  <a:schemeClr val="tx1"/>
+                </a:solidFill>
+                <a:effectLst/>
+                <a:latin typeface="+mn-lt"/>
+                <a:ea typeface="+mn-ea"/>
+                <a:cs typeface="+mn-cs"/>
+              </a:rPr>
+              <a:t>It’s only reference locked but you can change nested object values</a:t>
+            </a:r>
+          </a:p>
+          <a:p>
+            <a:pPr marL="0" marR="0" lvl="0" indent="0" algn="l" defTabSz="914400" rtl="0" eaLnBrk="1" fontAlgn="auto" latinLnBrk="0" hangingPunct="1">
+              <a:lnSpc>
+                <a:spcPct val="100000"/>
+              </a:lnSpc>
+              <a:spcBef>
+                <a:spcPts val="0"/>
+              </a:spcBef>
+              <a:spcAft>
+                <a:spcPts val="0"/>
+              </a:spcAft>
+              <a:buClrTx/>
+              <a:buSzTx/>
+              <a:buFontTx/>
+              <a:buNone/>
+              <a:tabLst/>
+              <a:defRPr/>
+            </a:pPr>
+            <a:endParaRPr lang="en-US" sz="1200" b="0" i="0" kern="1200" dirty="0">
+              <a:solidFill>
+                <a:schemeClr val="tx1"/>
+              </a:solidFill>
+              <a:effectLst/>
+              <a:latin typeface="+mn-lt"/>
+              <a:ea typeface="+mn-ea"/>
+              <a:cs typeface="+mn-cs"/>
+            </a:endParaRPr>
+          </a:p>
+          <a:p>
+            <a:pPr marL="0" marR="0" lvl="0" indent="0" algn="l" defTabSz="914400" rtl="0" eaLnBrk="1" fontAlgn="auto" latinLnBrk="0" hangingPunct="1">
+              <a:lnSpc>
+                <a:spcPct val="100000"/>
+              </a:lnSpc>
+              <a:spcBef>
+                <a:spcPts val="0"/>
+              </a:spcBef>
+              <a:spcAft>
+                <a:spcPts val="0"/>
+              </a:spcAft>
+              <a:buClrTx/>
+              <a:buSzTx/>
+              <a:buFontTx/>
+              <a:buNone/>
+              <a:tabLst/>
+              <a:defRPr/>
+            </a:pPr>
+            <a:r>
+              <a:rPr lang="en-US" sz="1200" b="0" i="0" kern="1200" dirty="0">
+                <a:solidFill>
+                  <a:schemeClr val="tx1"/>
+                </a:solidFill>
+                <a:effectLst/>
+                <a:latin typeface="+mn-lt"/>
+                <a:ea typeface="+mn-ea"/>
+                <a:cs typeface="+mn-cs"/>
+              </a:rPr>
+              <a:t>To make a real </a:t>
+            </a:r>
+            <a:r>
+              <a:rPr lang="en-US" sz="1200" b="0" i="0" kern="1200" dirty="0" err="1">
+                <a:solidFill>
+                  <a:schemeClr val="tx1"/>
+                </a:solidFill>
+                <a:effectLst/>
+                <a:latin typeface="+mn-lt"/>
+                <a:ea typeface="+mn-ea"/>
+                <a:cs typeface="+mn-cs"/>
+              </a:rPr>
+              <a:t>const</a:t>
+            </a:r>
+            <a:r>
+              <a:rPr lang="en-US" sz="1200" b="0" i="0" kern="1200" dirty="0">
+                <a:solidFill>
+                  <a:schemeClr val="tx1"/>
+                </a:solidFill>
+                <a:effectLst/>
+                <a:latin typeface="+mn-lt"/>
+                <a:ea typeface="+mn-ea"/>
+                <a:cs typeface="+mn-cs"/>
+              </a:rPr>
+              <a:t> object just use </a:t>
+            </a:r>
+            <a:r>
+              <a:rPr lang="en-US" sz="1200" b="0" i="0" kern="1200" dirty="0" err="1">
+                <a:solidFill>
+                  <a:schemeClr val="tx1"/>
+                </a:solidFill>
+                <a:effectLst/>
+                <a:latin typeface="+mn-lt"/>
+                <a:ea typeface="+mn-ea"/>
+                <a:cs typeface="+mn-cs"/>
+              </a:rPr>
+              <a:t>Object.freeze</a:t>
+            </a:r>
+            <a:r>
+              <a:rPr lang="en-US" sz="1200" b="0" i="0" kern="1200" dirty="0">
+                <a:solidFill>
+                  <a:schemeClr val="tx1"/>
+                </a:solidFill>
+                <a:effectLst/>
+                <a:latin typeface="+mn-lt"/>
+                <a:ea typeface="+mn-ea"/>
+                <a:cs typeface="+mn-cs"/>
+              </a:rPr>
+              <a:t> method.</a:t>
+            </a:r>
+          </a:p>
+          <a:p>
+            <a:pPr marL="0" marR="0" lvl="0" indent="0" algn="l" defTabSz="914400" rtl="0" eaLnBrk="1" fontAlgn="auto" latinLnBrk="0" hangingPunct="1">
+              <a:lnSpc>
+                <a:spcPct val="100000"/>
+              </a:lnSpc>
+              <a:spcBef>
+                <a:spcPts val="0"/>
+              </a:spcBef>
+              <a:spcAft>
+                <a:spcPts val="0"/>
+              </a:spcAft>
+              <a:buClrTx/>
+              <a:buSzTx/>
+              <a:buFontTx/>
+              <a:buNone/>
+              <a:tabLst/>
+              <a:defRPr/>
+            </a:pPr>
+            <a:r>
+              <a:rPr lang="en-US" sz="1200" b="0" i="0" kern="1200" dirty="0">
+                <a:solidFill>
+                  <a:schemeClr val="tx1"/>
+                </a:solidFill>
+                <a:effectLst/>
+                <a:latin typeface="+mn-lt"/>
+                <a:ea typeface="+mn-ea"/>
+                <a:cs typeface="+mn-cs"/>
+              </a:rPr>
+              <a:t>The </a:t>
+            </a:r>
+            <a:r>
+              <a:rPr lang="en-US" b="1" dirty="0" err="1">
+                <a:effectLst/>
+              </a:rPr>
+              <a:t>Object.freeze</a:t>
+            </a:r>
+            <a:r>
+              <a:rPr lang="en-US" b="1" dirty="0">
+                <a:effectLst/>
+              </a:rPr>
+              <a:t>()</a:t>
+            </a:r>
+            <a:r>
+              <a:rPr lang="en-US" sz="1200" b="0" i="0" kern="1200" dirty="0">
+                <a:solidFill>
+                  <a:schemeClr val="tx1"/>
+                </a:solidFill>
+                <a:effectLst/>
+                <a:latin typeface="+mn-lt"/>
+                <a:ea typeface="+mn-ea"/>
+                <a:cs typeface="+mn-cs"/>
+              </a:rPr>
+              <a:t> method </a:t>
+            </a:r>
+            <a:r>
+              <a:rPr lang="en-US" sz="1200" b="1" i="0" kern="1200" dirty="0">
+                <a:solidFill>
+                  <a:schemeClr val="tx1"/>
+                </a:solidFill>
+                <a:effectLst/>
+                <a:latin typeface="+mn-lt"/>
+                <a:ea typeface="+mn-ea"/>
+                <a:cs typeface="+mn-cs"/>
+              </a:rPr>
+              <a:t>freezes</a:t>
+            </a:r>
+            <a:r>
+              <a:rPr lang="en-US" sz="1200" b="0" i="0" kern="1200" dirty="0">
+                <a:solidFill>
+                  <a:schemeClr val="tx1"/>
+                </a:solidFill>
+                <a:effectLst/>
+                <a:latin typeface="+mn-lt"/>
+                <a:ea typeface="+mn-ea"/>
+                <a:cs typeface="+mn-cs"/>
+              </a:rPr>
+              <a:t> an object. A frozen object can no longer be changed; freezing an object prevents new properties from being added to it, existing properties from being removed, prevents changing the enumerability, configurability, or writability of existing properties, and prevents the values of existing properties from being changed. In addition, freezing an object also prevents its prototype from being changed. </a:t>
+            </a:r>
+            <a:r>
+              <a:rPr lang="en-US" dirty="0"/>
+              <a:t>freeze()</a:t>
+            </a:r>
+            <a:r>
+              <a:rPr lang="en-US" sz="1200" b="0" i="0" kern="1200" dirty="0">
+                <a:solidFill>
+                  <a:schemeClr val="tx1"/>
+                </a:solidFill>
+                <a:effectLst/>
+                <a:latin typeface="+mn-lt"/>
+                <a:ea typeface="+mn-ea"/>
+                <a:cs typeface="+mn-cs"/>
+              </a:rPr>
+              <a:t> returns the same object that was passed in.</a:t>
+            </a:r>
+          </a:p>
+          <a:p>
+            <a:pPr marL="0" marR="0" lvl="0" indent="0" algn="l" defTabSz="914400" rtl="0" eaLnBrk="1" fontAlgn="auto" latinLnBrk="0" hangingPunct="1">
+              <a:lnSpc>
+                <a:spcPct val="100000"/>
+              </a:lnSpc>
+              <a:spcBef>
+                <a:spcPts val="0"/>
+              </a:spcBef>
+              <a:spcAft>
+                <a:spcPts val="0"/>
+              </a:spcAft>
+              <a:buClrTx/>
+              <a:buSzTx/>
+              <a:buFontTx/>
+              <a:buNone/>
+              <a:tabLst/>
+              <a:defRPr/>
+            </a:pPr>
+            <a:endParaRPr lang="en-US" b="0" dirty="0"/>
+          </a:p>
+          <a:p>
+            <a:pPr marL="0" marR="0" lvl="0" indent="0" algn="l" defTabSz="914400" rtl="0" eaLnBrk="1" fontAlgn="auto" latinLnBrk="0" hangingPunct="1">
+              <a:lnSpc>
+                <a:spcPct val="100000"/>
+              </a:lnSpc>
+              <a:spcBef>
+                <a:spcPts val="0"/>
+              </a:spcBef>
+              <a:spcAft>
+                <a:spcPts val="0"/>
+              </a:spcAft>
+              <a:buClrTx/>
+              <a:buSzTx/>
+              <a:buFontTx/>
+              <a:buNone/>
+              <a:tabLst/>
+              <a:defRPr/>
+            </a:pPr>
+            <a:endParaRPr lang="en-US" b="0" dirty="0"/>
+          </a:p>
+          <a:p>
+            <a:pPr marL="0" marR="0" lvl="0" indent="0" algn="l" defTabSz="914400" rtl="0" eaLnBrk="1" fontAlgn="auto" latinLnBrk="0" hangingPunct="1">
+              <a:lnSpc>
+                <a:spcPct val="100000"/>
+              </a:lnSpc>
+              <a:spcBef>
+                <a:spcPts val="0"/>
+              </a:spcBef>
+              <a:spcAft>
+                <a:spcPts val="0"/>
+              </a:spcAft>
+              <a:buClrTx/>
+              <a:buSzTx/>
+              <a:buFontTx/>
+              <a:buNone/>
+              <a:tabLst/>
+              <a:defRPr/>
+            </a:pPr>
+            <a:r>
+              <a:rPr lang="en-US" b="0" dirty="0"/>
+              <a:t>As best practice, DON’T use </a:t>
+            </a:r>
+            <a:r>
+              <a:rPr lang="en-US" b="0" dirty="0" err="1"/>
+              <a:t>var</a:t>
+            </a:r>
+            <a:r>
+              <a:rPr lang="en-US" b="0" dirty="0"/>
+              <a:t>, only let &amp; const.</a:t>
+            </a:r>
+          </a:p>
+          <a:p>
+            <a:pPr marL="0" marR="0" lvl="0" indent="0" algn="l" defTabSz="914400" rtl="0" eaLnBrk="1" fontAlgn="auto" latinLnBrk="0" hangingPunct="1">
+              <a:lnSpc>
+                <a:spcPct val="100000"/>
+              </a:lnSpc>
+              <a:spcBef>
+                <a:spcPts val="0"/>
+              </a:spcBef>
+              <a:spcAft>
+                <a:spcPts val="0"/>
+              </a:spcAft>
+              <a:buClrTx/>
+              <a:buSzTx/>
+              <a:buFontTx/>
+              <a:buNone/>
+              <a:tabLst/>
+              <a:defRPr/>
+            </a:pPr>
+            <a:endParaRPr lang="en-US" b="0" dirty="0"/>
+          </a:p>
+          <a:p>
+            <a:pPr marL="0" marR="0" lvl="0" indent="0" algn="l" defTabSz="914400" rtl="0" eaLnBrk="1" fontAlgn="auto" latinLnBrk="0" hangingPunct="1">
+              <a:lnSpc>
+                <a:spcPct val="100000"/>
+              </a:lnSpc>
+              <a:spcBef>
+                <a:spcPts val="0"/>
+              </a:spcBef>
+              <a:spcAft>
+                <a:spcPts val="0"/>
+              </a:spcAft>
+              <a:buClrTx/>
+              <a:buSzTx/>
+              <a:buFontTx/>
+              <a:buNone/>
+              <a:tabLst/>
+              <a:defRPr/>
+            </a:pPr>
+            <a:endParaRPr lang="en-US" b="0" dirty="0"/>
+          </a:p>
+          <a:p>
+            <a:pPr marL="0" marR="0" lvl="0" indent="0" algn="l" defTabSz="914400" rtl="0" eaLnBrk="1" fontAlgn="auto" latinLnBrk="0" hangingPunct="1">
+              <a:lnSpc>
+                <a:spcPct val="100000"/>
+              </a:lnSpc>
+              <a:spcBef>
+                <a:spcPts val="0"/>
+              </a:spcBef>
+              <a:spcAft>
+                <a:spcPts val="0"/>
+              </a:spcAft>
+              <a:buClrTx/>
+              <a:buSzTx/>
+              <a:buFontTx/>
+              <a:buNone/>
+              <a:tabLst/>
+              <a:defRPr/>
+            </a:pPr>
+            <a:endParaRPr lang="en-US" b="0" dirty="0"/>
+          </a:p>
+          <a:p>
+            <a:pPr marL="171450" marR="0" lvl="0" indent="-171450" algn="l" defTabSz="914400" rtl="0" eaLnBrk="1" fontAlgn="auto" latinLnBrk="0" hangingPunct="1">
+              <a:lnSpc>
+                <a:spcPct val="100000"/>
+              </a:lnSpc>
+              <a:spcBef>
+                <a:spcPts val="0"/>
+              </a:spcBef>
+              <a:spcAft>
+                <a:spcPts val="0"/>
+              </a:spcAft>
+              <a:buClrTx/>
+              <a:buSzTx/>
+              <a:buFontTx/>
+              <a:buChar char="-"/>
+              <a:tabLst/>
+              <a:defRPr/>
+            </a:pPr>
+            <a:r>
+              <a:rPr lang="en-US" b="0" dirty="0"/>
+              <a:t>https://www.w3schools.com/js/js_let.asp</a:t>
+            </a:r>
+          </a:p>
+          <a:p>
+            <a:pPr marL="171450" marR="0" lvl="0" indent="-171450" algn="l" defTabSz="914400" rtl="0" eaLnBrk="1" fontAlgn="auto" latinLnBrk="0" hangingPunct="1">
+              <a:lnSpc>
+                <a:spcPct val="100000"/>
+              </a:lnSpc>
+              <a:spcBef>
+                <a:spcPts val="0"/>
+              </a:spcBef>
+              <a:spcAft>
+                <a:spcPts val="0"/>
+              </a:spcAft>
+              <a:buClrTx/>
+              <a:buSzTx/>
+              <a:buFontTx/>
+              <a:buChar char="-"/>
+              <a:tabLst/>
+              <a:defRPr/>
+            </a:pPr>
+            <a:r>
+              <a:rPr lang="en-US" b="0" dirty="0"/>
+              <a:t>http://ccoenraets.github.io/es6-tutorial/let/</a:t>
+            </a:r>
+          </a:p>
+          <a:p>
+            <a:pPr marL="171450" marR="0" lvl="0" indent="-171450" algn="l" defTabSz="914400" rtl="0" eaLnBrk="1" fontAlgn="auto" latinLnBrk="0" hangingPunct="1">
+              <a:lnSpc>
+                <a:spcPct val="100000"/>
+              </a:lnSpc>
+              <a:spcBef>
+                <a:spcPts val="0"/>
+              </a:spcBef>
+              <a:spcAft>
+                <a:spcPts val="0"/>
+              </a:spcAft>
+              <a:buClrTx/>
+              <a:buSzTx/>
+              <a:buFontTx/>
+              <a:buChar char="-"/>
+              <a:tabLst/>
+              <a:defRPr/>
+            </a:pPr>
+            <a:r>
+              <a:rPr lang="en-US" b="0" dirty="0"/>
+              <a:t>https://scotch.io/tutorials/understanding-hoisting-in-javascript</a:t>
+            </a:r>
+          </a:p>
+          <a:p>
+            <a:pPr marL="171450" marR="0" lvl="0" indent="-171450" algn="l" defTabSz="914400" rtl="0" eaLnBrk="1" fontAlgn="auto" latinLnBrk="0" hangingPunct="1">
+              <a:lnSpc>
+                <a:spcPct val="100000"/>
+              </a:lnSpc>
+              <a:spcBef>
+                <a:spcPts val="0"/>
+              </a:spcBef>
+              <a:spcAft>
+                <a:spcPts val="0"/>
+              </a:spcAft>
+              <a:buClrTx/>
+              <a:buSzTx/>
+              <a:buFontTx/>
+              <a:buChar char="-"/>
+              <a:tabLst/>
+              <a:defRPr/>
+            </a:pPr>
+            <a:r>
+              <a:rPr lang="en-US" b="0" dirty="0"/>
+              <a:t>https://www.geekboots.com/story/let-vs-const-vs-var-in-javascript</a:t>
+            </a:r>
+          </a:p>
+          <a:p>
+            <a:pPr marL="171450" marR="0" lvl="0" indent="-171450" algn="l" defTabSz="914400" rtl="0" eaLnBrk="1" fontAlgn="auto" latinLnBrk="0" hangingPunct="1">
+              <a:lnSpc>
+                <a:spcPct val="100000"/>
+              </a:lnSpc>
+              <a:spcBef>
+                <a:spcPts val="0"/>
+              </a:spcBef>
+              <a:spcAft>
+                <a:spcPts val="0"/>
+              </a:spcAft>
+              <a:buClrTx/>
+              <a:buSzTx/>
+              <a:buFontTx/>
+              <a:buChar char="-"/>
+              <a:tabLst/>
+              <a:defRPr/>
+            </a:pPr>
+            <a:r>
+              <a:rPr lang="en-US" b="0" dirty="0"/>
+              <a:t>https://developer.mozilla.org/en-US/docs/Web/JavaScript/Reference/Global_Objects/Object/freeze</a:t>
+            </a:r>
+          </a:p>
+          <a:p>
+            <a:pPr marL="171450" marR="0" lvl="0" indent="-171450" algn="l" defTabSz="914400" rtl="0" eaLnBrk="1" fontAlgn="auto" latinLnBrk="0" hangingPunct="1">
+              <a:lnSpc>
+                <a:spcPct val="100000"/>
+              </a:lnSpc>
+              <a:spcBef>
+                <a:spcPts val="0"/>
+              </a:spcBef>
+              <a:spcAft>
+                <a:spcPts val="0"/>
+              </a:spcAft>
+              <a:buClrTx/>
+              <a:buSzTx/>
+              <a:buFontTx/>
+              <a:buChar char="-"/>
+              <a:tabLst/>
+              <a:defRPr/>
+            </a:pPr>
             <a:endParaRPr lang="en-US" b="0" dirty="0"/>
           </a:p>
         </p:txBody>
@@ -14755,7 +17396,7 @@
     </p:spTree>
     <p:extLst>
       <p:ext uri="{BB962C8B-B14F-4D97-AF65-F5344CB8AC3E}">
-        <p14:creationId xmlns:p14="http://schemas.microsoft.com/office/powerpoint/2010/main" val="1853370644"/>
+        <p14:creationId xmlns:p14="http://schemas.microsoft.com/office/powerpoint/2010/main" val="3568349639"/>
       </p:ext>
     </p:extLst>
   </p:cSld>
@@ -14827,17 +17468,36 @@
               <a:defRPr/>
             </a:pPr>
             <a:r>
-              <a:rPr lang="en-US" sz="1200" b="1" i="0" kern="1200" dirty="0">
-                <a:solidFill>
-                  <a:schemeClr val="tx1"/>
-                </a:solidFill>
-                <a:effectLst/>
-                <a:latin typeface="+mn-lt"/>
-                <a:ea typeface="+mn-ea"/>
-                <a:cs typeface="+mn-cs"/>
-              </a:rPr>
-              <a:t>IIFE - Immediately Invoked Function Expression</a:t>
-            </a:r>
+              <a:rPr lang="en-US" sz="1200" b="0" i="0" kern="1200" dirty="0">
+                <a:solidFill>
+                  <a:schemeClr val="tx1"/>
+                </a:solidFill>
+                <a:effectLst/>
+                <a:latin typeface="+mn-lt"/>
+                <a:ea typeface="+mn-ea"/>
+                <a:cs typeface="+mn-cs"/>
+              </a:rPr>
+              <a:t>What is arrow function?</a:t>
+            </a:r>
+          </a:p>
+          <a:p>
+            <a:pPr marL="0" marR="0" lvl="0" indent="0" algn="l" defTabSz="914400" rtl="0" eaLnBrk="1" fontAlgn="auto" latinLnBrk="0" hangingPunct="1">
+              <a:lnSpc>
+                <a:spcPct val="100000"/>
+              </a:lnSpc>
+              <a:spcBef>
+                <a:spcPts val="0"/>
+              </a:spcBef>
+              <a:spcAft>
+                <a:spcPts val="0"/>
+              </a:spcAft>
+              <a:buClrTx/>
+              <a:buSzTx/>
+              <a:buFontTx/>
+              <a:buNone/>
+              <a:tabLst/>
+              <a:defRPr/>
+            </a:pPr>
             <a:endParaRPr lang="en-US" sz="1200" b="0" i="0" kern="1200" dirty="0">
               <a:solidFill>
                 <a:schemeClr val="tx1"/>
@@ -14866,15 +17526,70 @@
               <a:tabLst/>
               <a:defRPr/>
             </a:pPr>
-            <a:endParaRPr lang="en-US" sz="1200" b="0" i="0" kern="1200" dirty="0">
-              <a:solidFill>
-                <a:schemeClr val="tx1"/>
-              </a:solidFill>
-              <a:effectLst/>
-              <a:latin typeface="+mn-lt"/>
-              <a:ea typeface="+mn-ea"/>
-              <a:cs typeface="+mn-cs"/>
-            </a:endParaRPr>
+            <a:r>
+              <a:rPr lang="en-US" sz="1200" b="0" i="0" kern="1200" dirty="0">
+                <a:solidFill>
+                  <a:schemeClr val="tx1"/>
+                </a:solidFill>
+                <a:effectLst/>
+                <a:latin typeface="+mn-lt"/>
+                <a:ea typeface="+mn-ea"/>
+                <a:cs typeface="+mn-cs"/>
+              </a:rPr>
+              <a:t>The ECMAScript 6 arrow function syntax is a shorthand for the ECMAScript 5 function syntax. It supports both block and expression bodies. The value of </a:t>
+            </a:r>
+            <a:r>
+              <a:rPr lang="en-US" dirty="0"/>
+              <a:t>this</a:t>
+            </a:r>
+            <a:r>
+              <a:rPr lang="en-US" sz="1200" b="0" i="0" kern="1200" dirty="0">
+                <a:solidFill>
+                  <a:schemeClr val="tx1"/>
+                </a:solidFill>
+                <a:effectLst/>
+                <a:latin typeface="+mn-lt"/>
+                <a:ea typeface="+mn-ea"/>
+                <a:cs typeface="+mn-cs"/>
+              </a:rPr>
+              <a:t> inside the function is not altered: it is the same as the value of </a:t>
+            </a:r>
+            <a:r>
+              <a:rPr lang="en-US" dirty="0"/>
+              <a:t>this</a:t>
+            </a:r>
+            <a:r>
+              <a:rPr lang="en-US" sz="1200" b="0" i="0" kern="1200" dirty="0">
+                <a:solidFill>
+                  <a:schemeClr val="tx1"/>
+                </a:solidFill>
+                <a:effectLst/>
+                <a:latin typeface="+mn-lt"/>
+                <a:ea typeface="+mn-ea"/>
+                <a:cs typeface="+mn-cs"/>
+              </a:rPr>
+              <a:t> outside the function. No more </a:t>
+            </a:r>
+            <a:r>
+              <a:rPr lang="en-US" dirty="0" err="1"/>
+              <a:t>var</a:t>
+            </a:r>
+            <a:r>
+              <a:rPr lang="en-US" dirty="0"/>
+              <a:t> self = this</a:t>
+            </a:r>
+            <a:r>
+              <a:rPr lang="en-US" sz="1200" b="0" i="0" kern="1200" dirty="0">
+                <a:solidFill>
+                  <a:schemeClr val="tx1"/>
+                </a:solidFill>
+                <a:effectLst/>
+                <a:latin typeface="+mn-lt"/>
+                <a:ea typeface="+mn-ea"/>
+                <a:cs typeface="+mn-cs"/>
+              </a:rPr>
+              <a:t> to keep track of the current scope.</a:t>
+            </a:r>
           </a:p>
           <a:p>
             <a:pPr marL="0" marR="0" lvl="0" indent="0" algn="l" defTabSz="914400" rtl="0" eaLnBrk="1" fontAlgn="auto" latinLnBrk="0" hangingPunct="1">
@@ -14894,22 +17609,7 @@
               <a:tabLst/>
               <a:defRPr/>
             </a:pPr>
-            <a:r>
-              <a:rPr lang="en-US" sz="1200" b="0" i="0" kern="1200" dirty="0">
-                <a:solidFill>
-                  <a:schemeClr val="tx1"/>
-                </a:solidFill>
-                <a:effectLst/>
-                <a:latin typeface="+mn-lt"/>
-                <a:ea typeface="+mn-ea"/>
-                <a:cs typeface="+mn-cs"/>
-              </a:rPr>
-              <a:t>In other words, </a:t>
-            </a:r>
-            <a:r>
-              <a:rPr lang="en-US" dirty="0"/>
-              <a:t>Self Invoking Function :</a:t>
-            </a:r>
+            <a:endParaRPr lang="en-US" b="0" dirty="0"/>
           </a:p>
           <a:p>
             <a:pPr marL="0" marR="0" lvl="0" indent="0" algn="l" defTabSz="914400" rtl="0" eaLnBrk="1" fontAlgn="auto" latinLnBrk="0" hangingPunct="1">
@@ -14930,16 +17630,8 @@
               <a:defRPr/>
             </a:pPr>
             <a:r>
-              <a:rPr lang="en-US" dirty="0"/>
-              <a:t>It’s a </a:t>
-            </a:r>
-            <a:r>
-              <a:rPr lang="en-US" sz="1200" dirty="0"/>
-              <a:t>method</a:t>
-            </a:r>
-            <a:r>
-              <a:rPr lang="en-US" dirty="0"/>
-              <a:t> who invoking itself,</a:t>
+              <a:rPr lang="en-US" b="0" dirty="0"/>
+              <a:t>Let’s take a look at the syntax.</a:t>
             </a:r>
           </a:p>
           <a:p>
@@ -14960,7 +17652,7 @@
               <a:tabLst/>
               <a:defRPr/>
             </a:pPr>
-            <a:endParaRPr lang="en-US" dirty="0"/>
+            <a:endParaRPr lang="en-US" b="0" dirty="0"/>
           </a:p>
           <a:p>
             <a:pPr marL="0" marR="0" lvl="0" indent="0" algn="l" defTabSz="914400" rtl="0" eaLnBrk="1" fontAlgn="auto" latinLnBrk="0" hangingPunct="1">
@@ -14980,10 +17672,7 @@
               <a:tabLst/>
               <a:defRPr/>
             </a:pPr>
-            <a:r>
-              <a:rPr lang="en-US" sz="2400" dirty="0"/>
-              <a:t>Why do we need it?</a:t>
-            </a:r>
+            <a:endParaRPr lang="en-US" b="0" dirty="0"/>
           </a:p>
           <a:p>
             <a:pPr marL="0" marR="0" lvl="0" indent="0" algn="l" defTabSz="914400" rtl="0" eaLnBrk="1" fontAlgn="auto" latinLnBrk="0" hangingPunct="1">
@@ -15003,10 +17692,7 @@
               <a:tabLst/>
               <a:defRPr/>
             </a:pPr>
-            <a:r>
-              <a:rPr lang="en-US" sz="2400" dirty="0"/>
-              <a:t>What issue it’s coming to solve?</a:t>
-            </a:r>
+            <a:endParaRPr lang="en-US" b="0" dirty="0"/>
           </a:p>
           <a:p>
             <a:pPr marL="0" marR="0" lvl="0" indent="0" algn="l" defTabSz="914400" rtl="0" eaLnBrk="1" fontAlgn="auto" latinLnBrk="0" hangingPunct="1">
@@ -15027,8 +17713,8 @@
               <a:defRPr/>
             </a:pPr>
             <a:r>
-              <a:rPr lang="en-US" sz="2400" dirty="0"/>
-              <a:t>This technique is useful for isolating code from the global scope.</a:t>
+              <a:rPr lang="en-US" b="0" dirty="0"/>
+              <a:t>Now,</a:t>
             </a:r>
           </a:p>
           <a:p>
@@ -15049,7 +17735,359 @@
               <a:tabLst/>
               <a:defRPr/>
             </a:pPr>
+            <a:r>
+              <a:rPr lang="en-US" b="0" dirty="0"/>
+              <a:t>A lot of developers, usually new but also experience are using the arrow function without understanding why?</a:t>
+            </a:r>
+          </a:p>
+          <a:p>
+            <a:pPr marL="0" marR="0" lvl="0" indent="0" algn="l" defTabSz="914400" rtl="0" eaLnBrk="1" fontAlgn="auto" latinLnBrk="0" hangingPunct="1">
+              <a:lnSpc>
+                <a:spcPct val="100000"/>
+              </a:lnSpc>
+              <a:spcBef>
+                <a:spcPts val="0"/>
+              </a:spcBef>
+              <a:spcAft>
+                <a:spcPts val="0"/>
+              </a:spcAft>
+              <a:buClrTx/>
+              <a:buSzTx/>
+              <a:buFontTx/>
+              <a:buNone/>
+              <a:tabLst/>
+              <a:defRPr/>
+            </a:pPr>
+            <a:r>
+              <a:rPr lang="en-US" b="0" dirty="0"/>
+              <a:t>What issue it’s coming to solve?</a:t>
+            </a:r>
+          </a:p>
+          <a:p>
+            <a:pPr marL="0" marR="0" lvl="0" indent="0" algn="l" defTabSz="914400" rtl="0" eaLnBrk="1" fontAlgn="auto" latinLnBrk="0" hangingPunct="1">
+              <a:lnSpc>
+                <a:spcPct val="100000"/>
+              </a:lnSpc>
+              <a:spcBef>
+                <a:spcPts val="0"/>
+              </a:spcBef>
+              <a:spcAft>
+                <a:spcPts val="0"/>
+              </a:spcAft>
+              <a:buClrTx/>
+              <a:buSzTx/>
+              <a:buFontTx/>
+              <a:buNone/>
+              <a:tabLst/>
+              <a:defRPr/>
+            </a:pPr>
+            <a:r>
+              <a:rPr lang="en-US" b="0" dirty="0"/>
+              <a:t>Let’s take a look at example:</a:t>
+            </a:r>
+          </a:p>
+          <a:p>
+            <a:pPr marL="0" marR="0" lvl="0" indent="0" algn="l" defTabSz="914400" rtl="0" eaLnBrk="1" fontAlgn="auto" latinLnBrk="0" hangingPunct="1">
+              <a:lnSpc>
+                <a:spcPct val="100000"/>
+              </a:lnSpc>
+              <a:spcBef>
+                <a:spcPts val="0"/>
+              </a:spcBef>
+              <a:spcAft>
+                <a:spcPts val="0"/>
+              </a:spcAft>
+              <a:buClrTx/>
+              <a:buSzTx/>
+              <a:buFontTx/>
+              <a:buNone/>
+              <a:tabLst/>
+              <a:defRPr/>
+            </a:pPr>
+            <a:r>
+              <a:rPr lang="en-US" b="0" dirty="0"/>
+              <a:t>We have an object, when invoking counter function, we are setting a timeout, what will be `this` in callback function?</a:t>
+            </a:r>
+          </a:p>
+          <a:p>
+            <a:pPr marL="0" marR="0" lvl="0" indent="0" algn="l" defTabSz="914400" rtl="0" eaLnBrk="1" fontAlgn="auto" latinLnBrk="0" hangingPunct="1">
+              <a:lnSpc>
+                <a:spcPct val="100000"/>
+              </a:lnSpc>
+              <a:spcBef>
+                <a:spcPts val="0"/>
+              </a:spcBef>
+              <a:spcAft>
+                <a:spcPts val="0"/>
+              </a:spcAft>
+              <a:buClrTx/>
+              <a:buSzTx/>
+              <a:buFontTx/>
+              <a:buNone/>
+              <a:tabLst/>
+              <a:defRPr/>
+            </a:pPr>
+            <a:r>
+              <a:rPr lang="en-US" b="0" dirty="0"/>
+              <a:t>It will be the window,</a:t>
+            </a:r>
+          </a:p>
+          <a:p>
+            <a:pPr marL="0" marR="0" lvl="0" indent="0" algn="l" defTabSz="914400" rtl="0" eaLnBrk="1" fontAlgn="auto" latinLnBrk="0" hangingPunct="1">
+              <a:lnSpc>
+                <a:spcPct val="100000"/>
+              </a:lnSpc>
+              <a:spcBef>
+                <a:spcPts val="0"/>
+              </a:spcBef>
+              <a:spcAft>
+                <a:spcPts val="0"/>
+              </a:spcAft>
+              <a:buClrTx/>
+              <a:buSzTx/>
+              <a:buFontTx/>
+              <a:buNone/>
+              <a:tabLst/>
+              <a:defRPr/>
+            </a:pPr>
+            <a:r>
+              <a:rPr lang="en-US" b="0" dirty="0"/>
+              <a:t>How did we solve it in the past? There are 2 familiar ways, use `that` or use `bind` function</a:t>
+            </a:r>
+          </a:p>
+          <a:p>
+            <a:pPr marL="0" marR="0" lvl="0" indent="0" algn="l" defTabSz="914400" rtl="0" eaLnBrk="1" fontAlgn="auto" latinLnBrk="0" hangingPunct="1">
+              <a:lnSpc>
+                <a:spcPct val="100000"/>
+              </a:lnSpc>
+              <a:spcBef>
+                <a:spcPts val="0"/>
+              </a:spcBef>
+              <a:spcAft>
+                <a:spcPts val="0"/>
+              </a:spcAft>
+              <a:buClrTx/>
+              <a:buSzTx/>
+              <a:buFontTx/>
+              <a:buNone/>
+              <a:tabLst/>
+              <a:defRPr/>
+            </a:pPr>
+            <a:r>
+              <a:rPr lang="en-US" b="0" dirty="0"/>
+              <a:t>But with arrow function it will do that for us automatically</a:t>
+            </a:r>
+          </a:p>
+          <a:p>
+            <a:pPr marL="0" marR="0" lvl="0" indent="0" algn="l" defTabSz="914400" rtl="0" eaLnBrk="1" fontAlgn="auto" latinLnBrk="0" hangingPunct="1">
+              <a:lnSpc>
+                <a:spcPct val="100000"/>
+              </a:lnSpc>
+              <a:spcBef>
+                <a:spcPts val="0"/>
+              </a:spcBef>
+              <a:spcAft>
+                <a:spcPts val="0"/>
+              </a:spcAft>
+              <a:buClrTx/>
+              <a:buSzTx/>
+              <a:buFontTx/>
+              <a:buNone/>
+              <a:tabLst/>
+              <a:defRPr/>
+            </a:pPr>
             <a:endParaRPr lang="en-US" b="0" dirty="0"/>
+          </a:p>
+          <a:p>
+            <a:pPr marL="0" marR="0" lvl="0" indent="0" algn="l" defTabSz="914400" rtl="0" eaLnBrk="1" fontAlgn="auto" latinLnBrk="0" hangingPunct="1">
+              <a:lnSpc>
+                <a:spcPct val="100000"/>
+              </a:lnSpc>
+              <a:spcBef>
+                <a:spcPts val="0"/>
+              </a:spcBef>
+              <a:spcAft>
+                <a:spcPts val="0"/>
+              </a:spcAft>
+              <a:buClrTx/>
+              <a:buSzTx/>
+              <a:buFontTx/>
+              <a:buNone/>
+              <a:tabLst/>
+              <a:defRPr/>
+            </a:pPr>
+            <a:r>
+              <a:rPr lang="en-US" b="0" dirty="0"/>
+              <a:t>What other cases we might want to use arrow function?</a:t>
+            </a:r>
+          </a:p>
+          <a:p>
+            <a:pPr marL="0" marR="0" lvl="0" indent="0" algn="l" defTabSz="914400" rtl="0" eaLnBrk="1" fontAlgn="auto" latinLnBrk="0" hangingPunct="1">
+              <a:lnSpc>
+                <a:spcPct val="100000"/>
+              </a:lnSpc>
+              <a:spcBef>
+                <a:spcPts val="0"/>
+              </a:spcBef>
+              <a:spcAft>
+                <a:spcPts val="0"/>
+              </a:spcAft>
+              <a:buClrTx/>
+              <a:buSzTx/>
+              <a:buFontTx/>
+              <a:buNone/>
+              <a:tabLst/>
+              <a:defRPr/>
+            </a:pPr>
+            <a:r>
+              <a:rPr lang="en-US" b="0" dirty="0"/>
+              <a:t>Callback function for </a:t>
+            </a:r>
+            <a:r>
+              <a:rPr lang="en-US" b="0" dirty="0" err="1"/>
+              <a:t>dom</a:t>
+            </a:r>
+            <a:r>
+              <a:rPr lang="en-US" b="0" dirty="0"/>
+              <a:t> events,</a:t>
+            </a:r>
+          </a:p>
+          <a:p>
+            <a:pPr marL="0" marR="0" lvl="0" indent="0" algn="l" defTabSz="914400" rtl="0" eaLnBrk="1" fontAlgn="auto" latinLnBrk="0" hangingPunct="1">
+              <a:lnSpc>
+                <a:spcPct val="100000"/>
+              </a:lnSpc>
+              <a:spcBef>
+                <a:spcPts val="0"/>
+              </a:spcBef>
+              <a:spcAft>
+                <a:spcPts val="0"/>
+              </a:spcAft>
+              <a:buClrTx/>
+              <a:buSzTx/>
+              <a:buFontTx/>
+              <a:buNone/>
+              <a:tabLst/>
+              <a:defRPr/>
+            </a:pPr>
+            <a:r>
+              <a:rPr lang="en-US" b="0" dirty="0"/>
+              <a:t>Callback function for iteration function like map or </a:t>
+            </a:r>
+            <a:r>
+              <a:rPr lang="en-US" sz="1200" b="0" i="0" kern="1200" dirty="0">
+                <a:solidFill>
+                  <a:schemeClr val="tx1"/>
+                </a:solidFill>
+                <a:effectLst/>
+                <a:latin typeface="+mn-lt"/>
+                <a:ea typeface="+mn-ea"/>
+                <a:cs typeface="+mn-cs"/>
+              </a:rPr>
+              <a:t>reduce, </a:t>
+            </a:r>
+            <a:r>
+              <a:rPr lang="en-US" b="0" dirty="0" err="1"/>
+              <a:t>forEach</a:t>
+            </a:r>
+            <a:r>
+              <a:rPr lang="en-US" b="0" dirty="0"/>
+              <a:t>.</a:t>
+            </a:r>
+          </a:p>
+          <a:p>
+            <a:pPr marL="0" marR="0" lvl="0" indent="0" algn="l" defTabSz="914400" rtl="0" eaLnBrk="1" fontAlgn="auto" latinLnBrk="0" hangingPunct="1">
+              <a:lnSpc>
+                <a:spcPct val="100000"/>
+              </a:lnSpc>
+              <a:spcBef>
+                <a:spcPts val="0"/>
+              </a:spcBef>
+              <a:spcAft>
+                <a:spcPts val="0"/>
+              </a:spcAft>
+              <a:buClrTx/>
+              <a:buSzTx/>
+              <a:buFontTx/>
+              <a:buNone/>
+              <a:tabLst/>
+              <a:defRPr/>
+            </a:pPr>
+            <a:endParaRPr lang="en-US" b="0" dirty="0"/>
+          </a:p>
+          <a:p>
+            <a:pPr marL="171450" marR="0" lvl="0" indent="-171450" algn="l" defTabSz="914400" rtl="0" eaLnBrk="1" fontAlgn="auto" latinLnBrk="0" hangingPunct="1">
+              <a:lnSpc>
+                <a:spcPct val="100000"/>
+              </a:lnSpc>
+              <a:spcBef>
+                <a:spcPts val="0"/>
+              </a:spcBef>
+              <a:spcAft>
+                <a:spcPts val="0"/>
+              </a:spcAft>
+              <a:buClrTx/>
+              <a:buSzTx/>
+              <a:buFontTx/>
+              <a:buChar char="-"/>
+              <a:tabLst/>
+              <a:defRPr/>
+            </a:pPr>
+            <a:r>
+              <a:rPr lang="en-US" b="0" dirty="0"/>
+              <a:t>https://medium.freecodecamp.org/when-and-why-you-should-use-es6-arrow-functions-and-when-you-shouldnt-3d851d7f0b26</a:t>
+            </a:r>
+          </a:p>
+          <a:p>
+            <a:pPr marL="171450" marR="0" lvl="0" indent="-171450" algn="l" defTabSz="914400" rtl="0" eaLnBrk="1" fontAlgn="auto" latinLnBrk="0" hangingPunct="1">
+              <a:lnSpc>
+                <a:spcPct val="100000"/>
+              </a:lnSpc>
+              <a:spcBef>
+                <a:spcPts val="0"/>
+              </a:spcBef>
+              <a:spcAft>
+                <a:spcPts val="0"/>
+              </a:spcAft>
+              <a:buClrTx/>
+              <a:buSzTx/>
+              <a:buFontTx/>
+              <a:buChar char="-"/>
+              <a:tabLst/>
+              <a:defRPr/>
+            </a:pPr>
+            <a:r>
+              <a:rPr lang="en-US" b="0" dirty="0"/>
+              <a:t>https://developer.mozilla.org/en-US/docs/Web/JavaScript/Reference/Functions/Arrow</a:t>
+            </a:r>
+            <a:r>
+              <a:rPr lang="en-US" b="0"/>
+              <a:t>_functions</a:t>
+            </a:r>
+            <a:endParaRPr lang="en-US" b="0" dirty="0"/>
+          </a:p>
+          <a:p>
+            <a:pPr marL="171450" marR="0" lvl="0" indent="-171450" algn="l" defTabSz="914400" rtl="0" eaLnBrk="1" fontAlgn="auto" latinLnBrk="0" hangingPunct="1">
+              <a:lnSpc>
+                <a:spcPct val="100000"/>
+              </a:lnSpc>
+              <a:spcBef>
+                <a:spcPts val="0"/>
+              </a:spcBef>
+              <a:spcAft>
+                <a:spcPts val="0"/>
+              </a:spcAft>
+              <a:buClrTx/>
+              <a:buSzTx/>
+              <a:buFontTx/>
+              <a:buChar char="-"/>
+              <a:tabLst/>
+              <a:defRPr/>
+            </a:pPr>
+            <a:r>
+              <a:rPr lang="en-US" b="0" dirty="0"/>
+              <a:t>http://ccoenraets.github.io/es6-tutorial/arrow-functions/</a:t>
+            </a:r>
           </a:p>
         </p:txBody>
       </p:sp>
@@ -15079,7 +18117,7 @@
     </p:spTree>
     <p:extLst>
       <p:ext uri="{BB962C8B-B14F-4D97-AF65-F5344CB8AC3E}">
-        <p14:creationId xmlns:p14="http://schemas.microsoft.com/office/powerpoint/2010/main" val="3635942883"/>
+        <p14:creationId xmlns:p14="http://schemas.microsoft.com/office/powerpoint/2010/main" val="1853370644"/>
       </p:ext>
     </p:extLst>
   </p:cSld>
@@ -15151,17 +18189,26 @@
               <a:defRPr/>
             </a:pPr>
             <a:r>
-              <a:rPr lang="en-US" sz="1200" b="0" i="0" kern="1200" dirty="0">
-                <a:solidFill>
-                  <a:schemeClr val="tx1"/>
-                </a:solidFill>
-                <a:effectLst/>
-                <a:latin typeface="+mn-lt"/>
-                <a:ea typeface="+mn-ea"/>
-                <a:cs typeface="+mn-cs"/>
-              </a:rPr>
-              <a:t>In the past, how we create class in JS?</a:t>
-            </a:r>
+              <a:rPr lang="en-US" sz="1200" b="1" i="0" kern="1200" dirty="0">
+                <a:solidFill>
+                  <a:schemeClr val="tx1"/>
+                </a:solidFill>
+                <a:effectLst/>
+                <a:latin typeface="+mn-lt"/>
+                <a:ea typeface="+mn-ea"/>
+                <a:cs typeface="+mn-cs"/>
+              </a:rPr>
+              <a:t>IIFE - Immediately Invoked Function Expression</a:t>
+            </a:r>
+            <a:endParaRPr lang="en-US" sz="1200" b="0" i="0" kern="1200" dirty="0">
+              <a:solidFill>
+                <a:schemeClr val="tx1"/>
+              </a:solidFill>
+              <a:effectLst/>
+              <a:latin typeface="+mn-lt"/>
+              <a:ea typeface="+mn-ea"/>
+              <a:cs typeface="+mn-cs"/>
+            </a:endParaRPr>
           </a:p>
           <a:p>
             <a:pPr marL="0" marR="0" lvl="0" indent="0" algn="l" defTabSz="914400" rtl="0" eaLnBrk="1" fontAlgn="auto" latinLnBrk="0" hangingPunct="1">
@@ -15181,7 +18228,15 @@
               <a:tabLst/>
               <a:defRPr/>
             </a:pPr>
-            <a:endParaRPr lang="en-US" b="0" dirty="0"/>
+            <a:endParaRPr lang="en-US" sz="1200" b="0" i="0" kern="1200" dirty="0">
+              <a:solidFill>
+                <a:schemeClr val="tx1"/>
+              </a:solidFill>
+              <a:effectLst/>
+              <a:latin typeface="+mn-lt"/>
+              <a:ea typeface="+mn-ea"/>
+              <a:cs typeface="+mn-cs"/>
+            </a:endParaRPr>
           </a:p>
           <a:p>
             <a:pPr marL="0" marR="0" lvl="0" indent="0" algn="l" defTabSz="914400" rtl="0" eaLnBrk="1" fontAlgn="auto" latinLnBrk="0" hangingPunct="1">
@@ -15202,8 +18257,20 @@
               <a:defRPr/>
             </a:pPr>
             <a:r>
-              <a:rPr lang="en-US" b="0" dirty="0"/>
-              <a:t>In JS, we don’t have classes, so how did we make one?</a:t>
+              <a:rPr lang="en-US" sz="1200" b="0" i="0" kern="1200" dirty="0">
+                <a:solidFill>
+                  <a:schemeClr val="tx1"/>
+                </a:solidFill>
+                <a:effectLst/>
+                <a:latin typeface="+mn-lt"/>
+                <a:ea typeface="+mn-ea"/>
+                <a:cs typeface="+mn-cs"/>
+              </a:rPr>
+              <a:t>In other words, </a:t>
+            </a:r>
+            <a:r>
+              <a:rPr lang="en-US" dirty="0"/>
+              <a:t>Self Invoking Function :</a:t>
             </a:r>
           </a:p>
           <a:p>
@@ -15225,8 +18292,16 @@
               <a:defRPr/>
             </a:pPr>
             <a:r>
-              <a:rPr lang="en-US" sz="2400" dirty="0"/>
-              <a:t>Although the standard syntax is missing the language can still be manipulated to act as one.</a:t>
+              <a:rPr lang="en-US" dirty="0"/>
+              <a:t>It’s a </a:t>
+            </a:r>
+            <a:r>
+              <a:rPr lang="en-US" sz="1200" dirty="0"/>
+              <a:t>method</a:t>
+            </a:r>
+            <a:r>
+              <a:rPr lang="en-US" dirty="0"/>
+              <a:t> who invoking itself,</a:t>
             </a:r>
           </a:p>
           <a:p>
@@ -15247,7 +18322,7 @@
               <a:tabLst/>
               <a:defRPr/>
             </a:pPr>
-            <a:endParaRPr lang="en-US" sz="2400" dirty="0"/>
+            <a:endParaRPr lang="en-US" dirty="0"/>
           </a:p>
           <a:p>
             <a:pPr marL="0" marR="0" lvl="0" indent="0" algn="l" defTabSz="914400" rtl="0" eaLnBrk="1" fontAlgn="auto" latinLnBrk="0" hangingPunct="1">
@@ -15269,55 +18344,7 @@
             </a:pPr>
             <a:r>
               <a:rPr lang="en-US" sz="2400" dirty="0"/>
-              <a:t>The </a:t>
-            </a:r>
-            <a:r>
-              <a:rPr lang="en-US" sz="2400" b="1" dirty="0"/>
-              <a:t>function</a:t>
-            </a:r>
-            <a:r>
-              <a:rPr lang="en-US" sz="2400" dirty="0"/>
-              <a:t> keyword creates an object of Function type. This object can be used as a normal function or as a </a:t>
-            </a:r>
-            <a:r>
-              <a:rPr lang="en-US" sz="2400" b="1" dirty="0"/>
-              <a:t>class</a:t>
-            </a:r>
-            <a:r>
-              <a:rPr lang="en-US" sz="2400" dirty="0"/>
-              <a:t> </a:t>
-            </a:r>
-            <a:r>
-              <a:rPr lang="en-US" sz="2400" b="1" dirty="0"/>
-              <a:t>object </a:t>
-            </a:r>
-            <a:r>
-              <a:rPr lang="en-US" sz="2400" dirty="0"/>
-              <a:t>which defines the class</a:t>
-            </a:r>
-            <a:r>
-              <a:rPr lang="en-US" sz="2400" b="1" dirty="0"/>
-              <a:t> </a:t>
-            </a:r>
-            <a:r>
-              <a:rPr lang="en-US" sz="2400" b="1" dirty="0">
-                <a:solidFill>
-                  <a:schemeClr val="tx1"/>
-                </a:solidFill>
-              </a:rPr>
-              <a:t>constructor</a:t>
-            </a:r>
-            <a:r>
-              <a:rPr lang="en-US" sz="2400" dirty="0">
-                <a:solidFill>
-                  <a:schemeClr val="tx1"/>
-                </a:solidFill>
-              </a:rPr>
-              <a:t> </a:t>
-            </a:r>
-            <a:r>
-              <a:rPr lang="en-US" sz="2400" dirty="0"/>
-              <a:t>method.</a:t>
+              <a:t>Why do we need it?</a:t>
             </a:r>
           </a:p>
           <a:p>
@@ -15340,48 +18367,51 @@
             </a:pPr>
             <a:r>
               <a:rPr lang="en-US" sz="2400" dirty="0"/>
-              <a:t>When using the </a:t>
-            </a:r>
-            <a:r>
-              <a:rPr lang="en-US" sz="2400" b="1" dirty="0">
-                <a:solidFill>
-                  <a:schemeClr val="tx1"/>
-                </a:solidFill>
-              </a:rPr>
-              <a:t>new</a:t>
-            </a:r>
-            <a:r>
-              <a:rPr lang="en-US" sz="2400" dirty="0">
-                <a:solidFill>
-                  <a:schemeClr val="tx1"/>
-                </a:solidFill>
-              </a:rPr>
-              <a:t> </a:t>
-            </a:r>
+              <a:t>What issue it’s coming to solve?</a:t>
+            </a:r>
+          </a:p>
+          <a:p>
+            <a:pPr marL="0" marR="0" lvl="0" indent="0" algn="l" defTabSz="914400" rtl="0" eaLnBrk="1" fontAlgn="auto" latinLnBrk="0" hangingPunct="1">
+              <a:lnSpc>
+                <a:spcPct val="100000"/>
+              </a:lnSpc>
+              <a:spcBef>
+                <a:spcPts val="0"/>
+              </a:spcBef>
+              <a:spcAft>
+                <a:spcPts val="0"/>
+              </a:spcAft>
+              <a:buClrTx/>
+              <a:buSzTx/>
+              <a:buFontTx/>
+              <a:buNone/>
+              <a:tabLst/>
+              <a:defRPr/>
+            </a:pPr>
             <a:r>
               <a:rPr lang="en-US" sz="2400" dirty="0"/>
-              <a:t>keyword on the </a:t>
-            </a:r>
-            <a:r>
-              <a:rPr lang="en-US" sz="2400" b="1" dirty="0"/>
-              <a:t>class object </a:t>
-            </a:r>
-            <a:r>
-              <a:rPr lang="en-US" sz="2400" dirty="0"/>
-              <a:t>a new instance of the class will be created and will be send to the </a:t>
-            </a:r>
-            <a:r>
-              <a:rPr lang="en-US" sz="2400" b="1" dirty="0">
-                <a:solidFill>
-                  <a:schemeClr val="tx1"/>
-                </a:solidFill>
-              </a:rPr>
-              <a:t>constructor</a:t>
-            </a:r>
-            <a:r>
-              <a:rPr lang="en-US" sz="2400" dirty="0"/>
-              <a:t> method.</a:t>
-            </a:r>
+              <a:t>This technique is useful for isolating code from the global scope.</a:t>
+            </a:r>
+          </a:p>
+          <a:p>
+            <a:pPr marL="0" marR="0" lvl="0" indent="0" algn="l" defTabSz="914400" rtl="0" eaLnBrk="1" fontAlgn="auto" latinLnBrk="0" hangingPunct="1">
+              <a:lnSpc>
+                <a:spcPct val="100000"/>
+              </a:lnSpc>
+              <a:spcBef>
+                <a:spcPts val="0"/>
+              </a:spcBef>
+              <a:spcAft>
+                <a:spcPts val="0"/>
+              </a:spcAft>
+              <a:buClrTx/>
+              <a:buSzTx/>
+              <a:buFontTx/>
+              <a:buNone/>
+              <a:tabLst/>
+              <a:defRPr/>
+            </a:pPr>
+            <a:endParaRPr lang="en-US" b="0" dirty="0"/>
           </a:p>
         </p:txBody>
       </p:sp>
@@ -15403,6 +18433,338 @@
             <a:fld id="{595D0871-5AD0-4670-BDA8-FBE649F625DD}" type="slidenum">
               <a:rPr lang="he-IL" smtClean="0"/>
               <a:t>60</a:t>
+            </a:fld>
+            <a:endParaRPr lang="he-IL"/>
+          </a:p>
+        </p:txBody>
+      </p:sp>
+    </p:spTree>
+    <p:extLst>
+      <p:ext uri="{BB962C8B-B14F-4D97-AF65-F5344CB8AC3E}">
+        <p14:creationId xmlns:p14="http://schemas.microsoft.com/office/powerpoint/2010/main" val="3635942883"/>
+      </p:ext>
+    </p:extLst>
+  </p:cSld>
+  <p:clrMapOvr>
+    <a:masterClrMapping/>
+  </p:clrMapOvr>
+</p:notes>
+</file>
+
+<file path=ppt/notesSlides/notesSlide59.xml><?xml version="1.0" encoding="utf-8"?>
+<p:notes xmlns:a="http://schemas.openxmlformats.org/drawingml/2006/main" xmlns:r="http://schemas.openxmlformats.org/officeDocument/2006/relationships" xmlns:p="http://schemas.openxmlformats.org/presentationml/2006/main">
+  <p:cSld>
+    <p:spTree>
+      <p:nvGrpSpPr>
+        <p:cNvPr id="1" name=""/>
+        <p:cNvGrpSpPr/>
+        <p:nvPr/>
+      </p:nvGrpSpPr>
+      <p:grpSpPr>
+        <a:xfrm>
+          <a:off x="0" y="0"/>
+          <a:ext cx="0" cy="0"/>
+          <a:chOff x="0" y="0"/>
+          <a:chExt cx="0" cy="0"/>
+        </a:xfrm>
+      </p:grpSpPr>
+      <p:sp>
+        <p:nvSpPr>
+          <p:cNvPr id="2" name="Slide Image Placeholder 1"/>
+          <p:cNvSpPr>
+            <a:spLocks noGrp="1" noRot="1" noChangeAspect="1"/>
+          </p:cNvSpPr>
+          <p:nvPr>
+            <p:ph type="sldImg"/>
+          </p:nvPr>
+        </p:nvSpPr>
+        <p:spPr/>
+      </p:sp>
+      <p:sp>
+        <p:nvSpPr>
+          <p:cNvPr id="3" name="Notes Placeholder 2"/>
+          <p:cNvSpPr>
+            <a:spLocks noGrp="1"/>
+          </p:cNvSpPr>
+          <p:nvPr>
+            <p:ph type="body" idx="1"/>
+          </p:nvPr>
+        </p:nvSpPr>
+        <p:spPr/>
+        <p:txBody>
+          <a:bodyPr/>
+          <a:lstStyle/>
+          <a:p>
+            <a:pPr marL="0" marR="0" lvl="0" indent="0" algn="l" defTabSz="914400" rtl="0" eaLnBrk="1" fontAlgn="auto" latinLnBrk="0" hangingPunct="1">
+              <a:lnSpc>
+                <a:spcPct val="100000"/>
+              </a:lnSpc>
+              <a:spcBef>
+                <a:spcPts val="0"/>
+              </a:spcBef>
+              <a:spcAft>
+                <a:spcPts val="0"/>
+              </a:spcAft>
+              <a:buClrTx/>
+              <a:buSzTx/>
+              <a:buFontTx/>
+              <a:buNone/>
+              <a:tabLst/>
+              <a:defRPr/>
+            </a:pPr>
+            <a:r>
+              <a:rPr lang="en-US" sz="1200" b="0" i="0" kern="1200" dirty="0">
+                <a:solidFill>
+                  <a:schemeClr val="tx1"/>
+                </a:solidFill>
+                <a:effectLst/>
+                <a:latin typeface="+mn-lt"/>
+                <a:ea typeface="+mn-ea"/>
+                <a:cs typeface="+mn-cs"/>
+              </a:rPr>
+              <a:t>In the past, how we create class in JS?</a:t>
+            </a:r>
+          </a:p>
+          <a:p>
+            <a:pPr marL="0" marR="0" lvl="0" indent="0" algn="l" defTabSz="914400" rtl="0" eaLnBrk="1" fontAlgn="auto" latinLnBrk="0" hangingPunct="1">
+              <a:lnSpc>
+                <a:spcPct val="100000"/>
+              </a:lnSpc>
+              <a:spcBef>
+                <a:spcPts val="0"/>
+              </a:spcBef>
+              <a:spcAft>
+                <a:spcPts val="0"/>
+              </a:spcAft>
+              <a:buClrTx/>
+              <a:buSzTx/>
+              <a:buFontTx/>
+              <a:buNone/>
+              <a:tabLst/>
+              <a:defRPr/>
+            </a:pPr>
+            <a:endParaRPr lang="en-US" b="0" dirty="0"/>
+          </a:p>
+          <a:p>
+            <a:pPr marL="0" marR="0" lvl="0" indent="0" algn="l" defTabSz="914400" rtl="0" eaLnBrk="1" fontAlgn="auto" latinLnBrk="0" hangingPunct="1">
+              <a:lnSpc>
+                <a:spcPct val="100000"/>
+              </a:lnSpc>
+              <a:spcBef>
+                <a:spcPts val="0"/>
+              </a:spcBef>
+              <a:spcAft>
+                <a:spcPts val="0"/>
+              </a:spcAft>
+              <a:buClrTx/>
+              <a:buSzTx/>
+              <a:buFontTx/>
+              <a:buNone/>
+              <a:tabLst/>
+              <a:defRPr/>
+            </a:pPr>
+            <a:r>
+              <a:rPr lang="en-US" b="0" dirty="0"/>
+              <a:t>In JS, we don’t have classes, so how did we make one?</a:t>
+            </a:r>
+          </a:p>
+          <a:p>
+            <a:pPr marL="0" marR="0" lvl="0" indent="0" algn="l" defTabSz="914400" rtl="0" eaLnBrk="1" fontAlgn="auto" latinLnBrk="0" hangingPunct="1">
+              <a:lnSpc>
+                <a:spcPct val="100000"/>
+              </a:lnSpc>
+              <a:spcBef>
+                <a:spcPts val="0"/>
+              </a:spcBef>
+              <a:spcAft>
+                <a:spcPts val="0"/>
+              </a:spcAft>
+              <a:buClrTx/>
+              <a:buSzTx/>
+              <a:buFontTx/>
+              <a:buNone/>
+              <a:tabLst/>
+              <a:defRPr/>
+            </a:pPr>
+            <a:r>
+              <a:rPr lang="en-US" sz="2400" dirty="0"/>
+              <a:t>Although the standard syntax is missing the language can still be manipulated to act as one.</a:t>
+            </a:r>
+          </a:p>
+          <a:p>
+            <a:pPr marL="0" marR="0" lvl="0" indent="0" algn="l" defTabSz="914400" rtl="0" eaLnBrk="1" fontAlgn="auto" latinLnBrk="0" hangingPunct="1">
+              <a:lnSpc>
+                <a:spcPct val="100000"/>
+              </a:lnSpc>
+              <a:spcBef>
+                <a:spcPts val="0"/>
+              </a:spcBef>
+              <a:spcAft>
+                <a:spcPts val="0"/>
+              </a:spcAft>
+              <a:buClrTx/>
+              <a:buSzTx/>
+              <a:buFontTx/>
+              <a:buNone/>
+              <a:tabLst/>
+              <a:defRPr/>
+            </a:pPr>
+            <a:endParaRPr lang="en-US" sz="2400" dirty="0"/>
+          </a:p>
+          <a:p>
+            <a:pPr marL="0" marR="0" lvl="0" indent="0" algn="l" defTabSz="914400" rtl="0" eaLnBrk="1" fontAlgn="auto" latinLnBrk="0" hangingPunct="1">
+              <a:lnSpc>
+                <a:spcPct val="100000"/>
+              </a:lnSpc>
+              <a:spcBef>
+                <a:spcPts val="0"/>
+              </a:spcBef>
+              <a:spcAft>
+                <a:spcPts val="0"/>
+              </a:spcAft>
+              <a:buClrTx/>
+              <a:buSzTx/>
+              <a:buFontTx/>
+              <a:buNone/>
+              <a:tabLst/>
+              <a:defRPr/>
+            </a:pPr>
+            <a:r>
+              <a:rPr lang="en-US" sz="2400" dirty="0"/>
+              <a:t>The </a:t>
+            </a:r>
+            <a:r>
+              <a:rPr lang="en-US" sz="2400" b="1" dirty="0"/>
+              <a:t>function</a:t>
+            </a:r>
+            <a:r>
+              <a:rPr lang="en-US" sz="2400" dirty="0"/>
+              <a:t> keyword creates an object of Function type. This object can be used as a normal function or as a </a:t>
+            </a:r>
+            <a:r>
+              <a:rPr lang="en-US" sz="2400" b="1" dirty="0"/>
+              <a:t>class</a:t>
+            </a:r>
+            <a:r>
+              <a:rPr lang="en-US" sz="2400" dirty="0"/>
+              <a:t> </a:t>
+            </a:r>
+            <a:r>
+              <a:rPr lang="en-US" sz="2400" b="1" dirty="0"/>
+              <a:t>object </a:t>
+            </a:r>
+            <a:r>
+              <a:rPr lang="en-US" sz="2400" dirty="0"/>
+              <a:t>which defines the class</a:t>
+            </a:r>
+            <a:r>
+              <a:rPr lang="en-US" sz="2400" b="1" dirty="0"/>
+              <a:t> </a:t>
+            </a:r>
+            <a:r>
+              <a:rPr lang="en-US" sz="2400" b="1" dirty="0">
+                <a:solidFill>
+                  <a:schemeClr val="tx1"/>
+                </a:solidFill>
+              </a:rPr>
+              <a:t>constructor</a:t>
+            </a:r>
+            <a:r>
+              <a:rPr lang="en-US" sz="2400" dirty="0">
+                <a:solidFill>
+                  <a:schemeClr val="tx1"/>
+                </a:solidFill>
+              </a:rPr>
+              <a:t> </a:t>
+            </a:r>
+            <a:r>
+              <a:rPr lang="en-US" sz="2400" dirty="0"/>
+              <a:t>method.</a:t>
+            </a:r>
+          </a:p>
+          <a:p>
+            <a:pPr marL="0" marR="0" lvl="0" indent="0" algn="l" defTabSz="914400" rtl="0" eaLnBrk="1" fontAlgn="auto" latinLnBrk="0" hangingPunct="1">
+              <a:lnSpc>
+                <a:spcPct val="100000"/>
+              </a:lnSpc>
+              <a:spcBef>
+                <a:spcPts val="0"/>
+              </a:spcBef>
+              <a:spcAft>
+                <a:spcPts val="0"/>
+              </a:spcAft>
+              <a:buClrTx/>
+              <a:buSzTx/>
+              <a:buFontTx/>
+              <a:buNone/>
+              <a:tabLst/>
+              <a:defRPr/>
+            </a:pPr>
+            <a:r>
+              <a:rPr lang="en-US" sz="2400" dirty="0"/>
+              <a:t>When using the </a:t>
+            </a:r>
+            <a:r>
+              <a:rPr lang="en-US" sz="2400" b="1" dirty="0">
+                <a:solidFill>
+                  <a:schemeClr val="tx1"/>
+                </a:solidFill>
+              </a:rPr>
+              <a:t>new</a:t>
+            </a:r>
+            <a:r>
+              <a:rPr lang="en-US" sz="2400" dirty="0">
+                <a:solidFill>
+                  <a:schemeClr val="tx1"/>
+                </a:solidFill>
+              </a:rPr>
+              <a:t> </a:t>
+            </a:r>
+            <a:r>
+              <a:rPr lang="en-US" sz="2400" dirty="0"/>
+              <a:t>keyword on the </a:t>
+            </a:r>
+            <a:r>
+              <a:rPr lang="en-US" sz="2400" b="1" dirty="0"/>
+              <a:t>class object </a:t>
+            </a:r>
+            <a:r>
+              <a:rPr lang="en-US" sz="2400" dirty="0"/>
+              <a:t>a new instance of the class will be created and will be send to the </a:t>
+            </a:r>
+            <a:r>
+              <a:rPr lang="en-US" sz="2400" b="1" dirty="0">
+                <a:solidFill>
+                  <a:schemeClr val="tx1"/>
+                </a:solidFill>
+              </a:rPr>
+              <a:t>constructor</a:t>
+            </a:r>
+            <a:r>
+              <a:rPr lang="en-US" sz="2400" dirty="0"/>
+              <a:t> method.</a:t>
+            </a:r>
+          </a:p>
+        </p:txBody>
+      </p:sp>
+      <p:sp>
+        <p:nvSpPr>
+          <p:cNvPr id="4" name="Slide Number Placeholder 3"/>
+          <p:cNvSpPr>
+            <a:spLocks noGrp="1"/>
+          </p:cNvSpPr>
+          <p:nvPr>
+            <p:ph type="sldNum" sz="quarter" idx="10"/>
+          </p:nvPr>
+        </p:nvSpPr>
+        <p:spPr/>
+        <p:txBody>
+          <a:bodyPr/>
+          <a:lstStyle/>
+          <a:p>
+            <a:fld id="{595D0871-5AD0-4670-BDA8-FBE649F625DD}" type="slidenum">
+              <a:rPr lang="he-IL" smtClean="0"/>
+              <a:t>61</a:t>
             </a:fld>
             <a:endParaRPr lang="he-IL"/>
           </a:p>
@@ -27683,23 +31045,7 @@
                   <a:schemeClr val="bg1"/>
                 </a:solidFill>
               </a:rPr>
-              <a:t>Var let </a:t>
-            </a:r>
-            <a:r>
-              <a:rPr lang="en-US" sz="6000" dirty="0" err="1">
-                <a:solidFill>
-                  <a:schemeClr val="bg1"/>
-                </a:solidFill>
-              </a:rPr>
-              <a:t>const</a:t>
-            </a:r>
-            <a:r>
-              <a:rPr lang="en-US" sz="6000" dirty="0">
-                <a:solidFill>
-                  <a:schemeClr val="bg1"/>
-                </a:solidFill>
-              </a:rPr>
-              <a:t>, freeze</a:t>
+              <a:t>Hoisting Examples</a:t>
             </a:r>
             <a:endParaRPr lang="en-US" altLang="en-US" sz="6000" b="1" dirty="0">
               <a:solidFill>
@@ -27713,7 +31059,7 @@
     </p:spTree>
     <p:extLst>
       <p:ext uri="{BB962C8B-B14F-4D97-AF65-F5344CB8AC3E}">
-        <p14:creationId xmlns:p14="http://schemas.microsoft.com/office/powerpoint/2010/main" val="4021379442"/>
+        <p14:creationId xmlns:p14="http://schemas.microsoft.com/office/powerpoint/2010/main" val="3170921739"/>
       </p:ext>
     </p:extLst>
   </p:cSld>
@@ -27831,7 +31177,23 @@
                   <a:schemeClr val="bg1"/>
                 </a:solidFill>
               </a:rPr>
-              <a:t>Arrow function</a:t>
+              <a:t>Var, let, </a:t>
+            </a:r>
+            <a:r>
+              <a:rPr lang="en-US" sz="6000" dirty="0" err="1">
+                <a:solidFill>
+                  <a:schemeClr val="bg1"/>
+                </a:solidFill>
+              </a:rPr>
+              <a:t>const</a:t>
+            </a:r>
+            <a:r>
+              <a:rPr lang="en-US" sz="6000" dirty="0">
+                <a:solidFill>
+                  <a:schemeClr val="bg1"/>
+                </a:solidFill>
+              </a:rPr>
+              <a:t>, freeze</a:t>
             </a:r>
             <a:endParaRPr lang="en-US" altLang="en-US" sz="6000" b="1" dirty="0">
               <a:solidFill>
@@ -27845,7 +31207,7 @@
     </p:spTree>
     <p:extLst>
       <p:ext uri="{BB962C8B-B14F-4D97-AF65-F5344CB8AC3E}">
-        <p14:creationId xmlns:p14="http://schemas.microsoft.com/office/powerpoint/2010/main" val="1741453719"/>
+        <p14:creationId xmlns:p14="http://schemas.microsoft.com/office/powerpoint/2010/main" val="4021379442"/>
       </p:ext>
     </p:extLst>
   </p:cSld>
@@ -27963,7 +31325,7 @@
                   <a:schemeClr val="bg1"/>
                 </a:solidFill>
               </a:rPr>
-              <a:t>Html modules for scoping</a:t>
+              <a:t>Arrow function</a:t>
             </a:r>
             <a:endParaRPr lang="en-US" altLang="en-US" sz="6000" b="1" dirty="0">
               <a:solidFill>
@@ -27977,7 +31339,7 @@
     </p:spTree>
     <p:extLst>
       <p:ext uri="{BB962C8B-B14F-4D97-AF65-F5344CB8AC3E}">
-        <p14:creationId xmlns:p14="http://schemas.microsoft.com/office/powerpoint/2010/main" val="1693568435"/>
+        <p14:creationId xmlns:p14="http://schemas.microsoft.com/office/powerpoint/2010/main" val="1741453719"/>
       </p:ext>
     </p:extLst>
   </p:cSld>
@@ -28262,6 +31624,138 @@
 </file>
 
 <file path=ppt/slides/slide60.xml><?xml version="1.0" encoding="utf-8"?>
+<p:sld xmlns:a="http://schemas.openxmlformats.org/drawingml/2006/main" xmlns:r="http://schemas.openxmlformats.org/officeDocument/2006/relationships" xmlns:p="http://schemas.openxmlformats.org/presentationml/2006/main">
+  <p:cSld>
+    <p:spTree>
+      <p:nvGrpSpPr>
+        <p:cNvPr id="1" name=""/>
+        <p:cNvGrpSpPr/>
+        <p:nvPr/>
+      </p:nvGrpSpPr>
+      <p:grpSpPr>
+        <a:xfrm>
+          <a:off x="0" y="0"/>
+          <a:ext cx="0" cy="0"/>
+          <a:chOff x="0" y="0"/>
+          <a:chExt cx="0" cy="0"/>
+        </a:xfrm>
+      </p:grpSpPr>
+      <p:sp>
+        <p:nvSpPr>
+          <p:cNvPr id="6" name="Rectangle 5"/>
+          <p:cNvSpPr/>
+          <p:nvPr/>
+        </p:nvSpPr>
+        <p:spPr>
+          <a:xfrm>
+            <a:off x="-215115" y="0"/>
+            <a:ext cx="12407115" cy="6858000"/>
+          </a:xfrm>
+          <a:prstGeom prst="rect">
+            <a:avLst/>
+          </a:prstGeom>
+          <a:solidFill>
+            <a:schemeClr val="accent1">
+              <a:lumMod val="75000"/>
+            </a:schemeClr>
+          </a:solidFill>
+          <a:ln>
+            <a:noFill/>
+          </a:ln>
+        </p:spPr>
+        <p:style>
+          <a:lnRef idx="1">
+            <a:schemeClr val="accent1"/>
+          </a:lnRef>
+          <a:fillRef idx="3">
+            <a:schemeClr val="accent1"/>
+          </a:fillRef>
+          <a:effectRef idx="2">
+            <a:schemeClr val="accent1"/>
+          </a:effectRef>
+          <a:fontRef idx="minor">
+            <a:schemeClr val="lt1"/>
+          </a:fontRef>
+        </p:style>
+        <p:txBody>
+          <a:bodyPr rtlCol="0" anchor="ctr"/>
+          <a:lstStyle/>
+          <a:p>
+            <a:pPr algn="ctr"/>
+            <a:endParaRPr lang="en-US" sz="2400"/>
+          </a:p>
+        </p:txBody>
+      </p:sp>
+      <p:sp>
+        <p:nvSpPr>
+          <p:cNvPr id="24" name="Title 1"/>
+          <p:cNvSpPr>
+            <a:spLocks noGrp="1"/>
+          </p:cNvSpPr>
+          <p:nvPr>
+            <p:ph type="title"/>
+          </p:nvPr>
+        </p:nvSpPr>
+        <p:spPr>
+          <a:xfrm>
+            <a:off x="502042" y="1936377"/>
+            <a:ext cx="10972800" cy="2985246"/>
+          </a:xfrm>
+        </p:spPr>
+        <p:txBody>
+          <a:bodyPr>
+            <a:noAutofit/>
+          </a:bodyPr>
+          <a:lstStyle/>
+          <a:p>
+            <a:pPr algn="ctr" rtl="0" eaLnBrk="0" fontAlgn="base" hangingPunct="0">
+              <a:spcAft>
+                <a:spcPct val="0"/>
+              </a:spcAft>
+            </a:pPr>
+            <a:r>
+              <a:rPr lang="en-US" sz="6000" dirty="0">
+                <a:solidFill>
+                  <a:schemeClr val="bg1"/>
+                </a:solidFill>
+              </a:rPr>
+              <a:t>Html modules for scoping</a:t>
+            </a:r>
+            <a:endParaRPr lang="en-US" altLang="en-US" sz="6000" b="1" dirty="0">
+              <a:solidFill>
+                <a:schemeClr val="bg1"/>
+              </a:solidFill>
+              <a:latin typeface="Calibri (Body)"/>
+            </a:endParaRPr>
+          </a:p>
+        </p:txBody>
+      </p:sp>
+    </p:spTree>
+    <p:extLst>
+      <p:ext uri="{BB962C8B-B14F-4D97-AF65-F5344CB8AC3E}">
+        <p14:creationId xmlns:p14="http://schemas.microsoft.com/office/powerpoint/2010/main" val="1693568435"/>
+      </p:ext>
+    </p:extLst>
+  </p:cSld>
+  <p:clrMapOvr>
+    <a:masterClrMapping/>
+  </p:clrMapOvr>
+  <mc:AlternateContent xmlns:mc="http://schemas.openxmlformats.org/markup-compatibility/2006" xmlns:p14="http://schemas.microsoft.com/office/powerpoint/2010/main">
+    <mc:Choice Requires="p14">
+      <p:transition spd="med" p14:dur="700">
+        <p:fade/>
+      </p:transition>
+    </mc:Choice>
+    <mc:Fallback xmlns="">
+      <p:transition xmlns:p14="http://schemas.microsoft.com/office/powerpoint/2010/main" spd="med">
+        <p:fade/>
+      </p:transition>
+    </mc:Fallback>
+  </mc:AlternateContent>
+</p:sld>
+</file>
+
+<file path=ppt/slides/slide61.xml><?xml version="1.0" encoding="utf-8"?>
 <p:sld xmlns:a="http://schemas.openxmlformats.org/drawingml/2006/main" xmlns:r="http://schemas.openxmlformats.org/officeDocument/2006/relationships" xmlns:p="http://schemas.openxmlformats.org/presentationml/2006/main">
   <p:cSld>
     <p:spTree>

--- a/presentations/Practical Web Dev.pptx
+++ b/presentations/Practical Web Dev.pptx
@@ -5,7 +5,7 @@
     <p:sldMasterId id="2147483648" r:id="rId1"/>
   </p:sldMasterIdLst>
   <p:notesMasterIdLst>
-    <p:notesMasterId r:id="rId69"/>
+    <p:notesMasterId r:id="rId71"/>
   </p:notesMasterIdLst>
   <p:sldIdLst>
     <p:sldId id="256" r:id="rId2"/>
@@ -56,25 +56,27 @@
     <p:sldId id="410" r:id="rId47"/>
     <p:sldId id="431" r:id="rId48"/>
     <p:sldId id="432" r:id="rId49"/>
-    <p:sldId id="412" r:id="rId50"/>
-    <p:sldId id="430" r:id="rId51"/>
-    <p:sldId id="429" r:id="rId52"/>
-    <p:sldId id="427" r:id="rId53"/>
-    <p:sldId id="428" r:id="rId54"/>
-    <p:sldId id="416" r:id="rId55"/>
-    <p:sldId id="417" r:id="rId56"/>
-    <p:sldId id="418" r:id="rId57"/>
-    <p:sldId id="419" r:id="rId58"/>
-    <p:sldId id="420" r:id="rId59"/>
-    <p:sldId id="415" r:id="rId60"/>
-    <p:sldId id="413" r:id="rId61"/>
-    <p:sldId id="422" r:id="rId62"/>
-    <p:sldId id="414" r:id="rId63"/>
-    <p:sldId id="426" r:id="rId64"/>
-    <p:sldId id="423" r:id="rId65"/>
-    <p:sldId id="424" r:id="rId66"/>
+    <p:sldId id="430" r:id="rId50"/>
+    <p:sldId id="429" r:id="rId51"/>
+    <p:sldId id="427" r:id="rId52"/>
+    <p:sldId id="428" r:id="rId53"/>
+    <p:sldId id="416" r:id="rId54"/>
+    <p:sldId id="417" r:id="rId55"/>
+    <p:sldId id="418" r:id="rId56"/>
+    <p:sldId id="419" r:id="rId57"/>
+    <p:sldId id="415" r:id="rId58"/>
+    <p:sldId id="413" r:id="rId59"/>
+    <p:sldId id="422" r:id="rId60"/>
+    <p:sldId id="414" r:id="rId61"/>
+    <p:sldId id="426" r:id="rId62"/>
+    <p:sldId id="423" r:id="rId63"/>
+    <p:sldId id="424" r:id="rId64"/>
+    <p:sldId id="433" r:id="rId65"/>
+    <p:sldId id="420" r:id="rId66"/>
     <p:sldId id="421" r:id="rId67"/>
     <p:sldId id="411" r:id="rId68"/>
+    <p:sldId id="434" r:id="rId69"/>
+    <p:sldId id="435" r:id="rId70"/>
   </p:sldIdLst>
   <p:sldSz cx="12192000" cy="6858000"/>
   <p:notesSz cx="6858000" cy="9144000"/>
@@ -230,7 +232,6 @@
             <p14:sldId id="410"/>
             <p14:sldId id="431"/>
             <p14:sldId id="432"/>
-            <p14:sldId id="412"/>
             <p14:sldId id="430"/>
             <p14:sldId id="429"/>
             <p14:sldId id="427"/>
@@ -239,7 +240,6 @@
             <p14:sldId id="417"/>
             <p14:sldId id="418"/>
             <p14:sldId id="419"/>
-            <p14:sldId id="420"/>
             <p14:sldId id="415"/>
             <p14:sldId id="413"/>
             <p14:sldId id="422"/>
@@ -247,8 +247,12 @@
             <p14:sldId id="426"/>
             <p14:sldId id="423"/>
             <p14:sldId id="424"/>
+            <p14:sldId id="433"/>
+            <p14:sldId id="420"/>
             <p14:sldId id="421"/>
             <p14:sldId id="411"/>
+            <p14:sldId id="434"/>
+            <p14:sldId id="435"/>
           </p14:sldIdLst>
         </p14:section>
       </p14:sectionLst>
@@ -12885,15 +12889,7 @@
             </a:pPr>
             <a:r>
               <a:rPr lang="en-US" b="0" dirty="0"/>
-              <a:t>We are returning value who </a:t>
-            </a:r>
-            <a:r>
-              <a:rPr lang="en-US" b="0"/>
-              <a:t>is truthy </a:t>
-            </a:r>
-            <a:r>
-              <a:rPr lang="en-US" b="0" dirty="0"/>
-              <a:t>and not ‘true’ Boolean type and this is the reason we can access if statement.</a:t>
+              <a:t>We are returning value who is truthy and not ‘true’ Boolean type and this is the reason we can access if statement.</a:t>
             </a:r>
           </a:p>
           <a:p>
@@ -13494,7 +13490,7 @@
     </p:spTree>
     <p:extLst>
       <p:ext uri="{BB962C8B-B14F-4D97-AF65-F5344CB8AC3E}">
-        <p14:creationId xmlns:p14="http://schemas.microsoft.com/office/powerpoint/2010/main" val="77337649"/>
+        <p14:creationId xmlns:p14="http://schemas.microsoft.com/office/powerpoint/2010/main" val="2547641992"/>
       </p:ext>
     </p:extLst>
   </p:cSld>
@@ -13567,7 +13563,7 @@
             </a:pPr>
             <a:r>
               <a:rPr lang="en-US" dirty="0"/>
-              <a:t>- Object literals provide a very convenient notation for creating new object values. An object literal is a pair of curly braces surrounding zero or more name/value pairs. An object literal can appear anywhere an expression can appear: </a:t>
+              <a:t>Scope in a programming language controls the visibility and lifetimes of variables and parameters. This is an important service to the programmer because it reduces naming collisions and provides automatic memory management: </a:t>
             </a:r>
           </a:p>
           <a:p>
@@ -13591,7 +13587,7 @@
             <a:endParaRPr lang="en-US" b="0" dirty="0"/>
           </a:p>
           <a:p>
-            <a:pPr marL="171450" marR="0" lvl="0" indent="-171450" algn="l" defTabSz="914400" rtl="0" eaLnBrk="1" fontAlgn="auto" latinLnBrk="0" hangingPunct="1">
+            <a:pPr marL="0" marR="0" lvl="0" indent="0" algn="l" defTabSz="914400" rtl="0" eaLnBrk="1" fontAlgn="auto" latinLnBrk="0" hangingPunct="1">
               <a:lnSpc>
                 <a:spcPct val="100000"/>
               </a:lnSpc>
@@ -13604,417 +13600,14 @@
               <a:buClrTx/>
               <a:buSzTx/>
               <a:buFontTx/>
-              <a:buChar char="-"/>
+              <a:buNone/>
               <a:tabLst/>
               <a:defRPr/>
             </a:pPr>
             <a:r>
               <a:rPr lang="en-US" b="0" dirty="0"/>
-              <a:t>We can see that property name can be with or without quotes, why? When we need to add quotes?</a:t>
-            </a:r>
-          </a:p>
-          <a:p>
-            <a:pPr marL="171450" marR="0" lvl="0" indent="-171450" algn="l" defTabSz="914400" rtl="0" eaLnBrk="1" fontAlgn="auto" latinLnBrk="0" hangingPunct="1">
-              <a:lnSpc>
-                <a:spcPct val="100000"/>
-              </a:lnSpc>
-              <a:spcBef>
-                <a:spcPts val="0"/>
-              </a:spcBef>
-              <a:spcAft>
-                <a:spcPts val="0"/>
-              </a:spcAft>
-              <a:buClrTx/>
-              <a:buSzTx/>
-              <a:buFontTx/>
-              <a:buChar char="-"/>
-              <a:tabLst/>
-              <a:defRPr/>
-            </a:pPr>
-            <a:r>
-              <a:rPr lang="en-US" b="0" dirty="0"/>
-              <a:t>If the name is valid then we don’t need the quotes, but what is the rules?</a:t>
-            </a:r>
-          </a:p>
-          <a:p>
-            <a:pPr marL="171450" marR="0" lvl="0" indent="-171450" algn="l" defTabSz="914400" rtl="0" eaLnBrk="1" fontAlgn="auto" latinLnBrk="0" hangingPunct="1">
-              <a:lnSpc>
-                <a:spcPct val="100000"/>
-              </a:lnSpc>
-              <a:spcBef>
-                <a:spcPts val="0"/>
-              </a:spcBef>
-              <a:spcAft>
-                <a:spcPts val="0"/>
-              </a:spcAft>
-              <a:buClrTx/>
-              <a:buSzTx/>
-              <a:buFontTx/>
-              <a:buChar char="-"/>
-              <a:tabLst/>
-              <a:defRPr/>
-            </a:pPr>
-            <a:r>
-              <a:rPr lang="en-US" sz="1200" b="0" i="0" kern="1200" dirty="0">
-                <a:solidFill>
-                  <a:schemeClr val="tx1"/>
-                </a:solidFill>
-                <a:effectLst/>
-                <a:latin typeface="+mn-lt"/>
-                <a:ea typeface="+mn-ea"/>
-                <a:cs typeface="+mn-cs"/>
-              </a:rPr>
-              <a:t>Before JavaScript 1.5: ^[a-</a:t>
-            </a:r>
-            <a:r>
-              <a:rPr lang="en-US" sz="1200" b="0" i="0" kern="1200" dirty="0" err="1">
-                <a:solidFill>
-                  <a:schemeClr val="tx1"/>
-                </a:solidFill>
-                <a:effectLst/>
-                <a:latin typeface="+mn-lt"/>
-                <a:ea typeface="+mn-ea"/>
-                <a:cs typeface="+mn-cs"/>
-              </a:rPr>
-              <a:t>zA</a:t>
-            </a:r>
-            <a:r>
-              <a:rPr lang="en-US" sz="1200" b="0" i="0" kern="1200" dirty="0">
-                <a:solidFill>
-                  <a:schemeClr val="tx1"/>
-                </a:solidFill>
-                <a:effectLst/>
-                <a:latin typeface="+mn-lt"/>
-                <a:ea typeface="+mn-ea"/>
-                <a:cs typeface="+mn-cs"/>
-              </a:rPr>
-              <a:t>-Z_$][0-9a-zA-Z_$]*$</a:t>
-            </a:r>
-            <a:br>
-              <a:rPr lang="en-US" sz="1200" b="0" i="0" kern="1200" dirty="0">
-                <a:solidFill>
-                  <a:schemeClr val="tx1"/>
-                </a:solidFill>
-                <a:effectLst/>
-                <a:latin typeface="+mn-lt"/>
-                <a:ea typeface="+mn-ea"/>
-                <a:cs typeface="+mn-cs"/>
-              </a:rPr>
-            </a:br>
-            <a:r>
-              <a:rPr lang="en-US" sz="1200" b="0" i="1" kern="1200" dirty="0">
-                <a:solidFill>
-                  <a:schemeClr val="tx1"/>
-                </a:solidFill>
-                <a:effectLst/>
-                <a:latin typeface="+mn-lt"/>
-                <a:ea typeface="+mn-ea"/>
-                <a:cs typeface="+mn-cs"/>
-              </a:rPr>
-              <a:t>In English:</a:t>
-            </a:r>
-            <a:r>
-              <a:rPr lang="en-US" sz="1200" b="0" i="0" kern="1200" dirty="0">
-                <a:solidFill>
-                  <a:schemeClr val="tx1"/>
-                </a:solidFill>
-                <a:effectLst/>
-                <a:latin typeface="+mn-lt"/>
-                <a:ea typeface="+mn-ea"/>
-                <a:cs typeface="+mn-cs"/>
-              </a:rPr>
-              <a:t> It must start with a dollar sign, underscore or one of letters in the 26-character alphabet, upper or lower case. Subsequent characters (if any) can be one of any of those or a decimal digit</a:t>
-            </a:r>
-            <a:br>
-              <a:rPr lang="en-US" sz="1200" b="0" i="0" kern="1200" dirty="0">
-                <a:solidFill>
-                  <a:schemeClr val="tx1"/>
-                </a:solidFill>
-                <a:effectLst/>
-                <a:latin typeface="+mn-lt"/>
-                <a:ea typeface="+mn-ea"/>
-                <a:cs typeface="+mn-cs"/>
-              </a:rPr>
-            </a:br>
-            <a:r>
-              <a:rPr lang="en-US" sz="1200" b="0" i="0" kern="1200" dirty="0">
-                <a:solidFill>
-                  <a:schemeClr val="tx1"/>
-                </a:solidFill>
-                <a:effectLst/>
-                <a:latin typeface="+mn-lt"/>
-                <a:ea typeface="+mn-ea"/>
-                <a:cs typeface="+mn-cs"/>
-              </a:rPr>
-              <a:t>JavaScript 1.5 and later </a:t>
-            </a:r>
-            <a:r>
-              <a:rPr lang="en-US" sz="1200" b="1" i="0" kern="1200" dirty="0">
-                <a:solidFill>
-                  <a:schemeClr val="tx1"/>
-                </a:solidFill>
-                <a:effectLst/>
-                <a:latin typeface="+mn-lt"/>
-                <a:ea typeface="+mn-ea"/>
-                <a:cs typeface="+mn-cs"/>
-              </a:rPr>
-              <a:t>*</a:t>
-            </a:r>
-            <a:r>
-              <a:rPr lang="en-US" sz="1200" b="0" i="0" kern="1200" dirty="0">
-                <a:solidFill>
-                  <a:schemeClr val="tx1"/>
-                </a:solidFill>
-                <a:effectLst/>
-                <a:latin typeface="+mn-lt"/>
-                <a:ea typeface="+mn-ea"/>
-                <a:cs typeface="+mn-cs"/>
-              </a:rPr>
-              <a:t> : ^[\p{L}\p{</a:t>
-            </a:r>
-            <a:r>
-              <a:rPr lang="en-US" sz="1200" b="0" i="0" kern="1200" dirty="0" err="1">
-                <a:solidFill>
-                  <a:schemeClr val="tx1"/>
-                </a:solidFill>
-                <a:effectLst/>
-                <a:latin typeface="+mn-lt"/>
-                <a:ea typeface="+mn-ea"/>
-                <a:cs typeface="+mn-cs"/>
-              </a:rPr>
-              <a:t>Nl</a:t>
-            </a:r>
-            <a:r>
-              <a:rPr lang="en-US" sz="1200" b="0" i="0" kern="1200" dirty="0">
-                <a:solidFill>
-                  <a:schemeClr val="tx1"/>
-                </a:solidFill>
-                <a:effectLst/>
-                <a:latin typeface="+mn-lt"/>
-                <a:ea typeface="+mn-ea"/>
-                <a:cs typeface="+mn-cs"/>
-              </a:rPr>
-              <a:t>}$_][\p{L}\p{</a:t>
-            </a:r>
-            <a:r>
-              <a:rPr lang="en-US" sz="1200" b="0" i="0" kern="1200" dirty="0" err="1">
-                <a:solidFill>
-                  <a:schemeClr val="tx1"/>
-                </a:solidFill>
-                <a:effectLst/>
-                <a:latin typeface="+mn-lt"/>
-                <a:ea typeface="+mn-ea"/>
-                <a:cs typeface="+mn-cs"/>
-              </a:rPr>
-              <a:t>Nl</a:t>
-            </a:r>
-            <a:r>
-              <a:rPr lang="en-US" sz="1200" b="0" i="0" kern="1200" dirty="0">
-                <a:solidFill>
-                  <a:schemeClr val="tx1"/>
-                </a:solidFill>
-                <a:effectLst/>
-                <a:latin typeface="+mn-lt"/>
-                <a:ea typeface="+mn-ea"/>
-                <a:cs typeface="+mn-cs"/>
-              </a:rPr>
-              <a:t>}$\p{Mn}\p{Mc}\p{Nd}\p{Pc}]*</a:t>
-            </a:r>
-            <a:br>
-              <a:rPr lang="en-US" sz="1200" b="0" i="0" kern="1200" dirty="0">
-                <a:solidFill>
-                  <a:schemeClr val="tx1"/>
-                </a:solidFill>
-                <a:effectLst/>
-                <a:latin typeface="+mn-lt"/>
-                <a:ea typeface="+mn-ea"/>
-                <a:cs typeface="+mn-cs"/>
-              </a:rPr>
-            </a:br>
-            <a:r>
-              <a:rPr lang="en-US" sz="1200" b="0" i="0" kern="1200" dirty="0">
-                <a:solidFill>
-                  <a:schemeClr val="tx1"/>
-                </a:solidFill>
-                <a:effectLst/>
-                <a:latin typeface="+mn-lt"/>
-                <a:ea typeface="+mn-ea"/>
-                <a:cs typeface="+mn-cs"/>
-              </a:rPr>
-              <a:t>This is more difficult to express in English, but it is conceptually similar to the older syntax with the addition that the letters and digits can be from any language. After the first character, there are also allowed additional underscore-like characters (collectively called “connectors”) and additional character combining marks (“modifiers”). (Other currency symbols are not included in this extended set.)</a:t>
-            </a:r>
-            <a:br>
-              <a:rPr lang="en-US" sz="1200" b="0" i="0" kern="1200" dirty="0">
-                <a:solidFill>
-                  <a:schemeClr val="tx1"/>
-                </a:solidFill>
-                <a:effectLst/>
-                <a:latin typeface="+mn-lt"/>
-                <a:ea typeface="+mn-ea"/>
-                <a:cs typeface="+mn-cs"/>
-              </a:rPr>
-            </a:br>
-            <a:endParaRPr lang="en-US" sz="1200" b="0" i="0" kern="1200" dirty="0">
-              <a:solidFill>
-                <a:schemeClr val="tx1"/>
-              </a:solidFill>
-              <a:effectLst/>
-              <a:latin typeface="+mn-lt"/>
-              <a:ea typeface="+mn-ea"/>
-              <a:cs typeface="+mn-cs"/>
-            </a:endParaRPr>
-          </a:p>
-          <a:p>
-            <a:pPr marL="171450" marR="0" lvl="0" indent="-171450" algn="l" defTabSz="914400" rtl="0" eaLnBrk="1" fontAlgn="auto" latinLnBrk="0" hangingPunct="1">
-              <a:lnSpc>
-                <a:spcPct val="100000"/>
-              </a:lnSpc>
-              <a:spcBef>
-                <a:spcPts val="0"/>
-              </a:spcBef>
-              <a:spcAft>
-                <a:spcPts val="0"/>
-              </a:spcAft>
-              <a:buClrTx/>
-              <a:buSzTx/>
-              <a:buFontTx/>
-              <a:buChar char="-"/>
-              <a:tabLst/>
-              <a:defRPr/>
-            </a:pPr>
-            <a:r>
-              <a:rPr lang="en-US" sz="1200" b="0" i="0" kern="1200" dirty="0">
-                <a:solidFill>
-                  <a:schemeClr val="tx1"/>
-                </a:solidFill>
-                <a:effectLst/>
-                <a:latin typeface="+mn-lt"/>
-                <a:ea typeface="+mn-ea"/>
-                <a:cs typeface="+mn-cs"/>
-              </a:rPr>
-              <a:t>Basically it should start with or ‘_’ or ‘$’ or character and contain all the other plus numbers otherwise the name should be with quotes</a:t>
-            </a:r>
-          </a:p>
-          <a:p>
-            <a:pPr marL="171450" marR="0" lvl="0" indent="-171450" algn="l" defTabSz="914400" rtl="0" eaLnBrk="1" fontAlgn="auto" latinLnBrk="0" hangingPunct="1">
-              <a:lnSpc>
-                <a:spcPct val="100000"/>
-              </a:lnSpc>
-              <a:spcBef>
-                <a:spcPts val="0"/>
-              </a:spcBef>
-              <a:spcAft>
-                <a:spcPts val="0"/>
-              </a:spcAft>
-              <a:buClrTx/>
-              <a:buSzTx/>
-              <a:buFontTx/>
-              <a:buChar char="-"/>
-              <a:tabLst/>
-              <a:defRPr/>
-            </a:pPr>
-            <a:r>
-              <a:rPr lang="en-US" sz="1200" b="0" i="0" kern="1200" dirty="0">
-                <a:solidFill>
-                  <a:schemeClr val="tx1"/>
-                </a:solidFill>
-                <a:effectLst/>
-                <a:latin typeface="+mn-lt"/>
-                <a:ea typeface="+mn-ea"/>
-                <a:cs typeface="+mn-cs"/>
-              </a:rPr>
-              <a:t>How to </a:t>
-            </a:r>
-            <a:r>
-              <a:rPr lang="en-US" dirty="0"/>
-              <a:t>retrieval values from object? It can be by dot notation or via parentheses (“[]”).</a:t>
-            </a:r>
-            <a:br>
-              <a:rPr lang="en-US" dirty="0"/>
-            </a:br>
-            <a:r>
-              <a:rPr lang="en-US" dirty="0"/>
-              <a:t>When we use each one?</a:t>
-            </a:r>
-          </a:p>
-          <a:p>
-            <a:pPr marL="171450" marR="0" lvl="0" indent="-171450" algn="l" defTabSz="914400" rtl="0" eaLnBrk="1" fontAlgn="auto" latinLnBrk="0" hangingPunct="1">
-              <a:lnSpc>
-                <a:spcPct val="100000"/>
-              </a:lnSpc>
-              <a:spcBef>
-                <a:spcPts val="0"/>
-              </a:spcBef>
-              <a:spcAft>
-                <a:spcPts val="0"/>
-              </a:spcAft>
-              <a:buClrTx/>
-              <a:buSzTx/>
-              <a:buFontTx/>
-              <a:buChar char="-"/>
-              <a:tabLst/>
-              <a:defRPr/>
-            </a:pPr>
-            <a:r>
-              <a:rPr lang="en-US" sz="1200" b="0" i="0" kern="1200" dirty="0">
-                <a:solidFill>
-                  <a:schemeClr val="tx1"/>
-                </a:solidFill>
-                <a:effectLst/>
-                <a:latin typeface="+mn-lt"/>
-                <a:ea typeface="+mn-ea"/>
-                <a:cs typeface="+mn-cs"/>
-              </a:rPr>
-              <a:t>If name is valid then we can use dot notation otherwise it must be via parentheses.</a:t>
-            </a:r>
-          </a:p>
-          <a:p>
-            <a:pPr marL="171450" marR="0" lvl="0" indent="-171450" algn="l" defTabSz="914400" rtl="0" eaLnBrk="1" fontAlgn="auto" latinLnBrk="0" hangingPunct="1">
-              <a:lnSpc>
-                <a:spcPct val="100000"/>
-              </a:lnSpc>
-              <a:spcBef>
-                <a:spcPts val="0"/>
-              </a:spcBef>
-              <a:spcAft>
-                <a:spcPts val="0"/>
-              </a:spcAft>
-              <a:buClrTx/>
-              <a:buSzTx/>
-              <a:buFontTx/>
-              <a:buChar char="-"/>
-              <a:tabLst/>
-              <a:defRPr/>
-            </a:pPr>
-            <a:endParaRPr lang="en-US" sz="1200" b="0" i="0" kern="1200" dirty="0">
-              <a:solidFill>
-                <a:schemeClr val="tx1"/>
-              </a:solidFill>
-              <a:effectLst/>
-              <a:latin typeface="+mn-lt"/>
-              <a:ea typeface="+mn-ea"/>
-              <a:cs typeface="+mn-cs"/>
-            </a:endParaRPr>
-          </a:p>
-          <a:p>
-            <a:pPr marL="171450" marR="0" lvl="0" indent="-171450" algn="l" defTabSz="914400" rtl="0" eaLnBrk="1" fontAlgn="auto" latinLnBrk="0" hangingPunct="1">
-              <a:lnSpc>
-                <a:spcPct val="100000"/>
-              </a:lnSpc>
-              <a:spcBef>
-                <a:spcPts val="0"/>
-              </a:spcBef>
-              <a:spcAft>
-                <a:spcPts val="0"/>
-              </a:spcAft>
-              <a:buClrTx/>
-              <a:buSzTx/>
-              <a:buFontTx/>
-              <a:buChar char="-"/>
-              <a:tabLst/>
-              <a:defRPr/>
-            </a:pPr>
-            <a:endParaRPr lang="en-US" b="0" dirty="0"/>
+              <a:t>In JS, unlike other languages we have one scope, the global scope.</a:t>
+            </a:r>
           </a:p>
         </p:txBody>
       </p:sp>
@@ -14044,7 +13637,7 @@
     </p:spTree>
     <p:extLst>
       <p:ext uri="{BB962C8B-B14F-4D97-AF65-F5344CB8AC3E}">
-        <p14:creationId xmlns:p14="http://schemas.microsoft.com/office/powerpoint/2010/main" val="2547641992"/>
+        <p14:creationId xmlns:p14="http://schemas.microsoft.com/office/powerpoint/2010/main" val="488411805"/>
       </p:ext>
     </p:extLst>
   </p:cSld>
@@ -14117,7 +13710,73 @@
             </a:pPr>
             <a:r>
               <a:rPr lang="en-US" b="0" dirty="0"/>
-              <a:t>In JS, unlike other languages we have one scope, the global scope.</a:t>
+              <a:t>Who is the global scope? How can I access it?</a:t>
+            </a:r>
+          </a:p>
+          <a:p>
+            <a:pPr marL="0" marR="0" lvl="0" indent="0" algn="l" defTabSz="914400" rtl="0" eaLnBrk="1" fontAlgn="auto" latinLnBrk="0" hangingPunct="1">
+              <a:lnSpc>
+                <a:spcPct val="100000"/>
+              </a:lnSpc>
+              <a:spcBef>
+                <a:spcPts val="0"/>
+              </a:spcBef>
+              <a:spcAft>
+                <a:spcPts val="0"/>
+              </a:spcAft>
+              <a:buClrTx/>
+              <a:buSzTx/>
+              <a:buFontTx/>
+              <a:buNone/>
+              <a:tabLst/>
+              <a:defRPr/>
+            </a:pPr>
+            <a:endParaRPr lang="en-US" b="0" dirty="0"/>
+          </a:p>
+          <a:p>
+            <a:pPr marL="0" marR="0" lvl="0" indent="0" algn="l" defTabSz="914400" rtl="0" eaLnBrk="1" fontAlgn="auto" latinLnBrk="0" hangingPunct="1">
+              <a:lnSpc>
+                <a:spcPct val="100000"/>
+              </a:lnSpc>
+              <a:spcBef>
+                <a:spcPts val="0"/>
+              </a:spcBef>
+              <a:spcAft>
+                <a:spcPts val="0"/>
+              </a:spcAft>
+              <a:buClrTx/>
+              <a:buSzTx/>
+              <a:buFontTx/>
+              <a:buNone/>
+              <a:tabLst/>
+              <a:defRPr/>
+            </a:pPr>
+            <a:r>
+              <a:rPr lang="en-US" b="0" dirty="0"/>
+              <a:t>global scope is window, we have one object who is accessible across our browser, just write window and you are accessing the global scope</a:t>
+            </a:r>
+          </a:p>
+          <a:p>
+            <a:pPr marL="0" marR="0" lvl="0" indent="0" algn="l" defTabSz="914400" rtl="0" eaLnBrk="1" fontAlgn="auto" latinLnBrk="0" hangingPunct="1">
+              <a:lnSpc>
+                <a:spcPct val="100000"/>
+              </a:lnSpc>
+              <a:spcBef>
+                <a:spcPts val="0"/>
+              </a:spcBef>
+              <a:spcAft>
+                <a:spcPts val="0"/>
+              </a:spcAft>
+              <a:buClrTx/>
+              <a:buSzTx/>
+              <a:buFontTx/>
+              <a:buNone/>
+              <a:tabLst/>
+              <a:defRPr/>
+            </a:pPr>
+            <a:r>
+              <a:rPr lang="en-US" b="0" dirty="0"/>
+              <a:t>There is just one global scope</a:t>
             </a:r>
           </a:p>
         </p:txBody>
@@ -14148,7 +13807,7 @@
     </p:spTree>
     <p:extLst>
       <p:ext uri="{BB962C8B-B14F-4D97-AF65-F5344CB8AC3E}">
-        <p14:creationId xmlns:p14="http://schemas.microsoft.com/office/powerpoint/2010/main" val="488411805"/>
+        <p14:creationId xmlns:p14="http://schemas.microsoft.com/office/powerpoint/2010/main" val="1048341101"/>
       </p:ext>
     </p:extLst>
   </p:cSld>
@@ -14308,7 +13967,7 @@
             </a:pPr>
             <a:r>
               <a:rPr lang="en-US" b="0" dirty="0"/>
-              <a:t>Who is the global scope? How can I access it?</a:t>
+              <a:t>If we will declare on variable x, by default it automatically will added to the global scope,</a:t>
             </a:r>
           </a:p>
           <a:p>
@@ -14329,53 +13988,15 @@
               <a:tabLst/>
               <a:defRPr/>
             </a:pPr>
+            <a:r>
+              <a:rPr lang="en-US" b="0" dirty="0"/>
+              <a:t>So we can access it by just writing x to by writing </a:t>
+            </a:r>
+            <a:r>
+              <a:rPr lang="en-US" b="0" dirty="0" err="1"/>
+              <a:t>window.x</a:t>
+            </a:r>
             <a:endParaRPr lang="en-US" b="0" dirty="0"/>
-          </a:p>
-          <a:p>
-            <a:pPr marL="0" marR="0" lvl="0" indent="0" algn="l" defTabSz="914400" rtl="0" eaLnBrk="1" fontAlgn="auto" latinLnBrk="0" hangingPunct="1">
-              <a:lnSpc>
-                <a:spcPct val="100000"/>
-              </a:lnSpc>
-              <a:spcBef>
-                <a:spcPts val="0"/>
-              </a:spcBef>
-              <a:spcAft>
-                <a:spcPts val="0"/>
-              </a:spcAft>
-              <a:buClrTx/>
-              <a:buSzTx/>
-              <a:buFontTx/>
-              <a:buNone/>
-              <a:tabLst/>
-              <a:defRPr/>
-            </a:pPr>
-            <a:r>
-              <a:rPr lang="en-US" b="0" dirty="0"/>
-              <a:t>global scope is window, we have one object who is accessible across our browser, just write window and you are accessing the global scope</a:t>
-            </a:r>
-          </a:p>
-          <a:p>
-            <a:pPr marL="0" marR="0" lvl="0" indent="0" algn="l" defTabSz="914400" rtl="0" eaLnBrk="1" fontAlgn="auto" latinLnBrk="0" hangingPunct="1">
-              <a:lnSpc>
-                <a:spcPct val="100000"/>
-              </a:lnSpc>
-              <a:spcBef>
-                <a:spcPts val="0"/>
-              </a:spcBef>
-              <a:spcAft>
-                <a:spcPts val="0"/>
-              </a:spcAft>
-              <a:buClrTx/>
-              <a:buSzTx/>
-              <a:buFontTx/>
-              <a:buNone/>
-              <a:tabLst/>
-              <a:defRPr/>
-            </a:pPr>
-            <a:r>
-              <a:rPr lang="en-US" b="0" dirty="0"/>
-              <a:t>There is just one global scope</a:t>
-            </a:r>
           </a:p>
         </p:txBody>
       </p:sp>
@@ -14405,7 +14026,7 @@
     </p:spTree>
     <p:extLst>
       <p:ext uri="{BB962C8B-B14F-4D97-AF65-F5344CB8AC3E}">
-        <p14:creationId xmlns:p14="http://schemas.microsoft.com/office/powerpoint/2010/main" val="1048341101"/>
+        <p14:creationId xmlns:p14="http://schemas.microsoft.com/office/powerpoint/2010/main" val="3531191903"/>
       </p:ext>
     </p:extLst>
   </p:cSld>
@@ -14478,7 +14099,7 @@
             </a:pPr>
             <a:r>
               <a:rPr lang="en-US" b="0" dirty="0"/>
-              <a:t>If we will declare on variable x, by default it automatically will added to the global scope,</a:t>
+              <a:t>For example:</a:t>
             </a:r>
           </a:p>
           <a:p>
@@ -14501,13 +14122,31 @@
             </a:pPr>
             <a:r>
               <a:rPr lang="en-US" b="0" dirty="0"/>
-              <a:t>So we can access it by just writing x to by writing </a:t>
-            </a:r>
-            <a:r>
-              <a:rPr lang="en-US" b="0" dirty="0" err="1"/>
-              <a:t>window.x</a:t>
-            </a:r>
-            <a:endParaRPr lang="en-US" b="0" dirty="0"/>
+              <a:t>In java, inside the curly brackets we defined y, this is creating a new scope and y can be access only in this scope,</a:t>
+            </a:r>
+          </a:p>
+          <a:p>
+            <a:pPr marL="0" marR="0" lvl="0" indent="0" algn="l" defTabSz="914400" rtl="0" eaLnBrk="1" fontAlgn="auto" latinLnBrk="0" hangingPunct="1">
+              <a:lnSpc>
+                <a:spcPct val="100000"/>
+              </a:lnSpc>
+              <a:spcBef>
+                <a:spcPts val="0"/>
+              </a:spcBef>
+              <a:spcAft>
+                <a:spcPts val="0"/>
+              </a:spcAft>
+              <a:buClrTx/>
+              <a:buSzTx/>
+              <a:buFontTx/>
+              <a:buNone/>
+              <a:tabLst/>
+              <a:defRPr/>
+            </a:pPr>
+            <a:r>
+              <a:rPr lang="en-US" b="0" dirty="0"/>
+              <a:t>If we will try to access it outside we will receive error.</a:t>
+            </a:r>
           </a:p>
         </p:txBody>
       </p:sp>
@@ -14537,7 +14176,7 @@
     </p:spTree>
     <p:extLst>
       <p:ext uri="{BB962C8B-B14F-4D97-AF65-F5344CB8AC3E}">
-        <p14:creationId xmlns:p14="http://schemas.microsoft.com/office/powerpoint/2010/main" val="3531191903"/>
+        <p14:creationId xmlns:p14="http://schemas.microsoft.com/office/powerpoint/2010/main" val="3070182469"/>
       </p:ext>
     </p:extLst>
   </p:cSld>
@@ -14610,7 +14249,7 @@
             </a:pPr>
             <a:r>
               <a:rPr lang="en-US" b="0" dirty="0"/>
-              <a:t>For example:</a:t>
+              <a:t>But if we will write same code in JS it will work, why?</a:t>
             </a:r>
           </a:p>
           <a:p>
@@ -14633,7 +14272,7 @@
             </a:pPr>
             <a:r>
               <a:rPr lang="en-US" b="0" dirty="0"/>
-              <a:t>In java, inside the curly brackets we defined y, this is creating a new scope and y can be access only in this scope,</a:t>
+              <a:t>When declaring variable, it’s automatically added to global scope, which in our case is window,</a:t>
             </a:r>
           </a:p>
           <a:p>
@@ -14656,8 +14295,56 @@
             </a:pPr>
             <a:r>
               <a:rPr lang="en-US" b="0" dirty="0"/>
-              <a:t>If we will try to access it outside we will receive error.</a:t>
-            </a:r>
+              <a:t>So, console.log(y) is like console.log(</a:t>
+            </a:r>
+            <a:r>
+              <a:rPr lang="en-US" b="0" dirty="0" err="1"/>
+              <a:t>window.y</a:t>
+            </a:r>
+            <a:r>
+              <a:rPr lang="en-US" b="0" dirty="0"/>
+              <a:t>)</a:t>
+            </a:r>
+          </a:p>
+          <a:p>
+            <a:pPr marL="0" marR="0" lvl="0" indent="0" algn="l" defTabSz="914400" rtl="0" eaLnBrk="1" fontAlgn="auto" latinLnBrk="0" hangingPunct="1">
+              <a:lnSpc>
+                <a:spcPct val="100000"/>
+              </a:lnSpc>
+              <a:spcBef>
+                <a:spcPts val="0"/>
+              </a:spcBef>
+              <a:spcAft>
+                <a:spcPts val="0"/>
+              </a:spcAft>
+              <a:buClrTx/>
+              <a:buSzTx/>
+              <a:buFontTx/>
+              <a:buNone/>
+              <a:tabLst/>
+              <a:defRPr/>
+            </a:pPr>
+            <a:endParaRPr lang="en-US" b="0" dirty="0"/>
+          </a:p>
+          <a:p>
+            <a:pPr marL="0" marR="0" lvl="0" indent="0" algn="l" defTabSz="914400" rtl="0" eaLnBrk="1" fontAlgn="auto" latinLnBrk="0" hangingPunct="1">
+              <a:lnSpc>
+                <a:spcPct val="100000"/>
+              </a:lnSpc>
+              <a:spcBef>
+                <a:spcPts val="0"/>
+              </a:spcBef>
+              <a:spcAft>
+                <a:spcPts val="0"/>
+              </a:spcAft>
+              <a:buClrTx/>
+              <a:buSzTx/>
+              <a:buFontTx/>
+              <a:buNone/>
+              <a:tabLst/>
+              <a:defRPr/>
+            </a:pPr>
+            <a:endParaRPr lang="en-US" b="0" dirty="0"/>
           </a:p>
         </p:txBody>
       </p:sp>
@@ -14687,7 +14374,7 @@
     </p:spTree>
     <p:extLst>
       <p:ext uri="{BB962C8B-B14F-4D97-AF65-F5344CB8AC3E}">
-        <p14:creationId xmlns:p14="http://schemas.microsoft.com/office/powerpoint/2010/main" val="3070182469"/>
+        <p14:creationId xmlns:p14="http://schemas.microsoft.com/office/powerpoint/2010/main" val="4292035278"/>
       </p:ext>
     </p:extLst>
   </p:cSld>
@@ -14760,7 +14447,7 @@
             </a:pPr>
             <a:r>
               <a:rPr lang="en-US" b="0" dirty="0"/>
-              <a:t>But if we will write same code in JS it will work, why?</a:t>
+              <a:t>This makes global scope very danger</a:t>
             </a:r>
           </a:p>
           <a:p>
@@ -14781,9 +14468,59 @@
               <a:tabLst/>
               <a:defRPr/>
             </a:pPr>
-            <a:r>
-              <a:rPr lang="en-US" b="0" dirty="0"/>
-              <a:t>When declaring variable, it’s automatically added to global scope, which in our case is window,</a:t>
+            <a:endParaRPr lang="en-US" b="0" dirty="0"/>
+          </a:p>
+          <a:p>
+            <a:pPr algn="l" rtl="0"/>
+            <a:r>
+              <a:rPr lang="en-US" sz="1200" b="0" i="0" kern="1200" dirty="0">
+                <a:solidFill>
+                  <a:schemeClr val="tx1"/>
+                </a:solidFill>
+                <a:effectLst/>
+                <a:latin typeface="+mn-lt"/>
+                <a:ea typeface="+mn-ea"/>
+                <a:cs typeface="+mn-cs"/>
+              </a:rPr>
+              <a:t>Do NOT create global variables unless you intend to.</a:t>
+            </a:r>
+          </a:p>
+          <a:p>
+            <a:pPr algn="l" rtl="0"/>
+            <a:r>
+              <a:rPr lang="en-US" sz="1200" b="0" i="0" kern="1200" dirty="0">
+                <a:solidFill>
+                  <a:schemeClr val="tx1"/>
+                </a:solidFill>
+                <a:effectLst/>
+                <a:latin typeface="+mn-lt"/>
+                <a:ea typeface="+mn-ea"/>
+                <a:cs typeface="+mn-cs"/>
+              </a:rPr>
+              <a:t>Your global variables (or functions) can overwrite window variables (or functions).</a:t>
+            </a:r>
+            <a:br>
+              <a:rPr lang="en-US" sz="1200" b="0" i="0" kern="1200" dirty="0">
+                <a:solidFill>
+                  <a:schemeClr val="tx1"/>
+                </a:solidFill>
+                <a:effectLst/>
+                <a:latin typeface="+mn-lt"/>
+                <a:ea typeface="+mn-ea"/>
+                <a:cs typeface="+mn-cs"/>
+              </a:rPr>
+            </a:br>
+            <a:r>
+              <a:rPr lang="en-US" sz="1200" b="0" i="0" kern="1200" dirty="0">
+                <a:solidFill>
+                  <a:schemeClr val="tx1"/>
+                </a:solidFill>
+                <a:effectLst/>
+                <a:latin typeface="+mn-lt"/>
+                <a:ea typeface="+mn-ea"/>
+                <a:cs typeface="+mn-cs"/>
+              </a:rPr>
+              <a:t>Any function, including the window object, can overwrite your global variables and functions.</a:t>
             </a:r>
           </a:p>
           <a:p>
@@ -14804,18 +14541,7 @@
               <a:tabLst/>
               <a:defRPr/>
             </a:pPr>
-            <a:r>
-              <a:rPr lang="en-US" b="0" dirty="0"/>
-              <a:t>So, console.log(y) is like console.log(</a:t>
-            </a:r>
-            <a:r>
-              <a:rPr lang="en-US" b="0" dirty="0" err="1"/>
-              <a:t>window.y</a:t>
-            </a:r>
-            <a:r>
-              <a:rPr lang="en-US" b="0" dirty="0"/>
-              <a:t>)</a:t>
-            </a:r>
+            <a:endParaRPr lang="en-US" b="0" dirty="0"/>
           </a:p>
           <a:p>
             <a:pPr marL="0" marR="0" lvl="0" indent="0" algn="l" defTabSz="914400" rtl="0" eaLnBrk="1" fontAlgn="auto" latinLnBrk="0" hangingPunct="1">
@@ -14835,7 +14561,10 @@
               <a:tabLst/>
               <a:defRPr/>
             </a:pPr>
-            <a:endParaRPr lang="en-US" b="0" dirty="0"/>
+            <a:r>
+              <a:rPr lang="en-US" b="0" dirty="0"/>
+              <a:t>When it might usually happened?</a:t>
+            </a:r>
           </a:p>
           <a:p>
             <a:pPr marL="0" marR="0" lvl="0" indent="0" algn="l" defTabSz="914400" rtl="0" eaLnBrk="1" fontAlgn="auto" latinLnBrk="0" hangingPunct="1">
@@ -14855,7 +14584,10 @@
               <a:tabLst/>
               <a:defRPr/>
             </a:pPr>
-            <a:endParaRPr lang="en-US" b="0" dirty="0"/>
+            <a:r>
+              <a:rPr lang="en-US" b="0" dirty="0"/>
+              <a:t>When using 3-rd party lib, if they are putting values on the scope, you &amp; them might override each other.</a:t>
+            </a:r>
           </a:p>
         </p:txBody>
       </p:sp>
@@ -14885,7 +14617,7 @@
     </p:spTree>
     <p:extLst>
       <p:ext uri="{BB962C8B-B14F-4D97-AF65-F5344CB8AC3E}">
-        <p14:creationId xmlns:p14="http://schemas.microsoft.com/office/powerpoint/2010/main" val="4292035278"/>
+        <p14:creationId xmlns:p14="http://schemas.microsoft.com/office/powerpoint/2010/main" val="1518424191"/>
       </p:ext>
     </p:extLst>
   </p:cSld>
@@ -14958,7 +14690,7 @@
             </a:pPr>
             <a:r>
               <a:rPr lang="en-US" b="0" dirty="0"/>
-              <a:t>This makes global scope very danger</a:t>
+              <a:t>But, what will happened if we will load 2 files?</a:t>
             </a:r>
           </a:p>
           <a:p>
@@ -14979,59 +14711,9 @@
               <a:tabLst/>
               <a:defRPr/>
             </a:pPr>
-            <a:endParaRPr lang="en-US" b="0" dirty="0"/>
-          </a:p>
-          <a:p>
-            <a:pPr algn="l" rtl="0"/>
-            <a:r>
-              <a:rPr lang="en-US" sz="1200" b="0" i="0" kern="1200" dirty="0">
-                <a:solidFill>
-                  <a:schemeClr val="tx1"/>
-                </a:solidFill>
-                <a:effectLst/>
-                <a:latin typeface="+mn-lt"/>
-                <a:ea typeface="+mn-ea"/>
-                <a:cs typeface="+mn-cs"/>
-              </a:rPr>
-              <a:t>Do NOT create global variables unless you intend to.</a:t>
-            </a:r>
-          </a:p>
-          <a:p>
-            <a:pPr algn="l" rtl="0"/>
-            <a:r>
-              <a:rPr lang="en-US" sz="1200" b="0" i="0" kern="1200" dirty="0">
-                <a:solidFill>
-                  <a:schemeClr val="tx1"/>
-                </a:solidFill>
-                <a:effectLst/>
-                <a:latin typeface="+mn-lt"/>
-                <a:ea typeface="+mn-ea"/>
-                <a:cs typeface="+mn-cs"/>
-              </a:rPr>
-              <a:t>Your global variables (or functions) can overwrite window variables (or functions).</a:t>
-            </a:r>
-            <a:br>
-              <a:rPr lang="en-US" sz="1200" b="0" i="0" kern="1200" dirty="0">
-                <a:solidFill>
-                  <a:schemeClr val="tx1"/>
-                </a:solidFill>
-                <a:effectLst/>
-                <a:latin typeface="+mn-lt"/>
-                <a:ea typeface="+mn-ea"/>
-                <a:cs typeface="+mn-cs"/>
-              </a:rPr>
-            </a:br>
-            <a:r>
-              <a:rPr lang="en-US" sz="1200" b="0" i="0" kern="1200" dirty="0">
-                <a:solidFill>
-                  <a:schemeClr val="tx1"/>
-                </a:solidFill>
-                <a:effectLst/>
-                <a:latin typeface="+mn-lt"/>
-                <a:ea typeface="+mn-ea"/>
-                <a:cs typeface="+mn-cs"/>
-              </a:rPr>
-              <a:t>Any function, including the window object, can overwrite your global variables and functions.</a:t>
+            <a:r>
+              <a:rPr lang="en-US" b="0" dirty="0"/>
+              <a:t>They are in different scope, no?</a:t>
             </a:r>
           </a:p>
           <a:p>
@@ -15074,7 +14756,7 @@
             </a:pPr>
             <a:r>
               <a:rPr lang="en-US" b="0" dirty="0"/>
-              <a:t>When it might usually happened?</a:t>
+              <a:t>Well, no, they are under the same global scope so `x` is accessible by the second file. </a:t>
             </a:r>
           </a:p>
           <a:p>
@@ -15097,8 +14779,36 @@
             </a:pPr>
             <a:r>
               <a:rPr lang="en-US" b="0" dirty="0"/>
-              <a:t>When using 3-rd party lib, if they are putting values on the scope, you &amp; them might override each other.</a:t>
-            </a:r>
+              <a:t>Like we said, We have just </a:t>
+            </a:r>
+            <a:r>
+              <a:rPr lang="en-US" b="1" dirty="0"/>
+              <a:t>one</a:t>
+            </a:r>
+            <a:r>
+              <a:rPr lang="en-US" b="0" dirty="0"/>
+              <a:t> scope!</a:t>
+            </a:r>
+          </a:p>
+          <a:p>
+            <a:pPr marL="0" marR="0" lvl="0" indent="0" algn="l" defTabSz="914400" rtl="0" eaLnBrk="1" fontAlgn="auto" latinLnBrk="0" hangingPunct="1">
+              <a:lnSpc>
+                <a:spcPct val="100000"/>
+              </a:lnSpc>
+              <a:spcBef>
+                <a:spcPts val="0"/>
+              </a:spcBef>
+              <a:spcAft>
+                <a:spcPts val="0"/>
+              </a:spcAft>
+              <a:buClrTx/>
+              <a:buSzTx/>
+              <a:buFontTx/>
+              <a:buNone/>
+              <a:tabLst/>
+              <a:defRPr/>
+            </a:pPr>
+            <a:endParaRPr lang="en-US" b="0" dirty="0"/>
           </a:p>
         </p:txBody>
       </p:sp>
@@ -15128,7 +14838,7 @@
     </p:spTree>
     <p:extLst>
       <p:ext uri="{BB962C8B-B14F-4D97-AF65-F5344CB8AC3E}">
-        <p14:creationId xmlns:p14="http://schemas.microsoft.com/office/powerpoint/2010/main" val="1518424191"/>
+        <p14:creationId xmlns:p14="http://schemas.microsoft.com/office/powerpoint/2010/main" val="2526643062"/>
       </p:ext>
     </p:extLst>
   </p:cSld>
@@ -15201,7 +14911,7 @@
             </a:pPr>
             <a:r>
               <a:rPr lang="en-US" b="0" dirty="0"/>
-              <a:t>But, what will happened if we will load 2 files?</a:t>
+              <a:t>We said we don’t have scope in JS, this is true but there is one case of scope in JS and it’s function scope</a:t>
             </a:r>
           </a:p>
           <a:p>
@@ -15222,10 +14932,7 @@
               <a:tabLst/>
               <a:defRPr/>
             </a:pPr>
-            <a:r>
-              <a:rPr lang="en-US" b="0" dirty="0"/>
-              <a:t>They are in different scope, no?</a:t>
-            </a:r>
+            <a:endParaRPr lang="en-US" b="0" dirty="0"/>
           </a:p>
           <a:p>
             <a:pPr marL="0" marR="0" lvl="0" indent="0" algn="l" defTabSz="914400" rtl="0" eaLnBrk="1" fontAlgn="auto" latinLnBrk="0" hangingPunct="1">
@@ -15245,7 +14952,34 @@
               <a:tabLst/>
               <a:defRPr/>
             </a:pPr>
-            <a:endParaRPr lang="en-US" b="0" dirty="0"/>
+            <a:r>
+              <a:rPr lang="en-US" sz="1200" b="0" i="0" kern="1200" dirty="0">
+                <a:solidFill>
+                  <a:schemeClr val="tx1"/>
+                </a:solidFill>
+                <a:effectLst/>
+                <a:latin typeface="+mn-lt"/>
+                <a:ea typeface="+mn-ea"/>
+                <a:cs typeface="+mn-cs"/>
+              </a:rPr>
+              <a:t>Each function creates a new scope (</a:t>
+            </a:r>
+            <a:r>
+              <a:rPr lang="en-US" b="0" dirty="0"/>
+              <a:t>Function scope called also local scope</a:t>
+            </a:r>
+            <a:r>
+              <a:rPr lang="en-US" sz="1200" b="0" i="0" kern="1200" dirty="0">
+                <a:solidFill>
+                  <a:schemeClr val="tx1"/>
+                </a:solidFill>
+                <a:effectLst/>
+                <a:latin typeface="+mn-lt"/>
+                <a:ea typeface="+mn-ea"/>
+                <a:cs typeface="+mn-cs"/>
+              </a:rPr>
+              <a:t>).</a:t>
+            </a:r>
           </a:p>
           <a:p>
             <a:pPr marL="0" marR="0" lvl="0" indent="0" algn="l" defTabSz="914400" rtl="0" eaLnBrk="1" fontAlgn="auto" latinLnBrk="0" hangingPunct="1">
@@ -15265,10 +14999,7 @@
               <a:tabLst/>
               <a:defRPr/>
             </a:pPr>
-            <a:r>
-              <a:rPr lang="en-US" b="0" dirty="0"/>
-              <a:t>Well, no, they are under the same global scope so `x` is accessible by the second file. </a:t>
-            </a:r>
+            <a:endParaRPr lang="en-US" b="0" dirty="0"/>
           </a:p>
           <a:p>
             <a:pPr marL="0" marR="0" lvl="0" indent="0" algn="l" defTabSz="914400" rtl="0" eaLnBrk="1" fontAlgn="auto" latinLnBrk="0" hangingPunct="1">
@@ -15290,15 +15021,15 @@
             </a:pPr>
             <a:r>
               <a:rPr lang="en-US" b="0" dirty="0"/>
-              <a:t>Like we said, We have just </a:t>
-            </a:r>
-            <a:r>
-              <a:rPr lang="en-US" b="1" dirty="0"/>
-              <a:t>one</a:t>
+              <a:t>In this example we can see that defined </a:t>
+            </a:r>
+            <a:r>
+              <a:rPr lang="en-US" b="0" dirty="0" err="1"/>
+              <a:t>carName</a:t>
             </a:r>
             <a:r>
               <a:rPr lang="en-US" b="0" dirty="0"/>
-              <a:t> scope!</a:t>
+              <a:t> inside function is not access outside of the function</a:t>
             </a:r>
           </a:p>
           <a:p>
@@ -15320,6 +15051,45 @@
               <a:defRPr/>
             </a:pPr>
             <a:endParaRPr lang="en-US" b="0" dirty="0"/>
+          </a:p>
+          <a:p>
+            <a:pPr marL="0" marR="0" lvl="0" indent="0" algn="l" defTabSz="914400" rtl="0" eaLnBrk="1" fontAlgn="auto" latinLnBrk="0" hangingPunct="1">
+              <a:lnSpc>
+                <a:spcPct val="100000"/>
+              </a:lnSpc>
+              <a:spcBef>
+                <a:spcPts val="0"/>
+              </a:spcBef>
+              <a:spcAft>
+                <a:spcPts val="0"/>
+              </a:spcAft>
+              <a:buClrTx/>
+              <a:buSzTx/>
+              <a:buFontTx/>
+              <a:buNone/>
+              <a:tabLst/>
+              <a:defRPr/>
+            </a:pPr>
+            <a:r>
+              <a:rPr lang="en-US" b="0" dirty="0"/>
+              <a:t>But in the second example we can see if we are </a:t>
+            </a:r>
+            <a:r>
+              <a:rPr lang="en-US" b="0" dirty="0" err="1"/>
+              <a:t>defineding</a:t>
+            </a:r>
+            <a:r>
+              <a:rPr lang="en-US" b="0" dirty="0"/>
+              <a:t> </a:t>
+            </a:r>
+            <a:r>
+              <a:rPr lang="en-US" b="0" dirty="0" err="1"/>
+              <a:t>carName</a:t>
+            </a:r>
+            <a:r>
+              <a:rPr lang="en-US" b="0" dirty="0"/>
+              <a:t> outside the function then it’s accessible inside the function as well</a:t>
+            </a:r>
           </a:p>
         </p:txBody>
       </p:sp>
@@ -15349,7 +15119,7 @@
     </p:spTree>
     <p:extLst>
       <p:ext uri="{BB962C8B-B14F-4D97-AF65-F5344CB8AC3E}">
-        <p14:creationId xmlns:p14="http://schemas.microsoft.com/office/powerpoint/2010/main" val="2526643062"/>
+        <p14:creationId xmlns:p14="http://schemas.microsoft.com/office/powerpoint/2010/main" val="716725938"/>
       </p:ext>
     </p:extLst>
   </p:cSld>
@@ -15421,9 +15191,26 @@
               <a:defRPr/>
             </a:pPr>
             <a:r>
-              <a:rPr lang="en-US" b="0" dirty="0"/>
-              <a:t>Do I want to talk about it?</a:t>
-            </a:r>
+              <a:rPr lang="en-US" sz="1200" b="1" i="0" kern="1200" dirty="0">
+                <a:solidFill>
+                  <a:schemeClr val="tx1"/>
+                </a:solidFill>
+                <a:effectLst/>
+                <a:latin typeface="+mn-lt"/>
+                <a:ea typeface="+mn-ea"/>
+                <a:cs typeface="+mn-cs"/>
+              </a:rPr>
+              <a:t>IIFE - Immediately Invoked Function Expression</a:t>
+            </a:r>
+            <a:endParaRPr lang="en-US" sz="1200" b="0" i="0" kern="1200" dirty="0">
+              <a:solidFill>
+                <a:schemeClr val="tx1"/>
+              </a:solidFill>
+              <a:effectLst/>
+              <a:latin typeface="+mn-lt"/>
+              <a:ea typeface="+mn-ea"/>
+              <a:cs typeface="+mn-cs"/>
+            </a:endParaRPr>
           </a:p>
           <a:p>
             <a:pPr marL="0" marR="0" lvl="0" indent="0" algn="l" defTabSz="914400" rtl="0" eaLnBrk="1" fontAlgn="auto" latinLnBrk="0" hangingPunct="1">
@@ -15443,10 +15230,18 @@
               <a:tabLst/>
               <a:defRPr/>
             </a:pPr>
-            <a:endParaRPr lang="en-US" b="0" dirty="0"/>
-          </a:p>
-          <a:p>
-            <a:pPr marL="171450" marR="0" lvl="0" indent="-171450" algn="l" defTabSz="914400" rtl="0" eaLnBrk="1" fontAlgn="auto" latinLnBrk="0" hangingPunct="1">
+            <a:endParaRPr lang="en-US" sz="1200" b="0" i="0" kern="1200" dirty="0">
+              <a:solidFill>
+                <a:schemeClr val="tx1"/>
+              </a:solidFill>
+              <a:effectLst/>
+              <a:latin typeface="+mn-lt"/>
+              <a:ea typeface="+mn-ea"/>
+              <a:cs typeface="+mn-cs"/>
+            </a:endParaRPr>
+          </a:p>
+          <a:p>
+            <a:pPr marL="0" marR="0" lvl="0" indent="0" algn="l" defTabSz="914400" rtl="0" eaLnBrk="1" fontAlgn="auto" latinLnBrk="0" hangingPunct="1">
               <a:lnSpc>
                 <a:spcPct val="100000"/>
               </a:lnSpc>
@@ -15459,17 +15254,29 @@
               <a:buClrTx/>
               <a:buSzTx/>
               <a:buFontTx/>
-              <a:buChar char="-"/>
+              <a:buNone/>
               <a:tabLst/>
               <a:defRPr/>
             </a:pPr>
             <a:r>
-              <a:rPr lang="en-US" b="0" dirty="0"/>
-              <a:t>https://www.w3schools.com/js/js_strict.asp</a:t>
-            </a:r>
-          </a:p>
-          <a:p>
-            <a:pPr marL="171450" marR="0" lvl="0" indent="-171450" algn="l" defTabSz="914400" rtl="0" eaLnBrk="1" fontAlgn="auto" latinLnBrk="0" hangingPunct="1">
+              <a:rPr lang="en-US" sz="1200" b="0" i="0" kern="1200" dirty="0">
+                <a:solidFill>
+                  <a:schemeClr val="tx1"/>
+                </a:solidFill>
+                <a:effectLst/>
+                <a:latin typeface="+mn-lt"/>
+                <a:ea typeface="+mn-ea"/>
+                <a:cs typeface="+mn-cs"/>
+              </a:rPr>
+              <a:t>In other words, </a:t>
+            </a:r>
+            <a:r>
+              <a:rPr lang="en-US" dirty="0"/>
+              <a:t>Self Invoking Function:</a:t>
+            </a:r>
+          </a:p>
+          <a:p>
+            <a:pPr marL="0" marR="0" lvl="0" indent="0" algn="l" defTabSz="914400" rtl="0" eaLnBrk="1" fontAlgn="auto" latinLnBrk="0" hangingPunct="1">
               <a:lnSpc>
                 <a:spcPct val="100000"/>
               </a:lnSpc>
@@ -15482,17 +15289,25 @@
               <a:buClrTx/>
               <a:buSzTx/>
               <a:buFontTx/>
-              <a:buChar char="-"/>
+              <a:buNone/>
               <a:tabLst/>
               <a:defRPr/>
             </a:pPr>
             <a:r>
-              <a:rPr lang="en-US" b="0" dirty="0"/>
-              <a:t>https://www.w3schools.com/js/js_scope.asp</a:t>
-            </a:r>
-          </a:p>
-          <a:p>
-            <a:pPr marL="171450" marR="0" lvl="0" indent="-171450" algn="l" defTabSz="914400" rtl="0" eaLnBrk="1" fontAlgn="auto" latinLnBrk="0" hangingPunct="1">
+              <a:rPr lang="en-US" dirty="0"/>
+              <a:t>It’s a </a:t>
+            </a:r>
+            <a:r>
+              <a:rPr lang="en-US" sz="1200" dirty="0"/>
+              <a:t>method</a:t>
+            </a:r>
+            <a:r>
+              <a:rPr lang="en-US" dirty="0"/>
+              <a:t> who invoking itself,</a:t>
+            </a:r>
+          </a:p>
+          <a:p>
+            <a:pPr marL="0" marR="0" lvl="0" indent="0" algn="l" defTabSz="914400" rtl="0" eaLnBrk="1" fontAlgn="auto" latinLnBrk="0" hangingPunct="1">
               <a:lnSpc>
                 <a:spcPct val="100000"/>
               </a:lnSpc>
@@ -15505,11 +15320,189 @@
               <a:buClrTx/>
               <a:buSzTx/>
               <a:buFontTx/>
-              <a:buChar char="-"/>
+              <a:buNone/>
               <a:tabLst/>
               <a:defRPr/>
             </a:pPr>
+            <a:endParaRPr lang="en-US" dirty="0"/>
+          </a:p>
+          <a:p>
+            <a:pPr marL="0" marR="0" lvl="0" indent="0" algn="l" defTabSz="914400" rtl="0" eaLnBrk="1" fontAlgn="auto" latinLnBrk="0" hangingPunct="1">
+              <a:lnSpc>
+                <a:spcPct val="100000"/>
+              </a:lnSpc>
+              <a:spcBef>
+                <a:spcPts val="0"/>
+              </a:spcBef>
+              <a:spcAft>
+                <a:spcPts val="0"/>
+              </a:spcAft>
+              <a:buClrTx/>
+              <a:buSzTx/>
+              <a:buFontTx/>
+              <a:buNone/>
+              <a:tabLst/>
+              <a:defRPr/>
+            </a:pPr>
+            <a:r>
+              <a:rPr lang="en-US" sz="2400" dirty="0"/>
+              <a:t>Why do we need it?</a:t>
+            </a:r>
+          </a:p>
+          <a:p>
+            <a:pPr marL="0" marR="0" lvl="0" indent="0" algn="l" defTabSz="914400" rtl="0" eaLnBrk="1" fontAlgn="auto" latinLnBrk="0" hangingPunct="1">
+              <a:lnSpc>
+                <a:spcPct val="100000"/>
+              </a:lnSpc>
+              <a:spcBef>
+                <a:spcPts val="0"/>
+              </a:spcBef>
+              <a:spcAft>
+                <a:spcPts val="0"/>
+              </a:spcAft>
+              <a:buClrTx/>
+              <a:buSzTx/>
+              <a:buFontTx/>
+              <a:buNone/>
+              <a:tabLst/>
+              <a:defRPr/>
+            </a:pPr>
+            <a:r>
+              <a:rPr lang="en-US" sz="2400" dirty="0"/>
+              <a:t>What issue it’s coming to solve?</a:t>
+            </a:r>
+          </a:p>
+          <a:p>
+            <a:pPr marL="0" marR="0" lvl="0" indent="0" algn="l" defTabSz="914400" rtl="0" eaLnBrk="1" fontAlgn="auto" latinLnBrk="0" hangingPunct="1">
+              <a:lnSpc>
+                <a:spcPct val="100000"/>
+              </a:lnSpc>
+              <a:spcBef>
+                <a:spcPts val="0"/>
+              </a:spcBef>
+              <a:spcAft>
+                <a:spcPts val="0"/>
+              </a:spcAft>
+              <a:buClrTx/>
+              <a:buSzTx/>
+              <a:buFontTx/>
+              <a:buNone/>
+              <a:tabLst/>
+              <a:defRPr/>
+            </a:pPr>
+            <a:r>
+              <a:rPr lang="en-US" sz="2400" dirty="0"/>
+              <a:t>This technique is useful for isolating code from the global scope.</a:t>
+            </a:r>
+          </a:p>
+          <a:p>
+            <a:pPr marL="0" marR="0" lvl="0" indent="0" algn="l" defTabSz="914400" rtl="0" eaLnBrk="1" fontAlgn="auto" latinLnBrk="0" hangingPunct="1">
+              <a:lnSpc>
+                <a:spcPct val="100000"/>
+              </a:lnSpc>
+              <a:spcBef>
+                <a:spcPts val="0"/>
+              </a:spcBef>
+              <a:spcAft>
+                <a:spcPts val="0"/>
+              </a:spcAft>
+              <a:buClrTx/>
+              <a:buSzTx/>
+              <a:buFontTx/>
+              <a:buNone/>
+              <a:tabLst/>
+              <a:defRPr/>
+            </a:pPr>
             <a:endParaRPr lang="en-US" b="0" dirty="0"/>
+          </a:p>
+          <a:p>
+            <a:pPr marL="0" marR="0" lvl="0" indent="0" algn="l" defTabSz="914400" rtl="0" eaLnBrk="1" fontAlgn="auto" latinLnBrk="0" hangingPunct="1">
+              <a:lnSpc>
+                <a:spcPct val="100000"/>
+              </a:lnSpc>
+              <a:spcBef>
+                <a:spcPts val="0"/>
+              </a:spcBef>
+              <a:spcAft>
+                <a:spcPts val="0"/>
+              </a:spcAft>
+              <a:buClrTx/>
+              <a:buSzTx/>
+              <a:buFontTx/>
+              <a:buNone/>
+              <a:tabLst/>
+              <a:defRPr/>
+            </a:pPr>
+            <a:r>
+              <a:rPr lang="en-US" b="0" dirty="0"/>
+              <a:t>You remember  we talk about scope issue that we are facing when declaring variables?</a:t>
+            </a:r>
+          </a:p>
+          <a:p>
+            <a:pPr marL="0" marR="0" lvl="0" indent="0" algn="l" defTabSz="914400" rtl="0" eaLnBrk="1" fontAlgn="auto" latinLnBrk="0" hangingPunct="1">
+              <a:lnSpc>
+                <a:spcPct val="100000"/>
+              </a:lnSpc>
+              <a:spcBef>
+                <a:spcPts val="0"/>
+              </a:spcBef>
+              <a:spcAft>
+                <a:spcPts val="0"/>
+              </a:spcAft>
+              <a:buClrTx/>
+              <a:buSzTx/>
+              <a:buFontTx/>
+              <a:buNone/>
+              <a:tabLst/>
+              <a:defRPr/>
+            </a:pPr>
+            <a:r>
+              <a:rPr lang="en-US" b="0" dirty="0"/>
+              <a:t>They are added to global scope, how can we make them inside a new scope?</a:t>
+            </a:r>
+          </a:p>
+          <a:p>
+            <a:pPr marL="0" marR="0" lvl="0" indent="0" algn="l" defTabSz="914400" rtl="0" eaLnBrk="1" fontAlgn="auto" latinLnBrk="0" hangingPunct="1">
+              <a:lnSpc>
+                <a:spcPct val="100000"/>
+              </a:lnSpc>
+              <a:spcBef>
+                <a:spcPts val="0"/>
+              </a:spcBef>
+              <a:spcAft>
+                <a:spcPts val="0"/>
+              </a:spcAft>
+              <a:buClrTx/>
+              <a:buSzTx/>
+              <a:buFontTx/>
+              <a:buNone/>
+              <a:tabLst/>
+              <a:defRPr/>
+            </a:pPr>
+            <a:endParaRPr lang="en-US" b="0" dirty="0"/>
+          </a:p>
+          <a:p>
+            <a:pPr marL="0" marR="0" lvl="0" indent="0" algn="l" defTabSz="914400" rtl="0" eaLnBrk="1" fontAlgn="auto" latinLnBrk="0" hangingPunct="1">
+              <a:lnSpc>
+                <a:spcPct val="100000"/>
+              </a:lnSpc>
+              <a:spcBef>
+                <a:spcPts val="0"/>
+              </a:spcBef>
+              <a:spcAft>
+                <a:spcPts val="0"/>
+              </a:spcAft>
+              <a:buClrTx/>
+              <a:buSzTx/>
+              <a:buFontTx/>
+              <a:buNone/>
+              <a:tabLst/>
+              <a:defRPr/>
+            </a:pPr>
+            <a:r>
+              <a:rPr lang="en-US" b="0" dirty="0"/>
+              <a:t>By using IIFE function we basically creating a new scope because it’s a  function which invoking itself, so by default it’s creating a new scope and will solve our global scope issue.</a:t>
+            </a:r>
           </a:p>
         </p:txBody>
       </p:sp>
@@ -15539,7 +15532,7 @@
     </p:spTree>
     <p:extLst>
       <p:ext uri="{BB962C8B-B14F-4D97-AF65-F5344CB8AC3E}">
-        <p14:creationId xmlns:p14="http://schemas.microsoft.com/office/powerpoint/2010/main" val="3689577127"/>
+        <p14:creationId xmlns:p14="http://schemas.microsoft.com/office/powerpoint/2010/main" val="3637625102"/>
       </p:ext>
     </p:extLst>
   </p:cSld>
@@ -15612,7 +15605,7 @@
             </a:pPr>
             <a:r>
               <a:rPr lang="en-US" b="0" dirty="0"/>
-              <a:t>We said we don’t have scope in JS, this is true but there is one case of scope in JS and it’s function scope</a:t>
+              <a:t>What is closure?</a:t>
             </a:r>
           </a:p>
           <a:p>
@@ -15636,161 +15629,139 @@
             <a:endParaRPr lang="en-US" b="0" dirty="0"/>
           </a:p>
           <a:p>
-            <a:pPr marL="0" marR="0" lvl="0" indent="0" algn="l" defTabSz="914400" rtl="0" eaLnBrk="1" fontAlgn="auto" latinLnBrk="0" hangingPunct="1">
-              <a:lnSpc>
-                <a:spcPct val="100000"/>
-              </a:lnSpc>
-              <a:spcBef>
-                <a:spcPts val="0"/>
-              </a:spcBef>
-              <a:spcAft>
-                <a:spcPts val="0"/>
-              </a:spcAft>
-              <a:buClrTx/>
-              <a:buSzTx/>
-              <a:buFontTx/>
-              <a:buNone/>
-              <a:tabLst/>
-              <a:defRPr/>
-            </a:pPr>
-            <a:r>
-              <a:rPr lang="en-US" sz="1200" b="0" i="0" kern="1200" dirty="0">
-                <a:solidFill>
-                  <a:schemeClr val="tx1"/>
-                </a:solidFill>
-                <a:effectLst/>
-                <a:latin typeface="+mn-lt"/>
-                <a:ea typeface="+mn-ea"/>
-                <a:cs typeface="+mn-cs"/>
-              </a:rPr>
-              <a:t>Each function creates a new scope (</a:t>
-            </a:r>
-            <a:r>
-              <a:rPr lang="en-US" b="0" dirty="0"/>
-              <a:t>Function scope called also local scope</a:t>
-            </a:r>
-            <a:r>
-              <a:rPr lang="en-US" sz="1200" b="0" i="0" kern="1200" dirty="0">
-                <a:solidFill>
-                  <a:schemeClr val="tx1"/>
-                </a:solidFill>
-                <a:effectLst/>
-                <a:latin typeface="+mn-lt"/>
-                <a:ea typeface="+mn-ea"/>
-                <a:cs typeface="+mn-cs"/>
-              </a:rPr>
-              <a:t>).</a:t>
-            </a:r>
-          </a:p>
-          <a:p>
-            <a:pPr marL="0" marR="0" lvl="0" indent="0" algn="l" defTabSz="914400" rtl="0" eaLnBrk="1" fontAlgn="auto" latinLnBrk="0" hangingPunct="1">
-              <a:lnSpc>
-                <a:spcPct val="100000"/>
-              </a:lnSpc>
-              <a:spcBef>
-                <a:spcPts val="0"/>
-              </a:spcBef>
-              <a:spcAft>
-                <a:spcPts val="0"/>
-              </a:spcAft>
-              <a:buClrTx/>
-              <a:buSzTx/>
-              <a:buFontTx/>
-              <a:buNone/>
-              <a:tabLst/>
-              <a:defRPr/>
-            </a:pPr>
-            <a:endParaRPr lang="en-US" b="0" dirty="0"/>
-          </a:p>
-          <a:p>
-            <a:pPr marL="0" marR="0" lvl="0" indent="0" algn="l" defTabSz="914400" rtl="0" eaLnBrk="1" fontAlgn="auto" latinLnBrk="0" hangingPunct="1">
-              <a:lnSpc>
-                <a:spcPct val="100000"/>
-              </a:lnSpc>
-              <a:spcBef>
-                <a:spcPts val="0"/>
-              </a:spcBef>
-              <a:spcAft>
-                <a:spcPts val="0"/>
-              </a:spcAft>
-              <a:buClrTx/>
-              <a:buSzTx/>
-              <a:buFontTx/>
-              <a:buNone/>
-              <a:tabLst/>
-              <a:defRPr/>
-            </a:pPr>
-            <a:r>
-              <a:rPr lang="en-US" b="0" dirty="0"/>
-              <a:t>In this example we can see that defined </a:t>
-            </a:r>
-            <a:r>
-              <a:rPr lang="en-US" b="0" dirty="0" err="1"/>
-              <a:t>carName</a:t>
-            </a:r>
-            <a:r>
-              <a:rPr lang="en-US" b="0" dirty="0"/>
-              <a:t> inside function is not access outside of the function</a:t>
-            </a:r>
-          </a:p>
-          <a:p>
-            <a:pPr marL="0" marR="0" lvl="0" indent="0" algn="l" defTabSz="914400" rtl="0" eaLnBrk="1" fontAlgn="auto" latinLnBrk="0" hangingPunct="1">
-              <a:lnSpc>
-                <a:spcPct val="100000"/>
-              </a:lnSpc>
-              <a:spcBef>
-                <a:spcPts val="0"/>
-              </a:spcBef>
-              <a:spcAft>
-                <a:spcPts val="0"/>
-              </a:spcAft>
-              <a:buClrTx/>
-              <a:buSzTx/>
-              <a:buFontTx/>
-              <a:buNone/>
-              <a:tabLst/>
-              <a:defRPr/>
-            </a:pPr>
-            <a:endParaRPr lang="en-US" b="0" dirty="0"/>
-          </a:p>
-          <a:p>
-            <a:pPr marL="0" marR="0" lvl="0" indent="0" algn="l" defTabSz="914400" rtl="0" eaLnBrk="1" fontAlgn="auto" latinLnBrk="0" hangingPunct="1">
-              <a:lnSpc>
-                <a:spcPct val="100000"/>
-              </a:lnSpc>
-              <a:spcBef>
-                <a:spcPts val="0"/>
-              </a:spcBef>
-              <a:spcAft>
-                <a:spcPts val="0"/>
-              </a:spcAft>
-              <a:buClrTx/>
-              <a:buSzTx/>
-              <a:buFontTx/>
-              <a:buNone/>
-              <a:tabLst/>
-              <a:defRPr/>
-            </a:pPr>
-            <a:r>
-              <a:rPr lang="en-US" b="0" dirty="0"/>
-              <a:t>But in the second example we can see if we are </a:t>
-            </a:r>
-            <a:r>
-              <a:rPr lang="en-US" b="0" dirty="0" err="1"/>
-              <a:t>defineding</a:t>
-            </a:r>
-            <a:r>
-              <a:rPr lang="en-US" b="0" dirty="0"/>
-              <a:t> </a:t>
-            </a:r>
-            <a:r>
-              <a:rPr lang="en-US" b="0" dirty="0" err="1"/>
-              <a:t>carName</a:t>
-            </a:r>
-            <a:r>
-              <a:rPr lang="en-US" b="0" dirty="0"/>
-              <a:t> outside the function then it’s accessible inside the function as well</a:t>
-            </a:r>
+            <a:pPr algn="l" rtl="0"/>
+            <a:r>
+              <a:rPr lang="en-US" sz="1200" b="0" i="0" kern="1200" dirty="0">
+                <a:solidFill>
+                  <a:schemeClr val="tx1"/>
+                </a:solidFill>
+                <a:effectLst/>
+                <a:latin typeface="+mn-lt"/>
+                <a:ea typeface="+mn-ea"/>
+                <a:cs typeface="+mn-cs"/>
+              </a:rPr>
+              <a:t>A closure is a feature in JavaScript where an inner function has access to the outer (enclosing) function’s variables — a scope chain.</a:t>
+            </a:r>
+          </a:p>
+          <a:p>
+            <a:pPr algn="l" rtl="0"/>
+            <a:r>
+              <a:rPr lang="en-US" sz="1200" b="0" i="0" kern="1200" dirty="0">
+                <a:solidFill>
+                  <a:schemeClr val="tx1"/>
+                </a:solidFill>
+                <a:effectLst/>
+                <a:latin typeface="+mn-lt"/>
+                <a:ea typeface="+mn-ea"/>
+                <a:cs typeface="+mn-cs"/>
+              </a:rPr>
+              <a:t>The closure has three scope chains:</a:t>
+            </a:r>
+          </a:p>
+          <a:p>
+            <a:pPr algn="l" rtl="0"/>
+            <a:r>
+              <a:rPr lang="en-US" sz="1200" b="0" i="0" kern="1200" dirty="0">
+                <a:solidFill>
+                  <a:schemeClr val="tx1"/>
+                </a:solidFill>
+                <a:effectLst/>
+                <a:latin typeface="+mn-lt"/>
+                <a:ea typeface="+mn-ea"/>
+                <a:cs typeface="+mn-cs"/>
+              </a:rPr>
+              <a:t>it has access to its own scope — variables defined between its curly brackets</a:t>
+            </a:r>
+          </a:p>
+          <a:p>
+            <a:pPr algn="l" rtl="0"/>
+            <a:r>
+              <a:rPr lang="en-US" sz="1200" b="0" i="0" kern="1200" dirty="0">
+                <a:solidFill>
+                  <a:schemeClr val="tx1"/>
+                </a:solidFill>
+                <a:effectLst/>
+                <a:latin typeface="+mn-lt"/>
+                <a:ea typeface="+mn-ea"/>
+                <a:cs typeface="+mn-cs"/>
+              </a:rPr>
+              <a:t>it has access to the outer function’s variables</a:t>
+            </a:r>
+          </a:p>
+          <a:p>
+            <a:pPr algn="l" rtl="0"/>
+            <a:r>
+              <a:rPr lang="en-US" sz="1200" b="0" i="0" kern="1200" dirty="0">
+                <a:solidFill>
+                  <a:schemeClr val="tx1"/>
+                </a:solidFill>
+                <a:effectLst/>
+                <a:latin typeface="+mn-lt"/>
+                <a:ea typeface="+mn-ea"/>
+                <a:cs typeface="+mn-cs"/>
+              </a:rPr>
+              <a:t>it has access to the global variables</a:t>
+            </a:r>
+          </a:p>
+          <a:p>
+            <a:pPr algn="l" rtl="0"/>
+            <a:r>
+              <a:rPr lang="en-US" sz="1200" b="0" i="0" kern="1200" dirty="0">
+                <a:solidFill>
+                  <a:schemeClr val="tx1"/>
+                </a:solidFill>
+                <a:effectLst/>
+                <a:latin typeface="+mn-lt"/>
+                <a:ea typeface="+mn-ea"/>
+                <a:cs typeface="+mn-cs"/>
+              </a:rPr>
+              <a:t>To the uninitiated, this definition might seem like just a whole lot of jargon!</a:t>
+            </a:r>
+          </a:p>
+          <a:p>
+            <a:pPr algn="l" rtl="0"/>
+            <a:endParaRPr lang="en-US" sz="1200" b="0" i="0" kern="1200" dirty="0">
+              <a:solidFill>
+                <a:schemeClr val="tx1"/>
+              </a:solidFill>
+              <a:effectLst/>
+              <a:latin typeface="+mn-lt"/>
+              <a:ea typeface="+mn-ea"/>
+              <a:cs typeface="+mn-cs"/>
+            </a:endParaRPr>
+          </a:p>
+          <a:p>
+            <a:pPr marL="171450" indent="-171450" algn="l" rtl="0">
+              <a:buFontTx/>
+              <a:buChar char="-"/>
+            </a:pPr>
+            <a:r>
+              <a:rPr lang="en-US" sz="1200" b="0" i="0" kern="1200" dirty="0">
+                <a:solidFill>
+                  <a:schemeClr val="tx1"/>
+                </a:solidFill>
+                <a:effectLst/>
+                <a:latin typeface="+mn-lt"/>
+                <a:ea typeface="+mn-ea"/>
+                <a:cs typeface="+mn-cs"/>
+              </a:rPr>
+              <a:t>https://medium.freecodecamp.org/javascript-closures-simplified-d0d23fa06ba4</a:t>
+            </a:r>
+          </a:p>
+          <a:p>
+            <a:pPr marL="171450" indent="-171450" algn="l" rtl="0">
+              <a:buFontTx/>
+              <a:buChar char="-"/>
+            </a:pPr>
+            <a:endParaRPr lang="en-US" sz="1200" b="0" i="0" kern="1200" dirty="0">
+              <a:solidFill>
+                <a:schemeClr val="tx1"/>
+              </a:solidFill>
+              <a:effectLst/>
+              <a:latin typeface="+mn-lt"/>
+              <a:ea typeface="+mn-ea"/>
+              <a:cs typeface="+mn-cs"/>
+            </a:endParaRPr>
           </a:p>
         </p:txBody>
       </p:sp>
@@ -15820,7 +15791,7 @@
     </p:spTree>
     <p:extLst>
       <p:ext uri="{BB962C8B-B14F-4D97-AF65-F5344CB8AC3E}">
-        <p14:creationId xmlns:p14="http://schemas.microsoft.com/office/powerpoint/2010/main" val="716725938"/>
+        <p14:creationId xmlns:p14="http://schemas.microsoft.com/office/powerpoint/2010/main" val="631576500"/>
       </p:ext>
     </p:extLst>
   </p:cSld>
@@ -15892,26 +15863,17 @@
               <a:defRPr/>
             </a:pPr>
             <a:r>
-              <a:rPr lang="en-US" sz="1200" b="1" i="0" kern="1200" dirty="0">
-                <a:solidFill>
-                  <a:schemeClr val="tx1"/>
-                </a:solidFill>
-                <a:effectLst/>
-                <a:latin typeface="+mn-lt"/>
-                <a:ea typeface="+mn-ea"/>
-                <a:cs typeface="+mn-cs"/>
-              </a:rPr>
-              <a:t>IIFE - Immediately Invoked Function Expression</a:t>
-            </a:r>
-            <a:endParaRPr lang="en-US" sz="1200" b="0" i="0" kern="1200" dirty="0">
-              <a:solidFill>
-                <a:schemeClr val="tx1"/>
-              </a:solidFill>
-              <a:effectLst/>
-              <a:latin typeface="+mn-lt"/>
-              <a:ea typeface="+mn-ea"/>
-              <a:cs typeface="+mn-cs"/>
-            </a:endParaRPr>
+              <a:rPr lang="en-US" sz="1200" b="0" i="0" kern="1200" dirty="0">
+                <a:solidFill>
+                  <a:schemeClr val="tx1"/>
+                </a:solidFill>
+                <a:effectLst/>
+                <a:latin typeface="+mn-lt"/>
+                <a:ea typeface="+mn-ea"/>
+                <a:cs typeface="+mn-cs"/>
+              </a:rPr>
+              <a:t>What is Hoisting?</a:t>
+            </a:r>
           </a:p>
           <a:p>
             <a:pPr marL="0" marR="0" lvl="0" indent="0" algn="l" defTabSz="914400" rtl="0" eaLnBrk="1" fontAlgn="auto" latinLnBrk="0" hangingPunct="1">
@@ -15931,15 +15893,48 @@
               <a:tabLst/>
               <a:defRPr/>
             </a:pPr>
-            <a:endParaRPr lang="en-US" sz="1200" b="0" i="0" kern="1200" dirty="0">
-              <a:solidFill>
-                <a:schemeClr val="tx1"/>
-              </a:solidFill>
-              <a:effectLst/>
-              <a:latin typeface="+mn-lt"/>
-              <a:ea typeface="+mn-ea"/>
-              <a:cs typeface="+mn-cs"/>
-            </a:endParaRPr>
+            <a:r>
+              <a:rPr lang="en-US" sz="1200" b="0" i="0" kern="1200" dirty="0">
+                <a:solidFill>
+                  <a:schemeClr val="tx1"/>
+                </a:solidFill>
+                <a:effectLst/>
+                <a:latin typeface="+mn-lt"/>
+                <a:ea typeface="+mn-ea"/>
+                <a:cs typeface="+mn-cs"/>
+              </a:rPr>
+              <a:t>Hoisting is JavaScript's default behavior of moving declarations to the top.</a:t>
+            </a:r>
+          </a:p>
+          <a:p>
+            <a:pPr algn="l"/>
+            <a:r>
+              <a:rPr lang="en-US" sz="1200" b="0" i="0" kern="1200" dirty="0">
+                <a:solidFill>
+                  <a:schemeClr val="tx1"/>
+                </a:solidFill>
+                <a:effectLst/>
+                <a:latin typeface="+mn-lt"/>
+                <a:ea typeface="+mn-ea"/>
+                <a:cs typeface="+mn-cs"/>
+              </a:rPr>
+              <a:t>In JavaScript, a variable can be declared after it has been used.</a:t>
+            </a:r>
+          </a:p>
+          <a:p>
+            <a:pPr algn="l"/>
+            <a:r>
+              <a:rPr lang="en-US" sz="1200" b="0" i="0" kern="1200" dirty="0">
+                <a:solidFill>
+                  <a:schemeClr val="tx1"/>
+                </a:solidFill>
+                <a:effectLst/>
+                <a:latin typeface="+mn-lt"/>
+                <a:ea typeface="+mn-ea"/>
+                <a:cs typeface="+mn-cs"/>
+              </a:rPr>
+              <a:t>In other words; a variable can be used before it has been declared.</a:t>
+            </a:r>
           </a:p>
           <a:p>
             <a:pPr marL="0" marR="0" lvl="0" indent="0" algn="l" defTabSz="914400" rtl="0" eaLnBrk="1" fontAlgn="auto" latinLnBrk="0" hangingPunct="1">
@@ -15959,25 +15954,10 @@
               <a:tabLst/>
               <a:defRPr/>
             </a:pPr>
-            <a:r>
-              <a:rPr lang="en-US" sz="1200" b="0" i="0" kern="1200" dirty="0">
-                <a:solidFill>
-                  <a:schemeClr val="tx1"/>
-                </a:solidFill>
-                <a:effectLst/>
-                <a:latin typeface="+mn-lt"/>
-                <a:ea typeface="+mn-ea"/>
-                <a:cs typeface="+mn-cs"/>
-              </a:rPr>
-              <a:t>In other words, </a:t>
-            </a:r>
-            <a:r>
-              <a:rPr lang="en-US" dirty="0"/>
-              <a:t>Self Invoking Function:</a:t>
-            </a:r>
-          </a:p>
-          <a:p>
-            <a:pPr marL="0" marR="0" lvl="0" indent="0" algn="l" defTabSz="914400" rtl="0" eaLnBrk="1" fontAlgn="auto" latinLnBrk="0" hangingPunct="1">
+            <a:endParaRPr lang="en-US" b="0" dirty="0"/>
+          </a:p>
+          <a:p>
+            <a:pPr marL="171450" marR="0" lvl="0" indent="-171450" algn="l" defTabSz="914400" rtl="0" eaLnBrk="1" fontAlgn="auto" latinLnBrk="0" hangingPunct="1">
               <a:lnSpc>
                 <a:spcPct val="100000"/>
               </a:lnSpc>
@@ -15990,25 +15970,17 @@
               <a:buClrTx/>
               <a:buSzTx/>
               <a:buFontTx/>
-              <a:buNone/>
+              <a:buChar char="-"/>
               <a:tabLst/>
               <a:defRPr/>
             </a:pPr>
             <a:r>
-              <a:rPr lang="en-US" dirty="0"/>
-              <a:t>It’s a </a:t>
-            </a:r>
-            <a:r>
-              <a:rPr lang="en-US" sz="1200" dirty="0"/>
-              <a:t>method</a:t>
-            </a:r>
-            <a:r>
-              <a:rPr lang="en-US" dirty="0"/>
-              <a:t> who invoking itself,</a:t>
-            </a:r>
-          </a:p>
-          <a:p>
-            <a:pPr marL="0" marR="0" lvl="0" indent="0" algn="l" defTabSz="914400" rtl="0" eaLnBrk="1" fontAlgn="auto" latinLnBrk="0" hangingPunct="1">
+              <a:rPr lang="en-US" b="0" dirty="0"/>
+              <a:t>https://www.w3schools.com/js/js_hoisting.asp</a:t>
+            </a:r>
+          </a:p>
+          <a:p>
+            <a:pPr marL="171450" marR="0" lvl="0" indent="-171450" algn="l" defTabSz="914400" rtl="0" eaLnBrk="1" fontAlgn="auto" latinLnBrk="0" hangingPunct="1">
               <a:lnSpc>
                 <a:spcPct val="100000"/>
               </a:lnSpc>
@@ -16021,14 +15993,17 @@
               <a:buClrTx/>
               <a:buSzTx/>
               <a:buFontTx/>
-              <a:buNone/>
+              <a:buChar char="-"/>
               <a:tabLst/>
               <a:defRPr/>
             </a:pPr>
-            <a:endParaRPr lang="en-US" dirty="0"/>
-          </a:p>
-          <a:p>
-            <a:pPr marL="0" marR="0" lvl="0" indent="0" algn="l" defTabSz="914400" rtl="0" eaLnBrk="1" fontAlgn="auto" latinLnBrk="0" hangingPunct="1">
+            <a:r>
+              <a:rPr lang="en-US" b="0" dirty="0"/>
+              <a:t>https://codeburst.io/javascript-what-is-hoisting-dfa84512dd28</a:t>
+            </a:r>
+          </a:p>
+          <a:p>
+            <a:pPr marL="171450" marR="0" lvl="0" indent="-171450" algn="l" defTabSz="914400" rtl="0" eaLnBrk="1" fontAlgn="auto" latinLnBrk="0" hangingPunct="1">
               <a:lnSpc>
                 <a:spcPct val="100000"/>
               </a:lnSpc>
@@ -16041,169 +16016,11 @@
               <a:buClrTx/>
               <a:buSzTx/>
               <a:buFontTx/>
-              <a:buNone/>
+              <a:buChar char="-"/>
               <a:tabLst/>
               <a:defRPr/>
             </a:pPr>
-            <a:r>
-              <a:rPr lang="en-US" sz="2400" dirty="0"/>
-              <a:t>Why do we need it?</a:t>
-            </a:r>
-          </a:p>
-          <a:p>
-            <a:pPr marL="0" marR="0" lvl="0" indent="0" algn="l" defTabSz="914400" rtl="0" eaLnBrk="1" fontAlgn="auto" latinLnBrk="0" hangingPunct="1">
-              <a:lnSpc>
-                <a:spcPct val="100000"/>
-              </a:lnSpc>
-              <a:spcBef>
-                <a:spcPts val="0"/>
-              </a:spcBef>
-              <a:spcAft>
-                <a:spcPts val="0"/>
-              </a:spcAft>
-              <a:buClrTx/>
-              <a:buSzTx/>
-              <a:buFontTx/>
-              <a:buNone/>
-              <a:tabLst/>
-              <a:defRPr/>
-            </a:pPr>
-            <a:r>
-              <a:rPr lang="en-US" sz="2400" dirty="0"/>
-              <a:t>What issue it’s coming to solve?</a:t>
-            </a:r>
-          </a:p>
-          <a:p>
-            <a:pPr marL="0" marR="0" lvl="0" indent="0" algn="l" defTabSz="914400" rtl="0" eaLnBrk="1" fontAlgn="auto" latinLnBrk="0" hangingPunct="1">
-              <a:lnSpc>
-                <a:spcPct val="100000"/>
-              </a:lnSpc>
-              <a:spcBef>
-                <a:spcPts val="0"/>
-              </a:spcBef>
-              <a:spcAft>
-                <a:spcPts val="0"/>
-              </a:spcAft>
-              <a:buClrTx/>
-              <a:buSzTx/>
-              <a:buFontTx/>
-              <a:buNone/>
-              <a:tabLst/>
-              <a:defRPr/>
-            </a:pPr>
-            <a:r>
-              <a:rPr lang="en-US" sz="2400" dirty="0"/>
-              <a:t>This technique is useful for isolating code from the global scope.</a:t>
-            </a:r>
-          </a:p>
-          <a:p>
-            <a:pPr marL="0" marR="0" lvl="0" indent="0" algn="l" defTabSz="914400" rtl="0" eaLnBrk="1" fontAlgn="auto" latinLnBrk="0" hangingPunct="1">
-              <a:lnSpc>
-                <a:spcPct val="100000"/>
-              </a:lnSpc>
-              <a:spcBef>
-                <a:spcPts val="0"/>
-              </a:spcBef>
-              <a:spcAft>
-                <a:spcPts val="0"/>
-              </a:spcAft>
-              <a:buClrTx/>
-              <a:buSzTx/>
-              <a:buFontTx/>
-              <a:buNone/>
-              <a:tabLst/>
-              <a:defRPr/>
-            </a:pPr>
             <a:endParaRPr lang="en-US" b="0" dirty="0"/>
-          </a:p>
-          <a:p>
-            <a:pPr marL="0" marR="0" lvl="0" indent="0" algn="l" defTabSz="914400" rtl="0" eaLnBrk="1" fontAlgn="auto" latinLnBrk="0" hangingPunct="1">
-              <a:lnSpc>
-                <a:spcPct val="100000"/>
-              </a:lnSpc>
-              <a:spcBef>
-                <a:spcPts val="0"/>
-              </a:spcBef>
-              <a:spcAft>
-                <a:spcPts val="0"/>
-              </a:spcAft>
-              <a:buClrTx/>
-              <a:buSzTx/>
-              <a:buFontTx/>
-              <a:buNone/>
-              <a:tabLst/>
-              <a:defRPr/>
-            </a:pPr>
-            <a:r>
-              <a:rPr lang="en-US" b="0" dirty="0"/>
-              <a:t>You remember  we talk about scope issue that we are facing when declaring variables?</a:t>
-            </a:r>
-          </a:p>
-          <a:p>
-            <a:pPr marL="0" marR="0" lvl="0" indent="0" algn="l" defTabSz="914400" rtl="0" eaLnBrk="1" fontAlgn="auto" latinLnBrk="0" hangingPunct="1">
-              <a:lnSpc>
-                <a:spcPct val="100000"/>
-              </a:lnSpc>
-              <a:spcBef>
-                <a:spcPts val="0"/>
-              </a:spcBef>
-              <a:spcAft>
-                <a:spcPts val="0"/>
-              </a:spcAft>
-              <a:buClrTx/>
-              <a:buSzTx/>
-              <a:buFontTx/>
-              <a:buNone/>
-              <a:tabLst/>
-              <a:defRPr/>
-            </a:pPr>
-            <a:r>
-              <a:rPr lang="en-US" b="0" dirty="0"/>
-              <a:t>They are added to global scope, how can we make them inside a new scope?</a:t>
-            </a:r>
-          </a:p>
-          <a:p>
-            <a:pPr marL="0" marR="0" lvl="0" indent="0" algn="l" defTabSz="914400" rtl="0" eaLnBrk="1" fontAlgn="auto" latinLnBrk="0" hangingPunct="1">
-              <a:lnSpc>
-                <a:spcPct val="100000"/>
-              </a:lnSpc>
-              <a:spcBef>
-                <a:spcPts val="0"/>
-              </a:spcBef>
-              <a:spcAft>
-                <a:spcPts val="0"/>
-              </a:spcAft>
-              <a:buClrTx/>
-              <a:buSzTx/>
-              <a:buFontTx/>
-              <a:buNone/>
-              <a:tabLst/>
-              <a:defRPr/>
-            </a:pPr>
-            <a:endParaRPr lang="en-US" b="0" dirty="0"/>
-          </a:p>
-          <a:p>
-            <a:pPr marL="0" marR="0" lvl="0" indent="0" algn="l" defTabSz="914400" rtl="0" eaLnBrk="1" fontAlgn="auto" latinLnBrk="0" hangingPunct="1">
-              <a:lnSpc>
-                <a:spcPct val="100000"/>
-              </a:lnSpc>
-              <a:spcBef>
-                <a:spcPts val="0"/>
-              </a:spcBef>
-              <a:spcAft>
-                <a:spcPts val="0"/>
-              </a:spcAft>
-              <a:buClrTx/>
-              <a:buSzTx/>
-              <a:buFontTx/>
-              <a:buNone/>
-              <a:tabLst/>
-              <a:defRPr/>
-            </a:pPr>
-            <a:r>
-              <a:rPr lang="en-US" b="0" dirty="0"/>
-              <a:t>By using IIFE function we basically creating a new scope because it’s a  function which invoking itself, so by default it’s creating a new scope and will solve our global scope issue.</a:t>
-            </a:r>
           </a:p>
         </p:txBody>
       </p:sp>
@@ -16233,7 +16050,7 @@
     </p:spTree>
     <p:extLst>
       <p:ext uri="{BB962C8B-B14F-4D97-AF65-F5344CB8AC3E}">
-        <p14:creationId xmlns:p14="http://schemas.microsoft.com/office/powerpoint/2010/main" val="3637625102"/>
+        <p14:creationId xmlns:p14="http://schemas.microsoft.com/office/powerpoint/2010/main" val="3802600719"/>
       </p:ext>
     </p:extLst>
   </p:cSld>
@@ -16287,6 +16104,99 @@
           <a:bodyPr/>
           <a:lstStyle/>
           <a:p>
+            <a:pPr marL="171450" marR="0" lvl="0" indent="-171450" algn="l" defTabSz="914400" rtl="0" eaLnBrk="1" fontAlgn="auto" latinLnBrk="0" hangingPunct="1">
+              <a:lnSpc>
+                <a:spcPct val="100000"/>
+              </a:lnSpc>
+              <a:spcBef>
+                <a:spcPts val="0"/>
+              </a:spcBef>
+              <a:spcAft>
+                <a:spcPts val="0"/>
+              </a:spcAft>
+              <a:buClrTx/>
+              <a:buSzTx/>
+              <a:buFont typeface="Arial" panose="020B0604020202020204" pitchFamily="34" charset="0"/>
+              <a:buChar char="•"/>
+              <a:tabLst/>
+              <a:defRPr/>
+            </a:pPr>
+            <a:r>
+              <a:rPr lang="en-US" sz="1200" b="0" i="0" kern="1200" dirty="0">
+                <a:solidFill>
+                  <a:schemeClr val="tx1"/>
+                </a:solidFill>
+                <a:effectLst/>
+                <a:latin typeface="+mn-lt"/>
+                <a:ea typeface="+mn-ea"/>
+                <a:cs typeface="+mn-cs"/>
+              </a:rPr>
+              <a:t>First Example</a:t>
+            </a:r>
+          </a:p>
+          <a:p>
+            <a:pPr marL="228600" marR="0" lvl="0" indent="-228600" algn="l" defTabSz="914400" rtl="0" eaLnBrk="1" fontAlgn="auto" latinLnBrk="0" hangingPunct="1">
+              <a:lnSpc>
+                <a:spcPct val="100000"/>
+              </a:lnSpc>
+              <a:spcBef>
+                <a:spcPts val="0"/>
+              </a:spcBef>
+              <a:spcAft>
+                <a:spcPts val="0"/>
+              </a:spcAft>
+              <a:buClrTx/>
+              <a:buSzTx/>
+              <a:buFontTx/>
+              <a:buAutoNum type="arabicParenR"/>
+              <a:tabLst/>
+              <a:defRPr/>
+            </a:pPr>
+            <a:r>
+              <a:rPr lang="en-US" sz="1200" b="0" i="0" kern="1200" dirty="0">
+                <a:solidFill>
+                  <a:schemeClr val="tx1"/>
+                </a:solidFill>
+                <a:effectLst/>
+                <a:latin typeface="+mn-lt"/>
+                <a:ea typeface="+mn-ea"/>
+                <a:cs typeface="+mn-cs"/>
+              </a:rPr>
+              <a:t>A side: declaring X -&gt; assign 5 to X -&gt; printing X value</a:t>
+            </a:r>
+          </a:p>
+          <a:p>
+            <a:pPr marL="228600" marR="0" lvl="0" indent="-228600" algn="l" defTabSz="914400" rtl="0" eaLnBrk="1" fontAlgn="auto" latinLnBrk="0" hangingPunct="1">
+              <a:lnSpc>
+                <a:spcPct val="100000"/>
+              </a:lnSpc>
+              <a:spcBef>
+                <a:spcPts val="0"/>
+              </a:spcBef>
+              <a:spcAft>
+                <a:spcPts val="0"/>
+              </a:spcAft>
+              <a:buClrTx/>
+              <a:buSzTx/>
+              <a:buFontTx/>
+              <a:buAutoNum type="arabicParenR"/>
+              <a:tabLst/>
+              <a:defRPr/>
+            </a:pPr>
+            <a:r>
+              <a:rPr lang="en-US" sz="1200" b="0" i="0" kern="1200" dirty="0">
+                <a:solidFill>
+                  <a:schemeClr val="tx1"/>
+                </a:solidFill>
+                <a:effectLst/>
+                <a:latin typeface="+mn-lt"/>
+                <a:ea typeface="+mn-ea"/>
+                <a:cs typeface="+mn-cs"/>
+              </a:rPr>
+              <a:t>B side: assign 5 to X -&gt; printing X value -&gt; declaring X</a:t>
+            </a:r>
+          </a:p>
+          <a:p>
             <a:pPr marL="0" marR="0" lvl="0" indent="0" algn="l" defTabSz="914400" rtl="0" eaLnBrk="1" fontAlgn="auto" latinLnBrk="0" hangingPunct="1">
               <a:lnSpc>
                 <a:spcPct val="100000"/>
@@ -16304,123 +16214,6 @@
               <a:tabLst/>
               <a:defRPr/>
             </a:pPr>
-            <a:r>
-              <a:rPr lang="en-US" b="0" dirty="0"/>
-              <a:t>What is closure?</a:t>
-            </a:r>
-          </a:p>
-          <a:p>
-            <a:pPr marL="0" marR="0" lvl="0" indent="0" algn="l" defTabSz="914400" rtl="0" eaLnBrk="1" fontAlgn="auto" latinLnBrk="0" hangingPunct="1">
-              <a:lnSpc>
-                <a:spcPct val="100000"/>
-              </a:lnSpc>
-              <a:spcBef>
-                <a:spcPts val="0"/>
-              </a:spcBef>
-              <a:spcAft>
-                <a:spcPts val="0"/>
-              </a:spcAft>
-              <a:buClrTx/>
-              <a:buSzTx/>
-              <a:buFontTx/>
-              <a:buNone/>
-              <a:tabLst/>
-              <a:defRPr/>
-            </a:pPr>
-            <a:endParaRPr lang="en-US" b="0" dirty="0"/>
-          </a:p>
-          <a:p>
-            <a:pPr algn="l" rtl="0"/>
-            <a:r>
-              <a:rPr lang="en-US" sz="1200" b="0" i="0" kern="1200" dirty="0">
-                <a:solidFill>
-                  <a:schemeClr val="tx1"/>
-                </a:solidFill>
-                <a:effectLst/>
-                <a:latin typeface="+mn-lt"/>
-                <a:ea typeface="+mn-ea"/>
-                <a:cs typeface="+mn-cs"/>
-              </a:rPr>
-              <a:t>A closure is a feature in JavaScript where an inner function has access to the outer (enclosing) function’s variables — a scope chain.</a:t>
-            </a:r>
-          </a:p>
-          <a:p>
-            <a:pPr algn="l" rtl="0"/>
-            <a:r>
-              <a:rPr lang="en-US" sz="1200" b="0" i="0" kern="1200" dirty="0">
-                <a:solidFill>
-                  <a:schemeClr val="tx1"/>
-                </a:solidFill>
-                <a:effectLst/>
-                <a:latin typeface="+mn-lt"/>
-                <a:ea typeface="+mn-ea"/>
-                <a:cs typeface="+mn-cs"/>
-              </a:rPr>
-              <a:t>The closure has three scope chains:</a:t>
-            </a:r>
-          </a:p>
-          <a:p>
-            <a:pPr algn="l" rtl="0"/>
-            <a:r>
-              <a:rPr lang="en-US" sz="1200" b="0" i="0" kern="1200" dirty="0">
-                <a:solidFill>
-                  <a:schemeClr val="tx1"/>
-                </a:solidFill>
-                <a:effectLst/>
-                <a:latin typeface="+mn-lt"/>
-                <a:ea typeface="+mn-ea"/>
-                <a:cs typeface="+mn-cs"/>
-              </a:rPr>
-              <a:t>it has access to its own scope — variables defined between its curly brackets</a:t>
-            </a:r>
-          </a:p>
-          <a:p>
-            <a:pPr algn="l" rtl="0"/>
-            <a:r>
-              <a:rPr lang="en-US" sz="1200" b="0" i="0" kern="1200" dirty="0">
-                <a:solidFill>
-                  <a:schemeClr val="tx1"/>
-                </a:solidFill>
-                <a:effectLst/>
-                <a:latin typeface="+mn-lt"/>
-                <a:ea typeface="+mn-ea"/>
-                <a:cs typeface="+mn-cs"/>
-              </a:rPr>
-              <a:t>it has access to the outer function’s variables</a:t>
-            </a:r>
-          </a:p>
-          <a:p>
-            <a:pPr algn="l" rtl="0"/>
-            <a:r>
-              <a:rPr lang="en-US" sz="1200" b="0" i="0" kern="1200" dirty="0">
-                <a:solidFill>
-                  <a:schemeClr val="tx1"/>
-                </a:solidFill>
-                <a:effectLst/>
-                <a:latin typeface="+mn-lt"/>
-                <a:ea typeface="+mn-ea"/>
-                <a:cs typeface="+mn-cs"/>
-              </a:rPr>
-              <a:t>it has access to the global variables</a:t>
-            </a:r>
-          </a:p>
-          <a:p>
-            <a:pPr algn="l" rtl="0"/>
-            <a:r>
-              <a:rPr lang="en-US" sz="1200" b="0" i="0" kern="1200" dirty="0">
-                <a:solidFill>
-                  <a:schemeClr val="tx1"/>
-                </a:solidFill>
-                <a:effectLst/>
-                <a:latin typeface="+mn-lt"/>
-                <a:ea typeface="+mn-ea"/>
-                <a:cs typeface="+mn-cs"/>
-              </a:rPr>
-              <a:t>To the uninitiated, this definition might seem like just a whole lot of jargon!</a:t>
-            </a:r>
-          </a:p>
-          <a:p>
-            <a:pPr algn="l" rtl="0"/>
             <a:endParaRPr lang="en-US" sz="1200" b="0" i="0" kern="1200" dirty="0">
               <a:solidFill>
                 <a:schemeClr val="tx1"/>
@@ -16432,27 +16225,84 @@
             </a:endParaRPr>
           </a:p>
           <a:p>
-            <a:pPr marL="171450" indent="-171450" algn="l" rtl="0">
-              <a:buFontTx/>
-              <a:buChar char="-"/>
-            </a:pPr>
-            <a:r>
-              <a:rPr lang="en-US" sz="1200" b="0" i="0" kern="1200" dirty="0">
-                <a:solidFill>
-                  <a:schemeClr val="tx1"/>
-                </a:solidFill>
-                <a:effectLst/>
-                <a:latin typeface="+mn-lt"/>
-                <a:ea typeface="+mn-ea"/>
-                <a:cs typeface="+mn-cs"/>
-              </a:rPr>
-              <a:t>https://medium.freecodecamp.org/javascript-closures-simplified-d0d23fa06ba4</a:t>
-            </a:r>
-          </a:p>
-          <a:p>
-            <a:pPr marL="171450" indent="-171450" algn="l" rtl="0">
-              <a:buFontTx/>
-              <a:buChar char="-"/>
+            <a:pPr marL="0" marR="0" lvl="0" indent="0" algn="l" defTabSz="914400" rtl="0" eaLnBrk="1" fontAlgn="auto" latinLnBrk="0" hangingPunct="1">
+              <a:lnSpc>
+                <a:spcPct val="100000"/>
+              </a:lnSpc>
+              <a:spcBef>
+                <a:spcPts val="0"/>
+              </a:spcBef>
+              <a:spcAft>
+                <a:spcPts val="0"/>
+              </a:spcAft>
+              <a:buClrTx/>
+              <a:buSzTx/>
+              <a:buFontTx/>
+              <a:buNone/>
+              <a:tabLst/>
+              <a:defRPr/>
+            </a:pPr>
+            <a:r>
+              <a:rPr lang="en-US" sz="1200" b="0" i="0" kern="1200" dirty="0">
+                <a:solidFill>
+                  <a:schemeClr val="tx1"/>
+                </a:solidFill>
+                <a:effectLst/>
+                <a:latin typeface="+mn-lt"/>
+                <a:ea typeface="+mn-ea"/>
+                <a:cs typeface="+mn-cs"/>
+              </a:rPr>
+              <a:t>In both examples we will receive the same output/result, why?</a:t>
+            </a:r>
+          </a:p>
+          <a:p>
+            <a:pPr marL="0" marR="0" lvl="0" indent="0" algn="l" defTabSz="914400" rtl="0" eaLnBrk="1" fontAlgn="auto" latinLnBrk="0" hangingPunct="1">
+              <a:lnSpc>
+                <a:spcPct val="100000"/>
+              </a:lnSpc>
+              <a:spcBef>
+                <a:spcPts val="0"/>
+              </a:spcBef>
+              <a:spcAft>
+                <a:spcPts val="0"/>
+              </a:spcAft>
+              <a:buClrTx/>
+              <a:buSzTx/>
+              <a:buFontTx/>
+              <a:buNone/>
+              <a:tabLst/>
+              <a:defRPr/>
+            </a:pPr>
+            <a:r>
+              <a:rPr lang="en-US" sz="1200" b="0" i="0" kern="1200" dirty="0">
+                <a:solidFill>
+                  <a:schemeClr val="tx1"/>
+                </a:solidFill>
+                <a:effectLst/>
+                <a:latin typeface="+mn-lt"/>
+                <a:ea typeface="+mn-ea"/>
+                <a:cs typeface="+mn-cs"/>
+              </a:rPr>
+              <a:t>Because hoisting behavior</a:t>
+            </a:r>
+          </a:p>
+          <a:p>
+            <a:pPr marL="0" marR="0" lvl="0" indent="0" algn="l" defTabSz="914400" rtl="0" eaLnBrk="1" fontAlgn="auto" latinLnBrk="0" hangingPunct="1">
+              <a:lnSpc>
+                <a:spcPct val="100000"/>
+              </a:lnSpc>
+              <a:spcBef>
+                <a:spcPts val="0"/>
+              </a:spcBef>
+              <a:spcAft>
+                <a:spcPts val="0"/>
+              </a:spcAft>
+              <a:buClrTx/>
+              <a:buSzTx/>
+              <a:buFontTx/>
+              <a:buNone/>
+              <a:tabLst/>
+              <a:defRPr/>
             </a:pPr>
             <a:endParaRPr lang="en-US" sz="1200" b="0" i="0" kern="1200" dirty="0">
               <a:solidFill>
@@ -16464,6 +16314,1142 @@
               <a:cs typeface="+mn-cs"/>
             </a:endParaRPr>
           </a:p>
+          <a:p>
+            <a:pPr marL="171450" marR="0" lvl="0" indent="-171450" algn="l" defTabSz="914400" rtl="0" eaLnBrk="1" fontAlgn="auto" latinLnBrk="0" hangingPunct="1">
+              <a:lnSpc>
+                <a:spcPct val="100000"/>
+              </a:lnSpc>
+              <a:spcBef>
+                <a:spcPts val="0"/>
+              </a:spcBef>
+              <a:spcAft>
+                <a:spcPts val="0"/>
+              </a:spcAft>
+              <a:buClrTx/>
+              <a:buSzTx/>
+              <a:buFont typeface="Arial" panose="020B0604020202020204" pitchFamily="34" charset="0"/>
+              <a:buChar char="•"/>
+              <a:tabLst/>
+              <a:defRPr/>
+            </a:pPr>
+            <a:r>
+              <a:rPr lang="en-US" sz="1200" b="0" i="0" kern="1200" dirty="0">
+                <a:solidFill>
+                  <a:schemeClr val="tx1"/>
+                </a:solidFill>
+                <a:effectLst/>
+                <a:latin typeface="+mn-lt"/>
+                <a:ea typeface="+mn-ea"/>
+                <a:cs typeface="+mn-cs"/>
+              </a:rPr>
+              <a:t>Second Example:</a:t>
+            </a:r>
+          </a:p>
+          <a:p>
+            <a:pPr marL="0" marR="0" lvl="0" indent="0" algn="l" defTabSz="914400" rtl="0" eaLnBrk="1" fontAlgn="auto" latinLnBrk="0" hangingPunct="1">
+              <a:lnSpc>
+                <a:spcPct val="100000"/>
+              </a:lnSpc>
+              <a:spcBef>
+                <a:spcPts val="0"/>
+              </a:spcBef>
+              <a:spcAft>
+                <a:spcPts val="0"/>
+              </a:spcAft>
+              <a:buClrTx/>
+              <a:buSzTx/>
+              <a:buFontTx/>
+              <a:buNone/>
+              <a:tabLst/>
+              <a:defRPr/>
+            </a:pPr>
+            <a:r>
+              <a:rPr lang="en-US" sz="1200" b="0" i="0" kern="1200" dirty="0">
+                <a:solidFill>
+                  <a:schemeClr val="tx1"/>
+                </a:solidFill>
+                <a:effectLst/>
+                <a:latin typeface="+mn-lt"/>
+                <a:ea typeface="+mn-ea"/>
+                <a:cs typeface="+mn-cs"/>
+              </a:rPr>
+              <a:t>Let see another example</a:t>
+            </a:r>
+          </a:p>
+          <a:p>
+            <a:pPr marL="228600" marR="0" lvl="0" indent="-228600" algn="l" defTabSz="914400" rtl="0" eaLnBrk="1" fontAlgn="auto" latinLnBrk="0" hangingPunct="1">
+              <a:lnSpc>
+                <a:spcPct val="100000"/>
+              </a:lnSpc>
+              <a:spcBef>
+                <a:spcPts val="0"/>
+              </a:spcBef>
+              <a:spcAft>
+                <a:spcPts val="0"/>
+              </a:spcAft>
+              <a:buClrTx/>
+              <a:buSzTx/>
+              <a:buFontTx/>
+              <a:buAutoNum type="arabicParenR"/>
+              <a:tabLst/>
+              <a:defRPr/>
+            </a:pPr>
+            <a:r>
+              <a:rPr lang="en-US" sz="1200" b="0" i="0" kern="1200" dirty="0">
+                <a:solidFill>
+                  <a:schemeClr val="tx1"/>
+                </a:solidFill>
+                <a:effectLst/>
+                <a:latin typeface="+mn-lt"/>
+                <a:ea typeface="+mn-ea"/>
+                <a:cs typeface="+mn-cs"/>
+              </a:rPr>
+              <a:t>A side: printing X value -&gt; declaring X &amp; assign 5 value</a:t>
+            </a:r>
+            <a:br>
+              <a:rPr lang="en-US" sz="1200" b="0" i="0" kern="1200" dirty="0">
+                <a:solidFill>
+                  <a:schemeClr val="tx1"/>
+                </a:solidFill>
+                <a:effectLst/>
+                <a:latin typeface="+mn-lt"/>
+                <a:ea typeface="+mn-ea"/>
+                <a:cs typeface="+mn-cs"/>
+              </a:rPr>
+            </a:br>
+            <a:r>
+              <a:rPr lang="en-US" sz="1200" b="0" i="0" kern="1200" dirty="0">
+                <a:solidFill>
+                  <a:schemeClr val="tx1"/>
+                </a:solidFill>
+                <a:effectLst/>
+                <a:latin typeface="+mn-lt"/>
+                <a:ea typeface="+mn-ea"/>
+                <a:cs typeface="+mn-cs"/>
+              </a:rPr>
+              <a:t>What will be the output?</a:t>
+            </a:r>
+            <a:br>
+              <a:rPr lang="en-US" sz="1200" b="0" i="0" kern="1200" dirty="0">
+                <a:solidFill>
+                  <a:schemeClr val="tx1"/>
+                </a:solidFill>
+                <a:effectLst/>
+                <a:latin typeface="+mn-lt"/>
+                <a:ea typeface="+mn-ea"/>
+                <a:cs typeface="+mn-cs"/>
+              </a:rPr>
+            </a:br>
+            <a:r>
+              <a:rPr lang="en-US" sz="1200" b="0" i="0" kern="1200" dirty="0">
+                <a:solidFill>
+                  <a:schemeClr val="tx1"/>
+                </a:solidFill>
+                <a:effectLst/>
+                <a:latin typeface="+mn-lt"/>
+                <a:ea typeface="+mn-ea"/>
+                <a:cs typeface="+mn-cs"/>
+              </a:rPr>
+              <a:t>Undefined, why?</a:t>
+            </a:r>
+          </a:p>
+          <a:p>
+            <a:pPr marL="0" marR="0" lvl="0" indent="0" algn="l" defTabSz="914400" rtl="0" eaLnBrk="1" fontAlgn="auto" latinLnBrk="0" hangingPunct="1">
+              <a:lnSpc>
+                <a:spcPct val="100000"/>
+              </a:lnSpc>
+              <a:spcBef>
+                <a:spcPts val="0"/>
+              </a:spcBef>
+              <a:spcAft>
+                <a:spcPts val="0"/>
+              </a:spcAft>
+              <a:buClrTx/>
+              <a:buSzTx/>
+              <a:buFontTx/>
+              <a:buNone/>
+              <a:tabLst/>
+              <a:defRPr/>
+            </a:pPr>
+            <a:r>
+              <a:rPr lang="en-US" sz="1200" b="0" i="0" kern="1200" dirty="0">
+                <a:solidFill>
+                  <a:schemeClr val="tx1"/>
+                </a:solidFill>
+                <a:effectLst/>
+                <a:latin typeface="+mn-lt"/>
+                <a:ea typeface="+mn-ea"/>
+                <a:cs typeface="+mn-cs"/>
+              </a:rPr>
+              <a:t>What is happing behind the scene?</a:t>
+            </a:r>
+            <a:br>
+              <a:rPr lang="en-US" sz="1200" b="0" i="0" kern="1200" dirty="0">
+                <a:solidFill>
+                  <a:schemeClr val="tx1"/>
+                </a:solidFill>
+                <a:effectLst/>
+                <a:latin typeface="+mn-lt"/>
+                <a:ea typeface="+mn-ea"/>
+                <a:cs typeface="+mn-cs"/>
+              </a:rPr>
+            </a:br>
+            <a:r>
+              <a:rPr lang="en-US" sz="1200" b="0" i="0" kern="1200" dirty="0">
+                <a:solidFill>
+                  <a:schemeClr val="tx1"/>
+                </a:solidFill>
+                <a:effectLst/>
+                <a:latin typeface="+mn-lt"/>
+                <a:ea typeface="+mn-ea"/>
+                <a:cs typeface="+mn-cs"/>
+              </a:rPr>
+              <a:t>Let see what happened in B side</a:t>
+            </a:r>
+          </a:p>
+          <a:p>
+            <a:pPr marL="0" marR="0" lvl="0" indent="0" algn="l" defTabSz="914400" rtl="0" eaLnBrk="1" fontAlgn="auto" latinLnBrk="0" hangingPunct="1">
+              <a:lnSpc>
+                <a:spcPct val="100000"/>
+              </a:lnSpc>
+              <a:spcBef>
+                <a:spcPts val="0"/>
+              </a:spcBef>
+              <a:spcAft>
+                <a:spcPts val="0"/>
+              </a:spcAft>
+              <a:buClrTx/>
+              <a:buSzTx/>
+              <a:buFontTx/>
+              <a:buNone/>
+              <a:tabLst/>
+              <a:defRPr/>
+            </a:pPr>
+            <a:r>
+              <a:rPr lang="en-US" sz="1200" b="0" i="0" kern="1200" dirty="0">
+                <a:solidFill>
+                  <a:schemeClr val="tx1"/>
+                </a:solidFill>
+                <a:effectLst/>
+                <a:latin typeface="+mn-lt"/>
+                <a:ea typeface="+mn-ea"/>
+                <a:cs typeface="+mn-cs"/>
+              </a:rPr>
+              <a:t>2) B side:  declaring X -&gt; printing X value -&gt; assign 5 to X </a:t>
+            </a:r>
+          </a:p>
+          <a:p>
+            <a:pPr marL="0" marR="0" lvl="0" indent="0" algn="l" defTabSz="914400" rtl="0" eaLnBrk="1" fontAlgn="auto" latinLnBrk="0" hangingPunct="1">
+              <a:lnSpc>
+                <a:spcPct val="100000"/>
+              </a:lnSpc>
+              <a:spcBef>
+                <a:spcPts val="0"/>
+              </a:spcBef>
+              <a:spcAft>
+                <a:spcPts val="0"/>
+              </a:spcAft>
+              <a:buClrTx/>
+              <a:buSzTx/>
+              <a:buFontTx/>
+              <a:buNone/>
+              <a:tabLst/>
+              <a:defRPr/>
+            </a:pPr>
+            <a:r>
+              <a:rPr lang="en-US" sz="1200" b="0" i="0" kern="1200" dirty="0">
+                <a:solidFill>
+                  <a:schemeClr val="tx1"/>
+                </a:solidFill>
+                <a:effectLst/>
+                <a:latin typeface="+mn-lt"/>
+                <a:ea typeface="+mn-ea"/>
+                <a:cs typeface="+mn-cs"/>
+              </a:rPr>
+              <a:t>So basically we are declaring x but not populating it, after the declaring we are printing x value and this is way we receive undefined</a:t>
+            </a:r>
+          </a:p>
+          <a:p>
+            <a:pPr marL="0" marR="0" lvl="0" indent="0" algn="l" defTabSz="914400" rtl="0" eaLnBrk="1" fontAlgn="auto" latinLnBrk="0" hangingPunct="1">
+              <a:lnSpc>
+                <a:spcPct val="100000"/>
+              </a:lnSpc>
+              <a:spcBef>
+                <a:spcPts val="0"/>
+              </a:spcBef>
+              <a:spcAft>
+                <a:spcPts val="0"/>
+              </a:spcAft>
+              <a:buClrTx/>
+              <a:buSzTx/>
+              <a:buFontTx/>
+              <a:buNone/>
+              <a:tabLst/>
+              <a:defRPr/>
+            </a:pPr>
+            <a:endParaRPr lang="en-US" sz="1200" b="0" i="0" kern="1200" dirty="0">
+              <a:solidFill>
+                <a:schemeClr val="tx1"/>
+              </a:solidFill>
+              <a:effectLst/>
+              <a:latin typeface="+mn-lt"/>
+              <a:ea typeface="+mn-ea"/>
+              <a:cs typeface="+mn-cs"/>
+            </a:endParaRPr>
+          </a:p>
+          <a:p>
+            <a:pPr marL="171450" marR="0" lvl="0" indent="-171450" algn="l" defTabSz="914400" rtl="0" eaLnBrk="1" fontAlgn="auto" latinLnBrk="0" hangingPunct="1">
+              <a:lnSpc>
+                <a:spcPct val="100000"/>
+              </a:lnSpc>
+              <a:spcBef>
+                <a:spcPts val="0"/>
+              </a:spcBef>
+              <a:spcAft>
+                <a:spcPts val="0"/>
+              </a:spcAft>
+              <a:buClrTx/>
+              <a:buSzTx/>
+              <a:buFont typeface="Arial" panose="020B0604020202020204" pitchFamily="34" charset="0"/>
+              <a:buChar char="•"/>
+              <a:tabLst/>
+              <a:defRPr/>
+            </a:pPr>
+            <a:r>
+              <a:rPr lang="en-US" sz="1200" b="0" i="0" kern="1200" dirty="0">
+                <a:solidFill>
+                  <a:schemeClr val="tx1"/>
+                </a:solidFill>
+                <a:effectLst/>
+                <a:latin typeface="+mn-lt"/>
+                <a:ea typeface="+mn-ea"/>
+                <a:cs typeface="+mn-cs"/>
+              </a:rPr>
+              <a:t>Third Example:</a:t>
+            </a:r>
+            <a:br>
+              <a:rPr lang="en-US" sz="1200" b="0" i="0" kern="1200" dirty="0">
+                <a:solidFill>
+                  <a:schemeClr val="tx1"/>
+                </a:solidFill>
+                <a:effectLst/>
+                <a:latin typeface="+mn-lt"/>
+                <a:ea typeface="+mn-ea"/>
+                <a:cs typeface="+mn-cs"/>
+              </a:rPr>
+            </a:br>
+            <a:r>
+              <a:rPr lang="en-US" sz="1200" b="0" i="0" kern="1200" dirty="0">
+                <a:solidFill>
+                  <a:schemeClr val="tx1"/>
+                </a:solidFill>
+                <a:effectLst/>
+                <a:latin typeface="+mn-lt"/>
+                <a:ea typeface="+mn-ea"/>
+                <a:cs typeface="+mn-cs"/>
+              </a:rPr>
+              <a:t>Same behavior is happened for functions,</a:t>
+            </a:r>
+          </a:p>
+          <a:p>
+            <a:pPr marL="0" marR="0" lvl="0" indent="0" algn="l" defTabSz="914400" rtl="0" eaLnBrk="1" fontAlgn="auto" latinLnBrk="0" hangingPunct="1">
+              <a:lnSpc>
+                <a:spcPct val="100000"/>
+              </a:lnSpc>
+              <a:spcBef>
+                <a:spcPts val="0"/>
+              </a:spcBef>
+              <a:spcAft>
+                <a:spcPts val="0"/>
+              </a:spcAft>
+              <a:buClrTx/>
+              <a:buSzTx/>
+              <a:buFontTx/>
+              <a:buNone/>
+              <a:tabLst/>
+              <a:defRPr/>
+            </a:pPr>
+            <a:r>
+              <a:rPr lang="en-US" sz="1200" b="0" i="0" kern="1200" dirty="0">
+                <a:solidFill>
+                  <a:schemeClr val="tx1"/>
+                </a:solidFill>
+                <a:effectLst/>
+                <a:latin typeface="+mn-lt"/>
+                <a:ea typeface="+mn-ea"/>
+                <a:cs typeface="+mn-cs"/>
+              </a:rPr>
+              <a:t>Let see an example:</a:t>
+            </a:r>
+          </a:p>
+          <a:p>
+            <a:pPr marL="228600" marR="0" lvl="0" indent="-228600" algn="l" defTabSz="914400" rtl="0" eaLnBrk="1" fontAlgn="auto" latinLnBrk="0" hangingPunct="1">
+              <a:lnSpc>
+                <a:spcPct val="100000"/>
+              </a:lnSpc>
+              <a:spcBef>
+                <a:spcPts val="0"/>
+              </a:spcBef>
+              <a:spcAft>
+                <a:spcPts val="0"/>
+              </a:spcAft>
+              <a:buClrTx/>
+              <a:buSzTx/>
+              <a:buFontTx/>
+              <a:buAutoNum type="arabicParenR"/>
+              <a:tabLst/>
+              <a:defRPr/>
+            </a:pPr>
+            <a:r>
+              <a:rPr lang="en-US" sz="1200" b="0" i="0" kern="1200" dirty="0">
+                <a:solidFill>
+                  <a:schemeClr val="tx1"/>
+                </a:solidFill>
+                <a:effectLst/>
+                <a:latin typeface="+mn-lt"/>
+                <a:ea typeface="+mn-ea"/>
+                <a:cs typeface="+mn-cs"/>
+              </a:rPr>
+              <a:t>A side: declaring </a:t>
+            </a:r>
+            <a:r>
+              <a:rPr lang="en-US" sz="1200" b="0" i="0" kern="1200" dirty="0" err="1">
+                <a:solidFill>
+                  <a:schemeClr val="tx1"/>
+                </a:solidFill>
+                <a:effectLst/>
+                <a:latin typeface="+mn-lt"/>
+                <a:ea typeface="+mn-ea"/>
+                <a:cs typeface="+mn-cs"/>
+              </a:rPr>
+              <a:t>cowSays</a:t>
+            </a:r>
+            <a:r>
+              <a:rPr lang="en-US" sz="1200" b="0" i="0" kern="1200" dirty="0">
+                <a:solidFill>
+                  <a:schemeClr val="tx1"/>
+                </a:solidFill>
+                <a:effectLst/>
+                <a:latin typeface="+mn-lt"/>
+                <a:ea typeface="+mn-ea"/>
+                <a:cs typeface="+mn-cs"/>
+              </a:rPr>
+              <a:t> function-&gt; invoking </a:t>
+            </a:r>
+            <a:r>
+              <a:rPr lang="en-US" sz="1200" b="0" i="0" kern="1200" dirty="0" err="1">
+                <a:solidFill>
+                  <a:schemeClr val="tx1"/>
+                </a:solidFill>
+                <a:effectLst/>
+                <a:latin typeface="+mn-lt"/>
+                <a:ea typeface="+mn-ea"/>
+                <a:cs typeface="+mn-cs"/>
+              </a:rPr>
+              <a:t>cowSays</a:t>
+            </a:r>
+            <a:r>
+              <a:rPr lang="en-US" sz="1200" b="0" i="0" kern="1200" dirty="0">
+                <a:solidFill>
+                  <a:schemeClr val="tx1"/>
+                </a:solidFill>
+                <a:effectLst/>
+                <a:latin typeface="+mn-lt"/>
+                <a:ea typeface="+mn-ea"/>
+                <a:cs typeface="+mn-cs"/>
+              </a:rPr>
+              <a:t> function</a:t>
+            </a:r>
+          </a:p>
+          <a:p>
+            <a:pPr marL="228600" marR="0" lvl="0" indent="-228600" algn="l" defTabSz="914400" rtl="0" eaLnBrk="1" fontAlgn="auto" latinLnBrk="0" hangingPunct="1">
+              <a:lnSpc>
+                <a:spcPct val="100000"/>
+              </a:lnSpc>
+              <a:spcBef>
+                <a:spcPts val="0"/>
+              </a:spcBef>
+              <a:spcAft>
+                <a:spcPts val="0"/>
+              </a:spcAft>
+              <a:buClrTx/>
+              <a:buSzTx/>
+              <a:buFontTx/>
+              <a:buAutoNum type="arabicParenR"/>
+              <a:tabLst/>
+              <a:defRPr/>
+            </a:pPr>
+            <a:r>
+              <a:rPr lang="en-US" sz="1200" b="0" i="0" kern="1200" dirty="0">
+                <a:solidFill>
+                  <a:schemeClr val="tx1"/>
+                </a:solidFill>
+                <a:effectLst/>
+                <a:latin typeface="+mn-lt"/>
+                <a:ea typeface="+mn-ea"/>
+                <a:cs typeface="+mn-cs"/>
+              </a:rPr>
+              <a:t>B side: invoking </a:t>
+            </a:r>
+            <a:r>
+              <a:rPr lang="en-US" sz="1200" b="0" i="0" kern="1200" dirty="0" err="1">
+                <a:solidFill>
+                  <a:schemeClr val="tx1"/>
+                </a:solidFill>
+                <a:effectLst/>
+                <a:latin typeface="+mn-lt"/>
+                <a:ea typeface="+mn-ea"/>
+                <a:cs typeface="+mn-cs"/>
+              </a:rPr>
+              <a:t>cowSays</a:t>
+            </a:r>
+            <a:r>
+              <a:rPr lang="en-US" sz="1200" b="0" i="0" kern="1200" dirty="0">
+                <a:solidFill>
+                  <a:schemeClr val="tx1"/>
+                </a:solidFill>
+                <a:effectLst/>
+                <a:latin typeface="+mn-lt"/>
+                <a:ea typeface="+mn-ea"/>
+                <a:cs typeface="+mn-cs"/>
+              </a:rPr>
+              <a:t> function -&gt; declaring </a:t>
+            </a:r>
+            <a:r>
+              <a:rPr lang="en-US" sz="1200" b="0" i="0" kern="1200" dirty="0" err="1">
+                <a:solidFill>
+                  <a:schemeClr val="tx1"/>
+                </a:solidFill>
+                <a:effectLst/>
+                <a:latin typeface="+mn-lt"/>
+                <a:ea typeface="+mn-ea"/>
+                <a:cs typeface="+mn-cs"/>
+              </a:rPr>
+              <a:t>cowSays</a:t>
+            </a:r>
+            <a:r>
+              <a:rPr lang="en-US" sz="1200" b="0" i="0" kern="1200" dirty="0">
+                <a:solidFill>
+                  <a:schemeClr val="tx1"/>
+                </a:solidFill>
+                <a:effectLst/>
+                <a:latin typeface="+mn-lt"/>
+                <a:ea typeface="+mn-ea"/>
+                <a:cs typeface="+mn-cs"/>
+              </a:rPr>
+              <a:t> function</a:t>
+            </a:r>
+          </a:p>
+          <a:p>
+            <a:pPr marL="0" marR="0" lvl="0" indent="0" algn="l" defTabSz="914400" rtl="0" eaLnBrk="1" fontAlgn="auto" latinLnBrk="0" hangingPunct="1">
+              <a:lnSpc>
+                <a:spcPct val="100000"/>
+              </a:lnSpc>
+              <a:spcBef>
+                <a:spcPts val="0"/>
+              </a:spcBef>
+              <a:spcAft>
+                <a:spcPts val="0"/>
+              </a:spcAft>
+              <a:buClrTx/>
+              <a:buSzTx/>
+              <a:buFontTx/>
+              <a:buNone/>
+              <a:tabLst/>
+              <a:defRPr/>
+            </a:pPr>
+            <a:r>
+              <a:rPr lang="en-US" sz="1200" b="0" i="0" kern="1200" dirty="0">
+                <a:solidFill>
+                  <a:schemeClr val="tx1"/>
+                </a:solidFill>
+                <a:effectLst/>
+                <a:latin typeface="+mn-lt"/>
+                <a:ea typeface="+mn-ea"/>
+                <a:cs typeface="+mn-cs"/>
+              </a:rPr>
+              <a:t>We will receive the same result? Why? Because like variables, also function declaration are hoisted to the top of the scope, so basically B side is transfer to A side.</a:t>
+            </a:r>
+          </a:p>
+          <a:p>
+            <a:pPr marL="0" marR="0" lvl="0" indent="0" algn="l" defTabSz="914400" rtl="0" eaLnBrk="1" fontAlgn="auto" latinLnBrk="0" hangingPunct="1">
+              <a:lnSpc>
+                <a:spcPct val="100000"/>
+              </a:lnSpc>
+              <a:spcBef>
+                <a:spcPts val="0"/>
+              </a:spcBef>
+              <a:spcAft>
+                <a:spcPts val="0"/>
+              </a:spcAft>
+              <a:buClrTx/>
+              <a:buSzTx/>
+              <a:buFontTx/>
+              <a:buNone/>
+              <a:tabLst/>
+              <a:defRPr/>
+            </a:pPr>
+            <a:endParaRPr lang="en-US" sz="1200" b="0" i="0" kern="1200" dirty="0">
+              <a:solidFill>
+                <a:schemeClr val="tx1"/>
+              </a:solidFill>
+              <a:effectLst/>
+              <a:latin typeface="+mn-lt"/>
+              <a:ea typeface="+mn-ea"/>
+              <a:cs typeface="+mn-cs"/>
+            </a:endParaRPr>
+          </a:p>
+          <a:p>
+            <a:pPr marL="0" marR="0" lvl="0" indent="0" algn="l" defTabSz="914400" rtl="0" eaLnBrk="1" fontAlgn="auto" latinLnBrk="0" hangingPunct="1">
+              <a:lnSpc>
+                <a:spcPct val="100000"/>
+              </a:lnSpc>
+              <a:spcBef>
+                <a:spcPts val="0"/>
+              </a:spcBef>
+              <a:spcAft>
+                <a:spcPts val="0"/>
+              </a:spcAft>
+              <a:buClrTx/>
+              <a:buSzTx/>
+              <a:buFontTx/>
+              <a:buNone/>
+              <a:tabLst/>
+              <a:defRPr/>
+            </a:pPr>
+            <a:endParaRPr lang="en-US" sz="1200" b="0" i="0" kern="1200" dirty="0">
+              <a:solidFill>
+                <a:schemeClr val="tx1"/>
+              </a:solidFill>
+              <a:effectLst/>
+              <a:latin typeface="+mn-lt"/>
+              <a:ea typeface="+mn-ea"/>
+              <a:cs typeface="+mn-cs"/>
+            </a:endParaRPr>
+          </a:p>
+          <a:p>
+            <a:pPr marL="171450" marR="0" lvl="0" indent="-171450" algn="l" defTabSz="914400" rtl="0" eaLnBrk="1" fontAlgn="auto" latinLnBrk="0" hangingPunct="1">
+              <a:lnSpc>
+                <a:spcPct val="100000"/>
+              </a:lnSpc>
+              <a:spcBef>
+                <a:spcPts val="0"/>
+              </a:spcBef>
+              <a:spcAft>
+                <a:spcPts val="0"/>
+              </a:spcAft>
+              <a:buClrTx/>
+              <a:buSzTx/>
+              <a:buFont typeface="Arial" panose="020B0604020202020204" pitchFamily="34" charset="0"/>
+              <a:buChar char="•"/>
+              <a:tabLst/>
+              <a:defRPr/>
+            </a:pPr>
+            <a:r>
+              <a:rPr lang="en-US" sz="1200" b="0" i="0" kern="1200" dirty="0">
+                <a:solidFill>
+                  <a:schemeClr val="tx1"/>
+                </a:solidFill>
+                <a:effectLst/>
+                <a:latin typeface="+mn-lt"/>
+                <a:ea typeface="+mn-ea"/>
+                <a:cs typeface="+mn-cs"/>
+              </a:rPr>
+              <a:t>Fourth Example:</a:t>
+            </a:r>
+            <a:br>
+              <a:rPr lang="en-US" sz="1200" b="0" i="0" kern="1200" dirty="0">
+                <a:solidFill>
+                  <a:schemeClr val="tx1"/>
+                </a:solidFill>
+                <a:effectLst/>
+                <a:latin typeface="+mn-lt"/>
+                <a:ea typeface="+mn-ea"/>
+                <a:cs typeface="+mn-cs"/>
+              </a:rPr>
+            </a:br>
+            <a:r>
+              <a:rPr lang="en-US" sz="1200" b="0" i="0" kern="1200" dirty="0">
+                <a:solidFill>
+                  <a:schemeClr val="tx1"/>
+                </a:solidFill>
+                <a:effectLst/>
+                <a:latin typeface="+mn-lt"/>
+                <a:ea typeface="+mn-ea"/>
+                <a:cs typeface="+mn-cs"/>
+              </a:rPr>
+              <a:t>What will happened if we are assigning function to a variable? (right side is variable name </a:t>
+            </a:r>
+            <a:r>
+              <a:rPr lang="en-US" sz="1200" b="0" i="0" kern="1200" dirty="0" err="1">
+                <a:solidFill>
+                  <a:schemeClr val="tx1"/>
+                </a:solidFill>
+                <a:effectLst/>
+                <a:latin typeface="+mn-lt"/>
+                <a:ea typeface="+mn-ea"/>
+                <a:cs typeface="+mn-cs"/>
+              </a:rPr>
+              <a:t>cowSays</a:t>
+            </a:r>
+            <a:r>
+              <a:rPr lang="en-US" sz="1200" b="0" i="0" kern="1200" dirty="0">
+                <a:solidFill>
+                  <a:schemeClr val="tx1"/>
+                </a:solidFill>
+                <a:effectLst/>
+                <a:latin typeface="+mn-lt"/>
+                <a:ea typeface="+mn-ea"/>
+                <a:cs typeface="+mn-cs"/>
+              </a:rPr>
+              <a:t> and left side is anonymous function)</a:t>
+            </a:r>
+          </a:p>
+          <a:p>
+            <a:pPr marL="0" marR="0" lvl="0" indent="0" algn="l" defTabSz="914400" rtl="0" eaLnBrk="1" fontAlgn="auto" latinLnBrk="0" hangingPunct="1">
+              <a:lnSpc>
+                <a:spcPct val="100000"/>
+              </a:lnSpc>
+              <a:spcBef>
+                <a:spcPts val="0"/>
+              </a:spcBef>
+              <a:spcAft>
+                <a:spcPts val="0"/>
+              </a:spcAft>
+              <a:buClrTx/>
+              <a:buSzTx/>
+              <a:buFontTx/>
+              <a:buNone/>
+              <a:tabLst/>
+              <a:defRPr/>
+            </a:pPr>
+            <a:r>
+              <a:rPr lang="en-US" b="0" dirty="0"/>
+              <a:t>1) A side – invoking </a:t>
+            </a:r>
+            <a:r>
+              <a:rPr lang="en-US" sz="1200" b="0" i="0" kern="1200" dirty="0" err="1">
+                <a:solidFill>
+                  <a:schemeClr val="tx1"/>
+                </a:solidFill>
+                <a:effectLst/>
+                <a:latin typeface="+mn-lt"/>
+                <a:ea typeface="+mn-ea"/>
+                <a:cs typeface="+mn-cs"/>
+              </a:rPr>
+              <a:t>cowSays</a:t>
+            </a:r>
+            <a:r>
+              <a:rPr lang="en-US" sz="1200" b="0" i="0" kern="1200" dirty="0">
+                <a:solidFill>
+                  <a:schemeClr val="tx1"/>
+                </a:solidFill>
+                <a:effectLst/>
+                <a:latin typeface="+mn-lt"/>
+                <a:ea typeface="+mn-ea"/>
+                <a:cs typeface="+mn-cs"/>
+              </a:rPr>
+              <a:t> function -&gt; declaring on </a:t>
+            </a:r>
+            <a:r>
+              <a:rPr lang="en-US" sz="1200" b="0" i="0" kern="1200" dirty="0" err="1">
+                <a:solidFill>
+                  <a:schemeClr val="tx1"/>
+                </a:solidFill>
+                <a:effectLst/>
+                <a:latin typeface="+mn-lt"/>
+                <a:ea typeface="+mn-ea"/>
+                <a:cs typeface="+mn-cs"/>
+              </a:rPr>
+              <a:t>cowSays</a:t>
+            </a:r>
+            <a:r>
+              <a:rPr lang="en-US" sz="1200" b="0" i="0" kern="1200" dirty="0">
+                <a:solidFill>
+                  <a:schemeClr val="tx1"/>
+                </a:solidFill>
+                <a:effectLst/>
+                <a:latin typeface="+mn-lt"/>
+                <a:ea typeface="+mn-ea"/>
+                <a:cs typeface="+mn-cs"/>
+              </a:rPr>
+              <a:t> variable &amp; </a:t>
+            </a:r>
+            <a:r>
+              <a:rPr lang="en-US" sz="1200" b="0" i="0" kern="1200" dirty="0" err="1">
+                <a:solidFill>
+                  <a:schemeClr val="tx1"/>
+                </a:solidFill>
+                <a:effectLst/>
+                <a:latin typeface="+mn-lt"/>
+                <a:ea typeface="+mn-ea"/>
+                <a:cs typeface="+mn-cs"/>
+              </a:rPr>
+              <a:t>assinning</a:t>
+            </a:r>
+            <a:r>
+              <a:rPr lang="en-US" sz="1200" b="0" i="0" kern="1200" dirty="0">
+                <a:solidFill>
+                  <a:schemeClr val="tx1"/>
+                </a:solidFill>
+                <a:effectLst/>
+                <a:latin typeface="+mn-lt"/>
+                <a:ea typeface="+mn-ea"/>
+                <a:cs typeface="+mn-cs"/>
+              </a:rPr>
+              <a:t> anonymous function.</a:t>
+            </a:r>
+            <a:br>
+              <a:rPr lang="en-US" sz="1200" b="0" i="0" kern="1200" dirty="0">
+                <a:solidFill>
+                  <a:schemeClr val="tx1"/>
+                </a:solidFill>
+                <a:effectLst/>
+                <a:latin typeface="+mn-lt"/>
+                <a:ea typeface="+mn-ea"/>
+                <a:cs typeface="+mn-cs"/>
+              </a:rPr>
+            </a:br>
+            <a:r>
+              <a:rPr lang="en-US" sz="1200" b="0" i="0" kern="1200" dirty="0">
+                <a:solidFill>
+                  <a:schemeClr val="tx1"/>
+                </a:solidFill>
+                <a:effectLst/>
+                <a:latin typeface="+mn-lt"/>
+                <a:ea typeface="+mn-ea"/>
+                <a:cs typeface="+mn-cs"/>
+              </a:rPr>
+              <a:t>We will receive Error, why? Let see what happened behind the scene</a:t>
+            </a:r>
+          </a:p>
+          <a:p>
+            <a:pPr marL="0" marR="0" lvl="0" indent="0" algn="l" defTabSz="914400" rtl="0" eaLnBrk="1" fontAlgn="auto" latinLnBrk="0" hangingPunct="1">
+              <a:lnSpc>
+                <a:spcPct val="100000"/>
+              </a:lnSpc>
+              <a:spcBef>
+                <a:spcPts val="0"/>
+              </a:spcBef>
+              <a:spcAft>
+                <a:spcPts val="0"/>
+              </a:spcAft>
+              <a:buClrTx/>
+              <a:buSzTx/>
+              <a:buFontTx/>
+              <a:buNone/>
+              <a:tabLst/>
+              <a:defRPr/>
+            </a:pPr>
+            <a:r>
+              <a:rPr lang="en-US" sz="1200" b="0" i="0" kern="1200" dirty="0">
+                <a:solidFill>
+                  <a:schemeClr val="tx1"/>
+                </a:solidFill>
+                <a:effectLst/>
+                <a:latin typeface="+mn-lt"/>
+                <a:ea typeface="+mn-ea"/>
+                <a:cs typeface="+mn-cs"/>
+              </a:rPr>
+              <a:t>2) B side – </a:t>
+            </a:r>
+            <a:r>
+              <a:rPr lang="en-US" sz="1200" b="0" i="0" kern="1200" dirty="0" err="1">
+                <a:solidFill>
+                  <a:schemeClr val="tx1"/>
+                </a:solidFill>
+                <a:effectLst/>
+                <a:latin typeface="+mn-lt"/>
+                <a:ea typeface="+mn-ea"/>
+                <a:cs typeface="+mn-cs"/>
+              </a:rPr>
+              <a:t>decleration</a:t>
+            </a:r>
+            <a:r>
+              <a:rPr lang="en-US" sz="1200" b="0" i="0" kern="1200" dirty="0">
+                <a:solidFill>
+                  <a:schemeClr val="tx1"/>
+                </a:solidFill>
+                <a:effectLst/>
+                <a:latin typeface="+mn-lt"/>
+                <a:ea typeface="+mn-ea"/>
+                <a:cs typeface="+mn-cs"/>
+              </a:rPr>
+              <a:t> of </a:t>
+            </a:r>
+            <a:r>
+              <a:rPr lang="en-US" sz="1200" b="0" i="0" kern="1200" dirty="0" err="1">
+                <a:solidFill>
+                  <a:schemeClr val="tx1"/>
+                </a:solidFill>
+                <a:effectLst/>
+                <a:latin typeface="+mn-lt"/>
+                <a:ea typeface="+mn-ea"/>
+                <a:cs typeface="+mn-cs"/>
+              </a:rPr>
+              <a:t>cowSays</a:t>
+            </a:r>
+            <a:r>
+              <a:rPr lang="en-US" sz="1200" b="0" i="0" kern="1200" dirty="0">
+                <a:solidFill>
+                  <a:schemeClr val="tx1"/>
+                </a:solidFill>
+                <a:effectLst/>
+                <a:latin typeface="+mn-lt"/>
+                <a:ea typeface="+mn-ea"/>
+                <a:cs typeface="+mn-cs"/>
+              </a:rPr>
+              <a:t>  is hoisted to the top -&gt; </a:t>
+            </a:r>
+            <a:r>
+              <a:rPr lang="en-US" b="0" dirty="0"/>
+              <a:t>invoking </a:t>
+            </a:r>
+            <a:r>
+              <a:rPr lang="en-US" sz="1200" b="0" i="0" kern="1200" dirty="0" err="1">
+                <a:solidFill>
+                  <a:schemeClr val="tx1"/>
+                </a:solidFill>
+                <a:effectLst/>
+                <a:latin typeface="+mn-lt"/>
+                <a:ea typeface="+mn-ea"/>
+                <a:cs typeface="+mn-cs"/>
+              </a:rPr>
+              <a:t>cowSays</a:t>
+            </a:r>
+            <a:r>
+              <a:rPr lang="en-US" sz="1200" b="0" i="0" kern="1200" dirty="0">
+                <a:solidFill>
+                  <a:schemeClr val="tx1"/>
+                </a:solidFill>
+                <a:effectLst/>
+                <a:latin typeface="+mn-lt"/>
+                <a:ea typeface="+mn-ea"/>
+                <a:cs typeface="+mn-cs"/>
+              </a:rPr>
+              <a:t> function -&gt; </a:t>
+            </a:r>
+            <a:r>
+              <a:rPr lang="en-US" sz="1200" b="0" i="0" kern="1200" dirty="0" err="1">
+                <a:solidFill>
+                  <a:schemeClr val="tx1"/>
+                </a:solidFill>
+                <a:effectLst/>
+                <a:latin typeface="+mn-lt"/>
+                <a:ea typeface="+mn-ea"/>
+                <a:cs typeface="+mn-cs"/>
+              </a:rPr>
+              <a:t>assinning</a:t>
+            </a:r>
+            <a:r>
+              <a:rPr lang="en-US" sz="1200" b="0" i="0" kern="1200" dirty="0">
+                <a:solidFill>
+                  <a:schemeClr val="tx1"/>
+                </a:solidFill>
+                <a:effectLst/>
+                <a:latin typeface="+mn-lt"/>
+                <a:ea typeface="+mn-ea"/>
+                <a:cs typeface="+mn-cs"/>
+              </a:rPr>
+              <a:t> anonymous function to variable </a:t>
+            </a:r>
+            <a:r>
+              <a:rPr lang="en-US" sz="1200" b="0" i="0" kern="1200" dirty="0" err="1">
+                <a:solidFill>
+                  <a:schemeClr val="tx1"/>
+                </a:solidFill>
+                <a:effectLst/>
+                <a:latin typeface="+mn-lt"/>
+                <a:ea typeface="+mn-ea"/>
+                <a:cs typeface="+mn-cs"/>
+              </a:rPr>
+              <a:t>cowSays</a:t>
+            </a:r>
+            <a:br>
+              <a:rPr lang="en-US" sz="1200" b="0" i="0" kern="1200" dirty="0">
+                <a:solidFill>
+                  <a:schemeClr val="tx1"/>
+                </a:solidFill>
+                <a:effectLst/>
+                <a:latin typeface="+mn-lt"/>
+                <a:ea typeface="+mn-ea"/>
+                <a:cs typeface="+mn-cs"/>
+              </a:rPr>
+            </a:br>
+            <a:endParaRPr lang="en-US" sz="1200" b="0" i="0" kern="1200" dirty="0">
+              <a:solidFill>
+                <a:schemeClr val="tx1"/>
+              </a:solidFill>
+              <a:effectLst/>
+              <a:latin typeface="+mn-lt"/>
+              <a:ea typeface="+mn-ea"/>
+              <a:cs typeface="+mn-cs"/>
+            </a:endParaRPr>
+          </a:p>
+          <a:p>
+            <a:pPr marL="0" marR="0" lvl="0" indent="0" algn="l" defTabSz="914400" rtl="0" eaLnBrk="1" fontAlgn="auto" latinLnBrk="0" hangingPunct="1">
+              <a:lnSpc>
+                <a:spcPct val="100000"/>
+              </a:lnSpc>
+              <a:spcBef>
+                <a:spcPts val="0"/>
+              </a:spcBef>
+              <a:spcAft>
+                <a:spcPts val="0"/>
+              </a:spcAft>
+              <a:buClrTx/>
+              <a:buSzTx/>
+              <a:buFontTx/>
+              <a:buNone/>
+              <a:tabLst/>
+              <a:defRPr/>
+            </a:pPr>
+            <a:r>
+              <a:rPr lang="en-US" sz="1200" b="0" i="0" kern="1200" dirty="0">
+                <a:solidFill>
+                  <a:schemeClr val="tx1"/>
+                </a:solidFill>
+                <a:effectLst/>
+                <a:latin typeface="+mn-lt"/>
+                <a:ea typeface="+mn-ea"/>
+                <a:cs typeface="+mn-cs"/>
+              </a:rPr>
+              <a:t>As we can see we are trying to invoke </a:t>
+            </a:r>
+            <a:r>
+              <a:rPr lang="en-US" sz="1200" b="0" i="0" u="none" strike="noStrike" kern="1200" baseline="0" dirty="0" err="1">
+                <a:solidFill>
+                  <a:schemeClr val="tx1"/>
+                </a:solidFill>
+                <a:latin typeface="+mn-lt"/>
+                <a:ea typeface="+mn-ea"/>
+                <a:cs typeface="+mn-cs"/>
+              </a:rPr>
+              <a:t>cowSays</a:t>
+            </a:r>
+            <a:r>
+              <a:rPr lang="en-US" sz="1200" b="0" i="0" u="none" strike="noStrike" kern="1200" baseline="0" dirty="0">
+                <a:solidFill>
+                  <a:schemeClr val="tx1"/>
+                </a:solidFill>
+                <a:latin typeface="+mn-lt"/>
+                <a:ea typeface="+mn-ea"/>
+                <a:cs typeface="+mn-cs"/>
+              </a:rPr>
+              <a:t> function but we didn’t assign it yet to this variable.</a:t>
+            </a:r>
+          </a:p>
+          <a:p>
+            <a:pPr marL="0" marR="0" lvl="0" indent="0" algn="l" defTabSz="914400" rtl="0" eaLnBrk="1" fontAlgn="auto" latinLnBrk="0" hangingPunct="1">
+              <a:lnSpc>
+                <a:spcPct val="100000"/>
+              </a:lnSpc>
+              <a:spcBef>
+                <a:spcPts val="0"/>
+              </a:spcBef>
+              <a:spcAft>
+                <a:spcPts val="0"/>
+              </a:spcAft>
+              <a:buClrTx/>
+              <a:buSzTx/>
+              <a:buFontTx/>
+              <a:buNone/>
+              <a:tabLst/>
+              <a:defRPr/>
+            </a:pPr>
+            <a:endParaRPr lang="en-US" sz="1200" b="0" i="0" u="none" strike="noStrike" kern="1200" baseline="0" dirty="0">
+              <a:solidFill>
+                <a:schemeClr val="tx1"/>
+              </a:solidFill>
+              <a:latin typeface="+mn-lt"/>
+              <a:ea typeface="+mn-ea"/>
+              <a:cs typeface="+mn-cs"/>
+            </a:endParaRPr>
+          </a:p>
+          <a:p>
+            <a:pPr marL="171450" marR="0" lvl="0" indent="-171450" algn="l" defTabSz="914400" rtl="0" eaLnBrk="1" fontAlgn="auto" latinLnBrk="0" hangingPunct="1">
+              <a:lnSpc>
+                <a:spcPct val="100000"/>
+              </a:lnSpc>
+              <a:spcBef>
+                <a:spcPts val="0"/>
+              </a:spcBef>
+              <a:spcAft>
+                <a:spcPts val="0"/>
+              </a:spcAft>
+              <a:buClrTx/>
+              <a:buSzTx/>
+              <a:buFont typeface="Arial" panose="020B0604020202020204" pitchFamily="34" charset="0"/>
+              <a:buChar char="•"/>
+              <a:tabLst/>
+              <a:defRPr/>
+            </a:pPr>
+            <a:r>
+              <a:rPr lang="en-US" sz="1200" b="0" i="0" u="none" strike="noStrike" kern="1200" baseline="0" dirty="0">
+                <a:solidFill>
+                  <a:schemeClr val="tx1"/>
+                </a:solidFill>
+                <a:latin typeface="+mn-lt"/>
+                <a:ea typeface="+mn-ea"/>
+                <a:cs typeface="+mn-cs"/>
+              </a:rPr>
+              <a:t>Fifth Example:</a:t>
+            </a:r>
+          </a:p>
+          <a:p>
+            <a:pPr marL="0" marR="0" lvl="0" indent="0" algn="l" defTabSz="914400" rtl="0" eaLnBrk="1" fontAlgn="auto" latinLnBrk="0" hangingPunct="1">
+              <a:lnSpc>
+                <a:spcPct val="100000"/>
+              </a:lnSpc>
+              <a:spcBef>
+                <a:spcPts val="0"/>
+              </a:spcBef>
+              <a:spcAft>
+                <a:spcPts val="0"/>
+              </a:spcAft>
+              <a:buClrTx/>
+              <a:buSzTx/>
+              <a:buFont typeface="Arial" panose="020B0604020202020204" pitchFamily="34" charset="0"/>
+              <a:buNone/>
+              <a:tabLst/>
+              <a:defRPr/>
+            </a:pPr>
+            <a:r>
+              <a:rPr lang="en-US" sz="1200" b="0" i="0" u="none" strike="noStrike" kern="1200" baseline="0" dirty="0">
+                <a:solidFill>
+                  <a:schemeClr val="tx1"/>
+                </a:solidFill>
+                <a:latin typeface="+mn-lt"/>
+                <a:ea typeface="+mn-ea"/>
+                <a:cs typeface="+mn-cs"/>
+              </a:rPr>
+              <a:t>But, how code inside function will behaved?</a:t>
+            </a:r>
+            <a:endParaRPr lang="en-US" b="0" dirty="0"/>
+          </a:p>
+          <a:p>
+            <a:pPr marL="0" marR="0" lvl="0" indent="0" algn="l" defTabSz="914400" rtl="0" eaLnBrk="1" fontAlgn="auto" latinLnBrk="0" hangingPunct="1">
+              <a:lnSpc>
+                <a:spcPct val="100000"/>
+              </a:lnSpc>
+              <a:spcBef>
+                <a:spcPts val="0"/>
+              </a:spcBef>
+              <a:spcAft>
+                <a:spcPts val="0"/>
+              </a:spcAft>
+              <a:buClrTx/>
+              <a:buSzTx/>
+              <a:buFontTx/>
+              <a:buNone/>
+              <a:tabLst/>
+              <a:defRPr/>
+            </a:pPr>
+            <a:r>
+              <a:rPr lang="en-US" b="0" dirty="0"/>
+              <a:t>In function we have internal scope so it will behave same as before but just inside the function, if we will take a look at left side then message declaration will move to the top of function scope -&gt; then we will print message -&gt; assigning string to the message</a:t>
+            </a:r>
+          </a:p>
         </p:txBody>
       </p:sp>
       <p:sp>
@@ -16492,7 +17478,7 @@
     </p:spTree>
     <p:extLst>
       <p:ext uri="{BB962C8B-B14F-4D97-AF65-F5344CB8AC3E}">
-        <p14:creationId xmlns:p14="http://schemas.microsoft.com/office/powerpoint/2010/main" val="631576500"/>
+        <p14:creationId xmlns:p14="http://schemas.microsoft.com/office/powerpoint/2010/main" val="2282709534"/>
       </p:ext>
     </p:extLst>
   </p:cSld>
@@ -16651,16 +17637,8 @@
               <a:defRPr/>
             </a:pPr>
             <a:r>
-              <a:rPr lang="en-US" sz="1200" b="0" i="0" kern="1200" dirty="0">
-                <a:solidFill>
-                  <a:schemeClr val="tx1"/>
-                </a:solidFill>
-                <a:effectLst/>
-                <a:latin typeface="+mn-lt"/>
-                <a:ea typeface="+mn-ea"/>
-                <a:cs typeface="+mn-cs"/>
-              </a:rPr>
-              <a:t>What is Hoisting?</a:t>
+              <a:rPr lang="en-US" b="0" dirty="0"/>
+              <a:t>JS unlike Java is a weak typing, which means we don’t need to declare the type of the variable,</a:t>
             </a:r>
           </a:p>
           <a:p>
@@ -16682,46 +17660,16 @@
               <a:defRPr/>
             </a:pPr>
             <a:r>
-              <a:rPr lang="en-US" sz="1200" b="0" i="0" kern="1200" dirty="0">
-                <a:solidFill>
-                  <a:schemeClr val="tx1"/>
-                </a:solidFill>
-                <a:effectLst/>
-                <a:latin typeface="+mn-lt"/>
-                <a:ea typeface="+mn-ea"/>
-                <a:cs typeface="+mn-cs"/>
-              </a:rPr>
-              <a:t>Hoisting is JavaScript's default behavior of moving declarations to the top.</a:t>
-            </a:r>
-          </a:p>
-          <a:p>
-            <a:pPr algn="l"/>
-            <a:r>
-              <a:rPr lang="en-US" sz="1200" b="0" i="0" kern="1200" dirty="0">
-                <a:solidFill>
-                  <a:schemeClr val="tx1"/>
-                </a:solidFill>
-                <a:effectLst/>
-                <a:latin typeface="+mn-lt"/>
-                <a:ea typeface="+mn-ea"/>
-                <a:cs typeface="+mn-cs"/>
-              </a:rPr>
-              <a:t>In JavaScript, a variable can be declared after it has been used.</a:t>
-            </a:r>
-          </a:p>
-          <a:p>
-            <a:pPr algn="l"/>
-            <a:r>
-              <a:rPr lang="en-US" sz="1200" b="0" i="0" kern="1200" dirty="0">
-                <a:solidFill>
-                  <a:schemeClr val="tx1"/>
-                </a:solidFill>
-                <a:effectLst/>
-                <a:latin typeface="+mn-lt"/>
-                <a:ea typeface="+mn-ea"/>
-                <a:cs typeface="+mn-cs"/>
-              </a:rPr>
-              <a:t>In other words; a variable can be used before it has been declared.</a:t>
+              <a:rPr lang="en-US" b="0" dirty="0"/>
+              <a:t>In java for example we have string, </a:t>
+            </a:r>
+            <a:r>
+              <a:rPr lang="en-US" b="0" dirty="0" err="1"/>
+              <a:t>init</a:t>
+            </a:r>
+            <a:r>
+              <a:rPr lang="en-US" b="0" dirty="0"/>
+              <a:t>, double, etc.</a:t>
             </a:r>
           </a:p>
           <a:p>
@@ -16742,7 +17690,261 @@
               <a:tabLst/>
               <a:defRPr/>
             </a:pPr>
+            <a:r>
+              <a:rPr lang="en-US" b="0" dirty="0"/>
+              <a:t>In JS we have just </a:t>
+            </a:r>
+            <a:r>
+              <a:rPr lang="en-US" b="0" dirty="0" err="1"/>
+              <a:t>var</a:t>
+            </a:r>
+            <a:r>
+              <a:rPr lang="en-US" b="0" dirty="0"/>
+              <a:t>,</a:t>
+            </a:r>
+          </a:p>
+          <a:p>
+            <a:pPr marL="0" marR="0" lvl="0" indent="0" algn="l" defTabSz="914400" rtl="0" eaLnBrk="1" fontAlgn="auto" latinLnBrk="0" hangingPunct="1">
+              <a:lnSpc>
+                <a:spcPct val="100000"/>
+              </a:lnSpc>
+              <a:spcBef>
+                <a:spcPts val="0"/>
+              </a:spcBef>
+              <a:spcAft>
+                <a:spcPts val="0"/>
+              </a:spcAft>
+              <a:buClrTx/>
+              <a:buSzTx/>
+              <a:buFontTx/>
+              <a:buNone/>
+              <a:tabLst/>
+              <a:defRPr/>
+            </a:pPr>
+            <a:r>
+              <a:rPr lang="en-US" b="0" dirty="0"/>
+              <a:t>And this is was the case until ES6, over there was added 2 more </a:t>
+            </a:r>
+            <a:r>
+              <a:rPr lang="en-US" sz="1200" b="0" i="0" kern="1200" dirty="0">
+                <a:solidFill>
+                  <a:schemeClr val="tx1"/>
+                </a:solidFill>
+                <a:effectLst/>
+                <a:latin typeface="+mn-lt"/>
+                <a:ea typeface="+mn-ea"/>
+                <a:cs typeface="+mn-cs"/>
+              </a:rPr>
+              <a:t>keyword</a:t>
+            </a:r>
+            <a:r>
+              <a:rPr lang="en-US" b="0" dirty="0"/>
+              <a:t>, let &amp; const.</a:t>
+            </a:r>
+          </a:p>
+          <a:p>
+            <a:pPr marL="0" marR="0" lvl="0" indent="0" algn="l" defTabSz="914400" rtl="0" eaLnBrk="1" fontAlgn="auto" latinLnBrk="0" hangingPunct="1">
+              <a:lnSpc>
+                <a:spcPct val="100000"/>
+              </a:lnSpc>
+              <a:spcBef>
+                <a:spcPts val="0"/>
+              </a:spcBef>
+              <a:spcAft>
+                <a:spcPts val="0"/>
+              </a:spcAft>
+              <a:buClrTx/>
+              <a:buSzTx/>
+              <a:buFontTx/>
+              <a:buNone/>
+              <a:tabLst/>
+              <a:defRPr/>
+            </a:pPr>
             <a:endParaRPr lang="en-US" b="0" dirty="0"/>
+          </a:p>
+          <a:p>
+            <a:pPr marL="0" marR="0" lvl="0" indent="0" algn="l" defTabSz="914400" rtl="0" eaLnBrk="1" fontAlgn="auto" latinLnBrk="0" hangingPunct="1">
+              <a:lnSpc>
+                <a:spcPct val="100000"/>
+              </a:lnSpc>
+              <a:spcBef>
+                <a:spcPts val="0"/>
+              </a:spcBef>
+              <a:spcAft>
+                <a:spcPts val="0"/>
+              </a:spcAft>
+              <a:buClrTx/>
+              <a:buSzTx/>
+              <a:buFontTx/>
+              <a:buNone/>
+              <a:tabLst/>
+              <a:defRPr/>
+            </a:pPr>
+            <a:r>
+              <a:rPr lang="en-US" b="0" dirty="0"/>
+              <a:t>So what is the different between them?</a:t>
+            </a:r>
+          </a:p>
+          <a:p>
+            <a:pPr marL="0" marR="0" lvl="0" indent="0" algn="l" defTabSz="914400" rtl="0" eaLnBrk="1" fontAlgn="auto" latinLnBrk="0" hangingPunct="1">
+              <a:lnSpc>
+                <a:spcPct val="100000"/>
+              </a:lnSpc>
+              <a:spcBef>
+                <a:spcPts val="0"/>
+              </a:spcBef>
+              <a:spcAft>
+                <a:spcPts val="0"/>
+              </a:spcAft>
+              <a:buClrTx/>
+              <a:buSzTx/>
+              <a:buFontTx/>
+              <a:buNone/>
+              <a:tabLst/>
+              <a:defRPr/>
+            </a:pPr>
+            <a:endParaRPr lang="en-US" b="0" dirty="0"/>
+          </a:p>
+          <a:p>
+            <a:pPr marL="0" marR="0" lvl="0" indent="0" algn="l" defTabSz="914400" rtl="0" eaLnBrk="1" fontAlgn="auto" latinLnBrk="0" hangingPunct="1">
+              <a:lnSpc>
+                <a:spcPct val="100000"/>
+              </a:lnSpc>
+              <a:spcBef>
+                <a:spcPts val="0"/>
+              </a:spcBef>
+              <a:spcAft>
+                <a:spcPts val="0"/>
+              </a:spcAft>
+              <a:buClrTx/>
+              <a:buSzTx/>
+              <a:buFontTx/>
+              <a:buNone/>
+              <a:tabLst/>
+              <a:defRPr/>
+            </a:pPr>
+            <a:r>
+              <a:rPr lang="en-US" b="0" dirty="0"/>
+              <a:t>So let recap, we have global scope &amp; we have function scope (local scope), when es6 was introduce we have also </a:t>
+            </a:r>
+            <a:r>
+              <a:rPr lang="en-US" sz="1200" b="0" i="0" kern="1200" dirty="0">
+                <a:solidFill>
+                  <a:schemeClr val="tx1"/>
+                </a:solidFill>
+                <a:effectLst/>
+                <a:latin typeface="+mn-lt"/>
+                <a:ea typeface="+mn-ea"/>
+                <a:cs typeface="+mn-cs"/>
+              </a:rPr>
+              <a:t>block scoped.</a:t>
+            </a:r>
+          </a:p>
+          <a:p>
+            <a:pPr marL="0" marR="0" lvl="0" indent="0" algn="l" defTabSz="914400" rtl="0" eaLnBrk="1" fontAlgn="auto" latinLnBrk="0" hangingPunct="1">
+              <a:lnSpc>
+                <a:spcPct val="100000"/>
+              </a:lnSpc>
+              <a:spcBef>
+                <a:spcPts val="0"/>
+              </a:spcBef>
+              <a:spcAft>
+                <a:spcPts val="0"/>
+              </a:spcAft>
+              <a:buClrTx/>
+              <a:buSzTx/>
+              <a:buFontTx/>
+              <a:buNone/>
+              <a:tabLst/>
+              <a:defRPr/>
+            </a:pPr>
+            <a:endParaRPr lang="en-US" b="0" dirty="0"/>
+          </a:p>
+          <a:p>
+            <a:pPr marL="0" marR="0" lvl="0" indent="0" algn="l" defTabSz="914400" rtl="0" eaLnBrk="1" fontAlgn="auto" latinLnBrk="0" hangingPunct="1">
+              <a:lnSpc>
+                <a:spcPct val="100000"/>
+              </a:lnSpc>
+              <a:spcBef>
+                <a:spcPts val="0"/>
+              </a:spcBef>
+              <a:spcAft>
+                <a:spcPts val="0"/>
+              </a:spcAft>
+              <a:buClrTx/>
+              <a:buSzTx/>
+              <a:buFontTx/>
+              <a:buNone/>
+              <a:tabLst/>
+              <a:defRPr/>
+            </a:pPr>
+            <a:r>
+              <a:rPr lang="en-US" b="0" dirty="0"/>
+              <a:t>Let:</a:t>
+            </a:r>
+          </a:p>
+          <a:p>
+            <a:pPr marL="0" marR="0" lvl="0" indent="0" algn="l" defTabSz="914400" rtl="0" eaLnBrk="1" fontAlgn="auto" latinLnBrk="0" hangingPunct="1">
+              <a:lnSpc>
+                <a:spcPct val="100000"/>
+              </a:lnSpc>
+              <a:spcBef>
+                <a:spcPts val="0"/>
+              </a:spcBef>
+              <a:spcAft>
+                <a:spcPts val="0"/>
+              </a:spcAft>
+              <a:buClrTx/>
+              <a:buSzTx/>
+              <a:buFontTx/>
+              <a:buNone/>
+              <a:tabLst/>
+              <a:defRPr/>
+            </a:pPr>
+            <a:r>
+              <a:rPr lang="en-US" sz="1200" b="0" i="0" kern="1200" dirty="0">
+                <a:solidFill>
+                  <a:schemeClr val="tx1"/>
+                </a:solidFill>
+                <a:effectLst/>
+                <a:latin typeface="+mn-lt"/>
+                <a:ea typeface="+mn-ea"/>
+                <a:cs typeface="+mn-cs"/>
+              </a:rPr>
+              <a:t>Unlike variables declared with </a:t>
+            </a:r>
+            <a:r>
+              <a:rPr lang="en-US" dirty="0" err="1"/>
+              <a:t>var</a:t>
+            </a:r>
+            <a:r>
+              <a:rPr lang="en-US" sz="1200" b="0" i="0" kern="1200" dirty="0">
+                <a:solidFill>
+                  <a:schemeClr val="tx1"/>
+                </a:solidFill>
+                <a:effectLst/>
+                <a:latin typeface="+mn-lt"/>
+                <a:ea typeface="+mn-ea"/>
+                <a:cs typeface="+mn-cs"/>
+              </a:rPr>
+              <a:t> that are function-scoped, variables declared with </a:t>
+            </a:r>
+            <a:r>
+              <a:rPr lang="en-US" dirty="0"/>
+              <a:t>let</a:t>
+            </a:r>
+            <a:r>
+              <a:rPr lang="en-US" sz="1200" b="0" i="0" kern="1200" dirty="0">
+                <a:solidFill>
+                  <a:schemeClr val="tx1"/>
+                </a:solidFill>
+                <a:effectLst/>
+                <a:latin typeface="+mn-lt"/>
+                <a:ea typeface="+mn-ea"/>
+                <a:cs typeface="+mn-cs"/>
+              </a:rPr>
+              <a:t> are block-scoped: they only exist in the block they are defined in.</a:t>
+            </a:r>
           </a:p>
           <a:p>
             <a:pPr marL="171450" marR="0" lvl="0" indent="-171450" algn="l" defTabSz="914400" rtl="0" eaLnBrk="1" fontAlgn="auto" latinLnBrk="0" hangingPunct="1">
@@ -16757,14 +17959,22 @@
               </a:spcAft>
               <a:buClrTx/>
               <a:buSzTx/>
-              <a:buFontTx/>
-              <a:buChar char="-"/>
+              <a:buFont typeface="Arial" panose="020B0604020202020204" pitchFamily="34" charset="0"/>
+              <a:buChar char="•"/>
               <a:tabLst/>
               <a:defRPr/>
             </a:pPr>
             <a:r>
-              <a:rPr lang="en-US" b="0" dirty="0"/>
-              <a:t>https://www.w3schools.com/js/js_hoisting.asp</a:t>
+              <a:rPr lang="en-US" sz="1200" b="0" i="0" kern="1200" dirty="0">
+                <a:solidFill>
+                  <a:schemeClr val="tx1"/>
+                </a:solidFill>
+                <a:effectLst/>
+                <a:latin typeface="+mn-lt"/>
+                <a:ea typeface="+mn-ea"/>
+                <a:cs typeface="+mn-cs"/>
+              </a:rPr>
+              <a:t>Declares a local variable in block scope</a:t>
             </a:r>
           </a:p>
           <a:p>
@@ -16780,6 +17990,686 @@
               </a:spcAft>
               <a:buClrTx/>
               <a:buSzTx/>
+              <a:buFont typeface="Arial" panose="020B0604020202020204" pitchFamily="34" charset="0"/>
+              <a:buChar char="•"/>
+              <a:tabLst/>
+              <a:defRPr/>
+            </a:pPr>
+            <a:r>
+              <a:rPr lang="en-US" sz="1200" b="0" i="0" kern="1200" dirty="0">
+                <a:solidFill>
+                  <a:schemeClr val="tx1"/>
+                </a:solidFill>
+                <a:effectLst/>
+                <a:latin typeface="+mn-lt"/>
+                <a:ea typeface="+mn-ea"/>
+                <a:cs typeface="+mn-cs"/>
+              </a:rPr>
+              <a:t>Can declared only once, but value can be changes </a:t>
+            </a:r>
+          </a:p>
+          <a:p>
+            <a:pPr marL="171450" marR="0" lvl="0" indent="-171450" algn="l" defTabSz="914400" rtl="0" eaLnBrk="1" fontAlgn="auto" latinLnBrk="0" hangingPunct="1">
+              <a:lnSpc>
+                <a:spcPct val="100000"/>
+              </a:lnSpc>
+              <a:spcBef>
+                <a:spcPts val="0"/>
+              </a:spcBef>
+              <a:spcAft>
+                <a:spcPts val="0"/>
+              </a:spcAft>
+              <a:buClrTx/>
+              <a:buSzTx/>
+              <a:buFont typeface="Arial" panose="020B0604020202020204" pitchFamily="34" charset="0"/>
+              <a:buChar char="•"/>
+              <a:tabLst/>
+              <a:defRPr/>
+            </a:pPr>
+            <a:r>
+              <a:rPr lang="en-US" sz="1200" b="0" i="0" kern="1200" dirty="0">
+                <a:solidFill>
+                  <a:schemeClr val="tx1"/>
+                </a:solidFill>
+                <a:effectLst/>
+                <a:latin typeface="+mn-lt"/>
+                <a:ea typeface="+mn-ea"/>
+                <a:cs typeface="+mn-cs"/>
+              </a:rPr>
+              <a:t>It’s not hoisted</a:t>
+            </a:r>
+          </a:p>
+          <a:p>
+            <a:pPr marL="171450" marR="0" lvl="0" indent="-171450" algn="l" defTabSz="914400" rtl="0" eaLnBrk="1" fontAlgn="auto" latinLnBrk="0" hangingPunct="1">
+              <a:lnSpc>
+                <a:spcPct val="100000"/>
+              </a:lnSpc>
+              <a:spcBef>
+                <a:spcPts val="0"/>
+              </a:spcBef>
+              <a:spcAft>
+                <a:spcPts val="0"/>
+              </a:spcAft>
+              <a:buClrTx/>
+              <a:buSzTx/>
+              <a:buFont typeface="Arial" panose="020B0604020202020204" pitchFamily="34" charset="0"/>
+              <a:buChar char="•"/>
+              <a:tabLst/>
+              <a:defRPr/>
+            </a:pPr>
+            <a:endParaRPr lang="en-US" sz="1200" b="0" i="0" kern="1200" dirty="0">
+              <a:solidFill>
+                <a:schemeClr val="tx1"/>
+              </a:solidFill>
+              <a:effectLst/>
+              <a:latin typeface="+mn-lt"/>
+              <a:ea typeface="+mn-ea"/>
+              <a:cs typeface="+mn-cs"/>
+            </a:endParaRPr>
+          </a:p>
+          <a:p>
+            <a:pPr marL="0" marR="0" lvl="0" indent="0" algn="l" defTabSz="914400" rtl="0" eaLnBrk="1" fontAlgn="auto" latinLnBrk="0" hangingPunct="1">
+              <a:lnSpc>
+                <a:spcPct val="100000"/>
+              </a:lnSpc>
+              <a:spcBef>
+                <a:spcPts val="0"/>
+              </a:spcBef>
+              <a:spcAft>
+                <a:spcPts val="0"/>
+              </a:spcAft>
+              <a:buClrTx/>
+              <a:buSzTx/>
+              <a:buFont typeface="Arial" panose="020B0604020202020204" pitchFamily="34" charset="0"/>
+              <a:buNone/>
+              <a:tabLst/>
+              <a:defRPr/>
+            </a:pPr>
+            <a:r>
+              <a:rPr lang="en-US" sz="1200" b="0" i="0" kern="1200" dirty="0" err="1">
+                <a:solidFill>
+                  <a:schemeClr val="tx1"/>
+                </a:solidFill>
+                <a:effectLst/>
+                <a:latin typeface="+mn-lt"/>
+                <a:ea typeface="+mn-ea"/>
+                <a:cs typeface="+mn-cs"/>
+              </a:rPr>
+              <a:t>Const</a:t>
+            </a:r>
+            <a:r>
+              <a:rPr lang="en-US" sz="1200" b="0" i="0" kern="1200" dirty="0">
+                <a:solidFill>
+                  <a:schemeClr val="tx1"/>
+                </a:solidFill>
+                <a:effectLst/>
+                <a:latin typeface="+mn-lt"/>
+                <a:ea typeface="+mn-ea"/>
+                <a:cs typeface="+mn-cs"/>
+              </a:rPr>
+              <a:t>:</a:t>
+            </a:r>
+          </a:p>
+          <a:p>
+            <a:pPr marL="0" marR="0" lvl="0" indent="0" algn="l" defTabSz="914400" rtl="0" eaLnBrk="1" fontAlgn="auto" latinLnBrk="0" hangingPunct="1">
+              <a:lnSpc>
+                <a:spcPct val="100000"/>
+              </a:lnSpc>
+              <a:spcBef>
+                <a:spcPts val="0"/>
+              </a:spcBef>
+              <a:spcAft>
+                <a:spcPts val="0"/>
+              </a:spcAft>
+              <a:buClrTx/>
+              <a:buSzTx/>
+              <a:buFont typeface="Arial" panose="020B0604020202020204" pitchFamily="34" charset="0"/>
+              <a:buNone/>
+              <a:tabLst/>
+              <a:defRPr/>
+            </a:pPr>
+            <a:r>
+              <a:rPr lang="en-US" sz="1200" b="0" i="0" kern="1200" dirty="0" err="1">
+                <a:solidFill>
+                  <a:schemeClr val="tx1"/>
+                </a:solidFill>
+                <a:effectLst/>
+                <a:latin typeface="+mn-lt"/>
+                <a:ea typeface="+mn-ea"/>
+                <a:cs typeface="+mn-cs"/>
+              </a:rPr>
+              <a:t>Const</a:t>
+            </a:r>
+            <a:r>
+              <a:rPr lang="en-US" sz="1200" b="0" i="0" kern="1200" dirty="0">
+                <a:solidFill>
+                  <a:schemeClr val="tx1"/>
+                </a:solidFill>
+                <a:effectLst/>
+                <a:latin typeface="+mn-lt"/>
+                <a:ea typeface="+mn-ea"/>
+                <a:cs typeface="+mn-cs"/>
+              </a:rPr>
+              <a:t> behaves in a very similar way to let, however, one key difference. Once variable declared using </a:t>
+            </a:r>
+            <a:r>
+              <a:rPr lang="en-US" sz="1200" b="0" i="0" kern="1200" dirty="0" err="1">
+                <a:solidFill>
+                  <a:schemeClr val="tx1"/>
+                </a:solidFill>
+                <a:effectLst/>
+                <a:latin typeface="+mn-lt"/>
+                <a:ea typeface="+mn-ea"/>
+                <a:cs typeface="+mn-cs"/>
+              </a:rPr>
+              <a:t>const</a:t>
+            </a:r>
+            <a:r>
+              <a:rPr lang="en-US" sz="1200" b="0" i="0" kern="1200" dirty="0">
+                <a:solidFill>
+                  <a:schemeClr val="tx1"/>
+                </a:solidFill>
+                <a:effectLst/>
+                <a:latin typeface="+mn-lt"/>
+                <a:ea typeface="+mn-ea"/>
+                <a:cs typeface="+mn-cs"/>
+              </a:rPr>
+              <a:t> keyword is assigned a value, you cannot reassign it.  You also need to initialize the variable immediately when declaring it.</a:t>
+            </a:r>
+          </a:p>
+          <a:p>
+            <a:pPr marL="171450" marR="0" lvl="0" indent="-171450" algn="l" defTabSz="914400" rtl="0" eaLnBrk="1" fontAlgn="auto" latinLnBrk="0" hangingPunct="1">
+              <a:lnSpc>
+                <a:spcPct val="100000"/>
+              </a:lnSpc>
+              <a:spcBef>
+                <a:spcPts val="0"/>
+              </a:spcBef>
+              <a:spcAft>
+                <a:spcPts val="0"/>
+              </a:spcAft>
+              <a:buClrTx/>
+              <a:buSzTx/>
+              <a:buFont typeface="Arial" panose="020B0604020202020204" pitchFamily="34" charset="0"/>
+              <a:buChar char="•"/>
+              <a:tabLst/>
+              <a:defRPr/>
+            </a:pPr>
+            <a:r>
+              <a:rPr lang="en-US" sz="1200" b="0" i="0" kern="1200" dirty="0">
+                <a:solidFill>
+                  <a:schemeClr val="tx1"/>
+                </a:solidFill>
+                <a:effectLst/>
+                <a:latin typeface="+mn-lt"/>
+                <a:ea typeface="+mn-ea"/>
+                <a:cs typeface="+mn-cs"/>
+              </a:rPr>
+              <a:t>Declares a local variable in block scope</a:t>
+            </a:r>
+          </a:p>
+          <a:p>
+            <a:pPr marL="171450" marR="0" lvl="0" indent="-171450" algn="l" defTabSz="914400" rtl="0" eaLnBrk="1" fontAlgn="auto" latinLnBrk="0" hangingPunct="1">
+              <a:lnSpc>
+                <a:spcPct val="100000"/>
+              </a:lnSpc>
+              <a:spcBef>
+                <a:spcPts val="0"/>
+              </a:spcBef>
+              <a:spcAft>
+                <a:spcPts val="0"/>
+              </a:spcAft>
+              <a:buClrTx/>
+              <a:buSzTx/>
+              <a:buFont typeface="Arial" panose="020B0604020202020204" pitchFamily="34" charset="0"/>
+              <a:buChar char="•"/>
+              <a:tabLst/>
+              <a:defRPr/>
+            </a:pPr>
+            <a:r>
+              <a:rPr lang="en-US" sz="1200" b="0" i="0" kern="1200" dirty="0">
+                <a:solidFill>
+                  <a:schemeClr val="tx1"/>
+                </a:solidFill>
+                <a:effectLst/>
+                <a:latin typeface="+mn-lt"/>
+                <a:ea typeface="+mn-ea"/>
+                <a:cs typeface="+mn-cs"/>
+              </a:rPr>
+              <a:t>Can declared only once &amp; value must be assigned</a:t>
+            </a:r>
+          </a:p>
+          <a:p>
+            <a:pPr marL="171450" marR="0" lvl="0" indent="-171450" algn="l" defTabSz="914400" rtl="0" eaLnBrk="1" fontAlgn="auto" latinLnBrk="0" hangingPunct="1">
+              <a:lnSpc>
+                <a:spcPct val="100000"/>
+              </a:lnSpc>
+              <a:spcBef>
+                <a:spcPts val="0"/>
+              </a:spcBef>
+              <a:spcAft>
+                <a:spcPts val="0"/>
+              </a:spcAft>
+              <a:buClrTx/>
+              <a:buSzTx/>
+              <a:buFont typeface="Arial" panose="020B0604020202020204" pitchFamily="34" charset="0"/>
+              <a:buChar char="•"/>
+              <a:tabLst/>
+              <a:defRPr/>
+            </a:pPr>
+            <a:r>
+              <a:rPr lang="en-US" sz="1200" b="0" i="0" kern="1200" dirty="0">
+                <a:solidFill>
+                  <a:schemeClr val="tx1"/>
+                </a:solidFill>
+                <a:effectLst/>
+                <a:latin typeface="+mn-lt"/>
+                <a:ea typeface="+mn-ea"/>
+                <a:cs typeface="+mn-cs"/>
+              </a:rPr>
+              <a:t>It’s not hoisted</a:t>
+            </a:r>
+          </a:p>
+          <a:p>
+            <a:pPr marL="171450" marR="0" lvl="0" indent="-171450" algn="l" defTabSz="914400" rtl="0" eaLnBrk="1" fontAlgn="auto" latinLnBrk="0" hangingPunct="1">
+              <a:lnSpc>
+                <a:spcPct val="100000"/>
+              </a:lnSpc>
+              <a:spcBef>
+                <a:spcPts val="0"/>
+              </a:spcBef>
+              <a:spcAft>
+                <a:spcPts val="0"/>
+              </a:spcAft>
+              <a:buClrTx/>
+              <a:buSzTx/>
+              <a:buFont typeface="Arial" panose="020B0604020202020204" pitchFamily="34" charset="0"/>
+              <a:buChar char="•"/>
+              <a:tabLst/>
+              <a:defRPr/>
+            </a:pPr>
+            <a:r>
+              <a:rPr lang="en-US" sz="1200" b="0" i="0" kern="1200" dirty="0">
+                <a:solidFill>
+                  <a:schemeClr val="tx1"/>
+                </a:solidFill>
+                <a:effectLst/>
+                <a:latin typeface="+mn-lt"/>
+                <a:ea typeface="+mn-ea"/>
+                <a:cs typeface="+mn-cs"/>
+              </a:rPr>
+              <a:t>It’s only reference locked but you can change nested object values</a:t>
+            </a:r>
+          </a:p>
+          <a:p>
+            <a:pPr marL="0" marR="0" lvl="0" indent="0" algn="l" defTabSz="914400" rtl="0" eaLnBrk="1" fontAlgn="auto" latinLnBrk="0" hangingPunct="1">
+              <a:lnSpc>
+                <a:spcPct val="100000"/>
+              </a:lnSpc>
+              <a:spcBef>
+                <a:spcPts val="0"/>
+              </a:spcBef>
+              <a:spcAft>
+                <a:spcPts val="0"/>
+              </a:spcAft>
+              <a:buClrTx/>
+              <a:buSzTx/>
+              <a:buFontTx/>
+              <a:buNone/>
+              <a:tabLst/>
+              <a:defRPr/>
+            </a:pPr>
+            <a:endParaRPr lang="en-US" sz="1200" b="0" i="0" kern="1200" dirty="0">
+              <a:solidFill>
+                <a:schemeClr val="tx1"/>
+              </a:solidFill>
+              <a:effectLst/>
+              <a:latin typeface="+mn-lt"/>
+              <a:ea typeface="+mn-ea"/>
+              <a:cs typeface="+mn-cs"/>
+            </a:endParaRPr>
+          </a:p>
+          <a:p>
+            <a:pPr marL="0" marR="0" lvl="0" indent="0" algn="l" defTabSz="914400" rtl="0" eaLnBrk="1" fontAlgn="auto" latinLnBrk="0" hangingPunct="1">
+              <a:lnSpc>
+                <a:spcPct val="100000"/>
+              </a:lnSpc>
+              <a:spcBef>
+                <a:spcPts val="0"/>
+              </a:spcBef>
+              <a:spcAft>
+                <a:spcPts val="0"/>
+              </a:spcAft>
+              <a:buClrTx/>
+              <a:buSzTx/>
+              <a:buFontTx/>
+              <a:buNone/>
+              <a:tabLst/>
+              <a:defRPr/>
+            </a:pPr>
+            <a:r>
+              <a:rPr lang="en-US" sz="1200" b="0" i="0" kern="1200" dirty="0">
+                <a:solidFill>
+                  <a:schemeClr val="tx1"/>
+                </a:solidFill>
+                <a:effectLst/>
+                <a:latin typeface="+mn-lt"/>
+                <a:ea typeface="+mn-ea"/>
+                <a:cs typeface="+mn-cs"/>
+              </a:rPr>
+              <a:t>To make a real </a:t>
+            </a:r>
+            <a:r>
+              <a:rPr lang="en-US" sz="1200" b="0" i="0" kern="1200" dirty="0" err="1">
+                <a:solidFill>
+                  <a:schemeClr val="tx1"/>
+                </a:solidFill>
+                <a:effectLst/>
+                <a:latin typeface="+mn-lt"/>
+                <a:ea typeface="+mn-ea"/>
+                <a:cs typeface="+mn-cs"/>
+              </a:rPr>
+              <a:t>const</a:t>
+            </a:r>
+            <a:r>
+              <a:rPr lang="en-US" sz="1200" b="0" i="0" kern="1200" dirty="0">
+                <a:solidFill>
+                  <a:schemeClr val="tx1"/>
+                </a:solidFill>
+                <a:effectLst/>
+                <a:latin typeface="+mn-lt"/>
+                <a:ea typeface="+mn-ea"/>
+                <a:cs typeface="+mn-cs"/>
+              </a:rPr>
+              <a:t> object just use </a:t>
+            </a:r>
+            <a:r>
+              <a:rPr lang="en-US" sz="1200" b="0" i="0" kern="1200" dirty="0" err="1">
+                <a:solidFill>
+                  <a:schemeClr val="tx1"/>
+                </a:solidFill>
+                <a:effectLst/>
+                <a:latin typeface="+mn-lt"/>
+                <a:ea typeface="+mn-ea"/>
+                <a:cs typeface="+mn-cs"/>
+              </a:rPr>
+              <a:t>Object.freeze</a:t>
+            </a:r>
+            <a:r>
+              <a:rPr lang="en-US" sz="1200" b="0" i="0" kern="1200" dirty="0">
+                <a:solidFill>
+                  <a:schemeClr val="tx1"/>
+                </a:solidFill>
+                <a:effectLst/>
+                <a:latin typeface="+mn-lt"/>
+                <a:ea typeface="+mn-ea"/>
+                <a:cs typeface="+mn-cs"/>
+              </a:rPr>
+              <a:t> method.</a:t>
+            </a:r>
+          </a:p>
+          <a:p>
+            <a:pPr marL="0" marR="0" lvl="0" indent="0" algn="l" defTabSz="914400" rtl="0" eaLnBrk="1" fontAlgn="auto" latinLnBrk="0" hangingPunct="1">
+              <a:lnSpc>
+                <a:spcPct val="100000"/>
+              </a:lnSpc>
+              <a:spcBef>
+                <a:spcPts val="0"/>
+              </a:spcBef>
+              <a:spcAft>
+                <a:spcPts val="0"/>
+              </a:spcAft>
+              <a:buClrTx/>
+              <a:buSzTx/>
+              <a:buFontTx/>
+              <a:buNone/>
+              <a:tabLst/>
+              <a:defRPr/>
+            </a:pPr>
+            <a:r>
+              <a:rPr lang="en-US" sz="1200" b="0" i="0" kern="1200" dirty="0">
+                <a:solidFill>
+                  <a:schemeClr val="tx1"/>
+                </a:solidFill>
+                <a:effectLst/>
+                <a:latin typeface="+mn-lt"/>
+                <a:ea typeface="+mn-ea"/>
+                <a:cs typeface="+mn-cs"/>
+              </a:rPr>
+              <a:t>The </a:t>
+            </a:r>
+            <a:r>
+              <a:rPr lang="en-US" b="1" dirty="0" err="1">
+                <a:effectLst/>
+              </a:rPr>
+              <a:t>Object.freeze</a:t>
+            </a:r>
+            <a:r>
+              <a:rPr lang="en-US" b="1" dirty="0">
+                <a:effectLst/>
+              </a:rPr>
+              <a:t>()</a:t>
+            </a:r>
+            <a:r>
+              <a:rPr lang="en-US" sz="1200" b="0" i="0" kern="1200" dirty="0">
+                <a:solidFill>
+                  <a:schemeClr val="tx1"/>
+                </a:solidFill>
+                <a:effectLst/>
+                <a:latin typeface="+mn-lt"/>
+                <a:ea typeface="+mn-ea"/>
+                <a:cs typeface="+mn-cs"/>
+              </a:rPr>
+              <a:t> method </a:t>
+            </a:r>
+            <a:r>
+              <a:rPr lang="en-US" sz="1200" b="1" i="0" kern="1200" dirty="0">
+                <a:solidFill>
+                  <a:schemeClr val="tx1"/>
+                </a:solidFill>
+                <a:effectLst/>
+                <a:latin typeface="+mn-lt"/>
+                <a:ea typeface="+mn-ea"/>
+                <a:cs typeface="+mn-cs"/>
+              </a:rPr>
+              <a:t>freezes</a:t>
+            </a:r>
+            <a:r>
+              <a:rPr lang="en-US" sz="1200" b="0" i="0" kern="1200" dirty="0">
+                <a:solidFill>
+                  <a:schemeClr val="tx1"/>
+                </a:solidFill>
+                <a:effectLst/>
+                <a:latin typeface="+mn-lt"/>
+                <a:ea typeface="+mn-ea"/>
+                <a:cs typeface="+mn-cs"/>
+              </a:rPr>
+              <a:t> an object. A frozen object can no longer be changed; freezing an object prevents new properties from being added to it, existing properties from being removed, prevents changing the enumerability, configurability, or writability of existing properties, and prevents the values of existing properties from being changed. In addition, freezing an object also prevents its prototype from being changed. </a:t>
+            </a:r>
+            <a:r>
+              <a:rPr lang="en-US" dirty="0"/>
+              <a:t>freeze()</a:t>
+            </a:r>
+            <a:r>
+              <a:rPr lang="en-US" sz="1200" b="0" i="0" kern="1200" dirty="0">
+                <a:solidFill>
+                  <a:schemeClr val="tx1"/>
+                </a:solidFill>
+                <a:effectLst/>
+                <a:latin typeface="+mn-lt"/>
+                <a:ea typeface="+mn-ea"/>
+                <a:cs typeface="+mn-cs"/>
+              </a:rPr>
+              <a:t> returns the same object that was passed in.</a:t>
+            </a:r>
+          </a:p>
+          <a:p>
+            <a:pPr marL="0" marR="0" lvl="0" indent="0" algn="l" defTabSz="914400" rtl="0" eaLnBrk="1" fontAlgn="auto" latinLnBrk="0" hangingPunct="1">
+              <a:lnSpc>
+                <a:spcPct val="100000"/>
+              </a:lnSpc>
+              <a:spcBef>
+                <a:spcPts val="0"/>
+              </a:spcBef>
+              <a:spcAft>
+                <a:spcPts val="0"/>
+              </a:spcAft>
+              <a:buClrTx/>
+              <a:buSzTx/>
+              <a:buFontTx/>
+              <a:buNone/>
+              <a:tabLst/>
+              <a:defRPr/>
+            </a:pPr>
+            <a:endParaRPr lang="en-US" b="0" dirty="0"/>
+          </a:p>
+          <a:p>
+            <a:pPr marL="0" marR="0" lvl="0" indent="0" algn="l" defTabSz="914400" rtl="0" eaLnBrk="1" fontAlgn="auto" latinLnBrk="0" hangingPunct="1">
+              <a:lnSpc>
+                <a:spcPct val="100000"/>
+              </a:lnSpc>
+              <a:spcBef>
+                <a:spcPts val="0"/>
+              </a:spcBef>
+              <a:spcAft>
+                <a:spcPts val="0"/>
+              </a:spcAft>
+              <a:buClrTx/>
+              <a:buSzTx/>
+              <a:buFontTx/>
+              <a:buNone/>
+              <a:tabLst/>
+              <a:defRPr/>
+            </a:pPr>
+            <a:r>
+              <a:rPr lang="en-US" b="0" dirty="0"/>
+              <a:t>But remember, freeze is doing only for the first level, for nested object it will not work from second level and go on. </a:t>
+            </a:r>
+          </a:p>
+          <a:p>
+            <a:pPr marL="0" marR="0" lvl="0" indent="0" algn="l" defTabSz="914400" rtl="0" eaLnBrk="1" fontAlgn="auto" latinLnBrk="0" hangingPunct="1">
+              <a:lnSpc>
+                <a:spcPct val="100000"/>
+              </a:lnSpc>
+              <a:spcBef>
+                <a:spcPts val="0"/>
+              </a:spcBef>
+              <a:spcAft>
+                <a:spcPts val="0"/>
+              </a:spcAft>
+              <a:buClrTx/>
+              <a:buSzTx/>
+              <a:buFontTx/>
+              <a:buNone/>
+              <a:tabLst/>
+              <a:defRPr/>
+            </a:pPr>
+            <a:endParaRPr lang="en-US" b="0" dirty="0"/>
+          </a:p>
+          <a:p>
+            <a:pPr marL="0" marR="0" lvl="0" indent="0" algn="l" defTabSz="914400" rtl="0" eaLnBrk="1" fontAlgn="auto" latinLnBrk="0" hangingPunct="1">
+              <a:lnSpc>
+                <a:spcPct val="100000"/>
+              </a:lnSpc>
+              <a:spcBef>
+                <a:spcPts val="0"/>
+              </a:spcBef>
+              <a:spcAft>
+                <a:spcPts val="0"/>
+              </a:spcAft>
+              <a:buClrTx/>
+              <a:buSzTx/>
+              <a:buFontTx/>
+              <a:buNone/>
+              <a:tabLst/>
+              <a:defRPr/>
+            </a:pPr>
+            <a:r>
+              <a:rPr lang="en-US" b="0" dirty="0"/>
+              <a:t>As best practice, DON’T use </a:t>
+            </a:r>
+            <a:r>
+              <a:rPr lang="en-US" b="0" dirty="0" err="1"/>
+              <a:t>var</a:t>
+            </a:r>
+            <a:r>
+              <a:rPr lang="en-US" b="0" dirty="0"/>
+              <a:t>, only let &amp; const.</a:t>
+            </a:r>
+          </a:p>
+          <a:p>
+            <a:pPr marL="0" marR="0" lvl="0" indent="0" algn="l" defTabSz="914400" rtl="0" eaLnBrk="1" fontAlgn="auto" latinLnBrk="0" hangingPunct="1">
+              <a:lnSpc>
+                <a:spcPct val="100000"/>
+              </a:lnSpc>
+              <a:spcBef>
+                <a:spcPts val="0"/>
+              </a:spcBef>
+              <a:spcAft>
+                <a:spcPts val="0"/>
+              </a:spcAft>
+              <a:buClrTx/>
+              <a:buSzTx/>
+              <a:buFontTx/>
+              <a:buNone/>
+              <a:tabLst/>
+              <a:defRPr/>
+            </a:pPr>
+            <a:endParaRPr lang="en-US" b="0" dirty="0"/>
+          </a:p>
+          <a:p>
+            <a:pPr marL="0" marR="0" lvl="0" indent="0" algn="l" defTabSz="914400" rtl="0" eaLnBrk="1" fontAlgn="auto" latinLnBrk="0" hangingPunct="1">
+              <a:lnSpc>
+                <a:spcPct val="100000"/>
+              </a:lnSpc>
+              <a:spcBef>
+                <a:spcPts val="0"/>
+              </a:spcBef>
+              <a:spcAft>
+                <a:spcPts val="0"/>
+              </a:spcAft>
+              <a:buClrTx/>
+              <a:buSzTx/>
+              <a:buFontTx/>
+              <a:buNone/>
+              <a:tabLst/>
+              <a:defRPr/>
+            </a:pPr>
+            <a:endParaRPr lang="en-US" b="0" dirty="0"/>
+          </a:p>
+          <a:p>
+            <a:pPr marL="0" marR="0" lvl="0" indent="0" algn="l" defTabSz="914400" rtl="0" eaLnBrk="1" fontAlgn="auto" latinLnBrk="0" hangingPunct="1">
+              <a:lnSpc>
+                <a:spcPct val="100000"/>
+              </a:lnSpc>
+              <a:spcBef>
+                <a:spcPts val="0"/>
+              </a:spcBef>
+              <a:spcAft>
+                <a:spcPts val="0"/>
+              </a:spcAft>
+              <a:buClrTx/>
+              <a:buSzTx/>
+              <a:buFontTx/>
+              <a:buNone/>
+              <a:tabLst/>
+              <a:defRPr/>
+            </a:pPr>
+            <a:endParaRPr lang="en-US" b="0" dirty="0"/>
+          </a:p>
+          <a:p>
+            <a:pPr marL="171450" marR="0" lvl="0" indent="-171450" algn="l" defTabSz="914400" rtl="0" eaLnBrk="1" fontAlgn="auto" latinLnBrk="0" hangingPunct="1">
+              <a:lnSpc>
+                <a:spcPct val="100000"/>
+              </a:lnSpc>
+              <a:spcBef>
+                <a:spcPts val="0"/>
+              </a:spcBef>
+              <a:spcAft>
+                <a:spcPts val="0"/>
+              </a:spcAft>
+              <a:buClrTx/>
+              <a:buSzTx/>
               <a:buFontTx/>
               <a:buChar char="-"/>
               <a:tabLst/>
@@ -16787,7 +18677,99 @@
             </a:pPr>
             <a:r>
               <a:rPr lang="en-US" b="0" dirty="0"/>
-              <a:t>https://codeburst.io/javascript-what-is-hoisting-dfa84512dd28</a:t>
+              <a:t>https://www.w3schools.com/js/js_let.asp</a:t>
+            </a:r>
+          </a:p>
+          <a:p>
+            <a:pPr marL="171450" marR="0" lvl="0" indent="-171450" algn="l" defTabSz="914400" rtl="0" eaLnBrk="1" fontAlgn="auto" latinLnBrk="0" hangingPunct="1">
+              <a:lnSpc>
+                <a:spcPct val="100000"/>
+              </a:lnSpc>
+              <a:spcBef>
+                <a:spcPts val="0"/>
+              </a:spcBef>
+              <a:spcAft>
+                <a:spcPts val="0"/>
+              </a:spcAft>
+              <a:buClrTx/>
+              <a:buSzTx/>
+              <a:buFontTx/>
+              <a:buChar char="-"/>
+              <a:tabLst/>
+              <a:defRPr/>
+            </a:pPr>
+            <a:r>
+              <a:rPr lang="en-US" b="0" dirty="0"/>
+              <a:t>http://ccoenraets.github.io/es6-tutorial/let/</a:t>
+            </a:r>
+          </a:p>
+          <a:p>
+            <a:pPr marL="171450" marR="0" lvl="0" indent="-171450" algn="l" defTabSz="914400" rtl="0" eaLnBrk="1" fontAlgn="auto" latinLnBrk="0" hangingPunct="1">
+              <a:lnSpc>
+                <a:spcPct val="100000"/>
+              </a:lnSpc>
+              <a:spcBef>
+                <a:spcPts val="0"/>
+              </a:spcBef>
+              <a:spcAft>
+                <a:spcPts val="0"/>
+              </a:spcAft>
+              <a:buClrTx/>
+              <a:buSzTx/>
+              <a:buFontTx/>
+              <a:buChar char="-"/>
+              <a:tabLst/>
+              <a:defRPr/>
+            </a:pPr>
+            <a:r>
+              <a:rPr lang="en-US" b="0" dirty="0"/>
+              <a:t>https://scotch.io/tutorials/understanding-hoisting-in-javascript</a:t>
+            </a:r>
+          </a:p>
+          <a:p>
+            <a:pPr marL="171450" marR="0" lvl="0" indent="-171450" algn="l" defTabSz="914400" rtl="0" eaLnBrk="1" fontAlgn="auto" latinLnBrk="0" hangingPunct="1">
+              <a:lnSpc>
+                <a:spcPct val="100000"/>
+              </a:lnSpc>
+              <a:spcBef>
+                <a:spcPts val="0"/>
+              </a:spcBef>
+              <a:spcAft>
+                <a:spcPts val="0"/>
+              </a:spcAft>
+              <a:buClrTx/>
+              <a:buSzTx/>
+              <a:buFontTx/>
+              <a:buChar char="-"/>
+              <a:tabLst/>
+              <a:defRPr/>
+            </a:pPr>
+            <a:r>
+              <a:rPr lang="en-US" b="0" dirty="0"/>
+              <a:t>https://www.geekboots.com/story/let-vs-const-vs-var-in-javascript</a:t>
+            </a:r>
+          </a:p>
+          <a:p>
+            <a:pPr marL="171450" marR="0" lvl="0" indent="-171450" algn="l" defTabSz="914400" rtl="0" eaLnBrk="1" fontAlgn="auto" latinLnBrk="0" hangingPunct="1">
+              <a:lnSpc>
+                <a:spcPct val="100000"/>
+              </a:lnSpc>
+              <a:spcBef>
+                <a:spcPts val="0"/>
+              </a:spcBef>
+              <a:spcAft>
+                <a:spcPts val="0"/>
+              </a:spcAft>
+              <a:buClrTx/>
+              <a:buSzTx/>
+              <a:buFontTx/>
+              <a:buChar char="-"/>
+              <a:tabLst/>
+              <a:defRPr/>
+            </a:pPr>
+            <a:r>
+              <a:rPr lang="en-US" b="0" dirty="0"/>
+              <a:t>https://developer.mozilla.org/en-US/docs/Web/JavaScript/Reference/Global_Objects/Object/freeze</a:t>
             </a:r>
           </a:p>
           <a:p>
@@ -16838,7 +18820,7 @@
     </p:spTree>
     <p:extLst>
       <p:ext uri="{BB962C8B-B14F-4D97-AF65-F5344CB8AC3E}">
-        <p14:creationId xmlns:p14="http://schemas.microsoft.com/office/powerpoint/2010/main" val="3802600719"/>
+        <p14:creationId xmlns:p14="http://schemas.microsoft.com/office/powerpoint/2010/main" val="3568349639"/>
       </p:ext>
     </p:extLst>
   </p:cSld>
@@ -16892,7 +18874,7 @@
           <a:bodyPr/>
           <a:lstStyle/>
           <a:p>
-            <a:pPr marL="171450" marR="0" lvl="0" indent="-171450" algn="l" defTabSz="914400" rtl="0" eaLnBrk="1" fontAlgn="auto" latinLnBrk="0" hangingPunct="1">
+            <a:pPr marL="0" marR="0" lvl="0" indent="0" algn="l" defTabSz="914400" rtl="0" eaLnBrk="1" fontAlgn="auto" latinLnBrk="0" hangingPunct="1">
               <a:lnSpc>
                 <a:spcPct val="100000"/>
               </a:lnSpc>
@@ -16904,8 +18886,8 @@
               </a:spcAft>
               <a:buClrTx/>
               <a:buSzTx/>
-              <a:buFont typeface="Arial" panose="020B0604020202020204" pitchFamily="34" charset="0"/>
-              <a:buChar char="•"/>
+              <a:buFontTx/>
+              <a:buNone/>
               <a:tabLst/>
               <a:defRPr/>
             </a:pPr>
@@ -16919,11 +18901,11 @@
                 <a:ea typeface="+mn-ea"/>
                 <a:cs typeface="+mn-cs"/>
               </a:rPr>
-              <a:t>First Example</a:t>
-            </a:r>
-          </a:p>
-          <a:p>
-            <a:pPr marL="228600" marR="0" lvl="0" indent="-228600" algn="l" defTabSz="914400" rtl="0" eaLnBrk="1" fontAlgn="auto" latinLnBrk="0" hangingPunct="1">
+              <a:t>What is a function?</a:t>
+            </a:r>
+          </a:p>
+          <a:p>
+            <a:pPr marL="0" marR="0" lvl="0" indent="0" algn="l" defTabSz="914400" rtl="0" eaLnBrk="1" fontAlgn="auto" latinLnBrk="0" hangingPunct="1">
               <a:lnSpc>
                 <a:spcPct val="100000"/>
               </a:lnSpc>
@@ -16936,7 +18918,7 @@
               <a:buClrTx/>
               <a:buSzTx/>
               <a:buFontTx/>
-              <a:buAutoNum type="arabicParenR"/>
+              <a:buNone/>
               <a:tabLst/>
               <a:defRPr/>
             </a:pPr>
@@ -16950,38 +18932,7 @@
                 <a:ea typeface="+mn-ea"/>
                 <a:cs typeface="+mn-cs"/>
               </a:rPr>
-              <a:t>A side: declaring X -&gt; assign 5 to X -&gt; printing X value</a:t>
-            </a:r>
-          </a:p>
-          <a:p>
-            <a:pPr marL="228600" marR="0" lvl="0" indent="-228600" algn="l" defTabSz="914400" rtl="0" eaLnBrk="1" fontAlgn="auto" latinLnBrk="0" hangingPunct="1">
-              <a:lnSpc>
-                <a:spcPct val="100000"/>
-              </a:lnSpc>
-              <a:spcBef>
-                <a:spcPts val="0"/>
-              </a:spcBef>
-              <a:spcAft>
-                <a:spcPts val="0"/>
-              </a:spcAft>
-              <a:buClrTx/>
-              <a:buSzTx/>
-              <a:buFontTx/>
-              <a:buAutoNum type="arabicParenR"/>
-              <a:tabLst/>
-              <a:defRPr/>
-            </a:pPr>
-            <a:r>
-              <a:rPr lang="en-US" sz="1200" b="0" i="0" kern="1200" dirty="0">
-                <a:solidFill>
-                  <a:schemeClr val="tx1"/>
-                </a:solidFill>
-                <a:effectLst/>
-                <a:latin typeface="+mn-lt"/>
-                <a:ea typeface="+mn-ea"/>
-                <a:cs typeface="+mn-cs"/>
-              </a:rPr>
-              <a:t>B side: assign 5 to X -&gt; printing X value -&gt; declaring X</a:t>
+              <a:t>Run code late.</a:t>
             </a:r>
           </a:p>
           <a:p>
@@ -17040,7 +18991,7 @@
                 <a:ea typeface="+mn-ea"/>
                 <a:cs typeface="+mn-cs"/>
               </a:rPr>
-              <a:t>In both examples we will receive the same output/result, why?</a:t>
+              <a:t>When we are calling/invoking a function, except the parameters we are declaring in function signature we also receiving behind the scene 2 parameters:</a:t>
             </a:r>
           </a:p>
           <a:p>
@@ -17071,7 +19022,7 @@
                 <a:ea typeface="+mn-ea"/>
                 <a:cs typeface="+mn-cs"/>
               </a:rPr>
-              <a:t>Because hoisting behavior</a:t>
+              <a:t>This &amp; arguments</a:t>
             </a:r>
           </a:p>
           <a:p>
@@ -17103,6 +19054,115 @@
             </a:endParaRPr>
           </a:p>
           <a:p>
+            <a:pPr marL="0" marR="0" lvl="0" indent="0" algn="l" defTabSz="914400" rtl="0" eaLnBrk="1" fontAlgn="auto" latinLnBrk="0" hangingPunct="1">
+              <a:lnSpc>
+                <a:spcPct val="100000"/>
+              </a:lnSpc>
+              <a:spcBef>
+                <a:spcPts val="0"/>
+              </a:spcBef>
+              <a:spcAft>
+                <a:spcPts val="0"/>
+              </a:spcAft>
+              <a:buClrTx/>
+              <a:buSzTx/>
+              <a:buFontTx/>
+              <a:buNone/>
+              <a:tabLst/>
+              <a:defRPr/>
+            </a:pPr>
+            <a:r>
+              <a:rPr lang="en-US" sz="1200" b="0" i="0" kern="1200" dirty="0">
+                <a:solidFill>
+                  <a:schemeClr val="tx1"/>
+                </a:solidFill>
+                <a:effectLst/>
+                <a:latin typeface="+mn-lt"/>
+                <a:ea typeface="+mn-ea"/>
+                <a:cs typeface="+mn-cs"/>
+              </a:rPr>
+              <a:t>Arguments – all the parameters we receive even if they are not declared in the signature</a:t>
+            </a:r>
+          </a:p>
+          <a:p>
+            <a:pPr marL="0" marR="0" lvl="0" indent="0" algn="l" defTabSz="914400" rtl="0" eaLnBrk="1" fontAlgn="auto" latinLnBrk="0" hangingPunct="1">
+              <a:lnSpc>
+                <a:spcPct val="100000"/>
+              </a:lnSpc>
+              <a:spcBef>
+                <a:spcPts val="0"/>
+              </a:spcBef>
+              <a:spcAft>
+                <a:spcPts val="0"/>
+              </a:spcAft>
+              <a:buClrTx/>
+              <a:buSzTx/>
+              <a:buFontTx/>
+              <a:buNone/>
+              <a:tabLst/>
+              <a:defRPr/>
+            </a:pPr>
+            <a:r>
+              <a:rPr lang="en-US" sz="1200" b="0" i="0" kern="1200" dirty="0">
+                <a:solidFill>
+                  <a:schemeClr val="tx1"/>
+                </a:solidFill>
+                <a:effectLst/>
+                <a:latin typeface="+mn-lt"/>
+                <a:ea typeface="+mn-ea"/>
+                <a:cs typeface="+mn-cs"/>
+              </a:rPr>
+              <a:t>This – is our context, </a:t>
+            </a:r>
+            <a:r>
+              <a:rPr lang="en-US" dirty="0"/>
+              <a:t>its value is determined by the invocation pattern</a:t>
+            </a:r>
+            <a:r>
+              <a:rPr lang="en-US" sz="1200" b="0" i="0" kern="1200" dirty="0">
+                <a:solidFill>
+                  <a:schemeClr val="tx1"/>
+                </a:solidFill>
+                <a:effectLst/>
+                <a:latin typeface="+mn-lt"/>
+                <a:ea typeface="+mn-ea"/>
+                <a:cs typeface="+mn-cs"/>
+              </a:rPr>
+              <a:t>,</a:t>
+            </a:r>
+          </a:p>
+          <a:p>
+            <a:pPr marL="0" marR="0" lvl="0" indent="0" algn="l" defTabSz="914400" rtl="0" eaLnBrk="1" fontAlgn="auto" latinLnBrk="0" hangingPunct="1">
+              <a:lnSpc>
+                <a:spcPct val="100000"/>
+              </a:lnSpc>
+              <a:spcBef>
+                <a:spcPts val="0"/>
+              </a:spcBef>
+              <a:spcAft>
+                <a:spcPts val="0"/>
+              </a:spcAft>
+              <a:buClrTx/>
+              <a:buSzTx/>
+              <a:buFontTx/>
+              <a:buNone/>
+              <a:tabLst/>
+              <a:defRPr/>
+            </a:pPr>
+            <a:r>
+              <a:rPr lang="en-US" sz="1200" b="0" i="0" kern="1200" dirty="0">
+                <a:solidFill>
+                  <a:schemeClr val="tx1"/>
+                </a:solidFill>
+                <a:effectLst/>
+                <a:latin typeface="+mn-lt"/>
+                <a:ea typeface="+mn-ea"/>
+                <a:cs typeface="+mn-cs"/>
+              </a:rPr>
+              <a:t>We have 4 invocations:</a:t>
+            </a:r>
+          </a:p>
+          <a:p>
             <a:pPr marL="171450" marR="0" lvl="0" indent="-171450" algn="l" defTabSz="914400" rtl="0" eaLnBrk="1" fontAlgn="auto" latinLnBrk="0" hangingPunct="1">
               <a:lnSpc>
                 <a:spcPct val="100000"/>
@@ -17115,275 +19175,15 @@
               </a:spcAft>
               <a:buClrTx/>
               <a:buSzTx/>
-              <a:buFont typeface="Arial" panose="020B0604020202020204" pitchFamily="34" charset="0"/>
-              <a:buChar char="•"/>
+              <a:buFontTx/>
+              <a:buChar char="-"/>
               <a:tabLst/>
               <a:defRPr/>
             </a:pPr>
             <a:r>
-              <a:rPr lang="en-US" sz="1200" b="0" i="0" kern="1200" dirty="0">
-                <a:solidFill>
-                  <a:schemeClr val="tx1"/>
-                </a:solidFill>
-                <a:effectLst/>
-                <a:latin typeface="+mn-lt"/>
-                <a:ea typeface="+mn-ea"/>
-                <a:cs typeface="+mn-cs"/>
-              </a:rPr>
-              <a:t>Second Example:</a:t>
-            </a:r>
-          </a:p>
-          <a:p>
-            <a:pPr marL="0" marR="0" lvl="0" indent="0" algn="l" defTabSz="914400" rtl="0" eaLnBrk="1" fontAlgn="auto" latinLnBrk="0" hangingPunct="1">
-              <a:lnSpc>
-                <a:spcPct val="100000"/>
-              </a:lnSpc>
-              <a:spcBef>
-                <a:spcPts val="0"/>
-              </a:spcBef>
-              <a:spcAft>
-                <a:spcPts val="0"/>
-              </a:spcAft>
-              <a:buClrTx/>
-              <a:buSzTx/>
-              <a:buFontTx/>
-              <a:buNone/>
-              <a:tabLst/>
-              <a:defRPr/>
-            </a:pPr>
-            <a:r>
-              <a:rPr lang="en-US" sz="1200" b="0" i="0" kern="1200" dirty="0">
-                <a:solidFill>
-                  <a:schemeClr val="tx1"/>
-                </a:solidFill>
-                <a:effectLst/>
-                <a:latin typeface="+mn-lt"/>
-                <a:ea typeface="+mn-ea"/>
-                <a:cs typeface="+mn-cs"/>
-              </a:rPr>
-              <a:t>Let see another example</a:t>
-            </a:r>
-          </a:p>
-          <a:p>
-            <a:pPr marL="228600" marR="0" lvl="0" indent="-228600" algn="l" defTabSz="914400" rtl="0" eaLnBrk="1" fontAlgn="auto" latinLnBrk="0" hangingPunct="1">
-              <a:lnSpc>
-                <a:spcPct val="100000"/>
-              </a:lnSpc>
-              <a:spcBef>
-                <a:spcPts val="0"/>
-              </a:spcBef>
-              <a:spcAft>
-                <a:spcPts val="0"/>
-              </a:spcAft>
-              <a:buClrTx/>
-              <a:buSzTx/>
-              <a:buFontTx/>
-              <a:buAutoNum type="arabicParenR"/>
-              <a:tabLst/>
-              <a:defRPr/>
-            </a:pPr>
-            <a:r>
-              <a:rPr lang="en-US" sz="1200" b="0" i="0" kern="1200" dirty="0">
-                <a:solidFill>
-                  <a:schemeClr val="tx1"/>
-                </a:solidFill>
-                <a:effectLst/>
-                <a:latin typeface="+mn-lt"/>
-                <a:ea typeface="+mn-ea"/>
-                <a:cs typeface="+mn-cs"/>
-              </a:rPr>
-              <a:t>A side: printing X value -&gt; declaring X &amp; assign 5 value</a:t>
-            </a:r>
-            <a:br>
-              <a:rPr lang="en-US" sz="1200" b="0" i="0" kern="1200" dirty="0">
-                <a:solidFill>
-                  <a:schemeClr val="tx1"/>
-                </a:solidFill>
-                <a:effectLst/>
-                <a:latin typeface="+mn-lt"/>
-                <a:ea typeface="+mn-ea"/>
-                <a:cs typeface="+mn-cs"/>
-              </a:rPr>
-            </a:br>
-            <a:r>
-              <a:rPr lang="en-US" sz="1200" b="0" i="0" kern="1200" dirty="0">
-                <a:solidFill>
-                  <a:schemeClr val="tx1"/>
-                </a:solidFill>
-                <a:effectLst/>
-                <a:latin typeface="+mn-lt"/>
-                <a:ea typeface="+mn-ea"/>
-                <a:cs typeface="+mn-cs"/>
-              </a:rPr>
-              <a:t>What will be the output?</a:t>
-            </a:r>
-            <a:br>
-              <a:rPr lang="en-US" sz="1200" b="0" i="0" kern="1200" dirty="0">
-                <a:solidFill>
-                  <a:schemeClr val="tx1"/>
-                </a:solidFill>
-                <a:effectLst/>
-                <a:latin typeface="+mn-lt"/>
-                <a:ea typeface="+mn-ea"/>
-                <a:cs typeface="+mn-cs"/>
-              </a:rPr>
-            </a:br>
-            <a:r>
-              <a:rPr lang="en-US" sz="1200" b="0" i="0" kern="1200" dirty="0">
-                <a:solidFill>
-                  <a:schemeClr val="tx1"/>
-                </a:solidFill>
-                <a:effectLst/>
-                <a:latin typeface="+mn-lt"/>
-                <a:ea typeface="+mn-ea"/>
-                <a:cs typeface="+mn-cs"/>
-              </a:rPr>
-              <a:t>Undefined, why?</a:t>
-            </a:r>
-          </a:p>
-          <a:p>
-            <a:pPr marL="0" marR="0" lvl="0" indent="0" algn="l" defTabSz="914400" rtl="0" eaLnBrk="1" fontAlgn="auto" latinLnBrk="0" hangingPunct="1">
-              <a:lnSpc>
-                <a:spcPct val="100000"/>
-              </a:lnSpc>
-              <a:spcBef>
-                <a:spcPts val="0"/>
-              </a:spcBef>
-              <a:spcAft>
-                <a:spcPts val="0"/>
-              </a:spcAft>
-              <a:buClrTx/>
-              <a:buSzTx/>
-              <a:buFontTx/>
-              <a:buNone/>
-              <a:tabLst/>
-              <a:defRPr/>
-            </a:pPr>
-            <a:r>
-              <a:rPr lang="en-US" sz="1200" b="0" i="0" kern="1200" dirty="0">
-                <a:solidFill>
-                  <a:schemeClr val="tx1"/>
-                </a:solidFill>
-                <a:effectLst/>
-                <a:latin typeface="+mn-lt"/>
-                <a:ea typeface="+mn-ea"/>
-                <a:cs typeface="+mn-cs"/>
-              </a:rPr>
-              <a:t>What is happing behind the scene?</a:t>
-            </a:r>
-            <a:br>
-              <a:rPr lang="en-US" sz="1200" b="0" i="0" kern="1200" dirty="0">
-                <a:solidFill>
-                  <a:schemeClr val="tx1"/>
-                </a:solidFill>
-                <a:effectLst/>
-                <a:latin typeface="+mn-lt"/>
-                <a:ea typeface="+mn-ea"/>
-                <a:cs typeface="+mn-cs"/>
-              </a:rPr>
-            </a:br>
-            <a:r>
-              <a:rPr lang="en-US" sz="1200" b="0" i="0" kern="1200" dirty="0">
-                <a:solidFill>
-                  <a:schemeClr val="tx1"/>
-                </a:solidFill>
-                <a:effectLst/>
-                <a:latin typeface="+mn-lt"/>
-                <a:ea typeface="+mn-ea"/>
-                <a:cs typeface="+mn-cs"/>
-              </a:rPr>
-              <a:t>Let see what happened in B side</a:t>
-            </a:r>
-          </a:p>
-          <a:p>
-            <a:pPr marL="0" marR="0" lvl="0" indent="0" algn="l" defTabSz="914400" rtl="0" eaLnBrk="1" fontAlgn="auto" latinLnBrk="0" hangingPunct="1">
-              <a:lnSpc>
-                <a:spcPct val="100000"/>
-              </a:lnSpc>
-              <a:spcBef>
-                <a:spcPts val="0"/>
-              </a:spcBef>
-              <a:spcAft>
-                <a:spcPts val="0"/>
-              </a:spcAft>
-              <a:buClrTx/>
-              <a:buSzTx/>
-              <a:buFontTx/>
-              <a:buNone/>
-              <a:tabLst/>
-              <a:defRPr/>
-            </a:pPr>
-            <a:r>
-              <a:rPr lang="en-US" sz="1200" b="0" i="0" kern="1200" dirty="0">
-                <a:solidFill>
-                  <a:schemeClr val="tx1"/>
-                </a:solidFill>
-                <a:effectLst/>
-                <a:latin typeface="+mn-lt"/>
-                <a:ea typeface="+mn-ea"/>
-                <a:cs typeface="+mn-cs"/>
-              </a:rPr>
-              <a:t>2) B side:  declaring X -&gt; printing X value -&gt; assign 5 to X </a:t>
-            </a:r>
-          </a:p>
-          <a:p>
-            <a:pPr marL="0" marR="0" lvl="0" indent="0" algn="l" defTabSz="914400" rtl="0" eaLnBrk="1" fontAlgn="auto" latinLnBrk="0" hangingPunct="1">
-              <a:lnSpc>
-                <a:spcPct val="100000"/>
-              </a:lnSpc>
-              <a:spcBef>
-                <a:spcPts val="0"/>
-              </a:spcBef>
-              <a:spcAft>
-                <a:spcPts val="0"/>
-              </a:spcAft>
-              <a:buClrTx/>
-              <a:buSzTx/>
-              <a:buFontTx/>
-              <a:buNone/>
-              <a:tabLst/>
-              <a:defRPr/>
-            </a:pPr>
-            <a:r>
-              <a:rPr lang="en-US" sz="1200" b="0" i="0" kern="1200" dirty="0">
-                <a:solidFill>
-                  <a:schemeClr val="tx1"/>
-                </a:solidFill>
-                <a:effectLst/>
-                <a:latin typeface="+mn-lt"/>
-                <a:ea typeface="+mn-ea"/>
-                <a:cs typeface="+mn-cs"/>
-              </a:rPr>
-              <a:t>So basically we are declaring x but not populating it, after the declaring we are printing x value and this is way we receive undefined</a:t>
-            </a:r>
-          </a:p>
-          <a:p>
-            <a:pPr marL="0" marR="0" lvl="0" indent="0" algn="l" defTabSz="914400" rtl="0" eaLnBrk="1" fontAlgn="auto" latinLnBrk="0" hangingPunct="1">
-              <a:lnSpc>
-                <a:spcPct val="100000"/>
-              </a:lnSpc>
-              <a:spcBef>
-                <a:spcPts val="0"/>
-              </a:spcBef>
-              <a:spcAft>
-                <a:spcPts val="0"/>
-              </a:spcAft>
-              <a:buClrTx/>
-              <a:buSzTx/>
-              <a:buFontTx/>
-              <a:buNone/>
-              <a:tabLst/>
-              <a:defRPr/>
-            </a:pPr>
-            <a:endParaRPr lang="en-US" sz="1200" b="0" i="0" kern="1200" dirty="0">
-              <a:solidFill>
-                <a:schemeClr val="tx1"/>
-              </a:solidFill>
-              <a:effectLst/>
-              <a:latin typeface="+mn-lt"/>
-              <a:ea typeface="+mn-ea"/>
-              <a:cs typeface="+mn-cs"/>
-            </a:endParaRPr>
+              <a:rPr lang="en-US" b="0" dirty="0"/>
+              <a:t>Method Invocation Pattern - When a function is stored as a property of an object, we call it a method. When a method is invoked, this is bound to that object</a:t>
+            </a:r>
           </a:p>
           <a:p>
             <a:pPr marL="171450" marR="0" lvl="0" indent="-171450" algn="l" defTabSz="914400" rtl="0" eaLnBrk="1" fontAlgn="auto" latinLnBrk="0" hangingPunct="1">
@@ -17398,322 +19198,33 @@
               </a:spcAft>
               <a:buClrTx/>
               <a:buSzTx/>
-              <a:buFont typeface="Arial" panose="020B0604020202020204" pitchFamily="34" charset="0"/>
-              <a:buChar char="•"/>
+              <a:buFontTx/>
+              <a:buChar char="-"/>
               <a:tabLst/>
               <a:defRPr/>
             </a:pPr>
             <a:r>
-              <a:rPr lang="en-US" sz="1200" b="0" i="0" kern="1200" dirty="0">
-                <a:solidFill>
-                  <a:schemeClr val="tx1"/>
-                </a:solidFill>
-                <a:effectLst/>
-                <a:latin typeface="+mn-lt"/>
-                <a:ea typeface="+mn-ea"/>
-                <a:cs typeface="+mn-cs"/>
-              </a:rPr>
-              <a:t>Third Example:</a:t>
+              <a:rPr lang="en-US" b="0" dirty="0"/>
+              <a:t>Function Invocation Pattern - </a:t>
+            </a:r>
+            <a:r>
+              <a:rPr lang="en-US" dirty="0"/>
+              <a:t>When a function is not the property of an object, then it is invoked as a function: When a function is invoked with this pattern, this is bound to the global object.</a:t>
             </a:r>
             <a:br>
-              <a:rPr lang="en-US" sz="1200" b="0" i="0" kern="1200" dirty="0">
-                <a:solidFill>
-                  <a:schemeClr val="tx1"/>
-                </a:solidFill>
-                <a:effectLst/>
-                <a:latin typeface="+mn-lt"/>
-                <a:ea typeface="+mn-ea"/>
-                <a:cs typeface="+mn-cs"/>
-              </a:rPr>
+              <a:rPr lang="en-US" dirty="0"/>
             </a:br>
             <a:r>
-              <a:rPr lang="en-US" sz="1200" b="0" i="0" kern="1200" dirty="0">
-                <a:solidFill>
-                  <a:schemeClr val="tx1"/>
-                </a:solidFill>
-                <a:effectLst/>
-                <a:latin typeface="+mn-lt"/>
-                <a:ea typeface="+mn-ea"/>
-                <a:cs typeface="+mn-cs"/>
-              </a:rPr>
-              <a:t>Same behavior is happened for functions,</a:t>
-            </a:r>
-          </a:p>
-          <a:p>
-            <a:pPr marL="0" marR="0" lvl="0" indent="0" algn="l" defTabSz="914400" rtl="0" eaLnBrk="1" fontAlgn="auto" latinLnBrk="0" hangingPunct="1">
-              <a:lnSpc>
-                <a:spcPct val="100000"/>
-              </a:lnSpc>
-              <a:spcBef>
-                <a:spcPts val="0"/>
-              </a:spcBef>
-              <a:spcAft>
-                <a:spcPts val="0"/>
-              </a:spcAft>
-              <a:buClrTx/>
-              <a:buSzTx/>
-              <a:buFontTx/>
-              <a:buNone/>
-              <a:tabLst/>
-              <a:defRPr/>
-            </a:pPr>
-            <a:r>
-              <a:rPr lang="en-US" sz="1200" b="0" i="0" kern="1200" dirty="0">
-                <a:solidFill>
-                  <a:schemeClr val="tx1"/>
-                </a:solidFill>
-                <a:effectLst/>
-                <a:latin typeface="+mn-lt"/>
-                <a:ea typeface="+mn-ea"/>
-                <a:cs typeface="+mn-cs"/>
-              </a:rPr>
-              <a:t>Let see an example:</a:t>
-            </a:r>
-          </a:p>
-          <a:p>
-            <a:pPr marL="228600" marR="0" lvl="0" indent="-228600" algn="l" defTabSz="914400" rtl="0" eaLnBrk="1" fontAlgn="auto" latinLnBrk="0" hangingPunct="1">
-              <a:lnSpc>
-                <a:spcPct val="100000"/>
-              </a:lnSpc>
-              <a:spcBef>
-                <a:spcPts val="0"/>
-              </a:spcBef>
-              <a:spcAft>
-                <a:spcPts val="0"/>
-              </a:spcAft>
-              <a:buClrTx/>
-              <a:buSzTx/>
-              <a:buFontTx/>
-              <a:buAutoNum type="arabicParenR"/>
-              <a:tabLst/>
-              <a:defRPr/>
-            </a:pPr>
-            <a:r>
-              <a:rPr lang="en-US" sz="1200" b="0" i="0" kern="1200" dirty="0">
-                <a:solidFill>
-                  <a:schemeClr val="tx1"/>
-                </a:solidFill>
-                <a:effectLst/>
-                <a:latin typeface="+mn-lt"/>
-                <a:ea typeface="+mn-ea"/>
-                <a:cs typeface="+mn-cs"/>
-              </a:rPr>
-              <a:t>A side: declaring </a:t>
-            </a:r>
-            <a:r>
-              <a:rPr lang="en-US" sz="1200" b="0" i="0" kern="1200" dirty="0" err="1">
-                <a:solidFill>
-                  <a:schemeClr val="tx1"/>
-                </a:solidFill>
-                <a:effectLst/>
-                <a:latin typeface="+mn-lt"/>
-                <a:ea typeface="+mn-ea"/>
-                <a:cs typeface="+mn-cs"/>
-              </a:rPr>
-              <a:t>cowSays</a:t>
-            </a:r>
-            <a:r>
-              <a:rPr lang="en-US" sz="1200" b="0" i="0" kern="1200" dirty="0">
-                <a:solidFill>
-                  <a:schemeClr val="tx1"/>
-                </a:solidFill>
-                <a:effectLst/>
-                <a:latin typeface="+mn-lt"/>
-                <a:ea typeface="+mn-ea"/>
-                <a:cs typeface="+mn-cs"/>
-              </a:rPr>
-              <a:t> function-&gt; invoking </a:t>
-            </a:r>
-            <a:r>
-              <a:rPr lang="en-US" sz="1200" b="0" i="0" kern="1200" dirty="0" err="1">
-                <a:solidFill>
-                  <a:schemeClr val="tx1"/>
-                </a:solidFill>
-                <a:effectLst/>
-                <a:latin typeface="+mn-lt"/>
-                <a:ea typeface="+mn-ea"/>
-                <a:cs typeface="+mn-cs"/>
-              </a:rPr>
-              <a:t>cowSays</a:t>
-            </a:r>
-            <a:r>
-              <a:rPr lang="en-US" sz="1200" b="0" i="0" kern="1200" dirty="0">
-                <a:solidFill>
-                  <a:schemeClr val="tx1"/>
-                </a:solidFill>
-                <a:effectLst/>
-                <a:latin typeface="+mn-lt"/>
-                <a:ea typeface="+mn-ea"/>
-                <a:cs typeface="+mn-cs"/>
-              </a:rPr>
-              <a:t> function</a:t>
-            </a:r>
-          </a:p>
-          <a:p>
-            <a:pPr marL="228600" marR="0" lvl="0" indent="-228600" algn="l" defTabSz="914400" rtl="0" eaLnBrk="1" fontAlgn="auto" latinLnBrk="0" hangingPunct="1">
-              <a:lnSpc>
-                <a:spcPct val="100000"/>
-              </a:lnSpc>
-              <a:spcBef>
-                <a:spcPts val="0"/>
-              </a:spcBef>
-              <a:spcAft>
-                <a:spcPts val="0"/>
-              </a:spcAft>
-              <a:buClrTx/>
-              <a:buSzTx/>
-              <a:buFontTx/>
-              <a:buAutoNum type="arabicParenR"/>
-              <a:tabLst/>
-              <a:defRPr/>
-            </a:pPr>
-            <a:r>
-              <a:rPr lang="en-US" sz="1200" b="0" i="0" kern="1200" dirty="0">
-                <a:solidFill>
-                  <a:schemeClr val="tx1"/>
-                </a:solidFill>
-                <a:effectLst/>
-                <a:latin typeface="+mn-lt"/>
-                <a:ea typeface="+mn-ea"/>
-                <a:cs typeface="+mn-cs"/>
-              </a:rPr>
-              <a:t>B side: invoking </a:t>
-            </a:r>
-            <a:r>
-              <a:rPr lang="en-US" sz="1200" b="0" i="0" kern="1200" dirty="0" err="1">
-                <a:solidFill>
-                  <a:schemeClr val="tx1"/>
-                </a:solidFill>
-                <a:effectLst/>
-                <a:latin typeface="+mn-lt"/>
-                <a:ea typeface="+mn-ea"/>
-                <a:cs typeface="+mn-cs"/>
-              </a:rPr>
-              <a:t>cowSays</a:t>
-            </a:r>
-            <a:r>
-              <a:rPr lang="en-US" sz="1200" b="0" i="0" kern="1200" dirty="0">
-                <a:solidFill>
-                  <a:schemeClr val="tx1"/>
-                </a:solidFill>
-                <a:effectLst/>
-                <a:latin typeface="+mn-lt"/>
-                <a:ea typeface="+mn-ea"/>
-                <a:cs typeface="+mn-cs"/>
-              </a:rPr>
-              <a:t> function -&gt; declaring </a:t>
-            </a:r>
-            <a:r>
-              <a:rPr lang="en-US" sz="1200" b="0" i="0" kern="1200" dirty="0" err="1">
-                <a:solidFill>
-                  <a:schemeClr val="tx1"/>
-                </a:solidFill>
-                <a:effectLst/>
-                <a:latin typeface="+mn-lt"/>
-                <a:ea typeface="+mn-ea"/>
-                <a:cs typeface="+mn-cs"/>
-              </a:rPr>
-              <a:t>cowSays</a:t>
-            </a:r>
-            <a:r>
-              <a:rPr lang="en-US" sz="1200" b="0" i="0" kern="1200" dirty="0">
-                <a:solidFill>
-                  <a:schemeClr val="tx1"/>
-                </a:solidFill>
-                <a:effectLst/>
-                <a:latin typeface="+mn-lt"/>
-                <a:ea typeface="+mn-ea"/>
-                <a:cs typeface="+mn-cs"/>
-              </a:rPr>
-              <a:t> function</a:t>
-            </a:r>
-          </a:p>
-          <a:p>
-            <a:pPr marL="0" marR="0" lvl="0" indent="0" algn="l" defTabSz="914400" rtl="0" eaLnBrk="1" fontAlgn="auto" latinLnBrk="0" hangingPunct="1">
-              <a:lnSpc>
-                <a:spcPct val="100000"/>
-              </a:lnSpc>
-              <a:spcBef>
-                <a:spcPts val="0"/>
-              </a:spcBef>
-              <a:spcAft>
-                <a:spcPts val="0"/>
-              </a:spcAft>
-              <a:buClrTx/>
-              <a:buSzTx/>
-              <a:buFontTx/>
-              <a:buNone/>
-              <a:tabLst/>
-              <a:defRPr/>
-            </a:pPr>
-            <a:r>
-              <a:rPr lang="en-US" sz="1200" b="0" i="0" kern="1200" dirty="0">
-                <a:solidFill>
-                  <a:schemeClr val="tx1"/>
-                </a:solidFill>
-                <a:effectLst/>
-                <a:latin typeface="+mn-lt"/>
-                <a:ea typeface="+mn-ea"/>
-                <a:cs typeface="+mn-cs"/>
-              </a:rPr>
-              <a:t>We will receive the same result? Why? Because like variables, also function declaration are hoisted to the top of the scope, so basically B side is transfer to A side.</a:t>
-            </a:r>
-          </a:p>
-          <a:p>
-            <a:pPr marL="0" marR="0" lvl="0" indent="0" algn="l" defTabSz="914400" rtl="0" eaLnBrk="1" fontAlgn="auto" latinLnBrk="0" hangingPunct="1">
-              <a:lnSpc>
-                <a:spcPct val="100000"/>
-              </a:lnSpc>
-              <a:spcBef>
-                <a:spcPts val="0"/>
-              </a:spcBef>
-              <a:spcAft>
-                <a:spcPts val="0"/>
-              </a:spcAft>
-              <a:buClrTx/>
-              <a:buSzTx/>
-              <a:buFontTx/>
-              <a:buNone/>
-              <a:tabLst/>
-              <a:defRPr/>
-            </a:pPr>
-            <a:endParaRPr lang="en-US" sz="1200" b="0" i="0" kern="1200" dirty="0">
-              <a:solidFill>
-                <a:schemeClr val="tx1"/>
-              </a:solidFill>
-              <a:effectLst/>
-              <a:latin typeface="+mn-lt"/>
-              <a:ea typeface="+mn-ea"/>
-              <a:cs typeface="+mn-cs"/>
-            </a:endParaRPr>
-          </a:p>
-          <a:p>
-            <a:pPr marL="0" marR="0" lvl="0" indent="0" algn="l" defTabSz="914400" rtl="0" eaLnBrk="1" fontAlgn="auto" latinLnBrk="0" hangingPunct="1">
-              <a:lnSpc>
-                <a:spcPct val="100000"/>
-              </a:lnSpc>
-              <a:spcBef>
-                <a:spcPts val="0"/>
-              </a:spcBef>
-              <a:spcAft>
-                <a:spcPts val="0"/>
-              </a:spcAft>
-              <a:buClrTx/>
-              <a:buSzTx/>
-              <a:buFontTx/>
-              <a:buNone/>
-              <a:tabLst/>
-              <a:defRPr/>
-            </a:pPr>
-            <a:endParaRPr lang="en-US" sz="1200" b="0" i="0" kern="1200" dirty="0">
-              <a:solidFill>
-                <a:schemeClr val="tx1"/>
-              </a:solidFill>
-              <a:effectLst/>
-              <a:latin typeface="+mn-lt"/>
-              <a:ea typeface="+mn-ea"/>
-              <a:cs typeface="+mn-cs"/>
-            </a:endParaRPr>
+              <a:rPr lang="en-US" dirty="0"/>
+              <a:t>In first example for add function, this will be the global scope – window.</a:t>
+            </a:r>
+            <a:br>
+              <a:rPr lang="en-US" dirty="0"/>
+            </a:br>
+            <a:r>
+              <a:rPr lang="en-US" dirty="0"/>
+              <a:t>In second example there is something interesting, when we are invoking thru dot notation then `this` is the object but if we will assign it to a variable then the invocation changed from method the function pattern.</a:t>
+            </a:r>
           </a:p>
           <a:p>
             <a:pPr marL="171450" marR="0" lvl="0" indent="-171450" algn="l" defTabSz="914400" rtl="0" eaLnBrk="1" fontAlgn="auto" latinLnBrk="0" hangingPunct="1">
@@ -17728,431 +19239,26 @@
               </a:spcAft>
               <a:buClrTx/>
               <a:buSzTx/>
-              <a:buFont typeface="Arial" panose="020B0604020202020204" pitchFamily="34" charset="0"/>
-              <a:buChar char="•"/>
+              <a:buFontTx/>
+              <a:buChar char="-"/>
               <a:tabLst/>
               <a:defRPr/>
             </a:pPr>
             <a:r>
-              <a:rPr lang="en-US" sz="1200" b="0" i="0" kern="1200" dirty="0">
-                <a:solidFill>
-                  <a:schemeClr val="tx1"/>
-                </a:solidFill>
-                <a:effectLst/>
-                <a:latin typeface="+mn-lt"/>
-                <a:ea typeface="+mn-ea"/>
-                <a:cs typeface="+mn-cs"/>
-              </a:rPr>
-              <a:t>Fourth Example:</a:t>
+              <a:rPr lang="en-US" b="0" dirty="0"/>
+              <a:t>Constructor Invocation Pattern - </a:t>
+            </a:r>
+            <a:r>
+              <a:rPr lang="en-US" dirty="0"/>
+              <a:t>If a function is invoked with the new prefix, then a new object will be created with a hidden link to the value of the function's prototype member, and this will be bound to that new object.</a:t>
             </a:r>
             <a:br>
-              <a:rPr lang="en-US" sz="1200" b="0" i="0" kern="1200" dirty="0">
-                <a:solidFill>
-                  <a:schemeClr val="tx1"/>
-                </a:solidFill>
-                <a:effectLst/>
-                <a:latin typeface="+mn-lt"/>
-                <a:ea typeface="+mn-ea"/>
-                <a:cs typeface="+mn-cs"/>
-              </a:rPr>
+              <a:rPr lang="en-US" dirty="0"/>
             </a:br>
             <a:r>
-              <a:rPr lang="en-US" sz="1200" b="0" i="0" kern="1200" dirty="0">
-                <a:solidFill>
-                  <a:schemeClr val="tx1"/>
-                </a:solidFill>
-                <a:effectLst/>
-                <a:latin typeface="+mn-lt"/>
-                <a:ea typeface="+mn-ea"/>
-                <a:cs typeface="+mn-cs"/>
-              </a:rPr>
-              <a:t>What will happened if we are assigning function to a variable? (right side is variable name </a:t>
-            </a:r>
-            <a:r>
-              <a:rPr lang="en-US" sz="1200" b="0" i="0" kern="1200" dirty="0" err="1">
-                <a:solidFill>
-                  <a:schemeClr val="tx1"/>
-                </a:solidFill>
-                <a:effectLst/>
-                <a:latin typeface="+mn-lt"/>
-                <a:ea typeface="+mn-ea"/>
-                <a:cs typeface="+mn-cs"/>
-              </a:rPr>
-              <a:t>cowSays</a:t>
-            </a:r>
-            <a:r>
-              <a:rPr lang="en-US" sz="1200" b="0" i="0" kern="1200" dirty="0">
-                <a:solidFill>
-                  <a:schemeClr val="tx1"/>
-                </a:solidFill>
-                <a:effectLst/>
-                <a:latin typeface="+mn-lt"/>
-                <a:ea typeface="+mn-ea"/>
-                <a:cs typeface="+mn-cs"/>
-              </a:rPr>
-              <a:t> and left side is anonymous function)</a:t>
-            </a:r>
-          </a:p>
-          <a:p>
-            <a:pPr marL="0" marR="0" lvl="0" indent="0" algn="l" defTabSz="914400" rtl="0" eaLnBrk="1" fontAlgn="auto" latinLnBrk="0" hangingPunct="1">
-              <a:lnSpc>
-                <a:spcPct val="100000"/>
-              </a:lnSpc>
-              <a:spcBef>
-                <a:spcPts val="0"/>
-              </a:spcBef>
-              <a:spcAft>
-                <a:spcPts val="0"/>
-              </a:spcAft>
-              <a:buClrTx/>
-              <a:buSzTx/>
-              <a:buFontTx/>
-              <a:buNone/>
-              <a:tabLst/>
-              <a:defRPr/>
-            </a:pPr>
-            <a:r>
-              <a:rPr lang="en-US" b="0" dirty="0"/>
-              <a:t>1) A side – invoking </a:t>
-            </a:r>
-            <a:r>
-              <a:rPr lang="en-US" sz="1200" b="0" i="0" kern="1200" dirty="0" err="1">
-                <a:solidFill>
-                  <a:schemeClr val="tx1"/>
-                </a:solidFill>
-                <a:effectLst/>
-                <a:latin typeface="+mn-lt"/>
-                <a:ea typeface="+mn-ea"/>
-                <a:cs typeface="+mn-cs"/>
-              </a:rPr>
-              <a:t>cowSays</a:t>
-            </a:r>
-            <a:r>
-              <a:rPr lang="en-US" sz="1200" b="0" i="0" kern="1200" dirty="0">
-                <a:solidFill>
-                  <a:schemeClr val="tx1"/>
-                </a:solidFill>
-                <a:effectLst/>
-                <a:latin typeface="+mn-lt"/>
-                <a:ea typeface="+mn-ea"/>
-                <a:cs typeface="+mn-cs"/>
-              </a:rPr>
-              <a:t> function -&gt; declaring on </a:t>
-            </a:r>
-            <a:r>
-              <a:rPr lang="en-US" sz="1200" b="0" i="0" kern="1200" dirty="0" err="1">
-                <a:solidFill>
-                  <a:schemeClr val="tx1"/>
-                </a:solidFill>
-                <a:effectLst/>
-                <a:latin typeface="+mn-lt"/>
-                <a:ea typeface="+mn-ea"/>
-                <a:cs typeface="+mn-cs"/>
-              </a:rPr>
-              <a:t>cowSays</a:t>
-            </a:r>
-            <a:r>
-              <a:rPr lang="en-US" sz="1200" b="0" i="0" kern="1200" dirty="0">
-                <a:solidFill>
-                  <a:schemeClr val="tx1"/>
-                </a:solidFill>
-                <a:effectLst/>
-                <a:latin typeface="+mn-lt"/>
-                <a:ea typeface="+mn-ea"/>
-                <a:cs typeface="+mn-cs"/>
-              </a:rPr>
-              <a:t> variable &amp; </a:t>
-            </a:r>
-            <a:r>
-              <a:rPr lang="en-US" sz="1200" b="0" i="0" kern="1200" dirty="0" err="1">
-                <a:solidFill>
-                  <a:schemeClr val="tx1"/>
-                </a:solidFill>
-                <a:effectLst/>
-                <a:latin typeface="+mn-lt"/>
-                <a:ea typeface="+mn-ea"/>
-                <a:cs typeface="+mn-cs"/>
-              </a:rPr>
-              <a:t>assinning</a:t>
-            </a:r>
-            <a:r>
-              <a:rPr lang="en-US" sz="1200" b="0" i="0" kern="1200" dirty="0">
-                <a:solidFill>
-                  <a:schemeClr val="tx1"/>
-                </a:solidFill>
-                <a:effectLst/>
-                <a:latin typeface="+mn-lt"/>
-                <a:ea typeface="+mn-ea"/>
-                <a:cs typeface="+mn-cs"/>
-              </a:rPr>
-              <a:t> anonymous function.</a:t>
-            </a:r>
-            <a:br>
-              <a:rPr lang="en-US" sz="1200" b="0" i="0" kern="1200" dirty="0">
-                <a:solidFill>
-                  <a:schemeClr val="tx1"/>
-                </a:solidFill>
-                <a:effectLst/>
-                <a:latin typeface="+mn-lt"/>
-                <a:ea typeface="+mn-ea"/>
-                <a:cs typeface="+mn-cs"/>
-              </a:rPr>
-            </a:br>
-            <a:r>
-              <a:rPr lang="en-US" sz="1200" b="0" i="0" kern="1200" dirty="0">
-                <a:solidFill>
-                  <a:schemeClr val="tx1"/>
-                </a:solidFill>
-                <a:effectLst/>
-                <a:latin typeface="+mn-lt"/>
-                <a:ea typeface="+mn-ea"/>
-                <a:cs typeface="+mn-cs"/>
-              </a:rPr>
-              <a:t>We will receive Error, why? Let see what happened behind the scene</a:t>
-            </a:r>
-          </a:p>
-          <a:p>
-            <a:pPr marL="0" marR="0" lvl="0" indent="0" algn="l" defTabSz="914400" rtl="0" eaLnBrk="1" fontAlgn="auto" latinLnBrk="0" hangingPunct="1">
-              <a:lnSpc>
-                <a:spcPct val="100000"/>
-              </a:lnSpc>
-              <a:spcBef>
-                <a:spcPts val="0"/>
-              </a:spcBef>
-              <a:spcAft>
-                <a:spcPts val="0"/>
-              </a:spcAft>
-              <a:buClrTx/>
-              <a:buSzTx/>
-              <a:buFontTx/>
-              <a:buNone/>
-              <a:tabLst/>
-              <a:defRPr/>
-            </a:pPr>
-            <a:r>
-              <a:rPr lang="en-US" sz="1200" b="0" i="0" kern="1200" dirty="0">
-                <a:solidFill>
-                  <a:schemeClr val="tx1"/>
-                </a:solidFill>
-                <a:effectLst/>
-                <a:latin typeface="+mn-lt"/>
-                <a:ea typeface="+mn-ea"/>
-                <a:cs typeface="+mn-cs"/>
-              </a:rPr>
-              <a:t>2) B side – </a:t>
-            </a:r>
-            <a:r>
-              <a:rPr lang="en-US" sz="1200" b="0" i="0" kern="1200" dirty="0" err="1">
-                <a:solidFill>
-                  <a:schemeClr val="tx1"/>
-                </a:solidFill>
-                <a:effectLst/>
-                <a:latin typeface="+mn-lt"/>
-                <a:ea typeface="+mn-ea"/>
-                <a:cs typeface="+mn-cs"/>
-              </a:rPr>
-              <a:t>decleration</a:t>
-            </a:r>
-            <a:r>
-              <a:rPr lang="en-US" sz="1200" b="0" i="0" kern="1200" dirty="0">
-                <a:solidFill>
-                  <a:schemeClr val="tx1"/>
-                </a:solidFill>
-                <a:effectLst/>
-                <a:latin typeface="+mn-lt"/>
-                <a:ea typeface="+mn-ea"/>
-                <a:cs typeface="+mn-cs"/>
-              </a:rPr>
-              <a:t> of </a:t>
-            </a:r>
-            <a:r>
-              <a:rPr lang="en-US" sz="1200" b="0" i="0" kern="1200" dirty="0" err="1">
-                <a:solidFill>
-                  <a:schemeClr val="tx1"/>
-                </a:solidFill>
-                <a:effectLst/>
-                <a:latin typeface="+mn-lt"/>
-                <a:ea typeface="+mn-ea"/>
-                <a:cs typeface="+mn-cs"/>
-              </a:rPr>
-              <a:t>cowSays</a:t>
-            </a:r>
-            <a:r>
-              <a:rPr lang="en-US" sz="1200" b="0" i="0" kern="1200" dirty="0">
-                <a:solidFill>
-                  <a:schemeClr val="tx1"/>
-                </a:solidFill>
-                <a:effectLst/>
-                <a:latin typeface="+mn-lt"/>
-                <a:ea typeface="+mn-ea"/>
-                <a:cs typeface="+mn-cs"/>
-              </a:rPr>
-              <a:t>  is hoisted to the top -&gt; </a:t>
-            </a:r>
-            <a:r>
-              <a:rPr lang="en-US" b="0" dirty="0"/>
-              <a:t>invoking </a:t>
-            </a:r>
-            <a:r>
-              <a:rPr lang="en-US" sz="1200" b="0" i="0" kern="1200" dirty="0" err="1">
-                <a:solidFill>
-                  <a:schemeClr val="tx1"/>
-                </a:solidFill>
-                <a:effectLst/>
-                <a:latin typeface="+mn-lt"/>
-                <a:ea typeface="+mn-ea"/>
-                <a:cs typeface="+mn-cs"/>
-              </a:rPr>
-              <a:t>cowSays</a:t>
-            </a:r>
-            <a:r>
-              <a:rPr lang="en-US" sz="1200" b="0" i="0" kern="1200" dirty="0">
-                <a:solidFill>
-                  <a:schemeClr val="tx1"/>
-                </a:solidFill>
-                <a:effectLst/>
-                <a:latin typeface="+mn-lt"/>
-                <a:ea typeface="+mn-ea"/>
-                <a:cs typeface="+mn-cs"/>
-              </a:rPr>
-              <a:t> function -&gt; </a:t>
-            </a:r>
-            <a:r>
-              <a:rPr lang="en-US" sz="1200" b="0" i="0" kern="1200" dirty="0" err="1">
-                <a:solidFill>
-                  <a:schemeClr val="tx1"/>
-                </a:solidFill>
-                <a:effectLst/>
-                <a:latin typeface="+mn-lt"/>
-                <a:ea typeface="+mn-ea"/>
-                <a:cs typeface="+mn-cs"/>
-              </a:rPr>
-              <a:t>assinning</a:t>
-            </a:r>
-            <a:r>
-              <a:rPr lang="en-US" sz="1200" b="0" i="0" kern="1200" dirty="0">
-                <a:solidFill>
-                  <a:schemeClr val="tx1"/>
-                </a:solidFill>
-                <a:effectLst/>
-                <a:latin typeface="+mn-lt"/>
-                <a:ea typeface="+mn-ea"/>
-                <a:cs typeface="+mn-cs"/>
-              </a:rPr>
-              <a:t> anonymous function to variable </a:t>
-            </a:r>
-            <a:r>
-              <a:rPr lang="en-US" sz="1200" b="0" i="0" kern="1200" dirty="0" err="1">
-                <a:solidFill>
-                  <a:schemeClr val="tx1"/>
-                </a:solidFill>
-                <a:effectLst/>
-                <a:latin typeface="+mn-lt"/>
-                <a:ea typeface="+mn-ea"/>
-                <a:cs typeface="+mn-cs"/>
-              </a:rPr>
-              <a:t>cowSays</a:t>
-            </a:r>
-            <a:br>
-              <a:rPr lang="en-US" sz="1200" b="0" i="0" kern="1200" dirty="0">
-                <a:solidFill>
-                  <a:schemeClr val="tx1"/>
-                </a:solidFill>
-                <a:effectLst/>
-                <a:latin typeface="+mn-lt"/>
-                <a:ea typeface="+mn-ea"/>
-                <a:cs typeface="+mn-cs"/>
-              </a:rPr>
-            </a:br>
-            <a:endParaRPr lang="en-US" sz="1200" b="0" i="0" kern="1200" dirty="0">
-              <a:solidFill>
-                <a:schemeClr val="tx1"/>
-              </a:solidFill>
-              <a:effectLst/>
-              <a:latin typeface="+mn-lt"/>
-              <a:ea typeface="+mn-ea"/>
-              <a:cs typeface="+mn-cs"/>
-            </a:endParaRPr>
-          </a:p>
-          <a:p>
-            <a:pPr marL="0" marR="0" lvl="0" indent="0" algn="l" defTabSz="914400" rtl="0" eaLnBrk="1" fontAlgn="auto" latinLnBrk="0" hangingPunct="1">
-              <a:lnSpc>
-                <a:spcPct val="100000"/>
-              </a:lnSpc>
-              <a:spcBef>
-                <a:spcPts val="0"/>
-              </a:spcBef>
-              <a:spcAft>
-                <a:spcPts val="0"/>
-              </a:spcAft>
-              <a:buClrTx/>
-              <a:buSzTx/>
-              <a:buFontTx/>
-              <a:buNone/>
-              <a:tabLst/>
-              <a:defRPr/>
-            </a:pPr>
-            <a:r>
-              <a:rPr lang="en-US" sz="1200" b="0" i="0" kern="1200" dirty="0">
-                <a:solidFill>
-                  <a:schemeClr val="tx1"/>
-                </a:solidFill>
-                <a:effectLst/>
-                <a:latin typeface="+mn-lt"/>
-                <a:ea typeface="+mn-ea"/>
-                <a:cs typeface="+mn-cs"/>
-              </a:rPr>
-              <a:t>As we can see we are trying to invoke </a:t>
-            </a:r>
-            <a:r>
-              <a:rPr lang="en-US" sz="1200" b="0" i="0" u="none" strike="noStrike" kern="1200" baseline="0" dirty="0" err="1">
-                <a:solidFill>
-                  <a:schemeClr val="tx1"/>
-                </a:solidFill>
-                <a:latin typeface="+mn-lt"/>
-                <a:ea typeface="+mn-ea"/>
-                <a:cs typeface="+mn-cs"/>
-              </a:rPr>
-              <a:t>cowSays</a:t>
-            </a:r>
-            <a:r>
-              <a:rPr lang="en-US" sz="1200" b="0" i="0" u="none" strike="noStrike" kern="1200" baseline="0" dirty="0">
-                <a:solidFill>
-                  <a:schemeClr val="tx1"/>
-                </a:solidFill>
-                <a:latin typeface="+mn-lt"/>
-                <a:ea typeface="+mn-ea"/>
-                <a:cs typeface="+mn-cs"/>
-              </a:rPr>
-              <a:t> function but we didn’t assign it yet to this variable.</a:t>
-            </a:r>
-          </a:p>
-          <a:p>
-            <a:pPr marL="0" marR="0" lvl="0" indent="0" algn="l" defTabSz="914400" rtl="0" eaLnBrk="1" fontAlgn="auto" latinLnBrk="0" hangingPunct="1">
-              <a:lnSpc>
-                <a:spcPct val="100000"/>
-              </a:lnSpc>
-              <a:spcBef>
-                <a:spcPts val="0"/>
-              </a:spcBef>
-              <a:spcAft>
-                <a:spcPts val="0"/>
-              </a:spcAft>
-              <a:buClrTx/>
-              <a:buSzTx/>
-              <a:buFontTx/>
-              <a:buNone/>
-              <a:tabLst/>
-              <a:defRPr/>
-            </a:pPr>
-            <a:endParaRPr lang="en-US" sz="1200" b="0" i="0" u="none" strike="noStrike" kern="1200" baseline="0" dirty="0">
-              <a:solidFill>
-                <a:schemeClr val="tx1"/>
-              </a:solidFill>
-              <a:latin typeface="+mn-lt"/>
-              <a:ea typeface="+mn-ea"/>
-              <a:cs typeface="+mn-cs"/>
-            </a:endParaRPr>
+              <a:rPr lang="en-US" dirty="0"/>
+              <a:t>We will talk on this one later</a:t>
+            </a:r>
           </a:p>
           <a:p>
             <a:pPr marL="171450" marR="0" lvl="0" indent="-171450" algn="l" defTabSz="914400" rtl="0" eaLnBrk="1" fontAlgn="auto" latinLnBrk="0" hangingPunct="1">
@@ -18167,25 +19273,25 @@
               </a:spcAft>
               <a:buClrTx/>
               <a:buSzTx/>
-              <a:buFont typeface="Arial" panose="020B0604020202020204" pitchFamily="34" charset="0"/>
-              <a:buChar char="•"/>
+              <a:buFontTx/>
+              <a:buChar char="-"/>
               <a:tabLst/>
               <a:defRPr/>
             </a:pPr>
             <a:r>
-              <a:rPr lang="en-US" sz="1200" b="0" i="0" u="none" strike="noStrike" kern="1200" baseline="0" dirty="0">
-                <a:solidFill>
-                  <a:schemeClr val="tx1"/>
-                </a:solidFill>
-                <a:latin typeface="+mn-lt"/>
-                <a:ea typeface="+mn-ea"/>
-                <a:cs typeface="+mn-cs"/>
-              </a:rPr>
-              <a:t>Fifth Example:</a:t>
-            </a:r>
-          </a:p>
-          <a:p>
-            <a:pPr marL="0" marR="0" lvl="0" indent="0" algn="l" defTabSz="914400" rtl="0" eaLnBrk="1" fontAlgn="auto" latinLnBrk="0" hangingPunct="1">
+              <a:rPr lang="en-US" b="0" dirty="0"/>
+              <a:t>Apply/Call Invocation Pattern -  apply method lets us construct an array of arguments to use to invoke a function. It also lets us choose the value of this. The apply method takes two parameters.</a:t>
+            </a:r>
+            <a:br>
+              <a:rPr lang="en-US" b="0" dirty="0"/>
+            </a:br>
+            <a:r>
+              <a:rPr lang="en-US" b="0" dirty="0"/>
+              <a:t>The first is the value that should be bound to this. The second is an array of parameters.</a:t>
+            </a:r>
+          </a:p>
+          <a:p>
+            <a:pPr marL="171450" marR="0" lvl="0" indent="-171450" algn="l" defTabSz="914400" rtl="0" eaLnBrk="1" fontAlgn="auto" latinLnBrk="0" hangingPunct="1">
               <a:lnSpc>
                 <a:spcPct val="100000"/>
               </a:lnSpc>
@@ -18197,46 +19303,12 @@
               </a:spcAft>
               <a:buClrTx/>
               <a:buSzTx/>
-              <a:buFont typeface="Arial" panose="020B0604020202020204" pitchFamily="34" charset="0"/>
-              <a:buNone/>
+              <a:buFontTx/>
+              <a:buChar char="-"/>
               <a:tabLst/>
               <a:defRPr/>
             </a:pPr>
-            <a:r>
-              <a:rPr lang="en-US" sz="1200" b="0" i="0" u="none" strike="noStrike" kern="1200" baseline="0" dirty="0">
-                <a:solidFill>
-                  <a:schemeClr val="tx1"/>
-                </a:solidFill>
-                <a:latin typeface="+mn-lt"/>
-                <a:ea typeface="+mn-ea"/>
-                <a:cs typeface="+mn-cs"/>
-              </a:rPr>
-              <a:t>But, how code inside function will behaved?</a:t>
-            </a:r>
             <a:endParaRPr lang="en-US" b="0" dirty="0"/>
-          </a:p>
-          <a:p>
-            <a:pPr marL="0" marR="0" lvl="0" indent="0" algn="l" defTabSz="914400" rtl="0" eaLnBrk="1" fontAlgn="auto" latinLnBrk="0" hangingPunct="1">
-              <a:lnSpc>
-                <a:spcPct val="100000"/>
-              </a:lnSpc>
-              <a:spcBef>
-                <a:spcPts val="0"/>
-              </a:spcBef>
-              <a:spcAft>
-                <a:spcPts val="0"/>
-              </a:spcAft>
-              <a:buClrTx/>
-              <a:buSzTx/>
-              <a:buFontTx/>
-              <a:buNone/>
-              <a:tabLst/>
-              <a:defRPr/>
-            </a:pPr>
-            <a:r>
-              <a:rPr lang="en-US" b="0" dirty="0"/>
-              <a:t>In function we have internal scope so it will behave same as before but just inside the function, if we will take a look at left side then message declaration will move to the top of function scope -&gt; then we will print message -&gt; assigning string to the message</a:t>
-            </a:r>
           </a:p>
         </p:txBody>
       </p:sp>
@@ -18266,7 +19338,7 @@
     </p:spTree>
     <p:extLst>
       <p:ext uri="{BB962C8B-B14F-4D97-AF65-F5344CB8AC3E}">
-        <p14:creationId xmlns:p14="http://schemas.microsoft.com/office/powerpoint/2010/main" val="2282709534"/>
+        <p14:creationId xmlns:p14="http://schemas.microsoft.com/office/powerpoint/2010/main" val="1853370644"/>
       </p:ext>
     </p:extLst>
   </p:cSld>
@@ -18338,8 +19410,16 @@
               <a:defRPr/>
             </a:pPr>
             <a:r>
-              <a:rPr lang="en-US" b="0" dirty="0"/>
-              <a:t>JS unlike Java is a weak typing, which means we don’t need to declare the type of the variable,</a:t>
+              <a:rPr lang="en-US" sz="1200" b="0" i="0" kern="1200" dirty="0">
+                <a:solidFill>
+                  <a:schemeClr val="tx1"/>
+                </a:solidFill>
+                <a:effectLst/>
+                <a:latin typeface="+mn-lt"/>
+                <a:ea typeface="+mn-ea"/>
+                <a:cs typeface="+mn-cs"/>
+              </a:rPr>
+              <a:t>What is arrow function?</a:t>
             </a:r>
           </a:p>
           <a:p>
@@ -18357,404 +19437,6 @@
               <a:buSzTx/>
               <a:buFontTx/>
               <a:buNone/>
-              <a:tabLst/>
-              <a:defRPr/>
-            </a:pPr>
-            <a:r>
-              <a:rPr lang="en-US" b="0" dirty="0"/>
-              <a:t>In java for example we have string, </a:t>
-            </a:r>
-            <a:r>
-              <a:rPr lang="en-US" b="0" dirty="0" err="1"/>
-              <a:t>init</a:t>
-            </a:r>
-            <a:r>
-              <a:rPr lang="en-US" b="0" dirty="0"/>
-              <a:t>, double, etc.</a:t>
-            </a:r>
-          </a:p>
-          <a:p>
-            <a:pPr marL="0" marR="0" lvl="0" indent="0" algn="l" defTabSz="914400" rtl="0" eaLnBrk="1" fontAlgn="auto" latinLnBrk="0" hangingPunct="1">
-              <a:lnSpc>
-                <a:spcPct val="100000"/>
-              </a:lnSpc>
-              <a:spcBef>
-                <a:spcPts val="0"/>
-              </a:spcBef>
-              <a:spcAft>
-                <a:spcPts val="0"/>
-              </a:spcAft>
-              <a:buClrTx/>
-              <a:buSzTx/>
-              <a:buFontTx/>
-              <a:buNone/>
-              <a:tabLst/>
-              <a:defRPr/>
-            </a:pPr>
-            <a:r>
-              <a:rPr lang="en-US" b="0" dirty="0"/>
-              <a:t>In JS we have just </a:t>
-            </a:r>
-            <a:r>
-              <a:rPr lang="en-US" b="0" dirty="0" err="1"/>
-              <a:t>var</a:t>
-            </a:r>
-            <a:r>
-              <a:rPr lang="en-US" b="0" dirty="0"/>
-              <a:t>,</a:t>
-            </a:r>
-          </a:p>
-          <a:p>
-            <a:pPr marL="0" marR="0" lvl="0" indent="0" algn="l" defTabSz="914400" rtl="0" eaLnBrk="1" fontAlgn="auto" latinLnBrk="0" hangingPunct="1">
-              <a:lnSpc>
-                <a:spcPct val="100000"/>
-              </a:lnSpc>
-              <a:spcBef>
-                <a:spcPts val="0"/>
-              </a:spcBef>
-              <a:spcAft>
-                <a:spcPts val="0"/>
-              </a:spcAft>
-              <a:buClrTx/>
-              <a:buSzTx/>
-              <a:buFontTx/>
-              <a:buNone/>
-              <a:tabLst/>
-              <a:defRPr/>
-            </a:pPr>
-            <a:r>
-              <a:rPr lang="en-US" b="0" dirty="0"/>
-              <a:t>And this is was the case until ES6, over there was added 2 more </a:t>
-            </a:r>
-            <a:r>
-              <a:rPr lang="en-US" sz="1200" b="0" i="0" kern="1200" dirty="0">
-                <a:solidFill>
-                  <a:schemeClr val="tx1"/>
-                </a:solidFill>
-                <a:effectLst/>
-                <a:latin typeface="+mn-lt"/>
-                <a:ea typeface="+mn-ea"/>
-                <a:cs typeface="+mn-cs"/>
-              </a:rPr>
-              <a:t>keyword</a:t>
-            </a:r>
-            <a:r>
-              <a:rPr lang="en-US" b="0" dirty="0"/>
-              <a:t>, let &amp; const.</a:t>
-            </a:r>
-          </a:p>
-          <a:p>
-            <a:pPr marL="0" marR="0" lvl="0" indent="0" algn="l" defTabSz="914400" rtl="0" eaLnBrk="1" fontAlgn="auto" latinLnBrk="0" hangingPunct="1">
-              <a:lnSpc>
-                <a:spcPct val="100000"/>
-              </a:lnSpc>
-              <a:spcBef>
-                <a:spcPts val="0"/>
-              </a:spcBef>
-              <a:spcAft>
-                <a:spcPts val="0"/>
-              </a:spcAft>
-              <a:buClrTx/>
-              <a:buSzTx/>
-              <a:buFontTx/>
-              <a:buNone/>
-              <a:tabLst/>
-              <a:defRPr/>
-            </a:pPr>
-            <a:endParaRPr lang="en-US" b="0" dirty="0"/>
-          </a:p>
-          <a:p>
-            <a:pPr marL="0" marR="0" lvl="0" indent="0" algn="l" defTabSz="914400" rtl="0" eaLnBrk="1" fontAlgn="auto" latinLnBrk="0" hangingPunct="1">
-              <a:lnSpc>
-                <a:spcPct val="100000"/>
-              </a:lnSpc>
-              <a:spcBef>
-                <a:spcPts val="0"/>
-              </a:spcBef>
-              <a:spcAft>
-                <a:spcPts val="0"/>
-              </a:spcAft>
-              <a:buClrTx/>
-              <a:buSzTx/>
-              <a:buFontTx/>
-              <a:buNone/>
-              <a:tabLst/>
-              <a:defRPr/>
-            </a:pPr>
-            <a:r>
-              <a:rPr lang="en-US" b="0" dirty="0"/>
-              <a:t>So what is the different between them?</a:t>
-            </a:r>
-          </a:p>
-          <a:p>
-            <a:pPr marL="0" marR="0" lvl="0" indent="0" algn="l" defTabSz="914400" rtl="0" eaLnBrk="1" fontAlgn="auto" latinLnBrk="0" hangingPunct="1">
-              <a:lnSpc>
-                <a:spcPct val="100000"/>
-              </a:lnSpc>
-              <a:spcBef>
-                <a:spcPts val="0"/>
-              </a:spcBef>
-              <a:spcAft>
-                <a:spcPts val="0"/>
-              </a:spcAft>
-              <a:buClrTx/>
-              <a:buSzTx/>
-              <a:buFontTx/>
-              <a:buNone/>
-              <a:tabLst/>
-              <a:defRPr/>
-            </a:pPr>
-            <a:endParaRPr lang="en-US" b="0" dirty="0"/>
-          </a:p>
-          <a:p>
-            <a:pPr marL="0" marR="0" lvl="0" indent="0" algn="l" defTabSz="914400" rtl="0" eaLnBrk="1" fontAlgn="auto" latinLnBrk="0" hangingPunct="1">
-              <a:lnSpc>
-                <a:spcPct val="100000"/>
-              </a:lnSpc>
-              <a:spcBef>
-                <a:spcPts val="0"/>
-              </a:spcBef>
-              <a:spcAft>
-                <a:spcPts val="0"/>
-              </a:spcAft>
-              <a:buClrTx/>
-              <a:buSzTx/>
-              <a:buFontTx/>
-              <a:buNone/>
-              <a:tabLst/>
-              <a:defRPr/>
-            </a:pPr>
-            <a:r>
-              <a:rPr lang="en-US" b="0" dirty="0"/>
-              <a:t>So let recap, we have global scope &amp; we have function scope (local scope), when es6 was introduce we have also </a:t>
-            </a:r>
-            <a:r>
-              <a:rPr lang="en-US" sz="1200" b="0" i="0" kern="1200" dirty="0">
-                <a:solidFill>
-                  <a:schemeClr val="tx1"/>
-                </a:solidFill>
-                <a:effectLst/>
-                <a:latin typeface="+mn-lt"/>
-                <a:ea typeface="+mn-ea"/>
-                <a:cs typeface="+mn-cs"/>
-              </a:rPr>
-              <a:t>block scoped.</a:t>
-            </a:r>
-          </a:p>
-          <a:p>
-            <a:pPr marL="0" marR="0" lvl="0" indent="0" algn="l" defTabSz="914400" rtl="0" eaLnBrk="1" fontAlgn="auto" latinLnBrk="0" hangingPunct="1">
-              <a:lnSpc>
-                <a:spcPct val="100000"/>
-              </a:lnSpc>
-              <a:spcBef>
-                <a:spcPts val="0"/>
-              </a:spcBef>
-              <a:spcAft>
-                <a:spcPts val="0"/>
-              </a:spcAft>
-              <a:buClrTx/>
-              <a:buSzTx/>
-              <a:buFontTx/>
-              <a:buNone/>
-              <a:tabLst/>
-              <a:defRPr/>
-            </a:pPr>
-            <a:endParaRPr lang="en-US" b="0" dirty="0"/>
-          </a:p>
-          <a:p>
-            <a:pPr marL="0" marR="0" lvl="0" indent="0" algn="l" defTabSz="914400" rtl="0" eaLnBrk="1" fontAlgn="auto" latinLnBrk="0" hangingPunct="1">
-              <a:lnSpc>
-                <a:spcPct val="100000"/>
-              </a:lnSpc>
-              <a:spcBef>
-                <a:spcPts val="0"/>
-              </a:spcBef>
-              <a:spcAft>
-                <a:spcPts val="0"/>
-              </a:spcAft>
-              <a:buClrTx/>
-              <a:buSzTx/>
-              <a:buFontTx/>
-              <a:buNone/>
-              <a:tabLst/>
-              <a:defRPr/>
-            </a:pPr>
-            <a:r>
-              <a:rPr lang="en-US" b="0" dirty="0"/>
-              <a:t>Let:</a:t>
-            </a:r>
-          </a:p>
-          <a:p>
-            <a:pPr marL="0" marR="0" lvl="0" indent="0" algn="l" defTabSz="914400" rtl="0" eaLnBrk="1" fontAlgn="auto" latinLnBrk="0" hangingPunct="1">
-              <a:lnSpc>
-                <a:spcPct val="100000"/>
-              </a:lnSpc>
-              <a:spcBef>
-                <a:spcPts val="0"/>
-              </a:spcBef>
-              <a:spcAft>
-                <a:spcPts val="0"/>
-              </a:spcAft>
-              <a:buClrTx/>
-              <a:buSzTx/>
-              <a:buFontTx/>
-              <a:buNone/>
-              <a:tabLst/>
-              <a:defRPr/>
-            </a:pPr>
-            <a:r>
-              <a:rPr lang="en-US" sz="1200" b="0" i="0" kern="1200" dirty="0">
-                <a:solidFill>
-                  <a:schemeClr val="tx1"/>
-                </a:solidFill>
-                <a:effectLst/>
-                <a:latin typeface="+mn-lt"/>
-                <a:ea typeface="+mn-ea"/>
-                <a:cs typeface="+mn-cs"/>
-              </a:rPr>
-              <a:t>Unlike variables declared with </a:t>
-            </a:r>
-            <a:r>
-              <a:rPr lang="en-US" dirty="0" err="1"/>
-              <a:t>var</a:t>
-            </a:r>
-            <a:r>
-              <a:rPr lang="en-US" sz="1200" b="0" i="0" kern="1200" dirty="0">
-                <a:solidFill>
-                  <a:schemeClr val="tx1"/>
-                </a:solidFill>
-                <a:effectLst/>
-                <a:latin typeface="+mn-lt"/>
-                <a:ea typeface="+mn-ea"/>
-                <a:cs typeface="+mn-cs"/>
-              </a:rPr>
-              <a:t> that are function-scoped, variables declared with </a:t>
-            </a:r>
-            <a:r>
-              <a:rPr lang="en-US" dirty="0"/>
-              <a:t>let</a:t>
-            </a:r>
-            <a:r>
-              <a:rPr lang="en-US" sz="1200" b="0" i="0" kern="1200" dirty="0">
-                <a:solidFill>
-                  <a:schemeClr val="tx1"/>
-                </a:solidFill>
-                <a:effectLst/>
-                <a:latin typeface="+mn-lt"/>
-                <a:ea typeface="+mn-ea"/>
-                <a:cs typeface="+mn-cs"/>
-              </a:rPr>
-              <a:t> are block-scoped: they only exist in the block they are defined in.</a:t>
-            </a:r>
-          </a:p>
-          <a:p>
-            <a:pPr marL="171450" marR="0" lvl="0" indent="-171450" algn="l" defTabSz="914400" rtl="0" eaLnBrk="1" fontAlgn="auto" latinLnBrk="0" hangingPunct="1">
-              <a:lnSpc>
-                <a:spcPct val="100000"/>
-              </a:lnSpc>
-              <a:spcBef>
-                <a:spcPts val="0"/>
-              </a:spcBef>
-              <a:spcAft>
-                <a:spcPts val="0"/>
-              </a:spcAft>
-              <a:buClrTx/>
-              <a:buSzTx/>
-              <a:buFont typeface="Arial" panose="020B0604020202020204" pitchFamily="34" charset="0"/>
-              <a:buChar char="•"/>
-              <a:tabLst/>
-              <a:defRPr/>
-            </a:pPr>
-            <a:r>
-              <a:rPr lang="en-US" sz="1200" b="0" i="0" kern="1200" dirty="0">
-                <a:solidFill>
-                  <a:schemeClr val="tx1"/>
-                </a:solidFill>
-                <a:effectLst/>
-                <a:latin typeface="+mn-lt"/>
-                <a:ea typeface="+mn-ea"/>
-                <a:cs typeface="+mn-cs"/>
-              </a:rPr>
-              <a:t>Declares a local variable in block scope</a:t>
-            </a:r>
-          </a:p>
-          <a:p>
-            <a:pPr marL="171450" marR="0" lvl="0" indent="-171450" algn="l" defTabSz="914400" rtl="0" eaLnBrk="1" fontAlgn="auto" latinLnBrk="0" hangingPunct="1">
-              <a:lnSpc>
-                <a:spcPct val="100000"/>
-              </a:lnSpc>
-              <a:spcBef>
-                <a:spcPts val="0"/>
-              </a:spcBef>
-              <a:spcAft>
-                <a:spcPts val="0"/>
-              </a:spcAft>
-              <a:buClrTx/>
-              <a:buSzTx/>
-              <a:buFont typeface="Arial" panose="020B0604020202020204" pitchFamily="34" charset="0"/>
-              <a:buChar char="•"/>
-              <a:tabLst/>
-              <a:defRPr/>
-            </a:pPr>
-            <a:r>
-              <a:rPr lang="en-US" sz="1200" b="0" i="0" kern="1200" dirty="0">
-                <a:solidFill>
-                  <a:schemeClr val="tx1"/>
-                </a:solidFill>
-                <a:effectLst/>
-                <a:latin typeface="+mn-lt"/>
-                <a:ea typeface="+mn-ea"/>
-                <a:cs typeface="+mn-cs"/>
-              </a:rPr>
-              <a:t>Can declared only once, but value can be changes </a:t>
-            </a:r>
-          </a:p>
-          <a:p>
-            <a:pPr marL="171450" marR="0" lvl="0" indent="-171450" algn="l" defTabSz="914400" rtl="0" eaLnBrk="1" fontAlgn="auto" latinLnBrk="0" hangingPunct="1">
-              <a:lnSpc>
-                <a:spcPct val="100000"/>
-              </a:lnSpc>
-              <a:spcBef>
-                <a:spcPts val="0"/>
-              </a:spcBef>
-              <a:spcAft>
-                <a:spcPts val="0"/>
-              </a:spcAft>
-              <a:buClrTx/>
-              <a:buSzTx/>
-              <a:buFont typeface="Arial" panose="020B0604020202020204" pitchFamily="34" charset="0"/>
-              <a:buChar char="•"/>
-              <a:tabLst/>
-              <a:defRPr/>
-            </a:pPr>
-            <a:r>
-              <a:rPr lang="en-US" sz="1200" b="0" i="0" kern="1200" dirty="0">
-                <a:solidFill>
-                  <a:schemeClr val="tx1"/>
-                </a:solidFill>
-                <a:effectLst/>
-                <a:latin typeface="+mn-lt"/>
-                <a:ea typeface="+mn-ea"/>
-                <a:cs typeface="+mn-cs"/>
-              </a:rPr>
-              <a:t>It’s not hoisted</a:t>
-            </a:r>
-          </a:p>
-          <a:p>
-            <a:pPr marL="171450" marR="0" lvl="0" indent="-171450" algn="l" defTabSz="914400" rtl="0" eaLnBrk="1" fontAlgn="auto" latinLnBrk="0" hangingPunct="1">
-              <a:lnSpc>
-                <a:spcPct val="100000"/>
-              </a:lnSpc>
-              <a:spcBef>
-                <a:spcPts val="0"/>
-              </a:spcBef>
-              <a:spcAft>
-                <a:spcPts val="0"/>
-              </a:spcAft>
-              <a:buClrTx/>
-              <a:buSzTx/>
-              <a:buFont typeface="Arial" panose="020B0604020202020204" pitchFamily="34" charset="0"/>
-              <a:buChar char="•"/>
               <a:tabLst/>
               <a:defRPr/>
             </a:pPr>
@@ -18781,34 +19463,74 @@
               </a:spcAft>
               <a:buClrTx/>
               <a:buSzTx/>
-              <a:buFont typeface="Arial" panose="020B0604020202020204" pitchFamily="34" charset="0"/>
+              <a:buFontTx/>
               <a:buNone/>
               <a:tabLst/>
               <a:defRPr/>
             </a:pPr>
             <a:r>
-              <a:rPr lang="en-US" sz="1200" b="0" i="0" kern="1200" dirty="0" err="1">
-                <a:solidFill>
-                  <a:schemeClr val="tx1"/>
-                </a:solidFill>
-                <a:effectLst/>
-                <a:latin typeface="+mn-lt"/>
-                <a:ea typeface="+mn-ea"/>
-                <a:cs typeface="+mn-cs"/>
-              </a:rPr>
-              <a:t>Const</a:t>
-            </a:r>
-            <a:r>
-              <a:rPr lang="en-US" sz="1200" b="0" i="0" kern="1200" dirty="0">
-                <a:solidFill>
-                  <a:schemeClr val="tx1"/>
-                </a:solidFill>
-                <a:effectLst/>
-                <a:latin typeface="+mn-lt"/>
-                <a:ea typeface="+mn-ea"/>
-                <a:cs typeface="+mn-cs"/>
-              </a:rPr>
-              <a:t>:</a:t>
+              <a:rPr lang="en-US" sz="1200" b="0" i="0" kern="1200" dirty="0">
+                <a:solidFill>
+                  <a:schemeClr val="tx1"/>
+                </a:solidFill>
+                <a:effectLst/>
+                <a:latin typeface="+mn-lt"/>
+                <a:ea typeface="+mn-ea"/>
+                <a:cs typeface="+mn-cs"/>
+              </a:rPr>
+              <a:t>The ECMAScript 6 arrow function syntax is a shorthand for the ECMAScript 5 function syntax. It supports both block and expression bodies. The value of </a:t>
+            </a:r>
+            <a:r>
+              <a:rPr lang="en-US" dirty="0"/>
+              <a:t>this</a:t>
+            </a:r>
+            <a:r>
+              <a:rPr lang="en-US" sz="1200" b="0" i="0" kern="1200" dirty="0">
+                <a:solidFill>
+                  <a:schemeClr val="tx1"/>
+                </a:solidFill>
+                <a:effectLst/>
+                <a:latin typeface="+mn-lt"/>
+                <a:ea typeface="+mn-ea"/>
+                <a:cs typeface="+mn-cs"/>
+              </a:rPr>
+              <a:t> inside the function is not altered: it is the same as the value of </a:t>
+            </a:r>
+            <a:r>
+              <a:rPr lang="en-US" dirty="0"/>
+              <a:t>this</a:t>
+            </a:r>
+            <a:r>
+              <a:rPr lang="en-US" sz="1200" b="0" i="0" kern="1200" dirty="0">
+                <a:solidFill>
+                  <a:schemeClr val="tx1"/>
+                </a:solidFill>
+                <a:effectLst/>
+                <a:latin typeface="+mn-lt"/>
+                <a:ea typeface="+mn-ea"/>
+                <a:cs typeface="+mn-cs"/>
+              </a:rPr>
+              <a:t> outside the function. No more </a:t>
+            </a:r>
+            <a:r>
+              <a:rPr lang="en-US" dirty="0" err="1"/>
+              <a:t>var</a:t>
+            </a:r>
+            <a:r>
+              <a:rPr lang="en-US" dirty="0"/>
+              <a:t> self = this</a:t>
+            </a:r>
+            <a:r>
+              <a:rPr lang="en-US" sz="1200" b="0" i="0" kern="1200" dirty="0">
+                <a:solidFill>
+                  <a:schemeClr val="tx1"/>
+                </a:solidFill>
+                <a:effectLst/>
+                <a:latin typeface="+mn-lt"/>
+                <a:ea typeface="+mn-ea"/>
+                <a:cs typeface="+mn-cs"/>
+              </a:rPr>
+              <a:t> to keep track of the current scope.</a:t>
             </a:r>
           </a:p>
           <a:p>
@@ -18824,59 +19546,416 @@
               </a:spcAft>
               <a:buClrTx/>
               <a:buSzTx/>
-              <a:buFont typeface="Arial" panose="020B0604020202020204" pitchFamily="34" charset="0"/>
+              <a:buFontTx/>
               <a:buNone/>
               <a:tabLst/>
               <a:defRPr/>
             </a:pPr>
-            <a:r>
-              <a:rPr lang="en-US" sz="1200" b="0" i="0" kern="1200" dirty="0" err="1">
-                <a:solidFill>
-                  <a:schemeClr val="tx1"/>
-                </a:solidFill>
-                <a:effectLst/>
-                <a:latin typeface="+mn-lt"/>
-                <a:ea typeface="+mn-ea"/>
-                <a:cs typeface="+mn-cs"/>
-              </a:rPr>
-              <a:t>Const</a:t>
-            </a:r>
-            <a:r>
-              <a:rPr lang="en-US" sz="1200" b="0" i="0" kern="1200" dirty="0">
-                <a:solidFill>
-                  <a:schemeClr val="tx1"/>
-                </a:solidFill>
-                <a:effectLst/>
-                <a:latin typeface="+mn-lt"/>
-                <a:ea typeface="+mn-ea"/>
-                <a:cs typeface="+mn-cs"/>
-              </a:rPr>
-              <a:t> behaves in a very similar way to let, however, one key difference. Once variable declared using </a:t>
-            </a:r>
-            <a:r>
-              <a:rPr lang="en-US" sz="1200" b="0" i="0" kern="1200" dirty="0" err="1">
-                <a:solidFill>
-                  <a:schemeClr val="tx1"/>
-                </a:solidFill>
-                <a:effectLst/>
-                <a:latin typeface="+mn-lt"/>
-                <a:ea typeface="+mn-ea"/>
-                <a:cs typeface="+mn-cs"/>
-              </a:rPr>
-              <a:t>const</a:t>
-            </a:r>
-            <a:r>
-              <a:rPr lang="en-US" sz="1200" b="0" i="0" kern="1200" dirty="0">
-                <a:solidFill>
-                  <a:schemeClr val="tx1"/>
-                </a:solidFill>
-                <a:effectLst/>
-                <a:latin typeface="+mn-lt"/>
-                <a:ea typeface="+mn-ea"/>
-                <a:cs typeface="+mn-cs"/>
-              </a:rPr>
-              <a:t> keyword is assigned a value, you cannot reassign it.  You also need to initialize the variable immediately when declaring it.</a:t>
-            </a:r>
+            <a:endParaRPr lang="en-US" b="0" dirty="0"/>
+          </a:p>
+          <a:p>
+            <a:pPr marL="0" marR="0" lvl="0" indent="0" algn="l" defTabSz="914400" rtl="0" eaLnBrk="1" fontAlgn="auto" latinLnBrk="0" hangingPunct="1">
+              <a:lnSpc>
+                <a:spcPct val="100000"/>
+              </a:lnSpc>
+              <a:spcBef>
+                <a:spcPts val="0"/>
+              </a:spcBef>
+              <a:spcAft>
+                <a:spcPts val="0"/>
+              </a:spcAft>
+              <a:buClrTx/>
+              <a:buSzTx/>
+              <a:buFontTx/>
+              <a:buNone/>
+              <a:tabLst/>
+              <a:defRPr/>
+            </a:pPr>
+            <a:r>
+              <a:rPr lang="en-US" b="0" dirty="0"/>
+              <a:t>Let’s take a look at the syntax.</a:t>
+            </a:r>
+          </a:p>
+          <a:p>
+            <a:pPr marL="0" marR="0" lvl="0" indent="0" algn="l" defTabSz="914400" rtl="0" eaLnBrk="1" fontAlgn="auto" latinLnBrk="0" hangingPunct="1">
+              <a:lnSpc>
+                <a:spcPct val="100000"/>
+              </a:lnSpc>
+              <a:spcBef>
+                <a:spcPts val="0"/>
+              </a:spcBef>
+              <a:spcAft>
+                <a:spcPts val="0"/>
+              </a:spcAft>
+              <a:buClrTx/>
+              <a:buSzTx/>
+              <a:buFontTx/>
+              <a:buNone/>
+              <a:tabLst/>
+              <a:defRPr/>
+            </a:pPr>
+            <a:endParaRPr lang="en-US" b="0" dirty="0"/>
+          </a:p>
+          <a:p>
+            <a:pPr marL="0" marR="0" lvl="0" indent="0" algn="l" defTabSz="914400" rtl="0" eaLnBrk="1" fontAlgn="auto" latinLnBrk="0" hangingPunct="1">
+              <a:lnSpc>
+                <a:spcPct val="100000"/>
+              </a:lnSpc>
+              <a:spcBef>
+                <a:spcPts val="0"/>
+              </a:spcBef>
+              <a:spcAft>
+                <a:spcPts val="0"/>
+              </a:spcAft>
+              <a:buClrTx/>
+              <a:buSzTx/>
+              <a:buFontTx/>
+              <a:buNone/>
+              <a:tabLst/>
+              <a:defRPr/>
+            </a:pPr>
+            <a:endParaRPr lang="en-US" b="0" dirty="0"/>
+          </a:p>
+          <a:p>
+            <a:pPr marL="0" marR="0" lvl="0" indent="0" algn="l" defTabSz="914400" rtl="0" eaLnBrk="1" fontAlgn="auto" latinLnBrk="0" hangingPunct="1">
+              <a:lnSpc>
+                <a:spcPct val="100000"/>
+              </a:lnSpc>
+              <a:spcBef>
+                <a:spcPts val="0"/>
+              </a:spcBef>
+              <a:spcAft>
+                <a:spcPts val="0"/>
+              </a:spcAft>
+              <a:buClrTx/>
+              <a:buSzTx/>
+              <a:buFontTx/>
+              <a:buNone/>
+              <a:tabLst/>
+              <a:defRPr/>
+            </a:pPr>
+            <a:endParaRPr lang="en-US" b="0" dirty="0"/>
+          </a:p>
+          <a:p>
+            <a:pPr marL="0" marR="0" lvl="0" indent="0" algn="l" defTabSz="914400" rtl="0" eaLnBrk="1" fontAlgn="auto" latinLnBrk="0" hangingPunct="1">
+              <a:lnSpc>
+                <a:spcPct val="100000"/>
+              </a:lnSpc>
+              <a:spcBef>
+                <a:spcPts val="0"/>
+              </a:spcBef>
+              <a:spcAft>
+                <a:spcPts val="0"/>
+              </a:spcAft>
+              <a:buClrTx/>
+              <a:buSzTx/>
+              <a:buFontTx/>
+              <a:buNone/>
+              <a:tabLst/>
+              <a:defRPr/>
+            </a:pPr>
+            <a:r>
+              <a:rPr lang="en-US" b="0" dirty="0"/>
+              <a:t>Now,</a:t>
+            </a:r>
+          </a:p>
+          <a:p>
+            <a:pPr marL="0" marR="0" lvl="0" indent="0" algn="l" defTabSz="914400" rtl="0" eaLnBrk="1" fontAlgn="auto" latinLnBrk="0" hangingPunct="1">
+              <a:lnSpc>
+                <a:spcPct val="100000"/>
+              </a:lnSpc>
+              <a:spcBef>
+                <a:spcPts val="0"/>
+              </a:spcBef>
+              <a:spcAft>
+                <a:spcPts val="0"/>
+              </a:spcAft>
+              <a:buClrTx/>
+              <a:buSzTx/>
+              <a:buFontTx/>
+              <a:buNone/>
+              <a:tabLst/>
+              <a:defRPr/>
+            </a:pPr>
+            <a:r>
+              <a:rPr lang="en-US" b="0" dirty="0"/>
+              <a:t>A lot of developers, usually new but also experience are using the arrow function without understanding why?</a:t>
+            </a:r>
+          </a:p>
+          <a:p>
+            <a:pPr marL="0" marR="0" lvl="0" indent="0" algn="l" defTabSz="914400" rtl="0" eaLnBrk="1" fontAlgn="auto" latinLnBrk="0" hangingPunct="1">
+              <a:lnSpc>
+                <a:spcPct val="100000"/>
+              </a:lnSpc>
+              <a:spcBef>
+                <a:spcPts val="0"/>
+              </a:spcBef>
+              <a:spcAft>
+                <a:spcPts val="0"/>
+              </a:spcAft>
+              <a:buClrTx/>
+              <a:buSzTx/>
+              <a:buFontTx/>
+              <a:buNone/>
+              <a:tabLst/>
+              <a:defRPr/>
+            </a:pPr>
+            <a:r>
+              <a:rPr lang="en-US" b="0" dirty="0"/>
+              <a:t>What issue it’s coming to solve?</a:t>
+            </a:r>
+          </a:p>
+          <a:p>
+            <a:pPr marL="0" marR="0" lvl="0" indent="0" algn="l" defTabSz="914400" rtl="0" eaLnBrk="1" fontAlgn="auto" latinLnBrk="0" hangingPunct="1">
+              <a:lnSpc>
+                <a:spcPct val="100000"/>
+              </a:lnSpc>
+              <a:spcBef>
+                <a:spcPts val="0"/>
+              </a:spcBef>
+              <a:spcAft>
+                <a:spcPts val="0"/>
+              </a:spcAft>
+              <a:buClrTx/>
+              <a:buSzTx/>
+              <a:buFontTx/>
+              <a:buNone/>
+              <a:tabLst/>
+              <a:defRPr/>
+            </a:pPr>
+            <a:r>
+              <a:rPr lang="en-US" b="0" dirty="0"/>
+              <a:t>Let’s take a look at example:</a:t>
+            </a:r>
+          </a:p>
+          <a:p>
+            <a:pPr marL="0" marR="0" lvl="0" indent="0" algn="l" defTabSz="914400" rtl="0" eaLnBrk="1" fontAlgn="auto" latinLnBrk="0" hangingPunct="1">
+              <a:lnSpc>
+                <a:spcPct val="100000"/>
+              </a:lnSpc>
+              <a:spcBef>
+                <a:spcPts val="0"/>
+              </a:spcBef>
+              <a:spcAft>
+                <a:spcPts val="0"/>
+              </a:spcAft>
+              <a:buClrTx/>
+              <a:buSzTx/>
+              <a:buFontTx/>
+              <a:buNone/>
+              <a:tabLst/>
+              <a:defRPr/>
+            </a:pPr>
+            <a:r>
+              <a:rPr lang="en-US" b="0" dirty="0"/>
+              <a:t>We have an object, when invoking counter function, we are setting a timeout, what will be `this` in callback function?</a:t>
+            </a:r>
+          </a:p>
+          <a:p>
+            <a:pPr marL="0" marR="0" lvl="0" indent="0" algn="l" defTabSz="914400" rtl="0" eaLnBrk="1" fontAlgn="auto" latinLnBrk="0" hangingPunct="1">
+              <a:lnSpc>
+                <a:spcPct val="100000"/>
+              </a:lnSpc>
+              <a:spcBef>
+                <a:spcPts val="0"/>
+              </a:spcBef>
+              <a:spcAft>
+                <a:spcPts val="0"/>
+              </a:spcAft>
+              <a:buClrTx/>
+              <a:buSzTx/>
+              <a:buFontTx/>
+              <a:buNone/>
+              <a:tabLst/>
+              <a:defRPr/>
+            </a:pPr>
+            <a:r>
+              <a:rPr lang="en-US" b="0" dirty="0"/>
+              <a:t>It will be the window,</a:t>
+            </a:r>
+          </a:p>
+          <a:p>
+            <a:pPr marL="0" marR="0" lvl="0" indent="0" algn="l" defTabSz="914400" rtl="0" eaLnBrk="1" fontAlgn="auto" latinLnBrk="0" hangingPunct="1">
+              <a:lnSpc>
+                <a:spcPct val="100000"/>
+              </a:lnSpc>
+              <a:spcBef>
+                <a:spcPts val="0"/>
+              </a:spcBef>
+              <a:spcAft>
+                <a:spcPts val="0"/>
+              </a:spcAft>
+              <a:buClrTx/>
+              <a:buSzTx/>
+              <a:buFontTx/>
+              <a:buNone/>
+              <a:tabLst/>
+              <a:defRPr/>
+            </a:pPr>
+            <a:r>
+              <a:rPr lang="en-US" b="0" dirty="0"/>
+              <a:t>How did we solve it in the past? There are 2 familiar ways, use `that` or use `bind` function</a:t>
+            </a:r>
+          </a:p>
+          <a:p>
+            <a:pPr marL="0" marR="0" lvl="0" indent="0" algn="l" defTabSz="914400" rtl="0" eaLnBrk="1" fontAlgn="auto" latinLnBrk="0" hangingPunct="1">
+              <a:lnSpc>
+                <a:spcPct val="100000"/>
+              </a:lnSpc>
+              <a:spcBef>
+                <a:spcPts val="0"/>
+              </a:spcBef>
+              <a:spcAft>
+                <a:spcPts val="0"/>
+              </a:spcAft>
+              <a:buClrTx/>
+              <a:buSzTx/>
+              <a:buFontTx/>
+              <a:buNone/>
+              <a:tabLst/>
+              <a:defRPr/>
+            </a:pPr>
+            <a:r>
+              <a:rPr lang="en-US" b="0" dirty="0"/>
+              <a:t>But with arrow function it will do that for us automatically</a:t>
+            </a:r>
+          </a:p>
+          <a:p>
+            <a:pPr marL="0" marR="0" lvl="0" indent="0" algn="l" defTabSz="914400" rtl="0" eaLnBrk="1" fontAlgn="auto" latinLnBrk="0" hangingPunct="1">
+              <a:lnSpc>
+                <a:spcPct val="100000"/>
+              </a:lnSpc>
+              <a:spcBef>
+                <a:spcPts val="0"/>
+              </a:spcBef>
+              <a:spcAft>
+                <a:spcPts val="0"/>
+              </a:spcAft>
+              <a:buClrTx/>
+              <a:buSzTx/>
+              <a:buFontTx/>
+              <a:buNone/>
+              <a:tabLst/>
+              <a:defRPr/>
+            </a:pPr>
+            <a:endParaRPr lang="en-US" b="0" dirty="0"/>
+          </a:p>
+          <a:p>
+            <a:pPr marL="0" marR="0" lvl="0" indent="0" algn="l" defTabSz="914400" rtl="0" eaLnBrk="1" fontAlgn="auto" latinLnBrk="0" hangingPunct="1">
+              <a:lnSpc>
+                <a:spcPct val="100000"/>
+              </a:lnSpc>
+              <a:spcBef>
+                <a:spcPts val="0"/>
+              </a:spcBef>
+              <a:spcAft>
+                <a:spcPts val="0"/>
+              </a:spcAft>
+              <a:buClrTx/>
+              <a:buSzTx/>
+              <a:buFontTx/>
+              <a:buNone/>
+              <a:tabLst/>
+              <a:defRPr/>
+            </a:pPr>
+            <a:r>
+              <a:rPr lang="en-US" b="0" dirty="0"/>
+              <a:t>What other cases we might want to use arrow function?</a:t>
+            </a:r>
+          </a:p>
+          <a:p>
+            <a:pPr marL="0" marR="0" lvl="0" indent="0" algn="l" defTabSz="914400" rtl="0" eaLnBrk="1" fontAlgn="auto" latinLnBrk="0" hangingPunct="1">
+              <a:lnSpc>
+                <a:spcPct val="100000"/>
+              </a:lnSpc>
+              <a:spcBef>
+                <a:spcPts val="0"/>
+              </a:spcBef>
+              <a:spcAft>
+                <a:spcPts val="0"/>
+              </a:spcAft>
+              <a:buClrTx/>
+              <a:buSzTx/>
+              <a:buFontTx/>
+              <a:buNone/>
+              <a:tabLst/>
+              <a:defRPr/>
+            </a:pPr>
+            <a:r>
+              <a:rPr lang="en-US" b="0" dirty="0"/>
+              <a:t>Callback function for </a:t>
+            </a:r>
+            <a:r>
+              <a:rPr lang="en-US" b="0" dirty="0" err="1"/>
+              <a:t>dom</a:t>
+            </a:r>
+            <a:r>
+              <a:rPr lang="en-US" b="0" dirty="0"/>
+              <a:t> events,</a:t>
+            </a:r>
+          </a:p>
+          <a:p>
+            <a:pPr marL="0" marR="0" lvl="0" indent="0" algn="l" defTabSz="914400" rtl="0" eaLnBrk="1" fontAlgn="auto" latinLnBrk="0" hangingPunct="1">
+              <a:lnSpc>
+                <a:spcPct val="100000"/>
+              </a:lnSpc>
+              <a:spcBef>
+                <a:spcPts val="0"/>
+              </a:spcBef>
+              <a:spcAft>
+                <a:spcPts val="0"/>
+              </a:spcAft>
+              <a:buClrTx/>
+              <a:buSzTx/>
+              <a:buFontTx/>
+              <a:buNone/>
+              <a:tabLst/>
+              <a:defRPr/>
+            </a:pPr>
+            <a:r>
+              <a:rPr lang="en-US" b="0" dirty="0"/>
+              <a:t>Callback function for iteration function like map or </a:t>
+            </a:r>
+            <a:r>
+              <a:rPr lang="en-US" sz="1200" b="0" i="0" kern="1200" dirty="0">
+                <a:solidFill>
+                  <a:schemeClr val="tx1"/>
+                </a:solidFill>
+                <a:effectLst/>
+                <a:latin typeface="+mn-lt"/>
+                <a:ea typeface="+mn-ea"/>
+                <a:cs typeface="+mn-cs"/>
+              </a:rPr>
+              <a:t>reduce, </a:t>
+            </a:r>
+            <a:r>
+              <a:rPr lang="en-US" b="0" dirty="0" err="1"/>
+              <a:t>forEach</a:t>
+            </a:r>
+            <a:r>
+              <a:rPr lang="en-US" b="0" dirty="0"/>
+              <a:t>.</a:t>
+            </a:r>
+          </a:p>
+          <a:p>
+            <a:pPr marL="0" marR="0" lvl="0" indent="0" algn="l" defTabSz="914400" rtl="0" eaLnBrk="1" fontAlgn="auto" latinLnBrk="0" hangingPunct="1">
+              <a:lnSpc>
+                <a:spcPct val="100000"/>
+              </a:lnSpc>
+              <a:spcBef>
+                <a:spcPts val="0"/>
+              </a:spcBef>
+              <a:spcAft>
+                <a:spcPts val="0"/>
+              </a:spcAft>
+              <a:buClrTx/>
+              <a:buSzTx/>
+              <a:buFontTx/>
+              <a:buNone/>
+              <a:tabLst/>
+              <a:defRPr/>
+            </a:pPr>
+            <a:endParaRPr lang="en-US" b="0" dirty="0"/>
           </a:p>
           <a:p>
             <a:pPr marL="171450" marR="0" lvl="0" indent="-171450" algn="l" defTabSz="914400" rtl="0" eaLnBrk="1" fontAlgn="auto" latinLnBrk="0" hangingPunct="1">
@@ -18891,22 +19970,14 @@
               </a:spcAft>
               <a:buClrTx/>
               <a:buSzTx/>
-              <a:buFont typeface="Arial" panose="020B0604020202020204" pitchFamily="34" charset="0"/>
-              <a:buChar char="•"/>
+              <a:buFontTx/>
+              <a:buChar char="-"/>
               <a:tabLst/>
               <a:defRPr/>
             </a:pPr>
             <a:r>
-              <a:rPr lang="en-US" sz="1200" b="0" i="0" kern="1200" dirty="0">
-                <a:solidFill>
-                  <a:schemeClr val="tx1"/>
-                </a:solidFill>
-                <a:effectLst/>
-                <a:latin typeface="+mn-lt"/>
-                <a:ea typeface="+mn-ea"/>
-                <a:cs typeface="+mn-cs"/>
-              </a:rPr>
-              <a:t>Declares a local variable in block scope</a:t>
+              <a:rPr lang="en-US" b="0" dirty="0"/>
+              <a:t>https://medium.freecodecamp.org/when-and-why-you-should-use-es6-arrow-functions-and-when-you-shouldnt-3d851d7f0b26</a:t>
             </a:r>
           </a:p>
           <a:p>
@@ -18922,22 +19993,14 @@
               </a:spcAft>
               <a:buClrTx/>
               <a:buSzTx/>
-              <a:buFont typeface="Arial" panose="020B0604020202020204" pitchFamily="34" charset="0"/>
-              <a:buChar char="•"/>
+              <a:buFontTx/>
+              <a:buChar char="-"/>
               <a:tabLst/>
               <a:defRPr/>
             </a:pPr>
             <a:r>
-              <a:rPr lang="en-US" sz="1200" b="0" i="0" kern="1200" dirty="0">
-                <a:solidFill>
-                  <a:schemeClr val="tx1"/>
-                </a:solidFill>
-                <a:effectLst/>
-                <a:latin typeface="+mn-lt"/>
-                <a:ea typeface="+mn-ea"/>
-                <a:cs typeface="+mn-cs"/>
-              </a:rPr>
-              <a:t>Can declared only once &amp; value must be assigned</a:t>
+              <a:rPr lang="en-US" b="0" dirty="0"/>
+              <a:t>https://developer.mozilla.org/en-US/docs/Web/JavaScript/Reference/Functions/Arrow_functions</a:t>
             </a:r>
           </a:p>
           <a:p>
@@ -18953,401 +20016,6 @@
               </a:spcAft>
               <a:buClrTx/>
               <a:buSzTx/>
-              <a:buFont typeface="Arial" panose="020B0604020202020204" pitchFamily="34" charset="0"/>
-              <a:buChar char="•"/>
-              <a:tabLst/>
-              <a:defRPr/>
-            </a:pPr>
-            <a:r>
-              <a:rPr lang="en-US" sz="1200" b="0" i="0" kern="1200" dirty="0">
-                <a:solidFill>
-                  <a:schemeClr val="tx1"/>
-                </a:solidFill>
-                <a:effectLst/>
-                <a:latin typeface="+mn-lt"/>
-                <a:ea typeface="+mn-ea"/>
-                <a:cs typeface="+mn-cs"/>
-              </a:rPr>
-              <a:t>It’s not hoisted</a:t>
-            </a:r>
-          </a:p>
-          <a:p>
-            <a:pPr marL="171450" marR="0" lvl="0" indent="-171450" algn="l" defTabSz="914400" rtl="0" eaLnBrk="1" fontAlgn="auto" latinLnBrk="0" hangingPunct="1">
-              <a:lnSpc>
-                <a:spcPct val="100000"/>
-              </a:lnSpc>
-              <a:spcBef>
-                <a:spcPts val="0"/>
-              </a:spcBef>
-              <a:spcAft>
-                <a:spcPts val="0"/>
-              </a:spcAft>
-              <a:buClrTx/>
-              <a:buSzTx/>
-              <a:buFont typeface="Arial" panose="020B0604020202020204" pitchFamily="34" charset="0"/>
-              <a:buChar char="•"/>
-              <a:tabLst/>
-              <a:defRPr/>
-            </a:pPr>
-            <a:r>
-              <a:rPr lang="en-US" sz="1200" b="0" i="0" kern="1200" dirty="0">
-                <a:solidFill>
-                  <a:schemeClr val="tx1"/>
-                </a:solidFill>
-                <a:effectLst/>
-                <a:latin typeface="+mn-lt"/>
-                <a:ea typeface="+mn-ea"/>
-                <a:cs typeface="+mn-cs"/>
-              </a:rPr>
-              <a:t>It’s only reference locked but you can change nested object values</a:t>
-            </a:r>
-          </a:p>
-          <a:p>
-            <a:pPr marL="0" marR="0" lvl="0" indent="0" algn="l" defTabSz="914400" rtl="0" eaLnBrk="1" fontAlgn="auto" latinLnBrk="0" hangingPunct="1">
-              <a:lnSpc>
-                <a:spcPct val="100000"/>
-              </a:lnSpc>
-              <a:spcBef>
-                <a:spcPts val="0"/>
-              </a:spcBef>
-              <a:spcAft>
-                <a:spcPts val="0"/>
-              </a:spcAft>
-              <a:buClrTx/>
-              <a:buSzTx/>
-              <a:buFontTx/>
-              <a:buNone/>
-              <a:tabLst/>
-              <a:defRPr/>
-            </a:pPr>
-            <a:endParaRPr lang="en-US" sz="1200" b="0" i="0" kern="1200" dirty="0">
-              <a:solidFill>
-                <a:schemeClr val="tx1"/>
-              </a:solidFill>
-              <a:effectLst/>
-              <a:latin typeface="+mn-lt"/>
-              <a:ea typeface="+mn-ea"/>
-              <a:cs typeface="+mn-cs"/>
-            </a:endParaRPr>
-          </a:p>
-          <a:p>
-            <a:pPr marL="0" marR="0" lvl="0" indent="0" algn="l" defTabSz="914400" rtl="0" eaLnBrk="1" fontAlgn="auto" latinLnBrk="0" hangingPunct="1">
-              <a:lnSpc>
-                <a:spcPct val="100000"/>
-              </a:lnSpc>
-              <a:spcBef>
-                <a:spcPts val="0"/>
-              </a:spcBef>
-              <a:spcAft>
-                <a:spcPts val="0"/>
-              </a:spcAft>
-              <a:buClrTx/>
-              <a:buSzTx/>
-              <a:buFontTx/>
-              <a:buNone/>
-              <a:tabLst/>
-              <a:defRPr/>
-            </a:pPr>
-            <a:r>
-              <a:rPr lang="en-US" sz="1200" b="0" i="0" kern="1200" dirty="0">
-                <a:solidFill>
-                  <a:schemeClr val="tx1"/>
-                </a:solidFill>
-                <a:effectLst/>
-                <a:latin typeface="+mn-lt"/>
-                <a:ea typeface="+mn-ea"/>
-                <a:cs typeface="+mn-cs"/>
-              </a:rPr>
-              <a:t>To make a real </a:t>
-            </a:r>
-            <a:r>
-              <a:rPr lang="en-US" sz="1200" b="0" i="0" kern="1200" dirty="0" err="1">
-                <a:solidFill>
-                  <a:schemeClr val="tx1"/>
-                </a:solidFill>
-                <a:effectLst/>
-                <a:latin typeface="+mn-lt"/>
-                <a:ea typeface="+mn-ea"/>
-                <a:cs typeface="+mn-cs"/>
-              </a:rPr>
-              <a:t>const</a:t>
-            </a:r>
-            <a:r>
-              <a:rPr lang="en-US" sz="1200" b="0" i="0" kern="1200" dirty="0">
-                <a:solidFill>
-                  <a:schemeClr val="tx1"/>
-                </a:solidFill>
-                <a:effectLst/>
-                <a:latin typeface="+mn-lt"/>
-                <a:ea typeface="+mn-ea"/>
-                <a:cs typeface="+mn-cs"/>
-              </a:rPr>
-              <a:t> object just use </a:t>
-            </a:r>
-            <a:r>
-              <a:rPr lang="en-US" sz="1200" b="0" i="0" kern="1200" dirty="0" err="1">
-                <a:solidFill>
-                  <a:schemeClr val="tx1"/>
-                </a:solidFill>
-                <a:effectLst/>
-                <a:latin typeface="+mn-lt"/>
-                <a:ea typeface="+mn-ea"/>
-                <a:cs typeface="+mn-cs"/>
-              </a:rPr>
-              <a:t>Object.freeze</a:t>
-            </a:r>
-            <a:r>
-              <a:rPr lang="en-US" sz="1200" b="0" i="0" kern="1200" dirty="0">
-                <a:solidFill>
-                  <a:schemeClr val="tx1"/>
-                </a:solidFill>
-                <a:effectLst/>
-                <a:latin typeface="+mn-lt"/>
-                <a:ea typeface="+mn-ea"/>
-                <a:cs typeface="+mn-cs"/>
-              </a:rPr>
-              <a:t> method.</a:t>
-            </a:r>
-          </a:p>
-          <a:p>
-            <a:pPr marL="0" marR="0" lvl="0" indent="0" algn="l" defTabSz="914400" rtl="0" eaLnBrk="1" fontAlgn="auto" latinLnBrk="0" hangingPunct="1">
-              <a:lnSpc>
-                <a:spcPct val="100000"/>
-              </a:lnSpc>
-              <a:spcBef>
-                <a:spcPts val="0"/>
-              </a:spcBef>
-              <a:spcAft>
-                <a:spcPts val="0"/>
-              </a:spcAft>
-              <a:buClrTx/>
-              <a:buSzTx/>
-              <a:buFontTx/>
-              <a:buNone/>
-              <a:tabLst/>
-              <a:defRPr/>
-            </a:pPr>
-            <a:r>
-              <a:rPr lang="en-US" sz="1200" b="0" i="0" kern="1200" dirty="0">
-                <a:solidFill>
-                  <a:schemeClr val="tx1"/>
-                </a:solidFill>
-                <a:effectLst/>
-                <a:latin typeface="+mn-lt"/>
-                <a:ea typeface="+mn-ea"/>
-                <a:cs typeface="+mn-cs"/>
-              </a:rPr>
-              <a:t>The </a:t>
-            </a:r>
-            <a:r>
-              <a:rPr lang="en-US" b="1" dirty="0" err="1">
-                <a:effectLst/>
-              </a:rPr>
-              <a:t>Object.freeze</a:t>
-            </a:r>
-            <a:r>
-              <a:rPr lang="en-US" b="1" dirty="0">
-                <a:effectLst/>
-              </a:rPr>
-              <a:t>()</a:t>
-            </a:r>
-            <a:r>
-              <a:rPr lang="en-US" sz="1200" b="0" i="0" kern="1200" dirty="0">
-                <a:solidFill>
-                  <a:schemeClr val="tx1"/>
-                </a:solidFill>
-                <a:effectLst/>
-                <a:latin typeface="+mn-lt"/>
-                <a:ea typeface="+mn-ea"/>
-                <a:cs typeface="+mn-cs"/>
-              </a:rPr>
-              <a:t> method </a:t>
-            </a:r>
-            <a:r>
-              <a:rPr lang="en-US" sz="1200" b="1" i="0" kern="1200" dirty="0">
-                <a:solidFill>
-                  <a:schemeClr val="tx1"/>
-                </a:solidFill>
-                <a:effectLst/>
-                <a:latin typeface="+mn-lt"/>
-                <a:ea typeface="+mn-ea"/>
-                <a:cs typeface="+mn-cs"/>
-              </a:rPr>
-              <a:t>freezes</a:t>
-            </a:r>
-            <a:r>
-              <a:rPr lang="en-US" sz="1200" b="0" i="0" kern="1200" dirty="0">
-                <a:solidFill>
-                  <a:schemeClr val="tx1"/>
-                </a:solidFill>
-                <a:effectLst/>
-                <a:latin typeface="+mn-lt"/>
-                <a:ea typeface="+mn-ea"/>
-                <a:cs typeface="+mn-cs"/>
-              </a:rPr>
-              <a:t> an object. A frozen object can no longer be changed; freezing an object prevents new properties from being added to it, existing properties from being removed, prevents changing the enumerability, configurability, or writability of existing properties, and prevents the values of existing properties from being changed. In addition, freezing an object also prevents its prototype from being changed. </a:t>
-            </a:r>
-            <a:r>
-              <a:rPr lang="en-US" dirty="0"/>
-              <a:t>freeze()</a:t>
-            </a:r>
-            <a:r>
-              <a:rPr lang="en-US" sz="1200" b="0" i="0" kern="1200" dirty="0">
-                <a:solidFill>
-                  <a:schemeClr val="tx1"/>
-                </a:solidFill>
-                <a:effectLst/>
-                <a:latin typeface="+mn-lt"/>
-                <a:ea typeface="+mn-ea"/>
-                <a:cs typeface="+mn-cs"/>
-              </a:rPr>
-              <a:t> returns the same object that was passed in.</a:t>
-            </a:r>
-          </a:p>
-          <a:p>
-            <a:pPr marL="0" marR="0" lvl="0" indent="0" algn="l" defTabSz="914400" rtl="0" eaLnBrk="1" fontAlgn="auto" latinLnBrk="0" hangingPunct="1">
-              <a:lnSpc>
-                <a:spcPct val="100000"/>
-              </a:lnSpc>
-              <a:spcBef>
-                <a:spcPts val="0"/>
-              </a:spcBef>
-              <a:spcAft>
-                <a:spcPts val="0"/>
-              </a:spcAft>
-              <a:buClrTx/>
-              <a:buSzTx/>
-              <a:buFontTx/>
-              <a:buNone/>
-              <a:tabLst/>
-              <a:defRPr/>
-            </a:pPr>
-            <a:endParaRPr lang="en-US" b="0" dirty="0"/>
-          </a:p>
-          <a:p>
-            <a:pPr marL="0" marR="0" lvl="0" indent="0" algn="l" defTabSz="914400" rtl="0" eaLnBrk="1" fontAlgn="auto" latinLnBrk="0" hangingPunct="1">
-              <a:lnSpc>
-                <a:spcPct val="100000"/>
-              </a:lnSpc>
-              <a:spcBef>
-                <a:spcPts val="0"/>
-              </a:spcBef>
-              <a:spcAft>
-                <a:spcPts val="0"/>
-              </a:spcAft>
-              <a:buClrTx/>
-              <a:buSzTx/>
-              <a:buFontTx/>
-              <a:buNone/>
-              <a:tabLst/>
-              <a:defRPr/>
-            </a:pPr>
-            <a:endParaRPr lang="en-US" b="0" dirty="0"/>
-          </a:p>
-          <a:p>
-            <a:pPr marL="0" marR="0" lvl="0" indent="0" algn="l" defTabSz="914400" rtl="0" eaLnBrk="1" fontAlgn="auto" latinLnBrk="0" hangingPunct="1">
-              <a:lnSpc>
-                <a:spcPct val="100000"/>
-              </a:lnSpc>
-              <a:spcBef>
-                <a:spcPts val="0"/>
-              </a:spcBef>
-              <a:spcAft>
-                <a:spcPts val="0"/>
-              </a:spcAft>
-              <a:buClrTx/>
-              <a:buSzTx/>
-              <a:buFontTx/>
-              <a:buNone/>
-              <a:tabLst/>
-              <a:defRPr/>
-            </a:pPr>
-            <a:r>
-              <a:rPr lang="en-US" b="0" dirty="0"/>
-              <a:t>As best practice, DON’T use </a:t>
-            </a:r>
-            <a:r>
-              <a:rPr lang="en-US" b="0" dirty="0" err="1"/>
-              <a:t>var</a:t>
-            </a:r>
-            <a:r>
-              <a:rPr lang="en-US" b="0" dirty="0"/>
-              <a:t>, only let &amp; const.</a:t>
-            </a:r>
-          </a:p>
-          <a:p>
-            <a:pPr marL="0" marR="0" lvl="0" indent="0" algn="l" defTabSz="914400" rtl="0" eaLnBrk="1" fontAlgn="auto" latinLnBrk="0" hangingPunct="1">
-              <a:lnSpc>
-                <a:spcPct val="100000"/>
-              </a:lnSpc>
-              <a:spcBef>
-                <a:spcPts val="0"/>
-              </a:spcBef>
-              <a:spcAft>
-                <a:spcPts val="0"/>
-              </a:spcAft>
-              <a:buClrTx/>
-              <a:buSzTx/>
-              <a:buFontTx/>
-              <a:buNone/>
-              <a:tabLst/>
-              <a:defRPr/>
-            </a:pPr>
-            <a:endParaRPr lang="en-US" b="0" dirty="0"/>
-          </a:p>
-          <a:p>
-            <a:pPr marL="0" marR="0" lvl="0" indent="0" algn="l" defTabSz="914400" rtl="0" eaLnBrk="1" fontAlgn="auto" latinLnBrk="0" hangingPunct="1">
-              <a:lnSpc>
-                <a:spcPct val="100000"/>
-              </a:lnSpc>
-              <a:spcBef>
-                <a:spcPts val="0"/>
-              </a:spcBef>
-              <a:spcAft>
-                <a:spcPts val="0"/>
-              </a:spcAft>
-              <a:buClrTx/>
-              <a:buSzTx/>
-              <a:buFontTx/>
-              <a:buNone/>
-              <a:tabLst/>
-              <a:defRPr/>
-            </a:pPr>
-            <a:endParaRPr lang="en-US" b="0" dirty="0"/>
-          </a:p>
-          <a:p>
-            <a:pPr marL="0" marR="0" lvl="0" indent="0" algn="l" defTabSz="914400" rtl="0" eaLnBrk="1" fontAlgn="auto" latinLnBrk="0" hangingPunct="1">
-              <a:lnSpc>
-                <a:spcPct val="100000"/>
-              </a:lnSpc>
-              <a:spcBef>
-                <a:spcPts val="0"/>
-              </a:spcBef>
-              <a:spcAft>
-                <a:spcPts val="0"/>
-              </a:spcAft>
-              <a:buClrTx/>
-              <a:buSzTx/>
-              <a:buFontTx/>
-              <a:buNone/>
-              <a:tabLst/>
-              <a:defRPr/>
-            </a:pPr>
-            <a:endParaRPr lang="en-US" b="0" dirty="0"/>
-          </a:p>
-          <a:p>
-            <a:pPr marL="171450" marR="0" lvl="0" indent="-171450" algn="l" defTabSz="914400" rtl="0" eaLnBrk="1" fontAlgn="auto" latinLnBrk="0" hangingPunct="1">
-              <a:lnSpc>
-                <a:spcPct val="100000"/>
-              </a:lnSpc>
-              <a:spcBef>
-                <a:spcPts val="0"/>
-              </a:spcBef>
-              <a:spcAft>
-                <a:spcPts val="0"/>
-              </a:spcAft>
-              <a:buClrTx/>
-              <a:buSzTx/>
               <a:buFontTx/>
               <a:buChar char="-"/>
               <a:tabLst/>
@@ -19355,120 +20023,8 @@
             </a:pPr>
             <a:r>
               <a:rPr lang="en-US" b="0" dirty="0"/>
-              <a:t>https://www.w3schools.com/js/js_let.asp</a:t>
-            </a:r>
-          </a:p>
-          <a:p>
-            <a:pPr marL="171450" marR="0" lvl="0" indent="-171450" algn="l" defTabSz="914400" rtl="0" eaLnBrk="1" fontAlgn="auto" latinLnBrk="0" hangingPunct="1">
-              <a:lnSpc>
-                <a:spcPct val="100000"/>
-              </a:lnSpc>
-              <a:spcBef>
-                <a:spcPts val="0"/>
-              </a:spcBef>
-              <a:spcAft>
-                <a:spcPts val="0"/>
-              </a:spcAft>
-              <a:buClrTx/>
-              <a:buSzTx/>
-              <a:buFontTx/>
-              <a:buChar char="-"/>
-              <a:tabLst/>
-              <a:defRPr/>
-            </a:pPr>
-            <a:r>
-              <a:rPr lang="en-US" b="0" dirty="0"/>
-              <a:t>http://ccoenraets.github.io/es6-tutorial/let/</a:t>
-            </a:r>
-          </a:p>
-          <a:p>
-            <a:pPr marL="171450" marR="0" lvl="0" indent="-171450" algn="l" defTabSz="914400" rtl="0" eaLnBrk="1" fontAlgn="auto" latinLnBrk="0" hangingPunct="1">
-              <a:lnSpc>
-                <a:spcPct val="100000"/>
-              </a:lnSpc>
-              <a:spcBef>
-                <a:spcPts val="0"/>
-              </a:spcBef>
-              <a:spcAft>
-                <a:spcPts val="0"/>
-              </a:spcAft>
-              <a:buClrTx/>
-              <a:buSzTx/>
-              <a:buFontTx/>
-              <a:buChar char="-"/>
-              <a:tabLst/>
-              <a:defRPr/>
-            </a:pPr>
-            <a:r>
-              <a:rPr lang="en-US" b="0" dirty="0"/>
-              <a:t>https://scotch.io/tutorials/understanding-hoisting-in-javascript</a:t>
-            </a:r>
-          </a:p>
-          <a:p>
-            <a:pPr marL="171450" marR="0" lvl="0" indent="-171450" algn="l" defTabSz="914400" rtl="0" eaLnBrk="1" fontAlgn="auto" latinLnBrk="0" hangingPunct="1">
-              <a:lnSpc>
-                <a:spcPct val="100000"/>
-              </a:lnSpc>
-              <a:spcBef>
-                <a:spcPts val="0"/>
-              </a:spcBef>
-              <a:spcAft>
-                <a:spcPts val="0"/>
-              </a:spcAft>
-              <a:buClrTx/>
-              <a:buSzTx/>
-              <a:buFontTx/>
-              <a:buChar char="-"/>
-              <a:tabLst/>
-              <a:defRPr/>
-            </a:pPr>
-            <a:r>
-              <a:rPr lang="en-US" b="0" dirty="0"/>
-              <a:t>https://www.geekboots.com/story/let-vs-const-vs-var-in-javascript</a:t>
-            </a:r>
-          </a:p>
-          <a:p>
-            <a:pPr marL="171450" marR="0" lvl="0" indent="-171450" algn="l" defTabSz="914400" rtl="0" eaLnBrk="1" fontAlgn="auto" latinLnBrk="0" hangingPunct="1">
-              <a:lnSpc>
-                <a:spcPct val="100000"/>
-              </a:lnSpc>
-              <a:spcBef>
-                <a:spcPts val="0"/>
-              </a:spcBef>
-              <a:spcAft>
-                <a:spcPts val="0"/>
-              </a:spcAft>
-              <a:buClrTx/>
-              <a:buSzTx/>
-              <a:buFontTx/>
-              <a:buChar char="-"/>
-              <a:tabLst/>
-              <a:defRPr/>
-            </a:pPr>
-            <a:r>
-              <a:rPr lang="en-US" b="0" dirty="0"/>
-              <a:t>https://developer.mozilla.org/en-US/docs/Web/JavaScript/Reference/Global_Objects/Object/freeze</a:t>
-            </a:r>
-          </a:p>
-          <a:p>
-            <a:pPr marL="171450" marR="0" lvl="0" indent="-171450" algn="l" defTabSz="914400" rtl="0" eaLnBrk="1" fontAlgn="auto" latinLnBrk="0" hangingPunct="1">
-              <a:lnSpc>
-                <a:spcPct val="100000"/>
-              </a:lnSpc>
-              <a:spcBef>
-                <a:spcPts val="0"/>
-              </a:spcBef>
-              <a:spcAft>
-                <a:spcPts val="0"/>
-              </a:spcAft>
-              <a:buClrTx/>
-              <a:buSzTx/>
-              <a:buFontTx/>
-              <a:buChar char="-"/>
-              <a:tabLst/>
-              <a:defRPr/>
-            </a:pPr>
-            <a:endParaRPr lang="en-US" b="0" dirty="0"/>
+              <a:t>http://ccoenraets.github.io/es6-tutorial/arrow-functions/</a:t>
+            </a:r>
           </a:p>
         </p:txBody>
       </p:sp>
@@ -19498,7 +20054,7 @@
     </p:spTree>
     <p:extLst>
       <p:ext uri="{BB962C8B-B14F-4D97-AF65-F5344CB8AC3E}">
-        <p14:creationId xmlns:p14="http://schemas.microsoft.com/office/powerpoint/2010/main" val="3568349639"/>
+        <p14:creationId xmlns:p14="http://schemas.microsoft.com/office/powerpoint/2010/main" val="203576797"/>
       </p:ext>
     </p:extLst>
   </p:cSld>
@@ -19570,16 +20126,132 @@
               <a:defRPr/>
             </a:pPr>
             <a:r>
-              <a:rPr lang="en-US" sz="1200" b="0" i="0" kern="1200" dirty="0">
-                <a:solidFill>
-                  <a:schemeClr val="tx1"/>
-                </a:solidFill>
-                <a:effectLst/>
-                <a:latin typeface="+mn-lt"/>
-                <a:ea typeface="+mn-ea"/>
-                <a:cs typeface="+mn-cs"/>
-              </a:rPr>
-              <a:t>What is arrow function?</a:t>
+              <a:rPr lang="en-US" b="0" dirty="0"/>
+              <a:t>Do I want to talk about it?</a:t>
+            </a:r>
+          </a:p>
+          <a:p>
+            <a:pPr marL="171450" marR="0" lvl="0" indent="-171450" algn="l" defTabSz="914400" rtl="0" eaLnBrk="1" fontAlgn="auto" latinLnBrk="0" hangingPunct="1">
+              <a:lnSpc>
+                <a:spcPct val="100000"/>
+              </a:lnSpc>
+              <a:spcBef>
+                <a:spcPts val="0"/>
+              </a:spcBef>
+              <a:spcAft>
+                <a:spcPts val="0"/>
+              </a:spcAft>
+              <a:buClrTx/>
+              <a:buSzTx/>
+              <a:buFontTx/>
+              <a:buChar char="-"/>
+              <a:tabLst/>
+              <a:defRPr/>
+            </a:pPr>
+            <a:r>
+              <a:rPr lang="en-US" b="0" dirty="0"/>
+              <a:t>Should be at the beginning of script/function</a:t>
+            </a:r>
+          </a:p>
+          <a:p>
+            <a:pPr marL="171450" marR="0" lvl="0" indent="-171450" algn="l" defTabSz="914400" rtl="0" eaLnBrk="1" fontAlgn="auto" latinLnBrk="0" hangingPunct="1">
+              <a:lnSpc>
+                <a:spcPct val="100000"/>
+              </a:lnSpc>
+              <a:spcBef>
+                <a:spcPts val="0"/>
+              </a:spcBef>
+              <a:spcAft>
+                <a:spcPts val="0"/>
+              </a:spcAft>
+              <a:buClrTx/>
+              <a:buSzTx/>
+              <a:buFontTx/>
+              <a:buChar char="-"/>
+              <a:tabLst/>
+              <a:defRPr/>
+            </a:pPr>
+            <a:r>
+              <a:rPr lang="en-US" b="0" dirty="0"/>
+              <a:t>It’s  strict mode and added by default by </a:t>
+            </a:r>
+            <a:r>
+              <a:rPr lang="en-US" b="0" dirty="0" err="1"/>
+              <a:t>bable</a:t>
+            </a:r>
+            <a:endParaRPr lang="en-US" b="0" dirty="0"/>
+          </a:p>
+          <a:p>
+            <a:pPr marL="171450" marR="0" lvl="0" indent="-171450" algn="l" defTabSz="914400" rtl="0" eaLnBrk="1" fontAlgn="auto" latinLnBrk="0" hangingPunct="1">
+              <a:lnSpc>
+                <a:spcPct val="100000"/>
+              </a:lnSpc>
+              <a:spcBef>
+                <a:spcPts val="0"/>
+              </a:spcBef>
+              <a:spcAft>
+                <a:spcPts val="0"/>
+              </a:spcAft>
+              <a:buClrTx/>
+              <a:buSzTx/>
+              <a:buFontTx/>
+              <a:buChar char="-"/>
+              <a:tabLst/>
+              <a:defRPr/>
+            </a:pPr>
+            <a:r>
+              <a:rPr lang="en-US" b="0" dirty="0"/>
+              <a:t>For callbacks -&gt; this will not be window</a:t>
+            </a:r>
+          </a:p>
+          <a:p>
+            <a:pPr marL="171450" marR="0" lvl="0" indent="-171450" algn="l" defTabSz="914400" rtl="0" eaLnBrk="1" fontAlgn="auto" latinLnBrk="0" hangingPunct="1">
+              <a:lnSpc>
+                <a:spcPct val="100000"/>
+              </a:lnSpc>
+              <a:spcBef>
+                <a:spcPts val="0"/>
+              </a:spcBef>
+              <a:spcAft>
+                <a:spcPts val="0"/>
+              </a:spcAft>
+              <a:buClrTx/>
+              <a:buSzTx/>
+              <a:buFontTx/>
+              <a:buChar char="-"/>
+              <a:tabLst/>
+              <a:defRPr/>
+            </a:pPr>
+            <a:r>
+              <a:rPr lang="en-US" b="0" dirty="0"/>
+              <a:t>Not allowing creating variable without declaring</a:t>
+            </a:r>
+          </a:p>
+          <a:p>
+            <a:pPr marL="171450" marR="0" lvl="0" indent="-171450" algn="l" defTabSz="914400" rtl="0" eaLnBrk="1" fontAlgn="auto" latinLnBrk="0" hangingPunct="1">
+              <a:lnSpc>
+                <a:spcPct val="100000"/>
+              </a:lnSpc>
+              <a:spcBef>
+                <a:spcPts val="0"/>
+              </a:spcBef>
+              <a:spcAft>
+                <a:spcPts val="0"/>
+              </a:spcAft>
+              <a:buClrTx/>
+              <a:buSzTx/>
+              <a:buFontTx/>
+              <a:buChar char="-"/>
+              <a:tabLst/>
+              <a:defRPr/>
+            </a:pPr>
+            <a:r>
+              <a:rPr lang="en-US" b="0" dirty="0" err="1"/>
+              <a:t>Freaze</a:t>
+            </a:r>
+            <a:r>
+              <a:rPr lang="en-US" b="0" dirty="0"/>
+              <a:t> example will throw error for change/delete????</a:t>
             </a:r>
           </a:p>
           <a:p>
@@ -19600,15 +20272,7 @@
               <a:tabLst/>
               <a:defRPr/>
             </a:pPr>
-            <a:endParaRPr lang="en-US" sz="1200" b="0" i="0" kern="1200" dirty="0">
-              <a:solidFill>
-                <a:schemeClr val="tx1"/>
-              </a:solidFill>
-              <a:effectLst/>
-              <a:latin typeface="+mn-lt"/>
-              <a:ea typeface="+mn-ea"/>
-              <a:cs typeface="+mn-cs"/>
-            </a:endParaRPr>
+            <a:endParaRPr lang="en-US" b="0" dirty="0"/>
           </a:p>
           <a:p>
             <a:pPr marL="0" marR="0" lvl="0" indent="0" algn="l" defTabSz="914400" rtl="0" eaLnBrk="1" fontAlgn="auto" latinLnBrk="0" hangingPunct="1">
@@ -19628,493 +20292,6 @@
               <a:tabLst/>
               <a:defRPr/>
             </a:pPr>
-            <a:r>
-              <a:rPr lang="en-US" sz="1200" b="0" i="0" kern="1200" dirty="0">
-                <a:solidFill>
-                  <a:schemeClr val="tx1"/>
-                </a:solidFill>
-                <a:effectLst/>
-                <a:latin typeface="+mn-lt"/>
-                <a:ea typeface="+mn-ea"/>
-                <a:cs typeface="+mn-cs"/>
-              </a:rPr>
-              <a:t>The ECMAScript 6 arrow function syntax is a shorthand for the ECMAScript 5 function syntax. It supports both block and expression bodies. The value of </a:t>
-            </a:r>
-            <a:r>
-              <a:rPr lang="en-US" dirty="0"/>
-              <a:t>this</a:t>
-            </a:r>
-            <a:r>
-              <a:rPr lang="en-US" sz="1200" b="0" i="0" kern="1200" dirty="0">
-                <a:solidFill>
-                  <a:schemeClr val="tx1"/>
-                </a:solidFill>
-                <a:effectLst/>
-                <a:latin typeface="+mn-lt"/>
-                <a:ea typeface="+mn-ea"/>
-                <a:cs typeface="+mn-cs"/>
-              </a:rPr>
-              <a:t> inside the function is not altered: it is the same as the value of </a:t>
-            </a:r>
-            <a:r>
-              <a:rPr lang="en-US" dirty="0"/>
-              <a:t>this</a:t>
-            </a:r>
-            <a:r>
-              <a:rPr lang="en-US" sz="1200" b="0" i="0" kern="1200" dirty="0">
-                <a:solidFill>
-                  <a:schemeClr val="tx1"/>
-                </a:solidFill>
-                <a:effectLst/>
-                <a:latin typeface="+mn-lt"/>
-                <a:ea typeface="+mn-ea"/>
-                <a:cs typeface="+mn-cs"/>
-              </a:rPr>
-              <a:t> outside the function. No more </a:t>
-            </a:r>
-            <a:r>
-              <a:rPr lang="en-US" dirty="0" err="1"/>
-              <a:t>var</a:t>
-            </a:r>
-            <a:r>
-              <a:rPr lang="en-US" dirty="0"/>
-              <a:t> self = this</a:t>
-            </a:r>
-            <a:r>
-              <a:rPr lang="en-US" sz="1200" b="0" i="0" kern="1200" dirty="0">
-                <a:solidFill>
-                  <a:schemeClr val="tx1"/>
-                </a:solidFill>
-                <a:effectLst/>
-                <a:latin typeface="+mn-lt"/>
-                <a:ea typeface="+mn-ea"/>
-                <a:cs typeface="+mn-cs"/>
-              </a:rPr>
-              <a:t> to keep track of the current scope.</a:t>
-            </a:r>
-          </a:p>
-          <a:p>
-            <a:pPr marL="0" marR="0" lvl="0" indent="0" algn="l" defTabSz="914400" rtl="0" eaLnBrk="1" fontAlgn="auto" latinLnBrk="0" hangingPunct="1">
-              <a:lnSpc>
-                <a:spcPct val="100000"/>
-              </a:lnSpc>
-              <a:spcBef>
-                <a:spcPts val="0"/>
-              </a:spcBef>
-              <a:spcAft>
-                <a:spcPts val="0"/>
-              </a:spcAft>
-              <a:buClrTx/>
-              <a:buSzTx/>
-              <a:buFontTx/>
-              <a:buNone/>
-              <a:tabLst/>
-              <a:defRPr/>
-            </a:pPr>
-            <a:endParaRPr lang="en-US" b="0" dirty="0"/>
-          </a:p>
-          <a:p>
-            <a:pPr marL="0" marR="0" lvl="0" indent="0" algn="l" defTabSz="914400" rtl="0" eaLnBrk="1" fontAlgn="auto" latinLnBrk="0" hangingPunct="1">
-              <a:lnSpc>
-                <a:spcPct val="100000"/>
-              </a:lnSpc>
-              <a:spcBef>
-                <a:spcPts val="0"/>
-              </a:spcBef>
-              <a:spcAft>
-                <a:spcPts val="0"/>
-              </a:spcAft>
-              <a:buClrTx/>
-              <a:buSzTx/>
-              <a:buFontTx/>
-              <a:buNone/>
-              <a:tabLst/>
-              <a:defRPr/>
-            </a:pPr>
-            <a:r>
-              <a:rPr lang="en-US" b="0" dirty="0"/>
-              <a:t>Let’s take a look at the syntax.</a:t>
-            </a:r>
-          </a:p>
-          <a:p>
-            <a:pPr marL="0" marR="0" lvl="0" indent="0" algn="l" defTabSz="914400" rtl="0" eaLnBrk="1" fontAlgn="auto" latinLnBrk="0" hangingPunct="1">
-              <a:lnSpc>
-                <a:spcPct val="100000"/>
-              </a:lnSpc>
-              <a:spcBef>
-                <a:spcPts val="0"/>
-              </a:spcBef>
-              <a:spcAft>
-                <a:spcPts val="0"/>
-              </a:spcAft>
-              <a:buClrTx/>
-              <a:buSzTx/>
-              <a:buFontTx/>
-              <a:buNone/>
-              <a:tabLst/>
-              <a:defRPr/>
-            </a:pPr>
-            <a:endParaRPr lang="en-US" b="0" dirty="0"/>
-          </a:p>
-          <a:p>
-            <a:pPr marL="0" marR="0" lvl="0" indent="0" algn="l" defTabSz="914400" rtl="0" eaLnBrk="1" fontAlgn="auto" latinLnBrk="0" hangingPunct="1">
-              <a:lnSpc>
-                <a:spcPct val="100000"/>
-              </a:lnSpc>
-              <a:spcBef>
-                <a:spcPts val="0"/>
-              </a:spcBef>
-              <a:spcAft>
-                <a:spcPts val="0"/>
-              </a:spcAft>
-              <a:buClrTx/>
-              <a:buSzTx/>
-              <a:buFontTx/>
-              <a:buNone/>
-              <a:tabLst/>
-              <a:defRPr/>
-            </a:pPr>
-            <a:endParaRPr lang="en-US" b="0" dirty="0"/>
-          </a:p>
-          <a:p>
-            <a:pPr marL="0" marR="0" lvl="0" indent="0" algn="l" defTabSz="914400" rtl="0" eaLnBrk="1" fontAlgn="auto" latinLnBrk="0" hangingPunct="1">
-              <a:lnSpc>
-                <a:spcPct val="100000"/>
-              </a:lnSpc>
-              <a:spcBef>
-                <a:spcPts val="0"/>
-              </a:spcBef>
-              <a:spcAft>
-                <a:spcPts val="0"/>
-              </a:spcAft>
-              <a:buClrTx/>
-              <a:buSzTx/>
-              <a:buFontTx/>
-              <a:buNone/>
-              <a:tabLst/>
-              <a:defRPr/>
-            </a:pPr>
-            <a:endParaRPr lang="en-US" b="0" dirty="0"/>
-          </a:p>
-          <a:p>
-            <a:pPr marL="0" marR="0" lvl="0" indent="0" algn="l" defTabSz="914400" rtl="0" eaLnBrk="1" fontAlgn="auto" latinLnBrk="0" hangingPunct="1">
-              <a:lnSpc>
-                <a:spcPct val="100000"/>
-              </a:lnSpc>
-              <a:spcBef>
-                <a:spcPts val="0"/>
-              </a:spcBef>
-              <a:spcAft>
-                <a:spcPts val="0"/>
-              </a:spcAft>
-              <a:buClrTx/>
-              <a:buSzTx/>
-              <a:buFontTx/>
-              <a:buNone/>
-              <a:tabLst/>
-              <a:defRPr/>
-            </a:pPr>
-            <a:r>
-              <a:rPr lang="en-US" b="0" dirty="0"/>
-              <a:t>Now,</a:t>
-            </a:r>
-          </a:p>
-          <a:p>
-            <a:pPr marL="0" marR="0" lvl="0" indent="0" algn="l" defTabSz="914400" rtl="0" eaLnBrk="1" fontAlgn="auto" latinLnBrk="0" hangingPunct="1">
-              <a:lnSpc>
-                <a:spcPct val="100000"/>
-              </a:lnSpc>
-              <a:spcBef>
-                <a:spcPts val="0"/>
-              </a:spcBef>
-              <a:spcAft>
-                <a:spcPts val="0"/>
-              </a:spcAft>
-              <a:buClrTx/>
-              <a:buSzTx/>
-              <a:buFontTx/>
-              <a:buNone/>
-              <a:tabLst/>
-              <a:defRPr/>
-            </a:pPr>
-            <a:r>
-              <a:rPr lang="en-US" b="0" dirty="0"/>
-              <a:t>A lot of developers, usually new but also experience are using the arrow function without understanding why?</a:t>
-            </a:r>
-          </a:p>
-          <a:p>
-            <a:pPr marL="0" marR="0" lvl="0" indent="0" algn="l" defTabSz="914400" rtl="0" eaLnBrk="1" fontAlgn="auto" latinLnBrk="0" hangingPunct="1">
-              <a:lnSpc>
-                <a:spcPct val="100000"/>
-              </a:lnSpc>
-              <a:spcBef>
-                <a:spcPts val="0"/>
-              </a:spcBef>
-              <a:spcAft>
-                <a:spcPts val="0"/>
-              </a:spcAft>
-              <a:buClrTx/>
-              <a:buSzTx/>
-              <a:buFontTx/>
-              <a:buNone/>
-              <a:tabLst/>
-              <a:defRPr/>
-            </a:pPr>
-            <a:r>
-              <a:rPr lang="en-US" b="0" dirty="0"/>
-              <a:t>What issue it’s coming to solve?</a:t>
-            </a:r>
-          </a:p>
-          <a:p>
-            <a:pPr marL="0" marR="0" lvl="0" indent="0" algn="l" defTabSz="914400" rtl="0" eaLnBrk="1" fontAlgn="auto" latinLnBrk="0" hangingPunct="1">
-              <a:lnSpc>
-                <a:spcPct val="100000"/>
-              </a:lnSpc>
-              <a:spcBef>
-                <a:spcPts val="0"/>
-              </a:spcBef>
-              <a:spcAft>
-                <a:spcPts val="0"/>
-              </a:spcAft>
-              <a:buClrTx/>
-              <a:buSzTx/>
-              <a:buFontTx/>
-              <a:buNone/>
-              <a:tabLst/>
-              <a:defRPr/>
-            </a:pPr>
-            <a:r>
-              <a:rPr lang="en-US" b="0" dirty="0"/>
-              <a:t>Let’s take a look at example:</a:t>
-            </a:r>
-          </a:p>
-          <a:p>
-            <a:pPr marL="0" marR="0" lvl="0" indent="0" algn="l" defTabSz="914400" rtl="0" eaLnBrk="1" fontAlgn="auto" latinLnBrk="0" hangingPunct="1">
-              <a:lnSpc>
-                <a:spcPct val="100000"/>
-              </a:lnSpc>
-              <a:spcBef>
-                <a:spcPts val="0"/>
-              </a:spcBef>
-              <a:spcAft>
-                <a:spcPts val="0"/>
-              </a:spcAft>
-              <a:buClrTx/>
-              <a:buSzTx/>
-              <a:buFontTx/>
-              <a:buNone/>
-              <a:tabLst/>
-              <a:defRPr/>
-            </a:pPr>
-            <a:r>
-              <a:rPr lang="en-US" b="0" dirty="0"/>
-              <a:t>We have an object, when invoking counter function, we are setting a timeout, what will be `this` in callback function?</a:t>
-            </a:r>
-          </a:p>
-          <a:p>
-            <a:pPr marL="0" marR="0" lvl="0" indent="0" algn="l" defTabSz="914400" rtl="0" eaLnBrk="1" fontAlgn="auto" latinLnBrk="0" hangingPunct="1">
-              <a:lnSpc>
-                <a:spcPct val="100000"/>
-              </a:lnSpc>
-              <a:spcBef>
-                <a:spcPts val="0"/>
-              </a:spcBef>
-              <a:spcAft>
-                <a:spcPts val="0"/>
-              </a:spcAft>
-              <a:buClrTx/>
-              <a:buSzTx/>
-              <a:buFontTx/>
-              <a:buNone/>
-              <a:tabLst/>
-              <a:defRPr/>
-            </a:pPr>
-            <a:r>
-              <a:rPr lang="en-US" b="0" dirty="0"/>
-              <a:t>It will be the window,</a:t>
-            </a:r>
-          </a:p>
-          <a:p>
-            <a:pPr marL="0" marR="0" lvl="0" indent="0" algn="l" defTabSz="914400" rtl="0" eaLnBrk="1" fontAlgn="auto" latinLnBrk="0" hangingPunct="1">
-              <a:lnSpc>
-                <a:spcPct val="100000"/>
-              </a:lnSpc>
-              <a:spcBef>
-                <a:spcPts val="0"/>
-              </a:spcBef>
-              <a:spcAft>
-                <a:spcPts val="0"/>
-              </a:spcAft>
-              <a:buClrTx/>
-              <a:buSzTx/>
-              <a:buFontTx/>
-              <a:buNone/>
-              <a:tabLst/>
-              <a:defRPr/>
-            </a:pPr>
-            <a:r>
-              <a:rPr lang="en-US" b="0" dirty="0"/>
-              <a:t>How did we solve it in the past? There are 2 familiar ways, use `that` or use `bind` function</a:t>
-            </a:r>
-          </a:p>
-          <a:p>
-            <a:pPr marL="0" marR="0" lvl="0" indent="0" algn="l" defTabSz="914400" rtl="0" eaLnBrk="1" fontAlgn="auto" latinLnBrk="0" hangingPunct="1">
-              <a:lnSpc>
-                <a:spcPct val="100000"/>
-              </a:lnSpc>
-              <a:spcBef>
-                <a:spcPts val="0"/>
-              </a:spcBef>
-              <a:spcAft>
-                <a:spcPts val="0"/>
-              </a:spcAft>
-              <a:buClrTx/>
-              <a:buSzTx/>
-              <a:buFontTx/>
-              <a:buNone/>
-              <a:tabLst/>
-              <a:defRPr/>
-            </a:pPr>
-            <a:r>
-              <a:rPr lang="en-US" b="0" dirty="0"/>
-              <a:t>But with arrow function it will do that for us automatically</a:t>
-            </a:r>
-          </a:p>
-          <a:p>
-            <a:pPr marL="0" marR="0" lvl="0" indent="0" algn="l" defTabSz="914400" rtl="0" eaLnBrk="1" fontAlgn="auto" latinLnBrk="0" hangingPunct="1">
-              <a:lnSpc>
-                <a:spcPct val="100000"/>
-              </a:lnSpc>
-              <a:spcBef>
-                <a:spcPts val="0"/>
-              </a:spcBef>
-              <a:spcAft>
-                <a:spcPts val="0"/>
-              </a:spcAft>
-              <a:buClrTx/>
-              <a:buSzTx/>
-              <a:buFontTx/>
-              <a:buNone/>
-              <a:tabLst/>
-              <a:defRPr/>
-            </a:pPr>
-            <a:endParaRPr lang="en-US" b="0" dirty="0"/>
-          </a:p>
-          <a:p>
-            <a:pPr marL="0" marR="0" lvl="0" indent="0" algn="l" defTabSz="914400" rtl="0" eaLnBrk="1" fontAlgn="auto" latinLnBrk="0" hangingPunct="1">
-              <a:lnSpc>
-                <a:spcPct val="100000"/>
-              </a:lnSpc>
-              <a:spcBef>
-                <a:spcPts val="0"/>
-              </a:spcBef>
-              <a:spcAft>
-                <a:spcPts val="0"/>
-              </a:spcAft>
-              <a:buClrTx/>
-              <a:buSzTx/>
-              <a:buFontTx/>
-              <a:buNone/>
-              <a:tabLst/>
-              <a:defRPr/>
-            </a:pPr>
-            <a:r>
-              <a:rPr lang="en-US" b="0" dirty="0"/>
-              <a:t>What other cases we might want to use arrow function?</a:t>
-            </a:r>
-          </a:p>
-          <a:p>
-            <a:pPr marL="0" marR="0" lvl="0" indent="0" algn="l" defTabSz="914400" rtl="0" eaLnBrk="1" fontAlgn="auto" latinLnBrk="0" hangingPunct="1">
-              <a:lnSpc>
-                <a:spcPct val="100000"/>
-              </a:lnSpc>
-              <a:spcBef>
-                <a:spcPts val="0"/>
-              </a:spcBef>
-              <a:spcAft>
-                <a:spcPts val="0"/>
-              </a:spcAft>
-              <a:buClrTx/>
-              <a:buSzTx/>
-              <a:buFontTx/>
-              <a:buNone/>
-              <a:tabLst/>
-              <a:defRPr/>
-            </a:pPr>
-            <a:r>
-              <a:rPr lang="en-US" b="0" dirty="0"/>
-              <a:t>Callback function for </a:t>
-            </a:r>
-            <a:r>
-              <a:rPr lang="en-US" b="0" dirty="0" err="1"/>
-              <a:t>dom</a:t>
-            </a:r>
-            <a:r>
-              <a:rPr lang="en-US" b="0" dirty="0"/>
-              <a:t> events,</a:t>
-            </a:r>
-          </a:p>
-          <a:p>
-            <a:pPr marL="0" marR="0" lvl="0" indent="0" algn="l" defTabSz="914400" rtl="0" eaLnBrk="1" fontAlgn="auto" latinLnBrk="0" hangingPunct="1">
-              <a:lnSpc>
-                <a:spcPct val="100000"/>
-              </a:lnSpc>
-              <a:spcBef>
-                <a:spcPts val="0"/>
-              </a:spcBef>
-              <a:spcAft>
-                <a:spcPts val="0"/>
-              </a:spcAft>
-              <a:buClrTx/>
-              <a:buSzTx/>
-              <a:buFontTx/>
-              <a:buNone/>
-              <a:tabLst/>
-              <a:defRPr/>
-            </a:pPr>
-            <a:r>
-              <a:rPr lang="en-US" b="0" dirty="0"/>
-              <a:t>Callback function for iteration function like map or </a:t>
-            </a:r>
-            <a:r>
-              <a:rPr lang="en-US" sz="1200" b="0" i="0" kern="1200" dirty="0">
-                <a:solidFill>
-                  <a:schemeClr val="tx1"/>
-                </a:solidFill>
-                <a:effectLst/>
-                <a:latin typeface="+mn-lt"/>
-                <a:ea typeface="+mn-ea"/>
-                <a:cs typeface="+mn-cs"/>
-              </a:rPr>
-              <a:t>reduce, </a:t>
-            </a:r>
-            <a:r>
-              <a:rPr lang="en-US" b="0" dirty="0" err="1"/>
-              <a:t>forEach</a:t>
-            </a:r>
-            <a:r>
-              <a:rPr lang="en-US" b="0" dirty="0"/>
-              <a:t>.</a:t>
-            </a:r>
-          </a:p>
-          <a:p>
-            <a:pPr marL="0" marR="0" lvl="0" indent="0" algn="l" defTabSz="914400" rtl="0" eaLnBrk="1" fontAlgn="auto" latinLnBrk="0" hangingPunct="1">
-              <a:lnSpc>
-                <a:spcPct val="100000"/>
-              </a:lnSpc>
-              <a:spcBef>
-                <a:spcPts val="0"/>
-              </a:spcBef>
-              <a:spcAft>
-                <a:spcPts val="0"/>
-              </a:spcAft>
-              <a:buClrTx/>
-              <a:buSzTx/>
-              <a:buFontTx/>
-              <a:buNone/>
-              <a:tabLst/>
-              <a:defRPr/>
-            </a:pPr>
             <a:endParaRPr lang="en-US" b="0" dirty="0"/>
           </a:p>
           <a:p>
@@ -20137,53 +20314,7 @@
             </a:pPr>
             <a:r>
               <a:rPr lang="en-US" b="0" dirty="0"/>
-              <a:t>https://medium.freecodecamp.org/when-and-why-you-should-use-es6-arrow-functions-and-when-you-shouldnt-3d851d7f0b26</a:t>
-            </a:r>
-          </a:p>
-          <a:p>
-            <a:pPr marL="171450" marR="0" lvl="0" indent="-171450" algn="l" defTabSz="914400" rtl="0" eaLnBrk="1" fontAlgn="auto" latinLnBrk="0" hangingPunct="1">
-              <a:lnSpc>
-                <a:spcPct val="100000"/>
-              </a:lnSpc>
-              <a:spcBef>
-                <a:spcPts val="0"/>
-              </a:spcBef>
-              <a:spcAft>
-                <a:spcPts val="0"/>
-              </a:spcAft>
-              <a:buClrTx/>
-              <a:buSzTx/>
-              <a:buFontTx/>
-              <a:buChar char="-"/>
-              <a:tabLst/>
-              <a:defRPr/>
-            </a:pPr>
-            <a:r>
-              <a:rPr lang="en-US" b="0" dirty="0"/>
-              <a:t>https://developer.mozilla.org/en-US/docs/Web/JavaScript/Reference/Functions/Arrow_functions</a:t>
-            </a:r>
-          </a:p>
-          <a:p>
-            <a:pPr marL="171450" marR="0" lvl="0" indent="-171450" algn="l" defTabSz="914400" rtl="0" eaLnBrk="1" fontAlgn="auto" latinLnBrk="0" hangingPunct="1">
-              <a:lnSpc>
-                <a:spcPct val="100000"/>
-              </a:lnSpc>
-              <a:spcBef>
-                <a:spcPts val="0"/>
-              </a:spcBef>
-              <a:spcAft>
-                <a:spcPts val="0"/>
-              </a:spcAft>
-              <a:buClrTx/>
-              <a:buSzTx/>
-              <a:buFontTx/>
-              <a:buChar char="-"/>
-              <a:tabLst/>
-              <a:defRPr/>
-            </a:pPr>
-            <a:r>
-              <a:rPr lang="en-US" b="0" dirty="0"/>
-              <a:t>http://ccoenraets.github.io/es6-tutorial/arrow-functions/</a:t>
+              <a:t>https://www.w3schools.com/js/js_strict.asp</a:t>
             </a:r>
           </a:p>
         </p:txBody>
@@ -20214,7 +20345,7 @@
     </p:spTree>
     <p:extLst>
       <p:ext uri="{BB962C8B-B14F-4D97-AF65-F5344CB8AC3E}">
-        <p14:creationId xmlns:p14="http://schemas.microsoft.com/office/powerpoint/2010/main" val="1853370644"/>
+        <p14:creationId xmlns:p14="http://schemas.microsoft.com/office/powerpoint/2010/main" val="3689577127"/>
       </p:ext>
     </p:extLst>
   </p:cSld>
@@ -20871,6 +21002,208 @@
     <p:extLst>
       <p:ext uri="{BB962C8B-B14F-4D97-AF65-F5344CB8AC3E}">
         <p14:creationId xmlns:p14="http://schemas.microsoft.com/office/powerpoint/2010/main" val="3897343"/>
+      </p:ext>
+    </p:extLst>
+  </p:cSld>
+  <p:clrMapOvr>
+    <a:masterClrMapping/>
+  </p:clrMapOvr>
+</p:notes>
+</file>
+
+<file path=ppt/notesSlides/notesSlide66.xml><?xml version="1.0" encoding="utf-8"?>
+<p:notes xmlns:a="http://schemas.openxmlformats.org/drawingml/2006/main" xmlns:r="http://schemas.openxmlformats.org/officeDocument/2006/relationships" xmlns:p="http://schemas.openxmlformats.org/presentationml/2006/main">
+  <p:cSld>
+    <p:spTree>
+      <p:nvGrpSpPr>
+        <p:cNvPr id="1" name=""/>
+        <p:cNvGrpSpPr/>
+        <p:nvPr/>
+      </p:nvGrpSpPr>
+      <p:grpSpPr>
+        <a:xfrm>
+          <a:off x="0" y="0"/>
+          <a:ext cx="0" cy="0"/>
+          <a:chOff x="0" y="0"/>
+          <a:chExt cx="0" cy="0"/>
+        </a:xfrm>
+      </p:grpSpPr>
+      <p:sp>
+        <p:nvSpPr>
+          <p:cNvPr id="2" name="Slide Image Placeholder 1"/>
+          <p:cNvSpPr>
+            <a:spLocks noGrp="1" noRot="1" noChangeAspect="1"/>
+          </p:cNvSpPr>
+          <p:nvPr>
+            <p:ph type="sldImg"/>
+          </p:nvPr>
+        </p:nvSpPr>
+        <p:spPr/>
+      </p:sp>
+      <p:sp>
+        <p:nvSpPr>
+          <p:cNvPr id="3" name="Notes Placeholder 2"/>
+          <p:cNvSpPr>
+            <a:spLocks noGrp="1"/>
+          </p:cNvSpPr>
+          <p:nvPr>
+            <p:ph type="body" idx="1"/>
+          </p:nvPr>
+        </p:nvSpPr>
+        <p:spPr/>
+        <p:txBody>
+          <a:bodyPr/>
+          <a:lstStyle/>
+          <a:p>
+            <a:pPr marL="0" marR="0" lvl="0" indent="0" algn="l" defTabSz="914400" rtl="0" eaLnBrk="1" fontAlgn="auto" latinLnBrk="0" hangingPunct="1">
+              <a:lnSpc>
+                <a:spcPct val="100000"/>
+              </a:lnSpc>
+              <a:spcBef>
+                <a:spcPts val="0"/>
+              </a:spcBef>
+              <a:spcAft>
+                <a:spcPts val="0"/>
+              </a:spcAft>
+              <a:buClrTx/>
+              <a:buSzTx/>
+              <a:buFontTx/>
+              <a:buNone/>
+              <a:tabLst/>
+              <a:defRPr/>
+            </a:pPr>
+            <a:endParaRPr lang="en-US" sz="2400" dirty="0"/>
+          </a:p>
+        </p:txBody>
+      </p:sp>
+      <p:sp>
+        <p:nvSpPr>
+          <p:cNvPr id="4" name="Slide Number Placeholder 3"/>
+          <p:cNvSpPr>
+            <a:spLocks noGrp="1"/>
+          </p:cNvSpPr>
+          <p:nvPr>
+            <p:ph type="sldNum" sz="quarter" idx="10"/>
+          </p:nvPr>
+        </p:nvSpPr>
+        <p:spPr/>
+        <p:txBody>
+          <a:bodyPr/>
+          <a:lstStyle/>
+          <a:p>
+            <a:fld id="{595D0871-5AD0-4670-BDA8-FBE649F625DD}" type="slidenum">
+              <a:rPr lang="he-IL" smtClean="0"/>
+              <a:t>68</a:t>
+            </a:fld>
+            <a:endParaRPr lang="he-IL"/>
+          </a:p>
+        </p:txBody>
+      </p:sp>
+    </p:spTree>
+    <p:extLst>
+      <p:ext uri="{BB962C8B-B14F-4D97-AF65-F5344CB8AC3E}">
+        <p14:creationId xmlns:p14="http://schemas.microsoft.com/office/powerpoint/2010/main" val="2418120340"/>
+      </p:ext>
+    </p:extLst>
+  </p:cSld>
+  <p:clrMapOvr>
+    <a:masterClrMapping/>
+  </p:clrMapOvr>
+</p:notes>
+</file>
+
+<file path=ppt/notesSlides/notesSlide67.xml><?xml version="1.0" encoding="utf-8"?>
+<p:notes xmlns:a="http://schemas.openxmlformats.org/drawingml/2006/main" xmlns:r="http://schemas.openxmlformats.org/officeDocument/2006/relationships" xmlns:p="http://schemas.openxmlformats.org/presentationml/2006/main">
+  <p:cSld>
+    <p:spTree>
+      <p:nvGrpSpPr>
+        <p:cNvPr id="1" name=""/>
+        <p:cNvGrpSpPr/>
+        <p:nvPr/>
+      </p:nvGrpSpPr>
+      <p:grpSpPr>
+        <a:xfrm>
+          <a:off x="0" y="0"/>
+          <a:ext cx="0" cy="0"/>
+          <a:chOff x="0" y="0"/>
+          <a:chExt cx="0" cy="0"/>
+        </a:xfrm>
+      </p:grpSpPr>
+      <p:sp>
+        <p:nvSpPr>
+          <p:cNvPr id="2" name="Slide Image Placeholder 1"/>
+          <p:cNvSpPr>
+            <a:spLocks noGrp="1" noRot="1" noChangeAspect="1"/>
+          </p:cNvSpPr>
+          <p:nvPr>
+            <p:ph type="sldImg"/>
+          </p:nvPr>
+        </p:nvSpPr>
+        <p:spPr/>
+      </p:sp>
+      <p:sp>
+        <p:nvSpPr>
+          <p:cNvPr id="3" name="Notes Placeholder 2"/>
+          <p:cNvSpPr>
+            <a:spLocks noGrp="1"/>
+          </p:cNvSpPr>
+          <p:nvPr>
+            <p:ph type="body" idx="1"/>
+          </p:nvPr>
+        </p:nvSpPr>
+        <p:spPr/>
+        <p:txBody>
+          <a:bodyPr/>
+          <a:lstStyle/>
+          <a:p>
+            <a:pPr marL="0" marR="0" lvl="0" indent="0" algn="l" defTabSz="914400" rtl="0" eaLnBrk="1" fontAlgn="auto" latinLnBrk="0" hangingPunct="1">
+              <a:lnSpc>
+                <a:spcPct val="100000"/>
+              </a:lnSpc>
+              <a:spcBef>
+                <a:spcPts val="0"/>
+              </a:spcBef>
+              <a:spcAft>
+                <a:spcPts val="0"/>
+              </a:spcAft>
+              <a:buClrTx/>
+              <a:buSzTx/>
+              <a:buFontTx/>
+              <a:buNone/>
+              <a:tabLst/>
+              <a:defRPr/>
+            </a:pPr>
+            <a:endParaRPr lang="en-US" sz="2400" dirty="0"/>
+          </a:p>
+        </p:txBody>
+      </p:sp>
+      <p:sp>
+        <p:nvSpPr>
+          <p:cNvPr id="4" name="Slide Number Placeholder 3"/>
+          <p:cNvSpPr>
+            <a:spLocks noGrp="1"/>
+          </p:cNvSpPr>
+          <p:nvPr>
+            <p:ph type="sldNum" sz="quarter" idx="10"/>
+          </p:nvPr>
+        </p:nvSpPr>
+        <p:spPr/>
+        <p:txBody>
+          <a:bodyPr/>
+          <a:lstStyle/>
+          <a:p>
+            <a:fld id="{595D0871-5AD0-4670-BDA8-FBE649F625DD}" type="slidenum">
+              <a:rPr lang="he-IL" smtClean="0"/>
+              <a:t>69</a:t>
+            </a:fld>
+            <a:endParaRPr lang="he-IL"/>
+          </a:p>
+        </p:txBody>
+      </p:sp>
+    </p:spTree>
+    <p:extLst>
+      <p:ext uri="{BB962C8B-B14F-4D97-AF65-F5344CB8AC3E}">
+        <p14:creationId xmlns:p14="http://schemas.microsoft.com/office/powerpoint/2010/main" val="41543146"/>
       </p:ext>
     </p:extLst>
   </p:cSld>
@@ -31939,7 +32272,7 @@
     </p:spTree>
     <p:extLst>
       <p:ext uri="{BB962C8B-B14F-4D97-AF65-F5344CB8AC3E}">
-        <p14:creationId xmlns:p14="http://schemas.microsoft.com/office/powerpoint/2010/main" val="792913621"/>
+        <p14:creationId xmlns:p14="http://schemas.microsoft.com/office/powerpoint/2010/main" val="3240273053"/>
       </p:ext>
     </p:extLst>
   </p:cSld>
@@ -32139,7 +32472,7 @@
                   <a:schemeClr val="bg1"/>
                 </a:solidFill>
               </a:rPr>
-              <a:t>Object Literal</a:t>
+              <a:t>Global Scope</a:t>
             </a:r>
             <a:endParaRPr lang="en-US" altLang="en-US" sz="6000" b="1" dirty="0">
               <a:solidFill>
@@ -32153,7 +32486,7 @@
     </p:spTree>
     <p:extLst>
       <p:ext uri="{BB962C8B-B14F-4D97-AF65-F5344CB8AC3E}">
-        <p14:creationId xmlns:p14="http://schemas.microsoft.com/office/powerpoint/2010/main" val="3240273053"/>
+        <p14:creationId xmlns:p14="http://schemas.microsoft.com/office/powerpoint/2010/main" val="2503840124"/>
       </p:ext>
     </p:extLst>
   </p:cSld>
@@ -32271,7 +32604,7 @@
                   <a:schemeClr val="bg1"/>
                 </a:solidFill>
               </a:rPr>
-              <a:t>Global Scope</a:t>
+              <a:t>How to access Global Scope?</a:t>
             </a:r>
             <a:endParaRPr lang="en-US" altLang="en-US" sz="6000" b="1" dirty="0">
               <a:solidFill>
@@ -32285,7 +32618,7 @@
     </p:spTree>
     <p:extLst>
       <p:ext uri="{BB962C8B-B14F-4D97-AF65-F5344CB8AC3E}">
-        <p14:creationId xmlns:p14="http://schemas.microsoft.com/office/powerpoint/2010/main" val="2503840124"/>
+        <p14:creationId xmlns:p14="http://schemas.microsoft.com/office/powerpoint/2010/main" val="2624588952"/>
       </p:ext>
     </p:extLst>
   </p:cSld>
@@ -32403,7 +32736,7 @@
                   <a:schemeClr val="bg1"/>
                 </a:solidFill>
               </a:rPr>
-              <a:t>How to access Global Scope?</a:t>
+              <a:t>Declaration is adding variable to global scope</a:t>
             </a:r>
             <a:endParaRPr lang="en-US" altLang="en-US" sz="6000" b="1" dirty="0">
               <a:solidFill>
@@ -32417,7 +32750,7 @@
     </p:spTree>
     <p:extLst>
       <p:ext uri="{BB962C8B-B14F-4D97-AF65-F5344CB8AC3E}">
-        <p14:creationId xmlns:p14="http://schemas.microsoft.com/office/powerpoint/2010/main" val="2624588952"/>
+        <p14:creationId xmlns:p14="http://schemas.microsoft.com/office/powerpoint/2010/main" val="306979435"/>
       </p:ext>
     </p:extLst>
   </p:cSld>
@@ -32535,7 +32868,7 @@
                   <a:schemeClr val="bg1"/>
                 </a:solidFill>
               </a:rPr>
-              <a:t>Declaration is adding variable to global scope</a:t>
+              <a:t>Global Scope - JAVA</a:t>
             </a:r>
             <a:endParaRPr lang="en-US" altLang="en-US" sz="6000" b="1" dirty="0">
               <a:solidFill>
@@ -32549,7 +32882,7 @@
     </p:spTree>
     <p:extLst>
       <p:ext uri="{BB962C8B-B14F-4D97-AF65-F5344CB8AC3E}">
-        <p14:creationId xmlns:p14="http://schemas.microsoft.com/office/powerpoint/2010/main" val="306979435"/>
+        <p14:creationId xmlns:p14="http://schemas.microsoft.com/office/powerpoint/2010/main" val="2769516777"/>
       </p:ext>
     </p:extLst>
   </p:cSld>
@@ -32667,7 +33000,7 @@
                   <a:schemeClr val="bg1"/>
                 </a:solidFill>
               </a:rPr>
-              <a:t>Global Scope - JAVA</a:t>
+              <a:t>Global Scope - JS</a:t>
             </a:r>
             <a:endParaRPr lang="en-US" altLang="en-US" sz="6000" b="1" dirty="0">
               <a:solidFill>
@@ -32681,7 +33014,7 @@
     </p:spTree>
     <p:extLst>
       <p:ext uri="{BB962C8B-B14F-4D97-AF65-F5344CB8AC3E}">
-        <p14:creationId xmlns:p14="http://schemas.microsoft.com/office/powerpoint/2010/main" val="2769516777"/>
+        <p14:creationId xmlns:p14="http://schemas.microsoft.com/office/powerpoint/2010/main" val="1115434277"/>
       </p:ext>
     </p:extLst>
   </p:cSld>
@@ -32799,7 +33132,7 @@
                   <a:schemeClr val="bg1"/>
                 </a:solidFill>
               </a:rPr>
-              <a:t>Global Scope - JS</a:t>
+              <a:t>Global Scope - danger</a:t>
             </a:r>
             <a:endParaRPr lang="en-US" altLang="en-US" sz="6000" b="1" dirty="0">
               <a:solidFill>
@@ -32813,7 +33146,7 @@
     </p:spTree>
     <p:extLst>
       <p:ext uri="{BB962C8B-B14F-4D97-AF65-F5344CB8AC3E}">
-        <p14:creationId xmlns:p14="http://schemas.microsoft.com/office/powerpoint/2010/main" val="1115434277"/>
+        <p14:creationId xmlns:p14="http://schemas.microsoft.com/office/powerpoint/2010/main" val="3481328533"/>
       </p:ext>
     </p:extLst>
   </p:cSld>
@@ -32931,7 +33264,7 @@
                   <a:schemeClr val="bg1"/>
                 </a:solidFill>
               </a:rPr>
-              <a:t>Global Scope - danger</a:t>
+              <a:t>Global Scope – load 2 files</a:t>
             </a:r>
             <a:endParaRPr lang="en-US" altLang="en-US" sz="6000" b="1" dirty="0">
               <a:solidFill>
@@ -32945,7 +33278,7 @@
     </p:spTree>
     <p:extLst>
       <p:ext uri="{BB962C8B-B14F-4D97-AF65-F5344CB8AC3E}">
-        <p14:creationId xmlns:p14="http://schemas.microsoft.com/office/powerpoint/2010/main" val="3481328533"/>
+        <p14:creationId xmlns:p14="http://schemas.microsoft.com/office/powerpoint/2010/main" val="2339726647"/>
       </p:ext>
     </p:extLst>
   </p:cSld>
@@ -33063,7 +33396,7 @@
                   <a:schemeClr val="bg1"/>
                 </a:solidFill>
               </a:rPr>
-              <a:t>Global Scope – load 2 files</a:t>
+              <a:t>Function scope</a:t>
             </a:r>
             <a:endParaRPr lang="en-US" altLang="en-US" sz="6000" b="1" dirty="0">
               <a:solidFill>
@@ -33077,7 +33410,7 @@
     </p:spTree>
     <p:extLst>
       <p:ext uri="{BB962C8B-B14F-4D97-AF65-F5344CB8AC3E}">
-        <p14:creationId xmlns:p14="http://schemas.microsoft.com/office/powerpoint/2010/main" val="2339726647"/>
+        <p14:creationId xmlns:p14="http://schemas.microsoft.com/office/powerpoint/2010/main" val="3924971783"/>
       </p:ext>
     </p:extLst>
   </p:cSld>
@@ -33195,7 +33528,7 @@
                   <a:schemeClr val="bg1"/>
                 </a:solidFill>
               </a:rPr>
-              <a:t>Global Scope – use strict?</a:t>
+              <a:t>IIFE</a:t>
             </a:r>
             <a:endParaRPr lang="en-US" altLang="en-US" sz="6000" b="1" dirty="0">
               <a:solidFill>
@@ -33209,7 +33542,7 @@
     </p:spTree>
     <p:extLst>
       <p:ext uri="{BB962C8B-B14F-4D97-AF65-F5344CB8AC3E}">
-        <p14:creationId xmlns:p14="http://schemas.microsoft.com/office/powerpoint/2010/main" val="2910717839"/>
+        <p14:creationId xmlns:p14="http://schemas.microsoft.com/office/powerpoint/2010/main" val="1953289272"/>
       </p:ext>
     </p:extLst>
   </p:cSld>
@@ -33327,7 +33660,7 @@
                   <a:schemeClr val="bg1"/>
                 </a:solidFill>
               </a:rPr>
-              <a:t>Function scope</a:t>
+              <a:t>Closure</a:t>
             </a:r>
             <a:endParaRPr lang="en-US" altLang="en-US" sz="6000" b="1" dirty="0">
               <a:solidFill>
@@ -33341,7 +33674,7 @@
     </p:spTree>
     <p:extLst>
       <p:ext uri="{BB962C8B-B14F-4D97-AF65-F5344CB8AC3E}">
-        <p14:creationId xmlns:p14="http://schemas.microsoft.com/office/powerpoint/2010/main" val="3924971783"/>
+        <p14:creationId xmlns:p14="http://schemas.microsoft.com/office/powerpoint/2010/main" val="4288262287"/>
       </p:ext>
     </p:extLst>
   </p:cSld>
@@ -33721,7 +34054,7 @@
                   <a:schemeClr val="bg1"/>
                 </a:solidFill>
               </a:rPr>
-              <a:t>IIFE</a:t>
+              <a:t>Hoisting</a:t>
             </a:r>
             <a:endParaRPr lang="en-US" altLang="en-US" sz="6000" b="1" dirty="0">
               <a:solidFill>
@@ -33735,7 +34068,7 @@
     </p:spTree>
     <p:extLst>
       <p:ext uri="{BB962C8B-B14F-4D97-AF65-F5344CB8AC3E}">
-        <p14:creationId xmlns:p14="http://schemas.microsoft.com/office/powerpoint/2010/main" val="1953289272"/>
+        <p14:creationId xmlns:p14="http://schemas.microsoft.com/office/powerpoint/2010/main" val="2816560591"/>
       </p:ext>
     </p:extLst>
   </p:cSld>
@@ -33853,7 +34186,7 @@
                   <a:schemeClr val="bg1"/>
                 </a:solidFill>
               </a:rPr>
-              <a:t>Closure</a:t>
+              <a:t>Hoisting Examples</a:t>
             </a:r>
             <a:endParaRPr lang="en-US" altLang="en-US" sz="6000" b="1" dirty="0">
               <a:solidFill>
@@ -33867,7 +34200,7 @@
     </p:spTree>
     <p:extLst>
       <p:ext uri="{BB962C8B-B14F-4D97-AF65-F5344CB8AC3E}">
-        <p14:creationId xmlns:p14="http://schemas.microsoft.com/office/powerpoint/2010/main" val="4288262287"/>
+        <p14:creationId xmlns:p14="http://schemas.microsoft.com/office/powerpoint/2010/main" val="3170921739"/>
       </p:ext>
     </p:extLst>
   </p:cSld>
@@ -33985,7 +34318,23 @@
                   <a:schemeClr val="bg1"/>
                 </a:solidFill>
               </a:rPr>
-              <a:t>Hoisting</a:t>
+              <a:t>Var, let, </a:t>
+            </a:r>
+            <a:r>
+              <a:rPr lang="en-US" sz="6000" dirty="0" err="1">
+                <a:solidFill>
+                  <a:schemeClr val="bg1"/>
+                </a:solidFill>
+              </a:rPr>
+              <a:t>const</a:t>
+            </a:r>
+            <a:r>
+              <a:rPr lang="en-US" sz="6000" dirty="0">
+                <a:solidFill>
+                  <a:schemeClr val="bg1"/>
+                </a:solidFill>
+              </a:rPr>
+              <a:t>, freeze</a:t>
             </a:r>
             <a:endParaRPr lang="en-US" altLang="en-US" sz="6000" b="1" dirty="0">
               <a:solidFill>
@@ -33999,7 +34348,7 @@
     </p:spTree>
     <p:extLst>
       <p:ext uri="{BB962C8B-B14F-4D97-AF65-F5344CB8AC3E}">
-        <p14:creationId xmlns:p14="http://schemas.microsoft.com/office/powerpoint/2010/main" val="2816560591"/>
+        <p14:creationId xmlns:p14="http://schemas.microsoft.com/office/powerpoint/2010/main" val="4021379442"/>
       </p:ext>
     </p:extLst>
   </p:cSld>
@@ -34117,7 +34466,7 @@
                   <a:schemeClr val="bg1"/>
                 </a:solidFill>
               </a:rPr>
-              <a:t>Hoisting Examples</a:t>
+              <a:t>Invocation</a:t>
             </a:r>
             <a:endParaRPr lang="en-US" altLang="en-US" sz="6000" b="1" dirty="0">
               <a:solidFill>
@@ -34131,7 +34480,7 @@
     </p:spTree>
     <p:extLst>
       <p:ext uri="{BB962C8B-B14F-4D97-AF65-F5344CB8AC3E}">
-        <p14:creationId xmlns:p14="http://schemas.microsoft.com/office/powerpoint/2010/main" val="3170921739"/>
+        <p14:creationId xmlns:p14="http://schemas.microsoft.com/office/powerpoint/2010/main" val="1741453719"/>
       </p:ext>
     </p:extLst>
   </p:cSld>
@@ -34249,23 +34598,7 @@
                   <a:schemeClr val="bg1"/>
                 </a:solidFill>
               </a:rPr>
-              <a:t>Var, let, </a:t>
-            </a:r>
-            <a:r>
-              <a:rPr lang="en-US" sz="6000" dirty="0" err="1">
-                <a:solidFill>
-                  <a:schemeClr val="bg1"/>
-                </a:solidFill>
-              </a:rPr>
-              <a:t>const</a:t>
-            </a:r>
-            <a:r>
-              <a:rPr lang="en-US" sz="6000" dirty="0">
-                <a:solidFill>
-                  <a:schemeClr val="bg1"/>
-                </a:solidFill>
-              </a:rPr>
-              <a:t>, freeze</a:t>
+              <a:t>Arrow function</a:t>
             </a:r>
             <a:endParaRPr lang="en-US" altLang="en-US" sz="6000" b="1" dirty="0">
               <a:solidFill>
@@ -34279,7 +34612,7 @@
     </p:spTree>
     <p:extLst>
       <p:ext uri="{BB962C8B-B14F-4D97-AF65-F5344CB8AC3E}">
-        <p14:creationId xmlns:p14="http://schemas.microsoft.com/office/powerpoint/2010/main" val="4021379442"/>
+        <p14:creationId xmlns:p14="http://schemas.microsoft.com/office/powerpoint/2010/main" val="1449530315"/>
       </p:ext>
     </p:extLst>
   </p:cSld>
@@ -34397,7 +34730,7 @@
                   <a:schemeClr val="bg1"/>
                 </a:solidFill>
               </a:rPr>
-              <a:t>Arrow function</a:t>
+              <a:t>??use strict?</a:t>
             </a:r>
             <a:endParaRPr lang="en-US" altLang="en-US" sz="6000" b="1" dirty="0">
               <a:solidFill>
@@ -34411,7 +34744,7 @@
     </p:spTree>
     <p:extLst>
       <p:ext uri="{BB962C8B-B14F-4D97-AF65-F5344CB8AC3E}">
-        <p14:creationId xmlns:p14="http://schemas.microsoft.com/office/powerpoint/2010/main" val="1741453719"/>
+        <p14:creationId xmlns:p14="http://schemas.microsoft.com/office/powerpoint/2010/main" val="2910717839"/>
       </p:ext>
     </p:extLst>
   </p:cSld>
@@ -34529,7 +34862,7 @@
                   <a:schemeClr val="bg1"/>
                 </a:solidFill>
               </a:rPr>
-              <a:t>Html modules for scoping</a:t>
+              <a:t>??Html modules for scoping??</a:t>
             </a:r>
             <a:endParaRPr lang="en-US" altLang="en-US" sz="6000" b="1" dirty="0">
               <a:solidFill>
@@ -34676,6 +35009,270 @@
     <p:extLst>
       <p:ext uri="{BB962C8B-B14F-4D97-AF65-F5344CB8AC3E}">
         <p14:creationId xmlns:p14="http://schemas.microsoft.com/office/powerpoint/2010/main" val="4198406632"/>
+      </p:ext>
+    </p:extLst>
+  </p:cSld>
+  <p:clrMapOvr>
+    <a:masterClrMapping/>
+  </p:clrMapOvr>
+  <mc:AlternateContent xmlns:mc="http://schemas.openxmlformats.org/markup-compatibility/2006" xmlns:p14="http://schemas.microsoft.com/office/powerpoint/2010/main">
+    <mc:Choice Requires="p14">
+      <p:transition spd="med" p14:dur="700">
+        <p:fade/>
+      </p:transition>
+    </mc:Choice>
+    <mc:Fallback xmlns="">
+      <p:transition xmlns:p14="http://schemas.microsoft.com/office/powerpoint/2010/main" spd="med">
+        <p:fade/>
+      </p:transition>
+    </mc:Fallback>
+  </mc:AlternateContent>
+</p:sld>
+</file>
+
+<file path=ppt/slides/slide68.xml><?xml version="1.0" encoding="utf-8"?>
+<p:sld xmlns:a="http://schemas.openxmlformats.org/drawingml/2006/main" xmlns:r="http://schemas.openxmlformats.org/officeDocument/2006/relationships" xmlns:p="http://schemas.openxmlformats.org/presentationml/2006/main">
+  <p:cSld>
+    <p:spTree>
+      <p:nvGrpSpPr>
+        <p:cNvPr id="1" name=""/>
+        <p:cNvGrpSpPr/>
+        <p:nvPr/>
+      </p:nvGrpSpPr>
+      <p:grpSpPr>
+        <a:xfrm>
+          <a:off x="0" y="0"/>
+          <a:ext cx="0" cy="0"/>
+          <a:chOff x="0" y="0"/>
+          <a:chExt cx="0" cy="0"/>
+        </a:xfrm>
+      </p:grpSpPr>
+      <p:sp>
+        <p:nvSpPr>
+          <p:cNvPr id="6" name="Rectangle 5"/>
+          <p:cNvSpPr/>
+          <p:nvPr/>
+        </p:nvSpPr>
+        <p:spPr>
+          <a:xfrm>
+            <a:off x="-215115" y="0"/>
+            <a:ext cx="12407115" cy="6858000"/>
+          </a:xfrm>
+          <a:prstGeom prst="rect">
+            <a:avLst/>
+          </a:prstGeom>
+          <a:solidFill>
+            <a:schemeClr val="accent1">
+              <a:lumMod val="75000"/>
+            </a:schemeClr>
+          </a:solidFill>
+          <a:ln>
+            <a:noFill/>
+          </a:ln>
+        </p:spPr>
+        <p:style>
+          <a:lnRef idx="1">
+            <a:schemeClr val="accent1"/>
+          </a:lnRef>
+          <a:fillRef idx="3">
+            <a:schemeClr val="accent1"/>
+          </a:fillRef>
+          <a:effectRef idx="2">
+            <a:schemeClr val="accent1"/>
+          </a:effectRef>
+          <a:fontRef idx="minor">
+            <a:schemeClr val="lt1"/>
+          </a:fontRef>
+        </p:style>
+        <p:txBody>
+          <a:bodyPr rtlCol="0" anchor="ctr"/>
+          <a:lstStyle/>
+          <a:p>
+            <a:pPr algn="ctr"/>
+            <a:endParaRPr lang="en-US" sz="2400"/>
+          </a:p>
+        </p:txBody>
+      </p:sp>
+      <p:sp>
+        <p:nvSpPr>
+          <p:cNvPr id="24" name="Title 1"/>
+          <p:cNvSpPr>
+            <a:spLocks noGrp="1"/>
+          </p:cNvSpPr>
+          <p:nvPr>
+            <p:ph type="title"/>
+          </p:nvPr>
+        </p:nvSpPr>
+        <p:spPr>
+          <a:xfrm>
+            <a:off x="502042" y="1936377"/>
+            <a:ext cx="10972800" cy="2985246"/>
+          </a:xfrm>
+        </p:spPr>
+        <p:txBody>
+          <a:bodyPr>
+            <a:noAutofit/>
+          </a:bodyPr>
+          <a:lstStyle/>
+          <a:p>
+            <a:pPr algn="ctr" rtl="0" eaLnBrk="0" fontAlgn="base" hangingPunct="0">
+              <a:spcAft>
+                <a:spcPct val="0"/>
+              </a:spcAft>
+            </a:pPr>
+            <a:r>
+              <a:rPr lang="en-US" sz="6000" dirty="0">
+                <a:solidFill>
+                  <a:schemeClr val="bg1"/>
+                </a:solidFill>
+              </a:rPr>
+              <a:t>prototype</a:t>
+            </a:r>
+            <a:endParaRPr lang="en-US" altLang="en-US" sz="6000" b="1" dirty="0">
+              <a:solidFill>
+                <a:schemeClr val="bg1"/>
+              </a:solidFill>
+              <a:latin typeface="Calibri (Body)"/>
+            </a:endParaRPr>
+          </a:p>
+        </p:txBody>
+      </p:sp>
+    </p:spTree>
+    <p:extLst>
+      <p:ext uri="{BB962C8B-B14F-4D97-AF65-F5344CB8AC3E}">
+        <p14:creationId xmlns:p14="http://schemas.microsoft.com/office/powerpoint/2010/main" val="4126304232"/>
+      </p:ext>
+    </p:extLst>
+  </p:cSld>
+  <p:clrMapOvr>
+    <a:masterClrMapping/>
+  </p:clrMapOvr>
+  <mc:AlternateContent xmlns:mc="http://schemas.openxmlformats.org/markup-compatibility/2006" xmlns:p14="http://schemas.microsoft.com/office/powerpoint/2010/main">
+    <mc:Choice Requires="p14">
+      <p:transition spd="med" p14:dur="700">
+        <p:fade/>
+      </p:transition>
+    </mc:Choice>
+    <mc:Fallback xmlns="">
+      <p:transition xmlns:p14="http://schemas.microsoft.com/office/powerpoint/2010/main" spd="med">
+        <p:fade/>
+      </p:transition>
+    </mc:Fallback>
+  </mc:AlternateContent>
+</p:sld>
+</file>
+
+<file path=ppt/slides/slide69.xml><?xml version="1.0" encoding="utf-8"?>
+<p:sld xmlns:a="http://schemas.openxmlformats.org/drawingml/2006/main" xmlns:r="http://schemas.openxmlformats.org/officeDocument/2006/relationships" xmlns:p="http://schemas.openxmlformats.org/presentationml/2006/main">
+  <p:cSld>
+    <p:spTree>
+      <p:nvGrpSpPr>
+        <p:cNvPr id="1" name=""/>
+        <p:cNvGrpSpPr/>
+        <p:nvPr/>
+      </p:nvGrpSpPr>
+      <p:grpSpPr>
+        <a:xfrm>
+          <a:off x="0" y="0"/>
+          <a:ext cx="0" cy="0"/>
+          <a:chOff x="0" y="0"/>
+          <a:chExt cx="0" cy="0"/>
+        </a:xfrm>
+      </p:grpSpPr>
+      <p:sp>
+        <p:nvSpPr>
+          <p:cNvPr id="6" name="Rectangle 5"/>
+          <p:cNvSpPr/>
+          <p:nvPr/>
+        </p:nvSpPr>
+        <p:spPr>
+          <a:xfrm>
+            <a:off x="-215115" y="0"/>
+            <a:ext cx="12407115" cy="6858000"/>
+          </a:xfrm>
+          <a:prstGeom prst="rect">
+            <a:avLst/>
+          </a:prstGeom>
+          <a:solidFill>
+            <a:schemeClr val="accent1">
+              <a:lumMod val="75000"/>
+            </a:schemeClr>
+          </a:solidFill>
+          <a:ln>
+            <a:noFill/>
+          </a:ln>
+        </p:spPr>
+        <p:style>
+          <a:lnRef idx="1">
+            <a:schemeClr val="accent1"/>
+          </a:lnRef>
+          <a:fillRef idx="3">
+            <a:schemeClr val="accent1"/>
+          </a:fillRef>
+          <a:effectRef idx="2">
+            <a:schemeClr val="accent1"/>
+          </a:effectRef>
+          <a:fontRef idx="minor">
+            <a:schemeClr val="lt1"/>
+          </a:fontRef>
+        </p:style>
+        <p:txBody>
+          <a:bodyPr rtlCol="0" anchor="ctr"/>
+          <a:lstStyle/>
+          <a:p>
+            <a:pPr algn="ctr"/>
+            <a:endParaRPr lang="en-US" sz="2400"/>
+          </a:p>
+        </p:txBody>
+      </p:sp>
+      <p:sp>
+        <p:nvSpPr>
+          <p:cNvPr id="24" name="Title 1"/>
+          <p:cNvSpPr>
+            <a:spLocks noGrp="1"/>
+          </p:cNvSpPr>
+          <p:nvPr>
+            <p:ph type="title"/>
+          </p:nvPr>
+        </p:nvSpPr>
+        <p:spPr>
+          <a:xfrm>
+            <a:off x="502042" y="1936377"/>
+            <a:ext cx="10972800" cy="2985246"/>
+          </a:xfrm>
+        </p:spPr>
+        <p:txBody>
+          <a:bodyPr>
+            <a:noAutofit/>
+          </a:bodyPr>
+          <a:lstStyle/>
+          <a:p>
+            <a:pPr algn="ctr" rtl="0" eaLnBrk="0" fontAlgn="base" hangingPunct="0">
+              <a:spcAft>
+                <a:spcPct val="0"/>
+              </a:spcAft>
+            </a:pPr>
+            <a:r>
+              <a:rPr lang="en-US" sz="6000" dirty="0">
+                <a:solidFill>
+                  <a:schemeClr val="bg1"/>
+                </a:solidFill>
+              </a:rPr>
+              <a:t>Class today</a:t>
+            </a:r>
+            <a:endParaRPr lang="en-US" altLang="en-US" sz="6000" b="1" dirty="0">
+              <a:solidFill>
+                <a:schemeClr val="bg1"/>
+              </a:solidFill>
+              <a:latin typeface="Calibri (Body)"/>
+            </a:endParaRPr>
+          </a:p>
+        </p:txBody>
+      </p:sp>
+    </p:spTree>
+    <p:extLst>
+      <p:ext uri="{BB962C8B-B14F-4D97-AF65-F5344CB8AC3E}">
+        <p14:creationId xmlns:p14="http://schemas.microsoft.com/office/powerpoint/2010/main" val="2005768050"/>
       </p:ext>
     </p:extLst>
   </p:cSld>

--- a/presentations/Practical Web Dev.pptx
+++ b/presentations/Practical Web Dev.pptx
@@ -5,7 +5,7 @@
     <p:sldMasterId id="2147483648" r:id="rId1"/>
   </p:sldMasterIdLst>
   <p:notesMasterIdLst>
-    <p:notesMasterId r:id="rId71"/>
+    <p:notesMasterId r:id="rId75"/>
   </p:notesMasterIdLst>
   <p:sldIdLst>
     <p:sldId id="256" r:id="rId2"/>
@@ -71,12 +71,16 @@
     <p:sldId id="426" r:id="rId62"/>
     <p:sldId id="423" r:id="rId63"/>
     <p:sldId id="424" r:id="rId64"/>
-    <p:sldId id="433" r:id="rId65"/>
-    <p:sldId id="420" r:id="rId66"/>
-    <p:sldId id="421" r:id="rId67"/>
-    <p:sldId id="411" r:id="rId68"/>
-    <p:sldId id="434" r:id="rId69"/>
-    <p:sldId id="435" r:id="rId70"/>
+    <p:sldId id="436" r:id="rId65"/>
+    <p:sldId id="433" r:id="rId66"/>
+    <p:sldId id="437" r:id="rId67"/>
+    <p:sldId id="420" r:id="rId68"/>
+    <p:sldId id="421" r:id="rId69"/>
+    <p:sldId id="411" r:id="rId70"/>
+    <p:sldId id="434" r:id="rId71"/>
+    <p:sldId id="435" r:id="rId72"/>
+    <p:sldId id="440" r:id="rId73"/>
+    <p:sldId id="439" r:id="rId74"/>
   </p:sldIdLst>
   <p:sldSz cx="12192000" cy="6858000"/>
   <p:notesSz cx="6858000" cy="9144000"/>
@@ -247,12 +251,16 @@
             <p14:sldId id="426"/>
             <p14:sldId id="423"/>
             <p14:sldId id="424"/>
+            <p14:sldId id="436"/>
             <p14:sldId id="433"/>
+            <p14:sldId id="437"/>
             <p14:sldId id="420"/>
             <p14:sldId id="421"/>
             <p14:sldId id="411"/>
             <p14:sldId id="434"/>
             <p14:sldId id="435"/>
+            <p14:sldId id="440"/>
+            <p14:sldId id="439"/>
           </p14:sldIdLst>
         </p14:section>
       </p14:sectionLst>
@@ -357,7 +365,7 @@
           <a:p>
             <a:fld id="{B53C1D94-E0DD-4250-8C1B-3D8C3DA9B2B6}" type="datetimeFigureOut">
               <a:rPr lang="he-IL" smtClean="0"/>
-              <a:t>כ"א/אדר א/תשע"ט</a:t>
+              <a:t>י"ז/אדר ב/תשע"ט</a:t>
             </a:fld>
             <a:endParaRPr lang="he-IL"/>
           </a:p>
@@ -13460,6 +13468,50 @@
               <a:tabLst/>
               <a:defRPr/>
             </a:pPr>
+            <a:r>
+              <a:rPr lang="en-US" sz="1200" b="0" i="0" kern="1200" dirty="0">
+                <a:solidFill>
+                  <a:schemeClr val="tx1"/>
+                </a:solidFill>
+                <a:effectLst/>
+                <a:latin typeface="+mn-lt"/>
+                <a:ea typeface="+mn-ea"/>
+                <a:cs typeface="+mn-cs"/>
+              </a:rPr>
+              <a:t>Another example, if property name of object is dynamic (we don’t know what it’s going to be) then we must use </a:t>
+            </a:r>
+            <a:r>
+              <a:rPr lang="en-US" dirty="0"/>
+              <a:t>parentheses to access it (like writing a global get function that receive property name and return the value).</a:t>
+            </a:r>
+            <a:endParaRPr lang="en-US" sz="1200" b="0" i="0" kern="1200" dirty="0">
+              <a:solidFill>
+                <a:schemeClr val="tx1"/>
+              </a:solidFill>
+              <a:effectLst/>
+              <a:latin typeface="+mn-lt"/>
+              <a:ea typeface="+mn-ea"/>
+              <a:cs typeface="+mn-cs"/>
+            </a:endParaRPr>
+          </a:p>
+          <a:p>
+            <a:pPr marL="171450" marR="0" lvl="0" indent="-171450" algn="l" defTabSz="914400" rtl="0" eaLnBrk="1" fontAlgn="auto" latinLnBrk="0" hangingPunct="1">
+              <a:lnSpc>
+                <a:spcPct val="100000"/>
+              </a:lnSpc>
+              <a:spcBef>
+                <a:spcPts val="0"/>
+              </a:spcBef>
+              <a:spcAft>
+                <a:spcPts val="0"/>
+              </a:spcAft>
+              <a:buClrTx/>
+              <a:buSzTx/>
+              <a:buFontTx/>
+              <a:buChar char="-"/>
+              <a:tabLst/>
+              <a:defRPr/>
+            </a:pPr>
             <a:endParaRPr lang="en-US" b="0" dirty="0"/>
           </a:p>
         </p:txBody>
@@ -19310,6 +19362,89 @@
             </a:pPr>
             <a:endParaRPr lang="en-US" b="0" dirty="0"/>
           </a:p>
+          <a:p>
+            <a:pPr marL="171450" marR="0" lvl="0" indent="-171450" algn="l" defTabSz="914400" rtl="0" eaLnBrk="1" fontAlgn="auto" latinLnBrk="0" hangingPunct="1">
+              <a:lnSpc>
+                <a:spcPct val="100000"/>
+              </a:lnSpc>
+              <a:spcBef>
+                <a:spcPts val="0"/>
+              </a:spcBef>
+              <a:spcAft>
+                <a:spcPts val="0"/>
+              </a:spcAft>
+              <a:buClrTx/>
+              <a:buSzTx/>
+              <a:buFontTx/>
+              <a:buChar char="-"/>
+              <a:tabLst/>
+              <a:defRPr/>
+            </a:pPr>
+            <a:endParaRPr lang="en-US" b="0" dirty="0"/>
+          </a:p>
+          <a:p>
+            <a:pPr marL="0" marR="0" lvl="0" indent="0" algn="l" defTabSz="914400" rtl="0" eaLnBrk="1" fontAlgn="auto" latinLnBrk="0" hangingPunct="1">
+              <a:lnSpc>
+                <a:spcPct val="100000"/>
+              </a:lnSpc>
+              <a:spcBef>
+                <a:spcPts val="0"/>
+              </a:spcBef>
+              <a:spcAft>
+                <a:spcPts val="0"/>
+              </a:spcAft>
+              <a:buClrTx/>
+              <a:buSzTx/>
+              <a:buFontTx/>
+              <a:buNone/>
+              <a:tabLst/>
+              <a:defRPr/>
+            </a:pPr>
+            <a:r>
+              <a:rPr lang="en-US" b="0" dirty="0"/>
+              <a:t>When and why I need to use call/apply?</a:t>
+            </a:r>
+          </a:p>
+          <a:p>
+            <a:pPr marL="0" marR="0" lvl="0" indent="0" algn="l" defTabSz="914400" rtl="0" eaLnBrk="1" fontAlgn="auto" latinLnBrk="0" hangingPunct="1">
+              <a:lnSpc>
+                <a:spcPct val="100000"/>
+              </a:lnSpc>
+              <a:spcBef>
+                <a:spcPts val="0"/>
+              </a:spcBef>
+              <a:spcAft>
+                <a:spcPts val="0"/>
+              </a:spcAft>
+              <a:buClrTx/>
+              <a:buSzTx/>
+              <a:buFontTx/>
+              <a:buNone/>
+              <a:tabLst/>
+              <a:defRPr/>
+            </a:pPr>
+            <a:endParaRPr lang="en-US" b="0" dirty="0"/>
+          </a:p>
+          <a:p>
+            <a:pPr marL="171450" marR="0" lvl="0" indent="-171450" algn="l" defTabSz="914400" rtl="0" eaLnBrk="1" fontAlgn="auto" latinLnBrk="0" hangingPunct="1">
+              <a:lnSpc>
+                <a:spcPct val="100000"/>
+              </a:lnSpc>
+              <a:spcBef>
+                <a:spcPts val="0"/>
+              </a:spcBef>
+              <a:spcAft>
+                <a:spcPts val="0"/>
+              </a:spcAft>
+              <a:buClrTx/>
+              <a:buSzTx/>
+              <a:buFontTx/>
+              <a:buChar char="-"/>
+              <a:tabLst/>
+              <a:defRPr/>
+            </a:pPr>
+            <a:endParaRPr lang="en-US" b="0" dirty="0"/>
+          </a:p>
         </p:txBody>
       </p:sp>
       <p:sp>
@@ -19409,552 +19544,6 @@
               <a:tabLst/>
               <a:defRPr/>
             </a:pPr>
-            <a:r>
-              <a:rPr lang="en-US" sz="1200" b="0" i="0" kern="1200" dirty="0">
-                <a:solidFill>
-                  <a:schemeClr val="tx1"/>
-                </a:solidFill>
-                <a:effectLst/>
-                <a:latin typeface="+mn-lt"/>
-                <a:ea typeface="+mn-ea"/>
-                <a:cs typeface="+mn-cs"/>
-              </a:rPr>
-              <a:t>What is arrow function?</a:t>
-            </a:r>
-          </a:p>
-          <a:p>
-            <a:pPr marL="0" marR="0" lvl="0" indent="0" algn="l" defTabSz="914400" rtl="0" eaLnBrk="1" fontAlgn="auto" latinLnBrk="0" hangingPunct="1">
-              <a:lnSpc>
-                <a:spcPct val="100000"/>
-              </a:lnSpc>
-              <a:spcBef>
-                <a:spcPts val="0"/>
-              </a:spcBef>
-              <a:spcAft>
-                <a:spcPts val="0"/>
-              </a:spcAft>
-              <a:buClrTx/>
-              <a:buSzTx/>
-              <a:buFontTx/>
-              <a:buNone/>
-              <a:tabLst/>
-              <a:defRPr/>
-            </a:pPr>
-            <a:endParaRPr lang="en-US" sz="1200" b="0" i="0" kern="1200" dirty="0">
-              <a:solidFill>
-                <a:schemeClr val="tx1"/>
-              </a:solidFill>
-              <a:effectLst/>
-              <a:latin typeface="+mn-lt"/>
-              <a:ea typeface="+mn-ea"/>
-              <a:cs typeface="+mn-cs"/>
-            </a:endParaRPr>
-          </a:p>
-          <a:p>
-            <a:pPr marL="0" marR="0" lvl="0" indent="0" algn="l" defTabSz="914400" rtl="0" eaLnBrk="1" fontAlgn="auto" latinLnBrk="0" hangingPunct="1">
-              <a:lnSpc>
-                <a:spcPct val="100000"/>
-              </a:lnSpc>
-              <a:spcBef>
-                <a:spcPts val="0"/>
-              </a:spcBef>
-              <a:spcAft>
-                <a:spcPts val="0"/>
-              </a:spcAft>
-              <a:buClrTx/>
-              <a:buSzTx/>
-              <a:buFontTx/>
-              <a:buNone/>
-              <a:tabLst/>
-              <a:defRPr/>
-            </a:pPr>
-            <a:r>
-              <a:rPr lang="en-US" sz="1200" b="0" i="0" kern="1200" dirty="0">
-                <a:solidFill>
-                  <a:schemeClr val="tx1"/>
-                </a:solidFill>
-                <a:effectLst/>
-                <a:latin typeface="+mn-lt"/>
-                <a:ea typeface="+mn-ea"/>
-                <a:cs typeface="+mn-cs"/>
-              </a:rPr>
-              <a:t>The ECMAScript 6 arrow function syntax is a shorthand for the ECMAScript 5 function syntax. It supports both block and expression bodies. The value of </a:t>
-            </a:r>
-            <a:r>
-              <a:rPr lang="en-US" dirty="0"/>
-              <a:t>this</a:t>
-            </a:r>
-            <a:r>
-              <a:rPr lang="en-US" sz="1200" b="0" i="0" kern="1200" dirty="0">
-                <a:solidFill>
-                  <a:schemeClr val="tx1"/>
-                </a:solidFill>
-                <a:effectLst/>
-                <a:latin typeface="+mn-lt"/>
-                <a:ea typeface="+mn-ea"/>
-                <a:cs typeface="+mn-cs"/>
-              </a:rPr>
-              <a:t> inside the function is not altered: it is the same as the value of </a:t>
-            </a:r>
-            <a:r>
-              <a:rPr lang="en-US" dirty="0"/>
-              <a:t>this</a:t>
-            </a:r>
-            <a:r>
-              <a:rPr lang="en-US" sz="1200" b="0" i="0" kern="1200" dirty="0">
-                <a:solidFill>
-                  <a:schemeClr val="tx1"/>
-                </a:solidFill>
-                <a:effectLst/>
-                <a:latin typeface="+mn-lt"/>
-                <a:ea typeface="+mn-ea"/>
-                <a:cs typeface="+mn-cs"/>
-              </a:rPr>
-              <a:t> outside the function. No more </a:t>
-            </a:r>
-            <a:r>
-              <a:rPr lang="en-US" dirty="0" err="1"/>
-              <a:t>var</a:t>
-            </a:r>
-            <a:r>
-              <a:rPr lang="en-US" dirty="0"/>
-              <a:t> self = this</a:t>
-            </a:r>
-            <a:r>
-              <a:rPr lang="en-US" sz="1200" b="0" i="0" kern="1200" dirty="0">
-                <a:solidFill>
-                  <a:schemeClr val="tx1"/>
-                </a:solidFill>
-                <a:effectLst/>
-                <a:latin typeface="+mn-lt"/>
-                <a:ea typeface="+mn-ea"/>
-                <a:cs typeface="+mn-cs"/>
-              </a:rPr>
-              <a:t> to keep track of the current scope.</a:t>
-            </a:r>
-          </a:p>
-          <a:p>
-            <a:pPr marL="0" marR="0" lvl="0" indent="0" algn="l" defTabSz="914400" rtl="0" eaLnBrk="1" fontAlgn="auto" latinLnBrk="0" hangingPunct="1">
-              <a:lnSpc>
-                <a:spcPct val="100000"/>
-              </a:lnSpc>
-              <a:spcBef>
-                <a:spcPts val="0"/>
-              </a:spcBef>
-              <a:spcAft>
-                <a:spcPts val="0"/>
-              </a:spcAft>
-              <a:buClrTx/>
-              <a:buSzTx/>
-              <a:buFontTx/>
-              <a:buNone/>
-              <a:tabLst/>
-              <a:defRPr/>
-            </a:pPr>
-            <a:endParaRPr lang="en-US" b="0" dirty="0"/>
-          </a:p>
-          <a:p>
-            <a:pPr marL="0" marR="0" lvl="0" indent="0" algn="l" defTabSz="914400" rtl="0" eaLnBrk="1" fontAlgn="auto" latinLnBrk="0" hangingPunct="1">
-              <a:lnSpc>
-                <a:spcPct val="100000"/>
-              </a:lnSpc>
-              <a:spcBef>
-                <a:spcPts val="0"/>
-              </a:spcBef>
-              <a:spcAft>
-                <a:spcPts val="0"/>
-              </a:spcAft>
-              <a:buClrTx/>
-              <a:buSzTx/>
-              <a:buFontTx/>
-              <a:buNone/>
-              <a:tabLst/>
-              <a:defRPr/>
-            </a:pPr>
-            <a:r>
-              <a:rPr lang="en-US" b="0" dirty="0"/>
-              <a:t>Let’s take a look at the syntax.</a:t>
-            </a:r>
-          </a:p>
-          <a:p>
-            <a:pPr marL="0" marR="0" lvl="0" indent="0" algn="l" defTabSz="914400" rtl="0" eaLnBrk="1" fontAlgn="auto" latinLnBrk="0" hangingPunct="1">
-              <a:lnSpc>
-                <a:spcPct val="100000"/>
-              </a:lnSpc>
-              <a:spcBef>
-                <a:spcPts val="0"/>
-              </a:spcBef>
-              <a:spcAft>
-                <a:spcPts val="0"/>
-              </a:spcAft>
-              <a:buClrTx/>
-              <a:buSzTx/>
-              <a:buFontTx/>
-              <a:buNone/>
-              <a:tabLst/>
-              <a:defRPr/>
-            </a:pPr>
-            <a:endParaRPr lang="en-US" b="0" dirty="0"/>
-          </a:p>
-          <a:p>
-            <a:pPr marL="0" marR="0" lvl="0" indent="0" algn="l" defTabSz="914400" rtl="0" eaLnBrk="1" fontAlgn="auto" latinLnBrk="0" hangingPunct="1">
-              <a:lnSpc>
-                <a:spcPct val="100000"/>
-              </a:lnSpc>
-              <a:spcBef>
-                <a:spcPts val="0"/>
-              </a:spcBef>
-              <a:spcAft>
-                <a:spcPts val="0"/>
-              </a:spcAft>
-              <a:buClrTx/>
-              <a:buSzTx/>
-              <a:buFontTx/>
-              <a:buNone/>
-              <a:tabLst/>
-              <a:defRPr/>
-            </a:pPr>
-            <a:endParaRPr lang="en-US" b="0" dirty="0"/>
-          </a:p>
-          <a:p>
-            <a:pPr marL="0" marR="0" lvl="0" indent="0" algn="l" defTabSz="914400" rtl="0" eaLnBrk="1" fontAlgn="auto" latinLnBrk="0" hangingPunct="1">
-              <a:lnSpc>
-                <a:spcPct val="100000"/>
-              </a:lnSpc>
-              <a:spcBef>
-                <a:spcPts val="0"/>
-              </a:spcBef>
-              <a:spcAft>
-                <a:spcPts val="0"/>
-              </a:spcAft>
-              <a:buClrTx/>
-              <a:buSzTx/>
-              <a:buFontTx/>
-              <a:buNone/>
-              <a:tabLst/>
-              <a:defRPr/>
-            </a:pPr>
-            <a:endParaRPr lang="en-US" b="0" dirty="0"/>
-          </a:p>
-          <a:p>
-            <a:pPr marL="0" marR="0" lvl="0" indent="0" algn="l" defTabSz="914400" rtl="0" eaLnBrk="1" fontAlgn="auto" latinLnBrk="0" hangingPunct="1">
-              <a:lnSpc>
-                <a:spcPct val="100000"/>
-              </a:lnSpc>
-              <a:spcBef>
-                <a:spcPts val="0"/>
-              </a:spcBef>
-              <a:spcAft>
-                <a:spcPts val="0"/>
-              </a:spcAft>
-              <a:buClrTx/>
-              <a:buSzTx/>
-              <a:buFontTx/>
-              <a:buNone/>
-              <a:tabLst/>
-              <a:defRPr/>
-            </a:pPr>
-            <a:r>
-              <a:rPr lang="en-US" b="0" dirty="0"/>
-              <a:t>Now,</a:t>
-            </a:r>
-          </a:p>
-          <a:p>
-            <a:pPr marL="0" marR="0" lvl="0" indent="0" algn="l" defTabSz="914400" rtl="0" eaLnBrk="1" fontAlgn="auto" latinLnBrk="0" hangingPunct="1">
-              <a:lnSpc>
-                <a:spcPct val="100000"/>
-              </a:lnSpc>
-              <a:spcBef>
-                <a:spcPts val="0"/>
-              </a:spcBef>
-              <a:spcAft>
-                <a:spcPts val="0"/>
-              </a:spcAft>
-              <a:buClrTx/>
-              <a:buSzTx/>
-              <a:buFontTx/>
-              <a:buNone/>
-              <a:tabLst/>
-              <a:defRPr/>
-            </a:pPr>
-            <a:r>
-              <a:rPr lang="en-US" b="0" dirty="0"/>
-              <a:t>A lot of developers, usually new but also experience are using the arrow function without understanding why?</a:t>
-            </a:r>
-          </a:p>
-          <a:p>
-            <a:pPr marL="0" marR="0" lvl="0" indent="0" algn="l" defTabSz="914400" rtl="0" eaLnBrk="1" fontAlgn="auto" latinLnBrk="0" hangingPunct="1">
-              <a:lnSpc>
-                <a:spcPct val="100000"/>
-              </a:lnSpc>
-              <a:spcBef>
-                <a:spcPts val="0"/>
-              </a:spcBef>
-              <a:spcAft>
-                <a:spcPts val="0"/>
-              </a:spcAft>
-              <a:buClrTx/>
-              <a:buSzTx/>
-              <a:buFontTx/>
-              <a:buNone/>
-              <a:tabLst/>
-              <a:defRPr/>
-            </a:pPr>
-            <a:r>
-              <a:rPr lang="en-US" b="0" dirty="0"/>
-              <a:t>What issue it’s coming to solve?</a:t>
-            </a:r>
-          </a:p>
-          <a:p>
-            <a:pPr marL="0" marR="0" lvl="0" indent="0" algn="l" defTabSz="914400" rtl="0" eaLnBrk="1" fontAlgn="auto" latinLnBrk="0" hangingPunct="1">
-              <a:lnSpc>
-                <a:spcPct val="100000"/>
-              </a:lnSpc>
-              <a:spcBef>
-                <a:spcPts val="0"/>
-              </a:spcBef>
-              <a:spcAft>
-                <a:spcPts val="0"/>
-              </a:spcAft>
-              <a:buClrTx/>
-              <a:buSzTx/>
-              <a:buFontTx/>
-              <a:buNone/>
-              <a:tabLst/>
-              <a:defRPr/>
-            </a:pPr>
-            <a:r>
-              <a:rPr lang="en-US" b="0" dirty="0"/>
-              <a:t>Let’s take a look at example:</a:t>
-            </a:r>
-          </a:p>
-          <a:p>
-            <a:pPr marL="0" marR="0" lvl="0" indent="0" algn="l" defTabSz="914400" rtl="0" eaLnBrk="1" fontAlgn="auto" latinLnBrk="0" hangingPunct="1">
-              <a:lnSpc>
-                <a:spcPct val="100000"/>
-              </a:lnSpc>
-              <a:spcBef>
-                <a:spcPts val="0"/>
-              </a:spcBef>
-              <a:spcAft>
-                <a:spcPts val="0"/>
-              </a:spcAft>
-              <a:buClrTx/>
-              <a:buSzTx/>
-              <a:buFontTx/>
-              <a:buNone/>
-              <a:tabLst/>
-              <a:defRPr/>
-            </a:pPr>
-            <a:r>
-              <a:rPr lang="en-US" b="0" dirty="0"/>
-              <a:t>We have an object, when invoking counter function, we are setting a timeout, what will be `this` in callback function?</a:t>
-            </a:r>
-          </a:p>
-          <a:p>
-            <a:pPr marL="0" marR="0" lvl="0" indent="0" algn="l" defTabSz="914400" rtl="0" eaLnBrk="1" fontAlgn="auto" latinLnBrk="0" hangingPunct="1">
-              <a:lnSpc>
-                <a:spcPct val="100000"/>
-              </a:lnSpc>
-              <a:spcBef>
-                <a:spcPts val="0"/>
-              </a:spcBef>
-              <a:spcAft>
-                <a:spcPts val="0"/>
-              </a:spcAft>
-              <a:buClrTx/>
-              <a:buSzTx/>
-              <a:buFontTx/>
-              <a:buNone/>
-              <a:tabLst/>
-              <a:defRPr/>
-            </a:pPr>
-            <a:r>
-              <a:rPr lang="en-US" b="0" dirty="0"/>
-              <a:t>It will be the window,</a:t>
-            </a:r>
-          </a:p>
-          <a:p>
-            <a:pPr marL="0" marR="0" lvl="0" indent="0" algn="l" defTabSz="914400" rtl="0" eaLnBrk="1" fontAlgn="auto" latinLnBrk="0" hangingPunct="1">
-              <a:lnSpc>
-                <a:spcPct val="100000"/>
-              </a:lnSpc>
-              <a:spcBef>
-                <a:spcPts val="0"/>
-              </a:spcBef>
-              <a:spcAft>
-                <a:spcPts val="0"/>
-              </a:spcAft>
-              <a:buClrTx/>
-              <a:buSzTx/>
-              <a:buFontTx/>
-              <a:buNone/>
-              <a:tabLst/>
-              <a:defRPr/>
-            </a:pPr>
-            <a:r>
-              <a:rPr lang="en-US" b="0" dirty="0"/>
-              <a:t>How did we solve it in the past? There are 2 familiar ways, use `that` or use `bind` function</a:t>
-            </a:r>
-          </a:p>
-          <a:p>
-            <a:pPr marL="0" marR="0" lvl="0" indent="0" algn="l" defTabSz="914400" rtl="0" eaLnBrk="1" fontAlgn="auto" latinLnBrk="0" hangingPunct="1">
-              <a:lnSpc>
-                <a:spcPct val="100000"/>
-              </a:lnSpc>
-              <a:spcBef>
-                <a:spcPts val="0"/>
-              </a:spcBef>
-              <a:spcAft>
-                <a:spcPts val="0"/>
-              </a:spcAft>
-              <a:buClrTx/>
-              <a:buSzTx/>
-              <a:buFontTx/>
-              <a:buNone/>
-              <a:tabLst/>
-              <a:defRPr/>
-            </a:pPr>
-            <a:r>
-              <a:rPr lang="en-US" b="0" dirty="0"/>
-              <a:t>But with arrow function it will do that for us automatically</a:t>
-            </a:r>
-          </a:p>
-          <a:p>
-            <a:pPr marL="0" marR="0" lvl="0" indent="0" algn="l" defTabSz="914400" rtl="0" eaLnBrk="1" fontAlgn="auto" latinLnBrk="0" hangingPunct="1">
-              <a:lnSpc>
-                <a:spcPct val="100000"/>
-              </a:lnSpc>
-              <a:spcBef>
-                <a:spcPts val="0"/>
-              </a:spcBef>
-              <a:spcAft>
-                <a:spcPts val="0"/>
-              </a:spcAft>
-              <a:buClrTx/>
-              <a:buSzTx/>
-              <a:buFontTx/>
-              <a:buNone/>
-              <a:tabLst/>
-              <a:defRPr/>
-            </a:pPr>
-            <a:endParaRPr lang="en-US" b="0" dirty="0"/>
-          </a:p>
-          <a:p>
-            <a:pPr marL="0" marR="0" lvl="0" indent="0" algn="l" defTabSz="914400" rtl="0" eaLnBrk="1" fontAlgn="auto" latinLnBrk="0" hangingPunct="1">
-              <a:lnSpc>
-                <a:spcPct val="100000"/>
-              </a:lnSpc>
-              <a:spcBef>
-                <a:spcPts val="0"/>
-              </a:spcBef>
-              <a:spcAft>
-                <a:spcPts val="0"/>
-              </a:spcAft>
-              <a:buClrTx/>
-              <a:buSzTx/>
-              <a:buFontTx/>
-              <a:buNone/>
-              <a:tabLst/>
-              <a:defRPr/>
-            </a:pPr>
-            <a:r>
-              <a:rPr lang="en-US" b="0" dirty="0"/>
-              <a:t>What other cases we might want to use arrow function?</a:t>
-            </a:r>
-          </a:p>
-          <a:p>
-            <a:pPr marL="0" marR="0" lvl="0" indent="0" algn="l" defTabSz="914400" rtl="0" eaLnBrk="1" fontAlgn="auto" latinLnBrk="0" hangingPunct="1">
-              <a:lnSpc>
-                <a:spcPct val="100000"/>
-              </a:lnSpc>
-              <a:spcBef>
-                <a:spcPts val="0"/>
-              </a:spcBef>
-              <a:spcAft>
-                <a:spcPts val="0"/>
-              </a:spcAft>
-              <a:buClrTx/>
-              <a:buSzTx/>
-              <a:buFontTx/>
-              <a:buNone/>
-              <a:tabLst/>
-              <a:defRPr/>
-            </a:pPr>
-            <a:r>
-              <a:rPr lang="en-US" b="0" dirty="0"/>
-              <a:t>Callback function for </a:t>
-            </a:r>
-            <a:r>
-              <a:rPr lang="en-US" b="0" dirty="0" err="1"/>
-              <a:t>dom</a:t>
-            </a:r>
-            <a:r>
-              <a:rPr lang="en-US" b="0" dirty="0"/>
-              <a:t> events,</a:t>
-            </a:r>
-          </a:p>
-          <a:p>
-            <a:pPr marL="0" marR="0" lvl="0" indent="0" algn="l" defTabSz="914400" rtl="0" eaLnBrk="1" fontAlgn="auto" latinLnBrk="0" hangingPunct="1">
-              <a:lnSpc>
-                <a:spcPct val="100000"/>
-              </a:lnSpc>
-              <a:spcBef>
-                <a:spcPts val="0"/>
-              </a:spcBef>
-              <a:spcAft>
-                <a:spcPts val="0"/>
-              </a:spcAft>
-              <a:buClrTx/>
-              <a:buSzTx/>
-              <a:buFontTx/>
-              <a:buNone/>
-              <a:tabLst/>
-              <a:defRPr/>
-            </a:pPr>
-            <a:r>
-              <a:rPr lang="en-US" b="0" dirty="0"/>
-              <a:t>Callback function for iteration function like map or </a:t>
-            </a:r>
-            <a:r>
-              <a:rPr lang="en-US" sz="1200" b="0" i="0" kern="1200" dirty="0">
-                <a:solidFill>
-                  <a:schemeClr val="tx1"/>
-                </a:solidFill>
-                <a:effectLst/>
-                <a:latin typeface="+mn-lt"/>
-                <a:ea typeface="+mn-ea"/>
-                <a:cs typeface="+mn-cs"/>
-              </a:rPr>
-              <a:t>reduce, </a:t>
-            </a:r>
-            <a:r>
-              <a:rPr lang="en-US" b="0" dirty="0" err="1"/>
-              <a:t>forEach</a:t>
-            </a:r>
-            <a:r>
-              <a:rPr lang="en-US" b="0" dirty="0"/>
-              <a:t>.</a:t>
-            </a:r>
-          </a:p>
-          <a:p>
-            <a:pPr marL="0" marR="0" lvl="0" indent="0" algn="l" defTabSz="914400" rtl="0" eaLnBrk="1" fontAlgn="auto" latinLnBrk="0" hangingPunct="1">
-              <a:lnSpc>
-                <a:spcPct val="100000"/>
-              </a:lnSpc>
-              <a:spcBef>
-                <a:spcPts val="0"/>
-              </a:spcBef>
-              <a:spcAft>
-                <a:spcPts val="0"/>
-              </a:spcAft>
-              <a:buClrTx/>
-              <a:buSzTx/>
-              <a:buFontTx/>
-              <a:buNone/>
-              <a:tabLst/>
-              <a:defRPr/>
-            </a:pPr>
             <a:endParaRPr lang="en-US" b="0" dirty="0"/>
           </a:p>
           <a:p>
@@ -19977,7 +19566,7 @@
             </a:pPr>
             <a:r>
               <a:rPr lang="en-US" b="0" dirty="0"/>
-              <a:t>https://medium.freecodecamp.org/when-and-why-you-should-use-es6-arrow-functions-and-when-you-shouldnt-3d851d7f0b26</a:t>
+              <a:t>Using closure</a:t>
             </a:r>
           </a:p>
           <a:p>
@@ -20000,7 +19589,7 @@
             </a:pPr>
             <a:r>
               <a:rPr lang="en-US" b="0" dirty="0"/>
-              <a:t>https://developer.mozilla.org/en-US/docs/Web/JavaScript/Reference/Functions/Arrow_functions</a:t>
+              <a:t>Passing/saving arguments</a:t>
             </a:r>
           </a:p>
           <a:p>
@@ -20023,8 +19612,28 @@
             </a:pPr>
             <a:r>
               <a:rPr lang="en-US" b="0" dirty="0"/>
-              <a:t>http://ccoenraets.github.io/es6-tutorial/arrow-functions/</a:t>
-            </a:r>
+              <a:t>How we will implement it?</a:t>
+            </a:r>
+          </a:p>
+          <a:p>
+            <a:pPr marL="171450" marR="0" lvl="0" indent="-171450" algn="l" defTabSz="914400" rtl="0" eaLnBrk="1" fontAlgn="auto" latinLnBrk="0" hangingPunct="1">
+              <a:lnSpc>
+                <a:spcPct val="100000"/>
+              </a:lnSpc>
+              <a:spcBef>
+                <a:spcPts val="0"/>
+              </a:spcBef>
+              <a:spcAft>
+                <a:spcPts val="0"/>
+              </a:spcAft>
+              <a:buClrTx/>
+              <a:buSzTx/>
+              <a:buFontTx/>
+              <a:buChar char="-"/>
+              <a:tabLst/>
+              <a:defRPr/>
+            </a:pPr>
+            <a:endParaRPr lang="en-US" b="0" dirty="0"/>
           </a:p>
         </p:txBody>
       </p:sp>
@@ -20054,7 +19663,7 @@
     </p:spTree>
     <p:extLst>
       <p:ext uri="{BB962C8B-B14F-4D97-AF65-F5344CB8AC3E}">
-        <p14:creationId xmlns:p14="http://schemas.microsoft.com/office/powerpoint/2010/main" val="203576797"/>
+        <p14:creationId xmlns:p14="http://schemas.microsoft.com/office/powerpoint/2010/main" val="3724990549"/>
       </p:ext>
     </p:extLst>
   </p:cSld>
@@ -20126,9 +19735,552 @@
               <a:defRPr/>
             </a:pPr>
             <a:r>
+              <a:rPr lang="en-US" sz="1200" b="0" i="0" kern="1200" dirty="0">
+                <a:solidFill>
+                  <a:schemeClr val="tx1"/>
+                </a:solidFill>
+                <a:effectLst/>
+                <a:latin typeface="+mn-lt"/>
+                <a:ea typeface="+mn-ea"/>
+                <a:cs typeface="+mn-cs"/>
+              </a:rPr>
+              <a:t>What is arrow function?</a:t>
+            </a:r>
+          </a:p>
+          <a:p>
+            <a:pPr marL="0" marR="0" lvl="0" indent="0" algn="l" defTabSz="914400" rtl="0" eaLnBrk="1" fontAlgn="auto" latinLnBrk="0" hangingPunct="1">
+              <a:lnSpc>
+                <a:spcPct val="100000"/>
+              </a:lnSpc>
+              <a:spcBef>
+                <a:spcPts val="0"/>
+              </a:spcBef>
+              <a:spcAft>
+                <a:spcPts val="0"/>
+              </a:spcAft>
+              <a:buClrTx/>
+              <a:buSzTx/>
+              <a:buFontTx/>
+              <a:buNone/>
+              <a:tabLst/>
+              <a:defRPr/>
+            </a:pPr>
+            <a:endParaRPr lang="en-US" sz="1200" b="0" i="0" kern="1200" dirty="0">
+              <a:solidFill>
+                <a:schemeClr val="tx1"/>
+              </a:solidFill>
+              <a:effectLst/>
+              <a:latin typeface="+mn-lt"/>
+              <a:ea typeface="+mn-ea"/>
+              <a:cs typeface="+mn-cs"/>
+            </a:endParaRPr>
+          </a:p>
+          <a:p>
+            <a:pPr marL="0" marR="0" lvl="0" indent="0" algn="l" defTabSz="914400" rtl="0" eaLnBrk="1" fontAlgn="auto" latinLnBrk="0" hangingPunct="1">
+              <a:lnSpc>
+                <a:spcPct val="100000"/>
+              </a:lnSpc>
+              <a:spcBef>
+                <a:spcPts val="0"/>
+              </a:spcBef>
+              <a:spcAft>
+                <a:spcPts val="0"/>
+              </a:spcAft>
+              <a:buClrTx/>
+              <a:buSzTx/>
+              <a:buFontTx/>
+              <a:buNone/>
+              <a:tabLst/>
+              <a:defRPr/>
+            </a:pPr>
+            <a:r>
+              <a:rPr lang="en-US" sz="1200" b="0" i="0" kern="1200" dirty="0">
+                <a:solidFill>
+                  <a:schemeClr val="tx1"/>
+                </a:solidFill>
+                <a:effectLst/>
+                <a:latin typeface="+mn-lt"/>
+                <a:ea typeface="+mn-ea"/>
+                <a:cs typeface="+mn-cs"/>
+              </a:rPr>
+              <a:t>The ECMAScript 6 arrow function syntax is a shorthand for the ECMAScript 5 function syntax. It supports both block and expression bodies. The value of </a:t>
+            </a:r>
+            <a:r>
+              <a:rPr lang="en-US" dirty="0"/>
+              <a:t>this</a:t>
+            </a:r>
+            <a:r>
+              <a:rPr lang="en-US" sz="1200" b="0" i="0" kern="1200" dirty="0">
+                <a:solidFill>
+                  <a:schemeClr val="tx1"/>
+                </a:solidFill>
+                <a:effectLst/>
+                <a:latin typeface="+mn-lt"/>
+                <a:ea typeface="+mn-ea"/>
+                <a:cs typeface="+mn-cs"/>
+              </a:rPr>
+              <a:t> inside the function is not altered: it is the same as the value of </a:t>
+            </a:r>
+            <a:r>
+              <a:rPr lang="en-US" dirty="0"/>
+              <a:t>this</a:t>
+            </a:r>
+            <a:r>
+              <a:rPr lang="en-US" sz="1200" b="0" i="0" kern="1200" dirty="0">
+                <a:solidFill>
+                  <a:schemeClr val="tx1"/>
+                </a:solidFill>
+                <a:effectLst/>
+                <a:latin typeface="+mn-lt"/>
+                <a:ea typeface="+mn-ea"/>
+                <a:cs typeface="+mn-cs"/>
+              </a:rPr>
+              <a:t> outside the function. No more </a:t>
+            </a:r>
+            <a:r>
+              <a:rPr lang="en-US" dirty="0" err="1"/>
+              <a:t>var</a:t>
+            </a:r>
+            <a:r>
+              <a:rPr lang="en-US" dirty="0"/>
+              <a:t> self = this</a:t>
+            </a:r>
+            <a:r>
+              <a:rPr lang="en-US" sz="1200" b="0" i="0" kern="1200" dirty="0">
+                <a:solidFill>
+                  <a:schemeClr val="tx1"/>
+                </a:solidFill>
+                <a:effectLst/>
+                <a:latin typeface="+mn-lt"/>
+                <a:ea typeface="+mn-ea"/>
+                <a:cs typeface="+mn-cs"/>
+              </a:rPr>
+              <a:t> to keep track of the current scope.</a:t>
+            </a:r>
+          </a:p>
+          <a:p>
+            <a:pPr marL="0" marR="0" lvl="0" indent="0" algn="l" defTabSz="914400" rtl="0" eaLnBrk="1" fontAlgn="auto" latinLnBrk="0" hangingPunct="1">
+              <a:lnSpc>
+                <a:spcPct val="100000"/>
+              </a:lnSpc>
+              <a:spcBef>
+                <a:spcPts val="0"/>
+              </a:spcBef>
+              <a:spcAft>
+                <a:spcPts val="0"/>
+              </a:spcAft>
+              <a:buClrTx/>
+              <a:buSzTx/>
+              <a:buFontTx/>
+              <a:buNone/>
+              <a:tabLst/>
+              <a:defRPr/>
+            </a:pPr>
+            <a:endParaRPr lang="en-US" b="0" dirty="0"/>
+          </a:p>
+          <a:p>
+            <a:pPr marL="0" marR="0" lvl="0" indent="0" algn="l" defTabSz="914400" rtl="0" eaLnBrk="1" fontAlgn="auto" latinLnBrk="0" hangingPunct="1">
+              <a:lnSpc>
+                <a:spcPct val="100000"/>
+              </a:lnSpc>
+              <a:spcBef>
+                <a:spcPts val="0"/>
+              </a:spcBef>
+              <a:spcAft>
+                <a:spcPts val="0"/>
+              </a:spcAft>
+              <a:buClrTx/>
+              <a:buSzTx/>
+              <a:buFontTx/>
+              <a:buNone/>
+              <a:tabLst/>
+              <a:defRPr/>
+            </a:pPr>
+            <a:r>
               <a:rPr lang="en-US" b="0" dirty="0"/>
-              <a:t>Do I want to talk about it?</a:t>
-            </a:r>
+              <a:t>Let’s take a look at the syntax.</a:t>
+            </a:r>
+          </a:p>
+          <a:p>
+            <a:pPr marL="0" marR="0" lvl="0" indent="0" algn="l" defTabSz="914400" rtl="0" eaLnBrk="1" fontAlgn="auto" latinLnBrk="0" hangingPunct="1">
+              <a:lnSpc>
+                <a:spcPct val="100000"/>
+              </a:lnSpc>
+              <a:spcBef>
+                <a:spcPts val="0"/>
+              </a:spcBef>
+              <a:spcAft>
+                <a:spcPts val="0"/>
+              </a:spcAft>
+              <a:buClrTx/>
+              <a:buSzTx/>
+              <a:buFontTx/>
+              <a:buNone/>
+              <a:tabLst/>
+              <a:defRPr/>
+            </a:pPr>
+            <a:endParaRPr lang="en-US" b="0" dirty="0"/>
+          </a:p>
+          <a:p>
+            <a:pPr marL="0" marR="0" lvl="0" indent="0" algn="l" defTabSz="914400" rtl="0" eaLnBrk="1" fontAlgn="auto" latinLnBrk="0" hangingPunct="1">
+              <a:lnSpc>
+                <a:spcPct val="100000"/>
+              </a:lnSpc>
+              <a:spcBef>
+                <a:spcPts val="0"/>
+              </a:spcBef>
+              <a:spcAft>
+                <a:spcPts val="0"/>
+              </a:spcAft>
+              <a:buClrTx/>
+              <a:buSzTx/>
+              <a:buFontTx/>
+              <a:buNone/>
+              <a:tabLst/>
+              <a:defRPr/>
+            </a:pPr>
+            <a:endParaRPr lang="en-US" b="0" dirty="0"/>
+          </a:p>
+          <a:p>
+            <a:pPr marL="0" marR="0" lvl="0" indent="0" algn="l" defTabSz="914400" rtl="0" eaLnBrk="1" fontAlgn="auto" latinLnBrk="0" hangingPunct="1">
+              <a:lnSpc>
+                <a:spcPct val="100000"/>
+              </a:lnSpc>
+              <a:spcBef>
+                <a:spcPts val="0"/>
+              </a:spcBef>
+              <a:spcAft>
+                <a:spcPts val="0"/>
+              </a:spcAft>
+              <a:buClrTx/>
+              <a:buSzTx/>
+              <a:buFontTx/>
+              <a:buNone/>
+              <a:tabLst/>
+              <a:defRPr/>
+            </a:pPr>
+            <a:endParaRPr lang="en-US" b="0" dirty="0"/>
+          </a:p>
+          <a:p>
+            <a:pPr marL="0" marR="0" lvl="0" indent="0" algn="l" defTabSz="914400" rtl="0" eaLnBrk="1" fontAlgn="auto" latinLnBrk="0" hangingPunct="1">
+              <a:lnSpc>
+                <a:spcPct val="100000"/>
+              </a:lnSpc>
+              <a:spcBef>
+                <a:spcPts val="0"/>
+              </a:spcBef>
+              <a:spcAft>
+                <a:spcPts val="0"/>
+              </a:spcAft>
+              <a:buClrTx/>
+              <a:buSzTx/>
+              <a:buFontTx/>
+              <a:buNone/>
+              <a:tabLst/>
+              <a:defRPr/>
+            </a:pPr>
+            <a:r>
+              <a:rPr lang="en-US" b="0" dirty="0"/>
+              <a:t>Now,</a:t>
+            </a:r>
+          </a:p>
+          <a:p>
+            <a:pPr marL="0" marR="0" lvl="0" indent="0" algn="l" defTabSz="914400" rtl="0" eaLnBrk="1" fontAlgn="auto" latinLnBrk="0" hangingPunct="1">
+              <a:lnSpc>
+                <a:spcPct val="100000"/>
+              </a:lnSpc>
+              <a:spcBef>
+                <a:spcPts val="0"/>
+              </a:spcBef>
+              <a:spcAft>
+                <a:spcPts val="0"/>
+              </a:spcAft>
+              <a:buClrTx/>
+              <a:buSzTx/>
+              <a:buFontTx/>
+              <a:buNone/>
+              <a:tabLst/>
+              <a:defRPr/>
+            </a:pPr>
+            <a:r>
+              <a:rPr lang="en-US" b="0" dirty="0"/>
+              <a:t>A lot of developers, usually new but also experience are using the arrow function without understanding why?</a:t>
+            </a:r>
+          </a:p>
+          <a:p>
+            <a:pPr marL="0" marR="0" lvl="0" indent="0" algn="l" defTabSz="914400" rtl="0" eaLnBrk="1" fontAlgn="auto" latinLnBrk="0" hangingPunct="1">
+              <a:lnSpc>
+                <a:spcPct val="100000"/>
+              </a:lnSpc>
+              <a:spcBef>
+                <a:spcPts val="0"/>
+              </a:spcBef>
+              <a:spcAft>
+                <a:spcPts val="0"/>
+              </a:spcAft>
+              <a:buClrTx/>
+              <a:buSzTx/>
+              <a:buFontTx/>
+              <a:buNone/>
+              <a:tabLst/>
+              <a:defRPr/>
+            </a:pPr>
+            <a:r>
+              <a:rPr lang="en-US" b="0" dirty="0"/>
+              <a:t>What issue it’s coming to solve?</a:t>
+            </a:r>
+          </a:p>
+          <a:p>
+            <a:pPr marL="0" marR="0" lvl="0" indent="0" algn="l" defTabSz="914400" rtl="0" eaLnBrk="1" fontAlgn="auto" latinLnBrk="0" hangingPunct="1">
+              <a:lnSpc>
+                <a:spcPct val="100000"/>
+              </a:lnSpc>
+              <a:spcBef>
+                <a:spcPts val="0"/>
+              </a:spcBef>
+              <a:spcAft>
+                <a:spcPts val="0"/>
+              </a:spcAft>
+              <a:buClrTx/>
+              <a:buSzTx/>
+              <a:buFontTx/>
+              <a:buNone/>
+              <a:tabLst/>
+              <a:defRPr/>
+            </a:pPr>
+            <a:r>
+              <a:rPr lang="en-US" b="0" dirty="0"/>
+              <a:t>Let’s take a look at example:</a:t>
+            </a:r>
+          </a:p>
+          <a:p>
+            <a:pPr marL="0" marR="0" lvl="0" indent="0" algn="l" defTabSz="914400" rtl="0" eaLnBrk="1" fontAlgn="auto" latinLnBrk="0" hangingPunct="1">
+              <a:lnSpc>
+                <a:spcPct val="100000"/>
+              </a:lnSpc>
+              <a:spcBef>
+                <a:spcPts val="0"/>
+              </a:spcBef>
+              <a:spcAft>
+                <a:spcPts val="0"/>
+              </a:spcAft>
+              <a:buClrTx/>
+              <a:buSzTx/>
+              <a:buFontTx/>
+              <a:buNone/>
+              <a:tabLst/>
+              <a:defRPr/>
+            </a:pPr>
+            <a:r>
+              <a:rPr lang="en-US" b="0" dirty="0"/>
+              <a:t>We have an object, when invoking counter function, we are setting a timeout, what will be `this` in callback function?</a:t>
+            </a:r>
+          </a:p>
+          <a:p>
+            <a:pPr marL="0" marR="0" lvl="0" indent="0" algn="l" defTabSz="914400" rtl="0" eaLnBrk="1" fontAlgn="auto" latinLnBrk="0" hangingPunct="1">
+              <a:lnSpc>
+                <a:spcPct val="100000"/>
+              </a:lnSpc>
+              <a:spcBef>
+                <a:spcPts val="0"/>
+              </a:spcBef>
+              <a:spcAft>
+                <a:spcPts val="0"/>
+              </a:spcAft>
+              <a:buClrTx/>
+              <a:buSzTx/>
+              <a:buFontTx/>
+              <a:buNone/>
+              <a:tabLst/>
+              <a:defRPr/>
+            </a:pPr>
+            <a:r>
+              <a:rPr lang="en-US" b="0" dirty="0"/>
+              <a:t>It will be the window,</a:t>
+            </a:r>
+          </a:p>
+          <a:p>
+            <a:pPr marL="0" marR="0" lvl="0" indent="0" algn="l" defTabSz="914400" rtl="0" eaLnBrk="1" fontAlgn="auto" latinLnBrk="0" hangingPunct="1">
+              <a:lnSpc>
+                <a:spcPct val="100000"/>
+              </a:lnSpc>
+              <a:spcBef>
+                <a:spcPts val="0"/>
+              </a:spcBef>
+              <a:spcAft>
+                <a:spcPts val="0"/>
+              </a:spcAft>
+              <a:buClrTx/>
+              <a:buSzTx/>
+              <a:buFontTx/>
+              <a:buNone/>
+              <a:tabLst/>
+              <a:defRPr/>
+            </a:pPr>
+            <a:r>
+              <a:rPr lang="en-US" b="0" dirty="0"/>
+              <a:t>How did we solve it in the past? There are 2 familiar ways, use `that` or use `bind` function</a:t>
+            </a:r>
+          </a:p>
+          <a:p>
+            <a:pPr marL="0" marR="0" lvl="0" indent="0" algn="l" defTabSz="914400" rtl="0" eaLnBrk="1" fontAlgn="auto" latinLnBrk="0" hangingPunct="1">
+              <a:lnSpc>
+                <a:spcPct val="100000"/>
+              </a:lnSpc>
+              <a:spcBef>
+                <a:spcPts val="0"/>
+              </a:spcBef>
+              <a:spcAft>
+                <a:spcPts val="0"/>
+              </a:spcAft>
+              <a:buClrTx/>
+              <a:buSzTx/>
+              <a:buFontTx/>
+              <a:buNone/>
+              <a:tabLst/>
+              <a:defRPr/>
+            </a:pPr>
+            <a:r>
+              <a:rPr lang="en-US" b="0" dirty="0"/>
+              <a:t>But with arrow function it will do that for us automatically</a:t>
+            </a:r>
+          </a:p>
+          <a:p>
+            <a:pPr marL="0" marR="0" lvl="0" indent="0" algn="l" defTabSz="914400" rtl="0" eaLnBrk="1" fontAlgn="auto" latinLnBrk="0" hangingPunct="1">
+              <a:lnSpc>
+                <a:spcPct val="100000"/>
+              </a:lnSpc>
+              <a:spcBef>
+                <a:spcPts val="0"/>
+              </a:spcBef>
+              <a:spcAft>
+                <a:spcPts val="0"/>
+              </a:spcAft>
+              <a:buClrTx/>
+              <a:buSzTx/>
+              <a:buFontTx/>
+              <a:buNone/>
+              <a:tabLst/>
+              <a:defRPr/>
+            </a:pPr>
+            <a:endParaRPr lang="en-US" b="0" dirty="0"/>
+          </a:p>
+          <a:p>
+            <a:pPr marL="0" marR="0" lvl="0" indent="0" algn="l" defTabSz="914400" rtl="0" eaLnBrk="1" fontAlgn="auto" latinLnBrk="0" hangingPunct="1">
+              <a:lnSpc>
+                <a:spcPct val="100000"/>
+              </a:lnSpc>
+              <a:spcBef>
+                <a:spcPts val="0"/>
+              </a:spcBef>
+              <a:spcAft>
+                <a:spcPts val="0"/>
+              </a:spcAft>
+              <a:buClrTx/>
+              <a:buSzTx/>
+              <a:buFontTx/>
+              <a:buNone/>
+              <a:tabLst/>
+              <a:defRPr/>
+            </a:pPr>
+            <a:r>
+              <a:rPr lang="en-US" b="0" dirty="0"/>
+              <a:t>What other cases we might want to use arrow function?</a:t>
+            </a:r>
+          </a:p>
+          <a:p>
+            <a:pPr marL="0" marR="0" lvl="0" indent="0" algn="l" defTabSz="914400" rtl="0" eaLnBrk="1" fontAlgn="auto" latinLnBrk="0" hangingPunct="1">
+              <a:lnSpc>
+                <a:spcPct val="100000"/>
+              </a:lnSpc>
+              <a:spcBef>
+                <a:spcPts val="0"/>
+              </a:spcBef>
+              <a:spcAft>
+                <a:spcPts val="0"/>
+              </a:spcAft>
+              <a:buClrTx/>
+              <a:buSzTx/>
+              <a:buFontTx/>
+              <a:buNone/>
+              <a:tabLst/>
+              <a:defRPr/>
+            </a:pPr>
+            <a:r>
+              <a:rPr lang="en-US" b="0" dirty="0"/>
+              <a:t>Callback function for </a:t>
+            </a:r>
+            <a:r>
+              <a:rPr lang="en-US" b="0" dirty="0" err="1"/>
+              <a:t>dom</a:t>
+            </a:r>
+            <a:r>
+              <a:rPr lang="en-US" b="0" dirty="0"/>
+              <a:t> events,</a:t>
+            </a:r>
+          </a:p>
+          <a:p>
+            <a:pPr marL="0" marR="0" lvl="0" indent="0" algn="l" defTabSz="914400" rtl="0" eaLnBrk="1" fontAlgn="auto" latinLnBrk="0" hangingPunct="1">
+              <a:lnSpc>
+                <a:spcPct val="100000"/>
+              </a:lnSpc>
+              <a:spcBef>
+                <a:spcPts val="0"/>
+              </a:spcBef>
+              <a:spcAft>
+                <a:spcPts val="0"/>
+              </a:spcAft>
+              <a:buClrTx/>
+              <a:buSzTx/>
+              <a:buFontTx/>
+              <a:buNone/>
+              <a:tabLst/>
+              <a:defRPr/>
+            </a:pPr>
+            <a:r>
+              <a:rPr lang="en-US" b="0" dirty="0"/>
+              <a:t>Callback function for iteration function like map or </a:t>
+            </a:r>
+            <a:r>
+              <a:rPr lang="en-US" sz="1200" b="0" i="0" kern="1200" dirty="0">
+                <a:solidFill>
+                  <a:schemeClr val="tx1"/>
+                </a:solidFill>
+                <a:effectLst/>
+                <a:latin typeface="+mn-lt"/>
+                <a:ea typeface="+mn-ea"/>
+                <a:cs typeface="+mn-cs"/>
+              </a:rPr>
+              <a:t>reduce, </a:t>
+            </a:r>
+            <a:r>
+              <a:rPr lang="en-US" b="0" dirty="0" err="1"/>
+              <a:t>forEach</a:t>
+            </a:r>
+            <a:r>
+              <a:rPr lang="en-US" b="0" dirty="0"/>
+              <a:t>.</a:t>
+            </a:r>
+          </a:p>
+          <a:p>
+            <a:pPr marL="0" marR="0" lvl="0" indent="0" algn="l" defTabSz="914400" rtl="0" eaLnBrk="1" fontAlgn="auto" latinLnBrk="0" hangingPunct="1">
+              <a:lnSpc>
+                <a:spcPct val="100000"/>
+              </a:lnSpc>
+              <a:spcBef>
+                <a:spcPts val="0"/>
+              </a:spcBef>
+              <a:spcAft>
+                <a:spcPts val="0"/>
+              </a:spcAft>
+              <a:buClrTx/>
+              <a:buSzTx/>
+              <a:buFontTx/>
+              <a:buNone/>
+              <a:tabLst/>
+              <a:defRPr/>
+            </a:pPr>
+            <a:endParaRPr lang="en-US" b="0" dirty="0"/>
           </a:p>
           <a:p>
             <a:pPr marL="171450" marR="0" lvl="0" indent="-171450" algn="l" defTabSz="914400" rtl="0" eaLnBrk="1" fontAlgn="auto" latinLnBrk="0" hangingPunct="1">
@@ -20150,7 +20302,7 @@
             </a:pPr>
             <a:r>
               <a:rPr lang="en-US" b="0" dirty="0"/>
-              <a:t>Should be at the beginning of script/function</a:t>
+              <a:t>https://medium.freecodecamp.org/when-and-why-you-should-use-es6-arrow-functions-and-when-you-shouldnt-3d851d7f0b26</a:t>
             </a:r>
           </a:p>
           <a:p>
@@ -20173,13 +20325,8 @@
             </a:pPr>
             <a:r>
               <a:rPr lang="en-US" b="0" dirty="0"/>
-              <a:t>It’s  strict mode and added by default by </a:t>
-            </a:r>
-            <a:r>
-              <a:rPr lang="en-US" b="0" dirty="0" err="1"/>
-              <a:t>bable</a:t>
-            </a:r>
-            <a:endParaRPr lang="en-US" b="0" dirty="0"/>
+              <a:t>https://developer.mozilla.org/en-US/docs/Web/JavaScript/Reference/Functions/Arrow_functions</a:t>
+            </a:r>
           </a:p>
           <a:p>
             <a:pPr marL="171450" marR="0" lvl="0" indent="-171450" algn="l" defTabSz="914400" rtl="0" eaLnBrk="1" fontAlgn="auto" latinLnBrk="0" hangingPunct="1">
@@ -20201,120 +20348,7 @@
             </a:pPr>
             <a:r>
               <a:rPr lang="en-US" b="0" dirty="0"/>
-              <a:t>For callbacks -&gt; this will not be window</a:t>
-            </a:r>
-          </a:p>
-          <a:p>
-            <a:pPr marL="171450" marR="0" lvl="0" indent="-171450" algn="l" defTabSz="914400" rtl="0" eaLnBrk="1" fontAlgn="auto" latinLnBrk="0" hangingPunct="1">
-              <a:lnSpc>
-                <a:spcPct val="100000"/>
-              </a:lnSpc>
-              <a:spcBef>
-                <a:spcPts val="0"/>
-              </a:spcBef>
-              <a:spcAft>
-                <a:spcPts val="0"/>
-              </a:spcAft>
-              <a:buClrTx/>
-              <a:buSzTx/>
-              <a:buFontTx/>
-              <a:buChar char="-"/>
-              <a:tabLst/>
-              <a:defRPr/>
-            </a:pPr>
-            <a:r>
-              <a:rPr lang="en-US" b="0" dirty="0"/>
-              <a:t>Not allowing creating variable without declaring</a:t>
-            </a:r>
-          </a:p>
-          <a:p>
-            <a:pPr marL="171450" marR="0" lvl="0" indent="-171450" algn="l" defTabSz="914400" rtl="0" eaLnBrk="1" fontAlgn="auto" latinLnBrk="0" hangingPunct="1">
-              <a:lnSpc>
-                <a:spcPct val="100000"/>
-              </a:lnSpc>
-              <a:spcBef>
-                <a:spcPts val="0"/>
-              </a:spcBef>
-              <a:spcAft>
-                <a:spcPts val="0"/>
-              </a:spcAft>
-              <a:buClrTx/>
-              <a:buSzTx/>
-              <a:buFontTx/>
-              <a:buChar char="-"/>
-              <a:tabLst/>
-              <a:defRPr/>
-            </a:pPr>
-            <a:r>
-              <a:rPr lang="en-US" b="0" dirty="0" err="1"/>
-              <a:t>Freaze</a:t>
-            </a:r>
-            <a:r>
-              <a:rPr lang="en-US" b="0" dirty="0"/>
-              <a:t> example will throw error for change/delete????</a:t>
-            </a:r>
-          </a:p>
-          <a:p>
-            <a:pPr marL="0" marR="0" lvl="0" indent="0" algn="l" defTabSz="914400" rtl="0" eaLnBrk="1" fontAlgn="auto" latinLnBrk="0" hangingPunct="1">
-              <a:lnSpc>
-                <a:spcPct val="100000"/>
-              </a:lnSpc>
-              <a:spcBef>
-                <a:spcPts val="0"/>
-              </a:spcBef>
-              <a:spcAft>
-                <a:spcPts val="0"/>
-              </a:spcAft>
-              <a:buClrTx/>
-              <a:buSzTx/>
-              <a:buFontTx/>
-              <a:buNone/>
-              <a:tabLst/>
-              <a:defRPr/>
-            </a:pPr>
-            <a:endParaRPr lang="en-US" b="0" dirty="0"/>
-          </a:p>
-          <a:p>
-            <a:pPr marL="0" marR="0" lvl="0" indent="0" algn="l" defTabSz="914400" rtl="0" eaLnBrk="1" fontAlgn="auto" latinLnBrk="0" hangingPunct="1">
-              <a:lnSpc>
-                <a:spcPct val="100000"/>
-              </a:lnSpc>
-              <a:spcBef>
-                <a:spcPts val="0"/>
-              </a:spcBef>
-              <a:spcAft>
-                <a:spcPts val="0"/>
-              </a:spcAft>
-              <a:buClrTx/>
-              <a:buSzTx/>
-              <a:buFontTx/>
-              <a:buNone/>
-              <a:tabLst/>
-              <a:defRPr/>
-            </a:pPr>
-            <a:endParaRPr lang="en-US" b="0" dirty="0"/>
-          </a:p>
-          <a:p>
-            <a:pPr marL="171450" marR="0" lvl="0" indent="-171450" algn="l" defTabSz="914400" rtl="0" eaLnBrk="1" fontAlgn="auto" latinLnBrk="0" hangingPunct="1">
-              <a:lnSpc>
-                <a:spcPct val="100000"/>
-              </a:lnSpc>
-              <a:spcBef>
-                <a:spcPts val="0"/>
-              </a:spcBef>
-              <a:spcAft>
-                <a:spcPts val="0"/>
-              </a:spcAft>
-              <a:buClrTx/>
-              <a:buSzTx/>
-              <a:buFontTx/>
-              <a:buChar char="-"/>
-              <a:tabLst/>
-              <a:defRPr/>
-            </a:pPr>
-            <a:r>
-              <a:rPr lang="en-US" b="0" dirty="0"/>
-              <a:t>https://www.w3schools.com/js/js_strict.asp</a:t>
+              <a:t>http://ccoenraets.github.io/es6-tutorial/arrow-functions/</a:t>
             </a:r>
           </a:p>
         </p:txBody>
@@ -20345,7 +20379,7 @@
     </p:spTree>
     <p:extLst>
       <p:ext uri="{BB962C8B-B14F-4D97-AF65-F5344CB8AC3E}">
-        <p14:creationId xmlns:p14="http://schemas.microsoft.com/office/powerpoint/2010/main" val="3689577127"/>
+        <p14:creationId xmlns:p14="http://schemas.microsoft.com/office/powerpoint/2010/main" val="203576797"/>
       </p:ext>
     </p:extLst>
   </p:cSld>
@@ -20417,18 +20451,26 @@
               <a:defRPr/>
             </a:pPr>
             <a:r>
-              <a:rPr lang="en-US" sz="1200" b="1" i="0" kern="1200" dirty="0">
-                <a:solidFill>
-                  <a:schemeClr val="tx1"/>
-                </a:solidFill>
-                <a:effectLst/>
-                <a:latin typeface="+mn-lt"/>
-                <a:ea typeface="+mn-ea"/>
-                <a:cs typeface="+mn-cs"/>
-              </a:rPr>
-              <a:t>IIFE - Immediately Invoked Function Expression</a:t>
-            </a:r>
-            <a:endParaRPr lang="en-US" sz="1200" b="0" i="0" kern="1200" dirty="0">
+              <a:rPr lang="en-US" dirty="0" err="1"/>
+              <a:t>PaymentService</a:t>
+            </a:r>
+            <a:r>
+              <a:rPr lang="en-US" dirty="0"/>
+              <a:t> – </a:t>
+            </a:r>
+            <a:r>
+              <a:rPr lang="en-US" sz="1200" kern="1200" dirty="0" err="1">
+                <a:solidFill>
+                  <a:schemeClr val="tx1"/>
+                </a:solidFill>
+                <a:effectLst/>
+                <a:latin typeface="+mn-lt"/>
+                <a:ea typeface="+mn-ea"/>
+                <a:cs typeface="+mn-cs"/>
+              </a:rPr>
+              <a:t>chooseRegularFlowOrUserWithoutJasperAccountFlow</a:t>
+            </a:r>
+            <a:endParaRPr lang="en-US" sz="1200" kern="1200" dirty="0">
               <a:solidFill>
                 <a:schemeClr val="tx1"/>
               </a:solidFill>
@@ -20456,7 +20498,7 @@
               <a:tabLst/>
               <a:defRPr/>
             </a:pPr>
-            <a:endParaRPr lang="en-US" sz="1200" b="0" i="0" kern="1200" dirty="0">
+            <a:endParaRPr lang="en-US" sz="1200" b="0" kern="1200" dirty="0">
               <a:solidFill>
                 <a:schemeClr val="tx1"/>
               </a:solidFill>
@@ -20485,20 +20527,16 @@
               <a:defRPr/>
             </a:pPr>
             <a:r>
-              <a:rPr lang="en-US" sz="1200" b="0" i="0" kern="1200" dirty="0">
-                <a:solidFill>
-                  <a:schemeClr val="tx1"/>
-                </a:solidFill>
-                <a:effectLst/>
-                <a:latin typeface="+mn-lt"/>
-                <a:ea typeface="+mn-ea"/>
-                <a:cs typeface="+mn-cs"/>
-              </a:rPr>
-              <a:t>In other words, </a:t>
-            </a:r>
-            <a:r>
-              <a:rPr lang="en-US" dirty="0"/>
-              <a:t>Self Invoking Function :</a:t>
+              <a:rPr lang="en-US" sz="1200" b="0" kern="1200" dirty="0">
+                <a:solidFill>
+                  <a:schemeClr val="tx1"/>
+                </a:solidFill>
+                <a:effectLst/>
+                <a:latin typeface="+mn-lt"/>
+                <a:ea typeface="+mn-ea"/>
+                <a:cs typeface="+mn-cs"/>
+              </a:rPr>
+              <a:t>Show how the code was before refactor and after.</a:t>
             </a:r>
           </a:p>
           <a:p>
@@ -20520,105 +20558,16 @@
               <a:defRPr/>
             </a:pPr>
             <a:r>
-              <a:rPr lang="en-US" dirty="0"/>
-              <a:t>It’s a </a:t>
-            </a:r>
-            <a:r>
-              <a:rPr lang="en-US" sz="1200" dirty="0"/>
-              <a:t>method</a:t>
-            </a:r>
-            <a:r>
-              <a:rPr lang="en-US" dirty="0"/>
-              <a:t> who invoking itself,</a:t>
-            </a:r>
-          </a:p>
-          <a:p>
-            <a:pPr marL="0" marR="0" lvl="0" indent="0" algn="l" defTabSz="914400" rtl="0" eaLnBrk="1" fontAlgn="auto" latinLnBrk="0" hangingPunct="1">
-              <a:lnSpc>
-                <a:spcPct val="100000"/>
-              </a:lnSpc>
-              <a:spcBef>
-                <a:spcPts val="0"/>
-              </a:spcBef>
-              <a:spcAft>
-                <a:spcPts val="0"/>
-              </a:spcAft>
-              <a:buClrTx/>
-              <a:buSzTx/>
-              <a:buFontTx/>
-              <a:buNone/>
-              <a:tabLst/>
-              <a:defRPr/>
-            </a:pPr>
-            <a:endParaRPr lang="en-US" dirty="0"/>
-          </a:p>
-          <a:p>
-            <a:pPr marL="0" marR="0" lvl="0" indent="0" algn="l" defTabSz="914400" rtl="0" eaLnBrk="1" fontAlgn="auto" latinLnBrk="0" hangingPunct="1">
-              <a:lnSpc>
-                <a:spcPct val="100000"/>
-              </a:lnSpc>
-              <a:spcBef>
-                <a:spcPts val="0"/>
-              </a:spcBef>
-              <a:spcAft>
-                <a:spcPts val="0"/>
-              </a:spcAft>
-              <a:buClrTx/>
-              <a:buSzTx/>
-              <a:buFontTx/>
-              <a:buNone/>
-              <a:tabLst/>
-              <a:defRPr/>
-            </a:pPr>
-            <a:r>
-              <a:rPr lang="en-US" sz="2400" dirty="0"/>
-              <a:t>Why do we need it?</a:t>
-            </a:r>
-          </a:p>
-          <a:p>
-            <a:pPr marL="0" marR="0" lvl="0" indent="0" algn="l" defTabSz="914400" rtl="0" eaLnBrk="1" fontAlgn="auto" latinLnBrk="0" hangingPunct="1">
-              <a:lnSpc>
-                <a:spcPct val="100000"/>
-              </a:lnSpc>
-              <a:spcBef>
-                <a:spcPts val="0"/>
-              </a:spcBef>
-              <a:spcAft>
-                <a:spcPts val="0"/>
-              </a:spcAft>
-              <a:buClrTx/>
-              <a:buSzTx/>
-              <a:buFontTx/>
-              <a:buNone/>
-              <a:tabLst/>
-              <a:defRPr/>
-            </a:pPr>
-            <a:r>
-              <a:rPr lang="en-US" sz="2400" dirty="0"/>
-              <a:t>What issue it’s coming to solve?</a:t>
-            </a:r>
-          </a:p>
-          <a:p>
-            <a:pPr marL="0" marR="0" lvl="0" indent="0" algn="l" defTabSz="914400" rtl="0" eaLnBrk="1" fontAlgn="auto" latinLnBrk="0" hangingPunct="1">
-              <a:lnSpc>
-                <a:spcPct val="100000"/>
-              </a:lnSpc>
-              <a:spcBef>
-                <a:spcPts val="0"/>
-              </a:spcBef>
-              <a:spcAft>
-                <a:spcPts val="0"/>
-              </a:spcAft>
-              <a:buClrTx/>
-              <a:buSzTx/>
-              <a:buFontTx/>
-              <a:buNone/>
-              <a:tabLst/>
-              <a:defRPr/>
-            </a:pPr>
-            <a:r>
-              <a:rPr lang="en-US" sz="2400" dirty="0"/>
-              <a:t>This technique is useful for isolating code from the global scope.</a:t>
+              <a:rPr lang="en-US" sz="1200" b="0" kern="1200" dirty="0">
+                <a:solidFill>
+                  <a:schemeClr val="tx1"/>
+                </a:solidFill>
+                <a:effectLst/>
+                <a:latin typeface="+mn-lt"/>
+                <a:ea typeface="+mn-ea"/>
+                <a:cs typeface="+mn-cs"/>
+              </a:rPr>
+              <a:t>Do refactor with the class.</a:t>
             </a:r>
           </a:p>
           <a:p>
@@ -20669,7 +20618,7 @@
     </p:spTree>
     <p:extLst>
       <p:ext uri="{BB962C8B-B14F-4D97-AF65-F5344CB8AC3E}">
-        <p14:creationId xmlns:p14="http://schemas.microsoft.com/office/powerpoint/2010/main" val="3635942883"/>
+        <p14:creationId xmlns:p14="http://schemas.microsoft.com/office/powerpoint/2010/main" val="3583219243"/>
       </p:ext>
     </p:extLst>
   </p:cSld>
@@ -20741,16 +20690,132 @@
               <a:defRPr/>
             </a:pPr>
             <a:r>
-              <a:rPr lang="en-US" sz="1200" b="0" i="0" kern="1200" dirty="0">
-                <a:solidFill>
-                  <a:schemeClr val="tx1"/>
-                </a:solidFill>
-                <a:effectLst/>
-                <a:latin typeface="+mn-lt"/>
-                <a:ea typeface="+mn-ea"/>
-                <a:cs typeface="+mn-cs"/>
-              </a:rPr>
-              <a:t>In the past, how we create class in JS?</a:t>
+              <a:rPr lang="en-US" b="0" dirty="0"/>
+              <a:t>Do I want to talk about it?</a:t>
+            </a:r>
+          </a:p>
+          <a:p>
+            <a:pPr marL="171450" marR="0" lvl="0" indent="-171450" algn="l" defTabSz="914400" rtl="0" eaLnBrk="1" fontAlgn="auto" latinLnBrk="0" hangingPunct="1">
+              <a:lnSpc>
+                <a:spcPct val="100000"/>
+              </a:lnSpc>
+              <a:spcBef>
+                <a:spcPts val="0"/>
+              </a:spcBef>
+              <a:spcAft>
+                <a:spcPts val="0"/>
+              </a:spcAft>
+              <a:buClrTx/>
+              <a:buSzTx/>
+              <a:buFontTx/>
+              <a:buChar char="-"/>
+              <a:tabLst/>
+              <a:defRPr/>
+            </a:pPr>
+            <a:r>
+              <a:rPr lang="en-US" b="0" dirty="0"/>
+              <a:t>Should be at the beginning of script/function</a:t>
+            </a:r>
+          </a:p>
+          <a:p>
+            <a:pPr marL="171450" marR="0" lvl="0" indent="-171450" algn="l" defTabSz="914400" rtl="0" eaLnBrk="1" fontAlgn="auto" latinLnBrk="0" hangingPunct="1">
+              <a:lnSpc>
+                <a:spcPct val="100000"/>
+              </a:lnSpc>
+              <a:spcBef>
+                <a:spcPts val="0"/>
+              </a:spcBef>
+              <a:spcAft>
+                <a:spcPts val="0"/>
+              </a:spcAft>
+              <a:buClrTx/>
+              <a:buSzTx/>
+              <a:buFontTx/>
+              <a:buChar char="-"/>
+              <a:tabLst/>
+              <a:defRPr/>
+            </a:pPr>
+            <a:r>
+              <a:rPr lang="en-US" b="0" dirty="0"/>
+              <a:t>It’s  strict mode and added by default by </a:t>
+            </a:r>
+            <a:r>
+              <a:rPr lang="en-US" b="0" dirty="0" err="1"/>
+              <a:t>bable</a:t>
+            </a:r>
+            <a:endParaRPr lang="en-US" b="0" dirty="0"/>
+          </a:p>
+          <a:p>
+            <a:pPr marL="171450" marR="0" lvl="0" indent="-171450" algn="l" defTabSz="914400" rtl="0" eaLnBrk="1" fontAlgn="auto" latinLnBrk="0" hangingPunct="1">
+              <a:lnSpc>
+                <a:spcPct val="100000"/>
+              </a:lnSpc>
+              <a:spcBef>
+                <a:spcPts val="0"/>
+              </a:spcBef>
+              <a:spcAft>
+                <a:spcPts val="0"/>
+              </a:spcAft>
+              <a:buClrTx/>
+              <a:buSzTx/>
+              <a:buFontTx/>
+              <a:buChar char="-"/>
+              <a:tabLst/>
+              <a:defRPr/>
+            </a:pPr>
+            <a:r>
+              <a:rPr lang="en-US" b="0" dirty="0"/>
+              <a:t>For callbacks -&gt; this will not be window</a:t>
+            </a:r>
+          </a:p>
+          <a:p>
+            <a:pPr marL="171450" marR="0" lvl="0" indent="-171450" algn="l" defTabSz="914400" rtl="0" eaLnBrk="1" fontAlgn="auto" latinLnBrk="0" hangingPunct="1">
+              <a:lnSpc>
+                <a:spcPct val="100000"/>
+              </a:lnSpc>
+              <a:spcBef>
+                <a:spcPts val="0"/>
+              </a:spcBef>
+              <a:spcAft>
+                <a:spcPts val="0"/>
+              </a:spcAft>
+              <a:buClrTx/>
+              <a:buSzTx/>
+              <a:buFontTx/>
+              <a:buChar char="-"/>
+              <a:tabLst/>
+              <a:defRPr/>
+            </a:pPr>
+            <a:r>
+              <a:rPr lang="en-US" b="0" dirty="0"/>
+              <a:t>Not allowing creating variable without declaring</a:t>
+            </a:r>
+          </a:p>
+          <a:p>
+            <a:pPr marL="171450" marR="0" lvl="0" indent="-171450" algn="l" defTabSz="914400" rtl="0" eaLnBrk="1" fontAlgn="auto" latinLnBrk="0" hangingPunct="1">
+              <a:lnSpc>
+                <a:spcPct val="100000"/>
+              </a:lnSpc>
+              <a:spcBef>
+                <a:spcPts val="0"/>
+              </a:spcBef>
+              <a:spcAft>
+                <a:spcPts val="0"/>
+              </a:spcAft>
+              <a:buClrTx/>
+              <a:buSzTx/>
+              <a:buFontTx/>
+              <a:buChar char="-"/>
+              <a:tabLst/>
+              <a:defRPr/>
+            </a:pPr>
+            <a:r>
+              <a:rPr lang="en-US" b="0" dirty="0" err="1"/>
+              <a:t>Freaze</a:t>
+            </a:r>
+            <a:r>
+              <a:rPr lang="en-US" b="0" dirty="0"/>
+              <a:t> example will throw error for change/delete????</a:t>
             </a:r>
           </a:p>
           <a:p>
@@ -20791,10 +20856,7 @@
               <a:tabLst/>
               <a:defRPr/>
             </a:pPr>
-            <a:r>
-              <a:rPr lang="en-US" b="0" dirty="0"/>
-              <a:t>In JS, we don’t have classes, so how did we make one?</a:t>
-            </a:r>
+            <a:endParaRPr lang="en-US" b="0" dirty="0"/>
           </a:p>
           <a:p>
             <a:pPr marL="0" marR="0" lvl="0" indent="0" algn="l" defTabSz="914400" rtl="0" eaLnBrk="1" fontAlgn="auto" latinLnBrk="0" hangingPunct="1">
@@ -20815,8 +20877,20 @@
               <a:defRPr/>
             </a:pPr>
             <a:r>
-              <a:rPr lang="en-US" sz="2400" dirty="0"/>
-              <a:t>Although the standard syntax is missing the language can still be manipulated to act as one.</a:t>
+              <a:rPr lang="en-US" dirty="0"/>
+              <a:t>"use strict";</a:t>
+            </a:r>
+            <a:r>
+              <a:rPr lang="en-US" sz="1200" b="0" i="0" kern="1200" dirty="0">
+                <a:solidFill>
+                  <a:schemeClr val="tx1"/>
+                </a:solidFill>
+                <a:effectLst/>
+                <a:latin typeface="+mn-lt"/>
+                <a:ea typeface="+mn-ea"/>
+                <a:cs typeface="+mn-cs"/>
+              </a:rPr>
+              <a:t> Defines that JavaScript code should be executed in "strict mode".</a:t>
             </a:r>
           </a:p>
           <a:p>
@@ -20837,7 +20911,18 @@
               <a:tabLst/>
               <a:defRPr/>
             </a:pPr>
-            <a:endParaRPr lang="en-US" sz="2400" dirty="0"/>
+            <a:r>
+              <a:rPr lang="en-US" sz="1200" b="0" i="0" kern="1200" dirty="0">
+                <a:solidFill>
+                  <a:schemeClr val="tx1"/>
+                </a:solidFill>
+                <a:effectLst/>
+                <a:latin typeface="+mn-lt"/>
+                <a:ea typeface="+mn-ea"/>
+                <a:cs typeface="+mn-cs"/>
+              </a:rPr>
+              <a:t>Strict mode makes several changes to normal JavaScript semantics.</a:t>
+            </a:r>
           </a:p>
           <a:p>
             <a:pPr marL="0" marR="0" lvl="0" indent="0" algn="l" defTabSz="914400" rtl="0" eaLnBrk="1" fontAlgn="auto" latinLnBrk="0" hangingPunct="1">
@@ -20858,56 +20943,59 @@
               <a:defRPr/>
             </a:pPr>
             <a:r>
-              <a:rPr lang="en-US" sz="2400" dirty="0"/>
-              <a:t>The </a:t>
-            </a:r>
-            <a:r>
-              <a:rPr lang="en-US" sz="2400" b="1" dirty="0"/>
-              <a:t>function</a:t>
-            </a:r>
-            <a:r>
-              <a:rPr lang="en-US" sz="2400" dirty="0"/>
-              <a:t> keyword creates an object of Function type. This object can be used as a normal function or as a </a:t>
-            </a:r>
-            <a:r>
-              <a:rPr lang="en-US" sz="2400" b="1" dirty="0"/>
-              <a:t>class</a:t>
-            </a:r>
-            <a:r>
-              <a:rPr lang="en-US" sz="2400" dirty="0"/>
-              <a:t> </a:t>
-            </a:r>
-            <a:r>
-              <a:rPr lang="en-US" sz="2400" b="1" dirty="0"/>
-              <a:t>object </a:t>
-            </a:r>
-            <a:r>
-              <a:rPr lang="en-US" sz="2400" dirty="0"/>
-              <a:t>which defines the class</a:t>
-            </a:r>
-            <a:r>
-              <a:rPr lang="en-US" sz="2400" b="1" dirty="0"/>
-              <a:t> </a:t>
-            </a:r>
-            <a:r>
-              <a:rPr lang="en-US" sz="2400" b="1" dirty="0">
-                <a:solidFill>
-                  <a:schemeClr val="tx1"/>
-                </a:solidFill>
-              </a:rPr>
-              <a:t>constructor</a:t>
-            </a:r>
-            <a:r>
-              <a:rPr lang="en-US" sz="2400" dirty="0">
-                <a:solidFill>
-                  <a:schemeClr val="tx1"/>
-                </a:solidFill>
-              </a:rPr>
-              <a:t> </a:t>
-            </a:r>
-            <a:r>
-              <a:rPr lang="en-US" sz="2400" dirty="0"/>
-              <a:t>method.</a:t>
+              <a:rPr lang="en-US" b="0" dirty="0"/>
+              <a:t>In general it will help to:</a:t>
+            </a:r>
+          </a:p>
+          <a:p>
+            <a:pPr marL="228600" indent="-228600" algn="l" rtl="0">
+              <a:buAutoNum type="arabicParenR"/>
+            </a:pPr>
+            <a:r>
+              <a:rPr lang="en-US" sz="1200" b="0" i="0" kern="1200" dirty="0">
+                <a:solidFill>
+                  <a:schemeClr val="tx1"/>
+                </a:solidFill>
+                <a:effectLst/>
+                <a:latin typeface="+mn-lt"/>
+                <a:ea typeface="+mn-ea"/>
+                <a:cs typeface="+mn-cs"/>
+              </a:rPr>
+              <a:t>Eliminates some JavaScript silent errors by changing them to throw errors.</a:t>
+            </a:r>
+          </a:p>
+          <a:p>
+            <a:pPr marL="228600" indent="-228600" algn="l" rtl="0">
+              <a:buAutoNum type="arabicParenR"/>
+            </a:pPr>
+            <a:r>
+              <a:rPr lang="en-US" sz="1200" b="0" i="0" kern="1200" dirty="0">
+                <a:solidFill>
+                  <a:schemeClr val="tx1"/>
+                </a:solidFill>
+                <a:effectLst/>
+                <a:latin typeface="+mn-lt"/>
+                <a:ea typeface="+mn-ea"/>
+                <a:cs typeface="+mn-cs"/>
+              </a:rPr>
+              <a:t>Fixes mistakes that make it difficult for JavaScript engines to perform optimizations: strict mode code can sometimes be made to run faster than identical code that's not strict mode.</a:t>
+            </a:r>
+          </a:p>
+          <a:p>
+            <a:pPr marL="228600" indent="-228600" algn="l" rtl="0">
+              <a:buAutoNum type="arabicParenR"/>
+            </a:pPr>
+            <a:r>
+              <a:rPr lang="en-US" sz="1200" b="0" i="0" kern="1200" dirty="0">
+                <a:solidFill>
+                  <a:schemeClr val="tx1"/>
+                </a:solidFill>
+                <a:effectLst/>
+                <a:latin typeface="+mn-lt"/>
+                <a:ea typeface="+mn-ea"/>
+                <a:cs typeface="+mn-cs"/>
+              </a:rPr>
+              <a:t>Prohibits some syntax likely to be defined in future versions of ECMAScript.</a:t>
             </a:r>
           </a:p>
           <a:p>
@@ -20928,50 +21016,1852 @@
               <a:tabLst/>
               <a:defRPr/>
             </a:pPr>
-            <a:r>
-              <a:rPr lang="en-US" sz="2400" dirty="0"/>
-              <a:t>When using the </a:t>
-            </a:r>
-            <a:r>
-              <a:rPr lang="en-US" sz="2400" b="1" dirty="0">
-                <a:solidFill>
-                  <a:schemeClr val="tx1"/>
-                </a:solidFill>
-              </a:rPr>
-              <a:t>new</a:t>
-            </a:r>
-            <a:r>
-              <a:rPr lang="en-US" sz="2400" dirty="0">
-                <a:solidFill>
-                  <a:schemeClr val="tx1"/>
-                </a:solidFill>
-              </a:rPr>
+            <a:endParaRPr lang="en-US" b="0" dirty="0"/>
+          </a:p>
+          <a:p>
+            <a:pPr marL="0" marR="0" lvl="0" indent="0" algn="l" defTabSz="914400" rtl="0" eaLnBrk="1" fontAlgn="auto" latinLnBrk="0" hangingPunct="1">
+              <a:lnSpc>
+                <a:spcPct val="100000"/>
+              </a:lnSpc>
+              <a:spcBef>
+                <a:spcPts val="0"/>
+              </a:spcBef>
+              <a:spcAft>
+                <a:spcPts val="0"/>
+              </a:spcAft>
+              <a:buClrTx/>
+              <a:buSzTx/>
+              <a:buFontTx/>
+              <a:buNone/>
+              <a:tabLst/>
+              <a:defRPr/>
+            </a:pPr>
+            <a:r>
+              <a:rPr lang="en-US" b="0" dirty="0"/>
+              <a:t>In short, </a:t>
+            </a:r>
+            <a:r>
+              <a:rPr lang="en-US" sz="1200" b="0" i="0" kern="1200" dirty="0">
+                <a:solidFill>
+                  <a:schemeClr val="tx1"/>
+                </a:solidFill>
+                <a:effectLst/>
+                <a:latin typeface="+mn-lt"/>
+                <a:ea typeface="+mn-ea"/>
+                <a:cs typeface="+mn-cs"/>
+              </a:rPr>
+              <a:t>Strict mode throws more errors and disables some features in an effort to make your code more robust, readable, and accurate.</a:t>
+            </a:r>
+          </a:p>
+          <a:p>
+            <a:pPr marL="0" marR="0" lvl="0" indent="0" algn="l" defTabSz="914400" rtl="0" eaLnBrk="1" fontAlgn="auto" latinLnBrk="0" hangingPunct="1">
+              <a:lnSpc>
+                <a:spcPct val="100000"/>
+              </a:lnSpc>
+              <a:spcBef>
+                <a:spcPts val="0"/>
+              </a:spcBef>
+              <a:spcAft>
+                <a:spcPts val="0"/>
+              </a:spcAft>
+              <a:buClrTx/>
+              <a:buSzTx/>
+              <a:buFontTx/>
+              <a:buNone/>
+              <a:tabLst/>
+              <a:defRPr/>
+            </a:pPr>
+            <a:r>
+              <a:rPr lang="en-US" sz="1200" b="0" i="0" kern="1200" dirty="0">
+                <a:solidFill>
+                  <a:schemeClr val="tx1"/>
+                </a:solidFill>
+                <a:effectLst/>
+                <a:latin typeface="+mn-lt"/>
+                <a:ea typeface="+mn-ea"/>
+                <a:cs typeface="+mn-cs"/>
+              </a:rPr>
+              <a:t>Strict mode should be at the top of our script (it will apply on the whole script) or at the top of our function (will apply only on the function)</a:t>
+            </a:r>
+          </a:p>
+          <a:p>
+            <a:pPr marL="0" marR="0" lvl="0" indent="0" algn="l" defTabSz="914400" rtl="0" eaLnBrk="1" fontAlgn="auto" latinLnBrk="0" hangingPunct="1">
+              <a:lnSpc>
+                <a:spcPct val="100000"/>
+              </a:lnSpc>
+              <a:spcBef>
+                <a:spcPts val="0"/>
+              </a:spcBef>
+              <a:spcAft>
+                <a:spcPts val="0"/>
+              </a:spcAft>
+              <a:buClrTx/>
+              <a:buSzTx/>
+              <a:buFontTx/>
+              <a:buNone/>
+              <a:tabLst/>
+              <a:defRPr/>
+            </a:pPr>
+            <a:r>
+              <a:rPr lang="en-US" sz="1200" b="0" i="0" kern="1200" dirty="0" err="1">
+                <a:solidFill>
+                  <a:schemeClr val="tx1"/>
+                </a:solidFill>
+                <a:effectLst/>
+                <a:latin typeface="+mn-lt"/>
+                <a:ea typeface="+mn-ea"/>
+                <a:cs typeface="+mn-cs"/>
+              </a:rPr>
+              <a:t>Exmpales</a:t>
+            </a:r>
+            <a:r>
+              <a:rPr lang="en-US" sz="1200" b="0" i="0" kern="1200" dirty="0">
+                <a:solidFill>
+                  <a:schemeClr val="tx1"/>
+                </a:solidFill>
+                <a:effectLst/>
+                <a:latin typeface="+mn-lt"/>
+                <a:ea typeface="+mn-ea"/>
+                <a:cs typeface="+mn-cs"/>
+              </a:rPr>
+              <a:t>:</a:t>
+            </a:r>
+          </a:p>
+          <a:p>
+            <a:pPr marL="228600" marR="0" lvl="0" indent="-228600" algn="l" defTabSz="914400" rtl="0" eaLnBrk="1" fontAlgn="auto" latinLnBrk="0" hangingPunct="1">
+              <a:lnSpc>
+                <a:spcPct val="100000"/>
+              </a:lnSpc>
+              <a:spcBef>
+                <a:spcPts val="0"/>
+              </a:spcBef>
+              <a:spcAft>
+                <a:spcPts val="0"/>
+              </a:spcAft>
+              <a:buClrTx/>
+              <a:buSzTx/>
+              <a:buFontTx/>
+              <a:buAutoNum type="arabicParenR"/>
+              <a:tabLst/>
+              <a:defRPr/>
+            </a:pPr>
+            <a:r>
+              <a:rPr lang="en-US" dirty="0" err="1"/>
+              <a:t>mistypeVariable</a:t>
+            </a:r>
+            <a:r>
+              <a:rPr lang="en-US" dirty="0"/>
               <a:t> </a:t>
             </a:r>
             <a:r>
-              <a:rPr lang="en-US" sz="2400" dirty="0"/>
-              <a:t>keyword on the </a:t>
-            </a:r>
-            <a:r>
-              <a:rPr lang="en-US" sz="2400" b="1" dirty="0"/>
-              <a:t>class object </a:t>
-            </a:r>
-            <a:r>
-              <a:rPr lang="en-US" sz="2400" dirty="0"/>
-              <a:t>a new instance of the class will be created and will be send to the </a:t>
-            </a:r>
-            <a:r>
-              <a:rPr lang="en-US" sz="2400" b="1" dirty="0">
-                <a:solidFill>
-                  <a:schemeClr val="tx1"/>
-                </a:solidFill>
-              </a:rPr>
-              <a:t>constructor</a:t>
-            </a:r>
-            <a:r>
-              <a:rPr lang="en-US" sz="2400" dirty="0"/>
-              <a:t> method.</a:t>
-            </a:r>
+              <a:rPr lang="en-US" sz="1200" kern="1200" dirty="0">
+                <a:solidFill>
+                  <a:schemeClr val="tx1"/>
+                </a:solidFill>
+                <a:effectLst/>
+                <a:latin typeface="+mn-lt"/>
+                <a:ea typeface="+mn-ea"/>
+                <a:cs typeface="+mn-cs"/>
+              </a:rPr>
+              <a:t>=</a:t>
+            </a:r>
+            <a:r>
+              <a:rPr lang="en-US" dirty="0"/>
+              <a:t> </a:t>
+            </a:r>
+            <a:r>
+              <a:rPr lang="en-US" sz="1200" kern="1200" dirty="0">
+                <a:solidFill>
+                  <a:schemeClr val="tx1"/>
+                </a:solidFill>
+                <a:effectLst/>
+                <a:latin typeface="+mn-lt"/>
+                <a:ea typeface="+mn-ea"/>
+                <a:cs typeface="+mn-cs"/>
+              </a:rPr>
+              <a:t>17; - assign value to variable we didn’t declare will throw error in strict mode but in </a:t>
+            </a:r>
+            <a:r>
+              <a:rPr lang="en-US" sz="1200" kern="1200" dirty="0" err="1">
+                <a:solidFill>
+                  <a:schemeClr val="tx1"/>
+                </a:solidFill>
+                <a:effectLst/>
+                <a:latin typeface="+mn-lt"/>
+                <a:ea typeface="+mn-ea"/>
+                <a:cs typeface="+mn-cs"/>
+              </a:rPr>
+              <a:t>sloopy</a:t>
+            </a:r>
+            <a:r>
+              <a:rPr lang="en-US" sz="1200" kern="1200" dirty="0">
+                <a:solidFill>
+                  <a:schemeClr val="tx1"/>
+                </a:solidFill>
+                <a:effectLst/>
+                <a:latin typeface="+mn-lt"/>
+                <a:ea typeface="+mn-ea"/>
+                <a:cs typeface="+mn-cs"/>
+              </a:rPr>
+              <a:t> mode it will be created and added to global scope</a:t>
+            </a:r>
+          </a:p>
+          <a:p>
+            <a:pPr marL="228600" marR="0" lvl="0" indent="-228600" algn="l" defTabSz="914400" rtl="0" eaLnBrk="1" fontAlgn="auto" latinLnBrk="0" hangingPunct="1">
+              <a:lnSpc>
+                <a:spcPct val="100000"/>
+              </a:lnSpc>
+              <a:spcBef>
+                <a:spcPts val="0"/>
+              </a:spcBef>
+              <a:spcAft>
+                <a:spcPts val="0"/>
+              </a:spcAft>
+              <a:buClrTx/>
+              <a:buSzTx/>
+              <a:buFontTx/>
+              <a:buAutoNum type="arabicParenR"/>
+              <a:tabLst/>
+              <a:defRPr/>
+            </a:pPr>
+            <a:r>
+              <a:rPr lang="en-US" sz="1200" kern="1200" dirty="0">
+                <a:solidFill>
+                  <a:schemeClr val="tx1"/>
+                </a:solidFill>
+                <a:effectLst/>
+                <a:latin typeface="+mn-lt"/>
+                <a:ea typeface="+mn-ea"/>
+                <a:cs typeface="+mn-cs"/>
+              </a:rPr>
+              <a:t>Assignment to a non-writable global will throw error:</a:t>
+            </a:r>
+            <a:br>
+              <a:rPr lang="en-US" sz="1200" kern="1200" dirty="0">
+                <a:solidFill>
+                  <a:schemeClr val="tx1"/>
+                </a:solidFill>
+                <a:effectLst/>
+                <a:latin typeface="+mn-lt"/>
+                <a:ea typeface="+mn-ea"/>
+                <a:cs typeface="+mn-cs"/>
+              </a:rPr>
+            </a:br>
+            <a:r>
+              <a:rPr lang="en-US" sz="1200" kern="1200" dirty="0" err="1">
+                <a:solidFill>
+                  <a:schemeClr val="tx1"/>
+                </a:solidFill>
+                <a:effectLst/>
+                <a:latin typeface="+mn-lt"/>
+                <a:ea typeface="+mn-ea"/>
+                <a:cs typeface="+mn-cs"/>
+              </a:rPr>
+              <a:t>var</a:t>
+            </a:r>
+            <a:r>
+              <a:rPr lang="en-US" dirty="0"/>
+              <a:t> undefined </a:t>
+            </a:r>
+            <a:r>
+              <a:rPr lang="en-US" sz="1200" kern="1200" dirty="0">
+                <a:solidFill>
+                  <a:schemeClr val="tx1"/>
+                </a:solidFill>
+                <a:effectLst/>
+                <a:latin typeface="+mn-lt"/>
+                <a:ea typeface="+mn-ea"/>
+                <a:cs typeface="+mn-cs"/>
+              </a:rPr>
+              <a:t>=</a:t>
+            </a:r>
+            <a:r>
+              <a:rPr lang="en-US" dirty="0"/>
+              <a:t> </a:t>
+            </a:r>
+            <a:r>
+              <a:rPr lang="en-US" sz="1200" kern="1200" dirty="0">
+                <a:solidFill>
+                  <a:schemeClr val="tx1"/>
+                </a:solidFill>
+                <a:effectLst/>
+                <a:latin typeface="+mn-lt"/>
+                <a:ea typeface="+mn-ea"/>
+                <a:cs typeface="+mn-cs"/>
+              </a:rPr>
+              <a:t>5;</a:t>
+            </a:r>
+            <a:r>
+              <a:rPr lang="en-US" dirty="0"/>
+              <a:t> </a:t>
+            </a:r>
+            <a:r>
+              <a:rPr lang="en-US" sz="1200" kern="1200" dirty="0">
+                <a:solidFill>
+                  <a:schemeClr val="tx1"/>
+                </a:solidFill>
+                <a:effectLst/>
+                <a:latin typeface="+mn-lt"/>
+                <a:ea typeface="+mn-ea"/>
+                <a:cs typeface="+mn-cs"/>
+              </a:rPr>
+              <a:t>// throws a </a:t>
+            </a:r>
+            <a:r>
+              <a:rPr lang="en-US" sz="1200" kern="1200" dirty="0" err="1">
+                <a:solidFill>
+                  <a:schemeClr val="tx1"/>
+                </a:solidFill>
+                <a:effectLst/>
+                <a:latin typeface="+mn-lt"/>
+                <a:ea typeface="+mn-ea"/>
+                <a:cs typeface="+mn-cs"/>
+              </a:rPr>
+              <a:t>TypeError</a:t>
+            </a:r>
+            <a:br>
+              <a:rPr lang="en-US" dirty="0"/>
+            </a:br>
+            <a:r>
+              <a:rPr lang="en-US" sz="1200" kern="1200" dirty="0" err="1">
+                <a:solidFill>
+                  <a:schemeClr val="tx1"/>
+                </a:solidFill>
+                <a:effectLst/>
+                <a:latin typeface="+mn-lt"/>
+                <a:ea typeface="+mn-ea"/>
+                <a:cs typeface="+mn-cs"/>
+              </a:rPr>
+              <a:t>var</a:t>
+            </a:r>
+            <a:r>
+              <a:rPr lang="en-US" dirty="0"/>
+              <a:t> </a:t>
+            </a:r>
+            <a:r>
+              <a:rPr lang="en-US" sz="1200" kern="1200" dirty="0">
+                <a:solidFill>
+                  <a:schemeClr val="tx1"/>
+                </a:solidFill>
+                <a:effectLst/>
+                <a:latin typeface="+mn-lt"/>
+                <a:ea typeface="+mn-ea"/>
+                <a:cs typeface="+mn-cs"/>
+              </a:rPr>
+              <a:t>Infinity</a:t>
+            </a:r>
+            <a:r>
+              <a:rPr lang="en-US" dirty="0"/>
+              <a:t> </a:t>
+            </a:r>
+            <a:r>
+              <a:rPr lang="en-US" sz="1200" kern="1200" dirty="0">
+                <a:solidFill>
+                  <a:schemeClr val="tx1"/>
+                </a:solidFill>
+                <a:effectLst/>
+                <a:latin typeface="+mn-lt"/>
+                <a:ea typeface="+mn-ea"/>
+                <a:cs typeface="+mn-cs"/>
+              </a:rPr>
+              <a:t>=</a:t>
+            </a:r>
+            <a:r>
+              <a:rPr lang="en-US" dirty="0"/>
+              <a:t> </a:t>
+            </a:r>
+            <a:r>
+              <a:rPr lang="en-US" sz="1200" kern="1200" dirty="0">
+                <a:solidFill>
+                  <a:schemeClr val="tx1"/>
+                </a:solidFill>
+                <a:effectLst/>
+                <a:latin typeface="+mn-lt"/>
+                <a:ea typeface="+mn-ea"/>
+                <a:cs typeface="+mn-cs"/>
+              </a:rPr>
+              <a:t>5;</a:t>
+            </a:r>
+            <a:r>
+              <a:rPr lang="en-US" dirty="0"/>
+              <a:t> </a:t>
+            </a:r>
+            <a:r>
+              <a:rPr lang="en-US" sz="1200" kern="1200" dirty="0">
+                <a:solidFill>
+                  <a:schemeClr val="tx1"/>
+                </a:solidFill>
+                <a:effectLst/>
+                <a:latin typeface="+mn-lt"/>
+                <a:ea typeface="+mn-ea"/>
+                <a:cs typeface="+mn-cs"/>
+              </a:rPr>
+              <a:t>// throws a </a:t>
+            </a:r>
+            <a:r>
+              <a:rPr lang="en-US" sz="1200" kern="1200" dirty="0" err="1">
+                <a:solidFill>
+                  <a:schemeClr val="tx1"/>
+                </a:solidFill>
+                <a:effectLst/>
+                <a:latin typeface="+mn-lt"/>
+                <a:ea typeface="+mn-ea"/>
+                <a:cs typeface="+mn-cs"/>
+              </a:rPr>
+              <a:t>TypeError</a:t>
+            </a:r>
+            <a:endParaRPr lang="en-US" sz="1200" kern="1200" dirty="0">
+              <a:solidFill>
+                <a:schemeClr val="tx1"/>
+              </a:solidFill>
+              <a:effectLst/>
+              <a:latin typeface="+mn-lt"/>
+              <a:ea typeface="+mn-ea"/>
+              <a:cs typeface="+mn-cs"/>
+            </a:endParaRPr>
+          </a:p>
+          <a:p>
+            <a:pPr marL="228600" marR="0" lvl="0" indent="-228600" algn="l" defTabSz="914400" rtl="0" eaLnBrk="1" fontAlgn="auto" latinLnBrk="0" hangingPunct="1">
+              <a:lnSpc>
+                <a:spcPct val="100000"/>
+              </a:lnSpc>
+              <a:spcBef>
+                <a:spcPts val="0"/>
+              </a:spcBef>
+              <a:spcAft>
+                <a:spcPts val="0"/>
+              </a:spcAft>
+              <a:buClrTx/>
+              <a:buSzTx/>
+              <a:buFontTx/>
+              <a:buAutoNum type="arabicParenR"/>
+              <a:tabLst/>
+              <a:defRPr/>
+            </a:pPr>
+            <a:r>
+              <a:rPr lang="en-US" sz="1200" kern="1200" dirty="0">
+                <a:solidFill>
+                  <a:schemeClr val="tx1"/>
+                </a:solidFill>
+                <a:effectLst/>
+                <a:latin typeface="+mn-lt"/>
+                <a:ea typeface="+mn-ea"/>
+                <a:cs typeface="+mn-cs"/>
+              </a:rPr>
+              <a:t>Syntax Error:</a:t>
+            </a:r>
+            <a:br>
+              <a:rPr lang="en-US" sz="1200" kern="1200" dirty="0">
+                <a:solidFill>
+                  <a:schemeClr val="tx1"/>
+                </a:solidFill>
+                <a:effectLst/>
+                <a:latin typeface="+mn-lt"/>
+                <a:ea typeface="+mn-ea"/>
+                <a:cs typeface="+mn-cs"/>
+              </a:rPr>
+            </a:br>
+            <a:r>
+              <a:rPr lang="en-US" sz="1200" kern="1200" dirty="0">
+                <a:solidFill>
+                  <a:schemeClr val="tx1"/>
+                </a:solidFill>
+                <a:effectLst/>
+                <a:latin typeface="+mn-lt"/>
+                <a:ea typeface="+mn-ea"/>
+                <a:cs typeface="+mn-cs"/>
+              </a:rPr>
+              <a:t>function</a:t>
+            </a:r>
+            <a:r>
+              <a:rPr lang="en-US" dirty="0"/>
+              <a:t> </a:t>
+            </a:r>
+            <a:r>
+              <a:rPr lang="en-US" sz="1200" kern="1200" dirty="0">
+                <a:solidFill>
+                  <a:schemeClr val="tx1"/>
+                </a:solidFill>
+                <a:effectLst/>
+                <a:latin typeface="+mn-lt"/>
+                <a:ea typeface="+mn-ea"/>
+                <a:cs typeface="+mn-cs"/>
+              </a:rPr>
+              <a:t>sum(</a:t>
+            </a:r>
+            <a:r>
+              <a:rPr lang="en-US" dirty="0"/>
+              <a:t>a</a:t>
+            </a:r>
+            <a:r>
+              <a:rPr lang="en-US" sz="1200" kern="1200" dirty="0">
+                <a:solidFill>
+                  <a:schemeClr val="tx1"/>
+                </a:solidFill>
+                <a:effectLst/>
+                <a:latin typeface="+mn-lt"/>
+                <a:ea typeface="+mn-ea"/>
+                <a:cs typeface="+mn-cs"/>
+              </a:rPr>
+              <a:t>,</a:t>
+            </a:r>
+            <a:r>
+              <a:rPr lang="en-US" dirty="0"/>
+              <a:t> a</a:t>
+            </a:r>
+            <a:r>
+              <a:rPr lang="en-US" sz="1200" kern="1200" dirty="0">
+                <a:solidFill>
+                  <a:schemeClr val="tx1"/>
+                </a:solidFill>
+                <a:effectLst/>
+                <a:latin typeface="+mn-lt"/>
+                <a:ea typeface="+mn-ea"/>
+                <a:cs typeface="+mn-cs"/>
+              </a:rPr>
+              <a:t>,</a:t>
+            </a:r>
+            <a:r>
+              <a:rPr lang="en-US" dirty="0"/>
+              <a:t> c</a:t>
+            </a:r>
+            <a:r>
+              <a:rPr lang="en-US" sz="1200" kern="1200" dirty="0">
+                <a:solidFill>
+                  <a:schemeClr val="tx1"/>
+                </a:solidFill>
+                <a:effectLst/>
+                <a:latin typeface="+mn-lt"/>
+                <a:ea typeface="+mn-ea"/>
+                <a:cs typeface="+mn-cs"/>
+              </a:rPr>
+              <a:t>)</a:t>
+            </a:r>
+            <a:r>
+              <a:rPr lang="en-US" dirty="0"/>
+              <a:t> </a:t>
+            </a:r>
+            <a:r>
+              <a:rPr lang="en-US" sz="1200" kern="1200" dirty="0">
+                <a:solidFill>
+                  <a:schemeClr val="tx1"/>
+                </a:solidFill>
+                <a:effectLst/>
+                <a:latin typeface="+mn-lt"/>
+                <a:ea typeface="+mn-ea"/>
+                <a:cs typeface="+mn-cs"/>
+              </a:rPr>
+              <a:t>{</a:t>
+            </a:r>
+            <a:br>
+              <a:rPr lang="en-US" dirty="0"/>
+            </a:br>
+            <a:r>
+              <a:rPr lang="en-US" dirty="0"/>
+              <a:t>	</a:t>
+            </a:r>
+            <a:r>
+              <a:rPr lang="en-US" sz="1200" kern="1200" dirty="0">
+                <a:solidFill>
+                  <a:schemeClr val="tx1"/>
+                </a:solidFill>
+                <a:effectLst/>
+                <a:latin typeface="+mn-lt"/>
+                <a:ea typeface="+mn-ea"/>
+                <a:cs typeface="+mn-cs"/>
+              </a:rPr>
+              <a:t>// !!! syntax error</a:t>
+            </a:r>
+            <a:r>
+              <a:rPr lang="en-US" dirty="0"/>
+              <a:t> </a:t>
+            </a:r>
+            <a:r>
+              <a:rPr lang="en-US" sz="1200" kern="1200" dirty="0">
+                <a:solidFill>
+                  <a:schemeClr val="tx1"/>
+                </a:solidFill>
+                <a:effectLst/>
+                <a:latin typeface="+mn-lt"/>
+                <a:ea typeface="+mn-ea"/>
+                <a:cs typeface="+mn-cs"/>
+              </a:rPr>
+              <a:t>'use strict’;</a:t>
+            </a:r>
+            <a:br>
+              <a:rPr lang="en-US" dirty="0"/>
+            </a:br>
+            <a:r>
+              <a:rPr lang="en-US" dirty="0"/>
+              <a:t>	</a:t>
+            </a:r>
+            <a:r>
+              <a:rPr lang="en-US" sz="1200" kern="1200" dirty="0">
+                <a:solidFill>
+                  <a:schemeClr val="tx1"/>
+                </a:solidFill>
+                <a:effectLst/>
+                <a:latin typeface="+mn-lt"/>
+                <a:ea typeface="+mn-ea"/>
+                <a:cs typeface="+mn-cs"/>
+              </a:rPr>
+              <a:t>return</a:t>
+            </a:r>
+            <a:r>
+              <a:rPr lang="en-US" dirty="0"/>
+              <a:t> a </a:t>
+            </a:r>
+            <a:r>
+              <a:rPr lang="en-US" sz="1200" kern="1200" dirty="0">
+                <a:solidFill>
+                  <a:schemeClr val="tx1"/>
+                </a:solidFill>
+                <a:effectLst/>
+                <a:latin typeface="+mn-lt"/>
+                <a:ea typeface="+mn-ea"/>
+                <a:cs typeface="+mn-cs"/>
+              </a:rPr>
+              <a:t>+</a:t>
+            </a:r>
+            <a:r>
+              <a:rPr lang="en-US" dirty="0"/>
+              <a:t> a </a:t>
+            </a:r>
+            <a:r>
+              <a:rPr lang="en-US" sz="1200" kern="1200" dirty="0">
+                <a:solidFill>
+                  <a:schemeClr val="tx1"/>
+                </a:solidFill>
+                <a:effectLst/>
+                <a:latin typeface="+mn-lt"/>
+                <a:ea typeface="+mn-ea"/>
+                <a:cs typeface="+mn-cs"/>
+              </a:rPr>
+              <a:t>+</a:t>
+            </a:r>
+            <a:r>
+              <a:rPr lang="en-US" dirty="0"/>
+              <a:t> c</a:t>
+            </a:r>
+            <a:r>
+              <a:rPr lang="en-US" sz="1200" kern="1200" dirty="0">
+                <a:solidFill>
+                  <a:schemeClr val="tx1"/>
+                </a:solidFill>
+                <a:effectLst/>
+                <a:latin typeface="+mn-lt"/>
+                <a:ea typeface="+mn-ea"/>
+                <a:cs typeface="+mn-cs"/>
+              </a:rPr>
+              <a:t>;</a:t>
+            </a:r>
+            <a:br>
+              <a:rPr lang="en-US" dirty="0"/>
+            </a:br>
+            <a:r>
+              <a:rPr lang="en-US" dirty="0"/>
+              <a:t>	</a:t>
+            </a:r>
+            <a:r>
+              <a:rPr lang="en-US" sz="1200" kern="1200" dirty="0">
+                <a:solidFill>
+                  <a:schemeClr val="tx1"/>
+                </a:solidFill>
+                <a:effectLst/>
+                <a:latin typeface="+mn-lt"/>
+                <a:ea typeface="+mn-ea"/>
+                <a:cs typeface="+mn-cs"/>
+              </a:rPr>
+              <a:t>// wrong if this code ran</a:t>
+            </a:r>
+            <a:br>
+              <a:rPr lang="en-US" dirty="0"/>
+            </a:br>
+            <a:r>
+              <a:rPr lang="en-US" sz="1200" kern="1200" dirty="0">
+                <a:solidFill>
+                  <a:schemeClr val="tx1"/>
+                </a:solidFill>
+                <a:effectLst/>
+                <a:latin typeface="+mn-lt"/>
+                <a:ea typeface="+mn-ea"/>
+                <a:cs typeface="+mn-cs"/>
+              </a:rPr>
+              <a:t>}</a:t>
+            </a:r>
+          </a:p>
+          <a:p>
+            <a:pPr marL="228600" marR="0" lvl="0" indent="-228600" algn="l" defTabSz="914400" rtl="0" eaLnBrk="1" fontAlgn="auto" latinLnBrk="0" hangingPunct="1">
+              <a:lnSpc>
+                <a:spcPct val="100000"/>
+              </a:lnSpc>
+              <a:spcBef>
+                <a:spcPts val="0"/>
+              </a:spcBef>
+              <a:spcAft>
+                <a:spcPts val="0"/>
+              </a:spcAft>
+              <a:buClrTx/>
+              <a:buSzTx/>
+              <a:buFontTx/>
+              <a:buAutoNum type="arabicParenR"/>
+              <a:tabLst/>
+              <a:defRPr/>
+            </a:pPr>
+            <a:r>
+              <a:rPr lang="en-US" sz="1200" b="0" i="0" kern="1200" dirty="0">
+                <a:solidFill>
+                  <a:schemeClr val="tx1"/>
+                </a:solidFill>
+                <a:effectLst/>
+                <a:latin typeface="+mn-lt"/>
+                <a:ea typeface="+mn-ea"/>
+                <a:cs typeface="+mn-cs"/>
+              </a:rPr>
+              <a:t>In </a:t>
+            </a:r>
+            <a:r>
+              <a:rPr lang="en-US" sz="1200" b="0" i="0" kern="1200" dirty="0" err="1">
+                <a:solidFill>
+                  <a:schemeClr val="tx1"/>
+                </a:solidFill>
+                <a:effectLst/>
+                <a:latin typeface="+mn-lt"/>
+                <a:ea typeface="+mn-ea"/>
+                <a:cs typeface="+mn-cs"/>
+              </a:rPr>
+              <a:t>sloopy</a:t>
+            </a:r>
+            <a:r>
+              <a:rPr lang="en-US" sz="1200" b="0" i="0" kern="1200" dirty="0">
+                <a:solidFill>
+                  <a:schemeClr val="tx1"/>
+                </a:solidFill>
+                <a:effectLst/>
+                <a:latin typeface="+mn-lt"/>
+                <a:ea typeface="+mn-ea"/>
+                <a:cs typeface="+mn-cs"/>
+              </a:rPr>
+              <a:t> mode, the value passed as `this` to a function forced into being an object. If `this` can’t determined (See Function invoke pattern) it will be the global object/window.</a:t>
+            </a:r>
+            <a:br>
+              <a:rPr lang="en-US" sz="1200" b="0" i="0" kern="1200" dirty="0">
+                <a:solidFill>
+                  <a:schemeClr val="tx1"/>
+                </a:solidFill>
+                <a:effectLst/>
+                <a:latin typeface="+mn-lt"/>
+                <a:ea typeface="+mn-ea"/>
+                <a:cs typeface="+mn-cs"/>
+              </a:rPr>
+            </a:br>
+            <a:r>
+              <a:rPr lang="en-US" sz="1200" b="0" i="0" kern="1200" dirty="0">
+                <a:solidFill>
+                  <a:schemeClr val="tx1"/>
+                </a:solidFill>
+                <a:effectLst/>
+                <a:latin typeface="+mn-lt"/>
+                <a:ea typeface="+mn-ea"/>
+                <a:cs typeface="+mn-cs"/>
+              </a:rPr>
+              <a:t>In strict mode if `this` is not determined it will be undefined .</a:t>
+            </a:r>
+            <a:br>
+              <a:rPr lang="en-US" sz="1200" b="0" i="0" kern="1200" dirty="0">
+                <a:solidFill>
+                  <a:schemeClr val="tx1"/>
+                </a:solidFill>
+                <a:effectLst/>
+                <a:latin typeface="+mn-lt"/>
+                <a:ea typeface="+mn-ea"/>
+                <a:cs typeface="+mn-cs"/>
+              </a:rPr>
+            </a:br>
+            <a:r>
+              <a:rPr lang="en-US" sz="1200" b="0" i="0" kern="1200" dirty="0">
+                <a:solidFill>
+                  <a:schemeClr val="tx1"/>
+                </a:solidFill>
+                <a:effectLst/>
+                <a:latin typeface="+mn-lt"/>
+                <a:ea typeface="+mn-ea"/>
+                <a:cs typeface="+mn-cs"/>
+              </a:rPr>
+              <a:t>function fun() { return this; }</a:t>
+            </a:r>
+            <a:br>
+              <a:rPr lang="en-US" sz="1200" b="0" i="0" kern="1200" dirty="0">
+                <a:solidFill>
+                  <a:schemeClr val="tx1"/>
+                </a:solidFill>
+                <a:effectLst/>
+                <a:latin typeface="+mn-lt"/>
+                <a:ea typeface="+mn-ea"/>
+                <a:cs typeface="+mn-cs"/>
+              </a:rPr>
+            </a:br>
+            <a:r>
+              <a:rPr lang="en-US" sz="1200" b="0" i="0" kern="1200" dirty="0">
+                <a:solidFill>
+                  <a:schemeClr val="tx1"/>
+                </a:solidFill>
+                <a:effectLst/>
+                <a:latin typeface="+mn-lt"/>
+                <a:ea typeface="+mn-ea"/>
+                <a:cs typeface="+mn-cs"/>
+              </a:rPr>
+              <a:t>console.log(fun());</a:t>
+            </a:r>
+            <a:br>
+              <a:rPr lang="en-US" sz="1200" b="0" i="0" kern="1200" dirty="0">
+                <a:solidFill>
+                  <a:schemeClr val="tx1"/>
+                </a:solidFill>
+                <a:effectLst/>
+                <a:latin typeface="+mn-lt"/>
+                <a:ea typeface="+mn-ea"/>
+                <a:cs typeface="+mn-cs"/>
+              </a:rPr>
+            </a:br>
+            <a:r>
+              <a:rPr lang="en-US" sz="1200" b="0" i="0" kern="1200" dirty="0">
+                <a:solidFill>
+                  <a:schemeClr val="tx1"/>
+                </a:solidFill>
+                <a:effectLst/>
+                <a:latin typeface="+mn-lt"/>
+                <a:ea typeface="+mn-ea"/>
+                <a:cs typeface="+mn-cs"/>
+              </a:rPr>
+              <a:t>console.log(</a:t>
+            </a:r>
+            <a:r>
+              <a:rPr lang="en-US" sz="1200" b="0" i="0" kern="1200" dirty="0" err="1">
+                <a:solidFill>
+                  <a:schemeClr val="tx1"/>
+                </a:solidFill>
+                <a:effectLst/>
+                <a:latin typeface="+mn-lt"/>
+                <a:ea typeface="+mn-ea"/>
+                <a:cs typeface="+mn-cs"/>
+              </a:rPr>
+              <a:t>fun.call</a:t>
+            </a:r>
+            <a:r>
+              <a:rPr lang="en-US" sz="1200" b="0" i="0" kern="1200" dirty="0">
+                <a:solidFill>
+                  <a:schemeClr val="tx1"/>
+                </a:solidFill>
+                <a:effectLst/>
+                <a:latin typeface="+mn-lt"/>
+                <a:ea typeface="+mn-ea"/>
+                <a:cs typeface="+mn-cs"/>
+              </a:rPr>
+              <a:t>(2));</a:t>
+            </a:r>
+            <a:br>
+              <a:rPr lang="en-US" sz="1200" b="0" i="0" kern="1200" dirty="0">
+                <a:solidFill>
+                  <a:schemeClr val="tx1"/>
+                </a:solidFill>
+                <a:effectLst/>
+                <a:latin typeface="+mn-lt"/>
+                <a:ea typeface="+mn-ea"/>
+                <a:cs typeface="+mn-cs"/>
+              </a:rPr>
+            </a:br>
+            <a:r>
+              <a:rPr lang="en-US" sz="1200" b="0" i="0" kern="1200" dirty="0">
+                <a:solidFill>
+                  <a:schemeClr val="tx1"/>
+                </a:solidFill>
+                <a:effectLst/>
+                <a:latin typeface="+mn-lt"/>
+                <a:ea typeface="+mn-ea"/>
+                <a:cs typeface="+mn-cs"/>
+              </a:rPr>
+              <a:t>console.log(</a:t>
+            </a:r>
+            <a:r>
+              <a:rPr lang="en-US" sz="1200" b="0" i="0" kern="1200" dirty="0" err="1">
+                <a:solidFill>
+                  <a:schemeClr val="tx1"/>
+                </a:solidFill>
+                <a:effectLst/>
+                <a:latin typeface="+mn-lt"/>
+                <a:ea typeface="+mn-ea"/>
+                <a:cs typeface="+mn-cs"/>
+              </a:rPr>
+              <a:t>fun.apply</a:t>
+            </a:r>
+            <a:r>
+              <a:rPr lang="en-US" sz="1200" b="0" i="0" kern="1200" dirty="0">
+                <a:solidFill>
+                  <a:schemeClr val="tx1"/>
+                </a:solidFill>
+                <a:effectLst/>
+                <a:latin typeface="+mn-lt"/>
+                <a:ea typeface="+mn-ea"/>
+                <a:cs typeface="+mn-cs"/>
+              </a:rPr>
+              <a:t>(null));</a:t>
+            </a:r>
+            <a:br>
+              <a:rPr lang="en-US" sz="1200" b="0" i="0" kern="1200" dirty="0">
+                <a:solidFill>
+                  <a:schemeClr val="tx1"/>
+                </a:solidFill>
+                <a:effectLst/>
+                <a:latin typeface="+mn-lt"/>
+                <a:ea typeface="+mn-ea"/>
+                <a:cs typeface="+mn-cs"/>
+              </a:rPr>
+            </a:br>
+            <a:r>
+              <a:rPr lang="en-US" sz="1200" b="0" i="0" kern="1200" dirty="0">
+                <a:solidFill>
+                  <a:schemeClr val="tx1"/>
+                </a:solidFill>
+                <a:effectLst/>
+                <a:latin typeface="+mn-lt"/>
+                <a:ea typeface="+mn-ea"/>
+                <a:cs typeface="+mn-cs"/>
+              </a:rPr>
+              <a:t>console.log(</a:t>
+            </a:r>
+            <a:r>
+              <a:rPr lang="en-US" sz="1200" b="0" i="0" kern="1200" dirty="0" err="1">
+                <a:solidFill>
+                  <a:schemeClr val="tx1"/>
+                </a:solidFill>
+                <a:effectLst/>
+                <a:latin typeface="+mn-lt"/>
+                <a:ea typeface="+mn-ea"/>
+                <a:cs typeface="+mn-cs"/>
+              </a:rPr>
+              <a:t>fun.call</a:t>
+            </a:r>
+            <a:r>
+              <a:rPr lang="en-US" sz="1200" b="0" i="0" kern="1200" dirty="0">
+                <a:solidFill>
+                  <a:schemeClr val="tx1"/>
+                </a:solidFill>
+                <a:effectLst/>
+                <a:latin typeface="+mn-lt"/>
+                <a:ea typeface="+mn-ea"/>
+                <a:cs typeface="+mn-cs"/>
+              </a:rPr>
+              <a:t>(undefined));</a:t>
+            </a:r>
+            <a:br>
+              <a:rPr lang="en-US" sz="1200" b="0" i="0" kern="1200" dirty="0">
+                <a:solidFill>
+                  <a:schemeClr val="tx1"/>
+                </a:solidFill>
+                <a:effectLst/>
+                <a:latin typeface="+mn-lt"/>
+                <a:ea typeface="+mn-ea"/>
+                <a:cs typeface="+mn-cs"/>
+              </a:rPr>
+            </a:br>
+            <a:r>
+              <a:rPr lang="en-US" sz="1200" b="0" i="0" kern="1200" dirty="0">
+                <a:solidFill>
+                  <a:schemeClr val="tx1"/>
+                </a:solidFill>
+                <a:effectLst/>
+                <a:latin typeface="+mn-lt"/>
+                <a:ea typeface="+mn-ea"/>
+                <a:cs typeface="+mn-cs"/>
+              </a:rPr>
+              <a:t>console.log(</a:t>
+            </a:r>
+            <a:r>
+              <a:rPr lang="en-US" sz="1200" b="0" i="0" kern="1200" dirty="0" err="1">
+                <a:solidFill>
+                  <a:schemeClr val="tx1"/>
+                </a:solidFill>
+                <a:effectLst/>
+                <a:latin typeface="+mn-lt"/>
+                <a:ea typeface="+mn-ea"/>
+                <a:cs typeface="+mn-cs"/>
+              </a:rPr>
+              <a:t>fun.bind</a:t>
+            </a:r>
+            <a:r>
+              <a:rPr lang="en-US" sz="1200" b="0" i="0" kern="1200" dirty="0">
+                <a:solidFill>
+                  <a:schemeClr val="tx1"/>
+                </a:solidFill>
+                <a:effectLst/>
+                <a:latin typeface="+mn-lt"/>
+                <a:ea typeface="+mn-ea"/>
+                <a:cs typeface="+mn-cs"/>
+              </a:rPr>
+              <a:t>(true)());</a:t>
+            </a:r>
+            <a:br>
+              <a:rPr lang="en-US" sz="1200" b="0" i="0" kern="1200" dirty="0">
+                <a:solidFill>
+                  <a:schemeClr val="tx1"/>
+                </a:solidFill>
+                <a:effectLst/>
+                <a:latin typeface="+mn-lt"/>
+                <a:ea typeface="+mn-ea"/>
+                <a:cs typeface="+mn-cs"/>
+              </a:rPr>
+            </a:br>
+            <a:br>
+              <a:rPr lang="en-US" sz="1200" b="0" i="0" kern="1200" dirty="0">
+                <a:solidFill>
+                  <a:schemeClr val="tx1"/>
+                </a:solidFill>
+                <a:effectLst/>
+                <a:latin typeface="+mn-lt"/>
+                <a:ea typeface="+mn-ea"/>
+                <a:cs typeface="+mn-cs"/>
+              </a:rPr>
+            </a:br>
+            <a:r>
+              <a:rPr lang="en-US" sz="1200" b="0" i="0" kern="1200" dirty="0">
+                <a:solidFill>
+                  <a:schemeClr val="tx1"/>
+                </a:solidFill>
+                <a:effectLst/>
+                <a:latin typeface="+mn-lt"/>
+                <a:ea typeface="+mn-ea"/>
+                <a:cs typeface="+mn-cs"/>
+              </a:rPr>
+              <a:t>vs</a:t>
+            </a:r>
+            <a:br>
+              <a:rPr lang="en-US" sz="1200" b="0" i="0" kern="1200" dirty="0">
+                <a:solidFill>
+                  <a:schemeClr val="tx1"/>
+                </a:solidFill>
+                <a:effectLst/>
+                <a:latin typeface="+mn-lt"/>
+                <a:ea typeface="+mn-ea"/>
+                <a:cs typeface="+mn-cs"/>
+              </a:rPr>
+            </a:br>
+            <a:r>
+              <a:rPr lang="en-US" sz="1200" b="0" i="0" kern="1200" dirty="0">
+                <a:solidFill>
+                  <a:schemeClr val="tx1"/>
+                </a:solidFill>
+                <a:effectLst/>
+                <a:latin typeface="+mn-lt"/>
+                <a:ea typeface="+mn-ea"/>
+                <a:cs typeface="+mn-cs"/>
+              </a:rPr>
+              <a:t>'use strict'</a:t>
+            </a:r>
+            <a:br>
+              <a:rPr lang="en-US" sz="1200" b="0" i="0" kern="1200" dirty="0">
+                <a:solidFill>
+                  <a:schemeClr val="tx1"/>
+                </a:solidFill>
+                <a:effectLst/>
+                <a:latin typeface="+mn-lt"/>
+                <a:ea typeface="+mn-ea"/>
+                <a:cs typeface="+mn-cs"/>
+              </a:rPr>
+            </a:br>
+            <a:r>
+              <a:rPr lang="en-US" sz="1200" b="0" i="0" kern="1200" dirty="0">
+                <a:solidFill>
+                  <a:schemeClr val="tx1"/>
+                </a:solidFill>
+                <a:effectLst/>
+                <a:latin typeface="+mn-lt"/>
+                <a:ea typeface="+mn-ea"/>
+                <a:cs typeface="+mn-cs"/>
+              </a:rPr>
+              <a:t>function fun() { return this; }</a:t>
+            </a:r>
+            <a:br>
+              <a:rPr lang="en-US" sz="1200" b="0" i="0" kern="1200" dirty="0">
+                <a:solidFill>
+                  <a:schemeClr val="tx1"/>
+                </a:solidFill>
+                <a:effectLst/>
+                <a:latin typeface="+mn-lt"/>
+                <a:ea typeface="+mn-ea"/>
+                <a:cs typeface="+mn-cs"/>
+              </a:rPr>
+            </a:br>
+            <a:r>
+              <a:rPr lang="en-US" sz="1200" b="0" i="0" kern="1200" dirty="0">
+                <a:solidFill>
+                  <a:schemeClr val="tx1"/>
+                </a:solidFill>
+                <a:effectLst/>
+                <a:latin typeface="+mn-lt"/>
+                <a:ea typeface="+mn-ea"/>
+                <a:cs typeface="+mn-cs"/>
+              </a:rPr>
+              <a:t>console.log(fun());</a:t>
+            </a:r>
+            <a:br>
+              <a:rPr lang="en-US" sz="1200" b="0" i="0" kern="1200" dirty="0">
+                <a:solidFill>
+                  <a:schemeClr val="tx1"/>
+                </a:solidFill>
+                <a:effectLst/>
+                <a:latin typeface="+mn-lt"/>
+                <a:ea typeface="+mn-ea"/>
+                <a:cs typeface="+mn-cs"/>
+              </a:rPr>
+            </a:br>
+            <a:r>
+              <a:rPr lang="en-US" sz="1200" b="0" i="0" kern="1200" dirty="0">
+                <a:solidFill>
+                  <a:schemeClr val="tx1"/>
+                </a:solidFill>
+                <a:effectLst/>
+                <a:latin typeface="+mn-lt"/>
+                <a:ea typeface="+mn-ea"/>
+                <a:cs typeface="+mn-cs"/>
+              </a:rPr>
+              <a:t>console.log(</a:t>
+            </a:r>
+            <a:r>
+              <a:rPr lang="en-US" sz="1200" b="0" i="0" kern="1200" dirty="0" err="1">
+                <a:solidFill>
+                  <a:schemeClr val="tx1"/>
+                </a:solidFill>
+                <a:effectLst/>
+                <a:latin typeface="+mn-lt"/>
+                <a:ea typeface="+mn-ea"/>
+                <a:cs typeface="+mn-cs"/>
+              </a:rPr>
+              <a:t>fun.call</a:t>
+            </a:r>
+            <a:r>
+              <a:rPr lang="en-US" sz="1200" b="0" i="0" kern="1200" dirty="0">
+                <a:solidFill>
+                  <a:schemeClr val="tx1"/>
+                </a:solidFill>
+                <a:effectLst/>
+                <a:latin typeface="+mn-lt"/>
+                <a:ea typeface="+mn-ea"/>
+                <a:cs typeface="+mn-cs"/>
+              </a:rPr>
+              <a:t>(2));</a:t>
+            </a:r>
+            <a:br>
+              <a:rPr lang="en-US" sz="1200" b="0" i="0" kern="1200" dirty="0">
+                <a:solidFill>
+                  <a:schemeClr val="tx1"/>
+                </a:solidFill>
+                <a:effectLst/>
+                <a:latin typeface="+mn-lt"/>
+                <a:ea typeface="+mn-ea"/>
+                <a:cs typeface="+mn-cs"/>
+              </a:rPr>
+            </a:br>
+            <a:r>
+              <a:rPr lang="en-US" sz="1200" b="0" i="0" kern="1200" dirty="0">
+                <a:solidFill>
+                  <a:schemeClr val="tx1"/>
+                </a:solidFill>
+                <a:effectLst/>
+                <a:latin typeface="+mn-lt"/>
+                <a:ea typeface="+mn-ea"/>
+                <a:cs typeface="+mn-cs"/>
+              </a:rPr>
+              <a:t>console.log(</a:t>
+            </a:r>
+            <a:r>
+              <a:rPr lang="en-US" sz="1200" b="0" i="0" kern="1200" dirty="0" err="1">
+                <a:solidFill>
+                  <a:schemeClr val="tx1"/>
+                </a:solidFill>
+                <a:effectLst/>
+                <a:latin typeface="+mn-lt"/>
+                <a:ea typeface="+mn-ea"/>
+                <a:cs typeface="+mn-cs"/>
+              </a:rPr>
+              <a:t>fun.apply</a:t>
+            </a:r>
+            <a:r>
+              <a:rPr lang="en-US" sz="1200" b="0" i="0" kern="1200" dirty="0">
+                <a:solidFill>
+                  <a:schemeClr val="tx1"/>
+                </a:solidFill>
+                <a:effectLst/>
+                <a:latin typeface="+mn-lt"/>
+                <a:ea typeface="+mn-ea"/>
+                <a:cs typeface="+mn-cs"/>
+              </a:rPr>
+              <a:t>(null));</a:t>
+            </a:r>
+            <a:br>
+              <a:rPr lang="en-US" sz="1200" b="0" i="0" kern="1200" dirty="0">
+                <a:solidFill>
+                  <a:schemeClr val="tx1"/>
+                </a:solidFill>
+                <a:effectLst/>
+                <a:latin typeface="+mn-lt"/>
+                <a:ea typeface="+mn-ea"/>
+                <a:cs typeface="+mn-cs"/>
+              </a:rPr>
+            </a:br>
+            <a:r>
+              <a:rPr lang="en-US" sz="1200" b="0" i="0" kern="1200" dirty="0">
+                <a:solidFill>
+                  <a:schemeClr val="tx1"/>
+                </a:solidFill>
+                <a:effectLst/>
+                <a:latin typeface="+mn-lt"/>
+                <a:ea typeface="+mn-ea"/>
+                <a:cs typeface="+mn-cs"/>
+              </a:rPr>
+              <a:t>console.log(</a:t>
+            </a:r>
+            <a:r>
+              <a:rPr lang="en-US" sz="1200" b="0" i="0" kern="1200" dirty="0" err="1">
+                <a:solidFill>
+                  <a:schemeClr val="tx1"/>
+                </a:solidFill>
+                <a:effectLst/>
+                <a:latin typeface="+mn-lt"/>
+                <a:ea typeface="+mn-ea"/>
+                <a:cs typeface="+mn-cs"/>
+              </a:rPr>
+              <a:t>fun.call</a:t>
+            </a:r>
+            <a:r>
+              <a:rPr lang="en-US" sz="1200" b="0" i="0" kern="1200" dirty="0">
+                <a:solidFill>
+                  <a:schemeClr val="tx1"/>
+                </a:solidFill>
+                <a:effectLst/>
+                <a:latin typeface="+mn-lt"/>
+                <a:ea typeface="+mn-ea"/>
+                <a:cs typeface="+mn-cs"/>
+              </a:rPr>
+              <a:t>(undefined));</a:t>
+            </a:r>
+            <a:br>
+              <a:rPr lang="en-US" sz="1200" b="0" i="0" kern="1200" dirty="0">
+                <a:solidFill>
+                  <a:schemeClr val="tx1"/>
+                </a:solidFill>
+                <a:effectLst/>
+                <a:latin typeface="+mn-lt"/>
+                <a:ea typeface="+mn-ea"/>
+                <a:cs typeface="+mn-cs"/>
+              </a:rPr>
+            </a:br>
+            <a:r>
+              <a:rPr lang="en-US" sz="1200" b="0" i="0" kern="1200" dirty="0">
+                <a:solidFill>
+                  <a:schemeClr val="tx1"/>
+                </a:solidFill>
+                <a:effectLst/>
+                <a:latin typeface="+mn-lt"/>
+                <a:ea typeface="+mn-ea"/>
+                <a:cs typeface="+mn-cs"/>
+              </a:rPr>
+              <a:t>console.log(</a:t>
+            </a:r>
+            <a:r>
+              <a:rPr lang="en-US" sz="1200" b="0" i="0" kern="1200" dirty="0" err="1">
+                <a:solidFill>
+                  <a:schemeClr val="tx1"/>
+                </a:solidFill>
+                <a:effectLst/>
+                <a:latin typeface="+mn-lt"/>
+                <a:ea typeface="+mn-ea"/>
+                <a:cs typeface="+mn-cs"/>
+              </a:rPr>
+              <a:t>fun.bind</a:t>
+            </a:r>
+            <a:r>
+              <a:rPr lang="en-US" sz="1200" b="0" i="0" kern="1200" dirty="0">
+                <a:solidFill>
+                  <a:schemeClr val="tx1"/>
+                </a:solidFill>
+                <a:effectLst/>
+                <a:latin typeface="+mn-lt"/>
+                <a:ea typeface="+mn-ea"/>
+                <a:cs typeface="+mn-cs"/>
+              </a:rPr>
+              <a:t>(true)());</a:t>
+            </a:r>
+          </a:p>
+          <a:p>
+            <a:pPr marL="228600" marR="0" lvl="0" indent="-228600" algn="l" defTabSz="914400" rtl="0" eaLnBrk="1" fontAlgn="auto" latinLnBrk="0" hangingPunct="1">
+              <a:lnSpc>
+                <a:spcPct val="100000"/>
+              </a:lnSpc>
+              <a:spcBef>
+                <a:spcPts val="0"/>
+              </a:spcBef>
+              <a:spcAft>
+                <a:spcPts val="0"/>
+              </a:spcAft>
+              <a:buClrTx/>
+              <a:buSzTx/>
+              <a:buFontTx/>
+              <a:buAutoNum type="arabicParenR"/>
+              <a:tabLst/>
+              <a:defRPr/>
+            </a:pPr>
+            <a:r>
+              <a:rPr lang="en-US" sz="1200" b="0" i="0" kern="1200" dirty="0">
+                <a:solidFill>
+                  <a:schemeClr val="tx1"/>
+                </a:solidFill>
+                <a:effectLst/>
+                <a:latin typeface="+mn-lt"/>
+                <a:ea typeface="+mn-ea"/>
+                <a:cs typeface="+mn-cs"/>
+              </a:rPr>
+              <a:t>Silent error will enabled like in freeze mode it will throw error:</a:t>
+            </a:r>
+            <a:br>
+              <a:rPr lang="en-US" sz="1200" b="0" i="0" kern="1200" dirty="0">
+                <a:solidFill>
+                  <a:schemeClr val="tx1"/>
+                </a:solidFill>
+                <a:effectLst/>
+                <a:latin typeface="+mn-lt"/>
+                <a:ea typeface="+mn-ea"/>
+                <a:cs typeface="+mn-cs"/>
+              </a:rPr>
+            </a:br>
+            <a:r>
+              <a:rPr lang="en-US" sz="1200" b="0" i="0" kern="1200" dirty="0" err="1">
+                <a:solidFill>
+                  <a:schemeClr val="tx1"/>
+                </a:solidFill>
+                <a:effectLst/>
+                <a:latin typeface="+mn-lt"/>
+                <a:ea typeface="+mn-ea"/>
+                <a:cs typeface="+mn-cs"/>
+              </a:rPr>
+              <a:t>const</a:t>
+            </a:r>
+            <a:r>
+              <a:rPr lang="en-US" sz="1200" b="0" i="0" kern="1200" dirty="0">
+                <a:solidFill>
+                  <a:schemeClr val="tx1"/>
+                </a:solidFill>
+                <a:effectLst/>
+                <a:latin typeface="+mn-lt"/>
+                <a:ea typeface="+mn-ea"/>
+                <a:cs typeface="+mn-cs"/>
+              </a:rPr>
+              <a:t> object1 = {  property1: 42};</a:t>
+            </a:r>
+            <a:br>
+              <a:rPr lang="en-US" sz="1200" b="0" i="0" kern="1200" dirty="0">
+                <a:solidFill>
+                  <a:schemeClr val="tx1"/>
+                </a:solidFill>
+                <a:effectLst/>
+                <a:latin typeface="+mn-lt"/>
+                <a:ea typeface="+mn-ea"/>
+                <a:cs typeface="+mn-cs"/>
+              </a:rPr>
+            </a:br>
+            <a:r>
+              <a:rPr lang="en-US" sz="1200" b="0" i="0" kern="1200" dirty="0" err="1">
+                <a:solidFill>
+                  <a:schemeClr val="tx1"/>
+                </a:solidFill>
+                <a:effectLst/>
+                <a:latin typeface="+mn-lt"/>
+                <a:ea typeface="+mn-ea"/>
+                <a:cs typeface="+mn-cs"/>
+              </a:rPr>
+              <a:t>const</a:t>
+            </a:r>
+            <a:r>
+              <a:rPr lang="en-US" sz="1200" b="0" i="0" kern="1200" dirty="0">
+                <a:solidFill>
+                  <a:schemeClr val="tx1"/>
+                </a:solidFill>
+                <a:effectLst/>
+                <a:latin typeface="+mn-lt"/>
+                <a:ea typeface="+mn-ea"/>
+                <a:cs typeface="+mn-cs"/>
+              </a:rPr>
+              <a:t> object2 = </a:t>
+            </a:r>
+            <a:r>
+              <a:rPr lang="en-US" sz="1200" b="0" i="0" kern="1200" dirty="0" err="1">
+                <a:solidFill>
+                  <a:schemeClr val="tx1"/>
+                </a:solidFill>
+                <a:effectLst/>
+                <a:latin typeface="+mn-lt"/>
+                <a:ea typeface="+mn-ea"/>
+                <a:cs typeface="+mn-cs"/>
+              </a:rPr>
+              <a:t>Object.freeze</a:t>
+            </a:r>
+            <a:r>
+              <a:rPr lang="en-US" sz="1200" b="0" i="0" kern="1200" dirty="0">
+                <a:solidFill>
+                  <a:schemeClr val="tx1"/>
+                </a:solidFill>
+                <a:effectLst/>
+                <a:latin typeface="+mn-lt"/>
+                <a:ea typeface="+mn-ea"/>
+                <a:cs typeface="+mn-cs"/>
+              </a:rPr>
+              <a:t>(object1);</a:t>
+            </a:r>
+            <a:br>
+              <a:rPr lang="en-US" sz="1200" b="0" i="0" kern="1200" dirty="0">
+                <a:solidFill>
+                  <a:schemeClr val="tx1"/>
+                </a:solidFill>
+                <a:effectLst/>
+                <a:latin typeface="+mn-lt"/>
+                <a:ea typeface="+mn-ea"/>
+                <a:cs typeface="+mn-cs"/>
+              </a:rPr>
+            </a:br>
+            <a:r>
+              <a:rPr lang="en-US" sz="1200" b="0" i="0" kern="1200" dirty="0">
+                <a:solidFill>
+                  <a:schemeClr val="tx1"/>
+                </a:solidFill>
+                <a:effectLst/>
+                <a:latin typeface="+mn-lt"/>
+                <a:ea typeface="+mn-ea"/>
+                <a:cs typeface="+mn-cs"/>
+              </a:rPr>
+              <a:t>object2.property1 = 33;</a:t>
+            </a:r>
+            <a:br>
+              <a:rPr lang="en-US" sz="1200" b="0" i="0" kern="1200" dirty="0">
+                <a:solidFill>
+                  <a:schemeClr val="tx1"/>
+                </a:solidFill>
+                <a:effectLst/>
+                <a:latin typeface="+mn-lt"/>
+                <a:ea typeface="+mn-ea"/>
+                <a:cs typeface="+mn-cs"/>
+              </a:rPr>
+            </a:br>
+            <a:r>
+              <a:rPr lang="en-US" sz="1200" b="0" i="0" kern="1200" dirty="0">
+                <a:solidFill>
+                  <a:schemeClr val="tx1"/>
+                </a:solidFill>
+                <a:effectLst/>
+                <a:latin typeface="+mn-lt"/>
+                <a:ea typeface="+mn-ea"/>
+                <a:cs typeface="+mn-cs"/>
+              </a:rPr>
+              <a:t>// Throws an error in strict mode</a:t>
+            </a:r>
+            <a:br>
+              <a:rPr lang="en-US" sz="1200" b="0" i="0" kern="1200" dirty="0">
+                <a:solidFill>
+                  <a:schemeClr val="tx1"/>
+                </a:solidFill>
+                <a:effectLst/>
+                <a:latin typeface="+mn-lt"/>
+                <a:ea typeface="+mn-ea"/>
+                <a:cs typeface="+mn-cs"/>
+              </a:rPr>
+            </a:br>
+            <a:r>
+              <a:rPr lang="en-US" sz="1200" b="0" i="0" kern="1200" dirty="0">
+                <a:solidFill>
+                  <a:schemeClr val="tx1"/>
+                </a:solidFill>
+                <a:effectLst/>
+                <a:latin typeface="+mn-lt"/>
+                <a:ea typeface="+mn-ea"/>
+                <a:cs typeface="+mn-cs"/>
+              </a:rPr>
+              <a:t>console.log(object2.property1);</a:t>
+            </a:r>
+            <a:br>
+              <a:rPr lang="en-US" sz="1200" b="0" i="0" kern="1200" dirty="0">
+                <a:solidFill>
+                  <a:schemeClr val="tx1"/>
+                </a:solidFill>
+                <a:effectLst/>
+                <a:latin typeface="+mn-lt"/>
+                <a:ea typeface="+mn-ea"/>
+                <a:cs typeface="+mn-cs"/>
+              </a:rPr>
+            </a:br>
+            <a:r>
+              <a:rPr lang="en-US" sz="1200" b="0" i="0" kern="1200" dirty="0">
+                <a:solidFill>
+                  <a:schemeClr val="tx1"/>
+                </a:solidFill>
+                <a:effectLst/>
+                <a:latin typeface="+mn-lt"/>
+                <a:ea typeface="+mn-ea"/>
+                <a:cs typeface="+mn-cs"/>
+              </a:rPr>
+              <a:t>// expected output: 42</a:t>
+            </a:r>
+          </a:p>
+          <a:p>
+            <a:pPr marL="228600" marR="0" lvl="0" indent="-228600" algn="l" defTabSz="914400" rtl="0" eaLnBrk="1" fontAlgn="auto" latinLnBrk="0" hangingPunct="1">
+              <a:lnSpc>
+                <a:spcPct val="100000"/>
+              </a:lnSpc>
+              <a:spcBef>
+                <a:spcPts val="0"/>
+              </a:spcBef>
+              <a:spcAft>
+                <a:spcPts val="0"/>
+              </a:spcAft>
+              <a:buClrTx/>
+              <a:buSzTx/>
+              <a:buFontTx/>
+              <a:buAutoNum type="arabicParenR"/>
+              <a:tabLst/>
+              <a:defRPr/>
+            </a:pPr>
+            <a:endParaRPr lang="en-US" sz="1200" b="0" i="0" kern="1200" dirty="0">
+              <a:solidFill>
+                <a:schemeClr val="tx1"/>
+              </a:solidFill>
+              <a:effectLst/>
+              <a:latin typeface="+mn-lt"/>
+              <a:ea typeface="+mn-ea"/>
+              <a:cs typeface="+mn-cs"/>
+            </a:endParaRPr>
+          </a:p>
+          <a:p>
+            <a:pPr marL="0" marR="0" lvl="0" indent="0" algn="l" defTabSz="914400" rtl="0" eaLnBrk="1" fontAlgn="auto" latinLnBrk="0" hangingPunct="1">
+              <a:lnSpc>
+                <a:spcPct val="100000"/>
+              </a:lnSpc>
+              <a:spcBef>
+                <a:spcPts val="0"/>
+              </a:spcBef>
+              <a:spcAft>
+                <a:spcPts val="0"/>
+              </a:spcAft>
+              <a:buClrTx/>
+              <a:buSzTx/>
+              <a:buFontTx/>
+              <a:buNone/>
+              <a:tabLst/>
+              <a:defRPr/>
+            </a:pPr>
+            <a:endParaRPr lang="en-US" sz="1200" b="0" i="0" kern="1200" dirty="0">
+              <a:solidFill>
+                <a:schemeClr val="tx1"/>
+              </a:solidFill>
+              <a:effectLst/>
+              <a:latin typeface="+mn-lt"/>
+              <a:ea typeface="+mn-ea"/>
+              <a:cs typeface="+mn-cs"/>
+            </a:endParaRPr>
+          </a:p>
+          <a:p>
+            <a:pPr marL="171450" marR="0" lvl="0" indent="-171450" algn="l" defTabSz="914400" rtl="0" eaLnBrk="1" fontAlgn="auto" latinLnBrk="0" hangingPunct="1">
+              <a:lnSpc>
+                <a:spcPct val="100000"/>
+              </a:lnSpc>
+              <a:spcBef>
+                <a:spcPts val="0"/>
+              </a:spcBef>
+              <a:spcAft>
+                <a:spcPts val="0"/>
+              </a:spcAft>
+              <a:buClrTx/>
+              <a:buSzTx/>
+              <a:buFontTx/>
+              <a:buChar char="-"/>
+              <a:tabLst/>
+              <a:defRPr/>
+            </a:pPr>
+            <a:r>
+              <a:rPr lang="en-US" sz="1200" b="0" i="0" kern="1200" dirty="0">
+                <a:solidFill>
+                  <a:schemeClr val="tx1"/>
+                </a:solidFill>
+                <a:effectLst/>
+                <a:latin typeface="+mn-lt"/>
+                <a:ea typeface="+mn-ea"/>
+                <a:cs typeface="+mn-cs"/>
+              </a:rPr>
+              <a:t>Strict mode behaves differently in different browsers however, so it's advisable to perform feature testing thoroughly before relying on it in production.</a:t>
+            </a:r>
+          </a:p>
+          <a:p>
+            <a:pPr marL="171450" marR="0" lvl="0" indent="-171450" algn="l" defTabSz="914400" rtl="0" eaLnBrk="1" fontAlgn="auto" latinLnBrk="0" hangingPunct="1">
+              <a:lnSpc>
+                <a:spcPct val="100000"/>
+              </a:lnSpc>
+              <a:spcBef>
+                <a:spcPts val="0"/>
+              </a:spcBef>
+              <a:spcAft>
+                <a:spcPts val="0"/>
+              </a:spcAft>
+              <a:buClrTx/>
+              <a:buSzTx/>
+              <a:buFontTx/>
+              <a:buChar char="-"/>
+              <a:tabLst/>
+              <a:defRPr/>
+            </a:pPr>
+            <a:r>
+              <a:rPr lang="en-US" sz="1200" b="0" i="0" kern="1200" dirty="0">
+                <a:solidFill>
+                  <a:schemeClr val="tx1"/>
+                </a:solidFill>
+                <a:effectLst/>
+                <a:latin typeface="+mn-lt"/>
+                <a:ea typeface="+mn-ea"/>
+                <a:cs typeface="+mn-cs"/>
+              </a:rPr>
+              <a:t>Use of "use strict" is always recommended in all new JS frameworks and ECMA5/6. Its mainly "secure" JavaScript and throw real errors if you write "bad syntax" in your JavaScript.</a:t>
+            </a:r>
+          </a:p>
+          <a:p>
+            <a:pPr marL="0" marR="0" lvl="0" indent="0" algn="l" defTabSz="914400" rtl="0" eaLnBrk="1" fontAlgn="auto" latinLnBrk="0" hangingPunct="1">
+              <a:lnSpc>
+                <a:spcPct val="100000"/>
+              </a:lnSpc>
+              <a:spcBef>
+                <a:spcPts val="0"/>
+              </a:spcBef>
+              <a:spcAft>
+                <a:spcPts val="0"/>
+              </a:spcAft>
+              <a:buClrTx/>
+              <a:buSzTx/>
+              <a:buFontTx/>
+              <a:buNone/>
+              <a:tabLst/>
+              <a:defRPr/>
+            </a:pPr>
+            <a:endParaRPr lang="en-US" b="0" dirty="0"/>
+          </a:p>
+          <a:p>
+            <a:pPr marL="0" marR="0" lvl="0" indent="0" algn="l" defTabSz="914400" rtl="0" eaLnBrk="1" fontAlgn="auto" latinLnBrk="0" hangingPunct="1">
+              <a:lnSpc>
+                <a:spcPct val="100000"/>
+              </a:lnSpc>
+              <a:spcBef>
+                <a:spcPts val="0"/>
+              </a:spcBef>
+              <a:spcAft>
+                <a:spcPts val="0"/>
+              </a:spcAft>
+              <a:buClrTx/>
+              <a:buSzTx/>
+              <a:buFontTx/>
+              <a:buNone/>
+              <a:tabLst/>
+              <a:defRPr/>
+            </a:pPr>
+            <a:endParaRPr lang="en-US" b="0" dirty="0"/>
+          </a:p>
+          <a:p>
+            <a:pPr marL="0" marR="0" lvl="0" indent="0" algn="l" defTabSz="914400" rtl="0" eaLnBrk="1" fontAlgn="auto" latinLnBrk="0" hangingPunct="1">
+              <a:lnSpc>
+                <a:spcPct val="100000"/>
+              </a:lnSpc>
+              <a:spcBef>
+                <a:spcPts val="0"/>
+              </a:spcBef>
+              <a:spcAft>
+                <a:spcPts val="0"/>
+              </a:spcAft>
+              <a:buClrTx/>
+              <a:buSzTx/>
+              <a:buFontTx/>
+              <a:buNone/>
+              <a:tabLst/>
+              <a:defRPr/>
+            </a:pPr>
+            <a:endParaRPr lang="en-US" b="0" dirty="0"/>
+          </a:p>
+          <a:p>
+            <a:pPr marL="171450" marR="0" lvl="0" indent="-171450" algn="l" defTabSz="914400" rtl="0" eaLnBrk="1" fontAlgn="auto" latinLnBrk="0" hangingPunct="1">
+              <a:lnSpc>
+                <a:spcPct val="100000"/>
+              </a:lnSpc>
+              <a:spcBef>
+                <a:spcPts val="0"/>
+              </a:spcBef>
+              <a:spcAft>
+                <a:spcPts val="0"/>
+              </a:spcAft>
+              <a:buClrTx/>
+              <a:buSzTx/>
+              <a:buFontTx/>
+              <a:buChar char="-"/>
+              <a:tabLst/>
+              <a:defRPr/>
+            </a:pPr>
+            <a:r>
+              <a:rPr lang="en-US" b="0" dirty="0"/>
+              <a:t>https://developer.mozilla.org/en-US/docs/Web/JavaScript/Reference/Strict_mode</a:t>
+            </a:r>
+          </a:p>
+          <a:p>
+            <a:pPr marL="171450" marR="0" lvl="0" indent="-171450" algn="l" defTabSz="914400" rtl="0" eaLnBrk="1" fontAlgn="auto" latinLnBrk="0" hangingPunct="1">
+              <a:lnSpc>
+                <a:spcPct val="100000"/>
+              </a:lnSpc>
+              <a:spcBef>
+                <a:spcPts val="0"/>
+              </a:spcBef>
+              <a:spcAft>
+                <a:spcPts val="0"/>
+              </a:spcAft>
+              <a:buClrTx/>
+              <a:buSzTx/>
+              <a:buFontTx/>
+              <a:buChar char="-"/>
+              <a:tabLst/>
+              <a:defRPr/>
+            </a:pPr>
+            <a:r>
+              <a:rPr lang="en-US" b="0" dirty="0"/>
+              <a:t>https://www.w3schools.com/js/js_strict.asp</a:t>
+            </a:r>
+          </a:p>
+          <a:p>
+            <a:pPr marL="171450" marR="0" lvl="0" indent="-171450" algn="l" defTabSz="914400" rtl="0" eaLnBrk="1" fontAlgn="auto" latinLnBrk="0" hangingPunct="1">
+              <a:lnSpc>
+                <a:spcPct val="100000"/>
+              </a:lnSpc>
+              <a:spcBef>
+                <a:spcPts val="0"/>
+              </a:spcBef>
+              <a:spcAft>
+                <a:spcPts val="0"/>
+              </a:spcAft>
+              <a:buClrTx/>
+              <a:buSzTx/>
+              <a:buFontTx/>
+              <a:buChar char="-"/>
+              <a:tabLst/>
+              <a:defRPr/>
+            </a:pPr>
+            <a:r>
+              <a:rPr lang="en-US" b="0" dirty="0"/>
+              <a:t>https://lucybain.com/blog/2014/js-use-strict/</a:t>
+            </a:r>
+          </a:p>
+          <a:p>
+            <a:pPr marL="171450" marR="0" lvl="0" indent="-171450" algn="l" defTabSz="914400" rtl="0" eaLnBrk="1" fontAlgn="auto" latinLnBrk="0" hangingPunct="1">
+              <a:lnSpc>
+                <a:spcPct val="100000"/>
+              </a:lnSpc>
+              <a:spcBef>
+                <a:spcPts val="0"/>
+              </a:spcBef>
+              <a:spcAft>
+                <a:spcPts val="0"/>
+              </a:spcAft>
+              <a:buClrTx/>
+              <a:buSzTx/>
+              <a:buFontTx/>
+              <a:buChar char="-"/>
+              <a:tabLst/>
+              <a:defRPr/>
+            </a:pPr>
+            <a:r>
+              <a:rPr lang="en-US" b="0" dirty="0"/>
+              <a:t>https://www.tutorialsteacher.com/javascript/javascript-strict</a:t>
+            </a:r>
+          </a:p>
+          <a:p>
+            <a:pPr marL="171450" marR="0" lvl="0" indent="-171450" algn="l" defTabSz="914400" rtl="0" eaLnBrk="1" fontAlgn="auto" latinLnBrk="0" hangingPunct="1">
+              <a:lnSpc>
+                <a:spcPct val="100000"/>
+              </a:lnSpc>
+              <a:spcBef>
+                <a:spcPts val="0"/>
+              </a:spcBef>
+              <a:spcAft>
+                <a:spcPts val="0"/>
+              </a:spcAft>
+              <a:buClrTx/>
+              <a:buSzTx/>
+              <a:buFontTx/>
+              <a:buChar char="-"/>
+              <a:tabLst/>
+              <a:defRPr/>
+            </a:pPr>
+            <a:r>
+              <a:rPr lang="en-US" b="0" dirty="0"/>
+              <a:t>https://developer.mozilla.org/en-US/docs/Web/JavaScript/Reference/Global_Objects/Object/freeze - freeze example</a:t>
+            </a:r>
+          </a:p>
+          <a:p>
+            <a:pPr marL="171450" marR="0" lvl="0" indent="-171450" algn="l" defTabSz="914400" rtl="0" eaLnBrk="1" fontAlgn="auto" latinLnBrk="0" hangingPunct="1">
+              <a:lnSpc>
+                <a:spcPct val="100000"/>
+              </a:lnSpc>
+              <a:spcBef>
+                <a:spcPts val="0"/>
+              </a:spcBef>
+              <a:spcAft>
+                <a:spcPts val="0"/>
+              </a:spcAft>
+              <a:buClrTx/>
+              <a:buSzTx/>
+              <a:buFontTx/>
+              <a:buChar char="-"/>
+              <a:tabLst/>
+              <a:defRPr/>
+            </a:pPr>
+            <a:endParaRPr lang="en-US" b="0" dirty="0"/>
+          </a:p>
+          <a:p>
+            <a:pPr marL="171450" marR="0" lvl="0" indent="-171450" algn="l" defTabSz="914400" rtl="0" eaLnBrk="1" fontAlgn="auto" latinLnBrk="0" hangingPunct="1">
+              <a:lnSpc>
+                <a:spcPct val="100000"/>
+              </a:lnSpc>
+              <a:spcBef>
+                <a:spcPts val="0"/>
+              </a:spcBef>
+              <a:spcAft>
+                <a:spcPts val="0"/>
+              </a:spcAft>
+              <a:buClrTx/>
+              <a:buSzTx/>
+              <a:buFontTx/>
+              <a:buChar char="-"/>
+              <a:tabLst/>
+              <a:defRPr/>
+            </a:pPr>
+            <a:endParaRPr lang="en-US" b="0" dirty="0"/>
+          </a:p>
+          <a:p>
+            <a:pPr marL="0" marR="0" lvl="0" indent="0" algn="l" defTabSz="914400" rtl="0" eaLnBrk="1" fontAlgn="auto" latinLnBrk="0" hangingPunct="1">
+              <a:lnSpc>
+                <a:spcPct val="100000"/>
+              </a:lnSpc>
+              <a:spcBef>
+                <a:spcPts val="0"/>
+              </a:spcBef>
+              <a:spcAft>
+                <a:spcPts val="0"/>
+              </a:spcAft>
+              <a:buClrTx/>
+              <a:buSzTx/>
+              <a:buFontTx/>
+              <a:buNone/>
+              <a:tabLst/>
+              <a:defRPr/>
+            </a:pPr>
+            <a:endParaRPr lang="en-US" b="0" dirty="0"/>
           </a:p>
         </p:txBody>
       </p:sp>
@@ -21001,7 +22891,7 @@
     </p:spTree>
     <p:extLst>
       <p:ext uri="{BB962C8B-B14F-4D97-AF65-F5344CB8AC3E}">
-        <p14:creationId xmlns:p14="http://schemas.microsoft.com/office/powerpoint/2010/main" val="3897343"/>
+        <p14:creationId xmlns:p14="http://schemas.microsoft.com/office/powerpoint/2010/main" val="3689577127"/>
       </p:ext>
     </p:extLst>
   </p:cSld>
@@ -21072,7 +22962,341 @@
               <a:tabLst/>
               <a:defRPr/>
             </a:pPr>
-            <a:endParaRPr lang="en-US" sz="2400" dirty="0"/>
+            <a:endParaRPr lang="en-US" sz="1200" b="0" i="0" kern="1200" dirty="0">
+              <a:solidFill>
+                <a:schemeClr val="tx1"/>
+              </a:solidFill>
+              <a:effectLst/>
+              <a:latin typeface="+mn-lt"/>
+              <a:ea typeface="+mn-ea"/>
+              <a:cs typeface="+mn-cs"/>
+            </a:endParaRPr>
+          </a:p>
+          <a:p>
+            <a:pPr marL="0" marR="0" lvl="0" indent="0" algn="l" defTabSz="914400" rtl="0" eaLnBrk="1" fontAlgn="auto" latinLnBrk="0" hangingPunct="1">
+              <a:lnSpc>
+                <a:spcPct val="100000"/>
+              </a:lnSpc>
+              <a:spcBef>
+                <a:spcPts val="0"/>
+              </a:spcBef>
+              <a:spcAft>
+                <a:spcPts val="0"/>
+              </a:spcAft>
+              <a:buClrTx/>
+              <a:buSzTx/>
+              <a:buFontTx/>
+              <a:buNone/>
+              <a:tabLst/>
+              <a:defRPr/>
+            </a:pPr>
+            <a:endParaRPr lang="en-US" sz="1200" b="0" i="0" kern="1200" dirty="0">
+              <a:solidFill>
+                <a:schemeClr val="tx1"/>
+              </a:solidFill>
+              <a:effectLst/>
+              <a:latin typeface="+mn-lt"/>
+              <a:ea typeface="+mn-ea"/>
+              <a:cs typeface="+mn-cs"/>
+            </a:endParaRPr>
+          </a:p>
+          <a:p>
+            <a:pPr marL="0" marR="0" lvl="0" indent="0" algn="l" defTabSz="914400" rtl="0" eaLnBrk="1" fontAlgn="auto" latinLnBrk="0" hangingPunct="1">
+              <a:lnSpc>
+                <a:spcPct val="100000"/>
+              </a:lnSpc>
+              <a:spcBef>
+                <a:spcPts val="0"/>
+              </a:spcBef>
+              <a:spcAft>
+                <a:spcPts val="0"/>
+              </a:spcAft>
+              <a:buClrTx/>
+              <a:buSzTx/>
+              <a:buFontTx/>
+              <a:buNone/>
+              <a:tabLst/>
+              <a:defRPr/>
+            </a:pPr>
+            <a:endParaRPr lang="en-US" sz="1200" b="0" i="0" kern="1200" dirty="0">
+              <a:solidFill>
+                <a:schemeClr val="tx1"/>
+              </a:solidFill>
+              <a:effectLst/>
+              <a:latin typeface="+mn-lt"/>
+              <a:ea typeface="+mn-ea"/>
+              <a:cs typeface="+mn-cs"/>
+            </a:endParaRPr>
+          </a:p>
+          <a:p>
+            <a:pPr marL="0" marR="0" lvl="0" indent="0" algn="l" defTabSz="914400" rtl="0" eaLnBrk="1" fontAlgn="auto" latinLnBrk="0" hangingPunct="1">
+              <a:lnSpc>
+                <a:spcPct val="100000"/>
+              </a:lnSpc>
+              <a:spcBef>
+                <a:spcPts val="0"/>
+              </a:spcBef>
+              <a:spcAft>
+                <a:spcPts val="0"/>
+              </a:spcAft>
+              <a:buClrTx/>
+              <a:buSzTx/>
+              <a:buFontTx/>
+              <a:buNone/>
+              <a:tabLst/>
+              <a:defRPr/>
+            </a:pPr>
+            <a:endParaRPr lang="en-US" sz="1200" b="0" i="0" kern="1200" dirty="0">
+              <a:solidFill>
+                <a:schemeClr val="tx1"/>
+              </a:solidFill>
+              <a:effectLst/>
+              <a:latin typeface="+mn-lt"/>
+              <a:ea typeface="+mn-ea"/>
+              <a:cs typeface="+mn-cs"/>
+            </a:endParaRPr>
+          </a:p>
+          <a:p>
+            <a:pPr marL="0" marR="0" lvl="0" indent="0" algn="l" defTabSz="914400" rtl="0" eaLnBrk="1" fontAlgn="auto" latinLnBrk="0" hangingPunct="1">
+              <a:lnSpc>
+                <a:spcPct val="100000"/>
+              </a:lnSpc>
+              <a:spcBef>
+                <a:spcPts val="0"/>
+              </a:spcBef>
+              <a:spcAft>
+                <a:spcPts val="0"/>
+              </a:spcAft>
+              <a:buClrTx/>
+              <a:buSzTx/>
+              <a:buFontTx/>
+              <a:buNone/>
+              <a:tabLst/>
+              <a:defRPr/>
+            </a:pPr>
+            <a:endParaRPr lang="en-US" sz="1200" b="0" i="0" kern="1200" dirty="0">
+              <a:solidFill>
+                <a:schemeClr val="tx1"/>
+              </a:solidFill>
+              <a:effectLst/>
+              <a:latin typeface="+mn-lt"/>
+              <a:ea typeface="+mn-ea"/>
+              <a:cs typeface="+mn-cs"/>
+            </a:endParaRPr>
+          </a:p>
+          <a:p>
+            <a:pPr marL="171450" marR="0" lvl="0" indent="-171450" algn="l" defTabSz="914400" rtl="0" eaLnBrk="1" fontAlgn="auto" latinLnBrk="0" hangingPunct="1">
+              <a:lnSpc>
+                <a:spcPct val="100000"/>
+              </a:lnSpc>
+              <a:spcBef>
+                <a:spcPts val="0"/>
+              </a:spcBef>
+              <a:spcAft>
+                <a:spcPts val="0"/>
+              </a:spcAft>
+              <a:buClrTx/>
+              <a:buSzTx/>
+              <a:buFontTx/>
+              <a:buChar char="-"/>
+              <a:tabLst/>
+              <a:defRPr/>
+            </a:pPr>
+            <a:r>
+              <a:rPr lang="en-US" sz="1200" b="0" i="0" kern="1200" dirty="0">
+                <a:solidFill>
+                  <a:schemeClr val="tx1"/>
+                </a:solidFill>
+                <a:effectLst/>
+                <a:latin typeface="+mn-lt"/>
+                <a:ea typeface="+mn-ea"/>
+                <a:cs typeface="+mn-cs"/>
+              </a:rPr>
+              <a:t>https://jakearchibald.com/2017/es-modules-in-browsers/</a:t>
+            </a:r>
+          </a:p>
+          <a:p>
+            <a:pPr marL="171450" marR="0" lvl="0" indent="-171450" algn="l" defTabSz="914400" rtl="0" eaLnBrk="1" fontAlgn="auto" latinLnBrk="0" hangingPunct="1">
+              <a:lnSpc>
+                <a:spcPct val="100000"/>
+              </a:lnSpc>
+              <a:spcBef>
+                <a:spcPts val="0"/>
+              </a:spcBef>
+              <a:spcAft>
+                <a:spcPts val="0"/>
+              </a:spcAft>
+              <a:buClrTx/>
+              <a:buSzTx/>
+              <a:buFontTx/>
+              <a:buChar char="-"/>
+              <a:tabLst/>
+              <a:defRPr/>
+            </a:pPr>
+            <a:r>
+              <a:rPr lang="en-US" sz="1200" b="0" i="0" kern="1200" dirty="0">
+                <a:solidFill>
+                  <a:schemeClr val="tx1"/>
+                </a:solidFill>
+                <a:effectLst/>
+                <a:latin typeface="+mn-lt"/>
+                <a:ea typeface="+mn-ea"/>
+                <a:cs typeface="+mn-cs"/>
+              </a:rPr>
+              <a:t>https://developers.google.com/web/fundamentals/primers/modules</a:t>
+            </a:r>
+          </a:p>
+          <a:p>
+            <a:pPr marL="171450" marR="0" lvl="0" indent="-171450" algn="l" defTabSz="914400" rtl="0" eaLnBrk="1" fontAlgn="auto" latinLnBrk="0" hangingPunct="1">
+              <a:lnSpc>
+                <a:spcPct val="100000"/>
+              </a:lnSpc>
+              <a:spcBef>
+                <a:spcPts val="0"/>
+              </a:spcBef>
+              <a:spcAft>
+                <a:spcPts val="0"/>
+              </a:spcAft>
+              <a:buClrTx/>
+              <a:buSzTx/>
+              <a:buFontTx/>
+              <a:buChar char="-"/>
+              <a:tabLst/>
+              <a:defRPr/>
+            </a:pPr>
+            <a:r>
+              <a:rPr lang="en-US" sz="1200" b="0" i="0" kern="1200" dirty="0">
+                <a:solidFill>
+                  <a:schemeClr val="tx1"/>
+                </a:solidFill>
+                <a:effectLst/>
+                <a:latin typeface="+mn-lt"/>
+                <a:ea typeface="+mn-ea"/>
+                <a:cs typeface="+mn-cs"/>
+              </a:rPr>
+              <a:t>https://blogs.windows.com/msedgedev/2016/05/17/es6-modules-and-beyond/#MzM5yAJGAFsVsfuX.97</a:t>
+            </a:r>
+          </a:p>
+          <a:p>
+            <a:pPr marL="171450" marR="0" lvl="0" indent="-171450" algn="l" defTabSz="914400" rtl="0" eaLnBrk="1" fontAlgn="auto" latinLnBrk="0" hangingPunct="1">
+              <a:lnSpc>
+                <a:spcPct val="100000"/>
+              </a:lnSpc>
+              <a:spcBef>
+                <a:spcPts val="0"/>
+              </a:spcBef>
+              <a:spcAft>
+                <a:spcPts val="0"/>
+              </a:spcAft>
+              <a:buClrTx/>
+              <a:buSzTx/>
+              <a:buFontTx/>
+              <a:buChar char="-"/>
+              <a:tabLst/>
+              <a:defRPr/>
+            </a:pPr>
+            <a:r>
+              <a:rPr lang="en-US" sz="1200" b="0" i="0" kern="1200" dirty="0">
+                <a:solidFill>
+                  <a:schemeClr val="tx1"/>
+                </a:solidFill>
+                <a:effectLst/>
+                <a:latin typeface="+mn-lt"/>
+                <a:ea typeface="+mn-ea"/>
+                <a:cs typeface="+mn-cs"/>
+              </a:rPr>
+              <a:t>https://hacks.mozilla.org/2015/08/es6-in-depth-modules/</a:t>
+            </a:r>
+          </a:p>
+          <a:p>
+            <a:pPr marL="171450" marR="0" lvl="0" indent="-171450" algn="l" defTabSz="914400" rtl="0" eaLnBrk="1" fontAlgn="auto" latinLnBrk="0" hangingPunct="1">
+              <a:lnSpc>
+                <a:spcPct val="100000"/>
+              </a:lnSpc>
+              <a:spcBef>
+                <a:spcPts val="0"/>
+              </a:spcBef>
+              <a:spcAft>
+                <a:spcPts val="0"/>
+              </a:spcAft>
+              <a:buClrTx/>
+              <a:buSzTx/>
+              <a:buFontTx/>
+              <a:buChar char="-"/>
+              <a:tabLst/>
+              <a:defRPr/>
+            </a:pPr>
+            <a:r>
+              <a:rPr lang="en-US" sz="1200" b="0" i="0" kern="1200" dirty="0">
+                <a:solidFill>
+                  <a:schemeClr val="tx1"/>
+                </a:solidFill>
+                <a:effectLst/>
+                <a:latin typeface="+mn-lt"/>
+                <a:ea typeface="+mn-ea"/>
+                <a:cs typeface="+mn-cs"/>
+              </a:rPr>
+              <a:t>https://developer.mozilla.org/en-US/docs/Web/JavaScript/Reference/Statements/import</a:t>
+            </a:r>
+          </a:p>
+          <a:p>
+            <a:pPr marL="171450" marR="0" lvl="0" indent="-171450" algn="l" defTabSz="914400" rtl="0" eaLnBrk="1" fontAlgn="auto" latinLnBrk="0" hangingPunct="1">
+              <a:lnSpc>
+                <a:spcPct val="100000"/>
+              </a:lnSpc>
+              <a:spcBef>
+                <a:spcPts val="0"/>
+              </a:spcBef>
+              <a:spcAft>
+                <a:spcPts val="0"/>
+              </a:spcAft>
+              <a:buClrTx/>
+              <a:buSzTx/>
+              <a:buFontTx/>
+              <a:buChar char="-"/>
+              <a:tabLst/>
+              <a:defRPr/>
+            </a:pPr>
+            <a:r>
+              <a:rPr lang="en-US" sz="1200" b="0" i="0" kern="1200" dirty="0">
+                <a:solidFill>
+                  <a:schemeClr val="tx1"/>
+                </a:solidFill>
+                <a:effectLst/>
+                <a:latin typeface="+mn-lt"/>
+                <a:ea typeface="+mn-ea"/>
+                <a:cs typeface="+mn-cs"/>
+              </a:rPr>
+              <a:t>https://developer.mozilla.org/en-US/docs/web/javascript/reference/statements/export</a:t>
+            </a:r>
+          </a:p>
+          <a:p>
+            <a:pPr marL="171450" marR="0" lvl="0" indent="-171450" algn="l" defTabSz="914400" rtl="0" eaLnBrk="1" fontAlgn="auto" latinLnBrk="0" hangingPunct="1">
+              <a:lnSpc>
+                <a:spcPct val="100000"/>
+              </a:lnSpc>
+              <a:spcBef>
+                <a:spcPts val="0"/>
+              </a:spcBef>
+              <a:spcAft>
+                <a:spcPts val="0"/>
+              </a:spcAft>
+              <a:buClrTx/>
+              <a:buSzTx/>
+              <a:buFontTx/>
+              <a:buChar char="-"/>
+              <a:tabLst/>
+              <a:defRPr/>
+            </a:pPr>
+            <a:endParaRPr lang="en-US" sz="1200" b="1" i="0" kern="1200" dirty="0">
+              <a:solidFill>
+                <a:schemeClr val="tx1"/>
+              </a:solidFill>
+              <a:effectLst/>
+              <a:latin typeface="+mn-lt"/>
+              <a:ea typeface="+mn-ea"/>
+              <a:cs typeface="+mn-cs"/>
+            </a:endParaRPr>
           </a:p>
         </p:txBody>
       </p:sp>
@@ -21102,7 +23326,7 @@
     </p:spTree>
     <p:extLst>
       <p:ext uri="{BB962C8B-B14F-4D97-AF65-F5344CB8AC3E}">
-        <p14:creationId xmlns:p14="http://schemas.microsoft.com/office/powerpoint/2010/main" val="2418120340"/>
+        <p14:creationId xmlns:p14="http://schemas.microsoft.com/office/powerpoint/2010/main" val="3635942883"/>
       </p:ext>
     </p:extLst>
   </p:cSld>
@@ -21173,6 +23397,408 @@
               <a:tabLst/>
               <a:defRPr/>
             </a:pPr>
+            <a:r>
+              <a:rPr lang="en-US" sz="1200" b="0" i="0" kern="1200" dirty="0">
+                <a:solidFill>
+                  <a:schemeClr val="tx1"/>
+                </a:solidFill>
+                <a:effectLst/>
+                <a:latin typeface="+mn-lt"/>
+                <a:ea typeface="+mn-ea"/>
+                <a:cs typeface="+mn-cs"/>
+              </a:rPr>
+              <a:t>In the past, how we create class in JS?</a:t>
+            </a:r>
+          </a:p>
+          <a:p>
+            <a:pPr marL="0" marR="0" lvl="0" indent="0" algn="l" defTabSz="914400" rtl="0" eaLnBrk="1" fontAlgn="auto" latinLnBrk="0" hangingPunct="1">
+              <a:lnSpc>
+                <a:spcPct val="100000"/>
+              </a:lnSpc>
+              <a:spcBef>
+                <a:spcPts val="0"/>
+              </a:spcBef>
+              <a:spcAft>
+                <a:spcPts val="0"/>
+              </a:spcAft>
+              <a:buClrTx/>
+              <a:buSzTx/>
+              <a:buFontTx/>
+              <a:buNone/>
+              <a:tabLst/>
+              <a:defRPr/>
+            </a:pPr>
+            <a:endParaRPr lang="en-US" b="0" dirty="0"/>
+          </a:p>
+          <a:p>
+            <a:pPr marL="0" marR="0" lvl="0" indent="0" algn="l" defTabSz="914400" rtl="0" eaLnBrk="1" fontAlgn="auto" latinLnBrk="0" hangingPunct="1">
+              <a:lnSpc>
+                <a:spcPct val="100000"/>
+              </a:lnSpc>
+              <a:spcBef>
+                <a:spcPts val="0"/>
+              </a:spcBef>
+              <a:spcAft>
+                <a:spcPts val="0"/>
+              </a:spcAft>
+              <a:buClrTx/>
+              <a:buSzTx/>
+              <a:buFontTx/>
+              <a:buNone/>
+              <a:tabLst/>
+              <a:defRPr/>
+            </a:pPr>
+            <a:r>
+              <a:rPr lang="en-US" b="0" dirty="0"/>
+              <a:t>In JS, we don’t have classes, so how did we make one?</a:t>
+            </a:r>
+          </a:p>
+          <a:p>
+            <a:pPr marL="0" marR="0" lvl="0" indent="0" algn="l" defTabSz="914400" rtl="0" eaLnBrk="1" fontAlgn="auto" latinLnBrk="0" hangingPunct="1">
+              <a:lnSpc>
+                <a:spcPct val="100000"/>
+              </a:lnSpc>
+              <a:spcBef>
+                <a:spcPts val="0"/>
+              </a:spcBef>
+              <a:spcAft>
+                <a:spcPts val="0"/>
+              </a:spcAft>
+              <a:buClrTx/>
+              <a:buSzTx/>
+              <a:buFontTx/>
+              <a:buNone/>
+              <a:tabLst/>
+              <a:defRPr/>
+            </a:pPr>
+            <a:r>
+              <a:rPr lang="en-US" sz="2400" dirty="0"/>
+              <a:t>Although the standard syntax is missing the language can still be manipulated to act as one.</a:t>
+            </a:r>
+          </a:p>
+          <a:p>
+            <a:pPr marL="0" marR="0" lvl="0" indent="0" algn="l" defTabSz="914400" rtl="0" eaLnBrk="1" fontAlgn="auto" latinLnBrk="0" hangingPunct="1">
+              <a:lnSpc>
+                <a:spcPct val="100000"/>
+              </a:lnSpc>
+              <a:spcBef>
+                <a:spcPts val="0"/>
+              </a:spcBef>
+              <a:spcAft>
+                <a:spcPts val="0"/>
+              </a:spcAft>
+              <a:buClrTx/>
+              <a:buSzTx/>
+              <a:buFontTx/>
+              <a:buNone/>
+              <a:tabLst/>
+              <a:defRPr/>
+            </a:pPr>
+            <a:endParaRPr lang="en-US" sz="2400" dirty="0"/>
+          </a:p>
+          <a:p>
+            <a:pPr marL="0" marR="0" lvl="0" indent="0" algn="l" defTabSz="914400" rtl="0" eaLnBrk="1" fontAlgn="auto" latinLnBrk="0" hangingPunct="1">
+              <a:lnSpc>
+                <a:spcPct val="100000"/>
+              </a:lnSpc>
+              <a:spcBef>
+                <a:spcPts val="0"/>
+              </a:spcBef>
+              <a:spcAft>
+                <a:spcPts val="0"/>
+              </a:spcAft>
+              <a:buClrTx/>
+              <a:buSzTx/>
+              <a:buFontTx/>
+              <a:buNone/>
+              <a:tabLst/>
+              <a:defRPr/>
+            </a:pPr>
+            <a:r>
+              <a:rPr lang="en-US" sz="2400" dirty="0"/>
+              <a:t>The </a:t>
+            </a:r>
+            <a:r>
+              <a:rPr lang="en-US" sz="2400" b="1" dirty="0"/>
+              <a:t>function</a:t>
+            </a:r>
+            <a:r>
+              <a:rPr lang="en-US" sz="2400" dirty="0"/>
+              <a:t> keyword creates an object of Function type. This object can be used as a normal function or as a </a:t>
+            </a:r>
+            <a:r>
+              <a:rPr lang="en-US" sz="2400" b="1" dirty="0"/>
+              <a:t>class</a:t>
+            </a:r>
+            <a:r>
+              <a:rPr lang="en-US" sz="2400" dirty="0"/>
+              <a:t> </a:t>
+            </a:r>
+            <a:r>
+              <a:rPr lang="en-US" sz="2400" b="1" dirty="0"/>
+              <a:t>object </a:t>
+            </a:r>
+            <a:r>
+              <a:rPr lang="en-US" sz="2400" dirty="0"/>
+              <a:t>which defines the class</a:t>
+            </a:r>
+            <a:r>
+              <a:rPr lang="en-US" sz="2400" b="1" dirty="0"/>
+              <a:t> </a:t>
+            </a:r>
+            <a:r>
+              <a:rPr lang="en-US" sz="2400" b="1" dirty="0">
+                <a:solidFill>
+                  <a:schemeClr val="tx1"/>
+                </a:solidFill>
+              </a:rPr>
+              <a:t>constructor</a:t>
+            </a:r>
+            <a:r>
+              <a:rPr lang="en-US" sz="2400" dirty="0">
+                <a:solidFill>
+                  <a:schemeClr val="tx1"/>
+                </a:solidFill>
+              </a:rPr>
+              <a:t> </a:t>
+            </a:r>
+            <a:r>
+              <a:rPr lang="en-US" sz="2400" dirty="0"/>
+              <a:t>method.</a:t>
+            </a:r>
+          </a:p>
+          <a:p>
+            <a:pPr marL="0" marR="0" lvl="0" indent="0" algn="l" defTabSz="914400" rtl="0" eaLnBrk="1" fontAlgn="auto" latinLnBrk="0" hangingPunct="1">
+              <a:lnSpc>
+                <a:spcPct val="100000"/>
+              </a:lnSpc>
+              <a:spcBef>
+                <a:spcPts val="0"/>
+              </a:spcBef>
+              <a:spcAft>
+                <a:spcPts val="0"/>
+              </a:spcAft>
+              <a:buClrTx/>
+              <a:buSzTx/>
+              <a:buFontTx/>
+              <a:buNone/>
+              <a:tabLst/>
+              <a:defRPr/>
+            </a:pPr>
+            <a:r>
+              <a:rPr lang="en-US" sz="2400" dirty="0"/>
+              <a:t>When using the </a:t>
+            </a:r>
+            <a:r>
+              <a:rPr lang="en-US" sz="2400" b="1" dirty="0">
+                <a:solidFill>
+                  <a:schemeClr val="tx1"/>
+                </a:solidFill>
+              </a:rPr>
+              <a:t>new</a:t>
+            </a:r>
+            <a:r>
+              <a:rPr lang="en-US" sz="2400" dirty="0">
+                <a:solidFill>
+                  <a:schemeClr val="tx1"/>
+                </a:solidFill>
+              </a:rPr>
+              <a:t> </a:t>
+            </a:r>
+            <a:r>
+              <a:rPr lang="en-US" sz="2400" dirty="0"/>
+              <a:t>keyword on the </a:t>
+            </a:r>
+            <a:r>
+              <a:rPr lang="en-US" sz="2400" b="1" dirty="0"/>
+              <a:t>class object </a:t>
+            </a:r>
+            <a:r>
+              <a:rPr lang="en-US" sz="2400" dirty="0"/>
+              <a:t>a new instance of the class will be created and will be send to the </a:t>
+            </a:r>
+            <a:r>
+              <a:rPr lang="en-US" sz="2400" b="1" dirty="0">
+                <a:solidFill>
+                  <a:schemeClr val="tx1"/>
+                </a:solidFill>
+              </a:rPr>
+              <a:t>constructor</a:t>
+            </a:r>
+            <a:r>
+              <a:rPr lang="en-US" sz="2400" dirty="0"/>
+              <a:t> method.</a:t>
+            </a:r>
+          </a:p>
+          <a:p>
+            <a:pPr marL="0" marR="0" lvl="0" indent="0" algn="l" defTabSz="914400" rtl="0" eaLnBrk="1" fontAlgn="auto" latinLnBrk="0" hangingPunct="1">
+              <a:lnSpc>
+                <a:spcPct val="100000"/>
+              </a:lnSpc>
+              <a:spcBef>
+                <a:spcPts val="0"/>
+              </a:spcBef>
+              <a:spcAft>
+                <a:spcPts val="0"/>
+              </a:spcAft>
+              <a:buClrTx/>
+              <a:buSzTx/>
+              <a:buFontTx/>
+              <a:buNone/>
+              <a:tabLst/>
+              <a:defRPr/>
+            </a:pPr>
+            <a:endParaRPr lang="en-US" sz="2400" dirty="0"/>
+          </a:p>
+          <a:p>
+            <a:pPr marL="0" marR="0" lvl="0" indent="0" algn="l" defTabSz="914400" rtl="0" eaLnBrk="1" fontAlgn="auto" latinLnBrk="0" hangingPunct="1">
+              <a:lnSpc>
+                <a:spcPct val="100000"/>
+              </a:lnSpc>
+              <a:spcBef>
+                <a:spcPts val="0"/>
+              </a:spcBef>
+              <a:spcAft>
+                <a:spcPts val="0"/>
+              </a:spcAft>
+              <a:buClrTx/>
+              <a:buSzTx/>
+              <a:buFontTx/>
+              <a:buNone/>
+              <a:tabLst/>
+              <a:defRPr/>
+            </a:pPr>
+            <a:r>
+              <a:rPr lang="en-US" sz="2400" dirty="0"/>
+              <a:t>What is the problem in this example?</a:t>
+            </a:r>
+          </a:p>
+          <a:p>
+            <a:pPr marL="0" marR="0" lvl="0" indent="0" algn="l" defTabSz="914400" rtl="0" eaLnBrk="1" fontAlgn="auto" latinLnBrk="0" hangingPunct="1">
+              <a:lnSpc>
+                <a:spcPct val="100000"/>
+              </a:lnSpc>
+              <a:spcBef>
+                <a:spcPts val="0"/>
+              </a:spcBef>
+              <a:spcAft>
+                <a:spcPts val="0"/>
+              </a:spcAft>
+              <a:buClrTx/>
+              <a:buSzTx/>
+              <a:buFontTx/>
+              <a:buNone/>
+              <a:tabLst/>
+              <a:defRPr/>
+            </a:pPr>
+            <a:r>
+              <a:rPr lang="en-US" sz="2400" dirty="0"/>
+              <a:t>Each time we are creating Cat class we are also creating each time the </a:t>
+            </a:r>
+            <a:r>
+              <a:rPr lang="en-US" sz="2400" dirty="0" err="1"/>
+              <a:t>getName</a:t>
+            </a:r>
+            <a:r>
+              <a:rPr lang="en-US" sz="2400" dirty="0"/>
+              <a:t> &amp; </a:t>
+            </a:r>
+            <a:r>
+              <a:rPr lang="en-US" sz="2400" dirty="0" err="1"/>
+              <a:t>getAge</a:t>
+            </a:r>
+            <a:r>
+              <a:rPr lang="en-US" sz="2400" dirty="0"/>
+              <a:t>  again and again</a:t>
+            </a:r>
+          </a:p>
+          <a:p>
+            <a:pPr marL="0" marR="0" lvl="0" indent="0" algn="l" defTabSz="914400" rtl="0" eaLnBrk="1" fontAlgn="auto" latinLnBrk="0" hangingPunct="1">
+              <a:lnSpc>
+                <a:spcPct val="100000"/>
+              </a:lnSpc>
+              <a:spcBef>
+                <a:spcPts val="0"/>
+              </a:spcBef>
+              <a:spcAft>
+                <a:spcPts val="0"/>
+              </a:spcAft>
+              <a:buClrTx/>
+              <a:buSzTx/>
+              <a:buFontTx/>
+              <a:buNone/>
+              <a:tabLst/>
+              <a:defRPr/>
+            </a:pPr>
+            <a:r>
+              <a:rPr lang="en-US" sz="2400" dirty="0"/>
+              <a:t>This is a waist of memory, We will want and expect it to be created one (static method),</a:t>
+            </a:r>
+          </a:p>
+          <a:p>
+            <a:pPr marL="0" marR="0" lvl="0" indent="0" algn="l" defTabSz="914400" rtl="0" eaLnBrk="1" fontAlgn="auto" latinLnBrk="0" hangingPunct="1">
+              <a:lnSpc>
+                <a:spcPct val="100000"/>
+              </a:lnSpc>
+              <a:spcBef>
+                <a:spcPts val="0"/>
+              </a:spcBef>
+              <a:spcAft>
+                <a:spcPts val="0"/>
+              </a:spcAft>
+              <a:buClrTx/>
+              <a:buSzTx/>
+              <a:buFontTx/>
+              <a:buNone/>
+              <a:tabLst/>
+              <a:defRPr/>
+            </a:pPr>
+            <a:r>
+              <a:rPr lang="en-US" sz="2400" dirty="0"/>
+              <a:t>How can we do that?</a:t>
+            </a:r>
+          </a:p>
+          <a:p>
+            <a:pPr marL="0" marR="0" lvl="0" indent="0" algn="l" defTabSz="914400" rtl="0" eaLnBrk="1" fontAlgn="auto" latinLnBrk="0" hangingPunct="1">
+              <a:lnSpc>
+                <a:spcPct val="100000"/>
+              </a:lnSpc>
+              <a:spcBef>
+                <a:spcPts val="0"/>
+              </a:spcBef>
+              <a:spcAft>
+                <a:spcPts val="0"/>
+              </a:spcAft>
+              <a:buClrTx/>
+              <a:buSzTx/>
+              <a:buFontTx/>
+              <a:buNone/>
+              <a:tabLst/>
+              <a:defRPr/>
+            </a:pPr>
+            <a:r>
+              <a:rPr lang="en-US" sz="2400" dirty="0"/>
+              <a:t>Yes, using Prototype</a:t>
+            </a:r>
+          </a:p>
+          <a:p>
+            <a:pPr marL="0" marR="0" lvl="0" indent="0" algn="l" defTabSz="914400" rtl="0" eaLnBrk="1" fontAlgn="auto" latinLnBrk="0" hangingPunct="1">
+              <a:lnSpc>
+                <a:spcPct val="100000"/>
+              </a:lnSpc>
+              <a:spcBef>
+                <a:spcPts val="0"/>
+              </a:spcBef>
+              <a:spcAft>
+                <a:spcPts val="0"/>
+              </a:spcAft>
+              <a:buClrTx/>
+              <a:buSzTx/>
+              <a:buFontTx/>
+              <a:buNone/>
+              <a:tabLst/>
+              <a:defRPr/>
+            </a:pPr>
             <a:endParaRPr lang="en-US" sz="2400" dirty="0"/>
           </a:p>
         </p:txBody>
@@ -21195,6 +23821,1264 @@
             <a:fld id="{595D0871-5AD0-4670-BDA8-FBE649F625DD}" type="slidenum">
               <a:rPr lang="he-IL" smtClean="0"/>
               <a:t>69</a:t>
+            </a:fld>
+            <a:endParaRPr lang="he-IL"/>
+          </a:p>
+        </p:txBody>
+      </p:sp>
+    </p:spTree>
+    <p:extLst>
+      <p:ext uri="{BB962C8B-B14F-4D97-AF65-F5344CB8AC3E}">
+        <p14:creationId xmlns:p14="http://schemas.microsoft.com/office/powerpoint/2010/main" val="3897343"/>
+      </p:ext>
+    </p:extLst>
+  </p:cSld>
+  <p:clrMapOvr>
+    <a:masterClrMapping/>
+  </p:clrMapOvr>
+</p:notes>
+</file>
+
+<file path=ppt/notesSlides/notesSlide68.xml><?xml version="1.0" encoding="utf-8"?>
+<p:notes xmlns:a="http://schemas.openxmlformats.org/drawingml/2006/main" xmlns:r="http://schemas.openxmlformats.org/officeDocument/2006/relationships" xmlns:p="http://schemas.openxmlformats.org/presentationml/2006/main">
+  <p:cSld>
+    <p:spTree>
+      <p:nvGrpSpPr>
+        <p:cNvPr id="1" name=""/>
+        <p:cNvGrpSpPr/>
+        <p:nvPr/>
+      </p:nvGrpSpPr>
+      <p:grpSpPr>
+        <a:xfrm>
+          <a:off x="0" y="0"/>
+          <a:ext cx="0" cy="0"/>
+          <a:chOff x="0" y="0"/>
+          <a:chExt cx="0" cy="0"/>
+        </a:xfrm>
+      </p:grpSpPr>
+      <p:sp>
+        <p:nvSpPr>
+          <p:cNvPr id="2" name="Slide Image Placeholder 1"/>
+          <p:cNvSpPr>
+            <a:spLocks noGrp="1" noRot="1" noChangeAspect="1"/>
+          </p:cNvSpPr>
+          <p:nvPr>
+            <p:ph type="sldImg"/>
+          </p:nvPr>
+        </p:nvSpPr>
+        <p:spPr/>
+      </p:sp>
+      <p:sp>
+        <p:nvSpPr>
+          <p:cNvPr id="3" name="Notes Placeholder 2"/>
+          <p:cNvSpPr>
+            <a:spLocks noGrp="1"/>
+          </p:cNvSpPr>
+          <p:nvPr>
+            <p:ph type="body" idx="1"/>
+          </p:nvPr>
+        </p:nvSpPr>
+        <p:spPr/>
+        <p:txBody>
+          <a:bodyPr/>
+          <a:lstStyle/>
+          <a:p>
+            <a:pPr marL="0" marR="0" lvl="0" indent="0" algn="l" defTabSz="914400" rtl="0" eaLnBrk="1" fontAlgn="auto" latinLnBrk="0" hangingPunct="1">
+              <a:lnSpc>
+                <a:spcPct val="100000"/>
+              </a:lnSpc>
+              <a:spcBef>
+                <a:spcPts val="0"/>
+              </a:spcBef>
+              <a:spcAft>
+                <a:spcPts val="0"/>
+              </a:spcAft>
+              <a:buClrTx/>
+              <a:buSzTx/>
+              <a:buFontTx/>
+              <a:buNone/>
+              <a:tabLst/>
+              <a:defRPr/>
+            </a:pPr>
+            <a:r>
+              <a:rPr lang="en-US" sz="2400" dirty="0"/>
+              <a:t>What is prototype?</a:t>
+            </a:r>
+          </a:p>
+          <a:p>
+            <a:pPr marL="0" marR="0" lvl="0" indent="0" algn="l" defTabSz="914400" rtl="0" eaLnBrk="1" fontAlgn="auto" latinLnBrk="0" hangingPunct="1">
+              <a:lnSpc>
+                <a:spcPct val="100000"/>
+              </a:lnSpc>
+              <a:spcBef>
+                <a:spcPts val="0"/>
+              </a:spcBef>
+              <a:spcAft>
+                <a:spcPts val="0"/>
+              </a:spcAft>
+              <a:buClrTx/>
+              <a:buSzTx/>
+              <a:buFontTx/>
+              <a:buNone/>
+              <a:tabLst/>
+              <a:defRPr/>
+            </a:pPr>
+            <a:endParaRPr lang="en-US" sz="2400" dirty="0"/>
+          </a:p>
+          <a:p>
+            <a:pPr marL="0" marR="0" lvl="0" indent="0" algn="l" defTabSz="914400" rtl="0" eaLnBrk="1" fontAlgn="auto" latinLnBrk="0" hangingPunct="1">
+              <a:lnSpc>
+                <a:spcPct val="100000"/>
+              </a:lnSpc>
+              <a:spcBef>
+                <a:spcPts val="0"/>
+              </a:spcBef>
+              <a:spcAft>
+                <a:spcPts val="0"/>
+              </a:spcAft>
+              <a:buClrTx/>
+              <a:buSzTx/>
+              <a:buFontTx/>
+              <a:buNone/>
+              <a:tabLst/>
+              <a:defRPr/>
+            </a:pPr>
+            <a:r>
+              <a:rPr lang="en-US" sz="2400" dirty="0"/>
+              <a:t>This is the place where inheritance happens.</a:t>
+            </a:r>
+          </a:p>
+          <a:p>
+            <a:pPr marL="0" marR="0" lvl="0" indent="0" algn="l" defTabSz="914400" rtl="0" eaLnBrk="1" fontAlgn="auto" latinLnBrk="0" hangingPunct="1">
+              <a:lnSpc>
+                <a:spcPct val="100000"/>
+              </a:lnSpc>
+              <a:spcBef>
+                <a:spcPts val="0"/>
+              </a:spcBef>
+              <a:spcAft>
+                <a:spcPts val="0"/>
+              </a:spcAft>
+              <a:buClrTx/>
+              <a:buSzTx/>
+              <a:buFontTx/>
+              <a:buNone/>
+              <a:tabLst/>
+              <a:defRPr/>
+            </a:pPr>
+            <a:r>
+              <a:rPr lang="en-US" sz="1200" b="0" i="0" kern="1200" dirty="0">
+                <a:solidFill>
+                  <a:schemeClr val="tx1"/>
+                </a:solidFill>
+                <a:effectLst/>
+                <a:latin typeface="+mn-lt"/>
+                <a:ea typeface="+mn-ea"/>
+                <a:cs typeface="+mn-cs"/>
+              </a:rPr>
+              <a:t>All JavaScript objects inherit properties and methods from a prototype.</a:t>
+            </a:r>
+          </a:p>
+          <a:p>
+            <a:pPr marL="0" marR="0" lvl="0" indent="0" algn="l" defTabSz="914400" rtl="0" eaLnBrk="1" fontAlgn="auto" latinLnBrk="0" hangingPunct="1">
+              <a:lnSpc>
+                <a:spcPct val="100000"/>
+              </a:lnSpc>
+              <a:spcBef>
+                <a:spcPts val="0"/>
+              </a:spcBef>
+              <a:spcAft>
+                <a:spcPts val="0"/>
+              </a:spcAft>
+              <a:buClrTx/>
+              <a:buSzTx/>
+              <a:buFontTx/>
+              <a:buNone/>
+              <a:tabLst/>
+              <a:defRPr/>
+            </a:pPr>
+            <a:r>
+              <a:rPr lang="en-US" sz="1200" b="0" i="0" kern="1200" dirty="0">
+                <a:solidFill>
+                  <a:schemeClr val="tx1"/>
+                </a:solidFill>
+                <a:effectLst/>
+                <a:latin typeface="+mn-lt"/>
+                <a:ea typeface="+mn-ea"/>
+                <a:cs typeface="+mn-cs"/>
+              </a:rPr>
+              <a:t>The JavaScript </a:t>
+            </a:r>
+            <a:r>
+              <a:rPr lang="en-US" sz="2400" dirty="0"/>
+              <a:t>prototype</a:t>
+            </a:r>
+            <a:r>
+              <a:rPr lang="en-US" sz="1200" b="0" i="0" kern="1200" dirty="0">
+                <a:solidFill>
+                  <a:schemeClr val="tx1"/>
+                </a:solidFill>
+                <a:effectLst/>
+                <a:latin typeface="+mn-lt"/>
+                <a:ea typeface="+mn-ea"/>
+                <a:cs typeface="+mn-cs"/>
+              </a:rPr>
+              <a:t> property allows you to add new properties &amp; new methods to object constructors:</a:t>
+            </a:r>
+          </a:p>
+          <a:p>
+            <a:pPr marL="0" marR="0" lvl="0" indent="0" algn="l" defTabSz="914400" rtl="0" eaLnBrk="1" fontAlgn="auto" latinLnBrk="0" hangingPunct="1">
+              <a:lnSpc>
+                <a:spcPct val="100000"/>
+              </a:lnSpc>
+              <a:spcBef>
+                <a:spcPts val="0"/>
+              </a:spcBef>
+              <a:spcAft>
+                <a:spcPts val="0"/>
+              </a:spcAft>
+              <a:buClrTx/>
+              <a:buSzTx/>
+              <a:buFontTx/>
+              <a:buNone/>
+              <a:tabLst/>
+              <a:defRPr/>
+            </a:pPr>
+            <a:endParaRPr lang="en-US" sz="2400" dirty="0"/>
+          </a:p>
+          <a:p>
+            <a:pPr marL="0" marR="0" lvl="0" indent="0" algn="l" defTabSz="914400" rtl="0" eaLnBrk="1" fontAlgn="auto" latinLnBrk="0" hangingPunct="1">
+              <a:lnSpc>
+                <a:spcPct val="100000"/>
+              </a:lnSpc>
+              <a:spcBef>
+                <a:spcPts val="0"/>
+              </a:spcBef>
+              <a:spcAft>
+                <a:spcPts val="0"/>
+              </a:spcAft>
+              <a:buClrTx/>
+              <a:buSzTx/>
+              <a:buFontTx/>
+              <a:buNone/>
+              <a:tabLst/>
+              <a:defRPr/>
+            </a:pPr>
+            <a:r>
+              <a:rPr lang="en-US" sz="2400" dirty="0"/>
+              <a:t>Let see an example,</a:t>
+            </a:r>
+          </a:p>
+          <a:p>
+            <a:pPr marL="0" marR="0" lvl="0" indent="0" algn="l" defTabSz="914400" rtl="0" eaLnBrk="1" fontAlgn="auto" latinLnBrk="0" hangingPunct="1">
+              <a:lnSpc>
+                <a:spcPct val="100000"/>
+              </a:lnSpc>
+              <a:spcBef>
+                <a:spcPts val="0"/>
+              </a:spcBef>
+              <a:spcAft>
+                <a:spcPts val="0"/>
+              </a:spcAft>
+              <a:buClrTx/>
+              <a:buSzTx/>
+              <a:buFontTx/>
+              <a:buNone/>
+              <a:tabLst/>
+              <a:defRPr/>
+            </a:pPr>
+            <a:r>
+              <a:rPr lang="en-US" sz="2400" dirty="0"/>
+              <a:t>We are creating Person class, for each person we have first name, last name &amp; age</a:t>
+            </a:r>
+          </a:p>
+          <a:p>
+            <a:pPr marL="0" marR="0" lvl="0" indent="0" algn="l" defTabSz="914400" rtl="0" eaLnBrk="1" fontAlgn="auto" latinLnBrk="0" hangingPunct="1">
+              <a:lnSpc>
+                <a:spcPct val="100000"/>
+              </a:lnSpc>
+              <a:spcBef>
+                <a:spcPts val="0"/>
+              </a:spcBef>
+              <a:spcAft>
+                <a:spcPts val="0"/>
+              </a:spcAft>
+              <a:buClrTx/>
+              <a:buSzTx/>
+              <a:buFontTx/>
+              <a:buNone/>
+              <a:tabLst/>
+              <a:defRPr/>
+            </a:pPr>
+            <a:endParaRPr lang="en-US" sz="2400" dirty="0"/>
+          </a:p>
+          <a:p>
+            <a:pPr marL="0" marR="0" lvl="0" indent="0" algn="l" defTabSz="914400" rtl="0" eaLnBrk="1" fontAlgn="auto" latinLnBrk="0" hangingPunct="1">
+              <a:lnSpc>
+                <a:spcPct val="100000"/>
+              </a:lnSpc>
+              <a:spcBef>
+                <a:spcPts val="0"/>
+              </a:spcBef>
+              <a:spcAft>
+                <a:spcPts val="0"/>
+              </a:spcAft>
+              <a:buClrTx/>
+              <a:buSzTx/>
+              <a:buFontTx/>
+              <a:buNone/>
+              <a:tabLst/>
+              <a:defRPr/>
+            </a:pPr>
+            <a:r>
+              <a:rPr lang="en-US" sz="2400" dirty="0"/>
+              <a:t>If we will add `</a:t>
+            </a:r>
+            <a:r>
+              <a:rPr lang="en-US" sz="1200" b="0" i="0" kern="1200" dirty="0">
+                <a:solidFill>
+                  <a:schemeClr val="tx1"/>
+                </a:solidFill>
+                <a:effectLst/>
+                <a:latin typeface="+mn-lt"/>
+                <a:ea typeface="+mn-ea"/>
+                <a:cs typeface="+mn-cs"/>
+              </a:rPr>
+              <a:t>nationality` on prototype, it will be added automatically to each instance of person even that we didn’t declare it.</a:t>
+            </a:r>
+          </a:p>
+          <a:p>
+            <a:pPr marL="0" marR="0" lvl="0" indent="0" algn="l" defTabSz="914400" rtl="0" eaLnBrk="1" fontAlgn="auto" latinLnBrk="0" hangingPunct="1">
+              <a:lnSpc>
+                <a:spcPct val="100000"/>
+              </a:lnSpc>
+              <a:spcBef>
+                <a:spcPts val="0"/>
+              </a:spcBef>
+              <a:spcAft>
+                <a:spcPts val="0"/>
+              </a:spcAft>
+              <a:buClrTx/>
+              <a:buSzTx/>
+              <a:buFontTx/>
+              <a:buNone/>
+              <a:tabLst/>
+              <a:defRPr/>
+            </a:pPr>
+            <a:endParaRPr lang="en-US" sz="1200" b="0" i="0" kern="1200" dirty="0">
+              <a:solidFill>
+                <a:schemeClr val="tx1"/>
+              </a:solidFill>
+              <a:effectLst/>
+              <a:latin typeface="+mn-lt"/>
+              <a:ea typeface="+mn-ea"/>
+              <a:cs typeface="+mn-cs"/>
+            </a:endParaRPr>
+          </a:p>
+          <a:p>
+            <a:pPr marL="0" marR="0" lvl="0" indent="0" algn="l" defTabSz="914400" rtl="0" eaLnBrk="1" fontAlgn="auto" latinLnBrk="0" hangingPunct="1">
+              <a:lnSpc>
+                <a:spcPct val="100000"/>
+              </a:lnSpc>
+              <a:spcBef>
+                <a:spcPts val="0"/>
+              </a:spcBef>
+              <a:spcAft>
+                <a:spcPts val="0"/>
+              </a:spcAft>
+              <a:buClrTx/>
+              <a:buSzTx/>
+              <a:buFontTx/>
+              <a:buNone/>
+              <a:tabLst/>
+              <a:defRPr/>
+            </a:pPr>
+            <a:r>
+              <a:rPr lang="en-US" sz="1200" b="0" i="0" kern="1200" dirty="0">
+                <a:solidFill>
+                  <a:schemeClr val="tx1"/>
+                </a:solidFill>
+                <a:effectLst/>
+                <a:latin typeface="+mn-lt"/>
+                <a:ea typeface="+mn-ea"/>
+                <a:cs typeface="+mn-cs"/>
+              </a:rPr>
+              <a:t>We can also extend existing Class/Objects like string, Math, Number, Function etc.</a:t>
+            </a:r>
+          </a:p>
+          <a:p>
+            <a:pPr marL="0" marR="0" lvl="0" indent="0" algn="l" defTabSz="914400" rtl="0" eaLnBrk="1" fontAlgn="auto" latinLnBrk="0" hangingPunct="1">
+              <a:lnSpc>
+                <a:spcPct val="100000"/>
+              </a:lnSpc>
+              <a:spcBef>
+                <a:spcPts val="0"/>
+              </a:spcBef>
+              <a:spcAft>
+                <a:spcPts val="0"/>
+              </a:spcAft>
+              <a:buClrTx/>
+              <a:buSzTx/>
+              <a:buFontTx/>
+              <a:buNone/>
+              <a:tabLst/>
+              <a:defRPr/>
+            </a:pPr>
+            <a:r>
+              <a:rPr lang="en-US" sz="1200" b="0" i="0" kern="1200" dirty="0">
+                <a:solidFill>
+                  <a:schemeClr val="tx1"/>
+                </a:solidFill>
+                <a:effectLst/>
+                <a:latin typeface="+mn-lt"/>
+                <a:ea typeface="+mn-ea"/>
+                <a:cs typeface="+mn-cs"/>
+              </a:rPr>
+              <a:t>In this example we adding to global String a new function of reversing a string.</a:t>
+            </a:r>
+          </a:p>
+          <a:p>
+            <a:pPr marL="0" marR="0" lvl="0" indent="0" algn="l" defTabSz="914400" rtl="0" eaLnBrk="1" fontAlgn="auto" latinLnBrk="0" hangingPunct="1">
+              <a:lnSpc>
+                <a:spcPct val="100000"/>
+              </a:lnSpc>
+              <a:spcBef>
+                <a:spcPts val="0"/>
+              </a:spcBef>
+              <a:spcAft>
+                <a:spcPts val="0"/>
+              </a:spcAft>
+              <a:buClrTx/>
+              <a:buSzTx/>
+              <a:buFontTx/>
+              <a:buNone/>
+              <a:tabLst/>
+              <a:defRPr/>
+            </a:pPr>
+            <a:endParaRPr lang="en-US" sz="1200" b="0" i="0" kern="1200" dirty="0">
+              <a:solidFill>
+                <a:schemeClr val="tx1"/>
+              </a:solidFill>
+              <a:effectLst/>
+              <a:latin typeface="+mn-lt"/>
+              <a:ea typeface="+mn-ea"/>
+              <a:cs typeface="+mn-cs"/>
+            </a:endParaRPr>
+          </a:p>
+          <a:p>
+            <a:pPr marL="0" marR="0" lvl="0" indent="0" algn="l" defTabSz="914400" rtl="0" eaLnBrk="1" fontAlgn="auto" latinLnBrk="0" hangingPunct="1">
+              <a:lnSpc>
+                <a:spcPct val="100000"/>
+              </a:lnSpc>
+              <a:spcBef>
+                <a:spcPts val="0"/>
+              </a:spcBef>
+              <a:spcAft>
+                <a:spcPts val="0"/>
+              </a:spcAft>
+              <a:buClrTx/>
+              <a:buSzTx/>
+              <a:buFontTx/>
+              <a:buNone/>
+              <a:tabLst/>
+              <a:defRPr/>
+            </a:pPr>
+            <a:r>
+              <a:rPr lang="en-US" sz="1200" b="0" i="0" kern="1200" dirty="0">
+                <a:solidFill>
+                  <a:schemeClr val="tx1"/>
+                </a:solidFill>
+                <a:effectLst/>
+                <a:latin typeface="+mn-lt"/>
+                <a:ea typeface="+mn-ea"/>
+                <a:cs typeface="+mn-cs"/>
+              </a:rPr>
+              <a:t>Now, let’s come back to our Cat example, how can we refactor it and use the prototype?</a:t>
+            </a:r>
+          </a:p>
+          <a:p>
+            <a:pPr marL="0" marR="0" lvl="0" indent="0" algn="l" defTabSz="914400" rtl="0" eaLnBrk="1" fontAlgn="auto" latinLnBrk="0" hangingPunct="1">
+              <a:lnSpc>
+                <a:spcPct val="100000"/>
+              </a:lnSpc>
+              <a:spcBef>
+                <a:spcPts val="0"/>
+              </a:spcBef>
+              <a:spcAft>
+                <a:spcPts val="0"/>
+              </a:spcAft>
+              <a:buClrTx/>
+              <a:buSzTx/>
+              <a:buFontTx/>
+              <a:buNone/>
+              <a:tabLst/>
+              <a:defRPr/>
+            </a:pPr>
+            <a:r>
+              <a:rPr lang="en-US" sz="2400" b="0" i="0" kern="1200" dirty="0">
+                <a:solidFill>
+                  <a:schemeClr val="tx1"/>
+                </a:solidFill>
+                <a:effectLst/>
+                <a:latin typeface="+mn-lt"/>
+                <a:ea typeface="+mn-ea"/>
+                <a:cs typeface="+mn-cs"/>
+              </a:rPr>
+              <a:t>We can declare and assign the function </a:t>
+            </a:r>
+            <a:r>
+              <a:rPr lang="en-US" sz="2400" b="0" i="0" kern="1200" dirty="0" err="1">
+                <a:solidFill>
+                  <a:schemeClr val="tx1"/>
+                </a:solidFill>
+                <a:effectLst/>
+                <a:latin typeface="+mn-lt"/>
+                <a:ea typeface="+mn-ea"/>
+                <a:cs typeface="+mn-cs"/>
+              </a:rPr>
+              <a:t>getName</a:t>
+            </a:r>
+            <a:r>
+              <a:rPr lang="en-US" sz="2400" b="0" i="0" kern="1200" dirty="0">
+                <a:solidFill>
+                  <a:schemeClr val="tx1"/>
+                </a:solidFill>
+                <a:effectLst/>
+                <a:latin typeface="+mn-lt"/>
+                <a:ea typeface="+mn-ea"/>
+                <a:cs typeface="+mn-cs"/>
+              </a:rPr>
+              <a:t>  &amp; </a:t>
+            </a:r>
+            <a:r>
+              <a:rPr lang="en-US" sz="2400" b="0" i="0" kern="1200" dirty="0" err="1">
+                <a:solidFill>
+                  <a:schemeClr val="tx1"/>
+                </a:solidFill>
+                <a:effectLst/>
+                <a:latin typeface="+mn-lt"/>
+                <a:ea typeface="+mn-ea"/>
+                <a:cs typeface="+mn-cs"/>
+              </a:rPr>
+              <a:t>getAge</a:t>
+            </a:r>
+            <a:r>
+              <a:rPr lang="en-US" sz="2400" b="0" i="0" kern="1200" dirty="0">
+                <a:solidFill>
+                  <a:schemeClr val="tx1"/>
+                </a:solidFill>
+                <a:effectLst/>
+                <a:latin typeface="+mn-lt"/>
+                <a:ea typeface="+mn-ea"/>
+                <a:cs typeface="+mn-cs"/>
+              </a:rPr>
+              <a:t> on Cat function prototype and it will be created once and be accessible for each instance of cat object.</a:t>
+            </a:r>
+            <a:endParaRPr lang="en-US" sz="2400" dirty="0"/>
+          </a:p>
+          <a:p>
+            <a:pPr marL="0" marR="0" lvl="0" indent="0" algn="l" defTabSz="914400" rtl="0" eaLnBrk="1" fontAlgn="auto" latinLnBrk="0" hangingPunct="1">
+              <a:lnSpc>
+                <a:spcPct val="100000"/>
+              </a:lnSpc>
+              <a:spcBef>
+                <a:spcPts val="0"/>
+              </a:spcBef>
+              <a:spcAft>
+                <a:spcPts val="0"/>
+              </a:spcAft>
+              <a:buClrTx/>
+              <a:buSzTx/>
+              <a:buFontTx/>
+              <a:buNone/>
+              <a:tabLst/>
+              <a:defRPr/>
+            </a:pPr>
+            <a:endParaRPr lang="en-US" sz="2400" dirty="0"/>
+          </a:p>
+          <a:p>
+            <a:pPr marL="0" marR="0" lvl="0" indent="0" algn="l" defTabSz="914400" rtl="0" eaLnBrk="1" fontAlgn="auto" latinLnBrk="0" hangingPunct="1">
+              <a:lnSpc>
+                <a:spcPct val="100000"/>
+              </a:lnSpc>
+              <a:spcBef>
+                <a:spcPts val="0"/>
+              </a:spcBef>
+              <a:spcAft>
+                <a:spcPts val="0"/>
+              </a:spcAft>
+              <a:buClrTx/>
+              <a:buSzTx/>
+              <a:buFontTx/>
+              <a:buNone/>
+              <a:tabLst/>
+              <a:defRPr/>
+            </a:pPr>
+            <a:endParaRPr lang="en-US" sz="2400" dirty="0"/>
+          </a:p>
+          <a:p>
+            <a:pPr marL="342900" marR="0" lvl="0" indent="-342900" algn="l" defTabSz="914400" rtl="0" eaLnBrk="1" fontAlgn="auto" latinLnBrk="0" hangingPunct="1">
+              <a:lnSpc>
+                <a:spcPct val="100000"/>
+              </a:lnSpc>
+              <a:spcBef>
+                <a:spcPts val="0"/>
+              </a:spcBef>
+              <a:spcAft>
+                <a:spcPts val="0"/>
+              </a:spcAft>
+              <a:buClrTx/>
+              <a:buSzTx/>
+              <a:buFontTx/>
+              <a:buChar char="-"/>
+              <a:tabLst/>
+              <a:defRPr/>
+            </a:pPr>
+            <a:r>
+              <a:rPr lang="en-US" sz="2400" dirty="0">
+                <a:hlinkClick r:id="rId3"/>
+              </a:rPr>
+              <a:t>https://www.w3schools.com/js/js_object_prototypes.asp</a:t>
+            </a:r>
+            <a:endParaRPr lang="en-US" sz="2400" dirty="0"/>
+          </a:p>
+          <a:p>
+            <a:pPr marL="342900" marR="0" lvl="0" indent="-342900" algn="l" defTabSz="914400" rtl="0" eaLnBrk="1" fontAlgn="auto" latinLnBrk="0" hangingPunct="1">
+              <a:lnSpc>
+                <a:spcPct val="100000"/>
+              </a:lnSpc>
+              <a:spcBef>
+                <a:spcPts val="0"/>
+              </a:spcBef>
+              <a:spcAft>
+                <a:spcPts val="0"/>
+              </a:spcAft>
+              <a:buClrTx/>
+              <a:buSzTx/>
+              <a:buFontTx/>
+              <a:buChar char="-"/>
+              <a:tabLst/>
+              <a:defRPr/>
+            </a:pPr>
+            <a:r>
+              <a:rPr lang="en-US" sz="2400" dirty="0">
+                <a:hlinkClick r:id="rId4"/>
+              </a:rPr>
+              <a:t>https://developer.mozilla.org/en-US/docs/Learn/JavaScript/Objects/Object_prototypes</a:t>
+            </a:r>
+            <a:endParaRPr lang="en-US" sz="2400" dirty="0"/>
+          </a:p>
+        </p:txBody>
+      </p:sp>
+      <p:sp>
+        <p:nvSpPr>
+          <p:cNvPr id="4" name="Slide Number Placeholder 3"/>
+          <p:cNvSpPr>
+            <a:spLocks noGrp="1"/>
+          </p:cNvSpPr>
+          <p:nvPr>
+            <p:ph type="sldNum" sz="quarter" idx="10"/>
+          </p:nvPr>
+        </p:nvSpPr>
+        <p:spPr/>
+        <p:txBody>
+          <a:bodyPr/>
+          <a:lstStyle/>
+          <a:p>
+            <a:fld id="{595D0871-5AD0-4670-BDA8-FBE649F625DD}" type="slidenum">
+              <a:rPr lang="he-IL" smtClean="0"/>
+              <a:t>70</a:t>
+            </a:fld>
+            <a:endParaRPr lang="he-IL"/>
+          </a:p>
+        </p:txBody>
+      </p:sp>
+    </p:spTree>
+    <p:extLst>
+      <p:ext uri="{BB962C8B-B14F-4D97-AF65-F5344CB8AC3E}">
+        <p14:creationId xmlns:p14="http://schemas.microsoft.com/office/powerpoint/2010/main" val="2418120340"/>
+      </p:ext>
+    </p:extLst>
+  </p:cSld>
+  <p:clrMapOvr>
+    <a:masterClrMapping/>
+  </p:clrMapOvr>
+</p:notes>
+</file>
+
+<file path=ppt/notesSlides/notesSlide69.xml><?xml version="1.0" encoding="utf-8"?>
+<p:notes xmlns:a="http://schemas.openxmlformats.org/drawingml/2006/main" xmlns:r="http://schemas.openxmlformats.org/officeDocument/2006/relationships" xmlns:p="http://schemas.openxmlformats.org/presentationml/2006/main">
+  <p:cSld>
+    <p:spTree>
+      <p:nvGrpSpPr>
+        <p:cNvPr id="1" name=""/>
+        <p:cNvGrpSpPr/>
+        <p:nvPr/>
+      </p:nvGrpSpPr>
+      <p:grpSpPr>
+        <a:xfrm>
+          <a:off x="0" y="0"/>
+          <a:ext cx="0" cy="0"/>
+          <a:chOff x="0" y="0"/>
+          <a:chExt cx="0" cy="0"/>
+        </a:xfrm>
+      </p:grpSpPr>
+      <p:sp>
+        <p:nvSpPr>
+          <p:cNvPr id="2" name="Slide Image Placeholder 1"/>
+          <p:cNvSpPr>
+            <a:spLocks noGrp="1" noRot="1" noChangeAspect="1"/>
+          </p:cNvSpPr>
+          <p:nvPr>
+            <p:ph type="sldImg"/>
+          </p:nvPr>
+        </p:nvSpPr>
+        <p:spPr/>
+      </p:sp>
+      <p:sp>
+        <p:nvSpPr>
+          <p:cNvPr id="3" name="Notes Placeholder 2"/>
+          <p:cNvSpPr>
+            <a:spLocks noGrp="1"/>
+          </p:cNvSpPr>
+          <p:nvPr>
+            <p:ph type="body" idx="1"/>
+          </p:nvPr>
+        </p:nvSpPr>
+        <p:spPr/>
+        <p:txBody>
+          <a:bodyPr/>
+          <a:lstStyle/>
+          <a:p>
+            <a:pPr marL="0" marR="0" lvl="0" indent="0" algn="l" defTabSz="914400" rtl="0" eaLnBrk="1" fontAlgn="auto" latinLnBrk="0" hangingPunct="1">
+              <a:lnSpc>
+                <a:spcPct val="100000"/>
+              </a:lnSpc>
+              <a:spcBef>
+                <a:spcPts val="0"/>
+              </a:spcBef>
+              <a:spcAft>
+                <a:spcPts val="0"/>
+              </a:spcAft>
+              <a:buClrTx/>
+              <a:buSzTx/>
+              <a:buFontTx/>
+              <a:buNone/>
+              <a:tabLst/>
+              <a:defRPr/>
+            </a:pPr>
+            <a:r>
+              <a:rPr lang="en-US" sz="1200" b="0" i="0" kern="1200" dirty="0">
+                <a:solidFill>
+                  <a:schemeClr val="tx1"/>
+                </a:solidFill>
+                <a:effectLst/>
+                <a:latin typeface="+mn-lt"/>
+                <a:ea typeface="+mn-ea"/>
+                <a:cs typeface="+mn-cs"/>
+              </a:rPr>
+              <a:t>ECMAScript 6 introduces the concept of class available in traditional object-oriented languages. In ECMAScript 6, the class syntax is syntactical sugar on top of the existing prototype-based inheritance model. It does not add a new object-oriented inheritance model to JavaScript.</a:t>
+            </a:r>
+          </a:p>
+          <a:p>
+            <a:pPr marL="0" marR="0" lvl="0" indent="0" algn="l" defTabSz="914400" rtl="0" eaLnBrk="1" fontAlgn="auto" latinLnBrk="0" hangingPunct="1">
+              <a:lnSpc>
+                <a:spcPct val="100000"/>
+              </a:lnSpc>
+              <a:spcBef>
+                <a:spcPts val="0"/>
+              </a:spcBef>
+              <a:spcAft>
+                <a:spcPts val="0"/>
+              </a:spcAft>
+              <a:buClrTx/>
+              <a:buSzTx/>
+              <a:buFontTx/>
+              <a:buNone/>
+              <a:tabLst/>
+              <a:defRPr/>
+            </a:pPr>
+            <a:endParaRPr lang="en-US" sz="1200" b="0" i="0" kern="1200" dirty="0">
+              <a:solidFill>
+                <a:schemeClr val="tx1"/>
+              </a:solidFill>
+              <a:effectLst/>
+              <a:latin typeface="+mn-lt"/>
+              <a:ea typeface="+mn-ea"/>
+              <a:cs typeface="+mn-cs"/>
+            </a:endParaRPr>
+          </a:p>
+          <a:p>
+            <a:pPr marL="0" marR="0" lvl="0" indent="0" algn="l" defTabSz="914400" rtl="0" eaLnBrk="1" fontAlgn="auto" latinLnBrk="0" hangingPunct="1">
+              <a:lnSpc>
+                <a:spcPct val="100000"/>
+              </a:lnSpc>
+              <a:spcBef>
+                <a:spcPts val="0"/>
+              </a:spcBef>
+              <a:spcAft>
+                <a:spcPts val="0"/>
+              </a:spcAft>
+              <a:buClrTx/>
+              <a:buSzTx/>
+              <a:buFontTx/>
+              <a:buNone/>
+              <a:tabLst/>
+              <a:defRPr/>
+            </a:pPr>
+            <a:r>
+              <a:rPr lang="en-US" sz="1200" b="0" i="0" kern="1200" dirty="0">
+                <a:solidFill>
+                  <a:schemeClr val="tx1"/>
+                </a:solidFill>
+                <a:effectLst/>
+                <a:latin typeface="+mn-lt"/>
+                <a:ea typeface="+mn-ea"/>
+                <a:cs typeface="+mn-cs"/>
+              </a:rPr>
+              <a:t>How Cat class will be in class syntax?</a:t>
+            </a:r>
+          </a:p>
+          <a:p>
+            <a:pPr marL="0" marR="0" lvl="0" indent="0" algn="l" defTabSz="914400" rtl="0" eaLnBrk="1" fontAlgn="auto" latinLnBrk="0" hangingPunct="1">
+              <a:lnSpc>
+                <a:spcPct val="100000"/>
+              </a:lnSpc>
+              <a:spcBef>
+                <a:spcPts val="0"/>
+              </a:spcBef>
+              <a:spcAft>
+                <a:spcPts val="0"/>
+              </a:spcAft>
+              <a:buClrTx/>
+              <a:buSzTx/>
+              <a:buFontTx/>
+              <a:buNone/>
+              <a:tabLst/>
+              <a:defRPr/>
+            </a:pPr>
+            <a:r>
+              <a:rPr lang="en-US" sz="1200" b="0" i="0" kern="1200" dirty="0">
+                <a:solidFill>
+                  <a:schemeClr val="tx1"/>
+                </a:solidFill>
+                <a:effectLst/>
+                <a:latin typeface="+mn-lt"/>
+                <a:ea typeface="+mn-ea"/>
+                <a:cs typeface="+mn-cs"/>
+              </a:rPr>
+              <a:t>Let take a look…</a:t>
+            </a:r>
+          </a:p>
+          <a:p>
+            <a:pPr marL="0" marR="0" lvl="0" indent="0" algn="l" defTabSz="914400" rtl="0" eaLnBrk="1" fontAlgn="auto" latinLnBrk="0" hangingPunct="1">
+              <a:lnSpc>
+                <a:spcPct val="100000"/>
+              </a:lnSpc>
+              <a:spcBef>
+                <a:spcPts val="0"/>
+              </a:spcBef>
+              <a:spcAft>
+                <a:spcPts val="0"/>
+              </a:spcAft>
+              <a:buClrTx/>
+              <a:buSzTx/>
+              <a:buFontTx/>
+              <a:buNone/>
+              <a:tabLst/>
+              <a:defRPr/>
+            </a:pPr>
+            <a:endParaRPr lang="en-US" sz="1200" b="0" i="0" kern="1200" dirty="0">
+              <a:solidFill>
+                <a:schemeClr val="tx1"/>
+              </a:solidFill>
+              <a:effectLst/>
+              <a:latin typeface="+mn-lt"/>
+              <a:ea typeface="+mn-ea"/>
+              <a:cs typeface="+mn-cs"/>
+            </a:endParaRPr>
+          </a:p>
+          <a:p>
+            <a:pPr marL="0" marR="0" lvl="0" indent="0" algn="l" defTabSz="914400" rtl="0" eaLnBrk="1" fontAlgn="auto" latinLnBrk="0" hangingPunct="1">
+              <a:lnSpc>
+                <a:spcPct val="100000"/>
+              </a:lnSpc>
+              <a:spcBef>
+                <a:spcPts val="0"/>
+              </a:spcBef>
+              <a:spcAft>
+                <a:spcPts val="0"/>
+              </a:spcAft>
+              <a:buClrTx/>
+              <a:buSzTx/>
+              <a:buFontTx/>
+              <a:buNone/>
+              <a:tabLst/>
+              <a:defRPr/>
+            </a:pPr>
+            <a:r>
+              <a:rPr lang="en-US" sz="1200" kern="1200" dirty="0">
+                <a:solidFill>
+                  <a:schemeClr val="tx1"/>
+                </a:solidFill>
+                <a:effectLst/>
+                <a:latin typeface="+mn-lt"/>
+                <a:ea typeface="+mn-ea"/>
+                <a:cs typeface="+mn-cs"/>
+              </a:rPr>
+              <a:t>If we will take a look at Cat class and log prototype, we can see that the functions we declare are added automatically to the prototype.</a:t>
+            </a:r>
+          </a:p>
+          <a:p>
+            <a:pPr marL="0" marR="0" lvl="0" indent="0" algn="l" defTabSz="914400" rtl="0" eaLnBrk="1" fontAlgn="auto" latinLnBrk="0" hangingPunct="1">
+              <a:lnSpc>
+                <a:spcPct val="100000"/>
+              </a:lnSpc>
+              <a:spcBef>
+                <a:spcPts val="0"/>
+              </a:spcBef>
+              <a:spcAft>
+                <a:spcPts val="0"/>
+              </a:spcAft>
+              <a:buClrTx/>
+              <a:buSzTx/>
+              <a:buFontTx/>
+              <a:buNone/>
+              <a:tabLst/>
+              <a:defRPr/>
+            </a:pPr>
+            <a:endParaRPr lang="en-US" sz="1200" kern="1200" dirty="0">
+              <a:solidFill>
+                <a:schemeClr val="tx1"/>
+              </a:solidFill>
+              <a:effectLst/>
+              <a:latin typeface="+mn-lt"/>
+              <a:ea typeface="+mn-ea"/>
+              <a:cs typeface="+mn-cs"/>
+            </a:endParaRPr>
+          </a:p>
+          <a:p>
+            <a:pPr marL="0" marR="0" lvl="0" indent="0" algn="l" defTabSz="914400" rtl="0" eaLnBrk="1" fontAlgn="auto" latinLnBrk="0" hangingPunct="1">
+              <a:lnSpc>
+                <a:spcPct val="100000"/>
+              </a:lnSpc>
+              <a:spcBef>
+                <a:spcPts val="0"/>
+              </a:spcBef>
+              <a:spcAft>
+                <a:spcPts val="0"/>
+              </a:spcAft>
+              <a:buClrTx/>
+              <a:buSzTx/>
+              <a:buFontTx/>
+              <a:buNone/>
+              <a:tabLst/>
+              <a:defRPr/>
+            </a:pPr>
+            <a:r>
+              <a:rPr lang="en-US" sz="1200" kern="1200" dirty="0">
+                <a:solidFill>
+                  <a:schemeClr val="tx1"/>
+                </a:solidFill>
+                <a:effectLst/>
+                <a:latin typeface="+mn-lt"/>
+                <a:ea typeface="+mn-ea"/>
+                <a:cs typeface="+mn-cs"/>
+              </a:rPr>
+              <a:t>What are the type of Cat?</a:t>
+            </a:r>
+          </a:p>
+          <a:p>
+            <a:pPr marL="0" marR="0" lvl="0" indent="0" algn="l" defTabSz="914400" rtl="0" eaLnBrk="1" fontAlgn="auto" latinLnBrk="0" hangingPunct="1">
+              <a:lnSpc>
+                <a:spcPct val="100000"/>
+              </a:lnSpc>
+              <a:spcBef>
+                <a:spcPts val="0"/>
+              </a:spcBef>
+              <a:spcAft>
+                <a:spcPts val="0"/>
+              </a:spcAft>
+              <a:buClrTx/>
+              <a:buSzTx/>
+              <a:buFontTx/>
+              <a:buNone/>
+              <a:tabLst/>
+              <a:defRPr/>
+            </a:pPr>
+            <a:r>
+              <a:rPr lang="en-US" sz="1200" kern="1200" dirty="0">
+                <a:solidFill>
+                  <a:schemeClr val="tx1"/>
+                </a:solidFill>
+                <a:effectLst/>
+                <a:latin typeface="+mn-lt"/>
+                <a:ea typeface="+mn-ea"/>
+                <a:cs typeface="+mn-cs"/>
+              </a:rPr>
+              <a:t>It is a Class type?</a:t>
+            </a:r>
+          </a:p>
+          <a:p>
+            <a:pPr marL="0" marR="0" lvl="0" indent="0" algn="l" defTabSz="914400" rtl="0" eaLnBrk="1" fontAlgn="auto" latinLnBrk="0" hangingPunct="1">
+              <a:lnSpc>
+                <a:spcPct val="100000"/>
+              </a:lnSpc>
+              <a:spcBef>
+                <a:spcPts val="0"/>
+              </a:spcBef>
+              <a:spcAft>
+                <a:spcPts val="0"/>
+              </a:spcAft>
+              <a:buClrTx/>
+              <a:buSzTx/>
+              <a:buFontTx/>
+              <a:buNone/>
+              <a:tabLst/>
+              <a:defRPr/>
+            </a:pPr>
+            <a:endParaRPr lang="en-US" sz="1200" kern="1200" dirty="0">
+              <a:solidFill>
+                <a:schemeClr val="tx1"/>
+              </a:solidFill>
+              <a:effectLst/>
+              <a:latin typeface="+mn-lt"/>
+              <a:ea typeface="+mn-ea"/>
+              <a:cs typeface="+mn-cs"/>
+            </a:endParaRPr>
+          </a:p>
+          <a:p>
+            <a:pPr marL="0" marR="0" lvl="0" indent="0" algn="l" defTabSz="914400" rtl="0" eaLnBrk="1" fontAlgn="auto" latinLnBrk="0" hangingPunct="1">
+              <a:lnSpc>
+                <a:spcPct val="100000"/>
+              </a:lnSpc>
+              <a:spcBef>
+                <a:spcPts val="0"/>
+              </a:spcBef>
+              <a:spcAft>
+                <a:spcPts val="0"/>
+              </a:spcAft>
+              <a:buClrTx/>
+              <a:buSzTx/>
+              <a:buFontTx/>
+              <a:buNone/>
+              <a:tabLst/>
+              <a:defRPr/>
+            </a:pPr>
+            <a:r>
+              <a:rPr lang="en-US" sz="1200" kern="1200" dirty="0">
+                <a:solidFill>
+                  <a:schemeClr val="tx1"/>
+                </a:solidFill>
+                <a:effectLst/>
+                <a:latin typeface="+mn-lt"/>
+                <a:ea typeface="+mn-ea"/>
+                <a:cs typeface="+mn-cs"/>
+              </a:rPr>
+              <a:t>The type is function, because we don’t have class type in JS (It’s prototype driven and not class driven).</a:t>
+            </a:r>
+          </a:p>
+          <a:p>
+            <a:pPr marL="0" marR="0" lvl="0" indent="0" algn="l" defTabSz="914400" rtl="0" eaLnBrk="1" fontAlgn="auto" latinLnBrk="0" hangingPunct="1">
+              <a:lnSpc>
+                <a:spcPct val="100000"/>
+              </a:lnSpc>
+              <a:spcBef>
+                <a:spcPts val="0"/>
+              </a:spcBef>
+              <a:spcAft>
+                <a:spcPts val="0"/>
+              </a:spcAft>
+              <a:buClrTx/>
+              <a:buSzTx/>
+              <a:buFontTx/>
+              <a:buNone/>
+              <a:tabLst/>
+              <a:defRPr/>
+            </a:pPr>
+            <a:endParaRPr lang="en-US" sz="1200" kern="1200" dirty="0">
+              <a:solidFill>
+                <a:schemeClr val="tx1"/>
+              </a:solidFill>
+              <a:effectLst/>
+              <a:latin typeface="+mn-lt"/>
+              <a:ea typeface="+mn-ea"/>
+              <a:cs typeface="+mn-cs"/>
+            </a:endParaRPr>
+          </a:p>
+          <a:p>
+            <a:pPr marL="0" marR="0" lvl="0" indent="0" algn="l" defTabSz="914400" rtl="0" eaLnBrk="1" fontAlgn="auto" latinLnBrk="0" hangingPunct="1">
+              <a:lnSpc>
+                <a:spcPct val="100000"/>
+              </a:lnSpc>
+              <a:spcBef>
+                <a:spcPts val="0"/>
+              </a:spcBef>
+              <a:spcAft>
+                <a:spcPts val="0"/>
+              </a:spcAft>
+              <a:buClrTx/>
+              <a:buSzTx/>
+              <a:buFontTx/>
+              <a:buNone/>
+              <a:tabLst/>
+              <a:defRPr/>
+            </a:pPr>
+            <a:r>
+              <a:rPr lang="en-US" sz="1200" kern="1200" dirty="0">
+                <a:solidFill>
+                  <a:schemeClr val="tx1"/>
+                </a:solidFill>
+                <a:effectLst/>
+                <a:latin typeface="+mn-lt"/>
+                <a:ea typeface="+mn-ea"/>
+                <a:cs typeface="+mn-cs"/>
+              </a:rPr>
+              <a:t>Let see how babel is compiling our code</a:t>
+            </a:r>
+          </a:p>
+          <a:p>
+            <a:pPr marL="0" marR="0" lvl="0" indent="0" algn="l" defTabSz="914400" rtl="0" eaLnBrk="1" fontAlgn="auto" latinLnBrk="0" hangingPunct="1">
+              <a:lnSpc>
+                <a:spcPct val="100000"/>
+              </a:lnSpc>
+              <a:spcBef>
+                <a:spcPts val="0"/>
+              </a:spcBef>
+              <a:spcAft>
+                <a:spcPts val="0"/>
+              </a:spcAft>
+              <a:buClrTx/>
+              <a:buSzTx/>
+              <a:buFontTx/>
+              <a:buNone/>
+              <a:tabLst/>
+              <a:defRPr/>
+            </a:pPr>
+            <a:endParaRPr lang="en-US" sz="1200" kern="1200" dirty="0">
+              <a:solidFill>
+                <a:schemeClr val="tx1"/>
+              </a:solidFill>
+              <a:effectLst/>
+              <a:latin typeface="+mn-lt"/>
+              <a:ea typeface="+mn-ea"/>
+              <a:cs typeface="+mn-cs"/>
+            </a:endParaRPr>
+          </a:p>
+          <a:p>
+            <a:pPr marL="171450" marR="0" lvl="0" indent="-171450" algn="l" defTabSz="914400" rtl="0" eaLnBrk="1" fontAlgn="auto" latinLnBrk="0" hangingPunct="1">
+              <a:lnSpc>
+                <a:spcPct val="100000"/>
+              </a:lnSpc>
+              <a:spcBef>
+                <a:spcPts val="0"/>
+              </a:spcBef>
+              <a:spcAft>
+                <a:spcPts val="0"/>
+              </a:spcAft>
+              <a:buClrTx/>
+              <a:buSzTx/>
+              <a:buFontTx/>
+              <a:buChar char="-"/>
+              <a:tabLst/>
+              <a:defRPr/>
+            </a:pPr>
+            <a:r>
+              <a:rPr lang="en-US" sz="1200" kern="1200" dirty="0">
+                <a:solidFill>
+                  <a:schemeClr val="tx1"/>
+                </a:solidFill>
+                <a:effectLst/>
+                <a:latin typeface="+mn-lt"/>
+                <a:ea typeface="+mn-ea"/>
+                <a:cs typeface="+mn-cs"/>
+              </a:rPr>
+              <a:t>https://developer.mozilla.org/en-US/docs/Web/JavaScript/Reference/Operators/class</a:t>
+            </a:r>
+          </a:p>
+          <a:p>
+            <a:pPr marL="171450" marR="0" lvl="0" indent="-171450" algn="l" defTabSz="914400" rtl="0" eaLnBrk="1" fontAlgn="auto" latinLnBrk="0" hangingPunct="1">
+              <a:lnSpc>
+                <a:spcPct val="100000"/>
+              </a:lnSpc>
+              <a:spcBef>
+                <a:spcPts val="0"/>
+              </a:spcBef>
+              <a:spcAft>
+                <a:spcPts val="0"/>
+              </a:spcAft>
+              <a:buClrTx/>
+              <a:buSzTx/>
+              <a:buFontTx/>
+              <a:buChar char="-"/>
+              <a:tabLst/>
+              <a:defRPr/>
+            </a:pPr>
+            <a:r>
+              <a:rPr lang="en-US" sz="2400" dirty="0"/>
+              <a:t>http://ccoenraets.github.io/es6-tutorial/classes/</a:t>
+            </a:r>
+          </a:p>
+          <a:p>
+            <a:pPr marL="342900" marR="0" lvl="0" indent="-342900" algn="l" defTabSz="914400" rtl="0" eaLnBrk="1" fontAlgn="auto" latinLnBrk="0" hangingPunct="1">
+              <a:lnSpc>
+                <a:spcPct val="100000"/>
+              </a:lnSpc>
+              <a:spcBef>
+                <a:spcPts val="0"/>
+              </a:spcBef>
+              <a:spcAft>
+                <a:spcPts val="0"/>
+              </a:spcAft>
+              <a:buClrTx/>
+              <a:buSzTx/>
+              <a:buFontTx/>
+              <a:buChar char="-"/>
+              <a:tabLst/>
+              <a:defRPr/>
+            </a:pPr>
+            <a:endParaRPr lang="en-US" sz="2400" dirty="0"/>
+          </a:p>
+          <a:p>
+            <a:pPr marL="342900" marR="0" lvl="0" indent="-342900" algn="l" defTabSz="914400" rtl="0" eaLnBrk="1" fontAlgn="auto" latinLnBrk="0" hangingPunct="1">
+              <a:lnSpc>
+                <a:spcPct val="100000"/>
+              </a:lnSpc>
+              <a:spcBef>
+                <a:spcPts val="0"/>
+              </a:spcBef>
+              <a:spcAft>
+                <a:spcPts val="0"/>
+              </a:spcAft>
+              <a:buClrTx/>
+              <a:buSzTx/>
+              <a:buFontTx/>
+              <a:buChar char="-"/>
+              <a:tabLst/>
+              <a:defRPr/>
+            </a:pPr>
+            <a:endParaRPr lang="en-US" sz="2400" dirty="0"/>
+          </a:p>
+        </p:txBody>
+      </p:sp>
+      <p:sp>
+        <p:nvSpPr>
+          <p:cNvPr id="4" name="Slide Number Placeholder 3"/>
+          <p:cNvSpPr>
+            <a:spLocks noGrp="1"/>
+          </p:cNvSpPr>
+          <p:nvPr>
+            <p:ph type="sldNum" sz="quarter" idx="10"/>
+          </p:nvPr>
+        </p:nvSpPr>
+        <p:spPr/>
+        <p:txBody>
+          <a:bodyPr/>
+          <a:lstStyle/>
+          <a:p>
+            <a:fld id="{595D0871-5AD0-4670-BDA8-FBE649F625DD}" type="slidenum">
+              <a:rPr lang="he-IL" smtClean="0"/>
+              <a:t>71</a:t>
             </a:fld>
             <a:endParaRPr lang="he-IL"/>
           </a:p>
@@ -22461,6 +26345,1760 @@
 </p:notes>
 </file>
 
+<file path=ppt/notesSlides/notesSlide70.xml><?xml version="1.0" encoding="utf-8"?>
+<p:notes xmlns:a="http://schemas.openxmlformats.org/drawingml/2006/main" xmlns:r="http://schemas.openxmlformats.org/officeDocument/2006/relationships" xmlns:p="http://schemas.openxmlformats.org/presentationml/2006/main">
+  <p:cSld>
+    <p:spTree>
+      <p:nvGrpSpPr>
+        <p:cNvPr id="1" name=""/>
+        <p:cNvGrpSpPr/>
+        <p:nvPr/>
+      </p:nvGrpSpPr>
+      <p:grpSpPr>
+        <a:xfrm>
+          <a:off x="0" y="0"/>
+          <a:ext cx="0" cy="0"/>
+          <a:chOff x="0" y="0"/>
+          <a:chExt cx="0" cy="0"/>
+        </a:xfrm>
+      </p:grpSpPr>
+      <p:sp>
+        <p:nvSpPr>
+          <p:cNvPr id="2" name="Slide Image Placeholder 1"/>
+          <p:cNvSpPr>
+            <a:spLocks noGrp="1" noRot="1" noChangeAspect="1"/>
+          </p:cNvSpPr>
+          <p:nvPr>
+            <p:ph type="sldImg"/>
+          </p:nvPr>
+        </p:nvSpPr>
+        <p:spPr/>
+      </p:sp>
+      <p:sp>
+        <p:nvSpPr>
+          <p:cNvPr id="3" name="Notes Placeholder 2"/>
+          <p:cNvSpPr>
+            <a:spLocks noGrp="1"/>
+          </p:cNvSpPr>
+          <p:nvPr>
+            <p:ph type="body" idx="1"/>
+          </p:nvPr>
+        </p:nvSpPr>
+        <p:spPr/>
+        <p:txBody>
+          <a:bodyPr/>
+          <a:lstStyle/>
+          <a:p>
+            <a:pPr marL="0" marR="0" lvl="0" indent="0" algn="l" defTabSz="914400" rtl="0" eaLnBrk="1" fontAlgn="auto" latinLnBrk="0" hangingPunct="1">
+              <a:lnSpc>
+                <a:spcPct val="100000"/>
+              </a:lnSpc>
+              <a:spcBef>
+                <a:spcPts val="0"/>
+              </a:spcBef>
+              <a:spcAft>
+                <a:spcPts val="0"/>
+              </a:spcAft>
+              <a:buClrTx/>
+              <a:buSzTx/>
+              <a:buFontTx/>
+              <a:buNone/>
+              <a:tabLst/>
+              <a:defRPr/>
+            </a:pPr>
+            <a:r>
+              <a:rPr lang="en-US" sz="2400" dirty="0"/>
+              <a:t>Inheritance is an important topic in most programming languages.</a:t>
+            </a:r>
+          </a:p>
+          <a:p>
+            <a:pPr marL="0" marR="0" lvl="0" indent="0" algn="l" defTabSz="914400" rtl="0" eaLnBrk="1" fontAlgn="auto" latinLnBrk="0" hangingPunct="1">
+              <a:lnSpc>
+                <a:spcPct val="100000"/>
+              </a:lnSpc>
+              <a:spcBef>
+                <a:spcPts val="0"/>
+              </a:spcBef>
+              <a:spcAft>
+                <a:spcPts val="0"/>
+              </a:spcAft>
+              <a:buClrTx/>
+              <a:buSzTx/>
+              <a:buFontTx/>
+              <a:buNone/>
+              <a:tabLst/>
+              <a:defRPr/>
+            </a:pPr>
+            <a:r>
+              <a:rPr lang="en-US" sz="1200" b="0" i="0" kern="1200" dirty="0">
+                <a:solidFill>
+                  <a:schemeClr val="tx1"/>
+                </a:solidFill>
+                <a:effectLst/>
+                <a:latin typeface="+mn-lt"/>
+                <a:ea typeface="+mn-ea"/>
+                <a:cs typeface="+mn-cs"/>
+              </a:rPr>
+              <a:t>Implementing inheritance will permit us to inherit functionality from parent Class so that we can easily reuse code in our application and extend the functionality of objects. Objects can make use of their inherited functionalities and still have their own specialized functionalities.</a:t>
+            </a:r>
+          </a:p>
+          <a:p>
+            <a:pPr marL="0" marR="0" lvl="0" indent="0" algn="l" defTabSz="914400" rtl="0" eaLnBrk="1" fontAlgn="auto" latinLnBrk="0" hangingPunct="1">
+              <a:lnSpc>
+                <a:spcPct val="100000"/>
+              </a:lnSpc>
+              <a:spcBef>
+                <a:spcPts val="0"/>
+              </a:spcBef>
+              <a:spcAft>
+                <a:spcPts val="0"/>
+              </a:spcAft>
+              <a:buClrTx/>
+              <a:buSzTx/>
+              <a:buFontTx/>
+              <a:buNone/>
+              <a:tabLst/>
+              <a:defRPr/>
+            </a:pPr>
+            <a:endParaRPr lang="en-US" sz="1200" b="0" i="0" kern="1200" dirty="0">
+              <a:solidFill>
+                <a:schemeClr val="tx1"/>
+              </a:solidFill>
+              <a:effectLst/>
+              <a:latin typeface="+mn-lt"/>
+              <a:ea typeface="+mn-ea"/>
+              <a:cs typeface="+mn-cs"/>
+            </a:endParaRPr>
+          </a:p>
+          <a:p>
+            <a:pPr marL="0" marR="0" lvl="0" indent="0" algn="l" defTabSz="914400" rtl="0" eaLnBrk="1" fontAlgn="auto" latinLnBrk="0" hangingPunct="1">
+              <a:lnSpc>
+                <a:spcPct val="100000"/>
+              </a:lnSpc>
+              <a:spcBef>
+                <a:spcPts val="0"/>
+              </a:spcBef>
+              <a:spcAft>
+                <a:spcPts val="0"/>
+              </a:spcAft>
+              <a:buClrTx/>
+              <a:buSzTx/>
+              <a:buFontTx/>
+              <a:buNone/>
+              <a:tabLst/>
+              <a:defRPr/>
+            </a:pPr>
+            <a:r>
+              <a:rPr lang="en-US" sz="2400" dirty="0"/>
+              <a:t>How can we inherit in JS?</a:t>
+            </a:r>
+          </a:p>
+          <a:p>
+            <a:pPr marL="0" marR="0" lvl="0" indent="0" algn="l" defTabSz="914400" rtl="0" eaLnBrk="1" fontAlgn="auto" latinLnBrk="0" hangingPunct="1">
+              <a:lnSpc>
+                <a:spcPct val="100000"/>
+              </a:lnSpc>
+              <a:spcBef>
+                <a:spcPts val="0"/>
+              </a:spcBef>
+              <a:spcAft>
+                <a:spcPts val="0"/>
+              </a:spcAft>
+              <a:buClrTx/>
+              <a:buSzTx/>
+              <a:buFontTx/>
+              <a:buNone/>
+              <a:tabLst/>
+              <a:defRPr/>
+            </a:pPr>
+            <a:r>
+              <a:rPr lang="en-US" sz="2400" dirty="0"/>
+              <a:t>Thru prototype.</a:t>
+            </a:r>
+          </a:p>
+          <a:p>
+            <a:pPr marL="0" marR="0" lvl="0" indent="0" algn="l" defTabSz="914400" rtl="0" eaLnBrk="1" fontAlgn="auto" latinLnBrk="0" hangingPunct="1">
+              <a:lnSpc>
+                <a:spcPct val="100000"/>
+              </a:lnSpc>
+              <a:spcBef>
+                <a:spcPts val="0"/>
+              </a:spcBef>
+              <a:spcAft>
+                <a:spcPts val="0"/>
+              </a:spcAft>
+              <a:buClrTx/>
+              <a:buSzTx/>
+              <a:buFontTx/>
+              <a:buNone/>
+              <a:tabLst/>
+              <a:defRPr/>
+            </a:pPr>
+            <a:endParaRPr lang="en-US" sz="2400" dirty="0"/>
+          </a:p>
+          <a:p>
+            <a:pPr marL="0" marR="0" lvl="0" indent="0" algn="l" defTabSz="914400" rtl="0" eaLnBrk="1" fontAlgn="auto" latinLnBrk="0" hangingPunct="1">
+              <a:lnSpc>
+                <a:spcPct val="100000"/>
+              </a:lnSpc>
+              <a:spcBef>
+                <a:spcPts val="0"/>
+              </a:spcBef>
+              <a:spcAft>
+                <a:spcPts val="0"/>
+              </a:spcAft>
+              <a:buClrTx/>
+              <a:buSzTx/>
+              <a:buFontTx/>
+              <a:buNone/>
+              <a:tabLst/>
+              <a:defRPr/>
+            </a:pPr>
+            <a:r>
+              <a:rPr lang="en-US" sz="2400" dirty="0"/>
+              <a:t>Let see an example,</a:t>
+            </a:r>
+          </a:p>
+          <a:p>
+            <a:pPr marL="0" marR="0" lvl="0" indent="0" algn="l" defTabSz="914400" rtl="0" eaLnBrk="1" fontAlgn="auto" latinLnBrk="0" hangingPunct="1">
+              <a:lnSpc>
+                <a:spcPct val="100000"/>
+              </a:lnSpc>
+              <a:spcBef>
+                <a:spcPts val="0"/>
+              </a:spcBef>
+              <a:spcAft>
+                <a:spcPts val="0"/>
+              </a:spcAft>
+              <a:buClrTx/>
+              <a:buSzTx/>
+              <a:buFontTx/>
+              <a:buNone/>
+              <a:tabLst/>
+              <a:defRPr/>
+            </a:pPr>
+            <a:r>
+              <a:rPr lang="en-US" sz="2400" dirty="0"/>
+              <a:t>We have Mammal class, it have </a:t>
+            </a:r>
+            <a:r>
+              <a:rPr lang="en-US" sz="2400" dirty="0" err="1"/>
+              <a:t>getName</a:t>
+            </a:r>
+            <a:r>
+              <a:rPr lang="en-US" sz="2400" dirty="0"/>
+              <a:t> and says function,</a:t>
+            </a:r>
+          </a:p>
+          <a:p>
+            <a:pPr marL="0" marR="0" lvl="0" indent="0" algn="l" defTabSz="914400" rtl="0" eaLnBrk="1" fontAlgn="auto" latinLnBrk="0" hangingPunct="1">
+              <a:lnSpc>
+                <a:spcPct val="100000"/>
+              </a:lnSpc>
+              <a:spcBef>
+                <a:spcPts val="0"/>
+              </a:spcBef>
+              <a:spcAft>
+                <a:spcPts val="0"/>
+              </a:spcAft>
+              <a:buClrTx/>
+              <a:buSzTx/>
+              <a:buFontTx/>
+              <a:buNone/>
+              <a:tabLst/>
+              <a:defRPr/>
+            </a:pPr>
+            <a:r>
+              <a:rPr lang="en-US" sz="2400" dirty="0"/>
+              <a:t>We also have Cat class, but Cat is a mammal so we want to inherit his properties and functionalities,</a:t>
+            </a:r>
+          </a:p>
+          <a:p>
+            <a:pPr marL="0" marR="0" lvl="0" indent="0" algn="l" defTabSz="914400" rtl="0" eaLnBrk="1" fontAlgn="auto" latinLnBrk="0" hangingPunct="1">
+              <a:lnSpc>
+                <a:spcPct val="100000"/>
+              </a:lnSpc>
+              <a:spcBef>
+                <a:spcPts val="0"/>
+              </a:spcBef>
+              <a:spcAft>
+                <a:spcPts val="0"/>
+              </a:spcAft>
+              <a:buClrTx/>
+              <a:buSzTx/>
+              <a:buFontTx/>
+              <a:buNone/>
+              <a:tabLst/>
+              <a:defRPr/>
+            </a:pPr>
+            <a:endParaRPr lang="en-US" sz="2400" dirty="0"/>
+          </a:p>
+          <a:p>
+            <a:pPr marL="0" marR="0" lvl="0" indent="0" algn="l" defTabSz="914400" rtl="0" eaLnBrk="1" fontAlgn="auto" latinLnBrk="0" hangingPunct="1">
+              <a:lnSpc>
+                <a:spcPct val="100000"/>
+              </a:lnSpc>
+              <a:spcBef>
+                <a:spcPts val="0"/>
+              </a:spcBef>
+              <a:spcAft>
+                <a:spcPts val="0"/>
+              </a:spcAft>
+              <a:buClrTx/>
+              <a:buSzTx/>
+              <a:buFontTx/>
+              <a:buNone/>
+              <a:tabLst/>
+              <a:defRPr/>
+            </a:pPr>
+            <a:r>
+              <a:rPr lang="en-US" sz="2400" dirty="0"/>
+              <a:t>How can we do that?</a:t>
+            </a:r>
+          </a:p>
+          <a:p>
+            <a:pPr marL="457200" marR="0" lvl="0" indent="-457200" algn="l" defTabSz="914400" rtl="0" eaLnBrk="1" fontAlgn="auto" latinLnBrk="0" hangingPunct="1">
+              <a:lnSpc>
+                <a:spcPct val="100000"/>
+              </a:lnSpc>
+              <a:spcBef>
+                <a:spcPts val="0"/>
+              </a:spcBef>
+              <a:spcAft>
+                <a:spcPts val="0"/>
+              </a:spcAft>
+              <a:buClrTx/>
+              <a:buSzTx/>
+              <a:buFontTx/>
+              <a:buAutoNum type="arabicParenR"/>
+              <a:tabLst/>
+              <a:defRPr/>
+            </a:pPr>
+            <a:r>
+              <a:rPr lang="en-US" sz="2400" dirty="0"/>
+              <a:t>By new keyword and assigning the result on Cat prototype.</a:t>
+            </a:r>
+          </a:p>
+          <a:p>
+            <a:pPr marL="457200" marR="0" lvl="0" indent="-457200" algn="l" defTabSz="914400" rtl="0" eaLnBrk="1" fontAlgn="auto" latinLnBrk="0" hangingPunct="1">
+              <a:lnSpc>
+                <a:spcPct val="100000"/>
+              </a:lnSpc>
+              <a:spcBef>
+                <a:spcPts val="0"/>
+              </a:spcBef>
+              <a:spcAft>
+                <a:spcPts val="0"/>
+              </a:spcAft>
+              <a:buClrTx/>
+              <a:buSzTx/>
+              <a:buFontTx/>
+              <a:buAutoNum type="arabicParenR"/>
+              <a:tabLst/>
+              <a:defRPr/>
+            </a:pPr>
+            <a:r>
+              <a:rPr lang="en-US" sz="2400" dirty="0"/>
+              <a:t>There is another way buy using </a:t>
+            </a:r>
+            <a:r>
+              <a:rPr lang="en-US" sz="2400" dirty="0" err="1"/>
+              <a:t>Object.create</a:t>
+            </a:r>
+            <a:r>
+              <a:rPr lang="en-US" sz="2400" dirty="0"/>
+              <a:t>.</a:t>
+            </a:r>
+          </a:p>
+          <a:p>
+            <a:pPr marL="0" marR="0" lvl="0" indent="0" algn="l" defTabSz="914400" rtl="0" eaLnBrk="1" fontAlgn="auto" latinLnBrk="0" hangingPunct="1">
+              <a:lnSpc>
+                <a:spcPct val="100000"/>
+              </a:lnSpc>
+              <a:spcBef>
+                <a:spcPts val="0"/>
+              </a:spcBef>
+              <a:spcAft>
+                <a:spcPts val="0"/>
+              </a:spcAft>
+              <a:buClrTx/>
+              <a:buSzTx/>
+              <a:buFontTx/>
+              <a:buNone/>
+              <a:tabLst/>
+              <a:defRPr/>
+            </a:pPr>
+            <a:r>
+              <a:rPr lang="en-US" sz="2400" dirty="0"/>
+              <a:t>We also call parent(Mammal) constructor by using call function.</a:t>
+            </a:r>
+          </a:p>
+          <a:p>
+            <a:pPr marL="0" marR="0" lvl="0" indent="0" algn="l" defTabSz="914400" rtl="0" eaLnBrk="1" fontAlgn="auto" latinLnBrk="0" hangingPunct="1">
+              <a:lnSpc>
+                <a:spcPct val="100000"/>
+              </a:lnSpc>
+              <a:spcBef>
+                <a:spcPts val="0"/>
+              </a:spcBef>
+              <a:spcAft>
+                <a:spcPts val="0"/>
+              </a:spcAft>
+              <a:buClrTx/>
+              <a:buSzTx/>
+              <a:buFontTx/>
+              <a:buNone/>
+              <a:tabLst/>
+              <a:defRPr/>
+            </a:pPr>
+            <a:endParaRPr lang="en-US" sz="2400" dirty="0"/>
+          </a:p>
+          <a:p>
+            <a:pPr marL="0" marR="0" lvl="0" indent="0" algn="l" defTabSz="914400" rtl="0" eaLnBrk="1" fontAlgn="auto" latinLnBrk="0" hangingPunct="1">
+              <a:lnSpc>
+                <a:spcPct val="100000"/>
+              </a:lnSpc>
+              <a:spcBef>
+                <a:spcPts val="0"/>
+              </a:spcBef>
+              <a:spcAft>
+                <a:spcPts val="0"/>
+              </a:spcAft>
+              <a:buClrTx/>
+              <a:buSzTx/>
+              <a:buFontTx/>
+              <a:buNone/>
+              <a:tabLst/>
+              <a:defRPr/>
+            </a:pPr>
+            <a:r>
+              <a:rPr lang="en-US" sz="2400" dirty="0"/>
+              <a:t>What is the different between new keyword and </a:t>
+            </a:r>
+            <a:r>
+              <a:rPr lang="en-US" sz="2400" dirty="0" err="1"/>
+              <a:t>Object.create</a:t>
+            </a:r>
+            <a:r>
+              <a:rPr lang="en-US" sz="2400" dirty="0"/>
+              <a:t>?</a:t>
+            </a:r>
+          </a:p>
+          <a:p>
+            <a:pPr marL="0" marR="0" lvl="0" indent="0" algn="l" defTabSz="914400" rtl="0" eaLnBrk="1" fontAlgn="auto" latinLnBrk="0" hangingPunct="1">
+              <a:lnSpc>
+                <a:spcPct val="100000"/>
+              </a:lnSpc>
+              <a:spcBef>
+                <a:spcPts val="0"/>
+              </a:spcBef>
+              <a:spcAft>
+                <a:spcPts val="0"/>
+              </a:spcAft>
+              <a:buClrTx/>
+              <a:buSzTx/>
+              <a:buFontTx/>
+              <a:buNone/>
+              <a:tabLst/>
+              <a:defRPr/>
+            </a:pPr>
+            <a:r>
+              <a:rPr lang="en-US" sz="2400" dirty="0"/>
+              <a:t>New is running also parent (Mammal) constructor but </a:t>
+            </a:r>
+            <a:r>
+              <a:rPr lang="en-US" sz="2400" dirty="0" err="1"/>
+              <a:t>Object.create</a:t>
+            </a:r>
+            <a:r>
+              <a:rPr lang="en-US" sz="2400" dirty="0"/>
+              <a:t> don’t run the constructor.</a:t>
+            </a:r>
+          </a:p>
+          <a:p>
+            <a:pPr marL="0" marR="0" lvl="0" indent="0" algn="l" defTabSz="914400" rtl="0" eaLnBrk="1" fontAlgn="auto" latinLnBrk="0" hangingPunct="1">
+              <a:lnSpc>
+                <a:spcPct val="100000"/>
+              </a:lnSpc>
+              <a:spcBef>
+                <a:spcPts val="0"/>
+              </a:spcBef>
+              <a:spcAft>
+                <a:spcPts val="0"/>
+              </a:spcAft>
+              <a:buClrTx/>
+              <a:buSzTx/>
+              <a:buFontTx/>
+              <a:buNone/>
+              <a:tabLst/>
+              <a:defRPr/>
+            </a:pPr>
+            <a:endParaRPr lang="en-US" sz="2400" dirty="0"/>
+          </a:p>
+          <a:p>
+            <a:pPr marL="0" marR="0" lvl="0" indent="0" algn="l" defTabSz="914400" rtl="0" eaLnBrk="1" fontAlgn="auto" latinLnBrk="0" hangingPunct="1">
+              <a:lnSpc>
+                <a:spcPct val="100000"/>
+              </a:lnSpc>
+              <a:spcBef>
+                <a:spcPts val="0"/>
+              </a:spcBef>
+              <a:spcAft>
+                <a:spcPts val="0"/>
+              </a:spcAft>
+              <a:buClrTx/>
+              <a:buSzTx/>
+              <a:buFontTx/>
+              <a:buNone/>
+              <a:tabLst/>
+              <a:defRPr/>
+            </a:pPr>
+            <a:endParaRPr lang="en-US" sz="2400" dirty="0"/>
+          </a:p>
+          <a:p>
+            <a:pPr marL="0" marR="0" lvl="0" indent="0" algn="l" defTabSz="914400" rtl="0" eaLnBrk="1" fontAlgn="auto" latinLnBrk="0" hangingPunct="1">
+              <a:lnSpc>
+                <a:spcPct val="100000"/>
+              </a:lnSpc>
+              <a:spcBef>
+                <a:spcPts val="0"/>
+              </a:spcBef>
+              <a:spcAft>
+                <a:spcPts val="0"/>
+              </a:spcAft>
+              <a:buClrTx/>
+              <a:buSzTx/>
+              <a:buFontTx/>
+              <a:buNone/>
+              <a:tabLst/>
+              <a:defRPr/>
+            </a:pPr>
+            <a:r>
+              <a:rPr lang="en-US" sz="2400" dirty="0"/>
+              <a:t>How it will look like in ES6?</a:t>
+            </a:r>
+          </a:p>
+          <a:p>
+            <a:pPr marL="0" marR="0" lvl="0" indent="0" algn="l" defTabSz="914400" rtl="0" eaLnBrk="1" fontAlgn="auto" latinLnBrk="0" hangingPunct="1">
+              <a:lnSpc>
+                <a:spcPct val="100000"/>
+              </a:lnSpc>
+              <a:spcBef>
+                <a:spcPts val="0"/>
+              </a:spcBef>
+              <a:spcAft>
+                <a:spcPts val="0"/>
+              </a:spcAft>
+              <a:buClrTx/>
+              <a:buSzTx/>
+              <a:buFontTx/>
+              <a:buNone/>
+              <a:tabLst/>
+              <a:defRPr/>
+            </a:pPr>
+            <a:r>
+              <a:rPr lang="en-US" sz="2400" dirty="0"/>
+              <a:t>Just using extends keyword and calling super in constructor (it’s mandatory).</a:t>
+            </a:r>
+          </a:p>
+          <a:p>
+            <a:pPr marL="0" marR="0" lvl="0" indent="0" algn="l" defTabSz="914400" rtl="0" eaLnBrk="1" fontAlgn="auto" latinLnBrk="0" hangingPunct="1">
+              <a:lnSpc>
+                <a:spcPct val="100000"/>
+              </a:lnSpc>
+              <a:spcBef>
+                <a:spcPts val="0"/>
+              </a:spcBef>
+              <a:spcAft>
+                <a:spcPts val="0"/>
+              </a:spcAft>
+              <a:buClrTx/>
+              <a:buSzTx/>
+              <a:buFontTx/>
+              <a:buNone/>
+              <a:tabLst/>
+              <a:defRPr/>
+            </a:pPr>
+            <a:endParaRPr lang="en-US" sz="2400" dirty="0"/>
+          </a:p>
+          <a:p>
+            <a:pPr marL="0" marR="0" lvl="0" indent="0" algn="l" defTabSz="914400" rtl="0" eaLnBrk="1" fontAlgn="auto" latinLnBrk="0" hangingPunct="1">
+              <a:lnSpc>
+                <a:spcPct val="100000"/>
+              </a:lnSpc>
+              <a:spcBef>
+                <a:spcPts val="0"/>
+              </a:spcBef>
+              <a:spcAft>
+                <a:spcPts val="0"/>
+              </a:spcAft>
+              <a:buClrTx/>
+              <a:buSzTx/>
+              <a:buFontTx/>
+              <a:buNone/>
+              <a:tabLst/>
+              <a:defRPr/>
+            </a:pPr>
+            <a:r>
+              <a:rPr lang="en-US" sz="2400" dirty="0"/>
+              <a:t>Let’s take a look what will be the result in babel</a:t>
+            </a:r>
+          </a:p>
+          <a:p>
+            <a:pPr marL="0" marR="0" lvl="0" indent="0" algn="l" defTabSz="914400" rtl="0" eaLnBrk="1" fontAlgn="auto" latinLnBrk="0" hangingPunct="1">
+              <a:lnSpc>
+                <a:spcPct val="100000"/>
+              </a:lnSpc>
+              <a:spcBef>
+                <a:spcPts val="0"/>
+              </a:spcBef>
+              <a:spcAft>
+                <a:spcPts val="0"/>
+              </a:spcAft>
+              <a:buClrTx/>
+              <a:buSzTx/>
+              <a:buFontTx/>
+              <a:buNone/>
+              <a:tabLst/>
+              <a:defRPr/>
+            </a:pPr>
+            <a:endParaRPr lang="en-US" sz="2400" dirty="0"/>
+          </a:p>
+          <a:p>
+            <a:pPr marL="342900" marR="0" lvl="0" indent="-342900" algn="l" defTabSz="914400" rtl="0" eaLnBrk="1" fontAlgn="auto" latinLnBrk="0" hangingPunct="1">
+              <a:lnSpc>
+                <a:spcPct val="100000"/>
+              </a:lnSpc>
+              <a:spcBef>
+                <a:spcPts val="0"/>
+              </a:spcBef>
+              <a:spcAft>
+                <a:spcPts val="0"/>
+              </a:spcAft>
+              <a:buClrTx/>
+              <a:buSzTx/>
+              <a:buFontTx/>
+              <a:buChar char="-"/>
+              <a:tabLst/>
+              <a:defRPr/>
+            </a:pPr>
+            <a:r>
+              <a:rPr lang="en-US" sz="2400" dirty="0">
+                <a:hlinkClick r:id="rId3"/>
+              </a:rPr>
+              <a:t>http://frontendnotes.net/what-the-difference-between-object-create-and-new-keyword/</a:t>
+            </a:r>
+            <a:endParaRPr lang="en-US" sz="2400" dirty="0"/>
+          </a:p>
+          <a:p>
+            <a:pPr marL="342900" marR="0" lvl="0" indent="-342900" algn="l" defTabSz="914400" rtl="0" eaLnBrk="1" fontAlgn="auto" latinLnBrk="0" hangingPunct="1">
+              <a:lnSpc>
+                <a:spcPct val="100000"/>
+              </a:lnSpc>
+              <a:spcBef>
+                <a:spcPts val="0"/>
+              </a:spcBef>
+              <a:spcAft>
+                <a:spcPts val="0"/>
+              </a:spcAft>
+              <a:buClrTx/>
+              <a:buSzTx/>
+              <a:buFontTx/>
+              <a:buChar char="-"/>
+              <a:tabLst/>
+              <a:defRPr/>
+            </a:pPr>
+            <a:r>
+              <a:rPr lang="en-US" sz="2400" dirty="0">
+                <a:hlinkClick r:id="rId4"/>
+              </a:rPr>
+              <a:t>https://medium.com/@jonathanvox01/understanding-the-difference-between-object-create-and-the-new-operator-b2a2f4749358</a:t>
+            </a:r>
+            <a:endParaRPr lang="en-US" sz="2400" dirty="0"/>
+          </a:p>
+          <a:p>
+            <a:pPr marL="342900" marR="0" lvl="0" indent="-342900" algn="l" defTabSz="914400" rtl="0" eaLnBrk="1" fontAlgn="auto" latinLnBrk="0" hangingPunct="1">
+              <a:lnSpc>
+                <a:spcPct val="100000"/>
+              </a:lnSpc>
+              <a:spcBef>
+                <a:spcPts val="0"/>
+              </a:spcBef>
+              <a:spcAft>
+                <a:spcPts val="0"/>
+              </a:spcAft>
+              <a:buClrTx/>
+              <a:buSzTx/>
+              <a:buFontTx/>
+              <a:buChar char="-"/>
+              <a:tabLst/>
+              <a:defRPr/>
+            </a:pPr>
+            <a:endParaRPr lang="en-US" sz="2400" dirty="0"/>
+          </a:p>
+        </p:txBody>
+      </p:sp>
+      <p:sp>
+        <p:nvSpPr>
+          <p:cNvPr id="4" name="Slide Number Placeholder 3"/>
+          <p:cNvSpPr>
+            <a:spLocks noGrp="1"/>
+          </p:cNvSpPr>
+          <p:nvPr>
+            <p:ph type="sldNum" sz="quarter" idx="10"/>
+          </p:nvPr>
+        </p:nvSpPr>
+        <p:spPr/>
+        <p:txBody>
+          <a:bodyPr/>
+          <a:lstStyle/>
+          <a:p>
+            <a:fld id="{595D0871-5AD0-4670-BDA8-FBE649F625DD}" type="slidenum">
+              <a:rPr lang="he-IL" smtClean="0"/>
+              <a:t>72</a:t>
+            </a:fld>
+            <a:endParaRPr lang="he-IL"/>
+          </a:p>
+        </p:txBody>
+      </p:sp>
+    </p:spTree>
+    <p:extLst>
+      <p:ext uri="{BB962C8B-B14F-4D97-AF65-F5344CB8AC3E}">
+        <p14:creationId xmlns:p14="http://schemas.microsoft.com/office/powerpoint/2010/main" val="2276687417"/>
+      </p:ext>
+    </p:extLst>
+  </p:cSld>
+  <p:clrMapOvr>
+    <a:masterClrMapping/>
+  </p:clrMapOvr>
+</p:notes>
+</file>
+
+<file path=ppt/notesSlides/notesSlide71.xml><?xml version="1.0" encoding="utf-8"?>
+<p:notes xmlns:a="http://schemas.openxmlformats.org/drawingml/2006/main" xmlns:r="http://schemas.openxmlformats.org/officeDocument/2006/relationships" xmlns:p="http://schemas.openxmlformats.org/presentationml/2006/main">
+  <p:cSld>
+    <p:spTree>
+      <p:nvGrpSpPr>
+        <p:cNvPr id="1" name=""/>
+        <p:cNvGrpSpPr/>
+        <p:nvPr/>
+      </p:nvGrpSpPr>
+      <p:grpSpPr>
+        <a:xfrm>
+          <a:off x="0" y="0"/>
+          <a:ext cx="0" cy="0"/>
+          <a:chOff x="0" y="0"/>
+          <a:chExt cx="0" cy="0"/>
+        </a:xfrm>
+      </p:grpSpPr>
+      <p:sp>
+        <p:nvSpPr>
+          <p:cNvPr id="2" name="Slide Image Placeholder 1"/>
+          <p:cNvSpPr>
+            <a:spLocks noGrp="1" noRot="1" noChangeAspect="1"/>
+          </p:cNvSpPr>
+          <p:nvPr>
+            <p:ph type="sldImg"/>
+          </p:nvPr>
+        </p:nvSpPr>
+        <p:spPr/>
+      </p:sp>
+      <p:sp>
+        <p:nvSpPr>
+          <p:cNvPr id="3" name="Notes Placeholder 2"/>
+          <p:cNvSpPr>
+            <a:spLocks noGrp="1"/>
+          </p:cNvSpPr>
+          <p:nvPr>
+            <p:ph type="body" idx="1"/>
+          </p:nvPr>
+        </p:nvSpPr>
+        <p:spPr/>
+        <p:txBody>
+          <a:bodyPr/>
+          <a:lstStyle/>
+          <a:p>
+            <a:pPr marL="0" marR="0" lvl="0" indent="0" algn="l" defTabSz="914400" rtl="0" eaLnBrk="1" fontAlgn="auto" latinLnBrk="0" hangingPunct="1">
+              <a:lnSpc>
+                <a:spcPct val="100000"/>
+              </a:lnSpc>
+              <a:spcBef>
+                <a:spcPts val="0"/>
+              </a:spcBef>
+              <a:spcAft>
+                <a:spcPts val="0"/>
+              </a:spcAft>
+              <a:buClrTx/>
+              <a:buSzTx/>
+              <a:buFontTx/>
+              <a:buNone/>
+              <a:tabLst/>
+              <a:defRPr/>
+            </a:pPr>
+            <a:r>
+              <a:rPr lang="en-US" sz="1200" b="1" i="0" kern="1200" dirty="0">
+                <a:solidFill>
+                  <a:schemeClr val="tx1"/>
+                </a:solidFill>
+                <a:effectLst/>
+                <a:latin typeface="+mn-lt"/>
+                <a:ea typeface="+mn-ea"/>
+                <a:cs typeface="+mn-cs"/>
+              </a:rPr>
+              <a:t>Encapsulation</a:t>
+            </a:r>
+            <a:r>
+              <a:rPr lang="en-US" sz="1200" b="0" i="0" kern="1200" dirty="0">
+                <a:solidFill>
+                  <a:schemeClr val="tx1"/>
+                </a:solidFill>
+                <a:effectLst/>
+                <a:latin typeface="+mn-lt"/>
+                <a:ea typeface="+mn-ea"/>
+                <a:cs typeface="+mn-cs"/>
+              </a:rPr>
+              <a:t> refers to enclosing all the functionalities of an object within that object so that the object’s internal workings (its methods and properties) are hidden from the rest of the application. This allows us to abstract or localize specific set of functionalities on objects.</a:t>
+            </a:r>
+          </a:p>
+          <a:p>
+            <a:pPr marL="0" marR="0" lvl="0" indent="0" algn="l" defTabSz="914400" rtl="0" eaLnBrk="1" fontAlgn="auto" latinLnBrk="0" hangingPunct="1">
+              <a:lnSpc>
+                <a:spcPct val="100000"/>
+              </a:lnSpc>
+              <a:spcBef>
+                <a:spcPts val="0"/>
+              </a:spcBef>
+              <a:spcAft>
+                <a:spcPts val="0"/>
+              </a:spcAft>
+              <a:buClrTx/>
+              <a:buSzTx/>
+              <a:buFontTx/>
+              <a:buNone/>
+              <a:tabLst/>
+              <a:defRPr/>
+            </a:pPr>
+            <a:endParaRPr lang="en-US" sz="1200" b="0" i="0" kern="1200" dirty="0">
+              <a:solidFill>
+                <a:schemeClr val="tx1"/>
+              </a:solidFill>
+              <a:effectLst/>
+              <a:latin typeface="+mn-lt"/>
+              <a:ea typeface="+mn-ea"/>
+              <a:cs typeface="+mn-cs"/>
+            </a:endParaRPr>
+          </a:p>
+          <a:p>
+            <a:pPr marL="0" marR="0" lvl="0" indent="0" algn="l" defTabSz="914400" rtl="0" eaLnBrk="1" fontAlgn="auto" latinLnBrk="0" hangingPunct="1">
+              <a:lnSpc>
+                <a:spcPct val="100000"/>
+              </a:lnSpc>
+              <a:spcBef>
+                <a:spcPts val="0"/>
+              </a:spcBef>
+              <a:spcAft>
+                <a:spcPts val="0"/>
+              </a:spcAft>
+              <a:buClrTx/>
+              <a:buSzTx/>
+              <a:buFontTx/>
+              <a:buNone/>
+              <a:tabLst/>
+              <a:defRPr/>
+            </a:pPr>
+            <a:endParaRPr lang="en-US" sz="1200" b="0" i="0" kern="1200" dirty="0">
+              <a:solidFill>
+                <a:schemeClr val="tx1"/>
+              </a:solidFill>
+              <a:effectLst/>
+              <a:latin typeface="+mn-lt"/>
+              <a:ea typeface="+mn-ea"/>
+              <a:cs typeface="+mn-cs"/>
+            </a:endParaRPr>
+          </a:p>
+          <a:p>
+            <a:pPr marL="0" marR="0" lvl="0" indent="0" algn="l" defTabSz="914400" rtl="0" eaLnBrk="1" fontAlgn="auto" latinLnBrk="0" hangingPunct="1">
+              <a:lnSpc>
+                <a:spcPct val="100000"/>
+              </a:lnSpc>
+              <a:spcBef>
+                <a:spcPts val="0"/>
+              </a:spcBef>
+              <a:spcAft>
+                <a:spcPts val="0"/>
+              </a:spcAft>
+              <a:buClrTx/>
+              <a:buSzTx/>
+              <a:buFontTx/>
+              <a:buNone/>
+              <a:tabLst/>
+              <a:defRPr/>
+            </a:pPr>
+            <a:r>
+              <a:rPr lang="en-US" sz="1200" b="0" i="0" kern="1200" dirty="0">
+                <a:solidFill>
+                  <a:schemeClr val="tx1"/>
+                </a:solidFill>
+                <a:effectLst/>
+                <a:latin typeface="+mn-lt"/>
+                <a:ea typeface="+mn-ea"/>
+                <a:cs typeface="+mn-cs"/>
+              </a:rPr>
+              <a:t>How did we create a private variable in JS before ES6?</a:t>
+            </a:r>
+          </a:p>
+          <a:p>
+            <a:pPr marL="0" marR="0" lvl="0" indent="0" algn="l" defTabSz="914400" rtl="0" eaLnBrk="1" fontAlgn="auto" latinLnBrk="0" hangingPunct="1">
+              <a:lnSpc>
+                <a:spcPct val="100000"/>
+              </a:lnSpc>
+              <a:spcBef>
+                <a:spcPts val="0"/>
+              </a:spcBef>
+              <a:spcAft>
+                <a:spcPts val="0"/>
+              </a:spcAft>
+              <a:buClrTx/>
+              <a:buSzTx/>
+              <a:buFontTx/>
+              <a:buNone/>
+              <a:tabLst/>
+              <a:defRPr/>
+            </a:pPr>
+            <a:r>
+              <a:rPr lang="en-US" sz="1200" b="0" i="0" kern="1200" dirty="0">
+                <a:solidFill>
+                  <a:schemeClr val="tx1"/>
+                </a:solidFill>
+                <a:effectLst/>
+                <a:latin typeface="+mn-lt"/>
+                <a:ea typeface="+mn-ea"/>
+                <a:cs typeface="+mn-cs"/>
+              </a:rPr>
+              <a:t>We used closure for this.</a:t>
+            </a:r>
+          </a:p>
+          <a:p>
+            <a:pPr marL="0" marR="0" lvl="0" indent="0" algn="l" defTabSz="914400" rtl="0" eaLnBrk="1" fontAlgn="auto" latinLnBrk="0" hangingPunct="1">
+              <a:lnSpc>
+                <a:spcPct val="100000"/>
+              </a:lnSpc>
+              <a:spcBef>
+                <a:spcPts val="0"/>
+              </a:spcBef>
+              <a:spcAft>
+                <a:spcPts val="0"/>
+              </a:spcAft>
+              <a:buClrTx/>
+              <a:buSzTx/>
+              <a:buFontTx/>
+              <a:buNone/>
+              <a:tabLst/>
+              <a:defRPr/>
+            </a:pPr>
+            <a:r>
+              <a:rPr lang="en-US" sz="1200" b="0" i="0" kern="1200" dirty="0">
+                <a:solidFill>
+                  <a:schemeClr val="tx1"/>
+                </a:solidFill>
+                <a:effectLst/>
+                <a:latin typeface="+mn-lt"/>
+                <a:ea typeface="+mn-ea"/>
+                <a:cs typeface="+mn-cs"/>
+              </a:rPr>
+              <a:t>In the constructor we create a </a:t>
+            </a:r>
+            <a:r>
+              <a:rPr lang="en-US" sz="1200" b="0" i="0" kern="1200" dirty="0" err="1">
+                <a:solidFill>
+                  <a:schemeClr val="tx1"/>
+                </a:solidFill>
+                <a:effectLst/>
+                <a:latin typeface="+mn-lt"/>
+                <a:ea typeface="+mn-ea"/>
+                <a:cs typeface="+mn-cs"/>
+              </a:rPr>
+              <a:t>fullName</a:t>
+            </a:r>
+            <a:r>
+              <a:rPr lang="en-US" sz="1200" b="0" i="0" kern="1200" dirty="0">
+                <a:solidFill>
+                  <a:schemeClr val="tx1"/>
+                </a:solidFill>
+                <a:effectLst/>
+                <a:latin typeface="+mn-lt"/>
+                <a:ea typeface="+mn-ea"/>
+                <a:cs typeface="+mn-cs"/>
+              </a:rPr>
+              <a:t> variable and also a method </a:t>
+            </a:r>
+            <a:r>
+              <a:rPr lang="en-US" sz="1200" b="0" i="0" kern="1200" dirty="0" err="1">
+                <a:solidFill>
+                  <a:schemeClr val="tx1"/>
+                </a:solidFill>
+                <a:effectLst/>
+                <a:latin typeface="+mn-lt"/>
+                <a:ea typeface="+mn-ea"/>
+                <a:cs typeface="+mn-cs"/>
+              </a:rPr>
+              <a:t>getFullName</a:t>
+            </a:r>
+            <a:r>
+              <a:rPr lang="en-US" sz="1200" b="0" i="0" kern="1200" dirty="0">
+                <a:solidFill>
+                  <a:schemeClr val="tx1"/>
+                </a:solidFill>
+                <a:effectLst/>
+                <a:latin typeface="+mn-lt"/>
+                <a:ea typeface="+mn-ea"/>
+                <a:cs typeface="+mn-cs"/>
+              </a:rPr>
+              <a:t>,</a:t>
+            </a:r>
+          </a:p>
+          <a:p>
+            <a:pPr marL="0" marR="0" lvl="0" indent="0" algn="l" defTabSz="914400" rtl="0" eaLnBrk="1" fontAlgn="auto" latinLnBrk="0" hangingPunct="1">
+              <a:lnSpc>
+                <a:spcPct val="100000"/>
+              </a:lnSpc>
+              <a:spcBef>
+                <a:spcPts val="0"/>
+              </a:spcBef>
+              <a:spcAft>
+                <a:spcPts val="0"/>
+              </a:spcAft>
+              <a:buClrTx/>
+              <a:buSzTx/>
+              <a:buFontTx/>
+              <a:buNone/>
+              <a:tabLst/>
+              <a:defRPr/>
+            </a:pPr>
+            <a:r>
+              <a:rPr lang="en-US" sz="1200" b="0" i="0" kern="1200" dirty="0">
+                <a:solidFill>
+                  <a:schemeClr val="tx1"/>
+                </a:solidFill>
+                <a:effectLst/>
+                <a:latin typeface="+mn-lt"/>
+                <a:ea typeface="+mn-ea"/>
+                <a:cs typeface="+mn-cs"/>
+              </a:rPr>
+              <a:t>After the constructor finish to run, </a:t>
+            </a:r>
+            <a:r>
+              <a:rPr lang="en-US" sz="1200" b="0" i="0" kern="1200" dirty="0" err="1">
+                <a:solidFill>
+                  <a:schemeClr val="tx1"/>
+                </a:solidFill>
+                <a:effectLst/>
+                <a:latin typeface="+mn-lt"/>
+                <a:ea typeface="+mn-ea"/>
+                <a:cs typeface="+mn-cs"/>
+              </a:rPr>
+              <a:t>fullName</a:t>
+            </a:r>
+            <a:r>
+              <a:rPr lang="en-US" sz="1200" b="0" i="0" kern="1200" dirty="0">
+                <a:solidFill>
+                  <a:schemeClr val="tx1"/>
+                </a:solidFill>
+                <a:effectLst/>
+                <a:latin typeface="+mn-lt"/>
+                <a:ea typeface="+mn-ea"/>
+                <a:cs typeface="+mn-cs"/>
+              </a:rPr>
+              <a:t> is not accessible outside of the constructor scope/function, but </a:t>
+            </a:r>
+            <a:r>
+              <a:rPr lang="en-US" sz="1200" b="0" i="0" kern="1200" dirty="0" err="1">
+                <a:solidFill>
+                  <a:schemeClr val="tx1"/>
+                </a:solidFill>
+                <a:effectLst/>
+                <a:latin typeface="+mn-lt"/>
+                <a:ea typeface="+mn-ea"/>
+                <a:cs typeface="+mn-cs"/>
+              </a:rPr>
+              <a:t>getFullName</a:t>
+            </a:r>
+            <a:r>
+              <a:rPr lang="en-US" sz="1200" b="0" i="0" kern="1200" dirty="0">
+                <a:solidFill>
+                  <a:schemeClr val="tx1"/>
+                </a:solidFill>
+                <a:effectLst/>
+                <a:latin typeface="+mn-lt"/>
+                <a:ea typeface="+mn-ea"/>
+                <a:cs typeface="+mn-cs"/>
+              </a:rPr>
+              <a:t> is inner function inside </a:t>
+            </a:r>
+            <a:r>
+              <a:rPr lang="en-US" sz="1200" b="0" i="0" u="none" strike="noStrike" kern="1200" baseline="0" dirty="0">
+                <a:solidFill>
+                  <a:schemeClr val="tx1"/>
+                </a:solidFill>
+                <a:latin typeface="+mn-lt"/>
+                <a:ea typeface="+mn-ea"/>
+                <a:cs typeface="+mn-cs"/>
+              </a:rPr>
+              <a:t>constructor so it can access </a:t>
+            </a:r>
+            <a:r>
+              <a:rPr lang="en-US" sz="1200" b="0" i="0" u="none" strike="noStrike" kern="1200" baseline="0" dirty="0" err="1">
+                <a:solidFill>
+                  <a:schemeClr val="tx1"/>
+                </a:solidFill>
+                <a:latin typeface="+mn-lt"/>
+                <a:ea typeface="+mn-ea"/>
+                <a:cs typeface="+mn-cs"/>
+              </a:rPr>
+              <a:t>fullName</a:t>
+            </a:r>
+            <a:r>
+              <a:rPr lang="en-US" sz="1200" b="0" i="0" u="none" strike="noStrike" kern="1200" baseline="0" dirty="0">
+                <a:solidFill>
+                  <a:schemeClr val="tx1"/>
+                </a:solidFill>
+                <a:latin typeface="+mn-lt"/>
+                <a:ea typeface="+mn-ea"/>
+                <a:cs typeface="+mn-cs"/>
+              </a:rPr>
+              <a:t> variable.</a:t>
+            </a:r>
+          </a:p>
+          <a:p>
+            <a:pPr marL="0" marR="0" lvl="0" indent="0" algn="l" defTabSz="914400" rtl="0" eaLnBrk="1" fontAlgn="auto" latinLnBrk="0" hangingPunct="1">
+              <a:lnSpc>
+                <a:spcPct val="100000"/>
+              </a:lnSpc>
+              <a:spcBef>
+                <a:spcPts val="0"/>
+              </a:spcBef>
+              <a:spcAft>
+                <a:spcPts val="0"/>
+              </a:spcAft>
+              <a:buClrTx/>
+              <a:buSzTx/>
+              <a:buFontTx/>
+              <a:buNone/>
+              <a:tabLst/>
+              <a:defRPr/>
+            </a:pPr>
+            <a:r>
+              <a:rPr lang="en-US" sz="1200" b="0" i="0" u="none" strike="noStrike" kern="1200" baseline="0" dirty="0">
+                <a:solidFill>
+                  <a:schemeClr val="tx1"/>
+                </a:solidFill>
+                <a:effectLst/>
+                <a:latin typeface="+mn-lt"/>
+                <a:ea typeface="+mn-ea"/>
+                <a:cs typeface="+mn-cs"/>
+              </a:rPr>
+              <a:t>Just to clarify, we can’t put </a:t>
+            </a:r>
+            <a:r>
+              <a:rPr lang="en-US" sz="1200" b="0" i="0" kern="1200" dirty="0" err="1">
+                <a:solidFill>
+                  <a:schemeClr val="tx1"/>
+                </a:solidFill>
+                <a:effectLst/>
+                <a:latin typeface="+mn-lt"/>
+                <a:ea typeface="+mn-ea"/>
+                <a:cs typeface="+mn-cs"/>
+              </a:rPr>
+              <a:t>getFullName</a:t>
+            </a:r>
+            <a:r>
+              <a:rPr lang="en-US" sz="1200" b="0" i="0" kern="1200" dirty="0">
+                <a:solidFill>
+                  <a:schemeClr val="tx1"/>
+                </a:solidFill>
+                <a:effectLst/>
+                <a:latin typeface="+mn-lt"/>
+                <a:ea typeface="+mn-ea"/>
+                <a:cs typeface="+mn-cs"/>
+              </a:rPr>
+              <a:t> inside prototype because </a:t>
+            </a:r>
+            <a:r>
+              <a:rPr lang="en-US" sz="1200" b="0" i="0" kern="1200" dirty="0" err="1">
+                <a:solidFill>
+                  <a:schemeClr val="tx1"/>
+                </a:solidFill>
+                <a:effectLst/>
+                <a:latin typeface="+mn-lt"/>
+                <a:ea typeface="+mn-ea"/>
+                <a:cs typeface="+mn-cs"/>
+              </a:rPr>
+              <a:t>fullName</a:t>
+            </a:r>
+            <a:r>
+              <a:rPr lang="en-US" sz="1200" b="0" i="0" kern="1200" dirty="0">
+                <a:solidFill>
+                  <a:schemeClr val="tx1"/>
+                </a:solidFill>
+                <a:effectLst/>
+                <a:latin typeface="+mn-lt"/>
+                <a:ea typeface="+mn-ea"/>
+                <a:cs typeface="+mn-cs"/>
+              </a:rPr>
+              <a:t> is not on our `this` - it’s scope variable so every instance of person will create new </a:t>
+            </a:r>
+            <a:r>
+              <a:rPr lang="en-US" sz="1200" b="0" i="0" kern="1200" dirty="0" err="1">
+                <a:solidFill>
+                  <a:schemeClr val="tx1"/>
+                </a:solidFill>
+                <a:effectLst/>
+                <a:latin typeface="+mn-lt"/>
+                <a:ea typeface="+mn-ea"/>
+                <a:cs typeface="+mn-cs"/>
+              </a:rPr>
+              <a:t>getFullName</a:t>
+            </a:r>
+            <a:r>
+              <a:rPr lang="en-US" sz="1200" b="0" i="0" kern="1200" dirty="0">
+                <a:solidFill>
+                  <a:schemeClr val="tx1"/>
+                </a:solidFill>
+                <a:effectLst/>
+                <a:latin typeface="+mn-lt"/>
+                <a:ea typeface="+mn-ea"/>
+                <a:cs typeface="+mn-cs"/>
+              </a:rPr>
+              <a:t> function instance.</a:t>
+            </a:r>
+          </a:p>
+          <a:p>
+            <a:pPr marL="0" marR="0" lvl="0" indent="0" algn="l" defTabSz="914400" rtl="0" eaLnBrk="1" fontAlgn="auto" latinLnBrk="0" hangingPunct="1">
+              <a:lnSpc>
+                <a:spcPct val="100000"/>
+              </a:lnSpc>
+              <a:spcBef>
+                <a:spcPts val="0"/>
+              </a:spcBef>
+              <a:spcAft>
+                <a:spcPts val="0"/>
+              </a:spcAft>
+              <a:buClrTx/>
+              <a:buSzTx/>
+              <a:buFontTx/>
+              <a:buNone/>
+              <a:tabLst/>
+              <a:defRPr/>
+            </a:pPr>
+            <a:endParaRPr lang="en-US" sz="1200" b="0" i="0" kern="1200" dirty="0">
+              <a:solidFill>
+                <a:schemeClr val="tx1"/>
+              </a:solidFill>
+              <a:effectLst/>
+              <a:latin typeface="+mn-lt"/>
+              <a:ea typeface="+mn-ea"/>
+              <a:cs typeface="+mn-cs"/>
+            </a:endParaRPr>
+          </a:p>
+          <a:p>
+            <a:pPr marL="0" marR="0" lvl="0" indent="0" algn="l" defTabSz="914400" rtl="0" eaLnBrk="1" fontAlgn="auto" latinLnBrk="0" hangingPunct="1">
+              <a:lnSpc>
+                <a:spcPct val="100000"/>
+              </a:lnSpc>
+              <a:spcBef>
+                <a:spcPts val="0"/>
+              </a:spcBef>
+              <a:spcAft>
+                <a:spcPts val="0"/>
+              </a:spcAft>
+              <a:buClrTx/>
+              <a:buSzTx/>
+              <a:buFontTx/>
+              <a:buNone/>
+              <a:tabLst/>
+              <a:defRPr/>
+            </a:pPr>
+            <a:r>
+              <a:rPr lang="en-US" sz="1200" b="0" i="0" kern="1200" dirty="0">
+                <a:solidFill>
+                  <a:schemeClr val="tx1"/>
+                </a:solidFill>
+                <a:effectLst/>
+                <a:latin typeface="+mn-lt"/>
+                <a:ea typeface="+mn-ea"/>
+                <a:cs typeface="+mn-cs"/>
+              </a:rPr>
+              <a:t>How we will create Person with typescript?</a:t>
+            </a:r>
+          </a:p>
+          <a:p>
+            <a:pPr marL="0" marR="0" lvl="0" indent="0" algn="l" defTabSz="914400" rtl="0" eaLnBrk="1" fontAlgn="auto" latinLnBrk="0" hangingPunct="1">
+              <a:lnSpc>
+                <a:spcPct val="100000"/>
+              </a:lnSpc>
+              <a:spcBef>
+                <a:spcPts val="0"/>
+              </a:spcBef>
+              <a:spcAft>
+                <a:spcPts val="0"/>
+              </a:spcAft>
+              <a:buClrTx/>
+              <a:buSzTx/>
+              <a:buFontTx/>
+              <a:buNone/>
+              <a:tabLst/>
+              <a:defRPr/>
+            </a:pPr>
+            <a:r>
+              <a:rPr lang="en-US" sz="1200" b="0" i="0" kern="1200" dirty="0">
+                <a:solidFill>
+                  <a:schemeClr val="tx1"/>
+                </a:solidFill>
+                <a:effectLst/>
+                <a:latin typeface="+mn-lt"/>
+                <a:ea typeface="+mn-ea"/>
+                <a:cs typeface="+mn-cs"/>
+              </a:rPr>
+              <a:t>We will defined </a:t>
+            </a:r>
+            <a:r>
+              <a:rPr lang="en-US" sz="1200" b="0" i="0" kern="1200" dirty="0" err="1">
+                <a:solidFill>
+                  <a:schemeClr val="tx1"/>
+                </a:solidFill>
+                <a:effectLst/>
+                <a:latin typeface="+mn-lt"/>
+                <a:ea typeface="+mn-ea"/>
+                <a:cs typeface="+mn-cs"/>
+              </a:rPr>
+              <a:t>fullName</a:t>
+            </a:r>
+            <a:r>
+              <a:rPr lang="en-US" sz="1200" b="0" i="0" kern="1200" dirty="0">
+                <a:solidFill>
+                  <a:schemeClr val="tx1"/>
+                </a:solidFill>
+                <a:effectLst/>
+                <a:latin typeface="+mn-lt"/>
+                <a:ea typeface="+mn-ea"/>
+                <a:cs typeface="+mn-cs"/>
+              </a:rPr>
+              <a:t> as private and add </a:t>
+            </a:r>
+            <a:r>
+              <a:rPr lang="en-US" sz="1200" b="0" i="0" kern="1200" dirty="0" err="1">
+                <a:solidFill>
+                  <a:schemeClr val="tx1"/>
+                </a:solidFill>
+                <a:effectLst/>
+                <a:latin typeface="+mn-lt"/>
+                <a:ea typeface="+mn-ea"/>
+                <a:cs typeface="+mn-cs"/>
+              </a:rPr>
+              <a:t>getFullName</a:t>
+            </a:r>
+            <a:r>
+              <a:rPr lang="en-US" sz="1200" b="0" i="0" kern="1200" dirty="0">
+                <a:solidFill>
+                  <a:schemeClr val="tx1"/>
+                </a:solidFill>
+                <a:effectLst/>
+                <a:latin typeface="+mn-lt"/>
+                <a:ea typeface="+mn-ea"/>
+                <a:cs typeface="+mn-cs"/>
+              </a:rPr>
+              <a:t> to the class</a:t>
+            </a:r>
+          </a:p>
+          <a:p>
+            <a:pPr marL="0" marR="0" lvl="0" indent="0" algn="l" defTabSz="914400" rtl="0" eaLnBrk="1" fontAlgn="auto" latinLnBrk="0" hangingPunct="1">
+              <a:lnSpc>
+                <a:spcPct val="100000"/>
+              </a:lnSpc>
+              <a:spcBef>
+                <a:spcPts val="0"/>
+              </a:spcBef>
+              <a:spcAft>
+                <a:spcPts val="0"/>
+              </a:spcAft>
+              <a:buClrTx/>
+              <a:buSzTx/>
+              <a:buFontTx/>
+              <a:buNone/>
+              <a:tabLst/>
+              <a:defRPr/>
+            </a:pPr>
+            <a:endParaRPr lang="en-US" sz="1200" b="0" i="0" kern="1200" dirty="0">
+              <a:solidFill>
+                <a:schemeClr val="tx1"/>
+              </a:solidFill>
+              <a:effectLst/>
+              <a:latin typeface="+mn-lt"/>
+              <a:ea typeface="+mn-ea"/>
+              <a:cs typeface="+mn-cs"/>
+            </a:endParaRPr>
+          </a:p>
+          <a:p>
+            <a:pPr marL="0" marR="0" lvl="0" indent="0" algn="l" defTabSz="914400" rtl="0" eaLnBrk="1" fontAlgn="auto" latinLnBrk="0" hangingPunct="1">
+              <a:lnSpc>
+                <a:spcPct val="100000"/>
+              </a:lnSpc>
+              <a:spcBef>
+                <a:spcPts val="0"/>
+              </a:spcBef>
+              <a:spcAft>
+                <a:spcPts val="0"/>
+              </a:spcAft>
+              <a:buClrTx/>
+              <a:buSzTx/>
+              <a:buFontTx/>
+              <a:buNone/>
+              <a:tabLst/>
+              <a:defRPr/>
+            </a:pPr>
+            <a:r>
+              <a:rPr lang="en-US" sz="1200" b="0" i="0" kern="1200" dirty="0">
+                <a:solidFill>
+                  <a:schemeClr val="tx1"/>
+                </a:solidFill>
+                <a:effectLst/>
+                <a:latin typeface="+mn-lt"/>
+                <a:ea typeface="+mn-ea"/>
+                <a:cs typeface="+mn-cs"/>
+              </a:rPr>
+              <a:t>Let’s see how typescript </a:t>
+            </a:r>
+            <a:r>
+              <a:rPr lang="en-US" sz="1200" b="0" i="0" kern="1200" dirty="0" err="1">
+                <a:solidFill>
+                  <a:schemeClr val="tx1"/>
+                </a:solidFill>
+                <a:effectLst/>
+                <a:latin typeface="+mn-lt"/>
+                <a:ea typeface="+mn-ea"/>
+                <a:cs typeface="+mn-cs"/>
+              </a:rPr>
+              <a:t>transpile</a:t>
+            </a:r>
+            <a:r>
+              <a:rPr lang="en-US" sz="1200" b="0" i="0" kern="1200" dirty="0">
+                <a:solidFill>
+                  <a:schemeClr val="tx1"/>
+                </a:solidFill>
+                <a:effectLst/>
+                <a:latin typeface="+mn-lt"/>
+                <a:ea typeface="+mn-ea"/>
+                <a:cs typeface="+mn-cs"/>
+              </a:rPr>
+              <a:t> our code, we can see that </a:t>
+            </a:r>
+            <a:r>
+              <a:rPr lang="en-US" sz="1200" b="0" i="0" kern="1200" dirty="0" err="1">
+                <a:solidFill>
+                  <a:schemeClr val="tx1"/>
+                </a:solidFill>
+                <a:effectLst/>
+                <a:latin typeface="+mn-lt"/>
+                <a:ea typeface="+mn-ea"/>
+                <a:cs typeface="+mn-cs"/>
+              </a:rPr>
+              <a:t>fullName</a:t>
+            </a:r>
+            <a:r>
+              <a:rPr lang="en-US" sz="1200" b="0" i="0" kern="1200" dirty="0">
+                <a:solidFill>
+                  <a:schemeClr val="tx1"/>
+                </a:solidFill>
+                <a:effectLst/>
+                <a:latin typeface="+mn-lt"/>
+                <a:ea typeface="+mn-ea"/>
+                <a:cs typeface="+mn-cs"/>
+              </a:rPr>
+              <a:t> is added to our this which means it’s accessible outside of our class and not a real private.</a:t>
+            </a:r>
+          </a:p>
+          <a:p>
+            <a:pPr marL="0" marR="0" lvl="0" indent="0" algn="l" defTabSz="914400" rtl="0" eaLnBrk="1" fontAlgn="auto" latinLnBrk="0" hangingPunct="1">
+              <a:lnSpc>
+                <a:spcPct val="100000"/>
+              </a:lnSpc>
+              <a:spcBef>
+                <a:spcPts val="0"/>
+              </a:spcBef>
+              <a:spcAft>
+                <a:spcPts val="0"/>
+              </a:spcAft>
+              <a:buClrTx/>
+              <a:buSzTx/>
+              <a:buFontTx/>
+              <a:buNone/>
+              <a:tabLst/>
+              <a:defRPr/>
+            </a:pPr>
+            <a:r>
+              <a:rPr lang="en-US" sz="1200" b="0" i="0" kern="1200" dirty="0">
+                <a:solidFill>
+                  <a:schemeClr val="tx1"/>
+                </a:solidFill>
+                <a:effectLst/>
+                <a:latin typeface="+mn-lt"/>
+                <a:ea typeface="+mn-ea"/>
+                <a:cs typeface="+mn-cs"/>
+              </a:rPr>
+              <a:t>Why?</a:t>
+            </a:r>
+            <a:br>
+              <a:rPr lang="en-US" sz="1200" b="0" i="0" kern="1200" dirty="0">
+                <a:solidFill>
+                  <a:schemeClr val="tx1"/>
+                </a:solidFill>
+                <a:effectLst/>
+                <a:latin typeface="+mn-lt"/>
+                <a:ea typeface="+mn-ea"/>
+                <a:cs typeface="+mn-cs"/>
+              </a:rPr>
+            </a:br>
+            <a:r>
+              <a:rPr lang="en-US" sz="1200" b="0" i="0" kern="1200" dirty="0">
+                <a:solidFill>
+                  <a:schemeClr val="tx1"/>
+                </a:solidFill>
+                <a:effectLst/>
+                <a:latin typeface="+mn-lt"/>
+                <a:ea typeface="+mn-ea"/>
+                <a:cs typeface="+mn-cs"/>
+              </a:rPr>
+              <a:t>Probably because if we are defining variables private and trying to access it outside then typescript at build time will throw us exception and will protect us.</a:t>
+            </a:r>
+          </a:p>
+          <a:p>
+            <a:pPr marL="0" marR="0" lvl="0" indent="0" algn="l" defTabSz="914400" rtl="0" eaLnBrk="1" fontAlgn="auto" latinLnBrk="0" hangingPunct="1">
+              <a:lnSpc>
+                <a:spcPct val="100000"/>
+              </a:lnSpc>
+              <a:spcBef>
+                <a:spcPts val="0"/>
+              </a:spcBef>
+              <a:spcAft>
+                <a:spcPts val="0"/>
+              </a:spcAft>
+              <a:buClrTx/>
+              <a:buSzTx/>
+              <a:buFontTx/>
+              <a:buNone/>
+              <a:tabLst/>
+              <a:defRPr/>
+            </a:pPr>
+            <a:endParaRPr lang="en-US" sz="1200" b="0" i="0" kern="1200" dirty="0">
+              <a:solidFill>
+                <a:schemeClr val="tx1"/>
+              </a:solidFill>
+              <a:effectLst/>
+              <a:latin typeface="+mn-lt"/>
+              <a:ea typeface="+mn-ea"/>
+              <a:cs typeface="+mn-cs"/>
+            </a:endParaRPr>
+          </a:p>
+          <a:p>
+            <a:pPr marL="0" marR="0" lvl="0" indent="0" algn="l" defTabSz="914400" rtl="0" eaLnBrk="1" fontAlgn="auto" latinLnBrk="0" hangingPunct="1">
+              <a:lnSpc>
+                <a:spcPct val="100000"/>
+              </a:lnSpc>
+              <a:spcBef>
+                <a:spcPts val="0"/>
+              </a:spcBef>
+              <a:spcAft>
+                <a:spcPts val="0"/>
+              </a:spcAft>
+              <a:buClrTx/>
+              <a:buSzTx/>
+              <a:buFontTx/>
+              <a:buNone/>
+              <a:tabLst/>
+              <a:defRPr/>
+            </a:pPr>
+            <a:r>
+              <a:rPr lang="en-US" sz="1200" b="0" i="0" kern="1200" dirty="0">
+                <a:solidFill>
+                  <a:schemeClr val="tx1"/>
+                </a:solidFill>
+                <a:effectLst/>
+                <a:latin typeface="+mn-lt"/>
+                <a:ea typeface="+mn-ea"/>
+                <a:cs typeface="+mn-cs"/>
+              </a:rPr>
+              <a:t>How can we create a private/encapsulated variable in ES6?</a:t>
+            </a:r>
+          </a:p>
+          <a:p>
+            <a:pPr marL="0" marR="0" lvl="0" indent="0" algn="l" defTabSz="914400" rtl="0" eaLnBrk="1" fontAlgn="auto" latinLnBrk="0" hangingPunct="1">
+              <a:lnSpc>
+                <a:spcPct val="100000"/>
+              </a:lnSpc>
+              <a:spcBef>
+                <a:spcPts val="0"/>
+              </a:spcBef>
+              <a:spcAft>
+                <a:spcPts val="0"/>
+              </a:spcAft>
+              <a:buClrTx/>
+              <a:buSzTx/>
+              <a:buFontTx/>
+              <a:buNone/>
+              <a:tabLst/>
+              <a:defRPr/>
+            </a:pPr>
+            <a:r>
+              <a:rPr lang="en-US" sz="1200" b="0" i="0" kern="1200" dirty="0">
+                <a:solidFill>
+                  <a:schemeClr val="tx1"/>
+                </a:solidFill>
+                <a:effectLst/>
+                <a:latin typeface="+mn-lt"/>
+                <a:ea typeface="+mn-ea"/>
+                <a:cs typeface="+mn-cs"/>
+              </a:rPr>
+              <a:t>Like we did in ES5, creating the variable inside the constructor and also the function</a:t>
+            </a:r>
+          </a:p>
+          <a:p>
+            <a:pPr marL="0" marR="0" lvl="0" indent="0" algn="l" defTabSz="914400" rtl="0" eaLnBrk="1" fontAlgn="auto" latinLnBrk="0" hangingPunct="1">
+              <a:lnSpc>
+                <a:spcPct val="100000"/>
+              </a:lnSpc>
+              <a:spcBef>
+                <a:spcPts val="0"/>
+              </a:spcBef>
+              <a:spcAft>
+                <a:spcPts val="0"/>
+              </a:spcAft>
+              <a:buClrTx/>
+              <a:buSzTx/>
+              <a:buFontTx/>
+              <a:buNone/>
+              <a:tabLst/>
+              <a:defRPr/>
+            </a:pPr>
+            <a:endParaRPr lang="en-US" sz="1200" b="0" i="0" kern="1200" dirty="0">
+              <a:solidFill>
+                <a:schemeClr val="tx1"/>
+              </a:solidFill>
+              <a:effectLst/>
+              <a:latin typeface="+mn-lt"/>
+              <a:ea typeface="+mn-ea"/>
+              <a:cs typeface="+mn-cs"/>
+            </a:endParaRPr>
+          </a:p>
+          <a:p>
+            <a:pPr marL="342900" marR="0" lvl="0" indent="-342900" algn="l" defTabSz="914400" rtl="0" eaLnBrk="1" fontAlgn="auto" latinLnBrk="0" hangingPunct="1">
+              <a:lnSpc>
+                <a:spcPct val="100000"/>
+              </a:lnSpc>
+              <a:spcBef>
+                <a:spcPts val="0"/>
+              </a:spcBef>
+              <a:spcAft>
+                <a:spcPts val="0"/>
+              </a:spcAft>
+              <a:buClrTx/>
+              <a:buSzTx/>
+              <a:buFontTx/>
+              <a:buChar char="-"/>
+              <a:tabLst/>
+              <a:defRPr/>
+            </a:pPr>
+            <a:r>
+              <a:rPr lang="en-US" sz="2400" dirty="0">
+                <a:hlinkClick r:id="rId3"/>
+              </a:rPr>
+              <a:t>https://javascriptissexy.com/oop-in-javascript-what-you-need-to-know/</a:t>
+            </a:r>
+            <a:endParaRPr lang="en-US" sz="2400" dirty="0"/>
+          </a:p>
+          <a:p>
+            <a:pPr marL="342900" marR="0" lvl="0" indent="-342900" algn="l" defTabSz="914400" rtl="0" eaLnBrk="1" fontAlgn="auto" latinLnBrk="0" hangingPunct="1">
+              <a:lnSpc>
+                <a:spcPct val="100000"/>
+              </a:lnSpc>
+              <a:spcBef>
+                <a:spcPts val="0"/>
+              </a:spcBef>
+              <a:spcAft>
+                <a:spcPts val="0"/>
+              </a:spcAft>
+              <a:buClrTx/>
+              <a:buSzTx/>
+              <a:buFontTx/>
+              <a:buChar char="-"/>
+              <a:tabLst/>
+              <a:defRPr/>
+            </a:pPr>
+            <a:r>
+              <a:rPr lang="en-US" sz="2400" dirty="0">
+                <a:hlinkClick r:id="rId4"/>
+              </a:rPr>
+              <a:t>https://medium.freecodecamp.org/an-introduction-to-object-oriented-programming-in-javascript-8900124e316a</a:t>
+            </a:r>
+            <a:endParaRPr lang="en-US" sz="2400" dirty="0"/>
+          </a:p>
+          <a:p>
+            <a:pPr marL="342900" marR="0" lvl="0" indent="-342900" algn="l" defTabSz="914400" rtl="0" eaLnBrk="1" fontAlgn="auto" latinLnBrk="0" hangingPunct="1">
+              <a:lnSpc>
+                <a:spcPct val="100000"/>
+              </a:lnSpc>
+              <a:spcBef>
+                <a:spcPts val="0"/>
+              </a:spcBef>
+              <a:spcAft>
+                <a:spcPts val="0"/>
+              </a:spcAft>
+              <a:buClrTx/>
+              <a:buSzTx/>
+              <a:buFontTx/>
+              <a:buChar char="-"/>
+              <a:tabLst/>
+              <a:defRPr/>
+            </a:pPr>
+            <a:endParaRPr lang="en-US" sz="2400" dirty="0"/>
+          </a:p>
+        </p:txBody>
+      </p:sp>
+      <p:sp>
+        <p:nvSpPr>
+          <p:cNvPr id="4" name="Slide Number Placeholder 3"/>
+          <p:cNvSpPr>
+            <a:spLocks noGrp="1"/>
+          </p:cNvSpPr>
+          <p:nvPr>
+            <p:ph type="sldNum" sz="quarter" idx="10"/>
+          </p:nvPr>
+        </p:nvSpPr>
+        <p:spPr/>
+        <p:txBody>
+          <a:bodyPr/>
+          <a:lstStyle/>
+          <a:p>
+            <a:fld id="{595D0871-5AD0-4670-BDA8-FBE649F625DD}" type="slidenum">
+              <a:rPr lang="he-IL" smtClean="0"/>
+              <a:t>73</a:t>
+            </a:fld>
+            <a:endParaRPr lang="he-IL"/>
+          </a:p>
+        </p:txBody>
+      </p:sp>
+    </p:spTree>
+    <p:extLst>
+      <p:ext uri="{BB962C8B-B14F-4D97-AF65-F5344CB8AC3E}">
+        <p14:creationId xmlns:p14="http://schemas.microsoft.com/office/powerpoint/2010/main" val="3845654205"/>
+      </p:ext>
+    </p:extLst>
+  </p:cSld>
+  <p:clrMapOvr>
+    <a:masterClrMapping/>
+  </p:clrMapOvr>
+</p:notes>
+</file>
+
 <file path=ppt/notesSlides/notesSlide8.xml><?xml version="1.0" encoding="utf-8"?>
 <p:notes xmlns:a="http://schemas.openxmlformats.org/drawingml/2006/main" xmlns:r="http://schemas.openxmlformats.org/officeDocument/2006/relationships" xmlns:p="http://schemas.openxmlformats.org/presentationml/2006/main">
   <p:cSld>
@@ -23426,7 +29064,7 @@
           <a:p>
             <a:fld id="{F472E424-CC75-4448-A1B5-6FCA6BFEE599}" type="datetimeFigureOut">
               <a:rPr lang="he-IL" smtClean="0"/>
-              <a:t>כ"א/אדר א/תשע"ט</a:t>
+              <a:t>י"ז/אדר ב/תשע"ט</a:t>
             </a:fld>
             <a:endParaRPr lang="he-IL"/>
           </a:p>
@@ -23594,7 +29232,7 @@
           <a:p>
             <a:fld id="{F472E424-CC75-4448-A1B5-6FCA6BFEE599}" type="datetimeFigureOut">
               <a:rPr lang="he-IL" smtClean="0"/>
-              <a:t>כ"א/אדר א/תשע"ט</a:t>
+              <a:t>י"ז/אדר ב/תשע"ט</a:t>
             </a:fld>
             <a:endParaRPr lang="he-IL"/>
           </a:p>
@@ -23772,7 +29410,7 @@
           <a:p>
             <a:fld id="{F472E424-CC75-4448-A1B5-6FCA6BFEE599}" type="datetimeFigureOut">
               <a:rPr lang="he-IL" smtClean="0"/>
-              <a:t>כ"א/אדר א/תשע"ט</a:t>
+              <a:t>י"ז/אדר ב/תשע"ט</a:t>
             </a:fld>
             <a:endParaRPr lang="he-IL"/>
           </a:p>
@@ -24156,7 +29794,7 @@
           <a:p>
             <a:fld id="{F472E424-CC75-4448-A1B5-6FCA6BFEE599}" type="datetimeFigureOut">
               <a:rPr lang="he-IL" smtClean="0"/>
-              <a:t>כ"א/אדר א/תשע"ט</a:t>
+              <a:t>י"ז/אדר ב/תשע"ט</a:t>
             </a:fld>
             <a:endParaRPr lang="he-IL"/>
           </a:p>
@@ -24401,7 +30039,7 @@
           <a:p>
             <a:fld id="{F472E424-CC75-4448-A1B5-6FCA6BFEE599}" type="datetimeFigureOut">
               <a:rPr lang="he-IL" smtClean="0"/>
-              <a:t>כ"א/אדר א/תשע"ט</a:t>
+              <a:t>י"ז/אדר ב/תשע"ט</a:t>
             </a:fld>
             <a:endParaRPr lang="he-IL"/>
           </a:p>
@@ -24630,7 +30268,7 @@
           <a:p>
             <a:fld id="{F472E424-CC75-4448-A1B5-6FCA6BFEE599}" type="datetimeFigureOut">
               <a:rPr lang="he-IL" smtClean="0"/>
-              <a:t>כ"א/אדר א/תשע"ט</a:t>
+              <a:t>י"ז/אדר ב/תשע"ט</a:t>
             </a:fld>
             <a:endParaRPr lang="he-IL"/>
           </a:p>
@@ -24994,7 +30632,7 @@
           <a:p>
             <a:fld id="{F472E424-CC75-4448-A1B5-6FCA6BFEE599}" type="datetimeFigureOut">
               <a:rPr lang="he-IL" smtClean="0"/>
-              <a:t>כ"א/אדר א/תשע"ט</a:t>
+              <a:t>י"ז/אדר ב/תשע"ט</a:t>
             </a:fld>
             <a:endParaRPr lang="he-IL"/>
           </a:p>
@@ -25111,7 +30749,7 @@
           <a:p>
             <a:fld id="{F472E424-CC75-4448-A1B5-6FCA6BFEE599}" type="datetimeFigureOut">
               <a:rPr lang="he-IL" smtClean="0"/>
-              <a:t>כ"א/אדר א/תשע"ט</a:t>
+              <a:t>י"ז/אדר ב/תשע"ט</a:t>
             </a:fld>
             <a:endParaRPr lang="he-IL"/>
           </a:p>
@@ -25206,7 +30844,7 @@
           <a:p>
             <a:fld id="{F472E424-CC75-4448-A1B5-6FCA6BFEE599}" type="datetimeFigureOut">
               <a:rPr lang="he-IL" smtClean="0"/>
-              <a:t>כ"א/אדר א/תשע"ט</a:t>
+              <a:t>י"ז/אדר ב/תשע"ט</a:t>
             </a:fld>
             <a:endParaRPr lang="he-IL"/>
           </a:p>
@@ -25481,7 +31119,7 @@
           <a:p>
             <a:fld id="{F472E424-CC75-4448-A1B5-6FCA6BFEE599}" type="datetimeFigureOut">
               <a:rPr lang="he-IL" smtClean="0"/>
-              <a:t>כ"א/אדר א/תשע"ט</a:t>
+              <a:t>י"ז/אדר ב/תשע"ט</a:t>
             </a:fld>
             <a:endParaRPr lang="he-IL"/>
           </a:p>
@@ -25733,7 +31371,7 @@
           <a:p>
             <a:fld id="{F472E424-CC75-4448-A1B5-6FCA6BFEE599}" type="datetimeFigureOut">
               <a:rPr lang="he-IL" smtClean="0"/>
-              <a:t>כ"א/אדר א/תשע"ט</a:t>
+              <a:t>י"ז/אדר ב/תשע"ט</a:t>
             </a:fld>
             <a:endParaRPr lang="he-IL"/>
           </a:p>
@@ -25944,7 +31582,7 @@
           <a:p>
             <a:fld id="{F472E424-CC75-4448-A1B5-6FCA6BFEE599}" type="datetimeFigureOut">
               <a:rPr lang="he-IL" smtClean="0"/>
-              <a:t>כ"א/אדר א/תשע"ט</a:t>
+              <a:t>י"ז/אדר ב/תשע"ט</a:t>
             </a:fld>
             <a:endParaRPr lang="he-IL"/>
           </a:p>
@@ -28557,12 +34195,14 @@
             <a:avLst/>
           </a:prstGeom>
           <a:solidFill>
-            <a:schemeClr val="accent1">
+            <a:schemeClr val="accent2">
               <a:lumMod val="75000"/>
             </a:schemeClr>
           </a:solidFill>
           <a:ln>
-            <a:noFill/>
+            <a:solidFill>
+              <a:srgbClr val="FFFF00"/>
+            </a:solidFill>
           </a:ln>
         </p:spPr>
         <p:style>
@@ -31526,7 +37166,7 @@
             <a:avLst/>
           </a:prstGeom>
           <a:solidFill>
-            <a:schemeClr val="accent1">
+            <a:schemeClr val="accent2">
               <a:lumMod val="75000"/>
             </a:schemeClr>
           </a:solidFill>
@@ -34534,8 +40174,9 @@
             <a:avLst/>
           </a:prstGeom>
           <a:solidFill>
-            <a:schemeClr val="accent1">
-              <a:lumMod val="75000"/>
+            <a:schemeClr val="accent6">
+              <a:lumMod val="60000"/>
+              <a:lumOff val="40000"/>
             </a:schemeClr>
           </a:solidFill>
           <a:ln>
@@ -34598,7 +40239,7 @@
                   <a:schemeClr val="bg1"/>
                 </a:solidFill>
               </a:rPr>
-              <a:t>Arrow function</a:t>
+              <a:t>??bind??</a:t>
             </a:r>
             <a:endParaRPr lang="en-US" altLang="en-US" sz="6000" b="1" dirty="0">
               <a:solidFill>
@@ -34612,7 +40253,7 @@
     </p:spTree>
     <p:extLst>
       <p:ext uri="{BB962C8B-B14F-4D97-AF65-F5344CB8AC3E}">
-        <p14:creationId xmlns:p14="http://schemas.microsoft.com/office/powerpoint/2010/main" val="1449530315"/>
+        <p14:creationId xmlns:p14="http://schemas.microsoft.com/office/powerpoint/2010/main" val="409453472"/>
       </p:ext>
     </p:extLst>
   </p:cSld>
@@ -34730,7 +40371,7 @@
                   <a:schemeClr val="bg1"/>
                 </a:solidFill>
               </a:rPr>
-              <a:t>??use strict?</a:t>
+              <a:t>Arrow function</a:t>
             </a:r>
             <a:endParaRPr lang="en-US" altLang="en-US" sz="6000" b="1" dirty="0">
               <a:solidFill>
@@ -34744,7 +40385,7 @@
     </p:spTree>
     <p:extLst>
       <p:ext uri="{BB962C8B-B14F-4D97-AF65-F5344CB8AC3E}">
-        <p14:creationId xmlns:p14="http://schemas.microsoft.com/office/powerpoint/2010/main" val="2910717839"/>
+        <p14:creationId xmlns:p14="http://schemas.microsoft.com/office/powerpoint/2010/main" val="1449530315"/>
       </p:ext>
     </p:extLst>
   </p:cSld>
@@ -34798,8 +40439,9 @@
             <a:avLst/>
           </a:prstGeom>
           <a:solidFill>
-            <a:schemeClr val="accent1">
-              <a:lumMod val="75000"/>
+            <a:schemeClr val="accent6">
+              <a:lumMod val="60000"/>
+              <a:lumOff val="40000"/>
             </a:schemeClr>
           </a:solidFill>
           <a:ln>
@@ -34857,26 +40499,21 @@
               </a:spcAft>
             </a:pPr>
             <a:r>
-              <a:rPr lang="en-US" sz="6000" dirty="0">
+              <a:rPr lang="en-US" altLang="en-US" sz="6000" b="1" dirty="0">
                 <a:solidFill>
                   <a:schemeClr val="bg1"/>
                 </a:solidFill>
-              </a:rPr>
-              <a:t>??Html modules for scoping??</a:t>
-            </a:r>
-            <a:endParaRPr lang="en-US" altLang="en-US" sz="6000" b="1" dirty="0">
-              <a:solidFill>
-                <a:schemeClr val="bg1"/>
-              </a:solidFill>
-              <a:latin typeface="Calibri (Body)"/>
-            </a:endParaRPr>
+                <a:latin typeface="Calibri (Body)"/>
+              </a:rPr>
+              <a:t>Code clean using bind – how to refactor &amp; reuse code</a:t>
+            </a:r>
           </a:p>
         </p:txBody>
       </p:sp>
     </p:spTree>
     <p:extLst>
       <p:ext uri="{BB962C8B-B14F-4D97-AF65-F5344CB8AC3E}">
-        <p14:creationId xmlns:p14="http://schemas.microsoft.com/office/powerpoint/2010/main" val="1693568435"/>
+        <p14:creationId xmlns:p14="http://schemas.microsoft.com/office/powerpoint/2010/main" val="798762377"/>
       </p:ext>
     </p:extLst>
   </p:cSld>
@@ -34930,8 +40567,9 @@
             <a:avLst/>
           </a:prstGeom>
           <a:solidFill>
-            <a:schemeClr val="accent1">
-              <a:lumMod val="75000"/>
+            <a:schemeClr val="accent6">
+              <a:lumMod val="60000"/>
+              <a:lumOff val="40000"/>
             </a:schemeClr>
           </a:solidFill>
           <a:ln>
@@ -34994,7 +40632,7 @@
                   <a:schemeClr val="bg1"/>
                 </a:solidFill>
               </a:rPr>
-              <a:t>Class in the past</a:t>
+              <a:t>??use strict?</a:t>
             </a:r>
             <a:endParaRPr lang="en-US" altLang="en-US" sz="6000" b="1" dirty="0">
               <a:solidFill>
@@ -35008,7 +40646,7 @@
     </p:spTree>
     <p:extLst>
       <p:ext uri="{BB962C8B-B14F-4D97-AF65-F5344CB8AC3E}">
-        <p14:creationId xmlns:p14="http://schemas.microsoft.com/office/powerpoint/2010/main" val="4198406632"/>
+        <p14:creationId xmlns:p14="http://schemas.microsoft.com/office/powerpoint/2010/main" val="2910717839"/>
       </p:ext>
     </p:extLst>
   </p:cSld>
@@ -35126,7 +40764,7 @@
                   <a:schemeClr val="bg1"/>
                 </a:solidFill>
               </a:rPr>
-              <a:t>prototype</a:t>
+              <a:t>??Html modules for scoping??</a:t>
             </a:r>
             <a:endParaRPr lang="en-US" altLang="en-US" sz="6000" b="1" dirty="0">
               <a:solidFill>
@@ -35140,7 +40778,7 @@
     </p:spTree>
     <p:extLst>
       <p:ext uri="{BB962C8B-B14F-4D97-AF65-F5344CB8AC3E}">
-        <p14:creationId xmlns:p14="http://schemas.microsoft.com/office/powerpoint/2010/main" val="4126304232"/>
+        <p14:creationId xmlns:p14="http://schemas.microsoft.com/office/powerpoint/2010/main" val="1693568435"/>
       </p:ext>
     </p:extLst>
   </p:cSld>
@@ -35258,7 +40896,7 @@
                   <a:schemeClr val="bg1"/>
                 </a:solidFill>
               </a:rPr>
-              <a:t>Class today</a:t>
+              <a:t>Class in the past</a:t>
             </a:r>
             <a:endParaRPr lang="en-US" altLang="en-US" sz="6000" b="1" dirty="0">
               <a:solidFill>
@@ -35272,7 +40910,7 @@
     </p:spTree>
     <p:extLst>
       <p:ext uri="{BB962C8B-B14F-4D97-AF65-F5344CB8AC3E}">
-        <p14:creationId xmlns:p14="http://schemas.microsoft.com/office/powerpoint/2010/main" val="2005768050"/>
+        <p14:creationId xmlns:p14="http://schemas.microsoft.com/office/powerpoint/2010/main" val="4198406632"/>
       </p:ext>
     </p:extLst>
   </p:cSld>
@@ -35573,6 +41211,534 @@
     </mc:Choice>
     <mc:Fallback xmlns="">
       <p:transition spd="med">
+        <p:fade/>
+      </p:transition>
+    </mc:Fallback>
+  </mc:AlternateContent>
+</p:sld>
+</file>
+
+<file path=ppt/slides/slide70.xml><?xml version="1.0" encoding="utf-8"?>
+<p:sld xmlns:a="http://schemas.openxmlformats.org/drawingml/2006/main" xmlns:r="http://schemas.openxmlformats.org/officeDocument/2006/relationships" xmlns:p="http://schemas.openxmlformats.org/presentationml/2006/main">
+  <p:cSld>
+    <p:spTree>
+      <p:nvGrpSpPr>
+        <p:cNvPr id="1" name=""/>
+        <p:cNvGrpSpPr/>
+        <p:nvPr/>
+      </p:nvGrpSpPr>
+      <p:grpSpPr>
+        <a:xfrm>
+          <a:off x="0" y="0"/>
+          <a:ext cx="0" cy="0"/>
+          <a:chOff x="0" y="0"/>
+          <a:chExt cx="0" cy="0"/>
+        </a:xfrm>
+      </p:grpSpPr>
+      <p:sp>
+        <p:nvSpPr>
+          <p:cNvPr id="6" name="Rectangle 5"/>
+          <p:cNvSpPr/>
+          <p:nvPr/>
+        </p:nvSpPr>
+        <p:spPr>
+          <a:xfrm>
+            <a:off x="-215115" y="0"/>
+            <a:ext cx="12407115" cy="6858000"/>
+          </a:xfrm>
+          <a:prstGeom prst="rect">
+            <a:avLst/>
+          </a:prstGeom>
+          <a:solidFill>
+            <a:schemeClr val="accent1">
+              <a:lumMod val="75000"/>
+            </a:schemeClr>
+          </a:solidFill>
+          <a:ln>
+            <a:noFill/>
+          </a:ln>
+        </p:spPr>
+        <p:style>
+          <a:lnRef idx="1">
+            <a:schemeClr val="accent1"/>
+          </a:lnRef>
+          <a:fillRef idx="3">
+            <a:schemeClr val="accent1"/>
+          </a:fillRef>
+          <a:effectRef idx="2">
+            <a:schemeClr val="accent1"/>
+          </a:effectRef>
+          <a:fontRef idx="minor">
+            <a:schemeClr val="lt1"/>
+          </a:fontRef>
+        </p:style>
+        <p:txBody>
+          <a:bodyPr rtlCol="0" anchor="ctr"/>
+          <a:lstStyle/>
+          <a:p>
+            <a:pPr algn="ctr"/>
+            <a:endParaRPr lang="en-US" sz="2400"/>
+          </a:p>
+        </p:txBody>
+      </p:sp>
+      <p:sp>
+        <p:nvSpPr>
+          <p:cNvPr id="24" name="Title 1"/>
+          <p:cNvSpPr>
+            <a:spLocks noGrp="1"/>
+          </p:cNvSpPr>
+          <p:nvPr>
+            <p:ph type="title"/>
+          </p:nvPr>
+        </p:nvSpPr>
+        <p:spPr>
+          <a:xfrm>
+            <a:off x="502042" y="1936377"/>
+            <a:ext cx="10972800" cy="2985246"/>
+          </a:xfrm>
+        </p:spPr>
+        <p:txBody>
+          <a:bodyPr>
+            <a:noAutofit/>
+          </a:bodyPr>
+          <a:lstStyle/>
+          <a:p>
+            <a:pPr algn="ctr" rtl="0" eaLnBrk="0" fontAlgn="base" hangingPunct="0">
+              <a:spcAft>
+                <a:spcPct val="0"/>
+              </a:spcAft>
+            </a:pPr>
+            <a:r>
+              <a:rPr lang="en-US" sz="6000" dirty="0">
+                <a:solidFill>
+                  <a:schemeClr val="bg1"/>
+                </a:solidFill>
+              </a:rPr>
+              <a:t>prototype</a:t>
+            </a:r>
+            <a:endParaRPr lang="en-US" altLang="en-US" sz="6000" b="1" dirty="0">
+              <a:solidFill>
+                <a:schemeClr val="bg1"/>
+              </a:solidFill>
+              <a:latin typeface="Calibri (Body)"/>
+            </a:endParaRPr>
+          </a:p>
+        </p:txBody>
+      </p:sp>
+    </p:spTree>
+    <p:extLst>
+      <p:ext uri="{BB962C8B-B14F-4D97-AF65-F5344CB8AC3E}">
+        <p14:creationId xmlns:p14="http://schemas.microsoft.com/office/powerpoint/2010/main" val="4126304232"/>
+      </p:ext>
+    </p:extLst>
+  </p:cSld>
+  <p:clrMapOvr>
+    <a:masterClrMapping/>
+  </p:clrMapOvr>
+  <mc:AlternateContent xmlns:mc="http://schemas.openxmlformats.org/markup-compatibility/2006" xmlns:p14="http://schemas.microsoft.com/office/powerpoint/2010/main">
+    <mc:Choice Requires="p14">
+      <p:transition spd="med" p14:dur="700">
+        <p:fade/>
+      </p:transition>
+    </mc:Choice>
+    <mc:Fallback xmlns="">
+      <p:transition xmlns:p14="http://schemas.microsoft.com/office/powerpoint/2010/main" spd="med">
+        <p:fade/>
+      </p:transition>
+    </mc:Fallback>
+  </mc:AlternateContent>
+</p:sld>
+</file>
+
+<file path=ppt/slides/slide71.xml><?xml version="1.0" encoding="utf-8"?>
+<p:sld xmlns:a="http://schemas.openxmlformats.org/drawingml/2006/main" xmlns:r="http://schemas.openxmlformats.org/officeDocument/2006/relationships" xmlns:p="http://schemas.openxmlformats.org/presentationml/2006/main">
+  <p:cSld>
+    <p:spTree>
+      <p:nvGrpSpPr>
+        <p:cNvPr id="1" name=""/>
+        <p:cNvGrpSpPr/>
+        <p:nvPr/>
+      </p:nvGrpSpPr>
+      <p:grpSpPr>
+        <a:xfrm>
+          <a:off x="0" y="0"/>
+          <a:ext cx="0" cy="0"/>
+          <a:chOff x="0" y="0"/>
+          <a:chExt cx="0" cy="0"/>
+        </a:xfrm>
+      </p:grpSpPr>
+      <p:sp>
+        <p:nvSpPr>
+          <p:cNvPr id="6" name="Rectangle 5"/>
+          <p:cNvSpPr/>
+          <p:nvPr/>
+        </p:nvSpPr>
+        <p:spPr>
+          <a:xfrm>
+            <a:off x="-215115" y="0"/>
+            <a:ext cx="12407115" cy="6858000"/>
+          </a:xfrm>
+          <a:prstGeom prst="rect">
+            <a:avLst/>
+          </a:prstGeom>
+          <a:solidFill>
+            <a:schemeClr val="accent1">
+              <a:lumMod val="75000"/>
+            </a:schemeClr>
+          </a:solidFill>
+          <a:ln>
+            <a:noFill/>
+          </a:ln>
+        </p:spPr>
+        <p:style>
+          <a:lnRef idx="1">
+            <a:schemeClr val="accent1"/>
+          </a:lnRef>
+          <a:fillRef idx="3">
+            <a:schemeClr val="accent1"/>
+          </a:fillRef>
+          <a:effectRef idx="2">
+            <a:schemeClr val="accent1"/>
+          </a:effectRef>
+          <a:fontRef idx="minor">
+            <a:schemeClr val="lt1"/>
+          </a:fontRef>
+        </p:style>
+        <p:txBody>
+          <a:bodyPr rtlCol="0" anchor="ctr"/>
+          <a:lstStyle/>
+          <a:p>
+            <a:pPr algn="ctr"/>
+            <a:endParaRPr lang="en-US" sz="2400"/>
+          </a:p>
+        </p:txBody>
+      </p:sp>
+      <p:sp>
+        <p:nvSpPr>
+          <p:cNvPr id="24" name="Title 1"/>
+          <p:cNvSpPr>
+            <a:spLocks noGrp="1"/>
+          </p:cNvSpPr>
+          <p:nvPr>
+            <p:ph type="title"/>
+          </p:nvPr>
+        </p:nvSpPr>
+        <p:spPr>
+          <a:xfrm>
+            <a:off x="502042" y="1936377"/>
+            <a:ext cx="10972800" cy="2985246"/>
+          </a:xfrm>
+        </p:spPr>
+        <p:txBody>
+          <a:bodyPr>
+            <a:noAutofit/>
+          </a:bodyPr>
+          <a:lstStyle/>
+          <a:p>
+            <a:pPr algn="ctr" rtl="0" eaLnBrk="0" fontAlgn="base" hangingPunct="0">
+              <a:spcAft>
+                <a:spcPct val="0"/>
+              </a:spcAft>
+            </a:pPr>
+            <a:r>
+              <a:rPr lang="en-US" sz="6000" dirty="0">
+                <a:solidFill>
+                  <a:schemeClr val="bg1"/>
+                </a:solidFill>
+              </a:rPr>
+              <a:t>Class today</a:t>
+            </a:r>
+            <a:endParaRPr lang="en-US" altLang="en-US" sz="6000" b="1" dirty="0">
+              <a:solidFill>
+                <a:schemeClr val="bg1"/>
+              </a:solidFill>
+              <a:latin typeface="Calibri (Body)"/>
+            </a:endParaRPr>
+          </a:p>
+        </p:txBody>
+      </p:sp>
+    </p:spTree>
+    <p:extLst>
+      <p:ext uri="{BB962C8B-B14F-4D97-AF65-F5344CB8AC3E}">
+        <p14:creationId xmlns:p14="http://schemas.microsoft.com/office/powerpoint/2010/main" val="2005768050"/>
+      </p:ext>
+    </p:extLst>
+  </p:cSld>
+  <p:clrMapOvr>
+    <a:masterClrMapping/>
+  </p:clrMapOvr>
+  <mc:AlternateContent xmlns:mc="http://schemas.openxmlformats.org/markup-compatibility/2006" xmlns:p14="http://schemas.microsoft.com/office/powerpoint/2010/main">
+    <mc:Choice Requires="p14">
+      <p:transition spd="med" p14:dur="700">
+        <p:fade/>
+      </p:transition>
+    </mc:Choice>
+    <mc:Fallback xmlns="">
+      <p:transition xmlns:p14="http://schemas.microsoft.com/office/powerpoint/2010/main" spd="med">
+        <p:fade/>
+      </p:transition>
+    </mc:Fallback>
+  </mc:AlternateContent>
+</p:sld>
+</file>
+
+<file path=ppt/slides/slide72.xml><?xml version="1.0" encoding="utf-8"?>
+<p:sld xmlns:a="http://schemas.openxmlformats.org/drawingml/2006/main" xmlns:r="http://schemas.openxmlformats.org/officeDocument/2006/relationships" xmlns:p="http://schemas.openxmlformats.org/presentationml/2006/main">
+  <p:cSld>
+    <p:spTree>
+      <p:nvGrpSpPr>
+        <p:cNvPr id="1" name=""/>
+        <p:cNvGrpSpPr/>
+        <p:nvPr/>
+      </p:nvGrpSpPr>
+      <p:grpSpPr>
+        <a:xfrm>
+          <a:off x="0" y="0"/>
+          <a:ext cx="0" cy="0"/>
+          <a:chOff x="0" y="0"/>
+          <a:chExt cx="0" cy="0"/>
+        </a:xfrm>
+      </p:grpSpPr>
+      <p:sp>
+        <p:nvSpPr>
+          <p:cNvPr id="6" name="Rectangle 5"/>
+          <p:cNvSpPr/>
+          <p:nvPr/>
+        </p:nvSpPr>
+        <p:spPr>
+          <a:xfrm>
+            <a:off x="-215115" y="0"/>
+            <a:ext cx="12407115" cy="6858000"/>
+          </a:xfrm>
+          <a:prstGeom prst="rect">
+            <a:avLst/>
+          </a:prstGeom>
+          <a:solidFill>
+            <a:schemeClr val="accent1">
+              <a:lumMod val="75000"/>
+            </a:schemeClr>
+          </a:solidFill>
+          <a:ln>
+            <a:noFill/>
+          </a:ln>
+        </p:spPr>
+        <p:style>
+          <a:lnRef idx="1">
+            <a:schemeClr val="accent1"/>
+          </a:lnRef>
+          <a:fillRef idx="3">
+            <a:schemeClr val="accent1"/>
+          </a:fillRef>
+          <a:effectRef idx="2">
+            <a:schemeClr val="accent1"/>
+          </a:effectRef>
+          <a:fontRef idx="minor">
+            <a:schemeClr val="lt1"/>
+          </a:fontRef>
+        </p:style>
+        <p:txBody>
+          <a:bodyPr rtlCol="0" anchor="ctr"/>
+          <a:lstStyle/>
+          <a:p>
+            <a:pPr algn="ctr"/>
+            <a:endParaRPr lang="en-US" sz="2400"/>
+          </a:p>
+        </p:txBody>
+      </p:sp>
+      <p:sp>
+        <p:nvSpPr>
+          <p:cNvPr id="24" name="Title 1"/>
+          <p:cNvSpPr>
+            <a:spLocks noGrp="1"/>
+          </p:cNvSpPr>
+          <p:nvPr>
+            <p:ph type="title"/>
+          </p:nvPr>
+        </p:nvSpPr>
+        <p:spPr>
+          <a:xfrm>
+            <a:off x="502042" y="1936377"/>
+            <a:ext cx="10972800" cy="2985246"/>
+          </a:xfrm>
+        </p:spPr>
+        <p:txBody>
+          <a:bodyPr>
+            <a:noAutofit/>
+          </a:bodyPr>
+          <a:lstStyle/>
+          <a:p>
+            <a:pPr algn="ctr" rtl="0" eaLnBrk="0" fontAlgn="base" hangingPunct="0">
+              <a:spcAft>
+                <a:spcPct val="0"/>
+              </a:spcAft>
+            </a:pPr>
+            <a:r>
+              <a:rPr lang="en-US" sz="6000" dirty="0">
+                <a:solidFill>
+                  <a:schemeClr val="bg1"/>
+                </a:solidFill>
+              </a:rPr>
+              <a:t>Inheritance</a:t>
+            </a:r>
+            <a:endParaRPr lang="en-US" altLang="en-US" sz="6000" b="1" dirty="0">
+              <a:solidFill>
+                <a:schemeClr val="bg1"/>
+              </a:solidFill>
+              <a:latin typeface="Calibri (Body)"/>
+            </a:endParaRPr>
+          </a:p>
+        </p:txBody>
+      </p:sp>
+    </p:spTree>
+    <p:extLst>
+      <p:ext uri="{BB962C8B-B14F-4D97-AF65-F5344CB8AC3E}">
+        <p14:creationId xmlns:p14="http://schemas.microsoft.com/office/powerpoint/2010/main" val="2032566066"/>
+      </p:ext>
+    </p:extLst>
+  </p:cSld>
+  <p:clrMapOvr>
+    <a:masterClrMapping/>
+  </p:clrMapOvr>
+  <mc:AlternateContent xmlns:mc="http://schemas.openxmlformats.org/markup-compatibility/2006" xmlns:p14="http://schemas.microsoft.com/office/powerpoint/2010/main">
+    <mc:Choice Requires="p14">
+      <p:transition spd="med" p14:dur="700">
+        <p:fade/>
+      </p:transition>
+    </mc:Choice>
+    <mc:Fallback xmlns="">
+      <p:transition xmlns:p14="http://schemas.microsoft.com/office/powerpoint/2010/main" spd="med">
+        <p:fade/>
+      </p:transition>
+    </mc:Fallback>
+  </mc:AlternateContent>
+</p:sld>
+</file>
+
+<file path=ppt/slides/slide73.xml><?xml version="1.0" encoding="utf-8"?>
+<p:sld xmlns:a="http://schemas.openxmlformats.org/drawingml/2006/main" xmlns:r="http://schemas.openxmlformats.org/officeDocument/2006/relationships" xmlns:p="http://schemas.openxmlformats.org/presentationml/2006/main">
+  <p:cSld>
+    <p:spTree>
+      <p:nvGrpSpPr>
+        <p:cNvPr id="1" name=""/>
+        <p:cNvGrpSpPr/>
+        <p:nvPr/>
+      </p:nvGrpSpPr>
+      <p:grpSpPr>
+        <a:xfrm>
+          <a:off x="0" y="0"/>
+          <a:ext cx="0" cy="0"/>
+          <a:chOff x="0" y="0"/>
+          <a:chExt cx="0" cy="0"/>
+        </a:xfrm>
+      </p:grpSpPr>
+      <p:sp>
+        <p:nvSpPr>
+          <p:cNvPr id="6" name="Rectangle 5"/>
+          <p:cNvSpPr/>
+          <p:nvPr/>
+        </p:nvSpPr>
+        <p:spPr>
+          <a:xfrm>
+            <a:off x="-215115" y="0"/>
+            <a:ext cx="12407115" cy="6858000"/>
+          </a:xfrm>
+          <a:prstGeom prst="rect">
+            <a:avLst/>
+          </a:prstGeom>
+          <a:solidFill>
+            <a:schemeClr val="accent1">
+              <a:lumMod val="75000"/>
+            </a:schemeClr>
+          </a:solidFill>
+          <a:ln>
+            <a:noFill/>
+          </a:ln>
+        </p:spPr>
+        <p:style>
+          <a:lnRef idx="1">
+            <a:schemeClr val="accent1"/>
+          </a:lnRef>
+          <a:fillRef idx="3">
+            <a:schemeClr val="accent1"/>
+          </a:fillRef>
+          <a:effectRef idx="2">
+            <a:schemeClr val="accent1"/>
+          </a:effectRef>
+          <a:fontRef idx="minor">
+            <a:schemeClr val="lt1"/>
+          </a:fontRef>
+        </p:style>
+        <p:txBody>
+          <a:bodyPr rtlCol="0" anchor="ctr"/>
+          <a:lstStyle/>
+          <a:p>
+            <a:pPr algn="ctr"/>
+            <a:endParaRPr lang="en-US" sz="2400"/>
+          </a:p>
+        </p:txBody>
+      </p:sp>
+      <p:sp>
+        <p:nvSpPr>
+          <p:cNvPr id="24" name="Title 1"/>
+          <p:cNvSpPr>
+            <a:spLocks noGrp="1"/>
+          </p:cNvSpPr>
+          <p:nvPr>
+            <p:ph type="title"/>
+          </p:nvPr>
+        </p:nvSpPr>
+        <p:spPr>
+          <a:xfrm>
+            <a:off x="502042" y="1936377"/>
+            <a:ext cx="10972800" cy="2985246"/>
+          </a:xfrm>
+        </p:spPr>
+        <p:txBody>
+          <a:bodyPr>
+            <a:noAutofit/>
+          </a:bodyPr>
+          <a:lstStyle/>
+          <a:p>
+            <a:pPr algn="ctr" rtl="0" eaLnBrk="0" fontAlgn="base" hangingPunct="0">
+              <a:spcAft>
+                <a:spcPct val="0"/>
+              </a:spcAft>
+            </a:pPr>
+            <a:r>
+              <a:rPr lang="en-US" sz="6000" dirty="0">
+                <a:solidFill>
+                  <a:schemeClr val="bg1"/>
+                </a:solidFill>
+              </a:rPr>
+              <a:t>Encapsulation - Private variables in class using closure</a:t>
+            </a:r>
+            <a:endParaRPr lang="en-US" altLang="en-US" sz="6000" b="1" dirty="0">
+              <a:solidFill>
+                <a:schemeClr val="bg1"/>
+              </a:solidFill>
+              <a:latin typeface="Calibri (Body)"/>
+            </a:endParaRPr>
+          </a:p>
+        </p:txBody>
+      </p:sp>
+    </p:spTree>
+    <p:extLst>
+      <p:ext uri="{BB962C8B-B14F-4D97-AF65-F5344CB8AC3E}">
+        <p14:creationId xmlns:p14="http://schemas.microsoft.com/office/powerpoint/2010/main" val="3122040661"/>
+      </p:ext>
+    </p:extLst>
+  </p:cSld>
+  <p:clrMapOvr>
+    <a:masterClrMapping/>
+  </p:clrMapOvr>
+  <mc:AlternateContent xmlns:mc="http://schemas.openxmlformats.org/markup-compatibility/2006" xmlns:p14="http://schemas.microsoft.com/office/powerpoint/2010/main">
+    <mc:Choice Requires="p14">
+      <p:transition spd="med" p14:dur="700">
+        <p:fade/>
+      </p:transition>
+    </mc:Choice>
+    <mc:Fallback xmlns="">
+      <p:transition xmlns:p14="http://schemas.microsoft.com/office/powerpoint/2010/main" spd="med">
         <p:fade/>
       </p:transition>
     </mc:Fallback>
